--- a/1.7 and 1.8 documentation.pptx
+++ b/1.7 and 1.8 documentation.pptx
@@ -168,7 +168,7 @@
     <p1510:client id="{C1E24E78-1F28-6D4A-E012-468CE686344A}" v="1" dt="2022-04-13T23:00:33.548"/>
     <p1510:client id="{E462C1EF-32F1-1F33-874C-C2D0A433766B}" v="80" dt="2022-04-10T23:16:00.532"/>
     <p1510:client id="{E73AC928-7D87-5D94-5CF7-49334421705B}" v="867" dt="2022-04-13T07:29:44.742"/>
-    <p1510:client id="{E92B7BDB-88D2-56FD-ABD2-83DA0A067A71}" v="15" dt="2022-05-02T21:14:29.789"/>
+    <p1510:client id="{E92B7BDB-88D2-56FD-ABD2-83DA0A067A71}" v="16" dt="2022-05-02T21:17:51.277"/>
     <p1510:client id="{ED384A0D-67FC-3DCC-741F-8364AA4B3505}" v="1579" dt="2022-04-13T02:14:33.505"/>
     <p1510:client id="{ED89BA52-C93F-C9E4-3561-9BF3A71FD8F3}" v="869" dt="2022-04-04T21:08:20.274"/>
     <p1510:client id="{FE9DF4E4-253E-F442-8B51-D9CEDF13A1AF}" v="7" dt="2022-03-20T22:24:35.899"/>
@@ -2601,7 +2601,7 @@
   <pc:docChgLst>
     <pc:chgData name="Jireh Tseng" userId="S::tsengj@middleton.school.nz::eefb979d-fc0d-4dd5-ae9a-91b2ece0a753" providerId="AD" clId="Web-{E92B7BDB-88D2-56FD-ABD2-83DA0A067A71}"/>
     <pc:docChg chg="modSld">
-      <pc:chgData name="Jireh Tseng" userId="S::tsengj@middleton.school.nz::eefb979d-fc0d-4dd5-ae9a-91b2ece0a753" providerId="AD" clId="Web-{E92B7BDB-88D2-56FD-ABD2-83DA0A067A71}" dt="2022-05-02T21:14:29.789" v="14" actId="20577"/>
+      <pc:chgData name="Jireh Tseng" userId="S::tsengj@middleton.school.nz::eefb979d-fc0d-4dd5-ae9a-91b2ece0a753" providerId="AD" clId="Web-{E92B7BDB-88D2-56FD-ABD2-83DA0A067A71}" dt="2022-05-02T21:17:51.277" v="15" actId="20577"/>
       <pc:docMkLst>
         <pc:docMk/>
       </pc:docMkLst>
@@ -2685,13 +2685,13 @@
         </pc:picChg>
       </pc:sldChg>
       <pc:sldChg chg="modSp">
-        <pc:chgData name="Jireh Tseng" userId="S::tsengj@middleton.school.nz::eefb979d-fc0d-4dd5-ae9a-91b2ece0a753" providerId="AD" clId="Web-{E92B7BDB-88D2-56FD-ABD2-83DA0A067A71}" dt="2022-05-02T21:14:29.789" v="14" actId="20577"/>
+        <pc:chgData name="Jireh Tseng" userId="S::tsengj@middleton.school.nz::eefb979d-fc0d-4dd5-ae9a-91b2ece0a753" providerId="AD" clId="Web-{E92B7BDB-88D2-56FD-ABD2-83DA0A067A71}" dt="2022-05-02T21:17:51.277" v="15" actId="20577"/>
         <pc:sldMkLst>
           <pc:docMk/>
           <pc:sldMk cId="3838895173" sldId="258"/>
         </pc:sldMkLst>
         <pc:spChg chg="mod">
-          <ac:chgData name="Jireh Tseng" userId="S::tsengj@middleton.school.nz::eefb979d-fc0d-4dd5-ae9a-91b2ece0a753" providerId="AD" clId="Web-{E92B7BDB-88D2-56FD-ABD2-83DA0A067A71}" dt="2022-05-02T21:14:29.789" v="14" actId="20577"/>
+          <ac:chgData name="Jireh Tseng" userId="S::tsengj@middleton.school.nz::eefb979d-fc0d-4dd5-ae9a-91b2ece0a753" providerId="AD" clId="Web-{E92B7BDB-88D2-56FD-ABD2-83DA0A067A71}" dt="2022-05-02T21:17:51.277" v="15" actId="20577"/>
           <ac:spMkLst>
             <pc:docMk/>
             <pc:sldMk cId="3838895173" sldId="258"/>
@@ -17810,14 +17810,14 @@
               <a:buNone/>
             </a:pPr>
             <a:r>
-              <a:rPr lang="en-NZ" sz="2000" b="1">
+              <a:rPr lang="en-NZ" sz="2000" b="1" dirty="0">
                 <a:solidFill>
                   <a:srgbClr val="274E13"/>
                 </a:solidFill>
               </a:rPr>
               <a:t>Link to GitHub Repository: </a:t>
             </a:r>
-            <a:endParaRPr lang="en-NZ" sz="2000">
+            <a:endParaRPr lang="en-NZ" sz="2000" dirty="0">
               <a:solidFill>
                 <a:srgbClr val="000000"/>
               </a:solidFill>
@@ -17866,25 +17866,17 @@
                   <a:srgbClr val="274E13"/>
                 </a:solidFill>
               </a:rPr>
-              <a:t>Links to Trello board / project management </a:t>
+              <a:t>Links to Trello board / project management tools: </a:t>
             </a:r>
             <a:r>
-              <a:rPr lang="en-NZ" sz="2000" b="1">
-                <a:solidFill>
-                  <a:srgbClr val="274E13"/>
-                </a:solidFill>
-              </a:rPr>
-              <a:t>tools: </a:t>
-            </a:r>
-            <a:r>
-              <a:rPr lang="en-NZ" sz="2000">
+              <a:rPr lang="en-NZ" sz="2000" dirty="0">
                 <a:ea typeface="+mn-lt"/>
                 <a:cs typeface="+mn-lt"/>
                 <a:hlinkClick r:id="rId2"/>
               </a:rPr>
               <a:t>https://trello.com/b/oRaulPpn/lucky-unicorn</a:t>
             </a:r>
-            <a:endParaRPr lang="en-NZ" sz="2000">
+            <a:endParaRPr lang="en-NZ" sz="2000" dirty="0">
               <a:ea typeface="+mn-lt"/>
               <a:cs typeface="+mn-lt"/>
             </a:endParaRPr>
@@ -17924,14 +17916,14 @@
               <a:buNone/>
             </a:pPr>
             <a:r>
-              <a:rPr lang="en-NZ" sz="2000" b="1">
+              <a:rPr lang="en-NZ" sz="2000" b="1" dirty="0">
                 <a:solidFill>
                   <a:srgbClr val="274E13"/>
                 </a:solidFill>
               </a:rPr>
               <a:t>Link to final version of your program: </a:t>
             </a:r>
-            <a:endParaRPr lang="en-NZ" sz="2000">
+            <a:endParaRPr lang="en-NZ" sz="2000" dirty="0">
               <a:solidFill>
                 <a:srgbClr val="000000"/>
               </a:solidFill>

--- a/1.7 and 1.8 documentation.pptx
+++ b/1.7 and 1.8 documentation.pptx
@@ -168,7 +168,7 @@
     <p1510:client id="{C1E24E78-1F28-6D4A-E012-468CE686344A}" v="1" dt="2022-04-13T23:00:33.548"/>
     <p1510:client id="{E462C1EF-32F1-1F33-874C-C2D0A433766B}" v="80" dt="2022-04-10T23:16:00.532"/>
     <p1510:client id="{E73AC928-7D87-5D94-5CF7-49334421705B}" v="867" dt="2022-04-13T07:29:44.742"/>
-    <p1510:client id="{E92B7BDB-88D2-56FD-ABD2-83DA0A067A71}" v="16" dt="2022-05-02T21:17:51.277"/>
+    <p1510:client id="{E92B7BDB-88D2-56FD-ABD2-83DA0A067A71}" v="18" dt="2022-05-02T21:26:46.680"/>
     <p1510:client id="{ED384A0D-67FC-3DCC-741F-8364AA4B3505}" v="1579" dt="2022-04-13T02:14:33.505"/>
     <p1510:client id="{ED89BA52-C93F-C9E4-3561-9BF3A71FD8F3}" v="869" dt="2022-04-04T21:08:20.274"/>
     <p1510:client id="{FE9DF4E4-253E-F442-8B51-D9CEDF13A1AF}" v="7" dt="2022-03-20T22:24:35.899"/>
@@ -2601,7 +2601,7 @@
   <pc:docChgLst>
     <pc:chgData name="Jireh Tseng" userId="S::tsengj@middleton.school.nz::eefb979d-fc0d-4dd5-ae9a-91b2ece0a753" providerId="AD" clId="Web-{E92B7BDB-88D2-56FD-ABD2-83DA0A067A71}"/>
     <pc:docChg chg="modSld">
-      <pc:chgData name="Jireh Tseng" userId="S::tsengj@middleton.school.nz::eefb979d-fc0d-4dd5-ae9a-91b2ece0a753" providerId="AD" clId="Web-{E92B7BDB-88D2-56FD-ABD2-83DA0A067A71}" dt="2022-05-02T21:17:51.277" v="15" actId="20577"/>
+      <pc:chgData name="Jireh Tseng" userId="S::tsengj@middleton.school.nz::eefb979d-fc0d-4dd5-ae9a-91b2ece0a753" providerId="AD" clId="Web-{E92B7BDB-88D2-56FD-ABD2-83DA0A067A71}" dt="2022-05-02T21:26:45.226" v="16" actId="20577"/>
       <pc:docMkLst>
         <pc:docMk/>
       </pc:docMkLst>
@@ -2685,13 +2685,13 @@
         </pc:picChg>
       </pc:sldChg>
       <pc:sldChg chg="modSp">
-        <pc:chgData name="Jireh Tseng" userId="S::tsengj@middleton.school.nz::eefb979d-fc0d-4dd5-ae9a-91b2ece0a753" providerId="AD" clId="Web-{E92B7BDB-88D2-56FD-ABD2-83DA0A067A71}" dt="2022-05-02T21:17:51.277" v="15" actId="20577"/>
+        <pc:chgData name="Jireh Tseng" userId="S::tsengj@middleton.school.nz::eefb979d-fc0d-4dd5-ae9a-91b2ece0a753" providerId="AD" clId="Web-{E92B7BDB-88D2-56FD-ABD2-83DA0A067A71}" dt="2022-05-02T21:26:45.226" v="16" actId="20577"/>
         <pc:sldMkLst>
           <pc:docMk/>
           <pc:sldMk cId="3838895173" sldId="258"/>
         </pc:sldMkLst>
         <pc:spChg chg="mod">
-          <ac:chgData name="Jireh Tseng" userId="S::tsengj@middleton.school.nz::eefb979d-fc0d-4dd5-ae9a-91b2ece0a753" providerId="AD" clId="Web-{E92B7BDB-88D2-56FD-ABD2-83DA0A067A71}" dt="2022-05-02T21:17:51.277" v="15" actId="20577"/>
+          <ac:chgData name="Jireh Tseng" userId="S::tsengj@middleton.school.nz::eefb979d-fc0d-4dd5-ae9a-91b2ece0a753" providerId="AD" clId="Web-{E92B7BDB-88D2-56FD-ABD2-83DA0A067A71}" dt="2022-05-02T21:26:45.226" v="16" actId="20577"/>
           <ac:spMkLst>
             <pc:docMk/>
             <pc:sldMk cId="3838895173" sldId="258"/>
@@ -17817,6 +17817,15 @@
               </a:rPr>
               <a:t>Link to GitHub Repository: </a:t>
             </a:r>
+            <a:r>
+              <a:rPr lang="en-NZ" sz="2000" dirty="0">
+                <a:solidFill>
+                  <a:srgbClr val="000000"/>
+                </a:solidFill>
+                <a:hlinkClick r:id="rId2"/>
+              </a:rPr>
+              <a:t>https://github.com/jireh-t/Assessment</a:t>
+            </a:r>
             <a:endParaRPr lang="en-NZ" sz="2000" dirty="0">
               <a:solidFill>
                 <a:srgbClr val="000000"/>
@@ -17872,7 +17881,7 @@
               <a:rPr lang="en-NZ" sz="2000" dirty="0">
                 <a:ea typeface="+mn-lt"/>
                 <a:cs typeface="+mn-lt"/>
-                <a:hlinkClick r:id="rId2"/>
+                <a:hlinkClick r:id="rId3"/>
               </a:rPr>
               <a:t>https://trello.com/b/oRaulPpn/lucky-unicorn</a:t>
             </a:r>

--- a/1.7 and 1.8 documentation.pptx
+++ b/1.7 and 1.8 documentation.pptx
@@ -158,14 +158,17 @@
     <p1510:client id="{31961A01-70D2-0770-3D06-BB5BCA35BF93}" v="845" dt="2022-04-06T01:54:42.006"/>
     <p1510:client id="{375B0929-B0E9-D3AF-ABEE-4D9C91617552}" v="236" dt="2022-04-14T07:28:12.647"/>
     <p1510:client id="{40935AED-1311-E9DE-C4DF-708D70AFA4C8}" v="390" dt="2022-03-30T23:18:05.782"/>
+    <p1510:client id="{79FF836F-5336-373D-FEEE-8D8299265C43}" v="277" dt="2022-05-03T04:56:54.797"/>
     <p1510:client id="{7E3F9280-A2F5-974F-0785-E500C00B3676}" v="11" dt="2022-03-22T21:21:19.029"/>
     <p1510:client id="{875F1A86-FE65-D4D7-73FA-68A3AC71E3A0}" v="357" dt="2022-04-11T21:26:23.586"/>
     <p1510:client id="{8ADE60C0-19A6-C471-675E-CC268BD8C1E5}" v="1134" dt="2022-03-27T22:52:14.227"/>
+    <p1510:client id="{8D1866DC-1F92-1CB0-4066-D969899A2B78}" v="259" dt="2022-05-04T01:43:48.555"/>
     <p1510:client id="{926FB68B-1DF2-B396-2B72-A5067EE74054}" v="2934" dt="2022-04-19T02:00:50.346"/>
     <p1510:client id="{99142990-7B4C-0CD7-3AFD-A8191EF1FACA}" v="133" dt="2022-04-03T23:45:09.540"/>
     <p1510:client id="{A8456CCB-E4F9-B848-CD92-4173C6F75C7E}" v="1319" dt="2022-04-14T07:03:33.969"/>
     <p1510:client id="{AE16ED1E-D1AF-834C-C0D7-D581AE5158A7}" v="1034" dt="2022-04-13T09:42:37.266"/>
     <p1510:client id="{C1E24E78-1F28-6D4A-E012-468CE686344A}" v="1" dt="2022-04-13T23:00:33.548"/>
+    <p1510:client id="{C427EC4C-938F-CEFB-1DE3-DC4C55162615}" v="448" dt="2022-05-05T00:33:54.414"/>
     <p1510:client id="{E462C1EF-32F1-1F33-874C-C2D0A433766B}" v="80" dt="2022-04-10T23:16:00.532"/>
     <p1510:client id="{E73AC928-7D87-5D94-5CF7-49334421705B}" v="867" dt="2022-04-13T07:29:44.742"/>
     <p1510:client id="{E92B7BDB-88D2-56FD-ABD2-83DA0A067A71}" v="18" dt="2022-05-02T21:26:46.680"/>
@@ -179,271 +182,293 @@
 <file path=ppt/changesInfos/changesInfo1.xml><?xml version="1.0" encoding="utf-8"?>
 <pc:chgInfo xmlns:a="http://schemas.openxmlformats.org/drawingml/2006/main" xmlns:r="http://schemas.openxmlformats.org/officeDocument/2006/relationships" xmlns:ac="http://schemas.microsoft.com/office/drawing/2013/main/command" xmlns:pc="http://schemas.microsoft.com/office/powerpoint/2013/main/command">
   <pc:docChgLst>
-    <pc:chgData name="Jireh Tseng" userId="S::tsengj@middleton.school.nz::eefb979d-fc0d-4dd5-ae9a-91b2ece0a753" providerId="AD" clId="Web-{F09DE86E-A669-F15F-4C7D-D1C03527452F}"/>
-    <pc:docChg chg="modSld">
-      <pc:chgData name="Jireh Tseng" userId="S::tsengj@middleton.school.nz::eefb979d-fc0d-4dd5-ae9a-91b2ece0a753" providerId="AD" clId="Web-{F09DE86E-A669-F15F-4C7D-D1C03527452F}" dt="2022-03-30T23:19:44.913" v="0"/>
+    <pc:chgData name="Jireh Tseng" userId="eefb979d-fc0d-4dd5-ae9a-91b2ece0a753" providerId="ADAL" clId="{FE9DF4E4-253E-F442-8B51-D9CEDF13A1AF}"/>
+    <pc:docChg chg="undo custSel addSld modSld">
+      <pc:chgData name="Jireh Tseng" userId="eefb979d-fc0d-4dd5-ae9a-91b2ece0a753" providerId="ADAL" clId="{FE9DF4E4-253E-F442-8B51-D9CEDF13A1AF}" dt="2022-03-20T22:33:12.783" v="1066" actId="14100"/>
       <pc:docMkLst>
         <pc:docMk/>
       </pc:docMkLst>
-      <pc:sldChg chg="addSp delSp modSp">
-        <pc:chgData name="Jireh Tseng" userId="S::tsengj@middleton.school.nz::eefb979d-fc0d-4dd5-ae9a-91b2ece0a753" providerId="AD" clId="Web-{F09DE86E-A669-F15F-4C7D-D1C03527452F}" dt="2022-03-30T23:19:44.913" v="0"/>
+      <pc:sldChg chg="addSp delSp modSp mod">
+        <pc:chgData name="Jireh Tseng" userId="eefb979d-fc0d-4dd5-ae9a-91b2ece0a753" providerId="ADAL" clId="{FE9DF4E4-253E-F442-8B51-D9CEDF13A1AF}" dt="2022-03-20T22:26:12.084" v="408" actId="14734"/>
         <pc:sldMkLst>
           <pc:docMk/>
-          <pc:sldMk cId="1362934084" sldId="256"/>
+          <pc:sldMk cId="975627948" sldId="272"/>
+        </pc:sldMkLst>
+        <pc:graphicFrameChg chg="add del mod modGraphic">
+          <ac:chgData name="Jireh Tseng" userId="eefb979d-fc0d-4dd5-ae9a-91b2ece0a753" providerId="ADAL" clId="{FE9DF4E4-253E-F442-8B51-D9CEDF13A1AF}" dt="2022-03-20T22:26:12.084" v="408" actId="14734"/>
+          <ac:graphicFrameMkLst>
+            <pc:docMk/>
+            <pc:sldMk cId="975627948" sldId="272"/>
+            <ac:graphicFrameMk id="6" creationId="{A02ECB3F-5E1A-4602-8844-49609D54ADF8}"/>
+          </ac:graphicFrameMkLst>
+        </pc:graphicFrameChg>
+      </pc:sldChg>
+      <pc:sldChg chg="modSp add mod">
+        <pc:chgData name="Jireh Tseng" userId="eefb979d-fc0d-4dd5-ae9a-91b2ece0a753" providerId="ADAL" clId="{FE9DF4E4-253E-F442-8B51-D9CEDF13A1AF}" dt="2022-03-20T22:33:12.783" v="1066" actId="14100"/>
+        <pc:sldMkLst>
+          <pc:docMk/>
+          <pc:sldMk cId="598320645" sldId="275"/>
         </pc:sldMkLst>
         <pc:spChg chg="mod">
-          <ac:chgData name="Jireh Tseng" userId="S::tsengj@middleton.school.nz::eefb979d-fc0d-4dd5-ae9a-91b2ece0a753" providerId="AD" clId="Web-{F09DE86E-A669-F15F-4C7D-D1C03527452F}" dt="2022-03-30T23:19:44.913" v="0"/>
+          <ac:chgData name="Jireh Tseng" userId="eefb979d-fc0d-4dd5-ae9a-91b2ece0a753" providerId="ADAL" clId="{FE9DF4E4-253E-F442-8B51-D9CEDF13A1AF}" dt="2022-03-20T22:24:46.233" v="398" actId="20577"/>
           <ac:spMkLst>
             <pc:docMk/>
-            <pc:sldMk cId="1362934084" sldId="256"/>
-            <ac:spMk id="2" creationId="{A96C2811-5704-42C1-869B-16E29CB6572E}"/>
+            <pc:sldMk cId="598320645" sldId="275"/>
+            <ac:spMk id="2" creationId="{0D168B5A-EFF4-4803-8DA6-5994B306EBAF}"/>
           </ac:spMkLst>
         </pc:spChg>
-        <pc:spChg chg="mod">
-          <ac:chgData name="Jireh Tseng" userId="S::tsengj@middleton.school.nz::eefb979d-fc0d-4dd5-ae9a-91b2ece0a753" providerId="AD" clId="Web-{F09DE86E-A669-F15F-4C7D-D1C03527452F}" dt="2022-03-30T23:19:44.913" v="0"/>
-          <ac:spMkLst>
-            <pc:docMk/>
-            <pc:sldMk cId="1362934084" sldId="256"/>
-            <ac:spMk id="3" creationId="{930E6464-DA98-43C8-B6C9-594748754628}"/>
-          </ac:spMkLst>
-        </pc:spChg>
-        <pc:spChg chg="del">
-          <ac:chgData name="Jireh Tseng" userId="S::tsengj@middleton.school.nz::eefb979d-fc0d-4dd5-ae9a-91b2ece0a753" providerId="AD" clId="Web-{F09DE86E-A669-F15F-4C7D-D1C03527452F}" dt="2022-03-30T23:19:44.913" v="0"/>
-          <ac:spMkLst>
-            <pc:docMk/>
-            <pc:sldMk cId="1362934084" sldId="256"/>
-            <ac:spMk id="35" creationId="{1A3C89F8-0D2F-47FF-B903-151248265F47}"/>
-          </ac:spMkLst>
-        </pc:spChg>
-        <pc:spChg chg="del">
-          <ac:chgData name="Jireh Tseng" userId="S::tsengj@middleton.school.nz::eefb979d-fc0d-4dd5-ae9a-91b2ece0a753" providerId="AD" clId="Web-{F09DE86E-A669-F15F-4C7D-D1C03527452F}" dt="2022-03-30T23:19:44.913" v="0"/>
-          <ac:spMkLst>
-            <pc:docMk/>
-            <pc:sldMk cId="1362934084" sldId="256"/>
-            <ac:spMk id="37" creationId="{C5CB530E-515E-412C-9DF1-5F8FFBD6F383}"/>
-          </ac:spMkLst>
-        </pc:spChg>
-        <pc:spChg chg="del">
-          <ac:chgData name="Jireh Tseng" userId="S::tsengj@middleton.school.nz::eefb979d-fc0d-4dd5-ae9a-91b2ece0a753" providerId="AD" clId="Web-{F09DE86E-A669-F15F-4C7D-D1C03527452F}" dt="2022-03-30T23:19:44.913" v="0"/>
-          <ac:spMkLst>
-            <pc:docMk/>
-            <pc:sldMk cId="1362934084" sldId="256"/>
-            <ac:spMk id="39" creationId="{712D4376-A578-4FF1-94FC-245E7A6A489F}"/>
-          </ac:spMkLst>
-        </pc:spChg>
-        <pc:spChg chg="del">
-          <ac:chgData name="Jireh Tseng" userId="S::tsengj@middleton.school.nz::eefb979d-fc0d-4dd5-ae9a-91b2ece0a753" providerId="AD" clId="Web-{F09DE86E-A669-F15F-4C7D-D1C03527452F}" dt="2022-03-30T23:19:44.913" v="0"/>
-          <ac:spMkLst>
-            <pc:docMk/>
-            <pc:sldMk cId="1362934084" sldId="256"/>
-            <ac:spMk id="41" creationId="{AEA7509D-F04F-40CB-A0B3-EEF16499CC9F}"/>
-          </ac:spMkLst>
-        </pc:spChg>
-        <pc:spChg chg="del">
-          <ac:chgData name="Jireh Tseng" userId="S::tsengj@middleton.school.nz::eefb979d-fc0d-4dd5-ae9a-91b2ece0a753" providerId="AD" clId="Web-{F09DE86E-A669-F15F-4C7D-D1C03527452F}" dt="2022-03-30T23:19:44.913" v="0"/>
-          <ac:spMkLst>
-            <pc:docMk/>
-            <pc:sldMk cId="1362934084" sldId="256"/>
-            <ac:spMk id="45" creationId="{508BEF50-7B1E-49A4-BC19-5F4F1D755E64}"/>
-          </ac:spMkLst>
-        </pc:spChg>
-        <pc:spChg chg="del">
-          <ac:chgData name="Jireh Tseng" userId="S::tsengj@middleton.school.nz::eefb979d-fc0d-4dd5-ae9a-91b2ece0a753" providerId="AD" clId="Web-{F09DE86E-A669-F15F-4C7D-D1C03527452F}" dt="2022-03-30T23:19:44.913" v="0"/>
-          <ac:spMkLst>
-            <pc:docMk/>
-            <pc:sldMk cId="1362934084" sldId="256"/>
-            <ac:spMk id="47" creationId="{3FBAD350-5664-4811-A208-657FB882D350}"/>
-          </ac:spMkLst>
-        </pc:spChg>
-        <pc:spChg chg="del">
-          <ac:chgData name="Jireh Tseng" userId="S::tsengj@middleton.school.nz::eefb979d-fc0d-4dd5-ae9a-91b2ece0a753" providerId="AD" clId="Web-{F09DE86E-A669-F15F-4C7D-D1C03527452F}" dt="2022-03-30T23:19:44.913" v="0"/>
-          <ac:spMkLst>
-            <pc:docMk/>
-            <pc:sldMk cId="1362934084" sldId="256"/>
-            <ac:spMk id="49" creationId="{C39ADB8F-D187-49D7-BDCF-C1B6DC727068}"/>
-          </ac:spMkLst>
-        </pc:spChg>
-        <pc:spChg chg="add">
-          <ac:chgData name="Jireh Tseng" userId="S::tsengj@middleton.school.nz::eefb979d-fc0d-4dd5-ae9a-91b2ece0a753" providerId="AD" clId="Web-{F09DE86E-A669-F15F-4C7D-D1C03527452F}" dt="2022-03-30T23:19:44.913" v="0"/>
-          <ac:spMkLst>
-            <pc:docMk/>
-            <pc:sldMk cId="1362934084" sldId="256"/>
-            <ac:spMk id="55" creationId="{C1DD1A8A-57D5-4A81-AD04-532B043C5611}"/>
-          </ac:spMkLst>
-        </pc:spChg>
-        <pc:spChg chg="add">
-          <ac:chgData name="Jireh Tseng" userId="S::tsengj@middleton.school.nz::eefb979d-fc0d-4dd5-ae9a-91b2ece0a753" providerId="AD" clId="Web-{F09DE86E-A669-F15F-4C7D-D1C03527452F}" dt="2022-03-30T23:19:44.913" v="0"/>
-          <ac:spMkLst>
-            <pc:docMk/>
-            <pc:sldMk cId="1362934084" sldId="256"/>
-            <ac:spMk id="57" creationId="{007891EC-4501-44ED-A8C8-B11B6DB767AB}"/>
-          </ac:spMkLst>
-        </pc:spChg>
-        <pc:picChg chg="add">
-          <ac:chgData name="Jireh Tseng" userId="S::tsengj@middleton.school.nz::eefb979d-fc0d-4dd5-ae9a-91b2ece0a753" providerId="AD" clId="Web-{F09DE86E-A669-F15F-4C7D-D1C03527452F}" dt="2022-03-30T23:19:44.913" v="0"/>
-          <ac:picMkLst>
-            <pc:docMk/>
-            <pc:sldMk cId="1362934084" sldId="256"/>
-            <ac:picMk id="51" creationId="{C1746A09-834C-64B3-47A5-C47BD7189694}"/>
-          </ac:picMkLst>
-        </pc:picChg>
-        <pc:cxnChg chg="del">
-          <ac:chgData name="Jireh Tseng" userId="S::tsengj@middleton.school.nz::eefb979d-fc0d-4dd5-ae9a-91b2ece0a753" providerId="AD" clId="Web-{F09DE86E-A669-F15F-4C7D-D1C03527452F}" dt="2022-03-30T23:19:44.913" v="0"/>
-          <ac:cxnSpMkLst>
-            <pc:docMk/>
-            <pc:sldMk cId="1362934084" sldId="256"/>
-            <ac:cxnSpMk id="43" creationId="{56020367-4FD5-4596-8E10-C5F095CD8DBF}"/>
-          </ac:cxnSpMkLst>
-        </pc:cxnChg>
+        <pc:graphicFrameChg chg="mod modGraphic">
+          <ac:chgData name="Jireh Tseng" userId="eefb979d-fc0d-4dd5-ae9a-91b2ece0a753" providerId="ADAL" clId="{FE9DF4E4-253E-F442-8B51-D9CEDF13A1AF}" dt="2022-03-20T22:33:12.783" v="1066" actId="14100"/>
+          <ac:graphicFrameMkLst>
+            <pc:docMk/>
+            <pc:sldMk cId="598320645" sldId="275"/>
+            <ac:graphicFrameMk id="6" creationId="{A02ECB3F-5E1A-4602-8844-49609D54ADF8}"/>
+          </ac:graphicFrameMkLst>
+        </pc:graphicFrameChg>
       </pc:sldChg>
     </pc:docChg>
   </pc:docChgLst>
   <pc:docChgLst>
-    <pc:chgData name="Jireh Tseng" userId="S::tsengj@middleton.school.nz::eefb979d-fc0d-4dd5-ae9a-91b2ece0a753" providerId="AD" clId="Web-{ED384A0D-67FC-3DCC-741F-8364AA4B3505}"/>
+    <pc:chgData name="Jireh Tseng" userId="S::tsengj@middleton.school.nz::eefb979d-fc0d-4dd5-ae9a-91b2ece0a753" providerId="AD" clId="Web-{375B0929-B0E9-D3AF-ABEE-4D9C91617552}"/>
     <pc:docChg chg="addSld modSld sldOrd">
-      <pc:chgData name="Jireh Tseng" userId="S::tsengj@middleton.school.nz::eefb979d-fc0d-4dd5-ae9a-91b2ece0a753" providerId="AD" clId="Web-{ED384A0D-67FC-3DCC-741F-8364AA4B3505}" dt="2022-04-13T02:14:33.505" v="1448" actId="1076"/>
+      <pc:chgData name="Jireh Tseng" userId="S::tsengj@middleton.school.nz::eefb979d-fc0d-4dd5-ae9a-91b2ece0a753" providerId="AD" clId="Web-{375B0929-B0E9-D3AF-ABEE-4D9C91617552}" dt="2022-04-14T07:28:12.647" v="145" actId="1076"/>
       <pc:docMkLst>
         <pc:docMk/>
       </pc:docMkLst>
-      <pc:sldChg chg="addSp delSp modSp">
-        <pc:chgData name="Jireh Tseng" userId="S::tsengj@middleton.school.nz::eefb979d-fc0d-4dd5-ae9a-91b2ece0a753" providerId="AD" clId="Web-{ED384A0D-67FC-3DCC-741F-8364AA4B3505}" dt="2022-04-13T02:07:05.180" v="148" actId="1076"/>
+      <pc:sldChg chg="addSp delSp modSp ord">
+        <pc:chgData name="Jireh Tseng" userId="S::tsengj@middleton.school.nz::eefb979d-fc0d-4dd5-ae9a-91b2ece0a753" providerId="AD" clId="Web-{375B0929-B0E9-D3AF-ABEE-4D9C91617552}" dt="2022-04-14T07:22:35.075" v="128" actId="1076"/>
         <pc:sldMkLst>
           <pc:docMk/>
-          <pc:sldMk cId="3742630380" sldId="288"/>
+          <pc:sldMk cId="3904275858" sldId="299"/>
         </pc:sldMkLst>
-        <pc:spChg chg="add mod">
-          <ac:chgData name="Jireh Tseng" userId="S::tsengj@middleton.school.nz::eefb979d-fc0d-4dd5-ae9a-91b2ece0a753" providerId="AD" clId="Web-{ED384A0D-67FC-3DCC-741F-8364AA4B3505}" dt="2022-04-13T02:06:41.148" v="146" actId="1076"/>
+        <pc:spChg chg="mod">
+          <ac:chgData name="Jireh Tseng" userId="S::tsengj@middleton.school.nz::eefb979d-fc0d-4dd5-ae9a-91b2ece0a753" providerId="AD" clId="Web-{375B0929-B0E9-D3AF-ABEE-4D9C91617552}" dt="2022-04-14T07:05:45.157" v="77" actId="20577"/>
           <ac:spMkLst>
             <pc:docMk/>
-            <pc:sldMk cId="3742630380" sldId="288"/>
-            <ac:spMk id="6" creationId="{2ACA099B-D36F-17A9-F335-3BEBFD61AA03}"/>
+            <pc:sldMk cId="3904275858" sldId="299"/>
+            <ac:spMk id="4" creationId="{A1B3C866-DC84-97B0-47F0-CB76AF369A87}"/>
           </ac:spMkLst>
         </pc:spChg>
-        <pc:picChg chg="add mod">
-          <ac:chgData name="Jireh Tseng" userId="S::tsengj@middleton.school.nz::eefb979d-fc0d-4dd5-ae9a-91b2ece0a753" providerId="AD" clId="Web-{ED384A0D-67FC-3DCC-741F-8364AA4B3505}" dt="2022-04-13T02:06:24.679" v="141" actId="1076"/>
+        <pc:spChg chg="add del">
+          <ac:chgData name="Jireh Tseng" userId="S::tsengj@middleton.school.nz::eefb979d-fc0d-4dd5-ae9a-91b2ece0a753" providerId="AD" clId="Web-{375B0929-B0E9-D3AF-ABEE-4D9C91617552}" dt="2022-04-14T07:20:08.352" v="97"/>
+          <ac:spMkLst>
+            <pc:docMk/>
+            <pc:sldMk cId="3904275858" sldId="299"/>
+            <ac:spMk id="5" creationId="{D1A846C5-DC08-8375-7C42-15EAEE9BFDF4}"/>
+          </ac:spMkLst>
+        </pc:spChg>
+        <pc:spChg chg="add mod">
+          <ac:chgData name="Jireh Tseng" userId="S::tsengj@middleton.school.nz::eefb979d-fc0d-4dd5-ae9a-91b2ece0a753" providerId="AD" clId="Web-{375B0929-B0E9-D3AF-ABEE-4D9C91617552}" dt="2022-04-14T07:21:48.246" v="115" actId="1076"/>
+          <ac:spMkLst>
+            <pc:docMk/>
+            <pc:sldMk cId="3904275858" sldId="299"/>
+            <ac:spMk id="12" creationId="{5B73C7A6-DFBA-0622-1C60-8325500CAAE2}"/>
+          </ac:spMkLst>
+        </pc:spChg>
+        <pc:spChg chg="add mod">
+          <ac:chgData name="Jireh Tseng" userId="S::tsengj@middleton.school.nz::eefb979d-fc0d-4dd5-ae9a-91b2ece0a753" providerId="AD" clId="Web-{375B0929-B0E9-D3AF-ABEE-4D9C91617552}" dt="2022-04-14T07:21:55.012" v="118" actId="1076"/>
+          <ac:spMkLst>
+            <pc:docMk/>
+            <pc:sldMk cId="3904275858" sldId="299"/>
+            <ac:spMk id="13" creationId="{A972EFEC-7430-2BBB-E1CF-DBF1B9B6D180}"/>
+          </ac:spMkLst>
+        </pc:spChg>
+        <pc:spChg chg="add mod">
+          <ac:chgData name="Jireh Tseng" userId="S::tsengj@middleton.school.nz::eefb979d-fc0d-4dd5-ae9a-91b2ece0a753" providerId="AD" clId="Web-{375B0929-B0E9-D3AF-ABEE-4D9C91617552}" dt="2022-04-14T07:22:15.872" v="120" actId="1076"/>
+          <ac:spMkLst>
+            <pc:docMk/>
+            <pc:sldMk cId="3904275858" sldId="299"/>
+            <ac:spMk id="14" creationId="{CCD107C4-80B4-B15F-39C1-4725C3C50F9C}"/>
+          </ac:spMkLst>
+        </pc:spChg>
+        <pc:spChg chg="add mod">
+          <ac:chgData name="Jireh Tseng" userId="S::tsengj@middleton.school.nz::eefb979d-fc0d-4dd5-ae9a-91b2ece0a753" providerId="AD" clId="Web-{375B0929-B0E9-D3AF-ABEE-4D9C91617552}" dt="2022-04-14T07:22:20.809" v="122" actId="1076"/>
+          <ac:spMkLst>
+            <pc:docMk/>
+            <pc:sldMk cId="3904275858" sldId="299"/>
+            <ac:spMk id="15" creationId="{E67B222E-17A2-2C26-89CD-2BFA9EA1F381}"/>
+          </ac:spMkLst>
+        </pc:spChg>
+        <pc:spChg chg="add mod">
+          <ac:chgData name="Jireh Tseng" userId="S::tsengj@middleton.school.nz::eefb979d-fc0d-4dd5-ae9a-91b2ece0a753" providerId="AD" clId="Web-{375B0929-B0E9-D3AF-ABEE-4D9C91617552}" dt="2022-04-14T07:22:26.684" v="124" actId="1076"/>
+          <ac:spMkLst>
+            <pc:docMk/>
+            <pc:sldMk cId="3904275858" sldId="299"/>
+            <ac:spMk id="16" creationId="{3DD6C770-243A-CC05-AA13-B954F1616B48}"/>
+          </ac:spMkLst>
+        </pc:spChg>
+        <pc:spChg chg="add mod">
+          <ac:chgData name="Jireh Tseng" userId="S::tsengj@middleton.school.nz::eefb979d-fc0d-4dd5-ae9a-91b2ece0a753" providerId="AD" clId="Web-{375B0929-B0E9-D3AF-ABEE-4D9C91617552}" dt="2022-04-14T07:22:30.903" v="126" actId="1076"/>
+          <ac:spMkLst>
+            <pc:docMk/>
+            <pc:sldMk cId="3904275858" sldId="299"/>
+            <ac:spMk id="17" creationId="{7992EE88-450F-3B30-A895-AE8960A91374}"/>
+          </ac:spMkLst>
+        </pc:spChg>
+        <pc:spChg chg="add mod">
+          <ac:chgData name="Jireh Tseng" userId="S::tsengj@middleton.school.nz::eefb979d-fc0d-4dd5-ae9a-91b2ece0a753" providerId="AD" clId="Web-{375B0929-B0E9-D3AF-ABEE-4D9C91617552}" dt="2022-04-14T07:22:35.075" v="128" actId="1076"/>
+          <ac:spMkLst>
+            <pc:docMk/>
+            <pc:sldMk cId="3904275858" sldId="299"/>
+            <ac:spMk id="18" creationId="{37CF464A-E46B-84D1-0671-4262DC8758E9}"/>
+          </ac:spMkLst>
+        </pc:spChg>
+        <pc:inkChg chg="add del">
+          <ac:chgData name="Jireh Tseng" userId="S::tsengj@middleton.school.nz::eefb979d-fc0d-4dd5-ae9a-91b2ece0a753" providerId="AD" clId="Web-{375B0929-B0E9-D3AF-ABEE-4D9C91617552}" dt="2022-04-14T07:20:36.588" v="99"/>
+          <ac:inkMkLst>
+            <pc:docMk/>
+            <pc:sldMk cId="3904275858" sldId="299"/>
+            <ac:inkMk id="7" creationId="{814F0C0F-AC4B-E3C0-08AB-D2189E75D394}"/>
+          </ac:inkMkLst>
+        </pc:inkChg>
+        <pc:inkChg chg="add del">
+          <ac:chgData name="Jireh Tseng" userId="S::tsengj@middleton.school.nz::eefb979d-fc0d-4dd5-ae9a-91b2ece0a753" providerId="AD" clId="Web-{375B0929-B0E9-D3AF-ABEE-4D9C91617552}" dt="2022-04-14T07:21:19.667" v="107"/>
+          <ac:inkMkLst>
+            <pc:docMk/>
+            <pc:sldMk cId="3904275858" sldId="299"/>
+            <ac:inkMk id="8" creationId="{F852F749-9536-896D-F1B8-C2517C60DE65}"/>
+          </ac:inkMkLst>
+        </pc:inkChg>
+        <pc:inkChg chg="add del">
+          <ac:chgData name="Jireh Tseng" userId="S::tsengj@middleton.school.nz::eefb979d-fc0d-4dd5-ae9a-91b2ece0a753" providerId="AD" clId="Web-{375B0929-B0E9-D3AF-ABEE-4D9C91617552}" dt="2022-04-14T07:21:19.667" v="106"/>
+          <ac:inkMkLst>
+            <pc:docMk/>
+            <pc:sldMk cId="3904275858" sldId="299"/>
+            <ac:inkMk id="9" creationId="{BEADAD17-6C7D-747D-A2E3-0393FED9DD9A}"/>
+          </ac:inkMkLst>
+        </pc:inkChg>
+        <pc:inkChg chg="add del">
+          <ac:chgData name="Jireh Tseng" userId="S::tsengj@middleton.school.nz::eefb979d-fc0d-4dd5-ae9a-91b2ece0a753" providerId="AD" clId="Web-{375B0929-B0E9-D3AF-ABEE-4D9C91617552}" dt="2022-04-14T07:21:19.667" v="105"/>
+          <ac:inkMkLst>
+            <pc:docMk/>
+            <pc:sldMk cId="3904275858" sldId="299"/>
+            <ac:inkMk id="10" creationId="{0CD777F0-62B8-F75A-B7E4-57EA057E6F01}"/>
+          </ac:inkMkLst>
+        </pc:inkChg>
+        <pc:inkChg chg="add del">
+          <ac:chgData name="Jireh Tseng" userId="S::tsengj@middleton.school.nz::eefb979d-fc0d-4dd5-ae9a-91b2ece0a753" providerId="AD" clId="Web-{375B0929-B0E9-D3AF-ABEE-4D9C91617552}" dt="2022-04-14T07:21:13.464" v="104"/>
+          <ac:inkMkLst>
+            <pc:docMk/>
+            <pc:sldMk cId="3904275858" sldId="299"/>
+            <ac:inkMk id="11" creationId="{3EA44309-1AEA-3672-3928-4122A6E8FE02}"/>
+          </ac:inkMkLst>
+        </pc:inkChg>
+      </pc:sldChg>
+      <pc:sldChg chg="addSp delSp modSp add ord replId">
+        <pc:chgData name="Jireh Tseng" userId="S::tsengj@middleton.school.nz::eefb979d-fc0d-4dd5-ae9a-91b2ece0a753" providerId="AD" clId="Web-{375B0929-B0E9-D3AF-ABEE-4D9C91617552}" dt="2022-04-14T07:23:59.702" v="132" actId="1076"/>
+        <pc:sldMkLst>
+          <pc:docMk/>
+          <pc:sldMk cId="695773269" sldId="300"/>
+        </pc:sldMkLst>
+        <pc:spChg chg="mod">
+          <ac:chgData name="Jireh Tseng" userId="S::tsengj@middleton.school.nz::eefb979d-fc0d-4dd5-ae9a-91b2ece0a753" providerId="AD" clId="Web-{375B0929-B0E9-D3AF-ABEE-4D9C91617552}" dt="2022-04-14T07:14:30.109" v="82" actId="20577"/>
+          <ac:spMkLst>
+            <pc:docMk/>
+            <pc:sldMk cId="695773269" sldId="300"/>
+            <ac:spMk id="2" creationId="{117C7ED0-CC09-82B1-98D7-D7AC8566A02D}"/>
+          </ac:spMkLst>
+        </pc:spChg>
+        <pc:spChg chg="add mod">
+          <ac:chgData name="Jireh Tseng" userId="S::tsengj@middleton.school.nz::eefb979d-fc0d-4dd5-ae9a-91b2ece0a753" providerId="AD" clId="Web-{375B0929-B0E9-D3AF-ABEE-4D9C91617552}" dt="2022-04-14T07:23:56.687" v="130" actId="1076"/>
+          <ac:spMkLst>
+            <pc:docMk/>
+            <pc:sldMk cId="695773269" sldId="300"/>
+            <ac:spMk id="9" creationId="{7404C706-A880-3443-C6A7-8FC1EBC87D00}"/>
+          </ac:spMkLst>
+        </pc:spChg>
+        <pc:spChg chg="add mod">
+          <ac:chgData name="Jireh Tseng" userId="S::tsengj@middleton.school.nz::eefb979d-fc0d-4dd5-ae9a-91b2ece0a753" providerId="AD" clId="Web-{375B0929-B0E9-D3AF-ABEE-4D9C91617552}" dt="2022-04-14T07:23:59.702" v="132" actId="1076"/>
+          <ac:spMkLst>
+            <pc:docMk/>
+            <pc:sldMk cId="695773269" sldId="300"/>
+            <ac:spMk id="11" creationId="{B960453F-73F1-EF4D-4FB3-BBC4719FE622}"/>
+          </ac:spMkLst>
+        </pc:spChg>
+        <pc:picChg chg="del">
+          <ac:chgData name="Jireh Tseng" userId="S::tsengj@middleton.school.nz::eefb979d-fc0d-4dd5-ae9a-91b2ece0a753" providerId="AD" clId="Web-{375B0929-B0E9-D3AF-ABEE-4D9C91617552}" dt="2022-04-14T07:17:25.879" v="84"/>
           <ac:picMkLst>
             <pc:docMk/>
-            <pc:sldMk cId="3742630380" sldId="288"/>
-            <ac:picMk id="3" creationId="{89276921-B447-1D95-4DC2-8AD1144AB121}"/>
-          </ac:picMkLst>
-        </pc:picChg>
-        <pc:picChg chg="add del mod">
-          <ac:chgData name="Jireh Tseng" userId="S::tsengj@middleton.school.nz::eefb979d-fc0d-4dd5-ae9a-91b2ece0a753" providerId="AD" clId="Web-{ED384A0D-67FC-3DCC-741F-8364AA4B3505}" dt="2022-04-13T02:02:55.610" v="4"/>
-          <ac:picMkLst>
-            <pc:docMk/>
-            <pc:sldMk cId="3742630380" sldId="288"/>
-            <ac:picMk id="5" creationId="{36B3414F-9F1E-F254-CCD9-0C3D9C8C5285}"/>
+            <pc:sldMk cId="695773269" sldId="300"/>
+            <ac:picMk id="3" creationId="{041A2549-562E-C76C-D867-EE58A51FA330}"/>
           </ac:picMkLst>
         </pc:picChg>
         <pc:picChg chg="add mod">
-          <ac:chgData name="Jireh Tseng" userId="S::tsengj@middleton.school.nz::eefb979d-fc0d-4dd5-ae9a-91b2ece0a753" providerId="AD" clId="Web-{ED384A0D-67FC-3DCC-741F-8364AA4B3505}" dt="2022-04-13T02:06:25.398" v="142" actId="1076"/>
+          <ac:chgData name="Jireh Tseng" userId="S::tsengj@middleton.school.nz::eefb979d-fc0d-4dd5-ae9a-91b2ece0a753" providerId="AD" clId="Web-{375B0929-B0E9-D3AF-ABEE-4D9C91617552}" dt="2022-04-14T07:18:54.647" v="92" actId="1076"/>
           <ac:picMkLst>
             <pc:docMk/>
-            <pc:sldMk cId="3742630380" sldId="288"/>
-            <ac:picMk id="7" creationId="{3E3ED375-DD72-680C-8F58-70BC755CCE29}"/>
+            <pc:sldMk cId="695773269" sldId="300"/>
+            <ac:picMk id="5" creationId="{9F32D0FE-D665-1BCA-E6AC-D9312482EDAD}"/>
+          </ac:picMkLst>
+        </pc:picChg>
+        <pc:picChg chg="del">
+          <ac:chgData name="Jireh Tseng" userId="S::tsengj@middleton.school.nz::eefb979d-fc0d-4dd5-ae9a-91b2ece0a753" providerId="AD" clId="Web-{375B0929-B0E9-D3AF-ABEE-4D9C91617552}" dt="2022-04-14T07:17:24.270" v="83"/>
+          <ac:picMkLst>
+            <pc:docMk/>
+            <pc:sldMk cId="695773269" sldId="300"/>
+            <ac:picMk id="6" creationId="{B2BD3EC1-BBF2-D357-3C1D-EB15C4887B26}"/>
           </ac:picMkLst>
         </pc:picChg>
         <pc:picChg chg="add mod">
-          <ac:chgData name="Jireh Tseng" userId="S::tsengj@middleton.school.nz::eefb979d-fc0d-4dd5-ae9a-91b2ece0a753" providerId="AD" clId="Web-{ED384A0D-67FC-3DCC-741F-8364AA4B3505}" dt="2022-04-13T02:07:05.180" v="148" actId="1076"/>
+          <ac:chgData name="Jireh Tseng" userId="S::tsengj@middleton.school.nz::eefb979d-fc0d-4dd5-ae9a-91b2ece0a753" providerId="AD" clId="Web-{375B0929-B0E9-D3AF-ABEE-4D9C91617552}" dt="2022-04-14T07:18:53.491" v="91" actId="1076"/>
           <ac:picMkLst>
             <pc:docMk/>
-            <pc:sldMk cId="3742630380" sldId="288"/>
-            <ac:picMk id="8" creationId="{FDB2E0E9-D86D-F82F-0828-239D28074C54}"/>
+            <pc:sldMk cId="695773269" sldId="300"/>
+            <ac:picMk id="7" creationId="{FA77EC03-0DAF-69FA-0713-F1CFE64F5E63}"/>
           </ac:picMkLst>
         </pc:picChg>
       </pc:sldChg>
       <pc:sldChg chg="addSp delSp modSp add ord replId">
-        <pc:chgData name="Jireh Tseng" userId="S::tsengj@middleton.school.nz::eefb979d-fc0d-4dd5-ae9a-91b2ece0a753" providerId="AD" clId="Web-{ED384A0D-67FC-3DCC-741F-8364AA4B3505}" dt="2022-04-13T02:14:33.505" v="1448" actId="1076"/>
+        <pc:chgData name="Jireh Tseng" userId="S::tsengj@middleton.school.nz::eefb979d-fc0d-4dd5-ae9a-91b2ece0a753" providerId="AD" clId="Web-{375B0929-B0E9-D3AF-ABEE-4D9C91617552}" dt="2022-04-14T07:28:12.647" v="145" actId="1076"/>
         <pc:sldMkLst>
           <pc:docMk/>
-          <pc:sldMk cId="1636248130" sldId="289"/>
+          <pc:sldMk cId="1415568547" sldId="301"/>
         </pc:sldMkLst>
         <pc:spChg chg="mod">
-          <ac:chgData name="Jireh Tseng" userId="S::tsengj@middleton.school.nz::eefb979d-fc0d-4dd5-ae9a-91b2ece0a753" providerId="AD" clId="Web-{ED384A0D-67FC-3DCC-741F-8364AA4B3505}" dt="2022-04-13T02:09:30.669" v="161" actId="20577"/>
+          <ac:chgData name="Jireh Tseng" userId="S::tsengj@middleton.school.nz::eefb979d-fc0d-4dd5-ae9a-91b2ece0a753" providerId="AD" clId="Web-{375B0929-B0E9-D3AF-ABEE-4D9C91617552}" dt="2022-04-14T07:19:17.851" v="95" actId="20577"/>
           <ac:spMkLst>
             <pc:docMk/>
-            <pc:sldMk cId="1636248130" sldId="289"/>
-            <ac:spMk id="91" creationId="{00000000-0000-0000-0000-000000000000}"/>
+            <pc:sldMk cId="1415568547" sldId="301"/>
+            <ac:spMk id="2" creationId="{117C7ED0-CC09-82B1-98D7-D7AC8566A02D}"/>
           </ac:spMkLst>
         </pc:spChg>
-        <pc:graphicFrameChg chg="mod modGraphic">
-          <ac:chgData name="Jireh Tseng" userId="S::tsengj@middleton.school.nz::eefb979d-fc0d-4dd5-ae9a-91b2ece0a753" providerId="AD" clId="Web-{ED384A0D-67FC-3DCC-741F-8364AA4B3505}" dt="2022-04-13T02:14:33.505" v="1448" actId="1076"/>
-          <ac:graphicFrameMkLst>
-            <pc:docMk/>
-            <pc:sldMk cId="1636248130" sldId="289"/>
-            <ac:graphicFrameMk id="92" creationId="{00000000-0000-0000-0000-000000000000}"/>
-          </ac:graphicFrameMkLst>
-        </pc:graphicFrameChg>
-        <pc:picChg chg="add del mod">
-          <ac:chgData name="Jireh Tseng" userId="S::tsengj@middleton.school.nz::eefb979d-fc0d-4dd5-ae9a-91b2ece0a753" providerId="AD" clId="Web-{ED384A0D-67FC-3DCC-741F-8364AA4B3505}" dt="2022-04-13T02:11:05.999" v="553"/>
-          <ac:picMkLst>
-            <pc:docMk/>
-            <pc:sldMk cId="1636248130" sldId="289"/>
-            <ac:picMk id="2" creationId="{A567E6EC-1763-61BE-98CB-A069415A6F6D}"/>
-          </ac:picMkLst>
-        </pc:picChg>
-      </pc:sldChg>
-    </pc:docChg>
-  </pc:docChgLst>
-  <pc:docChgLst>
-    <pc:chgData name="Jireh Tseng" userId="S::tsengj@middleton.school.nz::eefb979d-fc0d-4dd5-ae9a-91b2ece0a753" providerId="AD" clId="Web-{E462C1EF-32F1-1F33-874C-C2D0A433766B}"/>
-    <pc:docChg chg="modSld">
-      <pc:chgData name="Jireh Tseng" userId="S::tsengj@middleton.school.nz::eefb979d-fc0d-4dd5-ae9a-91b2ece0a753" providerId="AD" clId="Web-{E462C1EF-32F1-1F33-874C-C2D0A433766B}" dt="2022-04-10T23:16:00.532" v="52" actId="14100"/>
-      <pc:docMkLst>
-        <pc:docMk/>
-      </pc:docMkLst>
-      <pc:sldChg chg="addSp modSp">
-        <pc:chgData name="Jireh Tseng" userId="S::tsengj@middleton.school.nz::eefb979d-fc0d-4dd5-ae9a-91b2ece0a753" providerId="AD" clId="Web-{E462C1EF-32F1-1F33-874C-C2D0A433766B}" dt="2022-04-10T23:16:00.532" v="52" actId="14100"/>
-        <pc:sldMkLst>
-          <pc:docMk/>
-          <pc:sldMk cId="1948546728" sldId="286"/>
-        </pc:sldMkLst>
-        <pc:spChg chg="add mod">
-          <ac:chgData name="Jireh Tseng" userId="S::tsengj@middleton.school.nz::eefb979d-fc0d-4dd5-ae9a-91b2ece0a753" providerId="AD" clId="Web-{E462C1EF-32F1-1F33-874C-C2D0A433766B}" dt="2022-04-10T23:14:48.014" v="14" actId="1076"/>
+        <pc:spChg chg="mod">
+          <ac:chgData name="Jireh Tseng" userId="S::tsengj@middleton.school.nz::eefb979d-fc0d-4dd5-ae9a-91b2ece0a753" providerId="AD" clId="Web-{375B0929-B0E9-D3AF-ABEE-4D9C91617552}" dt="2022-04-14T07:28:09.319" v="143" actId="1076"/>
           <ac:spMkLst>
             <pc:docMk/>
-            <pc:sldMk cId="1948546728" sldId="286"/>
-            <ac:spMk id="3" creationId="{3FCC3670-01DB-1BA0-3833-6709A0DE08CA}"/>
-          </ac:spMkLst>
-        </pc:spChg>
-        <pc:spChg chg="add mod">
-          <ac:chgData name="Jireh Tseng" userId="S::tsengj@middleton.school.nz::eefb979d-fc0d-4dd5-ae9a-91b2ece0a753" providerId="AD" clId="Web-{E462C1EF-32F1-1F33-874C-C2D0A433766B}" dt="2022-04-10T23:16:00.532" v="52" actId="14100"/>
-          <ac:spMkLst>
-            <pc:docMk/>
-            <pc:sldMk cId="1948546728" sldId="286"/>
-            <ac:spMk id="4" creationId="{725A2025-63D9-0C5C-C37D-EF6807D6D0DE}"/>
-          </ac:spMkLst>
-        </pc:spChg>
-        <pc:spChg chg="add mod">
-          <ac:chgData name="Jireh Tseng" userId="S::tsengj@middleton.school.nz::eefb979d-fc0d-4dd5-ae9a-91b2ece0a753" providerId="AD" clId="Web-{E462C1EF-32F1-1F33-874C-C2D0A433766B}" dt="2022-04-10T23:15:21.156" v="24" actId="14100"/>
-          <ac:spMkLst>
-            <pc:docMk/>
-            <pc:sldMk cId="1948546728" sldId="286"/>
-            <ac:spMk id="6" creationId="{53E84D05-6AA4-7256-EC95-EBAF55445C69}"/>
-          </ac:spMkLst>
-        </pc:spChg>
-        <pc:spChg chg="add mod">
-          <ac:chgData name="Jireh Tseng" userId="S::tsengj@middleton.school.nz::eefb979d-fc0d-4dd5-ae9a-91b2ece0a753" providerId="AD" clId="Web-{E462C1EF-32F1-1F33-874C-C2D0A433766B}" dt="2022-04-10T23:15:07.890" v="20"/>
-          <ac:spMkLst>
-            <pc:docMk/>
-            <pc:sldMk cId="1948546728" sldId="286"/>
-            <ac:spMk id="7" creationId="{44B60101-9F86-B903-5115-3061FB2D6536}"/>
-          </ac:spMkLst>
-        </pc:spChg>
-        <pc:spChg chg="add mod">
-          <ac:chgData name="Jireh Tseng" userId="S::tsengj@middleton.school.nz::eefb979d-fc0d-4dd5-ae9a-91b2ece0a753" providerId="AD" clId="Web-{E462C1EF-32F1-1F33-874C-C2D0A433766B}" dt="2022-04-10T23:15:18.015" v="23"/>
-          <ac:spMkLst>
-            <pc:docMk/>
-            <pc:sldMk cId="1948546728" sldId="286"/>
-            <ac:spMk id="8" creationId="{84FC7A4C-AF25-FBAE-67A7-BE6141E6D630}"/>
+            <pc:sldMk cId="1415568547" sldId="301"/>
+            <ac:spMk id="4" creationId="{A1B3C866-DC84-97B0-47F0-CB76AF369A87}"/>
           </ac:spMkLst>
         </pc:spChg>
         <pc:picChg chg="add mod">
-          <ac:chgData name="Jireh Tseng" userId="S::tsengj@middleton.school.nz::eefb979d-fc0d-4dd5-ae9a-91b2ece0a753" providerId="AD" clId="Web-{E462C1EF-32F1-1F33-874C-C2D0A433766B}" dt="2022-04-10T23:13:54.575" v="2" actId="1076"/>
+          <ac:chgData name="Jireh Tseng" userId="S::tsengj@middleton.school.nz::eefb979d-fc0d-4dd5-ae9a-91b2ece0a753" providerId="AD" clId="Web-{375B0929-B0E9-D3AF-ABEE-4D9C91617552}" dt="2022-04-14T07:28:10.631" v="144" actId="1076"/>
           <ac:picMkLst>
             <pc:docMk/>
-            <pc:sldMk cId="1948546728" sldId="286"/>
-            <ac:picMk id="2" creationId="{7BE51418-D4BA-D8BF-8352-2CFCE01BAB0C}"/>
+            <pc:sldMk cId="1415568547" sldId="301"/>
+            <ac:picMk id="3" creationId="{4CBC4A0B-B9A2-3445-3EEF-5206C62E05C4}"/>
+          </ac:picMkLst>
+        </pc:picChg>
+        <pc:picChg chg="del">
+          <ac:chgData name="Jireh Tseng" userId="S::tsengj@middleton.school.nz::eefb979d-fc0d-4dd5-ae9a-91b2ece0a753" providerId="AD" clId="Web-{375B0929-B0E9-D3AF-ABEE-4D9C91617552}" dt="2022-04-14T07:24:13.312" v="133"/>
+          <ac:picMkLst>
+            <pc:docMk/>
+            <pc:sldMk cId="1415568547" sldId="301"/>
+            <ac:picMk id="5" creationId="{9F32D0FE-D665-1BCA-E6AC-D9312482EDAD}"/>
+          </ac:picMkLst>
+        </pc:picChg>
+        <pc:picChg chg="add mod">
+          <ac:chgData name="Jireh Tseng" userId="S::tsengj@middleton.school.nz::eefb979d-fc0d-4dd5-ae9a-91b2ece0a753" providerId="AD" clId="Web-{375B0929-B0E9-D3AF-ABEE-4D9C91617552}" dt="2022-04-14T07:28:12.647" v="145" actId="1076"/>
+          <ac:picMkLst>
+            <pc:docMk/>
+            <pc:sldMk cId="1415568547" sldId="301"/>
+            <ac:picMk id="6" creationId="{11E15BF2-C1EF-8CE8-28A9-020DDFE34259}"/>
+          </ac:picMkLst>
+        </pc:picChg>
+        <pc:picChg chg="del">
+          <ac:chgData name="Jireh Tseng" userId="S::tsengj@middleton.school.nz::eefb979d-fc0d-4dd5-ae9a-91b2ece0a753" providerId="AD" clId="Web-{375B0929-B0E9-D3AF-ABEE-4D9C91617552}" dt="2022-04-14T07:24:14.234" v="134"/>
+          <ac:picMkLst>
+            <pc:docMk/>
+            <pc:sldMk cId="1415568547" sldId="301"/>
+            <ac:picMk id="7" creationId="{FA77EC03-0DAF-69FA-0713-F1CFE64F5E63}"/>
           </ac:picMkLst>
         </pc:picChg>
       </pc:sldChg>
@@ -482,208 +507,831 @@
     </pc:docChg>
   </pc:docChgLst>
   <pc:docChgLst>
-    <pc:chgData name="Jireh Tseng" userId="S::tsengj@middleton.school.nz::eefb979d-fc0d-4dd5-ae9a-91b2ece0a753" providerId="AD" clId="Web-{E73AC928-7D87-5D94-5CF7-49334421705B}"/>
-    <pc:docChg chg="addSld modSld sldOrd">
-      <pc:chgData name="Jireh Tseng" userId="S::tsengj@middleton.school.nz::eefb979d-fc0d-4dd5-ae9a-91b2ece0a753" providerId="AD" clId="Web-{E73AC928-7D87-5D94-5CF7-49334421705B}" dt="2022-04-13T07:29:44.742" v="766" actId="1076"/>
+    <pc:chgData name="Jireh Tseng" userId="S::tsengj@middleton.school.nz::eefb979d-fc0d-4dd5-ae9a-91b2ece0a753" providerId="AD" clId="Web-{99142990-7B4C-0CD7-3AFD-A8191EF1FACA}"/>
+    <pc:docChg chg="addSld modSld">
+      <pc:chgData name="Jireh Tseng" userId="S::tsengj@middleton.school.nz::eefb979d-fc0d-4dd5-ae9a-91b2ece0a753" providerId="AD" clId="Web-{99142990-7B4C-0CD7-3AFD-A8191EF1FACA}" dt="2022-04-03T23:45:09.540" v="80" actId="1076"/>
       <pc:docMkLst>
         <pc:docMk/>
       </pc:docMkLst>
-      <pc:sldChg chg="addSp delSp modSp add ord replId">
-        <pc:chgData name="Jireh Tseng" userId="S::tsengj@middleton.school.nz::eefb979d-fc0d-4dd5-ae9a-91b2ece0a753" providerId="AD" clId="Web-{E73AC928-7D87-5D94-5CF7-49334421705B}" dt="2022-04-13T06:41:00.244" v="57" actId="14100"/>
+      <pc:sldChg chg="addSp delSp modSp add replId">
+        <pc:chgData name="Jireh Tseng" userId="S::tsengj@middleton.school.nz::eefb979d-fc0d-4dd5-ae9a-91b2ece0a753" providerId="AD" clId="Web-{99142990-7B4C-0CD7-3AFD-A8191EF1FACA}" dt="2022-04-03T23:45:09.540" v="80" actId="1076"/>
         <pc:sldMkLst>
           <pc:docMk/>
-          <pc:sldMk cId="1092323287" sldId="290"/>
+          <pc:sldMk cId="2568554082" sldId="283"/>
         </pc:sldMkLst>
-        <pc:spChg chg="add del">
-          <ac:chgData name="Jireh Tseng" userId="S::tsengj@middleton.school.nz::eefb979d-fc0d-4dd5-ae9a-91b2ece0a753" providerId="AD" clId="Web-{E73AC928-7D87-5D94-5CF7-49334421705B}" dt="2022-04-13T06:38:59.147" v="28"/>
+        <pc:spChg chg="add mod">
+          <ac:chgData name="Jireh Tseng" userId="S::tsengj@middleton.school.nz::eefb979d-fc0d-4dd5-ae9a-91b2ece0a753" providerId="AD" clId="Web-{99142990-7B4C-0CD7-3AFD-A8191EF1FACA}" dt="2022-04-03T23:45:09.540" v="80" actId="1076"/>
           <ac:spMkLst>
             <pc:docMk/>
-            <pc:sldMk cId="1092323287" sldId="290"/>
-            <ac:spMk id="3" creationId="{83B568C1-8667-67F6-622D-09DE0D798A04}"/>
+            <pc:sldMk cId="2568554082" sldId="283"/>
+            <ac:spMk id="3" creationId="{6BE7D083-107B-9598-9BED-5E001A7543AF}"/>
+          </ac:spMkLst>
+        </pc:spChg>
+        <pc:spChg chg="mod">
+          <ac:chgData name="Jireh Tseng" userId="S::tsengj@middleton.school.nz::eefb979d-fc0d-4dd5-ae9a-91b2ece0a753" providerId="AD" clId="Web-{99142990-7B4C-0CD7-3AFD-A8191EF1FACA}" dt="2022-04-03T23:43:13.271" v="4" actId="20577"/>
+          <ac:spMkLst>
+            <pc:docMk/>
+            <pc:sldMk cId="2568554082" sldId="283"/>
+            <ac:spMk id="91" creationId="{00000000-0000-0000-0000-000000000000}"/>
+          </ac:spMkLst>
+        </pc:spChg>
+        <pc:graphicFrameChg chg="del mod modGraphic">
+          <ac:chgData name="Jireh Tseng" userId="S::tsengj@middleton.school.nz::eefb979d-fc0d-4dd5-ae9a-91b2ece0a753" providerId="AD" clId="Web-{99142990-7B4C-0CD7-3AFD-A8191EF1FACA}" dt="2022-04-03T23:43:20.631" v="20"/>
+          <ac:graphicFrameMkLst>
+            <pc:docMk/>
+            <pc:sldMk cId="2568554082" sldId="283"/>
+            <ac:graphicFrameMk id="92" creationId="{00000000-0000-0000-0000-000000000000}"/>
+          </ac:graphicFrameMkLst>
+        </pc:graphicFrameChg>
+        <pc:picChg chg="add mod">
+          <ac:chgData name="Jireh Tseng" userId="S::tsengj@middleton.school.nz::eefb979d-fc0d-4dd5-ae9a-91b2ece0a753" providerId="AD" clId="Web-{99142990-7B4C-0CD7-3AFD-A8191EF1FACA}" dt="2022-04-03T23:44:07.476" v="25" actId="1076"/>
+          <ac:picMkLst>
+            <pc:docMk/>
+            <pc:sldMk cId="2568554082" sldId="283"/>
+            <ac:picMk id="2" creationId="{F837C40C-4306-D890-2C3D-79261A778469}"/>
+          </ac:picMkLst>
+        </pc:picChg>
+      </pc:sldChg>
+    </pc:docChg>
+  </pc:docChgLst>
+  <pc:docChgLst>
+    <pc:chgData name="Jireh Tseng" userId="S::tsengj@middleton.school.nz::eefb979d-fc0d-4dd5-ae9a-91b2ece0a753" providerId="AD" clId="Web-{8ADE60C0-19A6-C471-675E-CC268BD8C1E5}"/>
+    <pc:docChg chg="addSld delSld modSld sldOrd">
+      <pc:chgData name="Jireh Tseng" userId="S::tsengj@middleton.school.nz::eefb979d-fc0d-4dd5-ae9a-91b2ece0a753" providerId="AD" clId="Web-{8ADE60C0-19A6-C471-675E-CC268BD8C1E5}" dt="2022-03-27T22:52:14.227" v="1091" actId="1076"/>
+      <pc:docMkLst>
+        <pc:docMk/>
+      </pc:docMkLst>
+      <pc:sldChg chg="addSp modSp mod setBg">
+        <pc:chgData name="Jireh Tseng" userId="S::tsengj@middleton.school.nz::eefb979d-fc0d-4dd5-ae9a-91b2ece0a753" providerId="AD" clId="Web-{8ADE60C0-19A6-C471-675E-CC268BD8C1E5}" dt="2022-03-27T22:22:57.426" v="170"/>
+        <pc:sldMkLst>
+          <pc:docMk/>
+          <pc:sldMk cId="1362934084" sldId="256"/>
+        </pc:sldMkLst>
+        <pc:spChg chg="mod">
+          <ac:chgData name="Jireh Tseng" userId="S::tsengj@middleton.school.nz::eefb979d-fc0d-4dd5-ae9a-91b2ece0a753" providerId="AD" clId="Web-{8ADE60C0-19A6-C471-675E-CC268BD8C1E5}" dt="2022-03-27T22:22:57.426" v="170"/>
+          <ac:spMkLst>
+            <pc:docMk/>
+            <pc:sldMk cId="1362934084" sldId="256"/>
+            <ac:spMk id="2" creationId="{A96C2811-5704-42C1-869B-16E29CB6572E}"/>
+          </ac:spMkLst>
+        </pc:spChg>
+        <pc:spChg chg="mod">
+          <ac:chgData name="Jireh Tseng" userId="S::tsengj@middleton.school.nz::eefb979d-fc0d-4dd5-ae9a-91b2ece0a753" providerId="AD" clId="Web-{8ADE60C0-19A6-C471-675E-CC268BD8C1E5}" dt="2022-03-27T22:22:57.426" v="170"/>
+          <ac:spMkLst>
+            <pc:docMk/>
+            <pc:sldMk cId="1362934084" sldId="256"/>
+            <ac:spMk id="3" creationId="{930E6464-DA98-43C8-B6C9-594748754628}"/>
+          </ac:spMkLst>
+        </pc:spChg>
+        <pc:spChg chg="add">
+          <ac:chgData name="Jireh Tseng" userId="S::tsengj@middleton.school.nz::eefb979d-fc0d-4dd5-ae9a-91b2ece0a753" providerId="AD" clId="Web-{8ADE60C0-19A6-C471-675E-CC268BD8C1E5}" dt="2022-03-27T22:22:57.426" v="170"/>
+          <ac:spMkLst>
+            <pc:docMk/>
+            <pc:sldMk cId="1362934084" sldId="256"/>
+            <ac:spMk id="8" creationId="{3A397E3E-B90C-4D82-BAAA-36F7AC6A4565}"/>
+          </ac:spMkLst>
+        </pc:spChg>
+        <pc:spChg chg="add">
+          <ac:chgData name="Jireh Tseng" userId="S::tsengj@middleton.school.nz::eefb979d-fc0d-4dd5-ae9a-91b2ece0a753" providerId="AD" clId="Web-{8ADE60C0-19A6-C471-675E-CC268BD8C1E5}" dt="2022-03-27T22:22:57.426" v="170"/>
+          <ac:spMkLst>
+            <pc:docMk/>
+            <pc:sldMk cId="1362934084" sldId="256"/>
+            <ac:spMk id="10" creationId="{E16C8D8F-10E9-4498-ABDB-0F923F8B6837}"/>
+          </ac:spMkLst>
+        </pc:spChg>
+        <pc:spChg chg="add">
+          <ac:chgData name="Jireh Tseng" userId="S::tsengj@middleton.school.nz::eefb979d-fc0d-4dd5-ae9a-91b2ece0a753" providerId="AD" clId="Web-{8ADE60C0-19A6-C471-675E-CC268BD8C1E5}" dt="2022-03-27T22:22:57.426" v="170"/>
+          <ac:spMkLst>
+            <pc:docMk/>
+            <pc:sldMk cId="1362934084" sldId="256"/>
+            <ac:spMk id="12" creationId="{1E5A83E3-8A11-4492-BB6E-F5F2240316FB}"/>
+          </ac:spMkLst>
+        </pc:spChg>
+        <pc:spChg chg="add">
+          <ac:chgData name="Jireh Tseng" userId="S::tsengj@middleton.school.nz::eefb979d-fc0d-4dd5-ae9a-91b2ece0a753" providerId="AD" clId="Web-{8ADE60C0-19A6-C471-675E-CC268BD8C1E5}" dt="2022-03-27T22:22:57.426" v="170"/>
+          <ac:spMkLst>
+            <pc:docMk/>
+            <pc:sldMk cId="1362934084" sldId="256"/>
+            <ac:spMk id="14" creationId="{8CF5E676-CA04-4CED-9F1E-5026ED66E66D}"/>
+          </ac:spMkLst>
+        </pc:spChg>
+        <pc:spChg chg="add">
+          <ac:chgData name="Jireh Tseng" userId="S::tsengj@middleton.school.nz::eefb979d-fc0d-4dd5-ae9a-91b2ece0a753" providerId="AD" clId="Web-{8ADE60C0-19A6-C471-675E-CC268BD8C1E5}" dt="2022-03-27T22:22:57.426" v="170"/>
+          <ac:spMkLst>
+            <pc:docMk/>
+            <pc:sldMk cId="1362934084" sldId="256"/>
+            <ac:spMk id="16" creationId="{6BA9E676-A8FC-4C2F-8D78-C13ED8ABDBA8}"/>
+          </ac:spMkLst>
+        </pc:spChg>
+        <pc:spChg chg="add">
+          <ac:chgData name="Jireh Tseng" userId="S::tsengj@middleton.school.nz::eefb979d-fc0d-4dd5-ae9a-91b2ece0a753" providerId="AD" clId="Web-{8ADE60C0-19A6-C471-675E-CC268BD8C1E5}" dt="2022-03-27T22:22:57.426" v="170"/>
+          <ac:spMkLst>
+            <pc:docMk/>
+            <pc:sldMk cId="1362934084" sldId="256"/>
+            <ac:spMk id="18" creationId="{A2B5CBEA-F125-49B6-8335-227C325B112B}"/>
+          </ac:spMkLst>
+        </pc:spChg>
+        <pc:spChg chg="add">
+          <ac:chgData name="Jireh Tseng" userId="S::tsengj@middleton.school.nz::eefb979d-fc0d-4dd5-ae9a-91b2ece0a753" providerId="AD" clId="Web-{8ADE60C0-19A6-C471-675E-CC268BD8C1E5}" dt="2022-03-27T22:22:57.426" v="170"/>
+          <ac:spMkLst>
+            <pc:docMk/>
+            <pc:sldMk cId="1362934084" sldId="256"/>
+            <ac:spMk id="20" creationId="{EECD79B5-5FC5-495F-BFD6-346C16E787A7}"/>
+          </ac:spMkLst>
+        </pc:spChg>
+        <pc:spChg chg="add">
+          <ac:chgData name="Jireh Tseng" userId="S::tsengj@middleton.school.nz::eefb979d-fc0d-4dd5-ae9a-91b2ece0a753" providerId="AD" clId="Web-{8ADE60C0-19A6-C471-675E-CC268BD8C1E5}" dt="2022-03-27T22:22:57.426" v="170"/>
+          <ac:spMkLst>
+            <pc:docMk/>
+            <pc:sldMk cId="1362934084" sldId="256"/>
+            <ac:spMk id="22" creationId="{2C1D3151-5F97-4860-B56C-C98BD62CC255}"/>
+          </ac:spMkLst>
+        </pc:spChg>
+        <pc:spChg chg="add">
+          <ac:chgData name="Jireh Tseng" userId="S::tsengj@middleton.school.nz::eefb979d-fc0d-4dd5-ae9a-91b2ece0a753" providerId="AD" clId="Web-{8ADE60C0-19A6-C471-675E-CC268BD8C1E5}" dt="2022-03-27T22:22:57.426" v="170"/>
+          <ac:spMkLst>
+            <pc:docMk/>
+            <pc:sldMk cId="1362934084" sldId="256"/>
+            <ac:spMk id="24" creationId="{32D9D048-3063-435A-8C23-26C1907E9619}"/>
+          </ac:spMkLst>
+        </pc:spChg>
+        <pc:spChg chg="add">
+          <ac:chgData name="Jireh Tseng" userId="S::tsengj@middleton.school.nz::eefb979d-fc0d-4dd5-ae9a-91b2ece0a753" providerId="AD" clId="Web-{8ADE60C0-19A6-C471-675E-CC268BD8C1E5}" dt="2022-03-27T22:22:57.426" v="170"/>
+          <ac:spMkLst>
+            <pc:docMk/>
+            <pc:sldMk cId="1362934084" sldId="256"/>
+            <ac:spMk id="26" creationId="{8DE96824-E506-4448-8704-5EC7BF7BC51B}"/>
+          </ac:spMkLst>
+        </pc:spChg>
+        <pc:spChg chg="add">
+          <ac:chgData name="Jireh Tseng" userId="S::tsengj@middleton.school.nz::eefb979d-fc0d-4dd5-ae9a-91b2ece0a753" providerId="AD" clId="Web-{8ADE60C0-19A6-C471-675E-CC268BD8C1E5}" dt="2022-03-27T22:22:57.426" v="170"/>
+          <ac:spMkLst>
+            <pc:docMk/>
+            <pc:sldMk cId="1362934084" sldId="256"/>
+            <ac:spMk id="28" creationId="{4D1A5E71-B6B6-486A-8CDC-C7ABD9B903F6}"/>
+          </ac:spMkLst>
+        </pc:spChg>
+        <pc:spChg chg="add">
+          <ac:chgData name="Jireh Tseng" userId="S::tsengj@middleton.school.nz::eefb979d-fc0d-4dd5-ae9a-91b2ece0a753" providerId="AD" clId="Web-{8ADE60C0-19A6-C471-675E-CC268BD8C1E5}" dt="2022-03-27T22:22:57.426" v="170"/>
+          <ac:spMkLst>
+            <pc:docMk/>
+            <pc:sldMk cId="1362934084" sldId="256"/>
+            <ac:spMk id="30" creationId="{B6C541AE-9B02-44C0-B8C6-B2DEA7ED3813}"/>
+          </ac:spMkLst>
+        </pc:spChg>
+      </pc:sldChg>
+      <pc:sldChg chg="modSp">
+        <pc:chgData name="Jireh Tseng" userId="S::tsengj@middleton.school.nz::eefb979d-fc0d-4dd5-ae9a-91b2ece0a753" providerId="AD" clId="Web-{8ADE60C0-19A6-C471-675E-CC268BD8C1E5}" dt="2022-03-27T21:58:38.648" v="6" actId="14100"/>
+        <pc:sldMkLst>
+          <pc:docMk/>
+          <pc:sldMk cId="3838895173" sldId="258"/>
+        </pc:sldMkLst>
+        <pc:spChg chg="mod">
+          <ac:chgData name="Jireh Tseng" userId="S::tsengj@middleton.school.nz::eefb979d-fc0d-4dd5-ae9a-91b2ece0a753" providerId="AD" clId="Web-{8ADE60C0-19A6-C471-675E-CC268BD8C1E5}" dt="2022-03-27T21:58:38.648" v="6" actId="14100"/>
+          <ac:spMkLst>
+            <pc:docMk/>
+            <pc:sldMk cId="3838895173" sldId="258"/>
+            <ac:spMk id="4" creationId="{F7FB308A-232B-4B31-A59D-BD561ECFBE8B}"/>
+          </ac:spMkLst>
+        </pc:spChg>
+      </pc:sldChg>
+      <pc:sldChg chg="delSp modSp">
+        <pc:chgData name="Jireh Tseng" userId="S::tsengj@middleton.school.nz::eefb979d-fc0d-4dd5-ae9a-91b2ece0a753" providerId="AD" clId="Web-{8ADE60C0-19A6-C471-675E-CC268BD8C1E5}" dt="2022-03-27T22:48:04.766" v="989"/>
+        <pc:sldMkLst>
+          <pc:docMk/>
+          <pc:sldMk cId="0" sldId="269"/>
+        </pc:sldMkLst>
+        <pc:spChg chg="del">
+          <ac:chgData name="Jireh Tseng" userId="S::tsengj@middleton.school.nz::eefb979d-fc0d-4dd5-ae9a-91b2ece0a753" providerId="AD" clId="Web-{8ADE60C0-19A6-C471-675E-CC268BD8C1E5}" dt="2022-03-27T22:48:04.766" v="989"/>
+          <ac:spMkLst>
+            <pc:docMk/>
+            <pc:sldMk cId="0" sldId="269"/>
+            <ac:spMk id="4" creationId="{518343B6-2201-4ACD-B907-770BC22E8B26}"/>
+          </ac:spMkLst>
+        </pc:spChg>
+        <pc:graphicFrameChg chg="mod modGraphic">
+          <ac:chgData name="Jireh Tseng" userId="S::tsengj@middleton.school.nz::eefb979d-fc0d-4dd5-ae9a-91b2ece0a753" providerId="AD" clId="Web-{8ADE60C0-19A6-C471-675E-CC268BD8C1E5}" dt="2022-03-27T22:00:49.104" v="8"/>
+          <ac:graphicFrameMkLst>
+            <pc:docMk/>
+            <pc:sldMk cId="0" sldId="269"/>
+            <ac:graphicFrameMk id="92" creationId="{00000000-0000-0000-0000-000000000000}"/>
+          </ac:graphicFrameMkLst>
+        </pc:graphicFrameChg>
+      </pc:sldChg>
+      <pc:sldChg chg="delSp">
+        <pc:chgData name="Jireh Tseng" userId="S::tsengj@middleton.school.nz::eefb979d-fc0d-4dd5-ae9a-91b2ece0a753" providerId="AD" clId="Web-{8ADE60C0-19A6-C471-675E-CC268BD8C1E5}" dt="2022-03-27T22:48:08.391" v="990"/>
+        <pc:sldMkLst>
+          <pc:docMk/>
+          <pc:sldMk cId="975627948" sldId="272"/>
+        </pc:sldMkLst>
+        <pc:spChg chg="del">
+          <ac:chgData name="Jireh Tseng" userId="S::tsengj@middleton.school.nz::eefb979d-fc0d-4dd5-ae9a-91b2ece0a753" providerId="AD" clId="Web-{8ADE60C0-19A6-C471-675E-CC268BD8C1E5}" dt="2022-03-27T22:48:08.391" v="990"/>
+          <ac:spMkLst>
+            <pc:docMk/>
+            <pc:sldMk cId="975627948" sldId="272"/>
+            <ac:spMk id="5" creationId="{ACAE53BB-FF7D-43E7-AF26-E5A3D9A837CF}"/>
+          </ac:spMkLst>
+        </pc:spChg>
+      </pc:sldChg>
+      <pc:sldChg chg="addSp delSp modSp del">
+        <pc:chgData name="Jireh Tseng" userId="S::tsengj@middleton.school.nz::eefb979d-fc0d-4dd5-ae9a-91b2ece0a753" providerId="AD" clId="Web-{8ADE60C0-19A6-C471-675E-CC268BD8C1E5}" dt="2022-03-27T22:24:38.365" v="182"/>
+        <pc:sldMkLst>
+          <pc:docMk/>
+          <pc:sldMk cId="270828811" sldId="273"/>
+        </pc:sldMkLst>
+        <pc:spChg chg="mod">
+          <ac:chgData name="Jireh Tseng" userId="S::tsengj@middleton.school.nz::eefb979d-fc0d-4dd5-ae9a-91b2ece0a753" providerId="AD" clId="Web-{8ADE60C0-19A6-C471-675E-CC268BD8C1E5}" dt="2022-03-27T22:24:11.177" v="177" actId="20577"/>
+          <ac:spMkLst>
+            <pc:docMk/>
+            <pc:sldMk cId="270828811" sldId="273"/>
+            <ac:spMk id="2" creationId="{1CC5D32F-7C18-4D00-8D54-2FB046F0A206}"/>
+          </ac:spMkLst>
+        </pc:spChg>
+        <pc:spChg chg="del mod">
+          <ac:chgData name="Jireh Tseng" userId="S::tsengj@middleton.school.nz::eefb979d-fc0d-4dd5-ae9a-91b2ece0a753" providerId="AD" clId="Web-{8ADE60C0-19A6-C471-675E-CC268BD8C1E5}" dt="2022-03-27T22:24:18.849" v="180"/>
+          <ac:spMkLst>
+            <pc:docMk/>
+            <pc:sldMk cId="270828811" sldId="273"/>
+            <ac:spMk id="4" creationId="{8CD07A82-A944-4A9B-9A52-515DAC30878A}"/>
+          </ac:spMkLst>
+        </pc:spChg>
+        <pc:graphicFrameChg chg="add">
+          <ac:chgData name="Jireh Tseng" userId="S::tsengj@middleton.school.nz::eefb979d-fc0d-4dd5-ae9a-91b2ece0a753" providerId="AD" clId="Web-{8ADE60C0-19A6-C471-675E-CC268BD8C1E5}" dt="2022-03-27T22:24:28.818" v="181"/>
+          <ac:graphicFrameMkLst>
+            <pc:docMk/>
+            <pc:sldMk cId="270828811" sldId="273"/>
+            <ac:graphicFrameMk id="3" creationId="{BA2C18C2-0178-C932-14DD-2A1D262E7B96}"/>
+          </ac:graphicFrameMkLst>
+        </pc:graphicFrameChg>
+      </pc:sldChg>
+      <pc:sldChg chg="addSp delSp modSp del">
+        <pc:chgData name="Jireh Tseng" userId="S::tsengj@middleton.school.nz::eefb979d-fc0d-4dd5-ae9a-91b2ece0a753" providerId="AD" clId="Web-{8ADE60C0-19A6-C471-675E-CC268BD8C1E5}" dt="2022-03-27T22:02:06.762" v="30"/>
+        <pc:sldMkLst>
+          <pc:docMk/>
+          <pc:sldMk cId="89592267" sldId="274"/>
+        </pc:sldMkLst>
+        <pc:spChg chg="add del mod">
+          <ac:chgData name="Jireh Tseng" userId="S::tsengj@middleton.school.nz::eefb979d-fc0d-4dd5-ae9a-91b2ece0a753" providerId="AD" clId="Web-{8ADE60C0-19A6-C471-675E-CC268BD8C1E5}" dt="2022-03-27T22:00:56.338" v="12"/>
+          <ac:spMkLst>
+            <pc:docMk/>
+            <pc:sldMk cId="89592267" sldId="274"/>
+            <ac:spMk id="3" creationId="{318660BD-AB02-CC2F-FFA0-00BE69801DA3}"/>
+          </ac:spMkLst>
+        </pc:spChg>
+        <pc:graphicFrameChg chg="add del mod">
+          <ac:chgData name="Jireh Tseng" userId="S::tsengj@middleton.school.nz::eefb979d-fc0d-4dd5-ae9a-91b2ece0a753" providerId="AD" clId="Web-{8ADE60C0-19A6-C471-675E-CC268BD8C1E5}" dt="2022-03-27T22:01:14.026" v="14"/>
+          <ac:graphicFrameMkLst>
+            <pc:docMk/>
+            <pc:sldMk cId="89592267" sldId="274"/>
+            <ac:graphicFrameMk id="6" creationId="{EFEA41E3-1F19-EC75-9EDD-DC724079E60C}"/>
+          </ac:graphicFrameMkLst>
+        </pc:graphicFrameChg>
+      </pc:sldChg>
+      <pc:sldChg chg="delSp">
+        <pc:chgData name="Jireh Tseng" userId="S::tsengj@middleton.school.nz::eefb979d-fc0d-4dd5-ae9a-91b2ece0a753" providerId="AD" clId="Web-{8ADE60C0-19A6-C471-675E-CC268BD8C1E5}" dt="2022-03-27T22:48:11.078" v="991"/>
+        <pc:sldMkLst>
+          <pc:docMk/>
+          <pc:sldMk cId="598320645" sldId="275"/>
+        </pc:sldMkLst>
+        <pc:spChg chg="del">
+          <ac:chgData name="Jireh Tseng" userId="S::tsengj@middleton.school.nz::eefb979d-fc0d-4dd5-ae9a-91b2ece0a753" providerId="AD" clId="Web-{8ADE60C0-19A6-C471-675E-CC268BD8C1E5}" dt="2022-03-27T22:48:11.078" v="991"/>
+          <ac:spMkLst>
+            <pc:docMk/>
+            <pc:sldMk cId="598320645" sldId="275"/>
+            <ac:spMk id="5" creationId="{ACAE53BB-FF7D-43E7-AF26-E5A3D9A837CF}"/>
+          </ac:spMkLst>
+        </pc:spChg>
+      </pc:sldChg>
+      <pc:sldChg chg="addSp delSp modSp ord">
+        <pc:chgData name="Jireh Tseng" userId="S::tsengj@middleton.school.nz::eefb979d-fc0d-4dd5-ae9a-91b2ece0a753" providerId="AD" clId="Web-{8ADE60C0-19A6-C471-675E-CC268BD8C1E5}" dt="2022-03-27T22:50:10.192" v="1026"/>
+        <pc:sldMkLst>
+          <pc:docMk/>
+          <pc:sldMk cId="101173362" sldId="276"/>
+        </pc:sldMkLst>
+        <pc:spChg chg="add del mod">
+          <ac:chgData name="Jireh Tseng" userId="S::tsengj@middleton.school.nz::eefb979d-fc0d-4dd5-ae9a-91b2ece0a753" providerId="AD" clId="Web-{8ADE60C0-19A6-C471-675E-CC268BD8C1E5}" dt="2022-03-27T22:50:10.192" v="1026"/>
+          <ac:spMkLst>
+            <pc:docMk/>
+            <pc:sldMk cId="101173362" sldId="276"/>
+            <ac:spMk id="2" creationId="{FED9831A-229E-72C9-1975-AFC3B2E3DEFD}"/>
+          </ac:spMkLst>
+        </pc:spChg>
+        <pc:spChg chg="del">
+          <ac:chgData name="Jireh Tseng" userId="S::tsengj@middleton.school.nz::eefb979d-fc0d-4dd5-ae9a-91b2ece0a753" providerId="AD" clId="Web-{8ADE60C0-19A6-C471-675E-CC268BD8C1E5}" dt="2022-03-27T22:48:01.109" v="988"/>
+          <ac:spMkLst>
+            <pc:docMk/>
+            <pc:sldMk cId="101173362" sldId="276"/>
+            <ac:spMk id="4" creationId="{518343B6-2201-4ACD-B907-770BC22E8B26}"/>
+          </ac:spMkLst>
+        </pc:spChg>
+        <pc:spChg chg="add del mod">
+          <ac:chgData name="Jireh Tseng" userId="S::tsengj@middleton.school.nz::eefb979d-fc0d-4dd5-ae9a-91b2ece0a753" providerId="AD" clId="Web-{8ADE60C0-19A6-C471-675E-CC268BD8C1E5}" dt="2022-03-27T22:50:08.285" v="1025"/>
+          <ac:spMkLst>
+            <pc:docMk/>
+            <pc:sldMk cId="101173362" sldId="276"/>
+            <ac:spMk id="6" creationId="{0A915ABE-E9D9-5CBE-4F80-504B534096DF}"/>
+          </ac:spMkLst>
+        </pc:spChg>
+        <pc:spChg chg="mod">
+          <ac:chgData name="Jireh Tseng" userId="S::tsengj@middleton.school.nz::eefb979d-fc0d-4dd5-ae9a-91b2ece0a753" providerId="AD" clId="Web-{8ADE60C0-19A6-C471-675E-CC268BD8C1E5}" dt="2022-03-27T22:23:21.739" v="171" actId="20577"/>
+          <ac:spMkLst>
+            <pc:docMk/>
+            <pc:sldMk cId="101173362" sldId="276"/>
+            <ac:spMk id="91" creationId="{00000000-0000-0000-0000-000000000000}"/>
+          </ac:spMkLst>
+        </pc:spChg>
+      </pc:sldChg>
+      <pc:sldChg chg="addSp delSp modSp add replId">
+        <pc:chgData name="Jireh Tseng" userId="S::tsengj@middleton.school.nz::eefb979d-fc0d-4dd5-ae9a-91b2ece0a753" providerId="AD" clId="Web-{8ADE60C0-19A6-C471-675E-CC268BD8C1E5}" dt="2022-03-27T22:47:35.952" v="987" actId="14100"/>
+        <pc:sldMkLst>
+          <pc:docMk/>
+          <pc:sldMk cId="1175070000" sldId="277"/>
+        </pc:sldMkLst>
+        <pc:spChg chg="add mod">
+          <ac:chgData name="Jireh Tseng" userId="S::tsengj@middleton.school.nz::eefb979d-fc0d-4dd5-ae9a-91b2ece0a753" providerId="AD" clId="Web-{8ADE60C0-19A6-C471-675E-CC268BD8C1E5}" dt="2022-03-27T22:47:11.623" v="934" actId="1076"/>
+          <ac:spMkLst>
+            <pc:docMk/>
+            <pc:sldMk cId="1175070000" sldId="277"/>
+            <ac:spMk id="3" creationId="{EEB859FD-38A6-1F62-3856-BEEB4852D4EB}"/>
           </ac:spMkLst>
         </pc:spChg>
         <pc:spChg chg="add mod">
-          <ac:chgData name="Jireh Tseng" userId="S::tsengj@middleton.school.nz::eefb979d-fc0d-4dd5-ae9a-91b2ece0a753" providerId="AD" clId="Web-{E73AC928-7D87-5D94-5CF7-49334421705B}" dt="2022-04-13T06:40:30.212" v="51" actId="1076"/>
+          <ac:chgData name="Jireh Tseng" userId="S::tsengj@middleton.school.nz::eefb979d-fc0d-4dd5-ae9a-91b2ece0a753" providerId="AD" clId="Web-{8ADE60C0-19A6-C471-675E-CC268BD8C1E5}" dt="2022-03-27T22:47:35.952" v="987" actId="14100"/>
           <ac:spMkLst>
             <pc:docMk/>
-            <pc:sldMk cId="1092323287" sldId="290"/>
-            <ac:spMk id="5" creationId="{2013A7D0-D8CD-E2FF-240A-5E82F76B84F0}"/>
+            <pc:sldMk cId="1175070000" sldId="277"/>
+            <ac:spMk id="4" creationId="{1EF618CD-DA5E-F8FB-C22F-BCE459F50A91}"/>
+          </ac:spMkLst>
+        </pc:spChg>
+        <pc:spChg chg="del mod">
+          <ac:chgData name="Jireh Tseng" userId="S::tsengj@middleton.school.nz::eefb979d-fc0d-4dd5-ae9a-91b2ece0a753" providerId="AD" clId="Web-{8ADE60C0-19A6-C471-675E-CC268BD8C1E5}" dt="2022-03-27T22:09:04.207" v="169"/>
+          <ac:spMkLst>
+            <pc:docMk/>
+            <pc:sldMk cId="1175070000" sldId="277"/>
+            <ac:spMk id="4" creationId="{518343B6-2201-4ACD-B907-770BC22E8B26}"/>
           </ac:spMkLst>
         </pc:spChg>
         <pc:spChg chg="add mod">
-          <ac:chgData name="Jireh Tseng" userId="S::tsengj@middleton.school.nz::eefb979d-fc0d-4dd5-ae9a-91b2ece0a753" providerId="AD" clId="Web-{E73AC928-7D87-5D94-5CF7-49334421705B}" dt="2022-04-13T06:41:00.244" v="57" actId="14100"/>
+          <ac:chgData name="Jireh Tseng" userId="S::tsengj@middleton.school.nz::eefb979d-fc0d-4dd5-ae9a-91b2ece0a753" providerId="AD" clId="Web-{8ADE60C0-19A6-C471-675E-CC268BD8C1E5}" dt="2022-03-27T22:47:11.655" v="935" actId="1076"/>
           <ac:spMkLst>
             <pc:docMk/>
-            <pc:sldMk cId="1092323287" sldId="290"/>
-            <ac:spMk id="7" creationId="{25A3D05A-97D5-9B99-AFCA-CCE9AE5DA669}"/>
+            <pc:sldMk cId="1175070000" sldId="277"/>
+            <ac:spMk id="7" creationId="{51325D51-6163-B7CA-A26C-8015E2FCD6C1}"/>
+          </ac:spMkLst>
+        </pc:spChg>
+        <pc:spChg chg="add mod">
+          <ac:chgData name="Jireh Tseng" userId="S::tsengj@middleton.school.nz::eefb979d-fc0d-4dd5-ae9a-91b2ece0a753" providerId="AD" clId="Web-{8ADE60C0-19A6-C471-675E-CC268BD8C1E5}" dt="2022-03-27T22:47:11.670" v="936" actId="1076"/>
+          <ac:spMkLst>
+            <pc:docMk/>
+            <pc:sldMk cId="1175070000" sldId="277"/>
+            <ac:spMk id="8" creationId="{FA361A1F-968A-CB22-BCDE-FAB0A4F6D693}"/>
+          </ac:spMkLst>
+        </pc:spChg>
+        <pc:spChg chg="add mod">
+          <ac:chgData name="Jireh Tseng" userId="S::tsengj@middleton.school.nz::eefb979d-fc0d-4dd5-ae9a-91b2ece0a753" providerId="AD" clId="Web-{8ADE60C0-19A6-C471-675E-CC268BD8C1E5}" dt="2022-03-27T22:47:11.736" v="939" actId="1076"/>
+          <ac:spMkLst>
+            <pc:docMk/>
+            <pc:sldMk cId="1175070000" sldId="277"/>
+            <ac:spMk id="11" creationId="{372BFD89-B350-26DF-57B3-E325AFBD551C}"/>
+          </ac:spMkLst>
+        </pc:spChg>
+        <pc:spChg chg="add mod">
+          <ac:chgData name="Jireh Tseng" userId="S::tsengj@middleton.school.nz::eefb979d-fc0d-4dd5-ae9a-91b2ece0a753" providerId="AD" clId="Web-{8ADE60C0-19A6-C471-675E-CC268BD8C1E5}" dt="2022-03-27T22:47:11.748" v="940" actId="1076"/>
+          <ac:spMkLst>
+            <pc:docMk/>
+            <pc:sldMk cId="1175070000" sldId="277"/>
+            <ac:spMk id="12" creationId="{BF570482-0A5B-5347-2B07-795805EBE47B}"/>
+          </ac:spMkLst>
+        </pc:spChg>
+        <pc:spChg chg="add mod">
+          <ac:chgData name="Jireh Tseng" userId="S::tsengj@middleton.school.nz::eefb979d-fc0d-4dd5-ae9a-91b2ece0a753" providerId="AD" clId="Web-{8ADE60C0-19A6-C471-675E-CC268BD8C1E5}" dt="2022-03-27T22:47:11.764" v="941" actId="1076"/>
+          <ac:spMkLst>
+            <pc:docMk/>
+            <pc:sldMk cId="1175070000" sldId="277"/>
+            <ac:spMk id="13" creationId="{D824B3B3-31A0-7CDD-D78B-B15258305B24}"/>
+          </ac:spMkLst>
+        </pc:spChg>
+        <pc:spChg chg="add mod">
+          <ac:chgData name="Jireh Tseng" userId="S::tsengj@middleton.school.nz::eefb979d-fc0d-4dd5-ae9a-91b2ece0a753" providerId="AD" clId="Web-{8ADE60C0-19A6-C471-675E-CC268BD8C1E5}" dt="2022-03-27T22:47:11.827" v="944" actId="1076"/>
+          <ac:spMkLst>
+            <pc:docMk/>
+            <pc:sldMk cId="1175070000" sldId="277"/>
+            <ac:spMk id="16" creationId="{83F4E725-56A4-C0A5-DB5B-4C5C5AF27CF7}"/>
+          </ac:spMkLst>
+        </pc:spChg>
+        <pc:spChg chg="add mod">
+          <ac:chgData name="Jireh Tseng" userId="S::tsengj@middleton.school.nz::eefb979d-fc0d-4dd5-ae9a-91b2ece0a753" providerId="AD" clId="Web-{8ADE60C0-19A6-C471-675E-CC268BD8C1E5}" dt="2022-03-27T22:47:11.842" v="945" actId="1076"/>
+          <ac:spMkLst>
+            <pc:docMk/>
+            <pc:sldMk cId="1175070000" sldId="277"/>
+            <ac:spMk id="17" creationId="{DA53870B-77DB-D9E4-4F15-AA31D2647E01}"/>
+          </ac:spMkLst>
+        </pc:spChg>
+        <pc:spChg chg="add mod">
+          <ac:chgData name="Jireh Tseng" userId="S::tsengj@middleton.school.nz::eefb979d-fc0d-4dd5-ae9a-91b2ece0a753" providerId="AD" clId="Web-{8ADE60C0-19A6-C471-675E-CC268BD8C1E5}" dt="2022-03-27T22:47:11.859" v="946" actId="1076"/>
+          <ac:spMkLst>
+            <pc:docMk/>
+            <pc:sldMk cId="1175070000" sldId="277"/>
+            <ac:spMk id="18" creationId="{D8655C3F-AEAA-936E-DB1F-87E0C73D29B3}"/>
+          </ac:spMkLst>
+        </pc:spChg>
+        <pc:spChg chg="add mod">
+          <ac:chgData name="Jireh Tseng" userId="S::tsengj@middleton.school.nz::eefb979d-fc0d-4dd5-ae9a-91b2ece0a753" providerId="AD" clId="Web-{8ADE60C0-19A6-C471-675E-CC268BD8C1E5}" dt="2022-03-27T22:47:11.905" v="949" actId="1076"/>
+          <ac:spMkLst>
+            <pc:docMk/>
+            <pc:sldMk cId="1175070000" sldId="277"/>
+            <ac:spMk id="21" creationId="{6D63BF07-B75E-3F99-7466-49EB4D1A03F8}"/>
+          </ac:spMkLst>
+        </pc:spChg>
+        <pc:spChg chg="add mod">
+          <ac:chgData name="Jireh Tseng" userId="S::tsengj@middleton.school.nz::eefb979d-fc0d-4dd5-ae9a-91b2ece0a753" providerId="AD" clId="Web-{8ADE60C0-19A6-C471-675E-CC268BD8C1E5}" dt="2022-03-27T22:47:11.920" v="950" actId="1076"/>
+          <ac:spMkLst>
+            <pc:docMk/>
+            <pc:sldMk cId="1175070000" sldId="277"/>
+            <ac:spMk id="22" creationId="{639ADD27-2FAF-80C9-280D-4C95E4FC80DD}"/>
+          </ac:spMkLst>
+        </pc:spChg>
+        <pc:spChg chg="add mod">
+          <ac:chgData name="Jireh Tseng" userId="S::tsengj@middleton.school.nz::eefb979d-fc0d-4dd5-ae9a-91b2ece0a753" providerId="AD" clId="Web-{8ADE60C0-19A6-C471-675E-CC268BD8C1E5}" dt="2022-03-27T22:47:11.952" v="951" actId="1076"/>
+          <ac:spMkLst>
+            <pc:docMk/>
+            <pc:sldMk cId="1175070000" sldId="277"/>
+            <ac:spMk id="23" creationId="{4C8D303E-4307-2793-2393-912548C749D7}"/>
+          </ac:spMkLst>
+        </pc:spChg>
+        <pc:spChg chg="add mod">
+          <ac:chgData name="Jireh Tseng" userId="S::tsengj@middleton.school.nz::eefb979d-fc0d-4dd5-ae9a-91b2ece0a753" providerId="AD" clId="Web-{8ADE60C0-19A6-C471-675E-CC268BD8C1E5}" dt="2022-03-27T22:47:12.046" v="954" actId="1076"/>
+          <ac:spMkLst>
+            <pc:docMk/>
+            <pc:sldMk cId="1175070000" sldId="277"/>
+            <ac:spMk id="26" creationId="{549DB9C0-5A35-55D4-D80E-1A39D85C0E11}"/>
+          </ac:spMkLst>
+        </pc:spChg>
+        <pc:spChg chg="add mod">
+          <ac:chgData name="Jireh Tseng" userId="S::tsengj@middleton.school.nz::eefb979d-fc0d-4dd5-ae9a-91b2ece0a753" providerId="AD" clId="Web-{8ADE60C0-19A6-C471-675E-CC268BD8C1E5}" dt="2022-03-27T22:47:12.061" v="955" actId="1076"/>
+          <ac:spMkLst>
+            <pc:docMk/>
+            <pc:sldMk cId="1175070000" sldId="277"/>
+            <ac:spMk id="27" creationId="{22CB6C6C-F6DB-56C8-B75F-F555F79F6721}"/>
+          </ac:spMkLst>
+        </pc:spChg>
+        <pc:spChg chg="add mod">
+          <ac:chgData name="Jireh Tseng" userId="S::tsengj@middleton.school.nz::eefb979d-fc0d-4dd5-ae9a-91b2ece0a753" providerId="AD" clId="Web-{8ADE60C0-19A6-C471-675E-CC268BD8C1E5}" dt="2022-03-27T22:47:12.092" v="956" actId="1076"/>
+          <ac:spMkLst>
+            <pc:docMk/>
+            <pc:sldMk cId="1175070000" sldId="277"/>
+            <ac:spMk id="28" creationId="{D944C97C-80EE-9D1E-44A2-FD2C498DCC25}"/>
+          </ac:spMkLst>
+        </pc:spChg>
+        <pc:spChg chg="add mod">
+          <ac:chgData name="Jireh Tseng" userId="S::tsengj@middleton.school.nz::eefb979d-fc0d-4dd5-ae9a-91b2ece0a753" providerId="AD" clId="Web-{8ADE60C0-19A6-C471-675E-CC268BD8C1E5}" dt="2022-03-27T22:47:12.155" v="959" actId="1076"/>
+          <ac:spMkLst>
+            <pc:docMk/>
+            <pc:sldMk cId="1175070000" sldId="277"/>
+            <ac:spMk id="31" creationId="{3316CCD4-872D-5FEB-2FC7-49B201A8A140}"/>
+          </ac:spMkLst>
+        </pc:spChg>
+        <pc:spChg chg="add mod">
+          <ac:chgData name="Jireh Tseng" userId="S::tsengj@middleton.school.nz::eefb979d-fc0d-4dd5-ae9a-91b2ece0a753" providerId="AD" clId="Web-{8ADE60C0-19A6-C471-675E-CC268BD8C1E5}" dt="2022-03-27T22:47:12.170" v="960" actId="1076"/>
+          <ac:spMkLst>
+            <pc:docMk/>
+            <pc:sldMk cId="1175070000" sldId="277"/>
+            <ac:spMk id="32" creationId="{D2EFACFB-C0C5-16BB-D769-6875FABF942B}"/>
+          </ac:spMkLst>
+        </pc:spChg>
+        <pc:spChg chg="add mod">
+          <ac:chgData name="Jireh Tseng" userId="S::tsengj@middleton.school.nz::eefb979d-fc0d-4dd5-ae9a-91b2ece0a753" providerId="AD" clId="Web-{8ADE60C0-19A6-C471-675E-CC268BD8C1E5}" dt="2022-03-27T22:47:12.202" v="961" actId="1076"/>
+          <ac:spMkLst>
+            <pc:docMk/>
+            <pc:sldMk cId="1175070000" sldId="277"/>
+            <ac:spMk id="33" creationId="{84D46624-14F3-B1FD-29CD-2AEE950E0DAB}"/>
           </ac:spMkLst>
         </pc:spChg>
         <pc:spChg chg="mod">
-          <ac:chgData name="Jireh Tseng" userId="S::tsengj@middleton.school.nz::eefb979d-fc0d-4dd5-ae9a-91b2ece0a753" providerId="AD" clId="Web-{E73AC928-7D87-5D94-5CF7-49334421705B}" dt="2022-04-13T06:38:09.771" v="21" actId="20577"/>
+          <ac:chgData name="Jireh Tseng" userId="S::tsengj@middleton.school.nz::eefb979d-fc0d-4dd5-ae9a-91b2ece0a753" providerId="AD" clId="Web-{8ADE60C0-19A6-C471-675E-CC268BD8C1E5}" dt="2022-03-27T22:01:27.151" v="19" actId="20577"/>
           <ac:spMkLst>
             <pc:docMk/>
-            <pc:sldMk cId="1092323287" sldId="290"/>
-            <ac:spMk id="86" creationId="{00000000-0000-0000-0000-000000000000}"/>
-          </ac:spMkLst>
-        </pc:spChg>
-        <pc:picChg chg="add mod">
-          <ac:chgData name="Jireh Tseng" userId="S::tsengj@middleton.school.nz::eefb979d-fc0d-4dd5-ae9a-91b2ece0a753" providerId="AD" clId="Web-{E73AC928-7D87-5D94-5CF7-49334421705B}" dt="2022-04-13T06:40:44.462" v="54" actId="1076"/>
-          <ac:picMkLst>
-            <pc:docMk/>
-            <pc:sldMk cId="1092323287" sldId="290"/>
-            <ac:picMk id="2" creationId="{BCC23093-8A38-7C08-7B37-8D969267C14E}"/>
-          </ac:picMkLst>
-        </pc:picChg>
-        <pc:picChg chg="del">
-          <ac:chgData name="Jireh Tseng" userId="S::tsengj@middleton.school.nz::eefb979d-fc0d-4dd5-ae9a-91b2ece0a753" providerId="AD" clId="Web-{E73AC928-7D87-5D94-5CF7-49334421705B}" dt="2022-04-13T06:38:27.271" v="22"/>
-          <ac:picMkLst>
-            <pc:docMk/>
-            <pc:sldMk cId="1092323287" sldId="290"/>
-            <ac:picMk id="4" creationId="{E5C81E07-4E1E-4823-E30E-0F12B7098C51}"/>
-          </ac:picMkLst>
-        </pc:picChg>
-      </pc:sldChg>
-      <pc:sldChg chg="modSp add ord replId">
-        <pc:chgData name="Jireh Tseng" userId="S::tsengj@middleton.school.nz::eefb979d-fc0d-4dd5-ae9a-91b2ece0a753" providerId="AD" clId="Web-{E73AC928-7D87-5D94-5CF7-49334421705B}" dt="2022-04-13T06:48:04.691" v="608"/>
-        <pc:sldMkLst>
-          <pc:docMk/>
-          <pc:sldMk cId="1750498182" sldId="291"/>
-        </pc:sldMkLst>
-        <pc:spChg chg="mod">
-          <ac:chgData name="Jireh Tseng" userId="S::tsengj@middleton.school.nz::eefb979d-fc0d-4dd5-ae9a-91b2ece0a753" providerId="AD" clId="Web-{E73AC928-7D87-5D94-5CF7-49334421705B}" dt="2022-04-13T06:43:05.403" v="74" actId="20577"/>
-          <ac:spMkLst>
-            <pc:docMk/>
-            <pc:sldMk cId="1750498182" sldId="291"/>
+            <pc:sldMk cId="1175070000" sldId="277"/>
             <ac:spMk id="91" creationId="{00000000-0000-0000-0000-000000000000}"/>
           </ac:spMkLst>
         </pc:spChg>
         <pc:graphicFrameChg chg="mod modGraphic">
-          <ac:chgData name="Jireh Tseng" userId="S::tsengj@middleton.school.nz::eefb979d-fc0d-4dd5-ae9a-91b2ece0a753" providerId="AD" clId="Web-{E73AC928-7D87-5D94-5CF7-49334421705B}" dt="2022-04-13T06:48:04.691" v="608"/>
+          <ac:chgData name="Jireh Tseng" userId="S::tsengj@middleton.school.nz::eefb979d-fc0d-4dd5-ae9a-91b2ece0a753" providerId="AD" clId="Web-{8ADE60C0-19A6-C471-675E-CC268BD8C1E5}" dt="2022-03-27T22:47:11.561" v="932" actId="1076"/>
           <ac:graphicFrameMkLst>
             <pc:docMk/>
-            <pc:sldMk cId="1750498182" sldId="291"/>
+            <pc:sldMk cId="1175070000" sldId="277"/>
+            <ac:graphicFrameMk id="92" creationId="{00000000-0000-0000-0000-000000000000}"/>
+          </ac:graphicFrameMkLst>
+        </pc:graphicFrameChg>
+        <pc:picChg chg="add mod">
+          <ac:chgData name="Jireh Tseng" userId="S::tsengj@middleton.school.nz::eefb979d-fc0d-4dd5-ae9a-91b2ece0a753" providerId="AD" clId="Web-{8ADE60C0-19A6-C471-675E-CC268BD8C1E5}" dt="2022-03-27T22:47:11.609" v="933" actId="1076"/>
+          <ac:picMkLst>
+            <pc:docMk/>
+            <pc:sldMk cId="1175070000" sldId="277"/>
+            <ac:picMk id="2" creationId="{64A1AA31-E2FE-562B-F54B-A4875C6D1BA2}"/>
+          </ac:picMkLst>
+        </pc:picChg>
+        <pc:cxnChg chg="add mod">
+          <ac:chgData name="Jireh Tseng" userId="S::tsengj@middleton.school.nz::eefb979d-fc0d-4dd5-ae9a-91b2ece0a753" providerId="AD" clId="Web-{8ADE60C0-19A6-C471-675E-CC268BD8C1E5}" dt="2022-03-27T22:47:11.686" v="937" actId="1076"/>
+          <ac:cxnSpMkLst>
+            <pc:docMk/>
+            <pc:sldMk cId="1175070000" sldId="277"/>
+            <ac:cxnSpMk id="5" creationId="{1CF4739A-071A-E041-A7E4-6277CD81831A}"/>
+          </ac:cxnSpMkLst>
+        </pc:cxnChg>
+        <pc:cxnChg chg="add mod">
+          <ac:chgData name="Jireh Tseng" userId="S::tsengj@middleton.school.nz::eefb979d-fc0d-4dd5-ae9a-91b2ece0a753" providerId="AD" clId="Web-{8ADE60C0-19A6-C471-675E-CC268BD8C1E5}" dt="2022-03-27T22:47:11.702" v="938" actId="1076"/>
+          <ac:cxnSpMkLst>
+            <pc:docMk/>
+            <pc:sldMk cId="1175070000" sldId="277"/>
+            <ac:cxnSpMk id="10" creationId="{9AF39809-DB62-55B1-F756-5BF8764EEBCB}"/>
+          </ac:cxnSpMkLst>
+        </pc:cxnChg>
+        <pc:cxnChg chg="add mod">
+          <ac:chgData name="Jireh Tseng" userId="S::tsengj@middleton.school.nz::eefb979d-fc0d-4dd5-ae9a-91b2ece0a753" providerId="AD" clId="Web-{8ADE60C0-19A6-C471-675E-CC268BD8C1E5}" dt="2022-03-27T22:47:11.780" v="942" actId="1076"/>
+          <ac:cxnSpMkLst>
+            <pc:docMk/>
+            <pc:sldMk cId="1175070000" sldId="277"/>
+            <ac:cxnSpMk id="14" creationId="{8A6D6AB4-F0EE-3B01-3200-62E972B1ACF0}"/>
+          </ac:cxnSpMkLst>
+        </pc:cxnChg>
+        <pc:cxnChg chg="add mod">
+          <ac:chgData name="Jireh Tseng" userId="S::tsengj@middleton.school.nz::eefb979d-fc0d-4dd5-ae9a-91b2ece0a753" providerId="AD" clId="Web-{8ADE60C0-19A6-C471-675E-CC268BD8C1E5}" dt="2022-03-27T22:47:11.811" v="943" actId="1076"/>
+          <ac:cxnSpMkLst>
+            <pc:docMk/>
+            <pc:sldMk cId="1175070000" sldId="277"/>
+            <ac:cxnSpMk id="15" creationId="{7C4E4E09-3428-D438-02A6-0297A3CDBAE4}"/>
+          </ac:cxnSpMkLst>
+        </pc:cxnChg>
+        <pc:cxnChg chg="add mod">
+          <ac:chgData name="Jireh Tseng" userId="S::tsengj@middleton.school.nz::eefb979d-fc0d-4dd5-ae9a-91b2ece0a753" providerId="AD" clId="Web-{8ADE60C0-19A6-C471-675E-CC268BD8C1E5}" dt="2022-03-27T22:47:11.875" v="947" actId="1076"/>
+          <ac:cxnSpMkLst>
+            <pc:docMk/>
+            <pc:sldMk cId="1175070000" sldId="277"/>
+            <ac:cxnSpMk id="19" creationId="{445D6516-EF7A-8B76-B42B-71F11B39A477}"/>
+          </ac:cxnSpMkLst>
+        </pc:cxnChg>
+        <pc:cxnChg chg="add mod">
+          <ac:chgData name="Jireh Tseng" userId="S::tsengj@middleton.school.nz::eefb979d-fc0d-4dd5-ae9a-91b2ece0a753" providerId="AD" clId="Web-{8ADE60C0-19A6-C471-675E-CC268BD8C1E5}" dt="2022-03-27T22:47:11.889" v="948" actId="1076"/>
+          <ac:cxnSpMkLst>
+            <pc:docMk/>
+            <pc:sldMk cId="1175070000" sldId="277"/>
+            <ac:cxnSpMk id="20" creationId="{7831F06C-BE9F-13B2-9F3D-89843CAC666D}"/>
+          </ac:cxnSpMkLst>
+        </pc:cxnChg>
+        <pc:cxnChg chg="add mod">
+          <ac:chgData name="Jireh Tseng" userId="S::tsengj@middleton.school.nz::eefb979d-fc0d-4dd5-ae9a-91b2ece0a753" providerId="AD" clId="Web-{8ADE60C0-19A6-C471-675E-CC268BD8C1E5}" dt="2022-03-27T22:47:11.983" v="952" actId="1076"/>
+          <ac:cxnSpMkLst>
+            <pc:docMk/>
+            <pc:sldMk cId="1175070000" sldId="277"/>
+            <ac:cxnSpMk id="24" creationId="{40EF1C5A-5945-8802-C0AE-93E10BB43A6E}"/>
+          </ac:cxnSpMkLst>
+        </pc:cxnChg>
+        <pc:cxnChg chg="add mod">
+          <ac:chgData name="Jireh Tseng" userId="S::tsengj@middleton.school.nz::eefb979d-fc0d-4dd5-ae9a-91b2ece0a753" providerId="AD" clId="Web-{8ADE60C0-19A6-C471-675E-CC268BD8C1E5}" dt="2022-03-27T22:47:12.014" v="953" actId="1076"/>
+          <ac:cxnSpMkLst>
+            <pc:docMk/>
+            <pc:sldMk cId="1175070000" sldId="277"/>
+            <ac:cxnSpMk id="25" creationId="{4C7C5FD4-3BEE-7D02-3C66-EC3C3F70ED62}"/>
+          </ac:cxnSpMkLst>
+        </pc:cxnChg>
+        <pc:cxnChg chg="add mod">
+          <ac:chgData name="Jireh Tseng" userId="S::tsengj@middleton.school.nz::eefb979d-fc0d-4dd5-ae9a-91b2ece0a753" providerId="AD" clId="Web-{8ADE60C0-19A6-C471-675E-CC268BD8C1E5}" dt="2022-03-27T22:47:12.108" v="957" actId="1076"/>
+          <ac:cxnSpMkLst>
+            <pc:docMk/>
+            <pc:sldMk cId="1175070000" sldId="277"/>
+            <ac:cxnSpMk id="29" creationId="{6F93BF23-ECFE-8F5C-1047-C738DBE9C9CB}"/>
+          </ac:cxnSpMkLst>
+        </pc:cxnChg>
+        <pc:cxnChg chg="add mod">
+          <ac:chgData name="Jireh Tseng" userId="S::tsengj@middleton.school.nz::eefb979d-fc0d-4dd5-ae9a-91b2ece0a753" providerId="AD" clId="Web-{8ADE60C0-19A6-C471-675E-CC268BD8C1E5}" dt="2022-03-27T22:47:12.123" v="958" actId="1076"/>
+          <ac:cxnSpMkLst>
+            <pc:docMk/>
+            <pc:sldMk cId="1175070000" sldId="277"/>
+            <ac:cxnSpMk id="30" creationId="{1EABAEF0-15F6-48CF-7534-9C4CB4058D2A}"/>
+          </ac:cxnSpMkLst>
+        </pc:cxnChg>
+        <pc:cxnChg chg="add mod">
+          <ac:chgData name="Jireh Tseng" userId="S::tsengj@middleton.school.nz::eefb979d-fc0d-4dd5-ae9a-91b2ece0a753" providerId="AD" clId="Web-{8ADE60C0-19A6-C471-675E-CC268BD8C1E5}" dt="2022-03-27T22:47:12.233" v="962" actId="1076"/>
+          <ac:cxnSpMkLst>
+            <pc:docMk/>
+            <pc:sldMk cId="1175070000" sldId="277"/>
+            <ac:cxnSpMk id="34" creationId="{BDAFF74E-414B-C345-0C69-721CD6F67A51}"/>
+          </ac:cxnSpMkLst>
+        </pc:cxnChg>
+        <pc:cxnChg chg="add mod">
+          <ac:chgData name="Jireh Tseng" userId="S::tsengj@middleton.school.nz::eefb979d-fc0d-4dd5-ae9a-91b2ece0a753" providerId="AD" clId="Web-{8ADE60C0-19A6-C471-675E-CC268BD8C1E5}" dt="2022-03-27T22:47:12.249" v="963" actId="1076"/>
+          <ac:cxnSpMkLst>
+            <pc:docMk/>
+            <pc:sldMk cId="1175070000" sldId="277"/>
+            <ac:cxnSpMk id="35" creationId="{3164386B-D586-8608-3774-2D7A36E48C39}"/>
+          </ac:cxnSpMkLst>
+        </pc:cxnChg>
+      </pc:sldChg>
+      <pc:sldChg chg="add replId">
+        <pc:chgData name="Jireh Tseng" userId="S::tsengj@middleton.school.nz::eefb979d-fc0d-4dd5-ae9a-91b2ece0a753" providerId="AD" clId="Web-{8ADE60C0-19A6-C471-675E-CC268BD8C1E5}" dt="2022-03-27T22:24:02.817" v="172"/>
+        <pc:sldMkLst>
+          <pc:docMk/>
+          <pc:sldMk cId="3377323929" sldId="278"/>
+        </pc:sldMkLst>
+      </pc:sldChg>
+      <pc:sldChg chg="delSp modSp add replId">
+        <pc:chgData name="Jireh Tseng" userId="S::tsengj@middleton.school.nz::eefb979d-fc0d-4dd5-ae9a-91b2ece0a753" providerId="AD" clId="Web-{8ADE60C0-19A6-C471-675E-CC268BD8C1E5}" dt="2022-03-27T22:31:15.560" v="930"/>
+        <pc:sldMkLst>
+          <pc:docMk/>
+          <pc:sldMk cId="2993261380" sldId="279"/>
+        </pc:sldMkLst>
+        <pc:spChg chg="del">
+          <ac:chgData name="Jireh Tseng" userId="S::tsengj@middleton.school.nz::eefb979d-fc0d-4dd5-ae9a-91b2ece0a753" providerId="AD" clId="Web-{8ADE60C0-19A6-C471-675E-CC268BD8C1E5}" dt="2022-03-27T22:25:04.647" v="206"/>
+          <ac:spMkLst>
+            <pc:docMk/>
+            <pc:sldMk cId="2993261380" sldId="279"/>
+            <ac:spMk id="4" creationId="{518343B6-2201-4ACD-B907-770BC22E8B26}"/>
+          </ac:spMkLst>
+        </pc:spChg>
+        <pc:spChg chg="mod">
+          <ac:chgData name="Jireh Tseng" userId="S::tsengj@middleton.school.nz::eefb979d-fc0d-4dd5-ae9a-91b2ece0a753" providerId="AD" clId="Web-{8ADE60C0-19A6-C471-675E-CC268BD8C1E5}" dt="2022-03-27T22:25:28.319" v="208" actId="20577"/>
+          <ac:spMkLst>
+            <pc:docMk/>
+            <pc:sldMk cId="2993261380" sldId="279"/>
+            <ac:spMk id="91" creationId="{00000000-0000-0000-0000-000000000000}"/>
+          </ac:spMkLst>
+        </pc:spChg>
+        <pc:graphicFrameChg chg="mod modGraphic">
+          <ac:chgData name="Jireh Tseng" userId="S::tsengj@middleton.school.nz::eefb979d-fc0d-4dd5-ae9a-91b2ece0a753" providerId="AD" clId="Web-{8ADE60C0-19A6-C471-675E-CC268BD8C1E5}" dt="2022-03-27T22:31:15.560" v="930"/>
+          <ac:graphicFrameMkLst>
+            <pc:docMk/>
+            <pc:sldMk cId="2993261380" sldId="279"/>
             <ac:graphicFrameMk id="92" creationId="{00000000-0000-0000-0000-000000000000}"/>
           </ac:graphicFrameMkLst>
         </pc:graphicFrameChg>
       </pc:sldChg>
-      <pc:sldChg chg="addSp delSp modSp add ord replId">
-        <pc:chgData name="Jireh Tseng" userId="S::tsengj@middleton.school.nz::eefb979d-fc0d-4dd5-ae9a-91b2ece0a753" providerId="AD" clId="Web-{E73AC928-7D87-5D94-5CF7-49334421705B}" dt="2022-04-13T07:29:44.742" v="766" actId="1076"/>
+      <pc:sldChg chg="addSp modSp add replId">
+        <pc:chgData name="Jireh Tseng" userId="S::tsengj@middleton.school.nz::eefb979d-fc0d-4dd5-ae9a-91b2ece0a753" providerId="AD" clId="Web-{8ADE60C0-19A6-C471-675E-CC268BD8C1E5}" dt="2022-03-27T22:52:14.227" v="1091" actId="1076"/>
         <pc:sldMkLst>
           <pc:docMk/>
-          <pc:sldMk cId="821514118" sldId="292"/>
+          <pc:sldMk cId="636464997" sldId="280"/>
         </pc:sldMkLst>
-        <pc:spChg chg="mod">
-          <ac:chgData name="Jireh Tseng" userId="S::tsengj@middleton.school.nz::eefb979d-fc0d-4dd5-ae9a-91b2ece0a753" providerId="AD" clId="Web-{E73AC928-7D87-5D94-5CF7-49334421705B}" dt="2022-04-13T07:24:06.983" v="631" actId="20577"/>
+        <pc:spChg chg="add mod">
+          <ac:chgData name="Jireh Tseng" userId="S::tsengj@middleton.school.nz::eefb979d-fc0d-4dd5-ae9a-91b2ece0a753" providerId="AD" clId="Web-{8ADE60C0-19A6-C471-675E-CC268BD8C1E5}" dt="2022-03-27T22:52:14.227" v="1091" actId="1076"/>
           <ac:spMkLst>
             <pc:docMk/>
-            <pc:sldMk cId="821514118" sldId="292"/>
-            <ac:spMk id="2" creationId="{117C7ED0-CC09-82B1-98D7-D7AC8566A02D}"/>
-          </ac:spMkLst>
-        </pc:spChg>
-        <pc:spChg chg="del">
-          <ac:chgData name="Jireh Tseng" userId="S::tsengj@middleton.school.nz::eefb979d-fc0d-4dd5-ae9a-91b2ece0a753" providerId="AD" clId="Web-{E73AC928-7D87-5D94-5CF7-49334421705B}" dt="2022-04-13T07:24:18.468" v="638"/>
-          <ac:spMkLst>
-            <pc:docMk/>
-            <pc:sldMk cId="821514118" sldId="292"/>
-            <ac:spMk id="4" creationId="{0676CC8F-07AC-7255-5C5C-4ABBBE9DE273}"/>
-          </ac:spMkLst>
-        </pc:spChg>
-        <pc:spChg chg="del mod">
-          <ac:chgData name="Jireh Tseng" userId="S::tsengj@middleton.school.nz::eefb979d-fc0d-4dd5-ae9a-91b2ece0a753" providerId="AD" clId="Web-{E73AC928-7D87-5D94-5CF7-49334421705B}" dt="2022-04-13T07:24:13.437" v="635"/>
-          <ac:spMkLst>
-            <pc:docMk/>
-            <pc:sldMk cId="821514118" sldId="292"/>
-            <ac:spMk id="6" creationId="{2ACA099B-D36F-17A9-F335-3BEBFD61AA03}"/>
+            <pc:sldMk cId="636464997" sldId="280"/>
+            <ac:spMk id="5" creationId="{A0C9D49D-C427-E1AD-7BEC-C00826A1CE8A}"/>
           </ac:spMkLst>
         </pc:spChg>
         <pc:spChg chg="add mod">
-          <ac:chgData name="Jireh Tseng" userId="S::tsengj@middleton.school.nz::eefb979d-fc0d-4dd5-ae9a-91b2ece0a753" providerId="AD" clId="Web-{E73AC928-7D87-5D94-5CF7-49334421705B}" dt="2022-04-13T07:27:32.723" v="664" actId="14100"/>
+          <ac:chgData name="Jireh Tseng" userId="S::tsengj@middleton.school.nz::eefb979d-fc0d-4dd5-ae9a-91b2ece0a753" providerId="AD" clId="Web-{8ADE60C0-19A6-C471-675E-CC268BD8C1E5}" dt="2022-03-27T22:50:15.098" v="1028" actId="1076"/>
           <ac:spMkLst>
             <pc:docMk/>
-            <pc:sldMk cId="821514118" sldId="292"/>
-            <ac:spMk id="11" creationId="{A1A4E0A0-C0ED-991E-61D5-81FE6946AC17}"/>
+            <pc:sldMk cId="636464997" sldId="280"/>
+            <ac:spMk id="6" creationId="{3565F284-A787-F0CF-38CB-57228454B7AE}"/>
           </ac:spMkLst>
         </pc:spChg>
         <pc:spChg chg="add mod">
-          <ac:chgData name="Jireh Tseng" userId="S::tsengj@middleton.school.nz::eefb979d-fc0d-4dd5-ae9a-91b2ece0a753" providerId="AD" clId="Web-{E73AC928-7D87-5D94-5CF7-49334421705B}" dt="2022-04-13T07:26:38.346" v="659"/>
+          <ac:chgData name="Jireh Tseng" userId="S::tsengj@middleton.school.nz::eefb979d-fc0d-4dd5-ae9a-91b2ece0a753" providerId="AD" clId="Web-{8ADE60C0-19A6-C471-675E-CC268BD8C1E5}" dt="2022-03-27T22:50:23.177" v="1031" actId="14100"/>
           <ac:spMkLst>
             <pc:docMk/>
-            <pc:sldMk cId="821514118" sldId="292"/>
-            <ac:spMk id="13" creationId="{855BC24A-2741-F9B9-897B-F27D38382945}"/>
+            <pc:sldMk cId="636464997" sldId="280"/>
+            <ac:spMk id="7" creationId="{4D103BE5-5B45-E7C9-632C-9C5FC730006D}"/>
           </ac:spMkLst>
         </pc:spChg>
         <pc:spChg chg="add mod">
-          <ac:chgData name="Jireh Tseng" userId="S::tsengj@middleton.school.nz::eefb979d-fc0d-4dd5-ae9a-91b2ece0a753" providerId="AD" clId="Web-{E73AC928-7D87-5D94-5CF7-49334421705B}" dt="2022-04-13T07:27:49.754" v="666"/>
+          <ac:chgData name="Jireh Tseng" userId="S::tsengj@middleton.school.nz::eefb979d-fc0d-4dd5-ae9a-91b2ece0a753" providerId="AD" clId="Web-{8ADE60C0-19A6-C471-675E-CC268BD8C1E5}" dt="2022-03-27T22:50:30.817" v="1034" actId="14100"/>
           <ac:spMkLst>
             <pc:docMk/>
-            <pc:sldMk cId="821514118" sldId="292"/>
-            <ac:spMk id="14" creationId="{DDEF694F-66A8-AD55-2E81-8C23419C8CA8}"/>
+            <pc:sldMk cId="636464997" sldId="280"/>
+            <ac:spMk id="8" creationId="{4619ED37-58C6-801D-365B-545A3C4F0B20}"/>
           </ac:spMkLst>
         </pc:spChg>
         <pc:spChg chg="add mod">
-          <ac:chgData name="Jireh Tseng" userId="S::tsengj@middleton.school.nz::eefb979d-fc0d-4dd5-ae9a-91b2ece0a753" providerId="AD" clId="Web-{E73AC928-7D87-5D94-5CF7-49334421705B}" dt="2022-04-13T07:28:54.178" v="717" actId="1076"/>
+          <ac:chgData name="Jireh Tseng" userId="S::tsengj@middleton.school.nz::eefb979d-fc0d-4dd5-ae9a-91b2ece0a753" providerId="AD" clId="Web-{8ADE60C0-19A6-C471-675E-CC268BD8C1E5}" dt="2022-03-27T22:51:16.334" v="1053" actId="1076"/>
           <ac:spMkLst>
             <pc:docMk/>
-            <pc:sldMk cId="821514118" sldId="292"/>
-            <ac:spMk id="15" creationId="{5A6598DE-722A-25F4-7138-F2334A98CDC4}"/>
+            <pc:sldMk cId="636464997" sldId="280"/>
+            <ac:spMk id="11" creationId="{8B6E8C10-C976-3C2A-CBAA-F2F9C9CD6291}"/>
           </ac:spMkLst>
         </pc:spChg>
         <pc:spChg chg="add mod">
-          <ac:chgData name="Jireh Tseng" userId="S::tsengj@middleton.school.nz::eefb979d-fc0d-4dd5-ae9a-91b2ece0a753" providerId="AD" clId="Web-{E73AC928-7D87-5D94-5CF7-49334421705B}" dt="2022-04-13T07:28:21.677" v="700" actId="1076"/>
+          <ac:chgData name="Jireh Tseng" userId="S::tsengj@middleton.school.nz::eefb979d-fc0d-4dd5-ae9a-91b2ece0a753" providerId="AD" clId="Web-{8ADE60C0-19A6-C471-675E-CC268BD8C1E5}" dt="2022-03-27T22:51:16.350" v="1054" actId="1076"/>
           <ac:spMkLst>
             <pc:docMk/>
-            <pc:sldMk cId="821514118" sldId="292"/>
-            <ac:spMk id="16" creationId="{7589514A-F299-0BE2-AF3A-0E5A01786D85}"/>
+            <pc:sldMk cId="636464997" sldId="280"/>
+            <ac:spMk id="12" creationId="{E0682261-9A33-6C28-FCD4-08B28FE46CE9}"/>
           </ac:spMkLst>
         </pc:spChg>
         <pc:spChg chg="add mod">
-          <ac:chgData name="Jireh Tseng" userId="S::tsengj@middleton.school.nz::eefb979d-fc0d-4dd5-ae9a-91b2ece0a753" providerId="AD" clId="Web-{E73AC928-7D87-5D94-5CF7-49334421705B}" dt="2022-04-13T07:29:44.742" v="766" actId="1076"/>
+          <ac:chgData name="Jireh Tseng" userId="S::tsengj@middleton.school.nz::eefb979d-fc0d-4dd5-ae9a-91b2ece0a753" providerId="AD" clId="Web-{8ADE60C0-19A6-C471-675E-CC268BD8C1E5}" dt="2022-03-27T22:51:20.647" v="1058" actId="1076"/>
           <ac:spMkLst>
             <pc:docMk/>
-            <pc:sldMk cId="821514118" sldId="292"/>
-            <ac:spMk id="17" creationId="{A6F7868D-4566-BB8F-888B-FA33BDC914C7}"/>
+            <pc:sldMk cId="636464997" sldId="280"/>
+            <ac:spMk id="13" creationId="{46449077-345D-20F6-FD2D-5BF18C019839}"/>
           </ac:spMkLst>
         </pc:spChg>
-        <pc:picChg chg="del">
-          <ac:chgData name="Jireh Tseng" userId="S::tsengj@middleton.school.nz::eefb979d-fc0d-4dd5-ae9a-91b2ece0a753" providerId="AD" clId="Web-{E73AC928-7D87-5D94-5CF7-49334421705B}" dt="2022-04-13T07:24:08.593" v="632"/>
+        <pc:spChg chg="add mod">
+          <ac:chgData name="Jireh Tseng" userId="S::tsengj@middleton.school.nz::eefb979d-fc0d-4dd5-ae9a-91b2ece0a753" providerId="AD" clId="Web-{8ADE60C0-19A6-C471-675E-CC268BD8C1E5}" dt="2022-03-27T22:51:40.194" v="1084" actId="14100"/>
+          <ac:spMkLst>
+            <pc:docMk/>
+            <pc:sldMk cId="636464997" sldId="280"/>
+            <ac:spMk id="16" creationId="{F3669E52-6F15-24F9-9B1B-2B04E5AA9525}"/>
+          </ac:spMkLst>
+        </pc:spChg>
+        <pc:spChg chg="add mod">
+          <ac:chgData name="Jireh Tseng" userId="S::tsengj@middleton.school.nz::eefb979d-fc0d-4dd5-ae9a-91b2ece0a753" providerId="AD" clId="Web-{8ADE60C0-19A6-C471-675E-CC268BD8C1E5}" dt="2022-03-27T22:51:51.492" v="1087" actId="14100"/>
+          <ac:spMkLst>
+            <pc:docMk/>
+            <pc:sldMk cId="636464997" sldId="280"/>
+            <ac:spMk id="17" creationId="{5A503DB2-E7D5-8AAF-3554-715479DDE452}"/>
+          </ac:spMkLst>
+        </pc:spChg>
+        <pc:spChg chg="add mod">
+          <ac:chgData name="Jireh Tseng" userId="S::tsengj@middleton.school.nz::eefb979d-fc0d-4dd5-ae9a-91b2ece0a753" providerId="AD" clId="Web-{8ADE60C0-19A6-C471-675E-CC268BD8C1E5}" dt="2022-03-27T22:51:57.930" v="1089" actId="14100"/>
+          <ac:spMkLst>
+            <pc:docMk/>
+            <pc:sldMk cId="636464997" sldId="280"/>
+            <ac:spMk id="18" creationId="{36AC13FC-B24D-6C72-F049-D0B8A6DCC146}"/>
+          </ac:spMkLst>
+        </pc:spChg>
+        <pc:spChg chg="mod">
+          <ac:chgData name="Jireh Tseng" userId="S::tsengj@middleton.school.nz::eefb979d-fc0d-4dd5-ae9a-91b2ece0a753" providerId="AD" clId="Web-{8ADE60C0-19A6-C471-675E-CC268BD8C1E5}" dt="2022-03-27T22:48:49.814" v="1000" actId="20577"/>
+          <ac:spMkLst>
+            <pc:docMk/>
+            <pc:sldMk cId="636464997" sldId="280"/>
+            <ac:spMk id="91" creationId="{00000000-0000-0000-0000-000000000000}"/>
+          </ac:spMkLst>
+        </pc:spChg>
+        <pc:graphicFrameChg chg="mod modGraphic">
+          <ac:chgData name="Jireh Tseng" userId="S::tsengj@middleton.school.nz::eefb979d-fc0d-4dd5-ae9a-91b2ece0a753" providerId="AD" clId="Web-{8ADE60C0-19A6-C471-675E-CC268BD8C1E5}" dt="2022-03-27T22:48:52.830" v="1001"/>
+          <ac:graphicFrameMkLst>
+            <pc:docMk/>
+            <pc:sldMk cId="636464997" sldId="280"/>
+            <ac:graphicFrameMk id="92" creationId="{00000000-0000-0000-0000-000000000000}"/>
+          </ac:graphicFrameMkLst>
+        </pc:graphicFrameChg>
+        <pc:picChg chg="add mod">
+          <ac:chgData name="Jireh Tseng" userId="S::tsengj@middleton.school.nz::eefb979d-fc0d-4dd5-ae9a-91b2ece0a753" providerId="AD" clId="Web-{8ADE60C0-19A6-C471-675E-CC268BD8C1E5}" dt="2022-03-27T22:49:16.597" v="1008" actId="14100"/>
           <ac:picMkLst>
             <pc:docMk/>
-            <pc:sldMk cId="821514118" sldId="292"/>
-            <ac:picMk id="3" creationId="{89276921-B447-1D95-4DC2-8AD1144AB121}"/>
+            <pc:sldMk cId="636464997" sldId="280"/>
+            <ac:picMk id="2" creationId="{E234CF7E-755D-A7C1-222C-9E7262D0F15C}"/>
           </ac:picMkLst>
         </pc:picChg>
         <pc:picChg chg="add mod">
-          <ac:chgData name="Jireh Tseng" userId="S::tsengj@middleton.school.nz::eefb979d-fc0d-4dd5-ae9a-91b2ece0a753" providerId="AD" clId="Web-{E73AC928-7D87-5D94-5CF7-49334421705B}" dt="2022-04-13T07:25:19.282" v="648" actId="1076"/>
+          <ac:chgData name="Jireh Tseng" userId="S::tsengj@middleton.school.nz::eefb979d-fc0d-4dd5-ae9a-91b2ece0a753" providerId="AD" clId="Web-{8ADE60C0-19A6-C471-675E-CC268BD8C1E5}" dt="2022-03-27T22:49:23.534" v="1012" actId="14100"/>
           <ac:picMkLst>
             <pc:docMk/>
-            <pc:sldMk cId="821514118" sldId="292"/>
-            <ac:picMk id="5" creationId="{6A175A57-DC9A-34A1-D38F-3DE7F660D431}"/>
+            <pc:sldMk cId="636464997" sldId="280"/>
+            <ac:picMk id="3" creationId="{3E21A60A-1E62-9B76-5D91-CDCC9DCF57CB}"/>
           </ac:picMkLst>
         </pc:picChg>
-        <pc:picChg chg="del">
-          <ac:chgData name="Jireh Tseng" userId="S::tsengj@middleton.school.nz::eefb979d-fc0d-4dd5-ae9a-91b2ece0a753" providerId="AD" clId="Web-{E73AC928-7D87-5D94-5CF7-49334421705B}" dt="2022-04-13T07:24:15.983" v="637"/>
-          <ac:picMkLst>
-            <pc:docMk/>
-            <pc:sldMk cId="821514118" sldId="292"/>
-            <ac:picMk id="7" creationId="{3E3ED375-DD72-680C-8F58-70BC755CCE29}"/>
-          </ac:picMkLst>
-        </pc:picChg>
-        <pc:picChg chg="del">
-          <ac:chgData name="Jireh Tseng" userId="S::tsengj@middleton.school.nz::eefb979d-fc0d-4dd5-ae9a-91b2ece0a753" providerId="AD" clId="Web-{E73AC928-7D87-5D94-5CF7-49334421705B}" dt="2022-04-13T07:24:14.624" v="636"/>
-          <ac:picMkLst>
-            <pc:docMk/>
-            <pc:sldMk cId="821514118" sldId="292"/>
-            <ac:picMk id="8" creationId="{FDB2E0E9-D86D-F82F-0828-239D28074C54}"/>
-          </ac:picMkLst>
-        </pc:picChg>
-        <pc:picChg chg="add mod">
-          <ac:chgData name="Jireh Tseng" userId="S::tsengj@middleton.school.nz::eefb979d-fc0d-4dd5-ae9a-91b2ece0a753" providerId="AD" clId="Web-{E73AC928-7D87-5D94-5CF7-49334421705B}" dt="2022-04-13T07:25:20.891" v="649" actId="1076"/>
-          <ac:picMkLst>
-            <pc:docMk/>
-            <pc:sldMk cId="821514118" sldId="292"/>
-            <ac:picMk id="9" creationId="{5C472445-5698-4240-DB0D-20AC3DCA4BCC}"/>
-          </ac:picMkLst>
-        </pc:picChg>
+        <pc:cxnChg chg="add mod">
+          <ac:chgData name="Jireh Tseng" userId="S::tsengj@middleton.school.nz::eefb979d-fc0d-4dd5-ae9a-91b2ece0a753" providerId="AD" clId="Web-{8ADE60C0-19A6-C471-675E-CC268BD8C1E5}" dt="2022-03-27T22:50:52.396" v="1039" actId="14100"/>
+          <ac:cxnSpMkLst>
+            <pc:docMk/>
+            <pc:sldMk cId="636464997" sldId="280"/>
+            <ac:cxnSpMk id="4" creationId="{FAFED4A7-A9B5-30E7-CED5-2F7F88B17EE4}"/>
+          </ac:cxnSpMkLst>
+        </pc:cxnChg>
+        <pc:cxnChg chg="add mod">
+          <ac:chgData name="Jireh Tseng" userId="S::tsengj@middleton.school.nz::eefb979d-fc0d-4dd5-ae9a-91b2ece0a753" providerId="AD" clId="Web-{8ADE60C0-19A6-C471-675E-CC268BD8C1E5}" dt="2022-03-27T22:50:59.052" v="1042" actId="14100"/>
+          <ac:cxnSpMkLst>
+            <pc:docMk/>
+            <pc:sldMk cId="636464997" sldId="280"/>
+            <ac:cxnSpMk id="10" creationId="{2178EA7A-8C3A-4C7F-F939-A728F5155991}"/>
+          </ac:cxnSpMkLst>
+        </pc:cxnChg>
+        <pc:cxnChg chg="add mod">
+          <ac:chgData name="Jireh Tseng" userId="S::tsengj@middleton.school.nz::eefb979d-fc0d-4dd5-ae9a-91b2ece0a753" providerId="AD" clId="Web-{8ADE60C0-19A6-C471-675E-CC268BD8C1E5}" dt="2022-03-27T22:51:16.366" v="1056" actId="1076"/>
+          <ac:cxnSpMkLst>
+            <pc:docMk/>
+            <pc:sldMk cId="636464997" sldId="280"/>
+            <ac:cxnSpMk id="14" creationId="{331DC64A-26E8-3D90-483D-1C11673842EC}"/>
+          </ac:cxnSpMkLst>
+        </pc:cxnChg>
+        <pc:cxnChg chg="add mod">
+          <ac:chgData name="Jireh Tseng" userId="S::tsengj@middleton.school.nz::eefb979d-fc0d-4dd5-ae9a-91b2ece0a753" providerId="AD" clId="Web-{8ADE60C0-19A6-C471-675E-CC268BD8C1E5}" dt="2022-03-27T22:51:23.288" v="1059" actId="14100"/>
+          <ac:cxnSpMkLst>
+            <pc:docMk/>
+            <pc:sldMk cId="636464997" sldId="280"/>
+            <ac:cxnSpMk id="15" creationId="{E66BE9E7-0C9D-CCE4-C0C0-F185F4D8021C}"/>
+          </ac:cxnSpMkLst>
+        </pc:cxnChg>
+        <pc:cxnChg chg="add mod">
+          <ac:chgData name="Jireh Tseng" userId="S::tsengj@middleton.school.nz::eefb979d-fc0d-4dd5-ae9a-91b2ece0a753" providerId="AD" clId="Web-{8ADE60C0-19A6-C471-675E-CC268BD8C1E5}" dt="2022-03-27T22:51:40.194" v="1081" actId="14100"/>
+          <ac:cxnSpMkLst>
+            <pc:docMk/>
+            <pc:sldMk cId="636464997" sldId="280"/>
+            <ac:cxnSpMk id="19" creationId="{522FD415-D4BA-8CEB-3E62-366A39E04169}"/>
+          </ac:cxnSpMkLst>
+        </pc:cxnChg>
+        <pc:cxnChg chg="add mod">
+          <ac:chgData name="Jireh Tseng" userId="S::tsengj@middleton.school.nz::eefb979d-fc0d-4dd5-ae9a-91b2ece0a753" providerId="AD" clId="Web-{8ADE60C0-19A6-C471-675E-CC268BD8C1E5}" dt="2022-03-27T22:51:47.585" v="1086" actId="14100"/>
+          <ac:cxnSpMkLst>
+            <pc:docMk/>
+            <pc:sldMk cId="636464997" sldId="280"/>
+            <ac:cxnSpMk id="20" creationId="{28E3688F-F336-9BF4-617B-B203A30F20ED}"/>
+          </ac:cxnSpMkLst>
+        </pc:cxnChg>
       </pc:sldChg>
     </pc:docChg>
   </pc:docChgLst>
@@ -842,139 +1490,75 @@
     </pc:docChg>
   </pc:docChgLst>
   <pc:docChgLst>
-    <pc:chgData name="Jireh Tseng" userId="S::tsengj@middleton.school.nz::eefb979d-fc0d-4dd5-ae9a-91b2ece0a753" providerId="AD" clId="Web-{8ADE60C0-19A6-C471-675E-CC268BD8C1E5}"/>
-    <pc:docChg chg="addSld delSld modSld sldOrd">
-      <pc:chgData name="Jireh Tseng" userId="S::tsengj@middleton.school.nz::eefb979d-fc0d-4dd5-ae9a-91b2ece0a753" providerId="AD" clId="Web-{8ADE60C0-19A6-C471-675E-CC268BD8C1E5}" dt="2022-03-27T22:52:14.227" v="1091" actId="1076"/>
+    <pc:chgData name="Jireh Tseng" userId="S::tsengj@middleton.school.nz::eefb979d-fc0d-4dd5-ae9a-91b2ece0a753" providerId="AD" clId="Web-{ED89BA52-C93F-C9E4-3561-9BF3A71FD8F3}"/>
+    <pc:docChg chg="addSld modSld sldOrd">
+      <pc:chgData name="Jireh Tseng" userId="S::tsengj@middleton.school.nz::eefb979d-fc0d-4dd5-ae9a-91b2ece0a753" providerId="AD" clId="Web-{ED89BA52-C93F-C9E4-3561-9BF3A71FD8F3}" dt="2022-04-04T21:08:20.274" v="818" actId="1076"/>
       <pc:docMkLst>
         <pc:docMk/>
       </pc:docMkLst>
-      <pc:sldChg chg="addSp modSp mod setBg">
-        <pc:chgData name="Jireh Tseng" userId="S::tsengj@middleton.school.nz::eefb979d-fc0d-4dd5-ae9a-91b2ece0a753" providerId="AD" clId="Web-{8ADE60C0-19A6-C471-675E-CC268BD8C1E5}" dt="2022-03-27T22:22:57.426" v="170"/>
+      <pc:sldChg chg="addSp modSp">
+        <pc:chgData name="Jireh Tseng" userId="S::tsengj@middleton.school.nz::eefb979d-fc0d-4dd5-ae9a-91b2ece0a753" providerId="AD" clId="Web-{ED89BA52-C93F-C9E4-3561-9BF3A71FD8F3}" dt="2022-04-04T20:54:36.893" v="37" actId="1076"/>
         <pc:sldMkLst>
           <pc:docMk/>
-          <pc:sldMk cId="1362934084" sldId="256"/>
+          <pc:sldMk cId="2568554082" sldId="283"/>
         </pc:sldMkLst>
         <pc:spChg chg="mod">
-          <ac:chgData name="Jireh Tseng" userId="S::tsengj@middleton.school.nz::eefb979d-fc0d-4dd5-ae9a-91b2ece0a753" providerId="AD" clId="Web-{8ADE60C0-19A6-C471-675E-CC268BD8C1E5}" dt="2022-03-27T22:22:57.426" v="170"/>
+          <ac:chgData name="Jireh Tseng" userId="S::tsengj@middleton.school.nz::eefb979d-fc0d-4dd5-ae9a-91b2ece0a753" providerId="AD" clId="Web-{ED89BA52-C93F-C9E4-3561-9BF3A71FD8F3}" dt="2022-04-04T20:54:16.158" v="33" actId="20577"/>
           <ac:spMkLst>
             <pc:docMk/>
-            <pc:sldMk cId="1362934084" sldId="256"/>
-            <ac:spMk id="2" creationId="{A96C2811-5704-42C1-869B-16E29CB6572E}"/>
+            <pc:sldMk cId="2568554082" sldId="283"/>
+            <ac:spMk id="3" creationId="{6BE7D083-107B-9598-9BED-5E001A7543AF}"/>
           </ac:spMkLst>
         </pc:spChg>
+        <pc:picChg chg="add mod">
+          <ac:chgData name="Jireh Tseng" userId="S::tsengj@middleton.school.nz::eefb979d-fc0d-4dd5-ae9a-91b2ece0a753" providerId="AD" clId="Web-{ED89BA52-C93F-C9E4-3561-9BF3A71FD8F3}" dt="2022-04-04T20:54:36.893" v="37" actId="1076"/>
+          <ac:picMkLst>
+            <pc:docMk/>
+            <pc:sldMk cId="2568554082" sldId="283"/>
+            <ac:picMk id="4" creationId="{9B6711AC-D2BC-B7C6-105F-22B6DE2DE07C}"/>
+          </ac:picMkLst>
+        </pc:picChg>
+      </pc:sldChg>
+      <pc:sldChg chg="modSp add ord replId">
+        <pc:chgData name="Jireh Tseng" userId="S::tsengj@middleton.school.nz::eefb979d-fc0d-4dd5-ae9a-91b2ece0a753" providerId="AD" clId="Web-{ED89BA52-C93F-C9E4-3561-9BF3A71FD8F3}" dt="2022-04-04T21:08:20.274" v="818" actId="1076"/>
+        <pc:sldMkLst>
+          <pc:docMk/>
+          <pc:sldMk cId="3526152642" sldId="284"/>
+        </pc:sldMkLst>
         <pc:spChg chg="mod">
-          <ac:chgData name="Jireh Tseng" userId="S::tsengj@middleton.school.nz::eefb979d-fc0d-4dd5-ae9a-91b2ece0a753" providerId="AD" clId="Web-{8ADE60C0-19A6-C471-675E-CC268BD8C1E5}" dt="2022-03-27T22:22:57.426" v="170"/>
+          <ac:chgData name="Jireh Tseng" userId="S::tsengj@middleton.school.nz::eefb979d-fc0d-4dd5-ae9a-91b2ece0a753" providerId="AD" clId="Web-{ED89BA52-C93F-C9E4-3561-9BF3A71FD8F3}" dt="2022-04-04T20:56:49.052" v="47" actId="20577"/>
           <ac:spMkLst>
             <pc:docMk/>
-            <pc:sldMk cId="1362934084" sldId="256"/>
-            <ac:spMk id="3" creationId="{930E6464-DA98-43C8-B6C9-594748754628}"/>
+            <pc:sldMk cId="3526152642" sldId="284"/>
+            <ac:spMk id="91" creationId="{00000000-0000-0000-0000-000000000000}"/>
           </ac:spMkLst>
         </pc:spChg>
-        <pc:spChg chg="add">
-          <ac:chgData name="Jireh Tseng" userId="S::tsengj@middleton.school.nz::eefb979d-fc0d-4dd5-ae9a-91b2ece0a753" providerId="AD" clId="Web-{8ADE60C0-19A6-C471-675E-CC268BD8C1E5}" dt="2022-03-27T22:22:57.426" v="170"/>
-          <ac:spMkLst>
-            <pc:docMk/>
-            <pc:sldMk cId="1362934084" sldId="256"/>
-            <ac:spMk id="8" creationId="{3A397E3E-B90C-4D82-BAAA-36F7AC6A4565}"/>
-          </ac:spMkLst>
-        </pc:spChg>
-        <pc:spChg chg="add">
-          <ac:chgData name="Jireh Tseng" userId="S::tsengj@middleton.school.nz::eefb979d-fc0d-4dd5-ae9a-91b2ece0a753" providerId="AD" clId="Web-{8ADE60C0-19A6-C471-675E-CC268BD8C1E5}" dt="2022-03-27T22:22:57.426" v="170"/>
-          <ac:spMkLst>
-            <pc:docMk/>
-            <pc:sldMk cId="1362934084" sldId="256"/>
-            <ac:spMk id="10" creationId="{E16C8D8F-10E9-4498-ABDB-0F923F8B6837}"/>
-          </ac:spMkLst>
-        </pc:spChg>
-        <pc:spChg chg="add">
-          <ac:chgData name="Jireh Tseng" userId="S::tsengj@middleton.school.nz::eefb979d-fc0d-4dd5-ae9a-91b2ece0a753" providerId="AD" clId="Web-{8ADE60C0-19A6-C471-675E-CC268BD8C1E5}" dt="2022-03-27T22:22:57.426" v="170"/>
-          <ac:spMkLst>
-            <pc:docMk/>
-            <pc:sldMk cId="1362934084" sldId="256"/>
-            <ac:spMk id="12" creationId="{1E5A83E3-8A11-4492-BB6E-F5F2240316FB}"/>
-          </ac:spMkLst>
-        </pc:spChg>
-        <pc:spChg chg="add">
-          <ac:chgData name="Jireh Tseng" userId="S::tsengj@middleton.school.nz::eefb979d-fc0d-4dd5-ae9a-91b2ece0a753" providerId="AD" clId="Web-{8ADE60C0-19A6-C471-675E-CC268BD8C1E5}" dt="2022-03-27T22:22:57.426" v="170"/>
-          <ac:spMkLst>
-            <pc:docMk/>
-            <pc:sldMk cId="1362934084" sldId="256"/>
-            <ac:spMk id="14" creationId="{8CF5E676-CA04-4CED-9F1E-5026ED66E66D}"/>
-          </ac:spMkLst>
-        </pc:spChg>
-        <pc:spChg chg="add">
-          <ac:chgData name="Jireh Tseng" userId="S::tsengj@middleton.school.nz::eefb979d-fc0d-4dd5-ae9a-91b2ece0a753" providerId="AD" clId="Web-{8ADE60C0-19A6-C471-675E-CC268BD8C1E5}" dt="2022-03-27T22:22:57.426" v="170"/>
-          <ac:spMkLst>
-            <pc:docMk/>
-            <pc:sldMk cId="1362934084" sldId="256"/>
-            <ac:spMk id="16" creationId="{6BA9E676-A8FC-4C2F-8D78-C13ED8ABDBA8}"/>
-          </ac:spMkLst>
-        </pc:spChg>
-        <pc:spChg chg="add">
-          <ac:chgData name="Jireh Tseng" userId="S::tsengj@middleton.school.nz::eefb979d-fc0d-4dd5-ae9a-91b2ece0a753" providerId="AD" clId="Web-{8ADE60C0-19A6-C471-675E-CC268BD8C1E5}" dt="2022-03-27T22:22:57.426" v="170"/>
-          <ac:spMkLst>
-            <pc:docMk/>
-            <pc:sldMk cId="1362934084" sldId="256"/>
-            <ac:spMk id="18" creationId="{A2B5CBEA-F125-49B6-8335-227C325B112B}"/>
-          </ac:spMkLst>
-        </pc:spChg>
-        <pc:spChg chg="add">
-          <ac:chgData name="Jireh Tseng" userId="S::tsengj@middleton.school.nz::eefb979d-fc0d-4dd5-ae9a-91b2ece0a753" providerId="AD" clId="Web-{8ADE60C0-19A6-C471-675E-CC268BD8C1E5}" dt="2022-03-27T22:22:57.426" v="170"/>
-          <ac:spMkLst>
-            <pc:docMk/>
-            <pc:sldMk cId="1362934084" sldId="256"/>
-            <ac:spMk id="20" creationId="{EECD79B5-5FC5-495F-BFD6-346C16E787A7}"/>
-          </ac:spMkLst>
-        </pc:spChg>
-        <pc:spChg chg="add">
-          <ac:chgData name="Jireh Tseng" userId="S::tsengj@middleton.school.nz::eefb979d-fc0d-4dd5-ae9a-91b2ece0a753" providerId="AD" clId="Web-{8ADE60C0-19A6-C471-675E-CC268BD8C1E5}" dt="2022-03-27T22:22:57.426" v="170"/>
-          <ac:spMkLst>
-            <pc:docMk/>
-            <pc:sldMk cId="1362934084" sldId="256"/>
-            <ac:spMk id="22" creationId="{2C1D3151-5F97-4860-B56C-C98BD62CC255}"/>
-          </ac:spMkLst>
-        </pc:spChg>
-        <pc:spChg chg="add">
-          <ac:chgData name="Jireh Tseng" userId="S::tsengj@middleton.school.nz::eefb979d-fc0d-4dd5-ae9a-91b2ece0a753" providerId="AD" clId="Web-{8ADE60C0-19A6-C471-675E-CC268BD8C1E5}" dt="2022-03-27T22:22:57.426" v="170"/>
-          <ac:spMkLst>
-            <pc:docMk/>
-            <pc:sldMk cId="1362934084" sldId="256"/>
-            <ac:spMk id="24" creationId="{32D9D048-3063-435A-8C23-26C1907E9619}"/>
-          </ac:spMkLst>
-        </pc:spChg>
-        <pc:spChg chg="add">
-          <ac:chgData name="Jireh Tseng" userId="S::tsengj@middleton.school.nz::eefb979d-fc0d-4dd5-ae9a-91b2ece0a753" providerId="AD" clId="Web-{8ADE60C0-19A6-C471-675E-CC268BD8C1E5}" dt="2022-03-27T22:22:57.426" v="170"/>
-          <ac:spMkLst>
-            <pc:docMk/>
-            <pc:sldMk cId="1362934084" sldId="256"/>
-            <ac:spMk id="26" creationId="{8DE96824-E506-4448-8704-5EC7BF7BC51B}"/>
-          </ac:spMkLst>
-        </pc:spChg>
-        <pc:spChg chg="add">
-          <ac:chgData name="Jireh Tseng" userId="S::tsengj@middleton.school.nz::eefb979d-fc0d-4dd5-ae9a-91b2ece0a753" providerId="AD" clId="Web-{8ADE60C0-19A6-C471-675E-CC268BD8C1E5}" dt="2022-03-27T22:22:57.426" v="170"/>
-          <ac:spMkLst>
-            <pc:docMk/>
-            <pc:sldMk cId="1362934084" sldId="256"/>
-            <ac:spMk id="28" creationId="{4D1A5E71-B6B6-486A-8CDC-C7ABD9B903F6}"/>
-          </ac:spMkLst>
-        </pc:spChg>
-        <pc:spChg chg="add">
-          <ac:chgData name="Jireh Tseng" userId="S::tsengj@middleton.school.nz::eefb979d-fc0d-4dd5-ae9a-91b2ece0a753" providerId="AD" clId="Web-{8ADE60C0-19A6-C471-675E-CC268BD8C1E5}" dt="2022-03-27T22:22:57.426" v="170"/>
-          <ac:spMkLst>
-            <pc:docMk/>
-            <pc:sldMk cId="1362934084" sldId="256"/>
-            <ac:spMk id="30" creationId="{B6C541AE-9B02-44C0-B8C6-B2DEA7ED3813}"/>
-          </ac:spMkLst>
-        </pc:spChg>
+        <pc:graphicFrameChg chg="mod modGraphic">
+          <ac:chgData name="Jireh Tseng" userId="S::tsengj@middleton.school.nz::eefb979d-fc0d-4dd5-ae9a-91b2ece0a753" providerId="AD" clId="Web-{ED89BA52-C93F-C9E4-3561-9BF3A71FD8F3}" dt="2022-04-04T21:08:20.274" v="818" actId="1076"/>
+          <ac:graphicFrameMkLst>
+            <pc:docMk/>
+            <pc:sldMk cId="3526152642" sldId="284"/>
+            <ac:graphicFrameMk id="92" creationId="{00000000-0000-0000-0000-000000000000}"/>
+          </ac:graphicFrameMkLst>
+        </pc:graphicFrameChg>
       </pc:sldChg>
+    </pc:docChg>
+  </pc:docChgLst>
+  <pc:docChgLst>
+    <pc:chgData name="Jireh Tseng" userId="S::tsengj@middleton.school.nz::eefb979d-fc0d-4dd5-ae9a-91b2ece0a753" providerId="AD" clId="Web-{0A9141BC-797E-B9F6-70CA-6580E2A6D5C2}"/>
+    <pc:docChg chg="modSld">
+      <pc:chgData name="Jireh Tseng" userId="S::tsengj@middleton.school.nz::eefb979d-fc0d-4dd5-ae9a-91b2ece0a753" providerId="AD" clId="Web-{0A9141BC-797E-B9F6-70CA-6580E2A6D5C2}" dt="2022-03-21T21:01:53.179" v="210" actId="20577"/>
+      <pc:docMkLst>
+        <pc:docMk/>
+      </pc:docMkLst>
       <pc:sldChg chg="modSp">
-        <pc:chgData name="Jireh Tseng" userId="S::tsengj@middleton.school.nz::eefb979d-fc0d-4dd5-ae9a-91b2ece0a753" providerId="AD" clId="Web-{8ADE60C0-19A6-C471-675E-CC268BD8C1E5}" dt="2022-03-27T21:58:38.648" v="6" actId="14100"/>
+        <pc:chgData name="Jireh Tseng" userId="S::tsengj@middleton.school.nz::eefb979d-fc0d-4dd5-ae9a-91b2ece0a753" providerId="AD" clId="Web-{0A9141BC-797E-B9F6-70CA-6580E2A6D5C2}" dt="2022-03-21T20:29:45.031" v="3" actId="20577"/>
         <pc:sldMkLst>
           <pc:docMk/>
           <pc:sldMk cId="3838895173" sldId="258"/>
         </pc:sldMkLst>
         <pc:spChg chg="mod">
-          <ac:chgData name="Jireh Tseng" userId="S::tsengj@middleton.school.nz::eefb979d-fc0d-4dd5-ae9a-91b2ece0a753" providerId="AD" clId="Web-{8ADE60C0-19A6-C471-675E-CC268BD8C1E5}" dt="2022-03-27T21:58:38.648" v="6" actId="14100"/>
+          <ac:chgData name="Jireh Tseng" userId="S::tsengj@middleton.school.nz::eefb979d-fc0d-4dd5-ae9a-91b2ece0a753" providerId="AD" clId="Web-{0A9141BC-797E-B9F6-70CA-6580E2A6D5C2}" dt="2022-03-21T20:29:45.031" v="3" actId="20577"/>
           <ac:spMkLst>
             <pc:docMk/>
             <pc:sldMk cId="3838895173" sldId="258"/>
@@ -982,643 +1566,90 @@
           </ac:spMkLst>
         </pc:spChg>
       </pc:sldChg>
-      <pc:sldChg chg="delSp modSp">
-        <pc:chgData name="Jireh Tseng" userId="S::tsengj@middleton.school.nz::eefb979d-fc0d-4dd5-ae9a-91b2ece0a753" providerId="AD" clId="Web-{8ADE60C0-19A6-C471-675E-CC268BD8C1E5}" dt="2022-03-27T22:48:04.766" v="989"/>
+      <pc:sldChg chg="addSp modSp">
+        <pc:chgData name="Jireh Tseng" userId="S::tsengj@middleton.school.nz::eefb979d-fc0d-4dd5-ae9a-91b2ece0a753" providerId="AD" clId="Web-{0A9141BC-797E-B9F6-70CA-6580E2A6D5C2}" dt="2022-03-21T20:52:59.933" v="10" actId="1076"/>
+        <pc:sldMkLst>
+          <pc:docMk/>
+          <pc:sldMk cId="3760331451" sldId="260"/>
+        </pc:sldMkLst>
+        <pc:picChg chg="add mod">
+          <ac:chgData name="Jireh Tseng" userId="S::tsengj@middleton.school.nz::eefb979d-fc0d-4dd5-ae9a-91b2ece0a753" providerId="AD" clId="Web-{0A9141BC-797E-B9F6-70CA-6580E2A6D5C2}" dt="2022-03-21T20:52:10.588" v="7" actId="1076"/>
+          <ac:picMkLst>
+            <pc:docMk/>
+            <pc:sldMk cId="3760331451" sldId="260"/>
+            <ac:picMk id="3" creationId="{7578DF5D-5BCC-4B37-9133-7404DA9CE531}"/>
+          </ac:picMkLst>
+        </pc:picChg>
+        <pc:picChg chg="add mod">
+          <ac:chgData name="Jireh Tseng" userId="S::tsengj@middleton.school.nz::eefb979d-fc0d-4dd5-ae9a-91b2ece0a753" providerId="AD" clId="Web-{0A9141BC-797E-B9F6-70CA-6580E2A6D5C2}" dt="2022-03-21T20:52:59.933" v="10" actId="1076"/>
+          <ac:picMkLst>
+            <pc:docMk/>
+            <pc:sldMk cId="3760331451" sldId="260"/>
+            <ac:picMk id="5" creationId="{DA4AF9FA-9E3C-444C-8D87-519C4FEDB3A7}"/>
+          </ac:picMkLst>
+        </pc:picChg>
+      </pc:sldChg>
+      <pc:sldChg chg="addSp modSp">
+        <pc:chgData name="Jireh Tseng" userId="S::tsengj@middleton.school.nz::eefb979d-fc0d-4dd5-ae9a-91b2ece0a753" providerId="AD" clId="Web-{0A9141BC-797E-B9F6-70CA-6580E2A6D5C2}" dt="2022-03-21T20:58:06.392" v="48" actId="14100"/>
+        <pc:sldMkLst>
+          <pc:docMk/>
+          <pc:sldMk cId="0" sldId="268"/>
+        </pc:sldMkLst>
+        <pc:spChg chg="add mod">
+          <ac:chgData name="Jireh Tseng" userId="S::tsengj@middleton.school.nz::eefb979d-fc0d-4dd5-ae9a-91b2ece0a753" providerId="AD" clId="Web-{0A9141BC-797E-B9F6-70CA-6580E2A6D5C2}" dt="2022-03-21T20:57:53.345" v="44" actId="14100"/>
+          <ac:spMkLst>
+            <pc:docMk/>
+            <pc:sldMk cId="0" sldId="268"/>
+            <ac:spMk id="3" creationId="{9080C512-4F5A-4DB6-83B0-A0A10570541D}"/>
+          </ac:spMkLst>
+        </pc:spChg>
+        <pc:spChg chg="add mod">
+          <ac:chgData name="Jireh Tseng" userId="S::tsengj@middleton.school.nz::eefb979d-fc0d-4dd5-ae9a-91b2ece0a753" providerId="AD" clId="Web-{0A9141BC-797E-B9F6-70CA-6580E2A6D5C2}" dt="2022-03-21T20:58:06.392" v="48" actId="14100"/>
+          <ac:spMkLst>
+            <pc:docMk/>
+            <pc:sldMk cId="0" sldId="268"/>
+            <ac:spMk id="5" creationId="{93CEF551-4230-4C69-A934-2D572844D7C7}"/>
+          </ac:spMkLst>
+        </pc:spChg>
+        <pc:spChg chg="mod">
+          <ac:chgData name="Jireh Tseng" userId="S::tsengj@middleton.school.nz::eefb979d-fc0d-4dd5-ae9a-91b2ece0a753" providerId="AD" clId="Web-{0A9141BC-797E-B9F6-70CA-6580E2A6D5C2}" dt="2022-03-21T20:54:55.373" v="29" actId="20577"/>
+          <ac:spMkLst>
+            <pc:docMk/>
+            <pc:sldMk cId="0" sldId="268"/>
+            <ac:spMk id="86" creationId="{00000000-0000-0000-0000-000000000000}"/>
+          </ac:spMkLst>
+        </pc:spChg>
+        <pc:picChg chg="add mod">
+          <ac:chgData name="Jireh Tseng" userId="S::tsengj@middleton.school.nz::eefb979d-fc0d-4dd5-ae9a-91b2ece0a753" providerId="AD" clId="Web-{0A9141BC-797E-B9F6-70CA-6580E2A6D5C2}" dt="2022-03-21T20:56:40.203" v="36" actId="1076"/>
+          <ac:picMkLst>
+            <pc:docMk/>
+            <pc:sldMk cId="0" sldId="268"/>
+            <ac:picMk id="2" creationId="{6A484709-C50D-4D4E-A116-F1A8E11C293C}"/>
+          </ac:picMkLst>
+        </pc:picChg>
+      </pc:sldChg>
+      <pc:sldChg chg="modSp">
+        <pc:chgData name="Jireh Tseng" userId="S::tsengj@middleton.school.nz::eefb979d-fc0d-4dd5-ae9a-91b2ece0a753" providerId="AD" clId="Web-{0A9141BC-797E-B9F6-70CA-6580E2A6D5C2}" dt="2022-03-21T21:01:53.179" v="210" actId="20577"/>
         <pc:sldMkLst>
           <pc:docMk/>
           <pc:sldMk cId="0" sldId="269"/>
         </pc:sldMkLst>
-        <pc:spChg chg="del">
-          <ac:chgData name="Jireh Tseng" userId="S::tsengj@middleton.school.nz::eefb979d-fc0d-4dd5-ae9a-91b2ece0a753" providerId="AD" clId="Web-{8ADE60C0-19A6-C471-675E-CC268BD8C1E5}" dt="2022-03-27T22:48:04.766" v="989"/>
+        <pc:spChg chg="mod">
+          <ac:chgData name="Jireh Tseng" userId="S::tsengj@middleton.school.nz::eefb979d-fc0d-4dd5-ae9a-91b2ece0a753" providerId="AD" clId="Web-{0A9141BC-797E-B9F6-70CA-6580E2A6D5C2}" dt="2022-03-21T21:01:53.179" v="210" actId="20577"/>
           <ac:spMkLst>
             <pc:docMk/>
             <pc:sldMk cId="0" sldId="269"/>
-            <ac:spMk id="4" creationId="{518343B6-2201-4ACD-B907-770BC22E8B26}"/>
+            <ac:spMk id="91" creationId="{00000000-0000-0000-0000-000000000000}"/>
           </ac:spMkLst>
         </pc:spChg>
         <pc:graphicFrameChg chg="mod modGraphic">
-          <ac:chgData name="Jireh Tseng" userId="S::tsengj@middleton.school.nz::eefb979d-fc0d-4dd5-ae9a-91b2ece0a753" providerId="AD" clId="Web-{8ADE60C0-19A6-C471-675E-CC268BD8C1E5}" dt="2022-03-27T22:00:49.104" v="8"/>
+          <ac:chgData name="Jireh Tseng" userId="S::tsengj@middleton.school.nz::eefb979d-fc0d-4dd5-ae9a-91b2ece0a753" providerId="AD" clId="Web-{0A9141BC-797E-B9F6-70CA-6580E2A6D5C2}" dt="2022-03-21T21:01:09.460" v="203"/>
           <ac:graphicFrameMkLst>
             <pc:docMk/>
             <pc:sldMk cId="0" sldId="269"/>
             <ac:graphicFrameMk id="92" creationId="{00000000-0000-0000-0000-000000000000}"/>
           </ac:graphicFrameMkLst>
         </pc:graphicFrameChg>
-      </pc:sldChg>
-      <pc:sldChg chg="delSp">
-        <pc:chgData name="Jireh Tseng" userId="S::tsengj@middleton.school.nz::eefb979d-fc0d-4dd5-ae9a-91b2ece0a753" providerId="AD" clId="Web-{8ADE60C0-19A6-C471-675E-CC268BD8C1E5}" dt="2022-03-27T22:48:08.391" v="990"/>
-        <pc:sldMkLst>
-          <pc:docMk/>
-          <pc:sldMk cId="975627948" sldId="272"/>
-        </pc:sldMkLst>
-        <pc:spChg chg="del">
-          <ac:chgData name="Jireh Tseng" userId="S::tsengj@middleton.school.nz::eefb979d-fc0d-4dd5-ae9a-91b2ece0a753" providerId="AD" clId="Web-{8ADE60C0-19A6-C471-675E-CC268BD8C1E5}" dt="2022-03-27T22:48:08.391" v="990"/>
-          <ac:spMkLst>
-            <pc:docMk/>
-            <pc:sldMk cId="975627948" sldId="272"/>
-            <ac:spMk id="5" creationId="{ACAE53BB-FF7D-43E7-AF26-E5A3D9A837CF}"/>
-          </ac:spMkLst>
-        </pc:spChg>
-      </pc:sldChg>
-      <pc:sldChg chg="addSp delSp modSp del">
-        <pc:chgData name="Jireh Tseng" userId="S::tsengj@middleton.school.nz::eefb979d-fc0d-4dd5-ae9a-91b2ece0a753" providerId="AD" clId="Web-{8ADE60C0-19A6-C471-675E-CC268BD8C1E5}" dt="2022-03-27T22:24:38.365" v="182"/>
-        <pc:sldMkLst>
-          <pc:docMk/>
-          <pc:sldMk cId="270828811" sldId="273"/>
-        </pc:sldMkLst>
-        <pc:spChg chg="mod">
-          <ac:chgData name="Jireh Tseng" userId="S::tsengj@middleton.school.nz::eefb979d-fc0d-4dd5-ae9a-91b2ece0a753" providerId="AD" clId="Web-{8ADE60C0-19A6-C471-675E-CC268BD8C1E5}" dt="2022-03-27T22:24:11.177" v="177" actId="20577"/>
-          <ac:spMkLst>
-            <pc:docMk/>
-            <pc:sldMk cId="270828811" sldId="273"/>
-            <ac:spMk id="2" creationId="{1CC5D32F-7C18-4D00-8D54-2FB046F0A206}"/>
-          </ac:spMkLst>
-        </pc:spChg>
-        <pc:spChg chg="del mod">
-          <ac:chgData name="Jireh Tseng" userId="S::tsengj@middleton.school.nz::eefb979d-fc0d-4dd5-ae9a-91b2ece0a753" providerId="AD" clId="Web-{8ADE60C0-19A6-C471-675E-CC268BD8C1E5}" dt="2022-03-27T22:24:18.849" v="180"/>
-          <ac:spMkLst>
-            <pc:docMk/>
-            <pc:sldMk cId="270828811" sldId="273"/>
-            <ac:spMk id="4" creationId="{8CD07A82-A944-4A9B-9A52-515DAC30878A}"/>
-          </ac:spMkLst>
-        </pc:spChg>
-        <pc:graphicFrameChg chg="add">
-          <ac:chgData name="Jireh Tseng" userId="S::tsengj@middleton.school.nz::eefb979d-fc0d-4dd5-ae9a-91b2ece0a753" providerId="AD" clId="Web-{8ADE60C0-19A6-C471-675E-CC268BD8C1E5}" dt="2022-03-27T22:24:28.818" v="181"/>
-          <ac:graphicFrameMkLst>
-            <pc:docMk/>
-            <pc:sldMk cId="270828811" sldId="273"/>
-            <ac:graphicFrameMk id="3" creationId="{BA2C18C2-0178-C932-14DD-2A1D262E7B96}"/>
-          </ac:graphicFrameMkLst>
-        </pc:graphicFrameChg>
-      </pc:sldChg>
-      <pc:sldChg chg="addSp delSp modSp del">
-        <pc:chgData name="Jireh Tseng" userId="S::tsengj@middleton.school.nz::eefb979d-fc0d-4dd5-ae9a-91b2ece0a753" providerId="AD" clId="Web-{8ADE60C0-19A6-C471-675E-CC268BD8C1E5}" dt="2022-03-27T22:02:06.762" v="30"/>
-        <pc:sldMkLst>
-          <pc:docMk/>
-          <pc:sldMk cId="89592267" sldId="274"/>
-        </pc:sldMkLst>
-        <pc:spChg chg="add del mod">
-          <ac:chgData name="Jireh Tseng" userId="S::tsengj@middleton.school.nz::eefb979d-fc0d-4dd5-ae9a-91b2ece0a753" providerId="AD" clId="Web-{8ADE60C0-19A6-C471-675E-CC268BD8C1E5}" dt="2022-03-27T22:00:56.338" v="12"/>
-          <ac:spMkLst>
-            <pc:docMk/>
-            <pc:sldMk cId="89592267" sldId="274"/>
-            <ac:spMk id="3" creationId="{318660BD-AB02-CC2F-FFA0-00BE69801DA3}"/>
-          </ac:spMkLst>
-        </pc:spChg>
-        <pc:graphicFrameChg chg="add del mod">
-          <ac:chgData name="Jireh Tseng" userId="S::tsengj@middleton.school.nz::eefb979d-fc0d-4dd5-ae9a-91b2ece0a753" providerId="AD" clId="Web-{8ADE60C0-19A6-C471-675E-CC268BD8C1E5}" dt="2022-03-27T22:01:14.026" v="14"/>
-          <ac:graphicFrameMkLst>
-            <pc:docMk/>
-            <pc:sldMk cId="89592267" sldId="274"/>
-            <ac:graphicFrameMk id="6" creationId="{EFEA41E3-1F19-EC75-9EDD-DC724079E60C}"/>
-          </ac:graphicFrameMkLst>
-        </pc:graphicFrameChg>
-      </pc:sldChg>
-      <pc:sldChg chg="delSp">
-        <pc:chgData name="Jireh Tseng" userId="S::tsengj@middleton.school.nz::eefb979d-fc0d-4dd5-ae9a-91b2ece0a753" providerId="AD" clId="Web-{8ADE60C0-19A6-C471-675E-CC268BD8C1E5}" dt="2022-03-27T22:48:11.078" v="991"/>
-        <pc:sldMkLst>
-          <pc:docMk/>
-          <pc:sldMk cId="598320645" sldId="275"/>
-        </pc:sldMkLst>
-        <pc:spChg chg="del">
-          <ac:chgData name="Jireh Tseng" userId="S::tsengj@middleton.school.nz::eefb979d-fc0d-4dd5-ae9a-91b2ece0a753" providerId="AD" clId="Web-{8ADE60C0-19A6-C471-675E-CC268BD8C1E5}" dt="2022-03-27T22:48:11.078" v="991"/>
-          <ac:spMkLst>
-            <pc:docMk/>
-            <pc:sldMk cId="598320645" sldId="275"/>
-            <ac:spMk id="5" creationId="{ACAE53BB-FF7D-43E7-AF26-E5A3D9A837CF}"/>
-          </ac:spMkLst>
-        </pc:spChg>
-      </pc:sldChg>
-      <pc:sldChg chg="addSp delSp modSp ord">
-        <pc:chgData name="Jireh Tseng" userId="S::tsengj@middleton.school.nz::eefb979d-fc0d-4dd5-ae9a-91b2ece0a753" providerId="AD" clId="Web-{8ADE60C0-19A6-C471-675E-CC268BD8C1E5}" dt="2022-03-27T22:50:10.192" v="1026"/>
-        <pc:sldMkLst>
-          <pc:docMk/>
-          <pc:sldMk cId="101173362" sldId="276"/>
-        </pc:sldMkLst>
-        <pc:spChg chg="add del mod">
-          <ac:chgData name="Jireh Tseng" userId="S::tsengj@middleton.school.nz::eefb979d-fc0d-4dd5-ae9a-91b2ece0a753" providerId="AD" clId="Web-{8ADE60C0-19A6-C471-675E-CC268BD8C1E5}" dt="2022-03-27T22:50:10.192" v="1026"/>
-          <ac:spMkLst>
-            <pc:docMk/>
-            <pc:sldMk cId="101173362" sldId="276"/>
-            <ac:spMk id="2" creationId="{FED9831A-229E-72C9-1975-AFC3B2E3DEFD}"/>
-          </ac:spMkLst>
-        </pc:spChg>
-        <pc:spChg chg="del">
-          <ac:chgData name="Jireh Tseng" userId="S::tsengj@middleton.school.nz::eefb979d-fc0d-4dd5-ae9a-91b2ece0a753" providerId="AD" clId="Web-{8ADE60C0-19A6-C471-675E-CC268BD8C1E5}" dt="2022-03-27T22:48:01.109" v="988"/>
-          <ac:spMkLst>
-            <pc:docMk/>
-            <pc:sldMk cId="101173362" sldId="276"/>
-            <ac:spMk id="4" creationId="{518343B6-2201-4ACD-B907-770BC22E8B26}"/>
-          </ac:spMkLst>
-        </pc:spChg>
-        <pc:spChg chg="add del mod">
-          <ac:chgData name="Jireh Tseng" userId="S::tsengj@middleton.school.nz::eefb979d-fc0d-4dd5-ae9a-91b2ece0a753" providerId="AD" clId="Web-{8ADE60C0-19A6-C471-675E-CC268BD8C1E5}" dt="2022-03-27T22:50:08.285" v="1025"/>
-          <ac:spMkLst>
-            <pc:docMk/>
-            <pc:sldMk cId="101173362" sldId="276"/>
-            <ac:spMk id="6" creationId="{0A915ABE-E9D9-5CBE-4F80-504B534096DF}"/>
-          </ac:spMkLst>
-        </pc:spChg>
-        <pc:spChg chg="mod">
-          <ac:chgData name="Jireh Tseng" userId="S::tsengj@middleton.school.nz::eefb979d-fc0d-4dd5-ae9a-91b2ece0a753" providerId="AD" clId="Web-{8ADE60C0-19A6-C471-675E-CC268BD8C1E5}" dt="2022-03-27T22:23:21.739" v="171" actId="20577"/>
-          <ac:spMkLst>
-            <pc:docMk/>
-            <pc:sldMk cId="101173362" sldId="276"/>
-            <ac:spMk id="91" creationId="{00000000-0000-0000-0000-000000000000}"/>
-          </ac:spMkLst>
-        </pc:spChg>
-      </pc:sldChg>
-      <pc:sldChg chg="addSp delSp modSp add replId">
-        <pc:chgData name="Jireh Tseng" userId="S::tsengj@middleton.school.nz::eefb979d-fc0d-4dd5-ae9a-91b2ece0a753" providerId="AD" clId="Web-{8ADE60C0-19A6-C471-675E-CC268BD8C1E5}" dt="2022-03-27T22:47:35.952" v="987" actId="14100"/>
-        <pc:sldMkLst>
-          <pc:docMk/>
-          <pc:sldMk cId="1175070000" sldId="277"/>
-        </pc:sldMkLst>
-        <pc:spChg chg="add mod">
-          <ac:chgData name="Jireh Tseng" userId="S::tsengj@middleton.school.nz::eefb979d-fc0d-4dd5-ae9a-91b2ece0a753" providerId="AD" clId="Web-{8ADE60C0-19A6-C471-675E-CC268BD8C1E5}" dt="2022-03-27T22:47:11.623" v="934" actId="1076"/>
-          <ac:spMkLst>
-            <pc:docMk/>
-            <pc:sldMk cId="1175070000" sldId="277"/>
-            <ac:spMk id="3" creationId="{EEB859FD-38A6-1F62-3856-BEEB4852D4EB}"/>
-          </ac:spMkLst>
-        </pc:spChg>
-        <pc:spChg chg="add mod">
-          <ac:chgData name="Jireh Tseng" userId="S::tsengj@middleton.school.nz::eefb979d-fc0d-4dd5-ae9a-91b2ece0a753" providerId="AD" clId="Web-{8ADE60C0-19A6-C471-675E-CC268BD8C1E5}" dt="2022-03-27T22:47:35.952" v="987" actId="14100"/>
-          <ac:spMkLst>
-            <pc:docMk/>
-            <pc:sldMk cId="1175070000" sldId="277"/>
-            <ac:spMk id="4" creationId="{1EF618CD-DA5E-F8FB-C22F-BCE459F50A91}"/>
-          </ac:spMkLst>
-        </pc:spChg>
-        <pc:spChg chg="del mod">
-          <ac:chgData name="Jireh Tseng" userId="S::tsengj@middleton.school.nz::eefb979d-fc0d-4dd5-ae9a-91b2ece0a753" providerId="AD" clId="Web-{8ADE60C0-19A6-C471-675E-CC268BD8C1E5}" dt="2022-03-27T22:09:04.207" v="169"/>
-          <ac:spMkLst>
-            <pc:docMk/>
-            <pc:sldMk cId="1175070000" sldId="277"/>
-            <ac:spMk id="4" creationId="{518343B6-2201-4ACD-B907-770BC22E8B26}"/>
-          </ac:spMkLst>
-        </pc:spChg>
-        <pc:spChg chg="add mod">
-          <ac:chgData name="Jireh Tseng" userId="S::tsengj@middleton.school.nz::eefb979d-fc0d-4dd5-ae9a-91b2ece0a753" providerId="AD" clId="Web-{8ADE60C0-19A6-C471-675E-CC268BD8C1E5}" dt="2022-03-27T22:47:11.655" v="935" actId="1076"/>
-          <ac:spMkLst>
-            <pc:docMk/>
-            <pc:sldMk cId="1175070000" sldId="277"/>
-            <ac:spMk id="7" creationId="{51325D51-6163-B7CA-A26C-8015E2FCD6C1}"/>
-          </ac:spMkLst>
-        </pc:spChg>
-        <pc:spChg chg="add mod">
-          <ac:chgData name="Jireh Tseng" userId="S::tsengj@middleton.school.nz::eefb979d-fc0d-4dd5-ae9a-91b2ece0a753" providerId="AD" clId="Web-{8ADE60C0-19A6-C471-675E-CC268BD8C1E5}" dt="2022-03-27T22:47:11.670" v="936" actId="1076"/>
-          <ac:spMkLst>
-            <pc:docMk/>
-            <pc:sldMk cId="1175070000" sldId="277"/>
-            <ac:spMk id="8" creationId="{FA361A1F-968A-CB22-BCDE-FAB0A4F6D693}"/>
-          </ac:spMkLst>
-        </pc:spChg>
-        <pc:spChg chg="add mod">
-          <ac:chgData name="Jireh Tseng" userId="S::tsengj@middleton.school.nz::eefb979d-fc0d-4dd5-ae9a-91b2ece0a753" providerId="AD" clId="Web-{8ADE60C0-19A6-C471-675E-CC268BD8C1E5}" dt="2022-03-27T22:47:11.736" v="939" actId="1076"/>
-          <ac:spMkLst>
-            <pc:docMk/>
-            <pc:sldMk cId="1175070000" sldId="277"/>
-            <ac:spMk id="11" creationId="{372BFD89-B350-26DF-57B3-E325AFBD551C}"/>
-          </ac:spMkLst>
-        </pc:spChg>
-        <pc:spChg chg="add mod">
-          <ac:chgData name="Jireh Tseng" userId="S::tsengj@middleton.school.nz::eefb979d-fc0d-4dd5-ae9a-91b2ece0a753" providerId="AD" clId="Web-{8ADE60C0-19A6-C471-675E-CC268BD8C1E5}" dt="2022-03-27T22:47:11.748" v="940" actId="1076"/>
-          <ac:spMkLst>
-            <pc:docMk/>
-            <pc:sldMk cId="1175070000" sldId="277"/>
-            <ac:spMk id="12" creationId="{BF570482-0A5B-5347-2B07-795805EBE47B}"/>
-          </ac:spMkLst>
-        </pc:spChg>
-        <pc:spChg chg="add mod">
-          <ac:chgData name="Jireh Tseng" userId="S::tsengj@middleton.school.nz::eefb979d-fc0d-4dd5-ae9a-91b2ece0a753" providerId="AD" clId="Web-{8ADE60C0-19A6-C471-675E-CC268BD8C1E5}" dt="2022-03-27T22:47:11.764" v="941" actId="1076"/>
-          <ac:spMkLst>
-            <pc:docMk/>
-            <pc:sldMk cId="1175070000" sldId="277"/>
-            <ac:spMk id="13" creationId="{D824B3B3-31A0-7CDD-D78B-B15258305B24}"/>
-          </ac:spMkLst>
-        </pc:spChg>
-        <pc:spChg chg="add mod">
-          <ac:chgData name="Jireh Tseng" userId="S::tsengj@middleton.school.nz::eefb979d-fc0d-4dd5-ae9a-91b2ece0a753" providerId="AD" clId="Web-{8ADE60C0-19A6-C471-675E-CC268BD8C1E5}" dt="2022-03-27T22:47:11.827" v="944" actId="1076"/>
-          <ac:spMkLst>
-            <pc:docMk/>
-            <pc:sldMk cId="1175070000" sldId="277"/>
-            <ac:spMk id="16" creationId="{83F4E725-56A4-C0A5-DB5B-4C5C5AF27CF7}"/>
-          </ac:spMkLst>
-        </pc:spChg>
-        <pc:spChg chg="add mod">
-          <ac:chgData name="Jireh Tseng" userId="S::tsengj@middleton.school.nz::eefb979d-fc0d-4dd5-ae9a-91b2ece0a753" providerId="AD" clId="Web-{8ADE60C0-19A6-C471-675E-CC268BD8C1E5}" dt="2022-03-27T22:47:11.842" v="945" actId="1076"/>
-          <ac:spMkLst>
-            <pc:docMk/>
-            <pc:sldMk cId="1175070000" sldId="277"/>
-            <ac:spMk id="17" creationId="{DA53870B-77DB-D9E4-4F15-AA31D2647E01}"/>
-          </ac:spMkLst>
-        </pc:spChg>
-        <pc:spChg chg="add mod">
-          <ac:chgData name="Jireh Tseng" userId="S::tsengj@middleton.school.nz::eefb979d-fc0d-4dd5-ae9a-91b2ece0a753" providerId="AD" clId="Web-{8ADE60C0-19A6-C471-675E-CC268BD8C1E5}" dt="2022-03-27T22:47:11.859" v="946" actId="1076"/>
-          <ac:spMkLst>
-            <pc:docMk/>
-            <pc:sldMk cId="1175070000" sldId="277"/>
-            <ac:spMk id="18" creationId="{D8655C3F-AEAA-936E-DB1F-87E0C73D29B3}"/>
-          </ac:spMkLst>
-        </pc:spChg>
-        <pc:spChg chg="add mod">
-          <ac:chgData name="Jireh Tseng" userId="S::tsengj@middleton.school.nz::eefb979d-fc0d-4dd5-ae9a-91b2ece0a753" providerId="AD" clId="Web-{8ADE60C0-19A6-C471-675E-CC268BD8C1E5}" dt="2022-03-27T22:47:11.905" v="949" actId="1076"/>
-          <ac:spMkLst>
-            <pc:docMk/>
-            <pc:sldMk cId="1175070000" sldId="277"/>
-            <ac:spMk id="21" creationId="{6D63BF07-B75E-3F99-7466-49EB4D1A03F8}"/>
-          </ac:spMkLst>
-        </pc:spChg>
-        <pc:spChg chg="add mod">
-          <ac:chgData name="Jireh Tseng" userId="S::tsengj@middleton.school.nz::eefb979d-fc0d-4dd5-ae9a-91b2ece0a753" providerId="AD" clId="Web-{8ADE60C0-19A6-C471-675E-CC268BD8C1E5}" dt="2022-03-27T22:47:11.920" v="950" actId="1076"/>
-          <ac:spMkLst>
-            <pc:docMk/>
-            <pc:sldMk cId="1175070000" sldId="277"/>
-            <ac:spMk id="22" creationId="{639ADD27-2FAF-80C9-280D-4C95E4FC80DD}"/>
-          </ac:spMkLst>
-        </pc:spChg>
-        <pc:spChg chg="add mod">
-          <ac:chgData name="Jireh Tseng" userId="S::tsengj@middleton.school.nz::eefb979d-fc0d-4dd5-ae9a-91b2ece0a753" providerId="AD" clId="Web-{8ADE60C0-19A6-C471-675E-CC268BD8C1E5}" dt="2022-03-27T22:47:11.952" v="951" actId="1076"/>
-          <ac:spMkLst>
-            <pc:docMk/>
-            <pc:sldMk cId="1175070000" sldId="277"/>
-            <ac:spMk id="23" creationId="{4C8D303E-4307-2793-2393-912548C749D7}"/>
-          </ac:spMkLst>
-        </pc:spChg>
-        <pc:spChg chg="add mod">
-          <ac:chgData name="Jireh Tseng" userId="S::tsengj@middleton.school.nz::eefb979d-fc0d-4dd5-ae9a-91b2ece0a753" providerId="AD" clId="Web-{8ADE60C0-19A6-C471-675E-CC268BD8C1E5}" dt="2022-03-27T22:47:12.046" v="954" actId="1076"/>
-          <ac:spMkLst>
-            <pc:docMk/>
-            <pc:sldMk cId="1175070000" sldId="277"/>
-            <ac:spMk id="26" creationId="{549DB9C0-5A35-55D4-D80E-1A39D85C0E11}"/>
-          </ac:spMkLst>
-        </pc:spChg>
-        <pc:spChg chg="add mod">
-          <ac:chgData name="Jireh Tseng" userId="S::tsengj@middleton.school.nz::eefb979d-fc0d-4dd5-ae9a-91b2ece0a753" providerId="AD" clId="Web-{8ADE60C0-19A6-C471-675E-CC268BD8C1E5}" dt="2022-03-27T22:47:12.061" v="955" actId="1076"/>
-          <ac:spMkLst>
-            <pc:docMk/>
-            <pc:sldMk cId="1175070000" sldId="277"/>
-            <ac:spMk id="27" creationId="{22CB6C6C-F6DB-56C8-B75F-F555F79F6721}"/>
-          </ac:spMkLst>
-        </pc:spChg>
-        <pc:spChg chg="add mod">
-          <ac:chgData name="Jireh Tseng" userId="S::tsengj@middleton.school.nz::eefb979d-fc0d-4dd5-ae9a-91b2ece0a753" providerId="AD" clId="Web-{8ADE60C0-19A6-C471-675E-CC268BD8C1E5}" dt="2022-03-27T22:47:12.092" v="956" actId="1076"/>
-          <ac:spMkLst>
-            <pc:docMk/>
-            <pc:sldMk cId="1175070000" sldId="277"/>
-            <ac:spMk id="28" creationId="{D944C97C-80EE-9D1E-44A2-FD2C498DCC25}"/>
-          </ac:spMkLst>
-        </pc:spChg>
-        <pc:spChg chg="add mod">
-          <ac:chgData name="Jireh Tseng" userId="S::tsengj@middleton.school.nz::eefb979d-fc0d-4dd5-ae9a-91b2ece0a753" providerId="AD" clId="Web-{8ADE60C0-19A6-C471-675E-CC268BD8C1E5}" dt="2022-03-27T22:47:12.155" v="959" actId="1076"/>
-          <ac:spMkLst>
-            <pc:docMk/>
-            <pc:sldMk cId="1175070000" sldId="277"/>
-            <ac:spMk id="31" creationId="{3316CCD4-872D-5FEB-2FC7-49B201A8A140}"/>
-          </ac:spMkLst>
-        </pc:spChg>
-        <pc:spChg chg="add mod">
-          <ac:chgData name="Jireh Tseng" userId="S::tsengj@middleton.school.nz::eefb979d-fc0d-4dd5-ae9a-91b2ece0a753" providerId="AD" clId="Web-{8ADE60C0-19A6-C471-675E-CC268BD8C1E5}" dt="2022-03-27T22:47:12.170" v="960" actId="1076"/>
-          <ac:spMkLst>
-            <pc:docMk/>
-            <pc:sldMk cId="1175070000" sldId="277"/>
-            <ac:spMk id="32" creationId="{D2EFACFB-C0C5-16BB-D769-6875FABF942B}"/>
-          </ac:spMkLst>
-        </pc:spChg>
-        <pc:spChg chg="add mod">
-          <ac:chgData name="Jireh Tseng" userId="S::tsengj@middleton.school.nz::eefb979d-fc0d-4dd5-ae9a-91b2ece0a753" providerId="AD" clId="Web-{8ADE60C0-19A6-C471-675E-CC268BD8C1E5}" dt="2022-03-27T22:47:12.202" v="961" actId="1076"/>
-          <ac:spMkLst>
-            <pc:docMk/>
-            <pc:sldMk cId="1175070000" sldId="277"/>
-            <ac:spMk id="33" creationId="{84D46624-14F3-B1FD-29CD-2AEE950E0DAB}"/>
-          </ac:spMkLst>
-        </pc:spChg>
-        <pc:spChg chg="mod">
-          <ac:chgData name="Jireh Tseng" userId="S::tsengj@middleton.school.nz::eefb979d-fc0d-4dd5-ae9a-91b2ece0a753" providerId="AD" clId="Web-{8ADE60C0-19A6-C471-675E-CC268BD8C1E5}" dt="2022-03-27T22:01:27.151" v="19" actId="20577"/>
-          <ac:spMkLst>
-            <pc:docMk/>
-            <pc:sldMk cId="1175070000" sldId="277"/>
-            <ac:spMk id="91" creationId="{00000000-0000-0000-0000-000000000000}"/>
-          </ac:spMkLst>
-        </pc:spChg>
-        <pc:graphicFrameChg chg="mod modGraphic">
-          <ac:chgData name="Jireh Tseng" userId="S::tsengj@middleton.school.nz::eefb979d-fc0d-4dd5-ae9a-91b2ece0a753" providerId="AD" clId="Web-{8ADE60C0-19A6-C471-675E-CC268BD8C1E5}" dt="2022-03-27T22:47:11.561" v="932" actId="1076"/>
-          <ac:graphicFrameMkLst>
-            <pc:docMk/>
-            <pc:sldMk cId="1175070000" sldId="277"/>
-            <ac:graphicFrameMk id="92" creationId="{00000000-0000-0000-0000-000000000000}"/>
-          </ac:graphicFrameMkLst>
-        </pc:graphicFrameChg>
-        <pc:picChg chg="add mod">
-          <ac:chgData name="Jireh Tseng" userId="S::tsengj@middleton.school.nz::eefb979d-fc0d-4dd5-ae9a-91b2ece0a753" providerId="AD" clId="Web-{8ADE60C0-19A6-C471-675E-CC268BD8C1E5}" dt="2022-03-27T22:47:11.609" v="933" actId="1076"/>
-          <ac:picMkLst>
-            <pc:docMk/>
-            <pc:sldMk cId="1175070000" sldId="277"/>
-            <ac:picMk id="2" creationId="{64A1AA31-E2FE-562B-F54B-A4875C6D1BA2}"/>
-          </ac:picMkLst>
-        </pc:picChg>
-        <pc:cxnChg chg="add mod">
-          <ac:chgData name="Jireh Tseng" userId="S::tsengj@middleton.school.nz::eefb979d-fc0d-4dd5-ae9a-91b2ece0a753" providerId="AD" clId="Web-{8ADE60C0-19A6-C471-675E-CC268BD8C1E5}" dt="2022-03-27T22:47:11.686" v="937" actId="1076"/>
-          <ac:cxnSpMkLst>
-            <pc:docMk/>
-            <pc:sldMk cId="1175070000" sldId="277"/>
-            <ac:cxnSpMk id="5" creationId="{1CF4739A-071A-E041-A7E4-6277CD81831A}"/>
-          </ac:cxnSpMkLst>
-        </pc:cxnChg>
-        <pc:cxnChg chg="add mod">
-          <ac:chgData name="Jireh Tseng" userId="S::tsengj@middleton.school.nz::eefb979d-fc0d-4dd5-ae9a-91b2ece0a753" providerId="AD" clId="Web-{8ADE60C0-19A6-C471-675E-CC268BD8C1E5}" dt="2022-03-27T22:47:11.702" v="938" actId="1076"/>
-          <ac:cxnSpMkLst>
-            <pc:docMk/>
-            <pc:sldMk cId="1175070000" sldId="277"/>
-            <ac:cxnSpMk id="10" creationId="{9AF39809-DB62-55B1-F756-5BF8764EEBCB}"/>
-          </ac:cxnSpMkLst>
-        </pc:cxnChg>
-        <pc:cxnChg chg="add mod">
-          <ac:chgData name="Jireh Tseng" userId="S::tsengj@middleton.school.nz::eefb979d-fc0d-4dd5-ae9a-91b2ece0a753" providerId="AD" clId="Web-{8ADE60C0-19A6-C471-675E-CC268BD8C1E5}" dt="2022-03-27T22:47:11.780" v="942" actId="1076"/>
-          <ac:cxnSpMkLst>
-            <pc:docMk/>
-            <pc:sldMk cId="1175070000" sldId="277"/>
-            <ac:cxnSpMk id="14" creationId="{8A6D6AB4-F0EE-3B01-3200-62E972B1ACF0}"/>
-          </ac:cxnSpMkLst>
-        </pc:cxnChg>
-        <pc:cxnChg chg="add mod">
-          <ac:chgData name="Jireh Tseng" userId="S::tsengj@middleton.school.nz::eefb979d-fc0d-4dd5-ae9a-91b2ece0a753" providerId="AD" clId="Web-{8ADE60C0-19A6-C471-675E-CC268BD8C1E5}" dt="2022-03-27T22:47:11.811" v="943" actId="1076"/>
-          <ac:cxnSpMkLst>
-            <pc:docMk/>
-            <pc:sldMk cId="1175070000" sldId="277"/>
-            <ac:cxnSpMk id="15" creationId="{7C4E4E09-3428-D438-02A6-0297A3CDBAE4}"/>
-          </ac:cxnSpMkLst>
-        </pc:cxnChg>
-        <pc:cxnChg chg="add mod">
-          <ac:chgData name="Jireh Tseng" userId="S::tsengj@middleton.school.nz::eefb979d-fc0d-4dd5-ae9a-91b2ece0a753" providerId="AD" clId="Web-{8ADE60C0-19A6-C471-675E-CC268BD8C1E5}" dt="2022-03-27T22:47:11.875" v="947" actId="1076"/>
-          <ac:cxnSpMkLst>
-            <pc:docMk/>
-            <pc:sldMk cId="1175070000" sldId="277"/>
-            <ac:cxnSpMk id="19" creationId="{445D6516-EF7A-8B76-B42B-71F11B39A477}"/>
-          </ac:cxnSpMkLst>
-        </pc:cxnChg>
-        <pc:cxnChg chg="add mod">
-          <ac:chgData name="Jireh Tseng" userId="S::tsengj@middleton.school.nz::eefb979d-fc0d-4dd5-ae9a-91b2ece0a753" providerId="AD" clId="Web-{8ADE60C0-19A6-C471-675E-CC268BD8C1E5}" dt="2022-03-27T22:47:11.889" v="948" actId="1076"/>
-          <ac:cxnSpMkLst>
-            <pc:docMk/>
-            <pc:sldMk cId="1175070000" sldId="277"/>
-            <ac:cxnSpMk id="20" creationId="{7831F06C-BE9F-13B2-9F3D-89843CAC666D}"/>
-          </ac:cxnSpMkLst>
-        </pc:cxnChg>
-        <pc:cxnChg chg="add mod">
-          <ac:chgData name="Jireh Tseng" userId="S::tsengj@middleton.school.nz::eefb979d-fc0d-4dd5-ae9a-91b2ece0a753" providerId="AD" clId="Web-{8ADE60C0-19A6-C471-675E-CC268BD8C1E5}" dt="2022-03-27T22:47:11.983" v="952" actId="1076"/>
-          <ac:cxnSpMkLst>
-            <pc:docMk/>
-            <pc:sldMk cId="1175070000" sldId="277"/>
-            <ac:cxnSpMk id="24" creationId="{40EF1C5A-5945-8802-C0AE-93E10BB43A6E}"/>
-          </ac:cxnSpMkLst>
-        </pc:cxnChg>
-        <pc:cxnChg chg="add mod">
-          <ac:chgData name="Jireh Tseng" userId="S::tsengj@middleton.school.nz::eefb979d-fc0d-4dd5-ae9a-91b2ece0a753" providerId="AD" clId="Web-{8ADE60C0-19A6-C471-675E-CC268BD8C1E5}" dt="2022-03-27T22:47:12.014" v="953" actId="1076"/>
-          <ac:cxnSpMkLst>
-            <pc:docMk/>
-            <pc:sldMk cId="1175070000" sldId="277"/>
-            <ac:cxnSpMk id="25" creationId="{4C7C5FD4-3BEE-7D02-3C66-EC3C3F70ED62}"/>
-          </ac:cxnSpMkLst>
-        </pc:cxnChg>
-        <pc:cxnChg chg="add mod">
-          <ac:chgData name="Jireh Tseng" userId="S::tsengj@middleton.school.nz::eefb979d-fc0d-4dd5-ae9a-91b2ece0a753" providerId="AD" clId="Web-{8ADE60C0-19A6-C471-675E-CC268BD8C1E5}" dt="2022-03-27T22:47:12.108" v="957" actId="1076"/>
-          <ac:cxnSpMkLst>
-            <pc:docMk/>
-            <pc:sldMk cId="1175070000" sldId="277"/>
-            <ac:cxnSpMk id="29" creationId="{6F93BF23-ECFE-8F5C-1047-C738DBE9C9CB}"/>
-          </ac:cxnSpMkLst>
-        </pc:cxnChg>
-        <pc:cxnChg chg="add mod">
-          <ac:chgData name="Jireh Tseng" userId="S::tsengj@middleton.school.nz::eefb979d-fc0d-4dd5-ae9a-91b2ece0a753" providerId="AD" clId="Web-{8ADE60C0-19A6-C471-675E-CC268BD8C1E5}" dt="2022-03-27T22:47:12.123" v="958" actId="1076"/>
-          <ac:cxnSpMkLst>
-            <pc:docMk/>
-            <pc:sldMk cId="1175070000" sldId="277"/>
-            <ac:cxnSpMk id="30" creationId="{1EABAEF0-15F6-48CF-7534-9C4CB4058D2A}"/>
-          </ac:cxnSpMkLst>
-        </pc:cxnChg>
-        <pc:cxnChg chg="add mod">
-          <ac:chgData name="Jireh Tseng" userId="S::tsengj@middleton.school.nz::eefb979d-fc0d-4dd5-ae9a-91b2ece0a753" providerId="AD" clId="Web-{8ADE60C0-19A6-C471-675E-CC268BD8C1E5}" dt="2022-03-27T22:47:12.233" v="962" actId="1076"/>
-          <ac:cxnSpMkLst>
-            <pc:docMk/>
-            <pc:sldMk cId="1175070000" sldId="277"/>
-            <ac:cxnSpMk id="34" creationId="{BDAFF74E-414B-C345-0C69-721CD6F67A51}"/>
-          </ac:cxnSpMkLst>
-        </pc:cxnChg>
-        <pc:cxnChg chg="add mod">
-          <ac:chgData name="Jireh Tseng" userId="S::tsengj@middleton.school.nz::eefb979d-fc0d-4dd5-ae9a-91b2ece0a753" providerId="AD" clId="Web-{8ADE60C0-19A6-C471-675E-CC268BD8C1E5}" dt="2022-03-27T22:47:12.249" v="963" actId="1076"/>
-          <ac:cxnSpMkLst>
-            <pc:docMk/>
-            <pc:sldMk cId="1175070000" sldId="277"/>
-            <ac:cxnSpMk id="35" creationId="{3164386B-D586-8608-3774-2D7A36E48C39}"/>
-          </ac:cxnSpMkLst>
-        </pc:cxnChg>
-      </pc:sldChg>
-      <pc:sldChg chg="add replId">
-        <pc:chgData name="Jireh Tseng" userId="S::tsengj@middleton.school.nz::eefb979d-fc0d-4dd5-ae9a-91b2ece0a753" providerId="AD" clId="Web-{8ADE60C0-19A6-C471-675E-CC268BD8C1E5}" dt="2022-03-27T22:24:02.817" v="172"/>
-        <pc:sldMkLst>
-          <pc:docMk/>
-          <pc:sldMk cId="3377323929" sldId="278"/>
-        </pc:sldMkLst>
-      </pc:sldChg>
-      <pc:sldChg chg="delSp modSp add replId">
-        <pc:chgData name="Jireh Tseng" userId="S::tsengj@middleton.school.nz::eefb979d-fc0d-4dd5-ae9a-91b2ece0a753" providerId="AD" clId="Web-{8ADE60C0-19A6-C471-675E-CC268BD8C1E5}" dt="2022-03-27T22:31:15.560" v="930"/>
-        <pc:sldMkLst>
-          <pc:docMk/>
-          <pc:sldMk cId="2993261380" sldId="279"/>
-        </pc:sldMkLst>
-        <pc:spChg chg="del">
-          <ac:chgData name="Jireh Tseng" userId="S::tsengj@middleton.school.nz::eefb979d-fc0d-4dd5-ae9a-91b2ece0a753" providerId="AD" clId="Web-{8ADE60C0-19A6-C471-675E-CC268BD8C1E5}" dt="2022-03-27T22:25:04.647" v="206"/>
-          <ac:spMkLst>
-            <pc:docMk/>
-            <pc:sldMk cId="2993261380" sldId="279"/>
-            <ac:spMk id="4" creationId="{518343B6-2201-4ACD-B907-770BC22E8B26}"/>
-          </ac:spMkLst>
-        </pc:spChg>
-        <pc:spChg chg="mod">
-          <ac:chgData name="Jireh Tseng" userId="S::tsengj@middleton.school.nz::eefb979d-fc0d-4dd5-ae9a-91b2ece0a753" providerId="AD" clId="Web-{8ADE60C0-19A6-C471-675E-CC268BD8C1E5}" dt="2022-03-27T22:25:28.319" v="208" actId="20577"/>
-          <ac:spMkLst>
-            <pc:docMk/>
-            <pc:sldMk cId="2993261380" sldId="279"/>
-            <ac:spMk id="91" creationId="{00000000-0000-0000-0000-000000000000}"/>
-          </ac:spMkLst>
-        </pc:spChg>
-        <pc:graphicFrameChg chg="mod modGraphic">
-          <ac:chgData name="Jireh Tseng" userId="S::tsengj@middleton.school.nz::eefb979d-fc0d-4dd5-ae9a-91b2ece0a753" providerId="AD" clId="Web-{8ADE60C0-19A6-C471-675E-CC268BD8C1E5}" dt="2022-03-27T22:31:15.560" v="930"/>
-          <ac:graphicFrameMkLst>
-            <pc:docMk/>
-            <pc:sldMk cId="2993261380" sldId="279"/>
-            <ac:graphicFrameMk id="92" creationId="{00000000-0000-0000-0000-000000000000}"/>
-          </ac:graphicFrameMkLst>
-        </pc:graphicFrameChg>
-      </pc:sldChg>
-      <pc:sldChg chg="addSp modSp add replId">
-        <pc:chgData name="Jireh Tseng" userId="S::tsengj@middleton.school.nz::eefb979d-fc0d-4dd5-ae9a-91b2ece0a753" providerId="AD" clId="Web-{8ADE60C0-19A6-C471-675E-CC268BD8C1E5}" dt="2022-03-27T22:52:14.227" v="1091" actId="1076"/>
-        <pc:sldMkLst>
-          <pc:docMk/>
-          <pc:sldMk cId="636464997" sldId="280"/>
-        </pc:sldMkLst>
-        <pc:spChg chg="add mod">
-          <ac:chgData name="Jireh Tseng" userId="S::tsengj@middleton.school.nz::eefb979d-fc0d-4dd5-ae9a-91b2ece0a753" providerId="AD" clId="Web-{8ADE60C0-19A6-C471-675E-CC268BD8C1E5}" dt="2022-03-27T22:52:14.227" v="1091" actId="1076"/>
-          <ac:spMkLst>
-            <pc:docMk/>
-            <pc:sldMk cId="636464997" sldId="280"/>
-            <ac:spMk id="5" creationId="{A0C9D49D-C427-E1AD-7BEC-C00826A1CE8A}"/>
-          </ac:spMkLst>
-        </pc:spChg>
-        <pc:spChg chg="add mod">
-          <ac:chgData name="Jireh Tseng" userId="S::tsengj@middleton.school.nz::eefb979d-fc0d-4dd5-ae9a-91b2ece0a753" providerId="AD" clId="Web-{8ADE60C0-19A6-C471-675E-CC268BD8C1E5}" dt="2022-03-27T22:50:15.098" v="1028" actId="1076"/>
-          <ac:spMkLst>
-            <pc:docMk/>
-            <pc:sldMk cId="636464997" sldId="280"/>
-            <ac:spMk id="6" creationId="{3565F284-A787-F0CF-38CB-57228454B7AE}"/>
-          </ac:spMkLst>
-        </pc:spChg>
-        <pc:spChg chg="add mod">
-          <ac:chgData name="Jireh Tseng" userId="S::tsengj@middleton.school.nz::eefb979d-fc0d-4dd5-ae9a-91b2ece0a753" providerId="AD" clId="Web-{8ADE60C0-19A6-C471-675E-CC268BD8C1E5}" dt="2022-03-27T22:50:23.177" v="1031" actId="14100"/>
-          <ac:spMkLst>
-            <pc:docMk/>
-            <pc:sldMk cId="636464997" sldId="280"/>
-            <ac:spMk id="7" creationId="{4D103BE5-5B45-E7C9-632C-9C5FC730006D}"/>
-          </ac:spMkLst>
-        </pc:spChg>
-        <pc:spChg chg="add mod">
-          <ac:chgData name="Jireh Tseng" userId="S::tsengj@middleton.school.nz::eefb979d-fc0d-4dd5-ae9a-91b2ece0a753" providerId="AD" clId="Web-{8ADE60C0-19A6-C471-675E-CC268BD8C1E5}" dt="2022-03-27T22:50:30.817" v="1034" actId="14100"/>
-          <ac:spMkLst>
-            <pc:docMk/>
-            <pc:sldMk cId="636464997" sldId="280"/>
-            <ac:spMk id="8" creationId="{4619ED37-58C6-801D-365B-545A3C4F0B20}"/>
-          </ac:spMkLst>
-        </pc:spChg>
-        <pc:spChg chg="add mod">
-          <ac:chgData name="Jireh Tseng" userId="S::tsengj@middleton.school.nz::eefb979d-fc0d-4dd5-ae9a-91b2ece0a753" providerId="AD" clId="Web-{8ADE60C0-19A6-C471-675E-CC268BD8C1E5}" dt="2022-03-27T22:51:16.334" v="1053" actId="1076"/>
-          <ac:spMkLst>
-            <pc:docMk/>
-            <pc:sldMk cId="636464997" sldId="280"/>
-            <ac:spMk id="11" creationId="{8B6E8C10-C976-3C2A-CBAA-F2F9C9CD6291}"/>
-          </ac:spMkLst>
-        </pc:spChg>
-        <pc:spChg chg="add mod">
-          <ac:chgData name="Jireh Tseng" userId="S::tsengj@middleton.school.nz::eefb979d-fc0d-4dd5-ae9a-91b2ece0a753" providerId="AD" clId="Web-{8ADE60C0-19A6-C471-675E-CC268BD8C1E5}" dt="2022-03-27T22:51:16.350" v="1054" actId="1076"/>
-          <ac:spMkLst>
-            <pc:docMk/>
-            <pc:sldMk cId="636464997" sldId="280"/>
-            <ac:spMk id="12" creationId="{E0682261-9A33-6C28-FCD4-08B28FE46CE9}"/>
-          </ac:spMkLst>
-        </pc:spChg>
-        <pc:spChg chg="add mod">
-          <ac:chgData name="Jireh Tseng" userId="S::tsengj@middleton.school.nz::eefb979d-fc0d-4dd5-ae9a-91b2ece0a753" providerId="AD" clId="Web-{8ADE60C0-19A6-C471-675E-CC268BD8C1E5}" dt="2022-03-27T22:51:20.647" v="1058" actId="1076"/>
-          <ac:spMkLst>
-            <pc:docMk/>
-            <pc:sldMk cId="636464997" sldId="280"/>
-            <ac:spMk id="13" creationId="{46449077-345D-20F6-FD2D-5BF18C019839}"/>
-          </ac:spMkLst>
-        </pc:spChg>
-        <pc:spChg chg="add mod">
-          <ac:chgData name="Jireh Tseng" userId="S::tsengj@middleton.school.nz::eefb979d-fc0d-4dd5-ae9a-91b2ece0a753" providerId="AD" clId="Web-{8ADE60C0-19A6-C471-675E-CC268BD8C1E5}" dt="2022-03-27T22:51:40.194" v="1084" actId="14100"/>
-          <ac:spMkLst>
-            <pc:docMk/>
-            <pc:sldMk cId="636464997" sldId="280"/>
-            <ac:spMk id="16" creationId="{F3669E52-6F15-24F9-9B1B-2B04E5AA9525}"/>
-          </ac:spMkLst>
-        </pc:spChg>
-        <pc:spChg chg="add mod">
-          <ac:chgData name="Jireh Tseng" userId="S::tsengj@middleton.school.nz::eefb979d-fc0d-4dd5-ae9a-91b2ece0a753" providerId="AD" clId="Web-{8ADE60C0-19A6-C471-675E-CC268BD8C1E5}" dt="2022-03-27T22:51:51.492" v="1087" actId="14100"/>
-          <ac:spMkLst>
-            <pc:docMk/>
-            <pc:sldMk cId="636464997" sldId="280"/>
-            <ac:spMk id="17" creationId="{5A503DB2-E7D5-8AAF-3554-715479DDE452}"/>
-          </ac:spMkLst>
-        </pc:spChg>
-        <pc:spChg chg="add mod">
-          <ac:chgData name="Jireh Tseng" userId="S::tsengj@middleton.school.nz::eefb979d-fc0d-4dd5-ae9a-91b2ece0a753" providerId="AD" clId="Web-{8ADE60C0-19A6-C471-675E-CC268BD8C1E5}" dt="2022-03-27T22:51:57.930" v="1089" actId="14100"/>
-          <ac:spMkLst>
-            <pc:docMk/>
-            <pc:sldMk cId="636464997" sldId="280"/>
-            <ac:spMk id="18" creationId="{36AC13FC-B24D-6C72-F049-D0B8A6DCC146}"/>
-          </ac:spMkLst>
-        </pc:spChg>
-        <pc:spChg chg="mod">
-          <ac:chgData name="Jireh Tseng" userId="S::tsengj@middleton.school.nz::eefb979d-fc0d-4dd5-ae9a-91b2ece0a753" providerId="AD" clId="Web-{8ADE60C0-19A6-C471-675E-CC268BD8C1E5}" dt="2022-03-27T22:48:49.814" v="1000" actId="20577"/>
-          <ac:spMkLst>
-            <pc:docMk/>
-            <pc:sldMk cId="636464997" sldId="280"/>
-            <ac:spMk id="91" creationId="{00000000-0000-0000-0000-000000000000}"/>
-          </ac:spMkLst>
-        </pc:spChg>
-        <pc:graphicFrameChg chg="mod modGraphic">
-          <ac:chgData name="Jireh Tseng" userId="S::tsengj@middleton.school.nz::eefb979d-fc0d-4dd5-ae9a-91b2ece0a753" providerId="AD" clId="Web-{8ADE60C0-19A6-C471-675E-CC268BD8C1E5}" dt="2022-03-27T22:48:52.830" v="1001"/>
-          <ac:graphicFrameMkLst>
-            <pc:docMk/>
-            <pc:sldMk cId="636464997" sldId="280"/>
-            <ac:graphicFrameMk id="92" creationId="{00000000-0000-0000-0000-000000000000}"/>
-          </ac:graphicFrameMkLst>
-        </pc:graphicFrameChg>
-        <pc:picChg chg="add mod">
-          <ac:chgData name="Jireh Tseng" userId="S::tsengj@middleton.school.nz::eefb979d-fc0d-4dd5-ae9a-91b2ece0a753" providerId="AD" clId="Web-{8ADE60C0-19A6-C471-675E-CC268BD8C1E5}" dt="2022-03-27T22:49:16.597" v="1008" actId="14100"/>
-          <ac:picMkLst>
-            <pc:docMk/>
-            <pc:sldMk cId="636464997" sldId="280"/>
-            <ac:picMk id="2" creationId="{E234CF7E-755D-A7C1-222C-9E7262D0F15C}"/>
-          </ac:picMkLst>
-        </pc:picChg>
-        <pc:picChg chg="add mod">
-          <ac:chgData name="Jireh Tseng" userId="S::tsengj@middleton.school.nz::eefb979d-fc0d-4dd5-ae9a-91b2ece0a753" providerId="AD" clId="Web-{8ADE60C0-19A6-C471-675E-CC268BD8C1E5}" dt="2022-03-27T22:49:23.534" v="1012" actId="14100"/>
-          <ac:picMkLst>
-            <pc:docMk/>
-            <pc:sldMk cId="636464997" sldId="280"/>
-            <ac:picMk id="3" creationId="{3E21A60A-1E62-9B76-5D91-CDCC9DCF57CB}"/>
-          </ac:picMkLst>
-        </pc:picChg>
-        <pc:cxnChg chg="add mod">
-          <ac:chgData name="Jireh Tseng" userId="S::tsengj@middleton.school.nz::eefb979d-fc0d-4dd5-ae9a-91b2ece0a753" providerId="AD" clId="Web-{8ADE60C0-19A6-C471-675E-CC268BD8C1E5}" dt="2022-03-27T22:50:52.396" v="1039" actId="14100"/>
-          <ac:cxnSpMkLst>
-            <pc:docMk/>
-            <pc:sldMk cId="636464997" sldId="280"/>
-            <ac:cxnSpMk id="4" creationId="{FAFED4A7-A9B5-30E7-CED5-2F7F88B17EE4}"/>
-          </ac:cxnSpMkLst>
-        </pc:cxnChg>
-        <pc:cxnChg chg="add mod">
-          <ac:chgData name="Jireh Tseng" userId="S::tsengj@middleton.school.nz::eefb979d-fc0d-4dd5-ae9a-91b2ece0a753" providerId="AD" clId="Web-{8ADE60C0-19A6-C471-675E-CC268BD8C1E5}" dt="2022-03-27T22:50:59.052" v="1042" actId="14100"/>
-          <ac:cxnSpMkLst>
-            <pc:docMk/>
-            <pc:sldMk cId="636464997" sldId="280"/>
-            <ac:cxnSpMk id="10" creationId="{2178EA7A-8C3A-4C7F-F939-A728F5155991}"/>
-          </ac:cxnSpMkLst>
-        </pc:cxnChg>
-        <pc:cxnChg chg="add mod">
-          <ac:chgData name="Jireh Tseng" userId="S::tsengj@middleton.school.nz::eefb979d-fc0d-4dd5-ae9a-91b2ece0a753" providerId="AD" clId="Web-{8ADE60C0-19A6-C471-675E-CC268BD8C1E5}" dt="2022-03-27T22:51:16.366" v="1056" actId="1076"/>
-          <ac:cxnSpMkLst>
-            <pc:docMk/>
-            <pc:sldMk cId="636464997" sldId="280"/>
-            <ac:cxnSpMk id="14" creationId="{331DC64A-26E8-3D90-483D-1C11673842EC}"/>
-          </ac:cxnSpMkLst>
-        </pc:cxnChg>
-        <pc:cxnChg chg="add mod">
-          <ac:chgData name="Jireh Tseng" userId="S::tsengj@middleton.school.nz::eefb979d-fc0d-4dd5-ae9a-91b2ece0a753" providerId="AD" clId="Web-{8ADE60C0-19A6-C471-675E-CC268BD8C1E5}" dt="2022-03-27T22:51:23.288" v="1059" actId="14100"/>
-          <ac:cxnSpMkLst>
-            <pc:docMk/>
-            <pc:sldMk cId="636464997" sldId="280"/>
-            <ac:cxnSpMk id="15" creationId="{E66BE9E7-0C9D-CCE4-C0C0-F185F4D8021C}"/>
-          </ac:cxnSpMkLst>
-        </pc:cxnChg>
-        <pc:cxnChg chg="add mod">
-          <ac:chgData name="Jireh Tseng" userId="S::tsengj@middleton.school.nz::eefb979d-fc0d-4dd5-ae9a-91b2ece0a753" providerId="AD" clId="Web-{8ADE60C0-19A6-C471-675E-CC268BD8C1E5}" dt="2022-03-27T22:51:40.194" v="1081" actId="14100"/>
-          <ac:cxnSpMkLst>
-            <pc:docMk/>
-            <pc:sldMk cId="636464997" sldId="280"/>
-            <ac:cxnSpMk id="19" creationId="{522FD415-D4BA-8CEB-3E62-366A39E04169}"/>
-          </ac:cxnSpMkLst>
-        </pc:cxnChg>
-        <pc:cxnChg chg="add mod">
-          <ac:chgData name="Jireh Tseng" userId="S::tsengj@middleton.school.nz::eefb979d-fc0d-4dd5-ae9a-91b2ece0a753" providerId="AD" clId="Web-{8ADE60C0-19A6-C471-675E-CC268BD8C1E5}" dt="2022-03-27T22:51:47.585" v="1086" actId="14100"/>
-          <ac:cxnSpMkLst>
-            <pc:docMk/>
-            <pc:sldMk cId="636464997" sldId="280"/>
-            <ac:cxnSpMk id="20" creationId="{28E3688F-F336-9BF4-617B-B203A30F20ED}"/>
-          </ac:cxnSpMkLst>
-        </pc:cxnChg>
       </pc:sldChg>
     </pc:docChg>
   </pc:docChgLst>
@@ -1795,226 +1826,402 @@
     </pc:docChg>
   </pc:docChgLst>
   <pc:docChgLst>
-    <pc:chgData name="Jireh Tseng" userId="S::tsengj@middleton.school.nz::eefb979d-fc0d-4dd5-ae9a-91b2ece0a753" providerId="AD" clId="Web-{7E3F9280-A2F5-974F-0785-E500C00B3676}"/>
-    <pc:docChg chg="modSld sldOrd">
-      <pc:chgData name="Jireh Tseng" userId="S::tsengj@middleton.school.nz::eefb979d-fc0d-4dd5-ae9a-91b2ece0a753" providerId="AD" clId="Web-{7E3F9280-A2F5-974F-0785-E500C00B3676}" dt="2022-03-22T21:21:19.029" v="10"/>
+    <pc:chgData name="Jireh Tseng" userId="S::tsengj@middleton.school.nz::eefb979d-fc0d-4dd5-ae9a-91b2ece0a753" providerId="AD" clId="Web-{F09DE86E-A669-F15F-4C7D-D1C03527452F}"/>
+    <pc:docChg chg="modSld">
+      <pc:chgData name="Jireh Tseng" userId="S::tsengj@middleton.school.nz::eefb979d-fc0d-4dd5-ae9a-91b2ece0a753" providerId="AD" clId="Web-{F09DE86E-A669-F15F-4C7D-D1C03527452F}" dt="2022-03-30T23:19:44.913" v="0"/>
       <pc:docMkLst>
         <pc:docMk/>
       </pc:docMkLst>
-      <pc:sldChg chg="modSp ord">
-        <pc:chgData name="Jireh Tseng" userId="S::tsengj@middleton.school.nz::eefb979d-fc0d-4dd5-ae9a-91b2ece0a753" providerId="AD" clId="Web-{7E3F9280-A2F5-974F-0785-E500C00B3676}" dt="2022-03-22T21:21:19.029" v="10"/>
+      <pc:sldChg chg="addSp delSp modSp">
+        <pc:chgData name="Jireh Tseng" userId="S::tsengj@middleton.school.nz::eefb979d-fc0d-4dd5-ae9a-91b2ece0a753" providerId="AD" clId="Web-{F09DE86E-A669-F15F-4C7D-D1C03527452F}" dt="2022-03-30T23:19:44.913" v="0"/>
         <pc:sldMkLst>
           <pc:docMk/>
-          <pc:sldMk cId="89592267" sldId="274"/>
+          <pc:sldMk cId="1362934084" sldId="256"/>
         </pc:sldMkLst>
         <pc:spChg chg="mod">
-          <ac:chgData name="Jireh Tseng" userId="S::tsengj@middleton.school.nz::eefb979d-fc0d-4dd5-ae9a-91b2ece0a753" providerId="AD" clId="Web-{7E3F9280-A2F5-974F-0785-E500C00B3676}" dt="2022-03-22T21:20:45.263" v="8" actId="20577"/>
+          <ac:chgData name="Jireh Tseng" userId="S::tsengj@middleton.school.nz::eefb979d-fc0d-4dd5-ae9a-91b2ece0a753" providerId="AD" clId="Web-{F09DE86E-A669-F15F-4C7D-D1C03527452F}" dt="2022-03-30T23:19:44.913" v="0"/>
           <ac:spMkLst>
             <pc:docMk/>
-            <pc:sldMk cId="89592267" sldId="274"/>
-            <ac:spMk id="2" creationId="{1CC5D32F-7C18-4D00-8D54-2FB046F0A206}"/>
+            <pc:sldMk cId="1362934084" sldId="256"/>
+            <ac:spMk id="2" creationId="{A96C2811-5704-42C1-869B-16E29CB6572E}"/>
+          </ac:spMkLst>
+        </pc:spChg>
+        <pc:spChg chg="mod">
+          <ac:chgData name="Jireh Tseng" userId="S::tsengj@middleton.school.nz::eefb979d-fc0d-4dd5-ae9a-91b2ece0a753" providerId="AD" clId="Web-{F09DE86E-A669-F15F-4C7D-D1C03527452F}" dt="2022-03-30T23:19:44.913" v="0"/>
+          <ac:spMkLst>
+            <pc:docMk/>
+            <pc:sldMk cId="1362934084" sldId="256"/>
+            <ac:spMk id="3" creationId="{930E6464-DA98-43C8-B6C9-594748754628}"/>
+          </ac:spMkLst>
+        </pc:spChg>
+        <pc:spChg chg="del">
+          <ac:chgData name="Jireh Tseng" userId="S::tsengj@middleton.school.nz::eefb979d-fc0d-4dd5-ae9a-91b2ece0a753" providerId="AD" clId="Web-{F09DE86E-A669-F15F-4C7D-D1C03527452F}" dt="2022-03-30T23:19:44.913" v="0"/>
+          <ac:spMkLst>
+            <pc:docMk/>
+            <pc:sldMk cId="1362934084" sldId="256"/>
+            <ac:spMk id="35" creationId="{1A3C89F8-0D2F-47FF-B903-151248265F47}"/>
+          </ac:spMkLst>
+        </pc:spChg>
+        <pc:spChg chg="del">
+          <ac:chgData name="Jireh Tseng" userId="S::tsengj@middleton.school.nz::eefb979d-fc0d-4dd5-ae9a-91b2ece0a753" providerId="AD" clId="Web-{F09DE86E-A669-F15F-4C7D-D1C03527452F}" dt="2022-03-30T23:19:44.913" v="0"/>
+          <ac:spMkLst>
+            <pc:docMk/>
+            <pc:sldMk cId="1362934084" sldId="256"/>
+            <ac:spMk id="37" creationId="{C5CB530E-515E-412C-9DF1-5F8FFBD6F383}"/>
+          </ac:spMkLst>
+        </pc:spChg>
+        <pc:spChg chg="del">
+          <ac:chgData name="Jireh Tseng" userId="S::tsengj@middleton.school.nz::eefb979d-fc0d-4dd5-ae9a-91b2ece0a753" providerId="AD" clId="Web-{F09DE86E-A669-F15F-4C7D-D1C03527452F}" dt="2022-03-30T23:19:44.913" v="0"/>
+          <ac:spMkLst>
+            <pc:docMk/>
+            <pc:sldMk cId="1362934084" sldId="256"/>
+            <ac:spMk id="39" creationId="{712D4376-A578-4FF1-94FC-245E7A6A489F}"/>
+          </ac:spMkLst>
+        </pc:spChg>
+        <pc:spChg chg="del">
+          <ac:chgData name="Jireh Tseng" userId="S::tsengj@middleton.school.nz::eefb979d-fc0d-4dd5-ae9a-91b2ece0a753" providerId="AD" clId="Web-{F09DE86E-A669-F15F-4C7D-D1C03527452F}" dt="2022-03-30T23:19:44.913" v="0"/>
+          <ac:spMkLst>
+            <pc:docMk/>
+            <pc:sldMk cId="1362934084" sldId="256"/>
+            <ac:spMk id="41" creationId="{AEA7509D-F04F-40CB-A0B3-EEF16499CC9F}"/>
+          </ac:spMkLst>
+        </pc:spChg>
+        <pc:spChg chg="del">
+          <ac:chgData name="Jireh Tseng" userId="S::tsengj@middleton.school.nz::eefb979d-fc0d-4dd5-ae9a-91b2ece0a753" providerId="AD" clId="Web-{F09DE86E-A669-F15F-4C7D-D1C03527452F}" dt="2022-03-30T23:19:44.913" v="0"/>
+          <ac:spMkLst>
+            <pc:docMk/>
+            <pc:sldMk cId="1362934084" sldId="256"/>
+            <ac:spMk id="45" creationId="{508BEF50-7B1E-49A4-BC19-5F4F1D755E64}"/>
+          </ac:spMkLst>
+        </pc:spChg>
+        <pc:spChg chg="del">
+          <ac:chgData name="Jireh Tseng" userId="S::tsengj@middleton.school.nz::eefb979d-fc0d-4dd5-ae9a-91b2ece0a753" providerId="AD" clId="Web-{F09DE86E-A669-F15F-4C7D-D1C03527452F}" dt="2022-03-30T23:19:44.913" v="0"/>
+          <ac:spMkLst>
+            <pc:docMk/>
+            <pc:sldMk cId="1362934084" sldId="256"/>
+            <ac:spMk id="47" creationId="{3FBAD350-5664-4811-A208-657FB882D350}"/>
+          </ac:spMkLst>
+        </pc:spChg>
+        <pc:spChg chg="del">
+          <ac:chgData name="Jireh Tseng" userId="S::tsengj@middleton.school.nz::eefb979d-fc0d-4dd5-ae9a-91b2ece0a753" providerId="AD" clId="Web-{F09DE86E-A669-F15F-4C7D-D1C03527452F}" dt="2022-03-30T23:19:44.913" v="0"/>
+          <ac:spMkLst>
+            <pc:docMk/>
+            <pc:sldMk cId="1362934084" sldId="256"/>
+            <ac:spMk id="49" creationId="{C39ADB8F-D187-49D7-BDCF-C1B6DC727068}"/>
+          </ac:spMkLst>
+        </pc:spChg>
+        <pc:spChg chg="add">
+          <ac:chgData name="Jireh Tseng" userId="S::tsengj@middleton.school.nz::eefb979d-fc0d-4dd5-ae9a-91b2ece0a753" providerId="AD" clId="Web-{F09DE86E-A669-F15F-4C7D-D1C03527452F}" dt="2022-03-30T23:19:44.913" v="0"/>
+          <ac:spMkLst>
+            <pc:docMk/>
+            <pc:sldMk cId="1362934084" sldId="256"/>
+            <ac:spMk id="55" creationId="{C1DD1A8A-57D5-4A81-AD04-532B043C5611}"/>
+          </ac:spMkLst>
+        </pc:spChg>
+        <pc:spChg chg="add">
+          <ac:chgData name="Jireh Tseng" userId="S::tsengj@middleton.school.nz::eefb979d-fc0d-4dd5-ae9a-91b2ece0a753" providerId="AD" clId="Web-{F09DE86E-A669-F15F-4C7D-D1C03527452F}" dt="2022-03-30T23:19:44.913" v="0"/>
+          <ac:spMkLst>
+            <pc:docMk/>
+            <pc:sldMk cId="1362934084" sldId="256"/>
+            <ac:spMk id="57" creationId="{007891EC-4501-44ED-A8C8-B11B6DB767AB}"/>
+          </ac:spMkLst>
+        </pc:spChg>
+        <pc:picChg chg="add">
+          <ac:chgData name="Jireh Tseng" userId="S::tsengj@middleton.school.nz::eefb979d-fc0d-4dd5-ae9a-91b2ece0a753" providerId="AD" clId="Web-{F09DE86E-A669-F15F-4C7D-D1C03527452F}" dt="2022-03-30T23:19:44.913" v="0"/>
+          <ac:picMkLst>
+            <pc:docMk/>
+            <pc:sldMk cId="1362934084" sldId="256"/>
+            <ac:picMk id="51" creationId="{C1746A09-834C-64B3-47A5-C47BD7189694}"/>
+          </ac:picMkLst>
+        </pc:picChg>
+        <pc:cxnChg chg="del">
+          <ac:chgData name="Jireh Tseng" userId="S::tsengj@middleton.school.nz::eefb979d-fc0d-4dd5-ae9a-91b2ece0a753" providerId="AD" clId="Web-{F09DE86E-A669-F15F-4C7D-D1C03527452F}" dt="2022-03-30T23:19:44.913" v="0"/>
+          <ac:cxnSpMkLst>
+            <pc:docMk/>
+            <pc:sldMk cId="1362934084" sldId="256"/>
+            <ac:cxnSpMk id="43" creationId="{56020367-4FD5-4596-8E10-C5F095CD8DBF}"/>
+          </ac:cxnSpMkLst>
+        </pc:cxnChg>
+      </pc:sldChg>
+    </pc:docChg>
+  </pc:docChgLst>
+  <pc:docChgLst>
+    <pc:chgData name="Jireh Tseng" userId="S::tsengj@middleton.school.nz::eefb979d-fc0d-4dd5-ae9a-91b2ece0a753" providerId="AD" clId="Web-{875F1A86-FE65-D4D7-73FA-68A3AC71E3A0}"/>
+    <pc:docChg chg="addSld modSld">
+      <pc:chgData name="Jireh Tseng" userId="S::tsengj@middleton.school.nz::eefb979d-fc0d-4dd5-ae9a-91b2ece0a753" providerId="AD" clId="Web-{875F1A86-FE65-D4D7-73FA-68A3AC71E3A0}" dt="2022-04-11T21:26:22.258" v="255"/>
+      <pc:docMkLst>
+        <pc:docMk/>
+      </pc:docMkLst>
+      <pc:sldChg chg="modSp">
+        <pc:chgData name="Jireh Tseng" userId="S::tsengj@middleton.school.nz::eefb979d-fc0d-4dd5-ae9a-91b2ece0a753" providerId="AD" clId="Web-{875F1A86-FE65-D4D7-73FA-68A3AC71E3A0}" dt="2022-04-11T21:26:22.258" v="255"/>
+        <pc:sldMkLst>
+          <pc:docMk/>
+          <pc:sldMk cId="2759596377" sldId="287"/>
+        </pc:sldMkLst>
+        <pc:graphicFrameChg chg="mod modGraphic">
+          <ac:chgData name="Jireh Tseng" userId="S::tsengj@middleton.school.nz::eefb979d-fc0d-4dd5-ae9a-91b2ece0a753" providerId="AD" clId="Web-{875F1A86-FE65-D4D7-73FA-68A3AC71E3A0}" dt="2022-04-11T21:26:22.258" v="255"/>
+          <ac:graphicFrameMkLst>
+            <pc:docMk/>
+            <pc:sldMk cId="2759596377" sldId="287"/>
+            <ac:graphicFrameMk id="92" creationId="{00000000-0000-0000-0000-000000000000}"/>
+          </ac:graphicFrameMkLst>
+        </pc:graphicFrameChg>
+      </pc:sldChg>
+      <pc:sldChg chg="addSp delSp modSp new">
+        <pc:chgData name="Jireh Tseng" userId="S::tsengj@middleton.school.nz::eefb979d-fc0d-4dd5-ae9a-91b2ece0a753" providerId="AD" clId="Web-{875F1A86-FE65-D4D7-73FA-68A3AC71E3A0}" dt="2022-04-11T21:16:33.664" v="125" actId="1076"/>
+        <pc:sldMkLst>
+          <pc:docMk/>
+          <pc:sldMk cId="3742630380" sldId="288"/>
+        </pc:sldMkLst>
+        <pc:spChg chg="mod">
+          <ac:chgData name="Jireh Tseng" userId="S::tsengj@middleton.school.nz::eefb979d-fc0d-4dd5-ae9a-91b2ece0a753" providerId="AD" clId="Web-{875F1A86-FE65-D4D7-73FA-68A3AC71E3A0}" dt="2022-04-11T21:09:37.591" v="21" actId="20577"/>
+          <ac:spMkLst>
+            <pc:docMk/>
+            <pc:sldMk cId="3742630380" sldId="288"/>
+            <ac:spMk id="2" creationId="{117C7ED0-CC09-82B1-98D7-D7AC8566A02D}"/>
+          </ac:spMkLst>
+        </pc:spChg>
+        <pc:spChg chg="del mod">
+          <ac:chgData name="Jireh Tseng" userId="S::tsengj@middleton.school.nz::eefb979d-fc0d-4dd5-ae9a-91b2ece0a753" providerId="AD" clId="Web-{875F1A86-FE65-D4D7-73FA-68A3AC71E3A0}" dt="2022-04-11T21:16:28.367" v="124"/>
+          <ac:spMkLst>
+            <pc:docMk/>
+            <pc:sldMk cId="3742630380" sldId="288"/>
+            <ac:spMk id="3" creationId="{07D14DCC-A221-C5D2-76B3-59FFE847553C}"/>
+          </ac:spMkLst>
+        </pc:spChg>
+        <pc:spChg chg="add mod">
+          <ac:chgData name="Jireh Tseng" userId="S::tsengj@middleton.school.nz::eefb979d-fc0d-4dd5-ae9a-91b2ece0a753" providerId="AD" clId="Web-{875F1A86-FE65-D4D7-73FA-68A3AC71E3A0}" dt="2022-04-11T21:16:33.664" v="125" actId="1076"/>
+          <ac:spMkLst>
+            <pc:docMk/>
+            <pc:sldMk cId="3742630380" sldId="288"/>
+            <ac:spMk id="4" creationId="{0676CC8F-07AC-7255-5C5C-4ABBBE9DE273}"/>
           </ac:spMkLst>
         </pc:spChg>
       </pc:sldChg>
     </pc:docChg>
   </pc:docChgLst>
   <pc:docChgLst>
-    <pc:chgData name="Jireh Tseng" userId="S::tsengj@middleton.school.nz::eefb979d-fc0d-4dd5-ae9a-91b2ece0a753" providerId="AD" clId="Web-{AE16ED1E-D1AF-834C-C0D7-D581AE5158A7}"/>
-    <pc:docChg chg="addSld modSld sldOrd">
-      <pc:chgData name="Jireh Tseng" userId="S::tsengj@middleton.school.nz::eefb979d-fc0d-4dd5-ae9a-91b2ece0a753" providerId="AD" clId="Web-{AE16ED1E-D1AF-834C-C0D7-D581AE5158A7}" dt="2022-04-13T09:42:37.266" v="840" actId="1076"/>
+    <pc:chgData name="Jireh Tseng" userId="S::tsengj@middleton.school.nz::eefb979d-fc0d-4dd5-ae9a-91b2ece0a753" providerId="AD" clId="Web-{40935AED-1311-E9DE-C4DF-708D70AFA4C8}"/>
+    <pc:docChg chg="addSld delSld modSld sldOrd">
+      <pc:chgData name="Jireh Tseng" userId="S::tsengj@middleton.school.nz::eefb979d-fc0d-4dd5-ae9a-91b2ece0a753" providerId="AD" clId="Web-{40935AED-1311-E9DE-C4DF-708D70AFA4C8}" dt="2022-03-30T23:18:05.782" v="375" actId="20577"/>
       <pc:docMkLst>
         <pc:docMk/>
       </pc:docMkLst>
-      <pc:sldChg chg="addSp delSp modSp add ord replId">
-        <pc:chgData name="Jireh Tseng" userId="S::tsengj@middleton.school.nz::eefb979d-fc0d-4dd5-ae9a-91b2ece0a753" providerId="AD" clId="Web-{AE16ED1E-D1AF-834C-C0D7-D581AE5158A7}" dt="2022-04-13T09:41:28.889" v="788" actId="20577"/>
+      <pc:sldChg chg="addSp delSp modSp addAnim delAnim">
+        <pc:chgData name="Jireh Tseng" userId="S::tsengj@middleton.school.nz::eefb979d-fc0d-4dd5-ae9a-91b2ece0a753" providerId="AD" clId="Web-{40935AED-1311-E9DE-C4DF-708D70AFA4C8}" dt="2022-03-30T23:18:05.782" v="375" actId="20577"/>
         <pc:sldMkLst>
           <pc:docMk/>
-          <pc:sldMk cId="248875773" sldId="293"/>
+          <pc:sldMk cId="1362934084" sldId="256"/>
         </pc:sldMkLst>
-        <pc:spChg chg="add mod">
-          <ac:chgData name="Jireh Tseng" userId="S::tsengj@middleton.school.nz::eefb979d-fc0d-4dd5-ae9a-91b2ece0a753" providerId="AD" clId="Web-{AE16ED1E-D1AF-834C-C0D7-D581AE5158A7}" dt="2022-04-13T09:11:12.985" v="167" actId="1076"/>
+        <pc:spChg chg="mod">
+          <ac:chgData name="Jireh Tseng" userId="S::tsengj@middleton.school.nz::eefb979d-fc0d-4dd5-ae9a-91b2ece0a753" providerId="AD" clId="Web-{40935AED-1311-E9DE-C4DF-708D70AFA4C8}" dt="2022-03-30T23:17:55.579" v="367"/>
           <ac:spMkLst>
             <pc:docMk/>
-            <pc:sldMk cId="248875773" sldId="293"/>
-            <ac:spMk id="4" creationId="{1283578E-CD51-367D-9A42-281B18B59761}"/>
-          </ac:spMkLst>
-        </pc:spChg>
-        <pc:spChg chg="del">
-          <ac:chgData name="Jireh Tseng" userId="S::tsengj@middleton.school.nz::eefb979d-fc0d-4dd5-ae9a-91b2ece0a753" providerId="AD" clId="Web-{AE16ED1E-D1AF-834C-C0D7-D581AE5158A7}" dt="2022-04-13T09:09:49.796" v="24"/>
-          <ac:spMkLst>
-            <pc:docMk/>
-            <pc:sldMk cId="248875773" sldId="293"/>
-            <ac:spMk id="5" creationId="{2013A7D0-D8CD-E2FF-240A-5E82F76B84F0}"/>
-          </ac:spMkLst>
-        </pc:spChg>
-        <pc:spChg chg="del">
-          <ac:chgData name="Jireh Tseng" userId="S::tsengj@middleton.school.nz::eefb979d-fc0d-4dd5-ae9a-91b2ece0a753" providerId="AD" clId="Web-{AE16ED1E-D1AF-834C-C0D7-D581AE5158A7}" dt="2022-04-13T09:09:47.702" v="23"/>
-          <ac:spMkLst>
-            <pc:docMk/>
-            <pc:sldMk cId="248875773" sldId="293"/>
-            <ac:spMk id="7" creationId="{25A3D05A-97D5-9B99-AFCA-CCE9AE5DA669}"/>
+            <pc:sldMk cId="1362934084" sldId="256"/>
+            <ac:spMk id="2" creationId="{A96C2811-5704-42C1-869B-16E29CB6572E}"/>
           </ac:spMkLst>
         </pc:spChg>
         <pc:spChg chg="mod">
-          <ac:chgData name="Jireh Tseng" userId="S::tsengj@middleton.school.nz::eefb979d-fc0d-4dd5-ae9a-91b2ece0a753" providerId="AD" clId="Web-{AE16ED1E-D1AF-834C-C0D7-D581AE5158A7}" dt="2022-04-13T09:41:28.889" v="788" actId="20577"/>
+          <ac:chgData name="Jireh Tseng" userId="S::tsengj@middleton.school.nz::eefb979d-fc0d-4dd5-ae9a-91b2ece0a753" providerId="AD" clId="Web-{40935AED-1311-E9DE-C4DF-708D70AFA4C8}" dt="2022-03-30T23:18:05.782" v="375" actId="20577"/>
           <ac:spMkLst>
             <pc:docMk/>
-            <pc:sldMk cId="248875773" sldId="293"/>
-            <ac:spMk id="86" creationId="{00000000-0000-0000-0000-000000000000}"/>
+            <pc:sldMk cId="1362934084" sldId="256"/>
+            <ac:spMk id="3" creationId="{930E6464-DA98-43C8-B6C9-594748754628}"/>
           </ac:spMkLst>
         </pc:spChg>
-        <pc:picChg chg="del">
-          <ac:chgData name="Jireh Tseng" userId="S::tsengj@middleton.school.nz::eefb979d-fc0d-4dd5-ae9a-91b2ece0a753" providerId="AD" clId="Web-{AE16ED1E-D1AF-834C-C0D7-D581AE5158A7}" dt="2022-04-13T09:09:40.498" v="21"/>
+        <pc:spChg chg="add del">
+          <ac:chgData name="Jireh Tseng" userId="S::tsengj@middleton.school.nz::eefb979d-fc0d-4dd5-ae9a-91b2ece0a753" providerId="AD" clId="Web-{40935AED-1311-E9DE-C4DF-708D70AFA4C8}" dt="2022-03-30T23:17:55.579" v="367"/>
+          <ac:spMkLst>
+            <pc:docMk/>
+            <pc:sldMk cId="1362934084" sldId="256"/>
+            <ac:spMk id="8" creationId="{3A397E3E-B90C-4D82-BAAA-36F7AC6A4565}"/>
+          </ac:spMkLst>
+        </pc:spChg>
+        <pc:spChg chg="add del">
+          <ac:chgData name="Jireh Tseng" userId="S::tsengj@middleton.school.nz::eefb979d-fc0d-4dd5-ae9a-91b2ece0a753" providerId="AD" clId="Web-{40935AED-1311-E9DE-C4DF-708D70AFA4C8}" dt="2022-03-30T23:17:55.579" v="367"/>
+          <ac:spMkLst>
+            <pc:docMk/>
+            <pc:sldMk cId="1362934084" sldId="256"/>
+            <ac:spMk id="10" creationId="{E16C8D8F-10E9-4498-ABDB-0F923F8B6837}"/>
+          </ac:spMkLst>
+        </pc:spChg>
+        <pc:spChg chg="add del">
+          <ac:chgData name="Jireh Tseng" userId="S::tsengj@middleton.school.nz::eefb979d-fc0d-4dd5-ae9a-91b2ece0a753" providerId="AD" clId="Web-{40935AED-1311-E9DE-C4DF-708D70AFA4C8}" dt="2022-03-30T23:17:55.579" v="367"/>
+          <ac:spMkLst>
+            <pc:docMk/>
+            <pc:sldMk cId="1362934084" sldId="256"/>
+            <ac:spMk id="12" creationId="{1E5A83E3-8A11-4492-BB6E-F5F2240316FB}"/>
+          </ac:spMkLst>
+        </pc:spChg>
+        <pc:spChg chg="add del">
+          <ac:chgData name="Jireh Tseng" userId="S::tsengj@middleton.school.nz::eefb979d-fc0d-4dd5-ae9a-91b2ece0a753" providerId="AD" clId="Web-{40935AED-1311-E9DE-C4DF-708D70AFA4C8}" dt="2022-03-30T23:17:55.579" v="367"/>
+          <ac:spMkLst>
+            <pc:docMk/>
+            <pc:sldMk cId="1362934084" sldId="256"/>
+            <ac:spMk id="14" creationId="{8CF5E676-CA04-4CED-9F1E-5026ED66E66D}"/>
+          </ac:spMkLst>
+        </pc:spChg>
+        <pc:spChg chg="add del">
+          <ac:chgData name="Jireh Tseng" userId="S::tsengj@middleton.school.nz::eefb979d-fc0d-4dd5-ae9a-91b2ece0a753" providerId="AD" clId="Web-{40935AED-1311-E9DE-C4DF-708D70AFA4C8}" dt="2022-03-30T23:17:55.579" v="367"/>
+          <ac:spMkLst>
+            <pc:docMk/>
+            <pc:sldMk cId="1362934084" sldId="256"/>
+            <ac:spMk id="16" creationId="{6BA9E676-A8FC-4C2F-8D78-C13ED8ABDBA8}"/>
+          </ac:spMkLst>
+        </pc:spChg>
+        <pc:spChg chg="add del">
+          <ac:chgData name="Jireh Tseng" userId="S::tsengj@middleton.school.nz::eefb979d-fc0d-4dd5-ae9a-91b2ece0a753" providerId="AD" clId="Web-{40935AED-1311-E9DE-C4DF-708D70AFA4C8}" dt="2022-03-30T23:17:55.579" v="367"/>
+          <ac:spMkLst>
+            <pc:docMk/>
+            <pc:sldMk cId="1362934084" sldId="256"/>
+            <ac:spMk id="18" creationId="{A2B5CBEA-F125-49B6-8335-227C325B112B}"/>
+          </ac:spMkLst>
+        </pc:spChg>
+        <pc:spChg chg="add del">
+          <ac:chgData name="Jireh Tseng" userId="S::tsengj@middleton.school.nz::eefb979d-fc0d-4dd5-ae9a-91b2ece0a753" providerId="AD" clId="Web-{40935AED-1311-E9DE-C4DF-708D70AFA4C8}" dt="2022-03-30T23:17:55.579" v="367"/>
+          <ac:spMkLst>
+            <pc:docMk/>
+            <pc:sldMk cId="1362934084" sldId="256"/>
+            <ac:spMk id="20" creationId="{EECD79B5-5FC5-495F-BFD6-346C16E787A7}"/>
+          </ac:spMkLst>
+        </pc:spChg>
+        <pc:spChg chg="add del">
+          <ac:chgData name="Jireh Tseng" userId="S::tsengj@middleton.school.nz::eefb979d-fc0d-4dd5-ae9a-91b2ece0a753" providerId="AD" clId="Web-{40935AED-1311-E9DE-C4DF-708D70AFA4C8}" dt="2022-03-30T23:17:55.579" v="367"/>
+          <ac:spMkLst>
+            <pc:docMk/>
+            <pc:sldMk cId="1362934084" sldId="256"/>
+            <ac:spMk id="22" creationId="{2C1D3151-5F97-4860-B56C-C98BD62CC255}"/>
+          </ac:spMkLst>
+        </pc:spChg>
+        <pc:spChg chg="add del">
+          <ac:chgData name="Jireh Tseng" userId="S::tsengj@middleton.school.nz::eefb979d-fc0d-4dd5-ae9a-91b2ece0a753" providerId="AD" clId="Web-{40935AED-1311-E9DE-C4DF-708D70AFA4C8}" dt="2022-03-30T23:17:55.579" v="367"/>
+          <ac:spMkLst>
+            <pc:docMk/>
+            <pc:sldMk cId="1362934084" sldId="256"/>
+            <ac:spMk id="24" creationId="{32D9D048-3063-435A-8C23-26C1907E9619}"/>
+          </ac:spMkLst>
+        </pc:spChg>
+        <pc:spChg chg="add del">
+          <ac:chgData name="Jireh Tseng" userId="S::tsengj@middleton.school.nz::eefb979d-fc0d-4dd5-ae9a-91b2ece0a753" providerId="AD" clId="Web-{40935AED-1311-E9DE-C4DF-708D70AFA4C8}" dt="2022-03-30T23:17:55.579" v="367"/>
+          <ac:spMkLst>
+            <pc:docMk/>
+            <pc:sldMk cId="1362934084" sldId="256"/>
+            <ac:spMk id="26" creationId="{8DE96824-E506-4448-8704-5EC7BF7BC51B}"/>
+          </ac:spMkLst>
+        </pc:spChg>
+        <pc:spChg chg="add del">
+          <ac:chgData name="Jireh Tseng" userId="S::tsengj@middleton.school.nz::eefb979d-fc0d-4dd5-ae9a-91b2ece0a753" providerId="AD" clId="Web-{40935AED-1311-E9DE-C4DF-708D70AFA4C8}" dt="2022-03-30T23:17:55.579" v="367"/>
+          <ac:spMkLst>
+            <pc:docMk/>
+            <pc:sldMk cId="1362934084" sldId="256"/>
+            <ac:spMk id="28" creationId="{4D1A5E71-B6B6-486A-8CDC-C7ABD9B903F6}"/>
+          </ac:spMkLst>
+        </pc:spChg>
+        <pc:spChg chg="add del">
+          <ac:chgData name="Jireh Tseng" userId="S::tsengj@middleton.school.nz::eefb979d-fc0d-4dd5-ae9a-91b2ece0a753" providerId="AD" clId="Web-{40935AED-1311-E9DE-C4DF-708D70AFA4C8}" dt="2022-03-30T23:17:55.579" v="367"/>
+          <ac:spMkLst>
+            <pc:docMk/>
+            <pc:sldMk cId="1362934084" sldId="256"/>
+            <ac:spMk id="30" creationId="{B6C541AE-9B02-44C0-B8C6-B2DEA7ED3813}"/>
+          </ac:spMkLst>
+        </pc:spChg>
+        <pc:spChg chg="add">
+          <ac:chgData name="Jireh Tseng" userId="S::tsengj@middleton.school.nz::eefb979d-fc0d-4dd5-ae9a-91b2ece0a753" providerId="AD" clId="Web-{40935AED-1311-E9DE-C4DF-708D70AFA4C8}" dt="2022-03-30T23:17:55.579" v="367"/>
+          <ac:spMkLst>
+            <pc:docMk/>
+            <pc:sldMk cId="1362934084" sldId="256"/>
+            <ac:spMk id="35" creationId="{1A3C89F8-0D2F-47FF-B903-151248265F47}"/>
+          </ac:spMkLst>
+        </pc:spChg>
+        <pc:spChg chg="add del">
+          <ac:chgData name="Jireh Tseng" userId="S::tsengj@middleton.school.nz::eefb979d-fc0d-4dd5-ae9a-91b2ece0a753" providerId="AD" clId="Web-{40935AED-1311-E9DE-C4DF-708D70AFA4C8}" dt="2022-03-30T23:17:55.563" v="366"/>
+          <ac:spMkLst>
+            <pc:docMk/>
+            <pc:sldMk cId="1362934084" sldId="256"/>
+            <ac:spMk id="36" creationId="{C1DD1A8A-57D5-4A81-AD04-532B043C5611}"/>
+          </ac:spMkLst>
+        </pc:spChg>
+        <pc:spChg chg="add">
+          <ac:chgData name="Jireh Tseng" userId="S::tsengj@middleton.school.nz::eefb979d-fc0d-4dd5-ae9a-91b2ece0a753" providerId="AD" clId="Web-{40935AED-1311-E9DE-C4DF-708D70AFA4C8}" dt="2022-03-30T23:17:55.579" v="367"/>
+          <ac:spMkLst>
+            <pc:docMk/>
+            <pc:sldMk cId="1362934084" sldId="256"/>
+            <ac:spMk id="37" creationId="{C5CB530E-515E-412C-9DF1-5F8FFBD6F383}"/>
+          </ac:spMkLst>
+        </pc:spChg>
+        <pc:spChg chg="add del">
+          <ac:chgData name="Jireh Tseng" userId="S::tsengj@middleton.school.nz::eefb979d-fc0d-4dd5-ae9a-91b2ece0a753" providerId="AD" clId="Web-{40935AED-1311-E9DE-C4DF-708D70AFA4C8}" dt="2022-03-30T23:17:55.563" v="366"/>
+          <ac:spMkLst>
+            <pc:docMk/>
+            <pc:sldMk cId="1362934084" sldId="256"/>
+            <ac:spMk id="38" creationId="{007891EC-4501-44ED-A8C8-B11B6DB767AB}"/>
+          </ac:spMkLst>
+        </pc:spChg>
+        <pc:spChg chg="add">
+          <ac:chgData name="Jireh Tseng" userId="S::tsengj@middleton.school.nz::eefb979d-fc0d-4dd5-ae9a-91b2ece0a753" providerId="AD" clId="Web-{40935AED-1311-E9DE-C4DF-708D70AFA4C8}" dt="2022-03-30T23:17:55.579" v="367"/>
+          <ac:spMkLst>
+            <pc:docMk/>
+            <pc:sldMk cId="1362934084" sldId="256"/>
+            <ac:spMk id="39" creationId="{712D4376-A578-4FF1-94FC-245E7A6A489F}"/>
+          </ac:spMkLst>
+        </pc:spChg>
+        <pc:spChg chg="add">
+          <ac:chgData name="Jireh Tseng" userId="S::tsengj@middleton.school.nz::eefb979d-fc0d-4dd5-ae9a-91b2ece0a753" providerId="AD" clId="Web-{40935AED-1311-E9DE-C4DF-708D70AFA4C8}" dt="2022-03-30T23:17:55.579" v="367"/>
+          <ac:spMkLst>
+            <pc:docMk/>
+            <pc:sldMk cId="1362934084" sldId="256"/>
+            <ac:spMk id="41" creationId="{AEA7509D-F04F-40CB-A0B3-EEF16499CC9F}"/>
+          </ac:spMkLst>
+        </pc:spChg>
+        <pc:spChg chg="add">
+          <ac:chgData name="Jireh Tseng" userId="S::tsengj@middleton.school.nz::eefb979d-fc0d-4dd5-ae9a-91b2ece0a753" providerId="AD" clId="Web-{40935AED-1311-E9DE-C4DF-708D70AFA4C8}" dt="2022-03-30T23:17:55.579" v="367"/>
+          <ac:spMkLst>
+            <pc:docMk/>
+            <pc:sldMk cId="1362934084" sldId="256"/>
+            <ac:spMk id="45" creationId="{508BEF50-7B1E-49A4-BC19-5F4F1D755E64}"/>
+          </ac:spMkLst>
+        </pc:spChg>
+        <pc:spChg chg="add">
+          <ac:chgData name="Jireh Tseng" userId="S::tsengj@middleton.school.nz::eefb979d-fc0d-4dd5-ae9a-91b2ece0a753" providerId="AD" clId="Web-{40935AED-1311-E9DE-C4DF-708D70AFA4C8}" dt="2022-03-30T23:17:55.579" v="367"/>
+          <ac:spMkLst>
+            <pc:docMk/>
+            <pc:sldMk cId="1362934084" sldId="256"/>
+            <ac:spMk id="47" creationId="{3FBAD350-5664-4811-A208-657FB882D350}"/>
+          </ac:spMkLst>
+        </pc:spChg>
+        <pc:spChg chg="add">
+          <ac:chgData name="Jireh Tseng" userId="S::tsengj@middleton.school.nz::eefb979d-fc0d-4dd5-ae9a-91b2ece0a753" providerId="AD" clId="Web-{40935AED-1311-E9DE-C4DF-708D70AFA4C8}" dt="2022-03-30T23:17:55.579" v="367"/>
+          <ac:spMkLst>
+            <pc:docMk/>
+            <pc:sldMk cId="1362934084" sldId="256"/>
+            <ac:spMk id="49" creationId="{C39ADB8F-D187-49D7-BDCF-C1B6DC727068}"/>
+          </ac:spMkLst>
+        </pc:spChg>
+        <pc:picChg chg="add del">
+          <ac:chgData name="Jireh Tseng" userId="S::tsengj@middleton.school.nz::eefb979d-fc0d-4dd5-ae9a-91b2ece0a753" providerId="AD" clId="Web-{40935AED-1311-E9DE-C4DF-708D70AFA4C8}" dt="2022-03-30T23:17:55.563" v="366"/>
           <ac:picMkLst>
             <pc:docMk/>
-            <pc:sldMk cId="248875773" sldId="293"/>
-            <ac:picMk id="2" creationId="{BCC23093-8A38-7C08-7B37-8D969267C14E}"/>
+            <pc:sldMk cId="1362934084" sldId="256"/>
+            <ac:picMk id="32" creationId="{487114A3-E06F-A5AF-ED8F-FA974B04784D}"/>
           </ac:picMkLst>
         </pc:picChg>
-        <pc:picChg chg="add mod">
-          <ac:chgData name="Jireh Tseng" userId="S::tsengj@middleton.school.nz::eefb979d-fc0d-4dd5-ae9a-91b2ece0a753" providerId="AD" clId="Web-{AE16ED1E-D1AF-834C-C0D7-D581AE5158A7}" dt="2022-04-13T09:10:09.249" v="27" actId="1076"/>
-          <ac:picMkLst>
-            <pc:docMk/>
-            <pc:sldMk cId="248875773" sldId="293"/>
-            <ac:picMk id="3" creationId="{843DBE96-1B63-E8C4-A963-E1C758DD6685}"/>
-          </ac:picMkLst>
-        </pc:picChg>
+        <pc:cxnChg chg="add">
+          <ac:chgData name="Jireh Tseng" userId="S::tsengj@middleton.school.nz::eefb979d-fc0d-4dd5-ae9a-91b2ece0a753" providerId="AD" clId="Web-{40935AED-1311-E9DE-C4DF-708D70AFA4C8}" dt="2022-03-30T23:17:55.579" v="367"/>
+          <ac:cxnSpMkLst>
+            <pc:docMk/>
+            <pc:sldMk cId="1362934084" sldId="256"/>
+            <ac:cxnSpMk id="43" creationId="{56020367-4FD5-4596-8E10-C5F095CD8DBF}"/>
+          </ac:cxnSpMkLst>
+        </pc:cxnChg>
       </pc:sldChg>
-      <pc:sldChg chg="modSp add ord replId">
-        <pc:chgData name="Jireh Tseng" userId="S::tsengj@middleton.school.nz::eefb979d-fc0d-4dd5-ae9a-91b2ece0a753" providerId="AD" clId="Web-{AE16ED1E-D1AF-834C-C0D7-D581AE5158A7}" dt="2022-04-13T09:15:32.023" v="782"/>
-        <pc:sldMkLst>
-          <pc:docMk/>
-          <pc:sldMk cId="14924585" sldId="294"/>
-        </pc:sldMkLst>
-        <pc:spChg chg="mod">
-          <ac:chgData name="Jireh Tseng" userId="S::tsengj@middleton.school.nz::eefb979d-fc0d-4dd5-ae9a-91b2ece0a753" providerId="AD" clId="Web-{AE16ED1E-D1AF-834C-C0D7-D581AE5158A7}" dt="2022-04-13T09:11:58.408" v="178" actId="20577"/>
-          <ac:spMkLst>
-            <pc:docMk/>
-            <pc:sldMk cId="14924585" sldId="294"/>
-            <ac:spMk id="91" creationId="{00000000-0000-0000-0000-000000000000}"/>
-          </ac:spMkLst>
-        </pc:spChg>
-        <pc:graphicFrameChg chg="mod modGraphic">
-          <ac:chgData name="Jireh Tseng" userId="S::tsengj@middleton.school.nz::eefb979d-fc0d-4dd5-ae9a-91b2ece0a753" providerId="AD" clId="Web-{AE16ED1E-D1AF-834C-C0D7-D581AE5158A7}" dt="2022-04-13T09:15:32.023" v="782"/>
-          <ac:graphicFrameMkLst>
-            <pc:docMk/>
-            <pc:sldMk cId="14924585" sldId="294"/>
-            <ac:graphicFrameMk id="92" creationId="{00000000-0000-0000-0000-000000000000}"/>
-          </ac:graphicFrameMkLst>
-        </pc:graphicFrameChg>
-      </pc:sldChg>
-      <pc:sldChg chg="addSp delSp modSp add ord replId">
-        <pc:chgData name="Jireh Tseng" userId="S::tsengj@middleton.school.nz::eefb979d-fc0d-4dd5-ae9a-91b2ece0a753" providerId="AD" clId="Web-{AE16ED1E-D1AF-834C-C0D7-D581AE5158A7}" dt="2022-04-13T09:42:37.266" v="840" actId="1076"/>
-        <pc:sldMkLst>
-          <pc:docMk/>
-          <pc:sldMk cId="2181879276" sldId="295"/>
-        </pc:sldMkLst>
-        <pc:spChg chg="mod">
-          <ac:chgData name="Jireh Tseng" userId="S::tsengj@middleton.school.nz::eefb979d-fc0d-4dd5-ae9a-91b2ece0a753" providerId="AD" clId="Web-{AE16ED1E-D1AF-834C-C0D7-D581AE5158A7}" dt="2022-04-13T09:41:43.577" v="791" actId="20577"/>
-          <ac:spMkLst>
-            <pc:docMk/>
-            <pc:sldMk cId="2181879276" sldId="295"/>
-            <ac:spMk id="2" creationId="{117C7ED0-CC09-82B1-98D7-D7AC8566A02D}"/>
-          </ac:spMkLst>
-        </pc:spChg>
-        <pc:spChg chg="add mod">
-          <ac:chgData name="Jireh Tseng" userId="S::tsengj@middleton.school.nz::eefb979d-fc0d-4dd5-ae9a-91b2ece0a753" providerId="AD" clId="Web-{AE16ED1E-D1AF-834C-C0D7-D581AE5158A7}" dt="2022-04-13T09:42:37.266" v="840" actId="1076"/>
-          <ac:spMkLst>
-            <pc:docMk/>
-            <pc:sldMk cId="2181879276" sldId="295"/>
-            <ac:spMk id="4" creationId="{A1B3C866-DC84-97B0-47F0-CB76AF369A87}"/>
-          </ac:spMkLst>
-        </pc:spChg>
-        <pc:spChg chg="del">
-          <ac:chgData name="Jireh Tseng" userId="S::tsengj@middleton.school.nz::eefb979d-fc0d-4dd5-ae9a-91b2ece0a753" providerId="AD" clId="Web-{AE16ED1E-D1AF-834C-C0D7-D581AE5158A7}" dt="2022-04-13T09:41:55.531" v="799"/>
-          <ac:spMkLst>
-            <pc:docMk/>
-            <pc:sldMk cId="2181879276" sldId="295"/>
-            <ac:spMk id="11" creationId="{A1A4E0A0-C0ED-991E-61D5-81FE6946AC17}"/>
-          </ac:spMkLst>
-        </pc:spChg>
-        <pc:spChg chg="del">
-          <ac:chgData name="Jireh Tseng" userId="S::tsengj@middleton.school.nz::eefb979d-fc0d-4dd5-ae9a-91b2ece0a753" providerId="AD" clId="Web-{AE16ED1E-D1AF-834C-C0D7-D581AE5158A7}" dt="2022-04-13T09:41:56.531" v="800"/>
-          <ac:spMkLst>
-            <pc:docMk/>
-            <pc:sldMk cId="2181879276" sldId="295"/>
-            <ac:spMk id="13" creationId="{855BC24A-2741-F9B9-897B-F27D38382945}"/>
-          </ac:spMkLst>
-        </pc:spChg>
-        <pc:spChg chg="del">
-          <ac:chgData name="Jireh Tseng" userId="S::tsengj@middleton.school.nz::eefb979d-fc0d-4dd5-ae9a-91b2ece0a753" providerId="AD" clId="Web-{AE16ED1E-D1AF-834C-C0D7-D581AE5158A7}" dt="2022-04-13T09:41:54.093" v="798"/>
-          <ac:spMkLst>
-            <pc:docMk/>
-            <pc:sldMk cId="2181879276" sldId="295"/>
-            <ac:spMk id="14" creationId="{DDEF694F-66A8-AD55-2E81-8C23419C8CA8}"/>
-          </ac:spMkLst>
-        </pc:spChg>
-        <pc:spChg chg="del">
-          <ac:chgData name="Jireh Tseng" userId="S::tsengj@middleton.school.nz::eefb979d-fc0d-4dd5-ae9a-91b2ece0a753" providerId="AD" clId="Web-{AE16ED1E-D1AF-834C-C0D7-D581AE5158A7}" dt="2022-04-13T09:41:51.937" v="796"/>
-          <ac:spMkLst>
-            <pc:docMk/>
-            <pc:sldMk cId="2181879276" sldId="295"/>
-            <ac:spMk id="15" creationId="{5A6598DE-722A-25F4-7138-F2334A98CDC4}"/>
-          </ac:spMkLst>
-        </pc:spChg>
-        <pc:spChg chg="del mod">
-          <ac:chgData name="Jireh Tseng" userId="S::tsengj@middleton.school.nz::eefb979d-fc0d-4dd5-ae9a-91b2ece0a753" providerId="AD" clId="Web-{AE16ED1E-D1AF-834C-C0D7-D581AE5158A7}" dt="2022-04-13T09:41:49.609" v="794"/>
-          <ac:spMkLst>
-            <pc:docMk/>
-            <pc:sldMk cId="2181879276" sldId="295"/>
-            <ac:spMk id="16" creationId="{7589514A-F299-0BE2-AF3A-0E5A01786D85}"/>
-          </ac:spMkLst>
-        </pc:spChg>
-        <pc:spChg chg="del">
-          <ac:chgData name="Jireh Tseng" userId="S::tsengj@middleton.school.nz::eefb979d-fc0d-4dd5-ae9a-91b2ece0a753" providerId="AD" clId="Web-{AE16ED1E-D1AF-834C-C0D7-D581AE5158A7}" dt="2022-04-13T09:41:50.952" v="795"/>
-          <ac:spMkLst>
-            <pc:docMk/>
-            <pc:sldMk cId="2181879276" sldId="295"/>
-            <ac:spMk id="17" creationId="{A6F7868D-4566-BB8F-888B-FA33BDC914C7}"/>
-          </ac:spMkLst>
-        </pc:spChg>
-        <pc:picChg chg="add mod">
-          <ac:chgData name="Jireh Tseng" userId="S::tsengj@middleton.school.nz::eefb979d-fc0d-4dd5-ae9a-91b2ece0a753" providerId="AD" clId="Web-{AE16ED1E-D1AF-834C-C0D7-D581AE5158A7}" dt="2022-04-13T09:42:01.515" v="803" actId="1076"/>
-          <ac:picMkLst>
-            <pc:docMk/>
-            <pc:sldMk cId="2181879276" sldId="295"/>
-            <ac:picMk id="3" creationId="{32005FF8-46FA-E696-97B7-3A4BE8249FC2}"/>
-          </ac:picMkLst>
-        </pc:picChg>
-        <pc:picChg chg="del">
-          <ac:chgData name="Jireh Tseng" userId="S::tsengj@middleton.school.nz::eefb979d-fc0d-4dd5-ae9a-91b2ece0a753" providerId="AD" clId="Web-{AE16ED1E-D1AF-834C-C0D7-D581AE5158A7}" dt="2022-04-13T09:41:46.655" v="792"/>
-          <ac:picMkLst>
-            <pc:docMk/>
-            <pc:sldMk cId="2181879276" sldId="295"/>
-            <ac:picMk id="5" creationId="{6A175A57-DC9A-34A1-D38F-3DE7F660D431}"/>
-          </ac:picMkLst>
-        </pc:picChg>
-        <pc:picChg chg="del">
-          <ac:chgData name="Jireh Tseng" userId="S::tsengj@middleton.school.nz::eefb979d-fc0d-4dd5-ae9a-91b2ece0a753" providerId="AD" clId="Web-{AE16ED1E-D1AF-834C-C0D7-D581AE5158A7}" dt="2022-04-13T09:41:52.984" v="797"/>
-          <ac:picMkLst>
-            <pc:docMk/>
-            <pc:sldMk cId="2181879276" sldId="295"/>
-            <ac:picMk id="9" creationId="{5C472445-5698-4240-DB0D-20AC3DCA4BCC}"/>
-          </ac:picMkLst>
-        </pc:picChg>
-      </pc:sldChg>
-    </pc:docChg>
-  </pc:docChgLst>
-  <pc:docChgLst>
-    <pc:chgData name="Jireh Tseng" userId="S::tsengj@middleton.school.nz::eefb979d-fc0d-4dd5-ae9a-91b2ece0a753" providerId="AD" clId="Web-{0A9141BC-797E-B9F6-70CA-6580E2A6D5C2}"/>
-    <pc:docChg chg="modSld">
-      <pc:chgData name="Jireh Tseng" userId="S::tsengj@middleton.school.nz::eefb979d-fc0d-4dd5-ae9a-91b2ece0a753" providerId="AD" clId="Web-{0A9141BC-797E-B9F6-70CA-6580E2A6D5C2}" dt="2022-03-21T21:01:53.179" v="210" actId="20577"/>
-      <pc:docMkLst>
-        <pc:docMk/>
-      </pc:docMkLst>
       <pc:sldChg chg="modSp">
-        <pc:chgData name="Jireh Tseng" userId="S::tsengj@middleton.school.nz::eefb979d-fc0d-4dd5-ae9a-91b2ece0a753" providerId="AD" clId="Web-{0A9141BC-797E-B9F6-70CA-6580E2A6D5C2}" dt="2022-03-21T20:29:45.031" v="3" actId="20577"/>
+        <pc:chgData name="Jireh Tseng" userId="S::tsengj@middleton.school.nz::eefb979d-fc0d-4dd5-ae9a-91b2ece0a753" providerId="AD" clId="Web-{40935AED-1311-E9DE-C4DF-708D70AFA4C8}" dt="2022-03-30T23:06:17.685" v="1" actId="20577"/>
         <pc:sldMkLst>
           <pc:docMk/>
           <pc:sldMk cId="3838895173" sldId="258"/>
         </pc:sldMkLst>
         <pc:spChg chg="mod">
-          <ac:chgData name="Jireh Tseng" userId="S::tsengj@middleton.school.nz::eefb979d-fc0d-4dd5-ae9a-91b2ece0a753" providerId="AD" clId="Web-{0A9141BC-797E-B9F6-70CA-6580E2A6D5C2}" dt="2022-03-21T20:29:45.031" v="3" actId="20577"/>
+          <ac:chgData name="Jireh Tseng" userId="S::tsengj@middleton.school.nz::eefb979d-fc0d-4dd5-ae9a-91b2ece0a753" providerId="AD" clId="Web-{40935AED-1311-E9DE-C4DF-708D70AFA4C8}" dt="2022-03-30T23:06:17.685" v="1" actId="20577"/>
           <ac:spMkLst>
             <pc:docMk/>
             <pc:sldMk cId="3838895173" sldId="258"/>
@@ -2022,87 +2229,94 @@
           </ac:spMkLst>
         </pc:spChg>
       </pc:sldChg>
-      <pc:sldChg chg="addSp modSp">
-        <pc:chgData name="Jireh Tseng" userId="S::tsengj@middleton.school.nz::eefb979d-fc0d-4dd5-ae9a-91b2ece0a753" providerId="AD" clId="Web-{0A9141BC-797E-B9F6-70CA-6580E2A6D5C2}" dt="2022-03-21T20:52:59.933" v="10" actId="1076"/>
+      <pc:sldChg chg="addSp delSp modSp">
+        <pc:chgData name="Jireh Tseng" userId="S::tsengj@middleton.school.nz::eefb979d-fc0d-4dd5-ae9a-91b2ece0a753" providerId="AD" clId="Web-{40935AED-1311-E9DE-C4DF-708D70AFA4C8}" dt="2022-03-30T23:09:19.174" v="24"/>
         <pc:sldMkLst>
           <pc:docMk/>
-          <pc:sldMk cId="3760331451" sldId="260"/>
+          <pc:sldMk cId="1084233196" sldId="263"/>
         </pc:sldMkLst>
-        <pc:picChg chg="add mod">
-          <ac:chgData name="Jireh Tseng" userId="S::tsengj@middleton.school.nz::eefb979d-fc0d-4dd5-ae9a-91b2ece0a753" providerId="AD" clId="Web-{0A9141BC-797E-B9F6-70CA-6580E2A6D5C2}" dt="2022-03-21T20:52:10.588" v="7" actId="1076"/>
-          <ac:picMkLst>
-            <pc:docMk/>
-            <pc:sldMk cId="3760331451" sldId="260"/>
-            <ac:picMk id="3" creationId="{7578DF5D-5BCC-4B37-9133-7404DA9CE531}"/>
-          </ac:picMkLst>
-        </pc:picChg>
-        <pc:picChg chg="add mod">
-          <ac:chgData name="Jireh Tseng" userId="S::tsengj@middleton.school.nz::eefb979d-fc0d-4dd5-ae9a-91b2ece0a753" providerId="AD" clId="Web-{0A9141BC-797E-B9F6-70CA-6580E2A6D5C2}" dt="2022-03-21T20:52:59.933" v="10" actId="1076"/>
-          <ac:picMkLst>
-            <pc:docMk/>
-            <pc:sldMk cId="3760331451" sldId="260"/>
-            <ac:picMk id="5" creationId="{DA4AF9FA-9E3C-444C-8D87-519C4FEDB3A7}"/>
-          </ac:picMkLst>
-        </pc:picChg>
+        <pc:spChg chg="add del mod">
+          <ac:chgData name="Jireh Tseng" userId="S::tsengj@middleton.school.nz::eefb979d-fc0d-4dd5-ae9a-91b2ece0a753" providerId="AD" clId="Web-{40935AED-1311-E9DE-C4DF-708D70AFA4C8}" dt="2022-03-30T23:09:19.174" v="24"/>
+          <ac:spMkLst>
+            <pc:docMk/>
+            <pc:sldMk cId="1084233196" sldId="263"/>
+            <ac:spMk id="4" creationId="{A043DA02-518A-047A-2F5C-16D47DF1D135}"/>
+          </ac:spMkLst>
+        </pc:spChg>
       </pc:sldChg>
-      <pc:sldChg chg="addSp modSp">
-        <pc:chgData name="Jireh Tseng" userId="S::tsengj@middleton.school.nz::eefb979d-fc0d-4dd5-ae9a-91b2ece0a753" providerId="AD" clId="Web-{0A9141BC-797E-B9F6-70CA-6580E2A6D5C2}" dt="2022-03-21T20:58:06.392" v="48" actId="14100"/>
+      <pc:sldChg chg="del">
+        <pc:chgData name="Jireh Tseng" userId="S::tsengj@middleton.school.nz::eefb979d-fc0d-4dd5-ae9a-91b2ece0a753" providerId="AD" clId="Web-{40935AED-1311-E9DE-C4DF-708D70AFA4C8}" dt="2022-03-30T23:07:35.999" v="2"/>
         <pc:sldMkLst>
           <pc:docMk/>
-          <pc:sldMk cId="0" sldId="268"/>
+          <pc:sldMk cId="3377323929" sldId="278"/>
         </pc:sldMkLst>
-        <pc:spChg chg="add mod">
-          <ac:chgData name="Jireh Tseng" userId="S::tsengj@middleton.school.nz::eefb979d-fc0d-4dd5-ae9a-91b2ece0a753" providerId="AD" clId="Web-{0A9141BC-797E-B9F6-70CA-6580E2A6D5C2}" dt="2022-03-21T20:57:53.345" v="44" actId="14100"/>
+      </pc:sldChg>
+      <pc:sldChg chg="addSp delSp modSp add ord replId">
+        <pc:chgData name="Jireh Tseng" userId="S::tsengj@middleton.school.nz::eefb979d-fc0d-4dd5-ae9a-91b2ece0a753" providerId="AD" clId="Web-{40935AED-1311-E9DE-C4DF-708D70AFA4C8}" dt="2022-03-30T23:08:46.282" v="20" actId="1076"/>
+        <pc:sldMkLst>
+          <pc:docMk/>
+          <pc:sldMk cId="1732950584" sldId="281"/>
+        </pc:sldMkLst>
+        <pc:spChg chg="del">
+          <ac:chgData name="Jireh Tseng" userId="S::tsengj@middleton.school.nz::eefb979d-fc0d-4dd5-ae9a-91b2ece0a753" providerId="AD" clId="Web-{40935AED-1311-E9DE-C4DF-708D70AFA4C8}" dt="2022-03-30T23:08:14.547" v="14"/>
           <ac:spMkLst>
             <pc:docMk/>
-            <pc:sldMk cId="0" sldId="268"/>
+            <pc:sldMk cId="1732950584" sldId="281"/>
             <ac:spMk id="3" creationId="{9080C512-4F5A-4DB6-83B0-A0A10570541D}"/>
           </ac:spMkLst>
         </pc:spChg>
-        <pc:spChg chg="add mod">
-          <ac:chgData name="Jireh Tseng" userId="S::tsengj@middleton.school.nz::eefb979d-fc0d-4dd5-ae9a-91b2ece0a753" providerId="AD" clId="Web-{0A9141BC-797E-B9F6-70CA-6580E2A6D5C2}" dt="2022-03-21T20:58:06.392" v="48" actId="14100"/>
+        <pc:spChg chg="del">
+          <ac:chgData name="Jireh Tseng" userId="S::tsengj@middleton.school.nz::eefb979d-fc0d-4dd5-ae9a-91b2ece0a753" providerId="AD" clId="Web-{40935AED-1311-E9DE-C4DF-708D70AFA4C8}" dt="2022-03-30T23:08:15.907" v="15"/>
           <ac:spMkLst>
             <pc:docMk/>
-            <pc:sldMk cId="0" sldId="268"/>
+            <pc:sldMk cId="1732950584" sldId="281"/>
             <ac:spMk id="5" creationId="{93CEF551-4230-4C69-A934-2D572844D7C7}"/>
           </ac:spMkLst>
         </pc:spChg>
         <pc:spChg chg="mod">
-          <ac:chgData name="Jireh Tseng" userId="S::tsengj@middleton.school.nz::eefb979d-fc0d-4dd5-ae9a-91b2ece0a753" providerId="AD" clId="Web-{0A9141BC-797E-B9F6-70CA-6580E2A6D5C2}" dt="2022-03-21T20:54:55.373" v="29" actId="20577"/>
+          <ac:chgData name="Jireh Tseng" userId="S::tsengj@middleton.school.nz::eefb979d-fc0d-4dd5-ae9a-91b2ece0a753" providerId="AD" clId="Web-{40935AED-1311-E9DE-C4DF-708D70AFA4C8}" dt="2022-03-30T23:08:10.344" v="12" actId="20577"/>
           <ac:spMkLst>
             <pc:docMk/>
-            <pc:sldMk cId="0" sldId="268"/>
+            <pc:sldMk cId="1732950584" sldId="281"/>
             <ac:spMk id="86" creationId="{00000000-0000-0000-0000-000000000000}"/>
           </ac:spMkLst>
         </pc:spChg>
-        <pc:picChg chg="add mod">
-          <ac:chgData name="Jireh Tseng" userId="S::tsengj@middleton.school.nz::eefb979d-fc0d-4dd5-ae9a-91b2ece0a753" providerId="AD" clId="Web-{0A9141BC-797E-B9F6-70CA-6580E2A6D5C2}" dt="2022-03-21T20:56:40.203" v="36" actId="1076"/>
+        <pc:picChg chg="del">
+          <ac:chgData name="Jireh Tseng" userId="S::tsengj@middleton.school.nz::eefb979d-fc0d-4dd5-ae9a-91b2ece0a753" providerId="AD" clId="Web-{40935AED-1311-E9DE-C4DF-708D70AFA4C8}" dt="2022-03-30T23:08:12.094" v="13"/>
           <ac:picMkLst>
             <pc:docMk/>
-            <pc:sldMk cId="0" sldId="268"/>
+            <pc:sldMk cId="1732950584" sldId="281"/>
             <ac:picMk id="2" creationId="{6A484709-C50D-4D4E-A116-F1A8E11C293C}"/>
           </ac:picMkLst>
         </pc:picChg>
+        <pc:picChg chg="add mod">
+          <ac:chgData name="Jireh Tseng" userId="S::tsengj@middleton.school.nz::eefb979d-fc0d-4dd5-ae9a-91b2ece0a753" providerId="AD" clId="Web-{40935AED-1311-E9DE-C4DF-708D70AFA4C8}" dt="2022-03-30T23:08:46.282" v="20" actId="1076"/>
+          <ac:picMkLst>
+            <pc:docMk/>
+            <pc:sldMk cId="1732950584" sldId="281"/>
+            <ac:picMk id="4" creationId="{E5C81E07-4E1E-4823-E30E-0F12B7098C51}"/>
+          </ac:picMkLst>
+        </pc:picChg>
       </pc:sldChg>
-      <pc:sldChg chg="modSp">
-        <pc:chgData name="Jireh Tseng" userId="S::tsengj@middleton.school.nz::eefb979d-fc0d-4dd5-ae9a-91b2ece0a753" providerId="AD" clId="Web-{0A9141BC-797E-B9F6-70CA-6580E2A6D5C2}" dt="2022-03-21T21:01:53.179" v="210" actId="20577"/>
+      <pc:sldChg chg="modSp add ord replId">
+        <pc:chgData name="Jireh Tseng" userId="S::tsengj@middleton.school.nz::eefb979d-fc0d-4dd5-ae9a-91b2ece0a753" providerId="AD" clId="Web-{40935AED-1311-E9DE-C4DF-708D70AFA4C8}" dt="2022-03-30T23:17:12.203" v="360"/>
         <pc:sldMkLst>
           <pc:docMk/>
-          <pc:sldMk cId="0" sldId="269"/>
+          <pc:sldMk cId="3778962545" sldId="282"/>
         </pc:sldMkLst>
         <pc:spChg chg="mod">
-          <ac:chgData name="Jireh Tseng" userId="S::tsengj@middleton.school.nz::eefb979d-fc0d-4dd5-ae9a-91b2ece0a753" providerId="AD" clId="Web-{0A9141BC-797E-B9F6-70CA-6580E2A6D5C2}" dt="2022-03-21T21:01:53.179" v="210" actId="20577"/>
+          <ac:chgData name="Jireh Tseng" userId="S::tsengj@middleton.school.nz::eefb979d-fc0d-4dd5-ae9a-91b2ece0a753" providerId="AD" clId="Web-{40935AED-1311-E9DE-C4DF-708D70AFA4C8}" dt="2022-03-30T23:10:17.785" v="36" actId="20577"/>
           <ac:spMkLst>
             <pc:docMk/>
-            <pc:sldMk cId="0" sldId="269"/>
+            <pc:sldMk cId="3778962545" sldId="282"/>
             <ac:spMk id="91" creationId="{00000000-0000-0000-0000-000000000000}"/>
           </ac:spMkLst>
         </pc:spChg>
         <pc:graphicFrameChg chg="mod modGraphic">
-          <ac:chgData name="Jireh Tseng" userId="S::tsengj@middleton.school.nz::eefb979d-fc0d-4dd5-ae9a-91b2ece0a753" providerId="AD" clId="Web-{0A9141BC-797E-B9F6-70CA-6580E2A6D5C2}" dt="2022-03-21T21:01:09.460" v="203"/>
+          <ac:chgData name="Jireh Tseng" userId="S::tsengj@middleton.school.nz::eefb979d-fc0d-4dd5-ae9a-91b2ece0a753" providerId="AD" clId="Web-{40935AED-1311-E9DE-C4DF-708D70AFA4C8}" dt="2022-03-30T23:17:12.203" v="360"/>
           <ac:graphicFrameMkLst>
             <pc:docMk/>
-            <pc:sldMk cId="0" sldId="269"/>
+            <pc:sldMk cId="3778962545" sldId="282"/>
             <ac:graphicFrameMk id="92" creationId="{00000000-0000-0000-0000-000000000000}"/>
           </ac:graphicFrameMkLst>
         </pc:graphicFrameChg>
@@ -2110,95 +2324,87 @@
     </pc:docChg>
   </pc:docChgLst>
   <pc:docChgLst>
-    <pc:chgData name="Jireh Tseng" userId="eefb979d-fc0d-4dd5-ae9a-91b2ece0a753" providerId="ADAL" clId="{FE9DF4E4-253E-F442-8B51-D9CEDF13A1AF}"/>
-    <pc:docChg chg="undo custSel addSld modSld">
-      <pc:chgData name="Jireh Tseng" userId="eefb979d-fc0d-4dd5-ae9a-91b2ece0a753" providerId="ADAL" clId="{FE9DF4E4-253E-F442-8B51-D9CEDF13A1AF}" dt="2022-03-20T22:33:12.783" v="1066" actId="14100"/>
+    <pc:chgData name="Jireh Tseng" userId="S::tsengj@middleton.school.nz::eefb979d-fc0d-4dd5-ae9a-91b2ece0a753" providerId="AD" clId="Web-{ED384A0D-67FC-3DCC-741F-8364AA4B3505}"/>
+    <pc:docChg chg="addSld modSld sldOrd">
+      <pc:chgData name="Jireh Tseng" userId="S::tsengj@middleton.school.nz::eefb979d-fc0d-4dd5-ae9a-91b2ece0a753" providerId="AD" clId="Web-{ED384A0D-67FC-3DCC-741F-8364AA4B3505}" dt="2022-04-13T02:14:33.505" v="1448" actId="1076"/>
       <pc:docMkLst>
         <pc:docMk/>
       </pc:docMkLst>
-      <pc:sldChg chg="addSp delSp modSp mod">
-        <pc:chgData name="Jireh Tseng" userId="eefb979d-fc0d-4dd5-ae9a-91b2ece0a753" providerId="ADAL" clId="{FE9DF4E4-253E-F442-8B51-D9CEDF13A1AF}" dt="2022-03-20T22:26:12.084" v="408" actId="14734"/>
+      <pc:sldChg chg="addSp delSp modSp">
+        <pc:chgData name="Jireh Tseng" userId="S::tsengj@middleton.school.nz::eefb979d-fc0d-4dd5-ae9a-91b2ece0a753" providerId="AD" clId="Web-{ED384A0D-67FC-3DCC-741F-8364AA4B3505}" dt="2022-04-13T02:07:05.180" v="148" actId="1076"/>
         <pc:sldMkLst>
           <pc:docMk/>
-          <pc:sldMk cId="975627948" sldId="272"/>
+          <pc:sldMk cId="3742630380" sldId="288"/>
         </pc:sldMkLst>
-        <pc:graphicFrameChg chg="add del mod modGraphic">
-          <ac:chgData name="Jireh Tseng" userId="eefb979d-fc0d-4dd5-ae9a-91b2ece0a753" providerId="ADAL" clId="{FE9DF4E4-253E-F442-8B51-D9CEDF13A1AF}" dt="2022-03-20T22:26:12.084" v="408" actId="14734"/>
-          <ac:graphicFrameMkLst>
-            <pc:docMk/>
-            <pc:sldMk cId="975627948" sldId="272"/>
-            <ac:graphicFrameMk id="6" creationId="{A02ECB3F-5E1A-4602-8844-49609D54ADF8}"/>
-          </ac:graphicFrameMkLst>
-        </pc:graphicFrameChg>
+        <pc:spChg chg="add mod">
+          <ac:chgData name="Jireh Tseng" userId="S::tsengj@middleton.school.nz::eefb979d-fc0d-4dd5-ae9a-91b2ece0a753" providerId="AD" clId="Web-{ED384A0D-67FC-3DCC-741F-8364AA4B3505}" dt="2022-04-13T02:06:41.148" v="146" actId="1076"/>
+          <ac:spMkLst>
+            <pc:docMk/>
+            <pc:sldMk cId="3742630380" sldId="288"/>
+            <ac:spMk id="6" creationId="{2ACA099B-D36F-17A9-F335-3BEBFD61AA03}"/>
+          </ac:spMkLst>
+        </pc:spChg>
+        <pc:picChg chg="add mod">
+          <ac:chgData name="Jireh Tseng" userId="S::tsengj@middleton.school.nz::eefb979d-fc0d-4dd5-ae9a-91b2ece0a753" providerId="AD" clId="Web-{ED384A0D-67FC-3DCC-741F-8364AA4B3505}" dt="2022-04-13T02:06:24.679" v="141" actId="1076"/>
+          <ac:picMkLst>
+            <pc:docMk/>
+            <pc:sldMk cId="3742630380" sldId="288"/>
+            <ac:picMk id="3" creationId="{89276921-B447-1D95-4DC2-8AD1144AB121}"/>
+          </ac:picMkLst>
+        </pc:picChg>
+        <pc:picChg chg="add del mod">
+          <ac:chgData name="Jireh Tseng" userId="S::tsengj@middleton.school.nz::eefb979d-fc0d-4dd5-ae9a-91b2ece0a753" providerId="AD" clId="Web-{ED384A0D-67FC-3DCC-741F-8364AA4B3505}" dt="2022-04-13T02:02:55.610" v="4"/>
+          <ac:picMkLst>
+            <pc:docMk/>
+            <pc:sldMk cId="3742630380" sldId="288"/>
+            <ac:picMk id="5" creationId="{36B3414F-9F1E-F254-CCD9-0C3D9C8C5285}"/>
+          </ac:picMkLst>
+        </pc:picChg>
+        <pc:picChg chg="add mod">
+          <ac:chgData name="Jireh Tseng" userId="S::tsengj@middleton.school.nz::eefb979d-fc0d-4dd5-ae9a-91b2ece0a753" providerId="AD" clId="Web-{ED384A0D-67FC-3DCC-741F-8364AA4B3505}" dt="2022-04-13T02:06:25.398" v="142" actId="1076"/>
+          <ac:picMkLst>
+            <pc:docMk/>
+            <pc:sldMk cId="3742630380" sldId="288"/>
+            <ac:picMk id="7" creationId="{3E3ED375-DD72-680C-8F58-70BC755CCE29}"/>
+          </ac:picMkLst>
+        </pc:picChg>
+        <pc:picChg chg="add mod">
+          <ac:chgData name="Jireh Tseng" userId="S::tsengj@middleton.school.nz::eefb979d-fc0d-4dd5-ae9a-91b2ece0a753" providerId="AD" clId="Web-{ED384A0D-67FC-3DCC-741F-8364AA4B3505}" dt="2022-04-13T02:07:05.180" v="148" actId="1076"/>
+          <ac:picMkLst>
+            <pc:docMk/>
+            <pc:sldMk cId="3742630380" sldId="288"/>
+            <ac:picMk id="8" creationId="{FDB2E0E9-D86D-F82F-0828-239D28074C54}"/>
+          </ac:picMkLst>
+        </pc:picChg>
       </pc:sldChg>
-      <pc:sldChg chg="modSp add mod">
-        <pc:chgData name="Jireh Tseng" userId="eefb979d-fc0d-4dd5-ae9a-91b2ece0a753" providerId="ADAL" clId="{FE9DF4E4-253E-F442-8B51-D9CEDF13A1AF}" dt="2022-03-20T22:33:12.783" v="1066" actId="14100"/>
+      <pc:sldChg chg="addSp delSp modSp add ord replId">
+        <pc:chgData name="Jireh Tseng" userId="S::tsengj@middleton.school.nz::eefb979d-fc0d-4dd5-ae9a-91b2ece0a753" providerId="AD" clId="Web-{ED384A0D-67FC-3DCC-741F-8364AA4B3505}" dt="2022-04-13T02:14:33.505" v="1448" actId="1076"/>
         <pc:sldMkLst>
           <pc:docMk/>
-          <pc:sldMk cId="598320645" sldId="275"/>
+          <pc:sldMk cId="1636248130" sldId="289"/>
         </pc:sldMkLst>
         <pc:spChg chg="mod">
-          <ac:chgData name="Jireh Tseng" userId="eefb979d-fc0d-4dd5-ae9a-91b2ece0a753" providerId="ADAL" clId="{FE9DF4E4-253E-F442-8B51-D9CEDF13A1AF}" dt="2022-03-20T22:24:46.233" v="398" actId="20577"/>
+          <ac:chgData name="Jireh Tseng" userId="S::tsengj@middleton.school.nz::eefb979d-fc0d-4dd5-ae9a-91b2ece0a753" providerId="AD" clId="Web-{ED384A0D-67FC-3DCC-741F-8364AA4B3505}" dt="2022-04-13T02:09:30.669" v="161" actId="20577"/>
           <ac:spMkLst>
             <pc:docMk/>
-            <pc:sldMk cId="598320645" sldId="275"/>
-            <ac:spMk id="2" creationId="{0D168B5A-EFF4-4803-8DA6-5994B306EBAF}"/>
+            <pc:sldMk cId="1636248130" sldId="289"/>
+            <ac:spMk id="91" creationId="{00000000-0000-0000-0000-000000000000}"/>
           </ac:spMkLst>
         </pc:spChg>
         <pc:graphicFrameChg chg="mod modGraphic">
-          <ac:chgData name="Jireh Tseng" userId="eefb979d-fc0d-4dd5-ae9a-91b2ece0a753" providerId="ADAL" clId="{FE9DF4E4-253E-F442-8B51-D9CEDF13A1AF}" dt="2022-03-20T22:33:12.783" v="1066" actId="14100"/>
+          <ac:chgData name="Jireh Tseng" userId="S::tsengj@middleton.school.nz::eefb979d-fc0d-4dd5-ae9a-91b2ece0a753" providerId="AD" clId="Web-{ED384A0D-67FC-3DCC-741F-8364AA4B3505}" dt="2022-04-13T02:14:33.505" v="1448" actId="1076"/>
           <ac:graphicFrameMkLst>
             <pc:docMk/>
-            <pc:sldMk cId="598320645" sldId="275"/>
-            <ac:graphicFrameMk id="6" creationId="{A02ECB3F-5E1A-4602-8844-49609D54ADF8}"/>
-          </ac:graphicFrameMkLst>
-        </pc:graphicFrameChg>
-      </pc:sldChg>
-    </pc:docChg>
-  </pc:docChgLst>
-  <pc:docChgLst>
-    <pc:chgData name="Jireh Tseng" userId="S::tsengj@middleton.school.nz::eefb979d-fc0d-4dd5-ae9a-91b2ece0a753" providerId="AD" clId="Web-{99142990-7B4C-0CD7-3AFD-A8191EF1FACA}"/>
-    <pc:docChg chg="addSld modSld">
-      <pc:chgData name="Jireh Tseng" userId="S::tsengj@middleton.school.nz::eefb979d-fc0d-4dd5-ae9a-91b2ece0a753" providerId="AD" clId="Web-{99142990-7B4C-0CD7-3AFD-A8191EF1FACA}" dt="2022-04-03T23:45:09.540" v="80" actId="1076"/>
-      <pc:docMkLst>
-        <pc:docMk/>
-      </pc:docMkLst>
-      <pc:sldChg chg="addSp delSp modSp add replId">
-        <pc:chgData name="Jireh Tseng" userId="S::tsengj@middleton.school.nz::eefb979d-fc0d-4dd5-ae9a-91b2ece0a753" providerId="AD" clId="Web-{99142990-7B4C-0CD7-3AFD-A8191EF1FACA}" dt="2022-04-03T23:45:09.540" v="80" actId="1076"/>
-        <pc:sldMkLst>
-          <pc:docMk/>
-          <pc:sldMk cId="2568554082" sldId="283"/>
-        </pc:sldMkLst>
-        <pc:spChg chg="add mod">
-          <ac:chgData name="Jireh Tseng" userId="S::tsengj@middleton.school.nz::eefb979d-fc0d-4dd5-ae9a-91b2ece0a753" providerId="AD" clId="Web-{99142990-7B4C-0CD7-3AFD-A8191EF1FACA}" dt="2022-04-03T23:45:09.540" v="80" actId="1076"/>
-          <ac:spMkLst>
-            <pc:docMk/>
-            <pc:sldMk cId="2568554082" sldId="283"/>
-            <ac:spMk id="3" creationId="{6BE7D083-107B-9598-9BED-5E001A7543AF}"/>
-          </ac:spMkLst>
-        </pc:spChg>
-        <pc:spChg chg="mod">
-          <ac:chgData name="Jireh Tseng" userId="S::tsengj@middleton.school.nz::eefb979d-fc0d-4dd5-ae9a-91b2ece0a753" providerId="AD" clId="Web-{99142990-7B4C-0CD7-3AFD-A8191EF1FACA}" dt="2022-04-03T23:43:13.271" v="4" actId="20577"/>
-          <ac:spMkLst>
-            <pc:docMk/>
-            <pc:sldMk cId="2568554082" sldId="283"/>
-            <ac:spMk id="91" creationId="{00000000-0000-0000-0000-000000000000}"/>
-          </ac:spMkLst>
-        </pc:spChg>
-        <pc:graphicFrameChg chg="del mod modGraphic">
-          <ac:chgData name="Jireh Tseng" userId="S::tsengj@middleton.school.nz::eefb979d-fc0d-4dd5-ae9a-91b2ece0a753" providerId="AD" clId="Web-{99142990-7B4C-0CD7-3AFD-A8191EF1FACA}" dt="2022-04-03T23:43:20.631" v="20"/>
-          <ac:graphicFrameMkLst>
-            <pc:docMk/>
-            <pc:sldMk cId="2568554082" sldId="283"/>
+            <pc:sldMk cId="1636248130" sldId="289"/>
             <ac:graphicFrameMk id="92" creationId="{00000000-0000-0000-0000-000000000000}"/>
           </ac:graphicFrameMkLst>
         </pc:graphicFrameChg>
-        <pc:picChg chg="add mod">
-          <ac:chgData name="Jireh Tseng" userId="S::tsengj@middleton.school.nz::eefb979d-fc0d-4dd5-ae9a-91b2ece0a753" providerId="AD" clId="Web-{99142990-7B4C-0CD7-3AFD-A8191EF1FACA}" dt="2022-04-03T23:44:07.476" v="25" actId="1076"/>
+        <pc:picChg chg="add del mod">
+          <ac:chgData name="Jireh Tseng" userId="S::tsengj@middleton.school.nz::eefb979d-fc0d-4dd5-ae9a-91b2ece0a753" providerId="AD" clId="Web-{ED384A0D-67FC-3DCC-741F-8364AA4B3505}" dt="2022-04-13T02:11:05.999" v="553"/>
           <ac:picMkLst>
             <pc:docMk/>
-            <pc:sldMk cId="2568554082" sldId="283"/>
-            <ac:picMk id="2" creationId="{F837C40C-4306-D890-2C3D-79261A778469}"/>
+            <pc:sldMk cId="1636248130" sldId="289"/>
+            <ac:picMk id="2" creationId="{A567E6EC-1763-61BE-98CB-A069415A6F6D}"/>
           </ac:picMkLst>
         </pc:picChg>
       </pc:sldChg>
@@ -2221,227 +2427,20 @@
     </pc:docChg>
   </pc:docChgLst>
   <pc:docChgLst>
-    <pc:chgData name="Jireh Tseng" userId="S::tsengj@middleton.school.nz::eefb979d-fc0d-4dd5-ae9a-91b2ece0a753" providerId="AD" clId="Web-{40935AED-1311-E9DE-C4DF-708D70AFA4C8}"/>
-    <pc:docChg chg="addSld delSld modSld sldOrd">
-      <pc:chgData name="Jireh Tseng" userId="S::tsengj@middleton.school.nz::eefb979d-fc0d-4dd5-ae9a-91b2ece0a753" providerId="AD" clId="Web-{40935AED-1311-E9DE-C4DF-708D70AFA4C8}" dt="2022-03-30T23:18:05.782" v="375" actId="20577"/>
+    <pc:chgData name="Jireh Tseng" userId="S::tsengj@middleton.school.nz::eefb979d-fc0d-4dd5-ae9a-91b2ece0a753" providerId="AD" clId="Web-{C427EC4C-938F-CEFB-1DE3-DC4C55162615}"/>
+    <pc:docChg chg="modSld">
+      <pc:chgData name="Jireh Tseng" userId="S::tsengj@middleton.school.nz::eefb979d-fc0d-4dd5-ae9a-91b2ece0a753" providerId="AD" clId="Web-{C427EC4C-938F-CEFB-1DE3-DC4C55162615}" dt="2022-05-05T00:33:54.227" v="427" actId="20577"/>
       <pc:docMkLst>
         <pc:docMk/>
       </pc:docMkLst>
-      <pc:sldChg chg="addSp delSp modSp addAnim delAnim">
-        <pc:chgData name="Jireh Tseng" userId="S::tsengj@middleton.school.nz::eefb979d-fc0d-4dd5-ae9a-91b2ece0a753" providerId="AD" clId="Web-{40935AED-1311-E9DE-C4DF-708D70AFA4C8}" dt="2022-03-30T23:18:05.782" v="375" actId="20577"/>
-        <pc:sldMkLst>
-          <pc:docMk/>
-          <pc:sldMk cId="1362934084" sldId="256"/>
-        </pc:sldMkLst>
-        <pc:spChg chg="mod">
-          <ac:chgData name="Jireh Tseng" userId="S::tsengj@middleton.school.nz::eefb979d-fc0d-4dd5-ae9a-91b2ece0a753" providerId="AD" clId="Web-{40935AED-1311-E9DE-C4DF-708D70AFA4C8}" dt="2022-03-30T23:17:55.579" v="367"/>
-          <ac:spMkLst>
-            <pc:docMk/>
-            <pc:sldMk cId="1362934084" sldId="256"/>
-            <ac:spMk id="2" creationId="{A96C2811-5704-42C1-869B-16E29CB6572E}"/>
-          </ac:spMkLst>
-        </pc:spChg>
-        <pc:spChg chg="mod">
-          <ac:chgData name="Jireh Tseng" userId="S::tsengj@middleton.school.nz::eefb979d-fc0d-4dd5-ae9a-91b2ece0a753" providerId="AD" clId="Web-{40935AED-1311-E9DE-C4DF-708D70AFA4C8}" dt="2022-03-30T23:18:05.782" v="375" actId="20577"/>
-          <ac:spMkLst>
-            <pc:docMk/>
-            <pc:sldMk cId="1362934084" sldId="256"/>
-            <ac:spMk id="3" creationId="{930E6464-DA98-43C8-B6C9-594748754628}"/>
-          </ac:spMkLst>
-        </pc:spChg>
-        <pc:spChg chg="add del">
-          <ac:chgData name="Jireh Tseng" userId="S::tsengj@middleton.school.nz::eefb979d-fc0d-4dd5-ae9a-91b2ece0a753" providerId="AD" clId="Web-{40935AED-1311-E9DE-C4DF-708D70AFA4C8}" dt="2022-03-30T23:17:55.579" v="367"/>
-          <ac:spMkLst>
-            <pc:docMk/>
-            <pc:sldMk cId="1362934084" sldId="256"/>
-            <ac:spMk id="8" creationId="{3A397E3E-B90C-4D82-BAAA-36F7AC6A4565}"/>
-          </ac:spMkLst>
-        </pc:spChg>
-        <pc:spChg chg="add del">
-          <ac:chgData name="Jireh Tseng" userId="S::tsengj@middleton.school.nz::eefb979d-fc0d-4dd5-ae9a-91b2ece0a753" providerId="AD" clId="Web-{40935AED-1311-E9DE-C4DF-708D70AFA4C8}" dt="2022-03-30T23:17:55.579" v="367"/>
-          <ac:spMkLst>
-            <pc:docMk/>
-            <pc:sldMk cId="1362934084" sldId="256"/>
-            <ac:spMk id="10" creationId="{E16C8D8F-10E9-4498-ABDB-0F923F8B6837}"/>
-          </ac:spMkLst>
-        </pc:spChg>
-        <pc:spChg chg="add del">
-          <ac:chgData name="Jireh Tseng" userId="S::tsengj@middleton.school.nz::eefb979d-fc0d-4dd5-ae9a-91b2ece0a753" providerId="AD" clId="Web-{40935AED-1311-E9DE-C4DF-708D70AFA4C8}" dt="2022-03-30T23:17:55.579" v="367"/>
-          <ac:spMkLst>
-            <pc:docMk/>
-            <pc:sldMk cId="1362934084" sldId="256"/>
-            <ac:spMk id="12" creationId="{1E5A83E3-8A11-4492-BB6E-F5F2240316FB}"/>
-          </ac:spMkLst>
-        </pc:spChg>
-        <pc:spChg chg="add del">
-          <ac:chgData name="Jireh Tseng" userId="S::tsengj@middleton.school.nz::eefb979d-fc0d-4dd5-ae9a-91b2ece0a753" providerId="AD" clId="Web-{40935AED-1311-E9DE-C4DF-708D70AFA4C8}" dt="2022-03-30T23:17:55.579" v="367"/>
-          <ac:spMkLst>
-            <pc:docMk/>
-            <pc:sldMk cId="1362934084" sldId="256"/>
-            <ac:spMk id="14" creationId="{8CF5E676-CA04-4CED-9F1E-5026ED66E66D}"/>
-          </ac:spMkLst>
-        </pc:spChg>
-        <pc:spChg chg="add del">
-          <ac:chgData name="Jireh Tseng" userId="S::tsengj@middleton.school.nz::eefb979d-fc0d-4dd5-ae9a-91b2ece0a753" providerId="AD" clId="Web-{40935AED-1311-E9DE-C4DF-708D70AFA4C8}" dt="2022-03-30T23:17:55.579" v="367"/>
-          <ac:spMkLst>
-            <pc:docMk/>
-            <pc:sldMk cId="1362934084" sldId="256"/>
-            <ac:spMk id="16" creationId="{6BA9E676-A8FC-4C2F-8D78-C13ED8ABDBA8}"/>
-          </ac:spMkLst>
-        </pc:spChg>
-        <pc:spChg chg="add del">
-          <ac:chgData name="Jireh Tseng" userId="S::tsengj@middleton.school.nz::eefb979d-fc0d-4dd5-ae9a-91b2ece0a753" providerId="AD" clId="Web-{40935AED-1311-E9DE-C4DF-708D70AFA4C8}" dt="2022-03-30T23:17:55.579" v="367"/>
-          <ac:spMkLst>
-            <pc:docMk/>
-            <pc:sldMk cId="1362934084" sldId="256"/>
-            <ac:spMk id="18" creationId="{A2B5CBEA-F125-49B6-8335-227C325B112B}"/>
-          </ac:spMkLst>
-        </pc:spChg>
-        <pc:spChg chg="add del">
-          <ac:chgData name="Jireh Tseng" userId="S::tsengj@middleton.school.nz::eefb979d-fc0d-4dd5-ae9a-91b2ece0a753" providerId="AD" clId="Web-{40935AED-1311-E9DE-C4DF-708D70AFA4C8}" dt="2022-03-30T23:17:55.579" v="367"/>
-          <ac:spMkLst>
-            <pc:docMk/>
-            <pc:sldMk cId="1362934084" sldId="256"/>
-            <ac:spMk id="20" creationId="{EECD79B5-5FC5-495F-BFD6-346C16E787A7}"/>
-          </ac:spMkLst>
-        </pc:spChg>
-        <pc:spChg chg="add del">
-          <ac:chgData name="Jireh Tseng" userId="S::tsengj@middleton.school.nz::eefb979d-fc0d-4dd5-ae9a-91b2ece0a753" providerId="AD" clId="Web-{40935AED-1311-E9DE-C4DF-708D70AFA4C8}" dt="2022-03-30T23:17:55.579" v="367"/>
-          <ac:spMkLst>
-            <pc:docMk/>
-            <pc:sldMk cId="1362934084" sldId="256"/>
-            <ac:spMk id="22" creationId="{2C1D3151-5F97-4860-B56C-C98BD62CC255}"/>
-          </ac:spMkLst>
-        </pc:spChg>
-        <pc:spChg chg="add del">
-          <ac:chgData name="Jireh Tseng" userId="S::tsengj@middleton.school.nz::eefb979d-fc0d-4dd5-ae9a-91b2ece0a753" providerId="AD" clId="Web-{40935AED-1311-E9DE-C4DF-708D70AFA4C8}" dt="2022-03-30T23:17:55.579" v="367"/>
-          <ac:spMkLst>
-            <pc:docMk/>
-            <pc:sldMk cId="1362934084" sldId="256"/>
-            <ac:spMk id="24" creationId="{32D9D048-3063-435A-8C23-26C1907E9619}"/>
-          </ac:spMkLst>
-        </pc:spChg>
-        <pc:spChg chg="add del">
-          <ac:chgData name="Jireh Tseng" userId="S::tsengj@middleton.school.nz::eefb979d-fc0d-4dd5-ae9a-91b2ece0a753" providerId="AD" clId="Web-{40935AED-1311-E9DE-C4DF-708D70AFA4C8}" dt="2022-03-30T23:17:55.579" v="367"/>
-          <ac:spMkLst>
-            <pc:docMk/>
-            <pc:sldMk cId="1362934084" sldId="256"/>
-            <ac:spMk id="26" creationId="{8DE96824-E506-4448-8704-5EC7BF7BC51B}"/>
-          </ac:spMkLst>
-        </pc:spChg>
-        <pc:spChg chg="add del">
-          <ac:chgData name="Jireh Tseng" userId="S::tsengj@middleton.school.nz::eefb979d-fc0d-4dd5-ae9a-91b2ece0a753" providerId="AD" clId="Web-{40935AED-1311-E9DE-C4DF-708D70AFA4C8}" dt="2022-03-30T23:17:55.579" v="367"/>
-          <ac:spMkLst>
-            <pc:docMk/>
-            <pc:sldMk cId="1362934084" sldId="256"/>
-            <ac:spMk id="28" creationId="{4D1A5E71-B6B6-486A-8CDC-C7ABD9B903F6}"/>
-          </ac:spMkLst>
-        </pc:spChg>
-        <pc:spChg chg="add del">
-          <ac:chgData name="Jireh Tseng" userId="S::tsengj@middleton.school.nz::eefb979d-fc0d-4dd5-ae9a-91b2ece0a753" providerId="AD" clId="Web-{40935AED-1311-E9DE-C4DF-708D70AFA4C8}" dt="2022-03-30T23:17:55.579" v="367"/>
-          <ac:spMkLst>
-            <pc:docMk/>
-            <pc:sldMk cId="1362934084" sldId="256"/>
-            <ac:spMk id="30" creationId="{B6C541AE-9B02-44C0-B8C6-B2DEA7ED3813}"/>
-          </ac:spMkLst>
-        </pc:spChg>
-        <pc:spChg chg="add">
-          <ac:chgData name="Jireh Tseng" userId="S::tsengj@middleton.school.nz::eefb979d-fc0d-4dd5-ae9a-91b2ece0a753" providerId="AD" clId="Web-{40935AED-1311-E9DE-C4DF-708D70AFA4C8}" dt="2022-03-30T23:17:55.579" v="367"/>
-          <ac:spMkLst>
-            <pc:docMk/>
-            <pc:sldMk cId="1362934084" sldId="256"/>
-            <ac:spMk id="35" creationId="{1A3C89F8-0D2F-47FF-B903-151248265F47}"/>
-          </ac:spMkLst>
-        </pc:spChg>
-        <pc:spChg chg="add del">
-          <ac:chgData name="Jireh Tseng" userId="S::tsengj@middleton.school.nz::eefb979d-fc0d-4dd5-ae9a-91b2ece0a753" providerId="AD" clId="Web-{40935AED-1311-E9DE-C4DF-708D70AFA4C8}" dt="2022-03-30T23:17:55.563" v="366"/>
-          <ac:spMkLst>
-            <pc:docMk/>
-            <pc:sldMk cId="1362934084" sldId="256"/>
-            <ac:spMk id="36" creationId="{C1DD1A8A-57D5-4A81-AD04-532B043C5611}"/>
-          </ac:spMkLst>
-        </pc:spChg>
-        <pc:spChg chg="add">
-          <ac:chgData name="Jireh Tseng" userId="S::tsengj@middleton.school.nz::eefb979d-fc0d-4dd5-ae9a-91b2ece0a753" providerId="AD" clId="Web-{40935AED-1311-E9DE-C4DF-708D70AFA4C8}" dt="2022-03-30T23:17:55.579" v="367"/>
-          <ac:spMkLst>
-            <pc:docMk/>
-            <pc:sldMk cId="1362934084" sldId="256"/>
-            <ac:spMk id="37" creationId="{C5CB530E-515E-412C-9DF1-5F8FFBD6F383}"/>
-          </ac:spMkLst>
-        </pc:spChg>
-        <pc:spChg chg="add del">
-          <ac:chgData name="Jireh Tseng" userId="S::tsengj@middleton.school.nz::eefb979d-fc0d-4dd5-ae9a-91b2ece0a753" providerId="AD" clId="Web-{40935AED-1311-E9DE-C4DF-708D70AFA4C8}" dt="2022-03-30T23:17:55.563" v="366"/>
-          <ac:spMkLst>
-            <pc:docMk/>
-            <pc:sldMk cId="1362934084" sldId="256"/>
-            <ac:spMk id="38" creationId="{007891EC-4501-44ED-A8C8-B11B6DB767AB}"/>
-          </ac:spMkLst>
-        </pc:spChg>
-        <pc:spChg chg="add">
-          <ac:chgData name="Jireh Tseng" userId="S::tsengj@middleton.school.nz::eefb979d-fc0d-4dd5-ae9a-91b2ece0a753" providerId="AD" clId="Web-{40935AED-1311-E9DE-C4DF-708D70AFA4C8}" dt="2022-03-30T23:17:55.579" v="367"/>
-          <ac:spMkLst>
-            <pc:docMk/>
-            <pc:sldMk cId="1362934084" sldId="256"/>
-            <ac:spMk id="39" creationId="{712D4376-A578-4FF1-94FC-245E7A6A489F}"/>
-          </ac:spMkLst>
-        </pc:spChg>
-        <pc:spChg chg="add">
-          <ac:chgData name="Jireh Tseng" userId="S::tsengj@middleton.school.nz::eefb979d-fc0d-4dd5-ae9a-91b2ece0a753" providerId="AD" clId="Web-{40935AED-1311-E9DE-C4DF-708D70AFA4C8}" dt="2022-03-30T23:17:55.579" v="367"/>
-          <ac:spMkLst>
-            <pc:docMk/>
-            <pc:sldMk cId="1362934084" sldId="256"/>
-            <ac:spMk id="41" creationId="{AEA7509D-F04F-40CB-A0B3-EEF16499CC9F}"/>
-          </ac:spMkLst>
-        </pc:spChg>
-        <pc:spChg chg="add">
-          <ac:chgData name="Jireh Tseng" userId="S::tsengj@middleton.school.nz::eefb979d-fc0d-4dd5-ae9a-91b2ece0a753" providerId="AD" clId="Web-{40935AED-1311-E9DE-C4DF-708D70AFA4C8}" dt="2022-03-30T23:17:55.579" v="367"/>
-          <ac:spMkLst>
-            <pc:docMk/>
-            <pc:sldMk cId="1362934084" sldId="256"/>
-            <ac:spMk id="45" creationId="{508BEF50-7B1E-49A4-BC19-5F4F1D755E64}"/>
-          </ac:spMkLst>
-        </pc:spChg>
-        <pc:spChg chg="add">
-          <ac:chgData name="Jireh Tseng" userId="S::tsengj@middleton.school.nz::eefb979d-fc0d-4dd5-ae9a-91b2ece0a753" providerId="AD" clId="Web-{40935AED-1311-E9DE-C4DF-708D70AFA4C8}" dt="2022-03-30T23:17:55.579" v="367"/>
-          <ac:spMkLst>
-            <pc:docMk/>
-            <pc:sldMk cId="1362934084" sldId="256"/>
-            <ac:spMk id="47" creationId="{3FBAD350-5664-4811-A208-657FB882D350}"/>
-          </ac:spMkLst>
-        </pc:spChg>
-        <pc:spChg chg="add">
-          <ac:chgData name="Jireh Tseng" userId="S::tsengj@middleton.school.nz::eefb979d-fc0d-4dd5-ae9a-91b2ece0a753" providerId="AD" clId="Web-{40935AED-1311-E9DE-C4DF-708D70AFA4C8}" dt="2022-03-30T23:17:55.579" v="367"/>
-          <ac:spMkLst>
-            <pc:docMk/>
-            <pc:sldMk cId="1362934084" sldId="256"/>
-            <ac:spMk id="49" creationId="{C39ADB8F-D187-49D7-BDCF-C1B6DC727068}"/>
-          </ac:spMkLst>
-        </pc:spChg>
-        <pc:picChg chg="add del">
-          <ac:chgData name="Jireh Tseng" userId="S::tsengj@middleton.school.nz::eefb979d-fc0d-4dd5-ae9a-91b2ece0a753" providerId="AD" clId="Web-{40935AED-1311-E9DE-C4DF-708D70AFA4C8}" dt="2022-03-30T23:17:55.563" v="366"/>
-          <ac:picMkLst>
-            <pc:docMk/>
-            <pc:sldMk cId="1362934084" sldId="256"/>
-            <ac:picMk id="32" creationId="{487114A3-E06F-A5AF-ED8F-FA974B04784D}"/>
-          </ac:picMkLst>
-        </pc:picChg>
-        <pc:cxnChg chg="add">
-          <ac:chgData name="Jireh Tseng" userId="S::tsengj@middleton.school.nz::eefb979d-fc0d-4dd5-ae9a-91b2ece0a753" providerId="AD" clId="Web-{40935AED-1311-E9DE-C4DF-708D70AFA4C8}" dt="2022-03-30T23:17:55.579" v="367"/>
-          <ac:cxnSpMkLst>
-            <pc:docMk/>
-            <pc:sldMk cId="1362934084" sldId="256"/>
-            <ac:cxnSpMk id="43" creationId="{56020367-4FD5-4596-8E10-C5F095CD8DBF}"/>
-          </ac:cxnSpMkLst>
-        </pc:cxnChg>
-      </pc:sldChg>
       <pc:sldChg chg="modSp">
-        <pc:chgData name="Jireh Tseng" userId="S::tsengj@middleton.school.nz::eefb979d-fc0d-4dd5-ae9a-91b2ece0a753" providerId="AD" clId="Web-{40935AED-1311-E9DE-C4DF-708D70AFA4C8}" dt="2022-03-30T23:06:17.685" v="1" actId="20577"/>
+        <pc:chgData name="Jireh Tseng" userId="S::tsengj@middleton.school.nz::eefb979d-fc0d-4dd5-ae9a-91b2ece0a753" providerId="AD" clId="Web-{C427EC4C-938F-CEFB-1DE3-DC4C55162615}" dt="2022-05-05T00:33:54.227" v="427" actId="20577"/>
         <pc:sldMkLst>
           <pc:docMk/>
           <pc:sldMk cId="3838895173" sldId="258"/>
         </pc:sldMkLst>
         <pc:spChg chg="mod">
-          <ac:chgData name="Jireh Tseng" userId="S::tsengj@middleton.school.nz::eefb979d-fc0d-4dd5-ae9a-91b2ece0a753" providerId="AD" clId="Web-{40935AED-1311-E9DE-C4DF-708D70AFA4C8}" dt="2022-03-30T23:06:17.685" v="1" actId="20577"/>
+          <ac:chgData name="Jireh Tseng" userId="S::tsengj@middleton.school.nz::eefb979d-fc0d-4dd5-ae9a-91b2ece0a753" providerId="AD" clId="Web-{C427EC4C-938F-CEFB-1DE3-DC4C55162615}" dt="2022-05-05T00:33:54.227" v="427" actId="20577"/>
           <ac:spMkLst>
             <pc:docMk/>
             <pc:sldMk cId="3838895173" sldId="258"/>
@@ -2449,152 +2448,484 @@
           </ac:spMkLst>
         </pc:spChg>
       </pc:sldChg>
-      <pc:sldChg chg="addSp delSp modSp">
-        <pc:chgData name="Jireh Tseng" userId="S::tsengj@middleton.school.nz::eefb979d-fc0d-4dd5-ae9a-91b2ece0a753" providerId="AD" clId="Web-{40935AED-1311-E9DE-C4DF-708D70AFA4C8}" dt="2022-03-30T23:09:19.174" v="24"/>
-        <pc:sldMkLst>
-          <pc:docMk/>
-          <pc:sldMk cId="1084233196" sldId="263"/>
-        </pc:sldMkLst>
-        <pc:spChg chg="add del mod">
-          <ac:chgData name="Jireh Tseng" userId="S::tsengj@middleton.school.nz::eefb979d-fc0d-4dd5-ae9a-91b2ece0a753" providerId="AD" clId="Web-{40935AED-1311-E9DE-C4DF-708D70AFA4C8}" dt="2022-03-30T23:09:19.174" v="24"/>
-          <ac:spMkLst>
-            <pc:docMk/>
-            <pc:sldMk cId="1084233196" sldId="263"/>
-            <ac:spMk id="4" creationId="{A043DA02-518A-047A-2F5C-16D47DF1D135}"/>
-          </ac:spMkLst>
-        </pc:spChg>
-      </pc:sldChg>
-      <pc:sldChg chg="del">
-        <pc:chgData name="Jireh Tseng" userId="S::tsengj@middleton.school.nz::eefb979d-fc0d-4dd5-ae9a-91b2ece0a753" providerId="AD" clId="Web-{40935AED-1311-E9DE-C4DF-708D70AFA4C8}" dt="2022-03-30T23:07:35.999" v="2"/>
-        <pc:sldMkLst>
-          <pc:docMk/>
-          <pc:sldMk cId="3377323929" sldId="278"/>
-        </pc:sldMkLst>
-      </pc:sldChg>
-      <pc:sldChg chg="addSp delSp modSp add ord replId">
-        <pc:chgData name="Jireh Tseng" userId="S::tsengj@middleton.school.nz::eefb979d-fc0d-4dd5-ae9a-91b2ece0a753" providerId="AD" clId="Web-{40935AED-1311-E9DE-C4DF-708D70AFA4C8}" dt="2022-03-30T23:08:46.282" v="20" actId="1076"/>
+      <pc:sldChg chg="addSp modSp">
+        <pc:chgData name="Jireh Tseng" userId="S::tsengj@middleton.school.nz::eefb979d-fc0d-4dd5-ae9a-91b2ece0a753" providerId="AD" clId="Web-{C427EC4C-938F-CEFB-1DE3-DC4C55162615}" dt="2022-05-05T00:28:27.186" v="382" actId="1076"/>
         <pc:sldMkLst>
           <pc:docMk/>
           <pc:sldMk cId="1732950584" sldId="281"/>
         </pc:sldMkLst>
-        <pc:spChg chg="del">
-          <ac:chgData name="Jireh Tseng" userId="S::tsengj@middleton.school.nz::eefb979d-fc0d-4dd5-ae9a-91b2ece0a753" providerId="AD" clId="Web-{40935AED-1311-E9DE-C4DF-708D70AFA4C8}" dt="2022-03-30T23:08:14.547" v="14"/>
+        <pc:picChg chg="add mod">
+          <ac:chgData name="Jireh Tseng" userId="S::tsengj@middleton.school.nz::eefb979d-fc0d-4dd5-ae9a-91b2ece0a753" providerId="AD" clId="Web-{C427EC4C-938F-CEFB-1DE3-DC4C55162615}" dt="2022-05-05T00:28:27.186" v="382" actId="1076"/>
+          <ac:picMkLst>
+            <pc:docMk/>
+            <pc:sldMk cId="1732950584" sldId="281"/>
+            <ac:picMk id="3" creationId="{5637524A-0934-725D-BFCD-66AF1F36C1B5}"/>
+          </ac:picMkLst>
+        </pc:picChg>
+      </pc:sldChg>
+      <pc:sldChg chg="addSp modSp">
+        <pc:chgData name="Jireh Tseng" userId="S::tsengj@middleton.school.nz::eefb979d-fc0d-4dd5-ae9a-91b2ece0a753" providerId="AD" clId="Web-{C427EC4C-938F-CEFB-1DE3-DC4C55162615}" dt="2022-05-05T00:29:00.968" v="410"/>
+        <pc:sldMkLst>
+          <pc:docMk/>
+          <pc:sldMk cId="3778962545" sldId="282"/>
+        </pc:sldMkLst>
+        <pc:spChg chg="add mod">
+          <ac:chgData name="Jireh Tseng" userId="S::tsengj@middleton.school.nz::eefb979d-fc0d-4dd5-ae9a-91b2ece0a753" providerId="AD" clId="Web-{C427EC4C-938F-CEFB-1DE3-DC4C55162615}" dt="2022-05-05T00:28:42.187" v="384" actId="1076"/>
           <ac:spMkLst>
             <pc:docMk/>
-            <pc:sldMk cId="1732950584" sldId="281"/>
-            <ac:spMk id="3" creationId="{9080C512-4F5A-4DB6-83B0-A0A10570541D}"/>
-          </ac:spMkLst>
-        </pc:spChg>
-        <pc:spChg chg="del">
-          <ac:chgData name="Jireh Tseng" userId="S::tsengj@middleton.school.nz::eefb979d-fc0d-4dd5-ae9a-91b2ece0a753" providerId="AD" clId="Web-{40935AED-1311-E9DE-C4DF-708D70AFA4C8}" dt="2022-03-30T23:08:15.907" v="15"/>
-          <ac:spMkLst>
-            <pc:docMk/>
-            <pc:sldMk cId="1732950584" sldId="281"/>
-            <ac:spMk id="5" creationId="{93CEF551-4230-4C69-A934-2D572844D7C7}"/>
+            <pc:sldMk cId="3778962545" sldId="282"/>
+            <ac:spMk id="2" creationId="{287D648C-5976-1610-3FA0-AEF117B27B93}"/>
           </ac:spMkLst>
         </pc:spChg>
         <pc:spChg chg="mod">
-          <ac:chgData name="Jireh Tseng" userId="S::tsengj@middleton.school.nz::eefb979d-fc0d-4dd5-ae9a-91b2ece0a753" providerId="AD" clId="Web-{40935AED-1311-E9DE-C4DF-708D70AFA4C8}" dt="2022-03-30T23:08:10.344" v="12" actId="20577"/>
+          <ac:chgData name="Jireh Tseng" userId="S::tsengj@middleton.school.nz::eefb979d-fc0d-4dd5-ae9a-91b2ece0a753" providerId="AD" clId="Web-{C427EC4C-938F-CEFB-1DE3-DC4C55162615}" dt="2022-05-05T00:11:55.470" v="378" actId="20577"/>
           <ac:spMkLst>
             <pc:docMk/>
-            <pc:sldMk cId="1732950584" sldId="281"/>
+            <pc:sldMk cId="3778962545" sldId="282"/>
+            <ac:spMk id="91" creationId="{00000000-0000-0000-0000-000000000000}"/>
+          </ac:spMkLst>
+        </pc:spChg>
+        <pc:graphicFrameChg chg="mod modGraphic">
+          <ac:chgData name="Jireh Tseng" userId="S::tsengj@middleton.school.nz::eefb979d-fc0d-4dd5-ae9a-91b2ece0a753" providerId="AD" clId="Web-{C427EC4C-938F-CEFB-1DE3-DC4C55162615}" dt="2022-05-05T00:29:00.968" v="410"/>
+          <ac:graphicFrameMkLst>
+            <pc:docMk/>
+            <pc:sldMk cId="3778962545" sldId="282"/>
+            <ac:graphicFrameMk id="92" creationId="{00000000-0000-0000-0000-000000000000}"/>
+          </ac:graphicFrameMkLst>
+        </pc:graphicFrameChg>
+      </pc:sldChg>
+      <pc:sldChg chg="addSp delSp modSp">
+        <pc:chgData name="Jireh Tseng" userId="S::tsengj@middleton.school.nz::eefb979d-fc0d-4dd5-ae9a-91b2ece0a753" providerId="AD" clId="Web-{C427EC4C-938F-CEFB-1DE3-DC4C55162615}" dt="2022-05-05T00:30:16.424" v="424" actId="1076"/>
+        <pc:sldMkLst>
+          <pc:docMk/>
+          <pc:sldMk cId="2568554082" sldId="283"/>
+        </pc:sldMkLst>
+        <pc:spChg chg="mod">
+          <ac:chgData name="Jireh Tseng" userId="S::tsengj@middleton.school.nz::eefb979d-fc0d-4dd5-ae9a-91b2ece0a753" providerId="AD" clId="Web-{C427EC4C-938F-CEFB-1DE3-DC4C55162615}" dt="2022-05-05T00:30:16.424" v="424" actId="1076"/>
+          <ac:spMkLst>
+            <pc:docMk/>
+            <pc:sldMk cId="2568554082" sldId="283"/>
+            <ac:spMk id="3" creationId="{6BE7D083-107B-9598-9BED-5E001A7543AF}"/>
+          </ac:spMkLst>
+        </pc:spChg>
+        <pc:spChg chg="mod">
+          <ac:chgData name="Jireh Tseng" userId="S::tsengj@middleton.school.nz::eefb979d-fc0d-4dd5-ae9a-91b2ece0a753" providerId="AD" clId="Web-{C427EC4C-938F-CEFB-1DE3-DC4C55162615}" dt="2022-05-05T00:30:07.111" v="423" actId="20577"/>
+          <ac:spMkLst>
+            <pc:docMk/>
+            <pc:sldMk cId="2568554082" sldId="283"/>
+            <ac:spMk id="91" creationId="{00000000-0000-0000-0000-000000000000}"/>
+          </ac:spMkLst>
+        </pc:spChg>
+        <pc:picChg chg="del">
+          <ac:chgData name="Jireh Tseng" userId="S::tsengj@middleton.school.nz::eefb979d-fc0d-4dd5-ae9a-91b2ece0a753" providerId="AD" clId="Web-{C427EC4C-938F-CEFB-1DE3-DC4C55162615}" dt="2022-05-05T00:29:14.187" v="411"/>
+          <ac:picMkLst>
+            <pc:docMk/>
+            <pc:sldMk cId="2568554082" sldId="283"/>
+            <ac:picMk id="2" creationId="{F837C40C-4306-D890-2C3D-79261A778469}"/>
+          </ac:picMkLst>
+        </pc:picChg>
+        <pc:picChg chg="del">
+          <ac:chgData name="Jireh Tseng" userId="S::tsengj@middleton.school.nz::eefb979d-fc0d-4dd5-ae9a-91b2ece0a753" providerId="AD" clId="Web-{C427EC4C-938F-CEFB-1DE3-DC4C55162615}" dt="2022-05-05T00:29:15.359" v="412"/>
+          <ac:picMkLst>
+            <pc:docMk/>
+            <pc:sldMk cId="2568554082" sldId="283"/>
+            <ac:picMk id="4" creationId="{9B6711AC-D2BC-B7C6-105F-22B6DE2DE07C}"/>
+          </ac:picMkLst>
+        </pc:picChg>
+        <pc:picChg chg="add mod">
+          <ac:chgData name="Jireh Tseng" userId="S::tsengj@middleton.school.nz::eefb979d-fc0d-4dd5-ae9a-91b2ece0a753" providerId="AD" clId="Web-{C427EC4C-938F-CEFB-1DE3-DC4C55162615}" dt="2022-05-05T00:29:59.798" v="414" actId="1076"/>
+          <ac:picMkLst>
+            <pc:docMk/>
+            <pc:sldMk cId="2568554082" sldId="283"/>
+            <ac:picMk id="5" creationId="{5B9D5457-A14E-2B54-D6C8-31D0CE122621}"/>
+          </ac:picMkLst>
+        </pc:picChg>
+      </pc:sldChg>
+    </pc:docChg>
+  </pc:docChgLst>
+  <pc:docChgLst>
+    <pc:chgData name="Jireh Tseng" userId="S::tsengj@middleton.school.nz::eefb979d-fc0d-4dd5-ae9a-91b2ece0a753" providerId="AD" clId="Web-{E73AC928-7D87-5D94-5CF7-49334421705B}"/>
+    <pc:docChg chg="addSld modSld sldOrd">
+      <pc:chgData name="Jireh Tseng" userId="S::tsengj@middleton.school.nz::eefb979d-fc0d-4dd5-ae9a-91b2ece0a753" providerId="AD" clId="Web-{E73AC928-7D87-5D94-5CF7-49334421705B}" dt="2022-04-13T07:29:44.742" v="766" actId="1076"/>
+      <pc:docMkLst>
+        <pc:docMk/>
+      </pc:docMkLst>
+      <pc:sldChg chg="addSp delSp modSp add ord replId">
+        <pc:chgData name="Jireh Tseng" userId="S::tsengj@middleton.school.nz::eefb979d-fc0d-4dd5-ae9a-91b2ece0a753" providerId="AD" clId="Web-{E73AC928-7D87-5D94-5CF7-49334421705B}" dt="2022-04-13T06:41:00.244" v="57" actId="14100"/>
+        <pc:sldMkLst>
+          <pc:docMk/>
+          <pc:sldMk cId="1092323287" sldId="290"/>
+        </pc:sldMkLst>
+        <pc:spChg chg="add del">
+          <ac:chgData name="Jireh Tseng" userId="S::tsengj@middleton.school.nz::eefb979d-fc0d-4dd5-ae9a-91b2ece0a753" providerId="AD" clId="Web-{E73AC928-7D87-5D94-5CF7-49334421705B}" dt="2022-04-13T06:38:59.147" v="28"/>
+          <ac:spMkLst>
+            <pc:docMk/>
+            <pc:sldMk cId="1092323287" sldId="290"/>
+            <ac:spMk id="3" creationId="{83B568C1-8667-67F6-622D-09DE0D798A04}"/>
+          </ac:spMkLst>
+        </pc:spChg>
+        <pc:spChg chg="add mod">
+          <ac:chgData name="Jireh Tseng" userId="S::tsengj@middleton.school.nz::eefb979d-fc0d-4dd5-ae9a-91b2ece0a753" providerId="AD" clId="Web-{E73AC928-7D87-5D94-5CF7-49334421705B}" dt="2022-04-13T06:40:30.212" v="51" actId="1076"/>
+          <ac:spMkLst>
+            <pc:docMk/>
+            <pc:sldMk cId="1092323287" sldId="290"/>
+            <ac:spMk id="5" creationId="{2013A7D0-D8CD-E2FF-240A-5E82F76B84F0}"/>
+          </ac:spMkLst>
+        </pc:spChg>
+        <pc:spChg chg="add mod">
+          <ac:chgData name="Jireh Tseng" userId="S::tsengj@middleton.school.nz::eefb979d-fc0d-4dd5-ae9a-91b2ece0a753" providerId="AD" clId="Web-{E73AC928-7D87-5D94-5CF7-49334421705B}" dt="2022-04-13T06:41:00.244" v="57" actId="14100"/>
+          <ac:spMkLst>
+            <pc:docMk/>
+            <pc:sldMk cId="1092323287" sldId="290"/>
+            <ac:spMk id="7" creationId="{25A3D05A-97D5-9B99-AFCA-CCE9AE5DA669}"/>
+          </ac:spMkLst>
+        </pc:spChg>
+        <pc:spChg chg="mod">
+          <ac:chgData name="Jireh Tseng" userId="S::tsengj@middleton.school.nz::eefb979d-fc0d-4dd5-ae9a-91b2ece0a753" providerId="AD" clId="Web-{E73AC928-7D87-5D94-5CF7-49334421705B}" dt="2022-04-13T06:38:09.771" v="21" actId="20577"/>
+          <ac:spMkLst>
+            <pc:docMk/>
+            <pc:sldMk cId="1092323287" sldId="290"/>
             <ac:spMk id="86" creationId="{00000000-0000-0000-0000-000000000000}"/>
           </ac:spMkLst>
         </pc:spChg>
-        <pc:picChg chg="del">
-          <ac:chgData name="Jireh Tseng" userId="S::tsengj@middleton.school.nz::eefb979d-fc0d-4dd5-ae9a-91b2ece0a753" providerId="AD" clId="Web-{40935AED-1311-E9DE-C4DF-708D70AFA4C8}" dt="2022-03-30T23:08:12.094" v="13"/>
+        <pc:picChg chg="add mod">
+          <ac:chgData name="Jireh Tseng" userId="S::tsengj@middleton.school.nz::eefb979d-fc0d-4dd5-ae9a-91b2ece0a753" providerId="AD" clId="Web-{E73AC928-7D87-5D94-5CF7-49334421705B}" dt="2022-04-13T06:40:44.462" v="54" actId="1076"/>
           <ac:picMkLst>
             <pc:docMk/>
-            <pc:sldMk cId="1732950584" sldId="281"/>
-            <ac:picMk id="2" creationId="{6A484709-C50D-4D4E-A116-F1A8E11C293C}"/>
+            <pc:sldMk cId="1092323287" sldId="290"/>
+            <ac:picMk id="2" creationId="{BCC23093-8A38-7C08-7B37-8D969267C14E}"/>
           </ac:picMkLst>
         </pc:picChg>
-        <pc:picChg chg="add mod">
-          <ac:chgData name="Jireh Tseng" userId="S::tsengj@middleton.school.nz::eefb979d-fc0d-4dd5-ae9a-91b2ece0a753" providerId="AD" clId="Web-{40935AED-1311-E9DE-C4DF-708D70AFA4C8}" dt="2022-03-30T23:08:46.282" v="20" actId="1076"/>
+        <pc:picChg chg="del">
+          <ac:chgData name="Jireh Tseng" userId="S::tsengj@middleton.school.nz::eefb979d-fc0d-4dd5-ae9a-91b2ece0a753" providerId="AD" clId="Web-{E73AC928-7D87-5D94-5CF7-49334421705B}" dt="2022-04-13T06:38:27.271" v="22"/>
           <ac:picMkLst>
             <pc:docMk/>
-            <pc:sldMk cId="1732950584" sldId="281"/>
+            <pc:sldMk cId="1092323287" sldId="290"/>
             <ac:picMk id="4" creationId="{E5C81E07-4E1E-4823-E30E-0F12B7098C51}"/>
           </ac:picMkLst>
         </pc:picChg>
       </pc:sldChg>
       <pc:sldChg chg="modSp add ord replId">
-        <pc:chgData name="Jireh Tseng" userId="S::tsengj@middleton.school.nz::eefb979d-fc0d-4dd5-ae9a-91b2ece0a753" providerId="AD" clId="Web-{40935AED-1311-E9DE-C4DF-708D70AFA4C8}" dt="2022-03-30T23:17:12.203" v="360"/>
+        <pc:chgData name="Jireh Tseng" userId="S::tsengj@middleton.school.nz::eefb979d-fc0d-4dd5-ae9a-91b2ece0a753" providerId="AD" clId="Web-{E73AC928-7D87-5D94-5CF7-49334421705B}" dt="2022-04-13T06:48:04.691" v="608"/>
         <pc:sldMkLst>
           <pc:docMk/>
-          <pc:sldMk cId="3778962545" sldId="282"/>
+          <pc:sldMk cId="1750498182" sldId="291"/>
         </pc:sldMkLst>
         <pc:spChg chg="mod">
-          <ac:chgData name="Jireh Tseng" userId="S::tsengj@middleton.school.nz::eefb979d-fc0d-4dd5-ae9a-91b2ece0a753" providerId="AD" clId="Web-{40935AED-1311-E9DE-C4DF-708D70AFA4C8}" dt="2022-03-30T23:10:17.785" v="36" actId="20577"/>
+          <ac:chgData name="Jireh Tseng" userId="S::tsengj@middleton.school.nz::eefb979d-fc0d-4dd5-ae9a-91b2ece0a753" providerId="AD" clId="Web-{E73AC928-7D87-5D94-5CF7-49334421705B}" dt="2022-04-13T06:43:05.403" v="74" actId="20577"/>
           <ac:spMkLst>
             <pc:docMk/>
-            <pc:sldMk cId="3778962545" sldId="282"/>
+            <pc:sldMk cId="1750498182" sldId="291"/>
             <ac:spMk id="91" creationId="{00000000-0000-0000-0000-000000000000}"/>
           </ac:spMkLst>
         </pc:spChg>
         <pc:graphicFrameChg chg="mod modGraphic">
-          <ac:chgData name="Jireh Tseng" userId="S::tsengj@middleton.school.nz::eefb979d-fc0d-4dd5-ae9a-91b2ece0a753" providerId="AD" clId="Web-{40935AED-1311-E9DE-C4DF-708D70AFA4C8}" dt="2022-03-30T23:17:12.203" v="360"/>
+          <ac:chgData name="Jireh Tseng" userId="S::tsengj@middleton.school.nz::eefb979d-fc0d-4dd5-ae9a-91b2ece0a753" providerId="AD" clId="Web-{E73AC928-7D87-5D94-5CF7-49334421705B}" dt="2022-04-13T06:48:04.691" v="608"/>
           <ac:graphicFrameMkLst>
             <pc:docMk/>
-            <pc:sldMk cId="3778962545" sldId="282"/>
+            <pc:sldMk cId="1750498182" sldId="291"/>
             <ac:graphicFrameMk id="92" creationId="{00000000-0000-0000-0000-000000000000}"/>
           </ac:graphicFrameMkLst>
         </pc:graphicFrameChg>
       </pc:sldChg>
+      <pc:sldChg chg="addSp delSp modSp add ord replId">
+        <pc:chgData name="Jireh Tseng" userId="S::tsengj@middleton.school.nz::eefb979d-fc0d-4dd5-ae9a-91b2ece0a753" providerId="AD" clId="Web-{E73AC928-7D87-5D94-5CF7-49334421705B}" dt="2022-04-13T07:29:44.742" v="766" actId="1076"/>
+        <pc:sldMkLst>
+          <pc:docMk/>
+          <pc:sldMk cId="821514118" sldId="292"/>
+        </pc:sldMkLst>
+        <pc:spChg chg="mod">
+          <ac:chgData name="Jireh Tseng" userId="S::tsengj@middleton.school.nz::eefb979d-fc0d-4dd5-ae9a-91b2ece0a753" providerId="AD" clId="Web-{E73AC928-7D87-5D94-5CF7-49334421705B}" dt="2022-04-13T07:24:06.983" v="631" actId="20577"/>
+          <ac:spMkLst>
+            <pc:docMk/>
+            <pc:sldMk cId="821514118" sldId="292"/>
+            <ac:spMk id="2" creationId="{117C7ED0-CC09-82B1-98D7-D7AC8566A02D}"/>
+          </ac:spMkLst>
+        </pc:spChg>
+        <pc:spChg chg="del">
+          <ac:chgData name="Jireh Tseng" userId="S::tsengj@middleton.school.nz::eefb979d-fc0d-4dd5-ae9a-91b2ece0a753" providerId="AD" clId="Web-{E73AC928-7D87-5D94-5CF7-49334421705B}" dt="2022-04-13T07:24:18.468" v="638"/>
+          <ac:spMkLst>
+            <pc:docMk/>
+            <pc:sldMk cId="821514118" sldId="292"/>
+            <ac:spMk id="4" creationId="{0676CC8F-07AC-7255-5C5C-4ABBBE9DE273}"/>
+          </ac:spMkLst>
+        </pc:spChg>
+        <pc:spChg chg="del mod">
+          <ac:chgData name="Jireh Tseng" userId="S::tsengj@middleton.school.nz::eefb979d-fc0d-4dd5-ae9a-91b2ece0a753" providerId="AD" clId="Web-{E73AC928-7D87-5D94-5CF7-49334421705B}" dt="2022-04-13T07:24:13.437" v="635"/>
+          <ac:spMkLst>
+            <pc:docMk/>
+            <pc:sldMk cId="821514118" sldId="292"/>
+            <ac:spMk id="6" creationId="{2ACA099B-D36F-17A9-F335-3BEBFD61AA03}"/>
+          </ac:spMkLst>
+        </pc:spChg>
+        <pc:spChg chg="add mod">
+          <ac:chgData name="Jireh Tseng" userId="S::tsengj@middleton.school.nz::eefb979d-fc0d-4dd5-ae9a-91b2ece0a753" providerId="AD" clId="Web-{E73AC928-7D87-5D94-5CF7-49334421705B}" dt="2022-04-13T07:27:32.723" v="664" actId="14100"/>
+          <ac:spMkLst>
+            <pc:docMk/>
+            <pc:sldMk cId="821514118" sldId="292"/>
+            <ac:spMk id="11" creationId="{A1A4E0A0-C0ED-991E-61D5-81FE6946AC17}"/>
+          </ac:spMkLst>
+        </pc:spChg>
+        <pc:spChg chg="add mod">
+          <ac:chgData name="Jireh Tseng" userId="S::tsengj@middleton.school.nz::eefb979d-fc0d-4dd5-ae9a-91b2ece0a753" providerId="AD" clId="Web-{E73AC928-7D87-5D94-5CF7-49334421705B}" dt="2022-04-13T07:26:38.346" v="659"/>
+          <ac:spMkLst>
+            <pc:docMk/>
+            <pc:sldMk cId="821514118" sldId="292"/>
+            <ac:spMk id="13" creationId="{855BC24A-2741-F9B9-897B-F27D38382945}"/>
+          </ac:spMkLst>
+        </pc:spChg>
+        <pc:spChg chg="add mod">
+          <ac:chgData name="Jireh Tseng" userId="S::tsengj@middleton.school.nz::eefb979d-fc0d-4dd5-ae9a-91b2ece0a753" providerId="AD" clId="Web-{E73AC928-7D87-5D94-5CF7-49334421705B}" dt="2022-04-13T07:27:49.754" v="666"/>
+          <ac:spMkLst>
+            <pc:docMk/>
+            <pc:sldMk cId="821514118" sldId="292"/>
+            <ac:spMk id="14" creationId="{DDEF694F-66A8-AD55-2E81-8C23419C8CA8}"/>
+          </ac:spMkLst>
+        </pc:spChg>
+        <pc:spChg chg="add mod">
+          <ac:chgData name="Jireh Tseng" userId="S::tsengj@middleton.school.nz::eefb979d-fc0d-4dd5-ae9a-91b2ece0a753" providerId="AD" clId="Web-{E73AC928-7D87-5D94-5CF7-49334421705B}" dt="2022-04-13T07:28:54.178" v="717" actId="1076"/>
+          <ac:spMkLst>
+            <pc:docMk/>
+            <pc:sldMk cId="821514118" sldId="292"/>
+            <ac:spMk id="15" creationId="{5A6598DE-722A-25F4-7138-F2334A98CDC4}"/>
+          </ac:spMkLst>
+        </pc:spChg>
+        <pc:spChg chg="add mod">
+          <ac:chgData name="Jireh Tseng" userId="S::tsengj@middleton.school.nz::eefb979d-fc0d-4dd5-ae9a-91b2ece0a753" providerId="AD" clId="Web-{E73AC928-7D87-5D94-5CF7-49334421705B}" dt="2022-04-13T07:28:21.677" v="700" actId="1076"/>
+          <ac:spMkLst>
+            <pc:docMk/>
+            <pc:sldMk cId="821514118" sldId="292"/>
+            <ac:spMk id="16" creationId="{7589514A-F299-0BE2-AF3A-0E5A01786D85}"/>
+          </ac:spMkLst>
+        </pc:spChg>
+        <pc:spChg chg="add mod">
+          <ac:chgData name="Jireh Tseng" userId="S::tsengj@middleton.school.nz::eefb979d-fc0d-4dd5-ae9a-91b2ece0a753" providerId="AD" clId="Web-{E73AC928-7D87-5D94-5CF7-49334421705B}" dt="2022-04-13T07:29:44.742" v="766" actId="1076"/>
+          <ac:spMkLst>
+            <pc:docMk/>
+            <pc:sldMk cId="821514118" sldId="292"/>
+            <ac:spMk id="17" creationId="{A6F7868D-4566-BB8F-888B-FA33BDC914C7}"/>
+          </ac:spMkLst>
+        </pc:spChg>
+        <pc:picChg chg="del">
+          <ac:chgData name="Jireh Tseng" userId="S::tsengj@middleton.school.nz::eefb979d-fc0d-4dd5-ae9a-91b2ece0a753" providerId="AD" clId="Web-{E73AC928-7D87-5D94-5CF7-49334421705B}" dt="2022-04-13T07:24:08.593" v="632"/>
+          <ac:picMkLst>
+            <pc:docMk/>
+            <pc:sldMk cId="821514118" sldId="292"/>
+            <ac:picMk id="3" creationId="{89276921-B447-1D95-4DC2-8AD1144AB121}"/>
+          </ac:picMkLst>
+        </pc:picChg>
+        <pc:picChg chg="add mod">
+          <ac:chgData name="Jireh Tseng" userId="S::tsengj@middleton.school.nz::eefb979d-fc0d-4dd5-ae9a-91b2ece0a753" providerId="AD" clId="Web-{E73AC928-7D87-5D94-5CF7-49334421705B}" dt="2022-04-13T07:25:19.282" v="648" actId="1076"/>
+          <ac:picMkLst>
+            <pc:docMk/>
+            <pc:sldMk cId="821514118" sldId="292"/>
+            <ac:picMk id="5" creationId="{6A175A57-DC9A-34A1-D38F-3DE7F660D431}"/>
+          </ac:picMkLst>
+        </pc:picChg>
+        <pc:picChg chg="del">
+          <ac:chgData name="Jireh Tseng" userId="S::tsengj@middleton.school.nz::eefb979d-fc0d-4dd5-ae9a-91b2ece0a753" providerId="AD" clId="Web-{E73AC928-7D87-5D94-5CF7-49334421705B}" dt="2022-04-13T07:24:15.983" v="637"/>
+          <ac:picMkLst>
+            <pc:docMk/>
+            <pc:sldMk cId="821514118" sldId="292"/>
+            <ac:picMk id="7" creationId="{3E3ED375-DD72-680C-8F58-70BC755CCE29}"/>
+          </ac:picMkLst>
+        </pc:picChg>
+        <pc:picChg chg="del">
+          <ac:chgData name="Jireh Tseng" userId="S::tsengj@middleton.school.nz::eefb979d-fc0d-4dd5-ae9a-91b2ece0a753" providerId="AD" clId="Web-{E73AC928-7D87-5D94-5CF7-49334421705B}" dt="2022-04-13T07:24:14.624" v="636"/>
+          <ac:picMkLst>
+            <pc:docMk/>
+            <pc:sldMk cId="821514118" sldId="292"/>
+            <ac:picMk id="8" creationId="{FDB2E0E9-D86D-F82F-0828-239D28074C54}"/>
+          </ac:picMkLst>
+        </pc:picChg>
+        <pc:picChg chg="add mod">
+          <ac:chgData name="Jireh Tseng" userId="S::tsengj@middleton.school.nz::eefb979d-fc0d-4dd5-ae9a-91b2ece0a753" providerId="AD" clId="Web-{E73AC928-7D87-5D94-5CF7-49334421705B}" dt="2022-04-13T07:25:20.891" v="649" actId="1076"/>
+          <ac:picMkLst>
+            <pc:docMk/>
+            <pc:sldMk cId="821514118" sldId="292"/>
+            <ac:picMk id="9" creationId="{5C472445-5698-4240-DB0D-20AC3DCA4BCC}"/>
+          </ac:picMkLst>
+        </pc:picChg>
+      </pc:sldChg>
     </pc:docChg>
   </pc:docChgLst>
   <pc:docChgLst>
-    <pc:chgData name="Jireh Tseng" userId="S::tsengj@middleton.school.nz::eefb979d-fc0d-4dd5-ae9a-91b2ece0a753" providerId="AD" clId="Web-{ED89BA52-C93F-C9E4-3561-9BF3A71FD8F3}"/>
-    <pc:docChg chg="addSld modSld sldOrd">
-      <pc:chgData name="Jireh Tseng" userId="S::tsengj@middleton.school.nz::eefb979d-fc0d-4dd5-ae9a-91b2ece0a753" providerId="AD" clId="Web-{ED89BA52-C93F-C9E4-3561-9BF3A71FD8F3}" dt="2022-04-04T21:08:20.274" v="818" actId="1076"/>
+    <pc:chgData name="Jireh Tseng" userId="S::tsengj@middleton.school.nz::eefb979d-fc0d-4dd5-ae9a-91b2ece0a753" providerId="AD" clId="Web-{8D1866DC-1F92-1CB0-4066-D969899A2B78}"/>
+    <pc:docChg chg="modSld">
+      <pc:chgData name="Jireh Tseng" userId="S::tsengj@middleton.school.nz::eefb979d-fc0d-4dd5-ae9a-91b2ece0a753" providerId="AD" clId="Web-{8D1866DC-1F92-1CB0-4066-D969899A2B78}" dt="2022-05-04T01:43:48.477" v="146" actId="1076"/>
       <pc:docMkLst>
         <pc:docMk/>
       </pc:docMkLst>
       <pc:sldChg chg="addSp modSp">
-        <pc:chgData name="Jireh Tseng" userId="S::tsengj@middleton.school.nz::eefb979d-fc0d-4dd5-ae9a-91b2ece0a753" providerId="AD" clId="Web-{ED89BA52-C93F-C9E4-3561-9BF3A71FD8F3}" dt="2022-04-04T20:54:36.893" v="37" actId="1076"/>
+        <pc:chgData name="Jireh Tseng" userId="S::tsengj@middleton.school.nz::eefb979d-fc0d-4dd5-ae9a-91b2ece0a753" providerId="AD" clId="Web-{8D1866DC-1F92-1CB0-4066-D969899A2B78}" dt="2022-05-04T01:34:51.353" v="1" actId="1076"/>
         <pc:sldMkLst>
           <pc:docMk/>
-          <pc:sldMk cId="2568554082" sldId="283"/>
+          <pc:sldMk cId="3760331451" sldId="260"/>
+        </pc:sldMkLst>
+        <pc:spChg chg="add mod">
+          <ac:chgData name="Jireh Tseng" userId="S::tsengj@middleton.school.nz::eefb979d-fc0d-4dd5-ae9a-91b2ece0a753" providerId="AD" clId="Web-{8D1866DC-1F92-1CB0-4066-D969899A2B78}" dt="2022-05-04T01:34:51.353" v="1" actId="1076"/>
+          <ac:spMkLst>
+            <pc:docMk/>
+            <pc:sldMk cId="3760331451" sldId="260"/>
+            <ac:spMk id="3" creationId="{C4D12EBA-1761-5A9C-FBA4-482A1C0B8694}"/>
+          </ac:spMkLst>
+        </pc:spChg>
+      </pc:sldChg>
+      <pc:sldChg chg="addSp modSp">
+        <pc:chgData name="Jireh Tseng" userId="S::tsengj@middleton.school.nz::eefb979d-fc0d-4dd5-ae9a-91b2ece0a753" providerId="AD" clId="Web-{8D1866DC-1F92-1CB0-4066-D969899A2B78}" dt="2022-05-04T01:43:48.477" v="146" actId="1076"/>
+        <pc:sldMkLst>
+          <pc:docMk/>
+          <pc:sldMk cId="1732950584" sldId="281"/>
+        </pc:sldMkLst>
+        <pc:spChg chg="add mod">
+          <ac:chgData name="Jireh Tseng" userId="S::tsengj@middleton.school.nz::eefb979d-fc0d-4dd5-ae9a-91b2ece0a753" providerId="AD" clId="Web-{8D1866DC-1F92-1CB0-4066-D969899A2B78}" dt="2022-05-04T01:43:48.477" v="146" actId="1076"/>
+          <ac:spMkLst>
+            <pc:docMk/>
+            <pc:sldMk cId="1732950584" sldId="281"/>
+            <ac:spMk id="2" creationId="{A049592B-FA6B-6741-CAF5-FDA005492C6B}"/>
+          </ac:spMkLst>
+        </pc:spChg>
+        <pc:spChg chg="mod">
+          <ac:chgData name="Jireh Tseng" userId="S::tsengj@middleton.school.nz::eefb979d-fc0d-4dd5-ae9a-91b2ece0a753" providerId="AD" clId="Web-{8D1866DC-1F92-1CB0-4066-D969899A2B78}" dt="2022-05-04T01:35:53.464" v="15" actId="20577"/>
+          <ac:spMkLst>
+            <pc:docMk/>
+            <pc:sldMk cId="1732950584" sldId="281"/>
+            <ac:spMk id="86" creationId="{00000000-0000-0000-0000-000000000000}"/>
+          </ac:spMkLst>
+        </pc:spChg>
+      </pc:sldChg>
+    </pc:docChg>
+  </pc:docChgLst>
+  <pc:docChgLst>
+    <pc:chgData name="Jireh Tseng" userId="S::tsengj@middleton.school.nz::eefb979d-fc0d-4dd5-ae9a-91b2ece0a753" providerId="AD" clId="Web-{A8456CCB-E4F9-B848-CD92-4173C6F75C7E}"/>
+    <pc:docChg chg="addSld modSld sldOrd">
+      <pc:chgData name="Jireh Tseng" userId="S::tsengj@middleton.school.nz::eefb979d-fc0d-4dd5-ae9a-91b2ece0a753" providerId="AD" clId="Web-{A8456CCB-E4F9-B848-CD92-4173C6F75C7E}" dt="2022-04-14T07:03:33.969" v="1300" actId="1076"/>
+      <pc:docMkLst>
+        <pc:docMk/>
+      </pc:docMkLst>
+      <pc:sldChg chg="modSp add ord replId">
+        <pc:chgData name="Jireh Tseng" userId="S::tsengj@middleton.school.nz::eefb979d-fc0d-4dd5-ae9a-91b2ece0a753" providerId="AD" clId="Web-{A8456CCB-E4F9-B848-CD92-4173C6F75C7E}" dt="2022-04-14T04:04:34.873" v="545"/>
+        <pc:sldMkLst>
+          <pc:docMk/>
+          <pc:sldMk cId="658088932" sldId="296"/>
         </pc:sldMkLst>
         <pc:spChg chg="mod">
-          <ac:chgData name="Jireh Tseng" userId="S::tsengj@middleton.school.nz::eefb979d-fc0d-4dd5-ae9a-91b2ece0a753" providerId="AD" clId="Web-{ED89BA52-C93F-C9E4-3561-9BF3A71FD8F3}" dt="2022-04-04T20:54:16.158" v="33" actId="20577"/>
+          <ac:chgData name="Jireh Tseng" userId="S::tsengj@middleton.school.nz::eefb979d-fc0d-4dd5-ae9a-91b2ece0a753" providerId="AD" clId="Web-{A8456CCB-E4F9-B848-CD92-4173C6F75C7E}" dt="2022-04-14T04:01:41.916" v="10" actId="20577"/>
           <ac:spMkLst>
             <pc:docMk/>
-            <pc:sldMk cId="2568554082" sldId="283"/>
-            <ac:spMk id="3" creationId="{6BE7D083-107B-9598-9BED-5E001A7543AF}"/>
-          </ac:spMkLst>
-        </pc:spChg>
-        <pc:picChg chg="add mod">
-          <ac:chgData name="Jireh Tseng" userId="S::tsengj@middleton.school.nz::eefb979d-fc0d-4dd5-ae9a-91b2ece0a753" providerId="AD" clId="Web-{ED89BA52-C93F-C9E4-3561-9BF3A71FD8F3}" dt="2022-04-04T20:54:36.893" v="37" actId="1076"/>
-          <ac:picMkLst>
-            <pc:docMk/>
-            <pc:sldMk cId="2568554082" sldId="283"/>
-            <ac:picMk id="4" creationId="{9B6711AC-D2BC-B7C6-105F-22B6DE2DE07C}"/>
-          </ac:picMkLst>
-        </pc:picChg>
-      </pc:sldChg>
-      <pc:sldChg chg="modSp add ord replId">
-        <pc:chgData name="Jireh Tseng" userId="S::tsengj@middleton.school.nz::eefb979d-fc0d-4dd5-ae9a-91b2ece0a753" providerId="AD" clId="Web-{ED89BA52-C93F-C9E4-3561-9BF3A71FD8F3}" dt="2022-04-04T21:08:20.274" v="818" actId="1076"/>
-        <pc:sldMkLst>
-          <pc:docMk/>
-          <pc:sldMk cId="3526152642" sldId="284"/>
-        </pc:sldMkLst>
-        <pc:spChg chg="mod">
-          <ac:chgData name="Jireh Tseng" userId="S::tsengj@middleton.school.nz::eefb979d-fc0d-4dd5-ae9a-91b2ece0a753" providerId="AD" clId="Web-{ED89BA52-C93F-C9E4-3561-9BF3A71FD8F3}" dt="2022-04-04T20:56:49.052" v="47" actId="20577"/>
-          <ac:spMkLst>
-            <pc:docMk/>
-            <pc:sldMk cId="3526152642" sldId="284"/>
+            <pc:sldMk cId="658088932" sldId="296"/>
             <ac:spMk id="91" creationId="{00000000-0000-0000-0000-000000000000}"/>
           </ac:spMkLst>
         </pc:spChg>
         <pc:graphicFrameChg chg="mod modGraphic">
-          <ac:chgData name="Jireh Tseng" userId="S::tsengj@middleton.school.nz::eefb979d-fc0d-4dd5-ae9a-91b2ece0a753" providerId="AD" clId="Web-{ED89BA52-C93F-C9E4-3561-9BF3A71FD8F3}" dt="2022-04-04T21:08:20.274" v="818" actId="1076"/>
+          <ac:chgData name="Jireh Tseng" userId="S::tsengj@middleton.school.nz::eefb979d-fc0d-4dd5-ae9a-91b2ece0a753" providerId="AD" clId="Web-{A8456CCB-E4F9-B848-CD92-4173C6F75C7E}" dt="2022-04-14T04:04:34.873" v="545"/>
           <ac:graphicFrameMkLst>
             <pc:docMk/>
-            <pc:sldMk cId="3526152642" sldId="284"/>
+            <pc:sldMk cId="658088932" sldId="296"/>
             <ac:graphicFrameMk id="92" creationId="{00000000-0000-0000-0000-000000000000}"/>
           </ac:graphicFrameMkLst>
         </pc:graphicFrameChg>
+      </pc:sldChg>
+      <pc:sldChg chg="modSp add replId">
+        <pc:chgData name="Jireh Tseng" userId="S::tsengj@middleton.school.nz::eefb979d-fc0d-4dd5-ae9a-91b2ece0a753" providerId="AD" clId="Web-{A8456CCB-E4F9-B848-CD92-4173C6F75C7E}" dt="2022-04-14T04:15:21.558" v="1081"/>
+        <pc:sldMkLst>
+          <pc:docMk/>
+          <pc:sldMk cId="386551997" sldId="297"/>
+        </pc:sldMkLst>
+        <pc:spChg chg="mod">
+          <ac:chgData name="Jireh Tseng" userId="S::tsengj@middleton.school.nz::eefb979d-fc0d-4dd5-ae9a-91b2ece0a753" providerId="AD" clId="Web-{A8456CCB-E4F9-B848-CD92-4173C6F75C7E}" dt="2022-04-14T04:05:08.592" v="548" actId="20577"/>
+          <ac:spMkLst>
+            <pc:docMk/>
+            <pc:sldMk cId="386551997" sldId="297"/>
+            <ac:spMk id="91" creationId="{00000000-0000-0000-0000-000000000000}"/>
+          </ac:spMkLst>
+        </pc:spChg>
+        <pc:graphicFrameChg chg="mod modGraphic">
+          <ac:chgData name="Jireh Tseng" userId="S::tsengj@middleton.school.nz::eefb979d-fc0d-4dd5-ae9a-91b2ece0a753" providerId="AD" clId="Web-{A8456CCB-E4F9-B848-CD92-4173C6F75C7E}" dt="2022-04-14T04:15:21.558" v="1081"/>
+          <ac:graphicFrameMkLst>
+            <pc:docMk/>
+            <pc:sldMk cId="386551997" sldId="297"/>
+            <ac:graphicFrameMk id="92" creationId="{00000000-0000-0000-0000-000000000000}"/>
+          </ac:graphicFrameMkLst>
+        </pc:graphicFrameChg>
+      </pc:sldChg>
+      <pc:sldChg chg="modSp add replId">
+        <pc:chgData name="Jireh Tseng" userId="S::tsengj@middleton.school.nz::eefb979d-fc0d-4dd5-ae9a-91b2ece0a753" providerId="AD" clId="Web-{A8456CCB-E4F9-B848-CD92-4173C6F75C7E}" dt="2022-04-14T04:17:27.701" v="1271"/>
+        <pc:sldMkLst>
+          <pc:docMk/>
+          <pc:sldMk cId="2654621461" sldId="298"/>
+        </pc:sldMkLst>
+        <pc:spChg chg="mod">
+          <ac:chgData name="Jireh Tseng" userId="S::tsengj@middleton.school.nz::eefb979d-fc0d-4dd5-ae9a-91b2ece0a753" providerId="AD" clId="Web-{A8456CCB-E4F9-B848-CD92-4173C6F75C7E}" dt="2022-04-14T04:16:03.090" v="1084" actId="20577"/>
+          <ac:spMkLst>
+            <pc:docMk/>
+            <pc:sldMk cId="2654621461" sldId="298"/>
+            <ac:spMk id="91" creationId="{00000000-0000-0000-0000-000000000000}"/>
+          </ac:spMkLst>
+        </pc:spChg>
+        <pc:graphicFrameChg chg="mod modGraphic">
+          <ac:chgData name="Jireh Tseng" userId="S::tsengj@middleton.school.nz::eefb979d-fc0d-4dd5-ae9a-91b2ece0a753" providerId="AD" clId="Web-{A8456CCB-E4F9-B848-CD92-4173C6F75C7E}" dt="2022-04-14T04:17:27.701" v="1271"/>
+          <ac:graphicFrameMkLst>
+            <pc:docMk/>
+            <pc:sldMk cId="2654621461" sldId="298"/>
+            <ac:graphicFrameMk id="92" creationId="{00000000-0000-0000-0000-000000000000}"/>
+          </ac:graphicFrameMkLst>
+        </pc:graphicFrameChg>
+      </pc:sldChg>
+      <pc:sldChg chg="addSp delSp modSp add ord replId">
+        <pc:chgData name="Jireh Tseng" userId="S::tsengj@middleton.school.nz::eefb979d-fc0d-4dd5-ae9a-91b2ece0a753" providerId="AD" clId="Web-{A8456CCB-E4F9-B848-CD92-4173C6F75C7E}" dt="2022-04-14T07:03:33.969" v="1300" actId="1076"/>
+        <pc:sldMkLst>
+          <pc:docMk/>
+          <pc:sldMk cId="3904275858" sldId="299"/>
+        </pc:sldMkLst>
+        <pc:spChg chg="mod">
+          <ac:chgData name="Jireh Tseng" userId="S::tsengj@middleton.school.nz::eefb979d-fc0d-4dd5-ae9a-91b2ece0a753" providerId="AD" clId="Web-{A8456CCB-E4F9-B848-CD92-4173C6F75C7E}" dt="2022-04-14T04:19:07.563" v="1281" actId="20577"/>
+          <ac:spMkLst>
+            <pc:docMk/>
+            <pc:sldMk cId="3904275858" sldId="299"/>
+            <ac:spMk id="2" creationId="{117C7ED0-CC09-82B1-98D7-D7AC8566A02D}"/>
+          </ac:spMkLst>
+        </pc:spChg>
+        <pc:spChg chg="mod">
+          <ac:chgData name="Jireh Tseng" userId="S::tsengj@middleton.school.nz::eefb979d-fc0d-4dd5-ae9a-91b2ece0a753" providerId="AD" clId="Web-{A8456CCB-E4F9-B848-CD92-4173C6F75C7E}" dt="2022-04-14T07:03:33.969" v="1300" actId="1076"/>
+          <ac:spMkLst>
+            <pc:docMk/>
+            <pc:sldMk cId="3904275858" sldId="299"/>
+            <ac:spMk id="4" creationId="{A1B3C866-DC84-97B0-47F0-CB76AF369A87}"/>
+          </ac:spMkLst>
+        </pc:spChg>
+        <pc:spChg chg="add del mod">
+          <ac:chgData name="Jireh Tseng" userId="S::tsengj@middleton.school.nz::eefb979d-fc0d-4dd5-ae9a-91b2ece0a753" providerId="AD" clId="Web-{A8456CCB-E4F9-B848-CD92-4173C6F75C7E}" dt="2022-04-14T05:35:35.126" v="1286"/>
+          <ac:spMkLst>
+            <pc:docMk/>
+            <pc:sldMk cId="3904275858" sldId="299"/>
+            <ac:spMk id="5" creationId="{CD315919-C025-41F7-D866-69B61EDFEB81}"/>
+          </ac:spMkLst>
+        </pc:spChg>
+        <pc:picChg chg="add mod">
+          <ac:chgData name="Jireh Tseng" userId="S::tsengj@middleton.school.nz::eefb979d-fc0d-4dd5-ae9a-91b2ece0a753" providerId="AD" clId="Web-{A8456CCB-E4F9-B848-CD92-4173C6F75C7E}" dt="2022-04-14T07:03:24.468" v="1297" actId="1076"/>
+          <ac:picMkLst>
+            <pc:docMk/>
+            <pc:sldMk cId="3904275858" sldId="299"/>
+            <ac:picMk id="3" creationId="{041A2549-562E-C76C-D867-EE58A51FA330}"/>
+          </ac:picMkLst>
+        </pc:picChg>
+        <pc:picChg chg="del">
+          <ac:chgData name="Jireh Tseng" userId="S::tsengj@middleton.school.nz::eefb979d-fc0d-4dd5-ae9a-91b2ece0a753" providerId="AD" clId="Web-{A8456CCB-E4F9-B848-CD92-4173C6F75C7E}" dt="2022-04-14T05:35:29.298" v="1282"/>
+          <ac:picMkLst>
+            <pc:docMk/>
+            <pc:sldMk cId="3904275858" sldId="299"/>
+            <ac:picMk id="3" creationId="{32005FF8-46FA-E696-97B7-3A4BE8249FC2}"/>
+          </ac:picMkLst>
+        </pc:picChg>
+        <pc:picChg chg="add mod">
+          <ac:chgData name="Jireh Tseng" userId="S::tsengj@middleton.school.nz::eefb979d-fc0d-4dd5-ae9a-91b2ece0a753" providerId="AD" clId="Web-{A8456CCB-E4F9-B848-CD92-4173C6F75C7E}" dt="2022-04-14T07:03:30.765" v="1299" actId="1076"/>
+          <ac:picMkLst>
+            <pc:docMk/>
+            <pc:sldMk cId="3904275858" sldId="299"/>
+            <ac:picMk id="6" creationId="{B2BD3EC1-BBF2-D357-3C1D-EB15C4887B26}"/>
+          </ac:picMkLst>
+        </pc:picChg>
       </pc:sldChg>
     </pc:docChg>
   </pc:docChgLst>
@@ -2702,434 +3033,577 @@
     </pc:docChg>
   </pc:docChgLst>
   <pc:docChgLst>
-    <pc:chgData name="Jireh Tseng" userId="S::tsengj@middleton.school.nz::eefb979d-fc0d-4dd5-ae9a-91b2ece0a753" providerId="AD" clId="Web-{375B0929-B0E9-D3AF-ABEE-4D9C91617552}"/>
+    <pc:chgData name="Jireh Tseng" userId="S::tsengj@middleton.school.nz::eefb979d-fc0d-4dd5-ae9a-91b2ece0a753" providerId="AD" clId="Web-{AE16ED1E-D1AF-834C-C0D7-D581AE5158A7}"/>
     <pc:docChg chg="addSld modSld sldOrd">
-      <pc:chgData name="Jireh Tseng" userId="S::tsengj@middleton.school.nz::eefb979d-fc0d-4dd5-ae9a-91b2ece0a753" providerId="AD" clId="Web-{375B0929-B0E9-D3AF-ABEE-4D9C91617552}" dt="2022-04-14T07:28:12.647" v="145" actId="1076"/>
+      <pc:chgData name="Jireh Tseng" userId="S::tsengj@middleton.school.nz::eefb979d-fc0d-4dd5-ae9a-91b2ece0a753" providerId="AD" clId="Web-{AE16ED1E-D1AF-834C-C0D7-D581AE5158A7}" dt="2022-04-13T09:42:37.266" v="840" actId="1076"/>
       <pc:docMkLst>
         <pc:docMk/>
       </pc:docMkLst>
-      <pc:sldChg chg="addSp delSp modSp ord">
-        <pc:chgData name="Jireh Tseng" userId="S::tsengj@middleton.school.nz::eefb979d-fc0d-4dd5-ae9a-91b2ece0a753" providerId="AD" clId="Web-{375B0929-B0E9-D3AF-ABEE-4D9C91617552}" dt="2022-04-14T07:22:35.075" v="128" actId="1076"/>
+      <pc:sldChg chg="addSp delSp modSp add ord replId">
+        <pc:chgData name="Jireh Tseng" userId="S::tsengj@middleton.school.nz::eefb979d-fc0d-4dd5-ae9a-91b2ece0a753" providerId="AD" clId="Web-{AE16ED1E-D1AF-834C-C0D7-D581AE5158A7}" dt="2022-04-13T09:41:28.889" v="788" actId="20577"/>
         <pc:sldMkLst>
           <pc:docMk/>
-          <pc:sldMk cId="3904275858" sldId="299"/>
+          <pc:sldMk cId="248875773" sldId="293"/>
+        </pc:sldMkLst>
+        <pc:spChg chg="add mod">
+          <ac:chgData name="Jireh Tseng" userId="S::tsengj@middleton.school.nz::eefb979d-fc0d-4dd5-ae9a-91b2ece0a753" providerId="AD" clId="Web-{AE16ED1E-D1AF-834C-C0D7-D581AE5158A7}" dt="2022-04-13T09:11:12.985" v="167" actId="1076"/>
+          <ac:spMkLst>
+            <pc:docMk/>
+            <pc:sldMk cId="248875773" sldId="293"/>
+            <ac:spMk id="4" creationId="{1283578E-CD51-367D-9A42-281B18B59761}"/>
+          </ac:spMkLst>
+        </pc:spChg>
+        <pc:spChg chg="del">
+          <ac:chgData name="Jireh Tseng" userId="S::tsengj@middleton.school.nz::eefb979d-fc0d-4dd5-ae9a-91b2ece0a753" providerId="AD" clId="Web-{AE16ED1E-D1AF-834C-C0D7-D581AE5158A7}" dt="2022-04-13T09:09:49.796" v="24"/>
+          <ac:spMkLst>
+            <pc:docMk/>
+            <pc:sldMk cId="248875773" sldId="293"/>
+            <ac:spMk id="5" creationId="{2013A7D0-D8CD-E2FF-240A-5E82F76B84F0}"/>
+          </ac:spMkLst>
+        </pc:spChg>
+        <pc:spChg chg="del">
+          <ac:chgData name="Jireh Tseng" userId="S::tsengj@middleton.school.nz::eefb979d-fc0d-4dd5-ae9a-91b2ece0a753" providerId="AD" clId="Web-{AE16ED1E-D1AF-834C-C0D7-D581AE5158A7}" dt="2022-04-13T09:09:47.702" v="23"/>
+          <ac:spMkLst>
+            <pc:docMk/>
+            <pc:sldMk cId="248875773" sldId="293"/>
+            <ac:spMk id="7" creationId="{25A3D05A-97D5-9B99-AFCA-CCE9AE5DA669}"/>
+          </ac:spMkLst>
+        </pc:spChg>
+        <pc:spChg chg="mod">
+          <ac:chgData name="Jireh Tseng" userId="S::tsengj@middleton.school.nz::eefb979d-fc0d-4dd5-ae9a-91b2ece0a753" providerId="AD" clId="Web-{AE16ED1E-D1AF-834C-C0D7-D581AE5158A7}" dt="2022-04-13T09:41:28.889" v="788" actId="20577"/>
+          <ac:spMkLst>
+            <pc:docMk/>
+            <pc:sldMk cId="248875773" sldId="293"/>
+            <ac:spMk id="86" creationId="{00000000-0000-0000-0000-000000000000}"/>
+          </ac:spMkLst>
+        </pc:spChg>
+        <pc:picChg chg="del">
+          <ac:chgData name="Jireh Tseng" userId="S::tsengj@middleton.school.nz::eefb979d-fc0d-4dd5-ae9a-91b2ece0a753" providerId="AD" clId="Web-{AE16ED1E-D1AF-834C-C0D7-D581AE5158A7}" dt="2022-04-13T09:09:40.498" v="21"/>
+          <ac:picMkLst>
+            <pc:docMk/>
+            <pc:sldMk cId="248875773" sldId="293"/>
+            <ac:picMk id="2" creationId="{BCC23093-8A38-7C08-7B37-8D969267C14E}"/>
+          </ac:picMkLst>
+        </pc:picChg>
+        <pc:picChg chg="add mod">
+          <ac:chgData name="Jireh Tseng" userId="S::tsengj@middleton.school.nz::eefb979d-fc0d-4dd5-ae9a-91b2ece0a753" providerId="AD" clId="Web-{AE16ED1E-D1AF-834C-C0D7-D581AE5158A7}" dt="2022-04-13T09:10:09.249" v="27" actId="1076"/>
+          <ac:picMkLst>
+            <pc:docMk/>
+            <pc:sldMk cId="248875773" sldId="293"/>
+            <ac:picMk id="3" creationId="{843DBE96-1B63-E8C4-A963-E1C758DD6685}"/>
+          </ac:picMkLst>
+        </pc:picChg>
+      </pc:sldChg>
+      <pc:sldChg chg="modSp add ord replId">
+        <pc:chgData name="Jireh Tseng" userId="S::tsengj@middleton.school.nz::eefb979d-fc0d-4dd5-ae9a-91b2ece0a753" providerId="AD" clId="Web-{AE16ED1E-D1AF-834C-C0D7-D581AE5158A7}" dt="2022-04-13T09:15:32.023" v="782"/>
+        <pc:sldMkLst>
+          <pc:docMk/>
+          <pc:sldMk cId="14924585" sldId="294"/>
         </pc:sldMkLst>
         <pc:spChg chg="mod">
-          <ac:chgData name="Jireh Tseng" userId="S::tsengj@middleton.school.nz::eefb979d-fc0d-4dd5-ae9a-91b2ece0a753" providerId="AD" clId="Web-{375B0929-B0E9-D3AF-ABEE-4D9C91617552}" dt="2022-04-14T07:05:45.157" v="77" actId="20577"/>
+          <ac:chgData name="Jireh Tseng" userId="S::tsengj@middleton.school.nz::eefb979d-fc0d-4dd5-ae9a-91b2ece0a753" providerId="AD" clId="Web-{AE16ED1E-D1AF-834C-C0D7-D581AE5158A7}" dt="2022-04-13T09:11:58.408" v="178" actId="20577"/>
           <ac:spMkLst>
             <pc:docMk/>
-            <pc:sldMk cId="3904275858" sldId="299"/>
-            <ac:spMk id="4" creationId="{A1B3C866-DC84-97B0-47F0-CB76AF369A87}"/>
+            <pc:sldMk cId="14924585" sldId="294"/>
+            <ac:spMk id="91" creationId="{00000000-0000-0000-0000-000000000000}"/>
           </ac:spMkLst>
         </pc:spChg>
-        <pc:spChg chg="add del">
-          <ac:chgData name="Jireh Tseng" userId="S::tsengj@middleton.school.nz::eefb979d-fc0d-4dd5-ae9a-91b2ece0a753" providerId="AD" clId="Web-{375B0929-B0E9-D3AF-ABEE-4D9C91617552}" dt="2022-04-14T07:20:08.352" v="97"/>
-          <ac:spMkLst>
-            <pc:docMk/>
-            <pc:sldMk cId="3904275858" sldId="299"/>
-            <ac:spMk id="5" creationId="{D1A846C5-DC08-8375-7C42-15EAEE9BFDF4}"/>
-          </ac:spMkLst>
-        </pc:spChg>
-        <pc:spChg chg="add mod">
-          <ac:chgData name="Jireh Tseng" userId="S::tsengj@middleton.school.nz::eefb979d-fc0d-4dd5-ae9a-91b2ece0a753" providerId="AD" clId="Web-{375B0929-B0E9-D3AF-ABEE-4D9C91617552}" dt="2022-04-14T07:21:48.246" v="115" actId="1076"/>
-          <ac:spMkLst>
-            <pc:docMk/>
-            <pc:sldMk cId="3904275858" sldId="299"/>
-            <ac:spMk id="12" creationId="{5B73C7A6-DFBA-0622-1C60-8325500CAAE2}"/>
-          </ac:spMkLst>
-        </pc:spChg>
-        <pc:spChg chg="add mod">
-          <ac:chgData name="Jireh Tseng" userId="S::tsengj@middleton.school.nz::eefb979d-fc0d-4dd5-ae9a-91b2ece0a753" providerId="AD" clId="Web-{375B0929-B0E9-D3AF-ABEE-4D9C91617552}" dt="2022-04-14T07:21:55.012" v="118" actId="1076"/>
-          <ac:spMkLst>
-            <pc:docMk/>
-            <pc:sldMk cId="3904275858" sldId="299"/>
-            <ac:spMk id="13" creationId="{A972EFEC-7430-2BBB-E1CF-DBF1B9B6D180}"/>
-          </ac:spMkLst>
-        </pc:spChg>
-        <pc:spChg chg="add mod">
-          <ac:chgData name="Jireh Tseng" userId="S::tsengj@middleton.school.nz::eefb979d-fc0d-4dd5-ae9a-91b2ece0a753" providerId="AD" clId="Web-{375B0929-B0E9-D3AF-ABEE-4D9C91617552}" dt="2022-04-14T07:22:15.872" v="120" actId="1076"/>
-          <ac:spMkLst>
-            <pc:docMk/>
-            <pc:sldMk cId="3904275858" sldId="299"/>
-            <ac:spMk id="14" creationId="{CCD107C4-80B4-B15F-39C1-4725C3C50F9C}"/>
-          </ac:spMkLst>
-        </pc:spChg>
-        <pc:spChg chg="add mod">
-          <ac:chgData name="Jireh Tseng" userId="S::tsengj@middleton.school.nz::eefb979d-fc0d-4dd5-ae9a-91b2ece0a753" providerId="AD" clId="Web-{375B0929-B0E9-D3AF-ABEE-4D9C91617552}" dt="2022-04-14T07:22:20.809" v="122" actId="1076"/>
-          <ac:spMkLst>
-            <pc:docMk/>
-            <pc:sldMk cId="3904275858" sldId="299"/>
-            <ac:spMk id="15" creationId="{E67B222E-17A2-2C26-89CD-2BFA9EA1F381}"/>
-          </ac:spMkLst>
-        </pc:spChg>
-        <pc:spChg chg="add mod">
-          <ac:chgData name="Jireh Tseng" userId="S::tsengj@middleton.school.nz::eefb979d-fc0d-4dd5-ae9a-91b2ece0a753" providerId="AD" clId="Web-{375B0929-B0E9-D3AF-ABEE-4D9C91617552}" dt="2022-04-14T07:22:26.684" v="124" actId="1076"/>
-          <ac:spMkLst>
-            <pc:docMk/>
-            <pc:sldMk cId="3904275858" sldId="299"/>
-            <ac:spMk id="16" creationId="{3DD6C770-243A-CC05-AA13-B954F1616B48}"/>
-          </ac:spMkLst>
-        </pc:spChg>
-        <pc:spChg chg="add mod">
-          <ac:chgData name="Jireh Tseng" userId="S::tsengj@middleton.school.nz::eefb979d-fc0d-4dd5-ae9a-91b2ece0a753" providerId="AD" clId="Web-{375B0929-B0E9-D3AF-ABEE-4D9C91617552}" dt="2022-04-14T07:22:30.903" v="126" actId="1076"/>
-          <ac:spMkLst>
-            <pc:docMk/>
-            <pc:sldMk cId="3904275858" sldId="299"/>
-            <ac:spMk id="17" creationId="{7992EE88-450F-3B30-A895-AE8960A91374}"/>
-          </ac:spMkLst>
-        </pc:spChg>
-        <pc:spChg chg="add mod">
-          <ac:chgData name="Jireh Tseng" userId="S::tsengj@middleton.school.nz::eefb979d-fc0d-4dd5-ae9a-91b2ece0a753" providerId="AD" clId="Web-{375B0929-B0E9-D3AF-ABEE-4D9C91617552}" dt="2022-04-14T07:22:35.075" v="128" actId="1076"/>
-          <ac:spMkLst>
-            <pc:docMk/>
-            <pc:sldMk cId="3904275858" sldId="299"/>
-            <ac:spMk id="18" creationId="{37CF464A-E46B-84D1-0671-4262DC8758E9}"/>
-          </ac:spMkLst>
-        </pc:spChg>
-        <pc:inkChg chg="add del">
-          <ac:chgData name="Jireh Tseng" userId="S::tsengj@middleton.school.nz::eefb979d-fc0d-4dd5-ae9a-91b2ece0a753" providerId="AD" clId="Web-{375B0929-B0E9-D3AF-ABEE-4D9C91617552}" dt="2022-04-14T07:20:36.588" v="99"/>
-          <ac:inkMkLst>
-            <pc:docMk/>
-            <pc:sldMk cId="3904275858" sldId="299"/>
-            <ac:inkMk id="7" creationId="{814F0C0F-AC4B-E3C0-08AB-D2189E75D394}"/>
-          </ac:inkMkLst>
-        </pc:inkChg>
-        <pc:inkChg chg="add del">
-          <ac:chgData name="Jireh Tseng" userId="S::tsengj@middleton.school.nz::eefb979d-fc0d-4dd5-ae9a-91b2ece0a753" providerId="AD" clId="Web-{375B0929-B0E9-D3AF-ABEE-4D9C91617552}" dt="2022-04-14T07:21:19.667" v="107"/>
-          <ac:inkMkLst>
-            <pc:docMk/>
-            <pc:sldMk cId="3904275858" sldId="299"/>
-            <ac:inkMk id="8" creationId="{F852F749-9536-896D-F1B8-C2517C60DE65}"/>
-          </ac:inkMkLst>
-        </pc:inkChg>
-        <pc:inkChg chg="add del">
-          <ac:chgData name="Jireh Tseng" userId="S::tsengj@middleton.school.nz::eefb979d-fc0d-4dd5-ae9a-91b2ece0a753" providerId="AD" clId="Web-{375B0929-B0E9-D3AF-ABEE-4D9C91617552}" dt="2022-04-14T07:21:19.667" v="106"/>
-          <ac:inkMkLst>
-            <pc:docMk/>
-            <pc:sldMk cId="3904275858" sldId="299"/>
-            <ac:inkMk id="9" creationId="{BEADAD17-6C7D-747D-A2E3-0393FED9DD9A}"/>
-          </ac:inkMkLst>
-        </pc:inkChg>
-        <pc:inkChg chg="add del">
-          <ac:chgData name="Jireh Tseng" userId="S::tsengj@middleton.school.nz::eefb979d-fc0d-4dd5-ae9a-91b2ece0a753" providerId="AD" clId="Web-{375B0929-B0E9-D3AF-ABEE-4D9C91617552}" dt="2022-04-14T07:21:19.667" v="105"/>
-          <ac:inkMkLst>
-            <pc:docMk/>
-            <pc:sldMk cId="3904275858" sldId="299"/>
-            <ac:inkMk id="10" creationId="{0CD777F0-62B8-F75A-B7E4-57EA057E6F01}"/>
-          </ac:inkMkLst>
-        </pc:inkChg>
-        <pc:inkChg chg="add del">
-          <ac:chgData name="Jireh Tseng" userId="S::tsengj@middleton.school.nz::eefb979d-fc0d-4dd5-ae9a-91b2ece0a753" providerId="AD" clId="Web-{375B0929-B0E9-D3AF-ABEE-4D9C91617552}" dt="2022-04-14T07:21:13.464" v="104"/>
-          <ac:inkMkLst>
-            <pc:docMk/>
-            <pc:sldMk cId="3904275858" sldId="299"/>
-            <ac:inkMk id="11" creationId="{3EA44309-1AEA-3672-3928-4122A6E8FE02}"/>
-          </ac:inkMkLst>
-        </pc:inkChg>
+        <pc:graphicFrameChg chg="mod modGraphic">
+          <ac:chgData name="Jireh Tseng" userId="S::tsengj@middleton.school.nz::eefb979d-fc0d-4dd5-ae9a-91b2ece0a753" providerId="AD" clId="Web-{AE16ED1E-D1AF-834C-C0D7-D581AE5158A7}" dt="2022-04-13T09:15:32.023" v="782"/>
+          <ac:graphicFrameMkLst>
+            <pc:docMk/>
+            <pc:sldMk cId="14924585" sldId="294"/>
+            <ac:graphicFrameMk id="92" creationId="{00000000-0000-0000-0000-000000000000}"/>
+          </ac:graphicFrameMkLst>
+        </pc:graphicFrameChg>
       </pc:sldChg>
       <pc:sldChg chg="addSp delSp modSp add ord replId">
-        <pc:chgData name="Jireh Tseng" userId="S::tsengj@middleton.school.nz::eefb979d-fc0d-4dd5-ae9a-91b2ece0a753" providerId="AD" clId="Web-{375B0929-B0E9-D3AF-ABEE-4D9C91617552}" dt="2022-04-14T07:23:59.702" v="132" actId="1076"/>
+        <pc:chgData name="Jireh Tseng" userId="S::tsengj@middleton.school.nz::eefb979d-fc0d-4dd5-ae9a-91b2ece0a753" providerId="AD" clId="Web-{AE16ED1E-D1AF-834C-C0D7-D581AE5158A7}" dt="2022-04-13T09:42:37.266" v="840" actId="1076"/>
         <pc:sldMkLst>
           <pc:docMk/>
-          <pc:sldMk cId="695773269" sldId="300"/>
+          <pc:sldMk cId="2181879276" sldId="295"/>
         </pc:sldMkLst>
         <pc:spChg chg="mod">
-          <ac:chgData name="Jireh Tseng" userId="S::tsengj@middleton.school.nz::eefb979d-fc0d-4dd5-ae9a-91b2ece0a753" providerId="AD" clId="Web-{375B0929-B0E9-D3AF-ABEE-4D9C91617552}" dt="2022-04-14T07:14:30.109" v="82" actId="20577"/>
+          <ac:chgData name="Jireh Tseng" userId="S::tsengj@middleton.school.nz::eefb979d-fc0d-4dd5-ae9a-91b2ece0a753" providerId="AD" clId="Web-{AE16ED1E-D1AF-834C-C0D7-D581AE5158A7}" dt="2022-04-13T09:41:43.577" v="791" actId="20577"/>
           <ac:spMkLst>
             <pc:docMk/>
-            <pc:sldMk cId="695773269" sldId="300"/>
+            <pc:sldMk cId="2181879276" sldId="295"/>
             <ac:spMk id="2" creationId="{117C7ED0-CC09-82B1-98D7-D7AC8566A02D}"/>
           </ac:spMkLst>
         </pc:spChg>
         <pc:spChg chg="add mod">
-          <ac:chgData name="Jireh Tseng" userId="S::tsengj@middleton.school.nz::eefb979d-fc0d-4dd5-ae9a-91b2ece0a753" providerId="AD" clId="Web-{375B0929-B0E9-D3AF-ABEE-4D9C91617552}" dt="2022-04-14T07:23:56.687" v="130" actId="1076"/>
+          <ac:chgData name="Jireh Tseng" userId="S::tsengj@middleton.school.nz::eefb979d-fc0d-4dd5-ae9a-91b2ece0a753" providerId="AD" clId="Web-{AE16ED1E-D1AF-834C-C0D7-D581AE5158A7}" dt="2022-04-13T09:42:37.266" v="840" actId="1076"/>
           <ac:spMkLst>
             <pc:docMk/>
-            <pc:sldMk cId="695773269" sldId="300"/>
-            <ac:spMk id="9" creationId="{7404C706-A880-3443-C6A7-8FC1EBC87D00}"/>
+            <pc:sldMk cId="2181879276" sldId="295"/>
+            <ac:spMk id="4" creationId="{A1B3C866-DC84-97B0-47F0-CB76AF369A87}"/>
           </ac:spMkLst>
         </pc:spChg>
-        <pc:spChg chg="add mod">
-          <ac:chgData name="Jireh Tseng" userId="S::tsengj@middleton.school.nz::eefb979d-fc0d-4dd5-ae9a-91b2ece0a753" providerId="AD" clId="Web-{375B0929-B0E9-D3AF-ABEE-4D9C91617552}" dt="2022-04-14T07:23:59.702" v="132" actId="1076"/>
+        <pc:spChg chg="del">
+          <ac:chgData name="Jireh Tseng" userId="S::tsengj@middleton.school.nz::eefb979d-fc0d-4dd5-ae9a-91b2ece0a753" providerId="AD" clId="Web-{AE16ED1E-D1AF-834C-C0D7-D581AE5158A7}" dt="2022-04-13T09:41:55.531" v="799"/>
           <ac:spMkLst>
             <pc:docMk/>
-            <pc:sldMk cId="695773269" sldId="300"/>
-            <ac:spMk id="11" creationId="{B960453F-73F1-EF4D-4FB3-BBC4719FE622}"/>
+            <pc:sldMk cId="2181879276" sldId="295"/>
+            <ac:spMk id="11" creationId="{A1A4E0A0-C0ED-991E-61D5-81FE6946AC17}"/>
           </ac:spMkLst>
         </pc:spChg>
-        <pc:picChg chg="del">
-          <ac:chgData name="Jireh Tseng" userId="S::tsengj@middleton.school.nz::eefb979d-fc0d-4dd5-ae9a-91b2ece0a753" providerId="AD" clId="Web-{375B0929-B0E9-D3AF-ABEE-4D9C91617552}" dt="2022-04-14T07:17:25.879" v="84"/>
+        <pc:spChg chg="del">
+          <ac:chgData name="Jireh Tseng" userId="S::tsengj@middleton.school.nz::eefb979d-fc0d-4dd5-ae9a-91b2ece0a753" providerId="AD" clId="Web-{AE16ED1E-D1AF-834C-C0D7-D581AE5158A7}" dt="2022-04-13T09:41:56.531" v="800"/>
+          <ac:spMkLst>
+            <pc:docMk/>
+            <pc:sldMk cId="2181879276" sldId="295"/>
+            <ac:spMk id="13" creationId="{855BC24A-2741-F9B9-897B-F27D38382945}"/>
+          </ac:spMkLst>
+        </pc:spChg>
+        <pc:spChg chg="del">
+          <ac:chgData name="Jireh Tseng" userId="S::tsengj@middleton.school.nz::eefb979d-fc0d-4dd5-ae9a-91b2ece0a753" providerId="AD" clId="Web-{AE16ED1E-D1AF-834C-C0D7-D581AE5158A7}" dt="2022-04-13T09:41:54.093" v="798"/>
+          <ac:spMkLst>
+            <pc:docMk/>
+            <pc:sldMk cId="2181879276" sldId="295"/>
+            <ac:spMk id="14" creationId="{DDEF694F-66A8-AD55-2E81-8C23419C8CA8}"/>
+          </ac:spMkLst>
+        </pc:spChg>
+        <pc:spChg chg="del">
+          <ac:chgData name="Jireh Tseng" userId="S::tsengj@middleton.school.nz::eefb979d-fc0d-4dd5-ae9a-91b2ece0a753" providerId="AD" clId="Web-{AE16ED1E-D1AF-834C-C0D7-D581AE5158A7}" dt="2022-04-13T09:41:51.937" v="796"/>
+          <ac:spMkLst>
+            <pc:docMk/>
+            <pc:sldMk cId="2181879276" sldId="295"/>
+            <ac:spMk id="15" creationId="{5A6598DE-722A-25F4-7138-F2334A98CDC4}"/>
+          </ac:spMkLst>
+        </pc:spChg>
+        <pc:spChg chg="del mod">
+          <ac:chgData name="Jireh Tseng" userId="S::tsengj@middleton.school.nz::eefb979d-fc0d-4dd5-ae9a-91b2ece0a753" providerId="AD" clId="Web-{AE16ED1E-D1AF-834C-C0D7-D581AE5158A7}" dt="2022-04-13T09:41:49.609" v="794"/>
+          <ac:spMkLst>
+            <pc:docMk/>
+            <pc:sldMk cId="2181879276" sldId="295"/>
+            <ac:spMk id="16" creationId="{7589514A-F299-0BE2-AF3A-0E5A01786D85}"/>
+          </ac:spMkLst>
+        </pc:spChg>
+        <pc:spChg chg="del">
+          <ac:chgData name="Jireh Tseng" userId="S::tsengj@middleton.school.nz::eefb979d-fc0d-4dd5-ae9a-91b2ece0a753" providerId="AD" clId="Web-{AE16ED1E-D1AF-834C-C0D7-D581AE5158A7}" dt="2022-04-13T09:41:50.952" v="795"/>
+          <ac:spMkLst>
+            <pc:docMk/>
+            <pc:sldMk cId="2181879276" sldId="295"/>
+            <ac:spMk id="17" creationId="{A6F7868D-4566-BB8F-888B-FA33BDC914C7}"/>
+          </ac:spMkLst>
+        </pc:spChg>
+        <pc:picChg chg="add mod">
+          <ac:chgData name="Jireh Tseng" userId="S::tsengj@middleton.school.nz::eefb979d-fc0d-4dd5-ae9a-91b2ece0a753" providerId="AD" clId="Web-{AE16ED1E-D1AF-834C-C0D7-D581AE5158A7}" dt="2022-04-13T09:42:01.515" v="803" actId="1076"/>
           <ac:picMkLst>
             <pc:docMk/>
-            <pc:sldMk cId="695773269" sldId="300"/>
-            <ac:picMk id="3" creationId="{041A2549-562E-C76C-D867-EE58A51FA330}"/>
-          </ac:picMkLst>
-        </pc:picChg>
-        <pc:picChg chg="add mod">
-          <ac:chgData name="Jireh Tseng" userId="S::tsengj@middleton.school.nz::eefb979d-fc0d-4dd5-ae9a-91b2ece0a753" providerId="AD" clId="Web-{375B0929-B0E9-D3AF-ABEE-4D9C91617552}" dt="2022-04-14T07:18:54.647" v="92" actId="1076"/>
-          <ac:picMkLst>
-            <pc:docMk/>
-            <pc:sldMk cId="695773269" sldId="300"/>
-            <ac:picMk id="5" creationId="{9F32D0FE-D665-1BCA-E6AC-D9312482EDAD}"/>
+            <pc:sldMk cId="2181879276" sldId="295"/>
+            <ac:picMk id="3" creationId="{32005FF8-46FA-E696-97B7-3A4BE8249FC2}"/>
           </ac:picMkLst>
         </pc:picChg>
         <pc:picChg chg="del">
-          <ac:chgData name="Jireh Tseng" userId="S::tsengj@middleton.school.nz::eefb979d-fc0d-4dd5-ae9a-91b2ece0a753" providerId="AD" clId="Web-{375B0929-B0E9-D3AF-ABEE-4D9C91617552}" dt="2022-04-14T07:17:24.270" v="83"/>
+          <ac:chgData name="Jireh Tseng" userId="S::tsengj@middleton.school.nz::eefb979d-fc0d-4dd5-ae9a-91b2ece0a753" providerId="AD" clId="Web-{AE16ED1E-D1AF-834C-C0D7-D581AE5158A7}" dt="2022-04-13T09:41:46.655" v="792"/>
           <ac:picMkLst>
             <pc:docMk/>
-            <pc:sldMk cId="695773269" sldId="300"/>
-            <ac:picMk id="6" creationId="{B2BD3EC1-BBF2-D357-3C1D-EB15C4887B26}"/>
-          </ac:picMkLst>
-        </pc:picChg>
-        <pc:picChg chg="add mod">
-          <ac:chgData name="Jireh Tseng" userId="S::tsengj@middleton.school.nz::eefb979d-fc0d-4dd5-ae9a-91b2ece0a753" providerId="AD" clId="Web-{375B0929-B0E9-D3AF-ABEE-4D9C91617552}" dt="2022-04-14T07:18:53.491" v="91" actId="1076"/>
-          <ac:picMkLst>
-            <pc:docMk/>
-            <pc:sldMk cId="695773269" sldId="300"/>
-            <ac:picMk id="7" creationId="{FA77EC03-0DAF-69FA-0713-F1CFE64F5E63}"/>
-          </ac:picMkLst>
-        </pc:picChg>
-      </pc:sldChg>
-      <pc:sldChg chg="addSp delSp modSp add ord replId">
-        <pc:chgData name="Jireh Tseng" userId="S::tsengj@middleton.school.nz::eefb979d-fc0d-4dd5-ae9a-91b2ece0a753" providerId="AD" clId="Web-{375B0929-B0E9-D3AF-ABEE-4D9C91617552}" dt="2022-04-14T07:28:12.647" v="145" actId="1076"/>
-        <pc:sldMkLst>
-          <pc:docMk/>
-          <pc:sldMk cId="1415568547" sldId="301"/>
-        </pc:sldMkLst>
-        <pc:spChg chg="mod">
-          <ac:chgData name="Jireh Tseng" userId="S::tsengj@middleton.school.nz::eefb979d-fc0d-4dd5-ae9a-91b2ece0a753" providerId="AD" clId="Web-{375B0929-B0E9-D3AF-ABEE-4D9C91617552}" dt="2022-04-14T07:19:17.851" v="95" actId="20577"/>
-          <ac:spMkLst>
-            <pc:docMk/>
-            <pc:sldMk cId="1415568547" sldId="301"/>
-            <ac:spMk id="2" creationId="{117C7ED0-CC09-82B1-98D7-D7AC8566A02D}"/>
-          </ac:spMkLst>
-        </pc:spChg>
-        <pc:spChg chg="mod">
-          <ac:chgData name="Jireh Tseng" userId="S::tsengj@middleton.school.nz::eefb979d-fc0d-4dd5-ae9a-91b2ece0a753" providerId="AD" clId="Web-{375B0929-B0E9-D3AF-ABEE-4D9C91617552}" dt="2022-04-14T07:28:09.319" v="143" actId="1076"/>
-          <ac:spMkLst>
-            <pc:docMk/>
-            <pc:sldMk cId="1415568547" sldId="301"/>
-            <ac:spMk id="4" creationId="{A1B3C866-DC84-97B0-47F0-CB76AF369A87}"/>
-          </ac:spMkLst>
-        </pc:spChg>
-        <pc:picChg chg="add mod">
-          <ac:chgData name="Jireh Tseng" userId="S::tsengj@middleton.school.nz::eefb979d-fc0d-4dd5-ae9a-91b2ece0a753" providerId="AD" clId="Web-{375B0929-B0E9-D3AF-ABEE-4D9C91617552}" dt="2022-04-14T07:28:10.631" v="144" actId="1076"/>
-          <ac:picMkLst>
-            <pc:docMk/>
-            <pc:sldMk cId="1415568547" sldId="301"/>
-            <ac:picMk id="3" creationId="{4CBC4A0B-B9A2-3445-3EEF-5206C62E05C4}"/>
+            <pc:sldMk cId="2181879276" sldId="295"/>
+            <ac:picMk id="5" creationId="{6A175A57-DC9A-34A1-D38F-3DE7F660D431}"/>
           </ac:picMkLst>
         </pc:picChg>
         <pc:picChg chg="del">
-          <ac:chgData name="Jireh Tseng" userId="S::tsengj@middleton.school.nz::eefb979d-fc0d-4dd5-ae9a-91b2ece0a753" providerId="AD" clId="Web-{375B0929-B0E9-D3AF-ABEE-4D9C91617552}" dt="2022-04-14T07:24:13.312" v="133"/>
+          <ac:chgData name="Jireh Tseng" userId="S::tsengj@middleton.school.nz::eefb979d-fc0d-4dd5-ae9a-91b2ece0a753" providerId="AD" clId="Web-{AE16ED1E-D1AF-834C-C0D7-D581AE5158A7}" dt="2022-04-13T09:41:52.984" v="797"/>
           <ac:picMkLst>
             <pc:docMk/>
-            <pc:sldMk cId="1415568547" sldId="301"/>
-            <ac:picMk id="5" creationId="{9F32D0FE-D665-1BCA-E6AC-D9312482EDAD}"/>
-          </ac:picMkLst>
-        </pc:picChg>
-        <pc:picChg chg="add mod">
-          <ac:chgData name="Jireh Tseng" userId="S::tsengj@middleton.school.nz::eefb979d-fc0d-4dd5-ae9a-91b2ece0a753" providerId="AD" clId="Web-{375B0929-B0E9-D3AF-ABEE-4D9C91617552}" dt="2022-04-14T07:28:12.647" v="145" actId="1076"/>
-          <ac:picMkLst>
-            <pc:docMk/>
-            <pc:sldMk cId="1415568547" sldId="301"/>
-            <ac:picMk id="6" creationId="{11E15BF2-C1EF-8CE8-28A9-020DDFE34259}"/>
-          </ac:picMkLst>
-        </pc:picChg>
-        <pc:picChg chg="del">
-          <ac:chgData name="Jireh Tseng" userId="S::tsengj@middleton.school.nz::eefb979d-fc0d-4dd5-ae9a-91b2ece0a753" providerId="AD" clId="Web-{375B0929-B0E9-D3AF-ABEE-4D9C91617552}" dt="2022-04-14T07:24:14.234" v="134"/>
-          <ac:picMkLst>
-            <pc:docMk/>
-            <pc:sldMk cId="1415568547" sldId="301"/>
-            <ac:picMk id="7" creationId="{FA77EC03-0DAF-69FA-0713-F1CFE64F5E63}"/>
+            <pc:sldMk cId="2181879276" sldId="295"/>
+            <ac:picMk id="9" creationId="{5C472445-5698-4240-DB0D-20AC3DCA4BCC}"/>
           </ac:picMkLst>
         </pc:picChg>
       </pc:sldChg>
     </pc:docChg>
   </pc:docChgLst>
   <pc:docChgLst>
-    <pc:chgData name="Jireh Tseng" userId="S::tsengj@middleton.school.nz::eefb979d-fc0d-4dd5-ae9a-91b2ece0a753" providerId="AD" clId="Web-{A8456CCB-E4F9-B848-CD92-4173C6F75C7E}"/>
-    <pc:docChg chg="addSld modSld sldOrd">
-      <pc:chgData name="Jireh Tseng" userId="S::tsengj@middleton.school.nz::eefb979d-fc0d-4dd5-ae9a-91b2ece0a753" providerId="AD" clId="Web-{A8456CCB-E4F9-B848-CD92-4173C6F75C7E}" dt="2022-04-14T07:03:33.969" v="1300" actId="1076"/>
+    <pc:chgData name="Jireh Tseng" userId="S::tsengj@middleton.school.nz::eefb979d-fc0d-4dd5-ae9a-91b2ece0a753" providerId="AD" clId="Web-{79FF836F-5336-373D-FEEE-8D8299265C43}"/>
+    <pc:docChg chg="modSld">
+      <pc:chgData name="Jireh Tseng" userId="S::tsengj@middleton.school.nz::eefb979d-fc0d-4dd5-ae9a-91b2ece0a753" providerId="AD" clId="Web-{79FF836F-5336-373D-FEEE-8D8299265C43}" dt="2022-05-03T04:56:53.750" v="200" actId="20577"/>
       <pc:docMkLst>
         <pc:docMk/>
       </pc:docMkLst>
-      <pc:sldChg chg="modSp add ord replId">
-        <pc:chgData name="Jireh Tseng" userId="S::tsengj@middleton.school.nz::eefb979d-fc0d-4dd5-ae9a-91b2ece0a753" providerId="AD" clId="Web-{A8456CCB-E4F9-B848-CD92-4173C6F75C7E}" dt="2022-04-14T04:04:34.873" v="545"/>
+      <pc:sldChg chg="delSp">
+        <pc:chgData name="Jireh Tseng" userId="S::tsengj@middleton.school.nz::eefb979d-fc0d-4dd5-ae9a-91b2ece0a753" providerId="AD" clId="Web-{79FF836F-5336-373D-FEEE-8D8299265C43}" dt="2022-05-03T04:56:05.015" v="199"/>
         <pc:sldMkLst>
           <pc:docMk/>
-          <pc:sldMk cId="658088932" sldId="296"/>
+          <pc:sldMk cId="3760331451" sldId="260"/>
         </pc:sldMkLst>
-        <pc:spChg chg="mod">
-          <ac:chgData name="Jireh Tseng" userId="S::tsengj@middleton.school.nz::eefb979d-fc0d-4dd5-ae9a-91b2ece0a753" providerId="AD" clId="Web-{A8456CCB-E4F9-B848-CD92-4173C6F75C7E}" dt="2022-04-14T04:01:41.916" v="10" actId="20577"/>
+        <pc:picChg chg="del">
+          <ac:chgData name="Jireh Tseng" userId="S::tsengj@middleton.school.nz::eefb979d-fc0d-4dd5-ae9a-91b2ece0a753" providerId="AD" clId="Web-{79FF836F-5336-373D-FEEE-8D8299265C43}" dt="2022-05-03T04:20:39.174" v="0"/>
+          <ac:picMkLst>
+            <pc:docMk/>
+            <pc:sldMk cId="3760331451" sldId="260"/>
+            <ac:picMk id="3" creationId="{7578DF5D-5BCC-4B37-9133-7404DA9CE531}"/>
+          </ac:picMkLst>
+        </pc:picChg>
+        <pc:picChg chg="del">
+          <ac:chgData name="Jireh Tseng" userId="S::tsengj@middleton.school.nz::eefb979d-fc0d-4dd5-ae9a-91b2ece0a753" providerId="AD" clId="Web-{79FF836F-5336-373D-FEEE-8D8299265C43}" dt="2022-05-03T04:56:05.015" v="199"/>
+          <ac:picMkLst>
+            <pc:docMk/>
+            <pc:sldMk cId="3760331451" sldId="260"/>
+            <ac:picMk id="5" creationId="{DA4AF9FA-9E3C-444C-8D87-519C4FEDB3A7}"/>
+          </ac:picMkLst>
+        </pc:picChg>
+      </pc:sldChg>
+      <pc:sldChg chg="addSp delSp modSp">
+        <pc:chgData name="Jireh Tseng" userId="S::tsengj@middleton.school.nz::eefb979d-fc0d-4dd5-ae9a-91b2ece0a753" providerId="AD" clId="Web-{79FF836F-5336-373D-FEEE-8D8299265C43}" dt="2022-05-03T04:49:31.817" v="62" actId="1076"/>
+        <pc:sldMkLst>
+          <pc:docMk/>
+          <pc:sldMk cId="0" sldId="268"/>
+        </pc:sldMkLst>
+        <pc:spChg chg="add mod">
+          <ac:chgData name="Jireh Tseng" userId="S::tsengj@middleton.school.nz::eefb979d-fc0d-4dd5-ae9a-91b2ece0a753" providerId="AD" clId="Web-{79FF836F-5336-373D-FEEE-8D8299265C43}" dt="2022-05-03T04:49:31.817" v="62" actId="1076"/>
           <ac:spMkLst>
             <pc:docMk/>
-            <pc:sldMk cId="658088932" sldId="296"/>
-            <ac:spMk id="91" creationId="{00000000-0000-0000-0000-000000000000}"/>
+            <pc:sldMk cId="0" sldId="268"/>
+            <ac:spMk id="6" creationId="{9B25511D-50ED-F38E-0FC5-F9BA20706742}"/>
           </ac:spMkLst>
         </pc:spChg>
+        <pc:picChg chg="del">
+          <ac:chgData name="Jireh Tseng" userId="S::tsengj@middleton.school.nz::eefb979d-fc0d-4dd5-ae9a-91b2ece0a753" providerId="AD" clId="Web-{79FF836F-5336-373D-FEEE-8D8299265C43}" dt="2022-05-03T04:33:54.746" v="21"/>
+          <ac:picMkLst>
+            <pc:docMk/>
+            <pc:sldMk cId="0" sldId="268"/>
+            <ac:picMk id="2" creationId="{6A484709-C50D-4D4E-A116-F1A8E11C293C}"/>
+          </ac:picMkLst>
+        </pc:picChg>
+        <pc:picChg chg="add mod ord">
+          <ac:chgData name="Jireh Tseng" userId="S::tsengj@middleton.school.nz::eefb979d-fc0d-4dd5-ae9a-91b2ece0a753" providerId="AD" clId="Web-{79FF836F-5336-373D-FEEE-8D8299265C43}" dt="2022-05-03T04:48:48.675" v="45" actId="1076"/>
+          <ac:picMkLst>
+            <pc:docMk/>
+            <pc:sldMk cId="0" sldId="268"/>
+            <ac:picMk id="4" creationId="{F2F882F1-599C-0034-1464-7A564C0077FA}"/>
+          </ac:picMkLst>
+        </pc:picChg>
+      </pc:sldChg>
+      <pc:sldChg chg="modSp">
+        <pc:chgData name="Jireh Tseng" userId="S::tsengj@middleton.school.nz::eefb979d-fc0d-4dd5-ae9a-91b2ece0a753" providerId="AD" clId="Web-{79FF836F-5336-373D-FEEE-8D8299265C43}" dt="2022-05-03T04:55:42.045" v="198"/>
+        <pc:sldMkLst>
+          <pc:docMk/>
+          <pc:sldMk cId="101173362" sldId="276"/>
+        </pc:sldMkLst>
         <pc:graphicFrameChg chg="mod modGraphic">
-          <ac:chgData name="Jireh Tseng" userId="S::tsengj@middleton.school.nz::eefb979d-fc0d-4dd5-ae9a-91b2ece0a753" providerId="AD" clId="Web-{A8456CCB-E4F9-B848-CD92-4173C6F75C7E}" dt="2022-04-14T04:04:34.873" v="545"/>
+          <ac:chgData name="Jireh Tseng" userId="S::tsengj@middleton.school.nz::eefb979d-fc0d-4dd5-ae9a-91b2ece0a753" providerId="AD" clId="Web-{79FF836F-5336-373D-FEEE-8D8299265C43}" dt="2022-05-03T04:55:42.045" v="198"/>
           <ac:graphicFrameMkLst>
             <pc:docMk/>
-            <pc:sldMk cId="658088932" sldId="296"/>
+            <pc:sldMk cId="101173362" sldId="276"/>
             <ac:graphicFrameMk id="92" creationId="{00000000-0000-0000-0000-000000000000}"/>
           </ac:graphicFrameMkLst>
         </pc:graphicFrameChg>
       </pc:sldChg>
-      <pc:sldChg chg="modSp add replId">
-        <pc:chgData name="Jireh Tseng" userId="S::tsengj@middleton.school.nz::eefb979d-fc0d-4dd5-ae9a-91b2ece0a753" providerId="AD" clId="Web-{A8456CCB-E4F9-B848-CD92-4173C6F75C7E}" dt="2022-04-14T04:15:21.558" v="1081"/>
+      <pc:sldChg chg="addSp delSp modSp">
+        <pc:chgData name="Jireh Tseng" userId="S::tsengj@middleton.school.nz::eefb979d-fc0d-4dd5-ae9a-91b2ece0a753" providerId="AD" clId="Web-{79FF836F-5336-373D-FEEE-8D8299265C43}" dt="2022-05-03T04:29:23.833" v="17" actId="14100"/>
         <pc:sldMkLst>
           <pc:docMk/>
-          <pc:sldMk cId="386551997" sldId="297"/>
+          <pc:sldMk cId="1175070000" sldId="277"/>
         </pc:sldMkLst>
         <pc:spChg chg="mod">
-          <ac:chgData name="Jireh Tseng" userId="S::tsengj@middleton.school.nz::eefb979d-fc0d-4dd5-ae9a-91b2ece0a753" providerId="AD" clId="Web-{A8456CCB-E4F9-B848-CD92-4173C6F75C7E}" dt="2022-04-14T04:05:08.592" v="548" actId="20577"/>
+          <ac:chgData name="Jireh Tseng" userId="S::tsengj@middleton.school.nz::eefb979d-fc0d-4dd5-ae9a-91b2ece0a753" providerId="AD" clId="Web-{79FF836F-5336-373D-FEEE-8D8299265C43}" dt="2022-05-03T04:29:23.833" v="17" actId="14100"/>
           <ac:spMkLst>
             <pc:docMk/>
-            <pc:sldMk cId="386551997" sldId="297"/>
-            <ac:spMk id="91" creationId="{00000000-0000-0000-0000-000000000000}"/>
+            <pc:sldMk cId="1175070000" sldId="277"/>
+            <ac:spMk id="33" creationId="{84D46624-14F3-B1FD-29CD-2AEE950E0DAB}"/>
           </ac:spMkLst>
         </pc:spChg>
-        <pc:graphicFrameChg chg="mod modGraphic">
-          <ac:chgData name="Jireh Tseng" userId="S::tsengj@middleton.school.nz::eefb979d-fc0d-4dd5-ae9a-91b2ece0a753" providerId="AD" clId="Web-{A8456CCB-E4F9-B848-CD92-4173C6F75C7E}" dt="2022-04-14T04:15:21.558" v="1081"/>
+        <pc:picChg chg="del">
+          <ac:chgData name="Jireh Tseng" userId="S::tsengj@middleton.school.nz::eefb979d-fc0d-4dd5-ae9a-91b2ece0a753" providerId="AD" clId="Web-{79FF836F-5336-373D-FEEE-8D8299265C43}" dt="2022-05-03T04:20:46.111" v="1"/>
+          <ac:picMkLst>
+            <pc:docMk/>
+            <pc:sldMk cId="1175070000" sldId="277"/>
+            <ac:picMk id="2" creationId="{64A1AA31-E2FE-562B-F54B-A4875C6D1BA2}"/>
+          </ac:picMkLst>
+        </pc:picChg>
+        <pc:picChg chg="add del mod ord">
+          <ac:chgData name="Jireh Tseng" userId="S::tsengj@middleton.school.nz::eefb979d-fc0d-4dd5-ae9a-91b2ece0a753" providerId="AD" clId="Web-{79FF836F-5336-373D-FEEE-8D8299265C43}" dt="2022-05-03T04:28:50.160" v="10"/>
+          <ac:picMkLst>
+            <pc:docMk/>
+            <pc:sldMk cId="1175070000" sldId="277"/>
+            <ac:picMk id="2" creationId="{E018AEA1-2B6C-C8F0-F467-DA59B1D2C3DD}"/>
+          </ac:picMkLst>
+        </pc:picChg>
+        <pc:picChg chg="add mod ord">
+          <ac:chgData name="Jireh Tseng" userId="S::tsengj@middleton.school.nz::eefb979d-fc0d-4dd5-ae9a-91b2ece0a753" providerId="AD" clId="Web-{79FF836F-5336-373D-FEEE-8D8299265C43}" dt="2022-05-03T04:29:14.973" v="16" actId="1076"/>
+          <ac:picMkLst>
+            <pc:docMk/>
+            <pc:sldMk cId="1175070000" sldId="277"/>
+            <ac:picMk id="6" creationId="{94B3899E-4040-3CC9-87FC-81E3B95B649C}"/>
+          </ac:picMkLst>
+        </pc:picChg>
+      </pc:sldChg>
+      <pc:sldChg chg="addSp delSp modSp">
+        <pc:chgData name="Jireh Tseng" userId="S::tsengj@middleton.school.nz::eefb979d-fc0d-4dd5-ae9a-91b2ece0a753" providerId="AD" clId="Web-{79FF836F-5336-373D-FEEE-8D8299265C43}" dt="2022-05-03T04:55:14.951" v="196" actId="14100"/>
+        <pc:sldMkLst>
+          <pc:docMk/>
+          <pc:sldMk cId="636464997" sldId="280"/>
+        </pc:sldMkLst>
+        <pc:spChg chg="mod">
+          <ac:chgData name="Jireh Tseng" userId="S::tsengj@middleton.school.nz::eefb979d-fc0d-4dd5-ae9a-91b2ece0a753" providerId="AD" clId="Web-{79FF836F-5336-373D-FEEE-8D8299265C43}" dt="2022-05-03T04:53:42.042" v="178" actId="14100"/>
+          <ac:spMkLst>
+            <pc:docMk/>
+            <pc:sldMk cId="636464997" sldId="280"/>
+            <ac:spMk id="6" creationId="{3565F284-A787-F0CF-38CB-57228454B7AE}"/>
+          </ac:spMkLst>
+        </pc:spChg>
+        <pc:spChg chg="mod">
+          <ac:chgData name="Jireh Tseng" userId="S::tsengj@middleton.school.nz::eefb979d-fc0d-4dd5-ae9a-91b2ece0a753" providerId="AD" clId="Web-{79FF836F-5336-373D-FEEE-8D8299265C43}" dt="2022-05-03T04:53:53.058" v="181" actId="14100"/>
+          <ac:spMkLst>
+            <pc:docMk/>
+            <pc:sldMk cId="636464997" sldId="280"/>
+            <ac:spMk id="7" creationId="{4D103BE5-5B45-E7C9-632C-9C5FC730006D}"/>
+          </ac:spMkLst>
+        </pc:spChg>
+        <pc:spChg chg="mod">
+          <ac:chgData name="Jireh Tseng" userId="S::tsengj@middleton.school.nz::eefb979d-fc0d-4dd5-ae9a-91b2ece0a753" providerId="AD" clId="Web-{79FF836F-5336-373D-FEEE-8D8299265C43}" dt="2022-05-03T04:51:51.383" v="165" actId="14100"/>
+          <ac:spMkLst>
+            <pc:docMk/>
+            <pc:sldMk cId="636464997" sldId="280"/>
+            <ac:spMk id="11" creationId="{8B6E8C10-C976-3C2A-CBAA-F2F9C9CD6291}"/>
+          </ac:spMkLst>
+        </pc:spChg>
+        <pc:spChg chg="mod">
+          <ac:chgData name="Jireh Tseng" userId="S::tsengj@middleton.school.nz::eefb979d-fc0d-4dd5-ae9a-91b2ece0a753" providerId="AD" clId="Web-{79FF836F-5336-373D-FEEE-8D8299265C43}" dt="2022-05-03T04:51:57.618" v="167" actId="14100"/>
+          <ac:spMkLst>
+            <pc:docMk/>
+            <pc:sldMk cId="636464997" sldId="280"/>
+            <ac:spMk id="12" creationId="{E0682261-9A33-6C28-FCD4-08B28FE46CE9}"/>
+          </ac:spMkLst>
+        </pc:spChg>
+        <pc:spChg chg="mod">
+          <ac:chgData name="Jireh Tseng" userId="S::tsengj@middleton.school.nz::eefb979d-fc0d-4dd5-ae9a-91b2ece0a753" providerId="AD" clId="Web-{79FF836F-5336-373D-FEEE-8D8299265C43}" dt="2022-05-03T04:54:11.949" v="185" actId="14100"/>
+          <ac:spMkLst>
+            <pc:docMk/>
+            <pc:sldMk cId="636464997" sldId="280"/>
+            <ac:spMk id="16" creationId="{F3669E52-6F15-24F9-9B1B-2B04E5AA9525}"/>
+          </ac:spMkLst>
+        </pc:spChg>
+        <pc:spChg chg="mod">
+          <ac:chgData name="Jireh Tseng" userId="S::tsengj@middleton.school.nz::eefb979d-fc0d-4dd5-ae9a-91b2ece0a753" providerId="AD" clId="Web-{79FF836F-5336-373D-FEEE-8D8299265C43}" dt="2022-05-03T04:54:16.246" v="186" actId="14100"/>
+          <ac:spMkLst>
+            <pc:docMk/>
+            <pc:sldMk cId="636464997" sldId="280"/>
+            <ac:spMk id="17" creationId="{5A503DB2-E7D5-8AAF-3554-715479DDE452}"/>
+          </ac:spMkLst>
+        </pc:spChg>
+        <pc:spChg chg="mod">
+          <ac:chgData name="Jireh Tseng" userId="S::tsengj@middleton.school.nz::eefb979d-fc0d-4dd5-ae9a-91b2ece0a753" providerId="AD" clId="Web-{79FF836F-5336-373D-FEEE-8D8299265C43}" dt="2022-05-03T04:55:14.951" v="196" actId="14100"/>
+          <ac:spMkLst>
+            <pc:docMk/>
+            <pc:sldMk cId="636464997" sldId="280"/>
+            <ac:spMk id="18" creationId="{36AC13FC-B24D-6C72-F049-D0B8A6DCC146}"/>
+          </ac:spMkLst>
+        </pc:spChg>
+        <pc:graphicFrameChg chg="add del mod">
+          <ac:chgData name="Jireh Tseng" userId="S::tsengj@middleton.school.nz::eefb979d-fc0d-4dd5-ae9a-91b2ece0a753" providerId="AD" clId="Web-{79FF836F-5336-373D-FEEE-8D8299265C43}" dt="2022-05-03T04:50:56.600" v="123"/>
           <ac:graphicFrameMkLst>
             <pc:docMk/>
-            <pc:sldMk cId="386551997" sldId="297"/>
+            <pc:sldMk cId="636464997" sldId="280"/>
+            <ac:graphicFrameMk id="23" creationId="{96E7BE6D-F5B2-A06E-1A69-AB70AABB5884}"/>
+          </ac:graphicFrameMkLst>
+        </pc:graphicFrameChg>
+        <pc:graphicFrameChg chg="add del mod modGraphic">
+          <ac:chgData name="Jireh Tseng" userId="S::tsengj@middleton.school.nz::eefb979d-fc0d-4dd5-ae9a-91b2ece0a753" providerId="AD" clId="Web-{79FF836F-5336-373D-FEEE-8D8299265C43}" dt="2022-05-03T04:51:39.555" v="162"/>
+          <ac:graphicFrameMkLst>
+            <pc:docMk/>
+            <pc:sldMk cId="636464997" sldId="280"/>
             <ac:graphicFrameMk id="92" creationId="{00000000-0000-0000-0000-000000000000}"/>
           </ac:graphicFrameMkLst>
         </pc:graphicFrameChg>
-      </pc:sldChg>
-      <pc:sldChg chg="modSp add replId">
-        <pc:chgData name="Jireh Tseng" userId="S::tsengj@middleton.school.nz::eefb979d-fc0d-4dd5-ae9a-91b2ece0a753" providerId="AD" clId="Web-{A8456CCB-E4F9-B848-CD92-4173C6F75C7E}" dt="2022-04-14T04:17:27.701" v="1271"/>
-        <pc:sldMkLst>
-          <pc:docMk/>
-          <pc:sldMk cId="2654621461" sldId="298"/>
-        </pc:sldMkLst>
-        <pc:spChg chg="mod">
-          <ac:chgData name="Jireh Tseng" userId="S::tsengj@middleton.school.nz::eefb979d-fc0d-4dd5-ae9a-91b2ece0a753" providerId="AD" clId="Web-{A8456CCB-E4F9-B848-CD92-4173C6F75C7E}" dt="2022-04-14T04:16:03.090" v="1084" actId="20577"/>
-          <ac:spMkLst>
-            <pc:docMk/>
-            <pc:sldMk cId="2654621461" sldId="298"/>
-            <ac:spMk id="91" creationId="{00000000-0000-0000-0000-000000000000}"/>
-          </ac:spMkLst>
-        </pc:spChg>
-        <pc:graphicFrameChg chg="mod modGraphic">
-          <ac:chgData name="Jireh Tseng" userId="S::tsengj@middleton.school.nz::eefb979d-fc0d-4dd5-ae9a-91b2ece0a753" providerId="AD" clId="Web-{A8456CCB-E4F9-B848-CD92-4173C6F75C7E}" dt="2022-04-14T04:17:27.701" v="1271"/>
-          <ac:graphicFrameMkLst>
-            <pc:docMk/>
-            <pc:sldMk cId="2654621461" sldId="298"/>
-            <ac:graphicFrameMk id="92" creationId="{00000000-0000-0000-0000-000000000000}"/>
-          </ac:graphicFrameMkLst>
-        </pc:graphicFrameChg>
-      </pc:sldChg>
-      <pc:sldChg chg="addSp delSp modSp add ord replId">
-        <pc:chgData name="Jireh Tseng" userId="S::tsengj@middleton.school.nz::eefb979d-fc0d-4dd5-ae9a-91b2ece0a753" providerId="AD" clId="Web-{A8456CCB-E4F9-B848-CD92-4173C6F75C7E}" dt="2022-04-14T07:03:33.969" v="1300" actId="1076"/>
-        <pc:sldMkLst>
-          <pc:docMk/>
-          <pc:sldMk cId="3904275858" sldId="299"/>
-        </pc:sldMkLst>
-        <pc:spChg chg="mod">
-          <ac:chgData name="Jireh Tseng" userId="S::tsengj@middleton.school.nz::eefb979d-fc0d-4dd5-ae9a-91b2ece0a753" providerId="AD" clId="Web-{A8456CCB-E4F9-B848-CD92-4173C6F75C7E}" dt="2022-04-14T04:19:07.563" v="1281" actId="20577"/>
-          <ac:spMkLst>
-            <pc:docMk/>
-            <pc:sldMk cId="3904275858" sldId="299"/>
-            <ac:spMk id="2" creationId="{117C7ED0-CC09-82B1-98D7-D7AC8566A02D}"/>
-          </ac:spMkLst>
-        </pc:spChg>
-        <pc:spChg chg="mod">
-          <ac:chgData name="Jireh Tseng" userId="S::tsengj@middleton.school.nz::eefb979d-fc0d-4dd5-ae9a-91b2ece0a753" providerId="AD" clId="Web-{A8456CCB-E4F9-B848-CD92-4173C6F75C7E}" dt="2022-04-14T07:03:33.969" v="1300" actId="1076"/>
-          <ac:spMkLst>
-            <pc:docMk/>
-            <pc:sldMk cId="3904275858" sldId="299"/>
-            <ac:spMk id="4" creationId="{A1B3C866-DC84-97B0-47F0-CB76AF369A87}"/>
-          </ac:spMkLst>
-        </pc:spChg>
-        <pc:spChg chg="add del mod">
-          <ac:chgData name="Jireh Tseng" userId="S::tsengj@middleton.school.nz::eefb979d-fc0d-4dd5-ae9a-91b2ece0a753" providerId="AD" clId="Web-{A8456CCB-E4F9-B848-CD92-4173C6F75C7E}" dt="2022-04-14T05:35:35.126" v="1286"/>
-          <ac:spMkLst>
-            <pc:docMk/>
-            <pc:sldMk cId="3904275858" sldId="299"/>
-            <ac:spMk id="5" creationId="{CD315919-C025-41F7-D866-69B61EDFEB81}"/>
-          </ac:spMkLst>
-        </pc:spChg>
-        <pc:picChg chg="add mod">
-          <ac:chgData name="Jireh Tseng" userId="S::tsengj@middleton.school.nz::eefb979d-fc0d-4dd5-ae9a-91b2ece0a753" providerId="AD" clId="Web-{A8456CCB-E4F9-B848-CD92-4173C6F75C7E}" dt="2022-04-14T07:03:24.468" v="1297" actId="1076"/>
+        <pc:picChg chg="del">
+          <ac:chgData name="Jireh Tseng" userId="S::tsengj@middleton.school.nz::eefb979d-fc0d-4dd5-ae9a-91b2ece0a753" providerId="AD" clId="Web-{79FF836F-5336-373D-FEEE-8D8299265C43}" dt="2022-05-03T04:33:43.824" v="18"/>
           <ac:picMkLst>
             <pc:docMk/>
-            <pc:sldMk cId="3904275858" sldId="299"/>
-            <ac:picMk id="3" creationId="{041A2549-562E-C76C-D867-EE58A51FA330}"/>
+            <pc:sldMk cId="636464997" sldId="280"/>
+            <ac:picMk id="2" creationId="{E234CF7E-755D-A7C1-222C-9E7262D0F15C}"/>
           </ac:picMkLst>
         </pc:picChg>
         <pc:picChg chg="del">
-          <ac:chgData name="Jireh Tseng" userId="S::tsengj@middleton.school.nz::eefb979d-fc0d-4dd5-ae9a-91b2ece0a753" providerId="AD" clId="Web-{A8456CCB-E4F9-B848-CD92-4173C6F75C7E}" dt="2022-04-14T05:35:29.298" v="1282"/>
+          <ac:chgData name="Jireh Tseng" userId="S::tsengj@middleton.school.nz::eefb979d-fc0d-4dd5-ae9a-91b2ece0a753" providerId="AD" clId="Web-{79FF836F-5336-373D-FEEE-8D8299265C43}" dt="2022-05-03T04:33:45.480" v="19"/>
           <ac:picMkLst>
             <pc:docMk/>
-            <pc:sldMk cId="3904275858" sldId="299"/>
-            <ac:picMk id="3" creationId="{32005FF8-46FA-E696-97B7-3A4BE8249FC2}"/>
+            <pc:sldMk cId="636464997" sldId="280"/>
+            <ac:picMk id="3" creationId="{3E21A60A-1E62-9B76-5D91-CDCC9DCF57CB}"/>
           </ac:picMkLst>
         </pc:picChg>
-        <pc:picChg chg="add mod">
-          <ac:chgData name="Jireh Tseng" userId="S::tsengj@middleton.school.nz::eefb979d-fc0d-4dd5-ae9a-91b2ece0a753" providerId="AD" clId="Web-{A8456CCB-E4F9-B848-CD92-4173C6F75C7E}" dt="2022-04-14T07:03:30.765" v="1299" actId="1076"/>
+        <pc:picChg chg="add del mod ord">
+          <ac:chgData name="Jireh Tseng" userId="S::tsengj@middleton.school.nz::eefb979d-fc0d-4dd5-ae9a-91b2ece0a753" providerId="AD" clId="Web-{79FF836F-5336-373D-FEEE-8D8299265C43}" dt="2022-05-03T04:52:01.244" v="168"/>
           <ac:picMkLst>
             <pc:docMk/>
-            <pc:sldMk cId="3904275858" sldId="299"/>
-            <ac:picMk id="6" creationId="{B2BD3EC1-BBF2-D357-3C1D-EB15C4887B26}"/>
+            <pc:sldMk cId="636464997" sldId="280"/>
+            <ac:picMk id="9" creationId="{A85D5029-2492-38BB-873A-7D8749A32C08}"/>
+          </ac:picMkLst>
+        </pc:picChg>
+        <pc:picChg chg="add del mod ord">
+          <ac:chgData name="Jireh Tseng" userId="S::tsengj@middleton.school.nz::eefb979d-fc0d-4dd5-ae9a-91b2ece0a753" providerId="AD" clId="Web-{79FF836F-5336-373D-FEEE-8D8299265C43}" dt="2022-05-03T04:54:21.028" v="187"/>
+          <ac:picMkLst>
+            <pc:docMk/>
+            <pc:sldMk cId="636464997" sldId="280"/>
+            <ac:picMk id="21" creationId="{067AAB1A-20E2-A203-F47B-D339B4C9197A}"/>
+          </ac:picMkLst>
+        </pc:picChg>
+        <pc:picChg chg="add mod ord">
+          <ac:chgData name="Jireh Tseng" userId="S::tsengj@middleton.school.nz::eefb979d-fc0d-4dd5-ae9a-91b2ece0a753" providerId="AD" clId="Web-{79FF836F-5336-373D-FEEE-8D8299265C43}" dt="2022-05-03T04:53:32.058" v="176" actId="1076"/>
+          <ac:picMkLst>
+            <pc:docMk/>
+            <pc:sldMk cId="636464997" sldId="280"/>
+            <ac:picMk id="24" creationId="{A5674F0D-17A3-9C38-AF46-C03ECE3FC649}"/>
+          </ac:picMkLst>
+        </pc:picChg>
+        <pc:picChg chg="add mod ord">
+          <ac:chgData name="Jireh Tseng" userId="S::tsengj@middleton.school.nz::eefb979d-fc0d-4dd5-ae9a-91b2ece0a753" providerId="AD" clId="Web-{79FF836F-5336-373D-FEEE-8D8299265C43}" dt="2022-05-03T04:55:11.091" v="195" actId="1076"/>
+          <ac:picMkLst>
+            <pc:docMk/>
+            <pc:sldMk cId="636464997" sldId="280"/>
+            <ac:picMk id="25" creationId="{5B77AB6A-DB68-B7C8-9464-470AA11FD2FA}"/>
+          </ac:picMkLst>
+        </pc:picChg>
+        <pc:cxnChg chg="mod">
+          <ac:chgData name="Jireh Tseng" userId="S::tsengj@middleton.school.nz::eefb979d-fc0d-4dd5-ae9a-91b2ece0a753" providerId="AD" clId="Web-{79FF836F-5336-373D-FEEE-8D8299265C43}" dt="2022-05-03T04:53:47.324" v="179" actId="14100"/>
+          <ac:cxnSpMkLst>
+            <pc:docMk/>
+            <pc:sldMk cId="636464997" sldId="280"/>
+            <ac:cxnSpMk id="4" creationId="{FAFED4A7-A9B5-30E7-CED5-2F7F88B17EE4}"/>
+          </ac:cxnSpMkLst>
+        </pc:cxnChg>
+        <pc:cxnChg chg="mod">
+          <ac:chgData name="Jireh Tseng" userId="S::tsengj@middleton.school.nz::eefb979d-fc0d-4dd5-ae9a-91b2ece0a753" providerId="AD" clId="Web-{79FF836F-5336-373D-FEEE-8D8299265C43}" dt="2022-05-03T04:53:56.230" v="182" actId="14100"/>
+          <ac:cxnSpMkLst>
+            <pc:docMk/>
+            <pc:sldMk cId="636464997" sldId="280"/>
+            <ac:cxnSpMk id="10" creationId="{2178EA7A-8C3A-4C7F-F939-A728F5155991}"/>
+          </ac:cxnSpMkLst>
+        </pc:cxnChg>
+        <pc:cxnChg chg="mod">
+          <ac:chgData name="Jireh Tseng" userId="S::tsengj@middleton.school.nz::eefb979d-fc0d-4dd5-ae9a-91b2ece0a753" providerId="AD" clId="Web-{79FF836F-5336-373D-FEEE-8D8299265C43}" dt="2022-05-03T04:51:48.711" v="164" actId="14100"/>
+          <ac:cxnSpMkLst>
+            <pc:docMk/>
+            <pc:sldMk cId="636464997" sldId="280"/>
+            <ac:cxnSpMk id="14" creationId="{331DC64A-26E8-3D90-483D-1C11673842EC}"/>
+          </ac:cxnSpMkLst>
+        </pc:cxnChg>
+        <pc:cxnChg chg="mod">
+          <ac:chgData name="Jireh Tseng" userId="S::tsengj@middleton.school.nz::eefb979d-fc0d-4dd5-ae9a-91b2ece0a753" providerId="AD" clId="Web-{79FF836F-5336-373D-FEEE-8D8299265C43}" dt="2022-05-03T04:54:08.918" v="184" actId="14100"/>
+          <ac:cxnSpMkLst>
+            <pc:docMk/>
+            <pc:sldMk cId="636464997" sldId="280"/>
+            <ac:cxnSpMk id="19" creationId="{522FD415-D4BA-8CEB-3E62-366A39E04169}"/>
+          </ac:cxnSpMkLst>
+        </pc:cxnChg>
+        <pc:cxnChg chg="mod">
+          <ac:chgData name="Jireh Tseng" userId="S::tsengj@middleton.school.nz::eefb979d-fc0d-4dd5-ae9a-91b2ece0a753" providerId="AD" clId="Web-{79FF836F-5336-373D-FEEE-8D8299265C43}" dt="2022-05-03T04:54:46.278" v="189" actId="14100"/>
+          <ac:cxnSpMkLst>
+            <pc:docMk/>
+            <pc:sldMk cId="636464997" sldId="280"/>
+            <ac:cxnSpMk id="20" creationId="{28E3688F-F336-9BF4-617B-B203A30F20ED}"/>
+          </ac:cxnSpMkLst>
+        </pc:cxnChg>
+      </pc:sldChg>
+      <pc:sldChg chg="delSp modSp">
+        <pc:chgData name="Jireh Tseng" userId="S::tsengj@middleton.school.nz::eefb979d-fc0d-4dd5-ae9a-91b2ece0a753" providerId="AD" clId="Web-{79FF836F-5336-373D-FEEE-8D8299265C43}" dt="2022-05-03T04:56:53.750" v="200" actId="20577"/>
+        <pc:sldMkLst>
+          <pc:docMk/>
+          <pc:sldMk cId="1732950584" sldId="281"/>
+        </pc:sldMkLst>
+        <pc:spChg chg="mod">
+          <ac:chgData name="Jireh Tseng" userId="S::tsengj@middleton.school.nz::eefb979d-fc0d-4dd5-ae9a-91b2ece0a753" providerId="AD" clId="Web-{79FF836F-5336-373D-FEEE-8D8299265C43}" dt="2022-05-03T04:56:53.750" v="200" actId="20577"/>
+          <ac:spMkLst>
+            <pc:docMk/>
+            <pc:sldMk cId="1732950584" sldId="281"/>
+            <ac:spMk id="86" creationId="{00000000-0000-0000-0000-000000000000}"/>
+          </ac:spMkLst>
+        </pc:spChg>
+        <pc:picChg chg="del">
+          <ac:chgData name="Jireh Tseng" userId="S::tsengj@middleton.school.nz::eefb979d-fc0d-4dd5-ae9a-91b2ece0a753" providerId="AD" clId="Web-{79FF836F-5336-373D-FEEE-8D8299265C43}" dt="2022-05-03T04:33:49.605" v="20"/>
+          <ac:picMkLst>
+            <pc:docMk/>
+            <pc:sldMk cId="1732950584" sldId="281"/>
+            <ac:picMk id="4" creationId="{E5C81E07-4E1E-4823-E30E-0F12B7098C51}"/>
           </ac:picMkLst>
         </pc:picChg>
       </pc:sldChg>
     </pc:docChg>
   </pc:docChgLst>
   <pc:docChgLst>
-    <pc:chgData name="Jireh Tseng" userId="S::tsengj@middleton.school.nz::eefb979d-fc0d-4dd5-ae9a-91b2ece0a753" providerId="AD" clId="Web-{875F1A86-FE65-D4D7-73FA-68A3AC71E3A0}"/>
-    <pc:docChg chg="addSld modSld">
-      <pc:chgData name="Jireh Tseng" userId="S::tsengj@middleton.school.nz::eefb979d-fc0d-4dd5-ae9a-91b2ece0a753" providerId="AD" clId="Web-{875F1A86-FE65-D4D7-73FA-68A3AC71E3A0}" dt="2022-04-11T21:26:22.258" v="255"/>
+    <pc:chgData name="Jireh Tseng" userId="S::tsengj@middleton.school.nz::eefb979d-fc0d-4dd5-ae9a-91b2ece0a753" providerId="AD" clId="Web-{E462C1EF-32F1-1F33-874C-C2D0A433766B}"/>
+    <pc:docChg chg="modSld">
+      <pc:chgData name="Jireh Tseng" userId="S::tsengj@middleton.school.nz::eefb979d-fc0d-4dd5-ae9a-91b2ece0a753" providerId="AD" clId="Web-{E462C1EF-32F1-1F33-874C-C2D0A433766B}" dt="2022-04-10T23:16:00.532" v="52" actId="14100"/>
       <pc:docMkLst>
         <pc:docMk/>
       </pc:docMkLst>
-      <pc:sldChg chg="modSp">
-        <pc:chgData name="Jireh Tseng" userId="S::tsengj@middleton.school.nz::eefb979d-fc0d-4dd5-ae9a-91b2ece0a753" providerId="AD" clId="Web-{875F1A86-FE65-D4D7-73FA-68A3AC71E3A0}" dt="2022-04-11T21:26:22.258" v="255"/>
+      <pc:sldChg chg="addSp modSp">
+        <pc:chgData name="Jireh Tseng" userId="S::tsengj@middleton.school.nz::eefb979d-fc0d-4dd5-ae9a-91b2ece0a753" providerId="AD" clId="Web-{E462C1EF-32F1-1F33-874C-C2D0A433766B}" dt="2022-04-10T23:16:00.532" v="52" actId="14100"/>
         <pc:sldMkLst>
           <pc:docMk/>
-          <pc:sldMk cId="2759596377" sldId="287"/>
+          <pc:sldMk cId="1948546728" sldId="286"/>
         </pc:sldMkLst>
-        <pc:graphicFrameChg chg="mod modGraphic">
-          <ac:chgData name="Jireh Tseng" userId="S::tsengj@middleton.school.nz::eefb979d-fc0d-4dd5-ae9a-91b2ece0a753" providerId="AD" clId="Web-{875F1A86-FE65-D4D7-73FA-68A3AC71E3A0}" dt="2022-04-11T21:26:22.258" v="255"/>
-          <ac:graphicFrameMkLst>
-            <pc:docMk/>
-            <pc:sldMk cId="2759596377" sldId="287"/>
-            <ac:graphicFrameMk id="92" creationId="{00000000-0000-0000-0000-000000000000}"/>
-          </ac:graphicFrameMkLst>
-        </pc:graphicFrameChg>
-      </pc:sldChg>
-      <pc:sldChg chg="addSp delSp modSp new">
-        <pc:chgData name="Jireh Tseng" userId="S::tsengj@middleton.school.nz::eefb979d-fc0d-4dd5-ae9a-91b2ece0a753" providerId="AD" clId="Web-{875F1A86-FE65-D4D7-73FA-68A3AC71E3A0}" dt="2022-04-11T21:16:33.664" v="125" actId="1076"/>
-        <pc:sldMkLst>
-          <pc:docMk/>
-          <pc:sldMk cId="3742630380" sldId="288"/>
-        </pc:sldMkLst>
-        <pc:spChg chg="mod">
-          <ac:chgData name="Jireh Tseng" userId="S::tsengj@middleton.school.nz::eefb979d-fc0d-4dd5-ae9a-91b2ece0a753" providerId="AD" clId="Web-{875F1A86-FE65-D4D7-73FA-68A3AC71E3A0}" dt="2022-04-11T21:09:37.591" v="21" actId="20577"/>
+        <pc:spChg chg="add mod">
+          <ac:chgData name="Jireh Tseng" userId="S::tsengj@middleton.school.nz::eefb979d-fc0d-4dd5-ae9a-91b2ece0a753" providerId="AD" clId="Web-{E462C1EF-32F1-1F33-874C-C2D0A433766B}" dt="2022-04-10T23:14:48.014" v="14" actId="1076"/>
           <ac:spMkLst>
             <pc:docMk/>
-            <pc:sldMk cId="3742630380" sldId="288"/>
-            <ac:spMk id="2" creationId="{117C7ED0-CC09-82B1-98D7-D7AC8566A02D}"/>
-          </ac:spMkLst>
-        </pc:spChg>
-        <pc:spChg chg="del mod">
-          <ac:chgData name="Jireh Tseng" userId="S::tsengj@middleton.school.nz::eefb979d-fc0d-4dd5-ae9a-91b2ece0a753" providerId="AD" clId="Web-{875F1A86-FE65-D4D7-73FA-68A3AC71E3A0}" dt="2022-04-11T21:16:28.367" v="124"/>
-          <ac:spMkLst>
-            <pc:docMk/>
-            <pc:sldMk cId="3742630380" sldId="288"/>
-            <ac:spMk id="3" creationId="{07D14DCC-A221-C5D2-76B3-59FFE847553C}"/>
+            <pc:sldMk cId="1948546728" sldId="286"/>
+            <ac:spMk id="3" creationId="{3FCC3670-01DB-1BA0-3833-6709A0DE08CA}"/>
           </ac:spMkLst>
         </pc:spChg>
         <pc:spChg chg="add mod">
-          <ac:chgData name="Jireh Tseng" userId="S::tsengj@middleton.school.nz::eefb979d-fc0d-4dd5-ae9a-91b2ece0a753" providerId="AD" clId="Web-{875F1A86-FE65-D4D7-73FA-68A3AC71E3A0}" dt="2022-04-11T21:16:33.664" v="125" actId="1076"/>
+          <ac:chgData name="Jireh Tseng" userId="S::tsengj@middleton.school.nz::eefb979d-fc0d-4dd5-ae9a-91b2ece0a753" providerId="AD" clId="Web-{E462C1EF-32F1-1F33-874C-C2D0A433766B}" dt="2022-04-10T23:16:00.532" v="52" actId="14100"/>
           <ac:spMkLst>
             <pc:docMk/>
-            <pc:sldMk cId="3742630380" sldId="288"/>
-            <ac:spMk id="4" creationId="{0676CC8F-07AC-7255-5C5C-4ABBBE9DE273}"/>
+            <pc:sldMk cId="1948546728" sldId="286"/>
+            <ac:spMk id="4" creationId="{725A2025-63D9-0C5C-C37D-EF6807D6D0DE}"/>
+          </ac:spMkLst>
+        </pc:spChg>
+        <pc:spChg chg="add mod">
+          <ac:chgData name="Jireh Tseng" userId="S::tsengj@middleton.school.nz::eefb979d-fc0d-4dd5-ae9a-91b2ece0a753" providerId="AD" clId="Web-{E462C1EF-32F1-1F33-874C-C2D0A433766B}" dt="2022-04-10T23:15:21.156" v="24" actId="14100"/>
+          <ac:spMkLst>
+            <pc:docMk/>
+            <pc:sldMk cId="1948546728" sldId="286"/>
+            <ac:spMk id="6" creationId="{53E84D05-6AA4-7256-EC95-EBAF55445C69}"/>
+          </ac:spMkLst>
+        </pc:spChg>
+        <pc:spChg chg="add mod">
+          <ac:chgData name="Jireh Tseng" userId="S::tsengj@middleton.school.nz::eefb979d-fc0d-4dd5-ae9a-91b2ece0a753" providerId="AD" clId="Web-{E462C1EF-32F1-1F33-874C-C2D0A433766B}" dt="2022-04-10T23:15:07.890" v="20"/>
+          <ac:spMkLst>
+            <pc:docMk/>
+            <pc:sldMk cId="1948546728" sldId="286"/>
+            <ac:spMk id="7" creationId="{44B60101-9F86-B903-5115-3061FB2D6536}"/>
+          </ac:spMkLst>
+        </pc:spChg>
+        <pc:spChg chg="add mod">
+          <ac:chgData name="Jireh Tseng" userId="S::tsengj@middleton.school.nz::eefb979d-fc0d-4dd5-ae9a-91b2ece0a753" providerId="AD" clId="Web-{E462C1EF-32F1-1F33-874C-C2D0A433766B}" dt="2022-04-10T23:15:18.015" v="23"/>
+          <ac:spMkLst>
+            <pc:docMk/>
+            <pc:sldMk cId="1948546728" sldId="286"/>
+            <ac:spMk id="8" creationId="{84FC7A4C-AF25-FBAE-67A7-BE6141E6D630}"/>
+          </ac:spMkLst>
+        </pc:spChg>
+        <pc:picChg chg="add mod">
+          <ac:chgData name="Jireh Tseng" userId="S::tsengj@middleton.school.nz::eefb979d-fc0d-4dd5-ae9a-91b2ece0a753" providerId="AD" clId="Web-{E462C1EF-32F1-1F33-874C-C2D0A433766B}" dt="2022-04-10T23:13:54.575" v="2" actId="1076"/>
+          <ac:picMkLst>
+            <pc:docMk/>
+            <pc:sldMk cId="1948546728" sldId="286"/>
+            <ac:picMk id="2" creationId="{7BE51418-D4BA-D8BF-8352-2CFCE01BAB0C}"/>
+          </ac:picMkLst>
+        </pc:picChg>
+      </pc:sldChg>
+    </pc:docChg>
+  </pc:docChgLst>
+  <pc:docChgLst>
+    <pc:chgData name="Jireh Tseng" userId="S::tsengj@middleton.school.nz::eefb979d-fc0d-4dd5-ae9a-91b2ece0a753" providerId="AD" clId="Web-{7E3F9280-A2F5-974F-0785-E500C00B3676}"/>
+    <pc:docChg chg="modSld sldOrd">
+      <pc:chgData name="Jireh Tseng" userId="S::tsengj@middleton.school.nz::eefb979d-fc0d-4dd5-ae9a-91b2ece0a753" providerId="AD" clId="Web-{7E3F9280-A2F5-974F-0785-E500C00B3676}" dt="2022-03-22T21:21:19.029" v="10"/>
+      <pc:docMkLst>
+        <pc:docMk/>
+      </pc:docMkLst>
+      <pc:sldChg chg="modSp ord">
+        <pc:chgData name="Jireh Tseng" userId="S::tsengj@middleton.school.nz::eefb979d-fc0d-4dd5-ae9a-91b2ece0a753" providerId="AD" clId="Web-{7E3F9280-A2F5-974F-0785-E500C00B3676}" dt="2022-03-22T21:21:19.029" v="10"/>
+        <pc:sldMkLst>
+          <pc:docMk/>
+          <pc:sldMk cId="89592267" sldId="274"/>
+        </pc:sldMkLst>
+        <pc:spChg chg="mod">
+          <ac:chgData name="Jireh Tseng" userId="S::tsengj@middleton.school.nz::eefb979d-fc0d-4dd5-ae9a-91b2ece0a753" providerId="AD" clId="Web-{7E3F9280-A2F5-974F-0785-E500C00B3676}" dt="2022-03-22T21:20:45.263" v="8" actId="20577"/>
+          <ac:spMkLst>
+            <pc:docMk/>
+            <pc:sldMk cId="89592267" sldId="274"/>
+            <ac:spMk id="2" creationId="{1CC5D32F-7C18-4D00-8D54-2FB046F0A206}"/>
           </ac:spMkLst>
         </pc:spChg>
       </pc:sldChg>
@@ -3220,7 +3694,7 @@
           <a:p>
             <a:fld id="{F37D28C0-BEB6-42B0-A203-EEE1023219C4}" type="datetimeFigureOut">
               <a:rPr lang="en-NZ" smtClean="0"/>
-              <a:t>2/05/2022</a:t>
+              <a:t>4/05/2022</a:t>
             </a:fld>
             <a:endParaRPr lang="en-NZ"/>
           </a:p>
@@ -3533,7 +4007,7 @@
           <a:lstStyle/>
           <a:p>
             <a:r>
-              <a:rPr lang="en-NZ" dirty="0"/>
+              <a:rPr lang="en-NZ"/>
               <a:t>Additional rows can be added by clicking in the last cell and then using the Tab key </a:t>
             </a:r>
           </a:p>
@@ -3785,7 +4259,7 @@
               <a:defRPr/>
             </a:pPr>
             <a:r>
-              <a:rPr lang="en-NZ" dirty="0"/>
+              <a:rPr lang="en-NZ"/>
               <a:t>Additional rows can be added by clicking in the last cell and then using the Tab key </a:t>
             </a:r>
           </a:p>
@@ -3799,7 +4273,7 @@
               </a:spcAft>
               <a:buNone/>
             </a:pPr>
-            <a:endParaRPr dirty="0"/>
+            <a:endParaRPr/>
           </a:p>
         </p:txBody>
       </p:sp>
@@ -3917,7 +4391,7 @@
               <a:defRPr/>
             </a:pPr>
             <a:r>
-              <a:rPr lang="en-NZ" dirty="0"/>
+              <a:rPr lang="en-NZ"/>
               <a:t>Additional rows can be added by clicking in the last cell and then using the Tab key </a:t>
             </a:r>
           </a:p>
@@ -3931,7 +4405,7 @@
               </a:spcAft>
               <a:buNone/>
             </a:pPr>
-            <a:endParaRPr dirty="0"/>
+            <a:endParaRPr/>
           </a:p>
         </p:txBody>
       </p:sp>
@@ -4049,7 +4523,7 @@
               <a:defRPr/>
             </a:pPr>
             <a:r>
-              <a:rPr lang="en-NZ" dirty="0"/>
+              <a:rPr lang="en-NZ"/>
               <a:t>Additional rows can be added by clicking in the last cell and then using the Tab key </a:t>
             </a:r>
           </a:p>
@@ -4063,7 +4537,7 @@
               </a:spcAft>
               <a:buNone/>
             </a:pPr>
-            <a:endParaRPr dirty="0"/>
+            <a:endParaRPr/>
           </a:p>
         </p:txBody>
       </p:sp>
@@ -4290,7 +4764,7 @@
               <a:defRPr/>
             </a:pPr>
             <a:r>
-              <a:rPr lang="en-NZ" dirty="0"/>
+              <a:rPr lang="en-NZ"/>
               <a:t>Additional rows can be added by clicking in the last cell and then using the Tab key </a:t>
             </a:r>
           </a:p>
@@ -4304,7 +4778,7 @@
               </a:spcAft>
               <a:buNone/>
             </a:pPr>
-            <a:endParaRPr dirty="0"/>
+            <a:endParaRPr/>
           </a:p>
         </p:txBody>
       </p:sp>
@@ -4422,7 +4896,7 @@
               <a:defRPr/>
             </a:pPr>
             <a:r>
-              <a:rPr lang="en-NZ" dirty="0"/>
+              <a:rPr lang="en-NZ"/>
               <a:t>Additional rows can be added by clicking in the last cell and then using the Tab key </a:t>
             </a:r>
           </a:p>
@@ -4436,7 +4910,7 @@
               </a:spcAft>
               <a:buNone/>
             </a:pPr>
-            <a:endParaRPr dirty="0"/>
+            <a:endParaRPr/>
           </a:p>
         </p:txBody>
       </p:sp>
@@ -4554,7 +5028,7 @@
               <a:defRPr/>
             </a:pPr>
             <a:r>
-              <a:rPr lang="en-NZ" dirty="0"/>
+              <a:rPr lang="en-NZ"/>
               <a:t>Additional rows can be added by clicking in the last cell and then using the Tab key </a:t>
             </a:r>
           </a:p>
@@ -4568,7 +5042,7 @@
               </a:spcAft>
               <a:buNone/>
             </a:pPr>
-            <a:endParaRPr dirty="0"/>
+            <a:endParaRPr/>
           </a:p>
         </p:txBody>
       </p:sp>
@@ -4686,7 +5160,7 @@
               <a:defRPr/>
             </a:pPr>
             <a:r>
-              <a:rPr lang="en-NZ" dirty="0"/>
+              <a:rPr lang="en-NZ"/>
               <a:t>Additional rows can be added by clicking in the last cell and then using the Tab key </a:t>
             </a:r>
           </a:p>
@@ -4700,7 +5174,7 @@
               </a:spcAft>
               <a:buNone/>
             </a:pPr>
-            <a:endParaRPr dirty="0"/>
+            <a:endParaRPr/>
           </a:p>
         </p:txBody>
       </p:sp>
@@ -4871,7 +5345,7 @@
           <a:lstStyle/>
           <a:p>
             <a:r>
-              <a:rPr lang="en-NZ" dirty="0"/>
+              <a:rPr lang="en-NZ"/>
               <a:t>Additional rows can be added by clicking in the last cell and then using the Tab key </a:t>
             </a:r>
           </a:p>
@@ -5123,7 +5597,7 @@
               <a:defRPr/>
             </a:pPr>
             <a:r>
-              <a:rPr lang="en-NZ" dirty="0"/>
+              <a:rPr lang="en-NZ"/>
               <a:t>Additional rows can be added by clicking in the last cell and then using the Tab key </a:t>
             </a:r>
           </a:p>
@@ -5137,7 +5611,7 @@
               </a:spcAft>
               <a:buNone/>
             </a:pPr>
-            <a:endParaRPr dirty="0"/>
+            <a:endParaRPr/>
           </a:p>
         </p:txBody>
       </p:sp>
@@ -5255,7 +5729,7 @@
               <a:defRPr/>
             </a:pPr>
             <a:r>
-              <a:rPr lang="en-NZ" dirty="0"/>
+              <a:rPr lang="en-NZ"/>
               <a:t>Additional rows can be added by clicking in the last cell and then using the Tab key </a:t>
             </a:r>
           </a:p>
@@ -5269,7 +5743,7 @@
               </a:spcAft>
               <a:buNone/>
             </a:pPr>
-            <a:endParaRPr dirty="0"/>
+            <a:endParaRPr/>
           </a:p>
         </p:txBody>
       </p:sp>
@@ -5387,7 +5861,7 @@
               <a:defRPr/>
             </a:pPr>
             <a:r>
-              <a:rPr lang="en-NZ" dirty="0"/>
+              <a:rPr lang="en-NZ"/>
               <a:t>Additional rows can be added by clicking in the last cell and then using the Tab key </a:t>
             </a:r>
           </a:p>
@@ -5401,7 +5875,7 @@
               </a:spcAft>
               <a:buNone/>
             </a:pPr>
-            <a:endParaRPr dirty="0"/>
+            <a:endParaRPr/>
           </a:p>
         </p:txBody>
       </p:sp>
@@ -5519,7 +5993,7 @@
               <a:defRPr/>
             </a:pPr>
             <a:r>
-              <a:rPr lang="en-NZ" dirty="0"/>
+              <a:rPr lang="en-NZ"/>
               <a:t>Additional rows can be added by clicking in the last cell and then using the Tab key </a:t>
             </a:r>
           </a:p>
@@ -5533,7 +6007,7 @@
               </a:spcAft>
               <a:buNone/>
             </a:pPr>
-            <a:endParaRPr dirty="0"/>
+            <a:endParaRPr/>
           </a:p>
         </p:txBody>
       </p:sp>
@@ -5612,19 +6086,19 @@
               <a:defRPr/>
             </a:pPr>
             <a:r>
-              <a:rPr lang="en-NZ" i="1" dirty="0">
+              <a:rPr lang="en-NZ" i="1">
                 <a:latin typeface="Arial" panose="020B0604020202020204" pitchFamily="34" charset="0"/>
                 <a:ea typeface="Arial" panose="020B0604020202020204" pitchFamily="34" charset="0"/>
               </a:rPr>
               <a:t>Your version control evidence should go here.  This could be in the form of screenshots (both of your GitHub repository as well as your local project folder) as evidence of your incremental development.</a:t>
             </a:r>
-            <a:endParaRPr lang="en-NZ" dirty="0">
+            <a:endParaRPr lang="en-NZ">
               <a:latin typeface="Arial" panose="020B0604020202020204" pitchFamily="34" charset="0"/>
               <a:ea typeface="Arial" panose="020B0604020202020204" pitchFamily="34" charset="0"/>
             </a:endParaRPr>
           </a:p>
           <a:p>
-            <a:endParaRPr lang="en-NZ" dirty="0"/>
+            <a:endParaRPr lang="en-NZ"/>
           </a:p>
         </p:txBody>
       </p:sp>
@@ -5726,14 +6200,14 @@
               <a:defRPr/>
             </a:pPr>
             <a:r>
-              <a:rPr lang="en-NZ" i="1" dirty="0">
+              <a:rPr lang="en-NZ" i="1">
                 <a:latin typeface="Arial" panose="020B0604020202020204" pitchFamily="34" charset="0"/>
               </a:rPr>
               <a:t>Discuss how the information from planning, testing and trialling of components assisted in the development of a high-quality outcome.</a:t>
             </a:r>
           </a:p>
           <a:p>
-            <a:endParaRPr lang="en-NZ" dirty="0"/>
+            <a:endParaRPr lang="en-NZ"/>
           </a:p>
         </p:txBody>
       </p:sp>
@@ -5835,11 +6309,11 @@
               <a:defRPr/>
             </a:pPr>
             <a:r>
-              <a:rPr lang="en-NZ" i="1" dirty="0"/>
+              <a:rPr lang="en-NZ" i="1"/>
               <a:t>Paste screenshots of your initial Trello board / task decomposition on this slide.  If you have a long list, you might need to break it up into several slides. </a:t>
             </a:r>
             <a:r>
-              <a:rPr lang="en-NZ" dirty="0">
+              <a:rPr lang="en-NZ">
                 <a:latin typeface="Arial" panose="020B0604020202020204" pitchFamily="34" charset="0"/>
                 <a:ea typeface="Arial" panose="020B0604020202020204" pitchFamily="34" charset="0"/>
               </a:rPr>
@@ -5864,10 +6338,10 @@
               <a:tabLst/>
               <a:defRPr/>
             </a:pPr>
-            <a:endParaRPr lang="en-NZ" dirty="0"/>
-          </a:p>
-          <a:p>
-            <a:endParaRPr lang="en-NZ" dirty="0"/>
+            <a:endParaRPr lang="en-NZ"/>
+          </a:p>
+          <a:p>
+            <a:endParaRPr lang="en-NZ"/>
           </a:p>
         </p:txBody>
       </p:sp>
@@ -6112,7 +6586,7 @@
               <a:defRPr/>
             </a:pPr>
             <a:r>
-              <a:rPr lang="en-NZ" dirty="0"/>
+              <a:rPr lang="en-NZ"/>
               <a:t>Additional rows can be added by clicking in the last cell and then using the Tab key </a:t>
             </a:r>
           </a:p>
@@ -6126,7 +6600,7 @@
               </a:spcAft>
               <a:buNone/>
             </a:pPr>
-            <a:endParaRPr dirty="0"/>
+            <a:endParaRPr/>
           </a:p>
         </p:txBody>
       </p:sp>
@@ -6239,7 +6713,7 @@
               <a:defRPr/>
             </a:pPr>
             <a:r>
-              <a:rPr lang="en-NZ" dirty="0"/>
+              <a:rPr lang="en-NZ"/>
               <a:t>Additional rows can be added by clicking in the last cell and then using the Tab key </a:t>
             </a:r>
           </a:p>
@@ -6253,7 +6727,7 @@
               </a:spcAft>
               <a:buNone/>
             </a:pPr>
-            <a:endParaRPr dirty="0"/>
+            <a:endParaRPr/>
           </a:p>
         </p:txBody>
       </p:sp>
@@ -6371,7 +6845,7 @@
               <a:defRPr/>
             </a:pPr>
             <a:r>
-              <a:rPr lang="en-NZ" dirty="0"/>
+              <a:rPr lang="en-NZ"/>
               <a:t>Additional rows can be added by clicking in the last cell and then using the Tab key </a:t>
             </a:r>
           </a:p>
@@ -6385,7 +6859,7 @@
               </a:spcAft>
               <a:buNone/>
             </a:pPr>
-            <a:endParaRPr dirty="0"/>
+            <a:endParaRPr/>
           </a:p>
         </p:txBody>
       </p:sp>
@@ -6503,7 +6977,7 @@
               <a:defRPr/>
             </a:pPr>
             <a:r>
-              <a:rPr lang="en-NZ" dirty="0"/>
+              <a:rPr lang="en-NZ"/>
               <a:t>Additional rows can be added by clicking in the last cell and then using the Tab key </a:t>
             </a:r>
           </a:p>
@@ -6517,7 +6991,7 @@
               </a:spcAft>
               <a:buNone/>
             </a:pPr>
-            <a:endParaRPr dirty="0"/>
+            <a:endParaRPr/>
           </a:p>
         </p:txBody>
       </p:sp>
@@ -6635,7 +7109,7 @@
               <a:defRPr/>
             </a:pPr>
             <a:r>
-              <a:rPr lang="en-NZ" dirty="0"/>
+              <a:rPr lang="en-NZ"/>
               <a:t>Additional rows can be added by clicking in the last cell and then using the Tab key </a:t>
             </a:r>
           </a:p>
@@ -6649,7 +7123,7 @@
               </a:spcAft>
               <a:buNone/>
             </a:pPr>
-            <a:endParaRPr dirty="0"/>
+            <a:endParaRPr/>
           </a:p>
         </p:txBody>
       </p:sp>
@@ -6815,9 +7289,9 @@
           <a:p>
             <a:fld id="{9C4A4F43-1C06-40E6-8F87-8B286982E50E}" type="datetimeFigureOut">
               <a:rPr lang="en-NZ" smtClean="0"/>
-              <a:t>2/05/2022</a:t>
+              <a:t>4/05/2022</a:t>
             </a:fld>
-            <a:endParaRPr lang="en-NZ" dirty="0"/>
+            <a:endParaRPr lang="en-NZ"/>
           </a:p>
         </p:txBody>
       </p:sp>
@@ -6842,7 +7316,7 @@
           <a:bodyPr/>
           <a:lstStyle/>
           <a:p>
-            <a:endParaRPr lang="en-NZ" dirty="0"/>
+            <a:endParaRPr lang="en-NZ"/>
           </a:p>
         </p:txBody>
       </p:sp>
@@ -6871,7 +7345,7 @@
               <a:rPr lang="en-NZ" smtClean="0"/>
               <a:t>‹#›</a:t>
             </a:fld>
-            <a:endParaRPr lang="en-NZ" dirty="0"/>
+            <a:endParaRPr lang="en-NZ"/>
           </a:p>
         </p:txBody>
       </p:sp>
@@ -7015,9 +7489,9 @@
           <a:p>
             <a:fld id="{9C4A4F43-1C06-40E6-8F87-8B286982E50E}" type="datetimeFigureOut">
               <a:rPr lang="en-NZ" smtClean="0"/>
-              <a:t>2/05/2022</a:t>
+              <a:t>4/05/2022</a:t>
             </a:fld>
-            <a:endParaRPr lang="en-NZ" dirty="0"/>
+            <a:endParaRPr lang="en-NZ"/>
           </a:p>
         </p:txBody>
       </p:sp>
@@ -7042,7 +7516,7 @@
           <a:bodyPr/>
           <a:lstStyle/>
           <a:p>
-            <a:endParaRPr lang="en-NZ" dirty="0"/>
+            <a:endParaRPr lang="en-NZ"/>
           </a:p>
         </p:txBody>
       </p:sp>
@@ -7071,7 +7545,7 @@
               <a:rPr lang="en-NZ" smtClean="0"/>
               <a:t>‹#›</a:t>
             </a:fld>
-            <a:endParaRPr lang="en-NZ" dirty="0"/>
+            <a:endParaRPr lang="en-NZ"/>
           </a:p>
         </p:txBody>
       </p:sp>
@@ -7225,9 +7699,9 @@
           <a:p>
             <a:fld id="{9C4A4F43-1C06-40E6-8F87-8B286982E50E}" type="datetimeFigureOut">
               <a:rPr lang="en-NZ" smtClean="0"/>
-              <a:t>2/05/2022</a:t>
+              <a:t>4/05/2022</a:t>
             </a:fld>
-            <a:endParaRPr lang="en-NZ" dirty="0"/>
+            <a:endParaRPr lang="en-NZ"/>
           </a:p>
         </p:txBody>
       </p:sp>
@@ -7252,7 +7726,7 @@
           <a:bodyPr/>
           <a:lstStyle/>
           <a:p>
-            <a:endParaRPr lang="en-NZ" dirty="0"/>
+            <a:endParaRPr lang="en-NZ"/>
           </a:p>
         </p:txBody>
       </p:sp>
@@ -7281,7 +7755,7 @@
               <a:rPr lang="en-NZ" smtClean="0"/>
               <a:t>‹#›</a:t>
             </a:fld>
-            <a:endParaRPr lang="en-NZ" dirty="0"/>
+            <a:endParaRPr lang="en-NZ"/>
           </a:p>
         </p:txBody>
       </p:sp>
@@ -7784,9 +8258,9 @@
           <a:p>
             <a:fld id="{9C4A4F43-1C06-40E6-8F87-8B286982E50E}" type="datetimeFigureOut">
               <a:rPr lang="en-NZ" smtClean="0"/>
-              <a:t>2/05/2022</a:t>
+              <a:t>4/05/2022</a:t>
             </a:fld>
-            <a:endParaRPr lang="en-NZ" dirty="0"/>
+            <a:endParaRPr lang="en-NZ"/>
           </a:p>
         </p:txBody>
       </p:sp>
@@ -7811,7 +8285,7 @@
           <a:bodyPr/>
           <a:lstStyle/>
           <a:p>
-            <a:endParaRPr lang="en-NZ" dirty="0"/>
+            <a:endParaRPr lang="en-NZ"/>
           </a:p>
         </p:txBody>
       </p:sp>
@@ -7840,7 +8314,7 @@
               <a:rPr lang="en-NZ" smtClean="0"/>
               <a:t>‹#›</a:t>
             </a:fld>
-            <a:endParaRPr lang="en-NZ" dirty="0"/>
+            <a:endParaRPr lang="en-NZ"/>
           </a:p>
         </p:txBody>
       </p:sp>
@@ -8060,9 +8534,9 @@
           <a:p>
             <a:fld id="{9C4A4F43-1C06-40E6-8F87-8B286982E50E}" type="datetimeFigureOut">
               <a:rPr lang="en-NZ" smtClean="0"/>
-              <a:t>2/05/2022</a:t>
+              <a:t>4/05/2022</a:t>
             </a:fld>
-            <a:endParaRPr lang="en-NZ" dirty="0"/>
+            <a:endParaRPr lang="en-NZ"/>
           </a:p>
         </p:txBody>
       </p:sp>
@@ -8087,7 +8561,7 @@
           <a:bodyPr/>
           <a:lstStyle/>
           <a:p>
-            <a:endParaRPr lang="en-NZ" dirty="0"/>
+            <a:endParaRPr lang="en-NZ"/>
           </a:p>
         </p:txBody>
       </p:sp>
@@ -8116,7 +8590,7 @@
               <a:rPr lang="en-NZ" smtClean="0"/>
               <a:t>‹#›</a:t>
             </a:fld>
-            <a:endParaRPr lang="en-NZ" dirty="0"/>
+            <a:endParaRPr lang="en-NZ"/>
           </a:p>
         </p:txBody>
       </p:sp>
@@ -8328,9 +8802,9 @@
           <a:p>
             <a:fld id="{9C4A4F43-1C06-40E6-8F87-8B286982E50E}" type="datetimeFigureOut">
               <a:rPr lang="en-NZ" smtClean="0"/>
-              <a:t>2/05/2022</a:t>
+              <a:t>4/05/2022</a:t>
             </a:fld>
-            <a:endParaRPr lang="en-NZ" dirty="0"/>
+            <a:endParaRPr lang="en-NZ"/>
           </a:p>
         </p:txBody>
       </p:sp>
@@ -8355,7 +8829,7 @@
           <a:bodyPr/>
           <a:lstStyle/>
           <a:p>
-            <a:endParaRPr lang="en-NZ" dirty="0"/>
+            <a:endParaRPr lang="en-NZ"/>
           </a:p>
         </p:txBody>
       </p:sp>
@@ -8384,7 +8858,7 @@
               <a:rPr lang="en-NZ" smtClean="0"/>
               <a:t>‹#›</a:t>
             </a:fld>
-            <a:endParaRPr lang="en-NZ" dirty="0"/>
+            <a:endParaRPr lang="en-NZ"/>
           </a:p>
         </p:txBody>
       </p:sp>
@@ -8743,9 +9217,9 @@
           <a:p>
             <a:fld id="{9C4A4F43-1C06-40E6-8F87-8B286982E50E}" type="datetimeFigureOut">
               <a:rPr lang="en-NZ" smtClean="0"/>
-              <a:t>2/05/2022</a:t>
+              <a:t>4/05/2022</a:t>
             </a:fld>
-            <a:endParaRPr lang="en-NZ" dirty="0"/>
+            <a:endParaRPr lang="en-NZ"/>
           </a:p>
         </p:txBody>
       </p:sp>
@@ -8770,7 +9244,7 @@
           <a:bodyPr/>
           <a:lstStyle/>
           <a:p>
-            <a:endParaRPr lang="en-NZ" dirty="0"/>
+            <a:endParaRPr lang="en-NZ"/>
           </a:p>
         </p:txBody>
       </p:sp>
@@ -8799,7 +9273,7 @@
               <a:rPr lang="en-NZ" smtClean="0"/>
               <a:t>‹#›</a:t>
             </a:fld>
-            <a:endParaRPr lang="en-NZ" dirty="0"/>
+            <a:endParaRPr lang="en-NZ"/>
           </a:p>
         </p:txBody>
       </p:sp>
@@ -8885,9 +9359,9 @@
           <a:p>
             <a:fld id="{9C4A4F43-1C06-40E6-8F87-8B286982E50E}" type="datetimeFigureOut">
               <a:rPr lang="en-NZ" smtClean="0"/>
-              <a:t>2/05/2022</a:t>
+              <a:t>4/05/2022</a:t>
             </a:fld>
-            <a:endParaRPr lang="en-NZ" dirty="0"/>
+            <a:endParaRPr lang="en-NZ"/>
           </a:p>
         </p:txBody>
       </p:sp>
@@ -8912,7 +9386,7 @@
           <a:bodyPr/>
           <a:lstStyle/>
           <a:p>
-            <a:endParaRPr lang="en-NZ" dirty="0"/>
+            <a:endParaRPr lang="en-NZ"/>
           </a:p>
         </p:txBody>
       </p:sp>
@@ -8941,7 +9415,7 @@
               <a:rPr lang="en-NZ" smtClean="0"/>
               <a:t>‹#›</a:t>
             </a:fld>
-            <a:endParaRPr lang="en-NZ" dirty="0"/>
+            <a:endParaRPr lang="en-NZ"/>
           </a:p>
         </p:txBody>
       </p:sp>
@@ -8998,9 +9472,9 @@
           <a:p>
             <a:fld id="{9C4A4F43-1C06-40E6-8F87-8B286982E50E}" type="datetimeFigureOut">
               <a:rPr lang="en-NZ" smtClean="0"/>
-              <a:t>2/05/2022</a:t>
+              <a:t>4/05/2022</a:t>
             </a:fld>
-            <a:endParaRPr lang="en-NZ" dirty="0"/>
+            <a:endParaRPr lang="en-NZ"/>
           </a:p>
         </p:txBody>
       </p:sp>
@@ -9025,7 +9499,7 @@
           <a:bodyPr/>
           <a:lstStyle/>
           <a:p>
-            <a:endParaRPr lang="en-NZ" dirty="0"/>
+            <a:endParaRPr lang="en-NZ"/>
           </a:p>
         </p:txBody>
       </p:sp>
@@ -9054,7 +9528,7 @@
               <a:rPr lang="en-NZ" smtClean="0"/>
               <a:t>‹#›</a:t>
             </a:fld>
-            <a:endParaRPr lang="en-NZ" dirty="0"/>
+            <a:endParaRPr lang="en-NZ"/>
           </a:p>
         </p:txBody>
       </p:sp>
@@ -9311,9 +9785,9 @@
           <a:p>
             <a:fld id="{9C4A4F43-1C06-40E6-8F87-8B286982E50E}" type="datetimeFigureOut">
               <a:rPr lang="en-NZ" smtClean="0"/>
-              <a:t>2/05/2022</a:t>
+              <a:t>4/05/2022</a:t>
             </a:fld>
-            <a:endParaRPr lang="en-NZ" dirty="0"/>
+            <a:endParaRPr lang="en-NZ"/>
           </a:p>
         </p:txBody>
       </p:sp>
@@ -9338,7 +9812,7 @@
           <a:bodyPr/>
           <a:lstStyle/>
           <a:p>
-            <a:endParaRPr lang="en-NZ" dirty="0"/>
+            <a:endParaRPr lang="en-NZ"/>
           </a:p>
         </p:txBody>
       </p:sp>
@@ -9367,7 +9841,7 @@
               <a:rPr lang="en-NZ" smtClean="0"/>
               <a:t>‹#›</a:t>
             </a:fld>
-            <a:endParaRPr lang="en-NZ" dirty="0"/>
+            <a:endParaRPr lang="en-NZ"/>
           </a:p>
         </p:txBody>
       </p:sp>
@@ -9502,7 +9976,7 @@
             </a:lvl9pPr>
           </a:lstStyle>
           <a:p>
-            <a:endParaRPr lang="en-NZ" dirty="0"/>
+            <a:endParaRPr lang="en-NZ"/>
           </a:p>
         </p:txBody>
       </p:sp>
@@ -9600,9 +10074,9 @@
           <a:p>
             <a:fld id="{9C4A4F43-1C06-40E6-8F87-8B286982E50E}" type="datetimeFigureOut">
               <a:rPr lang="en-NZ" smtClean="0"/>
-              <a:t>2/05/2022</a:t>
+              <a:t>4/05/2022</a:t>
             </a:fld>
-            <a:endParaRPr lang="en-NZ" dirty="0"/>
+            <a:endParaRPr lang="en-NZ"/>
           </a:p>
         </p:txBody>
       </p:sp>
@@ -9627,7 +10101,7 @@
           <a:bodyPr/>
           <a:lstStyle/>
           <a:p>
-            <a:endParaRPr lang="en-NZ" dirty="0"/>
+            <a:endParaRPr lang="en-NZ"/>
           </a:p>
         </p:txBody>
       </p:sp>
@@ -9656,7 +10130,7 @@
               <a:rPr lang="en-NZ" smtClean="0"/>
               <a:t>‹#›</a:t>
             </a:fld>
-            <a:endParaRPr lang="en-NZ" dirty="0"/>
+            <a:endParaRPr lang="en-NZ"/>
           </a:p>
         </p:txBody>
       </p:sp>
@@ -9843,9 +10317,9 @@
           <a:p>
             <a:fld id="{9C4A4F43-1C06-40E6-8F87-8B286982E50E}" type="datetimeFigureOut">
               <a:rPr lang="en-NZ" smtClean="0"/>
-              <a:t>2/05/2022</a:t>
+              <a:t>4/05/2022</a:t>
             </a:fld>
-            <a:endParaRPr lang="en-NZ" dirty="0"/>
+            <a:endParaRPr lang="en-NZ"/>
           </a:p>
         </p:txBody>
       </p:sp>
@@ -9888,7 +10362,7 @@
             </a:lvl1pPr>
           </a:lstStyle>
           <a:p>
-            <a:endParaRPr lang="en-NZ" dirty="0"/>
+            <a:endParaRPr lang="en-NZ"/>
           </a:p>
         </p:txBody>
       </p:sp>
@@ -9935,7 +10409,7 @@
               <a:rPr lang="en-NZ" smtClean="0"/>
               <a:t>‹#›</a:t>
             </a:fld>
-            <a:endParaRPr lang="en-NZ" dirty="0"/>
+            <a:endParaRPr lang="en-NZ"/>
           </a:p>
         </p:txBody>
       </p:sp>
@@ -10422,7 +10896,7 @@
           <a:p>
             <a:pPr algn="l"/>
             <a:r>
-              <a:rPr lang="en-NZ" sz="4000" dirty="0">
+              <a:rPr lang="en-NZ" sz="4000">
                 <a:solidFill>
                   <a:schemeClr val="tx2"/>
                 </a:solidFill>
@@ -11215,7 +11689,7 @@
             <a:lstStyle/>
             <a:p>
               <a:pPr algn="ctr"/>
-              <a:endParaRPr lang="en-US" dirty="0"/>
+              <a:endParaRPr lang="en-US"/>
             </a:p>
           </p:txBody>
         </p:sp>
@@ -11908,7 +12382,7 @@
             <a:lstStyle/>
             <a:p>
               <a:pPr algn="ctr"/>
-              <a:endParaRPr lang="en-US" dirty="0"/>
+              <a:endParaRPr lang="en-US"/>
             </a:p>
           </p:txBody>
         </p:sp>
@@ -12601,7 +13075,7 @@
             <a:lstStyle/>
             <a:p>
               <a:pPr algn="ctr"/>
-              <a:endParaRPr lang="en-US" dirty="0"/>
+              <a:endParaRPr lang="en-US"/>
             </a:p>
           </p:txBody>
         </p:sp>
@@ -12662,10 +13136,10 @@
           <a:lstStyle/>
           <a:p>
             <a:r>
-              <a:rPr lang="en" sz="4000" dirty="0"/>
+              <a:rPr lang="en" sz="4000"/>
               <a:t>Instructions - Test Plan</a:t>
             </a:r>
-            <a:endParaRPr sz="4000" dirty="0"/>
+            <a:endParaRPr sz="4000"/>
           </a:p>
         </p:txBody>
       </p:sp>
@@ -12676,7 +13150,7 @@
           <p:nvPr>
             <p:extLst>
               <p:ext uri="{D42A27DB-BD31-4B8C-83A1-F6EECF244321}">
-                <p14:modId xmlns:p14="http://schemas.microsoft.com/office/powerpoint/2010/main" val="3609824212"/>
+                <p14:modId xmlns:p14="http://schemas.microsoft.com/office/powerpoint/2010/main" val="846236345"/>
               </p:ext>
             </p:extLst>
           </p:nvPr>
@@ -12785,7 +13259,7 @@
                       </a:pPr>
                       <a:r>
                         <a:rPr lang="en-US" sz="2400" dirty="0"/>
-                        <a:t>Have you played before?</a:t>
+                        <a:t>Have you taken this quiz before?</a:t>
                       </a:r>
                     </a:p>
                     <a:p>
@@ -12851,10 +13325,8 @@
                         <a:buNone/>
                       </a:pPr>
                       <a:r>
-                        <a:rPr lang="en-US" sz="2400" b="0" i="0" u="none" strike="noStrike" noProof="0" dirty="0">
-                          <a:latin typeface="Calibri"/>
-                        </a:rPr>
-                        <a:t>Have you played before?</a:t>
+                        <a:rPr lang="en-US" sz="2400" b="0" i="0" u="none" strike="noStrike" noProof="0" dirty="0"/>
+                        <a:t>Have you taken this quiz before?</a:t>
                       </a:r>
                     </a:p>
                     <a:p>
@@ -12896,7 +13368,7 @@
                         <a:rPr lang="en-US" sz="2400" b="0" i="0" u="none" strike="noStrike" noProof="0" dirty="0">
                           <a:latin typeface="Calibri"/>
                         </a:rPr>
-                        <a:t>Game starts</a:t>
+                        <a:t>Quiz starts</a:t>
                       </a:r>
                       <a:endParaRPr dirty="0"/>
                     </a:p>
@@ -12925,10 +13397,8 @@
                         <a:buNone/>
                       </a:pPr>
                       <a:r>
-                        <a:rPr lang="en-US" sz="2400" b="0" i="0" u="none" strike="noStrike" noProof="0" dirty="0">
-                          <a:latin typeface="Calibri"/>
-                        </a:rPr>
-                        <a:t>Have you played before?</a:t>
+                        <a:rPr lang="en-US" sz="2400" b="0" i="0" u="none" strike="noStrike" noProof="0" dirty="0"/>
+                        <a:t>Have you taken this quiz before?</a:t>
                       </a:r>
                     </a:p>
                     <a:p>
@@ -12970,7 +13440,7 @@
                         <a:rPr lang="en-US" sz="2400" b="0" i="0" u="none" strike="noStrike" noProof="0" dirty="0">
                           <a:latin typeface="Calibri"/>
                         </a:rPr>
-                        <a:t>Show instructions, then start game</a:t>
+                        <a:t>Show instructions, then start quiz</a:t>
                       </a:r>
                       <a:endParaRPr dirty="0"/>
                     </a:p>
@@ -13017,6 +13487,66 @@
           <a:chExt cx="0" cy="0"/>
         </a:xfrm>
       </p:grpSpPr>
+      <p:pic>
+        <p:nvPicPr>
+          <p:cNvPr id="25" name="Picture 25" descr="Graphical user interface, text&#10;&#10;Description automatically generated">
+            <a:extLst>
+              <a:ext uri="{FF2B5EF4-FFF2-40B4-BE49-F238E27FC236}">
+                <a16:creationId xmlns:a16="http://schemas.microsoft.com/office/drawing/2014/main" id="{5B77AB6A-DB68-B7C8-9464-470AA11FD2FA}"/>
+              </a:ext>
+            </a:extLst>
+          </p:cNvPr>
+          <p:cNvPicPr>
+            <a:picLocks noChangeAspect="1"/>
+          </p:cNvPicPr>
+          <p:nvPr/>
+        </p:nvPicPr>
+        <p:blipFill>
+          <a:blip r:embed="rId3"/>
+          <a:stretch>
+            <a:fillRect/>
+          </a:stretch>
+        </p:blipFill>
+        <p:spPr>
+          <a:xfrm>
+            <a:off x="8839200" y="3474366"/>
+            <a:ext cx="2956560" cy="1931109"/>
+          </a:xfrm>
+          <a:prstGeom prst="rect">
+            <a:avLst/>
+          </a:prstGeom>
+        </p:spPr>
+      </p:pic>
+      <p:pic>
+        <p:nvPicPr>
+          <p:cNvPr id="24" name="Picture 24" descr="Graphical user interface, text&#10;&#10;Description automatically generated">
+            <a:extLst>
+              <a:ext uri="{FF2B5EF4-FFF2-40B4-BE49-F238E27FC236}">
+                <a16:creationId xmlns:a16="http://schemas.microsoft.com/office/drawing/2014/main" id="{A5674F0D-17A3-9C38-AF46-C03ECE3FC649}"/>
+              </a:ext>
+            </a:extLst>
+          </p:cNvPr>
+          <p:cNvPicPr>
+            <a:picLocks noChangeAspect="1"/>
+          </p:cNvPicPr>
+          <p:nvPr/>
+        </p:nvPicPr>
+        <p:blipFill>
+          <a:blip r:embed="rId4"/>
+          <a:stretch>
+            <a:fillRect/>
+          </a:stretch>
+        </p:blipFill>
+        <p:spPr>
+          <a:xfrm>
+            <a:off x="8544560" y="1817889"/>
+            <a:ext cx="3535680" cy="1586461"/>
+          </a:xfrm>
+          <a:prstGeom prst="rect">
+            <a:avLst/>
+          </a:prstGeom>
+        </p:spPr>
+      </p:pic>
       <p:sp>
         <p:nvSpPr>
           <p:cNvPr id="91" name="Google Shape;91;p19"/>
@@ -13043,10 +13573,10 @@
           <a:lstStyle/>
           <a:p>
             <a:r>
-              <a:rPr lang="en" sz="4000" dirty="0"/>
+              <a:rPr lang="en" sz="4000"/>
               <a:t>Instructions (with yes/no checker) Trialing</a:t>
             </a:r>
-            <a:endParaRPr sz="4000" dirty="0"/>
+            <a:endParaRPr sz="4000"/>
           </a:p>
         </p:txBody>
       </p:sp>
@@ -13057,14 +13587,14 @@
           <p:nvPr>
             <p:extLst>
               <p:ext uri="{D42A27DB-BD31-4B8C-83A1-F6EECF244321}">
-                <p14:modId xmlns:p14="http://schemas.microsoft.com/office/powerpoint/2010/main" val="2520983609"/>
+                <p14:modId xmlns:p14="http://schemas.microsoft.com/office/powerpoint/2010/main" val="3621322058"/>
               </p:ext>
             </p:extLst>
           </p:nvPr>
         </p:nvGraphicFramePr>
         <p:xfrm>
-          <a:off x="515470" y="1636058"/>
-          <a:ext cx="7797286" cy="3619498"/>
+          <a:off x="254000" y="1635760"/>
+          <a:ext cx="8051541" cy="3619498"/>
         </p:xfrm>
         <a:graphic>
           <a:graphicData uri="http://schemas.openxmlformats.org/drawingml/2006/table">
@@ -13073,14 +13603,14 @@
                 <a:noFill/>
               </a:tblPr>
               <a:tblGrid>
-                <a:gridCol w="3898643">
+                <a:gridCol w="4521200">
                   <a:extLst>
                     <a:ext uri="{9D8B030D-6E8A-4147-A177-3AD203B41FA5}">
                       <a16:colId xmlns:a16="http://schemas.microsoft.com/office/drawing/2014/main" val="20000"/>
                     </a:ext>
                   </a:extLst>
                 </a:gridCol>
-                <a:gridCol w="3898643">
+                <a:gridCol w="3530341">
                   <a:extLst>
                     <a:ext uri="{9D8B030D-6E8A-4147-A177-3AD203B41FA5}">
                       <a16:colId xmlns:a16="http://schemas.microsoft.com/office/drawing/2014/main" val="20001"/>
@@ -13166,7 +13696,7 @@
                       </a:pPr>
                       <a:r>
                         <a:rPr lang="en-US" sz="2400" dirty="0"/>
-                        <a:t>Have you played before?</a:t>
+                        <a:t>Have you taken this quiz before?</a:t>
                       </a:r>
                     </a:p>
                     <a:p>
@@ -13222,7 +13752,10 @@
                     <a:bodyPr/>
                     <a:lstStyle/>
                     <a:p>
-                      <a:pPr marL="0" lvl="0" indent="0" algn="l">
+                      <a:pPr lvl="0" algn="l">
+                        <a:lnSpc>
+                          <a:spcPct val="100000"/>
+                        </a:lnSpc>
                         <a:spcBef>
                           <a:spcPts val="0"/>
                         </a:spcBef>
@@ -13232,10 +13765,8 @@
                         <a:buNone/>
                       </a:pPr>
                       <a:r>
-                        <a:rPr lang="en-US" sz="2400" b="0" i="0" u="none" strike="noStrike" noProof="0" dirty="0">
-                          <a:latin typeface="Calibri"/>
-                        </a:rPr>
-                        <a:t>Have you played before?</a:t>
+                        <a:rPr lang="en-US" sz="2400" b="0" i="0" u="none" strike="noStrike" noProof="0" dirty="0"/>
+                        <a:t>Have you taken this quiz before?</a:t>
                       </a:r>
                     </a:p>
                     <a:p>
@@ -13296,7 +13827,10 @@
                     <a:bodyPr/>
                     <a:lstStyle/>
                     <a:p>
-                      <a:pPr marL="0" lvl="0" indent="0" algn="l">
+                      <a:pPr lvl="0" algn="l">
+                        <a:lnSpc>
+                          <a:spcPct val="100000"/>
+                        </a:lnSpc>
                         <a:spcBef>
                           <a:spcPts val="0"/>
                         </a:spcBef>
@@ -13306,10 +13840,8 @@
                         <a:buNone/>
                       </a:pPr>
                       <a:r>
-                        <a:rPr lang="en-US" sz="2400" b="0" i="0" u="none" strike="noStrike" noProof="0" dirty="0">
-                          <a:latin typeface="Calibri"/>
-                        </a:rPr>
-                        <a:t>Have you played before?</a:t>
+                        <a:rPr lang="en-US" sz="2400" b="0" i="0" u="none" strike="noStrike" noProof="0" dirty="0"/>
+                        <a:t>Have you taken this quiz before?</a:t>
                       </a:r>
                     </a:p>
                     <a:p>
@@ -13368,66 +13900,6 @@
           </a:graphicData>
         </a:graphic>
       </p:graphicFrame>
-      <p:pic>
-        <p:nvPicPr>
-          <p:cNvPr id="2" name="Picture 2" descr="Graphical user interface, text, application&#10;&#10;Description automatically generated">
-            <a:extLst>
-              <a:ext uri="{FF2B5EF4-FFF2-40B4-BE49-F238E27FC236}">
-                <a16:creationId xmlns:a16="http://schemas.microsoft.com/office/drawing/2014/main" id="{E234CF7E-755D-A7C1-222C-9E7262D0F15C}"/>
-              </a:ext>
-            </a:extLst>
-          </p:cNvPr>
-          <p:cNvPicPr>
-            <a:picLocks noChangeAspect="1"/>
-          </p:cNvPicPr>
-          <p:nvPr/>
-        </p:nvPicPr>
-        <p:blipFill>
-          <a:blip r:embed="rId3"/>
-          <a:stretch>
-            <a:fillRect/>
-          </a:stretch>
-        </p:blipFill>
-        <p:spPr>
-          <a:xfrm>
-            <a:off x="8433547" y="1803431"/>
-            <a:ext cx="3583641" cy="1144431"/>
-          </a:xfrm>
-          <a:prstGeom prst="rect">
-            <a:avLst/>
-          </a:prstGeom>
-        </p:spPr>
-      </p:pic>
-      <p:pic>
-        <p:nvPicPr>
-          <p:cNvPr id="3" name="Picture 3" descr="Text&#10;&#10;Description automatically generated">
-            <a:extLst>
-              <a:ext uri="{FF2B5EF4-FFF2-40B4-BE49-F238E27FC236}">
-                <a16:creationId xmlns:a16="http://schemas.microsoft.com/office/drawing/2014/main" id="{3E21A60A-1E62-9B76-5D91-CDCC9DCF57CB}"/>
-              </a:ext>
-            </a:extLst>
-          </p:cNvPr>
-          <p:cNvPicPr>
-            <a:picLocks noChangeAspect="1"/>
-          </p:cNvPicPr>
-          <p:nvPr/>
-        </p:nvPicPr>
-        <p:blipFill>
-          <a:blip r:embed="rId4"/>
-          <a:stretch>
-            <a:fillRect/>
-          </a:stretch>
-        </p:blipFill>
-        <p:spPr>
-          <a:xfrm>
-            <a:off x="8433547" y="3424622"/>
-            <a:ext cx="3583641" cy="1454316"/>
-          </a:xfrm>
-          <a:prstGeom prst="rect">
-            <a:avLst/>
-          </a:prstGeom>
-        </p:spPr>
-      </p:pic>
       <p:sp>
         <p:nvSpPr>
           <p:cNvPr id="6" name="Rectangle 5">
@@ -13442,8 +13914,8 @@
         </p:nvSpPr>
         <p:spPr>
           <a:xfrm>
-            <a:off x="584947" y="2344271"/>
-            <a:ext cx="3350557" cy="829235"/>
+            <a:off x="330947" y="2344271"/>
+            <a:ext cx="4061757" cy="829235"/>
           </a:xfrm>
           <a:prstGeom prst="rect">
             <a:avLst/>
@@ -13593,8 +14065,8 @@
         </p:nvSpPr>
         <p:spPr>
           <a:xfrm>
-            <a:off x="4484594" y="2344270"/>
-            <a:ext cx="3350557" cy="537883"/>
+            <a:off x="4748754" y="2344270"/>
+            <a:ext cx="3513117" cy="548043"/>
           </a:xfrm>
           <a:prstGeom prst="rect">
             <a:avLst/>
@@ -13894,9 +14366,9 @@
           <p:nvPr/>
         </p:nvCxnSpPr>
         <p:spPr>
-          <a:xfrm flipV="1">
-            <a:off x="3946711" y="2669242"/>
-            <a:ext cx="526677" cy="156881"/>
+          <a:xfrm flipH="1">
+            <a:off x="4463228" y="2572123"/>
+            <a:ext cx="265803" cy="86959"/>
           </a:xfrm>
           <a:prstGeom prst="straightConnector1">
             <a:avLst/>
@@ -13938,8 +14410,8 @@
         </p:nvCxnSpPr>
         <p:spPr>
           <a:xfrm flipV="1">
-            <a:off x="7857563" y="2209801"/>
-            <a:ext cx="851648" cy="414616"/>
+            <a:off x="8274123" y="2219961"/>
+            <a:ext cx="414768" cy="384136"/>
           </a:xfrm>
           <a:prstGeom prst="straightConnector1">
             <a:avLst/>
@@ -13979,8 +14451,8 @@
         </p:nvSpPr>
         <p:spPr>
           <a:xfrm>
-            <a:off x="528917" y="3341594"/>
-            <a:ext cx="3350557" cy="829235"/>
+            <a:off x="335877" y="3341594"/>
+            <a:ext cx="4051597" cy="808915"/>
           </a:xfrm>
           <a:prstGeom prst="rect">
             <a:avLst/>
@@ -14130,8 +14602,8 @@
         </p:nvSpPr>
         <p:spPr>
           <a:xfrm>
-            <a:off x="4428564" y="3341593"/>
-            <a:ext cx="3350557" cy="537883"/>
+            <a:off x="4743524" y="3331433"/>
+            <a:ext cx="3066077" cy="517563"/>
           </a:xfrm>
           <a:prstGeom prst="rect">
             <a:avLst/>
@@ -14433,9 +14905,9 @@
           <p:nvPr/>
         </p:nvCxnSpPr>
         <p:spPr>
-          <a:xfrm flipV="1">
-            <a:off x="3890681" y="3666565"/>
-            <a:ext cx="526677" cy="156881"/>
+          <a:xfrm flipH="1">
+            <a:off x="4417358" y="3569446"/>
+            <a:ext cx="296283" cy="86959"/>
           </a:xfrm>
           <a:prstGeom prst="straightConnector1">
             <a:avLst/>
@@ -14518,8 +14990,8 @@
         </p:nvSpPr>
         <p:spPr>
           <a:xfrm>
-            <a:off x="562534" y="4350123"/>
-            <a:ext cx="3350557" cy="829235"/>
+            <a:off x="339014" y="4329803"/>
+            <a:ext cx="4122717" cy="849555"/>
           </a:xfrm>
           <a:prstGeom prst="rect">
             <a:avLst/>
@@ -14669,8 +15141,8 @@
         </p:nvSpPr>
         <p:spPr>
           <a:xfrm>
-            <a:off x="4462181" y="4350122"/>
-            <a:ext cx="3809997" cy="829235"/>
+            <a:off x="4838101" y="4329802"/>
+            <a:ext cx="3444237" cy="849555"/>
           </a:xfrm>
           <a:prstGeom prst="rect">
             <a:avLst/>
@@ -14820,8 +15292,8 @@
         </p:nvSpPr>
         <p:spPr>
           <a:xfrm>
-            <a:off x="8731621" y="3420034"/>
-            <a:ext cx="3350557" cy="1445558"/>
+            <a:off x="8823061" y="3409874"/>
+            <a:ext cx="3127037" cy="1811318"/>
           </a:xfrm>
           <a:prstGeom prst="rect">
             <a:avLst/>
@@ -14972,9 +15444,9 @@
           <p:nvPr/>
         </p:nvCxnSpPr>
         <p:spPr>
-          <a:xfrm flipV="1">
-            <a:off x="3924298" y="4675094"/>
-            <a:ext cx="526677" cy="156881"/>
+          <a:xfrm flipH="1" flipV="1">
+            <a:off x="4450975" y="4675094"/>
+            <a:ext cx="367403" cy="65441"/>
           </a:xfrm>
           <a:prstGeom prst="straightConnector1">
             <a:avLst/>
@@ -15016,8 +15488,8 @@
         </p:nvCxnSpPr>
         <p:spPr>
           <a:xfrm flipV="1">
-            <a:off x="8260973" y="4238064"/>
-            <a:ext cx="437030" cy="291353"/>
+            <a:off x="8260973" y="4197424"/>
+            <a:ext cx="599590" cy="331993"/>
           </a:xfrm>
           <a:prstGeom prst="straightConnector1">
             <a:avLst/>
@@ -15075,10 +15547,10 @@
           <a:lstStyle/>
           <a:p>
             <a:r>
-              <a:rPr lang="en-GB" dirty="0"/>
+              <a:rPr lang="en-GB"/>
               <a:t>All tests worked as expected</a:t>
             </a:r>
-            <a:endParaRPr lang="en-US" dirty="0"/>
+            <a:endParaRPr lang="en-US"/>
           </a:p>
         </p:txBody>
       </p:sp>
@@ -15139,18 +15611,96 @@
           <a:p>
             <a:r>
               <a:rPr lang="en" sz="4000" dirty="0"/>
-              <a:t>Component 2 (How much)</a:t>
+              <a:t>Component 2 – Ask questions/ Check answer</a:t>
             </a:r>
             <a:endParaRPr sz="4000" dirty="0"/>
+          </a:p>
+        </p:txBody>
+      </p:sp>
+      <p:sp>
+        <p:nvSpPr>
+          <p:cNvPr id="2" name="TextBox 1">
+            <a:extLst>
+              <a:ext uri="{FF2B5EF4-FFF2-40B4-BE49-F238E27FC236}">
+                <a16:creationId xmlns:a16="http://schemas.microsoft.com/office/drawing/2014/main" id="{A049592B-FA6B-6741-CAF5-FDA005492C6B}"/>
+              </a:ext>
+            </a:extLst>
+          </p:cNvPr>
+          <p:cNvSpPr txBox="1"/>
+          <p:nvPr/>
+        </p:nvSpPr>
+        <p:spPr>
+          <a:xfrm>
+            <a:off x="2519680" y="1971040"/>
+            <a:ext cx="2743200" cy="3416320"/>
+          </a:xfrm>
+          <a:prstGeom prst="rect">
+            <a:avLst/>
+          </a:prstGeom>
+          <a:noFill/>
+        </p:spPr>
+        <p:txBody>
+          <a:bodyPr rot="0" spcFirstLastPara="0" vertOverflow="overflow" horzOverflow="overflow" vert="horz" wrap="square" lIns="91440" tIns="45720" rIns="91440" bIns="45720" numCol="1" spcCol="0" rtlCol="0" fromWordArt="0" anchor="t" anchorCtr="0" forceAA="0" compatLnSpc="1">
+            <a:prstTxWarp prst="textNoShape">
+              <a:avLst/>
+            </a:prstTxWarp>
+            <a:spAutoFit/>
+          </a:bodyPr>
+          <a:lstStyle/>
+          <a:p>
+            <a:r>
+              <a:rPr lang="en-GB" dirty="0">
+                <a:cs typeface="Calibri"/>
+              </a:rPr>
+              <a:t>Trial 1 of this will be using the </a:t>
+            </a:r>
+            <a:r>
+              <a:rPr lang="en-GB" dirty="0" err="1">
+                <a:cs typeface="Calibri"/>
+              </a:rPr>
+              <a:t>maori</a:t>
+            </a:r>
+            <a:r>
+              <a:rPr lang="en-GB" dirty="0">
+                <a:cs typeface="Calibri"/>
+              </a:rPr>
+              <a:t> name in the list, but putting it twice to allow for lowercase and uppercase.</a:t>
+            </a:r>
+          </a:p>
+          <a:p>
+            <a:endParaRPr lang="en-GB" dirty="0">
+              <a:cs typeface="Calibri"/>
+            </a:endParaRPr>
+          </a:p>
+          <a:p>
+            <a:r>
+              <a:rPr lang="en-GB" dirty="0">
+                <a:cs typeface="Calibri"/>
+              </a:rPr>
+              <a:t>Trial 2 will simply be me putting .lower() at the end.</a:t>
+            </a:r>
+          </a:p>
+          <a:p>
+            <a:endParaRPr lang="en-GB" dirty="0">
+              <a:cs typeface="Calibri"/>
+            </a:endParaRPr>
+          </a:p>
+          <a:p>
+            <a:r>
+              <a:rPr lang="en-GB" dirty="0">
+                <a:cs typeface="Calibri"/>
+              </a:rPr>
+              <a:t>I will choose trial 2 as it is more effective and uses less code.</a:t>
+            </a:r>
           </a:p>
         </p:txBody>
       </p:sp>
       <p:pic>
         <p:nvPicPr>
-          <p:cNvPr id="4" name="Picture 5" descr="Graphical user interface, text, application&#10;&#10;Description automatically generated">
+          <p:cNvPr id="3" name="Picture 3" descr="Graphical user interface, text, application&#10;&#10;Description automatically generated">
             <a:extLst>
               <a:ext uri="{FF2B5EF4-FFF2-40B4-BE49-F238E27FC236}">
-                <a16:creationId xmlns:a16="http://schemas.microsoft.com/office/drawing/2014/main" id="{E5C81E07-4E1E-4823-E30E-0F12B7098C51}"/>
+                <a16:creationId xmlns:a16="http://schemas.microsoft.com/office/drawing/2014/main" id="{5637524A-0934-725D-BFCD-66AF1F36C1B5}"/>
               </a:ext>
             </a:extLst>
           </p:cNvPr>
@@ -15167,8 +15717,8 @@
         </p:blipFill>
         <p:spPr>
           <a:xfrm>
-            <a:off x="2567585" y="1304689"/>
-            <a:ext cx="6294829" cy="5138325"/>
+            <a:off x="6600242" y="1803893"/>
+            <a:ext cx="3588706" cy="3751256"/>
           </a:xfrm>
           <a:prstGeom prst="rect">
             <a:avLst/>
@@ -15232,7 +15782,7 @@
           <a:p>
             <a:r>
               <a:rPr lang="en" sz="4000" dirty="0"/>
-              <a:t>How much- Test Plan</a:t>
+              <a:t>Questions - Test Plan</a:t>
             </a:r>
             <a:endParaRPr sz="4000" dirty="0"/>
           </a:p>
@@ -15245,14 +15795,14 @@
           <p:nvPr>
             <p:extLst>
               <p:ext uri="{D42A27DB-BD31-4B8C-83A1-F6EECF244321}">
-                <p14:modId xmlns:p14="http://schemas.microsoft.com/office/powerpoint/2010/main" val="1108098998"/>
+                <p14:modId xmlns:p14="http://schemas.microsoft.com/office/powerpoint/2010/main" val="1726481824"/>
               </p:ext>
             </p:extLst>
           </p:nvPr>
         </p:nvGraphicFramePr>
         <p:xfrm>
           <a:off x="509967" y="1690300"/>
-          <a:ext cx="11360798" cy="4266920"/>
+          <a:ext cx="11360798" cy="3047800"/>
         </p:xfrm>
         <a:graphic>
           <a:graphicData uri="http://schemas.openxmlformats.org/drawingml/2006/table">
@@ -15353,12 +15903,8 @@
                         <a:buNone/>
                       </a:pPr>
                       <a:r>
-                        <a:rPr lang="en-US" sz="2400" dirty="0"/>
-                        <a:t>xxi </a:t>
-                      </a:r>
-                      <a:r>
-                        <a:rPr lang="en-US" sz="2400" i="1" dirty="0"/>
-                        <a:t>(invalid – string)</a:t>
+                        <a:rPr lang="en-US" sz="2400" dirty="0" err="1"/>
+                        <a:t>tahi</a:t>
                       </a:r>
                     </a:p>
                   </a:txBody>
@@ -15380,7 +15926,7 @@
                       </a:pPr>
                       <a:r>
                         <a:rPr lang="en-US" sz="2400" dirty="0"/>
-                        <a:t>&lt;error&gt; Please enter a whole number between 1 and 10</a:t>
+                        <a:t>Correct</a:t>
                       </a:r>
                       <a:endParaRPr sz="2400" dirty="0"/>
                     </a:p>
@@ -15410,13 +15956,8 @@
                       </a:pPr>
                       <a:r>
                         <a:rPr lang="en-US" sz="2400" dirty="0"/>
-                        <a:t>0.5 </a:t>
+                        <a:t>Tahi</a:t>
                       </a:r>
-                      <a:r>
-                        <a:rPr lang="en-US" sz="2400" i="1" dirty="0"/>
-                        <a:t>(invalid – float)</a:t>
-                      </a:r>
-                      <a:endParaRPr lang="en-US" sz="2400" dirty="0"/>
                     </a:p>
                   </a:txBody>
                   <a:tcPr marL="121899" marR="121899" marT="121899" marB="121899"/>
@@ -15437,9 +15978,9 @@
                       </a:pPr>
                       <a:r>
                         <a:rPr lang="en-US" sz="2400" b="0" i="0" u="none" strike="noStrike" noProof="0" dirty="0"/>
-                        <a:t>&lt;error&gt; Please enter a whole number between 1 and 10</a:t>
+                        <a:t>Correct</a:t>
                       </a:r>
-                      <a:endParaRPr dirty="0"/>
+                      <a:endParaRPr sz="2400" b="0" i="0" u="none" strike="noStrike" noProof="0" dirty="0"/>
                     </a:p>
                   </a:txBody>
                   <a:tcPr marL="121899" marR="121899" marT="121899" marB="121899"/>
@@ -15467,13 +16008,11 @@
                       </a:pPr>
                       <a:r>
                         <a:rPr lang="en-US" sz="2400" dirty="0"/>
-                        <a:t>0 (</a:t>
+                        <a:t>xxii </a:t>
                       </a:r>
                       <a:r>
-                        <a:rPr lang="en-US" sz="2400" b="0" i="1" u="none" strike="noStrike" noProof="0" dirty="0">
-                          <a:latin typeface="Calibri"/>
-                        </a:rPr>
-                        <a:t>invalid – too low)</a:t>
+                        <a:rPr lang="en-US" sz="2400" i="1" dirty="0"/>
+                        <a:t>( incorrect answer)</a:t>
                       </a:r>
                       <a:endParaRPr lang="en-US" sz="2400" dirty="0"/>
                     </a:p>
@@ -15496,9 +16035,9 @@
                       </a:pPr>
                       <a:r>
                         <a:rPr lang="en-US" sz="2400" b="0" i="0" u="none" strike="noStrike" noProof="0" dirty="0"/>
-                        <a:t>&lt;error&gt; Please enter a whole number between 1 and 10</a:t>
+                        <a:t>Wrong</a:t>
                       </a:r>
-                      <a:endParaRPr dirty="0"/>
+                      <a:endParaRPr sz="2400" b="0" i="0" u="none" strike="noStrike" noProof="0" dirty="0"/>
                     </a:p>
                   </a:txBody>
                   <a:tcPr marL="121898" marR="121898" marT="121898" marB="121898"/>
@@ -15532,7 +16071,7 @@
                         <a:rPr lang="en-US" sz="2400" b="0" i="1" u="none" strike="noStrike" noProof="0" dirty="0">
                           <a:latin typeface="Calibri"/>
                         </a:rPr>
-                        <a:t>invalid – too high)</a:t>
+                        <a:t>invalid – integer)</a:t>
                       </a:r>
                       <a:endParaRPr lang="en-US" sz="2400" dirty="0"/>
                     </a:p>
@@ -15555,9 +16094,9 @@
                       </a:pPr>
                       <a:r>
                         <a:rPr lang="en-US" sz="2400" b="0" i="0" u="none" strike="noStrike" noProof="0" dirty="0"/>
-                        <a:t>&lt;error&gt; Please enter a whole number between 1 and 10</a:t>
+                        <a:t>Wrong</a:t>
                       </a:r>
-                      <a:endParaRPr dirty="0"/>
+                      <a:endParaRPr sz="2400" b="0" i="0" u="none" strike="noStrike" noProof="0" dirty="0"/>
                     </a:p>
                   </a:txBody>
                   <a:tcPr marL="121898" marR="121898" marT="121898" marB="121898"/>
@@ -15568,136 +16107,49 @@
                   </a:ext>
                 </a:extLst>
               </a:tr>
-              <a:tr h="609560">
-                <a:tc>
-                  <a:txBody>
-                    <a:bodyPr/>
-                    <a:lstStyle/>
-                    <a:p>
-                      <a:pPr marL="0" lvl="0" indent="0" algn="l">
-                        <a:spcBef>
-                          <a:spcPts val="0"/>
-                        </a:spcBef>
-                        <a:spcAft>
-                          <a:spcPts val="0"/>
-                        </a:spcAft>
-                        <a:buNone/>
-                      </a:pPr>
-                      <a:r>
-                        <a:rPr lang="en-US" sz="2400" dirty="0"/>
-                        <a:t>1</a:t>
-                      </a:r>
-                      <a:r>
-                        <a:rPr lang="en-US" sz="2400" i="1" dirty="0"/>
-                        <a:t> (valid – lower boundary</a:t>
-                      </a:r>
-                      <a:r>
-                        <a:rPr lang="en-US" sz="2400" b="0" i="1" u="none" strike="noStrike" noProof="0" dirty="0">
-                          <a:latin typeface="Calibri"/>
-                        </a:rPr>
-                        <a:t>)</a:t>
-                      </a:r>
-                      <a:endParaRPr lang="en-US" sz="2400" dirty="0"/>
-                    </a:p>
-                  </a:txBody>
-                  <a:tcPr marL="121898" marR="121898" marT="121898" marB="121898"/>
-                </a:tc>
-                <a:tc>
-                  <a:txBody>
-                    <a:bodyPr/>
-                    <a:lstStyle/>
-                    <a:p>
-                      <a:pPr marL="0" lvl="0" indent="0" algn="l">
-                        <a:spcBef>
-                          <a:spcPts val="0"/>
-                        </a:spcBef>
-                        <a:spcAft>
-                          <a:spcPts val="0"/>
-                        </a:spcAft>
-                        <a:buNone/>
-                      </a:pPr>
-                      <a:r>
-                        <a:rPr lang="en-US" sz="2400" b="0" i="1" u="none" strike="noStrike" noProof="0" dirty="0">
-                          <a:latin typeface="Calibri"/>
-                        </a:rPr>
-                        <a:t>Program continues</a:t>
-                      </a:r>
-                      <a:endParaRPr i="1" dirty="0"/>
-                    </a:p>
-                  </a:txBody>
-                  <a:tcPr marL="121898" marR="121898" marT="121898" marB="121898"/>
-                </a:tc>
-                <a:extLst>
-                  <a:ext uri="{0D108BD9-81ED-4DB2-BD59-A6C34878D82A}">
-                    <a16:rowId xmlns:a16="http://schemas.microsoft.com/office/drawing/2014/main" val="2319514122"/>
-                  </a:ext>
-                </a:extLst>
-              </a:tr>
-              <a:tr h="609560">
-                <a:tc>
-                  <a:txBody>
-                    <a:bodyPr/>
-                    <a:lstStyle/>
-                    <a:p>
-                      <a:pPr marL="0" lvl="0" indent="0" algn="l">
-                        <a:spcBef>
-                          <a:spcPts val="0"/>
-                        </a:spcBef>
-                        <a:spcAft>
-                          <a:spcPts val="0"/>
-                        </a:spcAft>
-                        <a:buNone/>
-                      </a:pPr>
-                      <a:r>
-                        <a:rPr lang="en-US" sz="2400" dirty="0"/>
-                        <a:t>10 </a:t>
-                      </a:r>
-                      <a:r>
-                        <a:rPr lang="en-US" sz="2400" b="0" i="1" u="none" strike="noStrike" noProof="0" dirty="0">
-                          <a:latin typeface="Calibri"/>
-                        </a:rPr>
-                        <a:t>(valid – upper boundary)</a:t>
-                      </a:r>
-                      <a:endParaRPr lang="en-US" sz="2400" dirty="0"/>
-                    </a:p>
-                  </a:txBody>
-                  <a:tcPr marL="121898" marR="121898" marT="121898" marB="121898"/>
-                </a:tc>
-                <a:tc>
-                  <a:txBody>
-                    <a:bodyPr/>
-                    <a:lstStyle/>
-                    <a:p>
-                      <a:pPr marL="0" lvl="0" indent="0" algn="l">
-                        <a:spcBef>
-                          <a:spcPts val="0"/>
-                        </a:spcBef>
-                        <a:spcAft>
-                          <a:spcPts val="0"/>
-                        </a:spcAft>
-                        <a:buNone/>
-                      </a:pPr>
-                      <a:r>
-                        <a:rPr lang="en-US" sz="2400" b="0" i="1" u="none" strike="noStrike" noProof="0" dirty="0">
-                          <a:latin typeface="Calibri"/>
-                        </a:rPr>
-                        <a:t>Program continues</a:t>
-                      </a:r>
-                      <a:endParaRPr sz="2400" dirty="0"/>
-                    </a:p>
-                  </a:txBody>
-                  <a:tcPr marL="121898" marR="121898" marT="121898" marB="121898"/>
-                </a:tc>
-                <a:extLst>
-                  <a:ext uri="{0D108BD9-81ED-4DB2-BD59-A6C34878D82A}">
-                    <a16:rowId xmlns:a16="http://schemas.microsoft.com/office/drawing/2014/main" val="3861573974"/>
-                  </a:ext>
-                </a:extLst>
-              </a:tr>
             </a:tbl>
           </a:graphicData>
         </a:graphic>
       </p:graphicFrame>
+      <p:sp>
+        <p:nvSpPr>
+          <p:cNvPr id="2" name="TextBox 1">
+            <a:extLst>
+              <a:ext uri="{FF2B5EF4-FFF2-40B4-BE49-F238E27FC236}">
+                <a16:creationId xmlns:a16="http://schemas.microsoft.com/office/drawing/2014/main" id="{287D648C-5976-1610-3FA0-AEF117B27B93}"/>
+              </a:ext>
+            </a:extLst>
+          </p:cNvPr>
+          <p:cNvSpPr txBox="1"/>
+          <p:nvPr/>
+        </p:nvSpPr>
+        <p:spPr>
+          <a:xfrm>
+            <a:off x="416560" y="1046480"/>
+            <a:ext cx="2743200" cy="369332"/>
+          </a:xfrm>
+          <a:prstGeom prst="rect">
+            <a:avLst/>
+          </a:prstGeom>
+          <a:noFill/>
+        </p:spPr>
+        <p:txBody>
+          <a:bodyPr rot="0" spcFirstLastPara="0" vertOverflow="overflow" horzOverflow="overflow" vert="horz" wrap="square" lIns="91440" tIns="45720" rIns="91440" bIns="45720" numCol="1" spcCol="0" rtlCol="0" fromWordArt="0" anchor="t" anchorCtr="0" forceAA="0" compatLnSpc="1">
+            <a:prstTxWarp prst="textNoShape">
+              <a:avLst/>
+            </a:prstTxWarp>
+            <a:spAutoFit/>
+          </a:bodyPr>
+          <a:lstStyle/>
+          <a:p>
+            <a:pPr algn="l"/>
+            <a:r>
+              <a:rPr lang="en-GB"/>
+              <a:t>Click to add text</a:t>
+            </a:r>
+          </a:p>
+        </p:txBody>
+      </p:sp>
     </p:spTree>
     <p:extLst>
       <p:ext uri="{BB962C8B-B14F-4D97-AF65-F5344CB8AC3E}">
@@ -15755,18 +16207,86 @@
           <a:p>
             <a:r>
               <a:rPr lang="en" sz="4000" dirty="0"/>
-              <a:t>How much Testing</a:t>
+              <a:t>Questions/ Answers Testing</a:t>
             </a:r>
             <a:endParaRPr sz="4000" dirty="0"/>
+          </a:p>
+        </p:txBody>
+      </p:sp>
+      <p:sp>
+        <p:nvSpPr>
+          <p:cNvPr id="3" name="TextBox 2">
+            <a:extLst>
+              <a:ext uri="{FF2B5EF4-FFF2-40B4-BE49-F238E27FC236}">
+                <a16:creationId xmlns:a16="http://schemas.microsoft.com/office/drawing/2014/main" id="{6BE7D083-107B-9598-9BED-5E001A7543AF}"/>
+              </a:ext>
+            </a:extLst>
+          </p:cNvPr>
+          <p:cNvSpPr txBox="1"/>
+          <p:nvPr/>
+        </p:nvSpPr>
+        <p:spPr>
+          <a:xfrm>
+            <a:off x="5614117" y="1705873"/>
+            <a:ext cx="4412875" cy="1477328"/>
+          </a:xfrm>
+          <a:prstGeom prst="rect">
+            <a:avLst/>
+          </a:prstGeom>
+          <a:noFill/>
+        </p:spPr>
+        <p:txBody>
+          <a:bodyPr rot="0" spcFirstLastPara="0" vertOverflow="overflow" horzOverflow="overflow" vert="horz" wrap="square" lIns="91440" tIns="45720" rIns="91440" bIns="45720" numCol="1" spcCol="0" rtlCol="0" fromWordArt="0" anchor="t" anchorCtr="0" forceAA="0" compatLnSpc="1">
+            <a:prstTxWarp prst="textNoShape">
+              <a:avLst/>
+            </a:prstTxWarp>
+            <a:spAutoFit/>
+          </a:bodyPr>
+          <a:lstStyle/>
+          <a:p>
+            <a:r>
+              <a:rPr lang="en-GB">
+                <a:cs typeface="Calibri"/>
+              </a:rPr>
+              <a:t>Testing </a:t>
+            </a:r>
+            <a:r>
+              <a:rPr lang="en-GB" err="1">
+                <a:cs typeface="Calibri"/>
+              </a:rPr>
+              <a:t>user_balance</a:t>
+            </a:r>
+            <a:r>
+              <a:rPr lang="en-GB">
+                <a:cs typeface="Calibri"/>
+              </a:rPr>
+              <a:t> can only be entered as an integer between 1 and 10</a:t>
+            </a:r>
+          </a:p>
+          <a:p>
+            <a:r>
+              <a:rPr lang="en-GB">
+                <a:cs typeface="Calibri"/>
+              </a:rPr>
+              <a:t>All tests passed.</a:t>
+            </a:r>
+          </a:p>
+          <a:p>
+            <a:r>
+              <a:rPr lang="en-GB">
+                <a:cs typeface="Calibri"/>
+              </a:rPr>
+              <a:t>Program works correctly for expected, unexpected, and boundary cases.</a:t>
+            </a:r>
           </a:p>
         </p:txBody>
       </p:sp>
       <p:pic>
         <p:nvPicPr>
-          <p:cNvPr id="2" name="Picture 2" descr="Text&#10;&#10;Description automatically generated">
+          <p:cNvPr id="5" name="Picture 5" descr="A picture containing text&#10;&#10;Description automatically generated">
             <a:extLst>
               <a:ext uri="{FF2B5EF4-FFF2-40B4-BE49-F238E27FC236}">
-                <a16:creationId xmlns:a16="http://schemas.microsoft.com/office/drawing/2014/main" id="{F837C40C-4306-D890-2C3D-79261A778469}"/>
+                <a16:creationId xmlns:a16="http://schemas.microsoft.com/office/drawing/2014/main" id="{5B9D5457-A14E-2B54-D6C8-31D0CE122621}"/>
               </a:ext>
             </a:extLst>
           </p:cNvPr>
@@ -15783,106 +16303,8 @@
         </p:blipFill>
         <p:spPr>
           <a:xfrm>
-            <a:off x="533400" y="1280180"/>
-            <a:ext cx="4054288" cy="4857934"/>
-          </a:xfrm>
-          <a:prstGeom prst="rect">
-            <a:avLst/>
-          </a:prstGeom>
-        </p:spPr>
-      </p:pic>
-      <p:sp>
-        <p:nvSpPr>
-          <p:cNvPr id="3" name="TextBox 2">
-            <a:extLst>
-              <a:ext uri="{FF2B5EF4-FFF2-40B4-BE49-F238E27FC236}">
-                <a16:creationId xmlns:a16="http://schemas.microsoft.com/office/drawing/2014/main" id="{6BE7D083-107B-9598-9BED-5E001A7543AF}"/>
-              </a:ext>
-            </a:extLst>
-          </p:cNvPr>
-          <p:cNvSpPr txBox="1"/>
-          <p:nvPr/>
-        </p:nvSpPr>
-        <p:spPr>
-          <a:xfrm>
-            <a:off x="5217459" y="1497106"/>
-            <a:ext cx="4412875" cy="1477328"/>
-          </a:xfrm>
-          <a:prstGeom prst="rect">
-            <a:avLst/>
-          </a:prstGeom>
-          <a:noFill/>
-        </p:spPr>
-        <p:txBody>
-          <a:bodyPr rot="0" spcFirstLastPara="0" vertOverflow="overflow" horzOverflow="overflow" vert="horz" wrap="square" lIns="91440" tIns="45720" rIns="91440" bIns="45720" numCol="1" spcCol="0" rtlCol="0" fromWordArt="0" anchor="t" anchorCtr="0" forceAA="0" compatLnSpc="1">
-            <a:prstTxWarp prst="textNoShape">
-              <a:avLst/>
-            </a:prstTxWarp>
-            <a:spAutoFit/>
-          </a:bodyPr>
-          <a:lstStyle/>
-          <a:p>
-            <a:r>
-              <a:rPr lang="en-GB" dirty="0">
-                <a:cs typeface="Calibri"/>
-              </a:rPr>
-              <a:t>Testing </a:t>
-            </a:r>
-            <a:r>
-              <a:rPr lang="en-GB" dirty="0" err="1">
-                <a:cs typeface="Calibri"/>
-              </a:rPr>
-              <a:t>user_balance</a:t>
-            </a:r>
-            <a:r>
-              <a:rPr lang="en-GB" dirty="0">
-                <a:cs typeface="Calibri"/>
-              </a:rPr>
-              <a:t> can only be entered as an integer between 1 and 10</a:t>
-            </a:r>
-          </a:p>
-          <a:p>
-            <a:r>
-              <a:rPr lang="en-GB" dirty="0">
-                <a:cs typeface="Calibri"/>
-              </a:rPr>
-              <a:t>All tests passed.</a:t>
-            </a:r>
-          </a:p>
-          <a:p>
-            <a:r>
-              <a:rPr lang="en-GB" dirty="0">
-                <a:cs typeface="Calibri"/>
-              </a:rPr>
-              <a:t>Program works correctly for expected, unexpected, and boundary cases.</a:t>
-            </a:r>
-          </a:p>
-        </p:txBody>
-      </p:sp>
-      <p:pic>
-        <p:nvPicPr>
-          <p:cNvPr id="4" name="Picture 4" descr="Graphical user interface, text, application&#10;&#10;Description automatically generated">
-            <a:extLst>
-              <a:ext uri="{FF2B5EF4-FFF2-40B4-BE49-F238E27FC236}">
-                <a16:creationId xmlns:a16="http://schemas.microsoft.com/office/drawing/2014/main" id="{9B6711AC-D2BC-B7C6-105F-22B6DE2DE07C}"/>
-              </a:ext>
-            </a:extLst>
-          </p:cNvPr>
-          <p:cNvPicPr>
-            <a:picLocks noChangeAspect="1"/>
-          </p:cNvPicPr>
-          <p:nvPr/>
-        </p:nvPicPr>
-        <p:blipFill>
-          <a:blip r:embed="rId4"/>
-          <a:stretch>
-            <a:fillRect/>
-          </a:stretch>
-        </p:blipFill>
-        <p:spPr>
-          <a:xfrm>
-            <a:off x="5026959" y="4055633"/>
-            <a:ext cx="5623111" cy="1749910"/>
+            <a:off x="543381" y="1454259"/>
+            <a:ext cx="2733675" cy="504825"/>
           </a:xfrm>
           <a:prstGeom prst="rect">
             <a:avLst/>
@@ -15945,10 +16367,10 @@
           <a:lstStyle/>
           <a:p>
             <a:r>
-              <a:rPr lang="en" sz="4000" dirty="0"/>
+              <a:rPr lang="en" sz="4000"/>
               <a:t>How much: Trialing</a:t>
             </a:r>
-            <a:endParaRPr sz="4000" dirty="0" err="1"/>
+            <a:endParaRPr sz="4000" err="1"/>
           </a:p>
         </p:txBody>
       </p:sp>
@@ -16006,7 +16428,7 @@
                         <a:buNone/>
                       </a:pPr>
                       <a:r>
-                        <a:rPr lang="en-US" sz="2000" dirty="0"/>
+                        <a:rPr lang="en-US" sz="2000"/>
                         <a:t>Trial 1</a:t>
                       </a:r>
                     </a:p>
@@ -16021,7 +16443,7 @@
                         <a:buNone/>
                       </a:pPr>
                       <a:r>
-                        <a:rPr lang="en-US" sz="2000" dirty="0"/>
+                        <a:rPr lang="en-US" sz="2000"/>
                         <a:t>04_how_much_v1</a:t>
                       </a:r>
                     </a:p>
@@ -16043,10 +16465,10 @@
                         <a:buNone/>
                       </a:pPr>
                       <a:r>
-                        <a:rPr lang="en-US" sz="2000" dirty="0"/>
+                        <a:rPr lang="en-US" sz="2000"/>
                         <a:t>The program works, but only when you enter integers. It refuses integers outside the range, but crashes when a string or float is entered</a:t>
                       </a:r>
-                      <a:endParaRPr sz="2000" dirty="0"/>
+                      <a:endParaRPr sz="2000"/>
                     </a:p>
                   </a:txBody>
                   <a:tcPr marL="121900" marR="121900" marT="121900" marB="121900"/>
@@ -16073,10 +16495,10 @@
                         <a:buNone/>
                       </a:pPr>
                       <a:r>
-                        <a:rPr lang="en-US" sz="2000" b="0" i="0" u="none" strike="noStrike" noProof="0" dirty="0"/>
+                        <a:rPr lang="en-US" sz="2000" b="0" i="0" u="none" strike="noStrike" noProof="0"/>
                         <a:t>Trial 2</a:t>
                       </a:r>
-                      <a:endParaRPr lang="en-US" sz="2000" b="0" i="0" u="none" strike="noStrike" noProof="0" dirty="0">
+                      <a:endParaRPr lang="en-US" sz="2000" b="0" i="0" u="none" strike="noStrike" noProof="0">
                         <a:latin typeface="Calibri"/>
                       </a:endParaRPr>
                     </a:p>
@@ -16091,7 +16513,7 @@
                         <a:buNone/>
                       </a:pPr>
                       <a:r>
-                        <a:rPr lang="en-US" sz="2000" b="0" i="0" u="none" strike="noStrike" noProof="0" dirty="0">
+                        <a:rPr lang="en-US" sz="2000" b="0" i="0" u="none" strike="noStrike" noProof="0">
                           <a:latin typeface="Calibri"/>
                         </a:rPr>
                         <a:t>04_how_much_v2</a:t>
@@ -16116,7 +16538,7 @@
                         <a:buNone/>
                       </a:pPr>
                       <a:r>
-                        <a:rPr lang="en-US" sz="2000" b="0" i="0" u="none" strike="noStrike" noProof="0" dirty="0">
+                        <a:rPr lang="en-US" sz="2000" b="0" i="0" u="none" strike="noStrike" noProof="0">
                           <a:latin typeface="Calibri"/>
                         </a:rPr>
                         <a:t>Program does not crash when an invalid is entered, it offers the user to try again. The code is quite long and could be more efficient</a:t>
@@ -16147,10 +16569,10 @@
                         <a:buNone/>
                       </a:pPr>
                       <a:r>
-                        <a:rPr lang="en-US" sz="2000" b="0" i="0" u="none" strike="noStrike" noProof="0" dirty="0"/>
+                        <a:rPr lang="en-US" sz="2000" b="0" i="0" u="none" strike="noStrike" noProof="0"/>
                         <a:t>Trial 3</a:t>
                       </a:r>
-                      <a:endParaRPr lang="en-US" sz="2000" b="0" i="0" u="none" strike="noStrike" noProof="0" dirty="0">
+                      <a:endParaRPr lang="en-US" sz="2000" b="0" i="0" u="none" strike="noStrike" noProof="0">
                         <a:latin typeface="Calibri"/>
                       </a:endParaRPr>
                     </a:p>
@@ -16165,7 +16587,7 @@
                         <a:buNone/>
                       </a:pPr>
                       <a:r>
-                        <a:rPr lang="en-US" sz="2000" b="0" i="0" u="none" strike="noStrike" noProof="0" dirty="0">
+                        <a:rPr lang="en-US" sz="2000" b="0" i="0" u="none" strike="noStrike" noProof="0">
                           <a:latin typeface="Calibri"/>
                         </a:rPr>
                         <a:t>04_how_much_v3</a:t>
@@ -16190,12 +16612,12 @@
                         <a:buNone/>
                       </a:pPr>
                       <a:r>
-                        <a:rPr lang="en-US" sz="2000" b="0" i="0" u="none" strike="noStrike" noProof="0" dirty="0">
+                        <a:rPr lang="en-US" sz="2000" b="0" i="0" u="none" strike="noStrike" noProof="0">
                           <a:latin typeface="Calibri"/>
                         </a:rPr>
                         <a:t>I included the valid range (1-10) as the basis of the while loop which means I didn't need to use the 'Valid' variable. The result is more efficient and still adaptable.</a:t>
                       </a:r>
-                      <a:endParaRPr sz="2000" b="0" i="0" u="none" strike="noStrike" noProof="0" dirty="0">
+                      <a:endParaRPr sz="2000" b="0" i="0" u="none" strike="noStrike" noProof="0">
                         <a:latin typeface="Calibri"/>
                       </a:endParaRPr>
                     </a:p>
@@ -16224,7 +16646,7 @@
                         <a:buNone/>
                       </a:pPr>
                       <a:r>
-                        <a:rPr lang="en-US" sz="2000" b="0" i="0" u="none" strike="noStrike" noProof="0" dirty="0"/>
+                        <a:rPr lang="en-US" sz="2000" b="0" i="0" u="none" strike="noStrike" noProof="0"/>
                         <a:t>Trial 4</a:t>
                       </a:r>
                     </a:p>
@@ -16239,7 +16661,7 @@
                         <a:buNone/>
                       </a:pPr>
                       <a:r>
-                        <a:rPr lang="en-US" sz="2000" b="0" i="0" u="none" strike="noStrike" noProof="0" dirty="0">
+                        <a:rPr lang="en-US" sz="2000" b="0" i="0" u="none" strike="noStrike" noProof="0">
                           <a:latin typeface="Calibri"/>
                         </a:rPr>
                         <a:t>04_how_much_v4</a:t>
@@ -16266,24 +16688,24 @@
                         <a:buNone/>
                       </a:pPr>
                       <a:r>
-                        <a:rPr lang="en-US" sz="2000" b="0" i="0" u="none" strike="noStrike" noProof="0" dirty="0">
+                        <a:rPr lang="en-US" sz="2000" b="0" i="0" u="none" strike="noStrike" noProof="0">
                           <a:latin typeface="Calibri"/>
                         </a:rPr>
                         <a:t>Changed v3 into a function. Made </a:t>
                       </a:r>
                       <a:r>
-                        <a:rPr lang="en-US" sz="2000" b="0" i="0" u="none" strike="noStrike" noProof="0" dirty="0" err="1">
+                        <a:rPr lang="en-US" sz="2000" b="0" i="0" u="none" strike="noStrike" noProof="0" err="1">
                           <a:latin typeface="Calibri"/>
                         </a:rPr>
                         <a:t>user_balance</a:t>
                       </a:r>
                       <a:r>
-                        <a:rPr lang="en-US" sz="2000" b="0" i="0" u="none" strike="noStrike" noProof="0" dirty="0">
+                        <a:rPr lang="en-US" sz="2000" b="0" i="0" u="none" strike="noStrike" noProof="0">
                           <a:latin typeface="Calibri"/>
                         </a:rPr>
                         <a:t> a more generic variable name 'response' and changed the position of the number comparison into the loop to make the function recyclable. I will adopt this one in the final program</a:t>
                       </a:r>
-                      <a:endParaRPr sz="2000" b="0" i="0" u="none" strike="noStrike" noProof="0" dirty="0">
+                      <a:endParaRPr sz="2000" b="0" i="0" u="none" strike="noStrike" noProof="0">
                         <a:latin typeface="Calibri"/>
                       </a:endParaRPr>
                     </a:p>
@@ -16356,10 +16778,10 @@
           <a:lstStyle/>
           <a:p>
             <a:r>
-              <a:rPr lang="en" sz="4000" dirty="0"/>
+              <a:rPr lang="en" sz="4000"/>
               <a:t>Component 3 (Generate Random Token)</a:t>
             </a:r>
-            <a:endParaRPr sz="4000" dirty="0"/>
+            <a:endParaRPr sz="4000"/>
           </a:p>
         </p:txBody>
       </p:sp>
@@ -16395,10 +16817,10 @@
           <a:lstStyle/>
           <a:p>
             <a:r>
-              <a:rPr lang="en-GB" dirty="0"/>
+              <a:rPr lang="en-GB"/>
               <a:t>The pay-out schedule is:</a:t>
             </a:r>
-            <a:endParaRPr lang="en-US" dirty="0"/>
+            <a:endParaRPr lang="en-US"/>
           </a:p>
           <a:p>
             <a:pPr marL="285750" indent="-285750">
@@ -16406,7 +16828,7 @@
               <a:buChar char="•"/>
             </a:pPr>
             <a:r>
-              <a:rPr lang="en-GB" dirty="0">
+              <a:rPr lang="en-GB">
                 <a:cs typeface="Calibri"/>
               </a:rPr>
               <a:t>Donkey: lose $1.00</a:t>
@@ -16418,7 +16840,7 @@
               <a:buChar char="•"/>
             </a:pPr>
             <a:r>
-              <a:rPr lang="en-GB" dirty="0">
+              <a:rPr lang="en-GB">
                 <a:cs typeface="Calibri"/>
               </a:rPr>
               <a:t>Horse/Zebra: lose $0.50</a:t>
@@ -16430,7 +16852,7 @@
               <a:buChar char="•"/>
             </a:pPr>
             <a:r>
-              <a:rPr lang="en-GB" dirty="0">
+              <a:rPr lang="en-GB">
                 <a:cs typeface="Calibri"/>
               </a:rPr>
               <a:t>Unicorn: win $4.00</a:t>
@@ -16439,14 +16861,14 @@
           <a:p>
             <a:pPr lvl="1"/>
             <a:r>
-              <a:rPr lang="en-GB" dirty="0">
+              <a:rPr lang="en-GB">
                 <a:cs typeface="Calibri"/>
               </a:rPr>
               <a:t>(i.e. if user starts with $1 and gets a unicorn, their balance will be $5.00)</a:t>
             </a:r>
           </a:p>
           <a:p>
-            <a:endParaRPr lang="en-GB" dirty="0">
+            <a:endParaRPr lang="en-GB">
               <a:cs typeface="Calibri"/>
             </a:endParaRPr>
           </a:p>
@@ -16484,13 +16906,13 @@
           <a:lstStyle/>
           <a:p>
             <a:r>
-              <a:rPr lang="en-GB" dirty="0"/>
+              <a:rPr lang="en-GB"/>
               <a:t>In this component, we need to check that over time the user loses money, to make the game more viable</a:t>
             </a:r>
-            <a:endParaRPr lang="en-US" dirty="0"/>
-          </a:p>
-          <a:p>
-            <a:endParaRPr lang="en-GB" dirty="0">
+            <a:endParaRPr lang="en-US"/>
+          </a:p>
+          <a:p>
+            <a:endParaRPr lang="en-GB">
               <a:cs typeface="Calibri"/>
             </a:endParaRPr>
           </a:p>
@@ -16582,10 +17004,10 @@
           <a:lstStyle/>
           <a:p>
             <a:r>
-              <a:rPr lang="en" sz="4000" dirty="0"/>
+              <a:rPr lang="en" sz="4000"/>
               <a:t>Randomly generated- Test Plan</a:t>
             </a:r>
-            <a:endParaRPr sz="4000" dirty="0"/>
+            <a:endParaRPr sz="4000"/>
           </a:p>
         </p:txBody>
       </p:sp>
@@ -16643,10 +17065,10 @@
                         <a:buNone/>
                       </a:pPr>
                       <a:r>
-                        <a:rPr lang="en" sz="2400" b="1" dirty="0"/>
+                        <a:rPr lang="en" sz="2400" b="1"/>
                         <a:t>Test Cases - input</a:t>
                       </a:r>
-                      <a:endParaRPr sz="2400" b="1" dirty="0"/>
+                      <a:endParaRPr sz="2400" b="1"/>
                     </a:p>
                   </a:txBody>
                   <a:tcPr marL="121900" marR="121900" marT="121900" marB="121900">
@@ -16670,10 +17092,10 @@
                         <a:buNone/>
                       </a:pPr>
                       <a:r>
-                        <a:rPr lang="en" sz="2400" b="1" dirty="0"/>
+                        <a:rPr lang="en" sz="2400" b="1"/>
                         <a:t>Expected output</a:t>
                       </a:r>
-                      <a:endParaRPr sz="2400" b="1" dirty="0"/>
+                      <a:endParaRPr sz="2400" b="1"/>
                     </a:p>
                   </a:txBody>
                   <a:tcPr marL="121900" marR="121900" marT="121900" marB="121900">
@@ -16704,10 +17126,10 @@
                         <a:buNone/>
                       </a:pPr>
                       <a:r>
-                        <a:rPr lang="en-US" sz="2400" dirty="0"/>
+                        <a:rPr lang="en-US" sz="2400"/>
                         <a:t>Run the program</a:t>
                       </a:r>
-                      <a:endParaRPr lang="en-US" sz="2400" i="1" dirty="0"/>
+                      <a:endParaRPr lang="en-US" sz="2400" i="1"/>
                     </a:p>
                   </a:txBody>
                   <a:tcPr marL="121900" marR="121900" marT="121900" marB="121900"/>
@@ -16727,7 +17149,7 @@
                         <a:buNone/>
                       </a:pPr>
                       <a:r>
-                        <a:rPr lang="en-US" sz="2400" dirty="0"/>
+                        <a:rPr lang="en-US" sz="2400"/>
                         <a:t>Program should output 20 tokens with at least one of each: horse, donkey, zebra, and unicorn. </a:t>
                       </a:r>
                     </a:p>
@@ -16742,7 +17164,7 @@
                         <a:buNone/>
                       </a:pPr>
                       <a:r>
-                        <a:rPr lang="en-US" sz="2400" dirty="0"/>
+                        <a:rPr lang="en-US" sz="2400"/>
                         <a:t>The order of the tokens must be random.</a:t>
                       </a:r>
                     </a:p>
@@ -17029,10 +17451,10 @@
           <a:lstStyle/>
           <a:p>
             <a:r>
-              <a:rPr lang="en-GB" dirty="0"/>
+              <a:rPr lang="en-GB"/>
               <a:t>Program generates random choices in a random order</a:t>
             </a:r>
-            <a:endParaRPr lang="en-US" dirty="0"/>
+            <a:endParaRPr lang="en-US"/>
           </a:p>
         </p:txBody>
       </p:sp>
@@ -17092,10 +17514,10 @@
           <a:lstStyle/>
           <a:p>
             <a:r>
-              <a:rPr lang="en" sz="4000" dirty="0"/>
+              <a:rPr lang="en" sz="4000"/>
               <a:t>House has the advantage- Test Plan</a:t>
             </a:r>
-            <a:endParaRPr sz="4000" dirty="0"/>
+            <a:endParaRPr sz="4000"/>
           </a:p>
         </p:txBody>
       </p:sp>
@@ -17153,10 +17575,10 @@
                         <a:buNone/>
                       </a:pPr>
                       <a:r>
-                        <a:rPr lang="en" sz="2400" b="1" dirty="0"/>
+                        <a:rPr lang="en" sz="2400" b="1"/>
                         <a:t>Test Cases - input</a:t>
                       </a:r>
-                      <a:endParaRPr sz="2400" b="1" dirty="0"/>
+                      <a:endParaRPr sz="2400" b="1"/>
                     </a:p>
                   </a:txBody>
                   <a:tcPr marL="121900" marR="121900" marT="121900" marB="121900">
@@ -17180,10 +17602,10 @@
                         <a:buNone/>
                       </a:pPr>
                       <a:r>
-                        <a:rPr lang="en" sz="2400" b="1" dirty="0"/>
+                        <a:rPr lang="en" sz="2400" b="1"/>
                         <a:t>Expected output</a:t>
                       </a:r>
-                      <a:endParaRPr sz="2400" b="1" dirty="0"/>
+                      <a:endParaRPr sz="2400" b="1"/>
                     </a:p>
                   </a:txBody>
                   <a:tcPr marL="121900" marR="121900" marT="121900" marB="121900">
@@ -17214,10 +17636,10 @@
                         <a:buNone/>
                       </a:pPr>
                       <a:r>
-                        <a:rPr lang="en-US" sz="2400" dirty="0"/>
+                        <a:rPr lang="en-US" sz="2400"/>
                         <a:t>User starts with $100</a:t>
                       </a:r>
-                      <a:endParaRPr lang="en-US" sz="2400" i="1" dirty="0"/>
+                      <a:endParaRPr lang="en-US" sz="2400" i="1"/>
                     </a:p>
                     <a:p>
                       <a:pPr marL="0" lvl="0" indent="0" algn="l">
@@ -17230,7 +17652,7 @@
                         <a:buNone/>
                       </a:pPr>
                       <a:r>
-                        <a:rPr lang="en-US" sz="2400" dirty="0"/>
+                        <a:rPr lang="en-US" sz="2400"/>
                         <a:t>Run the program</a:t>
                       </a:r>
                     </a:p>
@@ -17252,10 +17674,10 @@
                         <a:buNone/>
                       </a:pPr>
                       <a:r>
-                        <a:rPr lang="en-US" sz="2400" dirty="0"/>
+                        <a:rPr lang="en-US" sz="2400"/>
                         <a:t>User should lose money (final balance should be less than $100)</a:t>
                       </a:r>
-                      <a:endParaRPr lang="en-US" dirty="0"/>
+                      <a:endParaRPr lang="en-US"/>
                     </a:p>
                   </a:txBody>
                   <a:tcPr marL="121900" marR="121900" marT="121900" marB="121900"/>
@@ -17322,12 +17744,12 @@
           <a:lstStyle/>
           <a:p>
             <a:r>
-              <a:rPr lang="en-GB" dirty="0">
+              <a:rPr lang="en-GB">
                 <a:cs typeface="Calibri Light"/>
               </a:rPr>
               <a:t>Generate random token  - Testing</a:t>
             </a:r>
-            <a:endParaRPr lang="en-GB" dirty="0"/>
+            <a:endParaRPr lang="en-GB"/>
           </a:p>
         </p:txBody>
       </p:sp>
@@ -17363,16 +17785,16 @@
           <a:lstStyle/>
           <a:p>
             <a:r>
-              <a:rPr lang="en-GB" dirty="0"/>
+              <a:rPr lang="en-GB"/>
               <a:t>Testing on right (Trial 2) shows results for 100 rounds:</a:t>
             </a:r>
-            <a:endParaRPr lang="en-US" dirty="0">
+            <a:endParaRPr lang="en-US">
               <a:cs typeface="Calibri" panose="020F0502020204030204"/>
             </a:endParaRPr>
           </a:p>
           <a:p>
             <a:r>
-              <a:rPr lang="en-GB" dirty="0">
+              <a:rPr lang="en-GB">
                 <a:cs typeface="Calibri"/>
               </a:rPr>
               <a:t>10% chance of unicorn </a:t>
@@ -17380,7 +17802,7 @@
           </a:p>
           <a:p>
             <a:r>
-              <a:rPr lang="en-GB" dirty="0">
+              <a:rPr lang="en-GB">
                 <a:cs typeface="Calibri"/>
               </a:rPr>
               <a:t>30% chance for each of donkey, zebra, and horse</a:t>
@@ -17450,13 +17872,13 @@
           <a:lstStyle/>
           <a:p>
             <a:r>
-              <a:rPr lang="en-GB" dirty="0"/>
+              <a:rPr lang="en-GB"/>
               <a:t>Testing on right (Trial 3) shows results for only 10 rounds: </a:t>
             </a:r>
           </a:p>
           <a:p>
             <a:r>
-              <a:rPr lang="en-GB" dirty="0">
+              <a:rPr lang="en-GB">
                 <a:cs typeface="Calibri"/>
               </a:rPr>
               <a:t>5% chance of a unicorn </a:t>
@@ -17464,7 +17886,7 @@
           </a:p>
           <a:p>
             <a:r>
-              <a:rPr lang="en-GB" dirty="0">
+              <a:rPr lang="en-GB">
                 <a:cs typeface="Calibri"/>
               </a:rPr>
               <a:t>30% chance of a donkey, 65% chance of each zebra or horse. The house advantage becomes clearer if we run the program more than 100 times</a:t>
@@ -17584,10 +18006,10 @@
           <a:lstStyle/>
           <a:p>
             <a:r>
-              <a:rPr lang="en-NZ" b="1" dirty="0"/>
+              <a:rPr lang="en-NZ" b="1"/>
               <a:t>Lucky Unicorn</a:t>
             </a:r>
-            <a:endParaRPr lang="en-NZ" dirty="0"/>
+            <a:endParaRPr lang="en-NZ"/>
           </a:p>
         </p:txBody>
       </p:sp>
@@ -17849,7 +18271,7 @@
               <a:buFont typeface="Arial"/>
               <a:buNone/>
             </a:pPr>
-            <a:endParaRPr lang="en-NZ" sz="2000" dirty="0">
+            <a:endParaRPr lang="en-NZ" sz="2000">
               <a:solidFill>
                 <a:srgbClr val="274E13"/>
               </a:solidFill>
@@ -17881,14 +18303,9 @@
               <a:rPr lang="en-NZ" sz="2000" dirty="0">
                 <a:ea typeface="+mn-lt"/>
                 <a:cs typeface="+mn-lt"/>
-                <a:hlinkClick r:id="rId3"/>
               </a:rPr>
-              <a:t>https://trello.com/b/oRaulPpn/lucky-unicorn</a:t>
+              <a:t>https://trello.com/b/Oaxf98cy/assessment</a:t>
             </a:r>
-            <a:endParaRPr lang="en-NZ" sz="2000" dirty="0">
-              <a:ea typeface="+mn-lt"/>
-              <a:cs typeface="+mn-lt"/>
-            </a:endParaRPr>
           </a:p>
           <a:p>
             <a:pPr marL="0" indent="0">
@@ -17904,7 +18321,7 @@
               <a:buSzPts val="1100"/>
               <a:buNone/>
             </a:pPr>
-            <a:endParaRPr lang="en-NZ" sz="2000" b="1" dirty="0">
+            <a:endParaRPr lang="en-NZ" sz="2000" b="1">
               <a:solidFill>
                 <a:srgbClr val="274E13"/>
               </a:solidFill>
@@ -17952,18 +18369,9 @@
                 <a:schemeClr val="dk1"/>
               </a:buClr>
               <a:buSzPts val="1100"/>
-              <a:buFont typeface="Arial"/>
               <a:buNone/>
             </a:pPr>
-            <a:r>
-              <a:rPr lang="en-NZ" sz="2000" b="1" dirty="0">
-                <a:solidFill>
-                  <a:srgbClr val="274E13"/>
-                </a:solidFill>
-              </a:rPr>
-              <a:t> </a:t>
-            </a:r>
-            <a:endParaRPr lang="en-NZ" sz="2000" dirty="0"/>
+            <a:endParaRPr lang="en-NZ" sz="2000"/>
           </a:p>
         </p:txBody>
       </p:sp>
@@ -18023,7 +18431,7 @@
                         <a:buNone/>
                       </a:pPr>
                       <a:r>
-                        <a:rPr lang="en" sz="2000" b="1" i="1" dirty="0">
+                        <a:rPr lang="en" sz="2000" b="1" i="1">
                           <a:solidFill>
                             <a:srgbClr val="990000"/>
                           </a:solidFill>
@@ -18044,7 +18452,7 @@
                         </a:spcAft>
                         <a:buNone/>
                       </a:pPr>
-                      <a:endParaRPr lang="en" sz="2000" b="1" i="1" dirty="0">
+                      <a:endParaRPr lang="en" sz="2000" b="1" i="1">
                         <a:solidFill>
                           <a:srgbClr val="990000"/>
                         </a:solidFill>
@@ -18064,14 +18472,14 @@
                         <a:buNone/>
                       </a:pPr>
                       <a:r>
-                        <a:rPr lang="en" sz="2000" b="1" i="1" dirty="0">
+                        <a:rPr lang="en" sz="2000" b="1" i="1">
                           <a:solidFill>
                             <a:srgbClr val="990000"/>
                           </a:solidFill>
                         </a:rPr>
                         <a:t>The link to your program is the final outcome of this whole project – your finished program.</a:t>
                       </a:r>
-                      <a:endParaRPr sz="2000" b="1" i="1" dirty="0">
+                      <a:endParaRPr sz="2000" b="1" i="1">
                         <a:solidFill>
                           <a:srgbClr val="990000"/>
                         </a:solidFill>
@@ -18150,10 +18558,10 @@
           <a:lstStyle/>
           <a:p>
             <a:r>
-              <a:rPr lang="en" sz="4000" dirty="0"/>
+              <a:rPr lang="en" sz="4000"/>
               <a:t>Generate Random Tokens: Trialing</a:t>
             </a:r>
-            <a:endParaRPr sz="4000" dirty="0" err="1"/>
+            <a:endParaRPr sz="4000" err="1"/>
           </a:p>
         </p:txBody>
       </p:sp>
@@ -18211,7 +18619,7 @@
                         <a:buNone/>
                       </a:pPr>
                       <a:r>
-                        <a:rPr lang="en-US" sz="2000" dirty="0"/>
+                        <a:rPr lang="en-US" sz="2000"/>
                         <a:t>Trial 1</a:t>
                       </a:r>
                     </a:p>
@@ -18226,7 +18634,7 @@
                         <a:buNone/>
                       </a:pPr>
                       <a:r>
-                        <a:rPr lang="en-US" sz="2000" dirty="0"/>
+                        <a:rPr lang="en-US" sz="2000"/>
                         <a:t>05_token_generator_v2</a:t>
                       </a:r>
                     </a:p>
@@ -18248,10 +18656,10 @@
                         <a:buNone/>
                       </a:pPr>
                       <a:r>
-                        <a:rPr lang="en-US" sz="2000" dirty="0"/>
+                        <a:rPr lang="en-US" sz="2000"/>
                         <a:t>This program chooses from a list of horse, unicorn, zebra, and donkey. When run 100 times, it becomes clear that the house would lose money instead of making it.</a:t>
                       </a:r>
-                      <a:endParaRPr sz="2000" dirty="0"/>
+                      <a:endParaRPr sz="2000"/>
                     </a:p>
                   </a:txBody>
                   <a:tcPr marL="121900" marR="121900" marT="121900" marB="121900"/>
@@ -18278,10 +18686,10 @@
                         <a:buNone/>
                       </a:pPr>
                       <a:r>
-                        <a:rPr lang="en-US" sz="2000" b="0" i="0" u="none" strike="noStrike" noProof="0" dirty="0"/>
+                        <a:rPr lang="en-US" sz="2000" b="0" i="0" u="none" strike="noStrike" noProof="0"/>
                         <a:t>Trial 2</a:t>
                       </a:r>
-                      <a:endParaRPr lang="en-US" sz="2000" b="0" i="0" u="none" strike="noStrike" noProof="0" dirty="0">
+                      <a:endParaRPr lang="en-US" sz="2000" b="0" i="0" u="none" strike="noStrike" noProof="0">
                         <a:latin typeface="Calibri"/>
                       </a:endParaRPr>
                     </a:p>
@@ -18296,12 +18704,12 @@
                         <a:buNone/>
                       </a:pPr>
                       <a:r>
-                        <a:rPr lang="en-US" sz="2000" b="0" i="0" u="none" strike="noStrike" noProof="0" dirty="0">
+                        <a:rPr lang="en-US" sz="2000" b="0" i="0" u="none" strike="noStrike" noProof="0">
                           <a:latin typeface="Calibri"/>
                         </a:rPr>
                         <a:t>05_token_generator_v3</a:t>
                       </a:r>
-                      <a:endParaRPr lang="en-US" sz="2000" dirty="0"/>
+                      <a:endParaRPr lang="en-US" sz="2000"/>
                     </a:p>
                   </a:txBody>
                   <a:tcPr marL="121899" marR="121899" marT="121899" marB="121899"/>
@@ -18321,7 +18729,7 @@
                         <a:buNone/>
                       </a:pPr>
                       <a:r>
-                        <a:rPr lang="en-US" sz="2000" b="0" i="0" u="none" strike="noStrike" noProof="0" dirty="0">
+                        <a:rPr lang="en-US" sz="2000" b="0" i="0" u="none" strike="noStrike" noProof="0">
                           <a:latin typeface="Calibri"/>
                         </a:rPr>
                         <a:t>In this trial I changed the list so that there were 10% unicorns 30% of each of the others (1 unicorn and 3 each of the others). This did give the house an advantage.</a:t>
@@ -18352,10 +18760,10 @@
                         <a:buNone/>
                       </a:pPr>
                       <a:r>
-                        <a:rPr lang="en-US" sz="2000" b="0" i="0" u="none" strike="noStrike" noProof="0" dirty="0"/>
+                        <a:rPr lang="en-US" sz="2000" b="0" i="0" u="none" strike="noStrike" noProof="0"/>
                         <a:t>Trial 3</a:t>
                       </a:r>
-                      <a:endParaRPr lang="en-US" sz="2000" b="0" i="0" u="none" strike="noStrike" noProof="0" dirty="0">
+                      <a:endParaRPr lang="en-US" sz="2000" b="0" i="0" u="none" strike="noStrike" noProof="0">
                         <a:latin typeface="Calibri"/>
                       </a:endParaRPr>
                     </a:p>
@@ -18370,12 +18778,12 @@
                         <a:buNone/>
                       </a:pPr>
                       <a:r>
-                        <a:rPr lang="en-US" sz="2000" b="0" i="0" u="none" strike="noStrike" noProof="0" dirty="0">
+                        <a:rPr lang="en-US" sz="2000" b="0" i="0" u="none" strike="noStrike" noProof="0">
                           <a:latin typeface="Calibri"/>
                         </a:rPr>
                         <a:t>05_token_generator_v4</a:t>
                       </a:r>
-                      <a:endParaRPr lang="en-US" dirty="0"/>
+                      <a:endParaRPr lang="en-US"/>
                     </a:p>
                   </a:txBody>
                   <a:tcPr marL="121898" marR="121898" marT="121898" marB="121898"/>
@@ -18395,12 +18803,12 @@
                         <a:buNone/>
                       </a:pPr>
                       <a:r>
-                        <a:rPr lang="en-US" sz="2000" b="0" i="0" u="none" strike="noStrike" noProof="0" dirty="0">
+                        <a:rPr lang="en-US" sz="2000" b="0" i="0" u="none" strike="noStrike" noProof="0">
                           <a:latin typeface="Calibri"/>
                         </a:rPr>
                         <a:t>In my third trial, instead of choosing items from a list, I chose a random integer between 1 and 100. The schedule was set up so the user had a 5% chance of getting a unicorn, a 30% chance of getting a donkey, and a 65% chance of getting a horse or zebra. For this last 65% it awarded horse or zebra depending whether or not the number generated was even (horse) or odd (zebra)</a:t>
                       </a:r>
-                      <a:endParaRPr sz="2000" b="0" i="0" u="none" strike="noStrike" noProof="0" dirty="0">
+                      <a:endParaRPr sz="2000" b="0" i="0" u="none" strike="noStrike" noProof="0">
                         <a:latin typeface="Calibri"/>
                       </a:endParaRPr>
                     </a:p>
@@ -18473,10 +18881,10 @@
           <a:lstStyle/>
           <a:p>
             <a:r>
-              <a:rPr lang="en" sz="4000" dirty="0"/>
+              <a:rPr lang="en" sz="4000"/>
               <a:t>Game mechanics and looping: Test Plan</a:t>
             </a:r>
-            <a:endParaRPr sz="4000" dirty="0"/>
+            <a:endParaRPr sz="4000"/>
           </a:p>
         </p:txBody>
       </p:sp>
@@ -18534,10 +18942,10 @@
                         <a:buNone/>
                       </a:pPr>
                       <a:r>
-                        <a:rPr lang="en" sz="2400" b="1" dirty="0"/>
+                        <a:rPr lang="en" sz="2400" b="1"/>
                         <a:t>Test Cases - input</a:t>
                       </a:r>
-                      <a:endParaRPr sz="2400" b="1" dirty="0"/>
+                      <a:endParaRPr sz="2400" b="1"/>
                     </a:p>
                   </a:txBody>
                   <a:tcPr marL="121900" marR="121900" marT="121900" marB="121900">
@@ -18561,10 +18969,10 @@
                         <a:buNone/>
                       </a:pPr>
                       <a:r>
-                        <a:rPr lang="en" sz="2400" b="1" dirty="0"/>
+                        <a:rPr lang="en" sz="2400" b="1"/>
                         <a:t>Expected output</a:t>
                       </a:r>
-                      <a:endParaRPr sz="2400" b="1" dirty="0"/>
+                      <a:endParaRPr sz="2400" b="1"/>
                     </a:p>
                   </a:txBody>
                   <a:tcPr marL="121900" marR="121900" marT="121900" marB="121900">
@@ -18595,7 +19003,7 @@
                         <a:buNone/>
                       </a:pPr>
                       <a:r>
-                        <a:rPr lang="en-US" sz="2400" dirty="0"/>
+                        <a:rPr lang="en-US" sz="2400"/>
                         <a:t>User starts with $5</a:t>
                       </a:r>
                     </a:p>
@@ -18610,7 +19018,7 @@
                         <a:buNone/>
                       </a:pPr>
                       <a:r>
-                        <a:rPr lang="en-US" sz="2400" dirty="0"/>
+                        <a:rPr lang="en-US" sz="2400"/>
                         <a:t>User continues playing until the money runs out</a:t>
                       </a:r>
                     </a:p>
@@ -18632,7 +19040,7 @@
                         <a:buNone/>
                       </a:pPr>
                       <a:r>
-                        <a:rPr lang="en-US" sz="2400" dirty="0"/>
+                        <a:rPr lang="en-US" sz="2400"/>
                         <a:t>Game should go for 5 rounds.</a:t>
                       </a:r>
                     </a:p>
@@ -18647,7 +19055,7 @@
                         <a:buNone/>
                       </a:pPr>
                       <a:r>
-                        <a:rPr lang="en-US" sz="2400" dirty="0"/>
+                        <a:rPr lang="en-US" sz="2400"/>
                         <a:t>Each round should be correctly numbered </a:t>
                       </a:r>
                     </a:p>
@@ -18662,7 +19070,7 @@
                         <a:buNone/>
                       </a:pPr>
                       <a:r>
-                        <a:rPr lang="en-US" sz="2400" dirty="0"/>
+                        <a:rPr lang="en-US" sz="2400"/>
                         <a:t>After 5 rounds it should display 'Sorry you have run out of money'</a:t>
                       </a:r>
                     </a:p>
@@ -18691,7 +19099,7 @@
                         <a:buNone/>
                       </a:pPr>
                       <a:r>
-                        <a:rPr lang="en-US" sz="2400" dirty="0"/>
+                        <a:rPr lang="en-US" sz="2400"/>
                         <a:t>User starts with $5</a:t>
                       </a:r>
                     </a:p>
@@ -18706,7 +19114,7 @@
                         <a:buNone/>
                       </a:pPr>
                       <a:r>
-                        <a:rPr lang="en-US" sz="2400" dirty="0"/>
+                        <a:rPr lang="en-US" sz="2400"/>
                         <a:t>User plays 3 rounds and then exits</a:t>
                       </a:r>
                     </a:p>
@@ -18728,7 +19136,7 @@
                         <a:buNone/>
                       </a:pPr>
                       <a:r>
-                        <a:rPr lang="en-US" sz="2400" dirty="0"/>
+                        <a:rPr lang="en-US" sz="2400"/>
                         <a:t>Game should go for 3 rounds</a:t>
                       </a:r>
                     </a:p>
@@ -18743,7 +19151,7 @@
                         <a:buNone/>
                       </a:pPr>
                       <a:r>
-                        <a:rPr lang="en-US" sz="2400" dirty="0"/>
+                        <a:rPr lang="en-US" sz="2400"/>
                         <a:t>When user enters 'X' the game should end </a:t>
                       </a:r>
                     </a:p>
@@ -18758,7 +19166,7 @@
                         <a:buNone/>
                       </a:pPr>
                       <a:r>
-                        <a:rPr lang="en-US" sz="2400" dirty="0"/>
+                        <a:rPr lang="en-US" sz="2400"/>
                         <a:t>Final balance should be $2</a:t>
                       </a:r>
                     </a:p>
@@ -18831,10 +19239,10 @@
           <a:lstStyle/>
           <a:p>
             <a:r>
-              <a:rPr lang="en" sz="4000" dirty="0"/>
+              <a:rPr lang="en" sz="4000"/>
               <a:t>Component 4 (Game mechanics and looping)</a:t>
             </a:r>
-            <a:endParaRPr sz="4000" dirty="0"/>
+            <a:endParaRPr sz="4000"/>
           </a:p>
         </p:txBody>
       </p:sp>
@@ -19024,12 +19432,12 @@
           <a:lstStyle/>
           <a:p>
             <a:r>
-              <a:rPr lang="en-GB" dirty="0">
+              <a:rPr lang="en-GB">
                 <a:cs typeface="Calibri Light"/>
               </a:rPr>
               <a:t>Game mechanics and looping  - Testing</a:t>
             </a:r>
-            <a:endParaRPr lang="en-GB" dirty="0"/>
+            <a:endParaRPr lang="en-GB"/>
           </a:p>
         </p:txBody>
       </p:sp>
@@ -19283,27 +19691,27 @@
           <a:lstStyle/>
           <a:p>
             <a:r>
-              <a:rPr lang="en-GB" dirty="0">
+              <a:rPr lang="en-GB">
                 <a:ea typeface="+mn-lt"/>
                 <a:cs typeface="+mn-lt"/>
               </a:rPr>
               <a:t>F</a:t>
             </a:r>
             <a:r>
-              <a:rPr lang="en-US" dirty="0" err="1">
+              <a:rPr lang="en-US" err="1">
                 <a:ea typeface="+mn-lt"/>
                 <a:cs typeface="+mn-lt"/>
               </a:rPr>
               <a:t>arewell</a:t>
             </a:r>
             <a:r>
-              <a:rPr lang="en-US" dirty="0">
+              <a:rPr lang="en-US">
                 <a:ea typeface="+mn-lt"/>
                 <a:cs typeface="+mn-lt"/>
               </a:rPr>
               <a:t> message printed on exit</a:t>
             </a:r>
-            <a:endParaRPr lang="en-US" dirty="0"/>
+            <a:endParaRPr lang="en-US"/>
           </a:p>
         </p:txBody>
       </p:sp>
@@ -19341,7 +19749,7 @@
           <a:lstStyle/>
           <a:p>
             <a:r>
-              <a:rPr lang="en-GB" dirty="0">
+              <a:rPr lang="en-GB">
                 <a:cs typeface="Calibri"/>
               </a:rPr>
               <a:t>Ran out of money, and ends the game as expected</a:t>
@@ -19383,7 +19791,7 @@
           <a:lstStyle/>
           <a:p>
             <a:r>
-              <a:rPr lang="en-GB" dirty="0">
+              <a:rPr lang="en-GB">
                 <a:cs typeface="Calibri"/>
               </a:rPr>
               <a:t>User can exit when prompted</a:t>
@@ -19391,7 +19799,7 @@
           </a:p>
           <a:p>
             <a:r>
-              <a:rPr lang="en-GB" dirty="0">
+              <a:rPr lang="en-GB">
                 <a:cs typeface="Calibri"/>
               </a:rPr>
               <a:t>Summary includes starting and finishing balances</a:t>
@@ -19455,7 +19863,7 @@
           <a:lstStyle/>
           <a:p>
             <a:r>
-              <a:rPr lang="en" sz="4000" dirty="0">
+              <a:rPr lang="en" sz="4000">
                 <a:cs typeface="Calibri Light"/>
               </a:rPr>
               <a:t>Component 5 (Statement Formatter)</a:t>
@@ -19525,7 +19933,7 @@
           <a:lstStyle/>
           <a:p>
             <a:r>
-              <a:rPr lang="en-GB" dirty="0"/>
+              <a:rPr lang="en-GB"/>
               <a:t>I realised that we often need to make output stand out and creating a function to help to do this is a good idea. This component was added to the decomposition near the end of the development process.</a:t>
             </a:r>
           </a:p>
@@ -19587,10 +19995,10 @@
           <a:lstStyle/>
           <a:p>
             <a:r>
-              <a:rPr lang="en" sz="4000" dirty="0"/>
+              <a:rPr lang="en" sz="4000"/>
               <a:t>Statement Formatter: Test Plan</a:t>
             </a:r>
-            <a:endParaRPr sz="4000" dirty="0"/>
+            <a:endParaRPr sz="4000"/>
           </a:p>
         </p:txBody>
       </p:sp>
@@ -19648,10 +20056,10 @@
                         <a:buNone/>
                       </a:pPr>
                       <a:r>
-                        <a:rPr lang="en" sz="2400" b="1" dirty="0"/>
+                        <a:rPr lang="en" sz="2400" b="1"/>
                         <a:t>Test Cases - input</a:t>
                       </a:r>
-                      <a:endParaRPr sz="2400" b="1" dirty="0"/>
+                      <a:endParaRPr sz="2400" b="1"/>
                     </a:p>
                   </a:txBody>
                   <a:tcPr marL="121900" marR="121900" marT="121900" marB="121900">
@@ -19675,10 +20083,10 @@
                         <a:buNone/>
                       </a:pPr>
                       <a:r>
-                        <a:rPr lang="en" sz="2400" b="1" dirty="0"/>
+                        <a:rPr lang="en" sz="2400" b="1"/>
                         <a:t>Expected output</a:t>
                       </a:r>
-                      <a:endParaRPr sz="2400" b="1" dirty="0"/>
+                      <a:endParaRPr sz="2400" b="1"/>
                     </a:p>
                   </a:txBody>
                   <a:tcPr marL="121900" marR="121900" marT="121900" marB="121900">
@@ -19709,7 +20117,7 @@
                         <a:buNone/>
                       </a:pPr>
                       <a:r>
-                        <a:rPr lang="en-US" sz="2400" dirty="0"/>
+                        <a:rPr lang="en-US" sz="2400"/>
                         <a:t>Statement 1: </a:t>
                       </a:r>
                     </a:p>
@@ -19724,7 +20132,7 @@
                         <a:buNone/>
                       </a:pPr>
                       <a:r>
-                        <a:rPr lang="en-US" sz="2400" dirty="0"/>
+                        <a:rPr lang="en-US" sz="2400"/>
                         <a:t>"Welcome to the Lucky Unicorn Game" </a:t>
                       </a:r>
                     </a:p>
@@ -19738,7 +20146,7 @@
                         </a:spcAft>
                         <a:buNone/>
                       </a:pPr>
-                      <a:endParaRPr lang="en-US" sz="2400" dirty="0"/>
+                      <a:endParaRPr lang="en-US" sz="2400"/>
                     </a:p>
                   </a:txBody>
                   <a:tcPr marL="121900" marR="121900" marT="121900" marB="121900"/>
@@ -19758,7 +20166,7 @@
                         <a:buNone/>
                       </a:pPr>
                       <a:r>
-                        <a:rPr lang="en-US" sz="2400" dirty="0"/>
+                        <a:rPr lang="en-US" sz="2400"/>
                         <a:t>---------------------------------------------------------</a:t>
                       </a:r>
                     </a:p>
@@ -19773,7 +20181,7 @@
                         <a:buNone/>
                       </a:pPr>
                       <a:r>
-                        <a:rPr lang="en-US" sz="2400" dirty="0"/>
+                        <a:rPr lang="en-US" sz="2400"/>
                         <a:t>--- Welcome to the Lucky Unicorn Game ---</a:t>
                       </a:r>
                     </a:p>
@@ -19788,7 +20196,7 @@
                         <a:buNone/>
                       </a:pPr>
                       <a:r>
-                        <a:rPr lang="en-US" sz="2400" dirty="0"/>
+                        <a:rPr lang="en-US" sz="2400"/>
                         <a:t>---------------------------------------------------------</a:t>
                       </a:r>
                     </a:p>
@@ -19817,7 +20225,7 @@
                         <a:buNone/>
                       </a:pPr>
                       <a:r>
-                        <a:rPr lang="en-US" sz="2400" dirty="0"/>
+                        <a:rPr lang="en-US" sz="2400"/>
                         <a:t>Statement 2:</a:t>
                       </a:r>
                     </a:p>
@@ -19832,7 +20240,7 @@
                         <a:buNone/>
                       </a:pPr>
                       <a:r>
-                        <a:rPr lang="en-US" sz="2400" dirty="0"/>
+                        <a:rPr lang="en-US" sz="2400"/>
                         <a:t>"Congratulations, you got a Unicorn!"</a:t>
                       </a:r>
                     </a:p>
@@ -19854,7 +20262,7 @@
                         <a:buNone/>
                       </a:pPr>
                       <a:r>
-                        <a:rPr lang="en-US" sz="2400" dirty="0"/>
+                        <a:rPr lang="en-US" sz="2400"/>
                         <a:t>!!!!!!!!!!!!!!!!!!!!!!!!!!!!!!!!!!!!!!!!!!!!!!!!!!!</a:t>
                       </a:r>
                     </a:p>
@@ -19869,7 +20277,7 @@
                         <a:buNone/>
                       </a:pPr>
                       <a:r>
-                        <a:rPr lang="en-US" sz="2400" dirty="0"/>
+                        <a:rPr lang="en-US" sz="2400"/>
                         <a:t>!!! Congratulations, you got a Unicorn !!!</a:t>
                       </a:r>
                     </a:p>
@@ -19884,7 +20292,7 @@
                         <a:buNone/>
                       </a:pPr>
                       <a:r>
-                        <a:rPr lang="en-US" sz="2400" dirty="0"/>
+                        <a:rPr lang="en-US" sz="2400"/>
                         <a:t>!!!!!!!!!!!!!!!!!!!!!!!!!!!!!!!!!!!!!!!!!!!!!!!!!!!</a:t>
                       </a:r>
                     </a:p>
@@ -19913,7 +20321,7 @@
                         <a:buNone/>
                       </a:pPr>
                       <a:r>
-                        <a:rPr lang="en-US" sz="2400" dirty="0"/>
+                        <a:rPr lang="en-US" sz="2400"/>
                         <a:t>Statement 3:</a:t>
                       </a:r>
                     </a:p>
@@ -19928,7 +20336,7 @@
                         <a:buNone/>
                       </a:pPr>
                       <a:r>
-                        <a:rPr lang="en-US" sz="2400" dirty="0"/>
+                        <a:rPr lang="en-US" sz="2400"/>
                         <a:t>"Goodbye"</a:t>
                       </a:r>
                     </a:p>
@@ -19950,7 +20358,7 @@
                         <a:buNone/>
                       </a:pPr>
                       <a:r>
-                        <a:rPr lang="en-US" sz="2400" dirty="0"/>
+                        <a:rPr lang="en-US" sz="2400"/>
                         <a:t>***************</a:t>
                       </a:r>
                     </a:p>
@@ -19965,7 +20373,7 @@
                         <a:buNone/>
                       </a:pPr>
                       <a:r>
-                        <a:rPr lang="en-US" sz="2400" dirty="0"/>
+                        <a:rPr lang="en-US" sz="2400"/>
                         <a:t>*** Goodbye ***</a:t>
                       </a:r>
                     </a:p>
@@ -19980,7 +20388,7 @@
                         <a:buNone/>
                       </a:pPr>
                       <a:r>
-                        <a:rPr lang="en-US" sz="2400" dirty="0"/>
+                        <a:rPr lang="en-US" sz="2400"/>
                         <a:t>***************</a:t>
                       </a:r>
                     </a:p>
@@ -20049,12 +20457,12 @@
           <a:lstStyle/>
           <a:p>
             <a:r>
-              <a:rPr lang="en-GB" dirty="0">
+              <a:rPr lang="en-GB">
                 <a:cs typeface="Calibri Light"/>
               </a:rPr>
               <a:t>Statement Formatting  - Testing</a:t>
             </a:r>
-            <a:endParaRPr lang="en-GB" dirty="0"/>
+            <a:endParaRPr lang="en-GB"/>
           </a:p>
         </p:txBody>
       </p:sp>
@@ -20120,7 +20528,7 @@
           <a:lstStyle/>
           <a:p>
             <a:r>
-              <a:rPr lang="en-GB" dirty="0">
+              <a:rPr lang="en-GB">
                 <a:cs typeface="Calibri"/>
               </a:rPr>
               <a:t>Statement formatter function worked as expected and produced the expected results.</a:t>
@@ -20184,10 +20592,10 @@
           <a:lstStyle/>
           <a:p>
             <a:r>
-              <a:rPr lang="en" sz="4000" dirty="0"/>
+              <a:rPr lang="en" sz="4000"/>
               <a:t>Assembled Outcome: Test Plan</a:t>
             </a:r>
-            <a:endParaRPr sz="4000" dirty="0"/>
+            <a:endParaRPr sz="4000"/>
           </a:p>
         </p:txBody>
       </p:sp>
@@ -20245,10 +20653,10 @@
                         <a:buNone/>
                       </a:pPr>
                       <a:r>
-                        <a:rPr lang="en" sz="2400" b="1" dirty="0"/>
+                        <a:rPr lang="en" sz="2400" b="1"/>
                         <a:t>Test Cases - input</a:t>
                       </a:r>
-                      <a:endParaRPr sz="2400" b="1" dirty="0"/>
+                      <a:endParaRPr sz="2400" b="1"/>
                     </a:p>
                   </a:txBody>
                   <a:tcPr marL="121900" marR="121900" marT="121900" marB="121900">
@@ -20272,10 +20680,10 @@
                         <a:buNone/>
                       </a:pPr>
                       <a:r>
-                        <a:rPr lang="en" sz="2400" b="1" dirty="0"/>
+                        <a:rPr lang="en" sz="2400" b="1"/>
                         <a:t>Expected output</a:t>
                       </a:r>
-                      <a:endParaRPr sz="2400" b="1" dirty="0"/>
+                      <a:endParaRPr sz="2400" b="1"/>
                     </a:p>
                   </a:txBody>
                   <a:tcPr marL="121900" marR="121900" marT="121900" marB="121900">
@@ -20306,7 +20714,7 @@
                         <a:buNone/>
                       </a:pPr>
                       <a:r>
-                        <a:rPr lang="en-US" sz="2400" dirty="0"/>
+                        <a:rPr lang="en-US" sz="2400"/>
                         <a:t>Run program</a:t>
                       </a:r>
                     </a:p>
@@ -20321,7 +20729,7 @@
                         <a:buNone/>
                       </a:pPr>
                       <a:r>
-                        <a:rPr lang="en-US" sz="2400" dirty="0"/>
+                        <a:rPr lang="en-US" sz="2400"/>
                         <a:t>Played before = Maybe</a:t>
                       </a:r>
                     </a:p>
@@ -20336,7 +20744,7 @@
                         <a:buNone/>
                       </a:pPr>
                       <a:r>
-                        <a:rPr lang="en-US" sz="2400" dirty="0"/>
+                        <a:rPr lang="en-US" sz="2400"/>
                         <a:t>Played before = No</a:t>
                       </a:r>
                     </a:p>
@@ -20350,7 +20758,7 @@
                         </a:spcAft>
                         <a:buNone/>
                       </a:pPr>
-                      <a:endParaRPr lang="en-US" sz="2400" dirty="0"/>
+                      <a:endParaRPr lang="en-US" sz="2400"/>
                     </a:p>
                   </a:txBody>
                   <a:tcPr marL="121900" marR="121900" marT="121900" marB="121900"/>
@@ -20370,7 +20778,7 @@
                         <a:buNone/>
                       </a:pPr>
                       <a:r>
-                        <a:rPr lang="en-US" sz="2400" dirty="0"/>
+                        <a:rPr lang="en-US" sz="2400"/>
                         <a:t>Welcome message displays</a:t>
                       </a:r>
                     </a:p>
@@ -20385,7 +20793,7 @@
                         <a:buNone/>
                       </a:pPr>
                       <a:r>
-                        <a:rPr lang="en-US" sz="2400" dirty="0"/>
+                        <a:rPr lang="en-US" sz="2400"/>
                         <a:t>Error – please answer yes or no </a:t>
                       </a:r>
                     </a:p>
@@ -20400,7 +20808,7 @@
                         <a:buNone/>
                       </a:pPr>
                       <a:r>
-                        <a:rPr lang="en-US" sz="2400" dirty="0"/>
+                        <a:rPr lang="en-US" sz="2400"/>
                         <a:t>Instructions display </a:t>
                       </a:r>
                     </a:p>
@@ -20429,7 +20837,7 @@
                         <a:buNone/>
                       </a:pPr>
                       <a:r>
-                        <a:rPr lang="en-US" sz="2400" dirty="0"/>
+                        <a:rPr lang="en-US" sz="2400"/>
                         <a:t>Enter amount to play with</a:t>
                       </a:r>
                     </a:p>
@@ -20444,7 +20852,7 @@
                         <a:buNone/>
                       </a:pPr>
                       <a:r>
-                        <a:rPr lang="en-US" sz="2400" dirty="0"/>
+                        <a:rPr lang="en-US" sz="2400"/>
                         <a:t>xlii</a:t>
                       </a:r>
                     </a:p>
@@ -20459,7 +20867,7 @@
                         <a:buNone/>
                       </a:pPr>
                       <a:r>
-                        <a:rPr lang="en-US" sz="2400" dirty="0"/>
+                        <a:rPr lang="en-US" sz="2400"/>
                         <a:t>0.5</a:t>
                       </a:r>
                     </a:p>
@@ -20474,7 +20882,7 @@
                         <a:buNone/>
                       </a:pPr>
                       <a:r>
-                        <a:rPr lang="en-US" sz="2400" dirty="0"/>
+                        <a:rPr lang="en-US" sz="2400"/>
                         <a:t>0</a:t>
                       </a:r>
                     </a:p>
@@ -20489,7 +20897,7 @@
                         <a:buNone/>
                       </a:pPr>
                       <a:r>
-                        <a:rPr lang="en-US" sz="2400" dirty="0"/>
+                        <a:rPr lang="en-US" sz="2400"/>
                         <a:t>11</a:t>
                       </a:r>
                     </a:p>
@@ -20504,7 +20912,7 @@
                         <a:buNone/>
                       </a:pPr>
                       <a:r>
-                        <a:rPr lang="en-US" sz="2400" dirty="0"/>
+                        <a:rPr lang="en-US" sz="2400"/>
                         <a:t>1</a:t>
                       </a:r>
                     </a:p>
@@ -20525,7 +20933,7 @@
                         </a:spcAft>
                         <a:buNone/>
                       </a:pPr>
-                      <a:endParaRPr lang="en-US" sz="2400" dirty="0"/>
+                      <a:endParaRPr lang="en-US" sz="2400"/>
                     </a:p>
                     <a:p>
                       <a:pPr marL="0" lvl="0" indent="0" algn="l">
@@ -20538,7 +20946,7 @@
                         <a:buNone/>
                       </a:pPr>
                       <a:r>
-                        <a:rPr lang="en-US" sz="2400" dirty="0"/>
+                        <a:rPr lang="en-US" sz="2400"/>
                         <a:t>Error</a:t>
                       </a:r>
                     </a:p>
@@ -20553,7 +20961,7 @@
                         <a:buNone/>
                       </a:pPr>
                       <a:r>
-                        <a:rPr lang="en-US" sz="2400" dirty="0"/>
+                        <a:rPr lang="en-US" sz="2400"/>
                         <a:t>Error</a:t>
                       </a:r>
                     </a:p>
@@ -20568,7 +20976,7 @@
                         <a:buNone/>
                       </a:pPr>
                       <a:r>
-                        <a:rPr lang="en-US" sz="2400" dirty="0"/>
+                        <a:rPr lang="en-US" sz="2400"/>
                         <a:t>Error</a:t>
                       </a:r>
                     </a:p>
@@ -20583,7 +20991,7 @@
                         <a:buNone/>
                       </a:pPr>
                       <a:r>
-                        <a:rPr lang="en-US" sz="2400" dirty="0"/>
+                        <a:rPr lang="en-US" sz="2400"/>
                         <a:t>Error</a:t>
                       </a:r>
                     </a:p>
@@ -20598,7 +21006,7 @@
                         <a:buNone/>
                       </a:pPr>
                       <a:r>
-                        <a:rPr lang="en-US" sz="2400" dirty="0"/>
+                        <a:rPr lang="en-US" sz="2400"/>
                         <a:t>You are playing with $1. Press &lt;enter&gt; to start</a:t>
                       </a:r>
                     </a:p>
@@ -20667,12 +21075,12 @@
           <a:lstStyle/>
           <a:p>
             <a:r>
-              <a:rPr lang="en-GB" dirty="0">
+              <a:rPr lang="en-GB">
                 <a:cs typeface="Calibri Light"/>
               </a:rPr>
               <a:t>Assembled Outcome  - Testing 1</a:t>
             </a:r>
-            <a:endParaRPr lang="en-GB" dirty="0"/>
+            <a:endParaRPr lang="en-GB"/>
           </a:p>
         </p:txBody>
       </p:sp>
@@ -20708,7 +21116,7 @@
           <a:lstStyle/>
           <a:p>
             <a:r>
-              <a:rPr lang="en-GB" dirty="0">
+              <a:rPr lang="en-GB">
                 <a:ea typeface="Calibri"/>
                 <a:cs typeface="Calibri"/>
               </a:rPr>
@@ -21197,10 +21605,10 @@
           <a:lstStyle/>
           <a:p>
             <a:r>
-              <a:rPr lang="en" sz="4000" dirty="0"/>
+              <a:rPr lang="en" sz="4000"/>
               <a:t>Assembled Outcome 2: Test Plan</a:t>
             </a:r>
-            <a:endParaRPr sz="4000" dirty="0"/>
+            <a:endParaRPr sz="4000"/>
           </a:p>
         </p:txBody>
       </p:sp>
@@ -21258,10 +21666,10 @@
                         <a:buNone/>
                       </a:pPr>
                       <a:r>
-                        <a:rPr lang="en" sz="2400" b="1" dirty="0"/>
+                        <a:rPr lang="en" sz="2400" b="1"/>
                         <a:t>Test Cases - input</a:t>
                       </a:r>
-                      <a:endParaRPr sz="2400" b="1" dirty="0"/>
+                      <a:endParaRPr sz="2400" b="1"/>
                     </a:p>
                   </a:txBody>
                   <a:tcPr marL="121900" marR="121900" marT="121900" marB="121900">
@@ -21285,10 +21693,10 @@
                         <a:buNone/>
                       </a:pPr>
                       <a:r>
-                        <a:rPr lang="en" sz="2400" b="1" dirty="0"/>
+                        <a:rPr lang="en" sz="2400" b="1"/>
                         <a:t>Expected output</a:t>
                       </a:r>
-                      <a:endParaRPr sz="2400" b="1" dirty="0"/>
+                      <a:endParaRPr sz="2400" b="1"/>
                     </a:p>
                   </a:txBody>
                   <a:tcPr marL="121900" marR="121900" marT="121900" marB="121900">
@@ -21319,10 +21727,10 @@
                         <a:buNone/>
                       </a:pPr>
                       <a:r>
-                        <a:rPr lang="en-US" sz="2400" dirty="0"/>
+                        <a:rPr lang="en-US" sz="2400"/>
                         <a:t>Play with $1 until money runs out </a:t>
                       </a:r>
-                      <a:endParaRPr lang="en-US" dirty="0"/>
+                      <a:endParaRPr lang="en-US"/>
                     </a:p>
                     <a:p>
                       <a:pPr marL="0" lvl="0" indent="0" algn="l">
@@ -21334,7 +21742,7 @@
                         </a:spcAft>
                         <a:buNone/>
                       </a:pPr>
-                      <a:endParaRPr lang="en-US" sz="2400" dirty="0"/>
+                      <a:endParaRPr lang="en-US" sz="2400"/>
                     </a:p>
                   </a:txBody>
                   <a:tcPr marL="121900" marR="121900" marT="121900" marB="121900"/>
@@ -21354,7 +21762,7 @@
                         <a:buNone/>
                       </a:pPr>
                       <a:r>
-                        <a:rPr lang="en-US" sz="2400" dirty="0"/>
+                        <a:rPr lang="en-US" sz="2400"/>
                         <a:t>For each round: </a:t>
                       </a:r>
                     </a:p>
@@ -21369,7 +21777,7 @@
                         <a:buNone/>
                       </a:pPr>
                       <a:r>
-                        <a:rPr lang="en-US" sz="2400" dirty="0"/>
+                        <a:rPr lang="en-US" sz="2400"/>
                         <a:t>Random token generated </a:t>
                       </a:r>
                     </a:p>
@@ -21384,7 +21792,7 @@
                         <a:buNone/>
                       </a:pPr>
                       <a:r>
-                        <a:rPr lang="en-US" sz="2400" dirty="0"/>
+                        <a:rPr lang="en-US" sz="2400"/>
                         <a:t>Balance and round number updated</a:t>
                       </a:r>
                     </a:p>
@@ -21398,7 +21806,7 @@
                         </a:spcAft>
                         <a:buNone/>
                       </a:pPr>
-                      <a:endParaRPr lang="en-US" sz="2400" dirty="0"/>
+                      <a:endParaRPr lang="en-US" sz="2400"/>
                     </a:p>
                     <a:p>
                       <a:pPr marL="0" lvl="0" indent="0" algn="l">
@@ -21411,7 +21819,7 @@
                         <a:buNone/>
                       </a:pPr>
                       <a:r>
-                        <a:rPr lang="en-US" sz="2400" dirty="0"/>
+                        <a:rPr lang="en-US" sz="2400"/>
                         <a:t>At end:</a:t>
                       </a:r>
                     </a:p>
@@ -21426,7 +21834,7 @@
                         <a:buNone/>
                       </a:pPr>
                       <a:r>
-                        <a:rPr lang="en-US" sz="2400" dirty="0"/>
+                        <a:rPr lang="en-US" sz="2400"/>
                         <a:t>Stats generated showing starting amount of $1 and final balance of $0.50 or $0.00</a:t>
                       </a:r>
                     </a:p>
@@ -21455,7 +21863,7 @@
                         <a:buNone/>
                       </a:pPr>
                       <a:r>
-                        <a:rPr lang="en-US" sz="2400" dirty="0"/>
+                        <a:rPr lang="en-US" sz="2400"/>
                         <a:t>Run program</a:t>
                       </a:r>
                     </a:p>
@@ -21470,7 +21878,7 @@
                         <a:buNone/>
                       </a:pPr>
                       <a:r>
-                        <a:rPr lang="en-US" sz="2400" dirty="0"/>
+                        <a:rPr lang="en-US" sz="2400"/>
                         <a:t>Played before = yes </a:t>
                       </a:r>
                     </a:p>
@@ -21485,7 +21893,7 @@
                         <a:buNone/>
                       </a:pPr>
                       <a:r>
-                        <a:rPr lang="en-US" sz="2400" dirty="0"/>
+                        <a:rPr lang="en-US" sz="2400"/>
                         <a:t>Amount to play with = 10</a:t>
                       </a:r>
                     </a:p>
@@ -21507,7 +21915,7 @@
                         <a:buNone/>
                       </a:pPr>
                       <a:r>
-                        <a:rPr lang="en-US" sz="2400" dirty="0"/>
+                        <a:rPr lang="en-US" sz="2400"/>
                         <a:t>Welcome message displayed</a:t>
                       </a:r>
                     </a:p>
@@ -21522,7 +21930,7 @@
                         <a:buNone/>
                       </a:pPr>
                       <a:r>
-                        <a:rPr lang="en-US" sz="2400" dirty="0"/>
+                        <a:rPr lang="en-US" sz="2400"/>
                         <a:t>No instructions displayed</a:t>
                       </a:r>
                     </a:p>
@@ -21606,7 +22014,7 @@
               </a:spcAft>
             </a:pPr>
             <a:r>
-              <a:rPr lang="en-NZ" dirty="0"/>
+              <a:rPr lang="en-NZ"/>
               <a:t>Describe relevant Implications:</a:t>
             </a:r>
           </a:p>
@@ -21665,7 +22073,7 @@
                     <a:lstStyle/>
                     <a:p>
                       <a:r>
-                        <a:rPr lang="en-NZ" dirty="0"/>
+                        <a:rPr lang="en-NZ"/>
                         <a:t>Relevant implication</a:t>
                       </a:r>
                     </a:p>
@@ -21678,7 +22086,7 @@
                     <a:lstStyle/>
                     <a:p>
                       <a:r>
-                        <a:rPr lang="en-NZ" dirty="0"/>
+                        <a:rPr lang="en-NZ"/>
                         <a:t>Describe the implication and give an example</a:t>
                       </a:r>
                     </a:p>
@@ -21698,7 +22106,7 @@
                     <a:lstStyle/>
                     <a:p>
                       <a:r>
-                        <a:rPr lang="en-NZ" dirty="0"/>
+                        <a:rPr lang="en-NZ"/>
                         <a:t>Functionality</a:t>
                       </a:r>
                     </a:p>
@@ -21711,7 +22119,7 @@
                     <a:lstStyle/>
                     <a:p>
                       <a:r>
-                        <a:rPr lang="en-NZ" dirty="0"/>
+                        <a:rPr lang="en-NZ"/>
                         <a:t>Functionality makes sure the program runs as its supposed to. It should work for all cases including boundary, expected, and unexpected. </a:t>
                       </a:r>
                     </a:p>
@@ -21731,7 +22139,7 @@
                     <a:lstStyle/>
                     <a:p>
                       <a:r>
-                        <a:rPr lang="en-NZ" dirty="0"/>
+                        <a:rPr lang="en-NZ"/>
                         <a:t>Usability</a:t>
                       </a:r>
                     </a:p>
@@ -21744,7 +22152,7 @@
                     <a:lstStyle/>
                     <a:p>
                       <a:r>
-                        <a:rPr lang="en-NZ" dirty="0"/>
+                        <a:rPr lang="en-NZ"/>
                         <a:t>Usability is how easy the program is to use. Instructions and error messages should be easily understood. Make sure the user does not feel frustrated.</a:t>
                       </a:r>
                     </a:p>
@@ -21764,7 +22172,7 @@
                     <a:lstStyle/>
                     <a:p>
                       <a:r>
-                        <a:rPr lang="en-NZ" dirty="0"/>
+                        <a:rPr lang="en-NZ"/>
                         <a:t>Aesthetics</a:t>
                       </a:r>
                     </a:p>
@@ -21777,7 +22185,7 @@
                     <a:lstStyle/>
                     <a:p>
                       <a:r>
-                        <a:rPr lang="en-NZ" dirty="0"/>
+                        <a:rPr lang="en-NZ"/>
                         <a:t>Aesthetics is how the program looks, and its appearance. An aesthetically pleasing program will contain well spaced instructions, prompts and decorations around key messages.</a:t>
                       </a:r>
                     </a:p>
@@ -21846,12 +22254,12 @@
           <a:lstStyle/>
           <a:p>
             <a:r>
-              <a:rPr lang="en-GB" dirty="0">
+              <a:rPr lang="en-GB">
                 <a:cs typeface="Calibri Light"/>
               </a:rPr>
               <a:t>Assembled Outcome  - Testing 2</a:t>
             </a:r>
-            <a:endParaRPr lang="en-GB" dirty="0"/>
+            <a:endParaRPr lang="en-GB"/>
           </a:p>
         </p:txBody>
       </p:sp>
@@ -21887,7 +22295,7 @@
           <a:lstStyle/>
           <a:p>
             <a:r>
-              <a:rPr lang="en-GB" dirty="0">
+              <a:rPr lang="en-GB">
                 <a:ea typeface="Calibri"/>
                 <a:cs typeface="Calibri"/>
               </a:rPr>
@@ -22116,10 +22524,10 @@
           <a:lstStyle/>
           <a:p>
             <a:r>
-              <a:rPr lang="en" sz="4000" dirty="0"/>
+              <a:rPr lang="en" sz="4000"/>
               <a:t>Assembled Outcome 3: Test Plan</a:t>
             </a:r>
-            <a:endParaRPr sz="4000" dirty="0"/>
+            <a:endParaRPr sz="4000"/>
           </a:p>
         </p:txBody>
       </p:sp>
@@ -22177,10 +22585,10 @@
                         <a:buNone/>
                       </a:pPr>
                       <a:r>
-                        <a:rPr lang="en" sz="2400" b="1" dirty="0"/>
+                        <a:rPr lang="en" sz="2400" b="1"/>
                         <a:t>Test Cases - input</a:t>
                       </a:r>
-                      <a:endParaRPr sz="2400" b="1" dirty="0"/>
+                      <a:endParaRPr sz="2400" b="1"/>
                     </a:p>
                   </a:txBody>
                   <a:tcPr marL="121900" marR="121900" marT="121900" marB="121900">
@@ -22204,10 +22612,10 @@
                         <a:buNone/>
                       </a:pPr>
                       <a:r>
-                        <a:rPr lang="en" sz="2400" b="1" dirty="0"/>
+                        <a:rPr lang="en" sz="2400" b="1"/>
                         <a:t>Expected output</a:t>
                       </a:r>
-                      <a:endParaRPr sz="2400" b="1" dirty="0"/>
+                      <a:endParaRPr sz="2400" b="1"/>
                     </a:p>
                   </a:txBody>
                   <a:tcPr marL="121900" marR="121900" marT="121900" marB="121900">
@@ -22238,7 +22646,7 @@
                         <a:buNone/>
                       </a:pPr>
                       <a:r>
-                        <a:rPr lang="en-US" sz="2400" dirty="0"/>
+                        <a:rPr lang="en-US" sz="2400"/>
                         <a:t>Pay until balance is $3.00 /$2.50, then 'X' to quit</a:t>
                       </a:r>
                     </a:p>
@@ -22260,7 +22668,7 @@
                         <a:buNone/>
                       </a:pPr>
                       <a:r>
-                        <a:rPr lang="en-US" sz="2400" dirty="0"/>
+                        <a:rPr lang="en-US" sz="2400"/>
                         <a:t>For each round: </a:t>
                       </a:r>
                     </a:p>
@@ -22275,7 +22683,7 @@
                         <a:buNone/>
                       </a:pPr>
                       <a:r>
-                        <a:rPr lang="en-US" sz="2400" dirty="0"/>
+                        <a:rPr lang="en-US" sz="2400"/>
                         <a:t>Random token generated </a:t>
                       </a:r>
                     </a:p>
@@ -22290,7 +22698,7 @@
                         <a:buNone/>
                       </a:pPr>
                       <a:r>
-                        <a:rPr lang="en-US" sz="2400" dirty="0"/>
+                        <a:rPr lang="en-US" sz="2400"/>
                         <a:t>Balance and round number updated</a:t>
                       </a:r>
                     </a:p>
@@ -22305,7 +22713,7 @@
                         <a:buNone/>
                       </a:pPr>
                       <a:r>
-                        <a:rPr lang="en-US" sz="2400" dirty="0"/>
+                        <a:rPr lang="en-US" sz="2400"/>
                         <a:t>(lose $1 for donkeys, lose $0.50 for horse or zebra, gain $4 for Unicorn)</a:t>
                       </a:r>
                     </a:p>
@@ -22319,7 +22727,7 @@
                         </a:spcAft>
                         <a:buNone/>
                       </a:pPr>
-                      <a:endParaRPr lang="en-US" sz="2400" dirty="0"/>
+                      <a:endParaRPr lang="en-US" sz="2400"/>
                     </a:p>
                     <a:p>
                       <a:pPr marL="0" lvl="0" indent="0" algn="l">
@@ -22332,7 +22740,7 @@
                         <a:buNone/>
                       </a:pPr>
                       <a:r>
-                        <a:rPr lang="en-US" sz="2400" dirty="0"/>
+                        <a:rPr lang="en-US" sz="2400"/>
                         <a:t>At end:</a:t>
                       </a:r>
                     </a:p>
@@ -22347,7 +22755,7 @@
                         <a:buNone/>
                       </a:pPr>
                       <a:r>
-                        <a:rPr lang="en-US" sz="2400" dirty="0"/>
+                        <a:rPr lang="en-US" sz="2400"/>
                         <a:t>Stats generated showing starting amount of $1 and final balance of $0.50 or $0.00</a:t>
                       </a:r>
                     </a:p>
@@ -22416,12 +22824,12 @@
           <a:lstStyle/>
           <a:p>
             <a:r>
-              <a:rPr lang="en-GB" dirty="0">
+              <a:rPr lang="en-GB">
                 <a:cs typeface="Calibri Light"/>
               </a:rPr>
               <a:t>Assembled Outcome  - Testing 3</a:t>
             </a:r>
-            <a:endParaRPr lang="en-GB" dirty="0"/>
+            <a:endParaRPr lang="en-GB"/>
           </a:p>
         </p:txBody>
       </p:sp>
@@ -22457,7 +22865,7 @@
           <a:lstStyle/>
           <a:p>
             <a:r>
-              <a:rPr lang="en-GB" dirty="0">
+              <a:rPr lang="en-GB">
                 <a:ea typeface="Calibri"/>
                 <a:cs typeface="Calibri"/>
               </a:rPr>
@@ -22593,7 +23001,7 @@
               </a:spcAft>
             </a:pPr>
             <a:r>
-              <a:rPr lang="en-NZ" sz="4000" dirty="0"/>
+              <a:rPr lang="en-NZ" sz="4000"/>
               <a:t>Address relevant Implications:</a:t>
             </a:r>
           </a:p>
@@ -22652,7 +23060,7 @@
                     <a:lstStyle/>
                     <a:p>
                       <a:r>
-                        <a:rPr lang="en-NZ" dirty="0"/>
+                        <a:rPr lang="en-NZ"/>
                         <a:t>Relevant implication</a:t>
                       </a:r>
                     </a:p>
@@ -22665,15 +23073,15 @@
                     <a:lstStyle/>
                     <a:p>
                       <a:r>
-                        <a:rPr lang="en-NZ" dirty="0"/>
+                        <a:rPr lang="en-NZ"/>
                         <a:t>Explain how your final outcome </a:t>
                       </a:r>
                       <a:r>
-                        <a:rPr lang="en-NZ" b="1" i="1" dirty="0"/>
+                        <a:rPr lang="en-NZ" b="1" i="1"/>
                         <a:t>addresses</a:t>
                       </a:r>
                       <a:r>
-                        <a:rPr lang="en-NZ" dirty="0"/>
+                        <a:rPr lang="en-NZ"/>
                         <a:t> each implication</a:t>
                       </a:r>
                     </a:p>
@@ -22693,7 +23101,7 @@
                     <a:lstStyle/>
                     <a:p>
                       <a:r>
-                        <a:rPr lang="en-NZ" dirty="0"/>
+                        <a:rPr lang="en-NZ"/>
                         <a:t>Functionality</a:t>
                       </a:r>
                     </a:p>
@@ -22706,15 +23114,15 @@
                     <a:lstStyle/>
                     <a:p>
                       <a:r>
-                        <a:rPr lang="en-NZ" dirty="0"/>
+                        <a:rPr lang="en-NZ"/>
                         <a:t>I have thoroughly tested my outcome to ensure that the functionality implication has been addressed (</a:t>
                       </a:r>
                       <a:r>
-                        <a:rPr lang="en-NZ" dirty="0" err="1"/>
+                        <a:rPr lang="en-NZ" err="1"/>
                         <a:t>i.e</a:t>
                       </a:r>
                       <a:r>
-                        <a:rPr lang="en-NZ" dirty="0"/>
+                        <a:rPr lang="en-NZ"/>
                         <a:t>, it works for expected, unexpected, and boundary cases)</a:t>
                       </a:r>
                     </a:p>
@@ -22734,7 +23142,7 @@
                     <a:lstStyle/>
                     <a:p>
                       <a:r>
-                        <a:rPr lang="en-NZ" dirty="0"/>
+                        <a:rPr lang="en-NZ"/>
                         <a:t>Usability</a:t>
                       </a:r>
                     </a:p>
@@ -22747,7 +23155,7 @@
                     <a:lstStyle/>
                     <a:p>
                       <a:r>
-                        <a:rPr lang="en-NZ" dirty="0"/>
+                        <a:rPr lang="en-NZ"/>
                         <a:t>I have included optional instructions and clear error messages to make the outcome easy to use.</a:t>
                       </a:r>
                     </a:p>
@@ -22770,7 +23178,7 @@
                         <a:buNone/>
                       </a:pPr>
                       <a:r>
-                        <a:rPr lang="en-NZ" dirty="0"/>
+                        <a:rPr lang="en-NZ"/>
                         <a:t>Aesthetics</a:t>
                       </a:r>
                       <a:endParaRPr lang="en-US"/>
@@ -22784,10 +23192,10 @@
                     <a:lstStyle/>
                     <a:p>
                       <a:r>
-                        <a:rPr lang="en-NZ" dirty="0"/>
+                        <a:rPr lang="en-NZ"/>
                         <a:t>I have used a statement generator to add decorations on important texts and have effectively spaced out the output to enhance the appearance. While aesthetics is not the main goal of this program, ensuring the outcome looks good can also help address the usability implication.</a:t>
                       </a:r>
-                      <a:endParaRPr lang="en-NZ" dirty="0" err="1"/>
+                      <a:endParaRPr lang="en-NZ" err="1"/>
                     </a:p>
                   </a:txBody>
                   <a:tcPr/>
@@ -22805,7 +23213,7 @@
                     <a:lstStyle/>
                     <a:p>
                       <a:r>
-                        <a:rPr lang="en-NZ" dirty="0"/>
+                        <a:rPr lang="en-NZ"/>
                         <a:t>Social</a:t>
                       </a:r>
                     </a:p>
@@ -22818,7 +23226,7 @@
                     <a:lstStyle/>
                     <a:p>
                       <a:r>
-                        <a:rPr lang="en-NZ" dirty="0"/>
+                        <a:rPr lang="en-NZ"/>
                         <a:t>My program has a $10 limit of how much the user can play with. This addresses the social implication of gambling, by making it difficult for the user to spend too much money.</a:t>
                       </a:r>
                     </a:p>
@@ -22841,7 +23249,7 @@
                         <a:buNone/>
                       </a:pPr>
                       <a:r>
-                        <a:rPr lang="en-NZ" dirty="0"/>
+                        <a:rPr lang="en-NZ"/>
                         <a:t>Future Proofing</a:t>
                       </a:r>
                     </a:p>
@@ -22857,7 +23265,7 @@
                         <a:buNone/>
                       </a:pPr>
                       <a:r>
-                        <a:rPr lang="en-NZ" dirty="0"/>
+                        <a:rPr lang="en-NZ"/>
                         <a:t>I avoided using literals and used functions to make my code is flexible easy to modify if needed. The code is clearly commented and well set out so another programmer could easily edit it in the future.</a:t>
                       </a:r>
                     </a:p>
@@ -22933,7 +23341,7 @@
           <a:lstStyle/>
           <a:p>
             <a:r>
-              <a:rPr lang="en-NZ" sz="4000" dirty="0"/>
+              <a:rPr lang="en-NZ" sz="4000"/>
               <a:t>Version Control Evidence:</a:t>
             </a:r>
           </a:p>
@@ -23031,10 +23439,10 @@
           <a:lstStyle/>
           <a:p>
             <a:r>
-              <a:rPr lang="en-GB" dirty="0"/>
+              <a:rPr lang="en-GB"/>
               <a:t>Local OneDrive directory</a:t>
             </a:r>
-            <a:endParaRPr lang="en-GB" dirty="0">
+            <a:endParaRPr lang="en-GB">
               <a:cs typeface="Calibri"/>
             </a:endParaRPr>
           </a:p>
@@ -23072,7 +23480,7 @@
           <a:lstStyle/>
           <a:p>
             <a:r>
-              <a:rPr lang="en-GB" dirty="0">
+              <a:rPr lang="en-GB">
                 <a:cs typeface="Calibri"/>
               </a:rPr>
               <a:t>Project saved in GitHub repository</a:t>
@@ -23169,7 +23577,7 @@
           <a:lstStyle/>
           <a:p>
             <a:r>
-              <a:rPr lang="en-NZ" sz="4000" dirty="0"/>
+              <a:rPr lang="en-NZ" sz="4000"/>
               <a:t>Final Discussion:</a:t>
             </a:r>
           </a:p>
@@ -23202,7 +23610,7 @@
           </a:bodyPr>
           <a:lstStyle/>
           <a:p>
-            <a:endParaRPr lang="en-NZ" i="1" dirty="0">
+            <a:endParaRPr lang="en-NZ" i="1">
               <a:latin typeface="Arial" panose="020B0604020202020204" pitchFamily="34" charset="0"/>
               <a:cs typeface="Arial"/>
             </a:endParaRPr>
@@ -23245,14 +23653,14 @@
               <a:buChar char="•"/>
             </a:pPr>
             <a:r>
-              <a:rPr lang="en-GB" dirty="0">
+              <a:rPr lang="en-GB">
                 <a:cs typeface="Calibri"/>
               </a:rPr>
               <a:t>While developing this program, I planned, tested and trialled each individual component and then tested it together as a whole game </a:t>
             </a:r>
           </a:p>
           <a:p>
-            <a:endParaRPr lang="en-GB" dirty="0">
+            <a:endParaRPr lang="en-GB">
               <a:cs typeface="Calibri"/>
             </a:endParaRPr>
           </a:p>
@@ -23262,14 +23670,14 @@
               <a:buChar char="•"/>
             </a:pPr>
             <a:r>
-              <a:rPr lang="en-GB" dirty="0">
+              <a:rPr lang="en-GB">
                 <a:cs typeface="Calibri"/>
               </a:rPr>
               <a:t>By decomposing the problem, I could efficiently plan my program and focus on creating and testing small chunks of code. I thoroughly tested the code during and after construction.</a:t>
             </a:r>
           </a:p>
           <a:p>
-            <a:endParaRPr lang="en-GB" dirty="0">
+            <a:endParaRPr lang="en-GB">
               <a:cs typeface="Calibri"/>
             </a:endParaRPr>
           </a:p>
@@ -23279,14 +23687,14 @@
               <a:buChar char="•"/>
             </a:pPr>
             <a:r>
-              <a:rPr lang="en-GB" dirty="0">
+              <a:rPr lang="en-GB">
                 <a:cs typeface="Calibri"/>
               </a:rPr>
               <a:t>By testing, I was able to see the flaws in my program, and fix them before adding to the full program</a:t>
             </a:r>
           </a:p>
           <a:p>
-            <a:endParaRPr lang="en-GB" dirty="0">
+            <a:endParaRPr lang="en-GB">
               <a:cs typeface="Calibri"/>
             </a:endParaRPr>
           </a:p>
@@ -23296,14 +23704,14 @@
               <a:buChar char="•"/>
             </a:pPr>
             <a:r>
-              <a:rPr lang="en-GB" dirty="0">
+              <a:rPr lang="en-GB">
                 <a:cs typeface="Calibri"/>
               </a:rPr>
               <a:t>Having volunteers use my program enabled me to improve its functionality and receive ideas about how I could make it better. This raised the reliability and quality of the final outcome.</a:t>
             </a:r>
           </a:p>
           <a:p>
-            <a:endParaRPr lang="en-GB" dirty="0">
+            <a:endParaRPr lang="en-GB">
               <a:cs typeface="Calibri"/>
             </a:endParaRPr>
           </a:p>
@@ -23313,14 +23721,14 @@
               <a:buChar char="•"/>
             </a:pPr>
             <a:r>
-              <a:rPr lang="en-GB" dirty="0">
+              <a:rPr lang="en-GB">
                 <a:cs typeface="Calibri"/>
               </a:rPr>
               <a:t>User feedback enabled me to see the program from a non-programmer's point of view. The information from the planning, testing, and trialling and user feedback, enabled me to produce a high-quality outcome.</a:t>
             </a:r>
           </a:p>
           <a:p>
-            <a:endParaRPr lang="en-GB" dirty="0">
+            <a:endParaRPr lang="en-GB">
               <a:cs typeface="Calibri"/>
             </a:endParaRPr>
           </a:p>
@@ -23330,27 +23738,27 @@
               <a:buChar char="•"/>
             </a:pPr>
             <a:r>
-              <a:rPr lang="en-GB" dirty="0">
+              <a:rPr lang="en-GB">
                 <a:cs typeface="Calibri"/>
               </a:rPr>
               <a:t>I made sure my code met all Pep8 standards by checking it through here </a:t>
             </a:r>
             <a:r>
-              <a:rPr lang="en-GB" dirty="0">
+              <a:rPr lang="en-GB">
                 <a:ea typeface="+mn-lt"/>
                 <a:cs typeface="+mn-lt"/>
                 <a:hlinkClick r:id="rId3"/>
               </a:rPr>
               <a:t>pep8online</a:t>
             </a:r>
-            <a:endParaRPr lang="en-GB" dirty="0">
+            <a:endParaRPr lang="en-GB">
               <a:ea typeface="+mn-lt"/>
               <a:cs typeface="+mn-lt"/>
             </a:endParaRPr>
           </a:p>
           <a:p>
             <a:r>
-              <a:rPr lang="en-GB" dirty="0">
+              <a:rPr lang="en-GB">
                 <a:ea typeface="+mn-lt"/>
                 <a:cs typeface="+mn-lt"/>
               </a:rPr>
@@ -23358,7 +23766,7 @@
             </a:r>
           </a:p>
           <a:p>
-            <a:endParaRPr lang="en-GB" dirty="0">
+            <a:endParaRPr lang="en-GB">
               <a:ea typeface="+mn-lt"/>
               <a:cs typeface="+mn-lt"/>
             </a:endParaRPr>
@@ -23523,7 +23931,7 @@
               </a:spcAft>
             </a:pPr>
             <a:r>
-              <a:rPr lang="en-NZ" dirty="0"/>
+              <a:rPr lang="en-NZ"/>
               <a:t>Describe relevant Implications 2:</a:t>
             </a:r>
           </a:p>
@@ -23582,7 +23990,7 @@
                     <a:lstStyle/>
                     <a:p>
                       <a:r>
-                        <a:rPr lang="en-NZ" dirty="0"/>
+                        <a:rPr lang="en-NZ"/>
                         <a:t>Relevant implication</a:t>
                       </a:r>
                     </a:p>
@@ -23595,7 +24003,7 @@
                     <a:lstStyle/>
                     <a:p>
                       <a:r>
-                        <a:rPr lang="en-NZ" dirty="0"/>
+                        <a:rPr lang="en-NZ"/>
                         <a:t>Describe the implication and give an example</a:t>
                       </a:r>
                     </a:p>
@@ -23615,7 +24023,7 @@
                     <a:lstStyle/>
                     <a:p>
                       <a:r>
-                        <a:rPr lang="en-NZ" dirty="0"/>
+                        <a:rPr lang="en-NZ"/>
                         <a:t>Social</a:t>
                       </a:r>
                     </a:p>
@@ -23628,7 +24036,7 @@
                     <a:lstStyle/>
                     <a:p>
                       <a:r>
-                        <a:rPr lang="en-NZ" dirty="0"/>
+                        <a:rPr lang="en-NZ"/>
                         <a:t>Social implications are about the affect a computer program might have on users, the wider community, and society overall. For example, programs about gambling would be negative. Use clear instructions, and inoffensive feedback.</a:t>
                       </a:r>
                     </a:p>
@@ -23648,7 +24056,7 @@
                     <a:lstStyle/>
                     <a:p>
                       <a:r>
-                        <a:rPr lang="en-NZ" dirty="0"/>
+                        <a:rPr lang="en-NZ"/>
                         <a:t>Future Proofing</a:t>
                       </a:r>
                     </a:p>
@@ -23661,7 +24069,7 @@
                     <a:lstStyle/>
                     <a:p>
                       <a:r>
-                        <a:rPr lang="en-NZ" dirty="0"/>
+                        <a:rPr lang="en-NZ"/>
                         <a:t>Future proofing makes sure a program is flexible, adaptable, and easily modified. A programmer should be able to easily make changes, if it is well set out and commented. They should understand the purpose and reasoning behind the code. It is important to use constants rather than literals.</a:t>
                       </a:r>
                     </a:p>
@@ -23737,7 +24145,7 @@
           <a:lstStyle/>
           <a:p>
             <a:r>
-              <a:rPr lang="en-NZ" sz="4000" dirty="0"/>
+              <a:rPr lang="en-NZ" sz="4000"/>
               <a:t>Decomposition:</a:t>
             </a:r>
           </a:p>
@@ -23776,11 +24184,11 @@
               </a:lnSpc>
             </a:pPr>
             <a:r>
-              <a:rPr lang="en-NZ" i="1" dirty="0"/>
+              <a:rPr lang="en-NZ" i="1"/>
               <a:t>Paste screenshots of your initial Trello board / task decomposition on this slide.  If you have a long list, you might need to break it up into several slides. </a:t>
             </a:r>
             <a:r>
-              <a:rPr lang="en-NZ" dirty="0">
+              <a:rPr lang="en-NZ">
                 <a:latin typeface="Arial" panose="020B0604020202020204" pitchFamily="34" charset="0"/>
                 <a:ea typeface="Arial" panose="020B0604020202020204" pitchFamily="34" charset="0"/>
               </a:rPr>
@@ -23789,66 +24197,46 @@
           </a:p>
         </p:txBody>
       </p:sp>
-      <p:pic>
-        <p:nvPicPr>
-          <p:cNvPr id="3" name="Picture 4" descr="Graphical user interface, application&#10;&#10;Description automatically generated">
+      <p:sp>
+        <p:nvSpPr>
+          <p:cNvPr id="3" name="TextBox 2">
             <a:extLst>
               <a:ext uri="{FF2B5EF4-FFF2-40B4-BE49-F238E27FC236}">
-                <a16:creationId xmlns:a16="http://schemas.microsoft.com/office/drawing/2014/main" id="{7578DF5D-5BCC-4B37-9133-7404DA9CE531}"/>
+                <a16:creationId xmlns:a16="http://schemas.microsoft.com/office/drawing/2014/main" id="{C4D12EBA-1761-5A9C-FBA4-482A1C0B8694}"/>
               </a:ext>
             </a:extLst>
           </p:cNvPr>
-          <p:cNvPicPr>
-            <a:picLocks noChangeAspect="1"/>
-          </p:cNvPicPr>
+          <p:cNvSpPr txBox="1"/>
           <p:nvPr/>
-        </p:nvPicPr>
-        <p:blipFill>
-          <a:blip r:embed="rId3"/>
-          <a:stretch>
-            <a:fillRect/>
-          </a:stretch>
-        </p:blipFill>
+        </p:nvSpPr>
         <p:spPr>
           <a:xfrm>
-            <a:off x="835959" y="2080638"/>
-            <a:ext cx="6516833" cy="3925777"/>
+            <a:off x="3139440" y="2743200"/>
+            <a:ext cx="2743200" cy="646331"/>
           </a:xfrm>
           <a:prstGeom prst="rect">
             <a:avLst/>
           </a:prstGeom>
+          <a:noFill/>
         </p:spPr>
-      </p:pic>
-      <p:pic>
-        <p:nvPicPr>
-          <p:cNvPr id="5" name="Picture 5" descr="Graphical user interface, text, application&#10;&#10;Description automatically generated">
-            <a:extLst>
-              <a:ext uri="{FF2B5EF4-FFF2-40B4-BE49-F238E27FC236}">
-                <a16:creationId xmlns:a16="http://schemas.microsoft.com/office/drawing/2014/main" id="{DA4AF9FA-9E3C-444C-8D87-519C4FEDB3A7}"/>
-              </a:ext>
-            </a:extLst>
-          </p:cNvPr>
-          <p:cNvPicPr>
-            <a:picLocks noChangeAspect="1"/>
-          </p:cNvPicPr>
-          <p:nvPr/>
-        </p:nvPicPr>
-        <p:blipFill>
-          <a:blip r:embed="rId4"/>
-          <a:stretch>
-            <a:fillRect/>
-          </a:stretch>
-        </p:blipFill>
-        <p:spPr>
-          <a:xfrm>
-            <a:off x="8088702" y="1750943"/>
-            <a:ext cx="2978523" cy="4256389"/>
-          </a:xfrm>
-          <a:prstGeom prst="rect">
-            <a:avLst/>
-          </a:prstGeom>
-        </p:spPr>
-      </p:pic>
+        <p:txBody>
+          <a:bodyPr rot="0" spcFirstLastPara="0" vertOverflow="overflow" horzOverflow="overflow" vert="horz" wrap="square" lIns="91440" tIns="45720" rIns="91440" bIns="45720" numCol="1" spcCol="0" rtlCol="0" fromWordArt="0" anchor="t" anchorCtr="0" forceAA="0" compatLnSpc="1">
+            <a:prstTxWarp prst="textNoShape">
+              <a:avLst/>
+            </a:prstTxWarp>
+            <a:spAutoFit/>
+          </a:bodyPr>
+          <a:lstStyle/>
+          <a:p>
+            <a:r>
+              <a:rPr lang="en-GB" dirty="0">
+                <a:cs typeface="Calibri"/>
+              </a:rPr>
+              <a:t>*Full decomposition will go here*</a:t>
+            </a:r>
+          </a:p>
+        </p:txBody>
+      </p:sp>
     </p:spTree>
     <p:extLst>
       <p:ext uri="{BB962C8B-B14F-4D97-AF65-F5344CB8AC3E}">
@@ -23879,6 +24267,36 @@
           <a:chExt cx="0" cy="0"/>
         </a:xfrm>
       </p:grpSpPr>
+      <p:pic>
+        <p:nvPicPr>
+          <p:cNvPr id="4" name="Picture 5" descr="Graphical user interface, text, application, chat or text message&#10;&#10;Description automatically generated">
+            <a:extLst>
+              <a:ext uri="{FF2B5EF4-FFF2-40B4-BE49-F238E27FC236}">
+                <a16:creationId xmlns:a16="http://schemas.microsoft.com/office/drawing/2014/main" id="{F2F882F1-599C-0034-1464-7A564C0077FA}"/>
+              </a:ext>
+            </a:extLst>
+          </p:cNvPr>
+          <p:cNvPicPr>
+            <a:picLocks noChangeAspect="1"/>
+          </p:cNvPicPr>
+          <p:nvPr/>
+        </p:nvPicPr>
+        <p:blipFill>
+          <a:blip r:embed="rId3"/>
+          <a:stretch>
+            <a:fillRect/>
+          </a:stretch>
+        </p:blipFill>
+        <p:spPr>
+          <a:xfrm>
+            <a:off x="6410960" y="1373082"/>
+            <a:ext cx="2875280" cy="2984075"/>
+          </a:xfrm>
+          <a:prstGeom prst="rect">
+            <a:avLst/>
+          </a:prstGeom>
+        </p:spPr>
+      </p:pic>
       <p:sp>
         <p:nvSpPr>
           <p:cNvPr id="86" name="Google Shape;86;p18"/>
@@ -23905,43 +24323,13 @@
           <a:lstStyle/>
           <a:p>
             <a:r>
-              <a:rPr lang="en" sz="4000" dirty="0"/>
+              <a:rPr lang="en" sz="4000"/>
               <a:t>Component 1 (Instructions and Yes/No checker)</a:t>
             </a:r>
-            <a:endParaRPr sz="4000" dirty="0"/>
+            <a:endParaRPr sz="4000"/>
           </a:p>
         </p:txBody>
       </p:sp>
-      <p:pic>
-        <p:nvPicPr>
-          <p:cNvPr id="2" name="Picture 2" descr="Graphical user interface, text, application&#10;&#10;Description automatically generated">
-            <a:extLst>
-              <a:ext uri="{FF2B5EF4-FFF2-40B4-BE49-F238E27FC236}">
-                <a16:creationId xmlns:a16="http://schemas.microsoft.com/office/drawing/2014/main" id="{6A484709-C50D-4D4E-A116-F1A8E11C293C}"/>
-              </a:ext>
-            </a:extLst>
-          </p:cNvPr>
-          <p:cNvPicPr>
-            <a:picLocks noChangeAspect="1"/>
-          </p:cNvPicPr>
-          <p:nvPr/>
-        </p:nvPicPr>
-        <p:blipFill>
-          <a:blip r:embed="rId3"/>
-          <a:stretch>
-            <a:fillRect/>
-          </a:stretch>
-        </p:blipFill>
-        <p:spPr>
-          <a:xfrm>
-            <a:off x="2553419" y="1272909"/>
-            <a:ext cx="7099540" cy="5275462"/>
-          </a:xfrm>
-          <a:prstGeom prst="rect">
-            <a:avLst/>
-          </a:prstGeom>
-        </p:spPr>
-      </p:pic>
       <p:sp>
         <p:nvSpPr>
           <p:cNvPr id="3" name="Rectangle 2">
@@ -24043,6 +24431,46 @@
           <a:p>
             <a:pPr algn="ctr"/>
             <a:endParaRPr lang="en-GB"/>
+          </a:p>
+        </p:txBody>
+      </p:sp>
+      <p:sp>
+        <p:nvSpPr>
+          <p:cNvPr id="6" name="TextBox 5">
+            <a:extLst>
+              <a:ext uri="{FF2B5EF4-FFF2-40B4-BE49-F238E27FC236}">
+                <a16:creationId xmlns:a16="http://schemas.microsoft.com/office/drawing/2014/main" id="{9B25511D-50ED-F38E-0FC5-F9BA20706742}"/>
+              </a:ext>
+            </a:extLst>
+          </p:cNvPr>
+          <p:cNvSpPr txBox="1"/>
+          <p:nvPr/>
+        </p:nvSpPr>
+        <p:spPr>
+          <a:xfrm>
+            <a:off x="2905760" y="1503680"/>
+            <a:ext cx="2743200" cy="646331"/>
+          </a:xfrm>
+          <a:prstGeom prst="rect">
+            <a:avLst/>
+          </a:prstGeom>
+          <a:noFill/>
+        </p:spPr>
+        <p:txBody>
+          <a:bodyPr rot="0" spcFirstLastPara="0" vertOverflow="overflow" horzOverflow="overflow" vert="horz" wrap="square" lIns="91440" tIns="45720" rIns="91440" bIns="45720" numCol="1" spcCol="0" rtlCol="0" fromWordArt="0" anchor="t" anchorCtr="0" forceAA="0" compatLnSpc="1">
+            <a:prstTxWarp prst="textNoShape">
+              <a:avLst/>
+            </a:prstTxWarp>
+            <a:spAutoFit/>
+          </a:bodyPr>
+          <a:lstStyle/>
+          <a:p>
+            <a:r>
+              <a:rPr lang="en-GB" dirty="0">
+                <a:cs typeface="Calibri"/>
+              </a:rPr>
+              <a:t>*Full decomposition will go here*</a:t>
+            </a:r>
           </a:p>
         </p:txBody>
       </p:sp>
@@ -24097,10 +24525,10 @@
           <a:lstStyle/>
           <a:p>
             <a:r>
-              <a:rPr lang="en" sz="4000" dirty="0"/>
+              <a:rPr lang="en" sz="4000"/>
               <a:t>Yes/No Checker - Test Plan</a:t>
             </a:r>
-            <a:endParaRPr sz="4000" dirty="0"/>
+            <a:endParaRPr sz="4000"/>
           </a:p>
         </p:txBody>
       </p:sp>
@@ -24158,10 +24586,10 @@
                         <a:buNone/>
                       </a:pPr>
                       <a:r>
-                        <a:rPr lang="en" sz="2400" b="1" dirty="0"/>
+                        <a:rPr lang="en" sz="2400" b="1"/>
                         <a:t>Test Cases - input</a:t>
                       </a:r>
-                      <a:endParaRPr sz="2400" b="1" dirty="0"/>
+                      <a:endParaRPr sz="2400" b="1"/>
                     </a:p>
                   </a:txBody>
                   <a:tcPr marL="121900" marR="121900" marT="121900" marB="121900">
@@ -24185,10 +24613,10 @@
                         <a:buNone/>
                       </a:pPr>
                       <a:r>
-                        <a:rPr lang="en" sz="2400" b="1" dirty="0"/>
+                        <a:rPr lang="en" sz="2400" b="1"/>
                         <a:t>Expected output</a:t>
                       </a:r>
-                      <a:endParaRPr sz="2400" b="1" dirty="0"/>
+                      <a:endParaRPr sz="2400" b="1"/>
                     </a:p>
                   </a:txBody>
                   <a:tcPr marL="121900" marR="121900" marT="121900" marB="121900">
@@ -24219,7 +24647,7 @@
                         <a:buNone/>
                       </a:pPr>
                       <a:r>
-                        <a:rPr lang="en-US" sz="2400" dirty="0"/>
+                        <a:rPr lang="en-US" sz="2400"/>
                         <a:t>yes</a:t>
                       </a:r>
                     </a:p>
@@ -24241,10 +24669,10 @@
                         <a:buNone/>
                       </a:pPr>
                       <a:r>
-                        <a:rPr lang="en-US" sz="2400" dirty="0"/>
+                        <a:rPr lang="en-US" sz="2400"/>
                         <a:t>Program continues</a:t>
                       </a:r>
-                      <a:endParaRPr sz="2400" dirty="0"/>
+                      <a:endParaRPr sz="2400"/>
                     </a:p>
                   </a:txBody>
                   <a:tcPr marL="121900" marR="121900" marT="121900" marB="121900"/>
@@ -24271,7 +24699,7 @@
                         <a:buNone/>
                       </a:pPr>
                       <a:r>
-                        <a:rPr lang="en-US" sz="2400" dirty="0"/>
+                        <a:rPr lang="en-US" sz="2400"/>
                         <a:t>y</a:t>
                       </a:r>
                     </a:p>
@@ -24293,12 +24721,12 @@
                         <a:buNone/>
                       </a:pPr>
                       <a:r>
-                        <a:rPr lang="en-US" sz="2400" b="0" i="0" u="none" strike="noStrike" noProof="0" dirty="0">
+                        <a:rPr lang="en-US" sz="2400" b="0" i="0" u="none" strike="noStrike" noProof="0">
                           <a:latin typeface="Calibri"/>
                         </a:rPr>
                         <a:t>Program continues</a:t>
                       </a:r>
-                      <a:endParaRPr dirty="0"/>
+                      <a:endParaRPr/>
                     </a:p>
                   </a:txBody>
                   <a:tcPr marL="121899" marR="121899" marT="121899" marB="121899"/>
@@ -24325,7 +24753,7 @@
                         <a:buNone/>
                       </a:pPr>
                       <a:r>
-                        <a:rPr lang="en-US" sz="2400" dirty="0"/>
+                        <a:rPr lang="en-US" sz="2400"/>
                         <a:t>No</a:t>
                       </a:r>
                     </a:p>
@@ -24347,12 +24775,12 @@
                         <a:buNone/>
                       </a:pPr>
                       <a:r>
-                        <a:rPr lang="en-US" sz="2400" b="0" i="0" u="none" strike="noStrike" noProof="0" dirty="0">
+                        <a:rPr lang="en-US" sz="2400" b="0" i="0" u="none" strike="noStrike" noProof="0">
                           <a:latin typeface="Calibri"/>
                         </a:rPr>
                         <a:t>Program continues</a:t>
                       </a:r>
-                      <a:endParaRPr dirty="0"/>
+                      <a:endParaRPr/>
                     </a:p>
                   </a:txBody>
                   <a:tcPr marL="121898" marR="121898" marT="121898" marB="121898"/>
@@ -24379,7 +24807,7 @@
                         <a:buNone/>
                       </a:pPr>
                       <a:r>
-                        <a:rPr lang="en-US" sz="2400" dirty="0"/>
+                        <a:rPr lang="en-US" sz="2400"/>
                         <a:t>N</a:t>
                       </a:r>
                     </a:p>
@@ -24401,12 +24829,12 @@
                         <a:buNone/>
                       </a:pPr>
                       <a:r>
-                        <a:rPr lang="en-US" sz="2400" b="0" i="0" u="none" strike="noStrike" noProof="0" dirty="0">
+                        <a:rPr lang="en-US" sz="2400" b="0" i="0" u="none" strike="noStrike" noProof="0">
                           <a:latin typeface="Calibri"/>
                         </a:rPr>
                         <a:t>Program continues</a:t>
                       </a:r>
-                      <a:endParaRPr dirty="0"/>
+                      <a:endParaRPr/>
                     </a:p>
                   </a:txBody>
                   <a:tcPr marL="121898" marR="121898" marT="121898" marB="121898"/>
@@ -24433,7 +24861,7 @@
                         <a:buNone/>
                       </a:pPr>
                       <a:r>
-                        <a:rPr lang="en-US" sz="2400" dirty="0"/>
+                        <a:rPr lang="en-US" sz="2400"/>
                         <a:t>Yes</a:t>
                       </a:r>
                     </a:p>
@@ -24455,12 +24883,12 @@
                         <a:buNone/>
                       </a:pPr>
                       <a:r>
-                        <a:rPr lang="en-US" sz="2400" b="0" i="0" u="none" strike="noStrike" noProof="0" dirty="0">
+                        <a:rPr lang="en-US" sz="2400" b="0" i="0" u="none" strike="noStrike" noProof="0">
                           <a:latin typeface="Calibri"/>
                         </a:rPr>
                         <a:t>Program continues</a:t>
                       </a:r>
-                      <a:endParaRPr dirty="0"/>
+                      <a:endParaRPr/>
                     </a:p>
                   </a:txBody>
                   <a:tcPr marL="121898" marR="121898" marT="121898" marB="121898"/>
@@ -24487,7 +24915,7 @@
                         <a:buNone/>
                       </a:pPr>
                       <a:r>
-                        <a:rPr lang="en-US" sz="2400" dirty="0"/>
+                        <a:rPr lang="en-US" sz="2400"/>
                         <a:t>Maybe</a:t>
                       </a:r>
                     </a:p>
@@ -24509,10 +24937,10 @@
                         <a:buNone/>
                       </a:pPr>
                       <a:r>
-                        <a:rPr lang="en-US" sz="2400" dirty="0"/>
+                        <a:rPr lang="en-US" sz="2400"/>
                         <a:t>Please answer "Yes" or "No"</a:t>
                       </a:r>
-                      <a:endParaRPr sz="2400" dirty="0"/>
+                      <a:endParaRPr sz="2400"/>
                     </a:p>
                   </a:txBody>
                   <a:tcPr marL="121898" marR="121898" marT="121898" marB="121898"/>
@@ -24552,6 +24980,36 @@
           <a:chExt cx="0" cy="0"/>
         </a:xfrm>
       </p:grpSpPr>
+      <p:pic>
+        <p:nvPicPr>
+          <p:cNvPr id="6" name="Picture 8" descr="Text&#10;&#10;Description automatically generated">
+            <a:extLst>
+              <a:ext uri="{FF2B5EF4-FFF2-40B4-BE49-F238E27FC236}">
+                <a16:creationId xmlns:a16="http://schemas.microsoft.com/office/drawing/2014/main" id="{94B3899E-4040-3CC9-87FC-81E3B95B649C}"/>
+              </a:ext>
+            </a:extLst>
+          </p:cNvPr>
+          <p:cNvPicPr>
+            <a:picLocks noChangeAspect="1"/>
+          </p:cNvPicPr>
+          <p:nvPr/>
+        </p:nvPicPr>
+        <p:blipFill>
+          <a:blip r:embed="rId3"/>
+          <a:stretch>
+            <a:fillRect/>
+          </a:stretch>
+        </p:blipFill>
+        <p:spPr>
+          <a:xfrm>
+            <a:off x="8087360" y="1026275"/>
+            <a:ext cx="3992880" cy="4774970"/>
+          </a:xfrm>
+          <a:prstGeom prst="rect">
+            <a:avLst/>
+          </a:prstGeom>
+        </p:spPr>
+      </p:pic>
       <p:sp>
         <p:nvSpPr>
           <p:cNvPr id="91" name="Google Shape;91;p19"/>
@@ -24578,10 +25036,10 @@
           <a:lstStyle/>
           <a:p>
             <a:r>
-              <a:rPr lang="en" sz="4000" dirty="0"/>
+              <a:rPr lang="en" sz="4000"/>
               <a:t>Yes/No Checker - Test Results</a:t>
             </a:r>
-            <a:endParaRPr sz="4000" dirty="0"/>
+            <a:endParaRPr sz="4000"/>
           </a:p>
         </p:txBody>
       </p:sp>
@@ -24639,10 +25097,10 @@
                         <a:buNone/>
                       </a:pPr>
                       <a:r>
-                        <a:rPr lang="en" sz="2400" b="1" dirty="0"/>
+                        <a:rPr lang="en" sz="2400" b="1"/>
                         <a:t>Test Cases - input</a:t>
                       </a:r>
-                      <a:endParaRPr sz="2400" b="1" dirty="0"/>
+                      <a:endParaRPr sz="2400" b="1"/>
                     </a:p>
                   </a:txBody>
                   <a:tcPr marL="121900" marR="121900" marT="121900" marB="121900">
@@ -24666,10 +25124,10 @@
                         <a:buNone/>
                       </a:pPr>
                       <a:r>
-                        <a:rPr lang="en" sz="2400" b="1" dirty="0"/>
+                        <a:rPr lang="en" sz="2400" b="1"/>
                         <a:t>Expected output</a:t>
                       </a:r>
-                      <a:endParaRPr sz="2400" b="1" dirty="0"/>
+                      <a:endParaRPr sz="2400" b="1"/>
                     </a:p>
                   </a:txBody>
                   <a:tcPr marL="121900" marR="121900" marT="121900" marB="121900">
@@ -24700,7 +25158,7 @@
                         <a:buNone/>
                       </a:pPr>
                       <a:r>
-                        <a:rPr lang="en-US" sz="2400" dirty="0"/>
+                        <a:rPr lang="en-US" sz="2400"/>
                         <a:t>yes</a:t>
                       </a:r>
                     </a:p>
@@ -24722,10 +25180,10 @@
                         <a:buNone/>
                       </a:pPr>
                       <a:r>
-                        <a:rPr lang="en-US" sz="2400" dirty="0"/>
+                        <a:rPr lang="en-US" sz="2400"/>
                         <a:t>Program continues</a:t>
                       </a:r>
-                      <a:endParaRPr sz="2400" dirty="0"/>
+                      <a:endParaRPr sz="2400"/>
                     </a:p>
                   </a:txBody>
                   <a:tcPr marL="121900" marR="121900" marT="121900" marB="121900"/>
@@ -24752,7 +25210,7 @@
                         <a:buNone/>
                       </a:pPr>
                       <a:r>
-                        <a:rPr lang="en-US" sz="2400" dirty="0"/>
+                        <a:rPr lang="en-US" sz="2400"/>
                         <a:t>y</a:t>
                       </a:r>
                     </a:p>
@@ -24774,12 +25232,12 @@
                         <a:buNone/>
                       </a:pPr>
                       <a:r>
-                        <a:rPr lang="en-US" sz="2400" b="0" i="0" u="none" strike="noStrike" noProof="0" dirty="0">
+                        <a:rPr lang="en-US" sz="2400" b="0" i="0" u="none" strike="noStrike" noProof="0">
                           <a:latin typeface="Calibri"/>
                         </a:rPr>
                         <a:t>Program continues</a:t>
                       </a:r>
-                      <a:endParaRPr dirty="0"/>
+                      <a:endParaRPr/>
                     </a:p>
                   </a:txBody>
                   <a:tcPr marL="121899" marR="121899" marT="121899" marB="121899"/>
@@ -24806,7 +25264,7 @@
                         <a:buNone/>
                       </a:pPr>
                       <a:r>
-                        <a:rPr lang="en-US" sz="2400" dirty="0"/>
+                        <a:rPr lang="en-US" sz="2400"/>
                         <a:t>No</a:t>
                       </a:r>
                     </a:p>
@@ -24828,12 +25286,12 @@
                         <a:buNone/>
                       </a:pPr>
                       <a:r>
-                        <a:rPr lang="en-US" sz="2400" b="0" i="0" u="none" strike="noStrike" noProof="0" dirty="0">
+                        <a:rPr lang="en-US" sz="2400" b="0" i="0" u="none" strike="noStrike" noProof="0">
                           <a:latin typeface="Calibri"/>
                         </a:rPr>
                         <a:t>Program continues</a:t>
                       </a:r>
-                      <a:endParaRPr dirty="0"/>
+                      <a:endParaRPr/>
                     </a:p>
                   </a:txBody>
                   <a:tcPr marL="121898" marR="121898" marT="121898" marB="121898"/>
@@ -24860,7 +25318,7 @@
                         <a:buNone/>
                       </a:pPr>
                       <a:r>
-                        <a:rPr lang="en-US" sz="2400" dirty="0"/>
+                        <a:rPr lang="en-US" sz="2400"/>
                         <a:t>N</a:t>
                       </a:r>
                     </a:p>
@@ -24882,12 +25340,12 @@
                         <a:buNone/>
                       </a:pPr>
                       <a:r>
-                        <a:rPr lang="en-US" sz="2400" b="0" i="0" u="none" strike="noStrike" noProof="0" dirty="0">
+                        <a:rPr lang="en-US" sz="2400" b="0" i="0" u="none" strike="noStrike" noProof="0">
                           <a:latin typeface="Calibri"/>
                         </a:rPr>
                         <a:t>Program continues</a:t>
                       </a:r>
-                      <a:endParaRPr dirty="0"/>
+                      <a:endParaRPr/>
                     </a:p>
                   </a:txBody>
                   <a:tcPr marL="121898" marR="121898" marT="121898" marB="121898"/>
@@ -24914,7 +25372,7 @@
                         <a:buNone/>
                       </a:pPr>
                       <a:r>
-                        <a:rPr lang="en-US" sz="2400" dirty="0"/>
+                        <a:rPr lang="en-US" sz="2400"/>
                         <a:t>Yes</a:t>
                       </a:r>
                     </a:p>
@@ -24936,12 +25394,12 @@
                         <a:buNone/>
                       </a:pPr>
                       <a:r>
-                        <a:rPr lang="en-US" sz="2400" b="0" i="0" u="none" strike="noStrike" noProof="0" dirty="0">
+                        <a:rPr lang="en-US" sz="2400" b="0" i="0" u="none" strike="noStrike" noProof="0">
                           <a:latin typeface="Calibri"/>
                         </a:rPr>
                         <a:t>Program continues</a:t>
                       </a:r>
-                      <a:endParaRPr dirty="0"/>
+                      <a:endParaRPr/>
                     </a:p>
                   </a:txBody>
                   <a:tcPr marL="121898" marR="121898" marT="121898" marB="121898"/>
@@ -24968,7 +25426,7 @@
                         <a:buNone/>
                       </a:pPr>
                       <a:r>
-                        <a:rPr lang="en-US" sz="2400" dirty="0"/>
+                        <a:rPr lang="en-US" sz="2400"/>
                         <a:t>Maybe</a:t>
                       </a:r>
                     </a:p>
@@ -24990,10 +25448,10 @@
                         <a:buNone/>
                       </a:pPr>
                       <a:r>
-                        <a:rPr lang="en-US" sz="2400" dirty="0"/>
+                        <a:rPr lang="en-US" sz="2400"/>
                         <a:t>Please answer "Yes" or "No"</a:t>
                       </a:r>
-                      <a:endParaRPr sz="2400" dirty="0"/>
+                      <a:endParaRPr sz="2400"/>
                     </a:p>
                   </a:txBody>
                   <a:tcPr marL="121898" marR="121898" marT="121898" marB="121898"/>
@@ -25008,36 +25466,6 @@
           </a:graphicData>
         </a:graphic>
       </p:graphicFrame>
-      <p:pic>
-        <p:nvPicPr>
-          <p:cNvPr id="2" name="Picture 2" descr="Text&#10;&#10;Description automatically generated">
-            <a:extLst>
-              <a:ext uri="{FF2B5EF4-FFF2-40B4-BE49-F238E27FC236}">
-                <a16:creationId xmlns:a16="http://schemas.microsoft.com/office/drawing/2014/main" id="{64A1AA31-E2FE-562B-F54B-A4875C6D1BA2}"/>
-              </a:ext>
-            </a:extLst>
-          </p:cNvPr>
-          <p:cNvPicPr>
-            <a:picLocks noChangeAspect="1"/>
-          </p:cNvPicPr>
-          <p:nvPr/>
-        </p:nvPicPr>
-        <p:blipFill>
-          <a:blip r:embed="rId3"/>
-          <a:stretch>
-            <a:fillRect/>
-          </a:stretch>
-        </p:blipFill>
-        <p:spPr>
-          <a:xfrm>
-            <a:off x="8139869" y="1094520"/>
-            <a:ext cx="3994030" cy="5026277"/>
-          </a:xfrm>
-          <a:prstGeom prst="rect">
-            <a:avLst/>
-          </a:prstGeom>
-        </p:spPr>
-      </p:pic>
       <p:sp>
         <p:nvSpPr>
           <p:cNvPr id="3" name="Rectangle 2">
@@ -26364,8 +26792,8 @@
         </p:nvSpPr>
         <p:spPr>
           <a:xfrm>
-            <a:off x="8436040" y="5026702"/>
-            <a:ext cx="3436187" cy="704490"/>
+            <a:off x="8425880" y="5026702"/>
+            <a:ext cx="3588587" cy="704490"/>
           </a:xfrm>
           <a:prstGeom prst="rect">
             <a:avLst/>
@@ -26520,10 +26948,10 @@
           <a:lstStyle/>
           <a:p>
             <a:r>
-              <a:rPr lang="en-GB" dirty="0"/>
+              <a:rPr lang="en-GB"/>
               <a:t>All tests worked as expected</a:t>
             </a:r>
-            <a:endParaRPr lang="en-US" dirty="0"/>
+            <a:endParaRPr lang="en-US"/>
           </a:p>
         </p:txBody>
       </p:sp>
@@ -26583,10 +27011,10 @@
           <a:lstStyle/>
           <a:p>
             <a:r>
-              <a:rPr lang="en" sz="4000" dirty="0"/>
+              <a:rPr lang="en" sz="4000"/>
               <a:t>Yes/No Checker: Trialing</a:t>
             </a:r>
-            <a:endParaRPr sz="4000" dirty="0" err="1"/>
+            <a:endParaRPr sz="4000" err="1"/>
           </a:p>
         </p:txBody>
       </p:sp>
@@ -26644,7 +27072,7 @@
                         <a:buNone/>
                       </a:pPr>
                       <a:r>
-                        <a:rPr lang="en-US" sz="2400" dirty="0"/>
+                        <a:rPr lang="en-US" sz="2400"/>
                         <a:t>Trial 1</a:t>
                       </a:r>
                     </a:p>
@@ -26659,7 +27087,7 @@
                         <a:buNone/>
                       </a:pPr>
                       <a:r>
-                        <a:rPr lang="en-US" sz="2400" dirty="0"/>
+                        <a:rPr lang="en-US" sz="2400"/>
                         <a:t>01_yes_no_v1</a:t>
                       </a:r>
                     </a:p>
@@ -26681,10 +27109,10 @@
                         <a:buNone/>
                       </a:pPr>
                       <a:r>
-                        <a:rPr lang="en-US" sz="2400" dirty="0"/>
+                        <a:rPr lang="en-US" sz="2400"/>
                         <a:t>The program works, but requires user to type lower caser. It won't accept "y" or "n"</a:t>
                       </a:r>
-                      <a:endParaRPr sz="2400" dirty="0"/>
+                      <a:endParaRPr sz="2400"/>
                     </a:p>
                   </a:txBody>
                   <a:tcPr marL="121900" marR="121900" marT="121900" marB="121900"/>
@@ -26711,10 +27139,10 @@
                         <a:buNone/>
                       </a:pPr>
                       <a:r>
-                        <a:rPr lang="en-US" sz="2400" b="0" i="0" u="none" strike="noStrike" noProof="0" dirty="0"/>
+                        <a:rPr lang="en-US" sz="2400" b="0" i="0" u="none" strike="noStrike" noProof="0"/>
                         <a:t>Trial 2</a:t>
                       </a:r>
-                      <a:endParaRPr lang="en-US" sz="2400" b="0" i="0" u="none" strike="noStrike" noProof="0" dirty="0">
+                      <a:endParaRPr lang="en-US" sz="2400" b="0" i="0" u="none" strike="noStrike" noProof="0">
                         <a:latin typeface="Calibri"/>
                       </a:endParaRPr>
                     </a:p>
@@ -26729,10 +27157,10 @@
                         <a:buNone/>
                       </a:pPr>
                       <a:r>
-                        <a:rPr lang="en-US" sz="2400" b="0" i="0" u="none" strike="noStrike" noProof="0" dirty="0"/>
+                        <a:rPr lang="en-US" sz="2400" b="0" i="0" u="none" strike="noStrike" noProof="0"/>
                         <a:t>01_yes_no_v2</a:t>
                       </a:r>
-                      <a:endParaRPr lang="en-US" dirty="0"/>
+                      <a:endParaRPr lang="en-US"/>
                     </a:p>
                   </a:txBody>
                   <a:tcPr marL="121899" marR="121899" marT="121899" marB="121899"/>
@@ -26752,7 +27180,7 @@
                         <a:buNone/>
                       </a:pPr>
                       <a:r>
-                        <a:rPr lang="en-US" sz="2400" b="0" i="0" u="none" strike="noStrike" noProof="0" dirty="0">
+                        <a:rPr lang="en-US" sz="2400" b="0" i="0" u="none" strike="noStrike" noProof="0">
                           <a:latin typeface="Calibri"/>
                         </a:rPr>
                         <a:t>Added options for "y" or "n"</a:t>
@@ -26769,7 +27197,7 @@
                         <a:buNone/>
                       </a:pPr>
                       <a:r>
-                        <a:rPr lang="en-US" sz="2400" b="0" i="0" u="none" strike="noStrike" noProof="0" dirty="0">
+                        <a:rPr lang="en-US" sz="2400" b="0" i="0" u="none" strike="noStrike" noProof="0">
                           <a:latin typeface="Calibri"/>
                         </a:rPr>
                         <a:t>Prints result of valid input, prevents invalid input</a:t>
@@ -26786,7 +27214,7 @@
                         <a:buNone/>
                       </a:pPr>
                       <a:r>
-                        <a:rPr lang="en-US" sz="2400" b="0" i="0" u="none" strike="noStrike" noProof="0" dirty="0">
+                        <a:rPr lang="en-US" sz="2400" b="0" i="0" u="none" strike="noStrike" noProof="0">
                           <a:latin typeface="Calibri"/>
                         </a:rPr>
                         <a:t>Quite inefficient for testing</a:t>
@@ -26817,10 +27245,10 @@
                         <a:buNone/>
                       </a:pPr>
                       <a:r>
-                        <a:rPr lang="en-US" sz="2400" b="0" i="0" u="none" strike="noStrike" noProof="0" dirty="0"/>
+                        <a:rPr lang="en-US" sz="2400" b="0" i="0" u="none" strike="noStrike" noProof="0"/>
                         <a:t>Trial 3</a:t>
                       </a:r>
-                      <a:endParaRPr lang="en-US" sz="2400" b="0" i="0" u="none" strike="noStrike" noProof="0" dirty="0">
+                      <a:endParaRPr lang="en-US" sz="2400" b="0" i="0" u="none" strike="noStrike" noProof="0">
                         <a:latin typeface="Calibri"/>
                       </a:endParaRPr>
                     </a:p>
@@ -26835,10 +27263,10 @@
                         <a:buNone/>
                       </a:pPr>
                       <a:r>
-                        <a:rPr lang="en-US" sz="2400" b="0" i="0" u="none" strike="noStrike" noProof="0" dirty="0"/>
+                        <a:rPr lang="en-US" sz="2400" b="0" i="0" u="none" strike="noStrike" noProof="0"/>
                         <a:t>01_yes_no_v3</a:t>
                       </a:r>
-                      <a:endParaRPr lang="en-US" dirty="0"/>
+                      <a:endParaRPr lang="en-US"/>
                     </a:p>
                   </a:txBody>
                   <a:tcPr marL="121898" marR="121898" marT="121898" marB="121898"/>
@@ -26858,12 +27286,12 @@
                         <a:buNone/>
                       </a:pPr>
                       <a:r>
-                        <a:rPr lang="en-US" sz="2400" b="0" i="0" u="none" strike="noStrike" noProof="0" dirty="0">
+                        <a:rPr lang="en-US" sz="2400" b="0" i="0" u="none" strike="noStrike" noProof="0">
                           <a:latin typeface="Calibri"/>
                         </a:rPr>
                         <a:t>Puts code into a loop to make testing easier</a:t>
                       </a:r>
-                      <a:endParaRPr sz="2400" b="0" i="0" u="none" strike="noStrike" noProof="0" dirty="0">
+                      <a:endParaRPr sz="2400" b="0" i="0" u="none" strike="noStrike" noProof="0">
                         <a:latin typeface="Calibri"/>
                       </a:endParaRPr>
                     </a:p>
@@ -26892,7 +27320,7 @@
                         <a:buNone/>
                       </a:pPr>
                       <a:r>
-                        <a:rPr lang="en-US" sz="2400" b="0" i="0" u="none" strike="noStrike" noProof="0" dirty="0"/>
+                        <a:rPr lang="en-US" sz="2400" b="0" i="0" u="none" strike="noStrike" noProof="0"/>
                         <a:t>Trial 4</a:t>
                       </a:r>
                     </a:p>
@@ -26907,7 +27335,7 @@
                         <a:buNone/>
                       </a:pPr>
                       <a:r>
-                        <a:rPr lang="en-US" sz="2400" b="0" i="0" u="none" strike="noStrike" noProof="0" dirty="0"/>
+                        <a:rPr lang="en-US" sz="2400" b="0" i="0" u="none" strike="noStrike" noProof="0"/>
                         <a:t>02_yes_no_function_v1</a:t>
                       </a:r>
                     </a:p>
@@ -26929,12 +27357,12 @@
                         <a:buNone/>
                       </a:pPr>
                       <a:r>
-                        <a:rPr lang="en-US" sz="2400" b="0" i="0" u="none" strike="noStrike" noProof="0" dirty="0">
+                        <a:rPr lang="en-US" sz="2400" b="0" i="0" u="none" strike="noStrike" noProof="0">
                           <a:latin typeface="Calibri"/>
                         </a:rPr>
                         <a:t>The code from trial 3 made into a function, making it easy to reuse for other yes/no questions I might require in the program. I will use this function for my final project.</a:t>
                       </a:r>
-                      <a:endParaRPr sz="2400" b="0" i="0" u="none" strike="noStrike" noProof="0" dirty="0">
+                      <a:endParaRPr sz="2400" b="0" i="0" u="none" strike="noStrike" noProof="0">
                         <a:latin typeface="Calibri"/>
                       </a:endParaRPr>
                     </a:p>

--- a/1.7 and 1.8 documentation.pptx
+++ b/1.7 and 1.8 documentation.pptx
@@ -150,325 +150,274 @@
 </p:presentation>
 </file>
 
-<file path=ppt/revisionInfo.xml><?xml version="1.0" encoding="utf-8"?>
-<p1510:revInfo xmlns:a="http://schemas.openxmlformats.org/drawingml/2006/main" xmlns:r="http://schemas.openxmlformats.org/officeDocument/2006/relationships" xmlns:p1510="http://schemas.microsoft.com/office/powerpoint/2015/10/main">
-  <p1510:revLst>
-    <p1510:client id="{0A9141BC-797E-B9F6-70CA-6580E2A6D5C2}" v="241" dt="2022-03-21T21:01:54.539"/>
-    <p1510:client id="{21389BE9-402E-BF42-7806-DA7FC8991068}" v="218" dt="2022-03-22T03:53:57.813"/>
-    <p1510:client id="{31961A01-70D2-0770-3D06-BB5BCA35BF93}" v="845" dt="2022-04-06T01:54:42.006"/>
-    <p1510:client id="{375B0929-B0E9-D3AF-ABEE-4D9C91617552}" v="236" dt="2022-04-14T07:28:12.647"/>
-    <p1510:client id="{40935AED-1311-E9DE-C4DF-708D70AFA4C8}" v="390" dt="2022-03-30T23:18:05.782"/>
-    <p1510:client id="{79FF836F-5336-373D-FEEE-8D8299265C43}" v="277" dt="2022-05-03T04:56:54.797"/>
-    <p1510:client id="{7E3F9280-A2F5-974F-0785-E500C00B3676}" v="11" dt="2022-03-22T21:21:19.029"/>
-    <p1510:client id="{875F1A86-FE65-D4D7-73FA-68A3AC71E3A0}" v="357" dt="2022-04-11T21:26:23.586"/>
-    <p1510:client id="{8ADE60C0-19A6-C471-675E-CC268BD8C1E5}" v="1134" dt="2022-03-27T22:52:14.227"/>
-    <p1510:client id="{8D1866DC-1F92-1CB0-4066-D969899A2B78}" v="259" dt="2022-05-04T01:43:48.555"/>
-    <p1510:client id="{926FB68B-1DF2-B396-2B72-A5067EE74054}" v="2934" dt="2022-04-19T02:00:50.346"/>
-    <p1510:client id="{99142990-7B4C-0CD7-3AFD-A8191EF1FACA}" v="133" dt="2022-04-03T23:45:09.540"/>
-    <p1510:client id="{A8456CCB-E4F9-B848-CD92-4173C6F75C7E}" v="1319" dt="2022-04-14T07:03:33.969"/>
-    <p1510:client id="{AE16ED1E-D1AF-834C-C0D7-D581AE5158A7}" v="1034" dt="2022-04-13T09:42:37.266"/>
-    <p1510:client id="{C1E24E78-1F28-6D4A-E012-468CE686344A}" v="1" dt="2022-04-13T23:00:33.548"/>
-    <p1510:client id="{C427EC4C-938F-CEFB-1DE3-DC4C55162615}" v="448" dt="2022-05-05T00:33:54.414"/>
-    <p1510:client id="{E462C1EF-32F1-1F33-874C-C2D0A433766B}" v="80" dt="2022-04-10T23:16:00.532"/>
-    <p1510:client id="{E73AC928-7D87-5D94-5CF7-49334421705B}" v="867" dt="2022-04-13T07:29:44.742"/>
-    <p1510:client id="{E92B7BDB-88D2-56FD-ABD2-83DA0A067A71}" v="18" dt="2022-05-02T21:26:46.680"/>
-    <p1510:client id="{ED384A0D-67FC-3DCC-741F-8364AA4B3505}" v="1579" dt="2022-04-13T02:14:33.505"/>
-    <p1510:client id="{ED89BA52-C93F-C9E4-3561-9BF3A71FD8F3}" v="869" dt="2022-04-04T21:08:20.274"/>
-    <p1510:client id="{FE9DF4E4-253E-F442-8B51-D9CEDF13A1AF}" v="7" dt="2022-03-20T22:24:35.899"/>
-  </p1510:revLst>
-</p1510:revInfo>
-</file>
-
 <file path=ppt/changesInfos/changesInfo1.xml><?xml version="1.0" encoding="utf-8"?>
 <pc:chgInfo xmlns:a="http://schemas.openxmlformats.org/drawingml/2006/main" xmlns:r="http://schemas.openxmlformats.org/officeDocument/2006/relationships" xmlns:ac="http://schemas.microsoft.com/office/drawing/2013/main/command" xmlns:pc="http://schemas.microsoft.com/office/powerpoint/2013/main/command">
   <pc:docChgLst>
-    <pc:chgData name="Jireh Tseng" userId="eefb979d-fc0d-4dd5-ae9a-91b2ece0a753" providerId="ADAL" clId="{FE9DF4E4-253E-F442-8B51-D9CEDF13A1AF}"/>
-    <pc:docChg chg="undo custSel addSld modSld">
-      <pc:chgData name="Jireh Tseng" userId="eefb979d-fc0d-4dd5-ae9a-91b2ece0a753" providerId="ADAL" clId="{FE9DF4E4-253E-F442-8B51-D9CEDF13A1AF}" dt="2022-03-20T22:33:12.783" v="1066" actId="14100"/>
+    <pc:chgData name="Jireh Tseng" userId="S::tsengj@middleton.school.nz::eefb979d-fc0d-4dd5-ae9a-91b2ece0a753" providerId="AD" clId="Web-{F09DE86E-A669-F15F-4C7D-D1C03527452F}"/>
+    <pc:docChg chg="modSld">
+      <pc:chgData name="Jireh Tseng" userId="S::tsengj@middleton.school.nz::eefb979d-fc0d-4dd5-ae9a-91b2ece0a753" providerId="AD" clId="Web-{F09DE86E-A669-F15F-4C7D-D1C03527452F}" dt="2022-03-30T23:19:44.913" v="0"/>
       <pc:docMkLst>
         <pc:docMk/>
       </pc:docMkLst>
-      <pc:sldChg chg="addSp delSp modSp mod">
-        <pc:chgData name="Jireh Tseng" userId="eefb979d-fc0d-4dd5-ae9a-91b2ece0a753" providerId="ADAL" clId="{FE9DF4E4-253E-F442-8B51-D9CEDF13A1AF}" dt="2022-03-20T22:26:12.084" v="408" actId="14734"/>
+      <pc:sldChg chg="addSp delSp modSp">
+        <pc:chgData name="Jireh Tseng" userId="S::tsengj@middleton.school.nz::eefb979d-fc0d-4dd5-ae9a-91b2ece0a753" providerId="AD" clId="Web-{F09DE86E-A669-F15F-4C7D-D1C03527452F}" dt="2022-03-30T23:19:44.913" v="0"/>
         <pc:sldMkLst>
           <pc:docMk/>
-          <pc:sldMk cId="975627948" sldId="272"/>
-        </pc:sldMkLst>
-        <pc:graphicFrameChg chg="add del mod modGraphic">
-          <ac:chgData name="Jireh Tseng" userId="eefb979d-fc0d-4dd5-ae9a-91b2ece0a753" providerId="ADAL" clId="{FE9DF4E4-253E-F442-8B51-D9CEDF13A1AF}" dt="2022-03-20T22:26:12.084" v="408" actId="14734"/>
-          <ac:graphicFrameMkLst>
-            <pc:docMk/>
-            <pc:sldMk cId="975627948" sldId="272"/>
-            <ac:graphicFrameMk id="6" creationId="{A02ECB3F-5E1A-4602-8844-49609D54ADF8}"/>
-          </ac:graphicFrameMkLst>
-        </pc:graphicFrameChg>
-      </pc:sldChg>
-      <pc:sldChg chg="modSp add mod">
-        <pc:chgData name="Jireh Tseng" userId="eefb979d-fc0d-4dd5-ae9a-91b2ece0a753" providerId="ADAL" clId="{FE9DF4E4-253E-F442-8B51-D9CEDF13A1AF}" dt="2022-03-20T22:33:12.783" v="1066" actId="14100"/>
-        <pc:sldMkLst>
-          <pc:docMk/>
-          <pc:sldMk cId="598320645" sldId="275"/>
+          <pc:sldMk cId="1362934084" sldId="256"/>
         </pc:sldMkLst>
         <pc:spChg chg="mod">
-          <ac:chgData name="Jireh Tseng" userId="eefb979d-fc0d-4dd5-ae9a-91b2ece0a753" providerId="ADAL" clId="{FE9DF4E4-253E-F442-8B51-D9CEDF13A1AF}" dt="2022-03-20T22:24:46.233" v="398" actId="20577"/>
+          <ac:chgData name="Jireh Tseng" userId="S::tsengj@middleton.school.nz::eefb979d-fc0d-4dd5-ae9a-91b2ece0a753" providerId="AD" clId="Web-{F09DE86E-A669-F15F-4C7D-D1C03527452F}" dt="2022-03-30T23:19:44.913" v="0"/>
           <ac:spMkLst>
             <pc:docMk/>
-            <pc:sldMk cId="598320645" sldId="275"/>
-            <ac:spMk id="2" creationId="{0D168B5A-EFF4-4803-8DA6-5994B306EBAF}"/>
+            <pc:sldMk cId="1362934084" sldId="256"/>
+            <ac:spMk id="2" creationId="{A96C2811-5704-42C1-869B-16E29CB6572E}"/>
           </ac:spMkLst>
         </pc:spChg>
-        <pc:graphicFrameChg chg="mod modGraphic">
-          <ac:chgData name="Jireh Tseng" userId="eefb979d-fc0d-4dd5-ae9a-91b2ece0a753" providerId="ADAL" clId="{FE9DF4E4-253E-F442-8B51-D9CEDF13A1AF}" dt="2022-03-20T22:33:12.783" v="1066" actId="14100"/>
-          <ac:graphicFrameMkLst>
-            <pc:docMk/>
-            <pc:sldMk cId="598320645" sldId="275"/>
-            <ac:graphicFrameMk id="6" creationId="{A02ECB3F-5E1A-4602-8844-49609D54ADF8}"/>
-          </ac:graphicFrameMkLst>
-        </pc:graphicFrameChg>
+        <pc:spChg chg="mod">
+          <ac:chgData name="Jireh Tseng" userId="S::tsengj@middleton.school.nz::eefb979d-fc0d-4dd5-ae9a-91b2ece0a753" providerId="AD" clId="Web-{F09DE86E-A669-F15F-4C7D-D1C03527452F}" dt="2022-03-30T23:19:44.913" v="0"/>
+          <ac:spMkLst>
+            <pc:docMk/>
+            <pc:sldMk cId="1362934084" sldId="256"/>
+            <ac:spMk id="3" creationId="{930E6464-DA98-43C8-B6C9-594748754628}"/>
+          </ac:spMkLst>
+        </pc:spChg>
+        <pc:spChg chg="del">
+          <ac:chgData name="Jireh Tseng" userId="S::tsengj@middleton.school.nz::eefb979d-fc0d-4dd5-ae9a-91b2ece0a753" providerId="AD" clId="Web-{F09DE86E-A669-F15F-4C7D-D1C03527452F}" dt="2022-03-30T23:19:44.913" v="0"/>
+          <ac:spMkLst>
+            <pc:docMk/>
+            <pc:sldMk cId="1362934084" sldId="256"/>
+            <ac:spMk id="35" creationId="{1A3C89F8-0D2F-47FF-B903-151248265F47}"/>
+          </ac:spMkLst>
+        </pc:spChg>
+        <pc:spChg chg="del">
+          <ac:chgData name="Jireh Tseng" userId="S::tsengj@middleton.school.nz::eefb979d-fc0d-4dd5-ae9a-91b2ece0a753" providerId="AD" clId="Web-{F09DE86E-A669-F15F-4C7D-D1C03527452F}" dt="2022-03-30T23:19:44.913" v="0"/>
+          <ac:spMkLst>
+            <pc:docMk/>
+            <pc:sldMk cId="1362934084" sldId="256"/>
+            <ac:spMk id="37" creationId="{C5CB530E-515E-412C-9DF1-5F8FFBD6F383}"/>
+          </ac:spMkLst>
+        </pc:spChg>
+        <pc:spChg chg="del">
+          <ac:chgData name="Jireh Tseng" userId="S::tsengj@middleton.school.nz::eefb979d-fc0d-4dd5-ae9a-91b2ece0a753" providerId="AD" clId="Web-{F09DE86E-A669-F15F-4C7D-D1C03527452F}" dt="2022-03-30T23:19:44.913" v="0"/>
+          <ac:spMkLst>
+            <pc:docMk/>
+            <pc:sldMk cId="1362934084" sldId="256"/>
+            <ac:spMk id="39" creationId="{712D4376-A578-4FF1-94FC-245E7A6A489F}"/>
+          </ac:spMkLst>
+        </pc:spChg>
+        <pc:spChg chg="del">
+          <ac:chgData name="Jireh Tseng" userId="S::tsengj@middleton.school.nz::eefb979d-fc0d-4dd5-ae9a-91b2ece0a753" providerId="AD" clId="Web-{F09DE86E-A669-F15F-4C7D-D1C03527452F}" dt="2022-03-30T23:19:44.913" v="0"/>
+          <ac:spMkLst>
+            <pc:docMk/>
+            <pc:sldMk cId="1362934084" sldId="256"/>
+            <ac:spMk id="41" creationId="{AEA7509D-F04F-40CB-A0B3-EEF16499CC9F}"/>
+          </ac:spMkLst>
+        </pc:spChg>
+        <pc:spChg chg="del">
+          <ac:chgData name="Jireh Tseng" userId="S::tsengj@middleton.school.nz::eefb979d-fc0d-4dd5-ae9a-91b2ece0a753" providerId="AD" clId="Web-{F09DE86E-A669-F15F-4C7D-D1C03527452F}" dt="2022-03-30T23:19:44.913" v="0"/>
+          <ac:spMkLst>
+            <pc:docMk/>
+            <pc:sldMk cId="1362934084" sldId="256"/>
+            <ac:spMk id="45" creationId="{508BEF50-7B1E-49A4-BC19-5F4F1D755E64}"/>
+          </ac:spMkLst>
+        </pc:spChg>
+        <pc:spChg chg="del">
+          <ac:chgData name="Jireh Tseng" userId="S::tsengj@middleton.school.nz::eefb979d-fc0d-4dd5-ae9a-91b2ece0a753" providerId="AD" clId="Web-{F09DE86E-A669-F15F-4C7D-D1C03527452F}" dt="2022-03-30T23:19:44.913" v="0"/>
+          <ac:spMkLst>
+            <pc:docMk/>
+            <pc:sldMk cId="1362934084" sldId="256"/>
+            <ac:spMk id="47" creationId="{3FBAD350-5664-4811-A208-657FB882D350}"/>
+          </ac:spMkLst>
+        </pc:spChg>
+        <pc:spChg chg="del">
+          <ac:chgData name="Jireh Tseng" userId="S::tsengj@middleton.school.nz::eefb979d-fc0d-4dd5-ae9a-91b2ece0a753" providerId="AD" clId="Web-{F09DE86E-A669-F15F-4C7D-D1C03527452F}" dt="2022-03-30T23:19:44.913" v="0"/>
+          <ac:spMkLst>
+            <pc:docMk/>
+            <pc:sldMk cId="1362934084" sldId="256"/>
+            <ac:spMk id="49" creationId="{C39ADB8F-D187-49D7-BDCF-C1B6DC727068}"/>
+          </ac:spMkLst>
+        </pc:spChg>
+        <pc:spChg chg="add">
+          <ac:chgData name="Jireh Tseng" userId="S::tsengj@middleton.school.nz::eefb979d-fc0d-4dd5-ae9a-91b2ece0a753" providerId="AD" clId="Web-{F09DE86E-A669-F15F-4C7D-D1C03527452F}" dt="2022-03-30T23:19:44.913" v="0"/>
+          <ac:spMkLst>
+            <pc:docMk/>
+            <pc:sldMk cId="1362934084" sldId="256"/>
+            <ac:spMk id="55" creationId="{C1DD1A8A-57D5-4A81-AD04-532B043C5611}"/>
+          </ac:spMkLst>
+        </pc:spChg>
+        <pc:spChg chg="add">
+          <ac:chgData name="Jireh Tseng" userId="S::tsengj@middleton.school.nz::eefb979d-fc0d-4dd5-ae9a-91b2ece0a753" providerId="AD" clId="Web-{F09DE86E-A669-F15F-4C7D-D1C03527452F}" dt="2022-03-30T23:19:44.913" v="0"/>
+          <ac:spMkLst>
+            <pc:docMk/>
+            <pc:sldMk cId="1362934084" sldId="256"/>
+            <ac:spMk id="57" creationId="{007891EC-4501-44ED-A8C8-B11B6DB767AB}"/>
+          </ac:spMkLst>
+        </pc:spChg>
+        <pc:picChg chg="add">
+          <ac:chgData name="Jireh Tseng" userId="S::tsengj@middleton.school.nz::eefb979d-fc0d-4dd5-ae9a-91b2ece0a753" providerId="AD" clId="Web-{F09DE86E-A669-F15F-4C7D-D1C03527452F}" dt="2022-03-30T23:19:44.913" v="0"/>
+          <ac:picMkLst>
+            <pc:docMk/>
+            <pc:sldMk cId="1362934084" sldId="256"/>
+            <ac:picMk id="51" creationId="{C1746A09-834C-64B3-47A5-C47BD7189694}"/>
+          </ac:picMkLst>
+        </pc:picChg>
+        <pc:cxnChg chg="del">
+          <ac:chgData name="Jireh Tseng" userId="S::tsengj@middleton.school.nz::eefb979d-fc0d-4dd5-ae9a-91b2ece0a753" providerId="AD" clId="Web-{F09DE86E-A669-F15F-4C7D-D1C03527452F}" dt="2022-03-30T23:19:44.913" v="0"/>
+          <ac:cxnSpMkLst>
+            <pc:docMk/>
+            <pc:sldMk cId="1362934084" sldId="256"/>
+            <ac:cxnSpMk id="43" creationId="{56020367-4FD5-4596-8E10-C5F095CD8DBF}"/>
+          </ac:cxnSpMkLst>
+        </pc:cxnChg>
       </pc:sldChg>
     </pc:docChg>
   </pc:docChgLst>
   <pc:docChgLst>
-    <pc:chgData name="Jireh Tseng" userId="S::tsengj@middleton.school.nz::eefb979d-fc0d-4dd5-ae9a-91b2ece0a753" providerId="AD" clId="Web-{375B0929-B0E9-D3AF-ABEE-4D9C91617552}"/>
+    <pc:chgData name="Jireh Tseng" userId="S::tsengj@middleton.school.nz::eefb979d-fc0d-4dd5-ae9a-91b2ece0a753" providerId="AD" clId="Web-{ED384A0D-67FC-3DCC-741F-8364AA4B3505}"/>
     <pc:docChg chg="addSld modSld sldOrd">
-      <pc:chgData name="Jireh Tseng" userId="S::tsengj@middleton.school.nz::eefb979d-fc0d-4dd5-ae9a-91b2ece0a753" providerId="AD" clId="Web-{375B0929-B0E9-D3AF-ABEE-4D9C91617552}" dt="2022-04-14T07:28:12.647" v="145" actId="1076"/>
+      <pc:chgData name="Jireh Tseng" userId="S::tsengj@middleton.school.nz::eefb979d-fc0d-4dd5-ae9a-91b2ece0a753" providerId="AD" clId="Web-{ED384A0D-67FC-3DCC-741F-8364AA4B3505}" dt="2022-04-13T02:14:33.505" v="1448" actId="1076"/>
       <pc:docMkLst>
         <pc:docMk/>
       </pc:docMkLst>
-      <pc:sldChg chg="addSp delSp modSp ord">
-        <pc:chgData name="Jireh Tseng" userId="S::tsengj@middleton.school.nz::eefb979d-fc0d-4dd5-ae9a-91b2ece0a753" providerId="AD" clId="Web-{375B0929-B0E9-D3AF-ABEE-4D9C91617552}" dt="2022-04-14T07:22:35.075" v="128" actId="1076"/>
+      <pc:sldChg chg="addSp delSp modSp">
+        <pc:chgData name="Jireh Tseng" userId="S::tsengj@middleton.school.nz::eefb979d-fc0d-4dd5-ae9a-91b2ece0a753" providerId="AD" clId="Web-{ED384A0D-67FC-3DCC-741F-8364AA4B3505}" dt="2022-04-13T02:07:05.180" v="148" actId="1076"/>
         <pc:sldMkLst>
           <pc:docMk/>
-          <pc:sldMk cId="3904275858" sldId="299"/>
+          <pc:sldMk cId="3742630380" sldId="288"/>
         </pc:sldMkLst>
-        <pc:spChg chg="mod">
-          <ac:chgData name="Jireh Tseng" userId="S::tsengj@middleton.school.nz::eefb979d-fc0d-4dd5-ae9a-91b2ece0a753" providerId="AD" clId="Web-{375B0929-B0E9-D3AF-ABEE-4D9C91617552}" dt="2022-04-14T07:05:45.157" v="77" actId="20577"/>
+        <pc:spChg chg="add mod">
+          <ac:chgData name="Jireh Tseng" userId="S::tsengj@middleton.school.nz::eefb979d-fc0d-4dd5-ae9a-91b2ece0a753" providerId="AD" clId="Web-{ED384A0D-67FC-3DCC-741F-8364AA4B3505}" dt="2022-04-13T02:06:41.148" v="146" actId="1076"/>
           <ac:spMkLst>
             <pc:docMk/>
-            <pc:sldMk cId="3904275858" sldId="299"/>
-            <ac:spMk id="4" creationId="{A1B3C866-DC84-97B0-47F0-CB76AF369A87}"/>
+            <pc:sldMk cId="3742630380" sldId="288"/>
+            <ac:spMk id="6" creationId="{2ACA099B-D36F-17A9-F335-3BEBFD61AA03}"/>
           </ac:spMkLst>
         </pc:spChg>
-        <pc:spChg chg="add del">
-          <ac:chgData name="Jireh Tseng" userId="S::tsengj@middleton.school.nz::eefb979d-fc0d-4dd5-ae9a-91b2ece0a753" providerId="AD" clId="Web-{375B0929-B0E9-D3AF-ABEE-4D9C91617552}" dt="2022-04-14T07:20:08.352" v="97"/>
-          <ac:spMkLst>
-            <pc:docMk/>
-            <pc:sldMk cId="3904275858" sldId="299"/>
-            <ac:spMk id="5" creationId="{D1A846C5-DC08-8375-7C42-15EAEE9BFDF4}"/>
-          </ac:spMkLst>
-        </pc:spChg>
-        <pc:spChg chg="add mod">
-          <ac:chgData name="Jireh Tseng" userId="S::tsengj@middleton.school.nz::eefb979d-fc0d-4dd5-ae9a-91b2ece0a753" providerId="AD" clId="Web-{375B0929-B0E9-D3AF-ABEE-4D9C91617552}" dt="2022-04-14T07:21:48.246" v="115" actId="1076"/>
-          <ac:spMkLst>
-            <pc:docMk/>
-            <pc:sldMk cId="3904275858" sldId="299"/>
-            <ac:spMk id="12" creationId="{5B73C7A6-DFBA-0622-1C60-8325500CAAE2}"/>
-          </ac:spMkLst>
-        </pc:spChg>
-        <pc:spChg chg="add mod">
-          <ac:chgData name="Jireh Tseng" userId="S::tsengj@middleton.school.nz::eefb979d-fc0d-4dd5-ae9a-91b2ece0a753" providerId="AD" clId="Web-{375B0929-B0E9-D3AF-ABEE-4D9C91617552}" dt="2022-04-14T07:21:55.012" v="118" actId="1076"/>
-          <ac:spMkLst>
-            <pc:docMk/>
-            <pc:sldMk cId="3904275858" sldId="299"/>
-            <ac:spMk id="13" creationId="{A972EFEC-7430-2BBB-E1CF-DBF1B9B6D180}"/>
-          </ac:spMkLst>
-        </pc:spChg>
-        <pc:spChg chg="add mod">
-          <ac:chgData name="Jireh Tseng" userId="S::tsengj@middleton.school.nz::eefb979d-fc0d-4dd5-ae9a-91b2ece0a753" providerId="AD" clId="Web-{375B0929-B0E9-D3AF-ABEE-4D9C91617552}" dt="2022-04-14T07:22:15.872" v="120" actId="1076"/>
-          <ac:spMkLst>
-            <pc:docMk/>
-            <pc:sldMk cId="3904275858" sldId="299"/>
-            <ac:spMk id="14" creationId="{CCD107C4-80B4-B15F-39C1-4725C3C50F9C}"/>
-          </ac:spMkLst>
-        </pc:spChg>
-        <pc:spChg chg="add mod">
-          <ac:chgData name="Jireh Tseng" userId="S::tsengj@middleton.school.nz::eefb979d-fc0d-4dd5-ae9a-91b2ece0a753" providerId="AD" clId="Web-{375B0929-B0E9-D3AF-ABEE-4D9C91617552}" dt="2022-04-14T07:22:20.809" v="122" actId="1076"/>
-          <ac:spMkLst>
-            <pc:docMk/>
-            <pc:sldMk cId="3904275858" sldId="299"/>
-            <ac:spMk id="15" creationId="{E67B222E-17A2-2C26-89CD-2BFA9EA1F381}"/>
-          </ac:spMkLst>
-        </pc:spChg>
-        <pc:spChg chg="add mod">
-          <ac:chgData name="Jireh Tseng" userId="S::tsengj@middleton.school.nz::eefb979d-fc0d-4dd5-ae9a-91b2ece0a753" providerId="AD" clId="Web-{375B0929-B0E9-D3AF-ABEE-4D9C91617552}" dt="2022-04-14T07:22:26.684" v="124" actId="1076"/>
-          <ac:spMkLst>
-            <pc:docMk/>
-            <pc:sldMk cId="3904275858" sldId="299"/>
-            <ac:spMk id="16" creationId="{3DD6C770-243A-CC05-AA13-B954F1616B48}"/>
-          </ac:spMkLst>
-        </pc:spChg>
-        <pc:spChg chg="add mod">
-          <ac:chgData name="Jireh Tseng" userId="S::tsengj@middleton.school.nz::eefb979d-fc0d-4dd5-ae9a-91b2ece0a753" providerId="AD" clId="Web-{375B0929-B0E9-D3AF-ABEE-4D9C91617552}" dt="2022-04-14T07:22:30.903" v="126" actId="1076"/>
-          <ac:spMkLst>
-            <pc:docMk/>
-            <pc:sldMk cId="3904275858" sldId="299"/>
-            <ac:spMk id="17" creationId="{7992EE88-450F-3B30-A895-AE8960A91374}"/>
-          </ac:spMkLst>
-        </pc:spChg>
-        <pc:spChg chg="add mod">
-          <ac:chgData name="Jireh Tseng" userId="S::tsengj@middleton.school.nz::eefb979d-fc0d-4dd5-ae9a-91b2ece0a753" providerId="AD" clId="Web-{375B0929-B0E9-D3AF-ABEE-4D9C91617552}" dt="2022-04-14T07:22:35.075" v="128" actId="1076"/>
-          <ac:spMkLst>
-            <pc:docMk/>
-            <pc:sldMk cId="3904275858" sldId="299"/>
-            <ac:spMk id="18" creationId="{37CF464A-E46B-84D1-0671-4262DC8758E9}"/>
-          </ac:spMkLst>
-        </pc:spChg>
-        <pc:inkChg chg="add del">
-          <ac:chgData name="Jireh Tseng" userId="S::tsengj@middleton.school.nz::eefb979d-fc0d-4dd5-ae9a-91b2ece0a753" providerId="AD" clId="Web-{375B0929-B0E9-D3AF-ABEE-4D9C91617552}" dt="2022-04-14T07:20:36.588" v="99"/>
-          <ac:inkMkLst>
-            <pc:docMk/>
-            <pc:sldMk cId="3904275858" sldId="299"/>
-            <ac:inkMk id="7" creationId="{814F0C0F-AC4B-E3C0-08AB-D2189E75D394}"/>
-          </ac:inkMkLst>
-        </pc:inkChg>
-        <pc:inkChg chg="add del">
-          <ac:chgData name="Jireh Tseng" userId="S::tsengj@middleton.school.nz::eefb979d-fc0d-4dd5-ae9a-91b2ece0a753" providerId="AD" clId="Web-{375B0929-B0E9-D3AF-ABEE-4D9C91617552}" dt="2022-04-14T07:21:19.667" v="107"/>
-          <ac:inkMkLst>
-            <pc:docMk/>
-            <pc:sldMk cId="3904275858" sldId="299"/>
-            <ac:inkMk id="8" creationId="{F852F749-9536-896D-F1B8-C2517C60DE65}"/>
-          </ac:inkMkLst>
-        </pc:inkChg>
-        <pc:inkChg chg="add del">
-          <ac:chgData name="Jireh Tseng" userId="S::tsengj@middleton.school.nz::eefb979d-fc0d-4dd5-ae9a-91b2ece0a753" providerId="AD" clId="Web-{375B0929-B0E9-D3AF-ABEE-4D9C91617552}" dt="2022-04-14T07:21:19.667" v="106"/>
-          <ac:inkMkLst>
-            <pc:docMk/>
-            <pc:sldMk cId="3904275858" sldId="299"/>
-            <ac:inkMk id="9" creationId="{BEADAD17-6C7D-747D-A2E3-0393FED9DD9A}"/>
-          </ac:inkMkLst>
-        </pc:inkChg>
-        <pc:inkChg chg="add del">
-          <ac:chgData name="Jireh Tseng" userId="S::tsengj@middleton.school.nz::eefb979d-fc0d-4dd5-ae9a-91b2ece0a753" providerId="AD" clId="Web-{375B0929-B0E9-D3AF-ABEE-4D9C91617552}" dt="2022-04-14T07:21:19.667" v="105"/>
-          <ac:inkMkLst>
-            <pc:docMk/>
-            <pc:sldMk cId="3904275858" sldId="299"/>
-            <ac:inkMk id="10" creationId="{0CD777F0-62B8-F75A-B7E4-57EA057E6F01}"/>
-          </ac:inkMkLst>
-        </pc:inkChg>
-        <pc:inkChg chg="add del">
-          <ac:chgData name="Jireh Tseng" userId="S::tsengj@middleton.school.nz::eefb979d-fc0d-4dd5-ae9a-91b2ece0a753" providerId="AD" clId="Web-{375B0929-B0E9-D3AF-ABEE-4D9C91617552}" dt="2022-04-14T07:21:13.464" v="104"/>
-          <ac:inkMkLst>
-            <pc:docMk/>
-            <pc:sldMk cId="3904275858" sldId="299"/>
-            <ac:inkMk id="11" creationId="{3EA44309-1AEA-3672-3928-4122A6E8FE02}"/>
-          </ac:inkMkLst>
-        </pc:inkChg>
-      </pc:sldChg>
-      <pc:sldChg chg="addSp delSp modSp add ord replId">
-        <pc:chgData name="Jireh Tseng" userId="S::tsengj@middleton.school.nz::eefb979d-fc0d-4dd5-ae9a-91b2ece0a753" providerId="AD" clId="Web-{375B0929-B0E9-D3AF-ABEE-4D9C91617552}" dt="2022-04-14T07:23:59.702" v="132" actId="1076"/>
-        <pc:sldMkLst>
-          <pc:docMk/>
-          <pc:sldMk cId="695773269" sldId="300"/>
-        </pc:sldMkLst>
-        <pc:spChg chg="mod">
-          <ac:chgData name="Jireh Tseng" userId="S::tsengj@middleton.school.nz::eefb979d-fc0d-4dd5-ae9a-91b2ece0a753" providerId="AD" clId="Web-{375B0929-B0E9-D3AF-ABEE-4D9C91617552}" dt="2022-04-14T07:14:30.109" v="82" actId="20577"/>
-          <ac:spMkLst>
-            <pc:docMk/>
-            <pc:sldMk cId="695773269" sldId="300"/>
-            <ac:spMk id="2" creationId="{117C7ED0-CC09-82B1-98D7-D7AC8566A02D}"/>
-          </ac:spMkLst>
-        </pc:spChg>
-        <pc:spChg chg="add mod">
-          <ac:chgData name="Jireh Tseng" userId="S::tsengj@middleton.school.nz::eefb979d-fc0d-4dd5-ae9a-91b2ece0a753" providerId="AD" clId="Web-{375B0929-B0E9-D3AF-ABEE-4D9C91617552}" dt="2022-04-14T07:23:56.687" v="130" actId="1076"/>
-          <ac:spMkLst>
-            <pc:docMk/>
-            <pc:sldMk cId="695773269" sldId="300"/>
-            <ac:spMk id="9" creationId="{7404C706-A880-3443-C6A7-8FC1EBC87D00}"/>
-          </ac:spMkLst>
-        </pc:spChg>
-        <pc:spChg chg="add mod">
-          <ac:chgData name="Jireh Tseng" userId="S::tsengj@middleton.school.nz::eefb979d-fc0d-4dd5-ae9a-91b2ece0a753" providerId="AD" clId="Web-{375B0929-B0E9-D3AF-ABEE-4D9C91617552}" dt="2022-04-14T07:23:59.702" v="132" actId="1076"/>
-          <ac:spMkLst>
-            <pc:docMk/>
-            <pc:sldMk cId="695773269" sldId="300"/>
-            <ac:spMk id="11" creationId="{B960453F-73F1-EF4D-4FB3-BBC4719FE622}"/>
-          </ac:spMkLst>
-        </pc:spChg>
-        <pc:picChg chg="del">
-          <ac:chgData name="Jireh Tseng" userId="S::tsengj@middleton.school.nz::eefb979d-fc0d-4dd5-ae9a-91b2ece0a753" providerId="AD" clId="Web-{375B0929-B0E9-D3AF-ABEE-4D9C91617552}" dt="2022-04-14T07:17:25.879" v="84"/>
+        <pc:picChg chg="add mod">
+          <ac:chgData name="Jireh Tseng" userId="S::tsengj@middleton.school.nz::eefb979d-fc0d-4dd5-ae9a-91b2ece0a753" providerId="AD" clId="Web-{ED384A0D-67FC-3DCC-741F-8364AA4B3505}" dt="2022-04-13T02:06:24.679" v="141" actId="1076"/>
           <ac:picMkLst>
             <pc:docMk/>
-            <pc:sldMk cId="695773269" sldId="300"/>
-            <ac:picMk id="3" creationId="{041A2549-562E-C76C-D867-EE58A51FA330}"/>
+            <pc:sldMk cId="3742630380" sldId="288"/>
+            <ac:picMk id="3" creationId="{89276921-B447-1D95-4DC2-8AD1144AB121}"/>
+          </ac:picMkLst>
+        </pc:picChg>
+        <pc:picChg chg="add del mod">
+          <ac:chgData name="Jireh Tseng" userId="S::tsengj@middleton.school.nz::eefb979d-fc0d-4dd5-ae9a-91b2ece0a753" providerId="AD" clId="Web-{ED384A0D-67FC-3DCC-741F-8364AA4B3505}" dt="2022-04-13T02:02:55.610" v="4"/>
+          <ac:picMkLst>
+            <pc:docMk/>
+            <pc:sldMk cId="3742630380" sldId="288"/>
+            <ac:picMk id="5" creationId="{36B3414F-9F1E-F254-CCD9-0C3D9C8C5285}"/>
           </ac:picMkLst>
         </pc:picChg>
         <pc:picChg chg="add mod">
-          <ac:chgData name="Jireh Tseng" userId="S::tsengj@middleton.school.nz::eefb979d-fc0d-4dd5-ae9a-91b2ece0a753" providerId="AD" clId="Web-{375B0929-B0E9-D3AF-ABEE-4D9C91617552}" dt="2022-04-14T07:18:54.647" v="92" actId="1076"/>
+          <ac:chgData name="Jireh Tseng" userId="S::tsengj@middleton.school.nz::eefb979d-fc0d-4dd5-ae9a-91b2ece0a753" providerId="AD" clId="Web-{ED384A0D-67FC-3DCC-741F-8364AA4B3505}" dt="2022-04-13T02:06:25.398" v="142" actId="1076"/>
           <ac:picMkLst>
             <pc:docMk/>
-            <pc:sldMk cId="695773269" sldId="300"/>
-            <ac:picMk id="5" creationId="{9F32D0FE-D665-1BCA-E6AC-D9312482EDAD}"/>
-          </ac:picMkLst>
-        </pc:picChg>
-        <pc:picChg chg="del">
-          <ac:chgData name="Jireh Tseng" userId="S::tsengj@middleton.school.nz::eefb979d-fc0d-4dd5-ae9a-91b2ece0a753" providerId="AD" clId="Web-{375B0929-B0E9-D3AF-ABEE-4D9C91617552}" dt="2022-04-14T07:17:24.270" v="83"/>
-          <ac:picMkLst>
-            <pc:docMk/>
-            <pc:sldMk cId="695773269" sldId="300"/>
-            <ac:picMk id="6" creationId="{B2BD3EC1-BBF2-D357-3C1D-EB15C4887B26}"/>
+            <pc:sldMk cId="3742630380" sldId="288"/>
+            <ac:picMk id="7" creationId="{3E3ED375-DD72-680C-8F58-70BC755CCE29}"/>
           </ac:picMkLst>
         </pc:picChg>
         <pc:picChg chg="add mod">
-          <ac:chgData name="Jireh Tseng" userId="S::tsengj@middleton.school.nz::eefb979d-fc0d-4dd5-ae9a-91b2ece0a753" providerId="AD" clId="Web-{375B0929-B0E9-D3AF-ABEE-4D9C91617552}" dt="2022-04-14T07:18:53.491" v="91" actId="1076"/>
+          <ac:chgData name="Jireh Tseng" userId="S::tsengj@middleton.school.nz::eefb979d-fc0d-4dd5-ae9a-91b2ece0a753" providerId="AD" clId="Web-{ED384A0D-67FC-3DCC-741F-8364AA4B3505}" dt="2022-04-13T02:07:05.180" v="148" actId="1076"/>
           <ac:picMkLst>
             <pc:docMk/>
-            <pc:sldMk cId="695773269" sldId="300"/>
-            <ac:picMk id="7" creationId="{FA77EC03-0DAF-69FA-0713-F1CFE64F5E63}"/>
+            <pc:sldMk cId="3742630380" sldId="288"/>
+            <ac:picMk id="8" creationId="{FDB2E0E9-D86D-F82F-0828-239D28074C54}"/>
           </ac:picMkLst>
         </pc:picChg>
       </pc:sldChg>
       <pc:sldChg chg="addSp delSp modSp add ord replId">
-        <pc:chgData name="Jireh Tseng" userId="S::tsengj@middleton.school.nz::eefb979d-fc0d-4dd5-ae9a-91b2ece0a753" providerId="AD" clId="Web-{375B0929-B0E9-D3AF-ABEE-4D9C91617552}" dt="2022-04-14T07:28:12.647" v="145" actId="1076"/>
+        <pc:chgData name="Jireh Tseng" userId="S::tsengj@middleton.school.nz::eefb979d-fc0d-4dd5-ae9a-91b2ece0a753" providerId="AD" clId="Web-{ED384A0D-67FC-3DCC-741F-8364AA4B3505}" dt="2022-04-13T02:14:33.505" v="1448" actId="1076"/>
         <pc:sldMkLst>
           <pc:docMk/>
-          <pc:sldMk cId="1415568547" sldId="301"/>
+          <pc:sldMk cId="1636248130" sldId="289"/>
         </pc:sldMkLst>
         <pc:spChg chg="mod">
-          <ac:chgData name="Jireh Tseng" userId="S::tsengj@middleton.school.nz::eefb979d-fc0d-4dd5-ae9a-91b2ece0a753" providerId="AD" clId="Web-{375B0929-B0E9-D3AF-ABEE-4D9C91617552}" dt="2022-04-14T07:19:17.851" v="95" actId="20577"/>
+          <ac:chgData name="Jireh Tseng" userId="S::tsengj@middleton.school.nz::eefb979d-fc0d-4dd5-ae9a-91b2ece0a753" providerId="AD" clId="Web-{ED384A0D-67FC-3DCC-741F-8364AA4B3505}" dt="2022-04-13T02:09:30.669" v="161" actId="20577"/>
           <ac:spMkLst>
             <pc:docMk/>
-            <pc:sldMk cId="1415568547" sldId="301"/>
-            <ac:spMk id="2" creationId="{117C7ED0-CC09-82B1-98D7-D7AC8566A02D}"/>
+            <pc:sldMk cId="1636248130" sldId="289"/>
+            <ac:spMk id="91" creationId="{00000000-0000-0000-0000-000000000000}"/>
           </ac:spMkLst>
         </pc:spChg>
-        <pc:spChg chg="mod">
-          <ac:chgData name="Jireh Tseng" userId="S::tsengj@middleton.school.nz::eefb979d-fc0d-4dd5-ae9a-91b2ece0a753" providerId="AD" clId="Web-{375B0929-B0E9-D3AF-ABEE-4D9C91617552}" dt="2022-04-14T07:28:09.319" v="143" actId="1076"/>
+        <pc:graphicFrameChg chg="mod modGraphic">
+          <ac:chgData name="Jireh Tseng" userId="S::tsengj@middleton.school.nz::eefb979d-fc0d-4dd5-ae9a-91b2ece0a753" providerId="AD" clId="Web-{ED384A0D-67FC-3DCC-741F-8364AA4B3505}" dt="2022-04-13T02:14:33.505" v="1448" actId="1076"/>
+          <ac:graphicFrameMkLst>
+            <pc:docMk/>
+            <pc:sldMk cId="1636248130" sldId="289"/>
+            <ac:graphicFrameMk id="92" creationId="{00000000-0000-0000-0000-000000000000}"/>
+          </ac:graphicFrameMkLst>
+        </pc:graphicFrameChg>
+        <pc:picChg chg="add del mod">
+          <ac:chgData name="Jireh Tseng" userId="S::tsengj@middleton.school.nz::eefb979d-fc0d-4dd5-ae9a-91b2ece0a753" providerId="AD" clId="Web-{ED384A0D-67FC-3DCC-741F-8364AA4B3505}" dt="2022-04-13T02:11:05.999" v="553"/>
+          <ac:picMkLst>
+            <pc:docMk/>
+            <pc:sldMk cId="1636248130" sldId="289"/>
+            <ac:picMk id="2" creationId="{A567E6EC-1763-61BE-98CB-A069415A6F6D}"/>
+          </ac:picMkLst>
+        </pc:picChg>
+      </pc:sldChg>
+    </pc:docChg>
+  </pc:docChgLst>
+  <pc:docChgLst>
+    <pc:chgData name="Jireh Tseng" userId="S::tsengj@middleton.school.nz::eefb979d-fc0d-4dd5-ae9a-91b2ece0a753" providerId="AD" clId="Web-{E462C1EF-32F1-1F33-874C-C2D0A433766B}"/>
+    <pc:docChg chg="modSld">
+      <pc:chgData name="Jireh Tseng" userId="S::tsengj@middleton.school.nz::eefb979d-fc0d-4dd5-ae9a-91b2ece0a753" providerId="AD" clId="Web-{E462C1EF-32F1-1F33-874C-C2D0A433766B}" dt="2022-04-10T23:16:00.532" v="52" actId="14100"/>
+      <pc:docMkLst>
+        <pc:docMk/>
+      </pc:docMkLst>
+      <pc:sldChg chg="addSp modSp">
+        <pc:chgData name="Jireh Tseng" userId="S::tsengj@middleton.school.nz::eefb979d-fc0d-4dd5-ae9a-91b2ece0a753" providerId="AD" clId="Web-{E462C1EF-32F1-1F33-874C-C2D0A433766B}" dt="2022-04-10T23:16:00.532" v="52" actId="14100"/>
+        <pc:sldMkLst>
+          <pc:docMk/>
+          <pc:sldMk cId="1948546728" sldId="286"/>
+        </pc:sldMkLst>
+        <pc:spChg chg="add mod">
+          <ac:chgData name="Jireh Tseng" userId="S::tsengj@middleton.school.nz::eefb979d-fc0d-4dd5-ae9a-91b2ece0a753" providerId="AD" clId="Web-{E462C1EF-32F1-1F33-874C-C2D0A433766B}" dt="2022-04-10T23:14:48.014" v="14" actId="1076"/>
           <ac:spMkLst>
             <pc:docMk/>
-            <pc:sldMk cId="1415568547" sldId="301"/>
-            <ac:spMk id="4" creationId="{A1B3C866-DC84-97B0-47F0-CB76AF369A87}"/>
+            <pc:sldMk cId="1948546728" sldId="286"/>
+            <ac:spMk id="3" creationId="{3FCC3670-01DB-1BA0-3833-6709A0DE08CA}"/>
+          </ac:spMkLst>
+        </pc:spChg>
+        <pc:spChg chg="add mod">
+          <ac:chgData name="Jireh Tseng" userId="S::tsengj@middleton.school.nz::eefb979d-fc0d-4dd5-ae9a-91b2ece0a753" providerId="AD" clId="Web-{E462C1EF-32F1-1F33-874C-C2D0A433766B}" dt="2022-04-10T23:16:00.532" v="52" actId="14100"/>
+          <ac:spMkLst>
+            <pc:docMk/>
+            <pc:sldMk cId="1948546728" sldId="286"/>
+            <ac:spMk id="4" creationId="{725A2025-63D9-0C5C-C37D-EF6807D6D0DE}"/>
+          </ac:spMkLst>
+        </pc:spChg>
+        <pc:spChg chg="add mod">
+          <ac:chgData name="Jireh Tseng" userId="S::tsengj@middleton.school.nz::eefb979d-fc0d-4dd5-ae9a-91b2ece0a753" providerId="AD" clId="Web-{E462C1EF-32F1-1F33-874C-C2D0A433766B}" dt="2022-04-10T23:15:21.156" v="24" actId="14100"/>
+          <ac:spMkLst>
+            <pc:docMk/>
+            <pc:sldMk cId="1948546728" sldId="286"/>
+            <ac:spMk id="6" creationId="{53E84D05-6AA4-7256-EC95-EBAF55445C69}"/>
+          </ac:spMkLst>
+        </pc:spChg>
+        <pc:spChg chg="add mod">
+          <ac:chgData name="Jireh Tseng" userId="S::tsengj@middleton.school.nz::eefb979d-fc0d-4dd5-ae9a-91b2ece0a753" providerId="AD" clId="Web-{E462C1EF-32F1-1F33-874C-C2D0A433766B}" dt="2022-04-10T23:15:07.890" v="20"/>
+          <ac:spMkLst>
+            <pc:docMk/>
+            <pc:sldMk cId="1948546728" sldId="286"/>
+            <ac:spMk id="7" creationId="{44B60101-9F86-B903-5115-3061FB2D6536}"/>
+          </ac:spMkLst>
+        </pc:spChg>
+        <pc:spChg chg="add mod">
+          <ac:chgData name="Jireh Tseng" userId="S::tsengj@middleton.school.nz::eefb979d-fc0d-4dd5-ae9a-91b2ece0a753" providerId="AD" clId="Web-{E462C1EF-32F1-1F33-874C-C2D0A433766B}" dt="2022-04-10T23:15:18.015" v="23"/>
+          <ac:spMkLst>
+            <pc:docMk/>
+            <pc:sldMk cId="1948546728" sldId="286"/>
+            <ac:spMk id="8" creationId="{84FC7A4C-AF25-FBAE-67A7-BE6141E6D630}"/>
           </ac:spMkLst>
         </pc:spChg>
         <pc:picChg chg="add mod">
-          <ac:chgData name="Jireh Tseng" userId="S::tsengj@middleton.school.nz::eefb979d-fc0d-4dd5-ae9a-91b2ece0a753" providerId="AD" clId="Web-{375B0929-B0E9-D3AF-ABEE-4D9C91617552}" dt="2022-04-14T07:28:10.631" v="144" actId="1076"/>
+          <ac:chgData name="Jireh Tseng" userId="S::tsengj@middleton.school.nz::eefb979d-fc0d-4dd5-ae9a-91b2ece0a753" providerId="AD" clId="Web-{E462C1EF-32F1-1F33-874C-C2D0A433766B}" dt="2022-04-10T23:13:54.575" v="2" actId="1076"/>
           <ac:picMkLst>
             <pc:docMk/>
-            <pc:sldMk cId="1415568547" sldId="301"/>
-            <ac:picMk id="3" creationId="{4CBC4A0B-B9A2-3445-3EEF-5206C62E05C4}"/>
-          </ac:picMkLst>
-        </pc:picChg>
-        <pc:picChg chg="del">
-          <ac:chgData name="Jireh Tseng" userId="S::tsengj@middleton.school.nz::eefb979d-fc0d-4dd5-ae9a-91b2ece0a753" providerId="AD" clId="Web-{375B0929-B0E9-D3AF-ABEE-4D9C91617552}" dt="2022-04-14T07:24:13.312" v="133"/>
-          <ac:picMkLst>
-            <pc:docMk/>
-            <pc:sldMk cId="1415568547" sldId="301"/>
-            <ac:picMk id="5" creationId="{9F32D0FE-D665-1BCA-E6AC-D9312482EDAD}"/>
-          </ac:picMkLst>
-        </pc:picChg>
-        <pc:picChg chg="add mod">
-          <ac:chgData name="Jireh Tseng" userId="S::tsengj@middleton.school.nz::eefb979d-fc0d-4dd5-ae9a-91b2ece0a753" providerId="AD" clId="Web-{375B0929-B0E9-D3AF-ABEE-4D9C91617552}" dt="2022-04-14T07:28:12.647" v="145" actId="1076"/>
-          <ac:picMkLst>
-            <pc:docMk/>
-            <pc:sldMk cId="1415568547" sldId="301"/>
-            <ac:picMk id="6" creationId="{11E15BF2-C1EF-8CE8-28A9-020DDFE34259}"/>
-          </ac:picMkLst>
-        </pc:picChg>
-        <pc:picChg chg="del">
-          <ac:chgData name="Jireh Tseng" userId="S::tsengj@middleton.school.nz::eefb979d-fc0d-4dd5-ae9a-91b2ece0a753" providerId="AD" clId="Web-{375B0929-B0E9-D3AF-ABEE-4D9C91617552}" dt="2022-04-14T07:24:14.234" v="134"/>
-          <ac:picMkLst>
-            <pc:docMk/>
-            <pc:sldMk cId="1415568547" sldId="301"/>
-            <ac:picMk id="7" creationId="{FA77EC03-0DAF-69FA-0713-F1CFE64F5E63}"/>
+            <pc:sldMk cId="1948546728" sldId="286"/>
+            <ac:picMk id="2" creationId="{7BE51418-D4BA-D8BF-8352-2CFCE01BAB0C}"/>
           </ac:picMkLst>
         </pc:picChg>
       </pc:sldChg>
@@ -503,835 +452,6 @@
             <ac:graphicFrameMk id="92" creationId="{00000000-0000-0000-0000-000000000000}"/>
           </ac:graphicFrameMkLst>
         </pc:graphicFrameChg>
-      </pc:sldChg>
-    </pc:docChg>
-  </pc:docChgLst>
-  <pc:docChgLst>
-    <pc:chgData name="Jireh Tseng" userId="S::tsengj@middleton.school.nz::eefb979d-fc0d-4dd5-ae9a-91b2ece0a753" providerId="AD" clId="Web-{99142990-7B4C-0CD7-3AFD-A8191EF1FACA}"/>
-    <pc:docChg chg="addSld modSld">
-      <pc:chgData name="Jireh Tseng" userId="S::tsengj@middleton.school.nz::eefb979d-fc0d-4dd5-ae9a-91b2ece0a753" providerId="AD" clId="Web-{99142990-7B4C-0CD7-3AFD-A8191EF1FACA}" dt="2022-04-03T23:45:09.540" v="80" actId="1076"/>
-      <pc:docMkLst>
-        <pc:docMk/>
-      </pc:docMkLst>
-      <pc:sldChg chg="addSp delSp modSp add replId">
-        <pc:chgData name="Jireh Tseng" userId="S::tsengj@middleton.school.nz::eefb979d-fc0d-4dd5-ae9a-91b2ece0a753" providerId="AD" clId="Web-{99142990-7B4C-0CD7-3AFD-A8191EF1FACA}" dt="2022-04-03T23:45:09.540" v="80" actId="1076"/>
-        <pc:sldMkLst>
-          <pc:docMk/>
-          <pc:sldMk cId="2568554082" sldId="283"/>
-        </pc:sldMkLst>
-        <pc:spChg chg="add mod">
-          <ac:chgData name="Jireh Tseng" userId="S::tsengj@middleton.school.nz::eefb979d-fc0d-4dd5-ae9a-91b2ece0a753" providerId="AD" clId="Web-{99142990-7B4C-0CD7-3AFD-A8191EF1FACA}" dt="2022-04-03T23:45:09.540" v="80" actId="1076"/>
-          <ac:spMkLst>
-            <pc:docMk/>
-            <pc:sldMk cId="2568554082" sldId="283"/>
-            <ac:spMk id="3" creationId="{6BE7D083-107B-9598-9BED-5E001A7543AF}"/>
-          </ac:spMkLst>
-        </pc:spChg>
-        <pc:spChg chg="mod">
-          <ac:chgData name="Jireh Tseng" userId="S::tsengj@middleton.school.nz::eefb979d-fc0d-4dd5-ae9a-91b2ece0a753" providerId="AD" clId="Web-{99142990-7B4C-0CD7-3AFD-A8191EF1FACA}" dt="2022-04-03T23:43:13.271" v="4" actId="20577"/>
-          <ac:spMkLst>
-            <pc:docMk/>
-            <pc:sldMk cId="2568554082" sldId="283"/>
-            <ac:spMk id="91" creationId="{00000000-0000-0000-0000-000000000000}"/>
-          </ac:spMkLst>
-        </pc:spChg>
-        <pc:graphicFrameChg chg="del mod modGraphic">
-          <ac:chgData name="Jireh Tseng" userId="S::tsengj@middleton.school.nz::eefb979d-fc0d-4dd5-ae9a-91b2ece0a753" providerId="AD" clId="Web-{99142990-7B4C-0CD7-3AFD-A8191EF1FACA}" dt="2022-04-03T23:43:20.631" v="20"/>
-          <ac:graphicFrameMkLst>
-            <pc:docMk/>
-            <pc:sldMk cId="2568554082" sldId="283"/>
-            <ac:graphicFrameMk id="92" creationId="{00000000-0000-0000-0000-000000000000}"/>
-          </ac:graphicFrameMkLst>
-        </pc:graphicFrameChg>
-        <pc:picChg chg="add mod">
-          <ac:chgData name="Jireh Tseng" userId="S::tsengj@middleton.school.nz::eefb979d-fc0d-4dd5-ae9a-91b2ece0a753" providerId="AD" clId="Web-{99142990-7B4C-0CD7-3AFD-A8191EF1FACA}" dt="2022-04-03T23:44:07.476" v="25" actId="1076"/>
-          <ac:picMkLst>
-            <pc:docMk/>
-            <pc:sldMk cId="2568554082" sldId="283"/>
-            <ac:picMk id="2" creationId="{F837C40C-4306-D890-2C3D-79261A778469}"/>
-          </ac:picMkLst>
-        </pc:picChg>
-      </pc:sldChg>
-    </pc:docChg>
-  </pc:docChgLst>
-  <pc:docChgLst>
-    <pc:chgData name="Jireh Tseng" userId="S::tsengj@middleton.school.nz::eefb979d-fc0d-4dd5-ae9a-91b2ece0a753" providerId="AD" clId="Web-{8ADE60C0-19A6-C471-675E-CC268BD8C1E5}"/>
-    <pc:docChg chg="addSld delSld modSld sldOrd">
-      <pc:chgData name="Jireh Tseng" userId="S::tsengj@middleton.school.nz::eefb979d-fc0d-4dd5-ae9a-91b2ece0a753" providerId="AD" clId="Web-{8ADE60C0-19A6-C471-675E-CC268BD8C1E5}" dt="2022-03-27T22:52:14.227" v="1091" actId="1076"/>
-      <pc:docMkLst>
-        <pc:docMk/>
-      </pc:docMkLst>
-      <pc:sldChg chg="addSp modSp mod setBg">
-        <pc:chgData name="Jireh Tseng" userId="S::tsengj@middleton.school.nz::eefb979d-fc0d-4dd5-ae9a-91b2ece0a753" providerId="AD" clId="Web-{8ADE60C0-19A6-C471-675E-CC268BD8C1E5}" dt="2022-03-27T22:22:57.426" v="170"/>
-        <pc:sldMkLst>
-          <pc:docMk/>
-          <pc:sldMk cId="1362934084" sldId="256"/>
-        </pc:sldMkLst>
-        <pc:spChg chg="mod">
-          <ac:chgData name="Jireh Tseng" userId="S::tsengj@middleton.school.nz::eefb979d-fc0d-4dd5-ae9a-91b2ece0a753" providerId="AD" clId="Web-{8ADE60C0-19A6-C471-675E-CC268BD8C1E5}" dt="2022-03-27T22:22:57.426" v="170"/>
-          <ac:spMkLst>
-            <pc:docMk/>
-            <pc:sldMk cId="1362934084" sldId="256"/>
-            <ac:spMk id="2" creationId="{A96C2811-5704-42C1-869B-16E29CB6572E}"/>
-          </ac:spMkLst>
-        </pc:spChg>
-        <pc:spChg chg="mod">
-          <ac:chgData name="Jireh Tseng" userId="S::tsengj@middleton.school.nz::eefb979d-fc0d-4dd5-ae9a-91b2ece0a753" providerId="AD" clId="Web-{8ADE60C0-19A6-C471-675E-CC268BD8C1E5}" dt="2022-03-27T22:22:57.426" v="170"/>
-          <ac:spMkLst>
-            <pc:docMk/>
-            <pc:sldMk cId="1362934084" sldId="256"/>
-            <ac:spMk id="3" creationId="{930E6464-DA98-43C8-B6C9-594748754628}"/>
-          </ac:spMkLst>
-        </pc:spChg>
-        <pc:spChg chg="add">
-          <ac:chgData name="Jireh Tseng" userId="S::tsengj@middleton.school.nz::eefb979d-fc0d-4dd5-ae9a-91b2ece0a753" providerId="AD" clId="Web-{8ADE60C0-19A6-C471-675E-CC268BD8C1E5}" dt="2022-03-27T22:22:57.426" v="170"/>
-          <ac:spMkLst>
-            <pc:docMk/>
-            <pc:sldMk cId="1362934084" sldId="256"/>
-            <ac:spMk id="8" creationId="{3A397E3E-B90C-4D82-BAAA-36F7AC6A4565}"/>
-          </ac:spMkLst>
-        </pc:spChg>
-        <pc:spChg chg="add">
-          <ac:chgData name="Jireh Tseng" userId="S::tsengj@middleton.school.nz::eefb979d-fc0d-4dd5-ae9a-91b2ece0a753" providerId="AD" clId="Web-{8ADE60C0-19A6-C471-675E-CC268BD8C1E5}" dt="2022-03-27T22:22:57.426" v="170"/>
-          <ac:spMkLst>
-            <pc:docMk/>
-            <pc:sldMk cId="1362934084" sldId="256"/>
-            <ac:spMk id="10" creationId="{E16C8D8F-10E9-4498-ABDB-0F923F8B6837}"/>
-          </ac:spMkLst>
-        </pc:spChg>
-        <pc:spChg chg="add">
-          <ac:chgData name="Jireh Tseng" userId="S::tsengj@middleton.school.nz::eefb979d-fc0d-4dd5-ae9a-91b2ece0a753" providerId="AD" clId="Web-{8ADE60C0-19A6-C471-675E-CC268BD8C1E5}" dt="2022-03-27T22:22:57.426" v="170"/>
-          <ac:spMkLst>
-            <pc:docMk/>
-            <pc:sldMk cId="1362934084" sldId="256"/>
-            <ac:spMk id="12" creationId="{1E5A83E3-8A11-4492-BB6E-F5F2240316FB}"/>
-          </ac:spMkLst>
-        </pc:spChg>
-        <pc:spChg chg="add">
-          <ac:chgData name="Jireh Tseng" userId="S::tsengj@middleton.school.nz::eefb979d-fc0d-4dd5-ae9a-91b2ece0a753" providerId="AD" clId="Web-{8ADE60C0-19A6-C471-675E-CC268BD8C1E5}" dt="2022-03-27T22:22:57.426" v="170"/>
-          <ac:spMkLst>
-            <pc:docMk/>
-            <pc:sldMk cId="1362934084" sldId="256"/>
-            <ac:spMk id="14" creationId="{8CF5E676-CA04-4CED-9F1E-5026ED66E66D}"/>
-          </ac:spMkLst>
-        </pc:spChg>
-        <pc:spChg chg="add">
-          <ac:chgData name="Jireh Tseng" userId="S::tsengj@middleton.school.nz::eefb979d-fc0d-4dd5-ae9a-91b2ece0a753" providerId="AD" clId="Web-{8ADE60C0-19A6-C471-675E-CC268BD8C1E5}" dt="2022-03-27T22:22:57.426" v="170"/>
-          <ac:spMkLst>
-            <pc:docMk/>
-            <pc:sldMk cId="1362934084" sldId="256"/>
-            <ac:spMk id="16" creationId="{6BA9E676-A8FC-4C2F-8D78-C13ED8ABDBA8}"/>
-          </ac:spMkLst>
-        </pc:spChg>
-        <pc:spChg chg="add">
-          <ac:chgData name="Jireh Tseng" userId="S::tsengj@middleton.school.nz::eefb979d-fc0d-4dd5-ae9a-91b2ece0a753" providerId="AD" clId="Web-{8ADE60C0-19A6-C471-675E-CC268BD8C1E5}" dt="2022-03-27T22:22:57.426" v="170"/>
-          <ac:spMkLst>
-            <pc:docMk/>
-            <pc:sldMk cId="1362934084" sldId="256"/>
-            <ac:spMk id="18" creationId="{A2B5CBEA-F125-49B6-8335-227C325B112B}"/>
-          </ac:spMkLst>
-        </pc:spChg>
-        <pc:spChg chg="add">
-          <ac:chgData name="Jireh Tseng" userId="S::tsengj@middleton.school.nz::eefb979d-fc0d-4dd5-ae9a-91b2ece0a753" providerId="AD" clId="Web-{8ADE60C0-19A6-C471-675E-CC268BD8C1E5}" dt="2022-03-27T22:22:57.426" v="170"/>
-          <ac:spMkLst>
-            <pc:docMk/>
-            <pc:sldMk cId="1362934084" sldId="256"/>
-            <ac:spMk id="20" creationId="{EECD79B5-5FC5-495F-BFD6-346C16E787A7}"/>
-          </ac:spMkLst>
-        </pc:spChg>
-        <pc:spChg chg="add">
-          <ac:chgData name="Jireh Tseng" userId="S::tsengj@middleton.school.nz::eefb979d-fc0d-4dd5-ae9a-91b2ece0a753" providerId="AD" clId="Web-{8ADE60C0-19A6-C471-675E-CC268BD8C1E5}" dt="2022-03-27T22:22:57.426" v="170"/>
-          <ac:spMkLst>
-            <pc:docMk/>
-            <pc:sldMk cId="1362934084" sldId="256"/>
-            <ac:spMk id="22" creationId="{2C1D3151-5F97-4860-B56C-C98BD62CC255}"/>
-          </ac:spMkLst>
-        </pc:spChg>
-        <pc:spChg chg="add">
-          <ac:chgData name="Jireh Tseng" userId="S::tsengj@middleton.school.nz::eefb979d-fc0d-4dd5-ae9a-91b2ece0a753" providerId="AD" clId="Web-{8ADE60C0-19A6-C471-675E-CC268BD8C1E5}" dt="2022-03-27T22:22:57.426" v="170"/>
-          <ac:spMkLst>
-            <pc:docMk/>
-            <pc:sldMk cId="1362934084" sldId="256"/>
-            <ac:spMk id="24" creationId="{32D9D048-3063-435A-8C23-26C1907E9619}"/>
-          </ac:spMkLst>
-        </pc:spChg>
-        <pc:spChg chg="add">
-          <ac:chgData name="Jireh Tseng" userId="S::tsengj@middleton.school.nz::eefb979d-fc0d-4dd5-ae9a-91b2ece0a753" providerId="AD" clId="Web-{8ADE60C0-19A6-C471-675E-CC268BD8C1E5}" dt="2022-03-27T22:22:57.426" v="170"/>
-          <ac:spMkLst>
-            <pc:docMk/>
-            <pc:sldMk cId="1362934084" sldId="256"/>
-            <ac:spMk id="26" creationId="{8DE96824-E506-4448-8704-5EC7BF7BC51B}"/>
-          </ac:spMkLst>
-        </pc:spChg>
-        <pc:spChg chg="add">
-          <ac:chgData name="Jireh Tseng" userId="S::tsengj@middleton.school.nz::eefb979d-fc0d-4dd5-ae9a-91b2ece0a753" providerId="AD" clId="Web-{8ADE60C0-19A6-C471-675E-CC268BD8C1E5}" dt="2022-03-27T22:22:57.426" v="170"/>
-          <ac:spMkLst>
-            <pc:docMk/>
-            <pc:sldMk cId="1362934084" sldId="256"/>
-            <ac:spMk id="28" creationId="{4D1A5E71-B6B6-486A-8CDC-C7ABD9B903F6}"/>
-          </ac:spMkLst>
-        </pc:spChg>
-        <pc:spChg chg="add">
-          <ac:chgData name="Jireh Tseng" userId="S::tsengj@middleton.school.nz::eefb979d-fc0d-4dd5-ae9a-91b2ece0a753" providerId="AD" clId="Web-{8ADE60C0-19A6-C471-675E-CC268BD8C1E5}" dt="2022-03-27T22:22:57.426" v="170"/>
-          <ac:spMkLst>
-            <pc:docMk/>
-            <pc:sldMk cId="1362934084" sldId="256"/>
-            <ac:spMk id="30" creationId="{B6C541AE-9B02-44C0-B8C6-B2DEA7ED3813}"/>
-          </ac:spMkLst>
-        </pc:spChg>
-      </pc:sldChg>
-      <pc:sldChg chg="modSp">
-        <pc:chgData name="Jireh Tseng" userId="S::tsengj@middleton.school.nz::eefb979d-fc0d-4dd5-ae9a-91b2ece0a753" providerId="AD" clId="Web-{8ADE60C0-19A6-C471-675E-CC268BD8C1E5}" dt="2022-03-27T21:58:38.648" v="6" actId="14100"/>
-        <pc:sldMkLst>
-          <pc:docMk/>
-          <pc:sldMk cId="3838895173" sldId="258"/>
-        </pc:sldMkLst>
-        <pc:spChg chg="mod">
-          <ac:chgData name="Jireh Tseng" userId="S::tsengj@middleton.school.nz::eefb979d-fc0d-4dd5-ae9a-91b2ece0a753" providerId="AD" clId="Web-{8ADE60C0-19A6-C471-675E-CC268BD8C1E5}" dt="2022-03-27T21:58:38.648" v="6" actId="14100"/>
-          <ac:spMkLst>
-            <pc:docMk/>
-            <pc:sldMk cId="3838895173" sldId="258"/>
-            <ac:spMk id="4" creationId="{F7FB308A-232B-4B31-A59D-BD561ECFBE8B}"/>
-          </ac:spMkLst>
-        </pc:spChg>
-      </pc:sldChg>
-      <pc:sldChg chg="delSp modSp">
-        <pc:chgData name="Jireh Tseng" userId="S::tsengj@middleton.school.nz::eefb979d-fc0d-4dd5-ae9a-91b2ece0a753" providerId="AD" clId="Web-{8ADE60C0-19A6-C471-675E-CC268BD8C1E5}" dt="2022-03-27T22:48:04.766" v="989"/>
-        <pc:sldMkLst>
-          <pc:docMk/>
-          <pc:sldMk cId="0" sldId="269"/>
-        </pc:sldMkLst>
-        <pc:spChg chg="del">
-          <ac:chgData name="Jireh Tseng" userId="S::tsengj@middleton.school.nz::eefb979d-fc0d-4dd5-ae9a-91b2ece0a753" providerId="AD" clId="Web-{8ADE60C0-19A6-C471-675E-CC268BD8C1E5}" dt="2022-03-27T22:48:04.766" v="989"/>
-          <ac:spMkLst>
-            <pc:docMk/>
-            <pc:sldMk cId="0" sldId="269"/>
-            <ac:spMk id="4" creationId="{518343B6-2201-4ACD-B907-770BC22E8B26}"/>
-          </ac:spMkLst>
-        </pc:spChg>
-        <pc:graphicFrameChg chg="mod modGraphic">
-          <ac:chgData name="Jireh Tseng" userId="S::tsengj@middleton.school.nz::eefb979d-fc0d-4dd5-ae9a-91b2ece0a753" providerId="AD" clId="Web-{8ADE60C0-19A6-C471-675E-CC268BD8C1E5}" dt="2022-03-27T22:00:49.104" v="8"/>
-          <ac:graphicFrameMkLst>
-            <pc:docMk/>
-            <pc:sldMk cId="0" sldId="269"/>
-            <ac:graphicFrameMk id="92" creationId="{00000000-0000-0000-0000-000000000000}"/>
-          </ac:graphicFrameMkLst>
-        </pc:graphicFrameChg>
-      </pc:sldChg>
-      <pc:sldChg chg="delSp">
-        <pc:chgData name="Jireh Tseng" userId="S::tsengj@middleton.school.nz::eefb979d-fc0d-4dd5-ae9a-91b2ece0a753" providerId="AD" clId="Web-{8ADE60C0-19A6-C471-675E-CC268BD8C1E5}" dt="2022-03-27T22:48:08.391" v="990"/>
-        <pc:sldMkLst>
-          <pc:docMk/>
-          <pc:sldMk cId="975627948" sldId="272"/>
-        </pc:sldMkLst>
-        <pc:spChg chg="del">
-          <ac:chgData name="Jireh Tseng" userId="S::tsengj@middleton.school.nz::eefb979d-fc0d-4dd5-ae9a-91b2ece0a753" providerId="AD" clId="Web-{8ADE60C0-19A6-C471-675E-CC268BD8C1E5}" dt="2022-03-27T22:48:08.391" v="990"/>
-          <ac:spMkLst>
-            <pc:docMk/>
-            <pc:sldMk cId="975627948" sldId="272"/>
-            <ac:spMk id="5" creationId="{ACAE53BB-FF7D-43E7-AF26-E5A3D9A837CF}"/>
-          </ac:spMkLst>
-        </pc:spChg>
-      </pc:sldChg>
-      <pc:sldChg chg="addSp delSp modSp del">
-        <pc:chgData name="Jireh Tseng" userId="S::tsengj@middleton.school.nz::eefb979d-fc0d-4dd5-ae9a-91b2ece0a753" providerId="AD" clId="Web-{8ADE60C0-19A6-C471-675E-CC268BD8C1E5}" dt="2022-03-27T22:24:38.365" v="182"/>
-        <pc:sldMkLst>
-          <pc:docMk/>
-          <pc:sldMk cId="270828811" sldId="273"/>
-        </pc:sldMkLst>
-        <pc:spChg chg="mod">
-          <ac:chgData name="Jireh Tseng" userId="S::tsengj@middleton.school.nz::eefb979d-fc0d-4dd5-ae9a-91b2ece0a753" providerId="AD" clId="Web-{8ADE60C0-19A6-C471-675E-CC268BD8C1E5}" dt="2022-03-27T22:24:11.177" v="177" actId="20577"/>
-          <ac:spMkLst>
-            <pc:docMk/>
-            <pc:sldMk cId="270828811" sldId="273"/>
-            <ac:spMk id="2" creationId="{1CC5D32F-7C18-4D00-8D54-2FB046F0A206}"/>
-          </ac:spMkLst>
-        </pc:spChg>
-        <pc:spChg chg="del mod">
-          <ac:chgData name="Jireh Tseng" userId="S::tsengj@middleton.school.nz::eefb979d-fc0d-4dd5-ae9a-91b2ece0a753" providerId="AD" clId="Web-{8ADE60C0-19A6-C471-675E-CC268BD8C1E5}" dt="2022-03-27T22:24:18.849" v="180"/>
-          <ac:spMkLst>
-            <pc:docMk/>
-            <pc:sldMk cId="270828811" sldId="273"/>
-            <ac:spMk id="4" creationId="{8CD07A82-A944-4A9B-9A52-515DAC30878A}"/>
-          </ac:spMkLst>
-        </pc:spChg>
-        <pc:graphicFrameChg chg="add">
-          <ac:chgData name="Jireh Tseng" userId="S::tsengj@middleton.school.nz::eefb979d-fc0d-4dd5-ae9a-91b2ece0a753" providerId="AD" clId="Web-{8ADE60C0-19A6-C471-675E-CC268BD8C1E5}" dt="2022-03-27T22:24:28.818" v="181"/>
-          <ac:graphicFrameMkLst>
-            <pc:docMk/>
-            <pc:sldMk cId="270828811" sldId="273"/>
-            <ac:graphicFrameMk id="3" creationId="{BA2C18C2-0178-C932-14DD-2A1D262E7B96}"/>
-          </ac:graphicFrameMkLst>
-        </pc:graphicFrameChg>
-      </pc:sldChg>
-      <pc:sldChg chg="addSp delSp modSp del">
-        <pc:chgData name="Jireh Tseng" userId="S::tsengj@middleton.school.nz::eefb979d-fc0d-4dd5-ae9a-91b2ece0a753" providerId="AD" clId="Web-{8ADE60C0-19A6-C471-675E-CC268BD8C1E5}" dt="2022-03-27T22:02:06.762" v="30"/>
-        <pc:sldMkLst>
-          <pc:docMk/>
-          <pc:sldMk cId="89592267" sldId="274"/>
-        </pc:sldMkLst>
-        <pc:spChg chg="add del mod">
-          <ac:chgData name="Jireh Tseng" userId="S::tsengj@middleton.school.nz::eefb979d-fc0d-4dd5-ae9a-91b2ece0a753" providerId="AD" clId="Web-{8ADE60C0-19A6-C471-675E-CC268BD8C1E5}" dt="2022-03-27T22:00:56.338" v="12"/>
-          <ac:spMkLst>
-            <pc:docMk/>
-            <pc:sldMk cId="89592267" sldId="274"/>
-            <ac:spMk id="3" creationId="{318660BD-AB02-CC2F-FFA0-00BE69801DA3}"/>
-          </ac:spMkLst>
-        </pc:spChg>
-        <pc:graphicFrameChg chg="add del mod">
-          <ac:chgData name="Jireh Tseng" userId="S::tsengj@middleton.school.nz::eefb979d-fc0d-4dd5-ae9a-91b2ece0a753" providerId="AD" clId="Web-{8ADE60C0-19A6-C471-675E-CC268BD8C1E5}" dt="2022-03-27T22:01:14.026" v="14"/>
-          <ac:graphicFrameMkLst>
-            <pc:docMk/>
-            <pc:sldMk cId="89592267" sldId="274"/>
-            <ac:graphicFrameMk id="6" creationId="{EFEA41E3-1F19-EC75-9EDD-DC724079E60C}"/>
-          </ac:graphicFrameMkLst>
-        </pc:graphicFrameChg>
-      </pc:sldChg>
-      <pc:sldChg chg="delSp">
-        <pc:chgData name="Jireh Tseng" userId="S::tsengj@middleton.school.nz::eefb979d-fc0d-4dd5-ae9a-91b2ece0a753" providerId="AD" clId="Web-{8ADE60C0-19A6-C471-675E-CC268BD8C1E5}" dt="2022-03-27T22:48:11.078" v="991"/>
-        <pc:sldMkLst>
-          <pc:docMk/>
-          <pc:sldMk cId="598320645" sldId="275"/>
-        </pc:sldMkLst>
-        <pc:spChg chg="del">
-          <ac:chgData name="Jireh Tseng" userId="S::tsengj@middleton.school.nz::eefb979d-fc0d-4dd5-ae9a-91b2ece0a753" providerId="AD" clId="Web-{8ADE60C0-19A6-C471-675E-CC268BD8C1E5}" dt="2022-03-27T22:48:11.078" v="991"/>
-          <ac:spMkLst>
-            <pc:docMk/>
-            <pc:sldMk cId="598320645" sldId="275"/>
-            <ac:spMk id="5" creationId="{ACAE53BB-FF7D-43E7-AF26-E5A3D9A837CF}"/>
-          </ac:spMkLst>
-        </pc:spChg>
-      </pc:sldChg>
-      <pc:sldChg chg="addSp delSp modSp ord">
-        <pc:chgData name="Jireh Tseng" userId="S::tsengj@middleton.school.nz::eefb979d-fc0d-4dd5-ae9a-91b2ece0a753" providerId="AD" clId="Web-{8ADE60C0-19A6-C471-675E-CC268BD8C1E5}" dt="2022-03-27T22:50:10.192" v="1026"/>
-        <pc:sldMkLst>
-          <pc:docMk/>
-          <pc:sldMk cId="101173362" sldId="276"/>
-        </pc:sldMkLst>
-        <pc:spChg chg="add del mod">
-          <ac:chgData name="Jireh Tseng" userId="S::tsengj@middleton.school.nz::eefb979d-fc0d-4dd5-ae9a-91b2ece0a753" providerId="AD" clId="Web-{8ADE60C0-19A6-C471-675E-CC268BD8C1E5}" dt="2022-03-27T22:50:10.192" v="1026"/>
-          <ac:spMkLst>
-            <pc:docMk/>
-            <pc:sldMk cId="101173362" sldId="276"/>
-            <ac:spMk id="2" creationId="{FED9831A-229E-72C9-1975-AFC3B2E3DEFD}"/>
-          </ac:spMkLst>
-        </pc:spChg>
-        <pc:spChg chg="del">
-          <ac:chgData name="Jireh Tseng" userId="S::tsengj@middleton.school.nz::eefb979d-fc0d-4dd5-ae9a-91b2ece0a753" providerId="AD" clId="Web-{8ADE60C0-19A6-C471-675E-CC268BD8C1E5}" dt="2022-03-27T22:48:01.109" v="988"/>
-          <ac:spMkLst>
-            <pc:docMk/>
-            <pc:sldMk cId="101173362" sldId="276"/>
-            <ac:spMk id="4" creationId="{518343B6-2201-4ACD-B907-770BC22E8B26}"/>
-          </ac:spMkLst>
-        </pc:spChg>
-        <pc:spChg chg="add del mod">
-          <ac:chgData name="Jireh Tseng" userId="S::tsengj@middleton.school.nz::eefb979d-fc0d-4dd5-ae9a-91b2ece0a753" providerId="AD" clId="Web-{8ADE60C0-19A6-C471-675E-CC268BD8C1E5}" dt="2022-03-27T22:50:08.285" v="1025"/>
-          <ac:spMkLst>
-            <pc:docMk/>
-            <pc:sldMk cId="101173362" sldId="276"/>
-            <ac:spMk id="6" creationId="{0A915ABE-E9D9-5CBE-4F80-504B534096DF}"/>
-          </ac:spMkLst>
-        </pc:spChg>
-        <pc:spChg chg="mod">
-          <ac:chgData name="Jireh Tseng" userId="S::tsengj@middleton.school.nz::eefb979d-fc0d-4dd5-ae9a-91b2ece0a753" providerId="AD" clId="Web-{8ADE60C0-19A6-C471-675E-CC268BD8C1E5}" dt="2022-03-27T22:23:21.739" v="171" actId="20577"/>
-          <ac:spMkLst>
-            <pc:docMk/>
-            <pc:sldMk cId="101173362" sldId="276"/>
-            <ac:spMk id="91" creationId="{00000000-0000-0000-0000-000000000000}"/>
-          </ac:spMkLst>
-        </pc:spChg>
-      </pc:sldChg>
-      <pc:sldChg chg="addSp delSp modSp add replId">
-        <pc:chgData name="Jireh Tseng" userId="S::tsengj@middleton.school.nz::eefb979d-fc0d-4dd5-ae9a-91b2ece0a753" providerId="AD" clId="Web-{8ADE60C0-19A6-C471-675E-CC268BD8C1E5}" dt="2022-03-27T22:47:35.952" v="987" actId="14100"/>
-        <pc:sldMkLst>
-          <pc:docMk/>
-          <pc:sldMk cId="1175070000" sldId="277"/>
-        </pc:sldMkLst>
-        <pc:spChg chg="add mod">
-          <ac:chgData name="Jireh Tseng" userId="S::tsengj@middleton.school.nz::eefb979d-fc0d-4dd5-ae9a-91b2ece0a753" providerId="AD" clId="Web-{8ADE60C0-19A6-C471-675E-CC268BD8C1E5}" dt="2022-03-27T22:47:11.623" v="934" actId="1076"/>
-          <ac:spMkLst>
-            <pc:docMk/>
-            <pc:sldMk cId="1175070000" sldId="277"/>
-            <ac:spMk id="3" creationId="{EEB859FD-38A6-1F62-3856-BEEB4852D4EB}"/>
-          </ac:spMkLst>
-        </pc:spChg>
-        <pc:spChg chg="add mod">
-          <ac:chgData name="Jireh Tseng" userId="S::tsengj@middleton.school.nz::eefb979d-fc0d-4dd5-ae9a-91b2ece0a753" providerId="AD" clId="Web-{8ADE60C0-19A6-C471-675E-CC268BD8C1E5}" dt="2022-03-27T22:47:35.952" v="987" actId="14100"/>
-          <ac:spMkLst>
-            <pc:docMk/>
-            <pc:sldMk cId="1175070000" sldId="277"/>
-            <ac:spMk id="4" creationId="{1EF618CD-DA5E-F8FB-C22F-BCE459F50A91}"/>
-          </ac:spMkLst>
-        </pc:spChg>
-        <pc:spChg chg="del mod">
-          <ac:chgData name="Jireh Tseng" userId="S::tsengj@middleton.school.nz::eefb979d-fc0d-4dd5-ae9a-91b2ece0a753" providerId="AD" clId="Web-{8ADE60C0-19A6-C471-675E-CC268BD8C1E5}" dt="2022-03-27T22:09:04.207" v="169"/>
-          <ac:spMkLst>
-            <pc:docMk/>
-            <pc:sldMk cId="1175070000" sldId="277"/>
-            <ac:spMk id="4" creationId="{518343B6-2201-4ACD-B907-770BC22E8B26}"/>
-          </ac:spMkLst>
-        </pc:spChg>
-        <pc:spChg chg="add mod">
-          <ac:chgData name="Jireh Tseng" userId="S::tsengj@middleton.school.nz::eefb979d-fc0d-4dd5-ae9a-91b2ece0a753" providerId="AD" clId="Web-{8ADE60C0-19A6-C471-675E-CC268BD8C1E5}" dt="2022-03-27T22:47:11.655" v="935" actId="1076"/>
-          <ac:spMkLst>
-            <pc:docMk/>
-            <pc:sldMk cId="1175070000" sldId="277"/>
-            <ac:spMk id="7" creationId="{51325D51-6163-B7CA-A26C-8015E2FCD6C1}"/>
-          </ac:spMkLst>
-        </pc:spChg>
-        <pc:spChg chg="add mod">
-          <ac:chgData name="Jireh Tseng" userId="S::tsengj@middleton.school.nz::eefb979d-fc0d-4dd5-ae9a-91b2ece0a753" providerId="AD" clId="Web-{8ADE60C0-19A6-C471-675E-CC268BD8C1E5}" dt="2022-03-27T22:47:11.670" v="936" actId="1076"/>
-          <ac:spMkLst>
-            <pc:docMk/>
-            <pc:sldMk cId="1175070000" sldId="277"/>
-            <ac:spMk id="8" creationId="{FA361A1F-968A-CB22-BCDE-FAB0A4F6D693}"/>
-          </ac:spMkLst>
-        </pc:spChg>
-        <pc:spChg chg="add mod">
-          <ac:chgData name="Jireh Tseng" userId="S::tsengj@middleton.school.nz::eefb979d-fc0d-4dd5-ae9a-91b2ece0a753" providerId="AD" clId="Web-{8ADE60C0-19A6-C471-675E-CC268BD8C1E5}" dt="2022-03-27T22:47:11.736" v="939" actId="1076"/>
-          <ac:spMkLst>
-            <pc:docMk/>
-            <pc:sldMk cId="1175070000" sldId="277"/>
-            <ac:spMk id="11" creationId="{372BFD89-B350-26DF-57B3-E325AFBD551C}"/>
-          </ac:spMkLst>
-        </pc:spChg>
-        <pc:spChg chg="add mod">
-          <ac:chgData name="Jireh Tseng" userId="S::tsengj@middleton.school.nz::eefb979d-fc0d-4dd5-ae9a-91b2ece0a753" providerId="AD" clId="Web-{8ADE60C0-19A6-C471-675E-CC268BD8C1E5}" dt="2022-03-27T22:47:11.748" v="940" actId="1076"/>
-          <ac:spMkLst>
-            <pc:docMk/>
-            <pc:sldMk cId="1175070000" sldId="277"/>
-            <ac:spMk id="12" creationId="{BF570482-0A5B-5347-2B07-795805EBE47B}"/>
-          </ac:spMkLst>
-        </pc:spChg>
-        <pc:spChg chg="add mod">
-          <ac:chgData name="Jireh Tseng" userId="S::tsengj@middleton.school.nz::eefb979d-fc0d-4dd5-ae9a-91b2ece0a753" providerId="AD" clId="Web-{8ADE60C0-19A6-C471-675E-CC268BD8C1E5}" dt="2022-03-27T22:47:11.764" v="941" actId="1076"/>
-          <ac:spMkLst>
-            <pc:docMk/>
-            <pc:sldMk cId="1175070000" sldId="277"/>
-            <ac:spMk id="13" creationId="{D824B3B3-31A0-7CDD-D78B-B15258305B24}"/>
-          </ac:spMkLst>
-        </pc:spChg>
-        <pc:spChg chg="add mod">
-          <ac:chgData name="Jireh Tseng" userId="S::tsengj@middleton.school.nz::eefb979d-fc0d-4dd5-ae9a-91b2ece0a753" providerId="AD" clId="Web-{8ADE60C0-19A6-C471-675E-CC268BD8C1E5}" dt="2022-03-27T22:47:11.827" v="944" actId="1076"/>
-          <ac:spMkLst>
-            <pc:docMk/>
-            <pc:sldMk cId="1175070000" sldId="277"/>
-            <ac:spMk id="16" creationId="{83F4E725-56A4-C0A5-DB5B-4C5C5AF27CF7}"/>
-          </ac:spMkLst>
-        </pc:spChg>
-        <pc:spChg chg="add mod">
-          <ac:chgData name="Jireh Tseng" userId="S::tsengj@middleton.school.nz::eefb979d-fc0d-4dd5-ae9a-91b2ece0a753" providerId="AD" clId="Web-{8ADE60C0-19A6-C471-675E-CC268BD8C1E5}" dt="2022-03-27T22:47:11.842" v="945" actId="1076"/>
-          <ac:spMkLst>
-            <pc:docMk/>
-            <pc:sldMk cId="1175070000" sldId="277"/>
-            <ac:spMk id="17" creationId="{DA53870B-77DB-D9E4-4F15-AA31D2647E01}"/>
-          </ac:spMkLst>
-        </pc:spChg>
-        <pc:spChg chg="add mod">
-          <ac:chgData name="Jireh Tseng" userId="S::tsengj@middleton.school.nz::eefb979d-fc0d-4dd5-ae9a-91b2ece0a753" providerId="AD" clId="Web-{8ADE60C0-19A6-C471-675E-CC268BD8C1E5}" dt="2022-03-27T22:47:11.859" v="946" actId="1076"/>
-          <ac:spMkLst>
-            <pc:docMk/>
-            <pc:sldMk cId="1175070000" sldId="277"/>
-            <ac:spMk id="18" creationId="{D8655C3F-AEAA-936E-DB1F-87E0C73D29B3}"/>
-          </ac:spMkLst>
-        </pc:spChg>
-        <pc:spChg chg="add mod">
-          <ac:chgData name="Jireh Tseng" userId="S::tsengj@middleton.school.nz::eefb979d-fc0d-4dd5-ae9a-91b2ece0a753" providerId="AD" clId="Web-{8ADE60C0-19A6-C471-675E-CC268BD8C1E5}" dt="2022-03-27T22:47:11.905" v="949" actId="1076"/>
-          <ac:spMkLst>
-            <pc:docMk/>
-            <pc:sldMk cId="1175070000" sldId="277"/>
-            <ac:spMk id="21" creationId="{6D63BF07-B75E-3F99-7466-49EB4D1A03F8}"/>
-          </ac:spMkLst>
-        </pc:spChg>
-        <pc:spChg chg="add mod">
-          <ac:chgData name="Jireh Tseng" userId="S::tsengj@middleton.school.nz::eefb979d-fc0d-4dd5-ae9a-91b2ece0a753" providerId="AD" clId="Web-{8ADE60C0-19A6-C471-675E-CC268BD8C1E5}" dt="2022-03-27T22:47:11.920" v="950" actId="1076"/>
-          <ac:spMkLst>
-            <pc:docMk/>
-            <pc:sldMk cId="1175070000" sldId="277"/>
-            <ac:spMk id="22" creationId="{639ADD27-2FAF-80C9-280D-4C95E4FC80DD}"/>
-          </ac:spMkLst>
-        </pc:spChg>
-        <pc:spChg chg="add mod">
-          <ac:chgData name="Jireh Tseng" userId="S::tsengj@middleton.school.nz::eefb979d-fc0d-4dd5-ae9a-91b2ece0a753" providerId="AD" clId="Web-{8ADE60C0-19A6-C471-675E-CC268BD8C1E5}" dt="2022-03-27T22:47:11.952" v="951" actId="1076"/>
-          <ac:spMkLst>
-            <pc:docMk/>
-            <pc:sldMk cId="1175070000" sldId="277"/>
-            <ac:spMk id="23" creationId="{4C8D303E-4307-2793-2393-912548C749D7}"/>
-          </ac:spMkLst>
-        </pc:spChg>
-        <pc:spChg chg="add mod">
-          <ac:chgData name="Jireh Tseng" userId="S::tsengj@middleton.school.nz::eefb979d-fc0d-4dd5-ae9a-91b2ece0a753" providerId="AD" clId="Web-{8ADE60C0-19A6-C471-675E-CC268BD8C1E5}" dt="2022-03-27T22:47:12.046" v="954" actId="1076"/>
-          <ac:spMkLst>
-            <pc:docMk/>
-            <pc:sldMk cId="1175070000" sldId="277"/>
-            <ac:spMk id="26" creationId="{549DB9C0-5A35-55D4-D80E-1A39D85C0E11}"/>
-          </ac:spMkLst>
-        </pc:spChg>
-        <pc:spChg chg="add mod">
-          <ac:chgData name="Jireh Tseng" userId="S::tsengj@middleton.school.nz::eefb979d-fc0d-4dd5-ae9a-91b2ece0a753" providerId="AD" clId="Web-{8ADE60C0-19A6-C471-675E-CC268BD8C1E5}" dt="2022-03-27T22:47:12.061" v="955" actId="1076"/>
-          <ac:spMkLst>
-            <pc:docMk/>
-            <pc:sldMk cId="1175070000" sldId="277"/>
-            <ac:spMk id="27" creationId="{22CB6C6C-F6DB-56C8-B75F-F555F79F6721}"/>
-          </ac:spMkLst>
-        </pc:spChg>
-        <pc:spChg chg="add mod">
-          <ac:chgData name="Jireh Tseng" userId="S::tsengj@middleton.school.nz::eefb979d-fc0d-4dd5-ae9a-91b2ece0a753" providerId="AD" clId="Web-{8ADE60C0-19A6-C471-675E-CC268BD8C1E5}" dt="2022-03-27T22:47:12.092" v="956" actId="1076"/>
-          <ac:spMkLst>
-            <pc:docMk/>
-            <pc:sldMk cId="1175070000" sldId="277"/>
-            <ac:spMk id="28" creationId="{D944C97C-80EE-9D1E-44A2-FD2C498DCC25}"/>
-          </ac:spMkLst>
-        </pc:spChg>
-        <pc:spChg chg="add mod">
-          <ac:chgData name="Jireh Tseng" userId="S::tsengj@middleton.school.nz::eefb979d-fc0d-4dd5-ae9a-91b2ece0a753" providerId="AD" clId="Web-{8ADE60C0-19A6-C471-675E-CC268BD8C1E5}" dt="2022-03-27T22:47:12.155" v="959" actId="1076"/>
-          <ac:spMkLst>
-            <pc:docMk/>
-            <pc:sldMk cId="1175070000" sldId="277"/>
-            <ac:spMk id="31" creationId="{3316CCD4-872D-5FEB-2FC7-49B201A8A140}"/>
-          </ac:spMkLst>
-        </pc:spChg>
-        <pc:spChg chg="add mod">
-          <ac:chgData name="Jireh Tseng" userId="S::tsengj@middleton.school.nz::eefb979d-fc0d-4dd5-ae9a-91b2ece0a753" providerId="AD" clId="Web-{8ADE60C0-19A6-C471-675E-CC268BD8C1E5}" dt="2022-03-27T22:47:12.170" v="960" actId="1076"/>
-          <ac:spMkLst>
-            <pc:docMk/>
-            <pc:sldMk cId="1175070000" sldId="277"/>
-            <ac:spMk id="32" creationId="{D2EFACFB-C0C5-16BB-D769-6875FABF942B}"/>
-          </ac:spMkLst>
-        </pc:spChg>
-        <pc:spChg chg="add mod">
-          <ac:chgData name="Jireh Tseng" userId="S::tsengj@middleton.school.nz::eefb979d-fc0d-4dd5-ae9a-91b2ece0a753" providerId="AD" clId="Web-{8ADE60C0-19A6-C471-675E-CC268BD8C1E5}" dt="2022-03-27T22:47:12.202" v="961" actId="1076"/>
-          <ac:spMkLst>
-            <pc:docMk/>
-            <pc:sldMk cId="1175070000" sldId="277"/>
-            <ac:spMk id="33" creationId="{84D46624-14F3-B1FD-29CD-2AEE950E0DAB}"/>
-          </ac:spMkLst>
-        </pc:spChg>
-        <pc:spChg chg="mod">
-          <ac:chgData name="Jireh Tseng" userId="S::tsengj@middleton.school.nz::eefb979d-fc0d-4dd5-ae9a-91b2ece0a753" providerId="AD" clId="Web-{8ADE60C0-19A6-C471-675E-CC268BD8C1E5}" dt="2022-03-27T22:01:27.151" v="19" actId="20577"/>
-          <ac:spMkLst>
-            <pc:docMk/>
-            <pc:sldMk cId="1175070000" sldId="277"/>
-            <ac:spMk id="91" creationId="{00000000-0000-0000-0000-000000000000}"/>
-          </ac:spMkLst>
-        </pc:spChg>
-        <pc:graphicFrameChg chg="mod modGraphic">
-          <ac:chgData name="Jireh Tseng" userId="S::tsengj@middleton.school.nz::eefb979d-fc0d-4dd5-ae9a-91b2ece0a753" providerId="AD" clId="Web-{8ADE60C0-19A6-C471-675E-CC268BD8C1E5}" dt="2022-03-27T22:47:11.561" v="932" actId="1076"/>
-          <ac:graphicFrameMkLst>
-            <pc:docMk/>
-            <pc:sldMk cId="1175070000" sldId="277"/>
-            <ac:graphicFrameMk id="92" creationId="{00000000-0000-0000-0000-000000000000}"/>
-          </ac:graphicFrameMkLst>
-        </pc:graphicFrameChg>
-        <pc:picChg chg="add mod">
-          <ac:chgData name="Jireh Tseng" userId="S::tsengj@middleton.school.nz::eefb979d-fc0d-4dd5-ae9a-91b2ece0a753" providerId="AD" clId="Web-{8ADE60C0-19A6-C471-675E-CC268BD8C1E5}" dt="2022-03-27T22:47:11.609" v="933" actId="1076"/>
-          <ac:picMkLst>
-            <pc:docMk/>
-            <pc:sldMk cId="1175070000" sldId="277"/>
-            <ac:picMk id="2" creationId="{64A1AA31-E2FE-562B-F54B-A4875C6D1BA2}"/>
-          </ac:picMkLst>
-        </pc:picChg>
-        <pc:cxnChg chg="add mod">
-          <ac:chgData name="Jireh Tseng" userId="S::tsengj@middleton.school.nz::eefb979d-fc0d-4dd5-ae9a-91b2ece0a753" providerId="AD" clId="Web-{8ADE60C0-19A6-C471-675E-CC268BD8C1E5}" dt="2022-03-27T22:47:11.686" v="937" actId="1076"/>
-          <ac:cxnSpMkLst>
-            <pc:docMk/>
-            <pc:sldMk cId="1175070000" sldId="277"/>
-            <ac:cxnSpMk id="5" creationId="{1CF4739A-071A-E041-A7E4-6277CD81831A}"/>
-          </ac:cxnSpMkLst>
-        </pc:cxnChg>
-        <pc:cxnChg chg="add mod">
-          <ac:chgData name="Jireh Tseng" userId="S::tsengj@middleton.school.nz::eefb979d-fc0d-4dd5-ae9a-91b2ece0a753" providerId="AD" clId="Web-{8ADE60C0-19A6-C471-675E-CC268BD8C1E5}" dt="2022-03-27T22:47:11.702" v="938" actId="1076"/>
-          <ac:cxnSpMkLst>
-            <pc:docMk/>
-            <pc:sldMk cId="1175070000" sldId="277"/>
-            <ac:cxnSpMk id="10" creationId="{9AF39809-DB62-55B1-F756-5BF8764EEBCB}"/>
-          </ac:cxnSpMkLst>
-        </pc:cxnChg>
-        <pc:cxnChg chg="add mod">
-          <ac:chgData name="Jireh Tseng" userId="S::tsengj@middleton.school.nz::eefb979d-fc0d-4dd5-ae9a-91b2ece0a753" providerId="AD" clId="Web-{8ADE60C0-19A6-C471-675E-CC268BD8C1E5}" dt="2022-03-27T22:47:11.780" v="942" actId="1076"/>
-          <ac:cxnSpMkLst>
-            <pc:docMk/>
-            <pc:sldMk cId="1175070000" sldId="277"/>
-            <ac:cxnSpMk id="14" creationId="{8A6D6AB4-F0EE-3B01-3200-62E972B1ACF0}"/>
-          </ac:cxnSpMkLst>
-        </pc:cxnChg>
-        <pc:cxnChg chg="add mod">
-          <ac:chgData name="Jireh Tseng" userId="S::tsengj@middleton.school.nz::eefb979d-fc0d-4dd5-ae9a-91b2ece0a753" providerId="AD" clId="Web-{8ADE60C0-19A6-C471-675E-CC268BD8C1E5}" dt="2022-03-27T22:47:11.811" v="943" actId="1076"/>
-          <ac:cxnSpMkLst>
-            <pc:docMk/>
-            <pc:sldMk cId="1175070000" sldId="277"/>
-            <ac:cxnSpMk id="15" creationId="{7C4E4E09-3428-D438-02A6-0297A3CDBAE4}"/>
-          </ac:cxnSpMkLst>
-        </pc:cxnChg>
-        <pc:cxnChg chg="add mod">
-          <ac:chgData name="Jireh Tseng" userId="S::tsengj@middleton.school.nz::eefb979d-fc0d-4dd5-ae9a-91b2ece0a753" providerId="AD" clId="Web-{8ADE60C0-19A6-C471-675E-CC268BD8C1E5}" dt="2022-03-27T22:47:11.875" v="947" actId="1076"/>
-          <ac:cxnSpMkLst>
-            <pc:docMk/>
-            <pc:sldMk cId="1175070000" sldId="277"/>
-            <ac:cxnSpMk id="19" creationId="{445D6516-EF7A-8B76-B42B-71F11B39A477}"/>
-          </ac:cxnSpMkLst>
-        </pc:cxnChg>
-        <pc:cxnChg chg="add mod">
-          <ac:chgData name="Jireh Tseng" userId="S::tsengj@middleton.school.nz::eefb979d-fc0d-4dd5-ae9a-91b2ece0a753" providerId="AD" clId="Web-{8ADE60C0-19A6-C471-675E-CC268BD8C1E5}" dt="2022-03-27T22:47:11.889" v="948" actId="1076"/>
-          <ac:cxnSpMkLst>
-            <pc:docMk/>
-            <pc:sldMk cId="1175070000" sldId="277"/>
-            <ac:cxnSpMk id="20" creationId="{7831F06C-BE9F-13B2-9F3D-89843CAC666D}"/>
-          </ac:cxnSpMkLst>
-        </pc:cxnChg>
-        <pc:cxnChg chg="add mod">
-          <ac:chgData name="Jireh Tseng" userId="S::tsengj@middleton.school.nz::eefb979d-fc0d-4dd5-ae9a-91b2ece0a753" providerId="AD" clId="Web-{8ADE60C0-19A6-C471-675E-CC268BD8C1E5}" dt="2022-03-27T22:47:11.983" v="952" actId="1076"/>
-          <ac:cxnSpMkLst>
-            <pc:docMk/>
-            <pc:sldMk cId="1175070000" sldId="277"/>
-            <ac:cxnSpMk id="24" creationId="{40EF1C5A-5945-8802-C0AE-93E10BB43A6E}"/>
-          </ac:cxnSpMkLst>
-        </pc:cxnChg>
-        <pc:cxnChg chg="add mod">
-          <ac:chgData name="Jireh Tseng" userId="S::tsengj@middleton.school.nz::eefb979d-fc0d-4dd5-ae9a-91b2ece0a753" providerId="AD" clId="Web-{8ADE60C0-19A6-C471-675E-CC268BD8C1E5}" dt="2022-03-27T22:47:12.014" v="953" actId="1076"/>
-          <ac:cxnSpMkLst>
-            <pc:docMk/>
-            <pc:sldMk cId="1175070000" sldId="277"/>
-            <ac:cxnSpMk id="25" creationId="{4C7C5FD4-3BEE-7D02-3C66-EC3C3F70ED62}"/>
-          </ac:cxnSpMkLst>
-        </pc:cxnChg>
-        <pc:cxnChg chg="add mod">
-          <ac:chgData name="Jireh Tseng" userId="S::tsengj@middleton.school.nz::eefb979d-fc0d-4dd5-ae9a-91b2ece0a753" providerId="AD" clId="Web-{8ADE60C0-19A6-C471-675E-CC268BD8C1E5}" dt="2022-03-27T22:47:12.108" v="957" actId="1076"/>
-          <ac:cxnSpMkLst>
-            <pc:docMk/>
-            <pc:sldMk cId="1175070000" sldId="277"/>
-            <ac:cxnSpMk id="29" creationId="{6F93BF23-ECFE-8F5C-1047-C738DBE9C9CB}"/>
-          </ac:cxnSpMkLst>
-        </pc:cxnChg>
-        <pc:cxnChg chg="add mod">
-          <ac:chgData name="Jireh Tseng" userId="S::tsengj@middleton.school.nz::eefb979d-fc0d-4dd5-ae9a-91b2ece0a753" providerId="AD" clId="Web-{8ADE60C0-19A6-C471-675E-CC268BD8C1E5}" dt="2022-03-27T22:47:12.123" v="958" actId="1076"/>
-          <ac:cxnSpMkLst>
-            <pc:docMk/>
-            <pc:sldMk cId="1175070000" sldId="277"/>
-            <ac:cxnSpMk id="30" creationId="{1EABAEF0-15F6-48CF-7534-9C4CB4058D2A}"/>
-          </ac:cxnSpMkLst>
-        </pc:cxnChg>
-        <pc:cxnChg chg="add mod">
-          <ac:chgData name="Jireh Tseng" userId="S::tsengj@middleton.school.nz::eefb979d-fc0d-4dd5-ae9a-91b2ece0a753" providerId="AD" clId="Web-{8ADE60C0-19A6-C471-675E-CC268BD8C1E5}" dt="2022-03-27T22:47:12.233" v="962" actId="1076"/>
-          <ac:cxnSpMkLst>
-            <pc:docMk/>
-            <pc:sldMk cId="1175070000" sldId="277"/>
-            <ac:cxnSpMk id="34" creationId="{BDAFF74E-414B-C345-0C69-721CD6F67A51}"/>
-          </ac:cxnSpMkLst>
-        </pc:cxnChg>
-        <pc:cxnChg chg="add mod">
-          <ac:chgData name="Jireh Tseng" userId="S::tsengj@middleton.school.nz::eefb979d-fc0d-4dd5-ae9a-91b2ece0a753" providerId="AD" clId="Web-{8ADE60C0-19A6-C471-675E-CC268BD8C1E5}" dt="2022-03-27T22:47:12.249" v="963" actId="1076"/>
-          <ac:cxnSpMkLst>
-            <pc:docMk/>
-            <pc:sldMk cId="1175070000" sldId="277"/>
-            <ac:cxnSpMk id="35" creationId="{3164386B-D586-8608-3774-2D7A36E48C39}"/>
-          </ac:cxnSpMkLst>
-        </pc:cxnChg>
-      </pc:sldChg>
-      <pc:sldChg chg="add replId">
-        <pc:chgData name="Jireh Tseng" userId="S::tsengj@middleton.school.nz::eefb979d-fc0d-4dd5-ae9a-91b2ece0a753" providerId="AD" clId="Web-{8ADE60C0-19A6-C471-675E-CC268BD8C1E5}" dt="2022-03-27T22:24:02.817" v="172"/>
-        <pc:sldMkLst>
-          <pc:docMk/>
-          <pc:sldMk cId="3377323929" sldId="278"/>
-        </pc:sldMkLst>
-      </pc:sldChg>
-      <pc:sldChg chg="delSp modSp add replId">
-        <pc:chgData name="Jireh Tseng" userId="S::tsengj@middleton.school.nz::eefb979d-fc0d-4dd5-ae9a-91b2ece0a753" providerId="AD" clId="Web-{8ADE60C0-19A6-C471-675E-CC268BD8C1E5}" dt="2022-03-27T22:31:15.560" v="930"/>
-        <pc:sldMkLst>
-          <pc:docMk/>
-          <pc:sldMk cId="2993261380" sldId="279"/>
-        </pc:sldMkLst>
-        <pc:spChg chg="del">
-          <ac:chgData name="Jireh Tseng" userId="S::tsengj@middleton.school.nz::eefb979d-fc0d-4dd5-ae9a-91b2ece0a753" providerId="AD" clId="Web-{8ADE60C0-19A6-C471-675E-CC268BD8C1E5}" dt="2022-03-27T22:25:04.647" v="206"/>
-          <ac:spMkLst>
-            <pc:docMk/>
-            <pc:sldMk cId="2993261380" sldId="279"/>
-            <ac:spMk id="4" creationId="{518343B6-2201-4ACD-B907-770BC22E8B26}"/>
-          </ac:spMkLst>
-        </pc:spChg>
-        <pc:spChg chg="mod">
-          <ac:chgData name="Jireh Tseng" userId="S::tsengj@middleton.school.nz::eefb979d-fc0d-4dd5-ae9a-91b2ece0a753" providerId="AD" clId="Web-{8ADE60C0-19A6-C471-675E-CC268BD8C1E5}" dt="2022-03-27T22:25:28.319" v="208" actId="20577"/>
-          <ac:spMkLst>
-            <pc:docMk/>
-            <pc:sldMk cId="2993261380" sldId="279"/>
-            <ac:spMk id="91" creationId="{00000000-0000-0000-0000-000000000000}"/>
-          </ac:spMkLst>
-        </pc:spChg>
-        <pc:graphicFrameChg chg="mod modGraphic">
-          <ac:chgData name="Jireh Tseng" userId="S::tsengj@middleton.school.nz::eefb979d-fc0d-4dd5-ae9a-91b2ece0a753" providerId="AD" clId="Web-{8ADE60C0-19A6-C471-675E-CC268BD8C1E5}" dt="2022-03-27T22:31:15.560" v="930"/>
-          <ac:graphicFrameMkLst>
-            <pc:docMk/>
-            <pc:sldMk cId="2993261380" sldId="279"/>
-            <ac:graphicFrameMk id="92" creationId="{00000000-0000-0000-0000-000000000000}"/>
-          </ac:graphicFrameMkLst>
-        </pc:graphicFrameChg>
-      </pc:sldChg>
-      <pc:sldChg chg="addSp modSp add replId">
-        <pc:chgData name="Jireh Tseng" userId="S::tsengj@middleton.school.nz::eefb979d-fc0d-4dd5-ae9a-91b2ece0a753" providerId="AD" clId="Web-{8ADE60C0-19A6-C471-675E-CC268BD8C1E5}" dt="2022-03-27T22:52:14.227" v="1091" actId="1076"/>
-        <pc:sldMkLst>
-          <pc:docMk/>
-          <pc:sldMk cId="636464997" sldId="280"/>
-        </pc:sldMkLst>
-        <pc:spChg chg="add mod">
-          <ac:chgData name="Jireh Tseng" userId="S::tsengj@middleton.school.nz::eefb979d-fc0d-4dd5-ae9a-91b2ece0a753" providerId="AD" clId="Web-{8ADE60C0-19A6-C471-675E-CC268BD8C1E5}" dt="2022-03-27T22:52:14.227" v="1091" actId="1076"/>
-          <ac:spMkLst>
-            <pc:docMk/>
-            <pc:sldMk cId="636464997" sldId="280"/>
-            <ac:spMk id="5" creationId="{A0C9D49D-C427-E1AD-7BEC-C00826A1CE8A}"/>
-          </ac:spMkLst>
-        </pc:spChg>
-        <pc:spChg chg="add mod">
-          <ac:chgData name="Jireh Tseng" userId="S::tsengj@middleton.school.nz::eefb979d-fc0d-4dd5-ae9a-91b2ece0a753" providerId="AD" clId="Web-{8ADE60C0-19A6-C471-675E-CC268BD8C1E5}" dt="2022-03-27T22:50:15.098" v="1028" actId="1076"/>
-          <ac:spMkLst>
-            <pc:docMk/>
-            <pc:sldMk cId="636464997" sldId="280"/>
-            <ac:spMk id="6" creationId="{3565F284-A787-F0CF-38CB-57228454B7AE}"/>
-          </ac:spMkLst>
-        </pc:spChg>
-        <pc:spChg chg="add mod">
-          <ac:chgData name="Jireh Tseng" userId="S::tsengj@middleton.school.nz::eefb979d-fc0d-4dd5-ae9a-91b2ece0a753" providerId="AD" clId="Web-{8ADE60C0-19A6-C471-675E-CC268BD8C1E5}" dt="2022-03-27T22:50:23.177" v="1031" actId="14100"/>
-          <ac:spMkLst>
-            <pc:docMk/>
-            <pc:sldMk cId="636464997" sldId="280"/>
-            <ac:spMk id="7" creationId="{4D103BE5-5B45-E7C9-632C-9C5FC730006D}"/>
-          </ac:spMkLst>
-        </pc:spChg>
-        <pc:spChg chg="add mod">
-          <ac:chgData name="Jireh Tseng" userId="S::tsengj@middleton.school.nz::eefb979d-fc0d-4dd5-ae9a-91b2ece0a753" providerId="AD" clId="Web-{8ADE60C0-19A6-C471-675E-CC268BD8C1E5}" dt="2022-03-27T22:50:30.817" v="1034" actId="14100"/>
-          <ac:spMkLst>
-            <pc:docMk/>
-            <pc:sldMk cId="636464997" sldId="280"/>
-            <ac:spMk id="8" creationId="{4619ED37-58C6-801D-365B-545A3C4F0B20}"/>
-          </ac:spMkLst>
-        </pc:spChg>
-        <pc:spChg chg="add mod">
-          <ac:chgData name="Jireh Tseng" userId="S::tsengj@middleton.school.nz::eefb979d-fc0d-4dd5-ae9a-91b2ece0a753" providerId="AD" clId="Web-{8ADE60C0-19A6-C471-675E-CC268BD8C1E5}" dt="2022-03-27T22:51:16.334" v="1053" actId="1076"/>
-          <ac:spMkLst>
-            <pc:docMk/>
-            <pc:sldMk cId="636464997" sldId="280"/>
-            <ac:spMk id="11" creationId="{8B6E8C10-C976-3C2A-CBAA-F2F9C9CD6291}"/>
-          </ac:spMkLst>
-        </pc:spChg>
-        <pc:spChg chg="add mod">
-          <ac:chgData name="Jireh Tseng" userId="S::tsengj@middleton.school.nz::eefb979d-fc0d-4dd5-ae9a-91b2ece0a753" providerId="AD" clId="Web-{8ADE60C0-19A6-C471-675E-CC268BD8C1E5}" dt="2022-03-27T22:51:16.350" v="1054" actId="1076"/>
-          <ac:spMkLst>
-            <pc:docMk/>
-            <pc:sldMk cId="636464997" sldId="280"/>
-            <ac:spMk id="12" creationId="{E0682261-9A33-6C28-FCD4-08B28FE46CE9}"/>
-          </ac:spMkLst>
-        </pc:spChg>
-        <pc:spChg chg="add mod">
-          <ac:chgData name="Jireh Tseng" userId="S::tsengj@middleton.school.nz::eefb979d-fc0d-4dd5-ae9a-91b2ece0a753" providerId="AD" clId="Web-{8ADE60C0-19A6-C471-675E-CC268BD8C1E5}" dt="2022-03-27T22:51:20.647" v="1058" actId="1076"/>
-          <ac:spMkLst>
-            <pc:docMk/>
-            <pc:sldMk cId="636464997" sldId="280"/>
-            <ac:spMk id="13" creationId="{46449077-345D-20F6-FD2D-5BF18C019839}"/>
-          </ac:spMkLst>
-        </pc:spChg>
-        <pc:spChg chg="add mod">
-          <ac:chgData name="Jireh Tseng" userId="S::tsengj@middleton.school.nz::eefb979d-fc0d-4dd5-ae9a-91b2ece0a753" providerId="AD" clId="Web-{8ADE60C0-19A6-C471-675E-CC268BD8C1E5}" dt="2022-03-27T22:51:40.194" v="1084" actId="14100"/>
-          <ac:spMkLst>
-            <pc:docMk/>
-            <pc:sldMk cId="636464997" sldId="280"/>
-            <ac:spMk id="16" creationId="{F3669E52-6F15-24F9-9B1B-2B04E5AA9525}"/>
-          </ac:spMkLst>
-        </pc:spChg>
-        <pc:spChg chg="add mod">
-          <ac:chgData name="Jireh Tseng" userId="S::tsengj@middleton.school.nz::eefb979d-fc0d-4dd5-ae9a-91b2ece0a753" providerId="AD" clId="Web-{8ADE60C0-19A6-C471-675E-CC268BD8C1E5}" dt="2022-03-27T22:51:51.492" v="1087" actId="14100"/>
-          <ac:spMkLst>
-            <pc:docMk/>
-            <pc:sldMk cId="636464997" sldId="280"/>
-            <ac:spMk id="17" creationId="{5A503DB2-E7D5-8AAF-3554-715479DDE452}"/>
-          </ac:spMkLst>
-        </pc:spChg>
-        <pc:spChg chg="add mod">
-          <ac:chgData name="Jireh Tseng" userId="S::tsengj@middleton.school.nz::eefb979d-fc0d-4dd5-ae9a-91b2ece0a753" providerId="AD" clId="Web-{8ADE60C0-19A6-C471-675E-CC268BD8C1E5}" dt="2022-03-27T22:51:57.930" v="1089" actId="14100"/>
-          <ac:spMkLst>
-            <pc:docMk/>
-            <pc:sldMk cId="636464997" sldId="280"/>
-            <ac:spMk id="18" creationId="{36AC13FC-B24D-6C72-F049-D0B8A6DCC146}"/>
-          </ac:spMkLst>
-        </pc:spChg>
-        <pc:spChg chg="mod">
-          <ac:chgData name="Jireh Tseng" userId="S::tsengj@middleton.school.nz::eefb979d-fc0d-4dd5-ae9a-91b2ece0a753" providerId="AD" clId="Web-{8ADE60C0-19A6-C471-675E-CC268BD8C1E5}" dt="2022-03-27T22:48:49.814" v="1000" actId="20577"/>
-          <ac:spMkLst>
-            <pc:docMk/>
-            <pc:sldMk cId="636464997" sldId="280"/>
-            <ac:spMk id="91" creationId="{00000000-0000-0000-0000-000000000000}"/>
-          </ac:spMkLst>
-        </pc:spChg>
-        <pc:graphicFrameChg chg="mod modGraphic">
-          <ac:chgData name="Jireh Tseng" userId="S::tsengj@middleton.school.nz::eefb979d-fc0d-4dd5-ae9a-91b2ece0a753" providerId="AD" clId="Web-{8ADE60C0-19A6-C471-675E-CC268BD8C1E5}" dt="2022-03-27T22:48:52.830" v="1001"/>
-          <ac:graphicFrameMkLst>
-            <pc:docMk/>
-            <pc:sldMk cId="636464997" sldId="280"/>
-            <ac:graphicFrameMk id="92" creationId="{00000000-0000-0000-0000-000000000000}"/>
-          </ac:graphicFrameMkLst>
-        </pc:graphicFrameChg>
-        <pc:picChg chg="add mod">
-          <ac:chgData name="Jireh Tseng" userId="S::tsengj@middleton.school.nz::eefb979d-fc0d-4dd5-ae9a-91b2ece0a753" providerId="AD" clId="Web-{8ADE60C0-19A6-C471-675E-CC268BD8C1E5}" dt="2022-03-27T22:49:16.597" v="1008" actId="14100"/>
-          <ac:picMkLst>
-            <pc:docMk/>
-            <pc:sldMk cId="636464997" sldId="280"/>
-            <ac:picMk id="2" creationId="{E234CF7E-755D-A7C1-222C-9E7262D0F15C}"/>
-          </ac:picMkLst>
-        </pc:picChg>
-        <pc:picChg chg="add mod">
-          <ac:chgData name="Jireh Tseng" userId="S::tsengj@middleton.school.nz::eefb979d-fc0d-4dd5-ae9a-91b2ece0a753" providerId="AD" clId="Web-{8ADE60C0-19A6-C471-675E-CC268BD8C1E5}" dt="2022-03-27T22:49:23.534" v="1012" actId="14100"/>
-          <ac:picMkLst>
-            <pc:docMk/>
-            <pc:sldMk cId="636464997" sldId="280"/>
-            <ac:picMk id="3" creationId="{3E21A60A-1E62-9B76-5D91-CDCC9DCF57CB}"/>
-          </ac:picMkLst>
-        </pc:picChg>
-        <pc:cxnChg chg="add mod">
-          <ac:chgData name="Jireh Tseng" userId="S::tsengj@middleton.school.nz::eefb979d-fc0d-4dd5-ae9a-91b2ece0a753" providerId="AD" clId="Web-{8ADE60C0-19A6-C471-675E-CC268BD8C1E5}" dt="2022-03-27T22:50:52.396" v="1039" actId="14100"/>
-          <ac:cxnSpMkLst>
-            <pc:docMk/>
-            <pc:sldMk cId="636464997" sldId="280"/>
-            <ac:cxnSpMk id="4" creationId="{FAFED4A7-A9B5-30E7-CED5-2F7F88B17EE4}"/>
-          </ac:cxnSpMkLst>
-        </pc:cxnChg>
-        <pc:cxnChg chg="add mod">
-          <ac:chgData name="Jireh Tseng" userId="S::tsengj@middleton.school.nz::eefb979d-fc0d-4dd5-ae9a-91b2ece0a753" providerId="AD" clId="Web-{8ADE60C0-19A6-C471-675E-CC268BD8C1E5}" dt="2022-03-27T22:50:59.052" v="1042" actId="14100"/>
-          <ac:cxnSpMkLst>
-            <pc:docMk/>
-            <pc:sldMk cId="636464997" sldId="280"/>
-            <ac:cxnSpMk id="10" creationId="{2178EA7A-8C3A-4C7F-F939-A728F5155991}"/>
-          </ac:cxnSpMkLst>
-        </pc:cxnChg>
-        <pc:cxnChg chg="add mod">
-          <ac:chgData name="Jireh Tseng" userId="S::tsengj@middleton.school.nz::eefb979d-fc0d-4dd5-ae9a-91b2ece0a753" providerId="AD" clId="Web-{8ADE60C0-19A6-C471-675E-CC268BD8C1E5}" dt="2022-03-27T22:51:16.366" v="1056" actId="1076"/>
-          <ac:cxnSpMkLst>
-            <pc:docMk/>
-            <pc:sldMk cId="636464997" sldId="280"/>
-            <ac:cxnSpMk id="14" creationId="{331DC64A-26E8-3D90-483D-1C11673842EC}"/>
-          </ac:cxnSpMkLst>
-        </pc:cxnChg>
-        <pc:cxnChg chg="add mod">
-          <ac:chgData name="Jireh Tseng" userId="S::tsengj@middleton.school.nz::eefb979d-fc0d-4dd5-ae9a-91b2ece0a753" providerId="AD" clId="Web-{8ADE60C0-19A6-C471-675E-CC268BD8C1E5}" dt="2022-03-27T22:51:23.288" v="1059" actId="14100"/>
-          <ac:cxnSpMkLst>
-            <pc:docMk/>
-            <pc:sldMk cId="636464997" sldId="280"/>
-            <ac:cxnSpMk id="15" creationId="{E66BE9E7-0C9D-CCE4-C0C0-F185F4D8021C}"/>
-          </ac:cxnSpMkLst>
-        </pc:cxnChg>
-        <pc:cxnChg chg="add mod">
-          <ac:chgData name="Jireh Tseng" userId="S::tsengj@middleton.school.nz::eefb979d-fc0d-4dd5-ae9a-91b2ece0a753" providerId="AD" clId="Web-{8ADE60C0-19A6-C471-675E-CC268BD8C1E5}" dt="2022-03-27T22:51:40.194" v="1081" actId="14100"/>
-          <ac:cxnSpMkLst>
-            <pc:docMk/>
-            <pc:sldMk cId="636464997" sldId="280"/>
-            <ac:cxnSpMk id="19" creationId="{522FD415-D4BA-8CEB-3E62-366A39E04169}"/>
-          </ac:cxnSpMkLst>
-        </pc:cxnChg>
-        <pc:cxnChg chg="add mod">
-          <ac:chgData name="Jireh Tseng" userId="S::tsengj@middleton.school.nz::eefb979d-fc0d-4dd5-ae9a-91b2ece0a753" providerId="AD" clId="Web-{8ADE60C0-19A6-C471-675E-CC268BD8C1E5}" dt="2022-03-27T22:51:47.585" v="1086" actId="14100"/>
-          <ac:cxnSpMkLst>
-            <pc:docMk/>
-            <pc:sldMk cId="636464997" sldId="280"/>
-            <ac:cxnSpMk id="20" creationId="{28E3688F-F336-9BF4-617B-B203A30F20ED}"/>
-          </ac:cxnSpMkLst>
-        </pc:cxnChg>
       </pc:sldChg>
     </pc:docChg>
   </pc:docChgLst>
@@ -1490,57 +610,1414 @@
     </pc:docChg>
   </pc:docChgLst>
   <pc:docChgLst>
-    <pc:chgData name="Jireh Tseng" userId="S::tsengj@middleton.school.nz::eefb979d-fc0d-4dd5-ae9a-91b2ece0a753" providerId="AD" clId="Web-{ED89BA52-C93F-C9E4-3561-9BF3A71FD8F3}"/>
+    <pc:chgData name="Jireh Tseng" userId="S::tsengj@middleton.school.nz::eefb979d-fc0d-4dd5-ae9a-91b2ece0a753" providerId="AD" clId="Web-{E73AC928-7D87-5D94-5CF7-49334421705B}"/>
     <pc:docChg chg="addSld modSld sldOrd">
-      <pc:chgData name="Jireh Tseng" userId="S::tsengj@middleton.school.nz::eefb979d-fc0d-4dd5-ae9a-91b2ece0a753" providerId="AD" clId="Web-{ED89BA52-C93F-C9E4-3561-9BF3A71FD8F3}" dt="2022-04-04T21:08:20.274" v="818" actId="1076"/>
+      <pc:chgData name="Jireh Tseng" userId="S::tsengj@middleton.school.nz::eefb979d-fc0d-4dd5-ae9a-91b2ece0a753" providerId="AD" clId="Web-{E73AC928-7D87-5D94-5CF7-49334421705B}" dt="2022-04-13T07:29:44.742" v="766" actId="1076"/>
+      <pc:docMkLst>
+        <pc:docMk/>
+      </pc:docMkLst>
+      <pc:sldChg chg="addSp delSp modSp add ord replId">
+        <pc:chgData name="Jireh Tseng" userId="S::tsengj@middleton.school.nz::eefb979d-fc0d-4dd5-ae9a-91b2ece0a753" providerId="AD" clId="Web-{E73AC928-7D87-5D94-5CF7-49334421705B}" dt="2022-04-13T06:41:00.244" v="57" actId="14100"/>
+        <pc:sldMkLst>
+          <pc:docMk/>
+          <pc:sldMk cId="1092323287" sldId="290"/>
+        </pc:sldMkLst>
+        <pc:spChg chg="add del">
+          <ac:chgData name="Jireh Tseng" userId="S::tsengj@middleton.school.nz::eefb979d-fc0d-4dd5-ae9a-91b2ece0a753" providerId="AD" clId="Web-{E73AC928-7D87-5D94-5CF7-49334421705B}" dt="2022-04-13T06:38:59.147" v="28"/>
+          <ac:spMkLst>
+            <pc:docMk/>
+            <pc:sldMk cId="1092323287" sldId="290"/>
+            <ac:spMk id="3" creationId="{83B568C1-8667-67F6-622D-09DE0D798A04}"/>
+          </ac:spMkLst>
+        </pc:spChg>
+        <pc:spChg chg="add mod">
+          <ac:chgData name="Jireh Tseng" userId="S::tsengj@middleton.school.nz::eefb979d-fc0d-4dd5-ae9a-91b2ece0a753" providerId="AD" clId="Web-{E73AC928-7D87-5D94-5CF7-49334421705B}" dt="2022-04-13T06:40:30.212" v="51" actId="1076"/>
+          <ac:spMkLst>
+            <pc:docMk/>
+            <pc:sldMk cId="1092323287" sldId="290"/>
+            <ac:spMk id="5" creationId="{2013A7D0-D8CD-E2FF-240A-5E82F76B84F0}"/>
+          </ac:spMkLst>
+        </pc:spChg>
+        <pc:spChg chg="add mod">
+          <ac:chgData name="Jireh Tseng" userId="S::tsengj@middleton.school.nz::eefb979d-fc0d-4dd5-ae9a-91b2ece0a753" providerId="AD" clId="Web-{E73AC928-7D87-5D94-5CF7-49334421705B}" dt="2022-04-13T06:41:00.244" v="57" actId="14100"/>
+          <ac:spMkLst>
+            <pc:docMk/>
+            <pc:sldMk cId="1092323287" sldId="290"/>
+            <ac:spMk id="7" creationId="{25A3D05A-97D5-9B99-AFCA-CCE9AE5DA669}"/>
+          </ac:spMkLst>
+        </pc:spChg>
+        <pc:spChg chg="mod">
+          <ac:chgData name="Jireh Tseng" userId="S::tsengj@middleton.school.nz::eefb979d-fc0d-4dd5-ae9a-91b2ece0a753" providerId="AD" clId="Web-{E73AC928-7D87-5D94-5CF7-49334421705B}" dt="2022-04-13T06:38:09.771" v="21" actId="20577"/>
+          <ac:spMkLst>
+            <pc:docMk/>
+            <pc:sldMk cId="1092323287" sldId="290"/>
+            <ac:spMk id="86" creationId="{00000000-0000-0000-0000-000000000000}"/>
+          </ac:spMkLst>
+        </pc:spChg>
+        <pc:picChg chg="add mod">
+          <ac:chgData name="Jireh Tseng" userId="S::tsengj@middleton.school.nz::eefb979d-fc0d-4dd5-ae9a-91b2ece0a753" providerId="AD" clId="Web-{E73AC928-7D87-5D94-5CF7-49334421705B}" dt="2022-04-13T06:40:44.462" v="54" actId="1076"/>
+          <ac:picMkLst>
+            <pc:docMk/>
+            <pc:sldMk cId="1092323287" sldId="290"/>
+            <ac:picMk id="2" creationId="{BCC23093-8A38-7C08-7B37-8D969267C14E}"/>
+          </ac:picMkLst>
+        </pc:picChg>
+        <pc:picChg chg="del">
+          <ac:chgData name="Jireh Tseng" userId="S::tsengj@middleton.school.nz::eefb979d-fc0d-4dd5-ae9a-91b2ece0a753" providerId="AD" clId="Web-{E73AC928-7D87-5D94-5CF7-49334421705B}" dt="2022-04-13T06:38:27.271" v="22"/>
+          <ac:picMkLst>
+            <pc:docMk/>
+            <pc:sldMk cId="1092323287" sldId="290"/>
+            <ac:picMk id="4" creationId="{E5C81E07-4E1E-4823-E30E-0F12B7098C51}"/>
+          </ac:picMkLst>
+        </pc:picChg>
+      </pc:sldChg>
+      <pc:sldChg chg="modSp add ord replId">
+        <pc:chgData name="Jireh Tseng" userId="S::tsengj@middleton.school.nz::eefb979d-fc0d-4dd5-ae9a-91b2ece0a753" providerId="AD" clId="Web-{E73AC928-7D87-5D94-5CF7-49334421705B}" dt="2022-04-13T06:48:04.691" v="608"/>
+        <pc:sldMkLst>
+          <pc:docMk/>
+          <pc:sldMk cId="1750498182" sldId="291"/>
+        </pc:sldMkLst>
+        <pc:spChg chg="mod">
+          <ac:chgData name="Jireh Tseng" userId="S::tsengj@middleton.school.nz::eefb979d-fc0d-4dd5-ae9a-91b2ece0a753" providerId="AD" clId="Web-{E73AC928-7D87-5D94-5CF7-49334421705B}" dt="2022-04-13T06:43:05.403" v="74" actId="20577"/>
+          <ac:spMkLst>
+            <pc:docMk/>
+            <pc:sldMk cId="1750498182" sldId="291"/>
+            <ac:spMk id="91" creationId="{00000000-0000-0000-0000-000000000000}"/>
+          </ac:spMkLst>
+        </pc:spChg>
+        <pc:graphicFrameChg chg="mod modGraphic">
+          <ac:chgData name="Jireh Tseng" userId="S::tsengj@middleton.school.nz::eefb979d-fc0d-4dd5-ae9a-91b2ece0a753" providerId="AD" clId="Web-{E73AC928-7D87-5D94-5CF7-49334421705B}" dt="2022-04-13T06:48:04.691" v="608"/>
+          <ac:graphicFrameMkLst>
+            <pc:docMk/>
+            <pc:sldMk cId="1750498182" sldId="291"/>
+            <ac:graphicFrameMk id="92" creationId="{00000000-0000-0000-0000-000000000000}"/>
+          </ac:graphicFrameMkLst>
+        </pc:graphicFrameChg>
+      </pc:sldChg>
+      <pc:sldChg chg="addSp delSp modSp add ord replId">
+        <pc:chgData name="Jireh Tseng" userId="S::tsengj@middleton.school.nz::eefb979d-fc0d-4dd5-ae9a-91b2ece0a753" providerId="AD" clId="Web-{E73AC928-7D87-5D94-5CF7-49334421705B}" dt="2022-04-13T07:29:44.742" v="766" actId="1076"/>
+        <pc:sldMkLst>
+          <pc:docMk/>
+          <pc:sldMk cId="821514118" sldId="292"/>
+        </pc:sldMkLst>
+        <pc:spChg chg="mod">
+          <ac:chgData name="Jireh Tseng" userId="S::tsengj@middleton.school.nz::eefb979d-fc0d-4dd5-ae9a-91b2ece0a753" providerId="AD" clId="Web-{E73AC928-7D87-5D94-5CF7-49334421705B}" dt="2022-04-13T07:24:06.983" v="631" actId="20577"/>
+          <ac:spMkLst>
+            <pc:docMk/>
+            <pc:sldMk cId="821514118" sldId="292"/>
+            <ac:spMk id="2" creationId="{117C7ED0-CC09-82B1-98D7-D7AC8566A02D}"/>
+          </ac:spMkLst>
+        </pc:spChg>
+        <pc:spChg chg="del">
+          <ac:chgData name="Jireh Tseng" userId="S::tsengj@middleton.school.nz::eefb979d-fc0d-4dd5-ae9a-91b2ece0a753" providerId="AD" clId="Web-{E73AC928-7D87-5D94-5CF7-49334421705B}" dt="2022-04-13T07:24:18.468" v="638"/>
+          <ac:spMkLst>
+            <pc:docMk/>
+            <pc:sldMk cId="821514118" sldId="292"/>
+            <ac:spMk id="4" creationId="{0676CC8F-07AC-7255-5C5C-4ABBBE9DE273}"/>
+          </ac:spMkLst>
+        </pc:spChg>
+        <pc:spChg chg="del mod">
+          <ac:chgData name="Jireh Tseng" userId="S::tsengj@middleton.school.nz::eefb979d-fc0d-4dd5-ae9a-91b2ece0a753" providerId="AD" clId="Web-{E73AC928-7D87-5D94-5CF7-49334421705B}" dt="2022-04-13T07:24:13.437" v="635"/>
+          <ac:spMkLst>
+            <pc:docMk/>
+            <pc:sldMk cId="821514118" sldId="292"/>
+            <ac:spMk id="6" creationId="{2ACA099B-D36F-17A9-F335-3BEBFD61AA03}"/>
+          </ac:spMkLst>
+        </pc:spChg>
+        <pc:spChg chg="add mod">
+          <ac:chgData name="Jireh Tseng" userId="S::tsengj@middleton.school.nz::eefb979d-fc0d-4dd5-ae9a-91b2ece0a753" providerId="AD" clId="Web-{E73AC928-7D87-5D94-5CF7-49334421705B}" dt="2022-04-13T07:27:32.723" v="664" actId="14100"/>
+          <ac:spMkLst>
+            <pc:docMk/>
+            <pc:sldMk cId="821514118" sldId="292"/>
+            <ac:spMk id="11" creationId="{A1A4E0A0-C0ED-991E-61D5-81FE6946AC17}"/>
+          </ac:spMkLst>
+        </pc:spChg>
+        <pc:spChg chg="add mod">
+          <ac:chgData name="Jireh Tseng" userId="S::tsengj@middleton.school.nz::eefb979d-fc0d-4dd5-ae9a-91b2ece0a753" providerId="AD" clId="Web-{E73AC928-7D87-5D94-5CF7-49334421705B}" dt="2022-04-13T07:26:38.346" v="659"/>
+          <ac:spMkLst>
+            <pc:docMk/>
+            <pc:sldMk cId="821514118" sldId="292"/>
+            <ac:spMk id="13" creationId="{855BC24A-2741-F9B9-897B-F27D38382945}"/>
+          </ac:spMkLst>
+        </pc:spChg>
+        <pc:spChg chg="add mod">
+          <ac:chgData name="Jireh Tseng" userId="S::tsengj@middleton.school.nz::eefb979d-fc0d-4dd5-ae9a-91b2ece0a753" providerId="AD" clId="Web-{E73AC928-7D87-5D94-5CF7-49334421705B}" dt="2022-04-13T07:27:49.754" v="666"/>
+          <ac:spMkLst>
+            <pc:docMk/>
+            <pc:sldMk cId="821514118" sldId="292"/>
+            <ac:spMk id="14" creationId="{DDEF694F-66A8-AD55-2E81-8C23419C8CA8}"/>
+          </ac:spMkLst>
+        </pc:spChg>
+        <pc:spChg chg="add mod">
+          <ac:chgData name="Jireh Tseng" userId="S::tsengj@middleton.school.nz::eefb979d-fc0d-4dd5-ae9a-91b2ece0a753" providerId="AD" clId="Web-{E73AC928-7D87-5D94-5CF7-49334421705B}" dt="2022-04-13T07:28:54.178" v="717" actId="1076"/>
+          <ac:spMkLst>
+            <pc:docMk/>
+            <pc:sldMk cId="821514118" sldId="292"/>
+            <ac:spMk id="15" creationId="{5A6598DE-722A-25F4-7138-F2334A98CDC4}"/>
+          </ac:spMkLst>
+        </pc:spChg>
+        <pc:spChg chg="add mod">
+          <ac:chgData name="Jireh Tseng" userId="S::tsengj@middleton.school.nz::eefb979d-fc0d-4dd5-ae9a-91b2ece0a753" providerId="AD" clId="Web-{E73AC928-7D87-5D94-5CF7-49334421705B}" dt="2022-04-13T07:28:21.677" v="700" actId="1076"/>
+          <ac:spMkLst>
+            <pc:docMk/>
+            <pc:sldMk cId="821514118" sldId="292"/>
+            <ac:spMk id="16" creationId="{7589514A-F299-0BE2-AF3A-0E5A01786D85}"/>
+          </ac:spMkLst>
+        </pc:spChg>
+        <pc:spChg chg="add mod">
+          <ac:chgData name="Jireh Tseng" userId="S::tsengj@middleton.school.nz::eefb979d-fc0d-4dd5-ae9a-91b2ece0a753" providerId="AD" clId="Web-{E73AC928-7D87-5D94-5CF7-49334421705B}" dt="2022-04-13T07:29:44.742" v="766" actId="1076"/>
+          <ac:spMkLst>
+            <pc:docMk/>
+            <pc:sldMk cId="821514118" sldId="292"/>
+            <ac:spMk id="17" creationId="{A6F7868D-4566-BB8F-888B-FA33BDC914C7}"/>
+          </ac:spMkLst>
+        </pc:spChg>
+        <pc:picChg chg="del">
+          <ac:chgData name="Jireh Tseng" userId="S::tsengj@middleton.school.nz::eefb979d-fc0d-4dd5-ae9a-91b2ece0a753" providerId="AD" clId="Web-{E73AC928-7D87-5D94-5CF7-49334421705B}" dt="2022-04-13T07:24:08.593" v="632"/>
+          <ac:picMkLst>
+            <pc:docMk/>
+            <pc:sldMk cId="821514118" sldId="292"/>
+            <ac:picMk id="3" creationId="{89276921-B447-1D95-4DC2-8AD1144AB121}"/>
+          </ac:picMkLst>
+        </pc:picChg>
+        <pc:picChg chg="add mod">
+          <ac:chgData name="Jireh Tseng" userId="S::tsengj@middleton.school.nz::eefb979d-fc0d-4dd5-ae9a-91b2ece0a753" providerId="AD" clId="Web-{E73AC928-7D87-5D94-5CF7-49334421705B}" dt="2022-04-13T07:25:19.282" v="648" actId="1076"/>
+          <ac:picMkLst>
+            <pc:docMk/>
+            <pc:sldMk cId="821514118" sldId="292"/>
+            <ac:picMk id="5" creationId="{6A175A57-DC9A-34A1-D38F-3DE7F660D431}"/>
+          </ac:picMkLst>
+        </pc:picChg>
+        <pc:picChg chg="del">
+          <ac:chgData name="Jireh Tseng" userId="S::tsengj@middleton.school.nz::eefb979d-fc0d-4dd5-ae9a-91b2ece0a753" providerId="AD" clId="Web-{E73AC928-7D87-5D94-5CF7-49334421705B}" dt="2022-04-13T07:24:15.983" v="637"/>
+          <ac:picMkLst>
+            <pc:docMk/>
+            <pc:sldMk cId="821514118" sldId="292"/>
+            <ac:picMk id="7" creationId="{3E3ED375-DD72-680C-8F58-70BC755CCE29}"/>
+          </ac:picMkLst>
+        </pc:picChg>
+        <pc:picChg chg="del">
+          <ac:chgData name="Jireh Tseng" userId="S::tsengj@middleton.school.nz::eefb979d-fc0d-4dd5-ae9a-91b2ece0a753" providerId="AD" clId="Web-{E73AC928-7D87-5D94-5CF7-49334421705B}" dt="2022-04-13T07:24:14.624" v="636"/>
+          <ac:picMkLst>
+            <pc:docMk/>
+            <pc:sldMk cId="821514118" sldId="292"/>
+            <ac:picMk id="8" creationId="{FDB2E0E9-D86D-F82F-0828-239D28074C54}"/>
+          </ac:picMkLst>
+        </pc:picChg>
+        <pc:picChg chg="add mod">
+          <ac:chgData name="Jireh Tseng" userId="S::tsengj@middleton.school.nz::eefb979d-fc0d-4dd5-ae9a-91b2ece0a753" providerId="AD" clId="Web-{E73AC928-7D87-5D94-5CF7-49334421705B}" dt="2022-04-13T07:25:20.891" v="649" actId="1076"/>
+          <ac:picMkLst>
+            <pc:docMk/>
+            <pc:sldMk cId="821514118" sldId="292"/>
+            <ac:picMk id="9" creationId="{5C472445-5698-4240-DB0D-20AC3DCA4BCC}"/>
+          </ac:picMkLst>
+        </pc:picChg>
+      </pc:sldChg>
+    </pc:docChg>
+  </pc:docChgLst>
+  <pc:docChgLst>
+    <pc:chgData name="Jireh Tseng" userId="S::tsengj@middleton.school.nz::eefb979d-fc0d-4dd5-ae9a-91b2ece0a753" providerId="AD" clId="Web-{8ADE60C0-19A6-C471-675E-CC268BD8C1E5}"/>
+    <pc:docChg chg="addSld delSld modSld sldOrd">
+      <pc:chgData name="Jireh Tseng" userId="S::tsengj@middleton.school.nz::eefb979d-fc0d-4dd5-ae9a-91b2ece0a753" providerId="AD" clId="Web-{8ADE60C0-19A6-C471-675E-CC268BD8C1E5}" dt="2022-03-27T22:52:14.227" v="1091" actId="1076"/>
+      <pc:docMkLst>
+        <pc:docMk/>
+      </pc:docMkLst>
+      <pc:sldChg chg="addSp modSp mod setBg">
+        <pc:chgData name="Jireh Tseng" userId="S::tsengj@middleton.school.nz::eefb979d-fc0d-4dd5-ae9a-91b2ece0a753" providerId="AD" clId="Web-{8ADE60C0-19A6-C471-675E-CC268BD8C1E5}" dt="2022-03-27T22:22:57.426" v="170"/>
+        <pc:sldMkLst>
+          <pc:docMk/>
+          <pc:sldMk cId="1362934084" sldId="256"/>
+        </pc:sldMkLst>
+        <pc:spChg chg="mod">
+          <ac:chgData name="Jireh Tseng" userId="S::tsengj@middleton.school.nz::eefb979d-fc0d-4dd5-ae9a-91b2ece0a753" providerId="AD" clId="Web-{8ADE60C0-19A6-C471-675E-CC268BD8C1E5}" dt="2022-03-27T22:22:57.426" v="170"/>
+          <ac:spMkLst>
+            <pc:docMk/>
+            <pc:sldMk cId="1362934084" sldId="256"/>
+            <ac:spMk id="2" creationId="{A96C2811-5704-42C1-869B-16E29CB6572E}"/>
+          </ac:spMkLst>
+        </pc:spChg>
+        <pc:spChg chg="mod">
+          <ac:chgData name="Jireh Tseng" userId="S::tsengj@middleton.school.nz::eefb979d-fc0d-4dd5-ae9a-91b2ece0a753" providerId="AD" clId="Web-{8ADE60C0-19A6-C471-675E-CC268BD8C1E5}" dt="2022-03-27T22:22:57.426" v="170"/>
+          <ac:spMkLst>
+            <pc:docMk/>
+            <pc:sldMk cId="1362934084" sldId="256"/>
+            <ac:spMk id="3" creationId="{930E6464-DA98-43C8-B6C9-594748754628}"/>
+          </ac:spMkLst>
+        </pc:spChg>
+        <pc:spChg chg="add">
+          <ac:chgData name="Jireh Tseng" userId="S::tsengj@middleton.school.nz::eefb979d-fc0d-4dd5-ae9a-91b2ece0a753" providerId="AD" clId="Web-{8ADE60C0-19A6-C471-675E-CC268BD8C1E5}" dt="2022-03-27T22:22:57.426" v="170"/>
+          <ac:spMkLst>
+            <pc:docMk/>
+            <pc:sldMk cId="1362934084" sldId="256"/>
+            <ac:spMk id="8" creationId="{3A397E3E-B90C-4D82-BAAA-36F7AC6A4565}"/>
+          </ac:spMkLst>
+        </pc:spChg>
+        <pc:spChg chg="add">
+          <ac:chgData name="Jireh Tseng" userId="S::tsengj@middleton.school.nz::eefb979d-fc0d-4dd5-ae9a-91b2ece0a753" providerId="AD" clId="Web-{8ADE60C0-19A6-C471-675E-CC268BD8C1E5}" dt="2022-03-27T22:22:57.426" v="170"/>
+          <ac:spMkLst>
+            <pc:docMk/>
+            <pc:sldMk cId="1362934084" sldId="256"/>
+            <ac:spMk id="10" creationId="{E16C8D8F-10E9-4498-ABDB-0F923F8B6837}"/>
+          </ac:spMkLst>
+        </pc:spChg>
+        <pc:spChg chg="add">
+          <ac:chgData name="Jireh Tseng" userId="S::tsengj@middleton.school.nz::eefb979d-fc0d-4dd5-ae9a-91b2ece0a753" providerId="AD" clId="Web-{8ADE60C0-19A6-C471-675E-CC268BD8C1E5}" dt="2022-03-27T22:22:57.426" v="170"/>
+          <ac:spMkLst>
+            <pc:docMk/>
+            <pc:sldMk cId="1362934084" sldId="256"/>
+            <ac:spMk id="12" creationId="{1E5A83E3-8A11-4492-BB6E-F5F2240316FB}"/>
+          </ac:spMkLst>
+        </pc:spChg>
+        <pc:spChg chg="add">
+          <ac:chgData name="Jireh Tseng" userId="S::tsengj@middleton.school.nz::eefb979d-fc0d-4dd5-ae9a-91b2ece0a753" providerId="AD" clId="Web-{8ADE60C0-19A6-C471-675E-CC268BD8C1E5}" dt="2022-03-27T22:22:57.426" v="170"/>
+          <ac:spMkLst>
+            <pc:docMk/>
+            <pc:sldMk cId="1362934084" sldId="256"/>
+            <ac:spMk id="14" creationId="{8CF5E676-CA04-4CED-9F1E-5026ED66E66D}"/>
+          </ac:spMkLst>
+        </pc:spChg>
+        <pc:spChg chg="add">
+          <ac:chgData name="Jireh Tseng" userId="S::tsengj@middleton.school.nz::eefb979d-fc0d-4dd5-ae9a-91b2ece0a753" providerId="AD" clId="Web-{8ADE60C0-19A6-C471-675E-CC268BD8C1E5}" dt="2022-03-27T22:22:57.426" v="170"/>
+          <ac:spMkLst>
+            <pc:docMk/>
+            <pc:sldMk cId="1362934084" sldId="256"/>
+            <ac:spMk id="16" creationId="{6BA9E676-A8FC-4C2F-8D78-C13ED8ABDBA8}"/>
+          </ac:spMkLst>
+        </pc:spChg>
+        <pc:spChg chg="add">
+          <ac:chgData name="Jireh Tseng" userId="S::tsengj@middleton.school.nz::eefb979d-fc0d-4dd5-ae9a-91b2ece0a753" providerId="AD" clId="Web-{8ADE60C0-19A6-C471-675E-CC268BD8C1E5}" dt="2022-03-27T22:22:57.426" v="170"/>
+          <ac:spMkLst>
+            <pc:docMk/>
+            <pc:sldMk cId="1362934084" sldId="256"/>
+            <ac:spMk id="18" creationId="{A2B5CBEA-F125-49B6-8335-227C325B112B}"/>
+          </ac:spMkLst>
+        </pc:spChg>
+        <pc:spChg chg="add">
+          <ac:chgData name="Jireh Tseng" userId="S::tsengj@middleton.school.nz::eefb979d-fc0d-4dd5-ae9a-91b2ece0a753" providerId="AD" clId="Web-{8ADE60C0-19A6-C471-675E-CC268BD8C1E5}" dt="2022-03-27T22:22:57.426" v="170"/>
+          <ac:spMkLst>
+            <pc:docMk/>
+            <pc:sldMk cId="1362934084" sldId="256"/>
+            <ac:spMk id="20" creationId="{EECD79B5-5FC5-495F-BFD6-346C16E787A7}"/>
+          </ac:spMkLst>
+        </pc:spChg>
+        <pc:spChg chg="add">
+          <ac:chgData name="Jireh Tseng" userId="S::tsengj@middleton.school.nz::eefb979d-fc0d-4dd5-ae9a-91b2ece0a753" providerId="AD" clId="Web-{8ADE60C0-19A6-C471-675E-CC268BD8C1E5}" dt="2022-03-27T22:22:57.426" v="170"/>
+          <ac:spMkLst>
+            <pc:docMk/>
+            <pc:sldMk cId="1362934084" sldId="256"/>
+            <ac:spMk id="22" creationId="{2C1D3151-5F97-4860-B56C-C98BD62CC255}"/>
+          </ac:spMkLst>
+        </pc:spChg>
+        <pc:spChg chg="add">
+          <ac:chgData name="Jireh Tseng" userId="S::tsengj@middleton.school.nz::eefb979d-fc0d-4dd5-ae9a-91b2ece0a753" providerId="AD" clId="Web-{8ADE60C0-19A6-C471-675E-CC268BD8C1E5}" dt="2022-03-27T22:22:57.426" v="170"/>
+          <ac:spMkLst>
+            <pc:docMk/>
+            <pc:sldMk cId="1362934084" sldId="256"/>
+            <ac:spMk id="24" creationId="{32D9D048-3063-435A-8C23-26C1907E9619}"/>
+          </ac:spMkLst>
+        </pc:spChg>
+        <pc:spChg chg="add">
+          <ac:chgData name="Jireh Tseng" userId="S::tsengj@middleton.school.nz::eefb979d-fc0d-4dd5-ae9a-91b2ece0a753" providerId="AD" clId="Web-{8ADE60C0-19A6-C471-675E-CC268BD8C1E5}" dt="2022-03-27T22:22:57.426" v="170"/>
+          <ac:spMkLst>
+            <pc:docMk/>
+            <pc:sldMk cId="1362934084" sldId="256"/>
+            <ac:spMk id="26" creationId="{8DE96824-E506-4448-8704-5EC7BF7BC51B}"/>
+          </ac:spMkLst>
+        </pc:spChg>
+        <pc:spChg chg="add">
+          <ac:chgData name="Jireh Tseng" userId="S::tsengj@middleton.school.nz::eefb979d-fc0d-4dd5-ae9a-91b2ece0a753" providerId="AD" clId="Web-{8ADE60C0-19A6-C471-675E-CC268BD8C1E5}" dt="2022-03-27T22:22:57.426" v="170"/>
+          <ac:spMkLst>
+            <pc:docMk/>
+            <pc:sldMk cId="1362934084" sldId="256"/>
+            <ac:spMk id="28" creationId="{4D1A5E71-B6B6-486A-8CDC-C7ABD9B903F6}"/>
+          </ac:spMkLst>
+        </pc:spChg>
+        <pc:spChg chg="add">
+          <ac:chgData name="Jireh Tseng" userId="S::tsengj@middleton.school.nz::eefb979d-fc0d-4dd5-ae9a-91b2ece0a753" providerId="AD" clId="Web-{8ADE60C0-19A6-C471-675E-CC268BD8C1E5}" dt="2022-03-27T22:22:57.426" v="170"/>
+          <ac:spMkLst>
+            <pc:docMk/>
+            <pc:sldMk cId="1362934084" sldId="256"/>
+            <ac:spMk id="30" creationId="{B6C541AE-9B02-44C0-B8C6-B2DEA7ED3813}"/>
+          </ac:spMkLst>
+        </pc:spChg>
+      </pc:sldChg>
+      <pc:sldChg chg="modSp">
+        <pc:chgData name="Jireh Tseng" userId="S::tsengj@middleton.school.nz::eefb979d-fc0d-4dd5-ae9a-91b2ece0a753" providerId="AD" clId="Web-{8ADE60C0-19A6-C471-675E-CC268BD8C1E5}" dt="2022-03-27T21:58:38.648" v="6" actId="14100"/>
+        <pc:sldMkLst>
+          <pc:docMk/>
+          <pc:sldMk cId="3838895173" sldId="258"/>
+        </pc:sldMkLst>
+        <pc:spChg chg="mod">
+          <ac:chgData name="Jireh Tseng" userId="S::tsengj@middleton.school.nz::eefb979d-fc0d-4dd5-ae9a-91b2ece0a753" providerId="AD" clId="Web-{8ADE60C0-19A6-C471-675E-CC268BD8C1E5}" dt="2022-03-27T21:58:38.648" v="6" actId="14100"/>
+          <ac:spMkLst>
+            <pc:docMk/>
+            <pc:sldMk cId="3838895173" sldId="258"/>
+            <ac:spMk id="4" creationId="{F7FB308A-232B-4B31-A59D-BD561ECFBE8B}"/>
+          </ac:spMkLst>
+        </pc:spChg>
+      </pc:sldChg>
+      <pc:sldChg chg="delSp modSp">
+        <pc:chgData name="Jireh Tseng" userId="S::tsengj@middleton.school.nz::eefb979d-fc0d-4dd5-ae9a-91b2ece0a753" providerId="AD" clId="Web-{8ADE60C0-19A6-C471-675E-CC268BD8C1E5}" dt="2022-03-27T22:48:04.766" v="989"/>
+        <pc:sldMkLst>
+          <pc:docMk/>
+          <pc:sldMk cId="0" sldId="269"/>
+        </pc:sldMkLst>
+        <pc:spChg chg="del">
+          <ac:chgData name="Jireh Tseng" userId="S::tsengj@middleton.school.nz::eefb979d-fc0d-4dd5-ae9a-91b2ece0a753" providerId="AD" clId="Web-{8ADE60C0-19A6-C471-675E-CC268BD8C1E5}" dt="2022-03-27T22:48:04.766" v="989"/>
+          <ac:spMkLst>
+            <pc:docMk/>
+            <pc:sldMk cId="0" sldId="269"/>
+            <ac:spMk id="4" creationId="{518343B6-2201-4ACD-B907-770BC22E8B26}"/>
+          </ac:spMkLst>
+        </pc:spChg>
+        <pc:graphicFrameChg chg="mod modGraphic">
+          <ac:chgData name="Jireh Tseng" userId="S::tsengj@middleton.school.nz::eefb979d-fc0d-4dd5-ae9a-91b2ece0a753" providerId="AD" clId="Web-{8ADE60C0-19A6-C471-675E-CC268BD8C1E5}" dt="2022-03-27T22:00:49.104" v="8"/>
+          <ac:graphicFrameMkLst>
+            <pc:docMk/>
+            <pc:sldMk cId="0" sldId="269"/>
+            <ac:graphicFrameMk id="92" creationId="{00000000-0000-0000-0000-000000000000}"/>
+          </ac:graphicFrameMkLst>
+        </pc:graphicFrameChg>
+      </pc:sldChg>
+      <pc:sldChg chg="delSp">
+        <pc:chgData name="Jireh Tseng" userId="S::tsengj@middleton.school.nz::eefb979d-fc0d-4dd5-ae9a-91b2ece0a753" providerId="AD" clId="Web-{8ADE60C0-19A6-C471-675E-CC268BD8C1E5}" dt="2022-03-27T22:48:08.391" v="990"/>
+        <pc:sldMkLst>
+          <pc:docMk/>
+          <pc:sldMk cId="975627948" sldId="272"/>
+        </pc:sldMkLst>
+        <pc:spChg chg="del">
+          <ac:chgData name="Jireh Tseng" userId="S::tsengj@middleton.school.nz::eefb979d-fc0d-4dd5-ae9a-91b2ece0a753" providerId="AD" clId="Web-{8ADE60C0-19A6-C471-675E-CC268BD8C1E5}" dt="2022-03-27T22:48:08.391" v="990"/>
+          <ac:spMkLst>
+            <pc:docMk/>
+            <pc:sldMk cId="975627948" sldId="272"/>
+            <ac:spMk id="5" creationId="{ACAE53BB-FF7D-43E7-AF26-E5A3D9A837CF}"/>
+          </ac:spMkLst>
+        </pc:spChg>
+      </pc:sldChg>
+      <pc:sldChg chg="addSp delSp modSp del">
+        <pc:chgData name="Jireh Tseng" userId="S::tsengj@middleton.school.nz::eefb979d-fc0d-4dd5-ae9a-91b2ece0a753" providerId="AD" clId="Web-{8ADE60C0-19A6-C471-675E-CC268BD8C1E5}" dt="2022-03-27T22:24:38.365" v="182"/>
+        <pc:sldMkLst>
+          <pc:docMk/>
+          <pc:sldMk cId="270828811" sldId="273"/>
+        </pc:sldMkLst>
+        <pc:spChg chg="mod">
+          <ac:chgData name="Jireh Tseng" userId="S::tsengj@middleton.school.nz::eefb979d-fc0d-4dd5-ae9a-91b2ece0a753" providerId="AD" clId="Web-{8ADE60C0-19A6-C471-675E-CC268BD8C1E5}" dt="2022-03-27T22:24:11.177" v="177" actId="20577"/>
+          <ac:spMkLst>
+            <pc:docMk/>
+            <pc:sldMk cId="270828811" sldId="273"/>
+            <ac:spMk id="2" creationId="{1CC5D32F-7C18-4D00-8D54-2FB046F0A206}"/>
+          </ac:spMkLst>
+        </pc:spChg>
+        <pc:spChg chg="del mod">
+          <ac:chgData name="Jireh Tseng" userId="S::tsengj@middleton.school.nz::eefb979d-fc0d-4dd5-ae9a-91b2ece0a753" providerId="AD" clId="Web-{8ADE60C0-19A6-C471-675E-CC268BD8C1E5}" dt="2022-03-27T22:24:18.849" v="180"/>
+          <ac:spMkLst>
+            <pc:docMk/>
+            <pc:sldMk cId="270828811" sldId="273"/>
+            <ac:spMk id="4" creationId="{8CD07A82-A944-4A9B-9A52-515DAC30878A}"/>
+          </ac:spMkLst>
+        </pc:spChg>
+        <pc:graphicFrameChg chg="add">
+          <ac:chgData name="Jireh Tseng" userId="S::tsengj@middleton.school.nz::eefb979d-fc0d-4dd5-ae9a-91b2ece0a753" providerId="AD" clId="Web-{8ADE60C0-19A6-C471-675E-CC268BD8C1E5}" dt="2022-03-27T22:24:28.818" v="181"/>
+          <ac:graphicFrameMkLst>
+            <pc:docMk/>
+            <pc:sldMk cId="270828811" sldId="273"/>
+            <ac:graphicFrameMk id="3" creationId="{BA2C18C2-0178-C932-14DD-2A1D262E7B96}"/>
+          </ac:graphicFrameMkLst>
+        </pc:graphicFrameChg>
+      </pc:sldChg>
+      <pc:sldChg chg="addSp delSp modSp del">
+        <pc:chgData name="Jireh Tseng" userId="S::tsengj@middleton.school.nz::eefb979d-fc0d-4dd5-ae9a-91b2ece0a753" providerId="AD" clId="Web-{8ADE60C0-19A6-C471-675E-CC268BD8C1E5}" dt="2022-03-27T22:02:06.762" v="30"/>
+        <pc:sldMkLst>
+          <pc:docMk/>
+          <pc:sldMk cId="89592267" sldId="274"/>
+        </pc:sldMkLst>
+        <pc:spChg chg="add del mod">
+          <ac:chgData name="Jireh Tseng" userId="S::tsengj@middleton.school.nz::eefb979d-fc0d-4dd5-ae9a-91b2ece0a753" providerId="AD" clId="Web-{8ADE60C0-19A6-C471-675E-CC268BD8C1E5}" dt="2022-03-27T22:00:56.338" v="12"/>
+          <ac:spMkLst>
+            <pc:docMk/>
+            <pc:sldMk cId="89592267" sldId="274"/>
+            <ac:spMk id="3" creationId="{318660BD-AB02-CC2F-FFA0-00BE69801DA3}"/>
+          </ac:spMkLst>
+        </pc:spChg>
+        <pc:graphicFrameChg chg="add del mod">
+          <ac:chgData name="Jireh Tseng" userId="S::tsengj@middleton.school.nz::eefb979d-fc0d-4dd5-ae9a-91b2ece0a753" providerId="AD" clId="Web-{8ADE60C0-19A6-C471-675E-CC268BD8C1E5}" dt="2022-03-27T22:01:14.026" v="14"/>
+          <ac:graphicFrameMkLst>
+            <pc:docMk/>
+            <pc:sldMk cId="89592267" sldId="274"/>
+            <ac:graphicFrameMk id="6" creationId="{EFEA41E3-1F19-EC75-9EDD-DC724079E60C}"/>
+          </ac:graphicFrameMkLst>
+        </pc:graphicFrameChg>
+      </pc:sldChg>
+      <pc:sldChg chg="delSp">
+        <pc:chgData name="Jireh Tseng" userId="S::tsengj@middleton.school.nz::eefb979d-fc0d-4dd5-ae9a-91b2ece0a753" providerId="AD" clId="Web-{8ADE60C0-19A6-C471-675E-CC268BD8C1E5}" dt="2022-03-27T22:48:11.078" v="991"/>
+        <pc:sldMkLst>
+          <pc:docMk/>
+          <pc:sldMk cId="598320645" sldId="275"/>
+        </pc:sldMkLst>
+        <pc:spChg chg="del">
+          <ac:chgData name="Jireh Tseng" userId="S::tsengj@middleton.school.nz::eefb979d-fc0d-4dd5-ae9a-91b2ece0a753" providerId="AD" clId="Web-{8ADE60C0-19A6-C471-675E-CC268BD8C1E5}" dt="2022-03-27T22:48:11.078" v="991"/>
+          <ac:spMkLst>
+            <pc:docMk/>
+            <pc:sldMk cId="598320645" sldId="275"/>
+            <ac:spMk id="5" creationId="{ACAE53BB-FF7D-43E7-AF26-E5A3D9A837CF}"/>
+          </ac:spMkLst>
+        </pc:spChg>
+      </pc:sldChg>
+      <pc:sldChg chg="addSp delSp modSp ord">
+        <pc:chgData name="Jireh Tseng" userId="S::tsengj@middleton.school.nz::eefb979d-fc0d-4dd5-ae9a-91b2ece0a753" providerId="AD" clId="Web-{8ADE60C0-19A6-C471-675E-CC268BD8C1E5}" dt="2022-03-27T22:50:10.192" v="1026"/>
+        <pc:sldMkLst>
+          <pc:docMk/>
+          <pc:sldMk cId="101173362" sldId="276"/>
+        </pc:sldMkLst>
+        <pc:spChg chg="add del mod">
+          <ac:chgData name="Jireh Tseng" userId="S::tsengj@middleton.school.nz::eefb979d-fc0d-4dd5-ae9a-91b2ece0a753" providerId="AD" clId="Web-{8ADE60C0-19A6-C471-675E-CC268BD8C1E5}" dt="2022-03-27T22:50:10.192" v="1026"/>
+          <ac:spMkLst>
+            <pc:docMk/>
+            <pc:sldMk cId="101173362" sldId="276"/>
+            <ac:spMk id="2" creationId="{FED9831A-229E-72C9-1975-AFC3B2E3DEFD}"/>
+          </ac:spMkLst>
+        </pc:spChg>
+        <pc:spChg chg="del">
+          <ac:chgData name="Jireh Tseng" userId="S::tsengj@middleton.school.nz::eefb979d-fc0d-4dd5-ae9a-91b2ece0a753" providerId="AD" clId="Web-{8ADE60C0-19A6-C471-675E-CC268BD8C1E5}" dt="2022-03-27T22:48:01.109" v="988"/>
+          <ac:spMkLst>
+            <pc:docMk/>
+            <pc:sldMk cId="101173362" sldId="276"/>
+            <ac:spMk id="4" creationId="{518343B6-2201-4ACD-B907-770BC22E8B26}"/>
+          </ac:spMkLst>
+        </pc:spChg>
+        <pc:spChg chg="add del mod">
+          <ac:chgData name="Jireh Tseng" userId="S::tsengj@middleton.school.nz::eefb979d-fc0d-4dd5-ae9a-91b2ece0a753" providerId="AD" clId="Web-{8ADE60C0-19A6-C471-675E-CC268BD8C1E5}" dt="2022-03-27T22:50:08.285" v="1025"/>
+          <ac:spMkLst>
+            <pc:docMk/>
+            <pc:sldMk cId="101173362" sldId="276"/>
+            <ac:spMk id="6" creationId="{0A915ABE-E9D9-5CBE-4F80-504B534096DF}"/>
+          </ac:spMkLst>
+        </pc:spChg>
+        <pc:spChg chg="mod">
+          <ac:chgData name="Jireh Tseng" userId="S::tsengj@middleton.school.nz::eefb979d-fc0d-4dd5-ae9a-91b2ece0a753" providerId="AD" clId="Web-{8ADE60C0-19A6-C471-675E-CC268BD8C1E5}" dt="2022-03-27T22:23:21.739" v="171" actId="20577"/>
+          <ac:spMkLst>
+            <pc:docMk/>
+            <pc:sldMk cId="101173362" sldId="276"/>
+            <ac:spMk id="91" creationId="{00000000-0000-0000-0000-000000000000}"/>
+          </ac:spMkLst>
+        </pc:spChg>
+      </pc:sldChg>
+      <pc:sldChg chg="addSp delSp modSp add replId">
+        <pc:chgData name="Jireh Tseng" userId="S::tsengj@middleton.school.nz::eefb979d-fc0d-4dd5-ae9a-91b2ece0a753" providerId="AD" clId="Web-{8ADE60C0-19A6-C471-675E-CC268BD8C1E5}" dt="2022-03-27T22:47:35.952" v="987" actId="14100"/>
+        <pc:sldMkLst>
+          <pc:docMk/>
+          <pc:sldMk cId="1175070000" sldId="277"/>
+        </pc:sldMkLst>
+        <pc:spChg chg="add mod">
+          <ac:chgData name="Jireh Tseng" userId="S::tsengj@middleton.school.nz::eefb979d-fc0d-4dd5-ae9a-91b2ece0a753" providerId="AD" clId="Web-{8ADE60C0-19A6-C471-675E-CC268BD8C1E5}" dt="2022-03-27T22:47:11.623" v="934" actId="1076"/>
+          <ac:spMkLst>
+            <pc:docMk/>
+            <pc:sldMk cId="1175070000" sldId="277"/>
+            <ac:spMk id="3" creationId="{EEB859FD-38A6-1F62-3856-BEEB4852D4EB}"/>
+          </ac:spMkLst>
+        </pc:spChg>
+        <pc:spChg chg="add mod">
+          <ac:chgData name="Jireh Tseng" userId="S::tsengj@middleton.school.nz::eefb979d-fc0d-4dd5-ae9a-91b2ece0a753" providerId="AD" clId="Web-{8ADE60C0-19A6-C471-675E-CC268BD8C1E5}" dt="2022-03-27T22:47:35.952" v="987" actId="14100"/>
+          <ac:spMkLst>
+            <pc:docMk/>
+            <pc:sldMk cId="1175070000" sldId="277"/>
+            <ac:spMk id="4" creationId="{1EF618CD-DA5E-F8FB-C22F-BCE459F50A91}"/>
+          </ac:spMkLst>
+        </pc:spChg>
+        <pc:spChg chg="del mod">
+          <ac:chgData name="Jireh Tseng" userId="S::tsengj@middleton.school.nz::eefb979d-fc0d-4dd5-ae9a-91b2ece0a753" providerId="AD" clId="Web-{8ADE60C0-19A6-C471-675E-CC268BD8C1E5}" dt="2022-03-27T22:09:04.207" v="169"/>
+          <ac:spMkLst>
+            <pc:docMk/>
+            <pc:sldMk cId="1175070000" sldId="277"/>
+            <ac:spMk id="4" creationId="{518343B6-2201-4ACD-B907-770BC22E8B26}"/>
+          </ac:spMkLst>
+        </pc:spChg>
+        <pc:spChg chg="add mod">
+          <ac:chgData name="Jireh Tseng" userId="S::tsengj@middleton.school.nz::eefb979d-fc0d-4dd5-ae9a-91b2ece0a753" providerId="AD" clId="Web-{8ADE60C0-19A6-C471-675E-CC268BD8C1E5}" dt="2022-03-27T22:47:11.655" v="935" actId="1076"/>
+          <ac:spMkLst>
+            <pc:docMk/>
+            <pc:sldMk cId="1175070000" sldId="277"/>
+            <ac:spMk id="7" creationId="{51325D51-6163-B7CA-A26C-8015E2FCD6C1}"/>
+          </ac:spMkLst>
+        </pc:spChg>
+        <pc:spChg chg="add mod">
+          <ac:chgData name="Jireh Tseng" userId="S::tsengj@middleton.school.nz::eefb979d-fc0d-4dd5-ae9a-91b2ece0a753" providerId="AD" clId="Web-{8ADE60C0-19A6-C471-675E-CC268BD8C1E5}" dt="2022-03-27T22:47:11.670" v="936" actId="1076"/>
+          <ac:spMkLst>
+            <pc:docMk/>
+            <pc:sldMk cId="1175070000" sldId="277"/>
+            <ac:spMk id="8" creationId="{FA361A1F-968A-CB22-BCDE-FAB0A4F6D693}"/>
+          </ac:spMkLst>
+        </pc:spChg>
+        <pc:spChg chg="add mod">
+          <ac:chgData name="Jireh Tseng" userId="S::tsengj@middleton.school.nz::eefb979d-fc0d-4dd5-ae9a-91b2ece0a753" providerId="AD" clId="Web-{8ADE60C0-19A6-C471-675E-CC268BD8C1E5}" dt="2022-03-27T22:47:11.736" v="939" actId="1076"/>
+          <ac:spMkLst>
+            <pc:docMk/>
+            <pc:sldMk cId="1175070000" sldId="277"/>
+            <ac:spMk id="11" creationId="{372BFD89-B350-26DF-57B3-E325AFBD551C}"/>
+          </ac:spMkLst>
+        </pc:spChg>
+        <pc:spChg chg="add mod">
+          <ac:chgData name="Jireh Tseng" userId="S::tsengj@middleton.school.nz::eefb979d-fc0d-4dd5-ae9a-91b2ece0a753" providerId="AD" clId="Web-{8ADE60C0-19A6-C471-675E-CC268BD8C1E5}" dt="2022-03-27T22:47:11.748" v="940" actId="1076"/>
+          <ac:spMkLst>
+            <pc:docMk/>
+            <pc:sldMk cId="1175070000" sldId="277"/>
+            <ac:spMk id="12" creationId="{BF570482-0A5B-5347-2B07-795805EBE47B}"/>
+          </ac:spMkLst>
+        </pc:spChg>
+        <pc:spChg chg="add mod">
+          <ac:chgData name="Jireh Tseng" userId="S::tsengj@middleton.school.nz::eefb979d-fc0d-4dd5-ae9a-91b2ece0a753" providerId="AD" clId="Web-{8ADE60C0-19A6-C471-675E-CC268BD8C1E5}" dt="2022-03-27T22:47:11.764" v="941" actId="1076"/>
+          <ac:spMkLst>
+            <pc:docMk/>
+            <pc:sldMk cId="1175070000" sldId="277"/>
+            <ac:spMk id="13" creationId="{D824B3B3-31A0-7CDD-D78B-B15258305B24}"/>
+          </ac:spMkLst>
+        </pc:spChg>
+        <pc:spChg chg="add mod">
+          <ac:chgData name="Jireh Tseng" userId="S::tsengj@middleton.school.nz::eefb979d-fc0d-4dd5-ae9a-91b2ece0a753" providerId="AD" clId="Web-{8ADE60C0-19A6-C471-675E-CC268BD8C1E5}" dt="2022-03-27T22:47:11.827" v="944" actId="1076"/>
+          <ac:spMkLst>
+            <pc:docMk/>
+            <pc:sldMk cId="1175070000" sldId="277"/>
+            <ac:spMk id="16" creationId="{83F4E725-56A4-C0A5-DB5B-4C5C5AF27CF7}"/>
+          </ac:spMkLst>
+        </pc:spChg>
+        <pc:spChg chg="add mod">
+          <ac:chgData name="Jireh Tseng" userId="S::tsengj@middleton.school.nz::eefb979d-fc0d-4dd5-ae9a-91b2ece0a753" providerId="AD" clId="Web-{8ADE60C0-19A6-C471-675E-CC268BD8C1E5}" dt="2022-03-27T22:47:11.842" v="945" actId="1076"/>
+          <ac:spMkLst>
+            <pc:docMk/>
+            <pc:sldMk cId="1175070000" sldId="277"/>
+            <ac:spMk id="17" creationId="{DA53870B-77DB-D9E4-4F15-AA31D2647E01}"/>
+          </ac:spMkLst>
+        </pc:spChg>
+        <pc:spChg chg="add mod">
+          <ac:chgData name="Jireh Tseng" userId="S::tsengj@middleton.school.nz::eefb979d-fc0d-4dd5-ae9a-91b2ece0a753" providerId="AD" clId="Web-{8ADE60C0-19A6-C471-675E-CC268BD8C1E5}" dt="2022-03-27T22:47:11.859" v="946" actId="1076"/>
+          <ac:spMkLst>
+            <pc:docMk/>
+            <pc:sldMk cId="1175070000" sldId="277"/>
+            <ac:spMk id="18" creationId="{D8655C3F-AEAA-936E-DB1F-87E0C73D29B3}"/>
+          </ac:spMkLst>
+        </pc:spChg>
+        <pc:spChg chg="add mod">
+          <ac:chgData name="Jireh Tseng" userId="S::tsengj@middleton.school.nz::eefb979d-fc0d-4dd5-ae9a-91b2ece0a753" providerId="AD" clId="Web-{8ADE60C0-19A6-C471-675E-CC268BD8C1E5}" dt="2022-03-27T22:47:11.905" v="949" actId="1076"/>
+          <ac:spMkLst>
+            <pc:docMk/>
+            <pc:sldMk cId="1175070000" sldId="277"/>
+            <ac:spMk id="21" creationId="{6D63BF07-B75E-3F99-7466-49EB4D1A03F8}"/>
+          </ac:spMkLst>
+        </pc:spChg>
+        <pc:spChg chg="add mod">
+          <ac:chgData name="Jireh Tseng" userId="S::tsengj@middleton.school.nz::eefb979d-fc0d-4dd5-ae9a-91b2ece0a753" providerId="AD" clId="Web-{8ADE60C0-19A6-C471-675E-CC268BD8C1E5}" dt="2022-03-27T22:47:11.920" v="950" actId="1076"/>
+          <ac:spMkLst>
+            <pc:docMk/>
+            <pc:sldMk cId="1175070000" sldId="277"/>
+            <ac:spMk id="22" creationId="{639ADD27-2FAF-80C9-280D-4C95E4FC80DD}"/>
+          </ac:spMkLst>
+        </pc:spChg>
+        <pc:spChg chg="add mod">
+          <ac:chgData name="Jireh Tseng" userId="S::tsengj@middleton.school.nz::eefb979d-fc0d-4dd5-ae9a-91b2ece0a753" providerId="AD" clId="Web-{8ADE60C0-19A6-C471-675E-CC268BD8C1E5}" dt="2022-03-27T22:47:11.952" v="951" actId="1076"/>
+          <ac:spMkLst>
+            <pc:docMk/>
+            <pc:sldMk cId="1175070000" sldId="277"/>
+            <ac:spMk id="23" creationId="{4C8D303E-4307-2793-2393-912548C749D7}"/>
+          </ac:spMkLst>
+        </pc:spChg>
+        <pc:spChg chg="add mod">
+          <ac:chgData name="Jireh Tseng" userId="S::tsengj@middleton.school.nz::eefb979d-fc0d-4dd5-ae9a-91b2ece0a753" providerId="AD" clId="Web-{8ADE60C0-19A6-C471-675E-CC268BD8C1E5}" dt="2022-03-27T22:47:12.046" v="954" actId="1076"/>
+          <ac:spMkLst>
+            <pc:docMk/>
+            <pc:sldMk cId="1175070000" sldId="277"/>
+            <ac:spMk id="26" creationId="{549DB9C0-5A35-55D4-D80E-1A39D85C0E11}"/>
+          </ac:spMkLst>
+        </pc:spChg>
+        <pc:spChg chg="add mod">
+          <ac:chgData name="Jireh Tseng" userId="S::tsengj@middleton.school.nz::eefb979d-fc0d-4dd5-ae9a-91b2ece0a753" providerId="AD" clId="Web-{8ADE60C0-19A6-C471-675E-CC268BD8C1E5}" dt="2022-03-27T22:47:12.061" v="955" actId="1076"/>
+          <ac:spMkLst>
+            <pc:docMk/>
+            <pc:sldMk cId="1175070000" sldId="277"/>
+            <ac:spMk id="27" creationId="{22CB6C6C-F6DB-56C8-B75F-F555F79F6721}"/>
+          </ac:spMkLst>
+        </pc:spChg>
+        <pc:spChg chg="add mod">
+          <ac:chgData name="Jireh Tseng" userId="S::tsengj@middleton.school.nz::eefb979d-fc0d-4dd5-ae9a-91b2ece0a753" providerId="AD" clId="Web-{8ADE60C0-19A6-C471-675E-CC268BD8C1E5}" dt="2022-03-27T22:47:12.092" v="956" actId="1076"/>
+          <ac:spMkLst>
+            <pc:docMk/>
+            <pc:sldMk cId="1175070000" sldId="277"/>
+            <ac:spMk id="28" creationId="{D944C97C-80EE-9D1E-44A2-FD2C498DCC25}"/>
+          </ac:spMkLst>
+        </pc:spChg>
+        <pc:spChg chg="add mod">
+          <ac:chgData name="Jireh Tseng" userId="S::tsengj@middleton.school.nz::eefb979d-fc0d-4dd5-ae9a-91b2ece0a753" providerId="AD" clId="Web-{8ADE60C0-19A6-C471-675E-CC268BD8C1E5}" dt="2022-03-27T22:47:12.155" v="959" actId="1076"/>
+          <ac:spMkLst>
+            <pc:docMk/>
+            <pc:sldMk cId="1175070000" sldId="277"/>
+            <ac:spMk id="31" creationId="{3316CCD4-872D-5FEB-2FC7-49B201A8A140}"/>
+          </ac:spMkLst>
+        </pc:spChg>
+        <pc:spChg chg="add mod">
+          <ac:chgData name="Jireh Tseng" userId="S::tsengj@middleton.school.nz::eefb979d-fc0d-4dd5-ae9a-91b2ece0a753" providerId="AD" clId="Web-{8ADE60C0-19A6-C471-675E-CC268BD8C1E5}" dt="2022-03-27T22:47:12.170" v="960" actId="1076"/>
+          <ac:spMkLst>
+            <pc:docMk/>
+            <pc:sldMk cId="1175070000" sldId="277"/>
+            <ac:spMk id="32" creationId="{D2EFACFB-C0C5-16BB-D769-6875FABF942B}"/>
+          </ac:spMkLst>
+        </pc:spChg>
+        <pc:spChg chg="add mod">
+          <ac:chgData name="Jireh Tseng" userId="S::tsengj@middleton.school.nz::eefb979d-fc0d-4dd5-ae9a-91b2ece0a753" providerId="AD" clId="Web-{8ADE60C0-19A6-C471-675E-CC268BD8C1E5}" dt="2022-03-27T22:47:12.202" v="961" actId="1076"/>
+          <ac:spMkLst>
+            <pc:docMk/>
+            <pc:sldMk cId="1175070000" sldId="277"/>
+            <ac:spMk id="33" creationId="{84D46624-14F3-B1FD-29CD-2AEE950E0DAB}"/>
+          </ac:spMkLst>
+        </pc:spChg>
+        <pc:spChg chg="mod">
+          <ac:chgData name="Jireh Tseng" userId="S::tsengj@middleton.school.nz::eefb979d-fc0d-4dd5-ae9a-91b2ece0a753" providerId="AD" clId="Web-{8ADE60C0-19A6-C471-675E-CC268BD8C1E5}" dt="2022-03-27T22:01:27.151" v="19" actId="20577"/>
+          <ac:spMkLst>
+            <pc:docMk/>
+            <pc:sldMk cId="1175070000" sldId="277"/>
+            <ac:spMk id="91" creationId="{00000000-0000-0000-0000-000000000000}"/>
+          </ac:spMkLst>
+        </pc:spChg>
+        <pc:graphicFrameChg chg="mod modGraphic">
+          <ac:chgData name="Jireh Tseng" userId="S::tsengj@middleton.school.nz::eefb979d-fc0d-4dd5-ae9a-91b2ece0a753" providerId="AD" clId="Web-{8ADE60C0-19A6-C471-675E-CC268BD8C1E5}" dt="2022-03-27T22:47:11.561" v="932" actId="1076"/>
+          <ac:graphicFrameMkLst>
+            <pc:docMk/>
+            <pc:sldMk cId="1175070000" sldId="277"/>
+            <ac:graphicFrameMk id="92" creationId="{00000000-0000-0000-0000-000000000000}"/>
+          </ac:graphicFrameMkLst>
+        </pc:graphicFrameChg>
+        <pc:picChg chg="add mod">
+          <ac:chgData name="Jireh Tseng" userId="S::tsengj@middleton.school.nz::eefb979d-fc0d-4dd5-ae9a-91b2ece0a753" providerId="AD" clId="Web-{8ADE60C0-19A6-C471-675E-CC268BD8C1E5}" dt="2022-03-27T22:47:11.609" v="933" actId="1076"/>
+          <ac:picMkLst>
+            <pc:docMk/>
+            <pc:sldMk cId="1175070000" sldId="277"/>
+            <ac:picMk id="2" creationId="{64A1AA31-E2FE-562B-F54B-A4875C6D1BA2}"/>
+          </ac:picMkLst>
+        </pc:picChg>
+        <pc:cxnChg chg="add mod">
+          <ac:chgData name="Jireh Tseng" userId="S::tsengj@middleton.school.nz::eefb979d-fc0d-4dd5-ae9a-91b2ece0a753" providerId="AD" clId="Web-{8ADE60C0-19A6-C471-675E-CC268BD8C1E5}" dt="2022-03-27T22:47:11.686" v="937" actId="1076"/>
+          <ac:cxnSpMkLst>
+            <pc:docMk/>
+            <pc:sldMk cId="1175070000" sldId="277"/>
+            <ac:cxnSpMk id="5" creationId="{1CF4739A-071A-E041-A7E4-6277CD81831A}"/>
+          </ac:cxnSpMkLst>
+        </pc:cxnChg>
+        <pc:cxnChg chg="add mod">
+          <ac:chgData name="Jireh Tseng" userId="S::tsengj@middleton.school.nz::eefb979d-fc0d-4dd5-ae9a-91b2ece0a753" providerId="AD" clId="Web-{8ADE60C0-19A6-C471-675E-CC268BD8C1E5}" dt="2022-03-27T22:47:11.702" v="938" actId="1076"/>
+          <ac:cxnSpMkLst>
+            <pc:docMk/>
+            <pc:sldMk cId="1175070000" sldId="277"/>
+            <ac:cxnSpMk id="10" creationId="{9AF39809-DB62-55B1-F756-5BF8764EEBCB}"/>
+          </ac:cxnSpMkLst>
+        </pc:cxnChg>
+        <pc:cxnChg chg="add mod">
+          <ac:chgData name="Jireh Tseng" userId="S::tsengj@middleton.school.nz::eefb979d-fc0d-4dd5-ae9a-91b2ece0a753" providerId="AD" clId="Web-{8ADE60C0-19A6-C471-675E-CC268BD8C1E5}" dt="2022-03-27T22:47:11.780" v="942" actId="1076"/>
+          <ac:cxnSpMkLst>
+            <pc:docMk/>
+            <pc:sldMk cId="1175070000" sldId="277"/>
+            <ac:cxnSpMk id="14" creationId="{8A6D6AB4-F0EE-3B01-3200-62E972B1ACF0}"/>
+          </ac:cxnSpMkLst>
+        </pc:cxnChg>
+        <pc:cxnChg chg="add mod">
+          <ac:chgData name="Jireh Tseng" userId="S::tsengj@middleton.school.nz::eefb979d-fc0d-4dd5-ae9a-91b2ece0a753" providerId="AD" clId="Web-{8ADE60C0-19A6-C471-675E-CC268BD8C1E5}" dt="2022-03-27T22:47:11.811" v="943" actId="1076"/>
+          <ac:cxnSpMkLst>
+            <pc:docMk/>
+            <pc:sldMk cId="1175070000" sldId="277"/>
+            <ac:cxnSpMk id="15" creationId="{7C4E4E09-3428-D438-02A6-0297A3CDBAE4}"/>
+          </ac:cxnSpMkLst>
+        </pc:cxnChg>
+        <pc:cxnChg chg="add mod">
+          <ac:chgData name="Jireh Tseng" userId="S::tsengj@middleton.school.nz::eefb979d-fc0d-4dd5-ae9a-91b2ece0a753" providerId="AD" clId="Web-{8ADE60C0-19A6-C471-675E-CC268BD8C1E5}" dt="2022-03-27T22:47:11.875" v="947" actId="1076"/>
+          <ac:cxnSpMkLst>
+            <pc:docMk/>
+            <pc:sldMk cId="1175070000" sldId="277"/>
+            <ac:cxnSpMk id="19" creationId="{445D6516-EF7A-8B76-B42B-71F11B39A477}"/>
+          </ac:cxnSpMkLst>
+        </pc:cxnChg>
+        <pc:cxnChg chg="add mod">
+          <ac:chgData name="Jireh Tseng" userId="S::tsengj@middleton.school.nz::eefb979d-fc0d-4dd5-ae9a-91b2ece0a753" providerId="AD" clId="Web-{8ADE60C0-19A6-C471-675E-CC268BD8C1E5}" dt="2022-03-27T22:47:11.889" v="948" actId="1076"/>
+          <ac:cxnSpMkLst>
+            <pc:docMk/>
+            <pc:sldMk cId="1175070000" sldId="277"/>
+            <ac:cxnSpMk id="20" creationId="{7831F06C-BE9F-13B2-9F3D-89843CAC666D}"/>
+          </ac:cxnSpMkLst>
+        </pc:cxnChg>
+        <pc:cxnChg chg="add mod">
+          <ac:chgData name="Jireh Tseng" userId="S::tsengj@middleton.school.nz::eefb979d-fc0d-4dd5-ae9a-91b2ece0a753" providerId="AD" clId="Web-{8ADE60C0-19A6-C471-675E-CC268BD8C1E5}" dt="2022-03-27T22:47:11.983" v="952" actId="1076"/>
+          <ac:cxnSpMkLst>
+            <pc:docMk/>
+            <pc:sldMk cId="1175070000" sldId="277"/>
+            <ac:cxnSpMk id="24" creationId="{40EF1C5A-5945-8802-C0AE-93E10BB43A6E}"/>
+          </ac:cxnSpMkLst>
+        </pc:cxnChg>
+        <pc:cxnChg chg="add mod">
+          <ac:chgData name="Jireh Tseng" userId="S::tsengj@middleton.school.nz::eefb979d-fc0d-4dd5-ae9a-91b2ece0a753" providerId="AD" clId="Web-{8ADE60C0-19A6-C471-675E-CC268BD8C1E5}" dt="2022-03-27T22:47:12.014" v="953" actId="1076"/>
+          <ac:cxnSpMkLst>
+            <pc:docMk/>
+            <pc:sldMk cId="1175070000" sldId="277"/>
+            <ac:cxnSpMk id="25" creationId="{4C7C5FD4-3BEE-7D02-3C66-EC3C3F70ED62}"/>
+          </ac:cxnSpMkLst>
+        </pc:cxnChg>
+        <pc:cxnChg chg="add mod">
+          <ac:chgData name="Jireh Tseng" userId="S::tsengj@middleton.school.nz::eefb979d-fc0d-4dd5-ae9a-91b2ece0a753" providerId="AD" clId="Web-{8ADE60C0-19A6-C471-675E-CC268BD8C1E5}" dt="2022-03-27T22:47:12.108" v="957" actId="1076"/>
+          <ac:cxnSpMkLst>
+            <pc:docMk/>
+            <pc:sldMk cId="1175070000" sldId="277"/>
+            <ac:cxnSpMk id="29" creationId="{6F93BF23-ECFE-8F5C-1047-C738DBE9C9CB}"/>
+          </ac:cxnSpMkLst>
+        </pc:cxnChg>
+        <pc:cxnChg chg="add mod">
+          <ac:chgData name="Jireh Tseng" userId="S::tsengj@middleton.school.nz::eefb979d-fc0d-4dd5-ae9a-91b2ece0a753" providerId="AD" clId="Web-{8ADE60C0-19A6-C471-675E-CC268BD8C1E5}" dt="2022-03-27T22:47:12.123" v="958" actId="1076"/>
+          <ac:cxnSpMkLst>
+            <pc:docMk/>
+            <pc:sldMk cId="1175070000" sldId="277"/>
+            <ac:cxnSpMk id="30" creationId="{1EABAEF0-15F6-48CF-7534-9C4CB4058D2A}"/>
+          </ac:cxnSpMkLst>
+        </pc:cxnChg>
+        <pc:cxnChg chg="add mod">
+          <ac:chgData name="Jireh Tseng" userId="S::tsengj@middleton.school.nz::eefb979d-fc0d-4dd5-ae9a-91b2ece0a753" providerId="AD" clId="Web-{8ADE60C0-19A6-C471-675E-CC268BD8C1E5}" dt="2022-03-27T22:47:12.233" v="962" actId="1076"/>
+          <ac:cxnSpMkLst>
+            <pc:docMk/>
+            <pc:sldMk cId="1175070000" sldId="277"/>
+            <ac:cxnSpMk id="34" creationId="{BDAFF74E-414B-C345-0C69-721CD6F67A51}"/>
+          </ac:cxnSpMkLst>
+        </pc:cxnChg>
+        <pc:cxnChg chg="add mod">
+          <ac:chgData name="Jireh Tseng" userId="S::tsengj@middleton.school.nz::eefb979d-fc0d-4dd5-ae9a-91b2ece0a753" providerId="AD" clId="Web-{8ADE60C0-19A6-C471-675E-CC268BD8C1E5}" dt="2022-03-27T22:47:12.249" v="963" actId="1076"/>
+          <ac:cxnSpMkLst>
+            <pc:docMk/>
+            <pc:sldMk cId="1175070000" sldId="277"/>
+            <ac:cxnSpMk id="35" creationId="{3164386B-D586-8608-3774-2D7A36E48C39}"/>
+          </ac:cxnSpMkLst>
+        </pc:cxnChg>
+      </pc:sldChg>
+      <pc:sldChg chg="add replId">
+        <pc:chgData name="Jireh Tseng" userId="S::tsengj@middleton.school.nz::eefb979d-fc0d-4dd5-ae9a-91b2ece0a753" providerId="AD" clId="Web-{8ADE60C0-19A6-C471-675E-CC268BD8C1E5}" dt="2022-03-27T22:24:02.817" v="172"/>
+        <pc:sldMkLst>
+          <pc:docMk/>
+          <pc:sldMk cId="3377323929" sldId="278"/>
+        </pc:sldMkLst>
+      </pc:sldChg>
+      <pc:sldChg chg="delSp modSp add replId">
+        <pc:chgData name="Jireh Tseng" userId="S::tsengj@middleton.school.nz::eefb979d-fc0d-4dd5-ae9a-91b2ece0a753" providerId="AD" clId="Web-{8ADE60C0-19A6-C471-675E-CC268BD8C1E5}" dt="2022-03-27T22:31:15.560" v="930"/>
+        <pc:sldMkLst>
+          <pc:docMk/>
+          <pc:sldMk cId="2993261380" sldId="279"/>
+        </pc:sldMkLst>
+        <pc:spChg chg="del">
+          <ac:chgData name="Jireh Tseng" userId="S::tsengj@middleton.school.nz::eefb979d-fc0d-4dd5-ae9a-91b2ece0a753" providerId="AD" clId="Web-{8ADE60C0-19A6-C471-675E-CC268BD8C1E5}" dt="2022-03-27T22:25:04.647" v="206"/>
+          <ac:spMkLst>
+            <pc:docMk/>
+            <pc:sldMk cId="2993261380" sldId="279"/>
+            <ac:spMk id="4" creationId="{518343B6-2201-4ACD-B907-770BC22E8B26}"/>
+          </ac:spMkLst>
+        </pc:spChg>
+        <pc:spChg chg="mod">
+          <ac:chgData name="Jireh Tseng" userId="S::tsengj@middleton.school.nz::eefb979d-fc0d-4dd5-ae9a-91b2ece0a753" providerId="AD" clId="Web-{8ADE60C0-19A6-C471-675E-CC268BD8C1E5}" dt="2022-03-27T22:25:28.319" v="208" actId="20577"/>
+          <ac:spMkLst>
+            <pc:docMk/>
+            <pc:sldMk cId="2993261380" sldId="279"/>
+            <ac:spMk id="91" creationId="{00000000-0000-0000-0000-000000000000}"/>
+          </ac:spMkLst>
+        </pc:spChg>
+        <pc:graphicFrameChg chg="mod modGraphic">
+          <ac:chgData name="Jireh Tseng" userId="S::tsengj@middleton.school.nz::eefb979d-fc0d-4dd5-ae9a-91b2ece0a753" providerId="AD" clId="Web-{8ADE60C0-19A6-C471-675E-CC268BD8C1E5}" dt="2022-03-27T22:31:15.560" v="930"/>
+          <ac:graphicFrameMkLst>
+            <pc:docMk/>
+            <pc:sldMk cId="2993261380" sldId="279"/>
+            <ac:graphicFrameMk id="92" creationId="{00000000-0000-0000-0000-000000000000}"/>
+          </ac:graphicFrameMkLst>
+        </pc:graphicFrameChg>
+      </pc:sldChg>
+      <pc:sldChg chg="addSp modSp add replId">
+        <pc:chgData name="Jireh Tseng" userId="S::tsengj@middleton.school.nz::eefb979d-fc0d-4dd5-ae9a-91b2ece0a753" providerId="AD" clId="Web-{8ADE60C0-19A6-C471-675E-CC268BD8C1E5}" dt="2022-03-27T22:52:14.227" v="1091" actId="1076"/>
+        <pc:sldMkLst>
+          <pc:docMk/>
+          <pc:sldMk cId="636464997" sldId="280"/>
+        </pc:sldMkLst>
+        <pc:spChg chg="add mod">
+          <ac:chgData name="Jireh Tseng" userId="S::tsengj@middleton.school.nz::eefb979d-fc0d-4dd5-ae9a-91b2ece0a753" providerId="AD" clId="Web-{8ADE60C0-19A6-C471-675E-CC268BD8C1E5}" dt="2022-03-27T22:52:14.227" v="1091" actId="1076"/>
+          <ac:spMkLst>
+            <pc:docMk/>
+            <pc:sldMk cId="636464997" sldId="280"/>
+            <ac:spMk id="5" creationId="{A0C9D49D-C427-E1AD-7BEC-C00826A1CE8A}"/>
+          </ac:spMkLst>
+        </pc:spChg>
+        <pc:spChg chg="add mod">
+          <ac:chgData name="Jireh Tseng" userId="S::tsengj@middleton.school.nz::eefb979d-fc0d-4dd5-ae9a-91b2ece0a753" providerId="AD" clId="Web-{8ADE60C0-19A6-C471-675E-CC268BD8C1E5}" dt="2022-03-27T22:50:15.098" v="1028" actId="1076"/>
+          <ac:spMkLst>
+            <pc:docMk/>
+            <pc:sldMk cId="636464997" sldId="280"/>
+            <ac:spMk id="6" creationId="{3565F284-A787-F0CF-38CB-57228454B7AE}"/>
+          </ac:spMkLst>
+        </pc:spChg>
+        <pc:spChg chg="add mod">
+          <ac:chgData name="Jireh Tseng" userId="S::tsengj@middleton.school.nz::eefb979d-fc0d-4dd5-ae9a-91b2ece0a753" providerId="AD" clId="Web-{8ADE60C0-19A6-C471-675E-CC268BD8C1E5}" dt="2022-03-27T22:50:23.177" v="1031" actId="14100"/>
+          <ac:spMkLst>
+            <pc:docMk/>
+            <pc:sldMk cId="636464997" sldId="280"/>
+            <ac:spMk id="7" creationId="{4D103BE5-5B45-E7C9-632C-9C5FC730006D}"/>
+          </ac:spMkLst>
+        </pc:spChg>
+        <pc:spChg chg="add mod">
+          <ac:chgData name="Jireh Tseng" userId="S::tsengj@middleton.school.nz::eefb979d-fc0d-4dd5-ae9a-91b2ece0a753" providerId="AD" clId="Web-{8ADE60C0-19A6-C471-675E-CC268BD8C1E5}" dt="2022-03-27T22:50:30.817" v="1034" actId="14100"/>
+          <ac:spMkLst>
+            <pc:docMk/>
+            <pc:sldMk cId="636464997" sldId="280"/>
+            <ac:spMk id="8" creationId="{4619ED37-58C6-801D-365B-545A3C4F0B20}"/>
+          </ac:spMkLst>
+        </pc:spChg>
+        <pc:spChg chg="add mod">
+          <ac:chgData name="Jireh Tseng" userId="S::tsengj@middleton.school.nz::eefb979d-fc0d-4dd5-ae9a-91b2ece0a753" providerId="AD" clId="Web-{8ADE60C0-19A6-C471-675E-CC268BD8C1E5}" dt="2022-03-27T22:51:16.334" v="1053" actId="1076"/>
+          <ac:spMkLst>
+            <pc:docMk/>
+            <pc:sldMk cId="636464997" sldId="280"/>
+            <ac:spMk id="11" creationId="{8B6E8C10-C976-3C2A-CBAA-F2F9C9CD6291}"/>
+          </ac:spMkLst>
+        </pc:spChg>
+        <pc:spChg chg="add mod">
+          <ac:chgData name="Jireh Tseng" userId="S::tsengj@middleton.school.nz::eefb979d-fc0d-4dd5-ae9a-91b2ece0a753" providerId="AD" clId="Web-{8ADE60C0-19A6-C471-675E-CC268BD8C1E5}" dt="2022-03-27T22:51:16.350" v="1054" actId="1076"/>
+          <ac:spMkLst>
+            <pc:docMk/>
+            <pc:sldMk cId="636464997" sldId="280"/>
+            <ac:spMk id="12" creationId="{E0682261-9A33-6C28-FCD4-08B28FE46CE9}"/>
+          </ac:spMkLst>
+        </pc:spChg>
+        <pc:spChg chg="add mod">
+          <ac:chgData name="Jireh Tseng" userId="S::tsengj@middleton.school.nz::eefb979d-fc0d-4dd5-ae9a-91b2ece0a753" providerId="AD" clId="Web-{8ADE60C0-19A6-C471-675E-CC268BD8C1E5}" dt="2022-03-27T22:51:20.647" v="1058" actId="1076"/>
+          <ac:spMkLst>
+            <pc:docMk/>
+            <pc:sldMk cId="636464997" sldId="280"/>
+            <ac:spMk id="13" creationId="{46449077-345D-20F6-FD2D-5BF18C019839}"/>
+          </ac:spMkLst>
+        </pc:spChg>
+        <pc:spChg chg="add mod">
+          <ac:chgData name="Jireh Tseng" userId="S::tsengj@middleton.school.nz::eefb979d-fc0d-4dd5-ae9a-91b2ece0a753" providerId="AD" clId="Web-{8ADE60C0-19A6-C471-675E-CC268BD8C1E5}" dt="2022-03-27T22:51:40.194" v="1084" actId="14100"/>
+          <ac:spMkLst>
+            <pc:docMk/>
+            <pc:sldMk cId="636464997" sldId="280"/>
+            <ac:spMk id="16" creationId="{F3669E52-6F15-24F9-9B1B-2B04E5AA9525}"/>
+          </ac:spMkLst>
+        </pc:spChg>
+        <pc:spChg chg="add mod">
+          <ac:chgData name="Jireh Tseng" userId="S::tsengj@middleton.school.nz::eefb979d-fc0d-4dd5-ae9a-91b2ece0a753" providerId="AD" clId="Web-{8ADE60C0-19A6-C471-675E-CC268BD8C1E5}" dt="2022-03-27T22:51:51.492" v="1087" actId="14100"/>
+          <ac:spMkLst>
+            <pc:docMk/>
+            <pc:sldMk cId="636464997" sldId="280"/>
+            <ac:spMk id="17" creationId="{5A503DB2-E7D5-8AAF-3554-715479DDE452}"/>
+          </ac:spMkLst>
+        </pc:spChg>
+        <pc:spChg chg="add mod">
+          <ac:chgData name="Jireh Tseng" userId="S::tsengj@middleton.school.nz::eefb979d-fc0d-4dd5-ae9a-91b2ece0a753" providerId="AD" clId="Web-{8ADE60C0-19A6-C471-675E-CC268BD8C1E5}" dt="2022-03-27T22:51:57.930" v="1089" actId="14100"/>
+          <ac:spMkLst>
+            <pc:docMk/>
+            <pc:sldMk cId="636464997" sldId="280"/>
+            <ac:spMk id="18" creationId="{36AC13FC-B24D-6C72-F049-D0B8A6DCC146}"/>
+          </ac:spMkLst>
+        </pc:spChg>
+        <pc:spChg chg="mod">
+          <ac:chgData name="Jireh Tseng" userId="S::tsengj@middleton.school.nz::eefb979d-fc0d-4dd5-ae9a-91b2ece0a753" providerId="AD" clId="Web-{8ADE60C0-19A6-C471-675E-CC268BD8C1E5}" dt="2022-03-27T22:48:49.814" v="1000" actId="20577"/>
+          <ac:spMkLst>
+            <pc:docMk/>
+            <pc:sldMk cId="636464997" sldId="280"/>
+            <ac:spMk id="91" creationId="{00000000-0000-0000-0000-000000000000}"/>
+          </ac:spMkLst>
+        </pc:spChg>
+        <pc:graphicFrameChg chg="mod modGraphic">
+          <ac:chgData name="Jireh Tseng" userId="S::tsengj@middleton.school.nz::eefb979d-fc0d-4dd5-ae9a-91b2ece0a753" providerId="AD" clId="Web-{8ADE60C0-19A6-C471-675E-CC268BD8C1E5}" dt="2022-03-27T22:48:52.830" v="1001"/>
+          <ac:graphicFrameMkLst>
+            <pc:docMk/>
+            <pc:sldMk cId="636464997" sldId="280"/>
+            <ac:graphicFrameMk id="92" creationId="{00000000-0000-0000-0000-000000000000}"/>
+          </ac:graphicFrameMkLst>
+        </pc:graphicFrameChg>
+        <pc:picChg chg="add mod">
+          <ac:chgData name="Jireh Tseng" userId="S::tsengj@middleton.school.nz::eefb979d-fc0d-4dd5-ae9a-91b2ece0a753" providerId="AD" clId="Web-{8ADE60C0-19A6-C471-675E-CC268BD8C1E5}" dt="2022-03-27T22:49:16.597" v="1008" actId="14100"/>
+          <ac:picMkLst>
+            <pc:docMk/>
+            <pc:sldMk cId="636464997" sldId="280"/>
+            <ac:picMk id="2" creationId="{E234CF7E-755D-A7C1-222C-9E7262D0F15C}"/>
+          </ac:picMkLst>
+        </pc:picChg>
+        <pc:picChg chg="add mod">
+          <ac:chgData name="Jireh Tseng" userId="S::tsengj@middleton.school.nz::eefb979d-fc0d-4dd5-ae9a-91b2ece0a753" providerId="AD" clId="Web-{8ADE60C0-19A6-C471-675E-CC268BD8C1E5}" dt="2022-03-27T22:49:23.534" v="1012" actId="14100"/>
+          <ac:picMkLst>
+            <pc:docMk/>
+            <pc:sldMk cId="636464997" sldId="280"/>
+            <ac:picMk id="3" creationId="{3E21A60A-1E62-9B76-5D91-CDCC9DCF57CB}"/>
+          </ac:picMkLst>
+        </pc:picChg>
+        <pc:cxnChg chg="add mod">
+          <ac:chgData name="Jireh Tseng" userId="S::tsengj@middleton.school.nz::eefb979d-fc0d-4dd5-ae9a-91b2ece0a753" providerId="AD" clId="Web-{8ADE60C0-19A6-C471-675E-CC268BD8C1E5}" dt="2022-03-27T22:50:52.396" v="1039" actId="14100"/>
+          <ac:cxnSpMkLst>
+            <pc:docMk/>
+            <pc:sldMk cId="636464997" sldId="280"/>
+            <ac:cxnSpMk id="4" creationId="{FAFED4A7-A9B5-30E7-CED5-2F7F88B17EE4}"/>
+          </ac:cxnSpMkLst>
+        </pc:cxnChg>
+        <pc:cxnChg chg="add mod">
+          <ac:chgData name="Jireh Tseng" userId="S::tsengj@middleton.school.nz::eefb979d-fc0d-4dd5-ae9a-91b2ece0a753" providerId="AD" clId="Web-{8ADE60C0-19A6-C471-675E-CC268BD8C1E5}" dt="2022-03-27T22:50:59.052" v="1042" actId="14100"/>
+          <ac:cxnSpMkLst>
+            <pc:docMk/>
+            <pc:sldMk cId="636464997" sldId="280"/>
+            <ac:cxnSpMk id="10" creationId="{2178EA7A-8C3A-4C7F-F939-A728F5155991}"/>
+          </ac:cxnSpMkLst>
+        </pc:cxnChg>
+        <pc:cxnChg chg="add mod">
+          <ac:chgData name="Jireh Tseng" userId="S::tsengj@middleton.school.nz::eefb979d-fc0d-4dd5-ae9a-91b2ece0a753" providerId="AD" clId="Web-{8ADE60C0-19A6-C471-675E-CC268BD8C1E5}" dt="2022-03-27T22:51:16.366" v="1056" actId="1076"/>
+          <ac:cxnSpMkLst>
+            <pc:docMk/>
+            <pc:sldMk cId="636464997" sldId="280"/>
+            <ac:cxnSpMk id="14" creationId="{331DC64A-26E8-3D90-483D-1C11673842EC}"/>
+          </ac:cxnSpMkLst>
+        </pc:cxnChg>
+        <pc:cxnChg chg="add mod">
+          <ac:chgData name="Jireh Tseng" userId="S::tsengj@middleton.school.nz::eefb979d-fc0d-4dd5-ae9a-91b2ece0a753" providerId="AD" clId="Web-{8ADE60C0-19A6-C471-675E-CC268BD8C1E5}" dt="2022-03-27T22:51:23.288" v="1059" actId="14100"/>
+          <ac:cxnSpMkLst>
+            <pc:docMk/>
+            <pc:sldMk cId="636464997" sldId="280"/>
+            <ac:cxnSpMk id="15" creationId="{E66BE9E7-0C9D-CCE4-C0C0-F185F4D8021C}"/>
+          </ac:cxnSpMkLst>
+        </pc:cxnChg>
+        <pc:cxnChg chg="add mod">
+          <ac:chgData name="Jireh Tseng" userId="S::tsengj@middleton.school.nz::eefb979d-fc0d-4dd5-ae9a-91b2ece0a753" providerId="AD" clId="Web-{8ADE60C0-19A6-C471-675E-CC268BD8C1E5}" dt="2022-03-27T22:51:40.194" v="1081" actId="14100"/>
+          <ac:cxnSpMkLst>
+            <pc:docMk/>
+            <pc:sldMk cId="636464997" sldId="280"/>
+            <ac:cxnSpMk id="19" creationId="{522FD415-D4BA-8CEB-3E62-366A39E04169}"/>
+          </ac:cxnSpMkLst>
+        </pc:cxnChg>
+        <pc:cxnChg chg="add mod">
+          <ac:chgData name="Jireh Tseng" userId="S::tsengj@middleton.school.nz::eefb979d-fc0d-4dd5-ae9a-91b2ece0a753" providerId="AD" clId="Web-{8ADE60C0-19A6-C471-675E-CC268BD8C1E5}" dt="2022-03-27T22:51:47.585" v="1086" actId="14100"/>
+          <ac:cxnSpMkLst>
+            <pc:docMk/>
+            <pc:sldMk cId="636464997" sldId="280"/>
+            <ac:cxnSpMk id="20" creationId="{28E3688F-F336-9BF4-617B-B203A30F20ED}"/>
+          </ac:cxnSpMkLst>
+        </pc:cxnChg>
+      </pc:sldChg>
+    </pc:docChg>
+  </pc:docChgLst>
+  <pc:docChgLst>
+    <pc:chgData name="Jireh Tseng" userId="S::tsengj@middleton.school.nz::eefb979d-fc0d-4dd5-ae9a-91b2ece0a753" providerId="AD" clId="Web-{926FB68B-1DF2-B396-2B72-A5067EE74054}"/>
+    <pc:docChg chg="addSld modSld sldOrd">
+      <pc:chgData name="Jireh Tseng" userId="S::tsengj@middleton.school.nz::eefb979d-fc0d-4dd5-ae9a-91b2ece0a753" providerId="AD" clId="Web-{926FB68B-1DF2-B396-2B72-A5067EE74054}" dt="2022-04-19T02:00:50.096" v="2320" actId="20577"/>
+      <pc:docMkLst>
+        <pc:docMk/>
+      </pc:docMkLst>
+      <pc:sldChg chg="modSp">
+        <pc:chgData name="Jireh Tseng" userId="S::tsengj@middleton.school.nz::eefb979d-fc0d-4dd5-ae9a-91b2ece0a753" providerId="AD" clId="Web-{926FB68B-1DF2-B396-2B72-A5067EE74054}" dt="2022-04-19T02:00:50.096" v="2320" actId="20577"/>
+        <pc:sldMkLst>
+          <pc:docMk/>
+          <pc:sldMk cId="3838895173" sldId="258"/>
+        </pc:sldMkLst>
+        <pc:spChg chg="mod">
+          <ac:chgData name="Jireh Tseng" userId="S::tsengj@middleton.school.nz::eefb979d-fc0d-4dd5-ae9a-91b2ece0a753" providerId="AD" clId="Web-{926FB68B-1DF2-B396-2B72-A5067EE74054}" dt="2022-04-19T02:00:50.096" v="2320" actId="20577"/>
+          <ac:spMkLst>
+            <pc:docMk/>
+            <pc:sldMk cId="3838895173" sldId="258"/>
+            <ac:spMk id="4" creationId="{F7FB308A-232B-4B31-A59D-BD561ECFBE8B}"/>
+          </ac:spMkLst>
+        </pc:spChg>
+      </pc:sldChg>
+      <pc:sldChg chg="addSp delSp modSp ord">
+        <pc:chgData name="Jireh Tseng" userId="S::tsengj@middleton.school.nz::eefb979d-fc0d-4dd5-ae9a-91b2ece0a753" providerId="AD" clId="Web-{926FB68B-1DF2-B396-2B72-A5067EE74054}" dt="2022-04-19T01:30:18.543" v="1695" actId="1076"/>
+        <pc:sldMkLst>
+          <pc:docMk/>
+          <pc:sldMk cId="1357549755" sldId="261"/>
+        </pc:sldMkLst>
+        <pc:spChg chg="del">
+          <ac:chgData name="Jireh Tseng" userId="S::tsengj@middleton.school.nz::eefb979d-fc0d-4dd5-ae9a-91b2ece0a753" providerId="AD" clId="Web-{926FB68B-1DF2-B396-2B72-A5067EE74054}" dt="2022-04-19T00:33:22.265" v="1620"/>
+          <ac:spMkLst>
+            <pc:docMk/>
+            <pc:sldMk cId="1357549755" sldId="261"/>
+            <ac:spMk id="3" creationId="{A89172B1-B985-48A3-8018-FC6FF45BCE4F}"/>
+          </ac:spMkLst>
+        </pc:spChg>
+        <pc:spChg chg="add mod">
+          <ac:chgData name="Jireh Tseng" userId="S::tsengj@middleton.school.nz::eefb979d-fc0d-4dd5-ae9a-91b2ece0a753" providerId="AD" clId="Web-{926FB68B-1DF2-B396-2B72-A5067EE74054}" dt="2022-04-19T01:23:51.080" v="1663" actId="1076"/>
+          <ac:spMkLst>
+            <pc:docMk/>
+            <pc:sldMk cId="1357549755" sldId="261"/>
+            <ac:spMk id="6" creationId="{CB6BAA75-2D20-219E-E7F5-76EC5B31A6A6}"/>
+          </ac:spMkLst>
+        </pc:spChg>
+        <pc:spChg chg="add mod">
+          <ac:chgData name="Jireh Tseng" userId="S::tsengj@middleton.school.nz::eefb979d-fc0d-4dd5-ae9a-91b2ece0a753" providerId="AD" clId="Web-{926FB68B-1DF2-B396-2B72-A5067EE74054}" dt="2022-04-19T01:24:11.877" v="1685" actId="14100"/>
+          <ac:spMkLst>
+            <pc:docMk/>
+            <pc:sldMk cId="1357549755" sldId="261"/>
+            <ac:spMk id="7" creationId="{1C8850B8-8AE2-6187-7DDF-00E1FAEC4B68}"/>
+          </ac:spMkLst>
+        </pc:spChg>
+        <pc:picChg chg="add mod">
+          <ac:chgData name="Jireh Tseng" userId="S::tsengj@middleton.school.nz::eefb979d-fc0d-4dd5-ae9a-91b2ece0a753" providerId="AD" clId="Web-{926FB68B-1DF2-B396-2B72-A5067EE74054}" dt="2022-04-19T00:51:28.022" v="1645" actId="1076"/>
+          <ac:picMkLst>
+            <pc:docMk/>
+            <pc:sldMk cId="1357549755" sldId="261"/>
+            <ac:picMk id="3" creationId="{49B2BD08-98F4-1FAD-73AE-92DE5A45076A}"/>
+          </ac:picMkLst>
+        </pc:picChg>
+        <pc:picChg chg="add mod">
+          <ac:chgData name="Jireh Tseng" userId="S::tsengj@middleton.school.nz::eefb979d-fc0d-4dd5-ae9a-91b2ece0a753" providerId="AD" clId="Web-{926FB68B-1DF2-B396-2B72-A5067EE74054}" dt="2022-04-19T01:22:57.828" v="1649" actId="1076"/>
+          <ac:picMkLst>
+            <pc:docMk/>
+            <pc:sldMk cId="1357549755" sldId="261"/>
+            <ac:picMk id="4" creationId="{266F30F0-2B02-2AFD-0F91-038B13E90ED5}"/>
+          </ac:picMkLst>
+        </pc:picChg>
+        <pc:picChg chg="add del mod">
+          <ac:chgData name="Jireh Tseng" userId="S::tsengj@middleton.school.nz::eefb979d-fc0d-4dd5-ae9a-91b2ece0a753" providerId="AD" clId="Web-{926FB68B-1DF2-B396-2B72-A5067EE74054}" dt="2022-04-19T00:50:53.693" v="1637"/>
+          <ac:picMkLst>
+            <pc:docMk/>
+            <pc:sldMk cId="1357549755" sldId="261"/>
+            <ac:picMk id="4" creationId="{87369871-CADF-FF77-47C5-DCAE930A49ED}"/>
+          </ac:picMkLst>
+        </pc:picChg>
+        <pc:picChg chg="add del mod">
+          <ac:chgData name="Jireh Tseng" userId="S::tsengj@middleton.school.nz::eefb979d-fc0d-4dd5-ae9a-91b2ece0a753" providerId="AD" clId="Web-{926FB68B-1DF2-B396-2B72-A5067EE74054}" dt="2022-04-19T00:34:04.954" v="1630"/>
+          <ac:picMkLst>
+            <pc:docMk/>
+            <pc:sldMk cId="1357549755" sldId="261"/>
+            <ac:picMk id="5" creationId="{2DF2C54F-BEBD-6455-00A8-4F24F2E33F52}"/>
+          </ac:picMkLst>
+        </pc:picChg>
+        <pc:picChg chg="add del mod">
+          <ac:chgData name="Jireh Tseng" userId="S::tsengj@middleton.school.nz::eefb979d-fc0d-4dd5-ae9a-91b2ece0a753" providerId="AD" clId="Web-{926FB68B-1DF2-B396-2B72-A5067EE74054}" dt="2022-04-19T01:30:06.512" v="1690"/>
+          <ac:picMkLst>
+            <pc:docMk/>
+            <pc:sldMk cId="1357549755" sldId="261"/>
+            <ac:picMk id="5" creationId="{CB514656-FF1E-59F5-771F-BB85D445E26D}"/>
+          </ac:picMkLst>
+        </pc:picChg>
+        <pc:picChg chg="add del mod">
+          <ac:chgData name="Jireh Tseng" userId="S::tsengj@middleton.school.nz::eefb979d-fc0d-4dd5-ae9a-91b2ece0a753" providerId="AD" clId="Web-{926FB68B-1DF2-B396-2B72-A5067EE74054}" dt="2022-04-19T00:50:54.928" v="1638"/>
+          <ac:picMkLst>
+            <pc:docMk/>
+            <pc:sldMk cId="1357549755" sldId="261"/>
+            <ac:picMk id="6" creationId="{3C7018B7-1F53-39AF-A370-7053A445F184}"/>
+          </ac:picMkLst>
+        </pc:picChg>
+        <pc:picChg chg="add mod">
+          <ac:chgData name="Jireh Tseng" userId="S::tsengj@middleton.school.nz::eefb979d-fc0d-4dd5-ae9a-91b2ece0a753" providerId="AD" clId="Web-{926FB68B-1DF2-B396-2B72-A5067EE74054}" dt="2022-04-19T01:30:18.543" v="1695" actId="1076"/>
+          <ac:picMkLst>
+            <pc:docMk/>
+            <pc:sldMk cId="1357549755" sldId="261"/>
+            <ac:picMk id="8" creationId="{8BFEC695-388E-2E98-E425-0DBF790C0394}"/>
+          </ac:picMkLst>
+        </pc:picChg>
+      </pc:sldChg>
+      <pc:sldChg chg="addSp delSp modSp">
+        <pc:chgData name="Jireh Tseng" userId="S::tsengj@middleton.school.nz::eefb979d-fc0d-4dd5-ae9a-91b2ece0a753" providerId="AD" clId="Web-{926FB68B-1DF2-B396-2B72-A5067EE74054}" dt="2022-04-19T01:56:11.851" v="2284" actId="1076"/>
+        <pc:sldMkLst>
+          <pc:docMk/>
+          <pc:sldMk cId="2276153040" sldId="266"/>
+        </pc:sldMkLst>
+        <pc:spChg chg="add del mod">
+          <ac:chgData name="Jireh Tseng" userId="S::tsengj@middleton.school.nz::eefb979d-fc0d-4dd5-ae9a-91b2ece0a753" providerId="AD" clId="Web-{926FB68B-1DF2-B396-2B72-A5067EE74054}" dt="2022-04-19T01:24:38.784" v="1689" actId="20577"/>
+          <ac:spMkLst>
+            <pc:docMk/>
+            <pc:sldMk cId="2276153040" sldId="266"/>
+            <ac:spMk id="3" creationId="{6385A117-1109-4CFD-B531-10565CC9D864}"/>
+          </ac:spMkLst>
+        </pc:spChg>
+        <pc:spChg chg="add mod">
+          <ac:chgData name="Jireh Tseng" userId="S::tsengj@middleton.school.nz::eefb979d-fc0d-4dd5-ae9a-91b2ece0a753" providerId="AD" clId="Web-{926FB68B-1DF2-B396-2B72-A5067EE74054}" dt="2022-04-19T01:56:11.851" v="2284" actId="1076"/>
+          <ac:spMkLst>
+            <pc:docMk/>
+            <pc:sldMk cId="2276153040" sldId="266"/>
+            <ac:spMk id="4" creationId="{CD671EFA-6ED1-ABB1-CF71-1ECCA31DFAA4}"/>
+          </ac:spMkLst>
+        </pc:spChg>
+      </pc:sldChg>
+      <pc:sldChg chg="modSp">
+        <pc:chgData name="Jireh Tseng" userId="S::tsengj@middleton.school.nz::eefb979d-fc0d-4dd5-ae9a-91b2ece0a753" providerId="AD" clId="Web-{926FB68B-1DF2-B396-2B72-A5067EE74054}" dt="2022-04-19T00:22:13.985" v="1615"/>
+        <pc:sldMkLst>
+          <pc:docMk/>
+          <pc:sldMk cId="1053444694" sldId="270"/>
+        </pc:sldMkLst>
+        <pc:graphicFrameChg chg="mod modGraphic">
+          <ac:chgData name="Jireh Tseng" userId="S::tsengj@middleton.school.nz::eefb979d-fc0d-4dd5-ae9a-91b2ece0a753" providerId="AD" clId="Web-{926FB68B-1DF2-B396-2B72-A5067EE74054}" dt="2022-04-19T00:22:13.985" v="1615"/>
+          <ac:graphicFrameMkLst>
+            <pc:docMk/>
+            <pc:sldMk cId="1053444694" sldId="270"/>
+            <ac:graphicFrameMk id="4" creationId="{54A393A9-6C94-409B-BDCB-65C4ABAA2DD1}"/>
+          </ac:graphicFrameMkLst>
+        </pc:graphicFrameChg>
+      </pc:sldChg>
+      <pc:sldChg chg="addSp modSp new">
+        <pc:chgData name="Jireh Tseng" userId="S::tsengj@middleton.school.nz::eefb979d-fc0d-4dd5-ae9a-91b2ece0a753" providerId="AD" clId="Web-{926FB68B-1DF2-B396-2B72-A5067EE74054}" dt="2022-04-19T01:58:21.014" v="2314" actId="1076"/>
+        <pc:sldMkLst>
+          <pc:docMk/>
+          <pc:sldMk cId="3499915256" sldId="302"/>
+        </pc:sldMkLst>
+        <pc:spChg chg="mod">
+          <ac:chgData name="Jireh Tseng" userId="S::tsengj@middleton.school.nz::eefb979d-fc0d-4dd5-ae9a-91b2ece0a753" providerId="AD" clId="Web-{926FB68B-1DF2-B396-2B72-A5067EE74054}" dt="2022-04-19T01:57:06.649" v="2311" actId="20577"/>
+          <ac:spMkLst>
+            <pc:docMk/>
+            <pc:sldMk cId="3499915256" sldId="302"/>
+            <ac:spMk id="2" creationId="{CD75BE32-53A1-CD74-7A4E-7D1BEDF6E720}"/>
+          </ac:spMkLst>
+        </pc:spChg>
+        <pc:picChg chg="add mod">
+          <ac:chgData name="Jireh Tseng" userId="S::tsengj@middleton.school.nz::eefb979d-fc0d-4dd5-ae9a-91b2ece0a753" providerId="AD" clId="Web-{926FB68B-1DF2-B396-2B72-A5067EE74054}" dt="2022-04-19T01:58:21.014" v="2314" actId="1076"/>
+          <ac:picMkLst>
+            <pc:docMk/>
+            <pc:sldMk cId="3499915256" sldId="302"/>
+            <ac:picMk id="3" creationId="{CD0067FB-5FBD-544D-3CB9-88E42E5639D3}"/>
+          </ac:picMkLst>
+        </pc:picChg>
+      </pc:sldChg>
+    </pc:docChg>
+  </pc:docChgLst>
+  <pc:docChgLst>
+    <pc:chgData name="Jireh Tseng" userId="S::tsengj@middleton.school.nz::eefb979d-fc0d-4dd5-ae9a-91b2ece0a753" providerId="AD" clId="Web-{7E3F9280-A2F5-974F-0785-E500C00B3676}"/>
+    <pc:docChg chg="modSld sldOrd">
+      <pc:chgData name="Jireh Tseng" userId="S::tsengj@middleton.school.nz::eefb979d-fc0d-4dd5-ae9a-91b2ece0a753" providerId="AD" clId="Web-{7E3F9280-A2F5-974F-0785-E500C00B3676}" dt="2022-03-22T21:21:19.029" v="10"/>
+      <pc:docMkLst>
+        <pc:docMk/>
+      </pc:docMkLst>
+      <pc:sldChg chg="modSp ord">
+        <pc:chgData name="Jireh Tseng" userId="S::tsengj@middleton.school.nz::eefb979d-fc0d-4dd5-ae9a-91b2ece0a753" providerId="AD" clId="Web-{7E3F9280-A2F5-974F-0785-E500C00B3676}" dt="2022-03-22T21:21:19.029" v="10"/>
+        <pc:sldMkLst>
+          <pc:docMk/>
+          <pc:sldMk cId="89592267" sldId="274"/>
+        </pc:sldMkLst>
+        <pc:spChg chg="mod">
+          <ac:chgData name="Jireh Tseng" userId="S::tsengj@middleton.school.nz::eefb979d-fc0d-4dd5-ae9a-91b2ece0a753" providerId="AD" clId="Web-{7E3F9280-A2F5-974F-0785-E500C00B3676}" dt="2022-03-22T21:20:45.263" v="8" actId="20577"/>
+          <ac:spMkLst>
+            <pc:docMk/>
+            <pc:sldMk cId="89592267" sldId="274"/>
+            <ac:spMk id="2" creationId="{1CC5D32F-7C18-4D00-8D54-2FB046F0A206}"/>
+          </ac:spMkLst>
+        </pc:spChg>
+      </pc:sldChg>
+    </pc:docChg>
+  </pc:docChgLst>
+  <pc:docChgLst>
+    <pc:chgData name="Jireh Tseng" userId="S::tsengj@middleton.school.nz::eefb979d-fc0d-4dd5-ae9a-91b2ece0a753" providerId="AD" clId="Web-{AE16ED1E-D1AF-834C-C0D7-D581AE5158A7}"/>
+    <pc:docChg chg="addSld modSld sldOrd">
+      <pc:chgData name="Jireh Tseng" userId="S::tsengj@middleton.school.nz::eefb979d-fc0d-4dd5-ae9a-91b2ece0a753" providerId="AD" clId="Web-{AE16ED1E-D1AF-834C-C0D7-D581AE5158A7}" dt="2022-04-13T09:42:37.266" v="840" actId="1076"/>
+      <pc:docMkLst>
+        <pc:docMk/>
+      </pc:docMkLst>
+      <pc:sldChg chg="addSp delSp modSp add ord replId">
+        <pc:chgData name="Jireh Tseng" userId="S::tsengj@middleton.school.nz::eefb979d-fc0d-4dd5-ae9a-91b2ece0a753" providerId="AD" clId="Web-{AE16ED1E-D1AF-834C-C0D7-D581AE5158A7}" dt="2022-04-13T09:41:28.889" v="788" actId="20577"/>
+        <pc:sldMkLst>
+          <pc:docMk/>
+          <pc:sldMk cId="248875773" sldId="293"/>
+        </pc:sldMkLst>
+        <pc:spChg chg="add mod">
+          <ac:chgData name="Jireh Tseng" userId="S::tsengj@middleton.school.nz::eefb979d-fc0d-4dd5-ae9a-91b2ece0a753" providerId="AD" clId="Web-{AE16ED1E-D1AF-834C-C0D7-D581AE5158A7}" dt="2022-04-13T09:11:12.985" v="167" actId="1076"/>
+          <ac:spMkLst>
+            <pc:docMk/>
+            <pc:sldMk cId="248875773" sldId="293"/>
+            <ac:spMk id="4" creationId="{1283578E-CD51-367D-9A42-281B18B59761}"/>
+          </ac:spMkLst>
+        </pc:spChg>
+        <pc:spChg chg="del">
+          <ac:chgData name="Jireh Tseng" userId="S::tsengj@middleton.school.nz::eefb979d-fc0d-4dd5-ae9a-91b2ece0a753" providerId="AD" clId="Web-{AE16ED1E-D1AF-834C-C0D7-D581AE5158A7}" dt="2022-04-13T09:09:49.796" v="24"/>
+          <ac:spMkLst>
+            <pc:docMk/>
+            <pc:sldMk cId="248875773" sldId="293"/>
+            <ac:spMk id="5" creationId="{2013A7D0-D8CD-E2FF-240A-5E82F76B84F0}"/>
+          </ac:spMkLst>
+        </pc:spChg>
+        <pc:spChg chg="del">
+          <ac:chgData name="Jireh Tseng" userId="S::tsengj@middleton.school.nz::eefb979d-fc0d-4dd5-ae9a-91b2ece0a753" providerId="AD" clId="Web-{AE16ED1E-D1AF-834C-C0D7-D581AE5158A7}" dt="2022-04-13T09:09:47.702" v="23"/>
+          <ac:spMkLst>
+            <pc:docMk/>
+            <pc:sldMk cId="248875773" sldId="293"/>
+            <ac:spMk id="7" creationId="{25A3D05A-97D5-9B99-AFCA-CCE9AE5DA669}"/>
+          </ac:spMkLst>
+        </pc:spChg>
+        <pc:spChg chg="mod">
+          <ac:chgData name="Jireh Tseng" userId="S::tsengj@middleton.school.nz::eefb979d-fc0d-4dd5-ae9a-91b2ece0a753" providerId="AD" clId="Web-{AE16ED1E-D1AF-834C-C0D7-D581AE5158A7}" dt="2022-04-13T09:41:28.889" v="788" actId="20577"/>
+          <ac:spMkLst>
+            <pc:docMk/>
+            <pc:sldMk cId="248875773" sldId="293"/>
+            <ac:spMk id="86" creationId="{00000000-0000-0000-0000-000000000000}"/>
+          </ac:spMkLst>
+        </pc:spChg>
+        <pc:picChg chg="del">
+          <ac:chgData name="Jireh Tseng" userId="S::tsengj@middleton.school.nz::eefb979d-fc0d-4dd5-ae9a-91b2ece0a753" providerId="AD" clId="Web-{AE16ED1E-D1AF-834C-C0D7-D581AE5158A7}" dt="2022-04-13T09:09:40.498" v="21"/>
+          <ac:picMkLst>
+            <pc:docMk/>
+            <pc:sldMk cId="248875773" sldId="293"/>
+            <ac:picMk id="2" creationId="{BCC23093-8A38-7C08-7B37-8D969267C14E}"/>
+          </ac:picMkLst>
+        </pc:picChg>
+        <pc:picChg chg="add mod">
+          <ac:chgData name="Jireh Tseng" userId="S::tsengj@middleton.school.nz::eefb979d-fc0d-4dd5-ae9a-91b2ece0a753" providerId="AD" clId="Web-{AE16ED1E-D1AF-834C-C0D7-D581AE5158A7}" dt="2022-04-13T09:10:09.249" v="27" actId="1076"/>
+          <ac:picMkLst>
+            <pc:docMk/>
+            <pc:sldMk cId="248875773" sldId="293"/>
+            <ac:picMk id="3" creationId="{843DBE96-1B63-E8C4-A963-E1C758DD6685}"/>
+          </ac:picMkLst>
+        </pc:picChg>
+      </pc:sldChg>
+      <pc:sldChg chg="modSp add ord replId">
+        <pc:chgData name="Jireh Tseng" userId="S::tsengj@middleton.school.nz::eefb979d-fc0d-4dd5-ae9a-91b2ece0a753" providerId="AD" clId="Web-{AE16ED1E-D1AF-834C-C0D7-D581AE5158A7}" dt="2022-04-13T09:15:32.023" v="782"/>
+        <pc:sldMkLst>
+          <pc:docMk/>
+          <pc:sldMk cId="14924585" sldId="294"/>
+        </pc:sldMkLst>
+        <pc:spChg chg="mod">
+          <ac:chgData name="Jireh Tseng" userId="S::tsengj@middleton.school.nz::eefb979d-fc0d-4dd5-ae9a-91b2ece0a753" providerId="AD" clId="Web-{AE16ED1E-D1AF-834C-C0D7-D581AE5158A7}" dt="2022-04-13T09:11:58.408" v="178" actId="20577"/>
+          <ac:spMkLst>
+            <pc:docMk/>
+            <pc:sldMk cId="14924585" sldId="294"/>
+            <ac:spMk id="91" creationId="{00000000-0000-0000-0000-000000000000}"/>
+          </ac:spMkLst>
+        </pc:spChg>
+        <pc:graphicFrameChg chg="mod modGraphic">
+          <ac:chgData name="Jireh Tseng" userId="S::tsengj@middleton.school.nz::eefb979d-fc0d-4dd5-ae9a-91b2ece0a753" providerId="AD" clId="Web-{AE16ED1E-D1AF-834C-C0D7-D581AE5158A7}" dt="2022-04-13T09:15:32.023" v="782"/>
+          <ac:graphicFrameMkLst>
+            <pc:docMk/>
+            <pc:sldMk cId="14924585" sldId="294"/>
+            <ac:graphicFrameMk id="92" creationId="{00000000-0000-0000-0000-000000000000}"/>
+          </ac:graphicFrameMkLst>
+        </pc:graphicFrameChg>
+      </pc:sldChg>
+      <pc:sldChg chg="addSp delSp modSp add ord replId">
+        <pc:chgData name="Jireh Tseng" userId="S::tsengj@middleton.school.nz::eefb979d-fc0d-4dd5-ae9a-91b2ece0a753" providerId="AD" clId="Web-{AE16ED1E-D1AF-834C-C0D7-D581AE5158A7}" dt="2022-04-13T09:42:37.266" v="840" actId="1076"/>
+        <pc:sldMkLst>
+          <pc:docMk/>
+          <pc:sldMk cId="2181879276" sldId="295"/>
+        </pc:sldMkLst>
+        <pc:spChg chg="mod">
+          <ac:chgData name="Jireh Tseng" userId="S::tsengj@middleton.school.nz::eefb979d-fc0d-4dd5-ae9a-91b2ece0a753" providerId="AD" clId="Web-{AE16ED1E-D1AF-834C-C0D7-D581AE5158A7}" dt="2022-04-13T09:41:43.577" v="791" actId="20577"/>
+          <ac:spMkLst>
+            <pc:docMk/>
+            <pc:sldMk cId="2181879276" sldId="295"/>
+            <ac:spMk id="2" creationId="{117C7ED0-CC09-82B1-98D7-D7AC8566A02D}"/>
+          </ac:spMkLst>
+        </pc:spChg>
+        <pc:spChg chg="add mod">
+          <ac:chgData name="Jireh Tseng" userId="S::tsengj@middleton.school.nz::eefb979d-fc0d-4dd5-ae9a-91b2ece0a753" providerId="AD" clId="Web-{AE16ED1E-D1AF-834C-C0D7-D581AE5158A7}" dt="2022-04-13T09:42:37.266" v="840" actId="1076"/>
+          <ac:spMkLst>
+            <pc:docMk/>
+            <pc:sldMk cId="2181879276" sldId="295"/>
+            <ac:spMk id="4" creationId="{A1B3C866-DC84-97B0-47F0-CB76AF369A87}"/>
+          </ac:spMkLst>
+        </pc:spChg>
+        <pc:spChg chg="del">
+          <ac:chgData name="Jireh Tseng" userId="S::tsengj@middleton.school.nz::eefb979d-fc0d-4dd5-ae9a-91b2ece0a753" providerId="AD" clId="Web-{AE16ED1E-D1AF-834C-C0D7-D581AE5158A7}" dt="2022-04-13T09:41:55.531" v="799"/>
+          <ac:spMkLst>
+            <pc:docMk/>
+            <pc:sldMk cId="2181879276" sldId="295"/>
+            <ac:spMk id="11" creationId="{A1A4E0A0-C0ED-991E-61D5-81FE6946AC17}"/>
+          </ac:spMkLst>
+        </pc:spChg>
+        <pc:spChg chg="del">
+          <ac:chgData name="Jireh Tseng" userId="S::tsengj@middleton.school.nz::eefb979d-fc0d-4dd5-ae9a-91b2ece0a753" providerId="AD" clId="Web-{AE16ED1E-D1AF-834C-C0D7-D581AE5158A7}" dt="2022-04-13T09:41:56.531" v="800"/>
+          <ac:spMkLst>
+            <pc:docMk/>
+            <pc:sldMk cId="2181879276" sldId="295"/>
+            <ac:spMk id="13" creationId="{855BC24A-2741-F9B9-897B-F27D38382945}"/>
+          </ac:spMkLst>
+        </pc:spChg>
+        <pc:spChg chg="del">
+          <ac:chgData name="Jireh Tseng" userId="S::tsengj@middleton.school.nz::eefb979d-fc0d-4dd5-ae9a-91b2ece0a753" providerId="AD" clId="Web-{AE16ED1E-D1AF-834C-C0D7-D581AE5158A7}" dt="2022-04-13T09:41:54.093" v="798"/>
+          <ac:spMkLst>
+            <pc:docMk/>
+            <pc:sldMk cId="2181879276" sldId="295"/>
+            <ac:spMk id="14" creationId="{DDEF694F-66A8-AD55-2E81-8C23419C8CA8}"/>
+          </ac:spMkLst>
+        </pc:spChg>
+        <pc:spChg chg="del">
+          <ac:chgData name="Jireh Tseng" userId="S::tsengj@middleton.school.nz::eefb979d-fc0d-4dd5-ae9a-91b2ece0a753" providerId="AD" clId="Web-{AE16ED1E-D1AF-834C-C0D7-D581AE5158A7}" dt="2022-04-13T09:41:51.937" v="796"/>
+          <ac:spMkLst>
+            <pc:docMk/>
+            <pc:sldMk cId="2181879276" sldId="295"/>
+            <ac:spMk id="15" creationId="{5A6598DE-722A-25F4-7138-F2334A98CDC4}"/>
+          </ac:spMkLst>
+        </pc:spChg>
+        <pc:spChg chg="del mod">
+          <ac:chgData name="Jireh Tseng" userId="S::tsengj@middleton.school.nz::eefb979d-fc0d-4dd5-ae9a-91b2ece0a753" providerId="AD" clId="Web-{AE16ED1E-D1AF-834C-C0D7-D581AE5158A7}" dt="2022-04-13T09:41:49.609" v="794"/>
+          <ac:spMkLst>
+            <pc:docMk/>
+            <pc:sldMk cId="2181879276" sldId="295"/>
+            <ac:spMk id="16" creationId="{7589514A-F299-0BE2-AF3A-0E5A01786D85}"/>
+          </ac:spMkLst>
+        </pc:spChg>
+        <pc:spChg chg="del">
+          <ac:chgData name="Jireh Tseng" userId="S::tsengj@middleton.school.nz::eefb979d-fc0d-4dd5-ae9a-91b2ece0a753" providerId="AD" clId="Web-{AE16ED1E-D1AF-834C-C0D7-D581AE5158A7}" dt="2022-04-13T09:41:50.952" v="795"/>
+          <ac:spMkLst>
+            <pc:docMk/>
+            <pc:sldMk cId="2181879276" sldId="295"/>
+            <ac:spMk id="17" creationId="{A6F7868D-4566-BB8F-888B-FA33BDC914C7}"/>
+          </ac:spMkLst>
+        </pc:spChg>
+        <pc:picChg chg="add mod">
+          <ac:chgData name="Jireh Tseng" userId="S::tsengj@middleton.school.nz::eefb979d-fc0d-4dd5-ae9a-91b2ece0a753" providerId="AD" clId="Web-{AE16ED1E-D1AF-834C-C0D7-D581AE5158A7}" dt="2022-04-13T09:42:01.515" v="803" actId="1076"/>
+          <ac:picMkLst>
+            <pc:docMk/>
+            <pc:sldMk cId="2181879276" sldId="295"/>
+            <ac:picMk id="3" creationId="{32005FF8-46FA-E696-97B7-3A4BE8249FC2}"/>
+          </ac:picMkLst>
+        </pc:picChg>
+        <pc:picChg chg="del">
+          <ac:chgData name="Jireh Tseng" userId="S::tsengj@middleton.school.nz::eefb979d-fc0d-4dd5-ae9a-91b2ece0a753" providerId="AD" clId="Web-{AE16ED1E-D1AF-834C-C0D7-D581AE5158A7}" dt="2022-04-13T09:41:46.655" v="792"/>
+          <ac:picMkLst>
+            <pc:docMk/>
+            <pc:sldMk cId="2181879276" sldId="295"/>
+            <ac:picMk id="5" creationId="{6A175A57-DC9A-34A1-D38F-3DE7F660D431}"/>
+          </ac:picMkLst>
+        </pc:picChg>
+        <pc:picChg chg="del">
+          <ac:chgData name="Jireh Tseng" userId="S::tsengj@middleton.school.nz::eefb979d-fc0d-4dd5-ae9a-91b2ece0a753" providerId="AD" clId="Web-{AE16ED1E-D1AF-834C-C0D7-D581AE5158A7}" dt="2022-04-13T09:41:52.984" v="797"/>
+          <ac:picMkLst>
+            <pc:docMk/>
+            <pc:sldMk cId="2181879276" sldId="295"/>
+            <ac:picMk id="9" creationId="{5C472445-5698-4240-DB0D-20AC3DCA4BCC}"/>
+          </ac:picMkLst>
+        </pc:picChg>
+      </pc:sldChg>
+    </pc:docChg>
+  </pc:docChgLst>
+  <pc:docChgLst>
+    <pc:chgData name="Jireh Tseng" userId="S::tsengj@middleton.school.nz::eefb979d-fc0d-4dd5-ae9a-91b2ece0a753" providerId="AD" clId="Web-{8D1866DC-1F92-1CB0-4066-D969899A2B78}"/>
+    <pc:docChg chg="modSld">
+      <pc:chgData name="Jireh Tseng" userId="S::tsengj@middleton.school.nz::eefb979d-fc0d-4dd5-ae9a-91b2ece0a753" providerId="AD" clId="Web-{8D1866DC-1F92-1CB0-4066-D969899A2B78}" dt="2022-05-04T01:43:48.477" v="146" actId="1076"/>
       <pc:docMkLst>
         <pc:docMk/>
       </pc:docMkLst>
       <pc:sldChg chg="addSp modSp">
-        <pc:chgData name="Jireh Tseng" userId="S::tsengj@middleton.school.nz::eefb979d-fc0d-4dd5-ae9a-91b2ece0a753" providerId="AD" clId="Web-{ED89BA52-C93F-C9E4-3561-9BF3A71FD8F3}" dt="2022-04-04T20:54:36.893" v="37" actId="1076"/>
+        <pc:chgData name="Jireh Tseng" userId="S::tsengj@middleton.school.nz::eefb979d-fc0d-4dd5-ae9a-91b2ece0a753" providerId="AD" clId="Web-{8D1866DC-1F92-1CB0-4066-D969899A2B78}" dt="2022-05-04T01:34:51.353" v="1" actId="1076"/>
         <pc:sldMkLst>
           <pc:docMk/>
-          <pc:sldMk cId="2568554082" sldId="283"/>
+          <pc:sldMk cId="3760331451" sldId="260"/>
         </pc:sldMkLst>
-        <pc:spChg chg="mod">
-          <ac:chgData name="Jireh Tseng" userId="S::tsengj@middleton.school.nz::eefb979d-fc0d-4dd5-ae9a-91b2ece0a753" providerId="AD" clId="Web-{ED89BA52-C93F-C9E4-3561-9BF3A71FD8F3}" dt="2022-04-04T20:54:16.158" v="33" actId="20577"/>
+        <pc:spChg chg="add mod">
+          <ac:chgData name="Jireh Tseng" userId="S::tsengj@middleton.school.nz::eefb979d-fc0d-4dd5-ae9a-91b2ece0a753" providerId="AD" clId="Web-{8D1866DC-1F92-1CB0-4066-D969899A2B78}" dt="2022-05-04T01:34:51.353" v="1" actId="1076"/>
           <ac:spMkLst>
             <pc:docMk/>
-            <pc:sldMk cId="2568554082" sldId="283"/>
-            <ac:spMk id="3" creationId="{6BE7D083-107B-9598-9BED-5E001A7543AF}"/>
+            <pc:sldMk cId="3760331451" sldId="260"/>
+            <ac:spMk id="3" creationId="{C4D12EBA-1761-5A9C-FBA4-482A1C0B8694}"/>
           </ac:spMkLst>
         </pc:spChg>
-        <pc:picChg chg="add mod">
-          <ac:chgData name="Jireh Tseng" userId="S::tsengj@middleton.school.nz::eefb979d-fc0d-4dd5-ae9a-91b2ece0a753" providerId="AD" clId="Web-{ED89BA52-C93F-C9E4-3561-9BF3A71FD8F3}" dt="2022-04-04T20:54:36.893" v="37" actId="1076"/>
-          <ac:picMkLst>
-            <pc:docMk/>
-            <pc:sldMk cId="2568554082" sldId="283"/>
-            <ac:picMk id="4" creationId="{9B6711AC-D2BC-B7C6-105F-22B6DE2DE07C}"/>
-          </ac:picMkLst>
-        </pc:picChg>
       </pc:sldChg>
-      <pc:sldChg chg="modSp add ord replId">
-        <pc:chgData name="Jireh Tseng" userId="S::tsengj@middleton.school.nz::eefb979d-fc0d-4dd5-ae9a-91b2ece0a753" providerId="AD" clId="Web-{ED89BA52-C93F-C9E4-3561-9BF3A71FD8F3}" dt="2022-04-04T21:08:20.274" v="818" actId="1076"/>
+      <pc:sldChg chg="addSp modSp">
+        <pc:chgData name="Jireh Tseng" userId="S::tsengj@middleton.school.nz::eefb979d-fc0d-4dd5-ae9a-91b2ece0a753" providerId="AD" clId="Web-{8D1866DC-1F92-1CB0-4066-D969899A2B78}" dt="2022-05-04T01:43:48.477" v="146" actId="1076"/>
         <pc:sldMkLst>
           <pc:docMk/>
-          <pc:sldMk cId="3526152642" sldId="284"/>
+          <pc:sldMk cId="1732950584" sldId="281"/>
         </pc:sldMkLst>
-        <pc:spChg chg="mod">
-          <ac:chgData name="Jireh Tseng" userId="S::tsengj@middleton.school.nz::eefb979d-fc0d-4dd5-ae9a-91b2ece0a753" providerId="AD" clId="Web-{ED89BA52-C93F-C9E4-3561-9BF3A71FD8F3}" dt="2022-04-04T20:56:49.052" v="47" actId="20577"/>
+        <pc:spChg chg="add mod">
+          <ac:chgData name="Jireh Tseng" userId="S::tsengj@middleton.school.nz::eefb979d-fc0d-4dd5-ae9a-91b2ece0a753" providerId="AD" clId="Web-{8D1866DC-1F92-1CB0-4066-D969899A2B78}" dt="2022-05-04T01:43:48.477" v="146" actId="1076"/>
           <ac:spMkLst>
             <pc:docMk/>
-            <pc:sldMk cId="3526152642" sldId="284"/>
-            <ac:spMk id="91" creationId="{00000000-0000-0000-0000-000000000000}"/>
+            <pc:sldMk cId="1732950584" sldId="281"/>
+            <ac:spMk id="2" creationId="{A049592B-FA6B-6741-CAF5-FDA005492C6B}"/>
           </ac:spMkLst>
         </pc:spChg>
-        <pc:graphicFrameChg chg="mod modGraphic">
-          <ac:chgData name="Jireh Tseng" userId="S::tsengj@middleton.school.nz::eefb979d-fc0d-4dd5-ae9a-91b2ece0a753" providerId="AD" clId="Web-{ED89BA52-C93F-C9E4-3561-9BF3A71FD8F3}" dt="2022-04-04T21:08:20.274" v="818" actId="1076"/>
-          <ac:graphicFrameMkLst>
-            <pc:docMk/>
-            <pc:sldMk cId="3526152642" sldId="284"/>
-            <ac:graphicFrameMk id="92" creationId="{00000000-0000-0000-0000-000000000000}"/>
-          </ac:graphicFrameMkLst>
-        </pc:graphicFrameChg>
+        <pc:spChg chg="mod">
+          <ac:chgData name="Jireh Tseng" userId="S::tsengj@middleton.school.nz::eefb979d-fc0d-4dd5-ae9a-91b2ece0a753" providerId="AD" clId="Web-{8D1866DC-1F92-1CB0-4066-D969899A2B78}" dt="2022-05-04T01:35:53.464" v="15" actId="20577"/>
+          <ac:spMkLst>
+            <pc:docMk/>
+            <pc:sldMk cId="1732950584" sldId="281"/>
+            <ac:spMk id="86" creationId="{00000000-0000-0000-0000-000000000000}"/>
+          </ac:spMkLst>
+        </pc:spChg>
       </pc:sldChg>
     </pc:docChg>
   </pc:docChgLst>
@@ -1654,574 +2131,123 @@
     </pc:docChg>
   </pc:docChgLst>
   <pc:docChgLst>
-    <pc:chgData name="Jireh Tseng" userId="S::tsengj@middleton.school.nz::eefb979d-fc0d-4dd5-ae9a-91b2ece0a753" providerId="AD" clId="Web-{926FB68B-1DF2-B396-2B72-A5067EE74054}"/>
-    <pc:docChg chg="addSld modSld sldOrd">
-      <pc:chgData name="Jireh Tseng" userId="S::tsengj@middleton.school.nz::eefb979d-fc0d-4dd5-ae9a-91b2ece0a753" providerId="AD" clId="Web-{926FB68B-1DF2-B396-2B72-A5067EE74054}" dt="2022-04-19T02:00:50.096" v="2320" actId="20577"/>
+    <pc:chgData name="Jireh Tseng" userId="eefb979d-fc0d-4dd5-ae9a-91b2ece0a753" providerId="ADAL" clId="{FE9DF4E4-253E-F442-8B51-D9CEDF13A1AF}"/>
+    <pc:docChg chg="undo custSel addSld modSld">
+      <pc:chgData name="Jireh Tseng" userId="eefb979d-fc0d-4dd5-ae9a-91b2ece0a753" providerId="ADAL" clId="{FE9DF4E4-253E-F442-8B51-D9CEDF13A1AF}" dt="2022-03-20T22:33:12.783" v="1066" actId="14100"/>
       <pc:docMkLst>
         <pc:docMk/>
       </pc:docMkLst>
-      <pc:sldChg chg="modSp">
-        <pc:chgData name="Jireh Tseng" userId="S::tsengj@middleton.school.nz::eefb979d-fc0d-4dd5-ae9a-91b2ece0a753" providerId="AD" clId="Web-{926FB68B-1DF2-B396-2B72-A5067EE74054}" dt="2022-04-19T02:00:50.096" v="2320" actId="20577"/>
+      <pc:sldChg chg="addSp delSp modSp mod">
+        <pc:chgData name="Jireh Tseng" userId="eefb979d-fc0d-4dd5-ae9a-91b2ece0a753" providerId="ADAL" clId="{FE9DF4E4-253E-F442-8B51-D9CEDF13A1AF}" dt="2022-03-20T22:26:12.084" v="408" actId="14734"/>
         <pc:sldMkLst>
           <pc:docMk/>
-          <pc:sldMk cId="3838895173" sldId="258"/>
+          <pc:sldMk cId="975627948" sldId="272"/>
         </pc:sldMkLst>
-        <pc:spChg chg="mod">
-          <ac:chgData name="Jireh Tseng" userId="S::tsengj@middleton.school.nz::eefb979d-fc0d-4dd5-ae9a-91b2ece0a753" providerId="AD" clId="Web-{926FB68B-1DF2-B396-2B72-A5067EE74054}" dt="2022-04-19T02:00:50.096" v="2320" actId="20577"/>
-          <ac:spMkLst>
-            <pc:docMk/>
-            <pc:sldMk cId="3838895173" sldId="258"/>
-            <ac:spMk id="4" creationId="{F7FB308A-232B-4B31-A59D-BD561ECFBE8B}"/>
-          </ac:spMkLst>
-        </pc:spChg>
-      </pc:sldChg>
-      <pc:sldChg chg="addSp delSp modSp ord">
-        <pc:chgData name="Jireh Tseng" userId="S::tsengj@middleton.school.nz::eefb979d-fc0d-4dd5-ae9a-91b2ece0a753" providerId="AD" clId="Web-{926FB68B-1DF2-B396-2B72-A5067EE74054}" dt="2022-04-19T01:30:18.543" v="1695" actId="1076"/>
-        <pc:sldMkLst>
-          <pc:docMk/>
-          <pc:sldMk cId="1357549755" sldId="261"/>
-        </pc:sldMkLst>
-        <pc:spChg chg="del">
-          <ac:chgData name="Jireh Tseng" userId="S::tsengj@middleton.school.nz::eefb979d-fc0d-4dd5-ae9a-91b2ece0a753" providerId="AD" clId="Web-{926FB68B-1DF2-B396-2B72-A5067EE74054}" dt="2022-04-19T00:33:22.265" v="1620"/>
-          <ac:spMkLst>
-            <pc:docMk/>
-            <pc:sldMk cId="1357549755" sldId="261"/>
-            <ac:spMk id="3" creationId="{A89172B1-B985-48A3-8018-FC6FF45BCE4F}"/>
-          </ac:spMkLst>
-        </pc:spChg>
-        <pc:spChg chg="add mod">
-          <ac:chgData name="Jireh Tseng" userId="S::tsengj@middleton.school.nz::eefb979d-fc0d-4dd5-ae9a-91b2ece0a753" providerId="AD" clId="Web-{926FB68B-1DF2-B396-2B72-A5067EE74054}" dt="2022-04-19T01:23:51.080" v="1663" actId="1076"/>
-          <ac:spMkLst>
-            <pc:docMk/>
-            <pc:sldMk cId="1357549755" sldId="261"/>
-            <ac:spMk id="6" creationId="{CB6BAA75-2D20-219E-E7F5-76EC5B31A6A6}"/>
-          </ac:spMkLst>
-        </pc:spChg>
-        <pc:spChg chg="add mod">
-          <ac:chgData name="Jireh Tseng" userId="S::tsengj@middleton.school.nz::eefb979d-fc0d-4dd5-ae9a-91b2ece0a753" providerId="AD" clId="Web-{926FB68B-1DF2-B396-2B72-A5067EE74054}" dt="2022-04-19T01:24:11.877" v="1685" actId="14100"/>
-          <ac:spMkLst>
-            <pc:docMk/>
-            <pc:sldMk cId="1357549755" sldId="261"/>
-            <ac:spMk id="7" creationId="{1C8850B8-8AE2-6187-7DDF-00E1FAEC4B68}"/>
-          </ac:spMkLst>
-        </pc:spChg>
-        <pc:picChg chg="add mod">
-          <ac:chgData name="Jireh Tseng" userId="S::tsengj@middleton.school.nz::eefb979d-fc0d-4dd5-ae9a-91b2ece0a753" providerId="AD" clId="Web-{926FB68B-1DF2-B396-2B72-A5067EE74054}" dt="2022-04-19T00:51:28.022" v="1645" actId="1076"/>
-          <ac:picMkLst>
-            <pc:docMk/>
-            <pc:sldMk cId="1357549755" sldId="261"/>
-            <ac:picMk id="3" creationId="{49B2BD08-98F4-1FAD-73AE-92DE5A45076A}"/>
-          </ac:picMkLst>
-        </pc:picChg>
-        <pc:picChg chg="add mod">
-          <ac:chgData name="Jireh Tseng" userId="S::tsengj@middleton.school.nz::eefb979d-fc0d-4dd5-ae9a-91b2ece0a753" providerId="AD" clId="Web-{926FB68B-1DF2-B396-2B72-A5067EE74054}" dt="2022-04-19T01:22:57.828" v="1649" actId="1076"/>
-          <ac:picMkLst>
-            <pc:docMk/>
-            <pc:sldMk cId="1357549755" sldId="261"/>
-            <ac:picMk id="4" creationId="{266F30F0-2B02-2AFD-0F91-038B13E90ED5}"/>
-          </ac:picMkLst>
-        </pc:picChg>
-        <pc:picChg chg="add del mod">
-          <ac:chgData name="Jireh Tseng" userId="S::tsengj@middleton.school.nz::eefb979d-fc0d-4dd5-ae9a-91b2ece0a753" providerId="AD" clId="Web-{926FB68B-1DF2-B396-2B72-A5067EE74054}" dt="2022-04-19T00:50:53.693" v="1637"/>
-          <ac:picMkLst>
-            <pc:docMk/>
-            <pc:sldMk cId="1357549755" sldId="261"/>
-            <ac:picMk id="4" creationId="{87369871-CADF-FF77-47C5-DCAE930A49ED}"/>
-          </ac:picMkLst>
-        </pc:picChg>
-        <pc:picChg chg="add del mod">
-          <ac:chgData name="Jireh Tseng" userId="S::tsengj@middleton.school.nz::eefb979d-fc0d-4dd5-ae9a-91b2ece0a753" providerId="AD" clId="Web-{926FB68B-1DF2-B396-2B72-A5067EE74054}" dt="2022-04-19T00:34:04.954" v="1630"/>
-          <ac:picMkLst>
-            <pc:docMk/>
-            <pc:sldMk cId="1357549755" sldId="261"/>
-            <ac:picMk id="5" creationId="{2DF2C54F-BEBD-6455-00A8-4F24F2E33F52}"/>
-          </ac:picMkLst>
-        </pc:picChg>
-        <pc:picChg chg="add del mod">
-          <ac:chgData name="Jireh Tseng" userId="S::tsengj@middleton.school.nz::eefb979d-fc0d-4dd5-ae9a-91b2ece0a753" providerId="AD" clId="Web-{926FB68B-1DF2-B396-2B72-A5067EE74054}" dt="2022-04-19T01:30:06.512" v="1690"/>
-          <ac:picMkLst>
-            <pc:docMk/>
-            <pc:sldMk cId="1357549755" sldId="261"/>
-            <ac:picMk id="5" creationId="{CB514656-FF1E-59F5-771F-BB85D445E26D}"/>
-          </ac:picMkLst>
-        </pc:picChg>
-        <pc:picChg chg="add del mod">
-          <ac:chgData name="Jireh Tseng" userId="S::tsengj@middleton.school.nz::eefb979d-fc0d-4dd5-ae9a-91b2ece0a753" providerId="AD" clId="Web-{926FB68B-1DF2-B396-2B72-A5067EE74054}" dt="2022-04-19T00:50:54.928" v="1638"/>
-          <ac:picMkLst>
-            <pc:docMk/>
-            <pc:sldMk cId="1357549755" sldId="261"/>
-            <ac:picMk id="6" creationId="{3C7018B7-1F53-39AF-A370-7053A445F184}"/>
-          </ac:picMkLst>
-        </pc:picChg>
-        <pc:picChg chg="add mod">
-          <ac:chgData name="Jireh Tseng" userId="S::tsengj@middleton.school.nz::eefb979d-fc0d-4dd5-ae9a-91b2ece0a753" providerId="AD" clId="Web-{926FB68B-1DF2-B396-2B72-A5067EE74054}" dt="2022-04-19T01:30:18.543" v="1695" actId="1076"/>
-          <ac:picMkLst>
-            <pc:docMk/>
-            <pc:sldMk cId="1357549755" sldId="261"/>
-            <ac:picMk id="8" creationId="{8BFEC695-388E-2E98-E425-0DBF790C0394}"/>
-          </ac:picMkLst>
-        </pc:picChg>
-      </pc:sldChg>
-      <pc:sldChg chg="addSp delSp modSp">
-        <pc:chgData name="Jireh Tseng" userId="S::tsengj@middleton.school.nz::eefb979d-fc0d-4dd5-ae9a-91b2ece0a753" providerId="AD" clId="Web-{926FB68B-1DF2-B396-2B72-A5067EE74054}" dt="2022-04-19T01:56:11.851" v="2284" actId="1076"/>
-        <pc:sldMkLst>
-          <pc:docMk/>
-          <pc:sldMk cId="2276153040" sldId="266"/>
-        </pc:sldMkLst>
-        <pc:spChg chg="add del mod">
-          <ac:chgData name="Jireh Tseng" userId="S::tsengj@middleton.school.nz::eefb979d-fc0d-4dd5-ae9a-91b2ece0a753" providerId="AD" clId="Web-{926FB68B-1DF2-B396-2B72-A5067EE74054}" dt="2022-04-19T01:24:38.784" v="1689" actId="20577"/>
-          <ac:spMkLst>
-            <pc:docMk/>
-            <pc:sldMk cId="2276153040" sldId="266"/>
-            <ac:spMk id="3" creationId="{6385A117-1109-4CFD-B531-10565CC9D864}"/>
-          </ac:spMkLst>
-        </pc:spChg>
-        <pc:spChg chg="add mod">
-          <ac:chgData name="Jireh Tseng" userId="S::tsengj@middleton.school.nz::eefb979d-fc0d-4dd5-ae9a-91b2ece0a753" providerId="AD" clId="Web-{926FB68B-1DF2-B396-2B72-A5067EE74054}" dt="2022-04-19T01:56:11.851" v="2284" actId="1076"/>
-          <ac:spMkLst>
-            <pc:docMk/>
-            <pc:sldMk cId="2276153040" sldId="266"/>
-            <ac:spMk id="4" creationId="{CD671EFA-6ED1-ABB1-CF71-1ECCA31DFAA4}"/>
-          </ac:spMkLst>
-        </pc:spChg>
-      </pc:sldChg>
-      <pc:sldChg chg="modSp">
-        <pc:chgData name="Jireh Tseng" userId="S::tsengj@middleton.school.nz::eefb979d-fc0d-4dd5-ae9a-91b2ece0a753" providerId="AD" clId="Web-{926FB68B-1DF2-B396-2B72-A5067EE74054}" dt="2022-04-19T00:22:13.985" v="1615"/>
-        <pc:sldMkLst>
-          <pc:docMk/>
-          <pc:sldMk cId="1053444694" sldId="270"/>
-        </pc:sldMkLst>
-        <pc:graphicFrameChg chg="mod modGraphic">
-          <ac:chgData name="Jireh Tseng" userId="S::tsengj@middleton.school.nz::eefb979d-fc0d-4dd5-ae9a-91b2ece0a753" providerId="AD" clId="Web-{926FB68B-1DF2-B396-2B72-A5067EE74054}" dt="2022-04-19T00:22:13.985" v="1615"/>
+        <pc:graphicFrameChg chg="add del mod modGraphic">
+          <ac:chgData name="Jireh Tseng" userId="eefb979d-fc0d-4dd5-ae9a-91b2ece0a753" providerId="ADAL" clId="{FE9DF4E4-253E-F442-8B51-D9CEDF13A1AF}" dt="2022-03-20T22:26:12.084" v="408" actId="14734"/>
           <ac:graphicFrameMkLst>
             <pc:docMk/>
-            <pc:sldMk cId="1053444694" sldId="270"/>
-            <ac:graphicFrameMk id="4" creationId="{54A393A9-6C94-409B-BDCB-65C4ABAA2DD1}"/>
+            <pc:sldMk cId="975627948" sldId="272"/>
+            <ac:graphicFrameMk id="6" creationId="{A02ECB3F-5E1A-4602-8844-49609D54ADF8}"/>
           </ac:graphicFrameMkLst>
         </pc:graphicFrameChg>
       </pc:sldChg>
-      <pc:sldChg chg="addSp modSp new">
-        <pc:chgData name="Jireh Tseng" userId="S::tsengj@middleton.school.nz::eefb979d-fc0d-4dd5-ae9a-91b2ece0a753" providerId="AD" clId="Web-{926FB68B-1DF2-B396-2B72-A5067EE74054}" dt="2022-04-19T01:58:21.014" v="2314" actId="1076"/>
+      <pc:sldChg chg="modSp add mod">
+        <pc:chgData name="Jireh Tseng" userId="eefb979d-fc0d-4dd5-ae9a-91b2ece0a753" providerId="ADAL" clId="{FE9DF4E4-253E-F442-8B51-D9CEDF13A1AF}" dt="2022-03-20T22:33:12.783" v="1066" actId="14100"/>
         <pc:sldMkLst>
           <pc:docMk/>
-          <pc:sldMk cId="3499915256" sldId="302"/>
+          <pc:sldMk cId="598320645" sldId="275"/>
         </pc:sldMkLst>
         <pc:spChg chg="mod">
-          <ac:chgData name="Jireh Tseng" userId="S::tsengj@middleton.school.nz::eefb979d-fc0d-4dd5-ae9a-91b2ece0a753" providerId="AD" clId="Web-{926FB68B-1DF2-B396-2B72-A5067EE74054}" dt="2022-04-19T01:57:06.649" v="2311" actId="20577"/>
+          <ac:chgData name="Jireh Tseng" userId="eefb979d-fc0d-4dd5-ae9a-91b2ece0a753" providerId="ADAL" clId="{FE9DF4E4-253E-F442-8B51-D9CEDF13A1AF}" dt="2022-03-20T22:24:46.233" v="398" actId="20577"/>
           <ac:spMkLst>
             <pc:docMk/>
-            <pc:sldMk cId="3499915256" sldId="302"/>
-            <ac:spMk id="2" creationId="{CD75BE32-53A1-CD74-7A4E-7D1BEDF6E720}"/>
+            <pc:sldMk cId="598320645" sldId="275"/>
+            <ac:spMk id="2" creationId="{0D168B5A-EFF4-4803-8DA6-5994B306EBAF}"/>
           </ac:spMkLst>
         </pc:spChg>
+        <pc:graphicFrameChg chg="mod modGraphic">
+          <ac:chgData name="Jireh Tseng" userId="eefb979d-fc0d-4dd5-ae9a-91b2ece0a753" providerId="ADAL" clId="{FE9DF4E4-253E-F442-8B51-D9CEDF13A1AF}" dt="2022-03-20T22:33:12.783" v="1066" actId="14100"/>
+          <ac:graphicFrameMkLst>
+            <pc:docMk/>
+            <pc:sldMk cId="598320645" sldId="275"/>
+            <ac:graphicFrameMk id="6" creationId="{A02ECB3F-5E1A-4602-8844-49609D54ADF8}"/>
+          </ac:graphicFrameMkLst>
+        </pc:graphicFrameChg>
+      </pc:sldChg>
+    </pc:docChg>
+  </pc:docChgLst>
+  <pc:docChgLst>
+    <pc:chgData name="Jireh Tseng" userId="S::tsengj@middleton.school.nz::eefb979d-fc0d-4dd5-ae9a-91b2ece0a753" providerId="AD" clId="Web-{99142990-7B4C-0CD7-3AFD-A8191EF1FACA}"/>
+    <pc:docChg chg="addSld modSld">
+      <pc:chgData name="Jireh Tseng" userId="S::tsengj@middleton.school.nz::eefb979d-fc0d-4dd5-ae9a-91b2ece0a753" providerId="AD" clId="Web-{99142990-7B4C-0CD7-3AFD-A8191EF1FACA}" dt="2022-04-03T23:45:09.540" v="80" actId="1076"/>
+      <pc:docMkLst>
+        <pc:docMk/>
+      </pc:docMkLst>
+      <pc:sldChg chg="addSp delSp modSp add replId">
+        <pc:chgData name="Jireh Tseng" userId="S::tsengj@middleton.school.nz::eefb979d-fc0d-4dd5-ae9a-91b2ece0a753" providerId="AD" clId="Web-{99142990-7B4C-0CD7-3AFD-A8191EF1FACA}" dt="2022-04-03T23:45:09.540" v="80" actId="1076"/>
+        <pc:sldMkLst>
+          <pc:docMk/>
+          <pc:sldMk cId="2568554082" sldId="283"/>
+        </pc:sldMkLst>
+        <pc:spChg chg="add mod">
+          <ac:chgData name="Jireh Tseng" userId="S::tsengj@middleton.school.nz::eefb979d-fc0d-4dd5-ae9a-91b2ece0a753" providerId="AD" clId="Web-{99142990-7B4C-0CD7-3AFD-A8191EF1FACA}" dt="2022-04-03T23:45:09.540" v="80" actId="1076"/>
+          <ac:spMkLst>
+            <pc:docMk/>
+            <pc:sldMk cId="2568554082" sldId="283"/>
+            <ac:spMk id="3" creationId="{6BE7D083-107B-9598-9BED-5E001A7543AF}"/>
+          </ac:spMkLst>
+        </pc:spChg>
+        <pc:spChg chg="mod">
+          <ac:chgData name="Jireh Tseng" userId="S::tsengj@middleton.school.nz::eefb979d-fc0d-4dd5-ae9a-91b2ece0a753" providerId="AD" clId="Web-{99142990-7B4C-0CD7-3AFD-A8191EF1FACA}" dt="2022-04-03T23:43:13.271" v="4" actId="20577"/>
+          <ac:spMkLst>
+            <pc:docMk/>
+            <pc:sldMk cId="2568554082" sldId="283"/>
+            <ac:spMk id="91" creationId="{00000000-0000-0000-0000-000000000000}"/>
+          </ac:spMkLst>
+        </pc:spChg>
+        <pc:graphicFrameChg chg="del mod modGraphic">
+          <ac:chgData name="Jireh Tseng" userId="S::tsengj@middleton.school.nz::eefb979d-fc0d-4dd5-ae9a-91b2ece0a753" providerId="AD" clId="Web-{99142990-7B4C-0CD7-3AFD-A8191EF1FACA}" dt="2022-04-03T23:43:20.631" v="20"/>
+          <ac:graphicFrameMkLst>
+            <pc:docMk/>
+            <pc:sldMk cId="2568554082" sldId="283"/>
+            <ac:graphicFrameMk id="92" creationId="{00000000-0000-0000-0000-000000000000}"/>
+          </ac:graphicFrameMkLst>
+        </pc:graphicFrameChg>
         <pc:picChg chg="add mod">
-          <ac:chgData name="Jireh Tseng" userId="S::tsengj@middleton.school.nz::eefb979d-fc0d-4dd5-ae9a-91b2ece0a753" providerId="AD" clId="Web-{926FB68B-1DF2-B396-2B72-A5067EE74054}" dt="2022-04-19T01:58:21.014" v="2314" actId="1076"/>
+          <ac:chgData name="Jireh Tseng" userId="S::tsengj@middleton.school.nz::eefb979d-fc0d-4dd5-ae9a-91b2ece0a753" providerId="AD" clId="Web-{99142990-7B4C-0CD7-3AFD-A8191EF1FACA}" dt="2022-04-03T23:44:07.476" v="25" actId="1076"/>
           <ac:picMkLst>
             <pc:docMk/>
-            <pc:sldMk cId="3499915256" sldId="302"/>
-            <ac:picMk id="3" creationId="{CD0067FB-5FBD-544D-3CB9-88E42E5639D3}"/>
+            <pc:sldMk cId="2568554082" sldId="283"/>
+            <ac:picMk id="2" creationId="{F837C40C-4306-D890-2C3D-79261A778469}"/>
           </ac:picMkLst>
         </pc:picChg>
       </pc:sldChg>
     </pc:docChg>
   </pc:docChgLst>
   <pc:docChgLst>
-    <pc:chgData name="Jireh Tseng" userId="S::tsengj@middleton.school.nz::eefb979d-fc0d-4dd5-ae9a-91b2ece0a753" providerId="AD" clId="Web-{F09DE86E-A669-F15F-4C7D-D1C03527452F}"/>
+    <pc:chgData name="Jireh Tseng" userId="S::tsengj@middleton.school.nz::eefb979d-fc0d-4dd5-ae9a-91b2ece0a753" providerId="AD" clId="Web-{C427EC4C-938F-CEFB-1DE3-DC4C55162615}"/>
     <pc:docChg chg="modSld">
-      <pc:chgData name="Jireh Tseng" userId="S::tsengj@middleton.school.nz::eefb979d-fc0d-4dd5-ae9a-91b2ece0a753" providerId="AD" clId="Web-{F09DE86E-A669-F15F-4C7D-D1C03527452F}" dt="2022-03-30T23:19:44.913" v="0"/>
-      <pc:docMkLst>
-        <pc:docMk/>
-      </pc:docMkLst>
-      <pc:sldChg chg="addSp delSp modSp">
-        <pc:chgData name="Jireh Tseng" userId="S::tsengj@middleton.school.nz::eefb979d-fc0d-4dd5-ae9a-91b2ece0a753" providerId="AD" clId="Web-{F09DE86E-A669-F15F-4C7D-D1C03527452F}" dt="2022-03-30T23:19:44.913" v="0"/>
-        <pc:sldMkLst>
-          <pc:docMk/>
-          <pc:sldMk cId="1362934084" sldId="256"/>
-        </pc:sldMkLst>
-        <pc:spChg chg="mod">
-          <ac:chgData name="Jireh Tseng" userId="S::tsengj@middleton.school.nz::eefb979d-fc0d-4dd5-ae9a-91b2ece0a753" providerId="AD" clId="Web-{F09DE86E-A669-F15F-4C7D-D1C03527452F}" dt="2022-03-30T23:19:44.913" v="0"/>
-          <ac:spMkLst>
-            <pc:docMk/>
-            <pc:sldMk cId="1362934084" sldId="256"/>
-            <ac:spMk id="2" creationId="{A96C2811-5704-42C1-869B-16E29CB6572E}"/>
-          </ac:spMkLst>
-        </pc:spChg>
-        <pc:spChg chg="mod">
-          <ac:chgData name="Jireh Tseng" userId="S::tsengj@middleton.school.nz::eefb979d-fc0d-4dd5-ae9a-91b2ece0a753" providerId="AD" clId="Web-{F09DE86E-A669-F15F-4C7D-D1C03527452F}" dt="2022-03-30T23:19:44.913" v="0"/>
-          <ac:spMkLst>
-            <pc:docMk/>
-            <pc:sldMk cId="1362934084" sldId="256"/>
-            <ac:spMk id="3" creationId="{930E6464-DA98-43C8-B6C9-594748754628}"/>
-          </ac:spMkLst>
-        </pc:spChg>
-        <pc:spChg chg="del">
-          <ac:chgData name="Jireh Tseng" userId="S::tsengj@middleton.school.nz::eefb979d-fc0d-4dd5-ae9a-91b2ece0a753" providerId="AD" clId="Web-{F09DE86E-A669-F15F-4C7D-D1C03527452F}" dt="2022-03-30T23:19:44.913" v="0"/>
-          <ac:spMkLst>
-            <pc:docMk/>
-            <pc:sldMk cId="1362934084" sldId="256"/>
-            <ac:spMk id="35" creationId="{1A3C89F8-0D2F-47FF-B903-151248265F47}"/>
-          </ac:spMkLst>
-        </pc:spChg>
-        <pc:spChg chg="del">
-          <ac:chgData name="Jireh Tseng" userId="S::tsengj@middleton.school.nz::eefb979d-fc0d-4dd5-ae9a-91b2ece0a753" providerId="AD" clId="Web-{F09DE86E-A669-F15F-4C7D-D1C03527452F}" dt="2022-03-30T23:19:44.913" v="0"/>
-          <ac:spMkLst>
-            <pc:docMk/>
-            <pc:sldMk cId="1362934084" sldId="256"/>
-            <ac:spMk id="37" creationId="{C5CB530E-515E-412C-9DF1-5F8FFBD6F383}"/>
-          </ac:spMkLst>
-        </pc:spChg>
-        <pc:spChg chg="del">
-          <ac:chgData name="Jireh Tseng" userId="S::tsengj@middleton.school.nz::eefb979d-fc0d-4dd5-ae9a-91b2ece0a753" providerId="AD" clId="Web-{F09DE86E-A669-F15F-4C7D-D1C03527452F}" dt="2022-03-30T23:19:44.913" v="0"/>
-          <ac:spMkLst>
-            <pc:docMk/>
-            <pc:sldMk cId="1362934084" sldId="256"/>
-            <ac:spMk id="39" creationId="{712D4376-A578-4FF1-94FC-245E7A6A489F}"/>
-          </ac:spMkLst>
-        </pc:spChg>
-        <pc:spChg chg="del">
-          <ac:chgData name="Jireh Tseng" userId="S::tsengj@middleton.school.nz::eefb979d-fc0d-4dd5-ae9a-91b2ece0a753" providerId="AD" clId="Web-{F09DE86E-A669-F15F-4C7D-D1C03527452F}" dt="2022-03-30T23:19:44.913" v="0"/>
-          <ac:spMkLst>
-            <pc:docMk/>
-            <pc:sldMk cId="1362934084" sldId="256"/>
-            <ac:spMk id="41" creationId="{AEA7509D-F04F-40CB-A0B3-EEF16499CC9F}"/>
-          </ac:spMkLst>
-        </pc:spChg>
-        <pc:spChg chg="del">
-          <ac:chgData name="Jireh Tseng" userId="S::tsengj@middleton.school.nz::eefb979d-fc0d-4dd5-ae9a-91b2ece0a753" providerId="AD" clId="Web-{F09DE86E-A669-F15F-4C7D-D1C03527452F}" dt="2022-03-30T23:19:44.913" v="0"/>
-          <ac:spMkLst>
-            <pc:docMk/>
-            <pc:sldMk cId="1362934084" sldId="256"/>
-            <ac:spMk id="45" creationId="{508BEF50-7B1E-49A4-BC19-5F4F1D755E64}"/>
-          </ac:spMkLst>
-        </pc:spChg>
-        <pc:spChg chg="del">
-          <ac:chgData name="Jireh Tseng" userId="S::tsengj@middleton.school.nz::eefb979d-fc0d-4dd5-ae9a-91b2ece0a753" providerId="AD" clId="Web-{F09DE86E-A669-F15F-4C7D-D1C03527452F}" dt="2022-03-30T23:19:44.913" v="0"/>
-          <ac:spMkLst>
-            <pc:docMk/>
-            <pc:sldMk cId="1362934084" sldId="256"/>
-            <ac:spMk id="47" creationId="{3FBAD350-5664-4811-A208-657FB882D350}"/>
-          </ac:spMkLst>
-        </pc:spChg>
-        <pc:spChg chg="del">
-          <ac:chgData name="Jireh Tseng" userId="S::tsengj@middleton.school.nz::eefb979d-fc0d-4dd5-ae9a-91b2ece0a753" providerId="AD" clId="Web-{F09DE86E-A669-F15F-4C7D-D1C03527452F}" dt="2022-03-30T23:19:44.913" v="0"/>
-          <ac:spMkLst>
-            <pc:docMk/>
-            <pc:sldMk cId="1362934084" sldId="256"/>
-            <ac:spMk id="49" creationId="{C39ADB8F-D187-49D7-BDCF-C1B6DC727068}"/>
-          </ac:spMkLst>
-        </pc:spChg>
-        <pc:spChg chg="add">
-          <ac:chgData name="Jireh Tseng" userId="S::tsengj@middleton.school.nz::eefb979d-fc0d-4dd5-ae9a-91b2ece0a753" providerId="AD" clId="Web-{F09DE86E-A669-F15F-4C7D-D1C03527452F}" dt="2022-03-30T23:19:44.913" v="0"/>
-          <ac:spMkLst>
-            <pc:docMk/>
-            <pc:sldMk cId="1362934084" sldId="256"/>
-            <ac:spMk id="55" creationId="{C1DD1A8A-57D5-4A81-AD04-532B043C5611}"/>
-          </ac:spMkLst>
-        </pc:spChg>
-        <pc:spChg chg="add">
-          <ac:chgData name="Jireh Tseng" userId="S::tsengj@middleton.school.nz::eefb979d-fc0d-4dd5-ae9a-91b2ece0a753" providerId="AD" clId="Web-{F09DE86E-A669-F15F-4C7D-D1C03527452F}" dt="2022-03-30T23:19:44.913" v="0"/>
-          <ac:spMkLst>
-            <pc:docMk/>
-            <pc:sldMk cId="1362934084" sldId="256"/>
-            <ac:spMk id="57" creationId="{007891EC-4501-44ED-A8C8-B11B6DB767AB}"/>
-          </ac:spMkLst>
-        </pc:spChg>
-        <pc:picChg chg="add">
-          <ac:chgData name="Jireh Tseng" userId="S::tsengj@middleton.school.nz::eefb979d-fc0d-4dd5-ae9a-91b2ece0a753" providerId="AD" clId="Web-{F09DE86E-A669-F15F-4C7D-D1C03527452F}" dt="2022-03-30T23:19:44.913" v="0"/>
-          <ac:picMkLst>
-            <pc:docMk/>
-            <pc:sldMk cId="1362934084" sldId="256"/>
-            <ac:picMk id="51" creationId="{C1746A09-834C-64B3-47A5-C47BD7189694}"/>
-          </ac:picMkLst>
-        </pc:picChg>
-        <pc:cxnChg chg="del">
-          <ac:chgData name="Jireh Tseng" userId="S::tsengj@middleton.school.nz::eefb979d-fc0d-4dd5-ae9a-91b2ece0a753" providerId="AD" clId="Web-{F09DE86E-A669-F15F-4C7D-D1C03527452F}" dt="2022-03-30T23:19:44.913" v="0"/>
-          <ac:cxnSpMkLst>
-            <pc:docMk/>
-            <pc:sldMk cId="1362934084" sldId="256"/>
-            <ac:cxnSpMk id="43" creationId="{56020367-4FD5-4596-8E10-C5F095CD8DBF}"/>
-          </ac:cxnSpMkLst>
-        </pc:cxnChg>
-      </pc:sldChg>
-    </pc:docChg>
-  </pc:docChgLst>
-  <pc:docChgLst>
-    <pc:chgData name="Jireh Tseng" userId="S::tsengj@middleton.school.nz::eefb979d-fc0d-4dd5-ae9a-91b2ece0a753" providerId="AD" clId="Web-{875F1A86-FE65-D4D7-73FA-68A3AC71E3A0}"/>
-    <pc:docChg chg="addSld modSld">
-      <pc:chgData name="Jireh Tseng" userId="S::tsengj@middleton.school.nz::eefb979d-fc0d-4dd5-ae9a-91b2ece0a753" providerId="AD" clId="Web-{875F1A86-FE65-D4D7-73FA-68A3AC71E3A0}" dt="2022-04-11T21:26:22.258" v="255"/>
+      <pc:chgData name="Jireh Tseng" userId="S::tsengj@middleton.school.nz::eefb979d-fc0d-4dd5-ae9a-91b2ece0a753" providerId="AD" clId="Web-{C427EC4C-938F-CEFB-1DE3-DC4C55162615}" dt="2022-05-05T02:10:44.983" v="450" actId="20577"/>
       <pc:docMkLst>
         <pc:docMk/>
       </pc:docMkLst>
       <pc:sldChg chg="modSp">
-        <pc:chgData name="Jireh Tseng" userId="S::tsengj@middleton.school.nz::eefb979d-fc0d-4dd5-ae9a-91b2ece0a753" providerId="AD" clId="Web-{875F1A86-FE65-D4D7-73FA-68A3AC71E3A0}" dt="2022-04-11T21:26:22.258" v="255"/>
-        <pc:sldMkLst>
-          <pc:docMk/>
-          <pc:sldMk cId="2759596377" sldId="287"/>
-        </pc:sldMkLst>
-        <pc:graphicFrameChg chg="mod modGraphic">
-          <ac:chgData name="Jireh Tseng" userId="S::tsengj@middleton.school.nz::eefb979d-fc0d-4dd5-ae9a-91b2ece0a753" providerId="AD" clId="Web-{875F1A86-FE65-D4D7-73FA-68A3AC71E3A0}" dt="2022-04-11T21:26:22.258" v="255"/>
-          <ac:graphicFrameMkLst>
-            <pc:docMk/>
-            <pc:sldMk cId="2759596377" sldId="287"/>
-            <ac:graphicFrameMk id="92" creationId="{00000000-0000-0000-0000-000000000000}"/>
-          </ac:graphicFrameMkLst>
-        </pc:graphicFrameChg>
-      </pc:sldChg>
-      <pc:sldChg chg="addSp delSp modSp new">
-        <pc:chgData name="Jireh Tseng" userId="S::tsengj@middleton.school.nz::eefb979d-fc0d-4dd5-ae9a-91b2ece0a753" providerId="AD" clId="Web-{875F1A86-FE65-D4D7-73FA-68A3AC71E3A0}" dt="2022-04-11T21:16:33.664" v="125" actId="1076"/>
-        <pc:sldMkLst>
-          <pc:docMk/>
-          <pc:sldMk cId="3742630380" sldId="288"/>
-        </pc:sldMkLst>
-        <pc:spChg chg="mod">
-          <ac:chgData name="Jireh Tseng" userId="S::tsengj@middleton.school.nz::eefb979d-fc0d-4dd5-ae9a-91b2ece0a753" providerId="AD" clId="Web-{875F1A86-FE65-D4D7-73FA-68A3AC71E3A0}" dt="2022-04-11T21:09:37.591" v="21" actId="20577"/>
-          <ac:spMkLst>
-            <pc:docMk/>
-            <pc:sldMk cId="3742630380" sldId="288"/>
-            <ac:spMk id="2" creationId="{117C7ED0-CC09-82B1-98D7-D7AC8566A02D}"/>
-          </ac:spMkLst>
-        </pc:spChg>
-        <pc:spChg chg="del mod">
-          <ac:chgData name="Jireh Tseng" userId="S::tsengj@middleton.school.nz::eefb979d-fc0d-4dd5-ae9a-91b2ece0a753" providerId="AD" clId="Web-{875F1A86-FE65-D4D7-73FA-68A3AC71E3A0}" dt="2022-04-11T21:16:28.367" v="124"/>
-          <ac:spMkLst>
-            <pc:docMk/>
-            <pc:sldMk cId="3742630380" sldId="288"/>
-            <ac:spMk id="3" creationId="{07D14DCC-A221-C5D2-76B3-59FFE847553C}"/>
-          </ac:spMkLst>
-        </pc:spChg>
-        <pc:spChg chg="add mod">
-          <ac:chgData name="Jireh Tseng" userId="S::tsengj@middleton.school.nz::eefb979d-fc0d-4dd5-ae9a-91b2ece0a753" providerId="AD" clId="Web-{875F1A86-FE65-D4D7-73FA-68A3AC71E3A0}" dt="2022-04-11T21:16:33.664" v="125" actId="1076"/>
-          <ac:spMkLst>
-            <pc:docMk/>
-            <pc:sldMk cId="3742630380" sldId="288"/>
-            <ac:spMk id="4" creationId="{0676CC8F-07AC-7255-5C5C-4ABBBE9DE273}"/>
-          </ac:spMkLst>
-        </pc:spChg>
-      </pc:sldChg>
-    </pc:docChg>
-  </pc:docChgLst>
-  <pc:docChgLst>
-    <pc:chgData name="Jireh Tseng" userId="S::tsengj@middleton.school.nz::eefb979d-fc0d-4dd5-ae9a-91b2ece0a753" providerId="AD" clId="Web-{40935AED-1311-E9DE-C4DF-708D70AFA4C8}"/>
-    <pc:docChg chg="addSld delSld modSld sldOrd">
-      <pc:chgData name="Jireh Tseng" userId="S::tsengj@middleton.school.nz::eefb979d-fc0d-4dd5-ae9a-91b2ece0a753" providerId="AD" clId="Web-{40935AED-1311-E9DE-C4DF-708D70AFA4C8}" dt="2022-03-30T23:18:05.782" v="375" actId="20577"/>
-      <pc:docMkLst>
-        <pc:docMk/>
-      </pc:docMkLst>
-      <pc:sldChg chg="addSp delSp modSp addAnim delAnim">
-        <pc:chgData name="Jireh Tseng" userId="S::tsengj@middleton.school.nz::eefb979d-fc0d-4dd5-ae9a-91b2ece0a753" providerId="AD" clId="Web-{40935AED-1311-E9DE-C4DF-708D70AFA4C8}" dt="2022-03-30T23:18:05.782" v="375" actId="20577"/>
-        <pc:sldMkLst>
-          <pc:docMk/>
-          <pc:sldMk cId="1362934084" sldId="256"/>
-        </pc:sldMkLst>
-        <pc:spChg chg="mod">
-          <ac:chgData name="Jireh Tseng" userId="S::tsengj@middleton.school.nz::eefb979d-fc0d-4dd5-ae9a-91b2ece0a753" providerId="AD" clId="Web-{40935AED-1311-E9DE-C4DF-708D70AFA4C8}" dt="2022-03-30T23:17:55.579" v="367"/>
-          <ac:spMkLst>
-            <pc:docMk/>
-            <pc:sldMk cId="1362934084" sldId="256"/>
-            <ac:spMk id="2" creationId="{A96C2811-5704-42C1-869B-16E29CB6572E}"/>
-          </ac:spMkLst>
-        </pc:spChg>
-        <pc:spChg chg="mod">
-          <ac:chgData name="Jireh Tseng" userId="S::tsengj@middleton.school.nz::eefb979d-fc0d-4dd5-ae9a-91b2ece0a753" providerId="AD" clId="Web-{40935AED-1311-E9DE-C4DF-708D70AFA4C8}" dt="2022-03-30T23:18:05.782" v="375" actId="20577"/>
-          <ac:spMkLst>
-            <pc:docMk/>
-            <pc:sldMk cId="1362934084" sldId="256"/>
-            <ac:spMk id="3" creationId="{930E6464-DA98-43C8-B6C9-594748754628}"/>
-          </ac:spMkLst>
-        </pc:spChg>
-        <pc:spChg chg="add del">
-          <ac:chgData name="Jireh Tseng" userId="S::tsengj@middleton.school.nz::eefb979d-fc0d-4dd5-ae9a-91b2ece0a753" providerId="AD" clId="Web-{40935AED-1311-E9DE-C4DF-708D70AFA4C8}" dt="2022-03-30T23:17:55.579" v="367"/>
-          <ac:spMkLst>
-            <pc:docMk/>
-            <pc:sldMk cId="1362934084" sldId="256"/>
-            <ac:spMk id="8" creationId="{3A397E3E-B90C-4D82-BAAA-36F7AC6A4565}"/>
-          </ac:spMkLst>
-        </pc:spChg>
-        <pc:spChg chg="add del">
-          <ac:chgData name="Jireh Tseng" userId="S::tsengj@middleton.school.nz::eefb979d-fc0d-4dd5-ae9a-91b2ece0a753" providerId="AD" clId="Web-{40935AED-1311-E9DE-C4DF-708D70AFA4C8}" dt="2022-03-30T23:17:55.579" v="367"/>
-          <ac:spMkLst>
-            <pc:docMk/>
-            <pc:sldMk cId="1362934084" sldId="256"/>
-            <ac:spMk id="10" creationId="{E16C8D8F-10E9-4498-ABDB-0F923F8B6837}"/>
-          </ac:spMkLst>
-        </pc:spChg>
-        <pc:spChg chg="add del">
-          <ac:chgData name="Jireh Tseng" userId="S::tsengj@middleton.school.nz::eefb979d-fc0d-4dd5-ae9a-91b2ece0a753" providerId="AD" clId="Web-{40935AED-1311-E9DE-C4DF-708D70AFA4C8}" dt="2022-03-30T23:17:55.579" v="367"/>
-          <ac:spMkLst>
-            <pc:docMk/>
-            <pc:sldMk cId="1362934084" sldId="256"/>
-            <ac:spMk id="12" creationId="{1E5A83E3-8A11-4492-BB6E-F5F2240316FB}"/>
-          </ac:spMkLst>
-        </pc:spChg>
-        <pc:spChg chg="add del">
-          <ac:chgData name="Jireh Tseng" userId="S::tsengj@middleton.school.nz::eefb979d-fc0d-4dd5-ae9a-91b2ece0a753" providerId="AD" clId="Web-{40935AED-1311-E9DE-C4DF-708D70AFA4C8}" dt="2022-03-30T23:17:55.579" v="367"/>
-          <ac:spMkLst>
-            <pc:docMk/>
-            <pc:sldMk cId="1362934084" sldId="256"/>
-            <ac:spMk id="14" creationId="{8CF5E676-CA04-4CED-9F1E-5026ED66E66D}"/>
-          </ac:spMkLst>
-        </pc:spChg>
-        <pc:spChg chg="add del">
-          <ac:chgData name="Jireh Tseng" userId="S::tsengj@middleton.school.nz::eefb979d-fc0d-4dd5-ae9a-91b2ece0a753" providerId="AD" clId="Web-{40935AED-1311-E9DE-C4DF-708D70AFA4C8}" dt="2022-03-30T23:17:55.579" v="367"/>
-          <ac:spMkLst>
-            <pc:docMk/>
-            <pc:sldMk cId="1362934084" sldId="256"/>
-            <ac:spMk id="16" creationId="{6BA9E676-A8FC-4C2F-8D78-C13ED8ABDBA8}"/>
-          </ac:spMkLst>
-        </pc:spChg>
-        <pc:spChg chg="add del">
-          <ac:chgData name="Jireh Tseng" userId="S::tsengj@middleton.school.nz::eefb979d-fc0d-4dd5-ae9a-91b2ece0a753" providerId="AD" clId="Web-{40935AED-1311-E9DE-C4DF-708D70AFA4C8}" dt="2022-03-30T23:17:55.579" v="367"/>
-          <ac:spMkLst>
-            <pc:docMk/>
-            <pc:sldMk cId="1362934084" sldId="256"/>
-            <ac:spMk id="18" creationId="{A2B5CBEA-F125-49B6-8335-227C325B112B}"/>
-          </ac:spMkLst>
-        </pc:spChg>
-        <pc:spChg chg="add del">
-          <ac:chgData name="Jireh Tseng" userId="S::tsengj@middleton.school.nz::eefb979d-fc0d-4dd5-ae9a-91b2ece0a753" providerId="AD" clId="Web-{40935AED-1311-E9DE-C4DF-708D70AFA4C8}" dt="2022-03-30T23:17:55.579" v="367"/>
-          <ac:spMkLst>
-            <pc:docMk/>
-            <pc:sldMk cId="1362934084" sldId="256"/>
-            <ac:spMk id="20" creationId="{EECD79B5-5FC5-495F-BFD6-346C16E787A7}"/>
-          </ac:spMkLst>
-        </pc:spChg>
-        <pc:spChg chg="add del">
-          <ac:chgData name="Jireh Tseng" userId="S::tsengj@middleton.school.nz::eefb979d-fc0d-4dd5-ae9a-91b2ece0a753" providerId="AD" clId="Web-{40935AED-1311-E9DE-C4DF-708D70AFA4C8}" dt="2022-03-30T23:17:55.579" v="367"/>
-          <ac:spMkLst>
-            <pc:docMk/>
-            <pc:sldMk cId="1362934084" sldId="256"/>
-            <ac:spMk id="22" creationId="{2C1D3151-5F97-4860-B56C-C98BD62CC255}"/>
-          </ac:spMkLst>
-        </pc:spChg>
-        <pc:spChg chg="add del">
-          <ac:chgData name="Jireh Tseng" userId="S::tsengj@middleton.school.nz::eefb979d-fc0d-4dd5-ae9a-91b2ece0a753" providerId="AD" clId="Web-{40935AED-1311-E9DE-C4DF-708D70AFA4C8}" dt="2022-03-30T23:17:55.579" v="367"/>
-          <ac:spMkLst>
-            <pc:docMk/>
-            <pc:sldMk cId="1362934084" sldId="256"/>
-            <ac:spMk id="24" creationId="{32D9D048-3063-435A-8C23-26C1907E9619}"/>
-          </ac:spMkLst>
-        </pc:spChg>
-        <pc:spChg chg="add del">
-          <ac:chgData name="Jireh Tseng" userId="S::tsengj@middleton.school.nz::eefb979d-fc0d-4dd5-ae9a-91b2ece0a753" providerId="AD" clId="Web-{40935AED-1311-E9DE-C4DF-708D70AFA4C8}" dt="2022-03-30T23:17:55.579" v="367"/>
-          <ac:spMkLst>
-            <pc:docMk/>
-            <pc:sldMk cId="1362934084" sldId="256"/>
-            <ac:spMk id="26" creationId="{8DE96824-E506-4448-8704-5EC7BF7BC51B}"/>
-          </ac:spMkLst>
-        </pc:spChg>
-        <pc:spChg chg="add del">
-          <ac:chgData name="Jireh Tseng" userId="S::tsengj@middleton.school.nz::eefb979d-fc0d-4dd5-ae9a-91b2ece0a753" providerId="AD" clId="Web-{40935AED-1311-E9DE-C4DF-708D70AFA4C8}" dt="2022-03-30T23:17:55.579" v="367"/>
-          <ac:spMkLst>
-            <pc:docMk/>
-            <pc:sldMk cId="1362934084" sldId="256"/>
-            <ac:spMk id="28" creationId="{4D1A5E71-B6B6-486A-8CDC-C7ABD9B903F6}"/>
-          </ac:spMkLst>
-        </pc:spChg>
-        <pc:spChg chg="add del">
-          <ac:chgData name="Jireh Tseng" userId="S::tsengj@middleton.school.nz::eefb979d-fc0d-4dd5-ae9a-91b2ece0a753" providerId="AD" clId="Web-{40935AED-1311-E9DE-C4DF-708D70AFA4C8}" dt="2022-03-30T23:17:55.579" v="367"/>
-          <ac:spMkLst>
-            <pc:docMk/>
-            <pc:sldMk cId="1362934084" sldId="256"/>
-            <ac:spMk id="30" creationId="{B6C541AE-9B02-44C0-B8C6-B2DEA7ED3813}"/>
-          </ac:spMkLst>
-        </pc:spChg>
-        <pc:spChg chg="add">
-          <ac:chgData name="Jireh Tseng" userId="S::tsengj@middleton.school.nz::eefb979d-fc0d-4dd5-ae9a-91b2ece0a753" providerId="AD" clId="Web-{40935AED-1311-E9DE-C4DF-708D70AFA4C8}" dt="2022-03-30T23:17:55.579" v="367"/>
-          <ac:spMkLst>
-            <pc:docMk/>
-            <pc:sldMk cId="1362934084" sldId="256"/>
-            <ac:spMk id="35" creationId="{1A3C89F8-0D2F-47FF-B903-151248265F47}"/>
-          </ac:spMkLst>
-        </pc:spChg>
-        <pc:spChg chg="add del">
-          <ac:chgData name="Jireh Tseng" userId="S::tsengj@middleton.school.nz::eefb979d-fc0d-4dd5-ae9a-91b2ece0a753" providerId="AD" clId="Web-{40935AED-1311-E9DE-C4DF-708D70AFA4C8}" dt="2022-03-30T23:17:55.563" v="366"/>
-          <ac:spMkLst>
-            <pc:docMk/>
-            <pc:sldMk cId="1362934084" sldId="256"/>
-            <ac:spMk id="36" creationId="{C1DD1A8A-57D5-4A81-AD04-532B043C5611}"/>
-          </ac:spMkLst>
-        </pc:spChg>
-        <pc:spChg chg="add">
-          <ac:chgData name="Jireh Tseng" userId="S::tsengj@middleton.school.nz::eefb979d-fc0d-4dd5-ae9a-91b2ece0a753" providerId="AD" clId="Web-{40935AED-1311-E9DE-C4DF-708D70AFA4C8}" dt="2022-03-30T23:17:55.579" v="367"/>
-          <ac:spMkLst>
-            <pc:docMk/>
-            <pc:sldMk cId="1362934084" sldId="256"/>
-            <ac:spMk id="37" creationId="{C5CB530E-515E-412C-9DF1-5F8FFBD6F383}"/>
-          </ac:spMkLst>
-        </pc:spChg>
-        <pc:spChg chg="add del">
-          <ac:chgData name="Jireh Tseng" userId="S::tsengj@middleton.school.nz::eefb979d-fc0d-4dd5-ae9a-91b2ece0a753" providerId="AD" clId="Web-{40935AED-1311-E9DE-C4DF-708D70AFA4C8}" dt="2022-03-30T23:17:55.563" v="366"/>
-          <ac:spMkLst>
-            <pc:docMk/>
-            <pc:sldMk cId="1362934084" sldId="256"/>
-            <ac:spMk id="38" creationId="{007891EC-4501-44ED-A8C8-B11B6DB767AB}"/>
-          </ac:spMkLst>
-        </pc:spChg>
-        <pc:spChg chg="add">
-          <ac:chgData name="Jireh Tseng" userId="S::tsengj@middleton.school.nz::eefb979d-fc0d-4dd5-ae9a-91b2ece0a753" providerId="AD" clId="Web-{40935AED-1311-E9DE-C4DF-708D70AFA4C8}" dt="2022-03-30T23:17:55.579" v="367"/>
-          <ac:spMkLst>
-            <pc:docMk/>
-            <pc:sldMk cId="1362934084" sldId="256"/>
-            <ac:spMk id="39" creationId="{712D4376-A578-4FF1-94FC-245E7A6A489F}"/>
-          </ac:spMkLst>
-        </pc:spChg>
-        <pc:spChg chg="add">
-          <ac:chgData name="Jireh Tseng" userId="S::tsengj@middleton.school.nz::eefb979d-fc0d-4dd5-ae9a-91b2ece0a753" providerId="AD" clId="Web-{40935AED-1311-E9DE-C4DF-708D70AFA4C8}" dt="2022-03-30T23:17:55.579" v="367"/>
-          <ac:spMkLst>
-            <pc:docMk/>
-            <pc:sldMk cId="1362934084" sldId="256"/>
-            <ac:spMk id="41" creationId="{AEA7509D-F04F-40CB-A0B3-EEF16499CC9F}"/>
-          </ac:spMkLst>
-        </pc:spChg>
-        <pc:spChg chg="add">
-          <ac:chgData name="Jireh Tseng" userId="S::tsengj@middleton.school.nz::eefb979d-fc0d-4dd5-ae9a-91b2ece0a753" providerId="AD" clId="Web-{40935AED-1311-E9DE-C4DF-708D70AFA4C8}" dt="2022-03-30T23:17:55.579" v="367"/>
-          <ac:spMkLst>
-            <pc:docMk/>
-            <pc:sldMk cId="1362934084" sldId="256"/>
-            <ac:spMk id="45" creationId="{508BEF50-7B1E-49A4-BC19-5F4F1D755E64}"/>
-          </ac:spMkLst>
-        </pc:spChg>
-        <pc:spChg chg="add">
-          <ac:chgData name="Jireh Tseng" userId="S::tsengj@middleton.school.nz::eefb979d-fc0d-4dd5-ae9a-91b2ece0a753" providerId="AD" clId="Web-{40935AED-1311-E9DE-C4DF-708D70AFA4C8}" dt="2022-03-30T23:17:55.579" v="367"/>
-          <ac:spMkLst>
-            <pc:docMk/>
-            <pc:sldMk cId="1362934084" sldId="256"/>
-            <ac:spMk id="47" creationId="{3FBAD350-5664-4811-A208-657FB882D350}"/>
-          </ac:spMkLst>
-        </pc:spChg>
-        <pc:spChg chg="add">
-          <ac:chgData name="Jireh Tseng" userId="S::tsengj@middleton.school.nz::eefb979d-fc0d-4dd5-ae9a-91b2ece0a753" providerId="AD" clId="Web-{40935AED-1311-E9DE-C4DF-708D70AFA4C8}" dt="2022-03-30T23:17:55.579" v="367"/>
-          <ac:spMkLst>
-            <pc:docMk/>
-            <pc:sldMk cId="1362934084" sldId="256"/>
-            <ac:spMk id="49" creationId="{C39ADB8F-D187-49D7-BDCF-C1B6DC727068}"/>
-          </ac:spMkLst>
-        </pc:spChg>
-        <pc:picChg chg="add del">
-          <ac:chgData name="Jireh Tseng" userId="S::tsengj@middleton.school.nz::eefb979d-fc0d-4dd5-ae9a-91b2ece0a753" providerId="AD" clId="Web-{40935AED-1311-E9DE-C4DF-708D70AFA4C8}" dt="2022-03-30T23:17:55.563" v="366"/>
-          <ac:picMkLst>
-            <pc:docMk/>
-            <pc:sldMk cId="1362934084" sldId="256"/>
-            <ac:picMk id="32" creationId="{487114A3-E06F-A5AF-ED8F-FA974B04784D}"/>
-          </ac:picMkLst>
-        </pc:picChg>
-        <pc:cxnChg chg="add">
-          <ac:chgData name="Jireh Tseng" userId="S::tsengj@middleton.school.nz::eefb979d-fc0d-4dd5-ae9a-91b2ece0a753" providerId="AD" clId="Web-{40935AED-1311-E9DE-C4DF-708D70AFA4C8}" dt="2022-03-30T23:17:55.579" v="367"/>
-          <ac:cxnSpMkLst>
-            <pc:docMk/>
-            <pc:sldMk cId="1362934084" sldId="256"/>
-            <ac:cxnSpMk id="43" creationId="{56020367-4FD5-4596-8E10-C5F095CD8DBF}"/>
-          </ac:cxnSpMkLst>
-        </pc:cxnChg>
-      </pc:sldChg>
-      <pc:sldChg chg="modSp">
-        <pc:chgData name="Jireh Tseng" userId="S::tsengj@middleton.school.nz::eefb979d-fc0d-4dd5-ae9a-91b2ece0a753" providerId="AD" clId="Web-{40935AED-1311-E9DE-C4DF-708D70AFA4C8}" dt="2022-03-30T23:06:17.685" v="1" actId="20577"/>
+        <pc:chgData name="Jireh Tseng" userId="S::tsengj@middleton.school.nz::eefb979d-fc0d-4dd5-ae9a-91b2ece0a753" providerId="AD" clId="Web-{C427EC4C-938F-CEFB-1DE3-DC4C55162615}" dt="2022-05-05T02:10:44.983" v="450" actId="20577"/>
         <pc:sldMkLst>
           <pc:docMk/>
           <pc:sldMk cId="3838895173" sldId="258"/>
         </pc:sldMkLst>
         <pc:spChg chg="mod">
-          <ac:chgData name="Jireh Tseng" userId="S::tsengj@middleton.school.nz::eefb979d-fc0d-4dd5-ae9a-91b2ece0a753" providerId="AD" clId="Web-{40935AED-1311-E9DE-C4DF-708D70AFA4C8}" dt="2022-03-30T23:06:17.685" v="1" actId="20577"/>
+          <ac:chgData name="Jireh Tseng" userId="S::tsengj@middleton.school.nz::eefb979d-fc0d-4dd5-ae9a-91b2ece0a753" providerId="AD" clId="Web-{C427EC4C-938F-CEFB-1DE3-DC4C55162615}" dt="2022-05-05T02:10:44.983" v="450" actId="20577"/>
+          <ac:spMkLst>
+            <pc:docMk/>
+            <pc:sldMk cId="3838895173" sldId="258"/>
+            <ac:spMk id="2" creationId="{0D168B5A-EFF4-4803-8DA6-5994B306EBAF}"/>
+          </ac:spMkLst>
+        </pc:spChg>
+        <pc:spChg chg="mod">
+          <ac:chgData name="Jireh Tseng" userId="S::tsengj@middleton.school.nz::eefb979d-fc0d-4dd5-ae9a-91b2ece0a753" providerId="AD" clId="Web-{C427EC4C-938F-CEFB-1DE3-DC4C55162615}" dt="2022-05-05T00:38:31.454" v="447" actId="20577"/>
           <ac:spMkLst>
             <pc:docMk/>
             <pc:sldMk cId="3838895173" sldId="258"/>
@@ -2229,83 +2255,45 @@
           </ac:spMkLst>
         </pc:spChg>
       </pc:sldChg>
-      <pc:sldChg chg="addSp delSp modSp">
-        <pc:chgData name="Jireh Tseng" userId="S::tsengj@middleton.school.nz::eefb979d-fc0d-4dd5-ae9a-91b2ece0a753" providerId="AD" clId="Web-{40935AED-1311-E9DE-C4DF-708D70AFA4C8}" dt="2022-03-30T23:09:19.174" v="24"/>
-        <pc:sldMkLst>
-          <pc:docMk/>
-          <pc:sldMk cId="1084233196" sldId="263"/>
-        </pc:sldMkLst>
-        <pc:spChg chg="add del mod">
-          <ac:chgData name="Jireh Tseng" userId="S::tsengj@middleton.school.nz::eefb979d-fc0d-4dd5-ae9a-91b2ece0a753" providerId="AD" clId="Web-{40935AED-1311-E9DE-C4DF-708D70AFA4C8}" dt="2022-03-30T23:09:19.174" v="24"/>
-          <ac:spMkLst>
-            <pc:docMk/>
-            <pc:sldMk cId="1084233196" sldId="263"/>
-            <ac:spMk id="4" creationId="{A043DA02-518A-047A-2F5C-16D47DF1D135}"/>
-          </ac:spMkLst>
-        </pc:spChg>
-      </pc:sldChg>
-      <pc:sldChg chg="del">
-        <pc:chgData name="Jireh Tseng" userId="S::tsengj@middleton.school.nz::eefb979d-fc0d-4dd5-ae9a-91b2ece0a753" providerId="AD" clId="Web-{40935AED-1311-E9DE-C4DF-708D70AFA4C8}" dt="2022-03-30T23:07:35.999" v="2"/>
-        <pc:sldMkLst>
-          <pc:docMk/>
-          <pc:sldMk cId="3377323929" sldId="278"/>
-        </pc:sldMkLst>
-      </pc:sldChg>
-      <pc:sldChg chg="addSp delSp modSp add ord replId">
-        <pc:chgData name="Jireh Tseng" userId="S::tsengj@middleton.school.nz::eefb979d-fc0d-4dd5-ae9a-91b2ece0a753" providerId="AD" clId="Web-{40935AED-1311-E9DE-C4DF-708D70AFA4C8}" dt="2022-03-30T23:08:46.282" v="20" actId="1076"/>
+      <pc:sldChg chg="addSp modSp">
+        <pc:chgData name="Jireh Tseng" userId="S::tsengj@middleton.school.nz::eefb979d-fc0d-4dd5-ae9a-91b2ece0a753" providerId="AD" clId="Web-{C427EC4C-938F-CEFB-1DE3-DC4C55162615}" dt="2022-05-05T00:38:09.344" v="445" actId="20577"/>
         <pc:sldMkLst>
           <pc:docMk/>
           <pc:sldMk cId="1732950584" sldId="281"/>
         </pc:sldMkLst>
-        <pc:spChg chg="del">
-          <ac:chgData name="Jireh Tseng" userId="S::tsengj@middleton.school.nz::eefb979d-fc0d-4dd5-ae9a-91b2ece0a753" providerId="AD" clId="Web-{40935AED-1311-E9DE-C4DF-708D70AFA4C8}" dt="2022-03-30T23:08:14.547" v="14"/>
+        <pc:spChg chg="mod">
+          <ac:chgData name="Jireh Tseng" userId="S::tsengj@middleton.school.nz::eefb979d-fc0d-4dd5-ae9a-91b2ece0a753" providerId="AD" clId="Web-{C427EC4C-938F-CEFB-1DE3-DC4C55162615}" dt="2022-05-05T00:38:09.344" v="445" actId="20577"/>
           <ac:spMkLst>
             <pc:docMk/>
             <pc:sldMk cId="1732950584" sldId="281"/>
-            <ac:spMk id="3" creationId="{9080C512-4F5A-4DB6-83B0-A0A10570541D}"/>
+            <ac:spMk id="2" creationId="{A049592B-FA6B-6741-CAF5-FDA005492C6B}"/>
           </ac:spMkLst>
         </pc:spChg>
-        <pc:spChg chg="del">
-          <ac:chgData name="Jireh Tseng" userId="S::tsengj@middleton.school.nz::eefb979d-fc0d-4dd5-ae9a-91b2ece0a753" providerId="AD" clId="Web-{40935AED-1311-E9DE-C4DF-708D70AFA4C8}" dt="2022-03-30T23:08:15.907" v="15"/>
-          <ac:spMkLst>
+        <pc:picChg chg="add mod">
+          <ac:chgData name="Jireh Tseng" userId="S::tsengj@middleton.school.nz::eefb979d-fc0d-4dd5-ae9a-91b2ece0a753" providerId="AD" clId="Web-{C427EC4C-938F-CEFB-1DE3-DC4C55162615}" dt="2022-05-05T00:28:27.186" v="382" actId="1076"/>
+          <ac:picMkLst>
             <pc:docMk/>
             <pc:sldMk cId="1732950584" sldId="281"/>
-            <ac:spMk id="5" creationId="{93CEF551-4230-4C69-A934-2D572844D7C7}"/>
-          </ac:spMkLst>
-        </pc:spChg>
-        <pc:spChg chg="mod">
-          <ac:chgData name="Jireh Tseng" userId="S::tsengj@middleton.school.nz::eefb979d-fc0d-4dd5-ae9a-91b2ece0a753" providerId="AD" clId="Web-{40935AED-1311-E9DE-C4DF-708D70AFA4C8}" dt="2022-03-30T23:08:10.344" v="12" actId="20577"/>
-          <ac:spMkLst>
-            <pc:docMk/>
-            <pc:sldMk cId="1732950584" sldId="281"/>
-            <ac:spMk id="86" creationId="{00000000-0000-0000-0000-000000000000}"/>
-          </ac:spMkLst>
-        </pc:spChg>
-        <pc:picChg chg="del">
-          <ac:chgData name="Jireh Tseng" userId="S::tsengj@middleton.school.nz::eefb979d-fc0d-4dd5-ae9a-91b2ece0a753" providerId="AD" clId="Web-{40935AED-1311-E9DE-C4DF-708D70AFA4C8}" dt="2022-03-30T23:08:12.094" v="13"/>
-          <ac:picMkLst>
-            <pc:docMk/>
-            <pc:sldMk cId="1732950584" sldId="281"/>
-            <ac:picMk id="2" creationId="{6A484709-C50D-4D4E-A116-F1A8E11C293C}"/>
-          </ac:picMkLst>
-        </pc:picChg>
-        <pc:picChg chg="add mod">
-          <ac:chgData name="Jireh Tseng" userId="S::tsengj@middleton.school.nz::eefb979d-fc0d-4dd5-ae9a-91b2ece0a753" providerId="AD" clId="Web-{40935AED-1311-E9DE-C4DF-708D70AFA4C8}" dt="2022-03-30T23:08:46.282" v="20" actId="1076"/>
-          <ac:picMkLst>
-            <pc:docMk/>
-            <pc:sldMk cId="1732950584" sldId="281"/>
-            <ac:picMk id="4" creationId="{E5C81E07-4E1E-4823-E30E-0F12B7098C51}"/>
+            <ac:picMk id="3" creationId="{5637524A-0934-725D-BFCD-66AF1F36C1B5}"/>
           </ac:picMkLst>
         </pc:picChg>
       </pc:sldChg>
-      <pc:sldChg chg="modSp add ord replId">
-        <pc:chgData name="Jireh Tseng" userId="S::tsengj@middleton.school.nz::eefb979d-fc0d-4dd5-ae9a-91b2ece0a753" providerId="AD" clId="Web-{40935AED-1311-E9DE-C4DF-708D70AFA4C8}" dt="2022-03-30T23:17:12.203" v="360"/>
+      <pc:sldChg chg="addSp modSp">
+        <pc:chgData name="Jireh Tseng" userId="S::tsengj@middleton.school.nz::eefb979d-fc0d-4dd5-ae9a-91b2ece0a753" providerId="AD" clId="Web-{C427EC4C-938F-CEFB-1DE3-DC4C55162615}" dt="2022-05-05T00:29:00.968" v="410"/>
         <pc:sldMkLst>
           <pc:docMk/>
           <pc:sldMk cId="3778962545" sldId="282"/>
         </pc:sldMkLst>
+        <pc:spChg chg="add mod">
+          <ac:chgData name="Jireh Tseng" userId="S::tsengj@middleton.school.nz::eefb979d-fc0d-4dd5-ae9a-91b2ece0a753" providerId="AD" clId="Web-{C427EC4C-938F-CEFB-1DE3-DC4C55162615}" dt="2022-05-05T00:28:42.187" v="384" actId="1076"/>
+          <ac:spMkLst>
+            <pc:docMk/>
+            <pc:sldMk cId="3778962545" sldId="282"/>
+            <ac:spMk id="2" creationId="{287D648C-5976-1610-3FA0-AEF117B27B93}"/>
+          </ac:spMkLst>
+        </pc:spChg>
         <pc:spChg chg="mod">
-          <ac:chgData name="Jireh Tseng" userId="S::tsengj@middleton.school.nz::eefb979d-fc0d-4dd5-ae9a-91b2ece0a753" providerId="AD" clId="Web-{40935AED-1311-E9DE-C4DF-708D70AFA4C8}" dt="2022-03-30T23:10:17.785" v="36" actId="20577"/>
+          <ac:chgData name="Jireh Tseng" userId="S::tsengj@middleton.school.nz::eefb979d-fc0d-4dd5-ae9a-91b2ece0a753" providerId="AD" clId="Web-{C427EC4C-938F-CEFB-1DE3-DC4C55162615}" dt="2022-05-05T00:11:55.470" v="378" actId="20577"/>
           <ac:spMkLst>
             <pc:docMk/>
             <pc:sldMk cId="3778962545" sldId="282"/>
@@ -2313,7 +2301,7 @@
           </ac:spMkLst>
         </pc:spChg>
         <pc:graphicFrameChg chg="mod modGraphic">
-          <ac:chgData name="Jireh Tseng" userId="S::tsengj@middleton.school.nz::eefb979d-fc0d-4dd5-ae9a-91b2ece0a753" providerId="AD" clId="Web-{40935AED-1311-E9DE-C4DF-708D70AFA4C8}" dt="2022-03-30T23:17:12.203" v="360"/>
+          <ac:chgData name="Jireh Tseng" userId="S::tsengj@middleton.school.nz::eefb979d-fc0d-4dd5-ae9a-91b2ece0a753" providerId="AD" clId="Web-{C427EC4C-938F-CEFB-1DE3-DC4C55162615}" dt="2022-05-05T00:29:00.968" v="410"/>
           <ac:graphicFrameMkLst>
             <pc:docMk/>
             <pc:sldMk cId="3778962545" sldId="282"/>
@@ -2321,90 +2309,50 @@
           </ac:graphicFrameMkLst>
         </pc:graphicFrameChg>
       </pc:sldChg>
-    </pc:docChg>
-  </pc:docChgLst>
-  <pc:docChgLst>
-    <pc:chgData name="Jireh Tseng" userId="S::tsengj@middleton.school.nz::eefb979d-fc0d-4dd5-ae9a-91b2ece0a753" providerId="AD" clId="Web-{ED384A0D-67FC-3DCC-741F-8364AA4B3505}"/>
-    <pc:docChg chg="addSld modSld sldOrd">
-      <pc:chgData name="Jireh Tseng" userId="S::tsengj@middleton.school.nz::eefb979d-fc0d-4dd5-ae9a-91b2ece0a753" providerId="AD" clId="Web-{ED384A0D-67FC-3DCC-741F-8364AA4B3505}" dt="2022-04-13T02:14:33.505" v="1448" actId="1076"/>
-      <pc:docMkLst>
-        <pc:docMk/>
-      </pc:docMkLst>
       <pc:sldChg chg="addSp delSp modSp">
-        <pc:chgData name="Jireh Tseng" userId="S::tsengj@middleton.school.nz::eefb979d-fc0d-4dd5-ae9a-91b2ece0a753" providerId="AD" clId="Web-{ED384A0D-67FC-3DCC-741F-8364AA4B3505}" dt="2022-04-13T02:07:05.180" v="148" actId="1076"/>
+        <pc:chgData name="Jireh Tseng" userId="S::tsengj@middleton.school.nz::eefb979d-fc0d-4dd5-ae9a-91b2ece0a753" providerId="AD" clId="Web-{C427EC4C-938F-CEFB-1DE3-DC4C55162615}" dt="2022-05-05T00:30:16.424" v="424" actId="1076"/>
         <pc:sldMkLst>
           <pc:docMk/>
-          <pc:sldMk cId="3742630380" sldId="288"/>
+          <pc:sldMk cId="2568554082" sldId="283"/>
         </pc:sldMkLst>
-        <pc:spChg chg="add mod">
-          <ac:chgData name="Jireh Tseng" userId="S::tsengj@middleton.school.nz::eefb979d-fc0d-4dd5-ae9a-91b2ece0a753" providerId="AD" clId="Web-{ED384A0D-67FC-3DCC-741F-8364AA4B3505}" dt="2022-04-13T02:06:41.148" v="146" actId="1076"/>
+        <pc:spChg chg="mod">
+          <ac:chgData name="Jireh Tseng" userId="S::tsengj@middleton.school.nz::eefb979d-fc0d-4dd5-ae9a-91b2ece0a753" providerId="AD" clId="Web-{C427EC4C-938F-CEFB-1DE3-DC4C55162615}" dt="2022-05-05T00:30:16.424" v="424" actId="1076"/>
           <ac:spMkLst>
             <pc:docMk/>
-            <pc:sldMk cId="3742630380" sldId="288"/>
-            <ac:spMk id="6" creationId="{2ACA099B-D36F-17A9-F335-3BEBFD61AA03}"/>
+            <pc:sldMk cId="2568554082" sldId="283"/>
+            <ac:spMk id="3" creationId="{6BE7D083-107B-9598-9BED-5E001A7543AF}"/>
           </ac:spMkLst>
         </pc:spChg>
-        <pc:picChg chg="add mod">
-          <ac:chgData name="Jireh Tseng" userId="S::tsengj@middleton.school.nz::eefb979d-fc0d-4dd5-ae9a-91b2ece0a753" providerId="AD" clId="Web-{ED384A0D-67FC-3DCC-741F-8364AA4B3505}" dt="2022-04-13T02:06:24.679" v="141" actId="1076"/>
+        <pc:spChg chg="mod">
+          <ac:chgData name="Jireh Tseng" userId="S::tsengj@middleton.school.nz::eefb979d-fc0d-4dd5-ae9a-91b2ece0a753" providerId="AD" clId="Web-{C427EC4C-938F-CEFB-1DE3-DC4C55162615}" dt="2022-05-05T00:30:07.111" v="423" actId="20577"/>
+          <ac:spMkLst>
+            <pc:docMk/>
+            <pc:sldMk cId="2568554082" sldId="283"/>
+            <ac:spMk id="91" creationId="{00000000-0000-0000-0000-000000000000}"/>
+          </ac:spMkLst>
+        </pc:spChg>
+        <pc:picChg chg="del">
+          <ac:chgData name="Jireh Tseng" userId="S::tsengj@middleton.school.nz::eefb979d-fc0d-4dd5-ae9a-91b2ece0a753" providerId="AD" clId="Web-{C427EC4C-938F-CEFB-1DE3-DC4C55162615}" dt="2022-05-05T00:29:14.187" v="411"/>
           <ac:picMkLst>
             <pc:docMk/>
-            <pc:sldMk cId="3742630380" sldId="288"/>
-            <ac:picMk id="3" creationId="{89276921-B447-1D95-4DC2-8AD1144AB121}"/>
+            <pc:sldMk cId="2568554082" sldId="283"/>
+            <ac:picMk id="2" creationId="{F837C40C-4306-D890-2C3D-79261A778469}"/>
           </ac:picMkLst>
         </pc:picChg>
-        <pc:picChg chg="add del mod">
-          <ac:chgData name="Jireh Tseng" userId="S::tsengj@middleton.school.nz::eefb979d-fc0d-4dd5-ae9a-91b2ece0a753" providerId="AD" clId="Web-{ED384A0D-67FC-3DCC-741F-8364AA4B3505}" dt="2022-04-13T02:02:55.610" v="4"/>
+        <pc:picChg chg="del">
+          <ac:chgData name="Jireh Tseng" userId="S::tsengj@middleton.school.nz::eefb979d-fc0d-4dd5-ae9a-91b2ece0a753" providerId="AD" clId="Web-{C427EC4C-938F-CEFB-1DE3-DC4C55162615}" dt="2022-05-05T00:29:15.359" v="412"/>
           <ac:picMkLst>
             <pc:docMk/>
-            <pc:sldMk cId="3742630380" sldId="288"/>
-            <ac:picMk id="5" creationId="{36B3414F-9F1E-F254-CCD9-0C3D9C8C5285}"/>
+            <pc:sldMk cId="2568554082" sldId="283"/>
+            <ac:picMk id="4" creationId="{9B6711AC-D2BC-B7C6-105F-22B6DE2DE07C}"/>
           </ac:picMkLst>
         </pc:picChg>
         <pc:picChg chg="add mod">
-          <ac:chgData name="Jireh Tseng" userId="S::tsengj@middleton.school.nz::eefb979d-fc0d-4dd5-ae9a-91b2ece0a753" providerId="AD" clId="Web-{ED384A0D-67FC-3DCC-741F-8364AA4B3505}" dt="2022-04-13T02:06:25.398" v="142" actId="1076"/>
+          <ac:chgData name="Jireh Tseng" userId="S::tsengj@middleton.school.nz::eefb979d-fc0d-4dd5-ae9a-91b2ece0a753" providerId="AD" clId="Web-{C427EC4C-938F-CEFB-1DE3-DC4C55162615}" dt="2022-05-05T00:29:59.798" v="414" actId="1076"/>
           <ac:picMkLst>
             <pc:docMk/>
-            <pc:sldMk cId="3742630380" sldId="288"/>
-            <ac:picMk id="7" creationId="{3E3ED375-DD72-680C-8F58-70BC755CCE29}"/>
-          </ac:picMkLst>
-        </pc:picChg>
-        <pc:picChg chg="add mod">
-          <ac:chgData name="Jireh Tseng" userId="S::tsengj@middleton.school.nz::eefb979d-fc0d-4dd5-ae9a-91b2ece0a753" providerId="AD" clId="Web-{ED384A0D-67FC-3DCC-741F-8364AA4B3505}" dt="2022-04-13T02:07:05.180" v="148" actId="1076"/>
-          <ac:picMkLst>
-            <pc:docMk/>
-            <pc:sldMk cId="3742630380" sldId="288"/>
-            <ac:picMk id="8" creationId="{FDB2E0E9-D86D-F82F-0828-239D28074C54}"/>
-          </ac:picMkLst>
-        </pc:picChg>
-      </pc:sldChg>
-      <pc:sldChg chg="addSp delSp modSp add ord replId">
-        <pc:chgData name="Jireh Tseng" userId="S::tsengj@middleton.school.nz::eefb979d-fc0d-4dd5-ae9a-91b2ece0a753" providerId="AD" clId="Web-{ED384A0D-67FC-3DCC-741F-8364AA4B3505}" dt="2022-04-13T02:14:33.505" v="1448" actId="1076"/>
-        <pc:sldMkLst>
-          <pc:docMk/>
-          <pc:sldMk cId="1636248130" sldId="289"/>
-        </pc:sldMkLst>
-        <pc:spChg chg="mod">
-          <ac:chgData name="Jireh Tseng" userId="S::tsengj@middleton.school.nz::eefb979d-fc0d-4dd5-ae9a-91b2ece0a753" providerId="AD" clId="Web-{ED384A0D-67FC-3DCC-741F-8364AA4B3505}" dt="2022-04-13T02:09:30.669" v="161" actId="20577"/>
-          <ac:spMkLst>
-            <pc:docMk/>
-            <pc:sldMk cId="1636248130" sldId="289"/>
-            <ac:spMk id="91" creationId="{00000000-0000-0000-0000-000000000000}"/>
-          </ac:spMkLst>
-        </pc:spChg>
-        <pc:graphicFrameChg chg="mod modGraphic">
-          <ac:chgData name="Jireh Tseng" userId="S::tsengj@middleton.school.nz::eefb979d-fc0d-4dd5-ae9a-91b2ece0a753" providerId="AD" clId="Web-{ED384A0D-67FC-3DCC-741F-8364AA4B3505}" dt="2022-04-13T02:14:33.505" v="1448" actId="1076"/>
-          <ac:graphicFrameMkLst>
-            <pc:docMk/>
-            <pc:sldMk cId="1636248130" sldId="289"/>
-            <ac:graphicFrameMk id="92" creationId="{00000000-0000-0000-0000-000000000000}"/>
-          </ac:graphicFrameMkLst>
-        </pc:graphicFrameChg>
-        <pc:picChg chg="add del mod">
-          <ac:chgData name="Jireh Tseng" userId="S::tsengj@middleton.school.nz::eefb979d-fc0d-4dd5-ae9a-91b2ece0a753" providerId="AD" clId="Web-{ED384A0D-67FC-3DCC-741F-8364AA4B3505}" dt="2022-04-13T02:11:05.999" v="553"/>
-          <ac:picMkLst>
-            <pc:docMk/>
-            <pc:sldMk cId="1636248130" sldId="289"/>
-            <ac:picMk id="2" creationId="{A567E6EC-1763-61BE-98CB-A069415A6F6D}"/>
+            <pc:sldMk cId="2568554082" sldId="283"/>
+            <ac:picMk id="5" creationId="{5B9D5457-A14E-2B54-D6C8-31D0CE122621}"/>
           </ac:picMkLst>
         </pc:picChg>
       </pc:sldChg>
@@ -2427,20 +2375,227 @@
     </pc:docChg>
   </pc:docChgLst>
   <pc:docChgLst>
-    <pc:chgData name="Jireh Tseng" userId="S::tsengj@middleton.school.nz::eefb979d-fc0d-4dd5-ae9a-91b2ece0a753" providerId="AD" clId="Web-{C427EC4C-938F-CEFB-1DE3-DC4C55162615}"/>
-    <pc:docChg chg="modSld">
-      <pc:chgData name="Jireh Tseng" userId="S::tsengj@middleton.school.nz::eefb979d-fc0d-4dd5-ae9a-91b2ece0a753" providerId="AD" clId="Web-{C427EC4C-938F-CEFB-1DE3-DC4C55162615}" dt="2022-05-05T00:33:54.227" v="427" actId="20577"/>
+    <pc:chgData name="Jireh Tseng" userId="S::tsengj@middleton.school.nz::eefb979d-fc0d-4dd5-ae9a-91b2ece0a753" providerId="AD" clId="Web-{40935AED-1311-E9DE-C4DF-708D70AFA4C8}"/>
+    <pc:docChg chg="addSld delSld modSld sldOrd">
+      <pc:chgData name="Jireh Tseng" userId="S::tsengj@middleton.school.nz::eefb979d-fc0d-4dd5-ae9a-91b2ece0a753" providerId="AD" clId="Web-{40935AED-1311-E9DE-C4DF-708D70AFA4C8}" dt="2022-03-30T23:18:05.782" v="375" actId="20577"/>
       <pc:docMkLst>
         <pc:docMk/>
       </pc:docMkLst>
+      <pc:sldChg chg="addSp delSp modSp addAnim delAnim">
+        <pc:chgData name="Jireh Tseng" userId="S::tsengj@middleton.school.nz::eefb979d-fc0d-4dd5-ae9a-91b2ece0a753" providerId="AD" clId="Web-{40935AED-1311-E9DE-C4DF-708D70AFA4C8}" dt="2022-03-30T23:18:05.782" v="375" actId="20577"/>
+        <pc:sldMkLst>
+          <pc:docMk/>
+          <pc:sldMk cId="1362934084" sldId="256"/>
+        </pc:sldMkLst>
+        <pc:spChg chg="mod">
+          <ac:chgData name="Jireh Tseng" userId="S::tsengj@middleton.school.nz::eefb979d-fc0d-4dd5-ae9a-91b2ece0a753" providerId="AD" clId="Web-{40935AED-1311-E9DE-C4DF-708D70AFA4C8}" dt="2022-03-30T23:17:55.579" v="367"/>
+          <ac:spMkLst>
+            <pc:docMk/>
+            <pc:sldMk cId="1362934084" sldId="256"/>
+            <ac:spMk id="2" creationId="{A96C2811-5704-42C1-869B-16E29CB6572E}"/>
+          </ac:spMkLst>
+        </pc:spChg>
+        <pc:spChg chg="mod">
+          <ac:chgData name="Jireh Tseng" userId="S::tsengj@middleton.school.nz::eefb979d-fc0d-4dd5-ae9a-91b2ece0a753" providerId="AD" clId="Web-{40935AED-1311-E9DE-C4DF-708D70AFA4C8}" dt="2022-03-30T23:18:05.782" v="375" actId="20577"/>
+          <ac:spMkLst>
+            <pc:docMk/>
+            <pc:sldMk cId="1362934084" sldId="256"/>
+            <ac:spMk id="3" creationId="{930E6464-DA98-43C8-B6C9-594748754628}"/>
+          </ac:spMkLst>
+        </pc:spChg>
+        <pc:spChg chg="add del">
+          <ac:chgData name="Jireh Tseng" userId="S::tsengj@middleton.school.nz::eefb979d-fc0d-4dd5-ae9a-91b2ece0a753" providerId="AD" clId="Web-{40935AED-1311-E9DE-C4DF-708D70AFA4C8}" dt="2022-03-30T23:17:55.579" v="367"/>
+          <ac:spMkLst>
+            <pc:docMk/>
+            <pc:sldMk cId="1362934084" sldId="256"/>
+            <ac:spMk id="8" creationId="{3A397E3E-B90C-4D82-BAAA-36F7AC6A4565}"/>
+          </ac:spMkLst>
+        </pc:spChg>
+        <pc:spChg chg="add del">
+          <ac:chgData name="Jireh Tseng" userId="S::tsengj@middleton.school.nz::eefb979d-fc0d-4dd5-ae9a-91b2ece0a753" providerId="AD" clId="Web-{40935AED-1311-E9DE-C4DF-708D70AFA4C8}" dt="2022-03-30T23:17:55.579" v="367"/>
+          <ac:spMkLst>
+            <pc:docMk/>
+            <pc:sldMk cId="1362934084" sldId="256"/>
+            <ac:spMk id="10" creationId="{E16C8D8F-10E9-4498-ABDB-0F923F8B6837}"/>
+          </ac:spMkLst>
+        </pc:spChg>
+        <pc:spChg chg="add del">
+          <ac:chgData name="Jireh Tseng" userId="S::tsengj@middleton.school.nz::eefb979d-fc0d-4dd5-ae9a-91b2ece0a753" providerId="AD" clId="Web-{40935AED-1311-E9DE-C4DF-708D70AFA4C8}" dt="2022-03-30T23:17:55.579" v="367"/>
+          <ac:spMkLst>
+            <pc:docMk/>
+            <pc:sldMk cId="1362934084" sldId="256"/>
+            <ac:spMk id="12" creationId="{1E5A83E3-8A11-4492-BB6E-F5F2240316FB}"/>
+          </ac:spMkLst>
+        </pc:spChg>
+        <pc:spChg chg="add del">
+          <ac:chgData name="Jireh Tseng" userId="S::tsengj@middleton.school.nz::eefb979d-fc0d-4dd5-ae9a-91b2ece0a753" providerId="AD" clId="Web-{40935AED-1311-E9DE-C4DF-708D70AFA4C8}" dt="2022-03-30T23:17:55.579" v="367"/>
+          <ac:spMkLst>
+            <pc:docMk/>
+            <pc:sldMk cId="1362934084" sldId="256"/>
+            <ac:spMk id="14" creationId="{8CF5E676-CA04-4CED-9F1E-5026ED66E66D}"/>
+          </ac:spMkLst>
+        </pc:spChg>
+        <pc:spChg chg="add del">
+          <ac:chgData name="Jireh Tseng" userId="S::tsengj@middleton.school.nz::eefb979d-fc0d-4dd5-ae9a-91b2ece0a753" providerId="AD" clId="Web-{40935AED-1311-E9DE-C4DF-708D70AFA4C8}" dt="2022-03-30T23:17:55.579" v="367"/>
+          <ac:spMkLst>
+            <pc:docMk/>
+            <pc:sldMk cId="1362934084" sldId="256"/>
+            <ac:spMk id="16" creationId="{6BA9E676-A8FC-4C2F-8D78-C13ED8ABDBA8}"/>
+          </ac:spMkLst>
+        </pc:spChg>
+        <pc:spChg chg="add del">
+          <ac:chgData name="Jireh Tseng" userId="S::tsengj@middleton.school.nz::eefb979d-fc0d-4dd5-ae9a-91b2ece0a753" providerId="AD" clId="Web-{40935AED-1311-E9DE-C4DF-708D70AFA4C8}" dt="2022-03-30T23:17:55.579" v="367"/>
+          <ac:spMkLst>
+            <pc:docMk/>
+            <pc:sldMk cId="1362934084" sldId="256"/>
+            <ac:spMk id="18" creationId="{A2B5CBEA-F125-49B6-8335-227C325B112B}"/>
+          </ac:spMkLst>
+        </pc:spChg>
+        <pc:spChg chg="add del">
+          <ac:chgData name="Jireh Tseng" userId="S::tsengj@middleton.school.nz::eefb979d-fc0d-4dd5-ae9a-91b2ece0a753" providerId="AD" clId="Web-{40935AED-1311-E9DE-C4DF-708D70AFA4C8}" dt="2022-03-30T23:17:55.579" v="367"/>
+          <ac:spMkLst>
+            <pc:docMk/>
+            <pc:sldMk cId="1362934084" sldId="256"/>
+            <ac:spMk id="20" creationId="{EECD79B5-5FC5-495F-BFD6-346C16E787A7}"/>
+          </ac:spMkLst>
+        </pc:spChg>
+        <pc:spChg chg="add del">
+          <ac:chgData name="Jireh Tseng" userId="S::tsengj@middleton.school.nz::eefb979d-fc0d-4dd5-ae9a-91b2ece0a753" providerId="AD" clId="Web-{40935AED-1311-E9DE-C4DF-708D70AFA4C8}" dt="2022-03-30T23:17:55.579" v="367"/>
+          <ac:spMkLst>
+            <pc:docMk/>
+            <pc:sldMk cId="1362934084" sldId="256"/>
+            <ac:spMk id="22" creationId="{2C1D3151-5F97-4860-B56C-C98BD62CC255}"/>
+          </ac:spMkLst>
+        </pc:spChg>
+        <pc:spChg chg="add del">
+          <ac:chgData name="Jireh Tseng" userId="S::tsengj@middleton.school.nz::eefb979d-fc0d-4dd5-ae9a-91b2ece0a753" providerId="AD" clId="Web-{40935AED-1311-E9DE-C4DF-708D70AFA4C8}" dt="2022-03-30T23:17:55.579" v="367"/>
+          <ac:spMkLst>
+            <pc:docMk/>
+            <pc:sldMk cId="1362934084" sldId="256"/>
+            <ac:spMk id="24" creationId="{32D9D048-3063-435A-8C23-26C1907E9619}"/>
+          </ac:spMkLst>
+        </pc:spChg>
+        <pc:spChg chg="add del">
+          <ac:chgData name="Jireh Tseng" userId="S::tsengj@middleton.school.nz::eefb979d-fc0d-4dd5-ae9a-91b2ece0a753" providerId="AD" clId="Web-{40935AED-1311-E9DE-C4DF-708D70AFA4C8}" dt="2022-03-30T23:17:55.579" v="367"/>
+          <ac:spMkLst>
+            <pc:docMk/>
+            <pc:sldMk cId="1362934084" sldId="256"/>
+            <ac:spMk id="26" creationId="{8DE96824-E506-4448-8704-5EC7BF7BC51B}"/>
+          </ac:spMkLst>
+        </pc:spChg>
+        <pc:spChg chg="add del">
+          <ac:chgData name="Jireh Tseng" userId="S::tsengj@middleton.school.nz::eefb979d-fc0d-4dd5-ae9a-91b2ece0a753" providerId="AD" clId="Web-{40935AED-1311-E9DE-C4DF-708D70AFA4C8}" dt="2022-03-30T23:17:55.579" v="367"/>
+          <ac:spMkLst>
+            <pc:docMk/>
+            <pc:sldMk cId="1362934084" sldId="256"/>
+            <ac:spMk id="28" creationId="{4D1A5E71-B6B6-486A-8CDC-C7ABD9B903F6}"/>
+          </ac:spMkLst>
+        </pc:spChg>
+        <pc:spChg chg="add del">
+          <ac:chgData name="Jireh Tseng" userId="S::tsengj@middleton.school.nz::eefb979d-fc0d-4dd5-ae9a-91b2ece0a753" providerId="AD" clId="Web-{40935AED-1311-E9DE-C4DF-708D70AFA4C8}" dt="2022-03-30T23:17:55.579" v="367"/>
+          <ac:spMkLst>
+            <pc:docMk/>
+            <pc:sldMk cId="1362934084" sldId="256"/>
+            <ac:spMk id="30" creationId="{B6C541AE-9B02-44C0-B8C6-B2DEA7ED3813}"/>
+          </ac:spMkLst>
+        </pc:spChg>
+        <pc:spChg chg="add">
+          <ac:chgData name="Jireh Tseng" userId="S::tsengj@middleton.school.nz::eefb979d-fc0d-4dd5-ae9a-91b2ece0a753" providerId="AD" clId="Web-{40935AED-1311-E9DE-C4DF-708D70AFA4C8}" dt="2022-03-30T23:17:55.579" v="367"/>
+          <ac:spMkLst>
+            <pc:docMk/>
+            <pc:sldMk cId="1362934084" sldId="256"/>
+            <ac:spMk id="35" creationId="{1A3C89F8-0D2F-47FF-B903-151248265F47}"/>
+          </ac:spMkLst>
+        </pc:spChg>
+        <pc:spChg chg="add del">
+          <ac:chgData name="Jireh Tseng" userId="S::tsengj@middleton.school.nz::eefb979d-fc0d-4dd5-ae9a-91b2ece0a753" providerId="AD" clId="Web-{40935AED-1311-E9DE-C4DF-708D70AFA4C8}" dt="2022-03-30T23:17:55.563" v="366"/>
+          <ac:spMkLst>
+            <pc:docMk/>
+            <pc:sldMk cId="1362934084" sldId="256"/>
+            <ac:spMk id="36" creationId="{C1DD1A8A-57D5-4A81-AD04-532B043C5611}"/>
+          </ac:spMkLst>
+        </pc:spChg>
+        <pc:spChg chg="add">
+          <ac:chgData name="Jireh Tseng" userId="S::tsengj@middleton.school.nz::eefb979d-fc0d-4dd5-ae9a-91b2ece0a753" providerId="AD" clId="Web-{40935AED-1311-E9DE-C4DF-708D70AFA4C8}" dt="2022-03-30T23:17:55.579" v="367"/>
+          <ac:spMkLst>
+            <pc:docMk/>
+            <pc:sldMk cId="1362934084" sldId="256"/>
+            <ac:spMk id="37" creationId="{C5CB530E-515E-412C-9DF1-5F8FFBD6F383}"/>
+          </ac:spMkLst>
+        </pc:spChg>
+        <pc:spChg chg="add del">
+          <ac:chgData name="Jireh Tseng" userId="S::tsengj@middleton.school.nz::eefb979d-fc0d-4dd5-ae9a-91b2ece0a753" providerId="AD" clId="Web-{40935AED-1311-E9DE-C4DF-708D70AFA4C8}" dt="2022-03-30T23:17:55.563" v="366"/>
+          <ac:spMkLst>
+            <pc:docMk/>
+            <pc:sldMk cId="1362934084" sldId="256"/>
+            <ac:spMk id="38" creationId="{007891EC-4501-44ED-A8C8-B11B6DB767AB}"/>
+          </ac:spMkLst>
+        </pc:spChg>
+        <pc:spChg chg="add">
+          <ac:chgData name="Jireh Tseng" userId="S::tsengj@middleton.school.nz::eefb979d-fc0d-4dd5-ae9a-91b2ece0a753" providerId="AD" clId="Web-{40935AED-1311-E9DE-C4DF-708D70AFA4C8}" dt="2022-03-30T23:17:55.579" v="367"/>
+          <ac:spMkLst>
+            <pc:docMk/>
+            <pc:sldMk cId="1362934084" sldId="256"/>
+            <ac:spMk id="39" creationId="{712D4376-A578-4FF1-94FC-245E7A6A489F}"/>
+          </ac:spMkLst>
+        </pc:spChg>
+        <pc:spChg chg="add">
+          <ac:chgData name="Jireh Tseng" userId="S::tsengj@middleton.school.nz::eefb979d-fc0d-4dd5-ae9a-91b2ece0a753" providerId="AD" clId="Web-{40935AED-1311-E9DE-C4DF-708D70AFA4C8}" dt="2022-03-30T23:17:55.579" v="367"/>
+          <ac:spMkLst>
+            <pc:docMk/>
+            <pc:sldMk cId="1362934084" sldId="256"/>
+            <ac:spMk id="41" creationId="{AEA7509D-F04F-40CB-A0B3-EEF16499CC9F}"/>
+          </ac:spMkLst>
+        </pc:spChg>
+        <pc:spChg chg="add">
+          <ac:chgData name="Jireh Tseng" userId="S::tsengj@middleton.school.nz::eefb979d-fc0d-4dd5-ae9a-91b2ece0a753" providerId="AD" clId="Web-{40935AED-1311-E9DE-C4DF-708D70AFA4C8}" dt="2022-03-30T23:17:55.579" v="367"/>
+          <ac:spMkLst>
+            <pc:docMk/>
+            <pc:sldMk cId="1362934084" sldId="256"/>
+            <ac:spMk id="45" creationId="{508BEF50-7B1E-49A4-BC19-5F4F1D755E64}"/>
+          </ac:spMkLst>
+        </pc:spChg>
+        <pc:spChg chg="add">
+          <ac:chgData name="Jireh Tseng" userId="S::tsengj@middleton.school.nz::eefb979d-fc0d-4dd5-ae9a-91b2ece0a753" providerId="AD" clId="Web-{40935AED-1311-E9DE-C4DF-708D70AFA4C8}" dt="2022-03-30T23:17:55.579" v="367"/>
+          <ac:spMkLst>
+            <pc:docMk/>
+            <pc:sldMk cId="1362934084" sldId="256"/>
+            <ac:spMk id="47" creationId="{3FBAD350-5664-4811-A208-657FB882D350}"/>
+          </ac:spMkLst>
+        </pc:spChg>
+        <pc:spChg chg="add">
+          <ac:chgData name="Jireh Tseng" userId="S::tsengj@middleton.school.nz::eefb979d-fc0d-4dd5-ae9a-91b2ece0a753" providerId="AD" clId="Web-{40935AED-1311-E9DE-C4DF-708D70AFA4C8}" dt="2022-03-30T23:17:55.579" v="367"/>
+          <ac:spMkLst>
+            <pc:docMk/>
+            <pc:sldMk cId="1362934084" sldId="256"/>
+            <ac:spMk id="49" creationId="{C39ADB8F-D187-49D7-BDCF-C1B6DC727068}"/>
+          </ac:spMkLst>
+        </pc:spChg>
+        <pc:picChg chg="add del">
+          <ac:chgData name="Jireh Tseng" userId="S::tsengj@middleton.school.nz::eefb979d-fc0d-4dd5-ae9a-91b2ece0a753" providerId="AD" clId="Web-{40935AED-1311-E9DE-C4DF-708D70AFA4C8}" dt="2022-03-30T23:17:55.563" v="366"/>
+          <ac:picMkLst>
+            <pc:docMk/>
+            <pc:sldMk cId="1362934084" sldId="256"/>
+            <ac:picMk id="32" creationId="{487114A3-E06F-A5AF-ED8F-FA974B04784D}"/>
+          </ac:picMkLst>
+        </pc:picChg>
+        <pc:cxnChg chg="add">
+          <ac:chgData name="Jireh Tseng" userId="S::tsengj@middleton.school.nz::eefb979d-fc0d-4dd5-ae9a-91b2ece0a753" providerId="AD" clId="Web-{40935AED-1311-E9DE-C4DF-708D70AFA4C8}" dt="2022-03-30T23:17:55.579" v="367"/>
+          <ac:cxnSpMkLst>
+            <pc:docMk/>
+            <pc:sldMk cId="1362934084" sldId="256"/>
+            <ac:cxnSpMk id="43" creationId="{56020367-4FD5-4596-8E10-C5F095CD8DBF}"/>
+          </ac:cxnSpMkLst>
+        </pc:cxnChg>
+      </pc:sldChg>
       <pc:sldChg chg="modSp">
-        <pc:chgData name="Jireh Tseng" userId="S::tsengj@middleton.school.nz::eefb979d-fc0d-4dd5-ae9a-91b2ece0a753" providerId="AD" clId="Web-{C427EC4C-938F-CEFB-1DE3-DC4C55162615}" dt="2022-05-05T00:33:54.227" v="427" actId="20577"/>
+        <pc:chgData name="Jireh Tseng" userId="S::tsengj@middleton.school.nz::eefb979d-fc0d-4dd5-ae9a-91b2ece0a753" providerId="AD" clId="Web-{40935AED-1311-E9DE-C4DF-708D70AFA4C8}" dt="2022-03-30T23:06:17.685" v="1" actId="20577"/>
         <pc:sldMkLst>
           <pc:docMk/>
           <pc:sldMk cId="3838895173" sldId="258"/>
         </pc:sldMkLst>
         <pc:spChg chg="mod">
-          <ac:chgData name="Jireh Tseng" userId="S::tsengj@middleton.school.nz::eefb979d-fc0d-4dd5-ae9a-91b2ece0a753" providerId="AD" clId="Web-{C427EC4C-938F-CEFB-1DE3-DC4C55162615}" dt="2022-05-05T00:33:54.227" v="427" actId="20577"/>
+          <ac:chgData name="Jireh Tseng" userId="S::tsengj@middleton.school.nz::eefb979d-fc0d-4dd5-ae9a-91b2ece0a753" providerId="AD" clId="Web-{40935AED-1311-E9DE-C4DF-708D70AFA4C8}" dt="2022-03-30T23:06:17.685" v="1" actId="20577"/>
           <ac:spMkLst>
             <pc:docMk/>
             <pc:sldMk cId="3838895173" sldId="258"/>
@@ -2448,37 +2603,83 @@
           </ac:spMkLst>
         </pc:spChg>
       </pc:sldChg>
-      <pc:sldChg chg="addSp modSp">
-        <pc:chgData name="Jireh Tseng" userId="S::tsengj@middleton.school.nz::eefb979d-fc0d-4dd5-ae9a-91b2ece0a753" providerId="AD" clId="Web-{C427EC4C-938F-CEFB-1DE3-DC4C55162615}" dt="2022-05-05T00:28:27.186" v="382" actId="1076"/>
+      <pc:sldChg chg="addSp delSp modSp">
+        <pc:chgData name="Jireh Tseng" userId="S::tsengj@middleton.school.nz::eefb979d-fc0d-4dd5-ae9a-91b2ece0a753" providerId="AD" clId="Web-{40935AED-1311-E9DE-C4DF-708D70AFA4C8}" dt="2022-03-30T23:09:19.174" v="24"/>
+        <pc:sldMkLst>
+          <pc:docMk/>
+          <pc:sldMk cId="1084233196" sldId="263"/>
+        </pc:sldMkLst>
+        <pc:spChg chg="add del mod">
+          <ac:chgData name="Jireh Tseng" userId="S::tsengj@middleton.school.nz::eefb979d-fc0d-4dd5-ae9a-91b2ece0a753" providerId="AD" clId="Web-{40935AED-1311-E9DE-C4DF-708D70AFA4C8}" dt="2022-03-30T23:09:19.174" v="24"/>
+          <ac:spMkLst>
+            <pc:docMk/>
+            <pc:sldMk cId="1084233196" sldId="263"/>
+            <ac:spMk id="4" creationId="{A043DA02-518A-047A-2F5C-16D47DF1D135}"/>
+          </ac:spMkLst>
+        </pc:spChg>
+      </pc:sldChg>
+      <pc:sldChg chg="del">
+        <pc:chgData name="Jireh Tseng" userId="S::tsengj@middleton.school.nz::eefb979d-fc0d-4dd5-ae9a-91b2ece0a753" providerId="AD" clId="Web-{40935AED-1311-E9DE-C4DF-708D70AFA4C8}" dt="2022-03-30T23:07:35.999" v="2"/>
+        <pc:sldMkLst>
+          <pc:docMk/>
+          <pc:sldMk cId="3377323929" sldId="278"/>
+        </pc:sldMkLst>
+      </pc:sldChg>
+      <pc:sldChg chg="addSp delSp modSp add ord replId">
+        <pc:chgData name="Jireh Tseng" userId="S::tsengj@middleton.school.nz::eefb979d-fc0d-4dd5-ae9a-91b2ece0a753" providerId="AD" clId="Web-{40935AED-1311-E9DE-C4DF-708D70AFA4C8}" dt="2022-03-30T23:08:46.282" v="20" actId="1076"/>
         <pc:sldMkLst>
           <pc:docMk/>
           <pc:sldMk cId="1732950584" sldId="281"/>
         </pc:sldMkLst>
+        <pc:spChg chg="del">
+          <ac:chgData name="Jireh Tseng" userId="S::tsengj@middleton.school.nz::eefb979d-fc0d-4dd5-ae9a-91b2ece0a753" providerId="AD" clId="Web-{40935AED-1311-E9DE-C4DF-708D70AFA4C8}" dt="2022-03-30T23:08:14.547" v="14"/>
+          <ac:spMkLst>
+            <pc:docMk/>
+            <pc:sldMk cId="1732950584" sldId="281"/>
+            <ac:spMk id="3" creationId="{9080C512-4F5A-4DB6-83B0-A0A10570541D}"/>
+          </ac:spMkLst>
+        </pc:spChg>
+        <pc:spChg chg="del">
+          <ac:chgData name="Jireh Tseng" userId="S::tsengj@middleton.school.nz::eefb979d-fc0d-4dd5-ae9a-91b2ece0a753" providerId="AD" clId="Web-{40935AED-1311-E9DE-C4DF-708D70AFA4C8}" dt="2022-03-30T23:08:15.907" v="15"/>
+          <ac:spMkLst>
+            <pc:docMk/>
+            <pc:sldMk cId="1732950584" sldId="281"/>
+            <ac:spMk id="5" creationId="{93CEF551-4230-4C69-A934-2D572844D7C7}"/>
+          </ac:spMkLst>
+        </pc:spChg>
+        <pc:spChg chg="mod">
+          <ac:chgData name="Jireh Tseng" userId="S::tsengj@middleton.school.nz::eefb979d-fc0d-4dd5-ae9a-91b2ece0a753" providerId="AD" clId="Web-{40935AED-1311-E9DE-C4DF-708D70AFA4C8}" dt="2022-03-30T23:08:10.344" v="12" actId="20577"/>
+          <ac:spMkLst>
+            <pc:docMk/>
+            <pc:sldMk cId="1732950584" sldId="281"/>
+            <ac:spMk id="86" creationId="{00000000-0000-0000-0000-000000000000}"/>
+          </ac:spMkLst>
+        </pc:spChg>
+        <pc:picChg chg="del">
+          <ac:chgData name="Jireh Tseng" userId="S::tsengj@middleton.school.nz::eefb979d-fc0d-4dd5-ae9a-91b2ece0a753" providerId="AD" clId="Web-{40935AED-1311-E9DE-C4DF-708D70AFA4C8}" dt="2022-03-30T23:08:12.094" v="13"/>
+          <ac:picMkLst>
+            <pc:docMk/>
+            <pc:sldMk cId="1732950584" sldId="281"/>
+            <ac:picMk id="2" creationId="{6A484709-C50D-4D4E-A116-F1A8E11C293C}"/>
+          </ac:picMkLst>
+        </pc:picChg>
         <pc:picChg chg="add mod">
-          <ac:chgData name="Jireh Tseng" userId="S::tsengj@middleton.school.nz::eefb979d-fc0d-4dd5-ae9a-91b2ece0a753" providerId="AD" clId="Web-{C427EC4C-938F-CEFB-1DE3-DC4C55162615}" dt="2022-05-05T00:28:27.186" v="382" actId="1076"/>
+          <ac:chgData name="Jireh Tseng" userId="S::tsengj@middleton.school.nz::eefb979d-fc0d-4dd5-ae9a-91b2ece0a753" providerId="AD" clId="Web-{40935AED-1311-E9DE-C4DF-708D70AFA4C8}" dt="2022-03-30T23:08:46.282" v="20" actId="1076"/>
           <ac:picMkLst>
             <pc:docMk/>
             <pc:sldMk cId="1732950584" sldId="281"/>
-            <ac:picMk id="3" creationId="{5637524A-0934-725D-BFCD-66AF1F36C1B5}"/>
+            <ac:picMk id="4" creationId="{E5C81E07-4E1E-4823-E30E-0F12B7098C51}"/>
           </ac:picMkLst>
         </pc:picChg>
       </pc:sldChg>
-      <pc:sldChg chg="addSp modSp">
-        <pc:chgData name="Jireh Tseng" userId="S::tsengj@middleton.school.nz::eefb979d-fc0d-4dd5-ae9a-91b2ece0a753" providerId="AD" clId="Web-{C427EC4C-938F-CEFB-1DE3-DC4C55162615}" dt="2022-05-05T00:29:00.968" v="410"/>
+      <pc:sldChg chg="modSp add ord replId">
+        <pc:chgData name="Jireh Tseng" userId="S::tsengj@middleton.school.nz::eefb979d-fc0d-4dd5-ae9a-91b2ece0a753" providerId="AD" clId="Web-{40935AED-1311-E9DE-C4DF-708D70AFA4C8}" dt="2022-03-30T23:17:12.203" v="360"/>
         <pc:sldMkLst>
           <pc:docMk/>
           <pc:sldMk cId="3778962545" sldId="282"/>
         </pc:sldMkLst>
-        <pc:spChg chg="add mod">
-          <ac:chgData name="Jireh Tseng" userId="S::tsengj@middleton.school.nz::eefb979d-fc0d-4dd5-ae9a-91b2ece0a753" providerId="AD" clId="Web-{C427EC4C-938F-CEFB-1DE3-DC4C55162615}" dt="2022-05-05T00:28:42.187" v="384" actId="1076"/>
-          <ac:spMkLst>
-            <pc:docMk/>
-            <pc:sldMk cId="3778962545" sldId="282"/>
-            <ac:spMk id="2" creationId="{287D648C-5976-1610-3FA0-AEF117B27B93}"/>
-          </ac:spMkLst>
-        </pc:spChg>
         <pc:spChg chg="mod">
-          <ac:chgData name="Jireh Tseng" userId="S::tsengj@middleton.school.nz::eefb979d-fc0d-4dd5-ae9a-91b2ece0a753" providerId="AD" clId="Web-{C427EC4C-938F-CEFB-1DE3-DC4C55162615}" dt="2022-05-05T00:11:55.470" v="378" actId="20577"/>
+          <ac:chgData name="Jireh Tseng" userId="S::tsengj@middleton.school.nz::eefb979d-fc0d-4dd5-ae9a-91b2ece0a753" providerId="AD" clId="Web-{40935AED-1311-E9DE-C4DF-708D70AFA4C8}" dt="2022-03-30T23:10:17.785" v="36" actId="20577"/>
           <ac:spMkLst>
             <pc:docMk/>
             <pc:sldMk cId="3778962545" sldId="282"/>
@@ -2486,7 +2687,7 @@
           </ac:spMkLst>
         </pc:spChg>
         <pc:graphicFrameChg chg="mod modGraphic">
-          <ac:chgData name="Jireh Tseng" userId="S::tsengj@middleton.school.nz::eefb979d-fc0d-4dd5-ae9a-91b2ece0a753" providerId="AD" clId="Web-{C427EC4C-938F-CEFB-1DE3-DC4C55162615}" dt="2022-05-05T00:29:00.968" v="410"/>
+          <ac:chgData name="Jireh Tseng" userId="S::tsengj@middleton.school.nz::eefb979d-fc0d-4dd5-ae9a-91b2ece0a753" providerId="AD" clId="Web-{40935AED-1311-E9DE-C4DF-708D70AFA4C8}" dt="2022-03-30T23:17:12.203" v="360"/>
           <ac:graphicFrameMkLst>
             <pc:docMk/>
             <pc:sldMk cId="3778962545" sldId="282"/>
@@ -2494,303 +2695,407 @@
           </ac:graphicFrameMkLst>
         </pc:graphicFrameChg>
       </pc:sldChg>
-      <pc:sldChg chg="addSp delSp modSp">
-        <pc:chgData name="Jireh Tseng" userId="S::tsengj@middleton.school.nz::eefb979d-fc0d-4dd5-ae9a-91b2ece0a753" providerId="AD" clId="Web-{C427EC4C-938F-CEFB-1DE3-DC4C55162615}" dt="2022-05-05T00:30:16.424" v="424" actId="1076"/>
+    </pc:docChg>
+  </pc:docChgLst>
+  <pc:docChgLst>
+    <pc:chgData name="Jireh Tseng" userId="S::tsengj@middleton.school.nz::eefb979d-fc0d-4dd5-ae9a-91b2ece0a753" providerId="AD" clId="Web-{ED89BA52-C93F-C9E4-3561-9BF3A71FD8F3}"/>
+    <pc:docChg chg="addSld modSld sldOrd">
+      <pc:chgData name="Jireh Tseng" userId="S::tsengj@middleton.school.nz::eefb979d-fc0d-4dd5-ae9a-91b2ece0a753" providerId="AD" clId="Web-{ED89BA52-C93F-C9E4-3561-9BF3A71FD8F3}" dt="2022-04-04T21:08:20.274" v="818" actId="1076"/>
+      <pc:docMkLst>
+        <pc:docMk/>
+      </pc:docMkLst>
+      <pc:sldChg chg="addSp modSp">
+        <pc:chgData name="Jireh Tseng" userId="S::tsengj@middleton.school.nz::eefb979d-fc0d-4dd5-ae9a-91b2ece0a753" providerId="AD" clId="Web-{ED89BA52-C93F-C9E4-3561-9BF3A71FD8F3}" dt="2022-04-04T20:54:36.893" v="37" actId="1076"/>
         <pc:sldMkLst>
           <pc:docMk/>
           <pc:sldMk cId="2568554082" sldId="283"/>
         </pc:sldMkLst>
         <pc:spChg chg="mod">
-          <ac:chgData name="Jireh Tseng" userId="S::tsengj@middleton.school.nz::eefb979d-fc0d-4dd5-ae9a-91b2ece0a753" providerId="AD" clId="Web-{C427EC4C-938F-CEFB-1DE3-DC4C55162615}" dt="2022-05-05T00:30:16.424" v="424" actId="1076"/>
+          <ac:chgData name="Jireh Tseng" userId="S::tsengj@middleton.school.nz::eefb979d-fc0d-4dd5-ae9a-91b2ece0a753" providerId="AD" clId="Web-{ED89BA52-C93F-C9E4-3561-9BF3A71FD8F3}" dt="2022-04-04T20:54:16.158" v="33" actId="20577"/>
           <ac:spMkLst>
             <pc:docMk/>
             <pc:sldMk cId="2568554082" sldId="283"/>
             <ac:spMk id="3" creationId="{6BE7D083-107B-9598-9BED-5E001A7543AF}"/>
           </ac:spMkLst>
         </pc:spChg>
-        <pc:spChg chg="mod">
-          <ac:chgData name="Jireh Tseng" userId="S::tsengj@middleton.school.nz::eefb979d-fc0d-4dd5-ae9a-91b2ece0a753" providerId="AD" clId="Web-{C427EC4C-938F-CEFB-1DE3-DC4C55162615}" dt="2022-05-05T00:30:07.111" v="423" actId="20577"/>
-          <ac:spMkLst>
-            <pc:docMk/>
-            <pc:sldMk cId="2568554082" sldId="283"/>
-            <ac:spMk id="91" creationId="{00000000-0000-0000-0000-000000000000}"/>
-          </ac:spMkLst>
-        </pc:spChg>
-        <pc:picChg chg="del">
-          <ac:chgData name="Jireh Tseng" userId="S::tsengj@middleton.school.nz::eefb979d-fc0d-4dd5-ae9a-91b2ece0a753" providerId="AD" clId="Web-{C427EC4C-938F-CEFB-1DE3-DC4C55162615}" dt="2022-05-05T00:29:14.187" v="411"/>
-          <ac:picMkLst>
-            <pc:docMk/>
-            <pc:sldMk cId="2568554082" sldId="283"/>
-            <ac:picMk id="2" creationId="{F837C40C-4306-D890-2C3D-79261A778469}"/>
-          </ac:picMkLst>
-        </pc:picChg>
-        <pc:picChg chg="del">
-          <ac:chgData name="Jireh Tseng" userId="S::tsengj@middleton.school.nz::eefb979d-fc0d-4dd5-ae9a-91b2ece0a753" providerId="AD" clId="Web-{C427EC4C-938F-CEFB-1DE3-DC4C55162615}" dt="2022-05-05T00:29:15.359" v="412"/>
+        <pc:picChg chg="add mod">
+          <ac:chgData name="Jireh Tseng" userId="S::tsengj@middleton.school.nz::eefb979d-fc0d-4dd5-ae9a-91b2ece0a753" providerId="AD" clId="Web-{ED89BA52-C93F-C9E4-3561-9BF3A71FD8F3}" dt="2022-04-04T20:54:36.893" v="37" actId="1076"/>
           <ac:picMkLst>
             <pc:docMk/>
             <pc:sldMk cId="2568554082" sldId="283"/>
             <ac:picMk id="4" creationId="{9B6711AC-D2BC-B7C6-105F-22B6DE2DE07C}"/>
           </ac:picMkLst>
         </pc:picChg>
+      </pc:sldChg>
+      <pc:sldChg chg="modSp add ord replId">
+        <pc:chgData name="Jireh Tseng" userId="S::tsengj@middleton.school.nz::eefb979d-fc0d-4dd5-ae9a-91b2ece0a753" providerId="AD" clId="Web-{ED89BA52-C93F-C9E4-3561-9BF3A71FD8F3}" dt="2022-04-04T21:08:20.274" v="818" actId="1076"/>
+        <pc:sldMkLst>
+          <pc:docMk/>
+          <pc:sldMk cId="3526152642" sldId="284"/>
+        </pc:sldMkLst>
+        <pc:spChg chg="mod">
+          <ac:chgData name="Jireh Tseng" userId="S::tsengj@middleton.school.nz::eefb979d-fc0d-4dd5-ae9a-91b2ece0a753" providerId="AD" clId="Web-{ED89BA52-C93F-C9E4-3561-9BF3A71FD8F3}" dt="2022-04-04T20:56:49.052" v="47" actId="20577"/>
+          <ac:spMkLst>
+            <pc:docMk/>
+            <pc:sldMk cId="3526152642" sldId="284"/>
+            <ac:spMk id="91" creationId="{00000000-0000-0000-0000-000000000000}"/>
+          </ac:spMkLst>
+        </pc:spChg>
+        <pc:graphicFrameChg chg="mod modGraphic">
+          <ac:chgData name="Jireh Tseng" userId="S::tsengj@middleton.school.nz::eefb979d-fc0d-4dd5-ae9a-91b2ece0a753" providerId="AD" clId="Web-{ED89BA52-C93F-C9E4-3561-9BF3A71FD8F3}" dt="2022-04-04T21:08:20.274" v="818" actId="1076"/>
+          <ac:graphicFrameMkLst>
+            <pc:docMk/>
+            <pc:sldMk cId="3526152642" sldId="284"/>
+            <ac:graphicFrameMk id="92" creationId="{00000000-0000-0000-0000-000000000000}"/>
+          </ac:graphicFrameMkLst>
+        </pc:graphicFrameChg>
+      </pc:sldChg>
+    </pc:docChg>
+  </pc:docChgLst>
+  <pc:docChgLst>
+    <pc:chgData name="Jireh Tseng" userId="S::tsengj@middleton.school.nz::eefb979d-fc0d-4dd5-ae9a-91b2ece0a753" providerId="AD" clId="Web-{375B0929-B0E9-D3AF-ABEE-4D9C91617552}"/>
+    <pc:docChg chg="addSld modSld sldOrd">
+      <pc:chgData name="Jireh Tseng" userId="S::tsengj@middleton.school.nz::eefb979d-fc0d-4dd5-ae9a-91b2ece0a753" providerId="AD" clId="Web-{375B0929-B0E9-D3AF-ABEE-4D9C91617552}" dt="2022-04-14T07:28:12.647" v="145" actId="1076"/>
+      <pc:docMkLst>
+        <pc:docMk/>
+      </pc:docMkLst>
+      <pc:sldChg chg="addSp delSp modSp ord">
+        <pc:chgData name="Jireh Tseng" userId="S::tsengj@middleton.school.nz::eefb979d-fc0d-4dd5-ae9a-91b2ece0a753" providerId="AD" clId="Web-{375B0929-B0E9-D3AF-ABEE-4D9C91617552}" dt="2022-04-14T07:22:35.075" v="128" actId="1076"/>
+        <pc:sldMkLst>
+          <pc:docMk/>
+          <pc:sldMk cId="3904275858" sldId="299"/>
+        </pc:sldMkLst>
+        <pc:spChg chg="mod">
+          <ac:chgData name="Jireh Tseng" userId="S::tsengj@middleton.school.nz::eefb979d-fc0d-4dd5-ae9a-91b2ece0a753" providerId="AD" clId="Web-{375B0929-B0E9-D3AF-ABEE-4D9C91617552}" dt="2022-04-14T07:05:45.157" v="77" actId="20577"/>
+          <ac:spMkLst>
+            <pc:docMk/>
+            <pc:sldMk cId="3904275858" sldId="299"/>
+            <ac:spMk id="4" creationId="{A1B3C866-DC84-97B0-47F0-CB76AF369A87}"/>
+          </ac:spMkLst>
+        </pc:spChg>
+        <pc:spChg chg="add del">
+          <ac:chgData name="Jireh Tseng" userId="S::tsengj@middleton.school.nz::eefb979d-fc0d-4dd5-ae9a-91b2ece0a753" providerId="AD" clId="Web-{375B0929-B0E9-D3AF-ABEE-4D9C91617552}" dt="2022-04-14T07:20:08.352" v="97"/>
+          <ac:spMkLst>
+            <pc:docMk/>
+            <pc:sldMk cId="3904275858" sldId="299"/>
+            <ac:spMk id="5" creationId="{D1A846C5-DC08-8375-7C42-15EAEE9BFDF4}"/>
+          </ac:spMkLst>
+        </pc:spChg>
+        <pc:spChg chg="add mod">
+          <ac:chgData name="Jireh Tseng" userId="S::tsengj@middleton.school.nz::eefb979d-fc0d-4dd5-ae9a-91b2ece0a753" providerId="AD" clId="Web-{375B0929-B0E9-D3AF-ABEE-4D9C91617552}" dt="2022-04-14T07:21:48.246" v="115" actId="1076"/>
+          <ac:spMkLst>
+            <pc:docMk/>
+            <pc:sldMk cId="3904275858" sldId="299"/>
+            <ac:spMk id="12" creationId="{5B73C7A6-DFBA-0622-1C60-8325500CAAE2}"/>
+          </ac:spMkLst>
+        </pc:spChg>
+        <pc:spChg chg="add mod">
+          <ac:chgData name="Jireh Tseng" userId="S::tsengj@middleton.school.nz::eefb979d-fc0d-4dd5-ae9a-91b2ece0a753" providerId="AD" clId="Web-{375B0929-B0E9-D3AF-ABEE-4D9C91617552}" dt="2022-04-14T07:21:55.012" v="118" actId="1076"/>
+          <ac:spMkLst>
+            <pc:docMk/>
+            <pc:sldMk cId="3904275858" sldId="299"/>
+            <ac:spMk id="13" creationId="{A972EFEC-7430-2BBB-E1CF-DBF1B9B6D180}"/>
+          </ac:spMkLst>
+        </pc:spChg>
+        <pc:spChg chg="add mod">
+          <ac:chgData name="Jireh Tseng" userId="S::tsengj@middleton.school.nz::eefb979d-fc0d-4dd5-ae9a-91b2ece0a753" providerId="AD" clId="Web-{375B0929-B0E9-D3AF-ABEE-4D9C91617552}" dt="2022-04-14T07:22:15.872" v="120" actId="1076"/>
+          <ac:spMkLst>
+            <pc:docMk/>
+            <pc:sldMk cId="3904275858" sldId="299"/>
+            <ac:spMk id="14" creationId="{CCD107C4-80B4-B15F-39C1-4725C3C50F9C}"/>
+          </ac:spMkLst>
+        </pc:spChg>
+        <pc:spChg chg="add mod">
+          <ac:chgData name="Jireh Tseng" userId="S::tsengj@middleton.school.nz::eefb979d-fc0d-4dd5-ae9a-91b2ece0a753" providerId="AD" clId="Web-{375B0929-B0E9-D3AF-ABEE-4D9C91617552}" dt="2022-04-14T07:22:20.809" v="122" actId="1076"/>
+          <ac:spMkLst>
+            <pc:docMk/>
+            <pc:sldMk cId="3904275858" sldId="299"/>
+            <ac:spMk id="15" creationId="{E67B222E-17A2-2C26-89CD-2BFA9EA1F381}"/>
+          </ac:spMkLst>
+        </pc:spChg>
+        <pc:spChg chg="add mod">
+          <ac:chgData name="Jireh Tseng" userId="S::tsengj@middleton.school.nz::eefb979d-fc0d-4dd5-ae9a-91b2ece0a753" providerId="AD" clId="Web-{375B0929-B0E9-D3AF-ABEE-4D9C91617552}" dt="2022-04-14T07:22:26.684" v="124" actId="1076"/>
+          <ac:spMkLst>
+            <pc:docMk/>
+            <pc:sldMk cId="3904275858" sldId="299"/>
+            <ac:spMk id="16" creationId="{3DD6C770-243A-CC05-AA13-B954F1616B48}"/>
+          </ac:spMkLst>
+        </pc:spChg>
+        <pc:spChg chg="add mod">
+          <ac:chgData name="Jireh Tseng" userId="S::tsengj@middleton.school.nz::eefb979d-fc0d-4dd5-ae9a-91b2ece0a753" providerId="AD" clId="Web-{375B0929-B0E9-D3AF-ABEE-4D9C91617552}" dt="2022-04-14T07:22:30.903" v="126" actId="1076"/>
+          <ac:spMkLst>
+            <pc:docMk/>
+            <pc:sldMk cId="3904275858" sldId="299"/>
+            <ac:spMk id="17" creationId="{7992EE88-450F-3B30-A895-AE8960A91374}"/>
+          </ac:spMkLst>
+        </pc:spChg>
+        <pc:spChg chg="add mod">
+          <ac:chgData name="Jireh Tseng" userId="S::tsengj@middleton.school.nz::eefb979d-fc0d-4dd5-ae9a-91b2ece0a753" providerId="AD" clId="Web-{375B0929-B0E9-D3AF-ABEE-4D9C91617552}" dt="2022-04-14T07:22:35.075" v="128" actId="1076"/>
+          <ac:spMkLst>
+            <pc:docMk/>
+            <pc:sldMk cId="3904275858" sldId="299"/>
+            <ac:spMk id="18" creationId="{37CF464A-E46B-84D1-0671-4262DC8758E9}"/>
+          </ac:spMkLst>
+        </pc:spChg>
+        <pc:inkChg chg="add del">
+          <ac:chgData name="Jireh Tseng" userId="S::tsengj@middleton.school.nz::eefb979d-fc0d-4dd5-ae9a-91b2ece0a753" providerId="AD" clId="Web-{375B0929-B0E9-D3AF-ABEE-4D9C91617552}" dt="2022-04-14T07:20:36.588" v="99"/>
+          <ac:inkMkLst>
+            <pc:docMk/>
+            <pc:sldMk cId="3904275858" sldId="299"/>
+            <ac:inkMk id="7" creationId="{814F0C0F-AC4B-E3C0-08AB-D2189E75D394}"/>
+          </ac:inkMkLst>
+        </pc:inkChg>
+        <pc:inkChg chg="add del">
+          <ac:chgData name="Jireh Tseng" userId="S::tsengj@middleton.school.nz::eefb979d-fc0d-4dd5-ae9a-91b2ece0a753" providerId="AD" clId="Web-{375B0929-B0E9-D3AF-ABEE-4D9C91617552}" dt="2022-04-14T07:21:19.667" v="107"/>
+          <ac:inkMkLst>
+            <pc:docMk/>
+            <pc:sldMk cId="3904275858" sldId="299"/>
+            <ac:inkMk id="8" creationId="{F852F749-9536-896D-F1B8-C2517C60DE65}"/>
+          </ac:inkMkLst>
+        </pc:inkChg>
+        <pc:inkChg chg="add del">
+          <ac:chgData name="Jireh Tseng" userId="S::tsengj@middleton.school.nz::eefb979d-fc0d-4dd5-ae9a-91b2ece0a753" providerId="AD" clId="Web-{375B0929-B0E9-D3AF-ABEE-4D9C91617552}" dt="2022-04-14T07:21:19.667" v="106"/>
+          <ac:inkMkLst>
+            <pc:docMk/>
+            <pc:sldMk cId="3904275858" sldId="299"/>
+            <ac:inkMk id="9" creationId="{BEADAD17-6C7D-747D-A2E3-0393FED9DD9A}"/>
+          </ac:inkMkLst>
+        </pc:inkChg>
+        <pc:inkChg chg="add del">
+          <ac:chgData name="Jireh Tseng" userId="S::tsengj@middleton.school.nz::eefb979d-fc0d-4dd5-ae9a-91b2ece0a753" providerId="AD" clId="Web-{375B0929-B0E9-D3AF-ABEE-4D9C91617552}" dt="2022-04-14T07:21:19.667" v="105"/>
+          <ac:inkMkLst>
+            <pc:docMk/>
+            <pc:sldMk cId="3904275858" sldId="299"/>
+            <ac:inkMk id="10" creationId="{0CD777F0-62B8-F75A-B7E4-57EA057E6F01}"/>
+          </ac:inkMkLst>
+        </pc:inkChg>
+        <pc:inkChg chg="add del">
+          <ac:chgData name="Jireh Tseng" userId="S::tsengj@middleton.school.nz::eefb979d-fc0d-4dd5-ae9a-91b2ece0a753" providerId="AD" clId="Web-{375B0929-B0E9-D3AF-ABEE-4D9C91617552}" dt="2022-04-14T07:21:13.464" v="104"/>
+          <ac:inkMkLst>
+            <pc:docMk/>
+            <pc:sldMk cId="3904275858" sldId="299"/>
+            <ac:inkMk id="11" creationId="{3EA44309-1AEA-3672-3928-4122A6E8FE02}"/>
+          </ac:inkMkLst>
+        </pc:inkChg>
+      </pc:sldChg>
+      <pc:sldChg chg="addSp delSp modSp add ord replId">
+        <pc:chgData name="Jireh Tseng" userId="S::tsengj@middleton.school.nz::eefb979d-fc0d-4dd5-ae9a-91b2ece0a753" providerId="AD" clId="Web-{375B0929-B0E9-D3AF-ABEE-4D9C91617552}" dt="2022-04-14T07:23:59.702" v="132" actId="1076"/>
+        <pc:sldMkLst>
+          <pc:docMk/>
+          <pc:sldMk cId="695773269" sldId="300"/>
+        </pc:sldMkLst>
+        <pc:spChg chg="mod">
+          <ac:chgData name="Jireh Tseng" userId="S::tsengj@middleton.school.nz::eefb979d-fc0d-4dd5-ae9a-91b2ece0a753" providerId="AD" clId="Web-{375B0929-B0E9-D3AF-ABEE-4D9C91617552}" dt="2022-04-14T07:14:30.109" v="82" actId="20577"/>
+          <ac:spMkLst>
+            <pc:docMk/>
+            <pc:sldMk cId="695773269" sldId="300"/>
+            <ac:spMk id="2" creationId="{117C7ED0-CC09-82B1-98D7-D7AC8566A02D}"/>
+          </ac:spMkLst>
+        </pc:spChg>
+        <pc:spChg chg="add mod">
+          <ac:chgData name="Jireh Tseng" userId="S::tsengj@middleton.school.nz::eefb979d-fc0d-4dd5-ae9a-91b2ece0a753" providerId="AD" clId="Web-{375B0929-B0E9-D3AF-ABEE-4D9C91617552}" dt="2022-04-14T07:23:56.687" v="130" actId="1076"/>
+          <ac:spMkLst>
+            <pc:docMk/>
+            <pc:sldMk cId="695773269" sldId="300"/>
+            <ac:spMk id="9" creationId="{7404C706-A880-3443-C6A7-8FC1EBC87D00}"/>
+          </ac:spMkLst>
+        </pc:spChg>
+        <pc:spChg chg="add mod">
+          <ac:chgData name="Jireh Tseng" userId="S::tsengj@middleton.school.nz::eefb979d-fc0d-4dd5-ae9a-91b2ece0a753" providerId="AD" clId="Web-{375B0929-B0E9-D3AF-ABEE-4D9C91617552}" dt="2022-04-14T07:23:59.702" v="132" actId="1076"/>
+          <ac:spMkLst>
+            <pc:docMk/>
+            <pc:sldMk cId="695773269" sldId="300"/>
+            <ac:spMk id="11" creationId="{B960453F-73F1-EF4D-4FB3-BBC4719FE622}"/>
+          </ac:spMkLst>
+        </pc:spChg>
+        <pc:picChg chg="del">
+          <ac:chgData name="Jireh Tseng" userId="S::tsengj@middleton.school.nz::eefb979d-fc0d-4dd5-ae9a-91b2ece0a753" providerId="AD" clId="Web-{375B0929-B0E9-D3AF-ABEE-4D9C91617552}" dt="2022-04-14T07:17:25.879" v="84"/>
+          <ac:picMkLst>
+            <pc:docMk/>
+            <pc:sldMk cId="695773269" sldId="300"/>
+            <ac:picMk id="3" creationId="{041A2549-562E-C76C-D867-EE58A51FA330}"/>
+          </ac:picMkLst>
+        </pc:picChg>
         <pc:picChg chg="add mod">
-          <ac:chgData name="Jireh Tseng" userId="S::tsengj@middleton.school.nz::eefb979d-fc0d-4dd5-ae9a-91b2ece0a753" providerId="AD" clId="Web-{C427EC4C-938F-CEFB-1DE3-DC4C55162615}" dt="2022-05-05T00:29:59.798" v="414" actId="1076"/>
+          <ac:chgData name="Jireh Tseng" userId="S::tsengj@middleton.school.nz::eefb979d-fc0d-4dd5-ae9a-91b2ece0a753" providerId="AD" clId="Web-{375B0929-B0E9-D3AF-ABEE-4D9C91617552}" dt="2022-04-14T07:18:54.647" v="92" actId="1076"/>
           <ac:picMkLst>
             <pc:docMk/>
-            <pc:sldMk cId="2568554082" sldId="283"/>
-            <ac:picMk id="5" creationId="{5B9D5457-A14E-2B54-D6C8-31D0CE122621}"/>
+            <pc:sldMk cId="695773269" sldId="300"/>
+            <ac:picMk id="5" creationId="{9F32D0FE-D665-1BCA-E6AC-D9312482EDAD}"/>
+          </ac:picMkLst>
+        </pc:picChg>
+        <pc:picChg chg="del">
+          <ac:chgData name="Jireh Tseng" userId="S::tsengj@middleton.school.nz::eefb979d-fc0d-4dd5-ae9a-91b2ece0a753" providerId="AD" clId="Web-{375B0929-B0E9-D3AF-ABEE-4D9C91617552}" dt="2022-04-14T07:17:24.270" v="83"/>
+          <ac:picMkLst>
+            <pc:docMk/>
+            <pc:sldMk cId="695773269" sldId="300"/>
+            <ac:picMk id="6" creationId="{B2BD3EC1-BBF2-D357-3C1D-EB15C4887B26}"/>
+          </ac:picMkLst>
+        </pc:picChg>
+        <pc:picChg chg="add mod">
+          <ac:chgData name="Jireh Tseng" userId="S::tsengj@middleton.school.nz::eefb979d-fc0d-4dd5-ae9a-91b2ece0a753" providerId="AD" clId="Web-{375B0929-B0E9-D3AF-ABEE-4D9C91617552}" dt="2022-04-14T07:18:53.491" v="91" actId="1076"/>
+          <ac:picMkLst>
+            <pc:docMk/>
+            <pc:sldMk cId="695773269" sldId="300"/>
+            <ac:picMk id="7" creationId="{FA77EC03-0DAF-69FA-0713-F1CFE64F5E63}"/>
+          </ac:picMkLst>
+        </pc:picChg>
+      </pc:sldChg>
+      <pc:sldChg chg="addSp delSp modSp add ord replId">
+        <pc:chgData name="Jireh Tseng" userId="S::tsengj@middleton.school.nz::eefb979d-fc0d-4dd5-ae9a-91b2ece0a753" providerId="AD" clId="Web-{375B0929-B0E9-D3AF-ABEE-4D9C91617552}" dt="2022-04-14T07:28:12.647" v="145" actId="1076"/>
+        <pc:sldMkLst>
+          <pc:docMk/>
+          <pc:sldMk cId="1415568547" sldId="301"/>
+        </pc:sldMkLst>
+        <pc:spChg chg="mod">
+          <ac:chgData name="Jireh Tseng" userId="S::tsengj@middleton.school.nz::eefb979d-fc0d-4dd5-ae9a-91b2ece0a753" providerId="AD" clId="Web-{375B0929-B0E9-D3AF-ABEE-4D9C91617552}" dt="2022-04-14T07:19:17.851" v="95" actId="20577"/>
+          <ac:spMkLst>
+            <pc:docMk/>
+            <pc:sldMk cId="1415568547" sldId="301"/>
+            <ac:spMk id="2" creationId="{117C7ED0-CC09-82B1-98D7-D7AC8566A02D}"/>
+          </ac:spMkLst>
+        </pc:spChg>
+        <pc:spChg chg="mod">
+          <ac:chgData name="Jireh Tseng" userId="S::tsengj@middleton.school.nz::eefb979d-fc0d-4dd5-ae9a-91b2ece0a753" providerId="AD" clId="Web-{375B0929-B0E9-D3AF-ABEE-4D9C91617552}" dt="2022-04-14T07:28:09.319" v="143" actId="1076"/>
+          <ac:spMkLst>
+            <pc:docMk/>
+            <pc:sldMk cId="1415568547" sldId="301"/>
+            <ac:spMk id="4" creationId="{A1B3C866-DC84-97B0-47F0-CB76AF369A87}"/>
+          </ac:spMkLst>
+        </pc:spChg>
+        <pc:picChg chg="add mod">
+          <ac:chgData name="Jireh Tseng" userId="S::tsengj@middleton.school.nz::eefb979d-fc0d-4dd5-ae9a-91b2ece0a753" providerId="AD" clId="Web-{375B0929-B0E9-D3AF-ABEE-4D9C91617552}" dt="2022-04-14T07:28:10.631" v="144" actId="1076"/>
+          <ac:picMkLst>
+            <pc:docMk/>
+            <pc:sldMk cId="1415568547" sldId="301"/>
+            <ac:picMk id="3" creationId="{4CBC4A0B-B9A2-3445-3EEF-5206C62E05C4}"/>
+          </ac:picMkLst>
+        </pc:picChg>
+        <pc:picChg chg="del">
+          <ac:chgData name="Jireh Tseng" userId="S::tsengj@middleton.school.nz::eefb979d-fc0d-4dd5-ae9a-91b2ece0a753" providerId="AD" clId="Web-{375B0929-B0E9-D3AF-ABEE-4D9C91617552}" dt="2022-04-14T07:24:13.312" v="133"/>
+          <ac:picMkLst>
+            <pc:docMk/>
+            <pc:sldMk cId="1415568547" sldId="301"/>
+            <ac:picMk id="5" creationId="{9F32D0FE-D665-1BCA-E6AC-D9312482EDAD}"/>
+          </ac:picMkLst>
+        </pc:picChg>
+        <pc:picChg chg="add mod">
+          <ac:chgData name="Jireh Tseng" userId="S::tsengj@middleton.school.nz::eefb979d-fc0d-4dd5-ae9a-91b2ece0a753" providerId="AD" clId="Web-{375B0929-B0E9-D3AF-ABEE-4D9C91617552}" dt="2022-04-14T07:28:12.647" v="145" actId="1076"/>
+          <ac:picMkLst>
+            <pc:docMk/>
+            <pc:sldMk cId="1415568547" sldId="301"/>
+            <ac:picMk id="6" creationId="{11E15BF2-C1EF-8CE8-28A9-020DDFE34259}"/>
+          </ac:picMkLst>
+        </pc:picChg>
+        <pc:picChg chg="del">
+          <ac:chgData name="Jireh Tseng" userId="S::tsengj@middleton.school.nz::eefb979d-fc0d-4dd5-ae9a-91b2ece0a753" providerId="AD" clId="Web-{375B0929-B0E9-D3AF-ABEE-4D9C91617552}" dt="2022-04-14T07:24:14.234" v="134"/>
+          <ac:picMkLst>
+            <pc:docMk/>
+            <pc:sldMk cId="1415568547" sldId="301"/>
+            <ac:picMk id="7" creationId="{FA77EC03-0DAF-69FA-0713-F1CFE64F5E63}"/>
           </ac:picMkLst>
         </pc:picChg>
       </pc:sldChg>
     </pc:docChg>
   </pc:docChgLst>
   <pc:docChgLst>
-    <pc:chgData name="Jireh Tseng" userId="S::tsengj@middleton.school.nz::eefb979d-fc0d-4dd5-ae9a-91b2ece0a753" providerId="AD" clId="Web-{E73AC928-7D87-5D94-5CF7-49334421705B}"/>
-    <pc:docChg chg="addSld modSld sldOrd">
-      <pc:chgData name="Jireh Tseng" userId="S::tsengj@middleton.school.nz::eefb979d-fc0d-4dd5-ae9a-91b2ece0a753" providerId="AD" clId="Web-{E73AC928-7D87-5D94-5CF7-49334421705B}" dt="2022-04-13T07:29:44.742" v="766" actId="1076"/>
+    <pc:chgData name="Jireh Tseng" userId="S::tsengj@middleton.school.nz::eefb979d-fc0d-4dd5-ae9a-91b2ece0a753" providerId="AD" clId="Web-{E92B7BDB-88D2-56FD-ABD2-83DA0A067A71}"/>
+    <pc:docChg chg="modSld">
+      <pc:chgData name="Jireh Tseng" userId="S::tsengj@middleton.school.nz::eefb979d-fc0d-4dd5-ae9a-91b2ece0a753" providerId="AD" clId="Web-{E92B7BDB-88D2-56FD-ABD2-83DA0A067A71}" dt="2022-05-02T21:26:45.226" v="16" actId="20577"/>
       <pc:docMkLst>
         <pc:docMk/>
       </pc:docMkLst>
-      <pc:sldChg chg="addSp delSp modSp add ord replId">
-        <pc:chgData name="Jireh Tseng" userId="S::tsengj@middleton.school.nz::eefb979d-fc0d-4dd5-ae9a-91b2ece0a753" providerId="AD" clId="Web-{E73AC928-7D87-5D94-5CF7-49334421705B}" dt="2022-04-13T06:41:00.244" v="57" actId="14100"/>
+      <pc:sldChg chg="addSp delSp modSp">
+        <pc:chgData name="Jireh Tseng" userId="S::tsengj@middleton.school.nz::eefb979d-fc0d-4dd5-ae9a-91b2ece0a753" providerId="AD" clId="Web-{E92B7BDB-88D2-56FD-ABD2-83DA0A067A71}" dt="2022-05-02T21:12:23.317" v="7" actId="20577"/>
         <pc:sldMkLst>
           <pc:docMk/>
-          <pc:sldMk cId="1092323287" sldId="290"/>
+          <pc:sldMk cId="1362934084" sldId="256"/>
         </pc:sldMkLst>
-        <pc:spChg chg="add del">
-          <ac:chgData name="Jireh Tseng" userId="S::tsengj@middleton.school.nz::eefb979d-fc0d-4dd5-ae9a-91b2ece0a753" providerId="AD" clId="Web-{E73AC928-7D87-5D94-5CF7-49334421705B}" dt="2022-04-13T06:38:59.147" v="28"/>
+        <pc:spChg chg="mod">
+          <ac:chgData name="Jireh Tseng" userId="S::tsengj@middleton.school.nz::eefb979d-fc0d-4dd5-ae9a-91b2ece0a753" providerId="AD" clId="Web-{E92B7BDB-88D2-56FD-ABD2-83DA0A067A71}" dt="2022-05-02T21:12:23.317" v="7" actId="20577"/>
           <ac:spMkLst>
             <pc:docMk/>
-            <pc:sldMk cId="1092323287" sldId="290"/>
-            <ac:spMk id="3" creationId="{83B568C1-8667-67F6-622D-09DE0D798A04}"/>
-          </ac:spMkLst>
-        </pc:spChg>
-        <pc:spChg chg="add mod">
-          <ac:chgData name="Jireh Tseng" userId="S::tsengj@middleton.school.nz::eefb979d-fc0d-4dd5-ae9a-91b2ece0a753" providerId="AD" clId="Web-{E73AC928-7D87-5D94-5CF7-49334421705B}" dt="2022-04-13T06:40:30.212" v="51" actId="1076"/>
-          <ac:spMkLst>
-            <pc:docMk/>
-            <pc:sldMk cId="1092323287" sldId="290"/>
-            <ac:spMk id="5" creationId="{2013A7D0-D8CD-E2FF-240A-5E82F76B84F0}"/>
-          </ac:spMkLst>
-        </pc:spChg>
-        <pc:spChg chg="add mod">
-          <ac:chgData name="Jireh Tseng" userId="S::tsengj@middleton.school.nz::eefb979d-fc0d-4dd5-ae9a-91b2ece0a753" providerId="AD" clId="Web-{E73AC928-7D87-5D94-5CF7-49334421705B}" dt="2022-04-13T06:41:00.244" v="57" actId="14100"/>
-          <ac:spMkLst>
-            <pc:docMk/>
-            <pc:sldMk cId="1092323287" sldId="290"/>
-            <ac:spMk id="7" creationId="{25A3D05A-97D5-9B99-AFCA-CCE9AE5DA669}"/>
+            <pc:sldMk cId="1362934084" sldId="256"/>
+            <ac:spMk id="2" creationId="{A96C2811-5704-42C1-869B-16E29CB6572E}"/>
           </ac:spMkLst>
         </pc:spChg>
         <pc:spChg chg="mod">
-          <ac:chgData name="Jireh Tseng" userId="S::tsengj@middleton.school.nz::eefb979d-fc0d-4dd5-ae9a-91b2ece0a753" providerId="AD" clId="Web-{E73AC928-7D87-5D94-5CF7-49334421705B}" dt="2022-04-13T06:38:09.771" v="21" actId="20577"/>
+          <ac:chgData name="Jireh Tseng" userId="S::tsengj@middleton.school.nz::eefb979d-fc0d-4dd5-ae9a-91b2ece0a753" providerId="AD" clId="Web-{E92B7BDB-88D2-56FD-ABD2-83DA0A067A71}" dt="2022-05-02T21:12:11.911" v="5"/>
           <ac:spMkLst>
             <pc:docMk/>
-            <pc:sldMk cId="1092323287" sldId="290"/>
-            <ac:spMk id="86" creationId="{00000000-0000-0000-0000-000000000000}"/>
+            <pc:sldMk cId="1362934084" sldId="256"/>
+            <ac:spMk id="3" creationId="{930E6464-DA98-43C8-B6C9-594748754628}"/>
           </ac:spMkLst>
         </pc:spChg>
-        <pc:picChg chg="add mod">
-          <ac:chgData name="Jireh Tseng" userId="S::tsengj@middleton.school.nz::eefb979d-fc0d-4dd5-ae9a-91b2ece0a753" providerId="AD" clId="Web-{E73AC928-7D87-5D94-5CF7-49334421705B}" dt="2022-04-13T06:40:44.462" v="54" actId="1076"/>
+        <pc:spChg chg="del">
+          <ac:chgData name="Jireh Tseng" userId="S::tsengj@middleton.school.nz::eefb979d-fc0d-4dd5-ae9a-91b2ece0a753" providerId="AD" clId="Web-{E92B7BDB-88D2-56FD-ABD2-83DA0A067A71}" dt="2022-05-02T21:12:11.911" v="5"/>
+          <ac:spMkLst>
+            <pc:docMk/>
+            <pc:sldMk cId="1362934084" sldId="256"/>
+            <ac:spMk id="55" creationId="{C1DD1A8A-57D5-4A81-AD04-532B043C5611}"/>
+          </ac:spMkLst>
+        </pc:spChg>
+        <pc:spChg chg="del">
+          <ac:chgData name="Jireh Tseng" userId="S::tsengj@middleton.school.nz::eefb979d-fc0d-4dd5-ae9a-91b2ece0a753" providerId="AD" clId="Web-{E92B7BDB-88D2-56FD-ABD2-83DA0A067A71}" dt="2022-05-02T21:12:11.911" v="5"/>
+          <ac:spMkLst>
+            <pc:docMk/>
+            <pc:sldMk cId="1362934084" sldId="256"/>
+            <ac:spMk id="57" creationId="{007891EC-4501-44ED-A8C8-B11B6DB767AB}"/>
+          </ac:spMkLst>
+        </pc:spChg>
+        <pc:spChg chg="add">
+          <ac:chgData name="Jireh Tseng" userId="S::tsengj@middleton.school.nz::eefb979d-fc0d-4dd5-ae9a-91b2ece0a753" providerId="AD" clId="Web-{E92B7BDB-88D2-56FD-ABD2-83DA0A067A71}" dt="2022-05-02T21:12:11.911" v="5"/>
+          <ac:spMkLst>
+            <pc:docMk/>
+            <pc:sldMk cId="1362934084" sldId="256"/>
+            <ac:spMk id="64" creationId="{A3363022-C969-41E9-8EB2-E4C94908C1FA}"/>
+          </ac:spMkLst>
+        </pc:spChg>
+        <pc:spChg chg="add">
+          <ac:chgData name="Jireh Tseng" userId="S::tsengj@middleton.school.nz::eefb979d-fc0d-4dd5-ae9a-91b2ece0a753" providerId="AD" clId="Web-{E92B7BDB-88D2-56FD-ABD2-83DA0A067A71}" dt="2022-05-02T21:12:11.911" v="5"/>
+          <ac:spMkLst>
+            <pc:docMk/>
+            <pc:sldMk cId="1362934084" sldId="256"/>
+            <ac:spMk id="66" creationId="{8D1AD6B3-BE88-4CEB-BA17-790657CC4729}"/>
+          </ac:spMkLst>
+        </pc:spChg>
+        <pc:grpChg chg="add">
+          <ac:chgData name="Jireh Tseng" userId="S::tsengj@middleton.school.nz::eefb979d-fc0d-4dd5-ae9a-91b2ece0a753" providerId="AD" clId="Web-{E92B7BDB-88D2-56FD-ABD2-83DA0A067A71}" dt="2022-05-02T21:12:11.911" v="5"/>
+          <ac:grpSpMkLst>
+            <pc:docMk/>
+            <pc:sldMk cId="1362934084" sldId="256"/>
+            <ac:grpSpMk id="68" creationId="{89D1390B-7E13-4B4F-9CB2-391063412E54}"/>
+          </ac:grpSpMkLst>
+        </pc:grpChg>
+        <pc:picChg chg="del">
+          <ac:chgData name="Jireh Tseng" userId="S::tsengj@middleton.school.nz::eefb979d-fc0d-4dd5-ae9a-91b2ece0a753" providerId="AD" clId="Web-{E92B7BDB-88D2-56FD-ABD2-83DA0A067A71}" dt="2022-05-02T21:11:34.176" v="4"/>
           <ac:picMkLst>
             <pc:docMk/>
-            <pc:sldMk cId="1092323287" sldId="290"/>
-            <ac:picMk id="2" creationId="{BCC23093-8A38-7C08-7B37-8D969267C14E}"/>
+            <pc:sldMk cId="1362934084" sldId="256"/>
+            <ac:picMk id="51" creationId="{C1746A09-834C-64B3-47A5-C47BD7189694}"/>
           </ac:picMkLst>
         </pc:picChg>
-        <pc:picChg chg="del">
-          <ac:chgData name="Jireh Tseng" userId="S::tsengj@middleton.school.nz::eefb979d-fc0d-4dd5-ae9a-91b2ece0a753" providerId="AD" clId="Web-{E73AC928-7D87-5D94-5CF7-49334421705B}" dt="2022-04-13T06:38:27.271" v="22"/>
+        <pc:picChg chg="add">
+          <ac:chgData name="Jireh Tseng" userId="S::tsengj@middleton.school.nz::eefb979d-fc0d-4dd5-ae9a-91b2ece0a753" providerId="AD" clId="Web-{E92B7BDB-88D2-56FD-ABD2-83DA0A067A71}" dt="2022-05-02T21:12:11.911" v="5"/>
           <ac:picMkLst>
             <pc:docMk/>
-            <pc:sldMk cId="1092323287" sldId="290"/>
-            <ac:picMk id="4" creationId="{E5C81E07-4E1E-4823-E30E-0F12B7098C51}"/>
+            <pc:sldMk cId="1362934084" sldId="256"/>
+            <ac:picMk id="61" creationId="{CDA8AE2A-61DF-39EC-3FD5-AA379C07AC06}"/>
           </ac:picMkLst>
         </pc:picChg>
       </pc:sldChg>
-      <pc:sldChg chg="modSp add ord replId">
-        <pc:chgData name="Jireh Tseng" userId="S::tsengj@middleton.school.nz::eefb979d-fc0d-4dd5-ae9a-91b2ece0a753" providerId="AD" clId="Web-{E73AC928-7D87-5D94-5CF7-49334421705B}" dt="2022-04-13T06:48:04.691" v="608"/>
+      <pc:sldChg chg="modSp">
+        <pc:chgData name="Jireh Tseng" userId="S::tsengj@middleton.school.nz::eefb979d-fc0d-4dd5-ae9a-91b2ece0a753" providerId="AD" clId="Web-{E92B7BDB-88D2-56FD-ABD2-83DA0A067A71}" dt="2022-05-02T21:26:45.226" v="16" actId="20577"/>
         <pc:sldMkLst>
           <pc:docMk/>
-          <pc:sldMk cId="1750498182" sldId="291"/>
+          <pc:sldMk cId="3838895173" sldId="258"/>
         </pc:sldMkLst>
         <pc:spChg chg="mod">
-          <ac:chgData name="Jireh Tseng" userId="S::tsengj@middleton.school.nz::eefb979d-fc0d-4dd5-ae9a-91b2ece0a753" providerId="AD" clId="Web-{E73AC928-7D87-5D94-5CF7-49334421705B}" dt="2022-04-13T06:43:05.403" v="74" actId="20577"/>
+          <ac:chgData name="Jireh Tseng" userId="S::tsengj@middleton.school.nz::eefb979d-fc0d-4dd5-ae9a-91b2ece0a753" providerId="AD" clId="Web-{E92B7BDB-88D2-56FD-ABD2-83DA0A067A71}" dt="2022-05-02T21:26:45.226" v="16" actId="20577"/>
           <ac:spMkLst>
             <pc:docMk/>
-            <pc:sldMk cId="1750498182" sldId="291"/>
-            <ac:spMk id="91" creationId="{00000000-0000-0000-0000-000000000000}"/>
-          </ac:spMkLst>
-        </pc:spChg>
-        <pc:graphicFrameChg chg="mod modGraphic">
-          <ac:chgData name="Jireh Tseng" userId="S::tsengj@middleton.school.nz::eefb979d-fc0d-4dd5-ae9a-91b2ece0a753" providerId="AD" clId="Web-{E73AC928-7D87-5D94-5CF7-49334421705B}" dt="2022-04-13T06:48:04.691" v="608"/>
-          <ac:graphicFrameMkLst>
-            <pc:docMk/>
-            <pc:sldMk cId="1750498182" sldId="291"/>
-            <ac:graphicFrameMk id="92" creationId="{00000000-0000-0000-0000-000000000000}"/>
-          </ac:graphicFrameMkLst>
-        </pc:graphicFrameChg>
-      </pc:sldChg>
-      <pc:sldChg chg="addSp delSp modSp add ord replId">
-        <pc:chgData name="Jireh Tseng" userId="S::tsengj@middleton.school.nz::eefb979d-fc0d-4dd5-ae9a-91b2ece0a753" providerId="AD" clId="Web-{E73AC928-7D87-5D94-5CF7-49334421705B}" dt="2022-04-13T07:29:44.742" v="766" actId="1076"/>
-        <pc:sldMkLst>
-          <pc:docMk/>
-          <pc:sldMk cId="821514118" sldId="292"/>
-        </pc:sldMkLst>
-        <pc:spChg chg="mod">
-          <ac:chgData name="Jireh Tseng" userId="S::tsengj@middleton.school.nz::eefb979d-fc0d-4dd5-ae9a-91b2ece0a753" providerId="AD" clId="Web-{E73AC928-7D87-5D94-5CF7-49334421705B}" dt="2022-04-13T07:24:06.983" v="631" actId="20577"/>
-          <ac:spMkLst>
-            <pc:docMk/>
-            <pc:sldMk cId="821514118" sldId="292"/>
-            <ac:spMk id="2" creationId="{117C7ED0-CC09-82B1-98D7-D7AC8566A02D}"/>
-          </ac:spMkLst>
-        </pc:spChg>
-        <pc:spChg chg="del">
-          <ac:chgData name="Jireh Tseng" userId="S::tsengj@middleton.school.nz::eefb979d-fc0d-4dd5-ae9a-91b2ece0a753" providerId="AD" clId="Web-{E73AC928-7D87-5D94-5CF7-49334421705B}" dt="2022-04-13T07:24:18.468" v="638"/>
-          <ac:spMkLst>
-            <pc:docMk/>
-            <pc:sldMk cId="821514118" sldId="292"/>
-            <ac:spMk id="4" creationId="{0676CC8F-07AC-7255-5C5C-4ABBBE9DE273}"/>
-          </ac:spMkLst>
-        </pc:spChg>
-        <pc:spChg chg="del mod">
-          <ac:chgData name="Jireh Tseng" userId="S::tsengj@middleton.school.nz::eefb979d-fc0d-4dd5-ae9a-91b2ece0a753" providerId="AD" clId="Web-{E73AC928-7D87-5D94-5CF7-49334421705B}" dt="2022-04-13T07:24:13.437" v="635"/>
-          <ac:spMkLst>
-            <pc:docMk/>
-            <pc:sldMk cId="821514118" sldId="292"/>
-            <ac:spMk id="6" creationId="{2ACA099B-D36F-17A9-F335-3BEBFD61AA03}"/>
-          </ac:spMkLst>
-        </pc:spChg>
-        <pc:spChg chg="add mod">
-          <ac:chgData name="Jireh Tseng" userId="S::tsengj@middleton.school.nz::eefb979d-fc0d-4dd5-ae9a-91b2ece0a753" providerId="AD" clId="Web-{E73AC928-7D87-5D94-5CF7-49334421705B}" dt="2022-04-13T07:27:32.723" v="664" actId="14100"/>
-          <ac:spMkLst>
-            <pc:docMk/>
-            <pc:sldMk cId="821514118" sldId="292"/>
-            <ac:spMk id="11" creationId="{A1A4E0A0-C0ED-991E-61D5-81FE6946AC17}"/>
-          </ac:spMkLst>
-        </pc:spChg>
-        <pc:spChg chg="add mod">
-          <ac:chgData name="Jireh Tseng" userId="S::tsengj@middleton.school.nz::eefb979d-fc0d-4dd5-ae9a-91b2ece0a753" providerId="AD" clId="Web-{E73AC928-7D87-5D94-5CF7-49334421705B}" dt="2022-04-13T07:26:38.346" v="659"/>
-          <ac:spMkLst>
-            <pc:docMk/>
-            <pc:sldMk cId="821514118" sldId="292"/>
-            <ac:spMk id="13" creationId="{855BC24A-2741-F9B9-897B-F27D38382945}"/>
-          </ac:spMkLst>
-        </pc:spChg>
-        <pc:spChg chg="add mod">
-          <ac:chgData name="Jireh Tseng" userId="S::tsengj@middleton.school.nz::eefb979d-fc0d-4dd5-ae9a-91b2ece0a753" providerId="AD" clId="Web-{E73AC928-7D87-5D94-5CF7-49334421705B}" dt="2022-04-13T07:27:49.754" v="666"/>
-          <ac:spMkLst>
-            <pc:docMk/>
-            <pc:sldMk cId="821514118" sldId="292"/>
-            <ac:spMk id="14" creationId="{DDEF694F-66A8-AD55-2E81-8C23419C8CA8}"/>
-          </ac:spMkLst>
-        </pc:spChg>
-        <pc:spChg chg="add mod">
-          <ac:chgData name="Jireh Tseng" userId="S::tsengj@middleton.school.nz::eefb979d-fc0d-4dd5-ae9a-91b2ece0a753" providerId="AD" clId="Web-{E73AC928-7D87-5D94-5CF7-49334421705B}" dt="2022-04-13T07:28:54.178" v="717" actId="1076"/>
-          <ac:spMkLst>
-            <pc:docMk/>
-            <pc:sldMk cId="821514118" sldId="292"/>
-            <ac:spMk id="15" creationId="{5A6598DE-722A-25F4-7138-F2334A98CDC4}"/>
-          </ac:spMkLst>
-        </pc:spChg>
-        <pc:spChg chg="add mod">
-          <ac:chgData name="Jireh Tseng" userId="S::tsengj@middleton.school.nz::eefb979d-fc0d-4dd5-ae9a-91b2ece0a753" providerId="AD" clId="Web-{E73AC928-7D87-5D94-5CF7-49334421705B}" dt="2022-04-13T07:28:21.677" v="700" actId="1076"/>
-          <ac:spMkLst>
-            <pc:docMk/>
-            <pc:sldMk cId="821514118" sldId="292"/>
-            <ac:spMk id="16" creationId="{7589514A-F299-0BE2-AF3A-0E5A01786D85}"/>
-          </ac:spMkLst>
-        </pc:spChg>
-        <pc:spChg chg="add mod">
-          <ac:chgData name="Jireh Tseng" userId="S::tsengj@middleton.school.nz::eefb979d-fc0d-4dd5-ae9a-91b2ece0a753" providerId="AD" clId="Web-{E73AC928-7D87-5D94-5CF7-49334421705B}" dt="2022-04-13T07:29:44.742" v="766" actId="1076"/>
-          <ac:spMkLst>
-            <pc:docMk/>
-            <pc:sldMk cId="821514118" sldId="292"/>
-            <ac:spMk id="17" creationId="{A6F7868D-4566-BB8F-888B-FA33BDC914C7}"/>
-          </ac:spMkLst>
-        </pc:spChg>
-        <pc:picChg chg="del">
-          <ac:chgData name="Jireh Tseng" userId="S::tsengj@middleton.school.nz::eefb979d-fc0d-4dd5-ae9a-91b2ece0a753" providerId="AD" clId="Web-{E73AC928-7D87-5D94-5CF7-49334421705B}" dt="2022-04-13T07:24:08.593" v="632"/>
-          <ac:picMkLst>
-            <pc:docMk/>
-            <pc:sldMk cId="821514118" sldId="292"/>
-            <ac:picMk id="3" creationId="{89276921-B447-1D95-4DC2-8AD1144AB121}"/>
-          </ac:picMkLst>
-        </pc:picChg>
-        <pc:picChg chg="add mod">
-          <ac:chgData name="Jireh Tseng" userId="S::tsengj@middleton.school.nz::eefb979d-fc0d-4dd5-ae9a-91b2ece0a753" providerId="AD" clId="Web-{E73AC928-7D87-5D94-5CF7-49334421705B}" dt="2022-04-13T07:25:19.282" v="648" actId="1076"/>
-          <ac:picMkLst>
-            <pc:docMk/>
-            <pc:sldMk cId="821514118" sldId="292"/>
-            <ac:picMk id="5" creationId="{6A175A57-DC9A-34A1-D38F-3DE7F660D431}"/>
-          </ac:picMkLst>
-        </pc:picChg>
-        <pc:picChg chg="del">
-          <ac:chgData name="Jireh Tseng" userId="S::tsengj@middleton.school.nz::eefb979d-fc0d-4dd5-ae9a-91b2ece0a753" providerId="AD" clId="Web-{E73AC928-7D87-5D94-5CF7-49334421705B}" dt="2022-04-13T07:24:15.983" v="637"/>
-          <ac:picMkLst>
-            <pc:docMk/>
-            <pc:sldMk cId="821514118" sldId="292"/>
-            <ac:picMk id="7" creationId="{3E3ED375-DD72-680C-8F58-70BC755CCE29}"/>
-          </ac:picMkLst>
-        </pc:picChg>
-        <pc:picChg chg="del">
-          <ac:chgData name="Jireh Tseng" userId="S::tsengj@middleton.school.nz::eefb979d-fc0d-4dd5-ae9a-91b2ece0a753" providerId="AD" clId="Web-{E73AC928-7D87-5D94-5CF7-49334421705B}" dt="2022-04-13T07:24:14.624" v="636"/>
-          <ac:picMkLst>
-            <pc:docMk/>
-            <pc:sldMk cId="821514118" sldId="292"/>
-            <ac:picMk id="8" creationId="{FDB2E0E9-D86D-F82F-0828-239D28074C54}"/>
-          </ac:picMkLst>
-        </pc:picChg>
-        <pc:picChg chg="add mod">
-          <ac:chgData name="Jireh Tseng" userId="S::tsengj@middleton.school.nz::eefb979d-fc0d-4dd5-ae9a-91b2ece0a753" providerId="AD" clId="Web-{E73AC928-7D87-5D94-5CF7-49334421705B}" dt="2022-04-13T07:25:20.891" v="649" actId="1076"/>
-          <ac:picMkLst>
-            <pc:docMk/>
-            <pc:sldMk cId="821514118" sldId="292"/>
-            <ac:picMk id="9" creationId="{5C472445-5698-4240-DB0D-20AC3DCA4BCC}"/>
-          </ac:picMkLst>
-        </pc:picChg>
-      </pc:sldChg>
-    </pc:docChg>
-  </pc:docChgLst>
-  <pc:docChgLst>
-    <pc:chgData name="Jireh Tseng" userId="S::tsengj@middleton.school.nz::eefb979d-fc0d-4dd5-ae9a-91b2ece0a753" providerId="AD" clId="Web-{8D1866DC-1F92-1CB0-4066-D969899A2B78}"/>
-    <pc:docChg chg="modSld">
-      <pc:chgData name="Jireh Tseng" userId="S::tsengj@middleton.school.nz::eefb979d-fc0d-4dd5-ae9a-91b2ece0a753" providerId="AD" clId="Web-{8D1866DC-1F92-1CB0-4066-D969899A2B78}" dt="2022-05-04T01:43:48.477" v="146" actId="1076"/>
-      <pc:docMkLst>
-        <pc:docMk/>
-      </pc:docMkLst>
-      <pc:sldChg chg="addSp modSp">
-        <pc:chgData name="Jireh Tseng" userId="S::tsengj@middleton.school.nz::eefb979d-fc0d-4dd5-ae9a-91b2ece0a753" providerId="AD" clId="Web-{8D1866DC-1F92-1CB0-4066-D969899A2B78}" dt="2022-05-04T01:34:51.353" v="1" actId="1076"/>
-        <pc:sldMkLst>
-          <pc:docMk/>
-          <pc:sldMk cId="3760331451" sldId="260"/>
-        </pc:sldMkLst>
-        <pc:spChg chg="add mod">
-          <ac:chgData name="Jireh Tseng" userId="S::tsengj@middleton.school.nz::eefb979d-fc0d-4dd5-ae9a-91b2ece0a753" providerId="AD" clId="Web-{8D1866DC-1F92-1CB0-4066-D969899A2B78}" dt="2022-05-04T01:34:51.353" v="1" actId="1076"/>
-          <ac:spMkLst>
-            <pc:docMk/>
-            <pc:sldMk cId="3760331451" sldId="260"/>
-            <ac:spMk id="3" creationId="{C4D12EBA-1761-5A9C-FBA4-482A1C0B8694}"/>
-          </ac:spMkLst>
-        </pc:spChg>
-      </pc:sldChg>
-      <pc:sldChg chg="addSp modSp">
-        <pc:chgData name="Jireh Tseng" userId="S::tsengj@middleton.school.nz::eefb979d-fc0d-4dd5-ae9a-91b2ece0a753" providerId="AD" clId="Web-{8D1866DC-1F92-1CB0-4066-D969899A2B78}" dt="2022-05-04T01:43:48.477" v="146" actId="1076"/>
-        <pc:sldMkLst>
-          <pc:docMk/>
-          <pc:sldMk cId="1732950584" sldId="281"/>
-        </pc:sldMkLst>
-        <pc:spChg chg="add mod">
-          <ac:chgData name="Jireh Tseng" userId="S::tsengj@middleton.school.nz::eefb979d-fc0d-4dd5-ae9a-91b2ece0a753" providerId="AD" clId="Web-{8D1866DC-1F92-1CB0-4066-D969899A2B78}" dt="2022-05-04T01:43:48.477" v="146" actId="1076"/>
-          <ac:spMkLst>
-            <pc:docMk/>
-            <pc:sldMk cId="1732950584" sldId="281"/>
-            <ac:spMk id="2" creationId="{A049592B-FA6B-6741-CAF5-FDA005492C6B}"/>
-          </ac:spMkLst>
-        </pc:spChg>
-        <pc:spChg chg="mod">
-          <ac:chgData name="Jireh Tseng" userId="S::tsengj@middleton.school.nz::eefb979d-fc0d-4dd5-ae9a-91b2ece0a753" providerId="AD" clId="Web-{8D1866DC-1F92-1CB0-4066-D969899A2B78}" dt="2022-05-04T01:35:53.464" v="15" actId="20577"/>
-          <ac:spMkLst>
-            <pc:docMk/>
-            <pc:sldMk cId="1732950584" sldId="281"/>
-            <ac:spMk id="86" creationId="{00000000-0000-0000-0000-000000000000}"/>
+            <pc:sldMk cId="3838895173" sldId="258"/>
+            <ac:spMk id="4" creationId="{F7FB308A-232B-4B31-A59D-BD561ECFBE8B}"/>
           </ac:spMkLst>
         </pc:spChg>
       </pc:sldChg>
@@ -2930,287 +3235,57 @@
     </pc:docChg>
   </pc:docChgLst>
   <pc:docChgLst>
-    <pc:chgData name="Jireh Tseng" userId="S::tsengj@middleton.school.nz::eefb979d-fc0d-4dd5-ae9a-91b2ece0a753" providerId="AD" clId="Web-{E92B7BDB-88D2-56FD-ABD2-83DA0A067A71}"/>
-    <pc:docChg chg="modSld">
-      <pc:chgData name="Jireh Tseng" userId="S::tsengj@middleton.school.nz::eefb979d-fc0d-4dd5-ae9a-91b2ece0a753" providerId="AD" clId="Web-{E92B7BDB-88D2-56FD-ABD2-83DA0A067A71}" dt="2022-05-02T21:26:45.226" v="16" actId="20577"/>
+    <pc:chgData name="Jireh Tseng" userId="S::tsengj@middleton.school.nz::eefb979d-fc0d-4dd5-ae9a-91b2ece0a753" providerId="AD" clId="Web-{875F1A86-FE65-D4D7-73FA-68A3AC71E3A0}"/>
+    <pc:docChg chg="addSld modSld">
+      <pc:chgData name="Jireh Tseng" userId="S::tsengj@middleton.school.nz::eefb979d-fc0d-4dd5-ae9a-91b2ece0a753" providerId="AD" clId="Web-{875F1A86-FE65-D4D7-73FA-68A3AC71E3A0}" dt="2022-04-11T21:26:22.258" v="255"/>
       <pc:docMkLst>
         <pc:docMk/>
       </pc:docMkLst>
-      <pc:sldChg chg="addSp delSp modSp">
-        <pc:chgData name="Jireh Tseng" userId="S::tsengj@middleton.school.nz::eefb979d-fc0d-4dd5-ae9a-91b2ece0a753" providerId="AD" clId="Web-{E92B7BDB-88D2-56FD-ABD2-83DA0A067A71}" dt="2022-05-02T21:12:23.317" v="7" actId="20577"/>
+      <pc:sldChg chg="modSp">
+        <pc:chgData name="Jireh Tseng" userId="S::tsengj@middleton.school.nz::eefb979d-fc0d-4dd5-ae9a-91b2ece0a753" providerId="AD" clId="Web-{875F1A86-FE65-D4D7-73FA-68A3AC71E3A0}" dt="2022-04-11T21:26:22.258" v="255"/>
         <pc:sldMkLst>
           <pc:docMk/>
-          <pc:sldMk cId="1362934084" sldId="256"/>
+          <pc:sldMk cId="2759596377" sldId="287"/>
         </pc:sldMkLst>
-        <pc:spChg chg="mod">
-          <ac:chgData name="Jireh Tseng" userId="S::tsengj@middleton.school.nz::eefb979d-fc0d-4dd5-ae9a-91b2ece0a753" providerId="AD" clId="Web-{E92B7BDB-88D2-56FD-ABD2-83DA0A067A71}" dt="2022-05-02T21:12:23.317" v="7" actId="20577"/>
-          <ac:spMkLst>
-            <pc:docMk/>
-            <pc:sldMk cId="1362934084" sldId="256"/>
-            <ac:spMk id="2" creationId="{A96C2811-5704-42C1-869B-16E29CB6572E}"/>
-          </ac:spMkLst>
-        </pc:spChg>
-        <pc:spChg chg="mod">
-          <ac:chgData name="Jireh Tseng" userId="S::tsengj@middleton.school.nz::eefb979d-fc0d-4dd5-ae9a-91b2ece0a753" providerId="AD" clId="Web-{E92B7BDB-88D2-56FD-ABD2-83DA0A067A71}" dt="2022-05-02T21:12:11.911" v="5"/>
-          <ac:spMkLst>
-            <pc:docMk/>
-            <pc:sldMk cId="1362934084" sldId="256"/>
-            <ac:spMk id="3" creationId="{930E6464-DA98-43C8-B6C9-594748754628}"/>
-          </ac:spMkLst>
-        </pc:spChg>
-        <pc:spChg chg="del">
-          <ac:chgData name="Jireh Tseng" userId="S::tsengj@middleton.school.nz::eefb979d-fc0d-4dd5-ae9a-91b2ece0a753" providerId="AD" clId="Web-{E92B7BDB-88D2-56FD-ABD2-83DA0A067A71}" dt="2022-05-02T21:12:11.911" v="5"/>
-          <ac:spMkLst>
-            <pc:docMk/>
-            <pc:sldMk cId="1362934084" sldId="256"/>
-            <ac:spMk id="55" creationId="{C1DD1A8A-57D5-4A81-AD04-532B043C5611}"/>
-          </ac:spMkLst>
-        </pc:spChg>
-        <pc:spChg chg="del">
-          <ac:chgData name="Jireh Tseng" userId="S::tsengj@middleton.school.nz::eefb979d-fc0d-4dd5-ae9a-91b2ece0a753" providerId="AD" clId="Web-{E92B7BDB-88D2-56FD-ABD2-83DA0A067A71}" dt="2022-05-02T21:12:11.911" v="5"/>
-          <ac:spMkLst>
-            <pc:docMk/>
-            <pc:sldMk cId="1362934084" sldId="256"/>
-            <ac:spMk id="57" creationId="{007891EC-4501-44ED-A8C8-B11B6DB767AB}"/>
-          </ac:spMkLst>
-        </pc:spChg>
-        <pc:spChg chg="add">
-          <ac:chgData name="Jireh Tseng" userId="S::tsengj@middleton.school.nz::eefb979d-fc0d-4dd5-ae9a-91b2ece0a753" providerId="AD" clId="Web-{E92B7BDB-88D2-56FD-ABD2-83DA0A067A71}" dt="2022-05-02T21:12:11.911" v="5"/>
-          <ac:spMkLst>
-            <pc:docMk/>
-            <pc:sldMk cId="1362934084" sldId="256"/>
-            <ac:spMk id="64" creationId="{A3363022-C969-41E9-8EB2-E4C94908C1FA}"/>
-          </ac:spMkLst>
-        </pc:spChg>
-        <pc:spChg chg="add">
-          <ac:chgData name="Jireh Tseng" userId="S::tsengj@middleton.school.nz::eefb979d-fc0d-4dd5-ae9a-91b2ece0a753" providerId="AD" clId="Web-{E92B7BDB-88D2-56FD-ABD2-83DA0A067A71}" dt="2022-05-02T21:12:11.911" v="5"/>
-          <ac:spMkLst>
-            <pc:docMk/>
-            <pc:sldMk cId="1362934084" sldId="256"/>
-            <ac:spMk id="66" creationId="{8D1AD6B3-BE88-4CEB-BA17-790657CC4729}"/>
-          </ac:spMkLst>
-        </pc:spChg>
-        <pc:grpChg chg="add">
-          <ac:chgData name="Jireh Tseng" userId="S::tsengj@middleton.school.nz::eefb979d-fc0d-4dd5-ae9a-91b2ece0a753" providerId="AD" clId="Web-{E92B7BDB-88D2-56FD-ABD2-83DA0A067A71}" dt="2022-05-02T21:12:11.911" v="5"/>
-          <ac:grpSpMkLst>
-            <pc:docMk/>
-            <pc:sldMk cId="1362934084" sldId="256"/>
-            <ac:grpSpMk id="68" creationId="{89D1390B-7E13-4B4F-9CB2-391063412E54}"/>
-          </ac:grpSpMkLst>
-        </pc:grpChg>
-        <pc:picChg chg="del">
-          <ac:chgData name="Jireh Tseng" userId="S::tsengj@middleton.school.nz::eefb979d-fc0d-4dd5-ae9a-91b2ece0a753" providerId="AD" clId="Web-{E92B7BDB-88D2-56FD-ABD2-83DA0A067A71}" dt="2022-05-02T21:11:34.176" v="4"/>
-          <ac:picMkLst>
-            <pc:docMk/>
-            <pc:sldMk cId="1362934084" sldId="256"/>
-            <ac:picMk id="51" creationId="{C1746A09-834C-64B3-47A5-C47BD7189694}"/>
-          </ac:picMkLst>
-        </pc:picChg>
-        <pc:picChg chg="add">
-          <ac:chgData name="Jireh Tseng" userId="S::tsengj@middleton.school.nz::eefb979d-fc0d-4dd5-ae9a-91b2ece0a753" providerId="AD" clId="Web-{E92B7BDB-88D2-56FD-ABD2-83DA0A067A71}" dt="2022-05-02T21:12:11.911" v="5"/>
-          <ac:picMkLst>
-            <pc:docMk/>
-            <pc:sldMk cId="1362934084" sldId="256"/>
-            <ac:picMk id="61" creationId="{CDA8AE2A-61DF-39EC-3FD5-AA379C07AC06}"/>
-          </ac:picMkLst>
-        </pc:picChg>
-      </pc:sldChg>
-      <pc:sldChg chg="modSp">
-        <pc:chgData name="Jireh Tseng" userId="S::tsengj@middleton.school.nz::eefb979d-fc0d-4dd5-ae9a-91b2ece0a753" providerId="AD" clId="Web-{E92B7BDB-88D2-56FD-ABD2-83DA0A067A71}" dt="2022-05-02T21:26:45.226" v="16" actId="20577"/>
-        <pc:sldMkLst>
-          <pc:docMk/>
-          <pc:sldMk cId="3838895173" sldId="258"/>
-        </pc:sldMkLst>
-        <pc:spChg chg="mod">
-          <ac:chgData name="Jireh Tseng" userId="S::tsengj@middleton.school.nz::eefb979d-fc0d-4dd5-ae9a-91b2ece0a753" providerId="AD" clId="Web-{E92B7BDB-88D2-56FD-ABD2-83DA0A067A71}" dt="2022-05-02T21:26:45.226" v="16" actId="20577"/>
-          <ac:spMkLst>
-            <pc:docMk/>
-            <pc:sldMk cId="3838895173" sldId="258"/>
-            <ac:spMk id="4" creationId="{F7FB308A-232B-4B31-A59D-BD561ECFBE8B}"/>
-          </ac:spMkLst>
-        </pc:spChg>
-      </pc:sldChg>
-    </pc:docChg>
-  </pc:docChgLst>
-  <pc:docChgLst>
-    <pc:chgData name="Jireh Tseng" userId="S::tsengj@middleton.school.nz::eefb979d-fc0d-4dd5-ae9a-91b2ece0a753" providerId="AD" clId="Web-{AE16ED1E-D1AF-834C-C0D7-D581AE5158A7}"/>
-    <pc:docChg chg="addSld modSld sldOrd">
-      <pc:chgData name="Jireh Tseng" userId="S::tsengj@middleton.school.nz::eefb979d-fc0d-4dd5-ae9a-91b2ece0a753" providerId="AD" clId="Web-{AE16ED1E-D1AF-834C-C0D7-D581AE5158A7}" dt="2022-04-13T09:42:37.266" v="840" actId="1076"/>
-      <pc:docMkLst>
-        <pc:docMk/>
-      </pc:docMkLst>
-      <pc:sldChg chg="addSp delSp modSp add ord replId">
-        <pc:chgData name="Jireh Tseng" userId="S::tsengj@middleton.school.nz::eefb979d-fc0d-4dd5-ae9a-91b2ece0a753" providerId="AD" clId="Web-{AE16ED1E-D1AF-834C-C0D7-D581AE5158A7}" dt="2022-04-13T09:41:28.889" v="788" actId="20577"/>
-        <pc:sldMkLst>
-          <pc:docMk/>
-          <pc:sldMk cId="248875773" sldId="293"/>
-        </pc:sldMkLst>
-        <pc:spChg chg="add mod">
-          <ac:chgData name="Jireh Tseng" userId="S::tsengj@middleton.school.nz::eefb979d-fc0d-4dd5-ae9a-91b2ece0a753" providerId="AD" clId="Web-{AE16ED1E-D1AF-834C-C0D7-D581AE5158A7}" dt="2022-04-13T09:11:12.985" v="167" actId="1076"/>
-          <ac:spMkLst>
-            <pc:docMk/>
-            <pc:sldMk cId="248875773" sldId="293"/>
-            <ac:spMk id="4" creationId="{1283578E-CD51-367D-9A42-281B18B59761}"/>
-          </ac:spMkLst>
-        </pc:spChg>
-        <pc:spChg chg="del">
-          <ac:chgData name="Jireh Tseng" userId="S::tsengj@middleton.school.nz::eefb979d-fc0d-4dd5-ae9a-91b2ece0a753" providerId="AD" clId="Web-{AE16ED1E-D1AF-834C-C0D7-D581AE5158A7}" dt="2022-04-13T09:09:49.796" v="24"/>
-          <ac:spMkLst>
-            <pc:docMk/>
-            <pc:sldMk cId="248875773" sldId="293"/>
-            <ac:spMk id="5" creationId="{2013A7D0-D8CD-E2FF-240A-5E82F76B84F0}"/>
-          </ac:spMkLst>
-        </pc:spChg>
-        <pc:spChg chg="del">
-          <ac:chgData name="Jireh Tseng" userId="S::tsengj@middleton.school.nz::eefb979d-fc0d-4dd5-ae9a-91b2ece0a753" providerId="AD" clId="Web-{AE16ED1E-D1AF-834C-C0D7-D581AE5158A7}" dt="2022-04-13T09:09:47.702" v="23"/>
-          <ac:spMkLst>
-            <pc:docMk/>
-            <pc:sldMk cId="248875773" sldId="293"/>
-            <ac:spMk id="7" creationId="{25A3D05A-97D5-9B99-AFCA-CCE9AE5DA669}"/>
-          </ac:spMkLst>
-        </pc:spChg>
-        <pc:spChg chg="mod">
-          <ac:chgData name="Jireh Tseng" userId="S::tsengj@middleton.school.nz::eefb979d-fc0d-4dd5-ae9a-91b2ece0a753" providerId="AD" clId="Web-{AE16ED1E-D1AF-834C-C0D7-D581AE5158A7}" dt="2022-04-13T09:41:28.889" v="788" actId="20577"/>
-          <ac:spMkLst>
-            <pc:docMk/>
-            <pc:sldMk cId="248875773" sldId="293"/>
-            <ac:spMk id="86" creationId="{00000000-0000-0000-0000-000000000000}"/>
-          </ac:spMkLst>
-        </pc:spChg>
-        <pc:picChg chg="del">
-          <ac:chgData name="Jireh Tseng" userId="S::tsengj@middleton.school.nz::eefb979d-fc0d-4dd5-ae9a-91b2ece0a753" providerId="AD" clId="Web-{AE16ED1E-D1AF-834C-C0D7-D581AE5158A7}" dt="2022-04-13T09:09:40.498" v="21"/>
-          <ac:picMkLst>
-            <pc:docMk/>
-            <pc:sldMk cId="248875773" sldId="293"/>
-            <ac:picMk id="2" creationId="{BCC23093-8A38-7C08-7B37-8D969267C14E}"/>
-          </ac:picMkLst>
-        </pc:picChg>
-        <pc:picChg chg="add mod">
-          <ac:chgData name="Jireh Tseng" userId="S::tsengj@middleton.school.nz::eefb979d-fc0d-4dd5-ae9a-91b2ece0a753" providerId="AD" clId="Web-{AE16ED1E-D1AF-834C-C0D7-D581AE5158A7}" dt="2022-04-13T09:10:09.249" v="27" actId="1076"/>
-          <ac:picMkLst>
-            <pc:docMk/>
-            <pc:sldMk cId="248875773" sldId="293"/>
-            <ac:picMk id="3" creationId="{843DBE96-1B63-E8C4-A963-E1C758DD6685}"/>
-          </ac:picMkLst>
-        </pc:picChg>
-      </pc:sldChg>
-      <pc:sldChg chg="modSp add ord replId">
-        <pc:chgData name="Jireh Tseng" userId="S::tsengj@middleton.school.nz::eefb979d-fc0d-4dd5-ae9a-91b2ece0a753" providerId="AD" clId="Web-{AE16ED1E-D1AF-834C-C0D7-D581AE5158A7}" dt="2022-04-13T09:15:32.023" v="782"/>
-        <pc:sldMkLst>
-          <pc:docMk/>
-          <pc:sldMk cId="14924585" sldId="294"/>
-        </pc:sldMkLst>
-        <pc:spChg chg="mod">
-          <ac:chgData name="Jireh Tseng" userId="S::tsengj@middleton.school.nz::eefb979d-fc0d-4dd5-ae9a-91b2ece0a753" providerId="AD" clId="Web-{AE16ED1E-D1AF-834C-C0D7-D581AE5158A7}" dt="2022-04-13T09:11:58.408" v="178" actId="20577"/>
-          <ac:spMkLst>
-            <pc:docMk/>
-            <pc:sldMk cId="14924585" sldId="294"/>
-            <ac:spMk id="91" creationId="{00000000-0000-0000-0000-000000000000}"/>
-          </ac:spMkLst>
-        </pc:spChg>
         <pc:graphicFrameChg chg="mod modGraphic">
-          <ac:chgData name="Jireh Tseng" userId="S::tsengj@middleton.school.nz::eefb979d-fc0d-4dd5-ae9a-91b2ece0a753" providerId="AD" clId="Web-{AE16ED1E-D1AF-834C-C0D7-D581AE5158A7}" dt="2022-04-13T09:15:32.023" v="782"/>
+          <ac:chgData name="Jireh Tseng" userId="S::tsengj@middleton.school.nz::eefb979d-fc0d-4dd5-ae9a-91b2ece0a753" providerId="AD" clId="Web-{875F1A86-FE65-D4D7-73FA-68A3AC71E3A0}" dt="2022-04-11T21:26:22.258" v="255"/>
           <ac:graphicFrameMkLst>
             <pc:docMk/>
-            <pc:sldMk cId="14924585" sldId="294"/>
+            <pc:sldMk cId="2759596377" sldId="287"/>
             <ac:graphicFrameMk id="92" creationId="{00000000-0000-0000-0000-000000000000}"/>
           </ac:graphicFrameMkLst>
         </pc:graphicFrameChg>
       </pc:sldChg>
-      <pc:sldChg chg="addSp delSp modSp add ord replId">
-        <pc:chgData name="Jireh Tseng" userId="S::tsengj@middleton.school.nz::eefb979d-fc0d-4dd5-ae9a-91b2ece0a753" providerId="AD" clId="Web-{AE16ED1E-D1AF-834C-C0D7-D581AE5158A7}" dt="2022-04-13T09:42:37.266" v="840" actId="1076"/>
+      <pc:sldChg chg="addSp delSp modSp new">
+        <pc:chgData name="Jireh Tseng" userId="S::tsengj@middleton.school.nz::eefb979d-fc0d-4dd5-ae9a-91b2ece0a753" providerId="AD" clId="Web-{875F1A86-FE65-D4D7-73FA-68A3AC71E3A0}" dt="2022-04-11T21:16:33.664" v="125" actId="1076"/>
         <pc:sldMkLst>
           <pc:docMk/>
-          <pc:sldMk cId="2181879276" sldId="295"/>
+          <pc:sldMk cId="3742630380" sldId="288"/>
         </pc:sldMkLst>
         <pc:spChg chg="mod">
-          <ac:chgData name="Jireh Tseng" userId="S::tsengj@middleton.school.nz::eefb979d-fc0d-4dd5-ae9a-91b2ece0a753" providerId="AD" clId="Web-{AE16ED1E-D1AF-834C-C0D7-D581AE5158A7}" dt="2022-04-13T09:41:43.577" v="791" actId="20577"/>
+          <ac:chgData name="Jireh Tseng" userId="S::tsengj@middleton.school.nz::eefb979d-fc0d-4dd5-ae9a-91b2ece0a753" providerId="AD" clId="Web-{875F1A86-FE65-D4D7-73FA-68A3AC71E3A0}" dt="2022-04-11T21:09:37.591" v="21" actId="20577"/>
           <ac:spMkLst>
             <pc:docMk/>
-            <pc:sldMk cId="2181879276" sldId="295"/>
+            <pc:sldMk cId="3742630380" sldId="288"/>
             <ac:spMk id="2" creationId="{117C7ED0-CC09-82B1-98D7-D7AC8566A02D}"/>
           </ac:spMkLst>
         </pc:spChg>
-        <pc:spChg chg="add mod">
-          <ac:chgData name="Jireh Tseng" userId="S::tsengj@middleton.school.nz::eefb979d-fc0d-4dd5-ae9a-91b2ece0a753" providerId="AD" clId="Web-{AE16ED1E-D1AF-834C-C0D7-D581AE5158A7}" dt="2022-04-13T09:42:37.266" v="840" actId="1076"/>
+        <pc:spChg chg="del mod">
+          <ac:chgData name="Jireh Tseng" userId="S::tsengj@middleton.school.nz::eefb979d-fc0d-4dd5-ae9a-91b2ece0a753" providerId="AD" clId="Web-{875F1A86-FE65-D4D7-73FA-68A3AC71E3A0}" dt="2022-04-11T21:16:28.367" v="124"/>
           <ac:spMkLst>
             <pc:docMk/>
-            <pc:sldMk cId="2181879276" sldId="295"/>
-            <ac:spMk id="4" creationId="{A1B3C866-DC84-97B0-47F0-CB76AF369A87}"/>
+            <pc:sldMk cId="3742630380" sldId="288"/>
+            <ac:spMk id="3" creationId="{07D14DCC-A221-C5D2-76B3-59FFE847553C}"/>
           </ac:spMkLst>
         </pc:spChg>
-        <pc:spChg chg="del">
-          <ac:chgData name="Jireh Tseng" userId="S::tsengj@middleton.school.nz::eefb979d-fc0d-4dd5-ae9a-91b2ece0a753" providerId="AD" clId="Web-{AE16ED1E-D1AF-834C-C0D7-D581AE5158A7}" dt="2022-04-13T09:41:55.531" v="799"/>
+        <pc:spChg chg="add mod">
+          <ac:chgData name="Jireh Tseng" userId="S::tsengj@middleton.school.nz::eefb979d-fc0d-4dd5-ae9a-91b2ece0a753" providerId="AD" clId="Web-{875F1A86-FE65-D4D7-73FA-68A3AC71E3A0}" dt="2022-04-11T21:16:33.664" v="125" actId="1076"/>
           <ac:spMkLst>
             <pc:docMk/>
-            <pc:sldMk cId="2181879276" sldId="295"/>
-            <ac:spMk id="11" creationId="{A1A4E0A0-C0ED-991E-61D5-81FE6946AC17}"/>
+            <pc:sldMk cId="3742630380" sldId="288"/>
+            <ac:spMk id="4" creationId="{0676CC8F-07AC-7255-5C5C-4ABBBE9DE273}"/>
           </ac:spMkLst>
         </pc:spChg>
-        <pc:spChg chg="del">
-          <ac:chgData name="Jireh Tseng" userId="S::tsengj@middleton.school.nz::eefb979d-fc0d-4dd5-ae9a-91b2ece0a753" providerId="AD" clId="Web-{AE16ED1E-D1AF-834C-C0D7-D581AE5158A7}" dt="2022-04-13T09:41:56.531" v="800"/>
-          <ac:spMkLst>
-            <pc:docMk/>
-            <pc:sldMk cId="2181879276" sldId="295"/>
-            <ac:spMk id="13" creationId="{855BC24A-2741-F9B9-897B-F27D38382945}"/>
-          </ac:spMkLst>
-        </pc:spChg>
-        <pc:spChg chg="del">
-          <ac:chgData name="Jireh Tseng" userId="S::tsengj@middleton.school.nz::eefb979d-fc0d-4dd5-ae9a-91b2ece0a753" providerId="AD" clId="Web-{AE16ED1E-D1AF-834C-C0D7-D581AE5158A7}" dt="2022-04-13T09:41:54.093" v="798"/>
-          <ac:spMkLst>
-            <pc:docMk/>
-            <pc:sldMk cId="2181879276" sldId="295"/>
-            <ac:spMk id="14" creationId="{DDEF694F-66A8-AD55-2E81-8C23419C8CA8}"/>
-          </ac:spMkLst>
-        </pc:spChg>
-        <pc:spChg chg="del">
-          <ac:chgData name="Jireh Tseng" userId="S::tsengj@middleton.school.nz::eefb979d-fc0d-4dd5-ae9a-91b2ece0a753" providerId="AD" clId="Web-{AE16ED1E-D1AF-834C-C0D7-D581AE5158A7}" dt="2022-04-13T09:41:51.937" v="796"/>
-          <ac:spMkLst>
-            <pc:docMk/>
-            <pc:sldMk cId="2181879276" sldId="295"/>
-            <ac:spMk id="15" creationId="{5A6598DE-722A-25F4-7138-F2334A98CDC4}"/>
-          </ac:spMkLst>
-        </pc:spChg>
-        <pc:spChg chg="del mod">
-          <ac:chgData name="Jireh Tseng" userId="S::tsengj@middleton.school.nz::eefb979d-fc0d-4dd5-ae9a-91b2ece0a753" providerId="AD" clId="Web-{AE16ED1E-D1AF-834C-C0D7-D581AE5158A7}" dt="2022-04-13T09:41:49.609" v="794"/>
-          <ac:spMkLst>
-            <pc:docMk/>
-            <pc:sldMk cId="2181879276" sldId="295"/>
-            <ac:spMk id="16" creationId="{7589514A-F299-0BE2-AF3A-0E5A01786D85}"/>
-          </ac:spMkLst>
-        </pc:spChg>
-        <pc:spChg chg="del">
-          <ac:chgData name="Jireh Tseng" userId="S::tsengj@middleton.school.nz::eefb979d-fc0d-4dd5-ae9a-91b2ece0a753" providerId="AD" clId="Web-{AE16ED1E-D1AF-834C-C0D7-D581AE5158A7}" dt="2022-04-13T09:41:50.952" v="795"/>
-          <ac:spMkLst>
-            <pc:docMk/>
-            <pc:sldMk cId="2181879276" sldId="295"/>
-            <ac:spMk id="17" creationId="{A6F7868D-4566-BB8F-888B-FA33BDC914C7}"/>
-          </ac:spMkLst>
-        </pc:spChg>
-        <pc:picChg chg="add mod">
-          <ac:chgData name="Jireh Tseng" userId="S::tsengj@middleton.school.nz::eefb979d-fc0d-4dd5-ae9a-91b2ece0a753" providerId="AD" clId="Web-{AE16ED1E-D1AF-834C-C0D7-D581AE5158A7}" dt="2022-04-13T09:42:01.515" v="803" actId="1076"/>
-          <ac:picMkLst>
-            <pc:docMk/>
-            <pc:sldMk cId="2181879276" sldId="295"/>
-            <ac:picMk id="3" creationId="{32005FF8-46FA-E696-97B7-3A4BE8249FC2}"/>
-          </ac:picMkLst>
-        </pc:picChg>
-        <pc:picChg chg="del">
-          <ac:chgData name="Jireh Tseng" userId="S::tsengj@middleton.school.nz::eefb979d-fc0d-4dd5-ae9a-91b2ece0a753" providerId="AD" clId="Web-{AE16ED1E-D1AF-834C-C0D7-D581AE5158A7}" dt="2022-04-13T09:41:46.655" v="792"/>
-          <ac:picMkLst>
-            <pc:docMk/>
-            <pc:sldMk cId="2181879276" sldId="295"/>
-            <ac:picMk id="5" creationId="{6A175A57-DC9A-34A1-D38F-3DE7F660D431}"/>
-          </ac:picMkLst>
-        </pc:picChg>
-        <pc:picChg chg="del">
-          <ac:chgData name="Jireh Tseng" userId="S::tsengj@middleton.school.nz::eefb979d-fc0d-4dd5-ae9a-91b2ece0a753" providerId="AD" clId="Web-{AE16ED1E-D1AF-834C-C0D7-D581AE5158A7}" dt="2022-04-13T09:41:52.984" v="797"/>
-          <ac:picMkLst>
-            <pc:docMk/>
-            <pc:sldMk cId="2181879276" sldId="295"/>
-            <ac:picMk id="9" creationId="{5C472445-5698-4240-DB0D-20AC3DCA4BCC}"/>
-          </ac:picMkLst>
-        </pc:picChg>
       </pc:sldChg>
     </pc:docChg>
   </pc:docChgLst>
@@ -3522,90 +3597,73 @@
     </pc:docChg>
   </pc:docChgLst>
   <pc:docChgLst>
-    <pc:chgData name="Jireh Tseng" userId="S::tsengj@middleton.school.nz::eefb979d-fc0d-4dd5-ae9a-91b2ece0a753" providerId="AD" clId="Web-{E462C1EF-32F1-1F33-874C-C2D0A433766B}"/>
-    <pc:docChg chg="modSld">
-      <pc:chgData name="Jireh Tseng" userId="S::tsengj@middleton.school.nz::eefb979d-fc0d-4dd5-ae9a-91b2ece0a753" providerId="AD" clId="Web-{E462C1EF-32F1-1F33-874C-C2D0A433766B}" dt="2022-04-10T23:16:00.532" v="52" actId="14100"/>
+    <pc:chgData name="Jireh Tseng" userId="eefb979d-fc0d-4dd5-ae9a-91b2ece0a753" providerId="ADAL" clId="{F3FDAC0E-9B55-446C-854B-59BF7CB03B46}"/>
+    <pc:docChg chg="custSel modSld">
+      <pc:chgData name="Jireh Tseng" userId="eefb979d-fc0d-4dd5-ae9a-91b2ece0a753" providerId="ADAL" clId="{F3FDAC0E-9B55-446C-854B-59BF7CB03B46}" dt="2022-05-08T23:45:25.516" v="9" actId="1076"/>
       <pc:docMkLst>
         <pc:docMk/>
       </pc:docMkLst>
-      <pc:sldChg chg="addSp modSp">
-        <pc:chgData name="Jireh Tseng" userId="S::tsengj@middleton.school.nz::eefb979d-fc0d-4dd5-ae9a-91b2ece0a753" providerId="AD" clId="Web-{E462C1EF-32F1-1F33-874C-C2D0A433766B}" dt="2022-04-10T23:16:00.532" v="52" actId="14100"/>
+      <pc:sldChg chg="addSp delSp modSp mod">
+        <pc:chgData name="Jireh Tseng" userId="eefb979d-fc0d-4dd5-ae9a-91b2ece0a753" providerId="ADAL" clId="{F3FDAC0E-9B55-446C-854B-59BF7CB03B46}" dt="2022-05-08T23:27:08.594" v="4" actId="1076"/>
         <pc:sldMkLst>
           <pc:docMk/>
-          <pc:sldMk cId="1948546728" sldId="286"/>
+          <pc:sldMk cId="1732950584" sldId="281"/>
         </pc:sldMkLst>
-        <pc:spChg chg="add mod">
-          <ac:chgData name="Jireh Tseng" userId="S::tsengj@middleton.school.nz::eefb979d-fc0d-4dd5-ae9a-91b2ece0a753" providerId="AD" clId="Web-{E462C1EF-32F1-1F33-874C-C2D0A433766B}" dt="2022-04-10T23:14:48.014" v="14" actId="1076"/>
-          <ac:spMkLst>
-            <pc:docMk/>
-            <pc:sldMk cId="1948546728" sldId="286"/>
-            <ac:spMk id="3" creationId="{3FCC3670-01DB-1BA0-3833-6709A0DE08CA}"/>
-          </ac:spMkLst>
-        </pc:spChg>
-        <pc:spChg chg="add mod">
-          <ac:chgData name="Jireh Tseng" userId="S::tsengj@middleton.school.nz::eefb979d-fc0d-4dd5-ae9a-91b2ece0a753" providerId="AD" clId="Web-{E462C1EF-32F1-1F33-874C-C2D0A433766B}" dt="2022-04-10T23:16:00.532" v="52" actId="14100"/>
-          <ac:spMkLst>
-            <pc:docMk/>
-            <pc:sldMk cId="1948546728" sldId="286"/>
-            <ac:spMk id="4" creationId="{725A2025-63D9-0C5C-C37D-EF6807D6D0DE}"/>
-          </ac:spMkLst>
-        </pc:spChg>
-        <pc:spChg chg="add mod">
-          <ac:chgData name="Jireh Tseng" userId="S::tsengj@middleton.school.nz::eefb979d-fc0d-4dd5-ae9a-91b2ece0a753" providerId="AD" clId="Web-{E462C1EF-32F1-1F33-874C-C2D0A433766B}" dt="2022-04-10T23:15:21.156" v="24" actId="14100"/>
-          <ac:spMkLst>
-            <pc:docMk/>
-            <pc:sldMk cId="1948546728" sldId="286"/>
-            <ac:spMk id="6" creationId="{53E84D05-6AA4-7256-EC95-EBAF55445C69}"/>
-          </ac:spMkLst>
-        </pc:spChg>
-        <pc:spChg chg="add mod">
-          <ac:chgData name="Jireh Tseng" userId="S::tsengj@middleton.school.nz::eefb979d-fc0d-4dd5-ae9a-91b2ece0a753" providerId="AD" clId="Web-{E462C1EF-32F1-1F33-874C-C2D0A433766B}" dt="2022-04-10T23:15:07.890" v="20"/>
-          <ac:spMkLst>
-            <pc:docMk/>
-            <pc:sldMk cId="1948546728" sldId="286"/>
-            <ac:spMk id="7" creationId="{44B60101-9F86-B903-5115-3061FB2D6536}"/>
-          </ac:spMkLst>
-        </pc:spChg>
-        <pc:spChg chg="add mod">
-          <ac:chgData name="Jireh Tseng" userId="S::tsengj@middleton.school.nz::eefb979d-fc0d-4dd5-ae9a-91b2ece0a753" providerId="AD" clId="Web-{E462C1EF-32F1-1F33-874C-C2D0A433766B}" dt="2022-04-10T23:15:18.015" v="23"/>
-          <ac:spMkLst>
-            <pc:docMk/>
-            <pc:sldMk cId="1948546728" sldId="286"/>
-            <ac:spMk id="8" creationId="{84FC7A4C-AF25-FBAE-67A7-BE6141E6D630}"/>
-          </ac:spMkLst>
-        </pc:spChg>
+        <pc:picChg chg="del">
+          <ac:chgData name="Jireh Tseng" userId="eefb979d-fc0d-4dd5-ae9a-91b2ece0a753" providerId="ADAL" clId="{F3FDAC0E-9B55-446C-854B-59BF7CB03B46}" dt="2022-05-08T23:26:32.754" v="1" actId="478"/>
+          <ac:picMkLst>
+            <pc:docMk/>
+            <pc:sldMk cId="1732950584" sldId="281"/>
+            <ac:picMk id="3" creationId="{5637524A-0934-725D-BFCD-66AF1F36C1B5}"/>
+          </ac:picMkLst>
+        </pc:picChg>
         <pc:picChg chg="add mod">
-          <ac:chgData name="Jireh Tseng" userId="S::tsengj@middleton.school.nz::eefb979d-fc0d-4dd5-ae9a-91b2ece0a753" providerId="AD" clId="Web-{E462C1EF-32F1-1F33-874C-C2D0A433766B}" dt="2022-04-10T23:13:54.575" v="2" actId="1076"/>
+          <ac:chgData name="Jireh Tseng" userId="eefb979d-fc0d-4dd5-ae9a-91b2ece0a753" providerId="ADAL" clId="{F3FDAC0E-9B55-446C-854B-59BF7CB03B46}" dt="2022-05-08T23:27:08.594" v="4" actId="1076"/>
           <ac:picMkLst>
             <pc:docMk/>
-            <pc:sldMk cId="1948546728" sldId="286"/>
-            <ac:picMk id="2" creationId="{7BE51418-D4BA-D8BF-8352-2CFCE01BAB0C}"/>
+            <pc:sldMk cId="1732950584" sldId="281"/>
+            <ac:picMk id="5" creationId="{E28F0CE6-02A2-80E8-C747-E9C2A2D6C594}"/>
           </ac:picMkLst>
         </pc:picChg>
       </pc:sldChg>
-    </pc:docChg>
-  </pc:docChgLst>
-  <pc:docChgLst>
-    <pc:chgData name="Jireh Tseng" userId="S::tsengj@middleton.school.nz::eefb979d-fc0d-4dd5-ae9a-91b2ece0a753" providerId="AD" clId="Web-{7E3F9280-A2F5-974F-0785-E500C00B3676}"/>
-    <pc:docChg chg="modSld sldOrd">
-      <pc:chgData name="Jireh Tseng" userId="S::tsengj@middleton.school.nz::eefb979d-fc0d-4dd5-ae9a-91b2ece0a753" providerId="AD" clId="Web-{7E3F9280-A2F5-974F-0785-E500C00B3676}" dt="2022-03-22T21:21:19.029" v="10"/>
-      <pc:docMkLst>
-        <pc:docMk/>
-      </pc:docMkLst>
-      <pc:sldChg chg="modSp ord">
-        <pc:chgData name="Jireh Tseng" userId="S::tsengj@middleton.school.nz::eefb979d-fc0d-4dd5-ae9a-91b2ece0a753" providerId="AD" clId="Web-{7E3F9280-A2F5-974F-0785-E500C00B3676}" dt="2022-03-22T21:21:19.029" v="10"/>
+      <pc:sldChg chg="addSp delSp modSp mod">
+        <pc:chgData name="Jireh Tseng" userId="eefb979d-fc0d-4dd5-ae9a-91b2ece0a753" providerId="ADAL" clId="{F3FDAC0E-9B55-446C-854B-59BF7CB03B46}" dt="2022-05-08T23:45:25.516" v="9" actId="1076"/>
         <pc:sldMkLst>
           <pc:docMk/>
-          <pc:sldMk cId="89592267" sldId="274"/>
+          <pc:sldMk cId="2568554082" sldId="283"/>
         </pc:sldMkLst>
-        <pc:spChg chg="mod">
-          <ac:chgData name="Jireh Tseng" userId="S::tsengj@middleton.school.nz::eefb979d-fc0d-4dd5-ae9a-91b2ece0a753" providerId="AD" clId="Web-{7E3F9280-A2F5-974F-0785-E500C00B3676}" dt="2022-03-22T21:20:45.263" v="8" actId="20577"/>
-          <ac:spMkLst>
-            <pc:docMk/>
-            <pc:sldMk cId="89592267" sldId="274"/>
-            <ac:spMk id="2" creationId="{1CC5D32F-7C18-4D00-8D54-2FB046F0A206}"/>
-          </ac:spMkLst>
-        </pc:spChg>
+        <pc:picChg chg="add mod">
+          <ac:chgData name="Jireh Tseng" userId="eefb979d-fc0d-4dd5-ae9a-91b2ece0a753" providerId="ADAL" clId="{F3FDAC0E-9B55-446C-854B-59BF7CB03B46}" dt="2022-05-08T23:44:35.370" v="6" actId="1076"/>
+          <ac:picMkLst>
+            <pc:docMk/>
+            <pc:sldMk cId="2568554082" sldId="283"/>
+            <ac:picMk id="4" creationId="{B19CBD4F-2B93-EEDD-AED1-125C355B4798}"/>
+          </ac:picMkLst>
+        </pc:picChg>
+        <pc:picChg chg="del">
+          <ac:chgData name="Jireh Tseng" userId="eefb979d-fc0d-4dd5-ae9a-91b2ece0a753" providerId="ADAL" clId="{F3FDAC0E-9B55-446C-854B-59BF7CB03B46}" dt="2022-05-08T23:07:32.268" v="0" actId="478"/>
+          <ac:picMkLst>
+            <pc:docMk/>
+            <pc:sldMk cId="2568554082" sldId="283"/>
+            <ac:picMk id="5" creationId="{5B9D5457-A14E-2B54-D6C8-31D0CE122621}"/>
+          </ac:picMkLst>
+        </pc:picChg>
+        <pc:picChg chg="add">
+          <ac:chgData name="Jireh Tseng" userId="eefb979d-fc0d-4dd5-ae9a-91b2ece0a753" providerId="ADAL" clId="{F3FDAC0E-9B55-446C-854B-59BF7CB03B46}" dt="2022-05-08T23:44:57.204" v="7" actId="22"/>
+          <ac:picMkLst>
+            <pc:docMk/>
+            <pc:sldMk cId="2568554082" sldId="283"/>
+            <ac:picMk id="7" creationId="{537A140B-F1C8-0A39-5D44-10A095EAC5BA}"/>
+          </ac:picMkLst>
+        </pc:picChg>
+        <pc:picChg chg="add mod">
+          <ac:chgData name="Jireh Tseng" userId="eefb979d-fc0d-4dd5-ae9a-91b2ece0a753" providerId="ADAL" clId="{F3FDAC0E-9B55-446C-854B-59BF7CB03B46}" dt="2022-05-08T23:45:25.516" v="9" actId="1076"/>
+          <ac:picMkLst>
+            <pc:docMk/>
+            <pc:sldMk cId="2568554082" sldId="283"/>
+            <ac:picMk id="9" creationId="{50EE2B67-0AB1-6E25-1255-F161EB7010F5}"/>
+          </ac:picMkLst>
+        </pc:picChg>
       </pc:sldChg>
     </pc:docChg>
   </pc:docChgLst>
@@ -3694,7 +3752,7 @@
           <a:p>
             <a:fld id="{F37D28C0-BEB6-42B0-A203-EEE1023219C4}" type="datetimeFigureOut">
               <a:rPr lang="en-NZ" smtClean="0"/>
-              <a:t>4/05/2022</a:t>
+              <a:t>9/05/2022</a:t>
             </a:fld>
             <a:endParaRPr lang="en-NZ"/>
           </a:p>
@@ -7289,7 +7347,7 @@
           <a:p>
             <a:fld id="{9C4A4F43-1C06-40E6-8F87-8B286982E50E}" type="datetimeFigureOut">
               <a:rPr lang="en-NZ" smtClean="0"/>
-              <a:t>4/05/2022</a:t>
+              <a:t>9/05/2022</a:t>
             </a:fld>
             <a:endParaRPr lang="en-NZ"/>
           </a:p>
@@ -7489,7 +7547,7 @@
           <a:p>
             <a:fld id="{9C4A4F43-1C06-40E6-8F87-8B286982E50E}" type="datetimeFigureOut">
               <a:rPr lang="en-NZ" smtClean="0"/>
-              <a:t>4/05/2022</a:t>
+              <a:t>9/05/2022</a:t>
             </a:fld>
             <a:endParaRPr lang="en-NZ"/>
           </a:p>
@@ -7699,7 +7757,7 @@
           <a:p>
             <a:fld id="{9C4A4F43-1C06-40E6-8F87-8B286982E50E}" type="datetimeFigureOut">
               <a:rPr lang="en-NZ" smtClean="0"/>
-              <a:t>4/05/2022</a:t>
+              <a:t>9/05/2022</a:t>
             </a:fld>
             <a:endParaRPr lang="en-NZ"/>
           </a:p>
@@ -8258,7 +8316,7 @@
           <a:p>
             <a:fld id="{9C4A4F43-1C06-40E6-8F87-8B286982E50E}" type="datetimeFigureOut">
               <a:rPr lang="en-NZ" smtClean="0"/>
-              <a:t>4/05/2022</a:t>
+              <a:t>9/05/2022</a:t>
             </a:fld>
             <a:endParaRPr lang="en-NZ"/>
           </a:p>
@@ -8534,7 +8592,7 @@
           <a:p>
             <a:fld id="{9C4A4F43-1C06-40E6-8F87-8B286982E50E}" type="datetimeFigureOut">
               <a:rPr lang="en-NZ" smtClean="0"/>
-              <a:t>4/05/2022</a:t>
+              <a:t>9/05/2022</a:t>
             </a:fld>
             <a:endParaRPr lang="en-NZ"/>
           </a:p>
@@ -8802,7 +8860,7 @@
           <a:p>
             <a:fld id="{9C4A4F43-1C06-40E6-8F87-8B286982E50E}" type="datetimeFigureOut">
               <a:rPr lang="en-NZ" smtClean="0"/>
-              <a:t>4/05/2022</a:t>
+              <a:t>9/05/2022</a:t>
             </a:fld>
             <a:endParaRPr lang="en-NZ"/>
           </a:p>
@@ -9217,7 +9275,7 @@
           <a:p>
             <a:fld id="{9C4A4F43-1C06-40E6-8F87-8B286982E50E}" type="datetimeFigureOut">
               <a:rPr lang="en-NZ" smtClean="0"/>
-              <a:t>4/05/2022</a:t>
+              <a:t>9/05/2022</a:t>
             </a:fld>
             <a:endParaRPr lang="en-NZ"/>
           </a:p>
@@ -9359,7 +9417,7 @@
           <a:p>
             <a:fld id="{9C4A4F43-1C06-40E6-8F87-8B286982E50E}" type="datetimeFigureOut">
               <a:rPr lang="en-NZ" smtClean="0"/>
-              <a:t>4/05/2022</a:t>
+              <a:t>9/05/2022</a:t>
             </a:fld>
             <a:endParaRPr lang="en-NZ"/>
           </a:p>
@@ -9472,7 +9530,7 @@
           <a:p>
             <a:fld id="{9C4A4F43-1C06-40E6-8F87-8B286982E50E}" type="datetimeFigureOut">
               <a:rPr lang="en-NZ" smtClean="0"/>
-              <a:t>4/05/2022</a:t>
+              <a:t>9/05/2022</a:t>
             </a:fld>
             <a:endParaRPr lang="en-NZ"/>
           </a:p>
@@ -9785,7 +9843,7 @@
           <a:p>
             <a:fld id="{9C4A4F43-1C06-40E6-8F87-8B286982E50E}" type="datetimeFigureOut">
               <a:rPr lang="en-NZ" smtClean="0"/>
-              <a:t>4/05/2022</a:t>
+              <a:t>9/05/2022</a:t>
             </a:fld>
             <a:endParaRPr lang="en-NZ"/>
           </a:p>
@@ -10074,7 +10132,7 @@
           <a:p>
             <a:fld id="{9C4A4F43-1C06-40E6-8F87-8B286982E50E}" type="datetimeFigureOut">
               <a:rPr lang="en-NZ" smtClean="0"/>
-              <a:t>4/05/2022</a:t>
+              <a:t>9/05/2022</a:t>
             </a:fld>
             <a:endParaRPr lang="en-NZ"/>
           </a:p>
@@ -10317,7 +10375,7 @@
           <a:p>
             <a:fld id="{9C4A4F43-1C06-40E6-8F87-8B286982E50E}" type="datetimeFigureOut">
               <a:rPr lang="en-NZ" smtClean="0"/>
-              <a:t>4/05/2022</a:t>
+              <a:t>9/05/2022</a:t>
             </a:fld>
             <a:endParaRPr lang="en-NZ"/>
           </a:p>
@@ -15632,7 +15690,7 @@
         <p:spPr>
           <a:xfrm>
             <a:off x="2519680" y="1971040"/>
-            <a:ext cx="2743200" cy="3416320"/>
+            <a:ext cx="2743200" cy="3970318"/>
           </a:xfrm>
           <a:prstGeom prst="rect">
             <a:avLst/>
@@ -15693,14 +15751,27 @@
               <a:t>I will choose trial 2 as it is more effective and uses less code.</a:t>
             </a:r>
           </a:p>
+          <a:p>
+            <a:endParaRPr lang="en-GB" dirty="0">
+              <a:cs typeface="Calibri"/>
+            </a:endParaRPr>
+          </a:p>
+          <a:p>
+            <a:r>
+              <a:rPr lang="en-GB" dirty="0">
+                <a:cs typeface="Calibri"/>
+              </a:rPr>
+              <a:t>Try and do it randomly</a:t>
+            </a:r>
+          </a:p>
         </p:txBody>
       </p:sp>
       <p:pic>
         <p:nvPicPr>
-          <p:cNvPr id="3" name="Picture 3" descr="Graphical user interface, text, application&#10;&#10;Description automatically generated">
+          <p:cNvPr id="5" name="Picture 4">
             <a:extLst>
               <a:ext uri="{FF2B5EF4-FFF2-40B4-BE49-F238E27FC236}">
-                <a16:creationId xmlns:a16="http://schemas.microsoft.com/office/drawing/2014/main" id="{5637524A-0934-725D-BFCD-66AF1F36C1B5}"/>
+                <a16:creationId xmlns:a16="http://schemas.microsoft.com/office/drawing/2014/main" id="{E28F0CE6-02A2-80E8-C747-E9C2A2D6C594}"/>
               </a:ext>
             </a:extLst>
           </p:cNvPr>
@@ -15717,8 +15788,8 @@
         </p:blipFill>
         <p:spPr>
           <a:xfrm>
-            <a:off x="6600242" y="1803893"/>
-            <a:ext cx="3588706" cy="3751256"/>
+            <a:off x="6538825" y="2052378"/>
+            <a:ext cx="3942362" cy="3543696"/>
           </a:xfrm>
           <a:prstGeom prst="rect">
             <a:avLst/>
@@ -16144,7 +16215,7 @@
           <a:p>
             <a:pPr algn="l"/>
             <a:r>
-              <a:rPr lang="en-GB"/>
+              <a:rPr lang="en-GB" dirty="0"/>
               <a:t>Click to add text</a:t>
             </a:r>
           </a:p>
@@ -16245,19 +16316,19 @@
           <a:lstStyle/>
           <a:p>
             <a:r>
-              <a:rPr lang="en-GB">
+              <a:rPr lang="en-GB" dirty="0">
                 <a:cs typeface="Calibri"/>
               </a:rPr>
               <a:t>Testing </a:t>
             </a:r>
             <a:r>
-              <a:rPr lang="en-GB" err="1">
+              <a:rPr lang="en-GB" dirty="0" err="1">
                 <a:cs typeface="Calibri"/>
               </a:rPr>
               <a:t>user_balance</a:t>
             </a:r>
             <a:r>
-              <a:rPr lang="en-GB">
+              <a:rPr lang="en-GB" dirty="0">
                 <a:cs typeface="Calibri"/>
               </a:rPr>
               <a:t> can only be entered as an integer between 1 and 10</a:t>
@@ -16265,7 +16336,7 @@
           </a:p>
           <a:p>
             <a:r>
-              <a:rPr lang="en-GB">
+              <a:rPr lang="en-GB" dirty="0">
                 <a:cs typeface="Calibri"/>
               </a:rPr>
               <a:t>All tests passed.</a:t>
@@ -16273,7 +16344,7 @@
           </a:p>
           <a:p>
             <a:r>
-              <a:rPr lang="en-GB">
+              <a:rPr lang="en-GB" dirty="0">
                 <a:cs typeface="Calibri"/>
               </a:rPr>
               <a:t>Program works correctly for expected, unexpected, and boundary cases.</a:t>
@@ -16283,10 +16354,10 @@
       </p:sp>
       <p:pic>
         <p:nvPicPr>
-          <p:cNvPr id="5" name="Picture 5" descr="A picture containing text&#10;&#10;Description automatically generated">
+          <p:cNvPr id="4" name="Picture 3">
             <a:extLst>
               <a:ext uri="{FF2B5EF4-FFF2-40B4-BE49-F238E27FC236}">
-                <a16:creationId xmlns:a16="http://schemas.microsoft.com/office/drawing/2014/main" id="{5B9D5457-A14E-2B54-D6C8-31D0CE122621}"/>
+                <a16:creationId xmlns:a16="http://schemas.microsoft.com/office/drawing/2014/main" id="{B19CBD4F-2B93-EEDD-AED1-125C355B4798}"/>
               </a:ext>
             </a:extLst>
           </p:cNvPr>
@@ -16303,8 +16374,68 @@
         </p:blipFill>
         <p:spPr>
           <a:xfrm>
-            <a:off x="543381" y="1454259"/>
-            <a:ext cx="2733675" cy="504825"/>
+            <a:off x="775790" y="981047"/>
+            <a:ext cx="2263336" cy="5273497"/>
+          </a:xfrm>
+          <a:prstGeom prst="rect">
+            <a:avLst/>
+          </a:prstGeom>
+        </p:spPr>
+      </p:pic>
+      <p:pic>
+        <p:nvPicPr>
+          <p:cNvPr id="7" name="Picture 6">
+            <a:extLst>
+              <a:ext uri="{FF2B5EF4-FFF2-40B4-BE49-F238E27FC236}">
+                <a16:creationId xmlns:a16="http://schemas.microsoft.com/office/drawing/2014/main" id="{537A140B-F1C8-0A39-5D44-10A095EAC5BA}"/>
+              </a:ext>
+            </a:extLst>
+          </p:cNvPr>
+          <p:cNvPicPr>
+            <a:picLocks noChangeAspect="1"/>
+          </p:cNvPicPr>
+          <p:nvPr/>
+        </p:nvPicPr>
+        <p:blipFill>
+          <a:blip r:embed="rId4"/>
+          <a:stretch>
+            <a:fillRect/>
+          </a:stretch>
+        </p:blipFill>
+        <p:spPr>
+          <a:xfrm>
+            <a:off x="4983383" y="45427"/>
+            <a:ext cx="2225233" cy="6767146"/>
+          </a:xfrm>
+          <a:prstGeom prst="rect">
+            <a:avLst/>
+          </a:prstGeom>
+        </p:spPr>
+      </p:pic>
+      <p:pic>
+        <p:nvPicPr>
+          <p:cNvPr id="9" name="Picture 8">
+            <a:extLst>
+              <a:ext uri="{FF2B5EF4-FFF2-40B4-BE49-F238E27FC236}">
+                <a16:creationId xmlns:a16="http://schemas.microsoft.com/office/drawing/2014/main" id="{50EE2B67-0AB1-6E25-1255-F161EB7010F5}"/>
+              </a:ext>
+            </a:extLst>
+          </p:cNvPr>
+          <p:cNvPicPr>
+            <a:picLocks noChangeAspect="1"/>
+          </p:cNvPicPr>
+          <p:nvPr/>
+        </p:nvPicPr>
+        <p:blipFill>
+          <a:blip r:embed="rId5"/>
+          <a:stretch>
+            <a:fillRect/>
+          </a:stretch>
+        </p:blipFill>
+        <p:spPr>
+          <a:xfrm>
+            <a:off x="7773533" y="1069850"/>
+            <a:ext cx="2758679" cy="5570703"/>
           </a:xfrm>
           <a:prstGeom prst="rect">
             <a:avLst/>
@@ -18006,10 +18137,14 @@
           <a:lstStyle/>
           <a:p>
             <a:r>
-              <a:rPr lang="en-NZ" b="1"/>
-              <a:t>Lucky Unicorn</a:t>
+              <a:rPr lang="en-NZ" b="1" dirty="0" err="1"/>
+              <a:t>Maori</a:t>
             </a:r>
-            <a:endParaRPr lang="en-NZ"/>
+            <a:r>
+              <a:rPr lang="en-NZ" b="1" dirty="0"/>
+              <a:t> Quiz</a:t>
+            </a:r>
+            <a:endParaRPr lang="en-NZ" dirty="0"/>
           </a:p>
         </p:txBody>
       </p:sp>
@@ -18292,7 +18427,7 @@
               <a:buNone/>
             </a:pPr>
             <a:r>
-              <a:rPr lang="en-NZ" sz="2000" b="1" dirty="0">
+              <a:rPr lang="en-NZ" sz="2000" b="1">
                 <a:solidFill>
                   <a:srgbClr val="274E13"/>
                 </a:solidFill>
@@ -18301,11 +18436,17 @@
             </a:r>
             <a:r>
               <a:rPr lang="en-NZ" sz="2000" dirty="0">
-                <a:ea typeface="+mn-lt"/>
-                <a:cs typeface="+mn-lt"/>
+                <a:solidFill>
+                  <a:srgbClr val="000000"/>
+                </a:solidFill>
+                <a:hlinkClick r:id="rId3"/>
               </a:rPr>
               <a:t>https://trello.com/b/Oaxf98cy/assessment</a:t>
             </a:r>
+            <a:endParaRPr lang="en-NZ" sz="2000">
+              <a:ea typeface="+mn-lt"/>
+              <a:cs typeface="+mn-lt"/>
+            </a:endParaRPr>
           </a:p>
           <a:p>
             <a:pPr marL="0" indent="0">

--- a/1.7 and 1.8 documentation.pptx
+++ b/1.7 and 1.8 documentation.pptx
@@ -5,7 +5,7 @@
     <p:sldMasterId id="2147483648" r:id="rId1"/>
   </p:sldMasterIdLst>
   <p:notesMasterIdLst>
-    <p:notesMasterId r:id="rId39"/>
+    <p:notesMasterId r:id="rId41"/>
   </p:notesMasterIdLst>
   <p:sldIdLst>
     <p:sldId id="256" r:id="rId2"/>
@@ -21,30 +21,32 @@
     <p:sldId id="280" r:id="rId12"/>
     <p:sldId id="281" r:id="rId13"/>
     <p:sldId id="282" r:id="rId14"/>
-    <p:sldId id="283" r:id="rId15"/>
-    <p:sldId id="304" r:id="rId16"/>
-    <p:sldId id="284" r:id="rId17"/>
-    <p:sldId id="285" r:id="rId18"/>
-    <p:sldId id="286" r:id="rId19"/>
-    <p:sldId id="287" r:id="rId20"/>
-    <p:sldId id="288" r:id="rId21"/>
-    <p:sldId id="289" r:id="rId22"/>
-    <p:sldId id="291" r:id="rId23"/>
-    <p:sldId id="290" r:id="rId24"/>
-    <p:sldId id="292" r:id="rId25"/>
-    <p:sldId id="293" r:id="rId26"/>
-    <p:sldId id="294" r:id="rId27"/>
-    <p:sldId id="295" r:id="rId28"/>
-    <p:sldId id="296" r:id="rId29"/>
-    <p:sldId id="299" r:id="rId30"/>
-    <p:sldId id="297" r:id="rId31"/>
-    <p:sldId id="300" r:id="rId32"/>
-    <p:sldId id="298" r:id="rId33"/>
-    <p:sldId id="301" r:id="rId34"/>
-    <p:sldId id="270" r:id="rId35"/>
-    <p:sldId id="261" r:id="rId36"/>
-    <p:sldId id="266" r:id="rId37"/>
-    <p:sldId id="302" r:id="rId38"/>
+    <p:sldId id="305" r:id="rId15"/>
+    <p:sldId id="306" r:id="rId16"/>
+    <p:sldId id="283" r:id="rId17"/>
+    <p:sldId id="304" r:id="rId18"/>
+    <p:sldId id="284" r:id="rId19"/>
+    <p:sldId id="285" r:id="rId20"/>
+    <p:sldId id="286" r:id="rId21"/>
+    <p:sldId id="287" r:id="rId22"/>
+    <p:sldId id="288" r:id="rId23"/>
+    <p:sldId id="289" r:id="rId24"/>
+    <p:sldId id="291" r:id="rId25"/>
+    <p:sldId id="290" r:id="rId26"/>
+    <p:sldId id="292" r:id="rId27"/>
+    <p:sldId id="293" r:id="rId28"/>
+    <p:sldId id="294" r:id="rId29"/>
+    <p:sldId id="295" r:id="rId30"/>
+    <p:sldId id="296" r:id="rId31"/>
+    <p:sldId id="299" r:id="rId32"/>
+    <p:sldId id="297" r:id="rId33"/>
+    <p:sldId id="300" r:id="rId34"/>
+    <p:sldId id="298" r:id="rId35"/>
+    <p:sldId id="301" r:id="rId36"/>
+    <p:sldId id="270" r:id="rId37"/>
+    <p:sldId id="261" r:id="rId38"/>
+    <p:sldId id="266" r:id="rId39"/>
+    <p:sldId id="302" r:id="rId40"/>
   </p:sldIdLst>
   <p:sldSz cx="12192000" cy="6858000"/>
   <p:notesSz cx="6858000" cy="9144000"/>
@@ -154,7 +156,7 @@
 <file path=ppt/revisionInfo.xml><?xml version="1.0" encoding="utf-8"?>
 <p1510:revInfo xmlns:a="http://schemas.openxmlformats.org/drawingml/2006/main" xmlns:r="http://schemas.openxmlformats.org/officeDocument/2006/relationships" xmlns:p1510="http://schemas.microsoft.com/office/powerpoint/2015/10/main">
   <p1510:revLst>
-    <p1510:client id="{F3FDAC0E-9B55-446C-854B-59BF7CB03B46}" v="50" dt="2022-05-09T21:26:25.821"/>
+    <p1510:client id="{F3FDAC0E-9B55-446C-854B-59BF7CB03B46}" v="52" dt="2022-05-11T02:07:23.346"/>
   </p1510:revLst>
 </p1510:revInfo>
 </file>
@@ -3607,11 +3609,41 @@
   </pc:docChgLst>
   <pc:docChgLst>
     <pc:chgData name="Jireh Tseng" userId="eefb979d-fc0d-4dd5-ae9a-91b2ece0a753" providerId="ADAL" clId="{F3FDAC0E-9B55-446C-854B-59BF7CB03B46}"/>
-    <pc:docChg chg="undo custSel addSld delSld modSld">
-      <pc:chgData name="Jireh Tseng" userId="eefb979d-fc0d-4dd5-ae9a-91b2ece0a753" providerId="ADAL" clId="{F3FDAC0E-9B55-446C-854B-59BF7CB03B46}" dt="2022-05-09T21:32:37.107" v="1780" actId="1076"/>
+    <pc:docChg chg="undo custSel addSld delSld modSld sldOrd">
+      <pc:chgData name="Jireh Tseng" userId="eefb979d-fc0d-4dd5-ae9a-91b2ece0a753" providerId="ADAL" clId="{F3FDAC0E-9B55-446C-854B-59BF7CB03B46}" dt="2022-05-11T02:16:24.265" v="2687" actId="20577"/>
       <pc:docMkLst>
         <pc:docMk/>
       </pc:docMkLst>
+      <pc:sldChg chg="modSp mod">
+        <pc:chgData name="Jireh Tseng" userId="eefb979d-fc0d-4dd5-ae9a-91b2ece0a753" providerId="ADAL" clId="{F3FDAC0E-9B55-446C-854B-59BF7CB03B46}" dt="2022-05-11T01:37:41.522" v="1824" actId="20577"/>
+        <pc:sldMkLst>
+          <pc:docMk/>
+          <pc:sldMk cId="2993261380" sldId="279"/>
+        </pc:sldMkLst>
+        <pc:spChg chg="mod">
+          <ac:chgData name="Jireh Tseng" userId="eefb979d-fc0d-4dd5-ae9a-91b2ece0a753" providerId="ADAL" clId="{F3FDAC0E-9B55-446C-854B-59BF7CB03B46}" dt="2022-05-11T01:37:41.522" v="1824" actId="20577"/>
+          <ac:spMkLst>
+            <pc:docMk/>
+            <pc:sldMk cId="2993261380" sldId="279"/>
+            <ac:spMk id="91" creationId="{00000000-0000-0000-0000-000000000000}"/>
+          </ac:spMkLst>
+        </pc:spChg>
+      </pc:sldChg>
+      <pc:sldChg chg="modSp mod">
+        <pc:chgData name="Jireh Tseng" userId="eefb979d-fc0d-4dd5-ae9a-91b2ece0a753" providerId="ADAL" clId="{F3FDAC0E-9B55-446C-854B-59BF7CB03B46}" dt="2022-05-11T01:37:33.235" v="1805" actId="20577"/>
+        <pc:sldMkLst>
+          <pc:docMk/>
+          <pc:sldMk cId="636464997" sldId="280"/>
+        </pc:sldMkLst>
+        <pc:spChg chg="mod">
+          <ac:chgData name="Jireh Tseng" userId="eefb979d-fc0d-4dd5-ae9a-91b2ece0a753" providerId="ADAL" clId="{F3FDAC0E-9B55-446C-854B-59BF7CB03B46}" dt="2022-05-11T01:37:33.235" v="1805" actId="20577"/>
+          <ac:spMkLst>
+            <pc:docMk/>
+            <pc:sldMk cId="636464997" sldId="280"/>
+            <ac:spMk id="91" creationId="{00000000-0000-0000-0000-000000000000}"/>
+          </ac:spMkLst>
+        </pc:spChg>
+      </pc:sldChg>
       <pc:sldChg chg="addSp delSp modSp mod">
         <pc:chgData name="Jireh Tseng" userId="eefb979d-fc0d-4dd5-ae9a-91b2ece0a753" providerId="ADAL" clId="{F3FDAC0E-9B55-446C-854B-59BF7CB03B46}" dt="2022-05-09T21:26:10.851" v="1606" actId="478"/>
         <pc:sldMkLst>
@@ -4122,7 +4154,7 @@
         </pc:cxnChg>
       </pc:sldChg>
       <pc:sldChg chg="addSp delSp modSp mod">
-        <pc:chgData name="Jireh Tseng" userId="eefb979d-fc0d-4dd5-ae9a-91b2ece0a753" providerId="ADAL" clId="{F3FDAC0E-9B55-446C-854B-59BF7CB03B46}" dt="2022-05-09T21:27:18.869" v="1752" actId="1076"/>
+        <pc:chgData name="Jireh Tseng" userId="eefb979d-fc0d-4dd5-ae9a-91b2ece0a753" providerId="ADAL" clId="{F3FDAC0E-9B55-446C-854B-59BF7CB03B46}" dt="2022-05-11T01:37:25.003" v="1804" actId="20577"/>
         <pc:sldMkLst>
           <pc:docMk/>
           <pc:sldMk cId="3526152642" sldId="284"/>
@@ -4144,7 +4176,7 @@
           </ac:spMkLst>
         </pc:spChg>
         <pc:spChg chg="mod">
-          <ac:chgData name="Jireh Tseng" userId="eefb979d-fc0d-4dd5-ae9a-91b2ece0a753" providerId="ADAL" clId="{F3FDAC0E-9B55-446C-854B-59BF7CB03B46}" dt="2022-05-09T21:19:58.053" v="791" actId="20577"/>
+          <ac:chgData name="Jireh Tseng" userId="eefb979d-fc0d-4dd5-ae9a-91b2ece0a753" providerId="ADAL" clId="{F3FDAC0E-9B55-446C-854B-59BF7CB03B46}" dt="2022-05-11T01:37:25.003" v="1804" actId="20577"/>
           <ac:spMkLst>
             <pc:docMk/>
             <pc:sldMk cId="3526152642" sldId="284"/>
@@ -4493,9 +4525,243 @@
           </ac:picMkLst>
         </pc:picChg>
       </pc:sldChg>
+      <pc:sldChg chg="addSp delSp modSp new mod ord">
+        <pc:chgData name="Jireh Tseng" userId="eefb979d-fc0d-4dd5-ae9a-91b2ece0a753" providerId="ADAL" clId="{F3FDAC0E-9B55-446C-854B-59BF7CB03B46}" dt="2022-05-11T02:14:19.691" v="2306" actId="20577"/>
+        <pc:sldMkLst>
+          <pc:docMk/>
+          <pc:sldMk cId="2089420772" sldId="305"/>
+        </pc:sldMkLst>
+        <pc:spChg chg="mod">
+          <ac:chgData name="Jireh Tseng" userId="eefb979d-fc0d-4dd5-ae9a-91b2ece0a753" providerId="ADAL" clId="{F3FDAC0E-9B55-446C-854B-59BF7CB03B46}" dt="2022-05-11T02:02:38.970" v="1854" actId="20577"/>
+          <ac:spMkLst>
+            <pc:docMk/>
+            <pc:sldMk cId="2089420772" sldId="305"/>
+            <ac:spMk id="2" creationId="{703F2472-3D53-0559-8A1B-F50A835788EA}"/>
+          </ac:spMkLst>
+        </pc:spChg>
+        <pc:spChg chg="del mod">
+          <ac:chgData name="Jireh Tseng" userId="eefb979d-fc0d-4dd5-ae9a-91b2ece0a753" providerId="ADAL" clId="{F3FDAC0E-9B55-446C-854B-59BF7CB03B46}" dt="2022-05-11T02:05:14.868" v="1857" actId="478"/>
+          <ac:spMkLst>
+            <pc:docMk/>
+            <pc:sldMk cId="2089420772" sldId="305"/>
+            <ac:spMk id="3" creationId="{D8F5294F-0AC0-F340-8086-3685A1AEA408}"/>
+          </ac:spMkLst>
+        </pc:spChg>
+        <pc:spChg chg="add mod">
+          <ac:chgData name="Jireh Tseng" userId="eefb979d-fc0d-4dd5-ae9a-91b2ece0a753" providerId="ADAL" clId="{F3FDAC0E-9B55-446C-854B-59BF7CB03B46}" dt="2022-05-11T02:13:59.211" v="2249" actId="20577"/>
+          <ac:spMkLst>
+            <pc:docMk/>
+            <pc:sldMk cId="2089420772" sldId="305"/>
+            <ac:spMk id="8" creationId="{657D6263-2DA5-EC3B-D52E-14D4F0D8CA67}"/>
+          </ac:spMkLst>
+        </pc:spChg>
+        <pc:spChg chg="add mod">
+          <ac:chgData name="Jireh Tseng" userId="eefb979d-fc0d-4dd5-ae9a-91b2ece0a753" providerId="ADAL" clId="{F3FDAC0E-9B55-446C-854B-59BF7CB03B46}" dt="2022-05-11T02:14:19.691" v="2306" actId="20577"/>
+          <ac:spMkLst>
+            <pc:docMk/>
+            <pc:sldMk cId="2089420772" sldId="305"/>
+            <ac:spMk id="11" creationId="{43744CE3-47E8-9C9B-3E11-D37931FCC5AC}"/>
+          </ac:spMkLst>
+        </pc:spChg>
+        <pc:spChg chg="add mod">
+          <ac:chgData name="Jireh Tseng" userId="eefb979d-fc0d-4dd5-ae9a-91b2ece0a753" providerId="ADAL" clId="{F3FDAC0E-9B55-446C-854B-59BF7CB03B46}" dt="2022-05-11T02:09:13.211" v="2117" actId="14100"/>
+          <ac:spMkLst>
+            <pc:docMk/>
+            <pc:sldMk cId="2089420772" sldId="305"/>
+            <ac:spMk id="26" creationId="{F902315B-3814-4B9A-ABE3-22299569DA0E}"/>
+          </ac:spMkLst>
+        </pc:spChg>
+        <pc:spChg chg="add mod">
+          <ac:chgData name="Jireh Tseng" userId="eefb979d-fc0d-4dd5-ae9a-91b2ece0a753" providerId="ADAL" clId="{F3FDAC0E-9B55-446C-854B-59BF7CB03B46}" dt="2022-05-11T02:09:59.637" v="2127" actId="1076"/>
+          <ac:spMkLst>
+            <pc:docMk/>
+            <pc:sldMk cId="2089420772" sldId="305"/>
+            <ac:spMk id="29" creationId="{6F13BB88-DBB3-4CDB-8019-2DA3A5E70CB2}"/>
+          </ac:spMkLst>
+        </pc:spChg>
+        <pc:spChg chg="add mod">
+          <ac:chgData name="Jireh Tseng" userId="eefb979d-fc0d-4dd5-ae9a-91b2ece0a753" providerId="ADAL" clId="{F3FDAC0E-9B55-446C-854B-59BF7CB03B46}" dt="2022-05-11T02:11:46.363" v="2140" actId="14100"/>
+          <ac:spMkLst>
+            <pc:docMk/>
+            <pc:sldMk cId="2089420772" sldId="305"/>
+            <ac:spMk id="31" creationId="{2BD3FA73-10F5-433F-994E-7D42D87B1F5D}"/>
+          </ac:spMkLst>
+        </pc:spChg>
+        <pc:spChg chg="add">
+          <ac:chgData name="Jireh Tseng" userId="eefb979d-fc0d-4dd5-ae9a-91b2ece0a753" providerId="ADAL" clId="{F3FDAC0E-9B55-446C-854B-59BF7CB03B46}" dt="2022-05-11T02:11:57.235" v="2143" actId="34122"/>
+          <ac:spMkLst>
+            <pc:docMk/>
+            <pc:sldMk cId="2089420772" sldId="305"/>
+            <ac:spMk id="38" creationId="{AA42F302-6CA2-4723-9A27-9485B0E4A317}"/>
+          </ac:spMkLst>
+        </pc:spChg>
+        <pc:picChg chg="add mod">
+          <ac:chgData name="Jireh Tseng" userId="eefb979d-fc0d-4dd5-ae9a-91b2ece0a753" providerId="ADAL" clId="{F3FDAC0E-9B55-446C-854B-59BF7CB03B46}" dt="2022-05-11T02:05:22.208" v="1859" actId="1076"/>
+          <ac:picMkLst>
+            <pc:docMk/>
+            <pc:sldMk cId="2089420772" sldId="305"/>
+            <ac:picMk id="5" creationId="{4D5B5689-39E4-4B28-E81C-53A480171F83}"/>
+          </ac:picMkLst>
+        </pc:picChg>
+        <pc:picChg chg="add mod">
+          <ac:chgData name="Jireh Tseng" userId="eefb979d-fc0d-4dd5-ae9a-91b2ece0a753" providerId="ADAL" clId="{F3FDAC0E-9B55-446C-854B-59BF7CB03B46}" dt="2022-05-11T02:05:47.165" v="1863" actId="1076"/>
+          <ac:picMkLst>
+            <pc:docMk/>
+            <pc:sldMk cId="2089420772" sldId="305"/>
+            <ac:picMk id="7" creationId="{86A3E97E-52BD-8A87-3356-07B8B4C92FEA}"/>
+          </ac:picMkLst>
+        </pc:picChg>
+        <pc:picChg chg="add del mod">
+          <ac:chgData name="Jireh Tseng" userId="eefb979d-fc0d-4dd5-ae9a-91b2ece0a753" providerId="ADAL" clId="{F3FDAC0E-9B55-446C-854B-59BF7CB03B46}" dt="2022-05-11T02:10:16.491" v="2130" actId="478"/>
+          <ac:picMkLst>
+            <pc:docMk/>
+            <pc:sldMk cId="2089420772" sldId="305"/>
+            <ac:picMk id="10" creationId="{35E1FEB9-229D-C0D2-D36D-121D339CB89E}"/>
+          </ac:picMkLst>
+        </pc:picChg>
+        <pc:picChg chg="add mod">
+          <ac:chgData name="Jireh Tseng" userId="eefb979d-fc0d-4dd5-ae9a-91b2ece0a753" providerId="ADAL" clId="{F3FDAC0E-9B55-446C-854B-59BF7CB03B46}" dt="2022-05-11T02:11:02.936" v="2133" actId="1076"/>
+          <ac:picMkLst>
+            <pc:docMk/>
+            <pc:sldMk cId="2089420772" sldId="305"/>
+            <ac:picMk id="20" creationId="{A7748647-CBCC-E2E6-0ED5-497430F15676}"/>
+          </ac:picMkLst>
+        </pc:picChg>
+        <pc:inkChg chg="add del">
+          <ac:chgData name="Jireh Tseng" userId="eefb979d-fc0d-4dd5-ae9a-91b2ece0a753" providerId="ADAL" clId="{F3FDAC0E-9B55-446C-854B-59BF7CB03B46}" dt="2022-05-11T02:09:06.335" v="2114" actId="34122"/>
+          <ac:inkMkLst>
+            <pc:docMk/>
+            <pc:sldMk cId="2089420772" sldId="305"/>
+            <ac:inkMk id="12" creationId="{D77E824B-5BCE-142A-0622-0E1F084932CA}"/>
+          </ac:inkMkLst>
+        </pc:inkChg>
+        <pc:inkChg chg="add">
+          <ac:chgData name="Jireh Tseng" userId="eefb979d-fc0d-4dd5-ae9a-91b2ece0a753" providerId="ADAL" clId="{F3FDAC0E-9B55-446C-854B-59BF7CB03B46}" dt="2022-05-11T02:09:14.538" v="2118" actId="9405"/>
+          <ac:inkMkLst>
+            <pc:docMk/>
+            <pc:sldMk cId="2089420772" sldId="305"/>
+            <ac:inkMk id="13" creationId="{0A2B9D88-EB32-3723-6061-A47D17C7281B}"/>
+          </ac:inkMkLst>
+        </pc:inkChg>
+        <pc:inkChg chg="add del">
+          <ac:chgData name="Jireh Tseng" userId="eefb979d-fc0d-4dd5-ae9a-91b2ece0a753" providerId="ADAL" clId="{F3FDAC0E-9B55-446C-854B-59BF7CB03B46}" dt="2022-05-11T02:09:20.935" v="2122" actId="9405"/>
+          <ac:inkMkLst>
+            <pc:docMk/>
+            <pc:sldMk cId="2089420772" sldId="305"/>
+            <ac:inkMk id="14" creationId="{3D74971D-EB38-CD50-B7A1-C0A4D286CFC6}"/>
+          </ac:inkMkLst>
+        </pc:inkChg>
+        <pc:inkChg chg="add del">
+          <ac:chgData name="Jireh Tseng" userId="eefb979d-fc0d-4dd5-ae9a-91b2ece0a753" providerId="ADAL" clId="{F3FDAC0E-9B55-446C-854B-59BF7CB03B46}" dt="2022-05-11T02:09:20.463" v="2121" actId="9405"/>
+          <ac:inkMkLst>
+            <pc:docMk/>
+            <pc:sldMk cId="2089420772" sldId="305"/>
+            <ac:inkMk id="15" creationId="{79DABE71-7653-FF8D-1A1C-2027364A969A}"/>
+          </ac:inkMkLst>
+        </pc:inkChg>
+        <pc:inkChg chg="add del">
+          <ac:chgData name="Jireh Tseng" userId="eefb979d-fc0d-4dd5-ae9a-91b2ece0a753" providerId="ADAL" clId="{F3FDAC0E-9B55-446C-854B-59BF7CB03B46}" dt="2022-05-11T02:09:46.786" v="2124" actId="34122"/>
+          <ac:inkMkLst>
+            <pc:docMk/>
+            <pc:sldMk cId="2089420772" sldId="305"/>
+            <ac:inkMk id="16" creationId="{C2EC9AD3-0674-D12A-AB44-0F50DA364253}"/>
+          </ac:inkMkLst>
+        </pc:inkChg>
+        <pc:inkChg chg="add del">
+          <ac:chgData name="Jireh Tseng" userId="eefb979d-fc0d-4dd5-ae9a-91b2ece0a753" providerId="ADAL" clId="{F3FDAC0E-9B55-446C-854B-59BF7CB03B46}" dt="2022-05-11T02:09:51.468" v="2126" actId="9405"/>
+          <ac:inkMkLst>
+            <pc:docMk/>
+            <pc:sldMk cId="2089420772" sldId="305"/>
+            <ac:inkMk id="17" creationId="{8F4E48A0-9CEB-B85A-D5A9-EC40A05E4047}"/>
+          </ac:inkMkLst>
+        </pc:inkChg>
+        <pc:inkChg chg="add del">
+          <ac:chgData name="Jireh Tseng" userId="eefb979d-fc0d-4dd5-ae9a-91b2ece0a753" providerId="ADAL" clId="{F3FDAC0E-9B55-446C-854B-59BF7CB03B46}" dt="2022-05-11T02:10:02.184" v="2129" actId="9405"/>
+          <ac:inkMkLst>
+            <pc:docMk/>
+            <pc:sldMk cId="2089420772" sldId="305"/>
+            <ac:inkMk id="18" creationId="{C20BB983-B000-1E49-8502-9427B5AC8BB1}"/>
+          </ac:inkMkLst>
+        </pc:inkChg>
+        <pc:inkChg chg="add del">
+          <ac:chgData name="Jireh Tseng" userId="eefb979d-fc0d-4dd5-ae9a-91b2ece0a753" providerId="ADAL" clId="{F3FDAC0E-9B55-446C-854B-59BF7CB03B46}" dt="2022-05-11T02:11:29.076" v="2135" actId="34122"/>
+          <ac:inkMkLst>
+            <pc:docMk/>
+            <pc:sldMk cId="2089420772" sldId="305"/>
+            <ac:inkMk id="21" creationId="{1408890E-3407-4546-8C31-01E5EDB6905C}"/>
+          </ac:inkMkLst>
+        </pc:inkChg>
+        <pc:inkChg chg="add del">
+          <ac:chgData name="Jireh Tseng" userId="eefb979d-fc0d-4dd5-ae9a-91b2ece0a753" providerId="ADAL" clId="{F3FDAC0E-9B55-446C-854B-59BF7CB03B46}" dt="2022-05-11T02:11:57.235" v="2143" actId="34122"/>
+          <ac:inkMkLst>
+            <pc:docMk/>
+            <pc:sldMk cId="2089420772" sldId="305"/>
+            <ac:inkMk id="22" creationId="{8E60CA93-F269-9A37-A8BA-24D29F0344DD}"/>
+          </ac:inkMkLst>
+        </pc:inkChg>
+        <pc:inkChg chg="add del">
+          <ac:chgData name="Jireh Tseng" userId="eefb979d-fc0d-4dd5-ae9a-91b2ece0a753" providerId="ADAL" clId="{F3FDAC0E-9B55-446C-854B-59BF7CB03B46}" dt="2022-05-11T02:11:57.235" v="2143" actId="34122"/>
+          <ac:inkMkLst>
+            <pc:docMk/>
+            <pc:sldMk cId="2089420772" sldId="305"/>
+            <ac:inkMk id="23" creationId="{00FF67C1-298F-2D03-7021-898A2400B0A0}"/>
+          </ac:inkMkLst>
+        </pc:inkChg>
+      </pc:sldChg>
+      <pc:sldChg chg="modSp new mod">
+        <pc:chgData name="Jireh Tseng" userId="eefb979d-fc0d-4dd5-ae9a-91b2ece0a753" providerId="ADAL" clId="{F3FDAC0E-9B55-446C-854B-59BF7CB03B46}" dt="2022-05-11T02:16:24.265" v="2687" actId="20577"/>
+        <pc:sldMkLst>
+          <pc:docMk/>
+          <pc:sldMk cId="2707459782" sldId="306"/>
+        </pc:sldMkLst>
+        <pc:spChg chg="mod">
+          <ac:chgData name="Jireh Tseng" userId="eefb979d-fc0d-4dd5-ae9a-91b2ece0a753" providerId="ADAL" clId="{F3FDAC0E-9B55-446C-854B-59BF7CB03B46}" dt="2022-05-11T02:12:59.231" v="2202" actId="255"/>
+          <ac:spMkLst>
+            <pc:docMk/>
+            <pc:sldMk cId="2707459782" sldId="306"/>
+            <ac:spMk id="2" creationId="{49FB76F6-F6ED-9B78-DFE1-76E9281E34BF}"/>
+          </ac:spMkLst>
+        </pc:spChg>
+        <pc:spChg chg="mod">
+          <ac:chgData name="Jireh Tseng" userId="eefb979d-fc0d-4dd5-ae9a-91b2ece0a753" providerId="ADAL" clId="{F3FDAC0E-9B55-446C-854B-59BF7CB03B46}" dt="2022-05-11T02:16:24.265" v="2687" actId="20577"/>
+          <ac:spMkLst>
+            <pc:docMk/>
+            <pc:sldMk cId="2707459782" sldId="306"/>
+            <ac:spMk id="3" creationId="{CEA9AFE6-9440-A9A5-AA80-A5844592A707}"/>
+          </ac:spMkLst>
+        </pc:spChg>
+      </pc:sldChg>
     </pc:docChg>
   </pc:docChgLst>
 </pc:chgInfo>
+</file>
+
+<file path=ppt/ink/ink1.xml><?xml version="1.0" encoding="utf-8"?>
+<inkml:ink xmlns:inkml="http://www.w3.org/2003/InkML">
+  <inkml:definitions>
+    <inkml:context xml:id="ctx0">
+      <inkml:inkSource xml:id="inkSrc0">
+        <inkml:traceFormat>
+          <inkml:channel name="X" type="integer" min="-2.14748E9" max="2.14748E9" units="cm"/>
+          <inkml:channel name="Y" type="integer" min="-2.14748E9" max="2.14748E9" units="cm"/>
+          <inkml:channel name="F" type="integer" max="32767" units="dev"/>
+        </inkml:traceFormat>
+        <inkml:channelProperties>
+          <inkml:channelProperty channel="X" name="resolution" value="1000" units="1/cm"/>
+          <inkml:channelProperty channel="Y" name="resolution" value="1000" units="1/cm"/>
+          <inkml:channelProperty channel="F" name="resolution" value="0" units="1/dev"/>
+        </inkml:channelProperties>
+      </inkml:inkSource>
+      <inkml:timestamp xml:id="ts0" timeString="2022-05-11T02:09:14.538"/>
+    </inkml:context>
+    <inkml:brush xml:id="br0">
+      <inkml:brushProperty name="width" value="0.05" units="cm"/>
+      <inkml:brushProperty name="height" value="0.05" units="cm"/>
+      <inkml:brushProperty name="color" value="#E71224"/>
+    </inkml:brush>
+  </inkml:definitions>
+  <inkml:trace contextRef="#ctx0" brushRef="#br0">1 1 3721,'4'26'760,"1"18"-1504,-4-20-72</inkml:trace>
+</inkml:ink>
 </file>
 
 <file path=ppt/notesMasters/notesMaster1.xml><?xml version="1.0" encoding="utf-8"?>
@@ -4580,7 +4846,7 @@
           <a:p>
             <a:fld id="{F37D28C0-BEB6-42B0-A203-EEE1023219C4}" type="datetimeFigureOut">
               <a:rPr lang="en-NZ" smtClean="0"/>
-              <a:t>10/05/2022</a:t>
+              <a:t>11/05/2022</a:t>
             </a:fld>
             <a:endParaRPr lang="en-NZ"/>
           </a:p>
@@ -7137,7 +7403,7 @@
           <a:p>
             <a:fld id="{D89B2B17-F4B1-4A14-AF99-5A366D45E74A}" type="slidenum">
               <a:rPr lang="en-NZ" smtClean="0"/>
-              <a:t>35</a:t>
+              <a:t>37</a:t>
             </a:fld>
             <a:endParaRPr lang="en-NZ"/>
           </a:p>
@@ -7246,7 +7512,7 @@
           <a:p>
             <a:fld id="{D89B2B17-F4B1-4A14-AF99-5A366D45E74A}" type="slidenum">
               <a:rPr lang="en-NZ" smtClean="0"/>
-              <a:t>36</a:t>
+              <a:t>38</a:t>
             </a:fld>
             <a:endParaRPr lang="en-NZ"/>
           </a:p>
@@ -8307,7 +8573,7 @@
           <a:p>
             <a:fld id="{9C4A4F43-1C06-40E6-8F87-8B286982E50E}" type="datetimeFigureOut">
               <a:rPr lang="en-NZ" smtClean="0"/>
-              <a:t>10/05/2022</a:t>
+              <a:t>11/05/2022</a:t>
             </a:fld>
             <a:endParaRPr lang="en-NZ"/>
           </a:p>
@@ -8507,7 +8773,7 @@
           <a:p>
             <a:fld id="{9C4A4F43-1C06-40E6-8F87-8B286982E50E}" type="datetimeFigureOut">
               <a:rPr lang="en-NZ" smtClean="0"/>
-              <a:t>10/05/2022</a:t>
+              <a:t>11/05/2022</a:t>
             </a:fld>
             <a:endParaRPr lang="en-NZ"/>
           </a:p>
@@ -8717,7 +8983,7 @@
           <a:p>
             <a:fld id="{9C4A4F43-1C06-40E6-8F87-8B286982E50E}" type="datetimeFigureOut">
               <a:rPr lang="en-NZ" smtClean="0"/>
-              <a:t>10/05/2022</a:t>
+              <a:t>11/05/2022</a:t>
             </a:fld>
             <a:endParaRPr lang="en-NZ"/>
           </a:p>
@@ -9276,7 +9542,7 @@
           <a:p>
             <a:fld id="{9C4A4F43-1C06-40E6-8F87-8B286982E50E}" type="datetimeFigureOut">
               <a:rPr lang="en-NZ" smtClean="0"/>
-              <a:t>10/05/2022</a:t>
+              <a:t>11/05/2022</a:t>
             </a:fld>
             <a:endParaRPr lang="en-NZ"/>
           </a:p>
@@ -9552,7 +9818,7 @@
           <a:p>
             <a:fld id="{9C4A4F43-1C06-40E6-8F87-8B286982E50E}" type="datetimeFigureOut">
               <a:rPr lang="en-NZ" smtClean="0"/>
-              <a:t>10/05/2022</a:t>
+              <a:t>11/05/2022</a:t>
             </a:fld>
             <a:endParaRPr lang="en-NZ"/>
           </a:p>
@@ -9820,7 +10086,7 @@
           <a:p>
             <a:fld id="{9C4A4F43-1C06-40E6-8F87-8B286982E50E}" type="datetimeFigureOut">
               <a:rPr lang="en-NZ" smtClean="0"/>
-              <a:t>10/05/2022</a:t>
+              <a:t>11/05/2022</a:t>
             </a:fld>
             <a:endParaRPr lang="en-NZ"/>
           </a:p>
@@ -10235,7 +10501,7 @@
           <a:p>
             <a:fld id="{9C4A4F43-1C06-40E6-8F87-8B286982E50E}" type="datetimeFigureOut">
               <a:rPr lang="en-NZ" smtClean="0"/>
-              <a:t>10/05/2022</a:t>
+              <a:t>11/05/2022</a:t>
             </a:fld>
             <a:endParaRPr lang="en-NZ"/>
           </a:p>
@@ -10377,7 +10643,7 @@
           <a:p>
             <a:fld id="{9C4A4F43-1C06-40E6-8F87-8B286982E50E}" type="datetimeFigureOut">
               <a:rPr lang="en-NZ" smtClean="0"/>
-              <a:t>10/05/2022</a:t>
+              <a:t>11/05/2022</a:t>
             </a:fld>
             <a:endParaRPr lang="en-NZ"/>
           </a:p>
@@ -10490,7 +10756,7 @@
           <a:p>
             <a:fld id="{9C4A4F43-1C06-40E6-8F87-8B286982E50E}" type="datetimeFigureOut">
               <a:rPr lang="en-NZ" smtClean="0"/>
-              <a:t>10/05/2022</a:t>
+              <a:t>11/05/2022</a:t>
             </a:fld>
             <a:endParaRPr lang="en-NZ"/>
           </a:p>
@@ -10803,7 +11069,7 @@
           <a:p>
             <a:fld id="{9C4A4F43-1C06-40E6-8F87-8B286982E50E}" type="datetimeFigureOut">
               <a:rPr lang="en-NZ" smtClean="0"/>
-              <a:t>10/05/2022</a:t>
+              <a:t>11/05/2022</a:t>
             </a:fld>
             <a:endParaRPr lang="en-NZ"/>
           </a:p>
@@ -11092,7 +11358,7 @@
           <a:p>
             <a:fld id="{9C4A4F43-1C06-40E6-8F87-8B286982E50E}" type="datetimeFigureOut">
               <a:rPr lang="en-NZ" smtClean="0"/>
-              <a:t>10/05/2022</a:t>
+              <a:t>11/05/2022</a:t>
             </a:fld>
             <a:endParaRPr lang="en-NZ"/>
           </a:p>
@@ -11335,7 +11601,7 @@
           <a:p>
             <a:fld id="{9C4A4F43-1C06-40E6-8F87-8B286982E50E}" type="datetimeFigureOut">
               <a:rPr lang="en-NZ" smtClean="0"/>
-              <a:t>10/05/2022</a:t>
+              <a:t>11/05/2022</a:t>
             </a:fld>
             <a:endParaRPr lang="en-NZ"/>
           </a:p>
@@ -14591,10 +14857,10 @@
           <a:lstStyle/>
           <a:p>
             <a:r>
-              <a:rPr lang="en" sz="4000"/>
-              <a:t>Instructions (with yes/no checker) Trialing</a:t>
+              <a:rPr lang="en" sz="4000" dirty="0"/>
+              <a:t>Instructions (with yes/no checker)</a:t>
             </a:r>
-            <a:endParaRPr sz="4000"/>
+            <a:endParaRPr sz="4000" dirty="0"/>
           </a:p>
         </p:txBody>
       </p:sp>
@@ -17144,6 +17410,644 @@
   <p:cSld>
     <p:spTree>
       <p:nvGrpSpPr>
+        <p:cNvPr id="1" name=""/>
+        <p:cNvGrpSpPr/>
+        <p:nvPr/>
+      </p:nvGrpSpPr>
+      <p:grpSpPr>
+        <a:xfrm>
+          <a:off x="0" y="0"/>
+          <a:ext cx="0" cy="0"/>
+          <a:chOff x="0" y="0"/>
+          <a:chExt cx="0" cy="0"/>
+        </a:xfrm>
+      </p:grpSpPr>
+      <p:sp>
+        <p:nvSpPr>
+          <p:cNvPr id="2" name="Title 1">
+            <a:extLst>
+              <a:ext uri="{FF2B5EF4-FFF2-40B4-BE49-F238E27FC236}">
+                <a16:creationId xmlns:a16="http://schemas.microsoft.com/office/drawing/2014/main" id="{703F2472-3D53-0559-8A1B-F50A835788EA}"/>
+              </a:ext>
+            </a:extLst>
+          </p:cNvPr>
+          <p:cNvSpPr>
+            <a:spLocks noGrp="1"/>
+          </p:cNvSpPr>
+          <p:nvPr>
+            <p:ph type="title"/>
+          </p:nvPr>
+        </p:nvSpPr>
+        <p:spPr/>
+        <p:txBody>
+          <a:bodyPr/>
+          <a:lstStyle/>
+          <a:p>
+            <a:r>
+              <a:rPr lang="en-NZ" dirty="0"/>
+              <a:t>Trialling </a:t>
+            </a:r>
+          </a:p>
+        </p:txBody>
+      </p:sp>
+      <p:pic>
+        <p:nvPicPr>
+          <p:cNvPr id="5" name="Picture 4">
+            <a:extLst>
+              <a:ext uri="{FF2B5EF4-FFF2-40B4-BE49-F238E27FC236}">
+                <a16:creationId xmlns:a16="http://schemas.microsoft.com/office/drawing/2014/main" id="{4D5B5689-39E4-4B28-E81C-53A480171F83}"/>
+              </a:ext>
+            </a:extLst>
+          </p:cNvPr>
+          <p:cNvPicPr>
+            <a:picLocks noChangeAspect="1"/>
+          </p:cNvPicPr>
+          <p:nvPr/>
+        </p:nvPicPr>
+        <p:blipFill>
+          <a:blip r:embed="rId2"/>
+          <a:stretch>
+            <a:fillRect/>
+          </a:stretch>
+        </p:blipFill>
+        <p:spPr>
+          <a:xfrm>
+            <a:off x="681013" y="1455174"/>
+            <a:ext cx="3960762" cy="4701702"/>
+          </a:xfrm>
+          <a:prstGeom prst="rect">
+            <a:avLst/>
+          </a:prstGeom>
+        </p:spPr>
+      </p:pic>
+      <p:pic>
+        <p:nvPicPr>
+          <p:cNvPr id="7" name="Picture 6">
+            <a:extLst>
+              <a:ext uri="{FF2B5EF4-FFF2-40B4-BE49-F238E27FC236}">
+                <a16:creationId xmlns:a16="http://schemas.microsoft.com/office/drawing/2014/main" id="{86A3E97E-52BD-8A87-3356-07B8B4C92FEA}"/>
+              </a:ext>
+            </a:extLst>
+          </p:cNvPr>
+          <p:cNvPicPr>
+            <a:picLocks noChangeAspect="1"/>
+          </p:cNvPicPr>
+          <p:nvPr/>
+        </p:nvPicPr>
+        <p:blipFill>
+          <a:blip r:embed="rId3"/>
+          <a:stretch>
+            <a:fillRect/>
+          </a:stretch>
+        </p:blipFill>
+        <p:spPr>
+          <a:xfrm>
+            <a:off x="393280" y="6255083"/>
+            <a:ext cx="4536227" cy="558767"/>
+          </a:xfrm>
+          <a:prstGeom prst="rect">
+            <a:avLst/>
+          </a:prstGeom>
+        </p:spPr>
+      </p:pic>
+      <p:sp>
+        <p:nvSpPr>
+          <p:cNvPr id="8" name="TextBox 7">
+            <a:extLst>
+              <a:ext uri="{FF2B5EF4-FFF2-40B4-BE49-F238E27FC236}">
+                <a16:creationId xmlns:a16="http://schemas.microsoft.com/office/drawing/2014/main" id="{657D6263-2DA5-EC3B-D52E-14D4F0D8CA67}"/>
+              </a:ext>
+            </a:extLst>
+          </p:cNvPr>
+          <p:cNvSpPr txBox="1"/>
+          <p:nvPr/>
+        </p:nvSpPr>
+        <p:spPr>
+          <a:xfrm>
+            <a:off x="2685995" y="222855"/>
+            <a:ext cx="2728451" cy="923330"/>
+          </a:xfrm>
+          <a:prstGeom prst="rect">
+            <a:avLst/>
+          </a:prstGeom>
+          <a:noFill/>
+        </p:spPr>
+        <p:txBody>
+          <a:bodyPr wrap="square" rtlCol="0">
+            <a:spAutoFit/>
+          </a:bodyPr>
+          <a:lstStyle/>
+          <a:p>
+            <a:r>
+              <a:rPr lang="en-NZ" dirty="0"/>
+              <a:t>TRIAL 1 gets questions from list</a:t>
+            </a:r>
+          </a:p>
+          <a:p>
+            <a:endParaRPr lang="en-NZ" dirty="0"/>
+          </a:p>
+        </p:txBody>
+      </p:sp>
+      <p:sp>
+        <p:nvSpPr>
+          <p:cNvPr id="11" name="TextBox 10">
+            <a:extLst>
+              <a:ext uri="{FF2B5EF4-FFF2-40B4-BE49-F238E27FC236}">
+                <a16:creationId xmlns:a16="http://schemas.microsoft.com/office/drawing/2014/main" id="{43744CE3-47E8-9C9B-3E11-D37931FCC5AC}"/>
+              </a:ext>
+            </a:extLst>
+          </p:cNvPr>
+          <p:cNvSpPr txBox="1"/>
+          <p:nvPr/>
+        </p:nvSpPr>
+        <p:spPr>
+          <a:xfrm>
+            <a:off x="7433186" y="270201"/>
+            <a:ext cx="4689987" cy="923330"/>
+          </a:xfrm>
+          <a:prstGeom prst="rect">
+            <a:avLst/>
+          </a:prstGeom>
+          <a:noFill/>
+        </p:spPr>
+        <p:txBody>
+          <a:bodyPr wrap="square" rtlCol="0">
+            <a:spAutoFit/>
+          </a:bodyPr>
+          <a:lstStyle/>
+          <a:p>
+            <a:r>
+              <a:rPr lang="en-NZ" dirty="0"/>
+              <a:t>TRIAL 2 gets a random number that corresponds to a question</a:t>
+            </a:r>
+          </a:p>
+          <a:p>
+            <a:endParaRPr lang="en-NZ" dirty="0"/>
+          </a:p>
+        </p:txBody>
+      </p:sp>
+      <p:sp>
+        <p:nvSpPr>
+          <p:cNvPr id="26" name="矩形 25">
+            <a:extLst>
+              <a:ext uri="{FF2B5EF4-FFF2-40B4-BE49-F238E27FC236}">
+                <a16:creationId xmlns:a16="http://schemas.microsoft.com/office/drawing/2014/main" id="{F902315B-3814-4B9A-ABE3-22299569DA0E}"/>
+              </a:ext>
+            </a:extLst>
+          </p:cNvPr>
+          <p:cNvSpPr/>
+          <p:nvPr/>
+        </p:nvSpPr>
+        <p:spPr>
+          <a:xfrm>
+            <a:off x="675000" y="1356968"/>
+            <a:ext cx="2648303" cy="2497278"/>
+          </a:xfrm>
+          <a:prstGeom prst="rect">
+            <a:avLst/>
+          </a:prstGeom>
+          <a:solidFill>
+            <a:srgbClr val="E71224">
+              <a:alpha val="5000"/>
+            </a:srgbClr>
+          </a:solidFill>
+          <a:ln w="18000">
+            <a:solidFill>
+              <a:srgbClr val="E71224"/>
+            </a:solidFill>
+          </a:ln>
+        </p:spPr>
+        <p:style>
+          <a:lnRef idx="2">
+            <a:schemeClr val="accent1">
+              <a:shade val="50000"/>
+            </a:schemeClr>
+          </a:lnRef>
+          <a:fillRef idx="1">
+            <a:schemeClr val="accent1"/>
+          </a:fillRef>
+          <a:effectRef idx="0">
+            <a:schemeClr val="accent1"/>
+          </a:effectRef>
+          <a:fontRef idx="minor">
+            <a:schemeClr val="lt1"/>
+          </a:fontRef>
+        </p:style>
+        <p:txBody>
+          <a:bodyPr wrap="none" rtlCol="0" anchor="ctr" anchorCtr="1"/>
+          <a:lstStyle/>
+          <a:p>
+            <a:endParaRPr lang="en-US">
+              <a:solidFill>
+                <a:srgbClr val="E71224"/>
+              </a:solidFill>
+            </a:endParaRPr>
+          </a:p>
+        </p:txBody>
+      </p:sp>
+      <mc:AlternateContent xmlns:mc="http://schemas.openxmlformats.org/markup-compatibility/2006">
+        <mc:Choice xmlns:p14="http://schemas.microsoft.com/office/powerpoint/2010/main" Requires="p14">
+          <p:contentPart p14:bwMode="auto" r:id="rId4">
+            <p14:nvContentPartPr>
+              <p14:cNvPr id="13" name="Ink 12">
+                <a:extLst>
+                  <a:ext uri="{FF2B5EF4-FFF2-40B4-BE49-F238E27FC236}">
+                    <a16:creationId xmlns:a16="http://schemas.microsoft.com/office/drawing/2014/main" id="{0A2B9D88-EB32-3723-6061-A47D17C7281B}"/>
+                  </a:ext>
+                </a:extLst>
+              </p14:cNvPr>
+              <p14:cNvContentPartPr/>
+              <p14:nvPr/>
+            </p14:nvContentPartPr>
+            <p14:xfrm>
+              <a:off x="5855969" y="3112068"/>
+              <a:ext cx="4320" cy="34200"/>
+            </p14:xfrm>
+          </p:contentPart>
+        </mc:Choice>
+        <mc:Fallback>
+          <p:pic>
+            <p:nvPicPr>
+              <p:cNvPr id="13" name="Ink 12">
+                <a:extLst>
+                  <a:ext uri="{FF2B5EF4-FFF2-40B4-BE49-F238E27FC236}">
+                    <a16:creationId xmlns:a16="http://schemas.microsoft.com/office/drawing/2014/main" id="{0A2B9D88-EB32-3723-6061-A47D17C7281B}"/>
+                  </a:ext>
+                </a:extLst>
+              </p:cNvPr>
+              <p:cNvPicPr/>
+              <p:nvPr/>
+            </p:nvPicPr>
+            <p:blipFill>
+              <a:blip r:embed="rId5"/>
+              <a:stretch>
+                <a:fillRect/>
+              </a:stretch>
+            </p:blipFill>
+            <p:spPr>
+              <a:xfrm>
+                <a:off x="5847329" y="3103428"/>
+                <a:ext cx="21960" cy="51840"/>
+              </a:xfrm>
+              <a:prstGeom prst="rect">
+                <a:avLst/>
+              </a:prstGeom>
+            </p:spPr>
+          </p:pic>
+        </mc:Fallback>
+      </mc:AlternateContent>
+      <p:sp>
+        <p:nvSpPr>
+          <p:cNvPr id="29" name="Rectangle 28">
+            <a:extLst>
+              <a:ext uri="{FF2B5EF4-FFF2-40B4-BE49-F238E27FC236}">
+                <a16:creationId xmlns:a16="http://schemas.microsoft.com/office/drawing/2014/main" id="{6F13BB88-DBB3-4CDB-8019-2DA3A5E70CB2}"/>
+              </a:ext>
+            </a:extLst>
+          </p:cNvPr>
+          <p:cNvSpPr/>
+          <p:nvPr/>
+        </p:nvSpPr>
+        <p:spPr>
+          <a:xfrm>
+            <a:off x="641204" y="4360647"/>
+            <a:ext cx="3291840" cy="548640"/>
+          </a:xfrm>
+          <a:prstGeom prst="rect">
+            <a:avLst/>
+          </a:prstGeom>
+          <a:solidFill>
+            <a:srgbClr val="004F8B">
+              <a:alpha val="5000"/>
+            </a:srgbClr>
+          </a:solidFill>
+          <a:ln w="18000">
+            <a:solidFill>
+              <a:srgbClr val="004F8B"/>
+            </a:solidFill>
+          </a:ln>
+        </p:spPr>
+        <p:style>
+          <a:lnRef idx="2">
+            <a:schemeClr val="accent1">
+              <a:shade val="50000"/>
+            </a:schemeClr>
+          </a:lnRef>
+          <a:fillRef idx="1">
+            <a:schemeClr val="accent1"/>
+          </a:fillRef>
+          <a:effectRef idx="0">
+            <a:schemeClr val="accent1"/>
+          </a:effectRef>
+          <a:fontRef idx="minor">
+            <a:schemeClr val="lt1"/>
+          </a:fontRef>
+        </p:style>
+        <p:txBody>
+          <a:bodyPr wrap="none" rtlCol="0" anchor="ctr" anchorCtr="1"/>
+          <a:lstStyle/>
+          <a:p>
+            <a:endParaRPr lang="en-US">
+              <a:solidFill>
+                <a:srgbClr val="004F8B"/>
+              </a:solidFill>
+            </a:endParaRPr>
+          </a:p>
+        </p:txBody>
+      </p:sp>
+      <p:pic>
+        <p:nvPicPr>
+          <p:cNvPr id="20" name="Picture 19">
+            <a:extLst>
+              <a:ext uri="{FF2B5EF4-FFF2-40B4-BE49-F238E27FC236}">
+                <a16:creationId xmlns:a16="http://schemas.microsoft.com/office/drawing/2014/main" id="{A7748647-CBCC-E2E6-0ED5-497430F15676}"/>
+              </a:ext>
+            </a:extLst>
+          </p:cNvPr>
+          <p:cNvPicPr>
+            <a:picLocks noChangeAspect="1"/>
+          </p:cNvPicPr>
+          <p:nvPr/>
+        </p:nvPicPr>
+        <p:blipFill>
+          <a:blip r:embed="rId6"/>
+          <a:stretch>
+            <a:fillRect/>
+          </a:stretch>
+        </p:blipFill>
+        <p:spPr>
+          <a:xfrm>
+            <a:off x="6706268" y="1264486"/>
+            <a:ext cx="4885298" cy="5179519"/>
+          </a:xfrm>
+          <a:prstGeom prst="rect">
+            <a:avLst/>
+          </a:prstGeom>
+        </p:spPr>
+      </p:pic>
+      <p:sp>
+        <p:nvSpPr>
+          <p:cNvPr id="31" name="矩形 30">
+            <a:extLst>
+              <a:ext uri="{FF2B5EF4-FFF2-40B4-BE49-F238E27FC236}">
+                <a16:creationId xmlns:a16="http://schemas.microsoft.com/office/drawing/2014/main" id="{2BD3FA73-10F5-433F-994E-7D42D87B1F5D}"/>
+              </a:ext>
+            </a:extLst>
+          </p:cNvPr>
+          <p:cNvSpPr/>
+          <p:nvPr/>
+        </p:nvSpPr>
+        <p:spPr>
+          <a:xfrm>
+            <a:off x="6706268" y="2447383"/>
+            <a:ext cx="3476824" cy="2228494"/>
+          </a:xfrm>
+          <a:prstGeom prst="rect">
+            <a:avLst/>
+          </a:prstGeom>
+          <a:solidFill>
+            <a:srgbClr val="E71224">
+              <a:alpha val="5000"/>
+            </a:srgbClr>
+          </a:solidFill>
+          <a:ln w="18000">
+            <a:solidFill>
+              <a:srgbClr val="E71224"/>
+            </a:solidFill>
+          </a:ln>
+        </p:spPr>
+        <p:style>
+          <a:lnRef idx="2">
+            <a:schemeClr val="accent1">
+              <a:shade val="50000"/>
+            </a:schemeClr>
+          </a:lnRef>
+          <a:fillRef idx="1">
+            <a:schemeClr val="accent1"/>
+          </a:fillRef>
+          <a:effectRef idx="0">
+            <a:schemeClr val="accent1"/>
+          </a:effectRef>
+          <a:fontRef idx="minor">
+            <a:schemeClr val="lt1"/>
+          </a:fontRef>
+        </p:style>
+        <p:txBody>
+          <a:bodyPr wrap="none" rtlCol="0" anchor="ctr" anchorCtr="1"/>
+          <a:lstStyle/>
+          <a:p>
+            <a:endParaRPr lang="en-US" dirty="0">
+              <a:solidFill>
+                <a:srgbClr val="E71224"/>
+              </a:solidFill>
+            </a:endParaRPr>
+          </a:p>
+        </p:txBody>
+      </p:sp>
+      <p:sp>
+        <p:nvSpPr>
+          <p:cNvPr id="38" name="Rectangle 37">
+            <a:extLst>
+              <a:ext uri="{FF2B5EF4-FFF2-40B4-BE49-F238E27FC236}">
+                <a16:creationId xmlns:a16="http://schemas.microsoft.com/office/drawing/2014/main" id="{AA42F302-6CA2-4723-9A27-9485B0E4A317}"/>
+              </a:ext>
+            </a:extLst>
+          </p:cNvPr>
+          <p:cNvSpPr/>
+          <p:nvPr/>
+        </p:nvSpPr>
+        <p:spPr>
+          <a:xfrm>
+            <a:off x="6878520" y="4802760"/>
+            <a:ext cx="3291840" cy="1828800"/>
+          </a:xfrm>
+          <a:prstGeom prst="rect">
+            <a:avLst/>
+          </a:prstGeom>
+          <a:solidFill>
+            <a:srgbClr val="004F8B">
+              <a:alpha val="5000"/>
+            </a:srgbClr>
+          </a:solidFill>
+          <a:ln w="18000">
+            <a:solidFill>
+              <a:srgbClr val="004F8B"/>
+            </a:solidFill>
+          </a:ln>
+        </p:spPr>
+        <p:style>
+          <a:lnRef idx="2">
+            <a:schemeClr val="accent1">
+              <a:shade val="50000"/>
+            </a:schemeClr>
+          </a:lnRef>
+          <a:fillRef idx="1">
+            <a:schemeClr val="accent1"/>
+          </a:fillRef>
+          <a:effectRef idx="0">
+            <a:schemeClr val="accent1"/>
+          </a:effectRef>
+          <a:fontRef idx="minor">
+            <a:schemeClr val="lt1"/>
+          </a:fontRef>
+        </p:style>
+        <p:txBody>
+          <a:bodyPr wrap="none" rtlCol="0" anchor="ctr" anchorCtr="1"/>
+          <a:lstStyle/>
+          <a:p>
+            <a:endParaRPr lang="en-US">
+              <a:solidFill>
+                <a:srgbClr val="004F8B"/>
+              </a:solidFill>
+            </a:endParaRPr>
+          </a:p>
+        </p:txBody>
+      </p:sp>
+    </p:spTree>
+    <p:extLst>
+      <p:ext uri="{BB962C8B-B14F-4D97-AF65-F5344CB8AC3E}">
+        <p14:creationId xmlns:p14="http://schemas.microsoft.com/office/powerpoint/2010/main" val="2089420772"/>
+      </p:ext>
+    </p:extLst>
+  </p:cSld>
+  <p:clrMapOvr>
+    <a:masterClrMapping/>
+  </p:clrMapOvr>
+</p:sld>
+</file>
+
+<file path=ppt/slides/slide15.xml><?xml version="1.0" encoding="utf-8"?>
+<p:sld xmlns:a="http://schemas.openxmlformats.org/drawingml/2006/main" xmlns:r="http://schemas.openxmlformats.org/officeDocument/2006/relationships" xmlns:p="http://schemas.openxmlformats.org/presentationml/2006/main">
+  <p:cSld>
+    <p:spTree>
+      <p:nvGrpSpPr>
+        <p:cNvPr id="1" name=""/>
+        <p:cNvGrpSpPr/>
+        <p:nvPr/>
+      </p:nvGrpSpPr>
+      <p:grpSpPr>
+        <a:xfrm>
+          <a:off x="0" y="0"/>
+          <a:ext cx="0" cy="0"/>
+          <a:chOff x="0" y="0"/>
+          <a:chExt cx="0" cy="0"/>
+        </a:xfrm>
+      </p:grpSpPr>
+      <p:sp>
+        <p:nvSpPr>
+          <p:cNvPr id="2" name="Title 1">
+            <a:extLst>
+              <a:ext uri="{FF2B5EF4-FFF2-40B4-BE49-F238E27FC236}">
+                <a16:creationId xmlns:a16="http://schemas.microsoft.com/office/drawing/2014/main" id="{49FB76F6-F6ED-9B78-DFE1-76E9281E34BF}"/>
+              </a:ext>
+            </a:extLst>
+          </p:cNvPr>
+          <p:cNvSpPr>
+            <a:spLocks noGrp="1"/>
+          </p:cNvSpPr>
+          <p:nvPr>
+            <p:ph type="title"/>
+          </p:nvPr>
+        </p:nvSpPr>
+        <p:spPr/>
+        <p:txBody>
+          <a:bodyPr>
+            <a:normAutofit/>
+          </a:bodyPr>
+          <a:lstStyle/>
+          <a:p>
+            <a:r>
+              <a:rPr lang="en-NZ" sz="4200" dirty="0"/>
+              <a:t>Selecting the best version for Questions/Answers</a:t>
+            </a:r>
+          </a:p>
+        </p:txBody>
+      </p:sp>
+      <p:sp>
+        <p:nvSpPr>
+          <p:cNvPr id="3" name="Content Placeholder 2">
+            <a:extLst>
+              <a:ext uri="{FF2B5EF4-FFF2-40B4-BE49-F238E27FC236}">
+                <a16:creationId xmlns:a16="http://schemas.microsoft.com/office/drawing/2014/main" id="{CEA9AFE6-9440-A9A5-AA80-A5844592A707}"/>
+              </a:ext>
+            </a:extLst>
+          </p:cNvPr>
+          <p:cNvSpPr>
+            <a:spLocks noGrp="1"/>
+          </p:cNvSpPr>
+          <p:nvPr>
+            <p:ph idx="1"/>
+          </p:nvPr>
+        </p:nvSpPr>
+        <p:spPr/>
+        <p:txBody>
+          <a:bodyPr/>
+          <a:lstStyle/>
+          <a:p>
+            <a:r>
+              <a:rPr lang="en-NZ" sz="2400" dirty="0"/>
+              <a:t>Trial 1 shuffles the list, and takes the questions from the list</a:t>
+            </a:r>
+          </a:p>
+          <a:p>
+            <a:r>
+              <a:rPr lang="en-NZ" sz="2400" dirty="0"/>
+              <a:t>Trial 2 randomly generates a number between 1 and 10, it then goes through a series of if statements according to which number</a:t>
+            </a:r>
+          </a:p>
+          <a:p>
+            <a:r>
+              <a:rPr lang="en-NZ" sz="2400" dirty="0"/>
+              <a:t>Trial 1 performed better than Trial 2 because it had no repeats of the same question</a:t>
+            </a:r>
+          </a:p>
+          <a:p>
+            <a:r>
+              <a:rPr lang="en-NZ" sz="2400" dirty="0"/>
+              <a:t>The first trial has much less code and is much more effective</a:t>
+            </a:r>
+          </a:p>
+          <a:p>
+            <a:r>
+              <a:rPr lang="en-NZ" sz="2400" dirty="0"/>
+              <a:t>Trial 2 is not effective because the questions may repeat and the code is large</a:t>
+            </a:r>
+          </a:p>
+          <a:p>
+            <a:r>
+              <a:rPr lang="en-NZ" sz="2400" dirty="0"/>
+              <a:t>Consequently, I have chosen to further develop Trial 1 for integration into my final program.</a:t>
+            </a:r>
+          </a:p>
+          <a:p>
+            <a:endParaRPr lang="en-NZ" sz="2400" dirty="0"/>
+          </a:p>
+          <a:p>
+            <a:endParaRPr lang="en-NZ" dirty="0"/>
+          </a:p>
+          <a:p>
+            <a:endParaRPr lang="en-NZ" dirty="0"/>
+          </a:p>
+        </p:txBody>
+      </p:sp>
+    </p:spTree>
+    <p:extLst>
+      <p:ext uri="{BB962C8B-B14F-4D97-AF65-F5344CB8AC3E}">
+        <p14:creationId xmlns:p14="http://schemas.microsoft.com/office/powerpoint/2010/main" val="2707459782"/>
+      </p:ext>
+    </p:extLst>
+  </p:cSld>
+  <p:clrMapOvr>
+    <a:masterClrMapping/>
+  </p:clrMapOvr>
+</p:sld>
+</file>
+
+<file path=ppt/slides/slide16.xml><?xml version="1.0" encoding="utf-8"?>
+<p:sld xmlns:a="http://schemas.openxmlformats.org/drawingml/2006/main" xmlns:r="http://schemas.openxmlformats.org/officeDocument/2006/relationships" xmlns:p="http://schemas.openxmlformats.org/presentationml/2006/main">
+  <p:cSld>
+    <p:spTree>
+      <p:nvGrpSpPr>
         <p:cNvPr id="1" name="Shape 90"/>
         <p:cNvGrpSpPr/>
         <p:nvPr/>
@@ -21771,7 +22675,7 @@
 </p:sld>
 </file>
 
-<file path=ppt/slides/slide15.xml><?xml version="1.0" encoding="utf-8"?>
+<file path=ppt/slides/slide17.xml><?xml version="1.0" encoding="utf-8"?>
 <p:sld xmlns:a="http://schemas.openxmlformats.org/drawingml/2006/main" xmlns:r="http://schemas.openxmlformats.org/officeDocument/2006/relationships" xmlns:p="http://schemas.openxmlformats.org/presentationml/2006/main">
   <p:cSld>
     <p:spTree>
@@ -26556,7 +27460,7 @@
 </p:sld>
 </file>
 
-<file path=ppt/slides/slide16.xml><?xml version="1.0" encoding="utf-8"?>
+<file path=ppt/slides/slide18.xml><?xml version="1.0" encoding="utf-8"?>
 <p:sld xmlns:a="http://schemas.openxmlformats.org/drawingml/2006/main" xmlns:r="http://schemas.openxmlformats.org/officeDocument/2006/relationships" xmlns:p="http://schemas.openxmlformats.org/presentationml/2006/main">
   <p:cSld>
     <p:spTree>
@@ -26585,7 +27489,7 @@
         </p:nvSpPr>
         <p:spPr>
           <a:xfrm>
-            <a:off x="415600" y="217447"/>
+            <a:off x="415600" y="256176"/>
             <a:ext cx="11360800" cy="763600"/>
           </a:xfrm>
           <a:prstGeom prst="rect">
@@ -26600,7 +27504,7 @@
           <a:p>
             <a:r>
               <a:rPr lang="en" sz="4000" dirty="0"/>
-              <a:t>Questions &amp; Answers: Trialing</a:t>
+              <a:t>Questions &amp; Answers: Development</a:t>
             </a:r>
             <a:endParaRPr sz="4000" dirty="0"/>
           </a:p>
@@ -26998,7 +27902,7 @@
 </p:sld>
 </file>
 
-<file path=ppt/slides/slide17.xml><?xml version="1.0" encoding="utf-8"?>
+<file path=ppt/slides/slide19.xml><?xml version="1.0" encoding="utf-8"?>
 <p:sld xmlns:a="http://schemas.openxmlformats.org/drawingml/2006/main" xmlns:r="http://schemas.openxmlformats.org/officeDocument/2006/relationships" xmlns:p="http://schemas.openxmlformats.org/presentationml/2006/main">
   <p:cSld>
     <p:spTree>
@@ -27091,7 +27995,565 @@
 </p:sld>
 </file>
 
-<file path=ppt/slides/slide18.xml><?xml version="1.0" encoding="utf-8"?>
+<file path=ppt/slides/slide2.xml><?xml version="1.0" encoding="utf-8"?>
+<p:sld xmlns:a="http://schemas.openxmlformats.org/drawingml/2006/main" xmlns:r="http://schemas.openxmlformats.org/officeDocument/2006/relationships" xmlns:p="http://schemas.openxmlformats.org/presentationml/2006/main">
+  <p:cSld>
+    <p:spTree>
+      <p:nvGrpSpPr>
+        <p:cNvPr id="1" name=""/>
+        <p:cNvGrpSpPr/>
+        <p:nvPr/>
+      </p:nvGrpSpPr>
+      <p:grpSpPr>
+        <a:xfrm>
+          <a:off x="0" y="0"/>
+          <a:ext cx="0" cy="0"/>
+          <a:chOff x="0" y="0"/>
+          <a:chExt cx="0" cy="0"/>
+        </a:xfrm>
+      </p:grpSpPr>
+      <p:sp>
+        <p:nvSpPr>
+          <p:cNvPr id="2" name="Title 1">
+            <a:extLst>
+              <a:ext uri="{FF2B5EF4-FFF2-40B4-BE49-F238E27FC236}">
+                <a16:creationId xmlns:a16="http://schemas.microsoft.com/office/drawing/2014/main" id="{0D168B5A-EFF4-4803-8DA6-5994B306EBAF}"/>
+              </a:ext>
+            </a:extLst>
+          </p:cNvPr>
+          <p:cNvSpPr>
+            <a:spLocks noGrp="1"/>
+          </p:cNvSpPr>
+          <p:nvPr>
+            <p:ph type="title"/>
+          </p:nvPr>
+        </p:nvSpPr>
+        <p:spPr/>
+        <p:txBody>
+          <a:bodyPr/>
+          <a:lstStyle/>
+          <a:p>
+            <a:r>
+              <a:rPr lang="en-NZ" b="1" dirty="0" err="1"/>
+              <a:t>Maori</a:t>
+            </a:r>
+            <a:r>
+              <a:rPr lang="en-NZ" b="1" dirty="0"/>
+              <a:t> Quiz</a:t>
+            </a:r>
+            <a:endParaRPr lang="en-NZ" dirty="0"/>
+          </a:p>
+        </p:txBody>
+      </p:sp>
+      <p:sp>
+        <p:nvSpPr>
+          <p:cNvPr id="4" name="Google Shape;55;p13">
+            <a:extLst>
+              <a:ext uri="{FF2B5EF4-FFF2-40B4-BE49-F238E27FC236}">
+                <a16:creationId xmlns:a16="http://schemas.microsoft.com/office/drawing/2014/main" id="{F7FB308A-232B-4B31-A59D-BD561ECFBE8B}"/>
+              </a:ext>
+            </a:extLst>
+          </p:cNvPr>
+          <p:cNvSpPr txBox="1">
+            <a:spLocks/>
+          </p:cNvSpPr>
+          <p:nvPr/>
+        </p:nvSpPr>
+        <p:spPr>
+          <a:xfrm>
+            <a:off x="1693460" y="1914475"/>
+            <a:ext cx="8520600" cy="2187829"/>
+          </a:xfrm>
+          <a:prstGeom prst="rect">
+            <a:avLst/>
+          </a:prstGeom>
+          <a:solidFill>
+            <a:srgbClr val="D9EAD3"/>
+          </a:solidFill>
+          <a:ln w="28575" cap="flat" cmpd="sng">
+            <a:solidFill>
+              <a:srgbClr val="274E13"/>
+            </a:solidFill>
+            <a:prstDash val="solid"/>
+            <a:round/>
+            <a:headEnd type="none" w="sm" len="sm"/>
+            <a:tailEnd type="none" w="sm" len="sm"/>
+          </a:ln>
+        </p:spPr>
+        <p:txBody>
+          <a:bodyPr spcFirstLastPara="1" wrap="square" lIns="91425" tIns="91425" rIns="91425" bIns="91425" anchor="t" anchorCtr="0">
+            <a:noAutofit/>
+          </a:bodyPr>
+          <a:lstStyle>
+            <a:lvl1pPr marL="228600" indent="-228600" algn="l" defTabSz="914400" rtl="0" eaLnBrk="1" latinLnBrk="0" hangingPunct="1">
+              <a:lnSpc>
+                <a:spcPct val="90000"/>
+              </a:lnSpc>
+              <a:spcBef>
+                <a:spcPts val="1000"/>
+              </a:spcBef>
+              <a:buFont typeface="Arial" panose="020B0604020202020204" pitchFamily="34" charset="0"/>
+              <a:buChar char="•"/>
+              <a:defRPr sz="2800" kern="1200">
+                <a:solidFill>
+                  <a:schemeClr val="tx1"/>
+                </a:solidFill>
+                <a:latin typeface="+mn-lt"/>
+                <a:ea typeface="+mn-ea"/>
+                <a:cs typeface="+mn-cs"/>
+              </a:defRPr>
+            </a:lvl1pPr>
+            <a:lvl2pPr marL="685800" indent="-228600" algn="l" defTabSz="914400" rtl="0" eaLnBrk="1" latinLnBrk="0" hangingPunct="1">
+              <a:lnSpc>
+                <a:spcPct val="90000"/>
+              </a:lnSpc>
+              <a:spcBef>
+                <a:spcPts val="500"/>
+              </a:spcBef>
+              <a:buFont typeface="Arial" panose="020B0604020202020204" pitchFamily="34" charset="0"/>
+              <a:buChar char="•"/>
+              <a:defRPr sz="2400" kern="1200">
+                <a:solidFill>
+                  <a:schemeClr val="tx1"/>
+                </a:solidFill>
+                <a:latin typeface="+mn-lt"/>
+                <a:ea typeface="+mn-ea"/>
+                <a:cs typeface="+mn-cs"/>
+              </a:defRPr>
+            </a:lvl2pPr>
+            <a:lvl3pPr marL="1143000" indent="-228600" algn="l" defTabSz="914400" rtl="0" eaLnBrk="1" latinLnBrk="0" hangingPunct="1">
+              <a:lnSpc>
+                <a:spcPct val="90000"/>
+              </a:lnSpc>
+              <a:spcBef>
+                <a:spcPts val="500"/>
+              </a:spcBef>
+              <a:buFont typeface="Arial" panose="020B0604020202020204" pitchFamily="34" charset="0"/>
+              <a:buChar char="•"/>
+              <a:defRPr sz="2000" kern="1200">
+                <a:solidFill>
+                  <a:schemeClr val="tx1"/>
+                </a:solidFill>
+                <a:latin typeface="+mn-lt"/>
+                <a:ea typeface="+mn-ea"/>
+                <a:cs typeface="+mn-cs"/>
+              </a:defRPr>
+            </a:lvl3pPr>
+            <a:lvl4pPr marL="1600200" indent="-228600" algn="l" defTabSz="914400" rtl="0" eaLnBrk="1" latinLnBrk="0" hangingPunct="1">
+              <a:lnSpc>
+                <a:spcPct val="90000"/>
+              </a:lnSpc>
+              <a:spcBef>
+                <a:spcPts val="500"/>
+              </a:spcBef>
+              <a:buFont typeface="Arial" panose="020B0604020202020204" pitchFamily="34" charset="0"/>
+              <a:buChar char="•"/>
+              <a:defRPr sz="1800" kern="1200">
+                <a:solidFill>
+                  <a:schemeClr val="tx1"/>
+                </a:solidFill>
+                <a:latin typeface="+mn-lt"/>
+                <a:ea typeface="+mn-ea"/>
+                <a:cs typeface="+mn-cs"/>
+              </a:defRPr>
+            </a:lvl4pPr>
+            <a:lvl5pPr marL="2057400" indent="-228600" algn="l" defTabSz="914400" rtl="0" eaLnBrk="1" latinLnBrk="0" hangingPunct="1">
+              <a:lnSpc>
+                <a:spcPct val="90000"/>
+              </a:lnSpc>
+              <a:spcBef>
+                <a:spcPts val="500"/>
+              </a:spcBef>
+              <a:buFont typeface="Arial" panose="020B0604020202020204" pitchFamily="34" charset="0"/>
+              <a:buChar char="•"/>
+              <a:defRPr sz="1800" kern="1200">
+                <a:solidFill>
+                  <a:schemeClr val="tx1"/>
+                </a:solidFill>
+                <a:latin typeface="+mn-lt"/>
+                <a:ea typeface="+mn-ea"/>
+                <a:cs typeface="+mn-cs"/>
+              </a:defRPr>
+            </a:lvl5pPr>
+            <a:lvl6pPr marL="2514600" indent="-228600" algn="l" defTabSz="914400" rtl="0" eaLnBrk="1" latinLnBrk="0" hangingPunct="1">
+              <a:lnSpc>
+                <a:spcPct val="90000"/>
+              </a:lnSpc>
+              <a:spcBef>
+                <a:spcPts val="500"/>
+              </a:spcBef>
+              <a:buFont typeface="Arial" panose="020B0604020202020204" pitchFamily="34" charset="0"/>
+              <a:buChar char="•"/>
+              <a:defRPr sz="1800" kern="1200">
+                <a:solidFill>
+                  <a:schemeClr val="tx1"/>
+                </a:solidFill>
+                <a:latin typeface="+mn-lt"/>
+                <a:ea typeface="+mn-ea"/>
+                <a:cs typeface="+mn-cs"/>
+              </a:defRPr>
+            </a:lvl6pPr>
+            <a:lvl7pPr marL="2971800" indent="-228600" algn="l" defTabSz="914400" rtl="0" eaLnBrk="1" latinLnBrk="0" hangingPunct="1">
+              <a:lnSpc>
+                <a:spcPct val="90000"/>
+              </a:lnSpc>
+              <a:spcBef>
+                <a:spcPts val="500"/>
+              </a:spcBef>
+              <a:buFont typeface="Arial" panose="020B0604020202020204" pitchFamily="34" charset="0"/>
+              <a:buChar char="•"/>
+              <a:defRPr sz="1800" kern="1200">
+                <a:solidFill>
+                  <a:schemeClr val="tx1"/>
+                </a:solidFill>
+                <a:latin typeface="+mn-lt"/>
+                <a:ea typeface="+mn-ea"/>
+                <a:cs typeface="+mn-cs"/>
+              </a:defRPr>
+            </a:lvl7pPr>
+            <a:lvl8pPr marL="3429000" indent="-228600" algn="l" defTabSz="914400" rtl="0" eaLnBrk="1" latinLnBrk="0" hangingPunct="1">
+              <a:lnSpc>
+                <a:spcPct val="90000"/>
+              </a:lnSpc>
+              <a:spcBef>
+                <a:spcPts val="500"/>
+              </a:spcBef>
+              <a:buFont typeface="Arial" panose="020B0604020202020204" pitchFamily="34" charset="0"/>
+              <a:buChar char="•"/>
+              <a:defRPr sz="1800" kern="1200">
+                <a:solidFill>
+                  <a:schemeClr val="tx1"/>
+                </a:solidFill>
+                <a:latin typeface="+mn-lt"/>
+                <a:ea typeface="+mn-ea"/>
+                <a:cs typeface="+mn-cs"/>
+              </a:defRPr>
+            </a:lvl8pPr>
+            <a:lvl9pPr marL="3886200" indent="-228600" algn="l" defTabSz="914400" rtl="0" eaLnBrk="1" latinLnBrk="0" hangingPunct="1">
+              <a:lnSpc>
+                <a:spcPct val="90000"/>
+              </a:lnSpc>
+              <a:spcBef>
+                <a:spcPts val="500"/>
+              </a:spcBef>
+              <a:buFont typeface="Arial" panose="020B0604020202020204" pitchFamily="34" charset="0"/>
+              <a:buChar char="•"/>
+              <a:defRPr sz="1800" kern="1200">
+                <a:solidFill>
+                  <a:schemeClr val="tx1"/>
+                </a:solidFill>
+                <a:latin typeface="+mn-lt"/>
+                <a:ea typeface="+mn-ea"/>
+                <a:cs typeface="+mn-cs"/>
+              </a:defRPr>
+            </a:lvl9pPr>
+          </a:lstStyle>
+          <a:p>
+            <a:pPr marL="0" indent="0">
+              <a:lnSpc>
+                <a:spcPct val="100000"/>
+              </a:lnSpc>
+              <a:spcBef>
+                <a:spcPts val="0"/>
+              </a:spcBef>
+              <a:buClr>
+                <a:schemeClr val="dk1"/>
+              </a:buClr>
+              <a:buSzPts val="1100"/>
+              <a:buFont typeface="Arial"/>
+              <a:buNone/>
+            </a:pPr>
+            <a:r>
+              <a:rPr lang="en-NZ" sz="2000" b="1" dirty="0">
+                <a:solidFill>
+                  <a:srgbClr val="274E13"/>
+                </a:solidFill>
+              </a:rPr>
+              <a:t>Link to GitHub Repository: </a:t>
+            </a:r>
+            <a:r>
+              <a:rPr lang="en-NZ" sz="2000" dirty="0">
+                <a:solidFill>
+                  <a:srgbClr val="000000"/>
+                </a:solidFill>
+                <a:hlinkClick r:id="rId2"/>
+              </a:rPr>
+              <a:t>https://github.com/jireh-t/Assessment</a:t>
+            </a:r>
+            <a:endParaRPr lang="en-NZ" sz="2000" dirty="0">
+              <a:solidFill>
+                <a:srgbClr val="000000"/>
+              </a:solidFill>
+              <a:ea typeface="Calibri"/>
+              <a:cs typeface="Calibri"/>
+            </a:endParaRPr>
+          </a:p>
+          <a:p>
+            <a:pPr marL="0" indent="0">
+              <a:lnSpc>
+                <a:spcPct val="100000"/>
+              </a:lnSpc>
+              <a:spcBef>
+                <a:spcPts val="0"/>
+              </a:spcBef>
+              <a:buClr>
+                <a:schemeClr val="dk1"/>
+              </a:buClr>
+              <a:buSzPts val="1100"/>
+              <a:buFont typeface="Arial"/>
+              <a:buNone/>
+            </a:pPr>
+            <a:endParaRPr lang="en-NZ" sz="2000">
+              <a:solidFill>
+                <a:srgbClr val="274E13"/>
+              </a:solidFill>
+            </a:endParaRPr>
+          </a:p>
+          <a:p>
+            <a:pPr marL="0" indent="0">
+              <a:lnSpc>
+                <a:spcPct val="100000"/>
+              </a:lnSpc>
+              <a:spcBef>
+                <a:spcPts val="0"/>
+              </a:spcBef>
+              <a:buClr>
+                <a:schemeClr val="dk1"/>
+              </a:buClr>
+              <a:buSzPts val="1100"/>
+              <a:buNone/>
+            </a:pPr>
+            <a:r>
+              <a:rPr lang="en-NZ" sz="2000" b="1">
+                <a:solidFill>
+                  <a:srgbClr val="274E13"/>
+                </a:solidFill>
+              </a:rPr>
+              <a:t>Links to Trello board / project management tools: </a:t>
+            </a:r>
+            <a:r>
+              <a:rPr lang="en-NZ" sz="2000" dirty="0">
+                <a:solidFill>
+                  <a:srgbClr val="000000"/>
+                </a:solidFill>
+                <a:hlinkClick r:id="rId3"/>
+              </a:rPr>
+              <a:t>https://trello.com/b/Oaxf98cy/assessment</a:t>
+            </a:r>
+            <a:endParaRPr lang="en-NZ" sz="2000">
+              <a:ea typeface="+mn-lt"/>
+              <a:cs typeface="+mn-lt"/>
+            </a:endParaRPr>
+          </a:p>
+          <a:p>
+            <a:pPr marL="0" indent="0">
+              <a:lnSpc>
+                <a:spcPct val="100000"/>
+              </a:lnSpc>
+              <a:spcBef>
+                <a:spcPts val="0"/>
+              </a:spcBef>
+              <a:buClr>
+                <a:schemeClr val="dk1"/>
+              </a:buClr>
+              <a:buSzPts val="1100"/>
+              <a:buNone/>
+            </a:pPr>
+            <a:endParaRPr lang="en-NZ" sz="2000" b="1">
+              <a:solidFill>
+                <a:srgbClr val="274E13"/>
+              </a:solidFill>
+            </a:endParaRPr>
+          </a:p>
+          <a:p>
+            <a:pPr marL="0" indent="0">
+              <a:lnSpc>
+                <a:spcPct val="100000"/>
+              </a:lnSpc>
+              <a:spcBef>
+                <a:spcPts val="0"/>
+              </a:spcBef>
+              <a:buClr>
+                <a:schemeClr val="dk1"/>
+              </a:buClr>
+              <a:buSzPts val="1100"/>
+              <a:buNone/>
+            </a:pPr>
+            <a:r>
+              <a:rPr lang="en-NZ" sz="2000" b="1" dirty="0">
+                <a:solidFill>
+                  <a:srgbClr val="274E13"/>
+                </a:solidFill>
+              </a:rPr>
+              <a:t>Link to final version of your program: </a:t>
+            </a:r>
+            <a:endParaRPr lang="en-NZ" sz="2000" dirty="0">
+              <a:solidFill>
+                <a:srgbClr val="000000"/>
+              </a:solidFill>
+              <a:ea typeface="Calibri"/>
+              <a:cs typeface="Calibri"/>
+            </a:endParaRPr>
+          </a:p>
+          <a:p>
+            <a:pPr marL="0" indent="0">
+              <a:lnSpc>
+                <a:spcPct val="100000"/>
+              </a:lnSpc>
+              <a:spcBef>
+                <a:spcPts val="0"/>
+              </a:spcBef>
+              <a:buClr>
+                <a:schemeClr val="dk1"/>
+              </a:buClr>
+              <a:buSzPts val="1100"/>
+              <a:buNone/>
+            </a:pPr>
+            <a:endParaRPr lang="en-NZ" sz="2000"/>
+          </a:p>
+        </p:txBody>
+      </p:sp>
+      <p:graphicFrame>
+        <p:nvGraphicFramePr>
+          <p:cNvPr id="6" name="Google Shape;56;p13">
+            <a:extLst>
+              <a:ext uri="{FF2B5EF4-FFF2-40B4-BE49-F238E27FC236}">
+                <a16:creationId xmlns:a16="http://schemas.microsoft.com/office/drawing/2014/main" id="{A0658CEC-C8BE-4EBE-8618-7B97BA7329B8}"/>
+              </a:ext>
+            </a:extLst>
+          </p:cNvPr>
+          <p:cNvGraphicFramePr/>
+          <p:nvPr>
+            <p:extLst>
+              <p:ext uri="{D42A27DB-BD31-4B8C-83A1-F6EECF244321}">
+                <p14:modId xmlns:p14="http://schemas.microsoft.com/office/powerpoint/2010/main" val="3913417117"/>
+              </p:ext>
+            </p:extLst>
+          </p:nvPr>
+        </p:nvGraphicFramePr>
+        <p:xfrm>
+          <a:off x="1693460" y="4327480"/>
+          <a:ext cx="8520600" cy="1859026"/>
+        </p:xfrm>
+        <a:graphic>
+          <a:graphicData uri="http://schemas.openxmlformats.org/drawingml/2006/table">
+            <a:tbl>
+              <a:tblPr>
+                <a:noFill/>
+              </a:tblPr>
+              <a:tblGrid>
+                <a:gridCol w="8520600">
+                  <a:extLst>
+                    <a:ext uri="{9D8B030D-6E8A-4147-A177-3AD203B41FA5}">
+                      <a16:colId xmlns:a16="http://schemas.microsoft.com/office/drawing/2014/main" val="20000"/>
+                    </a:ext>
+                  </a:extLst>
+                </a:gridCol>
+              </a:tblGrid>
+              <a:tr h="1495600">
+                <a:tc>
+                  <a:txBody>
+                    <a:bodyPr/>
+                    <a:lstStyle/>
+                    <a:p>
+                      <a:pPr marL="0" lvl="0" indent="0" algn="l" rtl="0">
+                        <a:lnSpc>
+                          <a:spcPct val="115000"/>
+                        </a:lnSpc>
+                        <a:spcBef>
+                          <a:spcPts val="0"/>
+                        </a:spcBef>
+                        <a:spcAft>
+                          <a:spcPts val="0"/>
+                        </a:spcAft>
+                        <a:buNone/>
+                      </a:pPr>
+                      <a:r>
+                        <a:rPr lang="en" sz="2000" b="1" i="1">
+                          <a:solidFill>
+                            <a:srgbClr val="990000"/>
+                          </a:solidFill>
+                        </a:rPr>
+                        <a:t>Ensure you have made these links ‘public’ so that they are open to anyone, including the marker.</a:t>
+                      </a:r>
+                    </a:p>
+                    <a:p>
+                      <a:pPr marL="0" lvl="0" indent="0" algn="l" rtl="0">
+                        <a:lnSpc>
+                          <a:spcPct val="115000"/>
+                        </a:lnSpc>
+                        <a:spcBef>
+                          <a:spcPts val="0"/>
+                        </a:spcBef>
+                        <a:spcAft>
+                          <a:spcPts val="0"/>
+                        </a:spcAft>
+                        <a:buNone/>
+                      </a:pPr>
+                      <a:endParaRPr lang="en" sz="2000" b="1" i="1">
+                        <a:solidFill>
+                          <a:srgbClr val="990000"/>
+                        </a:solidFill>
+                      </a:endParaRPr>
+                    </a:p>
+                    <a:p>
+                      <a:pPr marL="0" lvl="0" indent="0" algn="l" rtl="0">
+                        <a:lnSpc>
+                          <a:spcPct val="115000"/>
+                        </a:lnSpc>
+                        <a:spcBef>
+                          <a:spcPts val="0"/>
+                        </a:spcBef>
+                        <a:spcAft>
+                          <a:spcPts val="0"/>
+                        </a:spcAft>
+                        <a:buNone/>
+                      </a:pPr>
+                      <a:r>
+                        <a:rPr lang="en" sz="2000" b="1" i="1">
+                          <a:solidFill>
+                            <a:srgbClr val="990000"/>
+                          </a:solidFill>
+                        </a:rPr>
+                        <a:t>The link to your program is the final outcome of this whole project – your finished program.</a:t>
+                      </a:r>
+                      <a:endParaRPr sz="2000" b="1" i="1">
+                        <a:solidFill>
+                          <a:srgbClr val="990000"/>
+                        </a:solidFill>
+                      </a:endParaRPr>
+                    </a:p>
+                  </a:txBody>
+                  <a:tcPr marL="63500" marR="63500" marT="63500" marB="63500">
+                    <a:solidFill>
+                      <a:srgbClr val="EA9999"/>
+                    </a:solidFill>
+                  </a:tcPr>
+                </a:tc>
+                <a:extLst>
+                  <a:ext uri="{0D108BD9-81ED-4DB2-BD59-A6C34878D82A}">
+                    <a16:rowId xmlns:a16="http://schemas.microsoft.com/office/drawing/2014/main" val="10000"/>
+                  </a:ext>
+                </a:extLst>
+              </a:tr>
+            </a:tbl>
+          </a:graphicData>
+        </a:graphic>
+      </p:graphicFrame>
+    </p:spTree>
+    <p:extLst>
+      <p:ext uri="{BB962C8B-B14F-4D97-AF65-F5344CB8AC3E}">
+        <p14:creationId xmlns:p14="http://schemas.microsoft.com/office/powerpoint/2010/main" val="3838895173"/>
+      </p:ext>
+    </p:extLst>
+  </p:cSld>
+  <p:clrMapOvr>
+    <a:masterClrMapping/>
+  </p:clrMapOvr>
+</p:sld>
+</file>
+
+<file path=ppt/slides/slide20.xml><?xml version="1.0" encoding="utf-8"?>
 <p:sld xmlns:a="http://schemas.openxmlformats.org/drawingml/2006/main" xmlns:r="http://schemas.openxmlformats.org/officeDocument/2006/relationships" xmlns:p="http://schemas.openxmlformats.org/presentationml/2006/main">
   <p:cSld>
     <p:spTree>
@@ -27601,7 +29063,7 @@
 </p:sld>
 </file>
 
-<file path=ppt/slides/slide19.xml><?xml version="1.0" encoding="utf-8"?>
+<file path=ppt/slides/slide21.xml><?xml version="1.0" encoding="utf-8"?>
 <p:sld xmlns:a="http://schemas.openxmlformats.org/drawingml/2006/main" xmlns:r="http://schemas.openxmlformats.org/officeDocument/2006/relationships" xmlns:p="http://schemas.openxmlformats.org/presentationml/2006/main">
   <p:cSld>
     <p:spTree>
@@ -27835,565 +29297,7 @@
 </p:sld>
 </file>
 
-<file path=ppt/slides/slide2.xml><?xml version="1.0" encoding="utf-8"?>
-<p:sld xmlns:a="http://schemas.openxmlformats.org/drawingml/2006/main" xmlns:r="http://schemas.openxmlformats.org/officeDocument/2006/relationships" xmlns:p="http://schemas.openxmlformats.org/presentationml/2006/main">
-  <p:cSld>
-    <p:spTree>
-      <p:nvGrpSpPr>
-        <p:cNvPr id="1" name=""/>
-        <p:cNvGrpSpPr/>
-        <p:nvPr/>
-      </p:nvGrpSpPr>
-      <p:grpSpPr>
-        <a:xfrm>
-          <a:off x="0" y="0"/>
-          <a:ext cx="0" cy="0"/>
-          <a:chOff x="0" y="0"/>
-          <a:chExt cx="0" cy="0"/>
-        </a:xfrm>
-      </p:grpSpPr>
-      <p:sp>
-        <p:nvSpPr>
-          <p:cNvPr id="2" name="Title 1">
-            <a:extLst>
-              <a:ext uri="{FF2B5EF4-FFF2-40B4-BE49-F238E27FC236}">
-                <a16:creationId xmlns:a16="http://schemas.microsoft.com/office/drawing/2014/main" id="{0D168B5A-EFF4-4803-8DA6-5994B306EBAF}"/>
-              </a:ext>
-            </a:extLst>
-          </p:cNvPr>
-          <p:cNvSpPr>
-            <a:spLocks noGrp="1"/>
-          </p:cNvSpPr>
-          <p:nvPr>
-            <p:ph type="title"/>
-          </p:nvPr>
-        </p:nvSpPr>
-        <p:spPr/>
-        <p:txBody>
-          <a:bodyPr/>
-          <a:lstStyle/>
-          <a:p>
-            <a:r>
-              <a:rPr lang="en-NZ" b="1" dirty="0" err="1"/>
-              <a:t>Maori</a:t>
-            </a:r>
-            <a:r>
-              <a:rPr lang="en-NZ" b="1" dirty="0"/>
-              <a:t> Quiz</a:t>
-            </a:r>
-            <a:endParaRPr lang="en-NZ" dirty="0"/>
-          </a:p>
-        </p:txBody>
-      </p:sp>
-      <p:sp>
-        <p:nvSpPr>
-          <p:cNvPr id="4" name="Google Shape;55;p13">
-            <a:extLst>
-              <a:ext uri="{FF2B5EF4-FFF2-40B4-BE49-F238E27FC236}">
-                <a16:creationId xmlns:a16="http://schemas.microsoft.com/office/drawing/2014/main" id="{F7FB308A-232B-4B31-A59D-BD561ECFBE8B}"/>
-              </a:ext>
-            </a:extLst>
-          </p:cNvPr>
-          <p:cNvSpPr txBox="1">
-            <a:spLocks/>
-          </p:cNvSpPr>
-          <p:nvPr/>
-        </p:nvSpPr>
-        <p:spPr>
-          <a:xfrm>
-            <a:off x="1693460" y="1914475"/>
-            <a:ext cx="8520600" cy="2187829"/>
-          </a:xfrm>
-          <a:prstGeom prst="rect">
-            <a:avLst/>
-          </a:prstGeom>
-          <a:solidFill>
-            <a:srgbClr val="D9EAD3"/>
-          </a:solidFill>
-          <a:ln w="28575" cap="flat" cmpd="sng">
-            <a:solidFill>
-              <a:srgbClr val="274E13"/>
-            </a:solidFill>
-            <a:prstDash val="solid"/>
-            <a:round/>
-            <a:headEnd type="none" w="sm" len="sm"/>
-            <a:tailEnd type="none" w="sm" len="sm"/>
-          </a:ln>
-        </p:spPr>
-        <p:txBody>
-          <a:bodyPr spcFirstLastPara="1" wrap="square" lIns="91425" tIns="91425" rIns="91425" bIns="91425" anchor="t" anchorCtr="0">
-            <a:noAutofit/>
-          </a:bodyPr>
-          <a:lstStyle>
-            <a:lvl1pPr marL="228600" indent="-228600" algn="l" defTabSz="914400" rtl="0" eaLnBrk="1" latinLnBrk="0" hangingPunct="1">
-              <a:lnSpc>
-                <a:spcPct val="90000"/>
-              </a:lnSpc>
-              <a:spcBef>
-                <a:spcPts val="1000"/>
-              </a:spcBef>
-              <a:buFont typeface="Arial" panose="020B0604020202020204" pitchFamily="34" charset="0"/>
-              <a:buChar char="•"/>
-              <a:defRPr sz="2800" kern="1200">
-                <a:solidFill>
-                  <a:schemeClr val="tx1"/>
-                </a:solidFill>
-                <a:latin typeface="+mn-lt"/>
-                <a:ea typeface="+mn-ea"/>
-                <a:cs typeface="+mn-cs"/>
-              </a:defRPr>
-            </a:lvl1pPr>
-            <a:lvl2pPr marL="685800" indent="-228600" algn="l" defTabSz="914400" rtl="0" eaLnBrk="1" latinLnBrk="0" hangingPunct="1">
-              <a:lnSpc>
-                <a:spcPct val="90000"/>
-              </a:lnSpc>
-              <a:spcBef>
-                <a:spcPts val="500"/>
-              </a:spcBef>
-              <a:buFont typeface="Arial" panose="020B0604020202020204" pitchFamily="34" charset="0"/>
-              <a:buChar char="•"/>
-              <a:defRPr sz="2400" kern="1200">
-                <a:solidFill>
-                  <a:schemeClr val="tx1"/>
-                </a:solidFill>
-                <a:latin typeface="+mn-lt"/>
-                <a:ea typeface="+mn-ea"/>
-                <a:cs typeface="+mn-cs"/>
-              </a:defRPr>
-            </a:lvl2pPr>
-            <a:lvl3pPr marL="1143000" indent="-228600" algn="l" defTabSz="914400" rtl="0" eaLnBrk="1" latinLnBrk="0" hangingPunct="1">
-              <a:lnSpc>
-                <a:spcPct val="90000"/>
-              </a:lnSpc>
-              <a:spcBef>
-                <a:spcPts val="500"/>
-              </a:spcBef>
-              <a:buFont typeface="Arial" panose="020B0604020202020204" pitchFamily="34" charset="0"/>
-              <a:buChar char="•"/>
-              <a:defRPr sz="2000" kern="1200">
-                <a:solidFill>
-                  <a:schemeClr val="tx1"/>
-                </a:solidFill>
-                <a:latin typeface="+mn-lt"/>
-                <a:ea typeface="+mn-ea"/>
-                <a:cs typeface="+mn-cs"/>
-              </a:defRPr>
-            </a:lvl3pPr>
-            <a:lvl4pPr marL="1600200" indent="-228600" algn="l" defTabSz="914400" rtl="0" eaLnBrk="1" latinLnBrk="0" hangingPunct="1">
-              <a:lnSpc>
-                <a:spcPct val="90000"/>
-              </a:lnSpc>
-              <a:spcBef>
-                <a:spcPts val="500"/>
-              </a:spcBef>
-              <a:buFont typeface="Arial" panose="020B0604020202020204" pitchFamily="34" charset="0"/>
-              <a:buChar char="•"/>
-              <a:defRPr sz="1800" kern="1200">
-                <a:solidFill>
-                  <a:schemeClr val="tx1"/>
-                </a:solidFill>
-                <a:latin typeface="+mn-lt"/>
-                <a:ea typeface="+mn-ea"/>
-                <a:cs typeface="+mn-cs"/>
-              </a:defRPr>
-            </a:lvl4pPr>
-            <a:lvl5pPr marL="2057400" indent="-228600" algn="l" defTabSz="914400" rtl="0" eaLnBrk="1" latinLnBrk="0" hangingPunct="1">
-              <a:lnSpc>
-                <a:spcPct val="90000"/>
-              </a:lnSpc>
-              <a:spcBef>
-                <a:spcPts val="500"/>
-              </a:spcBef>
-              <a:buFont typeface="Arial" panose="020B0604020202020204" pitchFamily="34" charset="0"/>
-              <a:buChar char="•"/>
-              <a:defRPr sz="1800" kern="1200">
-                <a:solidFill>
-                  <a:schemeClr val="tx1"/>
-                </a:solidFill>
-                <a:latin typeface="+mn-lt"/>
-                <a:ea typeface="+mn-ea"/>
-                <a:cs typeface="+mn-cs"/>
-              </a:defRPr>
-            </a:lvl5pPr>
-            <a:lvl6pPr marL="2514600" indent="-228600" algn="l" defTabSz="914400" rtl="0" eaLnBrk="1" latinLnBrk="0" hangingPunct="1">
-              <a:lnSpc>
-                <a:spcPct val="90000"/>
-              </a:lnSpc>
-              <a:spcBef>
-                <a:spcPts val="500"/>
-              </a:spcBef>
-              <a:buFont typeface="Arial" panose="020B0604020202020204" pitchFamily="34" charset="0"/>
-              <a:buChar char="•"/>
-              <a:defRPr sz="1800" kern="1200">
-                <a:solidFill>
-                  <a:schemeClr val="tx1"/>
-                </a:solidFill>
-                <a:latin typeface="+mn-lt"/>
-                <a:ea typeface="+mn-ea"/>
-                <a:cs typeface="+mn-cs"/>
-              </a:defRPr>
-            </a:lvl6pPr>
-            <a:lvl7pPr marL="2971800" indent="-228600" algn="l" defTabSz="914400" rtl="0" eaLnBrk="1" latinLnBrk="0" hangingPunct="1">
-              <a:lnSpc>
-                <a:spcPct val="90000"/>
-              </a:lnSpc>
-              <a:spcBef>
-                <a:spcPts val="500"/>
-              </a:spcBef>
-              <a:buFont typeface="Arial" panose="020B0604020202020204" pitchFamily="34" charset="0"/>
-              <a:buChar char="•"/>
-              <a:defRPr sz="1800" kern="1200">
-                <a:solidFill>
-                  <a:schemeClr val="tx1"/>
-                </a:solidFill>
-                <a:latin typeface="+mn-lt"/>
-                <a:ea typeface="+mn-ea"/>
-                <a:cs typeface="+mn-cs"/>
-              </a:defRPr>
-            </a:lvl7pPr>
-            <a:lvl8pPr marL="3429000" indent="-228600" algn="l" defTabSz="914400" rtl="0" eaLnBrk="1" latinLnBrk="0" hangingPunct="1">
-              <a:lnSpc>
-                <a:spcPct val="90000"/>
-              </a:lnSpc>
-              <a:spcBef>
-                <a:spcPts val="500"/>
-              </a:spcBef>
-              <a:buFont typeface="Arial" panose="020B0604020202020204" pitchFamily="34" charset="0"/>
-              <a:buChar char="•"/>
-              <a:defRPr sz="1800" kern="1200">
-                <a:solidFill>
-                  <a:schemeClr val="tx1"/>
-                </a:solidFill>
-                <a:latin typeface="+mn-lt"/>
-                <a:ea typeface="+mn-ea"/>
-                <a:cs typeface="+mn-cs"/>
-              </a:defRPr>
-            </a:lvl8pPr>
-            <a:lvl9pPr marL="3886200" indent="-228600" algn="l" defTabSz="914400" rtl="0" eaLnBrk="1" latinLnBrk="0" hangingPunct="1">
-              <a:lnSpc>
-                <a:spcPct val="90000"/>
-              </a:lnSpc>
-              <a:spcBef>
-                <a:spcPts val="500"/>
-              </a:spcBef>
-              <a:buFont typeface="Arial" panose="020B0604020202020204" pitchFamily="34" charset="0"/>
-              <a:buChar char="•"/>
-              <a:defRPr sz="1800" kern="1200">
-                <a:solidFill>
-                  <a:schemeClr val="tx1"/>
-                </a:solidFill>
-                <a:latin typeface="+mn-lt"/>
-                <a:ea typeface="+mn-ea"/>
-                <a:cs typeface="+mn-cs"/>
-              </a:defRPr>
-            </a:lvl9pPr>
-          </a:lstStyle>
-          <a:p>
-            <a:pPr marL="0" indent="0">
-              <a:lnSpc>
-                <a:spcPct val="100000"/>
-              </a:lnSpc>
-              <a:spcBef>
-                <a:spcPts val="0"/>
-              </a:spcBef>
-              <a:buClr>
-                <a:schemeClr val="dk1"/>
-              </a:buClr>
-              <a:buSzPts val="1100"/>
-              <a:buFont typeface="Arial"/>
-              <a:buNone/>
-            </a:pPr>
-            <a:r>
-              <a:rPr lang="en-NZ" sz="2000" b="1" dirty="0">
-                <a:solidFill>
-                  <a:srgbClr val="274E13"/>
-                </a:solidFill>
-              </a:rPr>
-              <a:t>Link to GitHub Repository: </a:t>
-            </a:r>
-            <a:r>
-              <a:rPr lang="en-NZ" sz="2000" dirty="0">
-                <a:solidFill>
-                  <a:srgbClr val="000000"/>
-                </a:solidFill>
-                <a:hlinkClick r:id="rId2"/>
-              </a:rPr>
-              <a:t>https://github.com/jireh-t/Assessment</a:t>
-            </a:r>
-            <a:endParaRPr lang="en-NZ" sz="2000" dirty="0">
-              <a:solidFill>
-                <a:srgbClr val="000000"/>
-              </a:solidFill>
-              <a:ea typeface="Calibri"/>
-              <a:cs typeface="Calibri"/>
-            </a:endParaRPr>
-          </a:p>
-          <a:p>
-            <a:pPr marL="0" indent="0">
-              <a:lnSpc>
-                <a:spcPct val="100000"/>
-              </a:lnSpc>
-              <a:spcBef>
-                <a:spcPts val="0"/>
-              </a:spcBef>
-              <a:buClr>
-                <a:schemeClr val="dk1"/>
-              </a:buClr>
-              <a:buSzPts val="1100"/>
-              <a:buFont typeface="Arial"/>
-              <a:buNone/>
-            </a:pPr>
-            <a:endParaRPr lang="en-NZ" sz="2000">
-              <a:solidFill>
-                <a:srgbClr val="274E13"/>
-              </a:solidFill>
-            </a:endParaRPr>
-          </a:p>
-          <a:p>
-            <a:pPr marL="0" indent="0">
-              <a:lnSpc>
-                <a:spcPct val="100000"/>
-              </a:lnSpc>
-              <a:spcBef>
-                <a:spcPts val="0"/>
-              </a:spcBef>
-              <a:buClr>
-                <a:schemeClr val="dk1"/>
-              </a:buClr>
-              <a:buSzPts val="1100"/>
-              <a:buNone/>
-            </a:pPr>
-            <a:r>
-              <a:rPr lang="en-NZ" sz="2000" b="1">
-                <a:solidFill>
-                  <a:srgbClr val="274E13"/>
-                </a:solidFill>
-              </a:rPr>
-              <a:t>Links to Trello board / project management tools: </a:t>
-            </a:r>
-            <a:r>
-              <a:rPr lang="en-NZ" sz="2000" dirty="0">
-                <a:solidFill>
-                  <a:srgbClr val="000000"/>
-                </a:solidFill>
-                <a:hlinkClick r:id="rId3"/>
-              </a:rPr>
-              <a:t>https://trello.com/b/Oaxf98cy/assessment</a:t>
-            </a:r>
-            <a:endParaRPr lang="en-NZ" sz="2000">
-              <a:ea typeface="+mn-lt"/>
-              <a:cs typeface="+mn-lt"/>
-            </a:endParaRPr>
-          </a:p>
-          <a:p>
-            <a:pPr marL="0" indent="0">
-              <a:lnSpc>
-                <a:spcPct val="100000"/>
-              </a:lnSpc>
-              <a:spcBef>
-                <a:spcPts val="0"/>
-              </a:spcBef>
-              <a:buClr>
-                <a:schemeClr val="dk1"/>
-              </a:buClr>
-              <a:buSzPts val="1100"/>
-              <a:buNone/>
-            </a:pPr>
-            <a:endParaRPr lang="en-NZ" sz="2000" b="1">
-              <a:solidFill>
-                <a:srgbClr val="274E13"/>
-              </a:solidFill>
-            </a:endParaRPr>
-          </a:p>
-          <a:p>
-            <a:pPr marL="0" indent="0">
-              <a:lnSpc>
-                <a:spcPct val="100000"/>
-              </a:lnSpc>
-              <a:spcBef>
-                <a:spcPts val="0"/>
-              </a:spcBef>
-              <a:buClr>
-                <a:schemeClr val="dk1"/>
-              </a:buClr>
-              <a:buSzPts val="1100"/>
-              <a:buNone/>
-            </a:pPr>
-            <a:r>
-              <a:rPr lang="en-NZ" sz="2000" b="1" dirty="0">
-                <a:solidFill>
-                  <a:srgbClr val="274E13"/>
-                </a:solidFill>
-              </a:rPr>
-              <a:t>Link to final version of your program: </a:t>
-            </a:r>
-            <a:endParaRPr lang="en-NZ" sz="2000" dirty="0">
-              <a:solidFill>
-                <a:srgbClr val="000000"/>
-              </a:solidFill>
-              <a:ea typeface="Calibri"/>
-              <a:cs typeface="Calibri"/>
-            </a:endParaRPr>
-          </a:p>
-          <a:p>
-            <a:pPr marL="0" indent="0">
-              <a:lnSpc>
-                <a:spcPct val="100000"/>
-              </a:lnSpc>
-              <a:spcBef>
-                <a:spcPts val="0"/>
-              </a:spcBef>
-              <a:buClr>
-                <a:schemeClr val="dk1"/>
-              </a:buClr>
-              <a:buSzPts val="1100"/>
-              <a:buNone/>
-            </a:pPr>
-            <a:endParaRPr lang="en-NZ" sz="2000"/>
-          </a:p>
-        </p:txBody>
-      </p:sp>
-      <p:graphicFrame>
-        <p:nvGraphicFramePr>
-          <p:cNvPr id="6" name="Google Shape;56;p13">
-            <a:extLst>
-              <a:ext uri="{FF2B5EF4-FFF2-40B4-BE49-F238E27FC236}">
-                <a16:creationId xmlns:a16="http://schemas.microsoft.com/office/drawing/2014/main" id="{A0658CEC-C8BE-4EBE-8618-7B97BA7329B8}"/>
-              </a:ext>
-            </a:extLst>
-          </p:cNvPr>
-          <p:cNvGraphicFramePr/>
-          <p:nvPr>
-            <p:extLst>
-              <p:ext uri="{D42A27DB-BD31-4B8C-83A1-F6EECF244321}">
-                <p14:modId xmlns:p14="http://schemas.microsoft.com/office/powerpoint/2010/main" val="3913417117"/>
-              </p:ext>
-            </p:extLst>
-          </p:nvPr>
-        </p:nvGraphicFramePr>
-        <p:xfrm>
-          <a:off x="1693460" y="4327480"/>
-          <a:ext cx="8520600" cy="1859026"/>
-        </p:xfrm>
-        <a:graphic>
-          <a:graphicData uri="http://schemas.openxmlformats.org/drawingml/2006/table">
-            <a:tbl>
-              <a:tblPr>
-                <a:noFill/>
-              </a:tblPr>
-              <a:tblGrid>
-                <a:gridCol w="8520600">
-                  <a:extLst>
-                    <a:ext uri="{9D8B030D-6E8A-4147-A177-3AD203B41FA5}">
-                      <a16:colId xmlns:a16="http://schemas.microsoft.com/office/drawing/2014/main" val="20000"/>
-                    </a:ext>
-                  </a:extLst>
-                </a:gridCol>
-              </a:tblGrid>
-              <a:tr h="1495600">
-                <a:tc>
-                  <a:txBody>
-                    <a:bodyPr/>
-                    <a:lstStyle/>
-                    <a:p>
-                      <a:pPr marL="0" lvl="0" indent="0" algn="l" rtl="0">
-                        <a:lnSpc>
-                          <a:spcPct val="115000"/>
-                        </a:lnSpc>
-                        <a:spcBef>
-                          <a:spcPts val="0"/>
-                        </a:spcBef>
-                        <a:spcAft>
-                          <a:spcPts val="0"/>
-                        </a:spcAft>
-                        <a:buNone/>
-                      </a:pPr>
-                      <a:r>
-                        <a:rPr lang="en" sz="2000" b="1" i="1">
-                          <a:solidFill>
-                            <a:srgbClr val="990000"/>
-                          </a:solidFill>
-                        </a:rPr>
-                        <a:t>Ensure you have made these links ‘public’ so that they are open to anyone, including the marker.</a:t>
-                      </a:r>
-                    </a:p>
-                    <a:p>
-                      <a:pPr marL="0" lvl="0" indent="0" algn="l" rtl="0">
-                        <a:lnSpc>
-                          <a:spcPct val="115000"/>
-                        </a:lnSpc>
-                        <a:spcBef>
-                          <a:spcPts val="0"/>
-                        </a:spcBef>
-                        <a:spcAft>
-                          <a:spcPts val="0"/>
-                        </a:spcAft>
-                        <a:buNone/>
-                      </a:pPr>
-                      <a:endParaRPr lang="en" sz="2000" b="1" i="1">
-                        <a:solidFill>
-                          <a:srgbClr val="990000"/>
-                        </a:solidFill>
-                      </a:endParaRPr>
-                    </a:p>
-                    <a:p>
-                      <a:pPr marL="0" lvl="0" indent="0" algn="l" rtl="0">
-                        <a:lnSpc>
-                          <a:spcPct val="115000"/>
-                        </a:lnSpc>
-                        <a:spcBef>
-                          <a:spcPts val="0"/>
-                        </a:spcBef>
-                        <a:spcAft>
-                          <a:spcPts val="0"/>
-                        </a:spcAft>
-                        <a:buNone/>
-                      </a:pPr>
-                      <a:r>
-                        <a:rPr lang="en" sz="2000" b="1" i="1">
-                          <a:solidFill>
-                            <a:srgbClr val="990000"/>
-                          </a:solidFill>
-                        </a:rPr>
-                        <a:t>The link to your program is the final outcome of this whole project – your finished program.</a:t>
-                      </a:r>
-                      <a:endParaRPr sz="2000" b="1" i="1">
-                        <a:solidFill>
-                          <a:srgbClr val="990000"/>
-                        </a:solidFill>
-                      </a:endParaRPr>
-                    </a:p>
-                  </a:txBody>
-                  <a:tcPr marL="63500" marR="63500" marT="63500" marB="63500">
-                    <a:solidFill>
-                      <a:srgbClr val="EA9999"/>
-                    </a:solidFill>
-                  </a:tcPr>
-                </a:tc>
-                <a:extLst>
-                  <a:ext uri="{0D108BD9-81ED-4DB2-BD59-A6C34878D82A}">
-                    <a16:rowId xmlns:a16="http://schemas.microsoft.com/office/drawing/2014/main" val="10000"/>
-                  </a:ext>
-                </a:extLst>
-              </a:tr>
-            </a:tbl>
-          </a:graphicData>
-        </a:graphic>
-      </p:graphicFrame>
-    </p:spTree>
-    <p:extLst>
-      <p:ext uri="{BB962C8B-B14F-4D97-AF65-F5344CB8AC3E}">
-        <p14:creationId xmlns:p14="http://schemas.microsoft.com/office/powerpoint/2010/main" val="3838895173"/>
-      </p:ext>
-    </p:extLst>
-  </p:cSld>
-  <p:clrMapOvr>
-    <a:masterClrMapping/>
-  </p:clrMapOvr>
-</p:sld>
-</file>
-
-<file path=ppt/slides/slide20.xml><?xml version="1.0" encoding="utf-8"?>
+<file path=ppt/slides/slide22.xml><?xml version="1.0" encoding="utf-8"?>
 <p:sld xmlns:a="http://schemas.openxmlformats.org/drawingml/2006/main" xmlns:r="http://schemas.openxmlformats.org/officeDocument/2006/relationships" xmlns:p="http://schemas.openxmlformats.org/presentationml/2006/main">
   <p:cSld>
     <p:spTree>
@@ -28655,7 +29559,7 @@
 </p:sld>
 </file>
 
-<file path=ppt/slides/slide21.xml><?xml version="1.0" encoding="utf-8"?>
+<file path=ppt/slides/slide23.xml><?xml version="1.0" encoding="utf-8"?>
 <p:sld xmlns:a="http://schemas.openxmlformats.org/drawingml/2006/main" xmlns:r="http://schemas.openxmlformats.org/officeDocument/2006/relationships" xmlns:p="http://schemas.openxmlformats.org/presentationml/2006/main">
   <p:cSld>
     <p:spTree>
@@ -28978,7 +29882,7 @@
 </p:sld>
 </file>
 
-<file path=ppt/slides/slide22.xml><?xml version="1.0" encoding="utf-8"?>
+<file path=ppt/slides/slide24.xml><?xml version="1.0" encoding="utf-8"?>
 <p:sld xmlns:a="http://schemas.openxmlformats.org/drawingml/2006/main" xmlns:r="http://schemas.openxmlformats.org/officeDocument/2006/relationships" xmlns:p="http://schemas.openxmlformats.org/presentationml/2006/main">
   <p:cSld>
     <p:spTree>
@@ -29336,7 +30240,7 @@
 </p:sld>
 </file>
 
-<file path=ppt/slides/slide23.xml><?xml version="1.0" encoding="utf-8"?>
+<file path=ppt/slides/slide25.xml><?xml version="1.0" encoding="utf-8"?>
 <p:sld xmlns:a="http://schemas.openxmlformats.org/drawingml/2006/main" xmlns:r="http://schemas.openxmlformats.org/officeDocument/2006/relationships" xmlns:p="http://schemas.openxmlformats.org/presentationml/2006/main">
   <p:cSld>
     <p:spTree>
@@ -29533,7 +30437,7 @@
 </p:sld>
 </file>
 
-<file path=ppt/slides/slide24.xml><?xml version="1.0" encoding="utf-8"?>
+<file path=ppt/slides/slide26.xml><?xml version="1.0" encoding="utf-8"?>
 <p:sld xmlns:a="http://schemas.openxmlformats.org/drawingml/2006/main" xmlns:r="http://schemas.openxmlformats.org/officeDocument/2006/relationships" xmlns:p="http://schemas.openxmlformats.org/presentationml/2006/main">
   <p:cSld>
     <p:spTree>
@@ -29960,7 +30864,7 @@
 </p:sld>
 </file>
 
-<file path=ppt/slides/slide25.xml><?xml version="1.0" encoding="utf-8"?>
+<file path=ppt/slides/slide27.xml><?xml version="1.0" encoding="utf-8"?>
 <p:sld xmlns:a="http://schemas.openxmlformats.org/drawingml/2006/main" xmlns:r="http://schemas.openxmlformats.org/officeDocument/2006/relationships" xmlns:p="http://schemas.openxmlformats.org/presentationml/2006/main">
   <p:cSld>
     <p:spTree>
@@ -30092,7 +30996,7 @@
 </p:sld>
 </file>
 
-<file path=ppt/slides/slide26.xml><?xml version="1.0" encoding="utf-8"?>
+<file path=ppt/slides/slide28.xml><?xml version="1.0" encoding="utf-8"?>
 <p:sld xmlns:a="http://schemas.openxmlformats.org/drawingml/2006/main" xmlns:r="http://schemas.openxmlformats.org/officeDocument/2006/relationships" xmlns:p="http://schemas.openxmlformats.org/presentationml/2006/main">
   <p:cSld>
     <p:spTree>
@@ -30558,7 +31462,7 @@
 </p:sld>
 </file>
 
-<file path=ppt/slides/slide27.xml><?xml version="1.0" encoding="utf-8"?>
+<file path=ppt/slides/slide29.xml><?xml version="1.0" encoding="utf-8"?>
 <p:sld xmlns:a="http://schemas.openxmlformats.org/drawingml/2006/main" xmlns:r="http://schemas.openxmlformats.org/officeDocument/2006/relationships" xmlns:p="http://schemas.openxmlformats.org/presentationml/2006/main">
   <p:cSld>
     <p:spTree>
@@ -30680,1019 +31584,6 @@
     <p:extLst>
       <p:ext uri="{BB962C8B-B14F-4D97-AF65-F5344CB8AC3E}">
         <p14:creationId xmlns:p14="http://schemas.microsoft.com/office/powerpoint/2010/main" val="2181879276"/>
-      </p:ext>
-    </p:extLst>
-  </p:cSld>
-  <p:clrMapOvr>
-    <a:masterClrMapping/>
-  </p:clrMapOvr>
-</p:sld>
-</file>
-
-<file path=ppt/slides/slide28.xml><?xml version="1.0" encoding="utf-8"?>
-<p:sld xmlns:a="http://schemas.openxmlformats.org/drawingml/2006/main" xmlns:r="http://schemas.openxmlformats.org/officeDocument/2006/relationships" xmlns:p="http://schemas.openxmlformats.org/presentationml/2006/main">
-  <p:cSld>
-    <p:spTree>
-      <p:nvGrpSpPr>
-        <p:cNvPr id="1" name="Shape 90"/>
-        <p:cNvGrpSpPr/>
-        <p:nvPr/>
-      </p:nvGrpSpPr>
-      <p:grpSpPr>
-        <a:xfrm>
-          <a:off x="0" y="0"/>
-          <a:ext cx="0" cy="0"/>
-          <a:chOff x="0" y="0"/>
-          <a:chExt cx="0" cy="0"/>
-        </a:xfrm>
-      </p:grpSpPr>
-      <p:sp>
-        <p:nvSpPr>
-          <p:cNvPr id="91" name="Google Shape;91;p19"/>
-          <p:cNvSpPr txBox="1">
-            <a:spLocks noGrp="1"/>
-          </p:cNvSpPr>
-          <p:nvPr>
-            <p:ph type="title"/>
-          </p:nvPr>
-        </p:nvSpPr>
-        <p:spPr>
-          <a:xfrm>
-            <a:off x="415600" y="217447"/>
-            <a:ext cx="11360800" cy="763600"/>
-          </a:xfrm>
-          <a:prstGeom prst="rect">
-            <a:avLst/>
-          </a:prstGeom>
-        </p:spPr>
-        <p:txBody>
-          <a:bodyPr spcFirstLastPara="1" vert="horz" wrap="square" lIns="121900" tIns="121900" rIns="121900" bIns="121900" rtlCol="0" anchor="t" anchorCtr="0">
-            <a:noAutofit/>
-          </a:bodyPr>
-          <a:lstStyle/>
-          <a:p>
-            <a:r>
-              <a:rPr lang="en" sz="4000"/>
-              <a:t>Assembled Outcome: Test Plan</a:t>
-            </a:r>
-            <a:endParaRPr sz="4000"/>
-          </a:p>
-        </p:txBody>
-      </p:sp>
-      <p:graphicFrame>
-        <p:nvGraphicFramePr>
-          <p:cNvPr id="92" name="Google Shape;92;p19"/>
-          <p:cNvGraphicFramePr/>
-          <p:nvPr>
-            <p:extLst>
-              <p:ext uri="{D42A27DB-BD31-4B8C-83A1-F6EECF244321}">
-                <p14:modId xmlns:p14="http://schemas.microsoft.com/office/powerpoint/2010/main" val="711748182"/>
-              </p:ext>
-            </p:extLst>
-          </p:nvPr>
-        </p:nvGraphicFramePr>
-        <p:xfrm>
-          <a:off x="509967" y="1369811"/>
-          <a:ext cx="11360798" cy="4762418"/>
-        </p:xfrm>
-        <a:graphic>
-          <a:graphicData uri="http://schemas.openxmlformats.org/drawingml/2006/table">
-            <a:tbl>
-              <a:tblPr>
-                <a:noFill/>
-              </a:tblPr>
-              <a:tblGrid>
-                <a:gridCol w="3821206">
-                  <a:extLst>
-                    <a:ext uri="{9D8B030D-6E8A-4147-A177-3AD203B41FA5}">
-                      <a16:colId xmlns:a16="http://schemas.microsoft.com/office/drawing/2014/main" val="20000"/>
-                    </a:ext>
-                  </a:extLst>
-                </a:gridCol>
-                <a:gridCol w="7539592">
-                  <a:extLst>
-                    <a:ext uri="{9D8B030D-6E8A-4147-A177-3AD203B41FA5}">
-                      <a16:colId xmlns:a16="http://schemas.microsoft.com/office/drawing/2014/main" val="20001"/>
-                    </a:ext>
-                  </a:extLst>
-                </a:gridCol>
-              </a:tblGrid>
-              <a:tr h="609560">
-                <a:tc>
-                  <a:txBody>
-                    <a:bodyPr/>
-                    <a:lstStyle/>
-                    <a:p>
-                      <a:pPr marL="0" lvl="0" indent="0" algn="l" rtl="0">
-                        <a:spcBef>
-                          <a:spcPts val="0"/>
-                        </a:spcBef>
-                        <a:spcAft>
-                          <a:spcPts val="0"/>
-                        </a:spcAft>
-                        <a:buNone/>
-                      </a:pPr>
-                      <a:r>
-                        <a:rPr lang="en" sz="2400" b="1"/>
-                        <a:t>Test Cases - input</a:t>
-                      </a:r>
-                      <a:endParaRPr sz="2400" b="1"/>
-                    </a:p>
-                  </a:txBody>
-                  <a:tcPr marL="121900" marR="121900" marT="121900" marB="121900">
-                    <a:solidFill>
-                      <a:srgbClr val="CCCCCC"/>
-                    </a:solidFill>
-                  </a:tcPr>
-                </a:tc>
-                <a:tc>
-                  <a:txBody>
-                    <a:bodyPr/>
-                    <a:lstStyle/>
-                    <a:p>
-                      <a:pPr marL="0" lvl="0" indent="0" algn="l" rtl="0">
-                        <a:spcBef>
-                          <a:spcPts val="0"/>
-                        </a:spcBef>
-                        <a:spcAft>
-                          <a:spcPts val="0"/>
-                        </a:spcAft>
-                        <a:buNone/>
-                      </a:pPr>
-                      <a:r>
-                        <a:rPr lang="en" sz="2400" b="1"/>
-                        <a:t>Expected output</a:t>
-                      </a:r>
-                      <a:endParaRPr sz="2400" b="1"/>
-                    </a:p>
-                  </a:txBody>
-                  <a:tcPr marL="121900" marR="121900" marT="121900" marB="121900">
-                    <a:solidFill>
-                      <a:srgbClr val="CCCCCC"/>
-                    </a:solidFill>
-                  </a:tcPr>
-                </a:tc>
-                <a:extLst>
-                  <a:ext uri="{0D108BD9-81ED-4DB2-BD59-A6C34878D82A}">
-                    <a16:rowId xmlns:a16="http://schemas.microsoft.com/office/drawing/2014/main" val="10000"/>
-                  </a:ext>
-                </a:extLst>
-              </a:tr>
-              <a:tr h="1714500">
-                <a:tc>
-                  <a:txBody>
-                    <a:bodyPr/>
-                    <a:lstStyle/>
-                    <a:p>
-                      <a:pPr marL="0" lvl="0" indent="0" algn="l">
-                        <a:spcBef>
-                          <a:spcPts val="0"/>
-                        </a:spcBef>
-                        <a:spcAft>
-                          <a:spcPts val="0"/>
-                        </a:spcAft>
-                        <a:buNone/>
-                      </a:pPr>
-                      <a:r>
-                        <a:rPr lang="en-US" sz="2400"/>
-                        <a:t>Run program</a:t>
-                      </a:r>
-                    </a:p>
-                    <a:p>
-                      <a:pPr marL="0" lvl="0" indent="0" algn="l">
-                        <a:spcBef>
-                          <a:spcPts val="0"/>
-                        </a:spcBef>
-                        <a:spcAft>
-                          <a:spcPts val="0"/>
-                        </a:spcAft>
-                        <a:buNone/>
-                      </a:pPr>
-                      <a:r>
-                        <a:rPr lang="en-US" sz="2400"/>
-                        <a:t>Played before = Maybe</a:t>
-                      </a:r>
-                    </a:p>
-                    <a:p>
-                      <a:pPr marL="0" lvl="0" indent="0" algn="l">
-                        <a:spcBef>
-                          <a:spcPts val="0"/>
-                        </a:spcBef>
-                        <a:spcAft>
-                          <a:spcPts val="0"/>
-                        </a:spcAft>
-                        <a:buNone/>
-                      </a:pPr>
-                      <a:r>
-                        <a:rPr lang="en-US" sz="2400"/>
-                        <a:t>Played before = No</a:t>
-                      </a:r>
-                    </a:p>
-                    <a:p>
-                      <a:pPr marL="0" lvl="0" indent="0" algn="l">
-                        <a:spcBef>
-                          <a:spcPts val="0"/>
-                        </a:spcBef>
-                        <a:spcAft>
-                          <a:spcPts val="0"/>
-                        </a:spcAft>
-                        <a:buNone/>
-                      </a:pPr>
-                      <a:endParaRPr lang="en-US" sz="2400"/>
-                    </a:p>
-                  </a:txBody>
-                  <a:tcPr marL="121900" marR="121900" marT="121900" marB="121900"/>
-                </a:tc>
-                <a:tc>
-                  <a:txBody>
-                    <a:bodyPr/>
-                    <a:lstStyle/>
-                    <a:p>
-                      <a:pPr marL="0" lvl="0" indent="0" algn="l">
-                        <a:spcBef>
-                          <a:spcPts val="0"/>
-                        </a:spcBef>
-                        <a:spcAft>
-                          <a:spcPts val="0"/>
-                        </a:spcAft>
-                        <a:buNone/>
-                      </a:pPr>
-                      <a:r>
-                        <a:rPr lang="en-US" sz="2400"/>
-                        <a:t>Welcome message displays</a:t>
-                      </a:r>
-                    </a:p>
-                    <a:p>
-                      <a:pPr marL="0" lvl="0" indent="0" algn="l">
-                        <a:spcBef>
-                          <a:spcPts val="0"/>
-                        </a:spcBef>
-                        <a:spcAft>
-                          <a:spcPts val="0"/>
-                        </a:spcAft>
-                        <a:buNone/>
-                      </a:pPr>
-                      <a:r>
-                        <a:rPr lang="en-US" sz="2400"/>
-                        <a:t>Error – please answer yes or no </a:t>
-                      </a:r>
-                    </a:p>
-                    <a:p>
-                      <a:pPr marL="0" lvl="0" indent="0" algn="l">
-                        <a:spcBef>
-                          <a:spcPts val="0"/>
-                        </a:spcBef>
-                        <a:spcAft>
-                          <a:spcPts val="0"/>
-                        </a:spcAft>
-                        <a:buNone/>
-                      </a:pPr>
-                      <a:r>
-                        <a:rPr lang="en-US" sz="2400"/>
-                        <a:t>Instructions display </a:t>
-                      </a:r>
-                    </a:p>
-                  </a:txBody>
-                  <a:tcPr marL="121900" marR="121900" marT="121900" marB="121900"/>
-                </a:tc>
-                <a:extLst>
-                  <a:ext uri="{0D108BD9-81ED-4DB2-BD59-A6C34878D82A}">
-                    <a16:rowId xmlns:a16="http://schemas.microsoft.com/office/drawing/2014/main" val="10001"/>
-                  </a:ext>
-                </a:extLst>
-              </a:tr>
-              <a:tr h="609560">
-                <a:tc>
-                  <a:txBody>
-                    <a:bodyPr/>
-                    <a:lstStyle/>
-                    <a:p>
-                      <a:pPr marL="0" lvl="0" indent="0" algn="l">
-                        <a:spcBef>
-                          <a:spcPts val="0"/>
-                        </a:spcBef>
-                        <a:spcAft>
-                          <a:spcPts val="0"/>
-                        </a:spcAft>
-                        <a:buNone/>
-                      </a:pPr>
-                      <a:r>
-                        <a:rPr lang="en-US" sz="2400"/>
-                        <a:t>Enter amount to play with</a:t>
-                      </a:r>
-                    </a:p>
-                    <a:p>
-                      <a:pPr marL="0" lvl="0" indent="0" algn="l">
-                        <a:spcBef>
-                          <a:spcPts val="0"/>
-                        </a:spcBef>
-                        <a:spcAft>
-                          <a:spcPts val="0"/>
-                        </a:spcAft>
-                        <a:buNone/>
-                      </a:pPr>
-                      <a:r>
-                        <a:rPr lang="en-US" sz="2400"/>
-                        <a:t>xlii</a:t>
-                      </a:r>
-                    </a:p>
-                    <a:p>
-                      <a:pPr marL="0" lvl="0" indent="0" algn="l">
-                        <a:spcBef>
-                          <a:spcPts val="0"/>
-                        </a:spcBef>
-                        <a:spcAft>
-                          <a:spcPts val="0"/>
-                        </a:spcAft>
-                        <a:buNone/>
-                      </a:pPr>
-                      <a:r>
-                        <a:rPr lang="en-US" sz="2400"/>
-                        <a:t>0.5</a:t>
-                      </a:r>
-                    </a:p>
-                    <a:p>
-                      <a:pPr marL="0" lvl="0" indent="0" algn="l">
-                        <a:spcBef>
-                          <a:spcPts val="0"/>
-                        </a:spcBef>
-                        <a:spcAft>
-                          <a:spcPts val="0"/>
-                        </a:spcAft>
-                        <a:buNone/>
-                      </a:pPr>
-                      <a:r>
-                        <a:rPr lang="en-US" sz="2400"/>
-                        <a:t>0</a:t>
-                      </a:r>
-                    </a:p>
-                    <a:p>
-                      <a:pPr marL="0" lvl="0" indent="0" algn="l">
-                        <a:spcBef>
-                          <a:spcPts val="0"/>
-                        </a:spcBef>
-                        <a:spcAft>
-                          <a:spcPts val="0"/>
-                        </a:spcAft>
-                        <a:buNone/>
-                      </a:pPr>
-                      <a:r>
-                        <a:rPr lang="en-US" sz="2400"/>
-                        <a:t>11</a:t>
-                      </a:r>
-                    </a:p>
-                    <a:p>
-                      <a:pPr marL="0" lvl="0" indent="0" algn="l">
-                        <a:spcBef>
-                          <a:spcPts val="0"/>
-                        </a:spcBef>
-                        <a:spcAft>
-                          <a:spcPts val="0"/>
-                        </a:spcAft>
-                        <a:buNone/>
-                      </a:pPr>
-                      <a:r>
-                        <a:rPr lang="en-US" sz="2400"/>
-                        <a:t>1</a:t>
-                      </a:r>
-                    </a:p>
-                  </a:txBody>
-                  <a:tcPr marL="121899" marR="121899" marT="121899" marB="121899"/>
-                </a:tc>
-                <a:tc>
-                  <a:txBody>
-                    <a:bodyPr/>
-                    <a:lstStyle/>
-                    <a:p>
-                      <a:pPr marL="0" lvl="0" indent="0" algn="l">
-                        <a:spcBef>
-                          <a:spcPts val="0"/>
-                        </a:spcBef>
-                        <a:spcAft>
-                          <a:spcPts val="0"/>
-                        </a:spcAft>
-                        <a:buNone/>
-                      </a:pPr>
-                      <a:endParaRPr lang="en-US" sz="2400"/>
-                    </a:p>
-                    <a:p>
-                      <a:pPr marL="0" lvl="0" indent="0" algn="l">
-                        <a:spcBef>
-                          <a:spcPts val="0"/>
-                        </a:spcBef>
-                        <a:spcAft>
-                          <a:spcPts val="0"/>
-                        </a:spcAft>
-                        <a:buNone/>
-                      </a:pPr>
-                      <a:r>
-                        <a:rPr lang="en-US" sz="2400"/>
-                        <a:t>Error</a:t>
-                      </a:r>
-                    </a:p>
-                    <a:p>
-                      <a:pPr marL="0" lvl="0" indent="0" algn="l">
-                        <a:spcBef>
-                          <a:spcPts val="0"/>
-                        </a:spcBef>
-                        <a:spcAft>
-                          <a:spcPts val="0"/>
-                        </a:spcAft>
-                        <a:buNone/>
-                      </a:pPr>
-                      <a:r>
-                        <a:rPr lang="en-US" sz="2400"/>
-                        <a:t>Error</a:t>
-                      </a:r>
-                    </a:p>
-                    <a:p>
-                      <a:pPr marL="0" lvl="0" indent="0" algn="l">
-                        <a:spcBef>
-                          <a:spcPts val="0"/>
-                        </a:spcBef>
-                        <a:spcAft>
-                          <a:spcPts val="0"/>
-                        </a:spcAft>
-                        <a:buNone/>
-                      </a:pPr>
-                      <a:r>
-                        <a:rPr lang="en-US" sz="2400"/>
-                        <a:t>Error</a:t>
-                      </a:r>
-                    </a:p>
-                    <a:p>
-                      <a:pPr marL="0" lvl="0" indent="0" algn="l">
-                        <a:spcBef>
-                          <a:spcPts val="0"/>
-                        </a:spcBef>
-                        <a:spcAft>
-                          <a:spcPts val="0"/>
-                        </a:spcAft>
-                        <a:buNone/>
-                      </a:pPr>
-                      <a:r>
-                        <a:rPr lang="en-US" sz="2400"/>
-                        <a:t>Error</a:t>
-                      </a:r>
-                    </a:p>
-                    <a:p>
-                      <a:pPr marL="0" lvl="0" indent="0" algn="l">
-                        <a:spcBef>
-                          <a:spcPts val="0"/>
-                        </a:spcBef>
-                        <a:spcAft>
-                          <a:spcPts val="0"/>
-                        </a:spcAft>
-                        <a:buNone/>
-                      </a:pPr>
-                      <a:r>
-                        <a:rPr lang="en-US" sz="2400"/>
-                        <a:t>You are playing with $1. Press &lt;enter&gt; to start</a:t>
-                      </a:r>
-                    </a:p>
-                  </a:txBody>
-                  <a:tcPr marL="121899" marR="121899" marT="121899" marB="121899"/>
-                </a:tc>
-                <a:extLst>
-                  <a:ext uri="{0D108BD9-81ED-4DB2-BD59-A6C34878D82A}">
-                    <a16:rowId xmlns:a16="http://schemas.microsoft.com/office/drawing/2014/main" val="62273675"/>
-                  </a:ext>
-                </a:extLst>
-              </a:tr>
-            </a:tbl>
-          </a:graphicData>
-        </a:graphic>
-      </p:graphicFrame>
-    </p:spTree>
-    <p:extLst>
-      <p:ext uri="{BB962C8B-B14F-4D97-AF65-F5344CB8AC3E}">
-        <p14:creationId xmlns:p14="http://schemas.microsoft.com/office/powerpoint/2010/main" val="658088932"/>
-      </p:ext>
-    </p:extLst>
-  </p:cSld>
-  <p:clrMapOvr>
-    <a:masterClrMapping/>
-  </p:clrMapOvr>
-</p:sld>
-</file>
-
-<file path=ppt/slides/slide29.xml><?xml version="1.0" encoding="utf-8"?>
-<p:sld xmlns:a="http://schemas.openxmlformats.org/drawingml/2006/main" xmlns:r="http://schemas.openxmlformats.org/officeDocument/2006/relationships" xmlns:p="http://schemas.openxmlformats.org/presentationml/2006/main">
-  <p:cSld>
-    <p:spTree>
-      <p:nvGrpSpPr>
-        <p:cNvPr id="1" name=""/>
-        <p:cNvGrpSpPr/>
-        <p:nvPr/>
-      </p:nvGrpSpPr>
-      <p:grpSpPr>
-        <a:xfrm>
-          <a:off x="0" y="0"/>
-          <a:ext cx="0" cy="0"/>
-          <a:chOff x="0" y="0"/>
-          <a:chExt cx="0" cy="0"/>
-        </a:xfrm>
-      </p:grpSpPr>
-      <p:sp>
-        <p:nvSpPr>
-          <p:cNvPr id="2" name="Title 1">
-            <a:extLst>
-              <a:ext uri="{FF2B5EF4-FFF2-40B4-BE49-F238E27FC236}">
-                <a16:creationId xmlns:a16="http://schemas.microsoft.com/office/drawing/2014/main" id="{117C7ED0-CC09-82B1-98D7-D7AC8566A02D}"/>
-              </a:ext>
-            </a:extLst>
-          </p:cNvPr>
-          <p:cNvSpPr>
-            <a:spLocks noGrp="1"/>
-          </p:cNvSpPr>
-          <p:nvPr>
-            <p:ph type="title"/>
-          </p:nvPr>
-        </p:nvSpPr>
-        <p:spPr/>
-        <p:txBody>
-          <a:bodyPr/>
-          <a:lstStyle/>
-          <a:p>
-            <a:r>
-              <a:rPr lang="en-GB">
-                <a:cs typeface="Calibri Light"/>
-              </a:rPr>
-              <a:t>Assembled Outcome  - Testing 1</a:t>
-            </a:r>
-            <a:endParaRPr lang="en-GB"/>
-          </a:p>
-        </p:txBody>
-      </p:sp>
-      <p:sp>
-        <p:nvSpPr>
-          <p:cNvPr id="4" name="TextBox 3">
-            <a:extLst>
-              <a:ext uri="{FF2B5EF4-FFF2-40B4-BE49-F238E27FC236}">
-                <a16:creationId xmlns:a16="http://schemas.microsoft.com/office/drawing/2014/main" id="{A1B3C866-DC84-97B0-47F0-CB76AF369A87}"/>
-              </a:ext>
-            </a:extLst>
-          </p:cNvPr>
-          <p:cNvSpPr txBox="1"/>
-          <p:nvPr/>
-        </p:nvSpPr>
-        <p:spPr>
-          <a:xfrm>
-            <a:off x="7829387" y="1352246"/>
-            <a:ext cx="3787034" cy="923330"/>
-          </a:xfrm>
-          <a:prstGeom prst="rect">
-            <a:avLst/>
-          </a:prstGeom>
-          <a:noFill/>
-        </p:spPr>
-        <p:txBody>
-          <a:bodyPr rot="0" spcFirstLastPara="0" vertOverflow="overflow" horzOverflow="overflow" vert="horz" wrap="square" lIns="91440" tIns="45720" rIns="91440" bIns="45720" numCol="1" spcCol="0" rtlCol="0" fromWordArt="0" anchor="t" anchorCtr="0" forceAA="0" compatLnSpc="1">
-            <a:prstTxWarp prst="textNoShape">
-              <a:avLst/>
-            </a:prstTxWarp>
-            <a:spAutoFit/>
-          </a:bodyPr>
-          <a:lstStyle/>
-          <a:p>
-            <a:r>
-              <a:rPr lang="en-GB">
-                <a:ea typeface="Calibri"/>
-                <a:cs typeface="Calibri"/>
-              </a:rPr>
-              <a:t>Worked as expected – results produced match those in the plan on the preceding page.</a:t>
-            </a:r>
-          </a:p>
-        </p:txBody>
-      </p:sp>
-      <p:pic>
-        <p:nvPicPr>
-          <p:cNvPr id="6" name="Picture 6" descr="Graphical user interface, text, application, email&#10;&#10;Description automatically generated">
-            <a:extLst>
-              <a:ext uri="{FF2B5EF4-FFF2-40B4-BE49-F238E27FC236}">
-                <a16:creationId xmlns:a16="http://schemas.microsoft.com/office/drawing/2014/main" id="{B2BD3EC1-BBF2-D357-3C1D-EB15C4887B26}"/>
-              </a:ext>
-            </a:extLst>
-          </p:cNvPr>
-          <p:cNvPicPr>
-            <a:picLocks noChangeAspect="1"/>
-          </p:cNvPicPr>
-          <p:nvPr/>
-        </p:nvPicPr>
-        <p:blipFill>
-          <a:blip r:embed="rId2"/>
-          <a:stretch>
-            <a:fillRect/>
-          </a:stretch>
-        </p:blipFill>
-        <p:spPr>
-          <a:xfrm>
-            <a:off x="194154" y="2007004"/>
-            <a:ext cx="7179501" cy="3689498"/>
-          </a:xfrm>
-          <a:prstGeom prst="rect">
-            <a:avLst/>
-          </a:prstGeom>
-        </p:spPr>
-      </p:pic>
-      <p:pic>
-        <p:nvPicPr>
-          <p:cNvPr id="3" name="Picture 4" descr="Text&#10;&#10;Description automatically generated">
-            <a:extLst>
-              <a:ext uri="{FF2B5EF4-FFF2-40B4-BE49-F238E27FC236}">
-                <a16:creationId xmlns:a16="http://schemas.microsoft.com/office/drawing/2014/main" id="{041A2549-562E-C76C-D867-EE58A51FA330}"/>
-              </a:ext>
-            </a:extLst>
-          </p:cNvPr>
-          <p:cNvPicPr>
-            <a:picLocks noChangeAspect="1"/>
-          </p:cNvPicPr>
-          <p:nvPr/>
-        </p:nvPicPr>
-        <p:blipFill>
-          <a:blip r:embed="rId3"/>
-          <a:stretch>
-            <a:fillRect/>
-          </a:stretch>
-        </p:blipFill>
-        <p:spPr>
-          <a:xfrm>
-            <a:off x="7876784" y="2544151"/>
-            <a:ext cx="3411255" cy="3857369"/>
-          </a:xfrm>
-          <a:prstGeom prst="rect">
-            <a:avLst/>
-          </a:prstGeom>
-        </p:spPr>
-      </p:pic>
-      <p:sp>
-        <p:nvSpPr>
-          <p:cNvPr id="12" name="Rectangle 11">
-            <a:extLst>
-              <a:ext uri="{FF2B5EF4-FFF2-40B4-BE49-F238E27FC236}">
-                <a16:creationId xmlns:a16="http://schemas.microsoft.com/office/drawing/2014/main" id="{5B73C7A6-DFBA-0622-1C60-8325500CAAE2}"/>
-              </a:ext>
-            </a:extLst>
-          </p:cNvPr>
-          <p:cNvSpPr/>
-          <p:nvPr/>
-        </p:nvSpPr>
-        <p:spPr>
-          <a:xfrm>
-            <a:off x="2326578" y="2801523"/>
-            <a:ext cx="553233" cy="167014"/>
-          </a:xfrm>
-          <a:prstGeom prst="rect">
-            <a:avLst/>
-          </a:prstGeom>
-          <a:noFill/>
-          <a:ln w="28575">
-            <a:solidFill>
-              <a:srgbClr val="FF0000"/>
-            </a:solidFill>
-          </a:ln>
-        </p:spPr>
-        <p:style>
-          <a:lnRef idx="2">
-            <a:schemeClr val="accent1">
-              <a:shade val="50000"/>
-            </a:schemeClr>
-          </a:lnRef>
-          <a:fillRef idx="1">
-            <a:schemeClr val="accent1"/>
-          </a:fillRef>
-          <a:effectRef idx="0">
-            <a:schemeClr val="accent1"/>
-          </a:effectRef>
-          <a:fontRef idx="minor">
-            <a:schemeClr val="lt1"/>
-          </a:fontRef>
-        </p:style>
-        <p:txBody>
-          <a:bodyPr rtlCol="0" anchor="ctr"/>
-          <a:lstStyle/>
-          <a:p>
-            <a:pPr algn="ctr"/>
-            <a:endParaRPr lang="en-GB"/>
-          </a:p>
-        </p:txBody>
-      </p:sp>
-      <p:sp>
-        <p:nvSpPr>
-          <p:cNvPr id="13" name="Rectangle 12">
-            <a:extLst>
-              <a:ext uri="{FF2B5EF4-FFF2-40B4-BE49-F238E27FC236}">
-                <a16:creationId xmlns:a16="http://schemas.microsoft.com/office/drawing/2014/main" id="{A972EFEC-7430-2BBB-E1CF-DBF1B9B6D180}"/>
-              </a:ext>
-            </a:extLst>
-          </p:cNvPr>
-          <p:cNvSpPr/>
-          <p:nvPr/>
-        </p:nvSpPr>
-        <p:spPr>
-          <a:xfrm>
-            <a:off x="2243070" y="3104234"/>
-            <a:ext cx="553233" cy="167014"/>
-          </a:xfrm>
-          <a:prstGeom prst="rect">
-            <a:avLst/>
-          </a:prstGeom>
-          <a:noFill/>
-          <a:ln w="28575">
-            <a:solidFill>
-              <a:srgbClr val="FF0000"/>
-            </a:solidFill>
-          </a:ln>
-        </p:spPr>
-        <p:style>
-          <a:lnRef idx="2">
-            <a:schemeClr val="accent1">
-              <a:shade val="50000"/>
-            </a:schemeClr>
-          </a:lnRef>
-          <a:fillRef idx="1">
-            <a:schemeClr val="accent1"/>
-          </a:fillRef>
-          <a:effectRef idx="0">
-            <a:schemeClr val="accent1"/>
-          </a:effectRef>
-          <a:fontRef idx="minor">
-            <a:schemeClr val="lt1"/>
-          </a:fontRef>
-        </p:style>
-        <p:txBody>
-          <a:bodyPr rtlCol="0" anchor="ctr"/>
-          <a:lstStyle/>
-          <a:p>
-            <a:pPr algn="ctr"/>
-            <a:endParaRPr lang="en-GB"/>
-          </a:p>
-        </p:txBody>
-      </p:sp>
-      <p:sp>
-        <p:nvSpPr>
-          <p:cNvPr id="14" name="Rectangle 13">
-            <a:extLst>
-              <a:ext uri="{FF2B5EF4-FFF2-40B4-BE49-F238E27FC236}">
-                <a16:creationId xmlns:a16="http://schemas.microsoft.com/office/drawing/2014/main" id="{CCD107C4-80B4-B15F-39C1-4725C3C50F9C}"/>
-              </a:ext>
-            </a:extLst>
-          </p:cNvPr>
-          <p:cNvSpPr/>
-          <p:nvPr/>
-        </p:nvSpPr>
-        <p:spPr>
-          <a:xfrm>
-            <a:off x="10280604" y="2885029"/>
-            <a:ext cx="553233" cy="167014"/>
-          </a:xfrm>
-          <a:prstGeom prst="rect">
-            <a:avLst/>
-          </a:prstGeom>
-          <a:noFill/>
-          <a:ln w="28575">
-            <a:solidFill>
-              <a:srgbClr val="FF0000"/>
-            </a:solidFill>
-          </a:ln>
-        </p:spPr>
-        <p:style>
-          <a:lnRef idx="2">
-            <a:schemeClr val="accent1">
-              <a:shade val="50000"/>
-            </a:schemeClr>
-          </a:lnRef>
-          <a:fillRef idx="1">
-            <a:schemeClr val="accent1"/>
-          </a:fillRef>
-          <a:effectRef idx="0">
-            <a:schemeClr val="accent1"/>
-          </a:effectRef>
-          <a:fontRef idx="minor">
-            <a:schemeClr val="lt1"/>
-          </a:fontRef>
-        </p:style>
-        <p:txBody>
-          <a:bodyPr rtlCol="0" anchor="ctr"/>
-          <a:lstStyle/>
-          <a:p>
-            <a:pPr algn="ctr"/>
-            <a:endParaRPr lang="en-GB"/>
-          </a:p>
-        </p:txBody>
-      </p:sp>
-      <p:sp>
-        <p:nvSpPr>
-          <p:cNvPr id="15" name="Rectangle 14">
-            <a:extLst>
-              <a:ext uri="{FF2B5EF4-FFF2-40B4-BE49-F238E27FC236}">
-                <a16:creationId xmlns:a16="http://schemas.microsoft.com/office/drawing/2014/main" id="{E67B222E-17A2-2C26-89CD-2BFA9EA1F381}"/>
-              </a:ext>
-            </a:extLst>
-          </p:cNvPr>
-          <p:cNvSpPr/>
-          <p:nvPr/>
-        </p:nvSpPr>
-        <p:spPr>
-          <a:xfrm>
-            <a:off x="10280603" y="3594836"/>
-            <a:ext cx="553233" cy="167014"/>
-          </a:xfrm>
-          <a:prstGeom prst="rect">
-            <a:avLst/>
-          </a:prstGeom>
-          <a:noFill/>
-          <a:ln w="28575">
-            <a:solidFill>
-              <a:srgbClr val="FF0000"/>
-            </a:solidFill>
-          </a:ln>
-        </p:spPr>
-        <p:style>
-          <a:lnRef idx="2">
-            <a:schemeClr val="accent1">
-              <a:shade val="50000"/>
-            </a:schemeClr>
-          </a:lnRef>
-          <a:fillRef idx="1">
-            <a:schemeClr val="accent1"/>
-          </a:fillRef>
-          <a:effectRef idx="0">
-            <a:schemeClr val="accent1"/>
-          </a:effectRef>
-          <a:fontRef idx="minor">
-            <a:schemeClr val="lt1"/>
-          </a:fontRef>
-        </p:style>
-        <p:txBody>
-          <a:bodyPr rtlCol="0" anchor="ctr"/>
-          <a:lstStyle/>
-          <a:p>
-            <a:pPr algn="ctr"/>
-            <a:endParaRPr lang="en-GB"/>
-          </a:p>
-        </p:txBody>
-      </p:sp>
-      <p:sp>
-        <p:nvSpPr>
-          <p:cNvPr id="16" name="Rectangle 15">
-            <a:extLst>
-              <a:ext uri="{FF2B5EF4-FFF2-40B4-BE49-F238E27FC236}">
-                <a16:creationId xmlns:a16="http://schemas.microsoft.com/office/drawing/2014/main" id="{3DD6C770-243A-CC05-AA13-B954F1616B48}"/>
-              </a:ext>
-            </a:extLst>
-          </p:cNvPr>
-          <p:cNvSpPr/>
-          <p:nvPr/>
-        </p:nvSpPr>
-        <p:spPr>
-          <a:xfrm>
-            <a:off x="10280603" y="4304644"/>
-            <a:ext cx="553233" cy="167014"/>
-          </a:xfrm>
-          <a:prstGeom prst="rect">
-            <a:avLst/>
-          </a:prstGeom>
-          <a:noFill/>
-          <a:ln w="28575">
-            <a:solidFill>
-              <a:srgbClr val="FF0000"/>
-            </a:solidFill>
-          </a:ln>
-        </p:spPr>
-        <p:style>
-          <a:lnRef idx="2">
-            <a:schemeClr val="accent1">
-              <a:shade val="50000"/>
-            </a:schemeClr>
-          </a:lnRef>
-          <a:fillRef idx="1">
-            <a:schemeClr val="accent1"/>
-          </a:fillRef>
-          <a:effectRef idx="0">
-            <a:schemeClr val="accent1"/>
-          </a:effectRef>
-          <a:fontRef idx="minor">
-            <a:schemeClr val="lt1"/>
-          </a:fontRef>
-        </p:style>
-        <p:txBody>
-          <a:bodyPr rtlCol="0" anchor="ctr"/>
-          <a:lstStyle/>
-          <a:p>
-            <a:pPr algn="ctr"/>
-            <a:endParaRPr lang="en-GB"/>
-          </a:p>
-        </p:txBody>
-      </p:sp>
-      <p:sp>
-        <p:nvSpPr>
-          <p:cNvPr id="17" name="Rectangle 16">
-            <a:extLst>
-              <a:ext uri="{FF2B5EF4-FFF2-40B4-BE49-F238E27FC236}">
-                <a16:creationId xmlns:a16="http://schemas.microsoft.com/office/drawing/2014/main" id="{7992EE88-450F-3B30-A895-AE8960A91374}"/>
-              </a:ext>
-            </a:extLst>
-          </p:cNvPr>
-          <p:cNvSpPr/>
-          <p:nvPr/>
-        </p:nvSpPr>
-        <p:spPr>
-          <a:xfrm>
-            <a:off x="10217973" y="5056206"/>
-            <a:ext cx="553233" cy="167014"/>
-          </a:xfrm>
-          <a:prstGeom prst="rect">
-            <a:avLst/>
-          </a:prstGeom>
-          <a:noFill/>
-          <a:ln w="28575">
-            <a:solidFill>
-              <a:srgbClr val="FF0000"/>
-            </a:solidFill>
-          </a:ln>
-        </p:spPr>
-        <p:style>
-          <a:lnRef idx="2">
-            <a:schemeClr val="accent1">
-              <a:shade val="50000"/>
-            </a:schemeClr>
-          </a:lnRef>
-          <a:fillRef idx="1">
-            <a:schemeClr val="accent1"/>
-          </a:fillRef>
-          <a:effectRef idx="0">
-            <a:schemeClr val="accent1"/>
-          </a:effectRef>
-          <a:fontRef idx="minor">
-            <a:schemeClr val="lt1"/>
-          </a:fontRef>
-        </p:style>
-        <p:txBody>
-          <a:bodyPr rtlCol="0" anchor="ctr"/>
-          <a:lstStyle/>
-          <a:p>
-            <a:pPr algn="ctr"/>
-            <a:endParaRPr lang="en-GB"/>
-          </a:p>
-        </p:txBody>
-      </p:sp>
-      <p:sp>
-        <p:nvSpPr>
-          <p:cNvPr id="18" name="Rectangle 17">
-            <a:extLst>
-              <a:ext uri="{FF2B5EF4-FFF2-40B4-BE49-F238E27FC236}">
-                <a16:creationId xmlns:a16="http://schemas.microsoft.com/office/drawing/2014/main" id="{37CF464A-E46B-84D1-0671-4262DC8758E9}"/>
-              </a:ext>
-            </a:extLst>
-          </p:cNvPr>
-          <p:cNvSpPr/>
-          <p:nvPr/>
-        </p:nvSpPr>
-        <p:spPr>
-          <a:xfrm>
-            <a:off x="10217973" y="5755576"/>
-            <a:ext cx="553233" cy="167014"/>
-          </a:xfrm>
-          <a:prstGeom prst="rect">
-            <a:avLst/>
-          </a:prstGeom>
-          <a:noFill/>
-          <a:ln w="28575">
-            <a:solidFill>
-              <a:srgbClr val="FF0000"/>
-            </a:solidFill>
-          </a:ln>
-        </p:spPr>
-        <p:style>
-          <a:lnRef idx="2">
-            <a:schemeClr val="accent1">
-              <a:shade val="50000"/>
-            </a:schemeClr>
-          </a:lnRef>
-          <a:fillRef idx="1">
-            <a:schemeClr val="accent1"/>
-          </a:fillRef>
-          <a:effectRef idx="0">
-            <a:schemeClr val="accent1"/>
-          </a:effectRef>
-          <a:fontRef idx="minor">
-            <a:schemeClr val="lt1"/>
-          </a:fontRef>
-        </p:style>
-        <p:txBody>
-          <a:bodyPr rtlCol="0" anchor="ctr"/>
-          <a:lstStyle/>
-          <a:p>
-            <a:pPr algn="ctr"/>
-            <a:endParaRPr lang="en-GB"/>
-          </a:p>
-        </p:txBody>
-      </p:sp>
-    </p:spTree>
-    <p:extLst>
-      <p:ext uri="{BB962C8B-B14F-4D97-AF65-F5344CB8AC3E}">
-        <p14:creationId xmlns:p14="http://schemas.microsoft.com/office/powerpoint/2010/main" val="3904275858"/>
       </p:ext>
     </p:extLst>
   </p:cSld>
@@ -32001,6 +31892,1019 @@
           <a:p>
             <a:r>
               <a:rPr lang="en" sz="4000"/>
+              <a:t>Assembled Outcome: Test Plan</a:t>
+            </a:r>
+            <a:endParaRPr sz="4000"/>
+          </a:p>
+        </p:txBody>
+      </p:sp>
+      <p:graphicFrame>
+        <p:nvGraphicFramePr>
+          <p:cNvPr id="92" name="Google Shape;92;p19"/>
+          <p:cNvGraphicFramePr/>
+          <p:nvPr>
+            <p:extLst>
+              <p:ext uri="{D42A27DB-BD31-4B8C-83A1-F6EECF244321}">
+                <p14:modId xmlns:p14="http://schemas.microsoft.com/office/powerpoint/2010/main" val="711748182"/>
+              </p:ext>
+            </p:extLst>
+          </p:nvPr>
+        </p:nvGraphicFramePr>
+        <p:xfrm>
+          <a:off x="509967" y="1369811"/>
+          <a:ext cx="11360798" cy="4762418"/>
+        </p:xfrm>
+        <a:graphic>
+          <a:graphicData uri="http://schemas.openxmlformats.org/drawingml/2006/table">
+            <a:tbl>
+              <a:tblPr>
+                <a:noFill/>
+              </a:tblPr>
+              <a:tblGrid>
+                <a:gridCol w="3821206">
+                  <a:extLst>
+                    <a:ext uri="{9D8B030D-6E8A-4147-A177-3AD203B41FA5}">
+                      <a16:colId xmlns:a16="http://schemas.microsoft.com/office/drawing/2014/main" val="20000"/>
+                    </a:ext>
+                  </a:extLst>
+                </a:gridCol>
+                <a:gridCol w="7539592">
+                  <a:extLst>
+                    <a:ext uri="{9D8B030D-6E8A-4147-A177-3AD203B41FA5}">
+                      <a16:colId xmlns:a16="http://schemas.microsoft.com/office/drawing/2014/main" val="20001"/>
+                    </a:ext>
+                  </a:extLst>
+                </a:gridCol>
+              </a:tblGrid>
+              <a:tr h="609560">
+                <a:tc>
+                  <a:txBody>
+                    <a:bodyPr/>
+                    <a:lstStyle/>
+                    <a:p>
+                      <a:pPr marL="0" lvl="0" indent="0" algn="l" rtl="0">
+                        <a:spcBef>
+                          <a:spcPts val="0"/>
+                        </a:spcBef>
+                        <a:spcAft>
+                          <a:spcPts val="0"/>
+                        </a:spcAft>
+                        <a:buNone/>
+                      </a:pPr>
+                      <a:r>
+                        <a:rPr lang="en" sz="2400" b="1"/>
+                        <a:t>Test Cases - input</a:t>
+                      </a:r>
+                      <a:endParaRPr sz="2400" b="1"/>
+                    </a:p>
+                  </a:txBody>
+                  <a:tcPr marL="121900" marR="121900" marT="121900" marB="121900">
+                    <a:solidFill>
+                      <a:srgbClr val="CCCCCC"/>
+                    </a:solidFill>
+                  </a:tcPr>
+                </a:tc>
+                <a:tc>
+                  <a:txBody>
+                    <a:bodyPr/>
+                    <a:lstStyle/>
+                    <a:p>
+                      <a:pPr marL="0" lvl="0" indent="0" algn="l" rtl="0">
+                        <a:spcBef>
+                          <a:spcPts val="0"/>
+                        </a:spcBef>
+                        <a:spcAft>
+                          <a:spcPts val="0"/>
+                        </a:spcAft>
+                        <a:buNone/>
+                      </a:pPr>
+                      <a:r>
+                        <a:rPr lang="en" sz="2400" b="1"/>
+                        <a:t>Expected output</a:t>
+                      </a:r>
+                      <a:endParaRPr sz="2400" b="1"/>
+                    </a:p>
+                  </a:txBody>
+                  <a:tcPr marL="121900" marR="121900" marT="121900" marB="121900">
+                    <a:solidFill>
+                      <a:srgbClr val="CCCCCC"/>
+                    </a:solidFill>
+                  </a:tcPr>
+                </a:tc>
+                <a:extLst>
+                  <a:ext uri="{0D108BD9-81ED-4DB2-BD59-A6C34878D82A}">
+                    <a16:rowId xmlns:a16="http://schemas.microsoft.com/office/drawing/2014/main" val="10000"/>
+                  </a:ext>
+                </a:extLst>
+              </a:tr>
+              <a:tr h="1714500">
+                <a:tc>
+                  <a:txBody>
+                    <a:bodyPr/>
+                    <a:lstStyle/>
+                    <a:p>
+                      <a:pPr marL="0" lvl="0" indent="0" algn="l">
+                        <a:spcBef>
+                          <a:spcPts val="0"/>
+                        </a:spcBef>
+                        <a:spcAft>
+                          <a:spcPts val="0"/>
+                        </a:spcAft>
+                        <a:buNone/>
+                      </a:pPr>
+                      <a:r>
+                        <a:rPr lang="en-US" sz="2400"/>
+                        <a:t>Run program</a:t>
+                      </a:r>
+                    </a:p>
+                    <a:p>
+                      <a:pPr marL="0" lvl="0" indent="0" algn="l">
+                        <a:spcBef>
+                          <a:spcPts val="0"/>
+                        </a:spcBef>
+                        <a:spcAft>
+                          <a:spcPts val="0"/>
+                        </a:spcAft>
+                        <a:buNone/>
+                      </a:pPr>
+                      <a:r>
+                        <a:rPr lang="en-US" sz="2400"/>
+                        <a:t>Played before = Maybe</a:t>
+                      </a:r>
+                    </a:p>
+                    <a:p>
+                      <a:pPr marL="0" lvl="0" indent="0" algn="l">
+                        <a:spcBef>
+                          <a:spcPts val="0"/>
+                        </a:spcBef>
+                        <a:spcAft>
+                          <a:spcPts val="0"/>
+                        </a:spcAft>
+                        <a:buNone/>
+                      </a:pPr>
+                      <a:r>
+                        <a:rPr lang="en-US" sz="2400"/>
+                        <a:t>Played before = No</a:t>
+                      </a:r>
+                    </a:p>
+                    <a:p>
+                      <a:pPr marL="0" lvl="0" indent="0" algn="l">
+                        <a:spcBef>
+                          <a:spcPts val="0"/>
+                        </a:spcBef>
+                        <a:spcAft>
+                          <a:spcPts val="0"/>
+                        </a:spcAft>
+                        <a:buNone/>
+                      </a:pPr>
+                      <a:endParaRPr lang="en-US" sz="2400"/>
+                    </a:p>
+                  </a:txBody>
+                  <a:tcPr marL="121900" marR="121900" marT="121900" marB="121900"/>
+                </a:tc>
+                <a:tc>
+                  <a:txBody>
+                    <a:bodyPr/>
+                    <a:lstStyle/>
+                    <a:p>
+                      <a:pPr marL="0" lvl="0" indent="0" algn="l">
+                        <a:spcBef>
+                          <a:spcPts val="0"/>
+                        </a:spcBef>
+                        <a:spcAft>
+                          <a:spcPts val="0"/>
+                        </a:spcAft>
+                        <a:buNone/>
+                      </a:pPr>
+                      <a:r>
+                        <a:rPr lang="en-US" sz="2400"/>
+                        <a:t>Welcome message displays</a:t>
+                      </a:r>
+                    </a:p>
+                    <a:p>
+                      <a:pPr marL="0" lvl="0" indent="0" algn="l">
+                        <a:spcBef>
+                          <a:spcPts val="0"/>
+                        </a:spcBef>
+                        <a:spcAft>
+                          <a:spcPts val="0"/>
+                        </a:spcAft>
+                        <a:buNone/>
+                      </a:pPr>
+                      <a:r>
+                        <a:rPr lang="en-US" sz="2400"/>
+                        <a:t>Error – please answer yes or no </a:t>
+                      </a:r>
+                    </a:p>
+                    <a:p>
+                      <a:pPr marL="0" lvl="0" indent="0" algn="l">
+                        <a:spcBef>
+                          <a:spcPts val="0"/>
+                        </a:spcBef>
+                        <a:spcAft>
+                          <a:spcPts val="0"/>
+                        </a:spcAft>
+                        <a:buNone/>
+                      </a:pPr>
+                      <a:r>
+                        <a:rPr lang="en-US" sz="2400"/>
+                        <a:t>Instructions display </a:t>
+                      </a:r>
+                    </a:p>
+                  </a:txBody>
+                  <a:tcPr marL="121900" marR="121900" marT="121900" marB="121900"/>
+                </a:tc>
+                <a:extLst>
+                  <a:ext uri="{0D108BD9-81ED-4DB2-BD59-A6C34878D82A}">
+                    <a16:rowId xmlns:a16="http://schemas.microsoft.com/office/drawing/2014/main" val="10001"/>
+                  </a:ext>
+                </a:extLst>
+              </a:tr>
+              <a:tr h="609560">
+                <a:tc>
+                  <a:txBody>
+                    <a:bodyPr/>
+                    <a:lstStyle/>
+                    <a:p>
+                      <a:pPr marL="0" lvl="0" indent="0" algn="l">
+                        <a:spcBef>
+                          <a:spcPts val="0"/>
+                        </a:spcBef>
+                        <a:spcAft>
+                          <a:spcPts val="0"/>
+                        </a:spcAft>
+                        <a:buNone/>
+                      </a:pPr>
+                      <a:r>
+                        <a:rPr lang="en-US" sz="2400"/>
+                        <a:t>Enter amount to play with</a:t>
+                      </a:r>
+                    </a:p>
+                    <a:p>
+                      <a:pPr marL="0" lvl="0" indent="0" algn="l">
+                        <a:spcBef>
+                          <a:spcPts val="0"/>
+                        </a:spcBef>
+                        <a:spcAft>
+                          <a:spcPts val="0"/>
+                        </a:spcAft>
+                        <a:buNone/>
+                      </a:pPr>
+                      <a:r>
+                        <a:rPr lang="en-US" sz="2400"/>
+                        <a:t>xlii</a:t>
+                      </a:r>
+                    </a:p>
+                    <a:p>
+                      <a:pPr marL="0" lvl="0" indent="0" algn="l">
+                        <a:spcBef>
+                          <a:spcPts val="0"/>
+                        </a:spcBef>
+                        <a:spcAft>
+                          <a:spcPts val="0"/>
+                        </a:spcAft>
+                        <a:buNone/>
+                      </a:pPr>
+                      <a:r>
+                        <a:rPr lang="en-US" sz="2400"/>
+                        <a:t>0.5</a:t>
+                      </a:r>
+                    </a:p>
+                    <a:p>
+                      <a:pPr marL="0" lvl="0" indent="0" algn="l">
+                        <a:spcBef>
+                          <a:spcPts val="0"/>
+                        </a:spcBef>
+                        <a:spcAft>
+                          <a:spcPts val="0"/>
+                        </a:spcAft>
+                        <a:buNone/>
+                      </a:pPr>
+                      <a:r>
+                        <a:rPr lang="en-US" sz="2400"/>
+                        <a:t>0</a:t>
+                      </a:r>
+                    </a:p>
+                    <a:p>
+                      <a:pPr marL="0" lvl="0" indent="0" algn="l">
+                        <a:spcBef>
+                          <a:spcPts val="0"/>
+                        </a:spcBef>
+                        <a:spcAft>
+                          <a:spcPts val="0"/>
+                        </a:spcAft>
+                        <a:buNone/>
+                      </a:pPr>
+                      <a:r>
+                        <a:rPr lang="en-US" sz="2400"/>
+                        <a:t>11</a:t>
+                      </a:r>
+                    </a:p>
+                    <a:p>
+                      <a:pPr marL="0" lvl="0" indent="0" algn="l">
+                        <a:spcBef>
+                          <a:spcPts val="0"/>
+                        </a:spcBef>
+                        <a:spcAft>
+                          <a:spcPts val="0"/>
+                        </a:spcAft>
+                        <a:buNone/>
+                      </a:pPr>
+                      <a:r>
+                        <a:rPr lang="en-US" sz="2400"/>
+                        <a:t>1</a:t>
+                      </a:r>
+                    </a:p>
+                  </a:txBody>
+                  <a:tcPr marL="121899" marR="121899" marT="121899" marB="121899"/>
+                </a:tc>
+                <a:tc>
+                  <a:txBody>
+                    <a:bodyPr/>
+                    <a:lstStyle/>
+                    <a:p>
+                      <a:pPr marL="0" lvl="0" indent="0" algn="l">
+                        <a:spcBef>
+                          <a:spcPts val="0"/>
+                        </a:spcBef>
+                        <a:spcAft>
+                          <a:spcPts val="0"/>
+                        </a:spcAft>
+                        <a:buNone/>
+                      </a:pPr>
+                      <a:endParaRPr lang="en-US" sz="2400"/>
+                    </a:p>
+                    <a:p>
+                      <a:pPr marL="0" lvl="0" indent="0" algn="l">
+                        <a:spcBef>
+                          <a:spcPts val="0"/>
+                        </a:spcBef>
+                        <a:spcAft>
+                          <a:spcPts val="0"/>
+                        </a:spcAft>
+                        <a:buNone/>
+                      </a:pPr>
+                      <a:r>
+                        <a:rPr lang="en-US" sz="2400"/>
+                        <a:t>Error</a:t>
+                      </a:r>
+                    </a:p>
+                    <a:p>
+                      <a:pPr marL="0" lvl="0" indent="0" algn="l">
+                        <a:spcBef>
+                          <a:spcPts val="0"/>
+                        </a:spcBef>
+                        <a:spcAft>
+                          <a:spcPts val="0"/>
+                        </a:spcAft>
+                        <a:buNone/>
+                      </a:pPr>
+                      <a:r>
+                        <a:rPr lang="en-US" sz="2400"/>
+                        <a:t>Error</a:t>
+                      </a:r>
+                    </a:p>
+                    <a:p>
+                      <a:pPr marL="0" lvl="0" indent="0" algn="l">
+                        <a:spcBef>
+                          <a:spcPts val="0"/>
+                        </a:spcBef>
+                        <a:spcAft>
+                          <a:spcPts val="0"/>
+                        </a:spcAft>
+                        <a:buNone/>
+                      </a:pPr>
+                      <a:r>
+                        <a:rPr lang="en-US" sz="2400"/>
+                        <a:t>Error</a:t>
+                      </a:r>
+                    </a:p>
+                    <a:p>
+                      <a:pPr marL="0" lvl="0" indent="0" algn="l">
+                        <a:spcBef>
+                          <a:spcPts val="0"/>
+                        </a:spcBef>
+                        <a:spcAft>
+                          <a:spcPts val="0"/>
+                        </a:spcAft>
+                        <a:buNone/>
+                      </a:pPr>
+                      <a:r>
+                        <a:rPr lang="en-US" sz="2400"/>
+                        <a:t>Error</a:t>
+                      </a:r>
+                    </a:p>
+                    <a:p>
+                      <a:pPr marL="0" lvl="0" indent="0" algn="l">
+                        <a:spcBef>
+                          <a:spcPts val="0"/>
+                        </a:spcBef>
+                        <a:spcAft>
+                          <a:spcPts val="0"/>
+                        </a:spcAft>
+                        <a:buNone/>
+                      </a:pPr>
+                      <a:r>
+                        <a:rPr lang="en-US" sz="2400"/>
+                        <a:t>You are playing with $1. Press &lt;enter&gt; to start</a:t>
+                      </a:r>
+                    </a:p>
+                  </a:txBody>
+                  <a:tcPr marL="121899" marR="121899" marT="121899" marB="121899"/>
+                </a:tc>
+                <a:extLst>
+                  <a:ext uri="{0D108BD9-81ED-4DB2-BD59-A6C34878D82A}">
+                    <a16:rowId xmlns:a16="http://schemas.microsoft.com/office/drawing/2014/main" val="62273675"/>
+                  </a:ext>
+                </a:extLst>
+              </a:tr>
+            </a:tbl>
+          </a:graphicData>
+        </a:graphic>
+      </p:graphicFrame>
+    </p:spTree>
+    <p:extLst>
+      <p:ext uri="{BB962C8B-B14F-4D97-AF65-F5344CB8AC3E}">
+        <p14:creationId xmlns:p14="http://schemas.microsoft.com/office/powerpoint/2010/main" val="658088932"/>
+      </p:ext>
+    </p:extLst>
+  </p:cSld>
+  <p:clrMapOvr>
+    <a:masterClrMapping/>
+  </p:clrMapOvr>
+</p:sld>
+</file>
+
+<file path=ppt/slides/slide31.xml><?xml version="1.0" encoding="utf-8"?>
+<p:sld xmlns:a="http://schemas.openxmlformats.org/drawingml/2006/main" xmlns:r="http://schemas.openxmlformats.org/officeDocument/2006/relationships" xmlns:p="http://schemas.openxmlformats.org/presentationml/2006/main">
+  <p:cSld>
+    <p:spTree>
+      <p:nvGrpSpPr>
+        <p:cNvPr id="1" name=""/>
+        <p:cNvGrpSpPr/>
+        <p:nvPr/>
+      </p:nvGrpSpPr>
+      <p:grpSpPr>
+        <a:xfrm>
+          <a:off x="0" y="0"/>
+          <a:ext cx="0" cy="0"/>
+          <a:chOff x="0" y="0"/>
+          <a:chExt cx="0" cy="0"/>
+        </a:xfrm>
+      </p:grpSpPr>
+      <p:sp>
+        <p:nvSpPr>
+          <p:cNvPr id="2" name="Title 1">
+            <a:extLst>
+              <a:ext uri="{FF2B5EF4-FFF2-40B4-BE49-F238E27FC236}">
+                <a16:creationId xmlns:a16="http://schemas.microsoft.com/office/drawing/2014/main" id="{117C7ED0-CC09-82B1-98D7-D7AC8566A02D}"/>
+              </a:ext>
+            </a:extLst>
+          </p:cNvPr>
+          <p:cNvSpPr>
+            <a:spLocks noGrp="1"/>
+          </p:cNvSpPr>
+          <p:nvPr>
+            <p:ph type="title"/>
+          </p:nvPr>
+        </p:nvSpPr>
+        <p:spPr/>
+        <p:txBody>
+          <a:bodyPr/>
+          <a:lstStyle/>
+          <a:p>
+            <a:r>
+              <a:rPr lang="en-GB">
+                <a:cs typeface="Calibri Light"/>
+              </a:rPr>
+              <a:t>Assembled Outcome  - Testing 1</a:t>
+            </a:r>
+            <a:endParaRPr lang="en-GB"/>
+          </a:p>
+        </p:txBody>
+      </p:sp>
+      <p:sp>
+        <p:nvSpPr>
+          <p:cNvPr id="4" name="TextBox 3">
+            <a:extLst>
+              <a:ext uri="{FF2B5EF4-FFF2-40B4-BE49-F238E27FC236}">
+                <a16:creationId xmlns:a16="http://schemas.microsoft.com/office/drawing/2014/main" id="{A1B3C866-DC84-97B0-47F0-CB76AF369A87}"/>
+              </a:ext>
+            </a:extLst>
+          </p:cNvPr>
+          <p:cNvSpPr txBox="1"/>
+          <p:nvPr/>
+        </p:nvSpPr>
+        <p:spPr>
+          <a:xfrm>
+            <a:off x="7829387" y="1352246"/>
+            <a:ext cx="3787034" cy="923330"/>
+          </a:xfrm>
+          <a:prstGeom prst="rect">
+            <a:avLst/>
+          </a:prstGeom>
+          <a:noFill/>
+        </p:spPr>
+        <p:txBody>
+          <a:bodyPr rot="0" spcFirstLastPara="0" vertOverflow="overflow" horzOverflow="overflow" vert="horz" wrap="square" lIns="91440" tIns="45720" rIns="91440" bIns="45720" numCol="1" spcCol="0" rtlCol="0" fromWordArt="0" anchor="t" anchorCtr="0" forceAA="0" compatLnSpc="1">
+            <a:prstTxWarp prst="textNoShape">
+              <a:avLst/>
+            </a:prstTxWarp>
+            <a:spAutoFit/>
+          </a:bodyPr>
+          <a:lstStyle/>
+          <a:p>
+            <a:r>
+              <a:rPr lang="en-GB">
+                <a:ea typeface="Calibri"/>
+                <a:cs typeface="Calibri"/>
+              </a:rPr>
+              <a:t>Worked as expected – results produced match those in the plan on the preceding page.</a:t>
+            </a:r>
+          </a:p>
+        </p:txBody>
+      </p:sp>
+      <p:pic>
+        <p:nvPicPr>
+          <p:cNvPr id="6" name="Picture 6" descr="Graphical user interface, text, application, email&#10;&#10;Description automatically generated">
+            <a:extLst>
+              <a:ext uri="{FF2B5EF4-FFF2-40B4-BE49-F238E27FC236}">
+                <a16:creationId xmlns:a16="http://schemas.microsoft.com/office/drawing/2014/main" id="{B2BD3EC1-BBF2-D357-3C1D-EB15C4887B26}"/>
+              </a:ext>
+            </a:extLst>
+          </p:cNvPr>
+          <p:cNvPicPr>
+            <a:picLocks noChangeAspect="1"/>
+          </p:cNvPicPr>
+          <p:nvPr/>
+        </p:nvPicPr>
+        <p:blipFill>
+          <a:blip r:embed="rId2"/>
+          <a:stretch>
+            <a:fillRect/>
+          </a:stretch>
+        </p:blipFill>
+        <p:spPr>
+          <a:xfrm>
+            <a:off x="194154" y="2007004"/>
+            <a:ext cx="7179501" cy="3689498"/>
+          </a:xfrm>
+          <a:prstGeom prst="rect">
+            <a:avLst/>
+          </a:prstGeom>
+        </p:spPr>
+      </p:pic>
+      <p:pic>
+        <p:nvPicPr>
+          <p:cNvPr id="3" name="Picture 4" descr="Text&#10;&#10;Description automatically generated">
+            <a:extLst>
+              <a:ext uri="{FF2B5EF4-FFF2-40B4-BE49-F238E27FC236}">
+                <a16:creationId xmlns:a16="http://schemas.microsoft.com/office/drawing/2014/main" id="{041A2549-562E-C76C-D867-EE58A51FA330}"/>
+              </a:ext>
+            </a:extLst>
+          </p:cNvPr>
+          <p:cNvPicPr>
+            <a:picLocks noChangeAspect="1"/>
+          </p:cNvPicPr>
+          <p:nvPr/>
+        </p:nvPicPr>
+        <p:blipFill>
+          <a:blip r:embed="rId3"/>
+          <a:stretch>
+            <a:fillRect/>
+          </a:stretch>
+        </p:blipFill>
+        <p:spPr>
+          <a:xfrm>
+            <a:off x="7876784" y="2544151"/>
+            <a:ext cx="3411255" cy="3857369"/>
+          </a:xfrm>
+          <a:prstGeom prst="rect">
+            <a:avLst/>
+          </a:prstGeom>
+        </p:spPr>
+      </p:pic>
+      <p:sp>
+        <p:nvSpPr>
+          <p:cNvPr id="12" name="Rectangle 11">
+            <a:extLst>
+              <a:ext uri="{FF2B5EF4-FFF2-40B4-BE49-F238E27FC236}">
+                <a16:creationId xmlns:a16="http://schemas.microsoft.com/office/drawing/2014/main" id="{5B73C7A6-DFBA-0622-1C60-8325500CAAE2}"/>
+              </a:ext>
+            </a:extLst>
+          </p:cNvPr>
+          <p:cNvSpPr/>
+          <p:nvPr/>
+        </p:nvSpPr>
+        <p:spPr>
+          <a:xfrm>
+            <a:off x="2326578" y="2801523"/>
+            <a:ext cx="553233" cy="167014"/>
+          </a:xfrm>
+          <a:prstGeom prst="rect">
+            <a:avLst/>
+          </a:prstGeom>
+          <a:noFill/>
+          <a:ln w="28575">
+            <a:solidFill>
+              <a:srgbClr val="FF0000"/>
+            </a:solidFill>
+          </a:ln>
+        </p:spPr>
+        <p:style>
+          <a:lnRef idx="2">
+            <a:schemeClr val="accent1">
+              <a:shade val="50000"/>
+            </a:schemeClr>
+          </a:lnRef>
+          <a:fillRef idx="1">
+            <a:schemeClr val="accent1"/>
+          </a:fillRef>
+          <a:effectRef idx="0">
+            <a:schemeClr val="accent1"/>
+          </a:effectRef>
+          <a:fontRef idx="minor">
+            <a:schemeClr val="lt1"/>
+          </a:fontRef>
+        </p:style>
+        <p:txBody>
+          <a:bodyPr rtlCol="0" anchor="ctr"/>
+          <a:lstStyle/>
+          <a:p>
+            <a:pPr algn="ctr"/>
+            <a:endParaRPr lang="en-GB"/>
+          </a:p>
+        </p:txBody>
+      </p:sp>
+      <p:sp>
+        <p:nvSpPr>
+          <p:cNvPr id="13" name="Rectangle 12">
+            <a:extLst>
+              <a:ext uri="{FF2B5EF4-FFF2-40B4-BE49-F238E27FC236}">
+                <a16:creationId xmlns:a16="http://schemas.microsoft.com/office/drawing/2014/main" id="{A972EFEC-7430-2BBB-E1CF-DBF1B9B6D180}"/>
+              </a:ext>
+            </a:extLst>
+          </p:cNvPr>
+          <p:cNvSpPr/>
+          <p:nvPr/>
+        </p:nvSpPr>
+        <p:spPr>
+          <a:xfrm>
+            <a:off x="2243070" y="3104234"/>
+            <a:ext cx="553233" cy="167014"/>
+          </a:xfrm>
+          <a:prstGeom prst="rect">
+            <a:avLst/>
+          </a:prstGeom>
+          <a:noFill/>
+          <a:ln w="28575">
+            <a:solidFill>
+              <a:srgbClr val="FF0000"/>
+            </a:solidFill>
+          </a:ln>
+        </p:spPr>
+        <p:style>
+          <a:lnRef idx="2">
+            <a:schemeClr val="accent1">
+              <a:shade val="50000"/>
+            </a:schemeClr>
+          </a:lnRef>
+          <a:fillRef idx="1">
+            <a:schemeClr val="accent1"/>
+          </a:fillRef>
+          <a:effectRef idx="0">
+            <a:schemeClr val="accent1"/>
+          </a:effectRef>
+          <a:fontRef idx="minor">
+            <a:schemeClr val="lt1"/>
+          </a:fontRef>
+        </p:style>
+        <p:txBody>
+          <a:bodyPr rtlCol="0" anchor="ctr"/>
+          <a:lstStyle/>
+          <a:p>
+            <a:pPr algn="ctr"/>
+            <a:endParaRPr lang="en-GB"/>
+          </a:p>
+        </p:txBody>
+      </p:sp>
+      <p:sp>
+        <p:nvSpPr>
+          <p:cNvPr id="14" name="Rectangle 13">
+            <a:extLst>
+              <a:ext uri="{FF2B5EF4-FFF2-40B4-BE49-F238E27FC236}">
+                <a16:creationId xmlns:a16="http://schemas.microsoft.com/office/drawing/2014/main" id="{CCD107C4-80B4-B15F-39C1-4725C3C50F9C}"/>
+              </a:ext>
+            </a:extLst>
+          </p:cNvPr>
+          <p:cNvSpPr/>
+          <p:nvPr/>
+        </p:nvSpPr>
+        <p:spPr>
+          <a:xfrm>
+            <a:off x="10280604" y="2885029"/>
+            <a:ext cx="553233" cy="167014"/>
+          </a:xfrm>
+          <a:prstGeom prst="rect">
+            <a:avLst/>
+          </a:prstGeom>
+          <a:noFill/>
+          <a:ln w="28575">
+            <a:solidFill>
+              <a:srgbClr val="FF0000"/>
+            </a:solidFill>
+          </a:ln>
+        </p:spPr>
+        <p:style>
+          <a:lnRef idx="2">
+            <a:schemeClr val="accent1">
+              <a:shade val="50000"/>
+            </a:schemeClr>
+          </a:lnRef>
+          <a:fillRef idx="1">
+            <a:schemeClr val="accent1"/>
+          </a:fillRef>
+          <a:effectRef idx="0">
+            <a:schemeClr val="accent1"/>
+          </a:effectRef>
+          <a:fontRef idx="minor">
+            <a:schemeClr val="lt1"/>
+          </a:fontRef>
+        </p:style>
+        <p:txBody>
+          <a:bodyPr rtlCol="0" anchor="ctr"/>
+          <a:lstStyle/>
+          <a:p>
+            <a:pPr algn="ctr"/>
+            <a:endParaRPr lang="en-GB"/>
+          </a:p>
+        </p:txBody>
+      </p:sp>
+      <p:sp>
+        <p:nvSpPr>
+          <p:cNvPr id="15" name="Rectangle 14">
+            <a:extLst>
+              <a:ext uri="{FF2B5EF4-FFF2-40B4-BE49-F238E27FC236}">
+                <a16:creationId xmlns:a16="http://schemas.microsoft.com/office/drawing/2014/main" id="{E67B222E-17A2-2C26-89CD-2BFA9EA1F381}"/>
+              </a:ext>
+            </a:extLst>
+          </p:cNvPr>
+          <p:cNvSpPr/>
+          <p:nvPr/>
+        </p:nvSpPr>
+        <p:spPr>
+          <a:xfrm>
+            <a:off x="10280603" y="3594836"/>
+            <a:ext cx="553233" cy="167014"/>
+          </a:xfrm>
+          <a:prstGeom prst="rect">
+            <a:avLst/>
+          </a:prstGeom>
+          <a:noFill/>
+          <a:ln w="28575">
+            <a:solidFill>
+              <a:srgbClr val="FF0000"/>
+            </a:solidFill>
+          </a:ln>
+        </p:spPr>
+        <p:style>
+          <a:lnRef idx="2">
+            <a:schemeClr val="accent1">
+              <a:shade val="50000"/>
+            </a:schemeClr>
+          </a:lnRef>
+          <a:fillRef idx="1">
+            <a:schemeClr val="accent1"/>
+          </a:fillRef>
+          <a:effectRef idx="0">
+            <a:schemeClr val="accent1"/>
+          </a:effectRef>
+          <a:fontRef idx="minor">
+            <a:schemeClr val="lt1"/>
+          </a:fontRef>
+        </p:style>
+        <p:txBody>
+          <a:bodyPr rtlCol="0" anchor="ctr"/>
+          <a:lstStyle/>
+          <a:p>
+            <a:pPr algn="ctr"/>
+            <a:endParaRPr lang="en-GB"/>
+          </a:p>
+        </p:txBody>
+      </p:sp>
+      <p:sp>
+        <p:nvSpPr>
+          <p:cNvPr id="16" name="Rectangle 15">
+            <a:extLst>
+              <a:ext uri="{FF2B5EF4-FFF2-40B4-BE49-F238E27FC236}">
+                <a16:creationId xmlns:a16="http://schemas.microsoft.com/office/drawing/2014/main" id="{3DD6C770-243A-CC05-AA13-B954F1616B48}"/>
+              </a:ext>
+            </a:extLst>
+          </p:cNvPr>
+          <p:cNvSpPr/>
+          <p:nvPr/>
+        </p:nvSpPr>
+        <p:spPr>
+          <a:xfrm>
+            <a:off x="10280603" y="4304644"/>
+            <a:ext cx="553233" cy="167014"/>
+          </a:xfrm>
+          <a:prstGeom prst="rect">
+            <a:avLst/>
+          </a:prstGeom>
+          <a:noFill/>
+          <a:ln w="28575">
+            <a:solidFill>
+              <a:srgbClr val="FF0000"/>
+            </a:solidFill>
+          </a:ln>
+        </p:spPr>
+        <p:style>
+          <a:lnRef idx="2">
+            <a:schemeClr val="accent1">
+              <a:shade val="50000"/>
+            </a:schemeClr>
+          </a:lnRef>
+          <a:fillRef idx="1">
+            <a:schemeClr val="accent1"/>
+          </a:fillRef>
+          <a:effectRef idx="0">
+            <a:schemeClr val="accent1"/>
+          </a:effectRef>
+          <a:fontRef idx="minor">
+            <a:schemeClr val="lt1"/>
+          </a:fontRef>
+        </p:style>
+        <p:txBody>
+          <a:bodyPr rtlCol="0" anchor="ctr"/>
+          <a:lstStyle/>
+          <a:p>
+            <a:pPr algn="ctr"/>
+            <a:endParaRPr lang="en-GB"/>
+          </a:p>
+        </p:txBody>
+      </p:sp>
+      <p:sp>
+        <p:nvSpPr>
+          <p:cNvPr id="17" name="Rectangle 16">
+            <a:extLst>
+              <a:ext uri="{FF2B5EF4-FFF2-40B4-BE49-F238E27FC236}">
+                <a16:creationId xmlns:a16="http://schemas.microsoft.com/office/drawing/2014/main" id="{7992EE88-450F-3B30-A895-AE8960A91374}"/>
+              </a:ext>
+            </a:extLst>
+          </p:cNvPr>
+          <p:cNvSpPr/>
+          <p:nvPr/>
+        </p:nvSpPr>
+        <p:spPr>
+          <a:xfrm>
+            <a:off x="10217973" y="5056206"/>
+            <a:ext cx="553233" cy="167014"/>
+          </a:xfrm>
+          <a:prstGeom prst="rect">
+            <a:avLst/>
+          </a:prstGeom>
+          <a:noFill/>
+          <a:ln w="28575">
+            <a:solidFill>
+              <a:srgbClr val="FF0000"/>
+            </a:solidFill>
+          </a:ln>
+        </p:spPr>
+        <p:style>
+          <a:lnRef idx="2">
+            <a:schemeClr val="accent1">
+              <a:shade val="50000"/>
+            </a:schemeClr>
+          </a:lnRef>
+          <a:fillRef idx="1">
+            <a:schemeClr val="accent1"/>
+          </a:fillRef>
+          <a:effectRef idx="0">
+            <a:schemeClr val="accent1"/>
+          </a:effectRef>
+          <a:fontRef idx="minor">
+            <a:schemeClr val="lt1"/>
+          </a:fontRef>
+        </p:style>
+        <p:txBody>
+          <a:bodyPr rtlCol="0" anchor="ctr"/>
+          <a:lstStyle/>
+          <a:p>
+            <a:pPr algn="ctr"/>
+            <a:endParaRPr lang="en-GB"/>
+          </a:p>
+        </p:txBody>
+      </p:sp>
+      <p:sp>
+        <p:nvSpPr>
+          <p:cNvPr id="18" name="Rectangle 17">
+            <a:extLst>
+              <a:ext uri="{FF2B5EF4-FFF2-40B4-BE49-F238E27FC236}">
+                <a16:creationId xmlns:a16="http://schemas.microsoft.com/office/drawing/2014/main" id="{37CF464A-E46B-84D1-0671-4262DC8758E9}"/>
+              </a:ext>
+            </a:extLst>
+          </p:cNvPr>
+          <p:cNvSpPr/>
+          <p:nvPr/>
+        </p:nvSpPr>
+        <p:spPr>
+          <a:xfrm>
+            <a:off x="10217973" y="5755576"/>
+            <a:ext cx="553233" cy="167014"/>
+          </a:xfrm>
+          <a:prstGeom prst="rect">
+            <a:avLst/>
+          </a:prstGeom>
+          <a:noFill/>
+          <a:ln w="28575">
+            <a:solidFill>
+              <a:srgbClr val="FF0000"/>
+            </a:solidFill>
+          </a:ln>
+        </p:spPr>
+        <p:style>
+          <a:lnRef idx="2">
+            <a:schemeClr val="accent1">
+              <a:shade val="50000"/>
+            </a:schemeClr>
+          </a:lnRef>
+          <a:fillRef idx="1">
+            <a:schemeClr val="accent1"/>
+          </a:fillRef>
+          <a:effectRef idx="0">
+            <a:schemeClr val="accent1"/>
+          </a:effectRef>
+          <a:fontRef idx="minor">
+            <a:schemeClr val="lt1"/>
+          </a:fontRef>
+        </p:style>
+        <p:txBody>
+          <a:bodyPr rtlCol="0" anchor="ctr"/>
+          <a:lstStyle/>
+          <a:p>
+            <a:pPr algn="ctr"/>
+            <a:endParaRPr lang="en-GB"/>
+          </a:p>
+        </p:txBody>
+      </p:sp>
+    </p:spTree>
+    <p:extLst>
+      <p:ext uri="{BB962C8B-B14F-4D97-AF65-F5344CB8AC3E}">
+        <p14:creationId xmlns:p14="http://schemas.microsoft.com/office/powerpoint/2010/main" val="3904275858"/>
+      </p:ext>
+    </p:extLst>
+  </p:cSld>
+  <p:clrMapOvr>
+    <a:masterClrMapping/>
+  </p:clrMapOvr>
+</p:sld>
+</file>
+
+<file path=ppt/slides/slide32.xml><?xml version="1.0" encoding="utf-8"?>
+<p:sld xmlns:a="http://schemas.openxmlformats.org/drawingml/2006/main" xmlns:r="http://schemas.openxmlformats.org/officeDocument/2006/relationships" xmlns:p="http://schemas.openxmlformats.org/presentationml/2006/main">
+  <p:cSld>
+    <p:spTree>
+      <p:nvGrpSpPr>
+        <p:cNvPr id="1" name="Shape 90"/>
+        <p:cNvGrpSpPr/>
+        <p:nvPr/>
+      </p:nvGrpSpPr>
+      <p:grpSpPr>
+        <a:xfrm>
+          <a:off x="0" y="0"/>
+          <a:ext cx="0" cy="0"/>
+          <a:chOff x="0" y="0"/>
+          <a:chExt cx="0" cy="0"/>
+        </a:xfrm>
+      </p:grpSpPr>
+      <p:sp>
+        <p:nvSpPr>
+          <p:cNvPr id="91" name="Google Shape;91;p19"/>
+          <p:cNvSpPr txBox="1">
+            <a:spLocks noGrp="1"/>
+          </p:cNvSpPr>
+          <p:nvPr>
+            <p:ph type="title"/>
+          </p:nvPr>
+        </p:nvSpPr>
+        <p:spPr>
+          <a:xfrm>
+            <a:off x="415600" y="217447"/>
+            <a:ext cx="11360800" cy="763600"/>
+          </a:xfrm>
+          <a:prstGeom prst="rect">
+            <a:avLst/>
+          </a:prstGeom>
+        </p:spPr>
+        <p:txBody>
+          <a:bodyPr spcFirstLastPara="1" vert="horz" wrap="square" lIns="121900" tIns="121900" rIns="121900" bIns="121900" rtlCol="0" anchor="t" anchorCtr="0">
+            <a:noAutofit/>
+          </a:bodyPr>
+          <a:lstStyle/>
+          <a:p>
+            <a:r>
+              <a:rPr lang="en" sz="4000"/>
               <a:t>Assembled Outcome 2: Test Plan</a:t>
             </a:r>
             <a:endParaRPr sz="4000"/>
@@ -32355,7 +33259,7 @@
 </p:sld>
 </file>
 
-<file path=ppt/slides/slide31.xml><?xml version="1.0" encoding="utf-8"?>
+<file path=ppt/slides/slide33.xml><?xml version="1.0" encoding="utf-8"?>
 <p:sld xmlns:a="http://schemas.openxmlformats.org/drawingml/2006/main" xmlns:r="http://schemas.openxmlformats.org/officeDocument/2006/relationships" xmlns:p="http://schemas.openxmlformats.org/presentationml/2006/main">
   <p:cSld>
     <p:spTree>
@@ -32621,7 +33525,7 @@
 </p:sld>
 </file>
 
-<file path=ppt/slides/slide32.xml><?xml version="1.0" encoding="utf-8"?>
+<file path=ppt/slides/slide34.xml><?xml version="1.0" encoding="utf-8"?>
 <p:sld xmlns:a="http://schemas.openxmlformats.org/drawingml/2006/main" xmlns:r="http://schemas.openxmlformats.org/officeDocument/2006/relationships" xmlns:p="http://schemas.openxmlformats.org/presentationml/2006/main">
   <p:cSld>
     <p:spTree>
@@ -32925,7 +33829,7 @@
 </p:sld>
 </file>
 
-<file path=ppt/slides/slide33.xml><?xml version="1.0" encoding="utf-8"?>
+<file path=ppt/slides/slide35.xml><?xml version="1.0" encoding="utf-8"?>
 <p:sld xmlns:a="http://schemas.openxmlformats.org/drawingml/2006/main" xmlns:r="http://schemas.openxmlformats.org/officeDocument/2006/relationships" xmlns:p="http://schemas.openxmlformats.org/presentationml/2006/main">
   <p:cSld>
     <p:spTree>
@@ -33087,7 +33991,7 @@
 </p:sld>
 </file>
 
-<file path=ppt/slides/slide34.xml><?xml version="1.0" encoding="utf-8"?>
+<file path=ppt/slides/slide36.xml><?xml version="1.0" encoding="utf-8"?>
 <p:sld xmlns:a="http://schemas.openxmlformats.org/drawingml/2006/main" xmlns:r="http://schemas.openxmlformats.org/officeDocument/2006/relationships" xmlns:p="http://schemas.openxmlformats.org/presentationml/2006/main">
   <p:cSld>
     <p:spTree>
@@ -33435,7 +34339,7 @@
 </p:sld>
 </file>
 
-<file path=ppt/slides/slide35.xml><?xml version="1.0" encoding="utf-8"?>
+<file path=ppt/slides/slide37.xml><?xml version="1.0" encoding="utf-8"?>
 <p:sld xmlns:a="http://schemas.openxmlformats.org/drawingml/2006/main" xmlns:r="http://schemas.openxmlformats.org/officeDocument/2006/relationships" xmlns:p="http://schemas.openxmlformats.org/presentationml/2006/main">
   <p:cSld>
     <p:spTree>
@@ -33671,7 +34575,7 @@
 </p:sld>
 </file>
 
-<file path=ppt/slides/slide36.xml><?xml version="1.0" encoding="utf-8"?>
+<file path=ppt/slides/slide38.xml><?xml version="1.0" encoding="utf-8"?>
 <p:sld xmlns:a="http://schemas.openxmlformats.org/drawingml/2006/main" xmlns:r="http://schemas.openxmlformats.org/officeDocument/2006/relationships" xmlns:p="http://schemas.openxmlformats.org/presentationml/2006/main">
   <p:cSld>
     <p:spTree>
@@ -33926,7 +34830,7 @@
 </p:sld>
 </file>
 
-<file path=ppt/slides/slide37.xml><?xml version="1.0" encoding="utf-8"?>
+<file path=ppt/slides/slide39.xml><?xml version="1.0" encoding="utf-8"?>
 <p:sld xmlns:a="http://schemas.openxmlformats.org/drawingml/2006/main" xmlns:r="http://schemas.openxmlformats.org/officeDocument/2006/relationships" xmlns:p="http://schemas.openxmlformats.org/presentationml/2006/main">
   <p:cSld>
     <p:spTree>
@@ -37151,10 +38055,10 @@
           <a:lstStyle/>
           <a:p>
             <a:r>
-              <a:rPr lang="en" sz="4000"/>
-              <a:t>Yes/No Checker: Trialing</a:t>
+              <a:rPr lang="en" sz="4000" dirty="0"/>
+              <a:t>Yes/No Checker: Development</a:t>
             </a:r>
-            <a:endParaRPr sz="4000" err="1"/>
+            <a:endParaRPr sz="4000" dirty="0"/>
           </a:p>
         </p:txBody>
       </p:sp>

--- a/1.7 and 1.8 documentation.pptx
+++ b/1.7 and 1.8 documentation.pptx
@@ -28,13 +28,13 @@
     <p:sldId id="284" r:id="rId19"/>
     <p:sldId id="285" r:id="rId20"/>
     <p:sldId id="286" r:id="rId21"/>
-    <p:sldId id="287" r:id="rId22"/>
+    <p:sldId id="307" r:id="rId22"/>
     <p:sldId id="288" r:id="rId23"/>
-    <p:sldId id="289" r:id="rId24"/>
-    <p:sldId id="291" r:id="rId25"/>
-    <p:sldId id="290" r:id="rId26"/>
-    <p:sldId id="292" r:id="rId27"/>
-    <p:sldId id="293" r:id="rId28"/>
+    <p:sldId id="308" r:id="rId24"/>
+    <p:sldId id="309" r:id="rId25"/>
+    <p:sldId id="310" r:id="rId26"/>
+    <p:sldId id="311" r:id="rId27"/>
+    <p:sldId id="290" r:id="rId28"/>
     <p:sldId id="294" r:id="rId29"/>
     <p:sldId id="295" r:id="rId30"/>
     <p:sldId id="296" r:id="rId31"/>
@@ -156,7 +156,7 @@
 <file path=ppt/revisionInfo.xml><?xml version="1.0" encoding="utf-8"?>
 <p1510:revInfo xmlns:a="http://schemas.openxmlformats.org/drawingml/2006/main" xmlns:r="http://schemas.openxmlformats.org/officeDocument/2006/relationships" xmlns:p1510="http://schemas.microsoft.com/office/powerpoint/2015/10/main">
   <p1510:revLst>
-    <p1510:client id="{F3FDAC0E-9B55-446C-854B-59BF7CB03B46}" v="52" dt="2022-05-11T02:07:23.346"/>
+    <p1510:client id="{F3FDAC0E-9B55-446C-854B-59BF7CB03B46}" v="86" dt="2022-05-18T01:52:09.878"/>
   </p1510:revLst>
 </p1510:revInfo>
 </file>
@@ -463,6 +463,212 @@
             <ac:graphicFrameMk id="92" creationId="{00000000-0000-0000-0000-000000000000}"/>
           </ac:graphicFrameMkLst>
         </pc:graphicFrameChg>
+      </pc:sldChg>
+    </pc:docChg>
+  </pc:docChgLst>
+  <pc:docChgLst>
+    <pc:chgData name="Jireh Tseng" userId="S::tsengj@middleton.school.nz::eefb979d-fc0d-4dd5-ae9a-91b2ece0a753" providerId="AD" clId="Web-{E73AC928-7D87-5D94-5CF7-49334421705B}"/>
+    <pc:docChg chg="addSld modSld sldOrd">
+      <pc:chgData name="Jireh Tseng" userId="S::tsengj@middleton.school.nz::eefb979d-fc0d-4dd5-ae9a-91b2ece0a753" providerId="AD" clId="Web-{E73AC928-7D87-5D94-5CF7-49334421705B}" dt="2022-04-13T07:29:44.742" v="766" actId="1076"/>
+      <pc:docMkLst>
+        <pc:docMk/>
+      </pc:docMkLst>
+      <pc:sldChg chg="addSp delSp modSp add ord replId">
+        <pc:chgData name="Jireh Tseng" userId="S::tsengj@middleton.school.nz::eefb979d-fc0d-4dd5-ae9a-91b2ece0a753" providerId="AD" clId="Web-{E73AC928-7D87-5D94-5CF7-49334421705B}" dt="2022-04-13T06:41:00.244" v="57" actId="14100"/>
+        <pc:sldMkLst>
+          <pc:docMk/>
+          <pc:sldMk cId="1092323287" sldId="290"/>
+        </pc:sldMkLst>
+        <pc:spChg chg="add del">
+          <ac:chgData name="Jireh Tseng" userId="S::tsengj@middleton.school.nz::eefb979d-fc0d-4dd5-ae9a-91b2ece0a753" providerId="AD" clId="Web-{E73AC928-7D87-5D94-5CF7-49334421705B}" dt="2022-04-13T06:38:59.147" v="28"/>
+          <ac:spMkLst>
+            <pc:docMk/>
+            <pc:sldMk cId="1092323287" sldId="290"/>
+            <ac:spMk id="3" creationId="{83B568C1-8667-67F6-622D-09DE0D798A04}"/>
+          </ac:spMkLst>
+        </pc:spChg>
+        <pc:spChg chg="add mod">
+          <ac:chgData name="Jireh Tseng" userId="S::tsengj@middleton.school.nz::eefb979d-fc0d-4dd5-ae9a-91b2ece0a753" providerId="AD" clId="Web-{E73AC928-7D87-5D94-5CF7-49334421705B}" dt="2022-04-13T06:40:30.212" v="51" actId="1076"/>
+          <ac:spMkLst>
+            <pc:docMk/>
+            <pc:sldMk cId="1092323287" sldId="290"/>
+            <ac:spMk id="5" creationId="{2013A7D0-D8CD-E2FF-240A-5E82F76B84F0}"/>
+          </ac:spMkLst>
+        </pc:spChg>
+        <pc:spChg chg="add mod">
+          <ac:chgData name="Jireh Tseng" userId="S::tsengj@middleton.school.nz::eefb979d-fc0d-4dd5-ae9a-91b2ece0a753" providerId="AD" clId="Web-{E73AC928-7D87-5D94-5CF7-49334421705B}" dt="2022-04-13T06:41:00.244" v="57" actId="14100"/>
+          <ac:spMkLst>
+            <pc:docMk/>
+            <pc:sldMk cId="1092323287" sldId="290"/>
+            <ac:spMk id="7" creationId="{25A3D05A-97D5-9B99-AFCA-CCE9AE5DA669}"/>
+          </ac:spMkLst>
+        </pc:spChg>
+        <pc:spChg chg="mod">
+          <ac:chgData name="Jireh Tseng" userId="S::tsengj@middleton.school.nz::eefb979d-fc0d-4dd5-ae9a-91b2ece0a753" providerId="AD" clId="Web-{E73AC928-7D87-5D94-5CF7-49334421705B}" dt="2022-04-13T06:38:09.771" v="21" actId="20577"/>
+          <ac:spMkLst>
+            <pc:docMk/>
+            <pc:sldMk cId="1092323287" sldId="290"/>
+            <ac:spMk id="86" creationId="{00000000-0000-0000-0000-000000000000}"/>
+          </ac:spMkLst>
+        </pc:spChg>
+        <pc:picChg chg="add mod">
+          <ac:chgData name="Jireh Tseng" userId="S::tsengj@middleton.school.nz::eefb979d-fc0d-4dd5-ae9a-91b2ece0a753" providerId="AD" clId="Web-{E73AC928-7D87-5D94-5CF7-49334421705B}" dt="2022-04-13T06:40:44.462" v="54" actId="1076"/>
+          <ac:picMkLst>
+            <pc:docMk/>
+            <pc:sldMk cId="1092323287" sldId="290"/>
+            <ac:picMk id="2" creationId="{BCC23093-8A38-7C08-7B37-8D969267C14E}"/>
+          </ac:picMkLst>
+        </pc:picChg>
+        <pc:picChg chg="del">
+          <ac:chgData name="Jireh Tseng" userId="S::tsengj@middleton.school.nz::eefb979d-fc0d-4dd5-ae9a-91b2ece0a753" providerId="AD" clId="Web-{E73AC928-7D87-5D94-5CF7-49334421705B}" dt="2022-04-13T06:38:27.271" v="22"/>
+          <ac:picMkLst>
+            <pc:docMk/>
+            <pc:sldMk cId="1092323287" sldId="290"/>
+            <ac:picMk id="4" creationId="{E5C81E07-4E1E-4823-E30E-0F12B7098C51}"/>
+          </ac:picMkLst>
+        </pc:picChg>
+      </pc:sldChg>
+      <pc:sldChg chg="modSp add ord replId">
+        <pc:chgData name="Jireh Tseng" userId="S::tsengj@middleton.school.nz::eefb979d-fc0d-4dd5-ae9a-91b2ece0a753" providerId="AD" clId="Web-{E73AC928-7D87-5D94-5CF7-49334421705B}" dt="2022-04-13T06:48:04.691" v="608"/>
+        <pc:sldMkLst>
+          <pc:docMk/>
+          <pc:sldMk cId="1750498182" sldId="291"/>
+        </pc:sldMkLst>
+        <pc:spChg chg="mod">
+          <ac:chgData name="Jireh Tseng" userId="S::tsengj@middleton.school.nz::eefb979d-fc0d-4dd5-ae9a-91b2ece0a753" providerId="AD" clId="Web-{E73AC928-7D87-5D94-5CF7-49334421705B}" dt="2022-04-13T06:43:05.403" v="74" actId="20577"/>
+          <ac:spMkLst>
+            <pc:docMk/>
+            <pc:sldMk cId="1750498182" sldId="291"/>
+            <ac:spMk id="91" creationId="{00000000-0000-0000-0000-000000000000}"/>
+          </ac:spMkLst>
+        </pc:spChg>
+        <pc:graphicFrameChg chg="mod modGraphic">
+          <ac:chgData name="Jireh Tseng" userId="S::tsengj@middleton.school.nz::eefb979d-fc0d-4dd5-ae9a-91b2ece0a753" providerId="AD" clId="Web-{E73AC928-7D87-5D94-5CF7-49334421705B}" dt="2022-04-13T06:48:04.691" v="608"/>
+          <ac:graphicFrameMkLst>
+            <pc:docMk/>
+            <pc:sldMk cId="1750498182" sldId="291"/>
+            <ac:graphicFrameMk id="92" creationId="{00000000-0000-0000-0000-000000000000}"/>
+          </ac:graphicFrameMkLst>
+        </pc:graphicFrameChg>
+      </pc:sldChg>
+      <pc:sldChg chg="addSp delSp modSp add ord replId">
+        <pc:chgData name="Jireh Tseng" userId="S::tsengj@middleton.school.nz::eefb979d-fc0d-4dd5-ae9a-91b2ece0a753" providerId="AD" clId="Web-{E73AC928-7D87-5D94-5CF7-49334421705B}" dt="2022-04-13T07:29:44.742" v="766" actId="1076"/>
+        <pc:sldMkLst>
+          <pc:docMk/>
+          <pc:sldMk cId="821514118" sldId="292"/>
+        </pc:sldMkLst>
+        <pc:spChg chg="mod">
+          <ac:chgData name="Jireh Tseng" userId="S::tsengj@middleton.school.nz::eefb979d-fc0d-4dd5-ae9a-91b2ece0a753" providerId="AD" clId="Web-{E73AC928-7D87-5D94-5CF7-49334421705B}" dt="2022-04-13T07:24:06.983" v="631" actId="20577"/>
+          <ac:spMkLst>
+            <pc:docMk/>
+            <pc:sldMk cId="821514118" sldId="292"/>
+            <ac:spMk id="2" creationId="{117C7ED0-CC09-82B1-98D7-D7AC8566A02D}"/>
+          </ac:spMkLst>
+        </pc:spChg>
+        <pc:spChg chg="del">
+          <ac:chgData name="Jireh Tseng" userId="S::tsengj@middleton.school.nz::eefb979d-fc0d-4dd5-ae9a-91b2ece0a753" providerId="AD" clId="Web-{E73AC928-7D87-5D94-5CF7-49334421705B}" dt="2022-04-13T07:24:18.468" v="638"/>
+          <ac:spMkLst>
+            <pc:docMk/>
+            <pc:sldMk cId="821514118" sldId="292"/>
+            <ac:spMk id="4" creationId="{0676CC8F-07AC-7255-5C5C-4ABBBE9DE273}"/>
+          </ac:spMkLst>
+        </pc:spChg>
+        <pc:spChg chg="del mod">
+          <ac:chgData name="Jireh Tseng" userId="S::tsengj@middleton.school.nz::eefb979d-fc0d-4dd5-ae9a-91b2ece0a753" providerId="AD" clId="Web-{E73AC928-7D87-5D94-5CF7-49334421705B}" dt="2022-04-13T07:24:13.437" v="635"/>
+          <ac:spMkLst>
+            <pc:docMk/>
+            <pc:sldMk cId="821514118" sldId="292"/>
+            <ac:spMk id="6" creationId="{2ACA099B-D36F-17A9-F335-3BEBFD61AA03}"/>
+          </ac:spMkLst>
+        </pc:spChg>
+        <pc:spChg chg="add mod">
+          <ac:chgData name="Jireh Tseng" userId="S::tsengj@middleton.school.nz::eefb979d-fc0d-4dd5-ae9a-91b2ece0a753" providerId="AD" clId="Web-{E73AC928-7D87-5D94-5CF7-49334421705B}" dt="2022-04-13T07:27:32.723" v="664" actId="14100"/>
+          <ac:spMkLst>
+            <pc:docMk/>
+            <pc:sldMk cId="821514118" sldId="292"/>
+            <ac:spMk id="11" creationId="{A1A4E0A0-C0ED-991E-61D5-81FE6946AC17}"/>
+          </ac:spMkLst>
+        </pc:spChg>
+        <pc:spChg chg="add mod">
+          <ac:chgData name="Jireh Tseng" userId="S::tsengj@middleton.school.nz::eefb979d-fc0d-4dd5-ae9a-91b2ece0a753" providerId="AD" clId="Web-{E73AC928-7D87-5D94-5CF7-49334421705B}" dt="2022-04-13T07:26:38.346" v="659"/>
+          <ac:spMkLst>
+            <pc:docMk/>
+            <pc:sldMk cId="821514118" sldId="292"/>
+            <ac:spMk id="13" creationId="{855BC24A-2741-F9B9-897B-F27D38382945}"/>
+          </ac:spMkLst>
+        </pc:spChg>
+        <pc:spChg chg="add mod">
+          <ac:chgData name="Jireh Tseng" userId="S::tsengj@middleton.school.nz::eefb979d-fc0d-4dd5-ae9a-91b2ece0a753" providerId="AD" clId="Web-{E73AC928-7D87-5D94-5CF7-49334421705B}" dt="2022-04-13T07:27:49.754" v="666"/>
+          <ac:spMkLst>
+            <pc:docMk/>
+            <pc:sldMk cId="821514118" sldId="292"/>
+            <ac:spMk id="14" creationId="{DDEF694F-66A8-AD55-2E81-8C23419C8CA8}"/>
+          </ac:spMkLst>
+        </pc:spChg>
+        <pc:spChg chg="add mod">
+          <ac:chgData name="Jireh Tseng" userId="S::tsengj@middleton.school.nz::eefb979d-fc0d-4dd5-ae9a-91b2ece0a753" providerId="AD" clId="Web-{E73AC928-7D87-5D94-5CF7-49334421705B}" dt="2022-04-13T07:28:54.178" v="717" actId="1076"/>
+          <ac:spMkLst>
+            <pc:docMk/>
+            <pc:sldMk cId="821514118" sldId="292"/>
+            <ac:spMk id="15" creationId="{5A6598DE-722A-25F4-7138-F2334A98CDC4}"/>
+          </ac:spMkLst>
+        </pc:spChg>
+        <pc:spChg chg="add mod">
+          <ac:chgData name="Jireh Tseng" userId="S::tsengj@middleton.school.nz::eefb979d-fc0d-4dd5-ae9a-91b2ece0a753" providerId="AD" clId="Web-{E73AC928-7D87-5D94-5CF7-49334421705B}" dt="2022-04-13T07:28:21.677" v="700" actId="1076"/>
+          <ac:spMkLst>
+            <pc:docMk/>
+            <pc:sldMk cId="821514118" sldId="292"/>
+            <ac:spMk id="16" creationId="{7589514A-F299-0BE2-AF3A-0E5A01786D85}"/>
+          </ac:spMkLst>
+        </pc:spChg>
+        <pc:spChg chg="add mod">
+          <ac:chgData name="Jireh Tseng" userId="S::tsengj@middleton.school.nz::eefb979d-fc0d-4dd5-ae9a-91b2ece0a753" providerId="AD" clId="Web-{E73AC928-7D87-5D94-5CF7-49334421705B}" dt="2022-04-13T07:29:44.742" v="766" actId="1076"/>
+          <ac:spMkLst>
+            <pc:docMk/>
+            <pc:sldMk cId="821514118" sldId="292"/>
+            <ac:spMk id="17" creationId="{A6F7868D-4566-BB8F-888B-FA33BDC914C7}"/>
+          </ac:spMkLst>
+        </pc:spChg>
+        <pc:picChg chg="del">
+          <ac:chgData name="Jireh Tseng" userId="S::tsengj@middleton.school.nz::eefb979d-fc0d-4dd5-ae9a-91b2ece0a753" providerId="AD" clId="Web-{E73AC928-7D87-5D94-5CF7-49334421705B}" dt="2022-04-13T07:24:08.593" v="632"/>
+          <ac:picMkLst>
+            <pc:docMk/>
+            <pc:sldMk cId="821514118" sldId="292"/>
+            <ac:picMk id="3" creationId="{89276921-B447-1D95-4DC2-8AD1144AB121}"/>
+          </ac:picMkLst>
+        </pc:picChg>
+        <pc:picChg chg="add mod">
+          <ac:chgData name="Jireh Tseng" userId="S::tsengj@middleton.school.nz::eefb979d-fc0d-4dd5-ae9a-91b2ece0a753" providerId="AD" clId="Web-{E73AC928-7D87-5D94-5CF7-49334421705B}" dt="2022-04-13T07:25:19.282" v="648" actId="1076"/>
+          <ac:picMkLst>
+            <pc:docMk/>
+            <pc:sldMk cId="821514118" sldId="292"/>
+            <ac:picMk id="5" creationId="{6A175A57-DC9A-34A1-D38F-3DE7F660D431}"/>
+          </ac:picMkLst>
+        </pc:picChg>
+        <pc:picChg chg="del">
+          <ac:chgData name="Jireh Tseng" userId="S::tsengj@middleton.school.nz::eefb979d-fc0d-4dd5-ae9a-91b2ece0a753" providerId="AD" clId="Web-{E73AC928-7D87-5D94-5CF7-49334421705B}" dt="2022-04-13T07:24:15.983" v="637"/>
+          <ac:picMkLst>
+            <pc:docMk/>
+            <pc:sldMk cId="821514118" sldId="292"/>
+            <ac:picMk id="7" creationId="{3E3ED375-DD72-680C-8F58-70BC755CCE29}"/>
+          </ac:picMkLst>
+        </pc:picChg>
+        <pc:picChg chg="del">
+          <ac:chgData name="Jireh Tseng" userId="S::tsengj@middleton.school.nz::eefb979d-fc0d-4dd5-ae9a-91b2ece0a753" providerId="AD" clId="Web-{E73AC928-7D87-5D94-5CF7-49334421705B}" dt="2022-04-13T07:24:14.624" v="636"/>
+          <ac:picMkLst>
+            <pc:docMk/>
+            <pc:sldMk cId="821514118" sldId="292"/>
+            <ac:picMk id="8" creationId="{FDB2E0E9-D86D-F82F-0828-239D28074C54}"/>
+          </ac:picMkLst>
+        </pc:picChg>
+        <pc:picChg chg="add mod">
+          <ac:chgData name="Jireh Tseng" userId="S::tsengj@middleton.school.nz::eefb979d-fc0d-4dd5-ae9a-91b2ece0a753" providerId="AD" clId="Web-{E73AC928-7D87-5D94-5CF7-49334421705B}" dt="2022-04-13T07:25:20.891" v="649" actId="1076"/>
+          <ac:picMkLst>
+            <pc:docMk/>
+            <pc:sldMk cId="821514118" sldId="292"/>
+            <ac:picMk id="9" creationId="{5C472445-5698-4240-DB0D-20AC3DCA4BCC}"/>
+          </ac:picMkLst>
+        </pc:picChg>
       </pc:sldChg>
     </pc:docChg>
   </pc:docChgLst>
@@ -617,212 +823,6 @@
             <ac:graphicFrameMk id="92" creationId="{00000000-0000-0000-0000-000000000000}"/>
           </ac:graphicFrameMkLst>
         </pc:graphicFrameChg>
-      </pc:sldChg>
-    </pc:docChg>
-  </pc:docChgLst>
-  <pc:docChgLst>
-    <pc:chgData name="Jireh Tseng" userId="S::tsengj@middleton.school.nz::eefb979d-fc0d-4dd5-ae9a-91b2ece0a753" providerId="AD" clId="Web-{E73AC928-7D87-5D94-5CF7-49334421705B}"/>
-    <pc:docChg chg="addSld modSld sldOrd">
-      <pc:chgData name="Jireh Tseng" userId="S::tsengj@middleton.school.nz::eefb979d-fc0d-4dd5-ae9a-91b2ece0a753" providerId="AD" clId="Web-{E73AC928-7D87-5D94-5CF7-49334421705B}" dt="2022-04-13T07:29:44.742" v="766" actId="1076"/>
-      <pc:docMkLst>
-        <pc:docMk/>
-      </pc:docMkLst>
-      <pc:sldChg chg="addSp delSp modSp add ord replId">
-        <pc:chgData name="Jireh Tseng" userId="S::tsengj@middleton.school.nz::eefb979d-fc0d-4dd5-ae9a-91b2ece0a753" providerId="AD" clId="Web-{E73AC928-7D87-5D94-5CF7-49334421705B}" dt="2022-04-13T06:41:00.244" v="57" actId="14100"/>
-        <pc:sldMkLst>
-          <pc:docMk/>
-          <pc:sldMk cId="1092323287" sldId="290"/>
-        </pc:sldMkLst>
-        <pc:spChg chg="add del">
-          <ac:chgData name="Jireh Tseng" userId="S::tsengj@middleton.school.nz::eefb979d-fc0d-4dd5-ae9a-91b2ece0a753" providerId="AD" clId="Web-{E73AC928-7D87-5D94-5CF7-49334421705B}" dt="2022-04-13T06:38:59.147" v="28"/>
-          <ac:spMkLst>
-            <pc:docMk/>
-            <pc:sldMk cId="1092323287" sldId="290"/>
-            <ac:spMk id="3" creationId="{83B568C1-8667-67F6-622D-09DE0D798A04}"/>
-          </ac:spMkLst>
-        </pc:spChg>
-        <pc:spChg chg="add mod">
-          <ac:chgData name="Jireh Tseng" userId="S::tsengj@middleton.school.nz::eefb979d-fc0d-4dd5-ae9a-91b2ece0a753" providerId="AD" clId="Web-{E73AC928-7D87-5D94-5CF7-49334421705B}" dt="2022-04-13T06:40:30.212" v="51" actId="1076"/>
-          <ac:spMkLst>
-            <pc:docMk/>
-            <pc:sldMk cId="1092323287" sldId="290"/>
-            <ac:spMk id="5" creationId="{2013A7D0-D8CD-E2FF-240A-5E82F76B84F0}"/>
-          </ac:spMkLst>
-        </pc:spChg>
-        <pc:spChg chg="add mod">
-          <ac:chgData name="Jireh Tseng" userId="S::tsengj@middleton.school.nz::eefb979d-fc0d-4dd5-ae9a-91b2ece0a753" providerId="AD" clId="Web-{E73AC928-7D87-5D94-5CF7-49334421705B}" dt="2022-04-13T06:41:00.244" v="57" actId="14100"/>
-          <ac:spMkLst>
-            <pc:docMk/>
-            <pc:sldMk cId="1092323287" sldId="290"/>
-            <ac:spMk id="7" creationId="{25A3D05A-97D5-9B99-AFCA-CCE9AE5DA669}"/>
-          </ac:spMkLst>
-        </pc:spChg>
-        <pc:spChg chg="mod">
-          <ac:chgData name="Jireh Tseng" userId="S::tsengj@middleton.school.nz::eefb979d-fc0d-4dd5-ae9a-91b2ece0a753" providerId="AD" clId="Web-{E73AC928-7D87-5D94-5CF7-49334421705B}" dt="2022-04-13T06:38:09.771" v="21" actId="20577"/>
-          <ac:spMkLst>
-            <pc:docMk/>
-            <pc:sldMk cId="1092323287" sldId="290"/>
-            <ac:spMk id="86" creationId="{00000000-0000-0000-0000-000000000000}"/>
-          </ac:spMkLst>
-        </pc:spChg>
-        <pc:picChg chg="add mod">
-          <ac:chgData name="Jireh Tseng" userId="S::tsengj@middleton.school.nz::eefb979d-fc0d-4dd5-ae9a-91b2ece0a753" providerId="AD" clId="Web-{E73AC928-7D87-5D94-5CF7-49334421705B}" dt="2022-04-13T06:40:44.462" v="54" actId="1076"/>
-          <ac:picMkLst>
-            <pc:docMk/>
-            <pc:sldMk cId="1092323287" sldId="290"/>
-            <ac:picMk id="2" creationId="{BCC23093-8A38-7C08-7B37-8D969267C14E}"/>
-          </ac:picMkLst>
-        </pc:picChg>
-        <pc:picChg chg="del">
-          <ac:chgData name="Jireh Tseng" userId="S::tsengj@middleton.school.nz::eefb979d-fc0d-4dd5-ae9a-91b2ece0a753" providerId="AD" clId="Web-{E73AC928-7D87-5D94-5CF7-49334421705B}" dt="2022-04-13T06:38:27.271" v="22"/>
-          <ac:picMkLst>
-            <pc:docMk/>
-            <pc:sldMk cId="1092323287" sldId="290"/>
-            <ac:picMk id="4" creationId="{E5C81E07-4E1E-4823-E30E-0F12B7098C51}"/>
-          </ac:picMkLst>
-        </pc:picChg>
-      </pc:sldChg>
-      <pc:sldChg chg="modSp add ord replId">
-        <pc:chgData name="Jireh Tseng" userId="S::tsengj@middleton.school.nz::eefb979d-fc0d-4dd5-ae9a-91b2ece0a753" providerId="AD" clId="Web-{E73AC928-7D87-5D94-5CF7-49334421705B}" dt="2022-04-13T06:48:04.691" v="608"/>
-        <pc:sldMkLst>
-          <pc:docMk/>
-          <pc:sldMk cId="1750498182" sldId="291"/>
-        </pc:sldMkLst>
-        <pc:spChg chg="mod">
-          <ac:chgData name="Jireh Tseng" userId="S::tsengj@middleton.school.nz::eefb979d-fc0d-4dd5-ae9a-91b2ece0a753" providerId="AD" clId="Web-{E73AC928-7D87-5D94-5CF7-49334421705B}" dt="2022-04-13T06:43:05.403" v="74" actId="20577"/>
-          <ac:spMkLst>
-            <pc:docMk/>
-            <pc:sldMk cId="1750498182" sldId="291"/>
-            <ac:spMk id="91" creationId="{00000000-0000-0000-0000-000000000000}"/>
-          </ac:spMkLst>
-        </pc:spChg>
-        <pc:graphicFrameChg chg="mod modGraphic">
-          <ac:chgData name="Jireh Tseng" userId="S::tsengj@middleton.school.nz::eefb979d-fc0d-4dd5-ae9a-91b2ece0a753" providerId="AD" clId="Web-{E73AC928-7D87-5D94-5CF7-49334421705B}" dt="2022-04-13T06:48:04.691" v="608"/>
-          <ac:graphicFrameMkLst>
-            <pc:docMk/>
-            <pc:sldMk cId="1750498182" sldId="291"/>
-            <ac:graphicFrameMk id="92" creationId="{00000000-0000-0000-0000-000000000000}"/>
-          </ac:graphicFrameMkLst>
-        </pc:graphicFrameChg>
-      </pc:sldChg>
-      <pc:sldChg chg="addSp delSp modSp add ord replId">
-        <pc:chgData name="Jireh Tseng" userId="S::tsengj@middleton.school.nz::eefb979d-fc0d-4dd5-ae9a-91b2ece0a753" providerId="AD" clId="Web-{E73AC928-7D87-5D94-5CF7-49334421705B}" dt="2022-04-13T07:29:44.742" v="766" actId="1076"/>
-        <pc:sldMkLst>
-          <pc:docMk/>
-          <pc:sldMk cId="821514118" sldId="292"/>
-        </pc:sldMkLst>
-        <pc:spChg chg="mod">
-          <ac:chgData name="Jireh Tseng" userId="S::tsengj@middleton.school.nz::eefb979d-fc0d-4dd5-ae9a-91b2ece0a753" providerId="AD" clId="Web-{E73AC928-7D87-5D94-5CF7-49334421705B}" dt="2022-04-13T07:24:06.983" v="631" actId="20577"/>
-          <ac:spMkLst>
-            <pc:docMk/>
-            <pc:sldMk cId="821514118" sldId="292"/>
-            <ac:spMk id="2" creationId="{117C7ED0-CC09-82B1-98D7-D7AC8566A02D}"/>
-          </ac:spMkLst>
-        </pc:spChg>
-        <pc:spChg chg="del">
-          <ac:chgData name="Jireh Tseng" userId="S::tsengj@middleton.school.nz::eefb979d-fc0d-4dd5-ae9a-91b2ece0a753" providerId="AD" clId="Web-{E73AC928-7D87-5D94-5CF7-49334421705B}" dt="2022-04-13T07:24:18.468" v="638"/>
-          <ac:spMkLst>
-            <pc:docMk/>
-            <pc:sldMk cId="821514118" sldId="292"/>
-            <ac:spMk id="4" creationId="{0676CC8F-07AC-7255-5C5C-4ABBBE9DE273}"/>
-          </ac:spMkLst>
-        </pc:spChg>
-        <pc:spChg chg="del mod">
-          <ac:chgData name="Jireh Tseng" userId="S::tsengj@middleton.school.nz::eefb979d-fc0d-4dd5-ae9a-91b2ece0a753" providerId="AD" clId="Web-{E73AC928-7D87-5D94-5CF7-49334421705B}" dt="2022-04-13T07:24:13.437" v="635"/>
-          <ac:spMkLst>
-            <pc:docMk/>
-            <pc:sldMk cId="821514118" sldId="292"/>
-            <ac:spMk id="6" creationId="{2ACA099B-D36F-17A9-F335-3BEBFD61AA03}"/>
-          </ac:spMkLst>
-        </pc:spChg>
-        <pc:spChg chg="add mod">
-          <ac:chgData name="Jireh Tseng" userId="S::tsengj@middleton.school.nz::eefb979d-fc0d-4dd5-ae9a-91b2ece0a753" providerId="AD" clId="Web-{E73AC928-7D87-5D94-5CF7-49334421705B}" dt="2022-04-13T07:27:32.723" v="664" actId="14100"/>
-          <ac:spMkLst>
-            <pc:docMk/>
-            <pc:sldMk cId="821514118" sldId="292"/>
-            <ac:spMk id="11" creationId="{A1A4E0A0-C0ED-991E-61D5-81FE6946AC17}"/>
-          </ac:spMkLst>
-        </pc:spChg>
-        <pc:spChg chg="add mod">
-          <ac:chgData name="Jireh Tseng" userId="S::tsengj@middleton.school.nz::eefb979d-fc0d-4dd5-ae9a-91b2ece0a753" providerId="AD" clId="Web-{E73AC928-7D87-5D94-5CF7-49334421705B}" dt="2022-04-13T07:26:38.346" v="659"/>
-          <ac:spMkLst>
-            <pc:docMk/>
-            <pc:sldMk cId="821514118" sldId="292"/>
-            <ac:spMk id="13" creationId="{855BC24A-2741-F9B9-897B-F27D38382945}"/>
-          </ac:spMkLst>
-        </pc:spChg>
-        <pc:spChg chg="add mod">
-          <ac:chgData name="Jireh Tseng" userId="S::tsengj@middleton.school.nz::eefb979d-fc0d-4dd5-ae9a-91b2ece0a753" providerId="AD" clId="Web-{E73AC928-7D87-5D94-5CF7-49334421705B}" dt="2022-04-13T07:27:49.754" v="666"/>
-          <ac:spMkLst>
-            <pc:docMk/>
-            <pc:sldMk cId="821514118" sldId="292"/>
-            <ac:spMk id="14" creationId="{DDEF694F-66A8-AD55-2E81-8C23419C8CA8}"/>
-          </ac:spMkLst>
-        </pc:spChg>
-        <pc:spChg chg="add mod">
-          <ac:chgData name="Jireh Tseng" userId="S::tsengj@middleton.school.nz::eefb979d-fc0d-4dd5-ae9a-91b2ece0a753" providerId="AD" clId="Web-{E73AC928-7D87-5D94-5CF7-49334421705B}" dt="2022-04-13T07:28:54.178" v="717" actId="1076"/>
-          <ac:spMkLst>
-            <pc:docMk/>
-            <pc:sldMk cId="821514118" sldId="292"/>
-            <ac:spMk id="15" creationId="{5A6598DE-722A-25F4-7138-F2334A98CDC4}"/>
-          </ac:spMkLst>
-        </pc:spChg>
-        <pc:spChg chg="add mod">
-          <ac:chgData name="Jireh Tseng" userId="S::tsengj@middleton.school.nz::eefb979d-fc0d-4dd5-ae9a-91b2ece0a753" providerId="AD" clId="Web-{E73AC928-7D87-5D94-5CF7-49334421705B}" dt="2022-04-13T07:28:21.677" v="700" actId="1076"/>
-          <ac:spMkLst>
-            <pc:docMk/>
-            <pc:sldMk cId="821514118" sldId="292"/>
-            <ac:spMk id="16" creationId="{7589514A-F299-0BE2-AF3A-0E5A01786D85}"/>
-          </ac:spMkLst>
-        </pc:spChg>
-        <pc:spChg chg="add mod">
-          <ac:chgData name="Jireh Tseng" userId="S::tsengj@middleton.school.nz::eefb979d-fc0d-4dd5-ae9a-91b2ece0a753" providerId="AD" clId="Web-{E73AC928-7D87-5D94-5CF7-49334421705B}" dt="2022-04-13T07:29:44.742" v="766" actId="1076"/>
-          <ac:spMkLst>
-            <pc:docMk/>
-            <pc:sldMk cId="821514118" sldId="292"/>
-            <ac:spMk id="17" creationId="{A6F7868D-4566-BB8F-888B-FA33BDC914C7}"/>
-          </ac:spMkLst>
-        </pc:spChg>
-        <pc:picChg chg="del">
-          <ac:chgData name="Jireh Tseng" userId="S::tsengj@middleton.school.nz::eefb979d-fc0d-4dd5-ae9a-91b2ece0a753" providerId="AD" clId="Web-{E73AC928-7D87-5D94-5CF7-49334421705B}" dt="2022-04-13T07:24:08.593" v="632"/>
-          <ac:picMkLst>
-            <pc:docMk/>
-            <pc:sldMk cId="821514118" sldId="292"/>
-            <ac:picMk id="3" creationId="{89276921-B447-1D95-4DC2-8AD1144AB121}"/>
-          </ac:picMkLst>
-        </pc:picChg>
-        <pc:picChg chg="add mod">
-          <ac:chgData name="Jireh Tseng" userId="S::tsengj@middleton.school.nz::eefb979d-fc0d-4dd5-ae9a-91b2ece0a753" providerId="AD" clId="Web-{E73AC928-7D87-5D94-5CF7-49334421705B}" dt="2022-04-13T07:25:19.282" v="648" actId="1076"/>
-          <ac:picMkLst>
-            <pc:docMk/>
-            <pc:sldMk cId="821514118" sldId="292"/>
-            <ac:picMk id="5" creationId="{6A175A57-DC9A-34A1-D38F-3DE7F660D431}"/>
-          </ac:picMkLst>
-        </pc:picChg>
-        <pc:picChg chg="del">
-          <ac:chgData name="Jireh Tseng" userId="S::tsengj@middleton.school.nz::eefb979d-fc0d-4dd5-ae9a-91b2ece0a753" providerId="AD" clId="Web-{E73AC928-7D87-5D94-5CF7-49334421705B}" dt="2022-04-13T07:24:15.983" v="637"/>
-          <ac:picMkLst>
-            <pc:docMk/>
-            <pc:sldMk cId="821514118" sldId="292"/>
-            <ac:picMk id="7" creationId="{3E3ED375-DD72-680C-8F58-70BC755CCE29}"/>
-          </ac:picMkLst>
-        </pc:picChg>
-        <pc:picChg chg="del">
-          <ac:chgData name="Jireh Tseng" userId="S::tsengj@middleton.school.nz::eefb979d-fc0d-4dd5-ae9a-91b2ece0a753" providerId="AD" clId="Web-{E73AC928-7D87-5D94-5CF7-49334421705B}" dt="2022-04-13T07:24:14.624" v="636"/>
-          <ac:picMkLst>
-            <pc:docMk/>
-            <pc:sldMk cId="821514118" sldId="292"/>
-            <ac:picMk id="8" creationId="{FDB2E0E9-D86D-F82F-0828-239D28074C54}"/>
-          </ac:picMkLst>
-        </pc:picChg>
-        <pc:picChg chg="add mod">
-          <ac:chgData name="Jireh Tseng" userId="S::tsengj@middleton.school.nz::eefb979d-fc0d-4dd5-ae9a-91b2ece0a753" providerId="AD" clId="Web-{E73AC928-7D87-5D94-5CF7-49334421705B}" dt="2022-04-13T07:25:20.891" v="649" actId="1076"/>
-          <ac:picMkLst>
-            <pc:docMk/>
-            <pc:sldMk cId="821514118" sldId="292"/>
-            <ac:picMk id="9" creationId="{5C472445-5698-4240-DB0D-20AC3DCA4BCC}"/>
-          </ac:picMkLst>
-        </pc:picChg>
       </pc:sldChg>
     </pc:docChg>
   </pc:docChgLst>
@@ -2709,61 +2709,6 @@
     </pc:docChg>
   </pc:docChgLst>
   <pc:docChgLst>
-    <pc:chgData name="Jireh Tseng" userId="S::tsengj@middleton.school.nz::eefb979d-fc0d-4dd5-ae9a-91b2ece0a753" providerId="AD" clId="Web-{ED89BA52-C93F-C9E4-3561-9BF3A71FD8F3}"/>
-    <pc:docChg chg="addSld modSld sldOrd">
-      <pc:chgData name="Jireh Tseng" userId="S::tsengj@middleton.school.nz::eefb979d-fc0d-4dd5-ae9a-91b2ece0a753" providerId="AD" clId="Web-{ED89BA52-C93F-C9E4-3561-9BF3A71FD8F3}" dt="2022-04-04T21:08:20.274" v="818" actId="1076"/>
-      <pc:docMkLst>
-        <pc:docMk/>
-      </pc:docMkLst>
-      <pc:sldChg chg="addSp modSp">
-        <pc:chgData name="Jireh Tseng" userId="S::tsengj@middleton.school.nz::eefb979d-fc0d-4dd5-ae9a-91b2ece0a753" providerId="AD" clId="Web-{ED89BA52-C93F-C9E4-3561-9BF3A71FD8F3}" dt="2022-04-04T20:54:36.893" v="37" actId="1076"/>
-        <pc:sldMkLst>
-          <pc:docMk/>
-          <pc:sldMk cId="2568554082" sldId="283"/>
-        </pc:sldMkLst>
-        <pc:spChg chg="mod">
-          <ac:chgData name="Jireh Tseng" userId="S::tsengj@middleton.school.nz::eefb979d-fc0d-4dd5-ae9a-91b2ece0a753" providerId="AD" clId="Web-{ED89BA52-C93F-C9E4-3561-9BF3A71FD8F3}" dt="2022-04-04T20:54:16.158" v="33" actId="20577"/>
-          <ac:spMkLst>
-            <pc:docMk/>
-            <pc:sldMk cId="2568554082" sldId="283"/>
-            <ac:spMk id="3" creationId="{6BE7D083-107B-9598-9BED-5E001A7543AF}"/>
-          </ac:spMkLst>
-        </pc:spChg>
-        <pc:picChg chg="add mod">
-          <ac:chgData name="Jireh Tseng" userId="S::tsengj@middleton.school.nz::eefb979d-fc0d-4dd5-ae9a-91b2ece0a753" providerId="AD" clId="Web-{ED89BA52-C93F-C9E4-3561-9BF3A71FD8F3}" dt="2022-04-04T20:54:36.893" v="37" actId="1076"/>
-          <ac:picMkLst>
-            <pc:docMk/>
-            <pc:sldMk cId="2568554082" sldId="283"/>
-            <ac:picMk id="4" creationId="{9B6711AC-D2BC-B7C6-105F-22B6DE2DE07C}"/>
-          </ac:picMkLst>
-        </pc:picChg>
-      </pc:sldChg>
-      <pc:sldChg chg="modSp add ord replId">
-        <pc:chgData name="Jireh Tseng" userId="S::tsengj@middleton.school.nz::eefb979d-fc0d-4dd5-ae9a-91b2ece0a753" providerId="AD" clId="Web-{ED89BA52-C93F-C9E4-3561-9BF3A71FD8F3}" dt="2022-04-04T21:08:20.274" v="818" actId="1076"/>
-        <pc:sldMkLst>
-          <pc:docMk/>
-          <pc:sldMk cId="3526152642" sldId="284"/>
-        </pc:sldMkLst>
-        <pc:spChg chg="mod">
-          <ac:chgData name="Jireh Tseng" userId="S::tsengj@middleton.school.nz::eefb979d-fc0d-4dd5-ae9a-91b2ece0a753" providerId="AD" clId="Web-{ED89BA52-C93F-C9E4-3561-9BF3A71FD8F3}" dt="2022-04-04T20:56:49.052" v="47" actId="20577"/>
-          <ac:spMkLst>
-            <pc:docMk/>
-            <pc:sldMk cId="3526152642" sldId="284"/>
-            <ac:spMk id="91" creationId="{00000000-0000-0000-0000-000000000000}"/>
-          </ac:spMkLst>
-        </pc:spChg>
-        <pc:graphicFrameChg chg="mod modGraphic">
-          <ac:chgData name="Jireh Tseng" userId="S::tsengj@middleton.school.nz::eefb979d-fc0d-4dd5-ae9a-91b2ece0a753" providerId="AD" clId="Web-{ED89BA52-C93F-C9E4-3561-9BF3A71FD8F3}" dt="2022-04-04T21:08:20.274" v="818" actId="1076"/>
-          <ac:graphicFrameMkLst>
-            <pc:docMk/>
-            <pc:sldMk cId="3526152642" sldId="284"/>
-            <ac:graphicFrameMk id="92" creationId="{00000000-0000-0000-0000-000000000000}"/>
-          </ac:graphicFrameMkLst>
-        </pc:graphicFrameChg>
-      </pc:sldChg>
-    </pc:docChg>
-  </pc:docChgLst>
-  <pc:docChgLst>
     <pc:chgData name="Jireh Tseng" userId="S::tsengj@middleton.school.nz::eefb979d-fc0d-4dd5-ae9a-91b2ece0a753" providerId="AD" clId="Web-{375B0929-B0E9-D3AF-ABEE-4D9C91617552}"/>
     <pc:docChg chg="addSld modSld sldOrd">
       <pc:chgData name="Jireh Tseng" userId="S::tsengj@middleton.school.nz::eefb979d-fc0d-4dd5-ae9a-91b2ece0a753" providerId="AD" clId="Web-{375B0929-B0E9-D3AF-ABEE-4D9C91617552}" dt="2022-04-14T07:28:12.647" v="145" actId="1076"/>
@@ -3113,6 +3058,61 @@
     </pc:docChg>
   </pc:docChgLst>
   <pc:docChgLst>
+    <pc:chgData name="Jireh Tseng" userId="S::tsengj@middleton.school.nz::eefb979d-fc0d-4dd5-ae9a-91b2ece0a753" providerId="AD" clId="Web-{ED89BA52-C93F-C9E4-3561-9BF3A71FD8F3}"/>
+    <pc:docChg chg="addSld modSld sldOrd">
+      <pc:chgData name="Jireh Tseng" userId="S::tsengj@middleton.school.nz::eefb979d-fc0d-4dd5-ae9a-91b2ece0a753" providerId="AD" clId="Web-{ED89BA52-C93F-C9E4-3561-9BF3A71FD8F3}" dt="2022-04-04T21:08:20.274" v="818" actId="1076"/>
+      <pc:docMkLst>
+        <pc:docMk/>
+      </pc:docMkLst>
+      <pc:sldChg chg="addSp modSp">
+        <pc:chgData name="Jireh Tseng" userId="S::tsengj@middleton.school.nz::eefb979d-fc0d-4dd5-ae9a-91b2ece0a753" providerId="AD" clId="Web-{ED89BA52-C93F-C9E4-3561-9BF3A71FD8F3}" dt="2022-04-04T20:54:36.893" v="37" actId="1076"/>
+        <pc:sldMkLst>
+          <pc:docMk/>
+          <pc:sldMk cId="2568554082" sldId="283"/>
+        </pc:sldMkLst>
+        <pc:spChg chg="mod">
+          <ac:chgData name="Jireh Tseng" userId="S::tsengj@middleton.school.nz::eefb979d-fc0d-4dd5-ae9a-91b2ece0a753" providerId="AD" clId="Web-{ED89BA52-C93F-C9E4-3561-9BF3A71FD8F3}" dt="2022-04-04T20:54:16.158" v="33" actId="20577"/>
+          <ac:spMkLst>
+            <pc:docMk/>
+            <pc:sldMk cId="2568554082" sldId="283"/>
+            <ac:spMk id="3" creationId="{6BE7D083-107B-9598-9BED-5E001A7543AF}"/>
+          </ac:spMkLst>
+        </pc:spChg>
+        <pc:picChg chg="add mod">
+          <ac:chgData name="Jireh Tseng" userId="S::tsengj@middleton.school.nz::eefb979d-fc0d-4dd5-ae9a-91b2ece0a753" providerId="AD" clId="Web-{ED89BA52-C93F-C9E4-3561-9BF3A71FD8F3}" dt="2022-04-04T20:54:36.893" v="37" actId="1076"/>
+          <ac:picMkLst>
+            <pc:docMk/>
+            <pc:sldMk cId="2568554082" sldId="283"/>
+            <ac:picMk id="4" creationId="{9B6711AC-D2BC-B7C6-105F-22B6DE2DE07C}"/>
+          </ac:picMkLst>
+        </pc:picChg>
+      </pc:sldChg>
+      <pc:sldChg chg="modSp add ord replId">
+        <pc:chgData name="Jireh Tseng" userId="S::tsengj@middleton.school.nz::eefb979d-fc0d-4dd5-ae9a-91b2ece0a753" providerId="AD" clId="Web-{ED89BA52-C93F-C9E4-3561-9BF3A71FD8F3}" dt="2022-04-04T21:08:20.274" v="818" actId="1076"/>
+        <pc:sldMkLst>
+          <pc:docMk/>
+          <pc:sldMk cId="3526152642" sldId="284"/>
+        </pc:sldMkLst>
+        <pc:spChg chg="mod">
+          <ac:chgData name="Jireh Tseng" userId="S::tsengj@middleton.school.nz::eefb979d-fc0d-4dd5-ae9a-91b2ece0a753" providerId="AD" clId="Web-{ED89BA52-C93F-C9E4-3561-9BF3A71FD8F3}" dt="2022-04-04T20:56:49.052" v="47" actId="20577"/>
+          <ac:spMkLst>
+            <pc:docMk/>
+            <pc:sldMk cId="3526152642" sldId="284"/>
+            <ac:spMk id="91" creationId="{00000000-0000-0000-0000-000000000000}"/>
+          </ac:spMkLst>
+        </pc:spChg>
+        <pc:graphicFrameChg chg="mod modGraphic">
+          <ac:chgData name="Jireh Tseng" userId="S::tsengj@middleton.school.nz::eefb979d-fc0d-4dd5-ae9a-91b2ece0a753" providerId="AD" clId="Web-{ED89BA52-C93F-C9E4-3561-9BF3A71FD8F3}" dt="2022-04-04T21:08:20.274" v="818" actId="1076"/>
+          <ac:graphicFrameMkLst>
+            <pc:docMk/>
+            <pc:sldMk cId="3526152642" sldId="284"/>
+            <ac:graphicFrameMk id="92" creationId="{00000000-0000-0000-0000-000000000000}"/>
+          </ac:graphicFrameMkLst>
+        </pc:graphicFrameChg>
+      </pc:sldChg>
+    </pc:docChg>
+  </pc:docChgLst>
+  <pc:docChgLst>
     <pc:chgData name="Jireh Tseng" userId="S::tsengj@middleton.school.nz::eefb979d-fc0d-4dd5-ae9a-91b2ece0a753" providerId="AD" clId="Web-{A8456CCB-E4F9-B848-CD92-4173C6F75C7E}"/>
     <pc:docChg chg="addSld modSld sldOrd">
       <pc:chgData name="Jireh Tseng" userId="S::tsengj@middleton.school.nz::eefb979d-fc0d-4dd5-ae9a-91b2ece0a753" providerId="AD" clId="Web-{A8456CCB-E4F9-B848-CD92-4173C6F75C7E}" dt="2022-04-14T07:03:33.969" v="1300" actId="1076"/>
@@ -3610,7 +3610,7 @@
   <pc:docChgLst>
     <pc:chgData name="Jireh Tseng" userId="eefb979d-fc0d-4dd5-ae9a-91b2ece0a753" providerId="ADAL" clId="{F3FDAC0E-9B55-446C-854B-59BF7CB03B46}"/>
     <pc:docChg chg="undo custSel addSld delSld modSld sldOrd">
-      <pc:chgData name="Jireh Tseng" userId="eefb979d-fc0d-4dd5-ae9a-91b2ece0a753" providerId="ADAL" clId="{F3FDAC0E-9B55-446C-854B-59BF7CB03B46}" dt="2022-05-11T02:16:24.265" v="2687" actId="20577"/>
+      <pc:chgData name="Jireh Tseng" userId="eefb979d-fc0d-4dd5-ae9a-91b2ece0a753" providerId="ADAL" clId="{F3FDAC0E-9B55-446C-854B-59BF7CB03B46}" dt="2022-05-18T01:53:08.810" v="5362" actId="1076"/>
       <pc:docMkLst>
         <pc:docMk/>
       </pc:docMkLst>
@@ -4239,6 +4239,292 @@
           </ac:picMkLst>
         </pc:picChg>
       </pc:sldChg>
+      <pc:sldChg chg="delSp modSp mod">
+        <pc:chgData name="Jireh Tseng" userId="eefb979d-fc0d-4dd5-ae9a-91b2ece0a753" providerId="ADAL" clId="{F3FDAC0E-9B55-446C-854B-59BF7CB03B46}" dt="2022-05-11T02:45:35.535" v="3045" actId="313"/>
+        <pc:sldMkLst>
+          <pc:docMk/>
+          <pc:sldMk cId="1948546728" sldId="286"/>
+        </pc:sldMkLst>
+        <pc:spChg chg="del">
+          <ac:chgData name="Jireh Tseng" userId="eefb979d-fc0d-4dd5-ae9a-91b2ece0a753" providerId="ADAL" clId="{F3FDAC0E-9B55-446C-854B-59BF7CB03B46}" dt="2022-05-11T02:42:03.367" v="2699" actId="478"/>
+          <ac:spMkLst>
+            <pc:docMk/>
+            <pc:sldMk cId="1948546728" sldId="286"/>
+            <ac:spMk id="3" creationId="{3FCC3670-01DB-1BA0-3833-6709A0DE08CA}"/>
+          </ac:spMkLst>
+        </pc:spChg>
+        <pc:spChg chg="del">
+          <ac:chgData name="Jireh Tseng" userId="eefb979d-fc0d-4dd5-ae9a-91b2ece0a753" providerId="ADAL" clId="{F3FDAC0E-9B55-446C-854B-59BF7CB03B46}" dt="2022-05-11T02:42:03.367" v="2699" actId="478"/>
+          <ac:spMkLst>
+            <pc:docMk/>
+            <pc:sldMk cId="1948546728" sldId="286"/>
+            <ac:spMk id="4" creationId="{725A2025-63D9-0C5C-C37D-EF6807D6D0DE}"/>
+          </ac:spMkLst>
+        </pc:spChg>
+        <pc:spChg chg="del">
+          <ac:chgData name="Jireh Tseng" userId="eefb979d-fc0d-4dd5-ae9a-91b2ece0a753" providerId="ADAL" clId="{F3FDAC0E-9B55-446C-854B-59BF7CB03B46}" dt="2022-05-11T02:42:03.367" v="2699" actId="478"/>
+          <ac:spMkLst>
+            <pc:docMk/>
+            <pc:sldMk cId="1948546728" sldId="286"/>
+            <ac:spMk id="6" creationId="{53E84D05-6AA4-7256-EC95-EBAF55445C69}"/>
+          </ac:spMkLst>
+        </pc:spChg>
+        <pc:spChg chg="del mod">
+          <ac:chgData name="Jireh Tseng" userId="eefb979d-fc0d-4dd5-ae9a-91b2ece0a753" providerId="ADAL" clId="{F3FDAC0E-9B55-446C-854B-59BF7CB03B46}" dt="2022-05-11T02:41:59.125" v="2698" actId="478"/>
+          <ac:spMkLst>
+            <pc:docMk/>
+            <pc:sldMk cId="1948546728" sldId="286"/>
+            <ac:spMk id="7" creationId="{44B60101-9F86-B903-5115-3061FB2D6536}"/>
+          </ac:spMkLst>
+        </pc:spChg>
+        <pc:spChg chg="del">
+          <ac:chgData name="Jireh Tseng" userId="eefb979d-fc0d-4dd5-ae9a-91b2ece0a753" providerId="ADAL" clId="{F3FDAC0E-9B55-446C-854B-59BF7CB03B46}" dt="2022-05-11T02:42:03.367" v="2699" actId="478"/>
+          <ac:spMkLst>
+            <pc:docMk/>
+            <pc:sldMk cId="1948546728" sldId="286"/>
+            <ac:spMk id="8" creationId="{84FC7A4C-AF25-FBAE-67A7-BE6141E6D630}"/>
+          </ac:spMkLst>
+        </pc:spChg>
+        <pc:spChg chg="mod">
+          <ac:chgData name="Jireh Tseng" userId="eefb979d-fc0d-4dd5-ae9a-91b2ece0a753" providerId="ADAL" clId="{F3FDAC0E-9B55-446C-854B-59BF7CB03B46}" dt="2022-05-11T02:41:54.931" v="2695" actId="20577"/>
+          <ac:spMkLst>
+            <pc:docMk/>
+            <pc:sldMk cId="1948546728" sldId="286"/>
+            <ac:spMk id="91" creationId="{00000000-0000-0000-0000-000000000000}"/>
+          </ac:spMkLst>
+        </pc:spChg>
+        <pc:graphicFrameChg chg="modGraphic">
+          <ac:chgData name="Jireh Tseng" userId="eefb979d-fc0d-4dd5-ae9a-91b2ece0a753" providerId="ADAL" clId="{F3FDAC0E-9B55-446C-854B-59BF7CB03B46}" dt="2022-05-11T02:45:35.535" v="3045" actId="313"/>
+          <ac:graphicFrameMkLst>
+            <pc:docMk/>
+            <pc:sldMk cId="1948546728" sldId="286"/>
+            <ac:graphicFrameMk id="92" creationId="{00000000-0000-0000-0000-000000000000}"/>
+          </ac:graphicFrameMkLst>
+        </pc:graphicFrameChg>
+        <pc:picChg chg="del">
+          <ac:chgData name="Jireh Tseng" userId="eefb979d-fc0d-4dd5-ae9a-91b2ece0a753" providerId="ADAL" clId="{F3FDAC0E-9B55-446C-854B-59BF7CB03B46}" dt="2022-05-11T02:41:57.335" v="2696" actId="478"/>
+          <ac:picMkLst>
+            <pc:docMk/>
+            <pc:sldMk cId="1948546728" sldId="286"/>
+            <ac:picMk id="2" creationId="{7BE51418-D4BA-D8BF-8352-2CFCE01BAB0C}"/>
+          </ac:picMkLst>
+        </pc:picChg>
+      </pc:sldChg>
+      <pc:sldChg chg="del">
+        <pc:chgData name="Jireh Tseng" userId="eefb979d-fc0d-4dd5-ae9a-91b2ece0a753" providerId="ADAL" clId="{F3FDAC0E-9B55-446C-854B-59BF7CB03B46}" dt="2022-05-11T02:45:54.249" v="3047" actId="2696"/>
+        <pc:sldMkLst>
+          <pc:docMk/>
+          <pc:sldMk cId="2759596377" sldId="287"/>
+        </pc:sldMkLst>
+      </pc:sldChg>
+      <pc:sldChg chg="addSp delSp modSp mod">
+        <pc:chgData name="Jireh Tseng" userId="eefb979d-fc0d-4dd5-ae9a-91b2ece0a753" providerId="ADAL" clId="{F3FDAC0E-9B55-446C-854B-59BF7CB03B46}" dt="2022-05-16T20:50:05.198" v="3343" actId="20577"/>
+        <pc:sldMkLst>
+          <pc:docMk/>
+          <pc:sldMk cId="3742630380" sldId="288"/>
+        </pc:sldMkLst>
+        <pc:spChg chg="mod">
+          <ac:chgData name="Jireh Tseng" userId="eefb979d-fc0d-4dd5-ae9a-91b2ece0a753" providerId="ADAL" clId="{F3FDAC0E-9B55-446C-854B-59BF7CB03B46}" dt="2022-05-16T20:49:35.185" v="3294" actId="20577"/>
+          <ac:spMkLst>
+            <pc:docMk/>
+            <pc:sldMk cId="3742630380" sldId="288"/>
+            <ac:spMk id="2" creationId="{117C7ED0-CC09-82B1-98D7-D7AC8566A02D}"/>
+          </ac:spMkLst>
+        </pc:spChg>
+        <pc:spChg chg="del">
+          <ac:chgData name="Jireh Tseng" userId="eefb979d-fc0d-4dd5-ae9a-91b2ece0a753" providerId="ADAL" clId="{F3FDAC0E-9B55-446C-854B-59BF7CB03B46}" dt="2022-05-16T20:47:27.148" v="3244" actId="478"/>
+          <ac:spMkLst>
+            <pc:docMk/>
+            <pc:sldMk cId="3742630380" sldId="288"/>
+            <ac:spMk id="4" creationId="{0676CC8F-07AC-7255-5C5C-4ABBBE9DE273}"/>
+          </ac:spMkLst>
+        </pc:spChg>
+        <pc:spChg chg="del">
+          <ac:chgData name="Jireh Tseng" userId="eefb979d-fc0d-4dd5-ae9a-91b2ece0a753" providerId="ADAL" clId="{F3FDAC0E-9B55-446C-854B-59BF7CB03B46}" dt="2022-05-16T20:47:24.531" v="3243" actId="478"/>
+          <ac:spMkLst>
+            <pc:docMk/>
+            <pc:sldMk cId="3742630380" sldId="288"/>
+            <ac:spMk id="6" creationId="{2ACA099B-D36F-17A9-F335-3BEBFD61AA03}"/>
+          </ac:spMkLst>
+        </pc:spChg>
+        <pc:spChg chg="add mod">
+          <ac:chgData name="Jireh Tseng" userId="eefb979d-fc0d-4dd5-ae9a-91b2ece0a753" providerId="ADAL" clId="{F3FDAC0E-9B55-446C-854B-59BF7CB03B46}" dt="2022-05-16T20:50:05.198" v="3343" actId="20577"/>
+          <ac:spMkLst>
+            <pc:docMk/>
+            <pc:sldMk cId="3742630380" sldId="288"/>
+            <ac:spMk id="10" creationId="{02B86F8F-9D08-DC8E-978F-76C23903CEFA}"/>
+          </ac:spMkLst>
+        </pc:spChg>
+        <pc:picChg chg="del">
+          <ac:chgData name="Jireh Tseng" userId="eefb979d-fc0d-4dd5-ae9a-91b2ece0a753" providerId="ADAL" clId="{F3FDAC0E-9B55-446C-854B-59BF7CB03B46}" dt="2022-05-16T20:47:17.814" v="3240" actId="478"/>
+          <ac:picMkLst>
+            <pc:docMk/>
+            <pc:sldMk cId="3742630380" sldId="288"/>
+            <ac:picMk id="3" creationId="{89276921-B447-1D95-4DC2-8AD1144AB121}"/>
+          </ac:picMkLst>
+        </pc:picChg>
+        <pc:picChg chg="del">
+          <ac:chgData name="Jireh Tseng" userId="eefb979d-fc0d-4dd5-ae9a-91b2ece0a753" providerId="ADAL" clId="{F3FDAC0E-9B55-446C-854B-59BF7CB03B46}" dt="2022-05-16T20:47:18.783" v="3241" actId="478"/>
+          <ac:picMkLst>
+            <pc:docMk/>
+            <pc:sldMk cId="3742630380" sldId="288"/>
+            <ac:picMk id="7" creationId="{3E3ED375-DD72-680C-8F58-70BC755CCE29}"/>
+          </ac:picMkLst>
+        </pc:picChg>
+        <pc:picChg chg="del">
+          <ac:chgData name="Jireh Tseng" userId="eefb979d-fc0d-4dd5-ae9a-91b2ece0a753" providerId="ADAL" clId="{F3FDAC0E-9B55-446C-854B-59BF7CB03B46}" dt="2022-05-16T20:47:21.665" v="3242" actId="478"/>
+          <ac:picMkLst>
+            <pc:docMk/>
+            <pc:sldMk cId="3742630380" sldId="288"/>
+            <ac:picMk id="8" creationId="{FDB2E0E9-D86D-F82F-0828-239D28074C54}"/>
+          </ac:picMkLst>
+        </pc:picChg>
+        <pc:picChg chg="add mod">
+          <ac:chgData name="Jireh Tseng" userId="eefb979d-fc0d-4dd5-ae9a-91b2ece0a753" providerId="ADAL" clId="{F3FDAC0E-9B55-446C-854B-59BF7CB03B46}" dt="2022-05-16T20:49:12.121" v="3261" actId="1076"/>
+          <ac:picMkLst>
+            <pc:docMk/>
+            <pc:sldMk cId="3742630380" sldId="288"/>
+            <ac:picMk id="9" creationId="{5641AE26-FBE3-F455-8996-698A635F5CB8}"/>
+          </ac:picMkLst>
+        </pc:picChg>
+      </pc:sldChg>
+      <pc:sldChg chg="del">
+        <pc:chgData name="Jireh Tseng" userId="eefb979d-fc0d-4dd5-ae9a-91b2ece0a753" providerId="ADAL" clId="{F3FDAC0E-9B55-446C-854B-59BF7CB03B46}" dt="2022-05-16T21:18:37.519" v="4762" actId="2696"/>
+        <pc:sldMkLst>
+          <pc:docMk/>
+          <pc:sldMk cId="1636248130" sldId="289"/>
+        </pc:sldMkLst>
+      </pc:sldChg>
+      <pc:sldChg chg="addSp delSp modSp mod">
+        <pc:chgData name="Jireh Tseng" userId="eefb979d-fc0d-4dd5-ae9a-91b2ece0a753" providerId="ADAL" clId="{F3FDAC0E-9B55-446C-854B-59BF7CB03B46}" dt="2022-05-18T01:34:37.610" v="5006" actId="1076"/>
+        <pc:sldMkLst>
+          <pc:docMk/>
+          <pc:sldMk cId="1092323287" sldId="290"/>
+        </pc:sldMkLst>
+        <pc:spChg chg="del">
+          <ac:chgData name="Jireh Tseng" userId="eefb979d-fc0d-4dd5-ae9a-91b2ece0a753" providerId="ADAL" clId="{F3FDAC0E-9B55-446C-854B-59BF7CB03B46}" dt="2022-05-16T21:23:37.300" v="4765" actId="478"/>
+          <ac:spMkLst>
+            <pc:docMk/>
+            <pc:sldMk cId="1092323287" sldId="290"/>
+            <ac:spMk id="5" creationId="{2013A7D0-D8CD-E2FF-240A-5E82F76B84F0}"/>
+          </ac:spMkLst>
+        </pc:spChg>
+        <pc:spChg chg="del">
+          <ac:chgData name="Jireh Tseng" userId="eefb979d-fc0d-4dd5-ae9a-91b2ece0a753" providerId="ADAL" clId="{F3FDAC0E-9B55-446C-854B-59BF7CB03B46}" dt="2022-05-16T21:23:36.247" v="4764" actId="478"/>
+          <ac:spMkLst>
+            <pc:docMk/>
+            <pc:sldMk cId="1092323287" sldId="290"/>
+            <ac:spMk id="7" creationId="{25A3D05A-97D5-9B99-AFCA-CCE9AE5DA669}"/>
+          </ac:spMkLst>
+        </pc:spChg>
+        <pc:spChg chg="add mod">
+          <ac:chgData name="Jireh Tseng" userId="eefb979d-fc0d-4dd5-ae9a-91b2ece0a753" providerId="ADAL" clId="{F3FDAC0E-9B55-446C-854B-59BF7CB03B46}" dt="2022-05-18T01:34:35.193" v="5005" actId="1076"/>
+          <ac:spMkLst>
+            <pc:docMk/>
+            <pc:sldMk cId="1092323287" sldId="290"/>
+            <ac:spMk id="8" creationId="{C33A8C42-A746-D9B4-45C0-14FC1704F64A}"/>
+          </ac:spMkLst>
+        </pc:spChg>
+        <pc:spChg chg="mod">
+          <ac:chgData name="Jireh Tseng" userId="eefb979d-fc0d-4dd5-ae9a-91b2ece0a753" providerId="ADAL" clId="{F3FDAC0E-9B55-446C-854B-59BF7CB03B46}" dt="2022-05-16T21:23:48.646" v="4811" actId="20577"/>
+          <ac:spMkLst>
+            <pc:docMk/>
+            <pc:sldMk cId="1092323287" sldId="290"/>
+            <ac:spMk id="86" creationId="{00000000-0000-0000-0000-000000000000}"/>
+          </ac:spMkLst>
+        </pc:spChg>
+        <pc:picChg chg="del">
+          <ac:chgData name="Jireh Tseng" userId="eefb979d-fc0d-4dd5-ae9a-91b2ece0a753" providerId="ADAL" clId="{F3FDAC0E-9B55-446C-854B-59BF7CB03B46}" dt="2022-05-16T21:23:34.730" v="4763" actId="478"/>
+          <ac:picMkLst>
+            <pc:docMk/>
+            <pc:sldMk cId="1092323287" sldId="290"/>
+            <ac:picMk id="2" creationId="{BCC23093-8A38-7C08-7B37-8D969267C14E}"/>
+          </ac:picMkLst>
+        </pc:picChg>
+        <pc:picChg chg="add mod">
+          <ac:chgData name="Jireh Tseng" userId="eefb979d-fc0d-4dd5-ae9a-91b2ece0a753" providerId="ADAL" clId="{F3FDAC0E-9B55-446C-854B-59BF7CB03B46}" dt="2022-05-18T01:34:37.610" v="5006" actId="1076"/>
+          <ac:picMkLst>
+            <pc:docMk/>
+            <pc:sldMk cId="1092323287" sldId="290"/>
+            <ac:picMk id="4" creationId="{067E1D4B-4401-AE3A-DA50-E717165C1982}"/>
+          </ac:picMkLst>
+        </pc:picChg>
+      </pc:sldChg>
+      <pc:sldChg chg="del">
+        <pc:chgData name="Jireh Tseng" userId="eefb979d-fc0d-4dd5-ae9a-91b2ece0a753" providerId="ADAL" clId="{F3FDAC0E-9B55-446C-854B-59BF7CB03B46}" dt="2022-05-16T21:24:26.189" v="4826" actId="2696"/>
+        <pc:sldMkLst>
+          <pc:docMk/>
+          <pc:sldMk cId="1750498182" sldId="291"/>
+        </pc:sldMkLst>
+      </pc:sldChg>
+      <pc:sldChg chg="del">
+        <pc:chgData name="Jireh Tseng" userId="eefb979d-fc0d-4dd5-ae9a-91b2ece0a753" providerId="ADAL" clId="{F3FDAC0E-9B55-446C-854B-59BF7CB03B46}" dt="2022-05-18T01:34:13.563" v="5002" actId="2696"/>
+        <pc:sldMkLst>
+          <pc:docMk/>
+          <pc:sldMk cId="821514118" sldId="292"/>
+        </pc:sldMkLst>
+      </pc:sldChg>
+      <pc:sldChg chg="del">
+        <pc:chgData name="Jireh Tseng" userId="eefb979d-fc0d-4dd5-ae9a-91b2ece0a753" providerId="ADAL" clId="{F3FDAC0E-9B55-446C-854B-59BF7CB03B46}" dt="2022-05-18T01:34:42.431" v="5007" actId="2696"/>
+        <pc:sldMkLst>
+          <pc:docMk/>
+          <pc:sldMk cId="248875773" sldId="293"/>
+        </pc:sldMkLst>
+      </pc:sldChg>
+      <pc:sldChg chg="addSp modSp mod">
+        <pc:chgData name="Jireh Tseng" userId="eefb979d-fc0d-4dd5-ae9a-91b2ece0a753" providerId="ADAL" clId="{F3FDAC0E-9B55-446C-854B-59BF7CB03B46}" dt="2022-05-18T01:52:25.382" v="5358" actId="1076"/>
+        <pc:sldMkLst>
+          <pc:docMk/>
+          <pc:sldMk cId="14924585" sldId="294"/>
+        </pc:sldMkLst>
+        <pc:spChg chg="add mod">
+          <ac:chgData name="Jireh Tseng" userId="eefb979d-fc0d-4dd5-ae9a-91b2ece0a753" providerId="ADAL" clId="{F3FDAC0E-9B55-446C-854B-59BF7CB03B46}" dt="2022-05-18T01:52:25.382" v="5358" actId="1076"/>
+          <ac:spMkLst>
+            <pc:docMk/>
+            <pc:sldMk cId="14924585" sldId="294"/>
+            <ac:spMk id="2" creationId="{A3FBB370-4769-160D-533D-07B112669358}"/>
+          </ac:spMkLst>
+        </pc:spChg>
+        <pc:graphicFrameChg chg="mod modGraphic">
+          <ac:chgData name="Jireh Tseng" userId="eefb979d-fc0d-4dd5-ae9a-91b2ece0a753" providerId="ADAL" clId="{F3FDAC0E-9B55-446C-854B-59BF7CB03B46}" dt="2022-05-18T01:52:00.616" v="5320"/>
+          <ac:graphicFrameMkLst>
+            <pc:docMk/>
+            <pc:sldMk cId="14924585" sldId="294"/>
+            <ac:graphicFrameMk id="92" creationId="{00000000-0000-0000-0000-000000000000}"/>
+          </ac:graphicFrameMkLst>
+        </pc:graphicFrameChg>
+      </pc:sldChg>
+      <pc:sldChg chg="addSp delSp modSp mod">
+        <pc:chgData name="Jireh Tseng" userId="eefb979d-fc0d-4dd5-ae9a-91b2ece0a753" providerId="ADAL" clId="{F3FDAC0E-9B55-446C-854B-59BF7CB03B46}" dt="2022-05-18T01:53:08.810" v="5362" actId="1076"/>
+        <pc:sldMkLst>
+          <pc:docMk/>
+          <pc:sldMk cId="2181879276" sldId="295"/>
+        </pc:sldMkLst>
+        <pc:picChg chg="del">
+          <ac:chgData name="Jireh Tseng" userId="eefb979d-fc0d-4dd5-ae9a-91b2ece0a753" providerId="ADAL" clId="{F3FDAC0E-9B55-446C-854B-59BF7CB03B46}" dt="2022-05-18T01:45:41.434" v="5211" actId="478"/>
+          <ac:picMkLst>
+            <pc:docMk/>
+            <pc:sldMk cId="2181879276" sldId="295"/>
+            <ac:picMk id="3" creationId="{32005FF8-46FA-E696-97B7-3A4BE8249FC2}"/>
+          </ac:picMkLst>
+        </pc:picChg>
+        <pc:picChg chg="add del mod">
+          <ac:chgData name="Jireh Tseng" userId="eefb979d-fc0d-4dd5-ae9a-91b2ece0a753" providerId="ADAL" clId="{F3FDAC0E-9B55-446C-854B-59BF7CB03B46}" dt="2022-05-18T01:53:02.919" v="5359" actId="478"/>
+          <ac:picMkLst>
+            <pc:docMk/>
+            <pc:sldMk cId="2181879276" sldId="295"/>
+            <ac:picMk id="6" creationId="{5AAFCE95-C429-7D53-72E4-40644E4B2497}"/>
+          </ac:picMkLst>
+        </pc:picChg>
+        <pc:picChg chg="add mod">
+          <ac:chgData name="Jireh Tseng" userId="eefb979d-fc0d-4dd5-ae9a-91b2ece0a753" providerId="ADAL" clId="{F3FDAC0E-9B55-446C-854B-59BF7CB03B46}" dt="2022-05-18T01:53:08.810" v="5362" actId="1076"/>
+          <ac:picMkLst>
+            <pc:docMk/>
+            <pc:sldMk cId="2181879276" sldId="295"/>
+            <ac:picMk id="8" creationId="{E036A71B-802E-6375-6BC2-8E3992F06E05}"/>
+          </ac:picMkLst>
+        </pc:picChg>
+      </pc:sldChg>
       <pc:sldChg chg="addSp delSp modSp add del mod">
         <pc:chgData name="Jireh Tseng" userId="eefb979d-fc0d-4dd5-ae9a-91b2ece0a753" providerId="ADAL" clId="{F3FDAC0E-9B55-446C-854B-59BF7CB03B46}" dt="2022-05-09T21:19:43.473" v="762" actId="2696"/>
         <pc:sldMkLst>
@@ -4731,12 +5017,1186 @@
           </ac:spMkLst>
         </pc:spChg>
       </pc:sldChg>
+      <pc:sldChg chg="addSp delSp modSp add mod">
+        <pc:chgData name="Jireh Tseng" userId="eefb979d-fc0d-4dd5-ae9a-91b2ece0a753" providerId="ADAL" clId="{F3FDAC0E-9B55-446C-854B-59BF7CB03B46}" dt="2022-05-18T01:31:48.297" v="4996" actId="1076"/>
+        <pc:sldMkLst>
+          <pc:docMk/>
+          <pc:sldMk cId="807429404" sldId="307"/>
+        </pc:sldMkLst>
+        <pc:spChg chg="add mod">
+          <ac:chgData name="Jireh Tseng" userId="eefb979d-fc0d-4dd5-ae9a-91b2ece0a753" providerId="ADAL" clId="{F3FDAC0E-9B55-446C-854B-59BF7CB03B46}" dt="2022-05-18T01:31:48.297" v="4996" actId="1076"/>
+          <ac:spMkLst>
+            <pc:docMk/>
+            <pc:sldMk cId="807429404" sldId="307"/>
+            <ac:spMk id="2" creationId="{199C2BDA-E076-AD52-1FC8-058D3C4BA314}"/>
+          </ac:spMkLst>
+        </pc:spChg>
+        <pc:spChg chg="add mod">
+          <ac:chgData name="Jireh Tseng" userId="eefb979d-fc0d-4dd5-ae9a-91b2ece0a753" providerId="ADAL" clId="{F3FDAC0E-9B55-446C-854B-59BF7CB03B46}" dt="2022-05-11T23:26:57.511" v="3128" actId="14100"/>
+          <ac:spMkLst>
+            <pc:docMk/>
+            <pc:sldMk cId="807429404" sldId="307"/>
+            <ac:spMk id="24" creationId="{A0CE46F8-A5AB-448E-A0DE-DCE634476578}"/>
+          </ac:spMkLst>
+        </pc:spChg>
+        <pc:spChg chg="add mod">
+          <ac:chgData name="Jireh Tseng" userId="eefb979d-fc0d-4dd5-ae9a-91b2ece0a753" providerId="ADAL" clId="{F3FDAC0E-9B55-446C-854B-59BF7CB03B46}" dt="2022-05-11T23:31:18.125" v="3145" actId="14100"/>
+          <ac:spMkLst>
+            <pc:docMk/>
+            <pc:sldMk cId="807429404" sldId="307"/>
+            <ac:spMk id="25" creationId="{8E9882ED-57F4-48D4-BF5E-D6CA9E60B018}"/>
+          </ac:spMkLst>
+        </pc:spChg>
+        <pc:spChg chg="add del">
+          <ac:chgData name="Jireh Tseng" userId="eefb979d-fc0d-4dd5-ae9a-91b2ece0a753" providerId="ADAL" clId="{F3FDAC0E-9B55-446C-854B-59BF7CB03B46}" dt="2022-05-11T23:25:54.622" v="3112" actId="478"/>
+          <ac:spMkLst>
+            <pc:docMk/>
+            <pc:sldMk cId="807429404" sldId="307"/>
+            <ac:spMk id="27" creationId="{4593F46E-6A4F-4766-875C-27CD38571632}"/>
+          </ac:spMkLst>
+        </pc:spChg>
+        <pc:spChg chg="add">
+          <ac:chgData name="Jireh Tseng" userId="eefb979d-fc0d-4dd5-ae9a-91b2ece0a753" providerId="ADAL" clId="{F3FDAC0E-9B55-446C-854B-59BF7CB03B46}" dt="2022-05-11T23:25:35.435" v="3108" actId="34122"/>
+          <ac:spMkLst>
+            <pc:docMk/>
+            <pc:sldMk cId="807429404" sldId="307"/>
+            <ac:spMk id="30" creationId="{8161969E-C547-44FB-A32D-A8C50A5E2AF5}"/>
+          </ac:spMkLst>
+        </pc:spChg>
+        <pc:spChg chg="add mod">
+          <ac:chgData name="Jireh Tseng" userId="eefb979d-fc0d-4dd5-ae9a-91b2ece0a753" providerId="ADAL" clId="{F3FDAC0E-9B55-446C-854B-59BF7CB03B46}" dt="2022-05-11T23:36:06.515" v="3209" actId="14100"/>
+          <ac:spMkLst>
+            <pc:docMk/>
+            <pc:sldMk cId="807429404" sldId="307"/>
+            <ac:spMk id="35" creationId="{5C57644F-247C-4B5F-A657-D410D7B64C53}"/>
+          </ac:spMkLst>
+        </pc:spChg>
+        <pc:spChg chg="add del mod">
+          <ac:chgData name="Jireh Tseng" userId="eefb979d-fc0d-4dd5-ae9a-91b2ece0a753" providerId="ADAL" clId="{F3FDAC0E-9B55-446C-854B-59BF7CB03B46}" dt="2022-05-11T23:32:09.093" v="3155" actId="478"/>
+          <ac:spMkLst>
+            <pc:docMk/>
+            <pc:sldMk cId="807429404" sldId="307"/>
+            <ac:spMk id="35" creationId="{F0FB5BE5-78EE-43EF-98E5-98C85F64485A}"/>
+          </ac:spMkLst>
+        </pc:spChg>
+        <pc:spChg chg="add mod">
+          <ac:chgData name="Jireh Tseng" userId="eefb979d-fc0d-4dd5-ae9a-91b2ece0a753" providerId="ADAL" clId="{F3FDAC0E-9B55-446C-854B-59BF7CB03B46}" dt="2022-05-11T23:30:19.929" v="3136" actId="14100"/>
+          <ac:spMkLst>
+            <pc:docMk/>
+            <pc:sldMk cId="807429404" sldId="307"/>
+            <ac:spMk id="37" creationId="{14DE06A5-0A0A-4ACA-A7D7-5985A988739A}"/>
+          </ac:spMkLst>
+        </pc:spChg>
+        <pc:spChg chg="add">
+          <ac:chgData name="Jireh Tseng" userId="eefb979d-fc0d-4dd5-ae9a-91b2ece0a753" providerId="ADAL" clId="{F3FDAC0E-9B55-446C-854B-59BF7CB03B46}" dt="2022-05-11T23:33:38.559" v="3175" actId="34122"/>
+          <ac:spMkLst>
+            <pc:docMk/>
+            <pc:sldMk cId="807429404" sldId="307"/>
+            <ac:spMk id="43" creationId="{6148145D-2EBA-4932-8CB4-62EE6AC14D75}"/>
+          </ac:spMkLst>
+        </pc:spChg>
+        <pc:spChg chg="add del">
+          <ac:chgData name="Jireh Tseng" userId="eefb979d-fc0d-4dd5-ae9a-91b2ece0a753" providerId="ADAL" clId="{F3FDAC0E-9B55-446C-854B-59BF7CB03B46}" dt="2022-05-11T23:31:49.928" v="3151" actId="478"/>
+          <ac:spMkLst>
+            <pc:docMk/>
+            <pc:sldMk cId="807429404" sldId="307"/>
+            <ac:spMk id="44" creationId="{859D3759-7AA6-47BE-9148-4362642F8F7F}"/>
+          </ac:spMkLst>
+        </pc:spChg>
+        <pc:spChg chg="add mod">
+          <ac:chgData name="Jireh Tseng" userId="eefb979d-fc0d-4dd5-ae9a-91b2ece0a753" providerId="ADAL" clId="{F3FDAC0E-9B55-446C-854B-59BF7CB03B46}" dt="2022-05-11T23:32:39.295" v="3165" actId="14100"/>
+          <ac:spMkLst>
+            <pc:docMk/>
+            <pc:sldMk cId="807429404" sldId="307"/>
+            <ac:spMk id="46" creationId="{F364ADEF-20C4-F0F4-A1DC-9111C4F9D3AB}"/>
+          </ac:spMkLst>
+        </pc:spChg>
+        <pc:spChg chg="add">
+          <ac:chgData name="Jireh Tseng" userId="eefb979d-fc0d-4dd5-ae9a-91b2ece0a753" providerId="ADAL" clId="{F3FDAC0E-9B55-446C-854B-59BF7CB03B46}" dt="2022-05-11T23:25:35.435" v="3108" actId="34122"/>
+          <ac:spMkLst>
+            <pc:docMk/>
+            <pc:sldMk cId="807429404" sldId="307"/>
+            <ac:spMk id="50" creationId="{23E0BA7C-AF0B-483F-83D1-BFC47F3E1E68}"/>
+          </ac:spMkLst>
+        </pc:spChg>
+        <pc:spChg chg="add">
+          <ac:chgData name="Jireh Tseng" userId="eefb979d-fc0d-4dd5-ae9a-91b2ece0a753" providerId="ADAL" clId="{F3FDAC0E-9B55-446C-854B-59BF7CB03B46}" dt="2022-05-11T23:35:45.245" v="3204" actId="34122"/>
+          <ac:spMkLst>
+            <pc:docMk/>
+            <pc:sldMk cId="807429404" sldId="307"/>
+            <ac:spMk id="51" creationId="{2D8E101C-C619-4BB9-BA9D-2834B5516CD7}"/>
+          </ac:spMkLst>
+        </pc:spChg>
+        <pc:spChg chg="add del mod">
+          <ac:chgData name="Jireh Tseng" userId="eefb979d-fc0d-4dd5-ae9a-91b2ece0a753" providerId="ADAL" clId="{F3FDAC0E-9B55-446C-854B-59BF7CB03B46}" dt="2022-05-11T23:34:06.747" v="3186" actId="478"/>
+          <ac:spMkLst>
+            <pc:docMk/>
+            <pc:sldMk cId="807429404" sldId="307"/>
+            <ac:spMk id="52" creationId="{BC4F3045-577A-451E-B054-BEFF3B11FD2F}"/>
+          </ac:spMkLst>
+        </pc:spChg>
+        <pc:spChg chg="add mod">
+          <ac:chgData name="Jireh Tseng" userId="eefb979d-fc0d-4dd5-ae9a-91b2ece0a753" providerId="ADAL" clId="{F3FDAC0E-9B55-446C-854B-59BF7CB03B46}" dt="2022-05-11T23:34:43.915" v="3193" actId="14100"/>
+          <ac:spMkLst>
+            <pc:docMk/>
+            <pc:sldMk cId="807429404" sldId="307"/>
+            <ac:spMk id="54" creationId="{CD230CCA-0559-41F7-AA90-97E155A84FB7}"/>
+          </ac:spMkLst>
+        </pc:spChg>
+        <pc:spChg chg="add">
+          <ac:chgData name="Jireh Tseng" userId="eefb979d-fc0d-4dd5-ae9a-91b2ece0a753" providerId="ADAL" clId="{F3FDAC0E-9B55-446C-854B-59BF7CB03B46}" dt="2022-05-11T23:36:49.726" v="3230" actId="34122"/>
+          <ac:spMkLst>
+            <pc:docMk/>
+            <pc:sldMk cId="807429404" sldId="307"/>
+            <ac:spMk id="58" creationId="{CBC37318-88B9-4F1B-85D6-703877DC32D9}"/>
+          </ac:spMkLst>
+        </pc:spChg>
+        <pc:spChg chg="add mod">
+          <ac:chgData name="Jireh Tseng" userId="eefb979d-fc0d-4dd5-ae9a-91b2ece0a753" providerId="ADAL" clId="{F3FDAC0E-9B55-446C-854B-59BF7CB03B46}" dt="2022-05-11T23:27:09.307" v="3130" actId="14100"/>
+          <ac:spMkLst>
+            <pc:docMk/>
+            <pc:sldMk cId="807429404" sldId="307"/>
+            <ac:spMk id="66" creationId="{E2BF8B9B-2911-45A6-B025-8C86C6029CF2}"/>
+          </ac:spMkLst>
+        </pc:spChg>
+        <pc:spChg chg="add mod">
+          <ac:chgData name="Jireh Tseng" userId="eefb979d-fc0d-4dd5-ae9a-91b2ece0a753" providerId="ADAL" clId="{F3FDAC0E-9B55-446C-854B-59BF7CB03B46}" dt="2022-05-11T23:34:16.400" v="3189" actId="1076"/>
+          <ac:spMkLst>
+            <pc:docMk/>
+            <pc:sldMk cId="807429404" sldId="307"/>
+            <ac:spMk id="67" creationId="{A366B8A4-AA7C-F396-9E0B-3E4B87B5D551}"/>
+          </ac:spMkLst>
+        </pc:spChg>
+        <pc:spChg chg="add">
+          <ac:chgData name="Jireh Tseng" userId="eefb979d-fc0d-4dd5-ae9a-91b2ece0a753" providerId="ADAL" clId="{F3FDAC0E-9B55-446C-854B-59BF7CB03B46}" dt="2022-05-11T23:33:20.640" v="3173" actId="34122"/>
+          <ac:spMkLst>
+            <pc:docMk/>
+            <pc:sldMk cId="807429404" sldId="307"/>
+            <ac:spMk id="70" creationId="{A9704574-14CD-44A2-8A19-85B449E43463}"/>
+          </ac:spMkLst>
+        </pc:spChg>
+        <pc:spChg chg="add mod">
+          <ac:chgData name="Jireh Tseng" userId="eefb979d-fc0d-4dd5-ae9a-91b2ece0a753" providerId="ADAL" clId="{F3FDAC0E-9B55-446C-854B-59BF7CB03B46}" dt="2022-05-11T23:26:47.201" v="3126" actId="14100"/>
+          <ac:spMkLst>
+            <pc:docMk/>
+            <pc:sldMk cId="807429404" sldId="307"/>
+            <ac:spMk id="71" creationId="{A6403B75-4858-414E-9159-7E5026889842}"/>
+          </ac:spMkLst>
+        </pc:spChg>
+        <pc:spChg chg="add mod">
+          <ac:chgData name="Jireh Tseng" userId="eefb979d-fc0d-4dd5-ae9a-91b2ece0a753" providerId="ADAL" clId="{F3FDAC0E-9B55-446C-854B-59BF7CB03B46}" dt="2022-05-11T23:36:22.361" v="3222" actId="14100"/>
+          <ac:spMkLst>
+            <pc:docMk/>
+            <pc:sldMk cId="807429404" sldId="307"/>
+            <ac:spMk id="80" creationId="{1772F01E-264A-4942-979B-6BA6B7FE204A}"/>
+          </ac:spMkLst>
+        </pc:spChg>
+        <pc:spChg chg="add">
+          <ac:chgData name="Jireh Tseng" userId="eefb979d-fc0d-4dd5-ae9a-91b2ece0a753" providerId="ADAL" clId="{F3FDAC0E-9B55-446C-854B-59BF7CB03B46}" dt="2022-05-11T23:36:49.726" v="3230" actId="34122"/>
+          <ac:spMkLst>
+            <pc:docMk/>
+            <pc:sldMk cId="807429404" sldId="307"/>
+            <ac:spMk id="81" creationId="{04CEE3A2-2F04-479C-9CA2-7CAB2F8362A9}"/>
+          </ac:spMkLst>
+        </pc:spChg>
+        <pc:spChg chg="mod">
+          <ac:chgData name="Jireh Tseng" userId="eefb979d-fc0d-4dd5-ae9a-91b2ece0a753" providerId="ADAL" clId="{F3FDAC0E-9B55-446C-854B-59BF7CB03B46}" dt="2022-05-11T02:47:48.455" v="3055" actId="20577"/>
+          <ac:spMkLst>
+            <pc:docMk/>
+            <pc:sldMk cId="807429404" sldId="307"/>
+            <ac:spMk id="91" creationId="{00000000-0000-0000-0000-000000000000}"/>
+          </ac:spMkLst>
+        </pc:spChg>
+        <pc:spChg chg="add">
+          <ac:chgData name="Jireh Tseng" userId="eefb979d-fc0d-4dd5-ae9a-91b2ece0a753" providerId="ADAL" clId="{F3FDAC0E-9B55-446C-854B-59BF7CB03B46}" dt="2022-05-11T23:35:45.245" v="3204" actId="34122"/>
+          <ac:spMkLst>
+            <pc:docMk/>
+            <pc:sldMk cId="807429404" sldId="307"/>
+            <ac:spMk id="99" creationId="{70BF3BFB-525E-4586-90AC-1025422AD61F}"/>
+          </ac:spMkLst>
+        </pc:spChg>
+        <pc:spChg chg="add">
+          <ac:chgData name="Jireh Tseng" userId="eefb979d-fc0d-4dd5-ae9a-91b2ece0a753" providerId="ADAL" clId="{F3FDAC0E-9B55-446C-854B-59BF7CB03B46}" dt="2022-05-11T23:36:49.726" v="3230" actId="34122"/>
+          <ac:spMkLst>
+            <pc:docMk/>
+            <pc:sldMk cId="807429404" sldId="307"/>
+            <ac:spMk id="109" creationId="{F175F922-B243-4689-AC9B-B01784869B4A}"/>
+          </ac:spMkLst>
+        </pc:spChg>
+        <pc:grpChg chg="del mod">
+          <ac:chgData name="Jireh Tseng" userId="eefb979d-fc0d-4dd5-ae9a-91b2ece0a753" providerId="ADAL" clId="{F3FDAC0E-9B55-446C-854B-59BF7CB03B46}" dt="2022-05-11T23:25:35.435" v="3108" actId="34122"/>
+          <ac:grpSpMkLst>
+            <pc:docMk/>
+            <pc:sldMk cId="807429404" sldId="307"/>
+            <ac:grpSpMk id="6" creationId="{FF159EF9-579B-0C2E-7EAA-902749589C3E}"/>
+          </ac:grpSpMkLst>
+        </pc:grpChg>
+        <pc:grpChg chg="del mod">
+          <ac:chgData name="Jireh Tseng" userId="eefb979d-fc0d-4dd5-ae9a-91b2ece0a753" providerId="ADAL" clId="{F3FDAC0E-9B55-446C-854B-59BF7CB03B46}" dt="2022-05-11T23:25:35.435" v="3108" actId="34122"/>
+          <ac:grpSpMkLst>
+            <pc:docMk/>
+            <pc:sldMk cId="807429404" sldId="307"/>
+            <ac:grpSpMk id="12" creationId="{80A70B7F-CD1E-D000-1DE1-901AF8137AEC}"/>
+          </ac:grpSpMkLst>
+        </pc:grpChg>
+        <pc:grpChg chg="del mod">
+          <ac:chgData name="Jireh Tseng" userId="eefb979d-fc0d-4dd5-ae9a-91b2ece0a753" providerId="ADAL" clId="{F3FDAC0E-9B55-446C-854B-59BF7CB03B46}" dt="2022-05-11T23:26:18.299" v="3120" actId="34122"/>
+          <ac:grpSpMkLst>
+            <pc:docMk/>
+            <pc:sldMk cId="807429404" sldId="307"/>
+            <ac:grpSpMk id="18" creationId="{3B5D7579-4191-CC67-8463-CEB6200128A4}"/>
+          </ac:grpSpMkLst>
+        </pc:grpChg>
+        <pc:grpChg chg="del mod">
+          <ac:chgData name="Jireh Tseng" userId="eefb979d-fc0d-4dd5-ae9a-91b2ece0a753" providerId="ADAL" clId="{F3FDAC0E-9B55-446C-854B-59BF7CB03B46}" dt="2022-05-11T23:26:18.299" v="3120" actId="34122"/>
+          <ac:grpSpMkLst>
+            <pc:docMk/>
+            <pc:sldMk cId="807429404" sldId="307"/>
+            <ac:grpSpMk id="21" creationId="{48B0D263-180D-1036-C943-4596E3E9BBEE}"/>
+          </ac:grpSpMkLst>
+        </pc:grpChg>
+        <pc:grpChg chg="del mod">
+          <ac:chgData name="Jireh Tseng" userId="eefb979d-fc0d-4dd5-ae9a-91b2ece0a753" providerId="ADAL" clId="{F3FDAC0E-9B55-446C-854B-59BF7CB03B46}" dt="2022-05-11T23:31:40.380" v="3150" actId="34122"/>
+          <ac:grpSpMkLst>
+            <pc:docMk/>
+            <pc:sldMk cId="807429404" sldId="307"/>
+            <ac:grpSpMk id="33" creationId="{05FDC03E-DC72-68B5-6D31-8EACFC0A9A2E}"/>
+          </ac:grpSpMkLst>
+        </pc:grpChg>
+        <pc:grpChg chg="del mod">
+          <ac:chgData name="Jireh Tseng" userId="eefb979d-fc0d-4dd5-ae9a-91b2ece0a753" providerId="ADAL" clId="{F3FDAC0E-9B55-446C-854B-59BF7CB03B46}" dt="2022-05-11T23:33:20.640" v="3173" actId="34122"/>
+          <ac:grpSpMkLst>
+            <pc:docMk/>
+            <pc:sldMk cId="807429404" sldId="307"/>
+            <ac:grpSpMk id="40" creationId="{AF580F7A-0E05-EF94-F140-22839AAF3A26}"/>
+          </ac:grpSpMkLst>
+        </pc:grpChg>
+        <pc:grpChg chg="del mod">
+          <ac:chgData name="Jireh Tseng" userId="eefb979d-fc0d-4dd5-ae9a-91b2ece0a753" providerId="ADAL" clId="{F3FDAC0E-9B55-446C-854B-59BF7CB03B46}" dt="2022-05-11T23:33:20.640" v="3173" actId="34122"/>
+          <ac:grpSpMkLst>
+            <pc:docMk/>
+            <pc:sldMk cId="807429404" sldId="307"/>
+            <ac:grpSpMk id="43" creationId="{2996B3D8-71D7-CC42-7684-58EC87CDFAA8}"/>
+          </ac:grpSpMkLst>
+        </pc:grpChg>
+        <pc:grpChg chg="del mod">
+          <ac:chgData name="Jireh Tseng" userId="eefb979d-fc0d-4dd5-ae9a-91b2ece0a753" providerId="ADAL" clId="{F3FDAC0E-9B55-446C-854B-59BF7CB03B46}" dt="2022-05-11T23:35:30.129" v="3203"/>
+          <ac:grpSpMkLst>
+            <pc:docMk/>
+            <pc:sldMk cId="807429404" sldId="307"/>
+            <ac:grpSpMk id="63" creationId="{E01FBC6B-2A14-1951-6F9C-88C0E2A9F57B}"/>
+          </ac:grpSpMkLst>
+        </pc:grpChg>
+        <pc:grpChg chg="del mod">
+          <ac:chgData name="Jireh Tseng" userId="eefb979d-fc0d-4dd5-ae9a-91b2ece0a753" providerId="ADAL" clId="{F3FDAC0E-9B55-446C-854B-59BF7CB03B46}" dt="2022-05-11T23:35:45.245" v="3204" actId="34122"/>
+          <ac:grpSpMkLst>
+            <pc:docMk/>
+            <pc:sldMk cId="807429404" sldId="307"/>
+            <ac:grpSpMk id="68" creationId="{9D4F739E-3EAC-9375-C2DD-A59DB8B84EF2}"/>
+          </ac:grpSpMkLst>
+        </pc:grpChg>
+        <pc:grpChg chg="mod">
+          <ac:chgData name="Jireh Tseng" userId="eefb979d-fc0d-4dd5-ae9a-91b2ece0a753" providerId="ADAL" clId="{F3FDAC0E-9B55-446C-854B-59BF7CB03B46}" dt="2022-05-11T23:36:13.948" v="3216"/>
+          <ac:grpSpMkLst>
+            <pc:docMk/>
+            <pc:sldMk cId="807429404" sldId="307"/>
+            <ac:grpSpMk id="77" creationId="{A3A0A27A-ACC2-91A2-E122-D3EB344ADBCF}"/>
+          </ac:grpSpMkLst>
+        </pc:grpChg>
+        <pc:grpChg chg="del mod">
+          <ac:chgData name="Jireh Tseng" userId="eefb979d-fc0d-4dd5-ae9a-91b2ece0a753" providerId="ADAL" clId="{F3FDAC0E-9B55-446C-854B-59BF7CB03B46}" dt="2022-05-11T23:36:49.726" v="3230" actId="34122"/>
+          <ac:grpSpMkLst>
+            <pc:docMk/>
+            <pc:sldMk cId="807429404" sldId="307"/>
+            <ac:grpSpMk id="86" creationId="{39F0B635-5327-6B3C-DFB1-B24A20AB0DC2}"/>
+          </ac:grpSpMkLst>
+        </pc:grpChg>
+        <pc:grpChg chg="del mod">
+          <ac:chgData name="Jireh Tseng" userId="eefb979d-fc0d-4dd5-ae9a-91b2ece0a753" providerId="ADAL" clId="{F3FDAC0E-9B55-446C-854B-59BF7CB03B46}" dt="2022-05-11T23:36:49.726" v="3230" actId="34122"/>
+          <ac:grpSpMkLst>
+            <pc:docMk/>
+            <pc:sldMk cId="807429404" sldId="307"/>
+            <ac:grpSpMk id="89" creationId="{DF293420-13F6-3545-E8A3-6AA36241240D}"/>
+          </ac:grpSpMkLst>
+        </pc:grpChg>
+        <pc:graphicFrameChg chg="mod modGraphic">
+          <ac:chgData name="Jireh Tseng" userId="eefb979d-fc0d-4dd5-ae9a-91b2ece0a753" providerId="ADAL" clId="{F3FDAC0E-9B55-446C-854B-59BF7CB03B46}" dt="2022-05-11T02:50:40.830" v="3073" actId="14100"/>
+          <ac:graphicFrameMkLst>
+            <pc:docMk/>
+            <pc:sldMk cId="807429404" sldId="307"/>
+            <ac:graphicFrameMk id="92" creationId="{00000000-0000-0000-0000-000000000000}"/>
+          </ac:graphicFrameMkLst>
+        </pc:graphicFrameChg>
+        <pc:picChg chg="add del">
+          <ac:chgData name="Jireh Tseng" userId="eefb979d-fc0d-4dd5-ae9a-91b2ece0a753" providerId="ADAL" clId="{F3FDAC0E-9B55-446C-854B-59BF7CB03B46}" dt="2022-05-11T02:50:26.301" v="3068" actId="478"/>
+          <ac:picMkLst>
+            <pc:docMk/>
+            <pc:sldMk cId="807429404" sldId="307"/>
+            <ac:picMk id="3" creationId="{9A2A4AA1-B76C-940B-9BEC-9C2894A40CDA}"/>
+          </ac:picMkLst>
+        </pc:picChg>
+        <pc:picChg chg="add mod modCrop">
+          <ac:chgData name="Jireh Tseng" userId="eefb979d-fc0d-4dd5-ae9a-91b2ece0a753" providerId="ADAL" clId="{F3FDAC0E-9B55-446C-854B-59BF7CB03B46}" dt="2022-05-11T10:37:29.970" v="3090" actId="1076"/>
+          <ac:picMkLst>
+            <pc:docMk/>
+            <pc:sldMk cId="807429404" sldId="307"/>
+            <ac:picMk id="5" creationId="{637CD0B6-91F3-CECE-A7B5-B870DE5E0B18}"/>
+          </ac:picMkLst>
+        </pc:picChg>
+        <pc:picChg chg="add mod">
+          <ac:chgData name="Jireh Tseng" userId="eefb979d-fc0d-4dd5-ae9a-91b2ece0a753" providerId="ADAL" clId="{F3FDAC0E-9B55-446C-854B-59BF7CB03B46}" dt="2022-05-11T23:30:15.428" v="3134" actId="1076"/>
+          <ac:picMkLst>
+            <pc:docMk/>
+            <pc:sldMk cId="807429404" sldId="307"/>
+            <ac:picMk id="7" creationId="{3899CB6A-2ABB-C49A-60D8-76C6BAEDF9A4}"/>
+          </ac:picMkLst>
+        </pc:picChg>
+        <pc:picChg chg="add mod">
+          <ac:chgData name="Jireh Tseng" userId="eefb979d-fc0d-4dd5-ae9a-91b2ece0a753" providerId="ADAL" clId="{F3FDAC0E-9B55-446C-854B-59BF7CB03B46}" dt="2022-05-11T23:31:19.899" v="3146" actId="1076"/>
+          <ac:picMkLst>
+            <pc:docMk/>
+            <pc:sldMk cId="807429404" sldId="307"/>
+            <ac:picMk id="9" creationId="{6D04134E-C5EE-236B-B651-285912B8EDE3}"/>
+          </ac:picMkLst>
+        </pc:picChg>
+        <pc:picChg chg="add mod">
+          <ac:chgData name="Jireh Tseng" userId="eefb979d-fc0d-4dd5-ae9a-91b2ece0a753" providerId="ADAL" clId="{F3FDAC0E-9B55-446C-854B-59BF7CB03B46}" dt="2022-05-11T23:35:14.942" v="3200" actId="1076"/>
+          <ac:picMkLst>
+            <pc:docMk/>
+            <pc:sldMk cId="807429404" sldId="307"/>
+            <ac:picMk id="11" creationId="{086ED36D-EF7F-CF21-225C-4F5B59946C2D}"/>
+          </ac:picMkLst>
+        </pc:picChg>
+        <pc:picChg chg="add mod">
+          <ac:chgData name="Jireh Tseng" userId="eefb979d-fc0d-4dd5-ae9a-91b2ece0a753" providerId="ADAL" clId="{F3FDAC0E-9B55-446C-854B-59BF7CB03B46}" dt="2022-05-11T23:35:12.693" v="3199" actId="1076"/>
+          <ac:picMkLst>
+            <pc:docMk/>
+            <pc:sldMk cId="807429404" sldId="307"/>
+            <ac:picMk id="13" creationId="{92E457B1-0C73-1CAC-5B08-B5C609E30EFE}"/>
+          </ac:picMkLst>
+        </pc:picChg>
+        <pc:inkChg chg="add del">
+          <ac:chgData name="Jireh Tseng" userId="eefb979d-fc0d-4dd5-ae9a-91b2ece0a753" providerId="ADAL" clId="{F3FDAC0E-9B55-446C-854B-59BF7CB03B46}" dt="2022-05-11T23:25:35.435" v="3108" actId="34122"/>
+          <ac:inkMkLst>
+            <pc:docMk/>
+            <pc:sldMk cId="807429404" sldId="307"/>
+            <ac:inkMk id="2" creationId="{D21D38E0-FCB0-1FC0-6CC0-0D911E7F2073}"/>
+          </ac:inkMkLst>
+        </pc:inkChg>
+        <pc:inkChg chg="add del mod topLvl">
+          <ac:chgData name="Jireh Tseng" userId="eefb979d-fc0d-4dd5-ae9a-91b2ece0a753" providerId="ADAL" clId="{F3FDAC0E-9B55-446C-854B-59BF7CB03B46}" dt="2022-05-11T23:25:35.435" v="3108" actId="34122"/>
+          <ac:inkMkLst>
+            <pc:docMk/>
+            <pc:sldMk cId="807429404" sldId="307"/>
+            <ac:inkMk id="3" creationId="{23560F33-3F79-A8A7-E122-20B6502962F8}"/>
+          </ac:inkMkLst>
+        </pc:inkChg>
+        <pc:inkChg chg="add del mod topLvl">
+          <ac:chgData name="Jireh Tseng" userId="eefb979d-fc0d-4dd5-ae9a-91b2ece0a753" providerId="ADAL" clId="{F3FDAC0E-9B55-446C-854B-59BF7CB03B46}" dt="2022-05-11T23:25:35.435" v="3108" actId="34122"/>
+          <ac:inkMkLst>
+            <pc:docMk/>
+            <pc:sldMk cId="807429404" sldId="307"/>
+            <ac:inkMk id="4" creationId="{413F4B14-5CD8-19DF-389D-3572822CA5BE}"/>
+          </ac:inkMkLst>
+        </pc:inkChg>
+        <pc:inkChg chg="add del mod topLvl">
+          <ac:chgData name="Jireh Tseng" userId="eefb979d-fc0d-4dd5-ae9a-91b2ece0a753" providerId="ADAL" clId="{F3FDAC0E-9B55-446C-854B-59BF7CB03B46}" dt="2022-05-11T23:25:35.435" v="3108" actId="34122"/>
+          <ac:inkMkLst>
+            <pc:docMk/>
+            <pc:sldMk cId="807429404" sldId="307"/>
+            <ac:inkMk id="8" creationId="{C8223DAF-8D1B-9688-0A9A-4F68E4CC3260}"/>
+          </ac:inkMkLst>
+        </pc:inkChg>
+        <pc:inkChg chg="add del mod topLvl">
+          <ac:chgData name="Jireh Tseng" userId="eefb979d-fc0d-4dd5-ae9a-91b2ece0a753" providerId="ADAL" clId="{F3FDAC0E-9B55-446C-854B-59BF7CB03B46}" dt="2022-05-11T23:25:35.435" v="3108" actId="34122"/>
+          <ac:inkMkLst>
+            <pc:docMk/>
+            <pc:sldMk cId="807429404" sldId="307"/>
+            <ac:inkMk id="10" creationId="{6D7176C1-07A0-6672-AB36-9C5AD972DF78}"/>
+          </ac:inkMkLst>
+        </pc:inkChg>
+        <pc:inkChg chg="add del">
+          <ac:chgData name="Jireh Tseng" userId="eefb979d-fc0d-4dd5-ae9a-91b2ece0a753" providerId="ADAL" clId="{F3FDAC0E-9B55-446C-854B-59BF7CB03B46}" dt="2022-05-11T23:25:52.427" v="3111" actId="34122"/>
+          <ac:inkMkLst>
+            <pc:docMk/>
+            <pc:sldMk cId="807429404" sldId="307"/>
+            <ac:inkMk id="14" creationId="{B66B6E2C-3A87-3B23-DD12-6161DA64878D}"/>
+          </ac:inkMkLst>
+        </pc:inkChg>
+        <pc:inkChg chg="add del mod topLvl">
+          <ac:chgData name="Jireh Tseng" userId="eefb979d-fc0d-4dd5-ae9a-91b2ece0a753" providerId="ADAL" clId="{F3FDAC0E-9B55-446C-854B-59BF7CB03B46}" dt="2022-05-11T23:26:18.299" v="3120" actId="34122"/>
+          <ac:inkMkLst>
+            <pc:docMk/>
+            <pc:sldMk cId="807429404" sldId="307"/>
+            <ac:inkMk id="15" creationId="{0589293B-85AF-AD12-459B-97515089FFF7}"/>
+          </ac:inkMkLst>
+        </pc:inkChg>
+        <pc:inkChg chg="add del mod">
+          <ac:chgData name="Jireh Tseng" userId="eefb979d-fc0d-4dd5-ae9a-91b2ece0a753" providerId="ADAL" clId="{F3FDAC0E-9B55-446C-854B-59BF7CB03B46}" dt="2022-05-11T23:26:18.299" v="3120" actId="34122"/>
+          <ac:inkMkLst>
+            <pc:docMk/>
+            <pc:sldMk cId="807429404" sldId="307"/>
+            <ac:inkMk id="16" creationId="{CACAFFC3-4FC0-5C0B-C7F0-C72683E56ADC}"/>
+          </ac:inkMkLst>
+        </pc:inkChg>
+        <pc:inkChg chg="add del mod topLvl">
+          <ac:chgData name="Jireh Tseng" userId="eefb979d-fc0d-4dd5-ae9a-91b2ece0a753" providerId="ADAL" clId="{F3FDAC0E-9B55-446C-854B-59BF7CB03B46}" dt="2022-05-11T23:26:33.788" v="3122" actId="34122"/>
+          <ac:inkMkLst>
+            <pc:docMk/>
+            <pc:sldMk cId="807429404" sldId="307"/>
+            <ac:inkMk id="17" creationId="{3C6161C8-96B2-4151-453A-B1252A549662}"/>
+          </ac:inkMkLst>
+        </pc:inkChg>
+        <pc:inkChg chg="add del mod topLvl">
+          <ac:chgData name="Jireh Tseng" userId="eefb979d-fc0d-4dd5-ae9a-91b2ece0a753" providerId="ADAL" clId="{F3FDAC0E-9B55-446C-854B-59BF7CB03B46}" dt="2022-05-11T23:26:18.299" v="3120" actId="34122"/>
+          <ac:inkMkLst>
+            <pc:docMk/>
+            <pc:sldMk cId="807429404" sldId="307"/>
+            <ac:inkMk id="19" creationId="{5DC88BEA-C71E-BF18-0D64-53EDD1AA510C}"/>
+          </ac:inkMkLst>
+        </pc:inkChg>
+        <pc:inkChg chg="add del mod topLvl">
+          <ac:chgData name="Jireh Tseng" userId="eefb979d-fc0d-4dd5-ae9a-91b2ece0a753" providerId="ADAL" clId="{F3FDAC0E-9B55-446C-854B-59BF7CB03B46}" dt="2022-05-11T23:26:18.299" v="3120" actId="34122"/>
+          <ac:inkMkLst>
+            <pc:docMk/>
+            <pc:sldMk cId="807429404" sldId="307"/>
+            <ac:inkMk id="20" creationId="{AAE0CCEF-C11D-AEE6-54E8-AD46F81CC35A}"/>
+          </ac:inkMkLst>
+        </pc:inkChg>
+        <pc:inkChg chg="add">
+          <ac:chgData name="Jireh Tseng" userId="eefb979d-fc0d-4dd5-ae9a-91b2ece0a753" providerId="ADAL" clId="{F3FDAC0E-9B55-446C-854B-59BF7CB03B46}" dt="2022-05-11T23:26:28.278" v="3121" actId="9405"/>
+          <ac:inkMkLst>
+            <pc:docMk/>
+            <pc:sldMk cId="807429404" sldId="307"/>
+            <ac:inkMk id="22" creationId="{76453E52-3A7E-61B4-0DE9-51D4E33E2020}"/>
+          </ac:inkMkLst>
+        </pc:inkChg>
+        <pc:inkChg chg="add del">
+          <ac:chgData name="Jireh Tseng" userId="eefb979d-fc0d-4dd5-ae9a-91b2ece0a753" providerId="ADAL" clId="{F3FDAC0E-9B55-446C-854B-59BF7CB03B46}" dt="2022-05-11T23:30:51.974" v="3139" actId="478"/>
+          <ac:inkMkLst>
+            <pc:docMk/>
+            <pc:sldMk cId="807429404" sldId="307"/>
+            <ac:inkMk id="26" creationId="{B7DDBD21-90CC-6537-1940-F4E46056EC87}"/>
+          </ac:inkMkLst>
+        </pc:inkChg>
+        <pc:inkChg chg="add del">
+          <ac:chgData name="Jireh Tseng" userId="eefb979d-fc0d-4dd5-ae9a-91b2ece0a753" providerId="ADAL" clId="{F3FDAC0E-9B55-446C-854B-59BF7CB03B46}" dt="2022-05-11T23:31:10.794" v="3143" actId="34122"/>
+          <ac:inkMkLst>
+            <pc:docMk/>
+            <pc:sldMk cId="807429404" sldId="307"/>
+            <ac:inkMk id="28" creationId="{AEFAC5D5-2A45-0A7C-1EFB-28A4EB9569D4}"/>
+          </ac:inkMkLst>
+        </pc:inkChg>
+        <pc:inkChg chg="add del">
+          <ac:chgData name="Jireh Tseng" userId="eefb979d-fc0d-4dd5-ae9a-91b2ece0a753" providerId="ADAL" clId="{F3FDAC0E-9B55-446C-854B-59BF7CB03B46}" dt="2022-05-11T23:31:05.461" v="3142" actId="478"/>
+          <ac:inkMkLst>
+            <pc:docMk/>
+            <pc:sldMk cId="807429404" sldId="307"/>
+            <ac:inkMk id="29" creationId="{EFFC509A-54E3-F1BC-6647-19537D40945D}"/>
+          </ac:inkMkLst>
+        </pc:inkChg>
+        <pc:inkChg chg="add del mod topLvl">
+          <ac:chgData name="Jireh Tseng" userId="eefb979d-fc0d-4dd5-ae9a-91b2ece0a753" providerId="ADAL" clId="{F3FDAC0E-9B55-446C-854B-59BF7CB03B46}" dt="2022-05-11T23:31:40.380" v="3150" actId="34122"/>
+          <ac:inkMkLst>
+            <pc:docMk/>
+            <pc:sldMk cId="807429404" sldId="307"/>
+            <ac:inkMk id="31" creationId="{3B219FCB-CF4F-5533-CC3B-1CC6D42F6B07}"/>
+          </ac:inkMkLst>
+        </pc:inkChg>
+        <pc:inkChg chg="add del mod topLvl">
+          <ac:chgData name="Jireh Tseng" userId="eefb979d-fc0d-4dd5-ae9a-91b2ece0a753" providerId="ADAL" clId="{F3FDAC0E-9B55-446C-854B-59BF7CB03B46}" dt="2022-05-11T23:31:40.380" v="3150" actId="34122"/>
+          <ac:inkMkLst>
+            <pc:docMk/>
+            <pc:sldMk cId="807429404" sldId="307"/>
+            <ac:inkMk id="32" creationId="{90C97C8C-4662-A45C-85EA-3F929E6CA47A}"/>
+          </ac:inkMkLst>
+        </pc:inkChg>
+        <pc:inkChg chg="add del">
+          <ac:chgData name="Jireh Tseng" userId="eefb979d-fc0d-4dd5-ae9a-91b2ece0a753" providerId="ADAL" clId="{F3FDAC0E-9B55-446C-854B-59BF7CB03B46}" dt="2022-05-11T23:32:04.069" v="3153" actId="34122"/>
+          <ac:inkMkLst>
+            <pc:docMk/>
+            <pc:sldMk cId="807429404" sldId="307"/>
+            <ac:inkMk id="34" creationId="{6231F416-D06B-DBF2-8062-22C91AF49CE9}"/>
+          </ac:inkMkLst>
+        </pc:inkChg>
+        <pc:inkChg chg="add del mod topLvl">
+          <ac:chgData name="Jireh Tseng" userId="eefb979d-fc0d-4dd5-ae9a-91b2ece0a753" providerId="ADAL" clId="{F3FDAC0E-9B55-446C-854B-59BF7CB03B46}" dt="2022-05-11T23:33:20.640" v="3173" actId="34122"/>
+          <ac:inkMkLst>
+            <pc:docMk/>
+            <pc:sldMk cId="807429404" sldId="307"/>
+            <ac:inkMk id="36" creationId="{F708ECFC-1F18-D08C-D700-E23439BA487C}"/>
+          </ac:inkMkLst>
+        </pc:inkChg>
+        <pc:inkChg chg="add del mod topLvl">
+          <ac:chgData name="Jireh Tseng" userId="eefb979d-fc0d-4dd5-ae9a-91b2ece0a753" providerId="ADAL" clId="{F3FDAC0E-9B55-446C-854B-59BF7CB03B46}" dt="2022-05-11T23:33:20.640" v="3173" actId="34122"/>
+          <ac:inkMkLst>
+            <pc:docMk/>
+            <pc:sldMk cId="807429404" sldId="307"/>
+            <ac:inkMk id="38" creationId="{0B0AD047-31F4-3362-FE7C-29A4C16151DC}"/>
+          </ac:inkMkLst>
+        </pc:inkChg>
+        <pc:inkChg chg="add del mod">
+          <ac:chgData name="Jireh Tseng" userId="eefb979d-fc0d-4dd5-ae9a-91b2ece0a753" providerId="ADAL" clId="{F3FDAC0E-9B55-446C-854B-59BF7CB03B46}" dt="2022-05-11T23:33:20.640" v="3173" actId="34122"/>
+          <ac:inkMkLst>
+            <pc:docMk/>
+            <pc:sldMk cId="807429404" sldId="307"/>
+            <ac:inkMk id="39" creationId="{9AAD914A-E05A-0FBC-6535-41C70E8CDC08}"/>
+          </ac:inkMkLst>
+        </pc:inkChg>
+        <pc:inkChg chg="add del mod topLvl">
+          <ac:chgData name="Jireh Tseng" userId="eefb979d-fc0d-4dd5-ae9a-91b2ece0a753" providerId="ADAL" clId="{F3FDAC0E-9B55-446C-854B-59BF7CB03B46}" dt="2022-05-11T23:33:38.559" v="3175" actId="34122"/>
+          <ac:inkMkLst>
+            <pc:docMk/>
+            <pc:sldMk cId="807429404" sldId="307"/>
+            <ac:inkMk id="41" creationId="{A6C9B4BC-DBF9-990C-FF70-72AD7FB83480}"/>
+          </ac:inkMkLst>
+        </pc:inkChg>
+        <pc:inkChg chg="add del mod topLvl">
+          <ac:chgData name="Jireh Tseng" userId="eefb979d-fc0d-4dd5-ae9a-91b2ece0a753" providerId="ADAL" clId="{F3FDAC0E-9B55-446C-854B-59BF7CB03B46}" dt="2022-05-11T23:33:20.640" v="3173" actId="34122"/>
+          <ac:inkMkLst>
+            <pc:docMk/>
+            <pc:sldMk cId="807429404" sldId="307"/>
+            <ac:inkMk id="42" creationId="{5DF7618F-AD89-AFE0-0FD7-AB135676594C}"/>
+          </ac:inkMkLst>
+        </pc:inkChg>
+        <pc:inkChg chg="add">
+          <ac:chgData name="Jireh Tseng" userId="eefb979d-fc0d-4dd5-ae9a-91b2ece0a753" providerId="ADAL" clId="{F3FDAC0E-9B55-446C-854B-59BF7CB03B46}" dt="2022-05-11T23:33:27.083" v="3174" actId="9405"/>
+          <ac:inkMkLst>
+            <pc:docMk/>
+            <pc:sldMk cId="807429404" sldId="307"/>
+            <ac:inkMk id="45" creationId="{5FC9892B-8465-5C6D-27AF-8BB5DF3B1866}"/>
+          </ac:inkMkLst>
+        </pc:inkChg>
+        <pc:inkChg chg="add del">
+          <ac:chgData name="Jireh Tseng" userId="eefb979d-fc0d-4dd5-ae9a-91b2ece0a753" providerId="ADAL" clId="{F3FDAC0E-9B55-446C-854B-59BF7CB03B46}" dt="2022-05-11T23:35:45.245" v="3204" actId="34122"/>
+          <ac:inkMkLst>
+            <pc:docMk/>
+            <pc:sldMk cId="807429404" sldId="307"/>
+            <ac:inkMk id="60" creationId="{FBFD19A6-ACCA-7A48-CA55-5B14CB31F551}"/>
+          </ac:inkMkLst>
+        </pc:inkChg>
+        <pc:inkChg chg="add del mod topLvl">
+          <ac:chgData name="Jireh Tseng" userId="eefb979d-fc0d-4dd5-ae9a-91b2ece0a753" providerId="ADAL" clId="{F3FDAC0E-9B55-446C-854B-59BF7CB03B46}" dt="2022-05-11T23:35:45.245" v="3204" actId="34122"/>
+          <ac:inkMkLst>
+            <pc:docMk/>
+            <pc:sldMk cId="807429404" sldId="307"/>
+            <ac:inkMk id="61" creationId="{9FAABD69-1CC9-E8DB-2B9E-F387147DBBF9}"/>
+          </ac:inkMkLst>
+        </pc:inkChg>
+        <pc:inkChg chg="add del mod">
+          <ac:chgData name="Jireh Tseng" userId="eefb979d-fc0d-4dd5-ae9a-91b2ece0a753" providerId="ADAL" clId="{F3FDAC0E-9B55-446C-854B-59BF7CB03B46}" dt="2022-05-11T23:35:45.245" v="3204" actId="34122"/>
+          <ac:inkMkLst>
+            <pc:docMk/>
+            <pc:sldMk cId="807429404" sldId="307"/>
+            <ac:inkMk id="62" creationId="{F35502F8-90FC-A739-2B77-9FBB5F16C971}"/>
+          </ac:inkMkLst>
+        </pc:inkChg>
+        <pc:inkChg chg="add del">
+          <ac:chgData name="Jireh Tseng" userId="eefb979d-fc0d-4dd5-ae9a-91b2ece0a753" providerId="ADAL" clId="{F3FDAC0E-9B55-446C-854B-59BF7CB03B46}" dt="2022-05-11T23:35:45.245" v="3204" actId="34122"/>
+          <ac:inkMkLst>
+            <pc:docMk/>
+            <pc:sldMk cId="807429404" sldId="307"/>
+            <ac:inkMk id="64" creationId="{A45800D3-91DF-3834-0E18-E4645A0156F6}"/>
+          </ac:inkMkLst>
+        </pc:inkChg>
+        <pc:inkChg chg="add del mod topLvl">
+          <ac:chgData name="Jireh Tseng" userId="eefb979d-fc0d-4dd5-ae9a-91b2ece0a753" providerId="ADAL" clId="{F3FDAC0E-9B55-446C-854B-59BF7CB03B46}" dt="2022-05-11T23:36:01.614" v="3207" actId="34122"/>
+          <ac:inkMkLst>
+            <pc:docMk/>
+            <pc:sldMk cId="807429404" sldId="307"/>
+            <ac:inkMk id="65" creationId="{01791C9B-B80A-689F-5F45-23C5AB096543}"/>
+          </ac:inkMkLst>
+        </pc:inkChg>
+        <pc:inkChg chg="add del">
+          <ac:chgData name="Jireh Tseng" userId="eefb979d-fc0d-4dd5-ae9a-91b2ece0a753" providerId="ADAL" clId="{F3FDAC0E-9B55-446C-854B-59BF7CB03B46}" dt="2022-05-11T23:35:54.145" v="3206" actId="9405"/>
+          <ac:inkMkLst>
+            <pc:docMk/>
+            <pc:sldMk cId="807429404" sldId="307"/>
+            <ac:inkMk id="69" creationId="{42F42F42-9F32-DBF9-60BB-D8D21559590A}"/>
+          </ac:inkMkLst>
+        </pc:inkChg>
+        <pc:inkChg chg="add del mod">
+          <ac:chgData name="Jireh Tseng" userId="eefb979d-fc0d-4dd5-ae9a-91b2ece0a753" providerId="ADAL" clId="{F3FDAC0E-9B55-446C-854B-59BF7CB03B46}" dt="2022-05-11T23:36:19.007" v="3221" actId="9405"/>
+          <ac:inkMkLst>
+            <pc:docMk/>
+            <pc:sldMk cId="807429404" sldId="307"/>
+            <ac:inkMk id="73" creationId="{BDB44C77-D63B-16A6-6814-AAE810442BD4}"/>
+          </ac:inkMkLst>
+        </pc:inkChg>
+        <pc:inkChg chg="add del mod">
+          <ac:chgData name="Jireh Tseng" userId="eefb979d-fc0d-4dd5-ae9a-91b2ece0a753" providerId="ADAL" clId="{F3FDAC0E-9B55-446C-854B-59BF7CB03B46}" dt="2022-05-11T23:36:14.796" v="3218" actId="9405"/>
+          <ac:inkMkLst>
+            <pc:docMk/>
+            <pc:sldMk cId="807429404" sldId="307"/>
+            <ac:inkMk id="74" creationId="{BCA0618F-5C50-0A76-6709-A44B170F927B}"/>
+          </ac:inkMkLst>
+        </pc:inkChg>
+        <pc:inkChg chg="add del">
+          <ac:chgData name="Jireh Tseng" userId="eefb979d-fc0d-4dd5-ae9a-91b2ece0a753" providerId="ADAL" clId="{F3FDAC0E-9B55-446C-854B-59BF7CB03B46}" dt="2022-05-11T23:36:14.335" v="3217" actId="9405"/>
+          <ac:inkMkLst>
+            <pc:docMk/>
+            <pc:sldMk cId="807429404" sldId="307"/>
+            <ac:inkMk id="75" creationId="{680AF578-2148-D93A-AFFD-16F0D3108233}"/>
+          </ac:inkMkLst>
+        </pc:inkChg>
+        <pc:inkChg chg="add del">
+          <ac:chgData name="Jireh Tseng" userId="eefb979d-fc0d-4dd5-ae9a-91b2ece0a753" providerId="ADAL" clId="{F3FDAC0E-9B55-446C-854B-59BF7CB03B46}" dt="2022-05-11T23:36:13.948" v="3216"/>
+          <ac:inkMkLst>
+            <pc:docMk/>
+            <pc:sldMk cId="807429404" sldId="307"/>
+            <ac:inkMk id="76" creationId="{B1131BAE-3900-7B9A-F3F3-CAA99EF2B043}"/>
+          </ac:inkMkLst>
+        </pc:inkChg>
+        <pc:inkChg chg="add del">
+          <ac:chgData name="Jireh Tseng" userId="eefb979d-fc0d-4dd5-ae9a-91b2ece0a753" providerId="ADAL" clId="{F3FDAC0E-9B55-446C-854B-59BF7CB03B46}" dt="2022-05-11T23:36:18.662" v="3220" actId="9405"/>
+          <ac:inkMkLst>
+            <pc:docMk/>
+            <pc:sldMk cId="807429404" sldId="307"/>
+            <ac:inkMk id="79" creationId="{E6C409E1-01BA-D01F-BD23-8384240BD3AB}"/>
+          </ac:inkMkLst>
+        </pc:inkChg>
+        <pc:inkChg chg="add del mod topLvl">
+          <ac:chgData name="Jireh Tseng" userId="eefb979d-fc0d-4dd5-ae9a-91b2ece0a753" providerId="ADAL" clId="{F3FDAC0E-9B55-446C-854B-59BF7CB03B46}" dt="2022-05-11T23:36:49.726" v="3230" actId="34122"/>
+          <ac:inkMkLst>
+            <pc:docMk/>
+            <pc:sldMk cId="807429404" sldId="307"/>
+            <ac:inkMk id="82" creationId="{41329DB1-8C3A-2898-6072-0CA28B2A6EEB}"/>
+          </ac:inkMkLst>
+        </pc:inkChg>
+        <pc:inkChg chg="add del mod topLvl">
+          <ac:chgData name="Jireh Tseng" userId="eefb979d-fc0d-4dd5-ae9a-91b2ece0a753" providerId="ADAL" clId="{F3FDAC0E-9B55-446C-854B-59BF7CB03B46}" dt="2022-05-11T23:36:49.726" v="3230" actId="34122"/>
+          <ac:inkMkLst>
+            <pc:docMk/>
+            <pc:sldMk cId="807429404" sldId="307"/>
+            <ac:inkMk id="83" creationId="{1D2DD95F-9C63-BC33-8DC3-EE265A78F74C}"/>
+          </ac:inkMkLst>
+        </pc:inkChg>
+        <pc:inkChg chg="add del mod">
+          <ac:chgData name="Jireh Tseng" userId="eefb979d-fc0d-4dd5-ae9a-91b2ece0a753" providerId="ADAL" clId="{F3FDAC0E-9B55-446C-854B-59BF7CB03B46}" dt="2022-05-11T23:36:49.726" v="3230" actId="34122"/>
+          <ac:inkMkLst>
+            <pc:docMk/>
+            <pc:sldMk cId="807429404" sldId="307"/>
+            <ac:inkMk id="85" creationId="{AC381317-86B1-8CB2-E766-C098C9849C7B}"/>
+          </ac:inkMkLst>
+        </pc:inkChg>
+        <pc:inkChg chg="add del mod topLvl">
+          <ac:chgData name="Jireh Tseng" userId="eefb979d-fc0d-4dd5-ae9a-91b2ece0a753" providerId="ADAL" clId="{F3FDAC0E-9B55-446C-854B-59BF7CB03B46}" dt="2022-05-11T23:36:49.726" v="3230" actId="34122"/>
+          <ac:inkMkLst>
+            <pc:docMk/>
+            <pc:sldMk cId="807429404" sldId="307"/>
+            <ac:inkMk id="87" creationId="{350CE4FA-6033-3F0C-794B-047184F748AE}"/>
+          </ac:inkMkLst>
+        </pc:inkChg>
+        <pc:inkChg chg="add del mod topLvl">
+          <ac:chgData name="Jireh Tseng" userId="eefb979d-fc0d-4dd5-ae9a-91b2ece0a753" providerId="ADAL" clId="{F3FDAC0E-9B55-446C-854B-59BF7CB03B46}" dt="2022-05-11T23:36:49.726" v="3230" actId="34122"/>
+          <ac:inkMkLst>
+            <pc:docMk/>
+            <pc:sldMk cId="807429404" sldId="307"/>
+            <ac:inkMk id="88" creationId="{20BB9278-9174-F9C2-7799-CB9994219315}"/>
+          </ac:inkMkLst>
+        </pc:inkChg>
+        <pc:cxnChg chg="add">
+          <ac:chgData name="Jireh Tseng" userId="eefb979d-fc0d-4dd5-ae9a-91b2ece0a753" providerId="ADAL" clId="{F3FDAC0E-9B55-446C-854B-59BF7CB03B46}" dt="2022-05-11T23:25:35.435" v="3108" actId="34122"/>
+          <ac:cxnSpMkLst>
+            <pc:docMk/>
+            <pc:sldMk cId="807429404" sldId="307"/>
+            <ac:cxnSpMk id="72" creationId="{77EB75BE-97E9-47B8-875C-0FDB86E07433}"/>
+          </ac:cxnSpMkLst>
+        </pc:cxnChg>
+        <pc:cxnChg chg="add del mod">
+          <ac:chgData name="Jireh Tseng" userId="eefb979d-fc0d-4dd5-ae9a-91b2ece0a753" providerId="ADAL" clId="{F3FDAC0E-9B55-446C-854B-59BF7CB03B46}" dt="2022-05-11T23:26:53.293" v="3127" actId="478"/>
+          <ac:cxnSpMkLst>
+            <pc:docMk/>
+            <pc:sldMk cId="807429404" sldId="307"/>
+            <ac:cxnSpMk id="78" creationId="{84EF93FD-218C-492A-BBEA-E28BC12D0508}"/>
+          </ac:cxnSpMkLst>
+        </pc:cxnChg>
+        <pc:cxnChg chg="add mod">
+          <ac:chgData name="Jireh Tseng" userId="eefb979d-fc0d-4dd5-ae9a-91b2ece0a753" providerId="ADAL" clId="{F3FDAC0E-9B55-446C-854B-59BF7CB03B46}" dt="2022-05-11T23:34:20.224" v="3190" actId="14100"/>
+          <ac:cxnSpMkLst>
+            <pc:docMk/>
+            <pc:sldMk cId="807429404" sldId="307"/>
+            <ac:cxnSpMk id="78" creationId="{D86BE9BC-FE4F-479C-9E84-E7620CCF5E86}"/>
+          </ac:cxnSpMkLst>
+        </pc:cxnChg>
+        <pc:cxnChg chg="add mod">
+          <ac:chgData name="Jireh Tseng" userId="eefb979d-fc0d-4dd5-ae9a-91b2ece0a753" providerId="ADAL" clId="{F3FDAC0E-9B55-446C-854B-59BF7CB03B46}" dt="2022-05-11T23:34:28.665" v="3191" actId="14100"/>
+          <ac:cxnSpMkLst>
+            <pc:docMk/>
+            <pc:sldMk cId="807429404" sldId="307"/>
+            <ac:cxnSpMk id="84" creationId="{6FFEF405-800C-44CF-8940-0D38459CE934}"/>
+          </ac:cxnSpMkLst>
+        </pc:cxnChg>
+        <pc:cxnChg chg="add mod">
+          <ac:chgData name="Jireh Tseng" userId="eefb979d-fc0d-4dd5-ae9a-91b2ece0a753" providerId="ADAL" clId="{F3FDAC0E-9B55-446C-854B-59BF7CB03B46}" dt="2022-05-11T23:36:22.361" v="3222" actId="14100"/>
+          <ac:cxnSpMkLst>
+            <pc:docMk/>
+            <pc:sldMk cId="807429404" sldId="307"/>
+            <ac:cxnSpMk id="105" creationId="{E53960DA-9A47-4737-897B-FA2920136920}"/>
+          </ac:cxnSpMkLst>
+        </pc:cxnChg>
+        <pc:cxnChg chg="add">
+          <ac:chgData name="Jireh Tseng" userId="eefb979d-fc0d-4dd5-ae9a-91b2ece0a753" providerId="ADAL" clId="{F3FDAC0E-9B55-446C-854B-59BF7CB03B46}" dt="2022-05-11T23:36:49.726" v="3230" actId="34122"/>
+          <ac:cxnSpMkLst>
+            <pc:docMk/>
+            <pc:sldMk cId="807429404" sldId="307"/>
+            <ac:cxnSpMk id="115" creationId="{6800DED1-CB9A-4454-95B4-76F3012A6E36}"/>
+          </ac:cxnSpMkLst>
+        </pc:cxnChg>
+        <pc:cxnChg chg="add">
+          <ac:chgData name="Jireh Tseng" userId="eefb979d-fc0d-4dd5-ae9a-91b2ece0a753" providerId="ADAL" clId="{F3FDAC0E-9B55-446C-854B-59BF7CB03B46}" dt="2022-05-11T23:36:49.726" v="3230" actId="34122"/>
+          <ac:cxnSpMkLst>
+            <pc:docMk/>
+            <pc:sldMk cId="807429404" sldId="307"/>
+            <ac:cxnSpMk id="121" creationId="{95C335DB-C085-4C13-B89E-DEF14329F56F}"/>
+          </ac:cxnSpMkLst>
+        </pc:cxnChg>
+      </pc:sldChg>
+      <pc:sldChg chg="modSp add mod ord">
+        <pc:chgData name="Jireh Tseng" userId="eefb979d-fc0d-4dd5-ae9a-91b2ece0a753" providerId="ADAL" clId="{F3FDAC0E-9B55-446C-854B-59BF7CB03B46}" dt="2022-05-18T01:33:27.409" v="4998" actId="2164"/>
+        <pc:sldMkLst>
+          <pc:docMk/>
+          <pc:sldMk cId="2053669820" sldId="308"/>
+        </pc:sldMkLst>
+        <pc:spChg chg="mod">
+          <ac:chgData name="Jireh Tseng" userId="eefb979d-fc0d-4dd5-ae9a-91b2ece0a753" providerId="ADAL" clId="{F3FDAC0E-9B55-446C-854B-59BF7CB03B46}" dt="2022-05-16T21:01:21.807" v="3369" actId="20577"/>
+          <ac:spMkLst>
+            <pc:docMk/>
+            <pc:sldMk cId="2053669820" sldId="308"/>
+            <ac:spMk id="91" creationId="{00000000-0000-0000-0000-000000000000}"/>
+          </ac:spMkLst>
+        </pc:spChg>
+        <pc:graphicFrameChg chg="modGraphic">
+          <ac:chgData name="Jireh Tseng" userId="eefb979d-fc0d-4dd5-ae9a-91b2ece0a753" providerId="ADAL" clId="{F3FDAC0E-9B55-446C-854B-59BF7CB03B46}" dt="2022-05-18T01:33:27.409" v="4998" actId="2164"/>
+          <ac:graphicFrameMkLst>
+            <pc:docMk/>
+            <pc:sldMk cId="2053669820" sldId="308"/>
+            <ac:graphicFrameMk id="92" creationId="{00000000-0000-0000-0000-000000000000}"/>
+          </ac:graphicFrameMkLst>
+        </pc:graphicFrameChg>
+      </pc:sldChg>
+      <pc:sldChg chg="addSp delSp modSp add mod ord">
+        <pc:chgData name="Jireh Tseng" userId="eefb979d-fc0d-4dd5-ae9a-91b2ece0a753" providerId="ADAL" clId="{F3FDAC0E-9B55-446C-854B-59BF7CB03B46}" dt="2022-05-16T21:33:11.949" v="4929" actId="1076"/>
+        <pc:sldMkLst>
+          <pc:docMk/>
+          <pc:sldMk cId="2980484352" sldId="309"/>
+        </pc:sldMkLst>
+        <pc:spChg chg="mod">
+          <ac:chgData name="Jireh Tseng" userId="eefb979d-fc0d-4dd5-ae9a-91b2ece0a753" providerId="ADAL" clId="{F3FDAC0E-9B55-446C-854B-59BF7CB03B46}" dt="2022-05-16T21:06:50.617" v="3950" actId="20577"/>
+          <ac:spMkLst>
+            <pc:docMk/>
+            <pc:sldMk cId="2980484352" sldId="309"/>
+            <ac:spMk id="8" creationId="{657D6263-2DA5-EC3B-D52E-14D4F0D8CA67}"/>
+          </ac:spMkLst>
+        </pc:spChg>
+        <pc:spChg chg="mod">
+          <ac:chgData name="Jireh Tseng" userId="eefb979d-fc0d-4dd5-ae9a-91b2ece0a753" providerId="ADAL" clId="{F3FDAC0E-9B55-446C-854B-59BF7CB03B46}" dt="2022-05-16T21:11:50.081" v="4050" actId="20577"/>
+          <ac:spMkLst>
+            <pc:docMk/>
+            <pc:sldMk cId="2980484352" sldId="309"/>
+            <ac:spMk id="11" creationId="{43744CE3-47E8-9C9B-3E11-D37931FCC5AC}"/>
+          </ac:spMkLst>
+        </pc:spChg>
+        <pc:spChg chg="add mod">
+          <ac:chgData name="Jireh Tseng" userId="eefb979d-fc0d-4dd5-ae9a-91b2ece0a753" providerId="ADAL" clId="{F3FDAC0E-9B55-446C-854B-59BF7CB03B46}" dt="2022-05-16T21:11:23.073" v="3997" actId="14100"/>
+          <ac:spMkLst>
+            <pc:docMk/>
+            <pc:sldMk cId="2980484352" sldId="309"/>
+            <ac:spMk id="21" creationId="{F096EFBC-D873-408C-2DA9-5C5B2C8DB7C1}"/>
+          </ac:spMkLst>
+        </pc:spChg>
+        <pc:spChg chg="add mod">
+          <ac:chgData name="Jireh Tseng" userId="eefb979d-fc0d-4dd5-ae9a-91b2ece0a753" providerId="ADAL" clId="{F3FDAC0E-9B55-446C-854B-59BF7CB03B46}" dt="2022-05-16T21:11:30.956" v="4000" actId="14100"/>
+          <ac:spMkLst>
+            <pc:docMk/>
+            <pc:sldMk cId="2980484352" sldId="309"/>
+            <ac:spMk id="22" creationId="{2BEC71C8-1978-61FF-F7DD-396D954C3E50}"/>
+          </ac:spMkLst>
+        </pc:spChg>
+        <pc:spChg chg="mod">
+          <ac:chgData name="Jireh Tseng" userId="eefb979d-fc0d-4dd5-ae9a-91b2ece0a753" providerId="ADAL" clId="{F3FDAC0E-9B55-446C-854B-59BF7CB03B46}" dt="2022-05-16T21:33:11.949" v="4929" actId="1076"/>
+          <ac:spMkLst>
+            <pc:docMk/>
+            <pc:sldMk cId="2980484352" sldId="309"/>
+            <ac:spMk id="26" creationId="{F902315B-3814-4B9A-ABE3-22299569DA0E}"/>
+          </ac:spMkLst>
+        </pc:spChg>
+        <pc:spChg chg="del">
+          <ac:chgData name="Jireh Tseng" userId="eefb979d-fc0d-4dd5-ae9a-91b2ece0a753" providerId="ADAL" clId="{F3FDAC0E-9B55-446C-854B-59BF7CB03B46}" dt="2022-05-16T21:08:04.918" v="3958" actId="478"/>
+          <ac:spMkLst>
+            <pc:docMk/>
+            <pc:sldMk cId="2980484352" sldId="309"/>
+            <ac:spMk id="29" creationId="{6F13BB88-DBB3-4CDB-8019-2DA3A5E70CB2}"/>
+          </ac:spMkLst>
+        </pc:spChg>
+        <pc:spChg chg="del">
+          <ac:chgData name="Jireh Tseng" userId="eefb979d-fc0d-4dd5-ae9a-91b2ece0a753" providerId="ADAL" clId="{F3FDAC0E-9B55-446C-854B-59BF7CB03B46}" dt="2022-05-16T21:08:36.607" v="3969" actId="478"/>
+          <ac:spMkLst>
+            <pc:docMk/>
+            <pc:sldMk cId="2980484352" sldId="309"/>
+            <ac:spMk id="31" creationId="{2BD3FA73-10F5-433F-994E-7D42D87B1F5D}"/>
+          </ac:spMkLst>
+        </pc:spChg>
+        <pc:spChg chg="del">
+          <ac:chgData name="Jireh Tseng" userId="eefb979d-fc0d-4dd5-ae9a-91b2ece0a753" providerId="ADAL" clId="{F3FDAC0E-9B55-446C-854B-59BF7CB03B46}" dt="2022-05-16T21:08:38.159" v="3970" actId="478"/>
+          <ac:spMkLst>
+            <pc:docMk/>
+            <pc:sldMk cId="2980484352" sldId="309"/>
+            <ac:spMk id="38" creationId="{AA42F302-6CA2-4723-9A27-9485B0E4A317}"/>
+          </ac:spMkLst>
+        </pc:spChg>
+        <pc:picChg chg="add mod">
+          <ac:chgData name="Jireh Tseng" userId="eefb979d-fc0d-4dd5-ae9a-91b2ece0a753" providerId="ADAL" clId="{F3FDAC0E-9B55-446C-854B-59BF7CB03B46}" dt="2022-05-16T21:08:18.420" v="3964" actId="1076"/>
+          <ac:picMkLst>
+            <pc:docMk/>
+            <pc:sldMk cId="2980484352" sldId="309"/>
+            <ac:picMk id="4" creationId="{E70198E3-FDA1-A35C-9F77-D135F46B2C6F}"/>
+          </ac:picMkLst>
+        </pc:picChg>
+        <pc:picChg chg="del">
+          <ac:chgData name="Jireh Tseng" userId="eefb979d-fc0d-4dd5-ae9a-91b2ece0a753" providerId="ADAL" clId="{F3FDAC0E-9B55-446C-854B-59BF7CB03B46}" dt="2022-05-16T21:06:56.517" v="3951" actId="478"/>
+          <ac:picMkLst>
+            <pc:docMk/>
+            <pc:sldMk cId="2980484352" sldId="309"/>
+            <ac:picMk id="5" creationId="{4D5B5689-39E4-4B28-E81C-53A480171F83}"/>
+          </ac:picMkLst>
+        </pc:picChg>
+        <pc:picChg chg="del">
+          <ac:chgData name="Jireh Tseng" userId="eefb979d-fc0d-4dd5-ae9a-91b2ece0a753" providerId="ADAL" clId="{F3FDAC0E-9B55-446C-854B-59BF7CB03B46}" dt="2022-05-16T21:06:57.684" v="3952" actId="478"/>
+          <ac:picMkLst>
+            <pc:docMk/>
+            <pc:sldMk cId="2980484352" sldId="309"/>
+            <ac:picMk id="7" creationId="{86A3E97E-52BD-8A87-3356-07B8B4C92FEA}"/>
+          </ac:picMkLst>
+        </pc:picChg>
+        <pc:picChg chg="add mod">
+          <ac:chgData name="Jireh Tseng" userId="eefb979d-fc0d-4dd5-ae9a-91b2ece0a753" providerId="ADAL" clId="{F3FDAC0E-9B55-446C-854B-59BF7CB03B46}" dt="2022-05-16T21:09:53.891" v="3979" actId="1076"/>
+          <ac:picMkLst>
+            <pc:docMk/>
+            <pc:sldMk cId="2980484352" sldId="309"/>
+            <ac:picMk id="9" creationId="{37F8D71D-3F00-FD1F-CE7C-66944FC20545}"/>
+          </ac:picMkLst>
+        </pc:picChg>
+        <pc:picChg chg="add mod">
+          <ac:chgData name="Jireh Tseng" userId="eefb979d-fc0d-4dd5-ae9a-91b2ece0a753" providerId="ADAL" clId="{F3FDAC0E-9B55-446C-854B-59BF7CB03B46}" dt="2022-05-16T21:10:12.271" v="3984" actId="1076"/>
+          <ac:picMkLst>
+            <pc:docMk/>
+            <pc:sldMk cId="2980484352" sldId="309"/>
+            <ac:picMk id="12" creationId="{807E23AE-03C3-3547-C017-47DBE0EACB85}"/>
+          </ac:picMkLst>
+        </pc:picChg>
+        <pc:picChg chg="add mod ord">
+          <ac:chgData name="Jireh Tseng" userId="eefb979d-fc0d-4dd5-ae9a-91b2ece0a753" providerId="ADAL" clId="{F3FDAC0E-9B55-446C-854B-59BF7CB03B46}" dt="2022-05-16T21:33:09.746" v="4928" actId="1076"/>
+          <ac:picMkLst>
+            <pc:docMk/>
+            <pc:sldMk cId="2980484352" sldId="309"/>
+            <ac:picMk id="15" creationId="{5F8B9DFE-1956-BFD3-14A6-C2570127011D}"/>
+          </ac:picMkLst>
+        </pc:picChg>
+        <pc:picChg chg="del mod">
+          <ac:chgData name="Jireh Tseng" userId="eefb979d-fc0d-4dd5-ae9a-91b2ece0a753" providerId="ADAL" clId="{F3FDAC0E-9B55-446C-854B-59BF7CB03B46}" dt="2022-05-16T21:08:38.931" v="3971" actId="478"/>
+          <ac:picMkLst>
+            <pc:docMk/>
+            <pc:sldMk cId="2980484352" sldId="309"/>
+            <ac:picMk id="20" creationId="{A7748647-CBCC-E2E6-0ED5-497430F15676}"/>
+          </ac:picMkLst>
+        </pc:picChg>
+      </pc:sldChg>
+      <pc:sldChg chg="modSp add mod ord">
+        <pc:chgData name="Jireh Tseng" userId="eefb979d-fc0d-4dd5-ae9a-91b2ece0a753" providerId="ADAL" clId="{F3FDAC0E-9B55-446C-854B-59BF7CB03B46}" dt="2022-05-16T21:18:27.860" v="4761" actId="20577"/>
+        <pc:sldMkLst>
+          <pc:docMk/>
+          <pc:sldMk cId="1615137033" sldId="310"/>
+        </pc:sldMkLst>
+        <pc:spChg chg="mod">
+          <ac:chgData name="Jireh Tseng" userId="eefb979d-fc0d-4dd5-ae9a-91b2ece0a753" providerId="ADAL" clId="{F3FDAC0E-9B55-446C-854B-59BF7CB03B46}" dt="2022-05-16T21:12:25.286" v="4063" actId="20577"/>
+          <ac:spMkLst>
+            <pc:docMk/>
+            <pc:sldMk cId="1615137033" sldId="310"/>
+            <ac:spMk id="2" creationId="{49FB76F6-F6ED-9B78-DFE1-76E9281E34BF}"/>
+          </ac:spMkLst>
+        </pc:spChg>
+        <pc:spChg chg="mod">
+          <ac:chgData name="Jireh Tseng" userId="eefb979d-fc0d-4dd5-ae9a-91b2ece0a753" providerId="ADAL" clId="{F3FDAC0E-9B55-446C-854B-59BF7CB03B46}" dt="2022-05-16T21:18:27.860" v="4761" actId="20577"/>
+          <ac:spMkLst>
+            <pc:docMk/>
+            <pc:sldMk cId="1615137033" sldId="310"/>
+            <ac:spMk id="3" creationId="{CEA9AFE6-9440-A9A5-AA80-A5844592A707}"/>
+          </ac:spMkLst>
+        </pc:spChg>
+      </pc:sldChg>
+      <pc:sldChg chg="modSp add del mod">
+        <pc:chgData name="Jireh Tseng" userId="eefb979d-fc0d-4dd5-ae9a-91b2ece0a753" providerId="ADAL" clId="{F3FDAC0E-9B55-446C-854B-59BF7CB03B46}" dt="2022-05-16T21:24:28.907" v="4827" actId="2696"/>
+        <pc:sldMkLst>
+          <pc:docMk/>
+          <pc:sldMk cId="1557436334" sldId="311"/>
+        </pc:sldMkLst>
+        <pc:spChg chg="mod">
+          <ac:chgData name="Jireh Tseng" userId="eefb979d-fc0d-4dd5-ae9a-91b2ece0a753" providerId="ADAL" clId="{F3FDAC0E-9B55-446C-854B-59BF7CB03B46}" dt="2022-05-16T21:24:02.265" v="4824" actId="20577"/>
+          <ac:spMkLst>
+            <pc:docMk/>
+            <pc:sldMk cId="1557436334" sldId="311"/>
+            <ac:spMk id="91" creationId="{00000000-0000-0000-0000-000000000000}"/>
+          </ac:spMkLst>
+        </pc:spChg>
+        <pc:graphicFrameChg chg="mod modGraphic">
+          <ac:chgData name="Jireh Tseng" userId="eefb979d-fc0d-4dd5-ae9a-91b2ece0a753" providerId="ADAL" clId="{F3FDAC0E-9B55-446C-854B-59BF7CB03B46}" dt="2022-05-16T21:24:09.959" v="4825" actId="14100"/>
+          <ac:graphicFrameMkLst>
+            <pc:docMk/>
+            <pc:sldMk cId="1557436334" sldId="311"/>
+            <ac:graphicFrameMk id="92" creationId="{00000000-0000-0000-0000-000000000000}"/>
+          </ac:graphicFrameMkLst>
+        </pc:graphicFrameChg>
+      </pc:sldChg>
+      <pc:sldChg chg="addSp delSp modSp add mod ord">
+        <pc:chgData name="Jireh Tseng" userId="eefb979d-fc0d-4dd5-ae9a-91b2ece0a753" providerId="ADAL" clId="{F3FDAC0E-9B55-446C-854B-59BF7CB03B46}" dt="2022-05-18T01:33:17.507" v="4997" actId="2164"/>
+        <pc:sldMkLst>
+          <pc:docMk/>
+          <pc:sldMk cId="2568995806" sldId="311"/>
+        </pc:sldMkLst>
+        <pc:spChg chg="add mod">
+          <ac:chgData name="Jireh Tseng" userId="eefb979d-fc0d-4dd5-ae9a-91b2ece0a753" providerId="ADAL" clId="{F3FDAC0E-9B55-446C-854B-59BF7CB03B46}" dt="2022-05-16T21:28:51.483" v="4881" actId="1076"/>
+          <ac:spMkLst>
+            <pc:docMk/>
+            <pc:sldMk cId="2568995806" sldId="311"/>
+            <ac:spMk id="10" creationId="{806B0441-C2D8-CD34-71A2-3CE2BB423898}"/>
+          </ac:spMkLst>
+        </pc:spChg>
+        <pc:spChg chg="add mod">
+          <ac:chgData name="Jireh Tseng" userId="eefb979d-fc0d-4dd5-ae9a-91b2ece0a753" providerId="ADAL" clId="{F3FDAC0E-9B55-446C-854B-59BF7CB03B46}" dt="2022-05-16T21:28:59.910" v="4884" actId="14100"/>
+          <ac:spMkLst>
+            <pc:docMk/>
+            <pc:sldMk cId="2568995806" sldId="311"/>
+            <ac:spMk id="11" creationId="{BB7D70E1-E1EE-02BF-C07A-C76B25A6B7F4}"/>
+          </ac:spMkLst>
+        </pc:spChg>
+        <pc:spChg chg="add mod">
+          <ac:chgData name="Jireh Tseng" userId="eefb979d-fc0d-4dd5-ae9a-91b2ece0a753" providerId="ADAL" clId="{F3FDAC0E-9B55-446C-854B-59BF7CB03B46}" dt="2022-05-16T21:29:18.875" v="4889" actId="14100"/>
+          <ac:spMkLst>
+            <pc:docMk/>
+            <pc:sldMk cId="2568995806" sldId="311"/>
+            <ac:spMk id="12" creationId="{18450DB4-DB01-89DA-F49B-9FC9E0925CBF}"/>
+          </ac:spMkLst>
+        </pc:spChg>
+        <pc:spChg chg="add mod">
+          <ac:chgData name="Jireh Tseng" userId="eefb979d-fc0d-4dd5-ae9a-91b2ece0a753" providerId="ADAL" clId="{F3FDAC0E-9B55-446C-854B-59BF7CB03B46}" dt="2022-05-16T21:29:30.377" v="4894" actId="14100"/>
+          <ac:spMkLst>
+            <pc:docMk/>
+            <pc:sldMk cId="2568995806" sldId="311"/>
+            <ac:spMk id="13" creationId="{1E3B1F4A-249D-A72C-4477-CF298548F80E}"/>
+          </ac:spMkLst>
+        </pc:spChg>
+        <pc:spChg chg="add mod">
+          <ac:chgData name="Jireh Tseng" userId="eefb979d-fc0d-4dd5-ae9a-91b2ece0a753" providerId="ADAL" clId="{F3FDAC0E-9B55-446C-854B-59BF7CB03B46}" dt="2022-05-16T21:32:05.141" v="4914" actId="208"/>
+          <ac:spMkLst>
+            <pc:docMk/>
+            <pc:sldMk cId="2568995806" sldId="311"/>
+            <ac:spMk id="24" creationId="{7E1ABABD-3A13-3887-4D53-C1075B11EC35}"/>
+          </ac:spMkLst>
+        </pc:spChg>
+        <pc:spChg chg="add mod">
+          <ac:chgData name="Jireh Tseng" userId="eefb979d-fc0d-4dd5-ae9a-91b2ece0a753" providerId="ADAL" clId="{F3FDAC0E-9B55-446C-854B-59BF7CB03B46}" dt="2022-05-16T21:32:14.791" v="4917" actId="14100"/>
+          <ac:spMkLst>
+            <pc:docMk/>
+            <pc:sldMk cId="2568995806" sldId="311"/>
+            <ac:spMk id="25" creationId="{6484D7BE-C83B-A245-30CB-6514035D0E13}"/>
+          </ac:spMkLst>
+        </pc:spChg>
+        <pc:spChg chg="add mod">
+          <ac:chgData name="Jireh Tseng" userId="eefb979d-fc0d-4dd5-ae9a-91b2ece0a753" providerId="ADAL" clId="{F3FDAC0E-9B55-446C-854B-59BF7CB03B46}" dt="2022-05-16T21:32:22.564" v="4920" actId="14100"/>
+          <ac:spMkLst>
+            <pc:docMk/>
+            <pc:sldMk cId="2568995806" sldId="311"/>
+            <ac:spMk id="26" creationId="{D08EC820-E7D4-277C-7EC1-889F2FDB2D97}"/>
+          </ac:spMkLst>
+        </pc:spChg>
+        <pc:spChg chg="add mod">
+          <ac:chgData name="Jireh Tseng" userId="eefb979d-fc0d-4dd5-ae9a-91b2ece0a753" providerId="ADAL" clId="{F3FDAC0E-9B55-446C-854B-59BF7CB03B46}" dt="2022-05-18T01:31:25.617" v="4963" actId="1076"/>
+          <ac:spMkLst>
+            <pc:docMk/>
+            <pc:sldMk cId="2568995806" sldId="311"/>
+            <ac:spMk id="28" creationId="{D0385E13-0804-3B1D-2933-DBDB9C6630EA}"/>
+          </ac:spMkLst>
+        </pc:spChg>
+        <pc:spChg chg="mod">
+          <ac:chgData name="Jireh Tseng" userId="eefb979d-fc0d-4dd5-ae9a-91b2ece0a753" providerId="ADAL" clId="{F3FDAC0E-9B55-446C-854B-59BF7CB03B46}" dt="2022-05-16T21:24:40.108" v="4838" actId="20577"/>
+          <ac:spMkLst>
+            <pc:docMk/>
+            <pc:sldMk cId="2568995806" sldId="311"/>
+            <ac:spMk id="91" creationId="{00000000-0000-0000-0000-000000000000}"/>
+          </ac:spMkLst>
+        </pc:spChg>
+        <pc:graphicFrameChg chg="mod modGraphic">
+          <ac:chgData name="Jireh Tseng" userId="eefb979d-fc0d-4dd5-ae9a-91b2ece0a753" providerId="ADAL" clId="{F3FDAC0E-9B55-446C-854B-59BF7CB03B46}" dt="2022-05-18T01:33:17.507" v="4997" actId="2164"/>
+          <ac:graphicFrameMkLst>
+            <pc:docMk/>
+            <pc:sldMk cId="2568995806" sldId="311"/>
+            <ac:graphicFrameMk id="92" creationId="{00000000-0000-0000-0000-000000000000}"/>
+          </ac:graphicFrameMkLst>
+        </pc:graphicFrameChg>
+        <pc:picChg chg="add mod">
+          <ac:chgData name="Jireh Tseng" userId="eefb979d-fc0d-4dd5-ae9a-91b2ece0a753" providerId="ADAL" clId="{F3FDAC0E-9B55-446C-854B-59BF7CB03B46}" dt="2022-05-16T21:28:27.452" v="4877" actId="1076"/>
+          <ac:picMkLst>
+            <pc:docMk/>
+            <pc:sldMk cId="2568995806" sldId="311"/>
+            <ac:picMk id="3" creationId="{DF3F5DAC-1F7E-5F61-2E0C-DB85F96080D8}"/>
+          </ac:picMkLst>
+        </pc:picChg>
+        <pc:picChg chg="add del mod">
+          <ac:chgData name="Jireh Tseng" userId="eefb979d-fc0d-4dd5-ae9a-91b2ece0a753" providerId="ADAL" clId="{F3FDAC0E-9B55-446C-854B-59BF7CB03B46}" dt="2022-05-16T21:27:07.291" v="4872" actId="478"/>
+          <ac:picMkLst>
+            <pc:docMk/>
+            <pc:sldMk cId="2568995806" sldId="311"/>
+            <ac:picMk id="5" creationId="{698ADA37-FDDD-9796-79EF-31CFA6778201}"/>
+          </ac:picMkLst>
+        </pc:picChg>
+        <pc:picChg chg="add mod">
+          <ac:chgData name="Jireh Tseng" userId="eefb979d-fc0d-4dd5-ae9a-91b2ece0a753" providerId="ADAL" clId="{F3FDAC0E-9B55-446C-854B-59BF7CB03B46}" dt="2022-05-16T21:28:25.036" v="4876" actId="1076"/>
+          <ac:picMkLst>
+            <pc:docMk/>
+            <pc:sldMk cId="2568995806" sldId="311"/>
+            <ac:picMk id="7" creationId="{F66038C3-3F7D-AD39-F6DF-94B4C961EB9C}"/>
+          </ac:picMkLst>
+        </pc:picChg>
+        <pc:picChg chg="add mod">
+          <ac:chgData name="Jireh Tseng" userId="eefb979d-fc0d-4dd5-ae9a-91b2ece0a753" providerId="ADAL" clId="{F3FDAC0E-9B55-446C-854B-59BF7CB03B46}" dt="2022-05-16T21:31:51.677" v="4911" actId="1076"/>
+          <ac:picMkLst>
+            <pc:docMk/>
+            <pc:sldMk cId="2568995806" sldId="311"/>
+            <ac:picMk id="21" creationId="{832E5A8C-1FD3-E56C-A096-B4602DE8C0D3}"/>
+          </ac:picMkLst>
+        </pc:picChg>
+        <pc:cxnChg chg="add mod">
+          <ac:chgData name="Jireh Tseng" userId="eefb979d-fc0d-4dd5-ae9a-91b2ece0a753" providerId="ADAL" clId="{F3FDAC0E-9B55-446C-854B-59BF7CB03B46}" dt="2022-05-16T21:30:57.397" v="4909" actId="1582"/>
+          <ac:cxnSpMkLst>
+            <pc:docMk/>
+            <pc:sldMk cId="2568995806" sldId="311"/>
+            <ac:cxnSpMk id="9" creationId="{1179F986-9278-CEF3-E75B-A17CCDE6ADA0}"/>
+          </ac:cxnSpMkLst>
+        </pc:cxnChg>
+        <pc:cxnChg chg="add mod">
+          <ac:chgData name="Jireh Tseng" userId="eefb979d-fc0d-4dd5-ae9a-91b2ece0a753" providerId="ADAL" clId="{F3FDAC0E-9B55-446C-854B-59BF7CB03B46}" dt="2022-05-16T21:30:44.057" v="4907" actId="1582"/>
+          <ac:cxnSpMkLst>
+            <pc:docMk/>
+            <pc:sldMk cId="2568995806" sldId="311"/>
+            <ac:cxnSpMk id="16" creationId="{60EB7AA4-7D09-633F-AB87-9AB7BF894A0E}"/>
+          </ac:cxnSpMkLst>
+        </pc:cxnChg>
+        <pc:cxnChg chg="add mod">
+          <ac:chgData name="Jireh Tseng" userId="eefb979d-fc0d-4dd5-ae9a-91b2ece0a753" providerId="ADAL" clId="{F3FDAC0E-9B55-446C-854B-59BF7CB03B46}" dt="2022-05-16T21:30:50.071" v="4908" actId="1582"/>
+          <ac:cxnSpMkLst>
+            <pc:docMk/>
+            <pc:sldMk cId="2568995806" sldId="311"/>
+            <ac:cxnSpMk id="18" creationId="{2A0646A1-3D6A-5099-53E9-2EF91F7FAC9C}"/>
+          </ac:cxnSpMkLst>
+        </pc:cxnChg>
+        <pc:cxnChg chg="add mod">
+          <ac:chgData name="Jireh Tseng" userId="eefb979d-fc0d-4dd5-ae9a-91b2ece0a753" providerId="ADAL" clId="{F3FDAC0E-9B55-446C-854B-59BF7CB03B46}" dt="2022-05-16T21:32:32.563" v="4924" actId="14100"/>
+          <ac:cxnSpMkLst>
+            <pc:docMk/>
+            <pc:sldMk cId="2568995806" sldId="311"/>
+            <ac:cxnSpMk id="27" creationId="{397A965B-7DC3-8053-3A22-2A4A0E40ECF3}"/>
+          </ac:cxnSpMkLst>
+        </pc:cxnChg>
+        <pc:cxnChg chg="add mod">
+          <ac:chgData name="Jireh Tseng" userId="eefb979d-fc0d-4dd5-ae9a-91b2ece0a753" providerId="ADAL" clId="{F3FDAC0E-9B55-446C-854B-59BF7CB03B46}" dt="2022-05-16T21:32:38.046" v="4927" actId="14100"/>
+          <ac:cxnSpMkLst>
+            <pc:docMk/>
+            <pc:sldMk cId="2568995806" sldId="311"/>
+            <ac:cxnSpMk id="29" creationId="{7606AE68-FE36-77A2-5BFC-1B1D8103ECC3}"/>
+          </ac:cxnSpMkLst>
+        </pc:cxnChg>
+      </pc:sldChg>
     </pc:docChg>
   </pc:docChgLst>
 </pc:chgInfo>
 </file>
 
 <file path=ppt/ink/ink1.xml><?xml version="1.0" encoding="utf-8"?>
+<inkml:ink xmlns:inkml="http://www.w3.org/2003/InkML">
+  <inkml:definitions>
+    <inkml:context xml:id="ctx0">
+      <inkml:inkSource xml:id="inkSrc0">
+        <inkml:traceFormat>
+          <inkml:channel name="X" type="integer" min="-2.14748E9" max="2.14748E9" units="cm"/>
+          <inkml:channel name="Y" type="integer" min="-2.14748E9" max="2.14748E9" units="cm"/>
+          <inkml:channel name="F" type="integer" max="32767" units="dev"/>
+        </inkml:traceFormat>
+        <inkml:channelProperties>
+          <inkml:channelProperty channel="X" name="resolution" value="1000" units="1/cm"/>
+          <inkml:channelProperty channel="Y" name="resolution" value="1000" units="1/cm"/>
+          <inkml:channelProperty channel="F" name="resolution" value="0" units="1/dev"/>
+        </inkml:channelProperties>
+      </inkml:inkSource>
+      <inkml:timestamp xml:id="ts0" timeString="2022-05-11T02:09:14.538"/>
+    </inkml:context>
+    <inkml:brush xml:id="br0">
+      <inkml:brushProperty name="width" value="0.05" units="cm"/>
+      <inkml:brushProperty name="height" value="0.05" units="cm"/>
+      <inkml:brushProperty name="color" value="#E71224"/>
+    </inkml:brush>
+  </inkml:definitions>
+  <inkml:trace contextRef="#ctx0" brushRef="#br0">1 1 3721,'4'26'760,"1"18"-1504,-4-20-72</inkml:trace>
+</inkml:ink>
+</file>
+
+<file path=ppt/ink/ink2.xml><?xml version="1.0" encoding="utf-8"?>
+<inkml:ink xmlns:inkml="http://www.w3.org/2003/InkML">
+  <inkml:definitions>
+    <inkml:context xml:id="ctx0">
+      <inkml:inkSource xml:id="inkSrc0">
+        <inkml:traceFormat>
+          <inkml:channel name="X" type="integer" min="-2.14748E9" max="2.14748E9" units="cm"/>
+          <inkml:channel name="Y" type="integer" min="-2.14748E9" max="2.14748E9" units="cm"/>
+          <inkml:channel name="F" type="integer" max="32767" units="dev"/>
+        </inkml:traceFormat>
+        <inkml:channelProperties>
+          <inkml:channelProperty channel="X" name="resolution" value="1000" units="1/cm"/>
+          <inkml:channelProperty channel="Y" name="resolution" value="1000" units="1/cm"/>
+          <inkml:channelProperty channel="F" name="resolution" value="0" units="1/dev"/>
+        </inkml:channelProperties>
+      </inkml:inkSource>
+      <inkml:timestamp xml:id="ts0" timeString="2022-05-11T23:26:28.277"/>
+    </inkml:context>
+    <inkml:brush xml:id="br0">
+      <inkml:brushProperty name="width" value="0.05" units="cm"/>
+      <inkml:brushProperty name="height" value="0.05" units="cm"/>
+      <inkml:brushProperty name="color" value="#004F8B"/>
+    </inkml:brush>
+  </inkml:definitions>
+  <inkml:trace contextRef="#ctx0" brushRef="#br0">1 1 10994,'9'53'-1360,"-9"3"-824</inkml:trace>
+</inkml:ink>
+</file>
+
+<file path=ppt/ink/ink3.xml><?xml version="1.0" encoding="utf-8"?>
+<inkml:ink xmlns:inkml="http://www.w3.org/2003/InkML">
+  <inkml:definitions>
+    <inkml:context xml:id="ctx0">
+      <inkml:inkSource xml:id="inkSrc0">
+        <inkml:traceFormat>
+          <inkml:channel name="X" type="integer" min="-2.14748E9" max="2.14748E9" units="cm"/>
+          <inkml:channel name="Y" type="integer" min="-2.14748E9" max="2.14748E9" units="cm"/>
+          <inkml:channel name="F" type="integer" max="32767" units="dev"/>
+        </inkml:traceFormat>
+        <inkml:channelProperties>
+          <inkml:channelProperty channel="X" name="resolution" value="1000" units="1/cm"/>
+          <inkml:channelProperty channel="Y" name="resolution" value="1000" units="1/cm"/>
+          <inkml:channelProperty channel="F" name="resolution" value="0" units="1/dev"/>
+        </inkml:channelProperties>
+      </inkml:inkSource>
+      <inkml:timestamp xml:id="ts0" timeString="2022-05-11T23:33:27.083"/>
+    </inkml:context>
+    <inkml:brush xml:id="br0">
+      <inkml:brushProperty name="width" value="0.05" units="cm"/>
+      <inkml:brushProperty name="height" value="0.05" units="cm"/>
+      <inkml:brushProperty name="color" value="#008C3A"/>
+    </inkml:brush>
+  </inkml:definitions>
+  <inkml:trace contextRef="#ctx0" brushRef="#br0">1 0 2473,'70'66'920,"-76"-60"-784,3-5-200,-6 1-472,9-1-257</inkml:trace>
+</inkml:ink>
+</file>
+
+<file path=ppt/ink/ink4.xml><?xml version="1.0" encoding="utf-8"?>
 <inkml:ink xmlns:inkml="http://www.w3.org/2003/InkML">
   <inkml:definitions>
     <inkml:context xml:id="ctx0">
@@ -4846,7 +6306,7 @@
           <a:p>
             <a:fld id="{F37D28C0-BEB6-42B0-A203-EEE1023219C4}" type="datetimeFigureOut">
               <a:rPr lang="en-NZ" smtClean="0"/>
-              <a:t>11/05/2022</a:t>
+              <a:t>16/05/2022</a:t>
             </a:fld>
             <a:endParaRPr lang="en-NZ"/>
           </a:p>
@@ -6201,7 +7661,7 @@
     </p:spTree>
     <p:extLst>
       <p:ext uri="{BB962C8B-B14F-4D97-AF65-F5344CB8AC3E}">
-        <p14:creationId xmlns:p14="http://schemas.microsoft.com/office/powerpoint/2010/main" val="2176013327"/>
+        <p14:creationId xmlns:p14="http://schemas.microsoft.com/office/powerpoint/2010/main" val="1964658886"/>
       </p:ext>
     </p:extLst>
   </p:cSld>
@@ -6333,7 +7793,7 @@
     </p:spTree>
     <p:extLst>
       <p:ext uri="{BB962C8B-B14F-4D97-AF65-F5344CB8AC3E}">
-        <p14:creationId xmlns:p14="http://schemas.microsoft.com/office/powerpoint/2010/main" val="1693580496"/>
+        <p14:creationId xmlns:p14="http://schemas.microsoft.com/office/powerpoint/2010/main" val="1186526392"/>
       </p:ext>
     </p:extLst>
   </p:cSld>
@@ -6465,7 +7925,7 @@
     </p:spTree>
     <p:extLst>
       <p:ext uri="{BB962C8B-B14F-4D97-AF65-F5344CB8AC3E}">
-        <p14:creationId xmlns:p14="http://schemas.microsoft.com/office/powerpoint/2010/main" val="1277032586"/>
+        <p14:creationId xmlns:p14="http://schemas.microsoft.com/office/powerpoint/2010/main" val="2259000333"/>
       </p:ext>
     </p:extLst>
   </p:cSld>
@@ -6676,7 +8136,7 @@
   <p:cSld>
     <p:spTree>
       <p:nvGrpSpPr>
-        <p:cNvPr id="1" name="Shape 82"/>
+        <p:cNvPr id="1" name="Shape 87"/>
         <p:cNvGrpSpPr/>
         <p:nvPr/>
       </p:nvGrpSpPr>
@@ -6690,7 +8150,7 @@
       </p:grpSpPr>
       <p:sp>
         <p:nvSpPr>
-          <p:cNvPr id="83" name="Google Shape;83;g5f5670a123_0_13:notes"/>
+          <p:cNvPr id="88" name="Google Shape;88;g5f5670a123_0_30:notes"/>
           <p:cNvSpPr>
             <a:spLocks noGrp="1" noRot="1" noChangeAspect="1"/>
           </p:cNvSpPr>
@@ -6731,7 +8191,7 @@
       </p:sp>
       <p:sp>
         <p:nvSpPr>
-          <p:cNvPr id="84" name="Google Shape;84;g5f5670a123_0_13:notes"/>
+          <p:cNvPr id="89" name="Google Shape;89;g5f5670a123_0_30:notes"/>
           <p:cNvSpPr txBox="1">
             <a:spLocks noGrp="1"/>
           </p:cNvSpPr>
@@ -6754,6 +8214,29 @@
           </a:bodyPr>
           <a:lstStyle/>
           <a:p>
+            <a:pPr marL="0" marR="0" lvl="0" indent="0" algn="l" defTabSz="914400" rtl="0" eaLnBrk="1" fontAlgn="auto" latinLnBrk="0" hangingPunct="1">
+              <a:lnSpc>
+                <a:spcPct val="100000"/>
+              </a:lnSpc>
+              <a:spcBef>
+                <a:spcPts val="0"/>
+              </a:spcBef>
+              <a:spcAft>
+                <a:spcPts val="0"/>
+              </a:spcAft>
+              <a:buClrTx/>
+              <a:buSzTx/>
+              <a:buFontTx/>
+              <a:buNone/>
+              <a:tabLst/>
+              <a:defRPr/>
+            </a:pPr>
+            <a:r>
+              <a:rPr lang="en-NZ"/>
+              <a:t>Additional rows can be added by clicking in the last cell and then using the Tab key </a:t>
+            </a:r>
+          </a:p>
+          <a:p>
             <a:pPr marL="0" lvl="0" indent="0" algn="l" rtl="0">
               <a:spcBef>
                 <a:spcPts val="0"/>
@@ -6770,7 +8253,7 @@
     </p:spTree>
     <p:extLst>
       <p:ext uri="{BB962C8B-B14F-4D97-AF65-F5344CB8AC3E}">
-        <p14:creationId xmlns:p14="http://schemas.microsoft.com/office/powerpoint/2010/main" val="960020097"/>
+        <p14:creationId xmlns:p14="http://schemas.microsoft.com/office/powerpoint/2010/main" val="3364272048"/>
       </p:ext>
     </p:extLst>
   </p:cSld>
@@ -6902,7 +8385,7 @@
     </p:spTree>
     <p:extLst>
       <p:ext uri="{BB962C8B-B14F-4D97-AF65-F5344CB8AC3E}">
-        <p14:creationId xmlns:p14="http://schemas.microsoft.com/office/powerpoint/2010/main" val="3364272048"/>
+        <p14:creationId xmlns:p14="http://schemas.microsoft.com/office/powerpoint/2010/main" val="2762639883"/>
       </p:ext>
     </p:extLst>
   </p:cSld>
@@ -7034,7 +8517,7 @@
     </p:spTree>
     <p:extLst>
       <p:ext uri="{BB962C8B-B14F-4D97-AF65-F5344CB8AC3E}">
-        <p14:creationId xmlns:p14="http://schemas.microsoft.com/office/powerpoint/2010/main" val="2762639883"/>
+        <p14:creationId xmlns:p14="http://schemas.microsoft.com/office/powerpoint/2010/main" val="1625567555"/>
       </p:ext>
     </p:extLst>
   </p:cSld>
@@ -7166,7 +8649,7 @@
     </p:spTree>
     <p:extLst>
       <p:ext uri="{BB962C8B-B14F-4D97-AF65-F5344CB8AC3E}">
-        <p14:creationId xmlns:p14="http://schemas.microsoft.com/office/powerpoint/2010/main" val="1625567555"/>
+        <p14:creationId xmlns:p14="http://schemas.microsoft.com/office/powerpoint/2010/main" val="2761301839"/>
       </p:ext>
     </p:extLst>
   </p:cSld>
@@ -7177,138 +8660,6 @@
 </file>
 
 <file path=ppt/notesSlides/notesSlide25.xml><?xml version="1.0" encoding="utf-8"?>
-<p:notes xmlns:a="http://schemas.openxmlformats.org/drawingml/2006/main" xmlns:r="http://schemas.openxmlformats.org/officeDocument/2006/relationships" xmlns:p="http://schemas.openxmlformats.org/presentationml/2006/main" showMasterSp="0" showMasterPhAnim="0">
-  <p:cSld>
-    <p:spTree>
-      <p:nvGrpSpPr>
-        <p:cNvPr id="1" name="Shape 87"/>
-        <p:cNvGrpSpPr/>
-        <p:nvPr/>
-      </p:nvGrpSpPr>
-      <p:grpSpPr>
-        <a:xfrm>
-          <a:off x="0" y="0"/>
-          <a:ext cx="0" cy="0"/>
-          <a:chOff x="0" y="0"/>
-          <a:chExt cx="0" cy="0"/>
-        </a:xfrm>
-      </p:grpSpPr>
-      <p:sp>
-        <p:nvSpPr>
-          <p:cNvPr id="88" name="Google Shape;88;g5f5670a123_0_30:notes"/>
-          <p:cNvSpPr>
-            <a:spLocks noGrp="1" noRot="1" noChangeAspect="1"/>
-          </p:cNvSpPr>
-          <p:nvPr>
-            <p:ph type="sldImg" idx="2"/>
-          </p:nvPr>
-        </p:nvSpPr>
-        <p:spPr>
-          <a:xfrm>
-            <a:off x="381000" y="685800"/>
-            <a:ext cx="6096000" cy="3429000"/>
-          </a:xfrm>
-          <a:custGeom>
-            <a:avLst/>
-            <a:gdLst/>
-            <a:ahLst/>
-            <a:cxnLst/>
-            <a:rect l="l" t="t" r="r" b="b"/>
-            <a:pathLst>
-              <a:path w="120000" h="120000" extrusionOk="0">
-                <a:moveTo>
-                  <a:pt x="0" y="0"/>
-                </a:moveTo>
-                <a:lnTo>
-                  <a:pt x="120000" y="0"/>
-                </a:lnTo>
-                <a:lnTo>
-                  <a:pt x="120000" y="120000"/>
-                </a:lnTo>
-                <a:lnTo>
-                  <a:pt x="0" y="120000"/>
-                </a:lnTo>
-                <a:close/>
-              </a:path>
-            </a:pathLst>
-          </a:custGeom>
-        </p:spPr>
-      </p:sp>
-      <p:sp>
-        <p:nvSpPr>
-          <p:cNvPr id="89" name="Google Shape;89;g5f5670a123_0_30:notes"/>
-          <p:cNvSpPr txBox="1">
-            <a:spLocks noGrp="1"/>
-          </p:cNvSpPr>
-          <p:nvPr>
-            <p:ph type="body" idx="1"/>
-          </p:nvPr>
-        </p:nvSpPr>
-        <p:spPr>
-          <a:xfrm>
-            <a:off x="685800" y="4343400"/>
-            <a:ext cx="5486400" cy="4114800"/>
-          </a:xfrm>
-          <a:prstGeom prst="rect">
-            <a:avLst/>
-          </a:prstGeom>
-        </p:spPr>
-        <p:txBody>
-          <a:bodyPr spcFirstLastPara="1" wrap="square" lIns="91425" tIns="91425" rIns="91425" bIns="91425" anchor="t" anchorCtr="0">
-            <a:noAutofit/>
-          </a:bodyPr>
-          <a:lstStyle/>
-          <a:p>
-            <a:pPr marL="0" marR="0" lvl="0" indent="0" algn="l" defTabSz="914400" rtl="0" eaLnBrk="1" fontAlgn="auto" latinLnBrk="0" hangingPunct="1">
-              <a:lnSpc>
-                <a:spcPct val="100000"/>
-              </a:lnSpc>
-              <a:spcBef>
-                <a:spcPts val="0"/>
-              </a:spcBef>
-              <a:spcAft>
-                <a:spcPts val="0"/>
-              </a:spcAft>
-              <a:buClrTx/>
-              <a:buSzTx/>
-              <a:buFontTx/>
-              <a:buNone/>
-              <a:tabLst/>
-              <a:defRPr/>
-            </a:pPr>
-            <a:r>
-              <a:rPr lang="en-NZ"/>
-              <a:t>Additional rows can be added by clicking in the last cell and then using the Tab key </a:t>
-            </a:r>
-          </a:p>
-          <a:p>
-            <a:pPr marL="0" lvl="0" indent="0" algn="l" rtl="0">
-              <a:spcBef>
-                <a:spcPts val="0"/>
-              </a:spcBef>
-              <a:spcAft>
-                <a:spcPts val="0"/>
-              </a:spcAft>
-              <a:buNone/>
-            </a:pPr>
-            <a:endParaRPr/>
-          </a:p>
-        </p:txBody>
-      </p:sp>
-    </p:spTree>
-    <p:extLst>
-      <p:ext uri="{BB962C8B-B14F-4D97-AF65-F5344CB8AC3E}">
-        <p14:creationId xmlns:p14="http://schemas.microsoft.com/office/powerpoint/2010/main" val="2761301839"/>
-      </p:ext>
-    </p:extLst>
-  </p:cSld>
-  <p:clrMapOvr>
-    <a:masterClrMapping/>
-  </p:clrMapOvr>
-</p:notes>
-</file>
-
-<file path=ppt/notesSlides/notesSlide26.xml><?xml version="1.0" encoding="utf-8"?>
 <p:notes xmlns:a="http://schemas.openxmlformats.org/drawingml/2006/main" xmlns:r="http://schemas.openxmlformats.org/officeDocument/2006/relationships" xmlns:p="http://schemas.openxmlformats.org/presentationml/2006/main">
   <p:cSld>
     <p:spTree>
@@ -7422,7 +8773,7 @@
 </p:notes>
 </file>
 
-<file path=ppt/notesSlides/notesSlide27.xml><?xml version="1.0" encoding="utf-8"?>
+<file path=ppt/notesSlides/notesSlide26.xml><?xml version="1.0" encoding="utf-8"?>
 <p:notes xmlns:a="http://schemas.openxmlformats.org/drawingml/2006/main" xmlns:r="http://schemas.openxmlformats.org/officeDocument/2006/relationships" xmlns:p="http://schemas.openxmlformats.org/presentationml/2006/main">
   <p:cSld>
     <p:spTree>
@@ -8573,7 +9924,7 @@
           <a:p>
             <a:fld id="{9C4A4F43-1C06-40E6-8F87-8B286982E50E}" type="datetimeFigureOut">
               <a:rPr lang="en-NZ" smtClean="0"/>
-              <a:t>11/05/2022</a:t>
+              <a:t>16/05/2022</a:t>
             </a:fld>
             <a:endParaRPr lang="en-NZ"/>
           </a:p>
@@ -8773,7 +10124,7 @@
           <a:p>
             <a:fld id="{9C4A4F43-1C06-40E6-8F87-8B286982E50E}" type="datetimeFigureOut">
               <a:rPr lang="en-NZ" smtClean="0"/>
-              <a:t>11/05/2022</a:t>
+              <a:t>16/05/2022</a:t>
             </a:fld>
             <a:endParaRPr lang="en-NZ"/>
           </a:p>
@@ -8983,7 +10334,7 @@
           <a:p>
             <a:fld id="{9C4A4F43-1C06-40E6-8F87-8B286982E50E}" type="datetimeFigureOut">
               <a:rPr lang="en-NZ" smtClean="0"/>
-              <a:t>11/05/2022</a:t>
+              <a:t>16/05/2022</a:t>
             </a:fld>
             <a:endParaRPr lang="en-NZ"/>
           </a:p>
@@ -9542,7 +10893,7 @@
           <a:p>
             <a:fld id="{9C4A4F43-1C06-40E6-8F87-8B286982E50E}" type="datetimeFigureOut">
               <a:rPr lang="en-NZ" smtClean="0"/>
-              <a:t>11/05/2022</a:t>
+              <a:t>16/05/2022</a:t>
             </a:fld>
             <a:endParaRPr lang="en-NZ"/>
           </a:p>
@@ -9818,7 +11169,7 @@
           <a:p>
             <a:fld id="{9C4A4F43-1C06-40E6-8F87-8B286982E50E}" type="datetimeFigureOut">
               <a:rPr lang="en-NZ" smtClean="0"/>
-              <a:t>11/05/2022</a:t>
+              <a:t>16/05/2022</a:t>
             </a:fld>
             <a:endParaRPr lang="en-NZ"/>
           </a:p>
@@ -10086,7 +11437,7 @@
           <a:p>
             <a:fld id="{9C4A4F43-1C06-40E6-8F87-8B286982E50E}" type="datetimeFigureOut">
               <a:rPr lang="en-NZ" smtClean="0"/>
-              <a:t>11/05/2022</a:t>
+              <a:t>16/05/2022</a:t>
             </a:fld>
             <a:endParaRPr lang="en-NZ"/>
           </a:p>
@@ -10501,7 +11852,7 @@
           <a:p>
             <a:fld id="{9C4A4F43-1C06-40E6-8F87-8B286982E50E}" type="datetimeFigureOut">
               <a:rPr lang="en-NZ" smtClean="0"/>
-              <a:t>11/05/2022</a:t>
+              <a:t>16/05/2022</a:t>
             </a:fld>
             <a:endParaRPr lang="en-NZ"/>
           </a:p>
@@ -10643,7 +11994,7 @@
           <a:p>
             <a:fld id="{9C4A4F43-1C06-40E6-8F87-8B286982E50E}" type="datetimeFigureOut">
               <a:rPr lang="en-NZ" smtClean="0"/>
-              <a:t>11/05/2022</a:t>
+              <a:t>16/05/2022</a:t>
             </a:fld>
             <a:endParaRPr lang="en-NZ"/>
           </a:p>
@@ -10756,7 +12107,7 @@
           <a:p>
             <a:fld id="{9C4A4F43-1C06-40E6-8F87-8B286982E50E}" type="datetimeFigureOut">
               <a:rPr lang="en-NZ" smtClean="0"/>
-              <a:t>11/05/2022</a:t>
+              <a:t>16/05/2022</a:t>
             </a:fld>
             <a:endParaRPr lang="en-NZ"/>
           </a:p>
@@ -11069,7 +12420,7 @@
           <a:p>
             <a:fld id="{9C4A4F43-1C06-40E6-8F87-8B286982E50E}" type="datetimeFigureOut">
               <a:rPr lang="en-NZ" smtClean="0"/>
-              <a:t>11/05/2022</a:t>
+              <a:t>16/05/2022</a:t>
             </a:fld>
             <a:endParaRPr lang="en-NZ"/>
           </a:p>
@@ -11358,7 +12709,7 @@
           <a:p>
             <a:fld id="{9C4A4F43-1C06-40E6-8F87-8B286982E50E}" type="datetimeFigureOut">
               <a:rPr lang="en-NZ" smtClean="0"/>
-              <a:t>11/05/2022</a:t>
+              <a:t>16/05/2022</a:t>
             </a:fld>
             <a:endParaRPr lang="en-NZ"/>
           </a:p>
@@ -11601,7 +12952,7 @@
           <a:p>
             <a:fld id="{9C4A4F43-1C06-40E6-8F87-8B286982E50E}" type="datetimeFigureOut">
               <a:rPr lang="en-NZ" smtClean="0"/>
-              <a:t>11/05/2022</a:t>
+              <a:t>16/05/2022</a:t>
             </a:fld>
             <a:endParaRPr lang="en-NZ"/>
           </a:p>
@@ -17645,8 +18996,8 @@
           </a:p>
         </p:txBody>
       </p:sp>
-      <mc:AlternateContent xmlns:mc="http://schemas.openxmlformats.org/markup-compatibility/2006">
-        <mc:Choice xmlns:p14="http://schemas.microsoft.com/office/powerpoint/2010/main" Requires="p14">
+      <mc:AlternateContent xmlns:mc="http://schemas.openxmlformats.org/markup-compatibility/2006" xmlns:p14="http://schemas.microsoft.com/office/powerpoint/2010/main">
+        <mc:Choice Requires="p14">
           <p:contentPart p14:bwMode="auto" r:id="rId4">
             <p14:nvContentPartPr>
               <p14:cNvPr id="13" name="Ink 12">
@@ -17665,7 +19016,7 @@
             </p14:xfrm>
           </p:contentPart>
         </mc:Choice>
-        <mc:Fallback>
+        <mc:Fallback xmlns="">
           <p:pic>
             <p:nvPicPr>
               <p:cNvPr id="13" name="Ink 12">
@@ -28596,10 +29947,10 @@
           <a:lstStyle/>
           <a:p>
             <a:r>
-              <a:rPr lang="en" sz="4000"/>
-              <a:t>Randomly generated- Test Plan</a:t>
+              <a:rPr lang="en" sz="4000" dirty="0"/>
+              <a:t>Score - Test Plan</a:t>
             </a:r>
-            <a:endParaRPr sz="4000"/>
+            <a:endParaRPr sz="4000" dirty="0"/>
           </a:p>
         </p:txBody>
       </p:sp>
@@ -28610,14 +29961,14 @@
           <p:nvPr>
             <p:extLst>
               <p:ext uri="{D42A27DB-BD31-4B8C-83A1-F6EECF244321}">
-                <p14:modId xmlns:p14="http://schemas.microsoft.com/office/powerpoint/2010/main" val="2933796929"/>
+                <p14:modId xmlns:p14="http://schemas.microsoft.com/office/powerpoint/2010/main" val="2026141294"/>
               </p:ext>
             </p:extLst>
           </p:nvPr>
         </p:nvGraphicFramePr>
         <p:xfrm>
           <a:off x="521173" y="1567035"/>
-          <a:ext cx="11360798" cy="1957403"/>
+          <a:ext cx="11360798" cy="3664123"/>
         </p:xfrm>
         <a:graphic>
           <a:graphicData uri="http://schemas.openxmlformats.org/drawingml/2006/table">
@@ -28626,14 +29977,14 @@
                 <a:noFill/>
               </a:tblPr>
               <a:tblGrid>
-                <a:gridCol w="3821206">
+                <a:gridCol w="4149150">
                   <a:extLst>
                     <a:ext uri="{9D8B030D-6E8A-4147-A177-3AD203B41FA5}">
                       <a16:colId xmlns:a16="http://schemas.microsoft.com/office/drawing/2014/main" val="20000"/>
                     </a:ext>
                   </a:extLst>
                 </a:gridCol>
-                <a:gridCol w="7539592">
+                <a:gridCol w="7211648">
                   <a:extLst>
                     <a:ext uri="{9D8B030D-6E8A-4147-A177-3AD203B41FA5}">
                       <a16:colId xmlns:a16="http://schemas.microsoft.com/office/drawing/2014/main" val="20001"/>
@@ -28718,10 +30069,14 @@
                         <a:buNone/>
                       </a:pPr>
                       <a:r>
-                        <a:rPr lang="en-US" sz="2400"/>
-                        <a:t>Run the program</a:t>
+                        <a:rPr lang="en-US" sz="2400" i="0" dirty="0"/>
+                        <a:t>0/10 – </a:t>
                       </a:r>
-                      <a:endParaRPr lang="en-US" sz="2400" i="1"/>
+                      <a:r>
+                        <a:rPr lang="en-US" sz="2400" i="1" dirty="0"/>
+                        <a:t>(lower boundary case)</a:t>
+                      </a:r>
+                      <a:endParaRPr lang="en-US" sz="2400" i="0" dirty="0"/>
                     </a:p>
                   </a:txBody>
                   <a:tcPr marL="121900" marR="121900" marT="121900" marB="121900"/>
@@ -28741,23 +30096,8 @@
                         <a:buNone/>
                       </a:pPr>
                       <a:r>
-                        <a:rPr lang="en-US" sz="2400"/>
-                        <a:t>Program should output 20 tokens with at least one of each: horse, donkey, zebra, and unicorn. </a:t>
-                      </a:r>
-                    </a:p>
-                    <a:p>
-                      <a:pPr marL="0" lvl="0" indent="0" algn="l">
-                        <a:spcBef>
-                          <a:spcPts val="0"/>
-                        </a:spcBef>
-                        <a:spcAft>
-                          <a:spcPts val="0"/>
-                        </a:spcAft>
-                        <a:buNone/>
-                      </a:pPr>
-                      <a:r>
-                        <a:rPr lang="en-US" sz="2400"/>
-                        <a:t>The order of the tokens must be random.</a:t>
+                        <a:rPr lang="en-US" sz="2400" dirty="0"/>
+                        <a:t>“You might need to do some more studying”</a:t>
                       </a:r>
                     </a:p>
                   </a:txBody>
@@ -28769,287 +30109,229 @@
                   </a:ext>
                 </a:extLst>
               </a:tr>
+              <a:tr h="609560">
+                <a:tc>
+                  <a:txBody>
+                    <a:bodyPr/>
+                    <a:lstStyle/>
+                    <a:p>
+                      <a:pPr marL="0" lvl="0" indent="0" algn="l" rtl="0">
+                        <a:spcBef>
+                          <a:spcPts val="0"/>
+                        </a:spcBef>
+                        <a:spcAft>
+                          <a:spcPts val="0"/>
+                        </a:spcAft>
+                        <a:buNone/>
+                      </a:pPr>
+                      <a:r>
+                        <a:rPr lang="en-US" sz="2400" i="0" dirty="0"/>
+                        <a:t>5/10 – </a:t>
+                      </a:r>
+                      <a:r>
+                        <a:rPr lang="en-US" sz="2400" i="1" dirty="0"/>
+                        <a:t>(upper boundary case)</a:t>
+                      </a:r>
+                      <a:endParaRPr lang="en-US" sz="2400" i="0" dirty="0"/>
+                    </a:p>
+                  </a:txBody>
+                  <a:tcPr marL="121900" marR="121900" marT="121900" marB="121900"/>
+                </a:tc>
+                <a:tc>
+                  <a:txBody>
+                    <a:bodyPr/>
+                    <a:lstStyle/>
+                    <a:p>
+                      <a:pPr marL="0" lvl="0" indent="0" algn="l" rtl="0">
+                        <a:spcBef>
+                          <a:spcPts val="0"/>
+                        </a:spcBef>
+                        <a:spcAft>
+                          <a:spcPts val="0"/>
+                        </a:spcAft>
+                        <a:buNone/>
+                      </a:pPr>
+                      <a:r>
+                        <a:rPr lang="en-US" sz="2400" dirty="0"/>
+                        <a:t>“You might need to do some more studying”</a:t>
+                      </a:r>
+                    </a:p>
+                  </a:txBody>
+                  <a:tcPr marL="121900" marR="121900" marT="121900" marB="121900"/>
+                </a:tc>
+                <a:extLst>
+                  <a:ext uri="{0D108BD9-81ED-4DB2-BD59-A6C34878D82A}">
+                    <a16:rowId xmlns:a16="http://schemas.microsoft.com/office/drawing/2014/main" val="2426205710"/>
+                  </a:ext>
+                </a:extLst>
+              </a:tr>
+              <a:tr h="609560">
+                <a:tc>
+                  <a:txBody>
+                    <a:bodyPr/>
+                    <a:lstStyle/>
+                    <a:p>
+                      <a:pPr marL="0" lvl="0" indent="0" algn="l" rtl="0">
+                        <a:spcBef>
+                          <a:spcPts val="0"/>
+                        </a:spcBef>
+                        <a:spcAft>
+                          <a:spcPts val="0"/>
+                        </a:spcAft>
+                        <a:buNone/>
+                      </a:pPr>
+                      <a:r>
+                        <a:rPr lang="en-US" sz="2400" i="0" dirty="0"/>
+                        <a:t>6/10 – </a:t>
+                      </a:r>
+                      <a:r>
+                        <a:rPr lang="en-US" sz="2400" i="1" dirty="0"/>
+                        <a:t>(lower boundary case)</a:t>
+                      </a:r>
+                      <a:endParaRPr lang="en-US" sz="2400" i="0" dirty="0"/>
+                    </a:p>
+                  </a:txBody>
+                  <a:tcPr marL="121900" marR="121900" marT="121900" marB="121900"/>
+                </a:tc>
+                <a:tc>
+                  <a:txBody>
+                    <a:bodyPr/>
+                    <a:lstStyle/>
+                    <a:p>
+                      <a:pPr marL="0" lvl="0" indent="0" algn="l" rtl="0">
+                        <a:spcBef>
+                          <a:spcPts val="0"/>
+                        </a:spcBef>
+                        <a:spcAft>
+                          <a:spcPts val="0"/>
+                        </a:spcAft>
+                        <a:buNone/>
+                      </a:pPr>
+                      <a:r>
+                        <a:rPr lang="en-US" sz="2400" dirty="0"/>
+                        <a:t>“Great work!”</a:t>
+                      </a:r>
+                    </a:p>
+                  </a:txBody>
+                  <a:tcPr marL="121900" marR="121900" marT="121900" marB="121900"/>
+                </a:tc>
+                <a:extLst>
+                  <a:ext uri="{0D108BD9-81ED-4DB2-BD59-A6C34878D82A}">
+                    <a16:rowId xmlns:a16="http://schemas.microsoft.com/office/drawing/2014/main" val="182713827"/>
+                  </a:ext>
+                </a:extLst>
+              </a:tr>
+              <a:tr h="609560">
+                <a:tc>
+                  <a:txBody>
+                    <a:bodyPr/>
+                    <a:lstStyle/>
+                    <a:p>
+                      <a:pPr marL="0" lvl="0" indent="0" algn="l" rtl="0">
+                        <a:spcBef>
+                          <a:spcPts val="0"/>
+                        </a:spcBef>
+                        <a:spcAft>
+                          <a:spcPts val="0"/>
+                        </a:spcAft>
+                        <a:buNone/>
+                      </a:pPr>
+                      <a:r>
+                        <a:rPr lang="en-US" sz="2400" i="0" dirty="0"/>
+                        <a:t>9/10 – </a:t>
+                      </a:r>
+                      <a:r>
+                        <a:rPr lang="en-US" sz="2400" i="1" dirty="0"/>
+                        <a:t>(upper boundary case)</a:t>
+                      </a:r>
+                      <a:endParaRPr lang="en-US" sz="2400" i="0" dirty="0"/>
+                    </a:p>
+                  </a:txBody>
+                  <a:tcPr marL="121900" marR="121900" marT="121900" marB="121900"/>
+                </a:tc>
+                <a:tc>
+                  <a:txBody>
+                    <a:bodyPr/>
+                    <a:lstStyle/>
+                    <a:p>
+                      <a:pPr marL="0" lvl="0" indent="0" algn="l" rtl="0">
+                        <a:spcBef>
+                          <a:spcPts val="0"/>
+                        </a:spcBef>
+                        <a:spcAft>
+                          <a:spcPts val="0"/>
+                        </a:spcAft>
+                        <a:buNone/>
+                      </a:pPr>
+                      <a:r>
+                        <a:rPr lang="en-US" sz="2400" dirty="0"/>
+                        <a:t>“Great work!”</a:t>
+                      </a:r>
+                    </a:p>
+                  </a:txBody>
+                  <a:tcPr marL="121900" marR="121900" marT="121900" marB="121900"/>
+                </a:tc>
+                <a:extLst>
+                  <a:ext uri="{0D108BD9-81ED-4DB2-BD59-A6C34878D82A}">
+                    <a16:rowId xmlns:a16="http://schemas.microsoft.com/office/drawing/2014/main" val="2788337359"/>
+                  </a:ext>
+                </a:extLst>
+              </a:tr>
+              <a:tr h="609560">
+                <a:tc>
+                  <a:txBody>
+                    <a:bodyPr/>
+                    <a:lstStyle/>
+                    <a:p>
+                      <a:pPr marL="0" lvl="0" indent="0" algn="l" rtl="0">
+                        <a:spcBef>
+                          <a:spcPts val="0"/>
+                        </a:spcBef>
+                        <a:spcAft>
+                          <a:spcPts val="0"/>
+                        </a:spcAft>
+                        <a:buNone/>
+                      </a:pPr>
+                      <a:r>
+                        <a:rPr lang="en-US" sz="2400" i="0" dirty="0"/>
+                        <a:t>10/10</a:t>
+                      </a:r>
+                    </a:p>
+                  </a:txBody>
+                  <a:tcPr marL="121900" marR="121900" marT="121900" marB="121900"/>
+                </a:tc>
+                <a:tc>
+                  <a:txBody>
+                    <a:bodyPr/>
+                    <a:lstStyle/>
+                    <a:p>
+                      <a:pPr marL="0" lvl="0" indent="0" algn="l" rtl="0">
+                        <a:spcBef>
+                          <a:spcPts val="0"/>
+                        </a:spcBef>
+                        <a:spcAft>
+                          <a:spcPts val="0"/>
+                        </a:spcAft>
+                        <a:buNone/>
+                      </a:pPr>
+                      <a:r>
+                        <a:rPr lang="en-US" sz="2400" dirty="0"/>
+                        <a:t>“Wow amazing job!!”</a:t>
+                      </a:r>
+                    </a:p>
+                  </a:txBody>
+                  <a:tcPr marL="121900" marR="121900" marT="121900" marB="121900"/>
+                </a:tc>
+                <a:extLst>
+                  <a:ext uri="{0D108BD9-81ED-4DB2-BD59-A6C34878D82A}">
+                    <a16:rowId xmlns:a16="http://schemas.microsoft.com/office/drawing/2014/main" val="3987204903"/>
+                  </a:ext>
+                </a:extLst>
+              </a:tr>
             </a:tbl>
           </a:graphicData>
         </a:graphic>
       </p:graphicFrame>
-      <p:pic>
-        <p:nvPicPr>
-          <p:cNvPr id="2" name="Picture 2" descr="Graphical user interface, text, application&#10;&#10;Description automatically generated">
-            <a:extLst>
-              <a:ext uri="{FF2B5EF4-FFF2-40B4-BE49-F238E27FC236}">
-                <a16:creationId xmlns:a16="http://schemas.microsoft.com/office/drawing/2014/main" id="{7BE51418-D4BA-D8BF-8352-2CFCE01BAB0C}"/>
-              </a:ext>
-            </a:extLst>
-          </p:cNvPr>
-          <p:cNvPicPr>
-            <a:picLocks noChangeAspect="1"/>
-          </p:cNvPicPr>
-          <p:nvPr/>
-        </p:nvPicPr>
-        <p:blipFill>
-          <a:blip r:embed="rId3"/>
-          <a:stretch>
-            <a:fillRect/>
-          </a:stretch>
-        </p:blipFill>
-        <p:spPr>
-          <a:xfrm>
-            <a:off x="510988" y="3904169"/>
-            <a:ext cx="5746376" cy="2669162"/>
-          </a:xfrm>
-          <a:prstGeom prst="rect">
-            <a:avLst/>
-          </a:prstGeom>
-        </p:spPr>
-      </p:pic>
-      <p:sp>
-        <p:nvSpPr>
-          <p:cNvPr id="3" name="Rectangle 2">
-            <a:extLst>
-              <a:ext uri="{FF2B5EF4-FFF2-40B4-BE49-F238E27FC236}">
-                <a16:creationId xmlns:a16="http://schemas.microsoft.com/office/drawing/2014/main" id="{3FCC3670-01DB-1BA0-3833-6709A0DE08CA}"/>
-              </a:ext>
-            </a:extLst>
-          </p:cNvPr>
-          <p:cNvSpPr/>
-          <p:nvPr/>
-        </p:nvSpPr>
-        <p:spPr>
-          <a:xfrm>
-            <a:off x="1279712" y="4484593"/>
-            <a:ext cx="739588" cy="313765"/>
-          </a:xfrm>
-          <a:prstGeom prst="rect">
-            <a:avLst/>
-          </a:prstGeom>
-          <a:noFill/>
-          <a:ln w="28575">
-            <a:solidFill>
-              <a:srgbClr val="7030A0"/>
-            </a:solidFill>
-          </a:ln>
-        </p:spPr>
-        <p:style>
-          <a:lnRef idx="2">
-            <a:schemeClr val="accent1">
-              <a:shade val="50000"/>
-            </a:schemeClr>
-          </a:lnRef>
-          <a:fillRef idx="1">
-            <a:schemeClr val="accent1"/>
-          </a:fillRef>
-          <a:effectRef idx="0">
-            <a:schemeClr val="accent1"/>
-          </a:effectRef>
-          <a:fontRef idx="minor">
-            <a:schemeClr val="lt1"/>
-          </a:fontRef>
-        </p:style>
-        <p:txBody>
-          <a:bodyPr rtlCol="0" anchor="ctr"/>
-          <a:lstStyle/>
-          <a:p>
-            <a:pPr algn="ctr"/>
-            <a:endParaRPr lang="en-GB"/>
-          </a:p>
-        </p:txBody>
-      </p:sp>
-      <p:sp>
-        <p:nvSpPr>
-          <p:cNvPr id="6" name="Rectangle 5">
-            <a:extLst>
-              <a:ext uri="{FF2B5EF4-FFF2-40B4-BE49-F238E27FC236}">
-                <a16:creationId xmlns:a16="http://schemas.microsoft.com/office/drawing/2014/main" id="{53E84D05-6AA4-7256-EC95-EBAF55445C69}"/>
-              </a:ext>
-            </a:extLst>
-          </p:cNvPr>
-          <p:cNvSpPr/>
-          <p:nvPr/>
-        </p:nvSpPr>
-        <p:spPr>
-          <a:xfrm>
-            <a:off x="2131359" y="4484593"/>
-            <a:ext cx="739588" cy="268942"/>
-          </a:xfrm>
-          <a:prstGeom prst="rect">
-            <a:avLst/>
-          </a:prstGeom>
-          <a:noFill/>
-          <a:ln w="28575">
-            <a:solidFill>
-              <a:srgbClr val="FF0000"/>
-            </a:solidFill>
-          </a:ln>
-        </p:spPr>
-        <p:style>
-          <a:lnRef idx="2">
-            <a:schemeClr val="accent1">
-              <a:shade val="50000"/>
-            </a:schemeClr>
-          </a:lnRef>
-          <a:fillRef idx="1">
-            <a:schemeClr val="accent1"/>
-          </a:fillRef>
-          <a:effectRef idx="0">
-            <a:schemeClr val="accent1"/>
-          </a:effectRef>
-          <a:fontRef idx="minor">
-            <a:schemeClr val="lt1"/>
-          </a:fontRef>
-        </p:style>
-        <p:txBody>
-          <a:bodyPr rtlCol="0" anchor="ctr"/>
-          <a:lstStyle/>
-          <a:p>
-            <a:pPr algn="ctr"/>
-            <a:endParaRPr lang="en-GB"/>
-          </a:p>
-        </p:txBody>
-      </p:sp>
-      <p:sp>
-        <p:nvSpPr>
-          <p:cNvPr id="7" name="Rectangle 6">
-            <a:extLst>
-              <a:ext uri="{FF2B5EF4-FFF2-40B4-BE49-F238E27FC236}">
-                <a16:creationId xmlns:a16="http://schemas.microsoft.com/office/drawing/2014/main" id="{44B60101-9F86-B903-5115-3061FB2D6536}"/>
-              </a:ext>
-            </a:extLst>
-          </p:cNvPr>
-          <p:cNvSpPr/>
-          <p:nvPr/>
-        </p:nvSpPr>
-        <p:spPr>
-          <a:xfrm>
-            <a:off x="4540623" y="4484593"/>
-            <a:ext cx="739588" cy="313765"/>
-          </a:xfrm>
-          <a:prstGeom prst="rect">
-            <a:avLst/>
-          </a:prstGeom>
-          <a:noFill/>
-          <a:ln w="28575">
-            <a:solidFill>
-              <a:srgbClr val="00B050"/>
-            </a:solidFill>
-          </a:ln>
-        </p:spPr>
-        <p:style>
-          <a:lnRef idx="2">
-            <a:schemeClr val="accent1">
-              <a:shade val="50000"/>
-            </a:schemeClr>
-          </a:lnRef>
-          <a:fillRef idx="1">
-            <a:schemeClr val="accent1"/>
-          </a:fillRef>
-          <a:effectRef idx="0">
-            <a:schemeClr val="accent1"/>
-          </a:effectRef>
-          <a:fontRef idx="minor">
-            <a:schemeClr val="lt1"/>
-          </a:fontRef>
-        </p:style>
-        <p:txBody>
-          <a:bodyPr rtlCol="0" anchor="ctr"/>
-          <a:lstStyle/>
-          <a:p>
-            <a:pPr algn="ctr"/>
-            <a:endParaRPr lang="en-GB"/>
-          </a:p>
-        </p:txBody>
-      </p:sp>
-      <p:sp>
-        <p:nvSpPr>
-          <p:cNvPr id="8" name="Rectangle 7">
-            <a:extLst>
-              <a:ext uri="{FF2B5EF4-FFF2-40B4-BE49-F238E27FC236}">
-                <a16:creationId xmlns:a16="http://schemas.microsoft.com/office/drawing/2014/main" id="{84FC7A4C-AF25-FBAE-67A7-BE6141E6D630}"/>
-              </a:ext>
-            </a:extLst>
-          </p:cNvPr>
-          <p:cNvSpPr/>
-          <p:nvPr/>
-        </p:nvSpPr>
-        <p:spPr>
-          <a:xfrm>
-            <a:off x="2198593" y="4798357"/>
-            <a:ext cx="739588" cy="313765"/>
-          </a:xfrm>
-          <a:prstGeom prst="rect">
-            <a:avLst/>
-          </a:prstGeom>
-          <a:noFill/>
-          <a:ln w="28575">
-            <a:solidFill>
-              <a:srgbClr val="0070C0"/>
-            </a:solidFill>
-          </a:ln>
-        </p:spPr>
-        <p:style>
-          <a:lnRef idx="2">
-            <a:schemeClr val="accent1">
-              <a:shade val="50000"/>
-            </a:schemeClr>
-          </a:lnRef>
-          <a:fillRef idx="1">
-            <a:schemeClr val="accent1"/>
-          </a:fillRef>
-          <a:effectRef idx="0">
-            <a:schemeClr val="accent1"/>
-          </a:effectRef>
-          <a:fontRef idx="minor">
-            <a:schemeClr val="lt1"/>
-          </a:fontRef>
-        </p:style>
-        <p:txBody>
-          <a:bodyPr rtlCol="0" anchor="ctr"/>
-          <a:lstStyle/>
-          <a:p>
-            <a:pPr algn="ctr"/>
-            <a:endParaRPr lang="en-GB"/>
-          </a:p>
-        </p:txBody>
-      </p:sp>
-      <p:sp>
-        <p:nvSpPr>
-          <p:cNvPr id="4" name="TextBox 3">
-            <a:extLst>
-              <a:ext uri="{FF2B5EF4-FFF2-40B4-BE49-F238E27FC236}">
-                <a16:creationId xmlns:a16="http://schemas.microsoft.com/office/drawing/2014/main" id="{725A2025-63D9-0C5C-C37D-EF6807D6D0DE}"/>
-              </a:ext>
-            </a:extLst>
-          </p:cNvPr>
-          <p:cNvSpPr txBox="1"/>
-          <p:nvPr/>
-        </p:nvSpPr>
-        <p:spPr>
-          <a:xfrm>
-            <a:off x="7422216" y="4194922"/>
-            <a:ext cx="3393141" cy="646331"/>
-          </a:xfrm>
-          <a:prstGeom prst="rect">
-            <a:avLst/>
-          </a:prstGeom>
-          <a:noFill/>
-        </p:spPr>
-        <p:txBody>
-          <a:bodyPr rot="0" spcFirstLastPara="0" vertOverflow="overflow" horzOverflow="overflow" vert="horz" wrap="square" lIns="91440" tIns="45720" rIns="91440" bIns="45720" numCol="1" spcCol="0" rtlCol="0" fromWordArt="0" anchor="t" anchorCtr="0" forceAA="0" compatLnSpc="1">
-            <a:prstTxWarp prst="textNoShape">
-              <a:avLst/>
-            </a:prstTxWarp>
-            <a:spAutoFit/>
-          </a:bodyPr>
-          <a:lstStyle/>
-          <a:p>
-            <a:r>
-              <a:rPr lang="en-GB"/>
-              <a:t>Program generates random choices in a random order</a:t>
-            </a:r>
-            <a:endParaRPr lang="en-US"/>
-          </a:p>
-        </p:txBody>
-      </p:sp>
     </p:spTree>
     <p:extLst>
       <p:ext uri="{BB962C8B-B14F-4D97-AF65-F5344CB8AC3E}">
@@ -29106,10 +30388,10 @@
           <a:lstStyle/>
           <a:p>
             <a:r>
-              <a:rPr lang="en" sz="4000"/>
-              <a:t>House has the advantage- Test Plan</a:t>
+              <a:rPr lang="en" sz="4000" dirty="0"/>
+              <a:t>Score - Testing</a:t>
             </a:r>
-            <a:endParaRPr sz="4000"/>
+            <a:endParaRPr sz="4000" dirty="0"/>
           </a:p>
         </p:txBody>
       </p:sp>
@@ -29120,14 +30402,14 @@
           <p:nvPr>
             <p:extLst>
               <p:ext uri="{D42A27DB-BD31-4B8C-83A1-F6EECF244321}">
-                <p14:modId xmlns:p14="http://schemas.microsoft.com/office/powerpoint/2010/main" val="810917670"/>
+                <p14:modId xmlns:p14="http://schemas.microsoft.com/office/powerpoint/2010/main" val="3337069274"/>
               </p:ext>
             </p:extLst>
           </p:nvPr>
         </p:nvGraphicFramePr>
         <p:xfrm>
-          <a:off x="509967" y="1522211"/>
-          <a:ext cx="11360798" cy="1584880"/>
+          <a:off x="415599" y="1297857"/>
+          <a:ext cx="6732453" cy="5250426"/>
         </p:xfrm>
         <a:graphic>
           <a:graphicData uri="http://schemas.openxmlformats.org/drawingml/2006/table">
@@ -29136,14 +30418,14 @@
                 <a:noFill/>
               </a:tblPr>
               <a:tblGrid>
-                <a:gridCol w="3821206">
+                <a:gridCol w="2458803">
                   <a:extLst>
                     <a:ext uri="{9D8B030D-6E8A-4147-A177-3AD203B41FA5}">
                       <a16:colId xmlns:a16="http://schemas.microsoft.com/office/drawing/2014/main" val="20000"/>
                     </a:ext>
                   </a:extLst>
                 </a:gridCol>
-                <a:gridCol w="7539592">
+                <a:gridCol w="4273650">
                   <a:extLst>
                     <a:ext uri="{9D8B030D-6E8A-4147-A177-3AD203B41FA5}">
                       <a16:colId xmlns:a16="http://schemas.microsoft.com/office/drawing/2014/main" val="20001"/>
@@ -29151,7 +30433,7 @@
                   </a:extLst>
                 </a:gridCol>
               </a:tblGrid>
-              <a:tr h="609560">
+              <a:tr h="689119">
                 <a:tc>
                   <a:txBody>
                     <a:bodyPr/>
@@ -29167,10 +30449,10 @@
                         <a:buNone/>
                       </a:pPr>
                       <a:r>
-                        <a:rPr lang="en" sz="2400" b="1"/>
+                        <a:rPr lang="en" sz="2000" b="1" dirty="0"/>
                         <a:t>Test Cases - input</a:t>
                       </a:r>
-                      <a:endParaRPr sz="2400" b="1"/>
+                      <a:endParaRPr sz="2000" b="1" dirty="0"/>
                     </a:p>
                   </a:txBody>
                   <a:tcPr marL="121900" marR="121900" marT="121900" marB="121900">
@@ -29194,10 +30476,10 @@
                         <a:buNone/>
                       </a:pPr>
                       <a:r>
-                        <a:rPr lang="en" sz="2400" b="1"/>
+                        <a:rPr lang="en" sz="2000" b="1"/>
                         <a:t>Expected output</a:t>
                       </a:r>
-                      <a:endParaRPr sz="2400" b="1"/>
+                      <a:endParaRPr sz="2000" b="1"/>
                     </a:p>
                   </a:txBody>
                   <a:tcPr marL="121900" marR="121900" marT="121900" marB="121900">
@@ -29212,7 +30494,7 @@
                   </a:ext>
                 </a:extLst>
               </a:tr>
-              <a:tr h="609560">
+              <a:tr h="968047">
                 <a:tc>
                   <a:txBody>
                     <a:bodyPr/>
@@ -29228,13 +30510,24 @@
                         <a:buNone/>
                       </a:pPr>
                       <a:r>
-                        <a:rPr lang="en-US" sz="2400"/>
-                        <a:t>User starts with $100</a:t>
+                        <a:rPr lang="en-US" sz="2000" i="0" dirty="0"/>
+                        <a:t>0/10 – </a:t>
                       </a:r>
-                      <a:endParaRPr lang="en-US" sz="2400" i="1"/>
+                      <a:r>
+                        <a:rPr lang="en-US" sz="2000" i="1" dirty="0"/>
+                        <a:t>(lower boundary case)</a:t>
+                      </a:r>
+                      <a:endParaRPr lang="en-US" sz="2000" i="0" dirty="0"/>
                     </a:p>
+                  </a:txBody>
+                  <a:tcPr marL="121900" marR="121900" marT="121900" marB="121900"/>
+                </a:tc>
+                <a:tc>
+                  <a:txBody>
+                    <a:bodyPr/>
+                    <a:lstStyle/>
                     <a:p>
-                      <a:pPr marL="0" lvl="0" indent="0" algn="l">
+                      <a:pPr marL="0" lvl="0" indent="0" algn="l" rtl="0">
                         <a:spcBef>
                           <a:spcPts val="0"/>
                         </a:spcBef>
@@ -29244,8 +30537,205 @@
                         <a:buNone/>
                       </a:pPr>
                       <a:r>
-                        <a:rPr lang="en-US" sz="2400"/>
-                        <a:t>Run the program</a:t>
+                        <a:rPr lang="en-US" sz="2000" dirty="0"/>
+                        <a:t>“You might need to do some more studying”</a:t>
+                      </a:r>
+                    </a:p>
+                  </a:txBody>
+                  <a:tcPr marL="121900" marR="121900" marT="121900" marB="121900"/>
+                </a:tc>
+                <a:extLst>
+                  <a:ext uri="{0D108BD9-81ED-4DB2-BD59-A6C34878D82A}">
+                    <a16:rowId xmlns:a16="http://schemas.microsoft.com/office/drawing/2014/main" val="10001"/>
+                  </a:ext>
+                </a:extLst>
+              </a:tr>
+              <a:tr h="968047">
+                <a:tc>
+                  <a:txBody>
+                    <a:bodyPr/>
+                    <a:lstStyle/>
+                    <a:p>
+                      <a:pPr marL="0" lvl="0" indent="0" algn="l" rtl="0">
+                        <a:spcBef>
+                          <a:spcPts val="0"/>
+                        </a:spcBef>
+                        <a:spcAft>
+                          <a:spcPts val="0"/>
+                        </a:spcAft>
+                        <a:buNone/>
+                      </a:pPr>
+                      <a:r>
+                        <a:rPr lang="en-US" sz="2000" i="0" dirty="0"/>
+                        <a:t>5/10 – </a:t>
+                      </a:r>
+                      <a:r>
+                        <a:rPr lang="en-US" sz="2000" i="1" dirty="0"/>
+                        <a:t>(upper boundary case)</a:t>
+                      </a:r>
+                      <a:endParaRPr lang="en-US" sz="2000" i="0" dirty="0"/>
+                    </a:p>
+                  </a:txBody>
+                  <a:tcPr marL="121900" marR="121900" marT="121900" marB="121900"/>
+                </a:tc>
+                <a:tc>
+                  <a:txBody>
+                    <a:bodyPr/>
+                    <a:lstStyle/>
+                    <a:p>
+                      <a:pPr marL="0" lvl="0" indent="0" algn="l" rtl="0">
+                        <a:spcBef>
+                          <a:spcPts val="0"/>
+                        </a:spcBef>
+                        <a:spcAft>
+                          <a:spcPts val="0"/>
+                        </a:spcAft>
+                        <a:buNone/>
+                      </a:pPr>
+                      <a:r>
+                        <a:rPr lang="en-US" sz="2000" dirty="0"/>
+                        <a:t>“You might need to do some more studying”</a:t>
+                      </a:r>
+                    </a:p>
+                  </a:txBody>
+                  <a:tcPr marL="121900" marR="121900" marT="121900" marB="121900"/>
+                </a:tc>
+                <a:extLst>
+                  <a:ext uri="{0D108BD9-81ED-4DB2-BD59-A6C34878D82A}">
+                    <a16:rowId xmlns:a16="http://schemas.microsoft.com/office/drawing/2014/main" val="2426205710"/>
+                  </a:ext>
+                </a:extLst>
+              </a:tr>
+              <a:tr h="968047">
+                <a:tc>
+                  <a:txBody>
+                    <a:bodyPr/>
+                    <a:lstStyle/>
+                    <a:p>
+                      <a:pPr marL="0" lvl="0" indent="0" algn="l" rtl="0">
+                        <a:spcBef>
+                          <a:spcPts val="0"/>
+                        </a:spcBef>
+                        <a:spcAft>
+                          <a:spcPts val="0"/>
+                        </a:spcAft>
+                        <a:buNone/>
+                      </a:pPr>
+                      <a:r>
+                        <a:rPr lang="en-US" sz="2000" i="0" dirty="0"/>
+                        <a:t>6/10 – </a:t>
+                      </a:r>
+                      <a:r>
+                        <a:rPr lang="en-US" sz="2000" i="1" dirty="0"/>
+                        <a:t>(lower boundary case)</a:t>
+                      </a:r>
+                      <a:endParaRPr lang="en-US" sz="2000" i="0" dirty="0"/>
+                    </a:p>
+                  </a:txBody>
+                  <a:tcPr marL="121900" marR="121900" marT="121900" marB="121900"/>
+                </a:tc>
+                <a:tc>
+                  <a:txBody>
+                    <a:bodyPr/>
+                    <a:lstStyle/>
+                    <a:p>
+                      <a:pPr marL="0" lvl="0" indent="0" algn="l" rtl="0">
+                        <a:spcBef>
+                          <a:spcPts val="0"/>
+                        </a:spcBef>
+                        <a:spcAft>
+                          <a:spcPts val="0"/>
+                        </a:spcAft>
+                        <a:buNone/>
+                      </a:pPr>
+                      <a:r>
+                        <a:rPr lang="en-US" sz="2000" dirty="0"/>
+                        <a:t>“Great work!”</a:t>
+                      </a:r>
+                    </a:p>
+                  </a:txBody>
+                  <a:tcPr marL="121900" marR="121900" marT="121900" marB="121900"/>
+                </a:tc>
+                <a:extLst>
+                  <a:ext uri="{0D108BD9-81ED-4DB2-BD59-A6C34878D82A}">
+                    <a16:rowId xmlns:a16="http://schemas.microsoft.com/office/drawing/2014/main" val="182713827"/>
+                  </a:ext>
+                </a:extLst>
+              </a:tr>
+              <a:tr h="968047">
+                <a:tc>
+                  <a:txBody>
+                    <a:bodyPr/>
+                    <a:lstStyle/>
+                    <a:p>
+                      <a:pPr marL="0" lvl="0" indent="0" algn="l" rtl="0">
+                        <a:spcBef>
+                          <a:spcPts val="0"/>
+                        </a:spcBef>
+                        <a:spcAft>
+                          <a:spcPts val="0"/>
+                        </a:spcAft>
+                        <a:buNone/>
+                      </a:pPr>
+                      <a:r>
+                        <a:rPr lang="en-US" sz="2000" i="0" dirty="0"/>
+                        <a:t>9/10 – </a:t>
+                      </a:r>
+                      <a:r>
+                        <a:rPr lang="en-US" sz="2000" i="1" dirty="0"/>
+                        <a:t>(upper boundary case)</a:t>
+                      </a:r>
+                      <a:endParaRPr lang="en-US" sz="2000" i="0" dirty="0"/>
+                    </a:p>
+                  </a:txBody>
+                  <a:tcPr marL="121900" marR="121900" marT="121900" marB="121900"/>
+                </a:tc>
+                <a:tc>
+                  <a:txBody>
+                    <a:bodyPr/>
+                    <a:lstStyle/>
+                    <a:p>
+                      <a:pPr marL="0" lvl="0" indent="0" algn="l" rtl="0">
+                        <a:spcBef>
+                          <a:spcPts val="0"/>
+                        </a:spcBef>
+                        <a:spcAft>
+                          <a:spcPts val="0"/>
+                        </a:spcAft>
+                        <a:buNone/>
+                      </a:pPr>
+                      <a:r>
+                        <a:rPr lang="en-US" sz="2000" dirty="0"/>
+                        <a:t>“Great work!”</a:t>
+                      </a:r>
+                    </a:p>
+                  </a:txBody>
+                  <a:tcPr marL="121900" marR="121900" marT="121900" marB="121900"/>
+                </a:tc>
+                <a:extLst>
+                  <a:ext uri="{0D108BD9-81ED-4DB2-BD59-A6C34878D82A}">
+                    <a16:rowId xmlns:a16="http://schemas.microsoft.com/office/drawing/2014/main" val="2788337359"/>
+                  </a:ext>
+                </a:extLst>
+              </a:tr>
+              <a:tr h="689119">
+                <a:tc>
+                  <a:txBody>
+                    <a:bodyPr/>
+                    <a:lstStyle/>
+                    <a:p>
+                      <a:pPr marL="0" lvl="0" indent="0" algn="l" rtl="0">
+                        <a:spcBef>
+                          <a:spcPts val="0"/>
+                        </a:spcBef>
+                        <a:spcAft>
+                          <a:spcPts val="0"/>
+                        </a:spcAft>
+                        <a:buNone/>
+                      </a:pPr>
+                      <a:r>
+                        <a:rPr lang="en-US" sz="2000" i="0" dirty="0"/>
+                        <a:t>10/10</a:t>
                       </a:r>
                     </a:p>
                   </a:txBody>
@@ -29256,7 +30746,7 @@
                     <a:bodyPr/>
                     <a:lstStyle/>
                     <a:p>
-                      <a:pPr marL="0" lvl="0" indent="0" algn="l">
+                      <a:pPr marL="0" lvl="0" indent="0" algn="l" rtl="0">
                         <a:spcBef>
                           <a:spcPts val="0"/>
                         </a:spcBef>
@@ -29266,17 +30756,16 @@
                         <a:buNone/>
                       </a:pPr>
                       <a:r>
-                        <a:rPr lang="en-US" sz="2400"/>
-                        <a:t>User should lose money (final balance should be less than $100)</a:t>
+                        <a:rPr lang="en-US" sz="2000" dirty="0"/>
+                        <a:t>“Wow amazing job!!”</a:t>
                       </a:r>
-                      <a:endParaRPr lang="en-US"/>
                     </a:p>
                   </a:txBody>
                   <a:tcPr marL="121900" marR="121900" marT="121900" marB="121900"/>
                 </a:tc>
                 <a:extLst>
                   <a:ext uri="{0D108BD9-81ED-4DB2-BD59-A6C34878D82A}">
-                    <a16:rowId xmlns:a16="http://schemas.microsoft.com/office/drawing/2014/main" val="10001"/>
+                    <a16:rowId xmlns:a16="http://schemas.microsoft.com/office/drawing/2014/main" val="3987204903"/>
                   </a:ext>
                 </a:extLst>
               </a:tr>
@@ -29284,10 +30773,1706 @@
           </a:graphicData>
         </a:graphic>
       </p:graphicFrame>
+      <p:pic>
+        <p:nvPicPr>
+          <p:cNvPr id="5" name="Picture 4">
+            <a:extLst>
+              <a:ext uri="{FF2B5EF4-FFF2-40B4-BE49-F238E27FC236}">
+                <a16:creationId xmlns:a16="http://schemas.microsoft.com/office/drawing/2014/main" id="{637CD0B6-91F3-CECE-A7B5-B870DE5E0B18}"/>
+              </a:ext>
+            </a:extLst>
+          </p:cNvPr>
+          <p:cNvPicPr>
+            <a:picLocks noChangeAspect="1"/>
+          </p:cNvPicPr>
+          <p:nvPr/>
+        </p:nvPicPr>
+        <p:blipFill rotWithShape="1">
+          <a:blip r:embed="rId3"/>
+          <a:srcRect l="7678"/>
+          <a:stretch/>
+        </p:blipFill>
+        <p:spPr>
+          <a:xfrm>
+            <a:off x="6639557" y="365215"/>
+            <a:ext cx="2467896" cy="2028287"/>
+          </a:xfrm>
+          <a:prstGeom prst="rect">
+            <a:avLst/>
+          </a:prstGeom>
+        </p:spPr>
+      </p:pic>
+      <p:pic>
+        <p:nvPicPr>
+          <p:cNvPr id="7" name="Picture 6">
+            <a:extLst>
+              <a:ext uri="{FF2B5EF4-FFF2-40B4-BE49-F238E27FC236}">
+                <a16:creationId xmlns:a16="http://schemas.microsoft.com/office/drawing/2014/main" id="{3899CB6A-2ABB-C49A-60D8-76C6BAEDF9A4}"/>
+              </a:ext>
+            </a:extLst>
+          </p:cNvPr>
+          <p:cNvPicPr>
+            <a:picLocks noChangeAspect="1"/>
+          </p:cNvPicPr>
+          <p:nvPr/>
+        </p:nvPicPr>
+        <p:blipFill>
+          <a:blip r:embed="rId4"/>
+          <a:stretch>
+            <a:fillRect/>
+          </a:stretch>
+        </p:blipFill>
+        <p:spPr>
+          <a:xfrm>
+            <a:off x="9293639" y="1197325"/>
+            <a:ext cx="2845928" cy="1865283"/>
+          </a:xfrm>
+          <a:prstGeom prst="rect">
+            <a:avLst/>
+          </a:prstGeom>
+        </p:spPr>
+      </p:pic>
+      <p:pic>
+        <p:nvPicPr>
+          <p:cNvPr id="9" name="Picture 8">
+            <a:extLst>
+              <a:ext uri="{FF2B5EF4-FFF2-40B4-BE49-F238E27FC236}">
+                <a16:creationId xmlns:a16="http://schemas.microsoft.com/office/drawing/2014/main" id="{6D04134E-C5EE-236B-B651-285912B8EDE3}"/>
+              </a:ext>
+            </a:extLst>
+          </p:cNvPr>
+          <p:cNvPicPr>
+            <a:picLocks noChangeAspect="1"/>
+          </p:cNvPicPr>
+          <p:nvPr/>
+        </p:nvPicPr>
+        <p:blipFill>
+          <a:blip r:embed="rId5"/>
+          <a:stretch>
+            <a:fillRect/>
+          </a:stretch>
+        </p:blipFill>
+        <p:spPr>
+          <a:xfrm>
+            <a:off x="7069545" y="2856600"/>
+            <a:ext cx="2259654" cy="1760283"/>
+          </a:xfrm>
+          <a:prstGeom prst="rect">
+            <a:avLst/>
+          </a:prstGeom>
+        </p:spPr>
+      </p:pic>
+      <p:pic>
+        <p:nvPicPr>
+          <p:cNvPr id="11" name="Picture 10">
+            <a:extLst>
+              <a:ext uri="{FF2B5EF4-FFF2-40B4-BE49-F238E27FC236}">
+                <a16:creationId xmlns:a16="http://schemas.microsoft.com/office/drawing/2014/main" id="{086ED36D-EF7F-CF21-225C-4F5B59946C2D}"/>
+              </a:ext>
+            </a:extLst>
+          </p:cNvPr>
+          <p:cNvPicPr>
+            <a:picLocks noChangeAspect="1"/>
+          </p:cNvPicPr>
+          <p:nvPr/>
+        </p:nvPicPr>
+        <p:blipFill>
+          <a:blip r:embed="rId6"/>
+          <a:stretch>
+            <a:fillRect/>
+          </a:stretch>
+        </p:blipFill>
+        <p:spPr>
+          <a:xfrm>
+            <a:off x="9588956" y="3446411"/>
+            <a:ext cx="2593309" cy="2028287"/>
+          </a:xfrm>
+          <a:prstGeom prst="rect">
+            <a:avLst/>
+          </a:prstGeom>
+        </p:spPr>
+      </p:pic>
+      <p:pic>
+        <p:nvPicPr>
+          <p:cNvPr id="13" name="Picture 12">
+            <a:extLst>
+              <a:ext uri="{FF2B5EF4-FFF2-40B4-BE49-F238E27FC236}">
+                <a16:creationId xmlns:a16="http://schemas.microsoft.com/office/drawing/2014/main" id="{92E457B1-0C73-1CAC-5B08-B5C609E30EFE}"/>
+              </a:ext>
+            </a:extLst>
+          </p:cNvPr>
+          <p:cNvPicPr>
+            <a:picLocks noChangeAspect="1"/>
+          </p:cNvPicPr>
+          <p:nvPr/>
+        </p:nvPicPr>
+        <p:blipFill>
+          <a:blip r:embed="rId7"/>
+          <a:stretch>
+            <a:fillRect/>
+          </a:stretch>
+        </p:blipFill>
+        <p:spPr>
+          <a:xfrm>
+            <a:off x="6871812" y="4736238"/>
+            <a:ext cx="2593309" cy="2048496"/>
+          </a:xfrm>
+          <a:prstGeom prst="rect">
+            <a:avLst/>
+          </a:prstGeom>
+        </p:spPr>
+      </p:pic>
+      <p:cxnSp>
+        <p:nvCxnSpPr>
+          <p:cNvPr id="72" name="Straight Connector 71">
+            <a:extLst>
+              <a:ext uri="{FF2B5EF4-FFF2-40B4-BE49-F238E27FC236}">
+                <a16:creationId xmlns:a16="http://schemas.microsoft.com/office/drawing/2014/main" id="{77EB75BE-97E9-47B8-875C-0FDB86E07433}"/>
+              </a:ext>
+            </a:extLst>
+          </p:cNvPr>
+          <p:cNvCxnSpPr>
+            <a:stCxn id="30" idx="3"/>
+            <a:endCxn id="50" idx="1"/>
+          </p:cNvCxnSpPr>
+          <p:nvPr/>
+        </p:nvCxnSpPr>
+        <p:spPr>
+          <a:xfrm>
+            <a:off x="2113589" y="2445120"/>
+            <a:ext cx="784771" cy="0"/>
+          </a:xfrm>
+          <a:prstGeom prst="line">
+            <a:avLst/>
+          </a:prstGeom>
+          <a:solidFill>
+            <a:srgbClr val="E71224">
+              <a:alpha val="5000"/>
+            </a:srgbClr>
+          </a:solidFill>
+          <a:ln w="18000">
+            <a:solidFill>
+              <a:srgbClr val="E71224"/>
+            </a:solidFill>
+          </a:ln>
+        </p:spPr>
+        <p:style>
+          <a:lnRef idx="1">
+            <a:schemeClr val="accent1"/>
+          </a:lnRef>
+          <a:fillRef idx="0">
+            <a:schemeClr val="accent1"/>
+          </a:fillRef>
+          <a:effectRef idx="0">
+            <a:schemeClr val="accent1"/>
+          </a:effectRef>
+          <a:fontRef idx="minor">
+            <a:schemeClr val="tx1"/>
+          </a:fontRef>
+        </p:style>
+      </p:cxnSp>
+      <p:sp>
+        <p:nvSpPr>
+          <p:cNvPr id="66" name="Rectangle 65">
+            <a:extLst>
+              <a:ext uri="{FF2B5EF4-FFF2-40B4-BE49-F238E27FC236}">
+                <a16:creationId xmlns:a16="http://schemas.microsoft.com/office/drawing/2014/main" id="{E2BF8B9B-2911-45A6-B025-8C86C6029CF2}"/>
+              </a:ext>
+            </a:extLst>
+          </p:cNvPr>
+          <p:cNvSpPr/>
+          <p:nvPr/>
+        </p:nvSpPr>
+        <p:spPr>
+          <a:xfrm>
+            <a:off x="6629039" y="1675080"/>
+            <a:ext cx="2406805" cy="474122"/>
+          </a:xfrm>
+          <a:prstGeom prst="rect">
+            <a:avLst/>
+          </a:prstGeom>
+          <a:solidFill>
+            <a:srgbClr val="E71224">
+              <a:alpha val="5000"/>
+            </a:srgbClr>
+          </a:solidFill>
+          <a:ln w="18000">
+            <a:solidFill>
+              <a:srgbClr val="E71224"/>
+            </a:solidFill>
+          </a:ln>
+        </p:spPr>
+        <p:style>
+          <a:lnRef idx="2">
+            <a:schemeClr val="accent1">
+              <a:shade val="50000"/>
+            </a:schemeClr>
+          </a:lnRef>
+          <a:fillRef idx="1">
+            <a:schemeClr val="accent1"/>
+          </a:fillRef>
+          <a:effectRef idx="0">
+            <a:schemeClr val="accent1"/>
+          </a:effectRef>
+          <a:fontRef idx="minor">
+            <a:schemeClr val="lt1"/>
+          </a:fontRef>
+        </p:style>
+        <p:txBody>
+          <a:bodyPr wrap="none" rtlCol="0" anchor="ctr" anchorCtr="1"/>
+          <a:lstStyle/>
+          <a:p>
+            <a:endParaRPr lang="en-US">
+              <a:solidFill>
+                <a:srgbClr val="E71224"/>
+              </a:solidFill>
+            </a:endParaRPr>
+          </a:p>
+        </p:txBody>
+      </p:sp>
+      <p:sp>
+        <p:nvSpPr>
+          <p:cNvPr id="50" name="Rectangle 49">
+            <a:extLst>
+              <a:ext uri="{FF2B5EF4-FFF2-40B4-BE49-F238E27FC236}">
+                <a16:creationId xmlns:a16="http://schemas.microsoft.com/office/drawing/2014/main" id="{23E0BA7C-AF0B-483F-83D1-BFC47F3E1E68}"/>
+              </a:ext>
+            </a:extLst>
+          </p:cNvPr>
+          <p:cNvSpPr/>
+          <p:nvPr/>
+        </p:nvSpPr>
+        <p:spPr>
+          <a:xfrm>
+            <a:off x="2898360" y="2033640"/>
+            <a:ext cx="3657600" cy="822960"/>
+          </a:xfrm>
+          <a:prstGeom prst="rect">
+            <a:avLst/>
+          </a:prstGeom>
+          <a:solidFill>
+            <a:srgbClr val="E71224">
+              <a:alpha val="5000"/>
+            </a:srgbClr>
+          </a:solidFill>
+          <a:ln w="18000">
+            <a:solidFill>
+              <a:srgbClr val="E71224"/>
+            </a:solidFill>
+          </a:ln>
+        </p:spPr>
+        <p:style>
+          <a:lnRef idx="2">
+            <a:schemeClr val="accent1">
+              <a:shade val="50000"/>
+            </a:schemeClr>
+          </a:lnRef>
+          <a:fillRef idx="1">
+            <a:schemeClr val="accent1"/>
+          </a:fillRef>
+          <a:effectRef idx="0">
+            <a:schemeClr val="accent1"/>
+          </a:effectRef>
+          <a:fontRef idx="minor">
+            <a:schemeClr val="lt1"/>
+          </a:fontRef>
+        </p:style>
+        <p:txBody>
+          <a:bodyPr wrap="none" rtlCol="0" anchor="ctr" anchorCtr="1"/>
+          <a:lstStyle/>
+          <a:p>
+            <a:endParaRPr lang="en-US">
+              <a:solidFill>
+                <a:srgbClr val="E71224"/>
+              </a:solidFill>
+            </a:endParaRPr>
+          </a:p>
+        </p:txBody>
+      </p:sp>
+      <p:sp>
+        <p:nvSpPr>
+          <p:cNvPr id="30" name="Rectangle 29">
+            <a:extLst>
+              <a:ext uri="{FF2B5EF4-FFF2-40B4-BE49-F238E27FC236}">
+                <a16:creationId xmlns:a16="http://schemas.microsoft.com/office/drawing/2014/main" id="{8161969E-C547-44FB-A32D-A8C50A5E2AF5}"/>
+              </a:ext>
+            </a:extLst>
+          </p:cNvPr>
+          <p:cNvSpPr/>
+          <p:nvPr/>
+        </p:nvSpPr>
+        <p:spPr>
+          <a:xfrm>
+            <a:off x="467669" y="2033640"/>
+            <a:ext cx="1645920" cy="822960"/>
+          </a:xfrm>
+          <a:prstGeom prst="rect">
+            <a:avLst/>
+          </a:prstGeom>
+          <a:solidFill>
+            <a:srgbClr val="E71224">
+              <a:alpha val="5000"/>
+            </a:srgbClr>
+          </a:solidFill>
+          <a:ln w="18000">
+            <a:solidFill>
+              <a:srgbClr val="E71224"/>
+            </a:solidFill>
+          </a:ln>
+        </p:spPr>
+        <p:style>
+          <a:lnRef idx="2">
+            <a:schemeClr val="accent1">
+              <a:shade val="50000"/>
+            </a:schemeClr>
+          </a:lnRef>
+          <a:fillRef idx="1">
+            <a:schemeClr val="accent1"/>
+          </a:fillRef>
+          <a:effectRef idx="0">
+            <a:schemeClr val="accent1"/>
+          </a:effectRef>
+          <a:fontRef idx="minor">
+            <a:schemeClr val="lt1"/>
+          </a:fontRef>
+        </p:style>
+        <p:txBody>
+          <a:bodyPr wrap="none" rtlCol="0" anchor="ctr" anchorCtr="1"/>
+          <a:lstStyle/>
+          <a:p>
+            <a:endParaRPr lang="en-US">
+              <a:solidFill>
+                <a:srgbClr val="E71224"/>
+              </a:solidFill>
+            </a:endParaRPr>
+          </a:p>
+        </p:txBody>
+      </p:sp>
+      <p:sp>
+        <p:nvSpPr>
+          <p:cNvPr id="71" name="מלבן 70">
+            <a:extLst>
+              <a:ext uri="{FF2B5EF4-FFF2-40B4-BE49-F238E27FC236}">
+                <a16:creationId xmlns:a16="http://schemas.microsoft.com/office/drawing/2014/main" id="{A6403B75-4858-414E-9159-7E5026889842}"/>
+              </a:ext>
+            </a:extLst>
+          </p:cNvPr>
+          <p:cNvSpPr/>
+          <p:nvPr/>
+        </p:nvSpPr>
+        <p:spPr>
+          <a:xfrm>
+            <a:off x="2898361" y="3015015"/>
+            <a:ext cx="3741196" cy="914400"/>
+          </a:xfrm>
+          <a:prstGeom prst="rect">
+            <a:avLst/>
+          </a:prstGeom>
+          <a:solidFill>
+            <a:srgbClr val="004F8B">
+              <a:alpha val="5000"/>
+            </a:srgbClr>
+          </a:solidFill>
+          <a:ln w="18000">
+            <a:solidFill>
+              <a:srgbClr val="004F8B"/>
+            </a:solidFill>
+          </a:ln>
+        </p:spPr>
+        <p:style>
+          <a:lnRef idx="2">
+            <a:schemeClr val="accent1">
+              <a:shade val="50000"/>
+            </a:schemeClr>
+          </a:lnRef>
+          <a:fillRef idx="1">
+            <a:schemeClr val="accent1"/>
+          </a:fillRef>
+          <a:effectRef idx="0">
+            <a:schemeClr val="accent1"/>
+          </a:effectRef>
+          <a:fontRef idx="minor">
+            <a:schemeClr val="lt1"/>
+          </a:fontRef>
+        </p:style>
+        <p:txBody>
+          <a:bodyPr wrap="none" rtlCol="0" anchor="ctr" anchorCtr="1"/>
+          <a:lstStyle/>
+          <a:p>
+            <a:endParaRPr lang="en-US">
+              <a:solidFill>
+                <a:srgbClr val="004F8B"/>
+              </a:solidFill>
+            </a:endParaRPr>
+          </a:p>
+        </p:txBody>
+      </p:sp>
+      <p:sp>
+        <p:nvSpPr>
+          <p:cNvPr id="54" name="מלבן 53">
+            <a:extLst>
+              <a:ext uri="{FF2B5EF4-FFF2-40B4-BE49-F238E27FC236}">
+                <a16:creationId xmlns:a16="http://schemas.microsoft.com/office/drawing/2014/main" id="{CD230CCA-0559-41F7-AA90-97E155A84FB7}"/>
+              </a:ext>
+            </a:extLst>
+          </p:cNvPr>
+          <p:cNvSpPr/>
+          <p:nvPr/>
+        </p:nvSpPr>
+        <p:spPr>
+          <a:xfrm>
+            <a:off x="377717" y="3033250"/>
+            <a:ext cx="2011680" cy="711675"/>
+          </a:xfrm>
+          <a:prstGeom prst="rect">
+            <a:avLst/>
+          </a:prstGeom>
+          <a:solidFill>
+            <a:srgbClr val="004F8B">
+              <a:alpha val="5000"/>
+            </a:srgbClr>
+          </a:solidFill>
+          <a:ln w="18000">
+            <a:solidFill>
+              <a:srgbClr val="004F8B"/>
+            </a:solidFill>
+          </a:ln>
+        </p:spPr>
+        <p:style>
+          <a:lnRef idx="2">
+            <a:schemeClr val="accent1">
+              <a:shade val="50000"/>
+            </a:schemeClr>
+          </a:lnRef>
+          <a:fillRef idx="1">
+            <a:schemeClr val="accent1"/>
+          </a:fillRef>
+          <a:effectRef idx="0">
+            <a:schemeClr val="accent1"/>
+          </a:effectRef>
+          <a:fontRef idx="minor">
+            <a:schemeClr val="lt1"/>
+          </a:fontRef>
+        </p:style>
+        <p:txBody>
+          <a:bodyPr wrap="none" rtlCol="0" anchor="ctr" anchorCtr="1"/>
+          <a:lstStyle/>
+          <a:p>
+            <a:endParaRPr lang="en-US">
+              <a:solidFill>
+                <a:srgbClr val="004F8B"/>
+              </a:solidFill>
+            </a:endParaRPr>
+          </a:p>
+        </p:txBody>
+      </p:sp>
+      <p:sp>
+        <p:nvSpPr>
+          <p:cNvPr id="37" name="מלבן 36">
+            <a:extLst>
+              <a:ext uri="{FF2B5EF4-FFF2-40B4-BE49-F238E27FC236}">
+                <a16:creationId xmlns:a16="http://schemas.microsoft.com/office/drawing/2014/main" id="{14DE06A5-0A0A-4ACA-A7D7-5985A988739A}"/>
+              </a:ext>
+            </a:extLst>
+          </p:cNvPr>
+          <p:cNvSpPr/>
+          <p:nvPr/>
+        </p:nvSpPr>
+        <p:spPr>
+          <a:xfrm>
+            <a:off x="9191582" y="2290915"/>
+            <a:ext cx="2840807" cy="459393"/>
+          </a:xfrm>
+          <a:prstGeom prst="rect">
+            <a:avLst/>
+          </a:prstGeom>
+          <a:solidFill>
+            <a:srgbClr val="004F8B">
+              <a:alpha val="5000"/>
+            </a:srgbClr>
+          </a:solidFill>
+          <a:ln w="18000">
+            <a:solidFill>
+              <a:srgbClr val="004F8B"/>
+            </a:solidFill>
+          </a:ln>
+        </p:spPr>
+        <p:style>
+          <a:lnRef idx="2">
+            <a:schemeClr val="accent1">
+              <a:shade val="50000"/>
+            </a:schemeClr>
+          </a:lnRef>
+          <a:fillRef idx="1">
+            <a:schemeClr val="accent1"/>
+          </a:fillRef>
+          <a:effectRef idx="0">
+            <a:schemeClr val="accent1"/>
+          </a:effectRef>
+          <a:fontRef idx="minor">
+            <a:schemeClr val="lt1"/>
+          </a:fontRef>
+        </p:style>
+        <p:txBody>
+          <a:bodyPr wrap="none" rtlCol="0" anchor="ctr" anchorCtr="1"/>
+          <a:lstStyle/>
+          <a:p>
+            <a:endParaRPr lang="en-US">
+              <a:solidFill>
+                <a:srgbClr val="004F8B"/>
+              </a:solidFill>
+            </a:endParaRPr>
+          </a:p>
+        </p:txBody>
+      </p:sp>
+      <mc:AlternateContent xmlns:mc="http://schemas.openxmlformats.org/markup-compatibility/2006" xmlns:p14="http://schemas.microsoft.com/office/powerpoint/2010/main">
+        <mc:Choice Requires="p14">
+          <p:contentPart p14:bwMode="auto" r:id="rId8">
+            <p14:nvContentPartPr>
+              <p14:cNvPr id="22" name="Ink 21">
+                <a:extLst>
+                  <a:ext uri="{FF2B5EF4-FFF2-40B4-BE49-F238E27FC236}">
+                    <a16:creationId xmlns:a16="http://schemas.microsoft.com/office/drawing/2014/main" id="{76453E52-3A7E-61B4-0DE9-51D4E33E2020}"/>
+                  </a:ext>
+                </a:extLst>
+              </p14:cNvPr>
+              <p14:cNvContentPartPr/>
+              <p14:nvPr/>
+            </p14:nvContentPartPr>
+            <p14:xfrm>
+              <a:off x="2226530" y="3866268"/>
+              <a:ext cx="3600" cy="39960"/>
+            </p14:xfrm>
+          </p:contentPart>
+        </mc:Choice>
+        <mc:Fallback xmlns="">
+          <p:pic>
+            <p:nvPicPr>
+              <p:cNvPr id="22" name="Ink 21">
+                <a:extLst>
+                  <a:ext uri="{FF2B5EF4-FFF2-40B4-BE49-F238E27FC236}">
+                    <a16:creationId xmlns:a16="http://schemas.microsoft.com/office/drawing/2014/main" id="{76453E52-3A7E-61B4-0DE9-51D4E33E2020}"/>
+                  </a:ext>
+                </a:extLst>
+              </p:cNvPr>
+              <p:cNvPicPr/>
+              <p:nvPr/>
+            </p:nvPicPr>
+            <p:blipFill>
+              <a:blip r:embed="rId9"/>
+              <a:stretch>
+                <a:fillRect/>
+              </a:stretch>
+            </p:blipFill>
+            <p:spPr>
+              <a:xfrm>
+                <a:off x="2217890" y="3857628"/>
+                <a:ext cx="21240" cy="57600"/>
+              </a:xfrm>
+              <a:prstGeom prst="rect">
+                <a:avLst/>
+              </a:prstGeom>
+            </p:spPr>
+          </p:pic>
+        </mc:Fallback>
+      </mc:AlternateContent>
+      <p:sp>
+        <p:nvSpPr>
+          <p:cNvPr id="24" name="מחבר ישר 23">
+            <a:extLst>
+              <a:ext uri="{FF2B5EF4-FFF2-40B4-BE49-F238E27FC236}">
+                <a16:creationId xmlns:a16="http://schemas.microsoft.com/office/drawing/2014/main" id="{A0CE46F8-A5AB-448E-A0DE-DCE634476578}"/>
+              </a:ext>
+            </a:extLst>
+          </p:cNvPr>
+          <p:cNvSpPr/>
+          <p:nvPr/>
+        </p:nvSpPr>
+        <p:spPr>
+          <a:xfrm flipV="1">
+            <a:off x="2351514" y="3490451"/>
+            <a:ext cx="546846" cy="101923"/>
+          </a:xfrm>
+          <a:prstGeom prst="line">
+            <a:avLst/>
+          </a:prstGeom>
+          <a:solidFill>
+            <a:srgbClr val="004F8B">
+              <a:alpha val="5000"/>
+            </a:srgbClr>
+          </a:solidFill>
+          <a:ln w="18000">
+            <a:solidFill>
+              <a:srgbClr val="004F8B"/>
+            </a:solidFill>
+          </a:ln>
+        </p:spPr>
+        <p:style>
+          <a:lnRef idx="1">
+            <a:schemeClr val="accent1"/>
+          </a:lnRef>
+          <a:fillRef idx="0">
+            <a:schemeClr val="accent1"/>
+          </a:fillRef>
+          <a:effectRef idx="0">
+            <a:schemeClr val="accent1"/>
+          </a:effectRef>
+          <a:fontRef idx="minor">
+            <a:schemeClr val="tx1"/>
+          </a:fontRef>
+        </p:style>
+        <p:txBody>
+          <a:bodyPr wrap="none" rtlCol="0" anchor="ctr" anchorCtr="1"/>
+          <a:lstStyle/>
+          <a:p>
+            <a:endParaRPr lang="en-US">
+              <a:solidFill>
+                <a:srgbClr val="004F8B"/>
+              </a:solidFill>
+            </a:endParaRPr>
+          </a:p>
+        </p:txBody>
+      </p:sp>
+      <p:sp>
+        <p:nvSpPr>
+          <p:cNvPr id="25" name="Straight Connector 24">
+            <a:extLst>
+              <a:ext uri="{FF2B5EF4-FFF2-40B4-BE49-F238E27FC236}">
+                <a16:creationId xmlns:a16="http://schemas.microsoft.com/office/drawing/2014/main" id="{8E9882ED-57F4-48D4-BF5E-D6CA9E60B018}"/>
+              </a:ext>
+            </a:extLst>
+          </p:cNvPr>
+          <p:cNvSpPr/>
+          <p:nvPr/>
+        </p:nvSpPr>
+        <p:spPr>
+          <a:xfrm rot="-648034" flipV="1">
+            <a:off x="6331970" y="2650815"/>
+            <a:ext cx="2897251" cy="32175"/>
+          </a:xfrm>
+          <a:prstGeom prst="line">
+            <a:avLst/>
+          </a:prstGeom>
+          <a:solidFill>
+            <a:srgbClr val="004F8B">
+              <a:alpha val="5000"/>
+            </a:srgbClr>
+          </a:solidFill>
+          <a:ln w="18000">
+            <a:solidFill>
+              <a:srgbClr val="004F8B"/>
+            </a:solidFill>
+          </a:ln>
+        </p:spPr>
+        <p:style>
+          <a:lnRef idx="1">
+            <a:schemeClr val="accent1"/>
+          </a:lnRef>
+          <a:fillRef idx="0">
+            <a:schemeClr val="accent1"/>
+          </a:fillRef>
+          <a:effectRef idx="0">
+            <a:schemeClr val="accent1"/>
+          </a:effectRef>
+          <a:fontRef idx="minor">
+            <a:schemeClr val="tx1"/>
+          </a:fontRef>
+        </p:style>
+        <p:txBody>
+          <a:bodyPr wrap="none" rtlCol="0" anchor="ctr" anchorCtr="1"/>
+          <a:lstStyle/>
+          <a:p>
+            <a:endParaRPr lang="en-US">
+              <a:solidFill>
+                <a:srgbClr val="004F8B"/>
+              </a:solidFill>
+            </a:endParaRPr>
+          </a:p>
+        </p:txBody>
+      </p:sp>
+      <p:sp>
+        <p:nvSpPr>
+          <p:cNvPr id="46" name="Straight Connector 45">
+            <a:extLst>
+              <a:ext uri="{FF2B5EF4-FFF2-40B4-BE49-F238E27FC236}">
+                <a16:creationId xmlns:a16="http://schemas.microsoft.com/office/drawing/2014/main" id="{F364ADEF-20C4-F0F4-A1DC-9111C4F9D3AB}"/>
+              </a:ext>
+            </a:extLst>
+          </p:cNvPr>
+          <p:cNvSpPr/>
+          <p:nvPr/>
+        </p:nvSpPr>
+        <p:spPr>
+          <a:xfrm rot="-648034" flipV="1">
+            <a:off x="6480111" y="2195700"/>
+            <a:ext cx="385227" cy="409183"/>
+          </a:xfrm>
+          <a:prstGeom prst="line">
+            <a:avLst/>
+          </a:prstGeom>
+          <a:solidFill>
+            <a:srgbClr val="004F8B">
+              <a:alpha val="5000"/>
+            </a:srgbClr>
+          </a:solidFill>
+          <a:ln w="18000">
+            <a:solidFill>
+              <a:srgbClr val="FF0000"/>
+            </a:solidFill>
+          </a:ln>
+        </p:spPr>
+        <p:style>
+          <a:lnRef idx="1">
+            <a:schemeClr val="accent1"/>
+          </a:lnRef>
+          <a:fillRef idx="0">
+            <a:schemeClr val="accent1"/>
+          </a:fillRef>
+          <a:effectRef idx="0">
+            <a:schemeClr val="accent1"/>
+          </a:effectRef>
+          <a:fontRef idx="minor">
+            <a:schemeClr val="tx1"/>
+          </a:fontRef>
+        </p:style>
+        <p:txBody>
+          <a:bodyPr wrap="none" rtlCol="0" anchor="ctr" anchorCtr="1"/>
+          <a:lstStyle/>
+          <a:p>
+            <a:endParaRPr lang="en-US">
+              <a:solidFill>
+                <a:srgbClr val="004F8B"/>
+              </a:solidFill>
+            </a:endParaRPr>
+          </a:p>
+        </p:txBody>
+      </p:sp>
+      <p:cxnSp>
+        <p:nvCxnSpPr>
+          <p:cNvPr id="84" name="Straight Connector 83">
+            <a:extLst>
+              <a:ext uri="{FF2B5EF4-FFF2-40B4-BE49-F238E27FC236}">
+                <a16:creationId xmlns:a16="http://schemas.microsoft.com/office/drawing/2014/main" id="{6FFEF405-800C-44CF-8940-0D38459CE934}"/>
+              </a:ext>
+            </a:extLst>
+          </p:cNvPr>
+          <p:cNvCxnSpPr>
+            <a:cxnSpLocks/>
+            <a:stCxn id="70" idx="3"/>
+            <a:endCxn id="43" idx="1"/>
+          </p:cNvCxnSpPr>
+          <p:nvPr/>
+        </p:nvCxnSpPr>
+        <p:spPr>
+          <a:xfrm flipV="1">
+            <a:off x="4604040" y="4079160"/>
+            <a:ext cx="2392920" cy="180000"/>
+          </a:xfrm>
+          <a:prstGeom prst="line">
+            <a:avLst/>
+          </a:prstGeom>
+          <a:solidFill>
+            <a:srgbClr val="008C3A">
+              <a:alpha val="5000"/>
+            </a:srgbClr>
+          </a:solidFill>
+          <a:ln w="18000">
+            <a:solidFill>
+              <a:srgbClr val="008C3A"/>
+            </a:solidFill>
+          </a:ln>
+        </p:spPr>
+        <p:style>
+          <a:lnRef idx="1">
+            <a:schemeClr val="accent1"/>
+          </a:lnRef>
+          <a:fillRef idx="0">
+            <a:schemeClr val="accent1"/>
+          </a:fillRef>
+          <a:effectRef idx="0">
+            <a:schemeClr val="accent1"/>
+          </a:effectRef>
+          <a:fontRef idx="minor">
+            <a:schemeClr val="tx1"/>
+          </a:fontRef>
+        </p:style>
+      </p:cxnSp>
+      <p:cxnSp>
+        <p:nvCxnSpPr>
+          <p:cNvPr id="78" name="Straight Connector 77">
+            <a:extLst>
+              <a:ext uri="{FF2B5EF4-FFF2-40B4-BE49-F238E27FC236}">
+                <a16:creationId xmlns:a16="http://schemas.microsoft.com/office/drawing/2014/main" id="{D86BE9BC-FE4F-479C-9E84-E7620CCF5E86}"/>
+              </a:ext>
+            </a:extLst>
+          </p:cNvPr>
+          <p:cNvCxnSpPr>
+            <a:cxnSpLocks/>
+            <a:stCxn id="67" idx="3"/>
+            <a:endCxn id="70" idx="1"/>
+          </p:cNvCxnSpPr>
+          <p:nvPr/>
+        </p:nvCxnSpPr>
+        <p:spPr>
+          <a:xfrm flipV="1">
+            <a:off x="2413501" y="4259160"/>
+            <a:ext cx="544619" cy="145691"/>
+          </a:xfrm>
+          <a:prstGeom prst="line">
+            <a:avLst/>
+          </a:prstGeom>
+          <a:solidFill>
+            <a:srgbClr val="008C3A">
+              <a:alpha val="5000"/>
+            </a:srgbClr>
+          </a:solidFill>
+          <a:ln w="18000">
+            <a:solidFill>
+              <a:srgbClr val="008C3A"/>
+            </a:solidFill>
+          </a:ln>
+        </p:spPr>
+        <p:style>
+          <a:lnRef idx="1">
+            <a:schemeClr val="accent1"/>
+          </a:lnRef>
+          <a:fillRef idx="0">
+            <a:schemeClr val="accent1"/>
+          </a:fillRef>
+          <a:effectRef idx="0">
+            <a:schemeClr val="accent1"/>
+          </a:effectRef>
+          <a:fontRef idx="minor">
+            <a:schemeClr val="tx1"/>
+          </a:fontRef>
+        </p:style>
+      </p:cxnSp>
+      <p:sp>
+        <p:nvSpPr>
+          <p:cNvPr id="70" name="مستطيل 69">
+            <a:extLst>
+              <a:ext uri="{FF2B5EF4-FFF2-40B4-BE49-F238E27FC236}">
+                <a16:creationId xmlns:a16="http://schemas.microsoft.com/office/drawing/2014/main" id="{A9704574-14CD-44A2-8A19-85B449E43463}"/>
+              </a:ext>
+            </a:extLst>
+          </p:cNvPr>
+          <p:cNvSpPr/>
+          <p:nvPr/>
+        </p:nvSpPr>
+        <p:spPr>
+          <a:xfrm>
+            <a:off x="2958120" y="3984840"/>
+            <a:ext cx="1645920" cy="548640"/>
+          </a:xfrm>
+          <a:prstGeom prst="rect">
+            <a:avLst/>
+          </a:prstGeom>
+          <a:solidFill>
+            <a:srgbClr val="008C3A">
+              <a:alpha val="5000"/>
+            </a:srgbClr>
+          </a:solidFill>
+          <a:ln w="18000">
+            <a:solidFill>
+              <a:srgbClr val="008C3A"/>
+            </a:solidFill>
+          </a:ln>
+        </p:spPr>
+        <p:style>
+          <a:lnRef idx="2">
+            <a:schemeClr val="accent1">
+              <a:shade val="50000"/>
+            </a:schemeClr>
+          </a:lnRef>
+          <a:fillRef idx="1">
+            <a:schemeClr val="accent1"/>
+          </a:fillRef>
+          <a:effectRef idx="0">
+            <a:schemeClr val="accent1"/>
+          </a:effectRef>
+          <a:fontRef idx="minor">
+            <a:schemeClr val="lt1"/>
+          </a:fontRef>
+        </p:style>
+        <p:txBody>
+          <a:bodyPr wrap="none" rtlCol="0" anchor="ctr" anchorCtr="1"/>
+          <a:lstStyle/>
+          <a:p>
+            <a:endParaRPr lang="en-US">
+              <a:solidFill>
+                <a:srgbClr val="008C3A"/>
+              </a:solidFill>
+            </a:endParaRPr>
+          </a:p>
+        </p:txBody>
+      </p:sp>
+      <mc:AlternateContent xmlns:mc="http://schemas.openxmlformats.org/markup-compatibility/2006" xmlns:p14="http://schemas.microsoft.com/office/powerpoint/2010/main">
+        <mc:Choice Requires="p14">
+          <p:contentPart p14:bwMode="auto" r:id="rId10">
+            <p14:nvContentPartPr>
+              <p14:cNvPr id="45" name="Ink 44">
+                <a:extLst>
+                  <a:ext uri="{FF2B5EF4-FFF2-40B4-BE49-F238E27FC236}">
+                    <a16:creationId xmlns:a16="http://schemas.microsoft.com/office/drawing/2014/main" id="{5FC9892B-8465-5C6D-27AF-8BB5DF3B1866}"/>
+                  </a:ext>
+                </a:extLst>
+              </p14:cNvPr>
+              <p14:cNvContentPartPr/>
+              <p14:nvPr/>
+            </p14:nvContentPartPr>
+            <p14:xfrm>
+              <a:off x="2488250" y="4314108"/>
+              <a:ext cx="25560" cy="27720"/>
+            </p14:xfrm>
+          </p:contentPart>
+        </mc:Choice>
+        <mc:Fallback xmlns="">
+          <p:pic>
+            <p:nvPicPr>
+              <p:cNvPr id="45" name="Ink 44">
+                <a:extLst>
+                  <a:ext uri="{FF2B5EF4-FFF2-40B4-BE49-F238E27FC236}">
+                    <a16:creationId xmlns:a16="http://schemas.microsoft.com/office/drawing/2014/main" id="{5FC9892B-8465-5C6D-27AF-8BB5DF3B1866}"/>
+                  </a:ext>
+                </a:extLst>
+              </p:cNvPr>
+              <p:cNvPicPr/>
+              <p:nvPr/>
+            </p:nvPicPr>
+            <p:blipFill>
+              <a:blip r:embed="rId11"/>
+              <a:stretch>
+                <a:fillRect/>
+              </a:stretch>
+            </p:blipFill>
+            <p:spPr>
+              <a:xfrm>
+                <a:off x="2479610" y="4305108"/>
+                <a:ext cx="43200" cy="45360"/>
+              </a:xfrm>
+              <a:prstGeom prst="rect">
+                <a:avLst/>
+              </a:prstGeom>
+            </p:spPr>
+          </p:pic>
+        </mc:Fallback>
+      </mc:AlternateContent>
+      <p:sp>
+        <p:nvSpPr>
+          <p:cNvPr id="43" name="矩形 42">
+            <a:extLst>
+              <a:ext uri="{FF2B5EF4-FFF2-40B4-BE49-F238E27FC236}">
+                <a16:creationId xmlns:a16="http://schemas.microsoft.com/office/drawing/2014/main" id="{6148145D-2EBA-4932-8CB4-62EE6AC14D75}"/>
+              </a:ext>
+            </a:extLst>
+          </p:cNvPr>
+          <p:cNvSpPr/>
+          <p:nvPr/>
+        </p:nvSpPr>
+        <p:spPr>
+          <a:xfrm>
+            <a:off x="6996960" y="3896280"/>
+            <a:ext cx="1463040" cy="365760"/>
+          </a:xfrm>
+          <a:prstGeom prst="rect">
+            <a:avLst/>
+          </a:prstGeom>
+          <a:solidFill>
+            <a:srgbClr val="008C3A">
+              <a:alpha val="5000"/>
+            </a:srgbClr>
+          </a:solidFill>
+          <a:ln w="18000">
+            <a:solidFill>
+              <a:srgbClr val="008C3A"/>
+            </a:solidFill>
+          </a:ln>
+        </p:spPr>
+        <p:style>
+          <a:lnRef idx="2">
+            <a:schemeClr val="accent1">
+              <a:shade val="50000"/>
+            </a:schemeClr>
+          </a:lnRef>
+          <a:fillRef idx="1">
+            <a:schemeClr val="accent1"/>
+          </a:fillRef>
+          <a:effectRef idx="0">
+            <a:schemeClr val="accent1"/>
+          </a:effectRef>
+          <a:fontRef idx="minor">
+            <a:schemeClr val="lt1"/>
+          </a:fontRef>
+        </p:style>
+        <p:txBody>
+          <a:bodyPr wrap="none" rtlCol="0" anchor="ctr" anchorCtr="1"/>
+          <a:lstStyle/>
+          <a:p>
+            <a:endParaRPr lang="en-US">
+              <a:solidFill>
+                <a:srgbClr val="008C3A"/>
+              </a:solidFill>
+            </a:endParaRPr>
+          </a:p>
+        </p:txBody>
+      </p:sp>
+      <p:sp>
+        <p:nvSpPr>
+          <p:cNvPr id="67" name="מלבן 53">
+            <a:extLst>
+              <a:ext uri="{FF2B5EF4-FFF2-40B4-BE49-F238E27FC236}">
+                <a16:creationId xmlns:a16="http://schemas.microsoft.com/office/drawing/2014/main" id="{A366B8A4-AA7C-F396-9E0B-3E4B87B5D551}"/>
+              </a:ext>
+            </a:extLst>
+          </p:cNvPr>
+          <p:cNvSpPr/>
+          <p:nvPr/>
+        </p:nvSpPr>
+        <p:spPr>
+          <a:xfrm>
+            <a:off x="401821" y="3947651"/>
+            <a:ext cx="2011680" cy="914400"/>
+          </a:xfrm>
+          <a:prstGeom prst="rect">
+            <a:avLst/>
+          </a:prstGeom>
+          <a:solidFill>
+            <a:srgbClr val="004F8B">
+              <a:alpha val="5000"/>
+            </a:srgbClr>
+          </a:solidFill>
+          <a:ln w="18000">
+            <a:solidFill>
+              <a:srgbClr val="00B050"/>
+            </a:solidFill>
+          </a:ln>
+        </p:spPr>
+        <p:style>
+          <a:lnRef idx="2">
+            <a:schemeClr val="accent1">
+              <a:shade val="50000"/>
+            </a:schemeClr>
+          </a:lnRef>
+          <a:fillRef idx="1">
+            <a:schemeClr val="accent1"/>
+          </a:fillRef>
+          <a:effectRef idx="0">
+            <a:schemeClr val="accent1"/>
+          </a:effectRef>
+          <a:fontRef idx="minor">
+            <a:schemeClr val="lt1"/>
+          </a:fontRef>
+        </p:style>
+        <p:txBody>
+          <a:bodyPr wrap="none" rtlCol="0" anchor="ctr" anchorCtr="1"/>
+          <a:lstStyle/>
+          <a:p>
+            <a:endParaRPr lang="en-US">
+              <a:solidFill>
+                <a:srgbClr val="004F8B"/>
+              </a:solidFill>
+            </a:endParaRPr>
+          </a:p>
+        </p:txBody>
+      </p:sp>
+      <p:cxnSp>
+        <p:nvCxnSpPr>
+          <p:cNvPr id="105" name="Straight Connector 104">
+            <a:extLst>
+              <a:ext uri="{FF2B5EF4-FFF2-40B4-BE49-F238E27FC236}">
+                <a16:creationId xmlns:a16="http://schemas.microsoft.com/office/drawing/2014/main" id="{E53960DA-9A47-4737-897B-FA2920136920}"/>
+              </a:ext>
+            </a:extLst>
+          </p:cNvPr>
+          <p:cNvCxnSpPr>
+            <a:cxnSpLocks/>
+            <a:stCxn id="51" idx="3"/>
+            <a:endCxn id="80" idx="1"/>
+          </p:cNvCxnSpPr>
+          <p:nvPr/>
+        </p:nvCxnSpPr>
+        <p:spPr>
+          <a:xfrm>
+            <a:off x="2277360" y="5266980"/>
+            <a:ext cx="621000" cy="0"/>
+          </a:xfrm>
+          <a:prstGeom prst="line">
+            <a:avLst/>
+          </a:prstGeom>
+          <a:solidFill>
+            <a:srgbClr val="FF0066">
+              <a:alpha val="5000"/>
+            </a:srgbClr>
+          </a:solidFill>
+          <a:ln w="18000">
+            <a:solidFill>
+              <a:srgbClr val="FF0066"/>
+            </a:solidFill>
+          </a:ln>
+        </p:spPr>
+        <p:style>
+          <a:lnRef idx="1">
+            <a:schemeClr val="accent1"/>
+          </a:lnRef>
+          <a:fillRef idx="0">
+            <a:schemeClr val="accent1"/>
+          </a:fillRef>
+          <a:effectRef idx="0">
+            <a:schemeClr val="accent1"/>
+          </a:effectRef>
+          <a:fontRef idx="minor">
+            <a:schemeClr val="tx1"/>
+          </a:fontRef>
+        </p:style>
+      </p:cxnSp>
+      <p:sp>
+        <p:nvSpPr>
+          <p:cNvPr id="99" name="正方形/長方形 98">
+            <a:extLst>
+              <a:ext uri="{FF2B5EF4-FFF2-40B4-BE49-F238E27FC236}">
+                <a16:creationId xmlns:a16="http://schemas.microsoft.com/office/drawing/2014/main" id="{70BF3BFB-525E-4586-90AC-1025422AD61F}"/>
+              </a:ext>
+            </a:extLst>
+          </p:cNvPr>
+          <p:cNvSpPr/>
+          <p:nvPr/>
+        </p:nvSpPr>
+        <p:spPr>
+          <a:xfrm>
+            <a:off x="9446760" y="4594320"/>
+            <a:ext cx="1828800" cy="640080"/>
+          </a:xfrm>
+          <a:prstGeom prst="rect">
+            <a:avLst/>
+          </a:prstGeom>
+          <a:solidFill>
+            <a:srgbClr val="FF0066">
+              <a:alpha val="5000"/>
+            </a:srgbClr>
+          </a:solidFill>
+          <a:ln w="18000">
+            <a:solidFill>
+              <a:srgbClr val="FF0066"/>
+            </a:solidFill>
+          </a:ln>
+        </p:spPr>
+        <p:style>
+          <a:lnRef idx="2">
+            <a:schemeClr val="accent1">
+              <a:shade val="50000"/>
+            </a:schemeClr>
+          </a:lnRef>
+          <a:fillRef idx="1">
+            <a:schemeClr val="accent1"/>
+          </a:fillRef>
+          <a:effectRef idx="0">
+            <a:schemeClr val="accent1"/>
+          </a:effectRef>
+          <a:fontRef idx="minor">
+            <a:schemeClr val="lt1"/>
+          </a:fontRef>
+        </p:style>
+        <p:txBody>
+          <a:bodyPr wrap="none" rtlCol="0" anchor="ctr" anchorCtr="1"/>
+          <a:lstStyle/>
+          <a:p>
+            <a:endParaRPr lang="en-US">
+              <a:solidFill>
+                <a:srgbClr val="FF0066"/>
+              </a:solidFill>
+            </a:endParaRPr>
+          </a:p>
+        </p:txBody>
+      </p:sp>
+      <p:sp>
+        <p:nvSpPr>
+          <p:cNvPr id="80" name="正方形/長方形 79">
+            <a:extLst>
+              <a:ext uri="{FF2B5EF4-FFF2-40B4-BE49-F238E27FC236}">
+                <a16:creationId xmlns:a16="http://schemas.microsoft.com/office/drawing/2014/main" id="{1772F01E-264A-4942-979B-6BA6B7FE204A}"/>
+              </a:ext>
+            </a:extLst>
+          </p:cNvPr>
+          <p:cNvSpPr/>
+          <p:nvPr/>
+        </p:nvSpPr>
+        <p:spPr>
+          <a:xfrm>
+            <a:off x="2898360" y="4946940"/>
+            <a:ext cx="1976400" cy="640080"/>
+          </a:xfrm>
+          <a:prstGeom prst="rect">
+            <a:avLst/>
+          </a:prstGeom>
+          <a:solidFill>
+            <a:srgbClr val="FF0066">
+              <a:alpha val="5000"/>
+            </a:srgbClr>
+          </a:solidFill>
+          <a:ln w="18000">
+            <a:solidFill>
+              <a:srgbClr val="FF0066"/>
+            </a:solidFill>
+          </a:ln>
+        </p:spPr>
+        <p:style>
+          <a:lnRef idx="2">
+            <a:schemeClr val="accent1">
+              <a:shade val="50000"/>
+            </a:schemeClr>
+          </a:lnRef>
+          <a:fillRef idx="1">
+            <a:schemeClr val="accent1"/>
+          </a:fillRef>
+          <a:effectRef idx="0">
+            <a:schemeClr val="accent1"/>
+          </a:effectRef>
+          <a:fontRef idx="minor">
+            <a:schemeClr val="lt1"/>
+          </a:fontRef>
+        </p:style>
+        <p:txBody>
+          <a:bodyPr wrap="none" rtlCol="0" anchor="ctr" anchorCtr="1"/>
+          <a:lstStyle/>
+          <a:p>
+            <a:endParaRPr lang="en-US">
+              <a:solidFill>
+                <a:srgbClr val="FF0066"/>
+              </a:solidFill>
+            </a:endParaRPr>
+          </a:p>
+        </p:txBody>
+      </p:sp>
+      <p:sp>
+        <p:nvSpPr>
+          <p:cNvPr id="51" name="正方形/長方形 50">
+            <a:extLst>
+              <a:ext uri="{FF2B5EF4-FFF2-40B4-BE49-F238E27FC236}">
+                <a16:creationId xmlns:a16="http://schemas.microsoft.com/office/drawing/2014/main" id="{2D8E101C-C619-4BB9-BA9D-2834B5516CD7}"/>
+              </a:ext>
+            </a:extLst>
+          </p:cNvPr>
+          <p:cNvSpPr/>
+          <p:nvPr/>
+        </p:nvSpPr>
+        <p:spPr>
+          <a:xfrm>
+            <a:off x="448560" y="4946940"/>
+            <a:ext cx="1828800" cy="640080"/>
+          </a:xfrm>
+          <a:prstGeom prst="rect">
+            <a:avLst/>
+          </a:prstGeom>
+          <a:solidFill>
+            <a:srgbClr val="FF0066">
+              <a:alpha val="5000"/>
+            </a:srgbClr>
+          </a:solidFill>
+          <a:ln w="18000">
+            <a:solidFill>
+              <a:srgbClr val="FF0066"/>
+            </a:solidFill>
+          </a:ln>
+        </p:spPr>
+        <p:style>
+          <a:lnRef idx="2">
+            <a:schemeClr val="accent1">
+              <a:shade val="50000"/>
+            </a:schemeClr>
+          </a:lnRef>
+          <a:fillRef idx="1">
+            <a:schemeClr val="accent1"/>
+          </a:fillRef>
+          <a:effectRef idx="0">
+            <a:schemeClr val="accent1"/>
+          </a:effectRef>
+          <a:fontRef idx="minor">
+            <a:schemeClr val="lt1"/>
+          </a:fontRef>
+        </p:style>
+        <p:txBody>
+          <a:bodyPr wrap="none" rtlCol="0" anchor="ctr" anchorCtr="1"/>
+          <a:lstStyle/>
+          <a:p>
+            <a:endParaRPr lang="en-US">
+              <a:solidFill>
+                <a:srgbClr val="FF0066"/>
+              </a:solidFill>
+            </a:endParaRPr>
+          </a:p>
+        </p:txBody>
+      </p:sp>
+      <p:sp>
+        <p:nvSpPr>
+          <p:cNvPr id="35" name="直線コネクタ 34">
+            <a:extLst>
+              <a:ext uri="{FF2B5EF4-FFF2-40B4-BE49-F238E27FC236}">
+                <a16:creationId xmlns:a16="http://schemas.microsoft.com/office/drawing/2014/main" id="{5C57644F-247C-4B5F-A657-D410D7B64C53}"/>
+              </a:ext>
+            </a:extLst>
+          </p:cNvPr>
+          <p:cNvSpPr/>
+          <p:nvPr/>
+        </p:nvSpPr>
+        <p:spPr>
+          <a:xfrm flipV="1">
+            <a:off x="4874760" y="4946940"/>
+            <a:ext cx="4572000" cy="287460"/>
+          </a:xfrm>
+          <a:prstGeom prst="line">
+            <a:avLst/>
+          </a:prstGeom>
+          <a:solidFill>
+            <a:srgbClr val="FF0066">
+              <a:alpha val="5000"/>
+            </a:srgbClr>
+          </a:solidFill>
+          <a:ln w="18000">
+            <a:solidFill>
+              <a:srgbClr val="FF0066"/>
+            </a:solidFill>
+          </a:ln>
+        </p:spPr>
+        <p:style>
+          <a:lnRef idx="1">
+            <a:schemeClr val="accent1"/>
+          </a:lnRef>
+          <a:fillRef idx="0">
+            <a:schemeClr val="accent1"/>
+          </a:fillRef>
+          <a:effectRef idx="0">
+            <a:schemeClr val="accent1"/>
+          </a:effectRef>
+          <a:fontRef idx="minor">
+            <a:schemeClr val="tx1"/>
+          </a:fontRef>
+        </p:style>
+        <p:txBody>
+          <a:bodyPr wrap="none" rtlCol="0" anchor="ctr" anchorCtr="1"/>
+          <a:lstStyle/>
+          <a:p>
+            <a:endParaRPr lang="en-US">
+              <a:solidFill>
+                <a:srgbClr val="FF0066"/>
+              </a:solidFill>
+            </a:endParaRPr>
+          </a:p>
+        </p:txBody>
+      </p:sp>
+      <p:cxnSp>
+        <p:nvCxnSpPr>
+          <p:cNvPr id="121" name="Straight Connector 120">
+            <a:extLst>
+              <a:ext uri="{FF2B5EF4-FFF2-40B4-BE49-F238E27FC236}">
+                <a16:creationId xmlns:a16="http://schemas.microsoft.com/office/drawing/2014/main" id="{95C335DB-C085-4C13-B89E-DEF14329F56F}"/>
+              </a:ext>
+            </a:extLst>
+          </p:cNvPr>
+          <p:cNvCxnSpPr>
+            <a:stCxn id="81" idx="3"/>
+            <a:endCxn id="109" idx="1"/>
+          </p:cNvCxnSpPr>
+          <p:nvPr/>
+        </p:nvCxnSpPr>
+        <p:spPr>
+          <a:xfrm>
+            <a:off x="5241467" y="6174583"/>
+            <a:ext cx="1591693" cy="0"/>
+          </a:xfrm>
+          <a:prstGeom prst="line">
+            <a:avLst/>
+          </a:prstGeom>
+          <a:solidFill>
+            <a:srgbClr val="AB008B">
+              <a:alpha val="5000"/>
+            </a:srgbClr>
+          </a:solidFill>
+          <a:ln w="18000">
+            <a:solidFill>
+              <a:srgbClr val="AB008B"/>
+            </a:solidFill>
+          </a:ln>
+        </p:spPr>
+        <p:style>
+          <a:lnRef idx="1">
+            <a:schemeClr val="accent1"/>
+          </a:lnRef>
+          <a:fillRef idx="0">
+            <a:schemeClr val="accent1"/>
+          </a:fillRef>
+          <a:effectRef idx="0">
+            <a:schemeClr val="accent1"/>
+          </a:effectRef>
+          <a:fontRef idx="minor">
+            <a:schemeClr val="tx1"/>
+          </a:fontRef>
+        </p:style>
+      </p:cxnSp>
+      <p:cxnSp>
+        <p:nvCxnSpPr>
+          <p:cNvPr id="115" name="Straight Connector 114">
+            <a:extLst>
+              <a:ext uri="{FF2B5EF4-FFF2-40B4-BE49-F238E27FC236}">
+                <a16:creationId xmlns:a16="http://schemas.microsoft.com/office/drawing/2014/main" id="{6800DED1-CB9A-4454-95B4-76F3012A6E36}"/>
+              </a:ext>
+            </a:extLst>
+          </p:cNvPr>
+          <p:cNvCxnSpPr>
+            <a:stCxn id="58" idx="3"/>
+            <a:endCxn id="81" idx="1"/>
+          </p:cNvCxnSpPr>
+          <p:nvPr/>
+        </p:nvCxnSpPr>
+        <p:spPr>
+          <a:xfrm>
+            <a:off x="1328760" y="6174583"/>
+            <a:ext cx="1535267" cy="0"/>
+          </a:xfrm>
+          <a:prstGeom prst="line">
+            <a:avLst/>
+          </a:prstGeom>
+          <a:solidFill>
+            <a:srgbClr val="AB008B">
+              <a:alpha val="5000"/>
+            </a:srgbClr>
+          </a:solidFill>
+          <a:ln w="18000">
+            <a:solidFill>
+              <a:srgbClr val="AB008B"/>
+            </a:solidFill>
+          </a:ln>
+        </p:spPr>
+        <p:style>
+          <a:lnRef idx="1">
+            <a:schemeClr val="accent1"/>
+          </a:lnRef>
+          <a:fillRef idx="0">
+            <a:schemeClr val="accent1"/>
+          </a:fillRef>
+          <a:effectRef idx="0">
+            <a:schemeClr val="accent1"/>
+          </a:effectRef>
+          <a:fontRef idx="minor">
+            <a:schemeClr val="tx1"/>
+          </a:fontRef>
+        </p:style>
+      </p:cxnSp>
+      <p:sp>
+        <p:nvSpPr>
+          <p:cNvPr id="109" name="正方形/長方形 108">
+            <a:extLst>
+              <a:ext uri="{FF2B5EF4-FFF2-40B4-BE49-F238E27FC236}">
+                <a16:creationId xmlns:a16="http://schemas.microsoft.com/office/drawing/2014/main" id="{F175F922-B243-4689-AC9B-B01784869B4A}"/>
+              </a:ext>
+            </a:extLst>
+          </p:cNvPr>
+          <p:cNvSpPr/>
+          <p:nvPr/>
+        </p:nvSpPr>
+        <p:spPr>
+          <a:xfrm>
+            <a:off x="6833160" y="5900263"/>
+            <a:ext cx="1645920" cy="548640"/>
+          </a:xfrm>
+          <a:prstGeom prst="rect">
+            <a:avLst/>
+          </a:prstGeom>
+          <a:solidFill>
+            <a:srgbClr val="AB008B">
+              <a:alpha val="5000"/>
+            </a:srgbClr>
+          </a:solidFill>
+          <a:ln w="18000">
+            <a:solidFill>
+              <a:srgbClr val="AB008B"/>
+            </a:solidFill>
+          </a:ln>
+        </p:spPr>
+        <p:style>
+          <a:lnRef idx="2">
+            <a:schemeClr val="accent1">
+              <a:shade val="50000"/>
+            </a:schemeClr>
+          </a:lnRef>
+          <a:fillRef idx="1">
+            <a:schemeClr val="accent1"/>
+          </a:fillRef>
+          <a:effectRef idx="0">
+            <a:schemeClr val="accent1"/>
+          </a:effectRef>
+          <a:fontRef idx="minor">
+            <a:schemeClr val="lt1"/>
+          </a:fontRef>
+        </p:style>
+        <p:txBody>
+          <a:bodyPr wrap="none" rtlCol="0" anchor="ctr" anchorCtr="1"/>
+          <a:lstStyle/>
+          <a:p>
+            <a:endParaRPr lang="en-US">
+              <a:solidFill>
+                <a:srgbClr val="AB008B"/>
+              </a:solidFill>
+            </a:endParaRPr>
+          </a:p>
+        </p:txBody>
+      </p:sp>
+      <p:sp>
+        <p:nvSpPr>
+          <p:cNvPr id="81" name="正方形/長方形 80">
+            <a:extLst>
+              <a:ext uri="{FF2B5EF4-FFF2-40B4-BE49-F238E27FC236}">
+                <a16:creationId xmlns:a16="http://schemas.microsoft.com/office/drawing/2014/main" id="{04CEE3A2-2F04-479C-9CA2-7CAB2F8362A9}"/>
+              </a:ext>
+            </a:extLst>
+          </p:cNvPr>
+          <p:cNvSpPr/>
+          <p:nvPr/>
+        </p:nvSpPr>
+        <p:spPr>
+          <a:xfrm>
+            <a:off x="2864027" y="5900263"/>
+            <a:ext cx="2377440" cy="548640"/>
+          </a:xfrm>
+          <a:prstGeom prst="rect">
+            <a:avLst/>
+          </a:prstGeom>
+          <a:solidFill>
+            <a:srgbClr val="AB008B">
+              <a:alpha val="5000"/>
+            </a:srgbClr>
+          </a:solidFill>
+          <a:ln w="18000">
+            <a:solidFill>
+              <a:srgbClr val="AB008B"/>
+            </a:solidFill>
+          </a:ln>
+        </p:spPr>
+        <p:style>
+          <a:lnRef idx="2">
+            <a:schemeClr val="accent1">
+              <a:shade val="50000"/>
+            </a:schemeClr>
+          </a:lnRef>
+          <a:fillRef idx="1">
+            <a:schemeClr val="accent1"/>
+          </a:fillRef>
+          <a:effectRef idx="0">
+            <a:schemeClr val="accent1"/>
+          </a:effectRef>
+          <a:fontRef idx="minor">
+            <a:schemeClr val="lt1"/>
+          </a:fontRef>
+        </p:style>
+        <p:txBody>
+          <a:bodyPr wrap="none" rtlCol="0" anchor="ctr" anchorCtr="1"/>
+          <a:lstStyle/>
+          <a:p>
+            <a:endParaRPr lang="en-US">
+              <a:solidFill>
+                <a:srgbClr val="AB008B"/>
+              </a:solidFill>
+            </a:endParaRPr>
+          </a:p>
+        </p:txBody>
+      </p:sp>
+      <p:sp>
+        <p:nvSpPr>
+          <p:cNvPr id="58" name="正方形/長方形 57">
+            <a:extLst>
+              <a:ext uri="{FF2B5EF4-FFF2-40B4-BE49-F238E27FC236}">
+                <a16:creationId xmlns:a16="http://schemas.microsoft.com/office/drawing/2014/main" id="{CBC37318-88B9-4F1B-85D6-703877DC32D9}"/>
+              </a:ext>
+            </a:extLst>
+          </p:cNvPr>
+          <p:cNvSpPr/>
+          <p:nvPr/>
+        </p:nvSpPr>
+        <p:spPr>
+          <a:xfrm>
+            <a:off x="414360" y="5900263"/>
+            <a:ext cx="914400" cy="548640"/>
+          </a:xfrm>
+          <a:prstGeom prst="rect">
+            <a:avLst/>
+          </a:prstGeom>
+          <a:solidFill>
+            <a:srgbClr val="AB008B">
+              <a:alpha val="5000"/>
+            </a:srgbClr>
+          </a:solidFill>
+          <a:ln w="18000">
+            <a:solidFill>
+              <a:srgbClr val="AB008B"/>
+            </a:solidFill>
+          </a:ln>
+        </p:spPr>
+        <p:style>
+          <a:lnRef idx="2">
+            <a:schemeClr val="accent1">
+              <a:shade val="50000"/>
+            </a:schemeClr>
+          </a:lnRef>
+          <a:fillRef idx="1">
+            <a:schemeClr val="accent1"/>
+          </a:fillRef>
+          <a:effectRef idx="0">
+            <a:schemeClr val="accent1"/>
+          </a:effectRef>
+          <a:fontRef idx="minor">
+            <a:schemeClr val="lt1"/>
+          </a:fontRef>
+        </p:style>
+        <p:txBody>
+          <a:bodyPr wrap="none" rtlCol="0" anchor="ctr" anchorCtr="1"/>
+          <a:lstStyle/>
+          <a:p>
+            <a:endParaRPr lang="en-US">
+              <a:solidFill>
+                <a:srgbClr val="AB008B"/>
+              </a:solidFill>
+            </a:endParaRPr>
+          </a:p>
+        </p:txBody>
+      </p:sp>
+      <p:sp>
+        <p:nvSpPr>
+          <p:cNvPr id="2" name="TextBox 1">
+            <a:extLst>
+              <a:ext uri="{FF2B5EF4-FFF2-40B4-BE49-F238E27FC236}">
+                <a16:creationId xmlns:a16="http://schemas.microsoft.com/office/drawing/2014/main" id="{199C2BDA-E076-AD52-1FC8-058D3C4BA314}"/>
+              </a:ext>
+            </a:extLst>
+          </p:cNvPr>
+          <p:cNvSpPr txBox="1"/>
+          <p:nvPr/>
+        </p:nvSpPr>
+        <p:spPr>
+          <a:xfrm>
+            <a:off x="4152725" y="439617"/>
+            <a:ext cx="2177483" cy="646331"/>
+          </a:xfrm>
+          <a:prstGeom prst="rect">
+            <a:avLst/>
+          </a:prstGeom>
+          <a:noFill/>
+        </p:spPr>
+        <p:txBody>
+          <a:bodyPr wrap="square" rtlCol="0">
+            <a:spAutoFit/>
+          </a:bodyPr>
+          <a:lstStyle/>
+          <a:p>
+            <a:r>
+              <a:rPr lang="en-NZ" dirty="0"/>
+              <a:t>All texts worked as expected</a:t>
+            </a:r>
+          </a:p>
+        </p:txBody>
+      </p:sp>
     </p:spTree>
     <p:extLst>
       <p:ext uri="{BB962C8B-B14F-4D97-AF65-F5344CB8AC3E}">
-        <p14:creationId xmlns:p14="http://schemas.microsoft.com/office/powerpoint/2010/main" val="2759596377"/>
+        <p14:creationId xmlns:p14="http://schemas.microsoft.com/office/powerpoint/2010/main" val="807429404"/>
       </p:ext>
     </p:extLst>
   </p:cSld>
@@ -29336,78 +32521,21 @@
           <a:lstStyle/>
           <a:p>
             <a:r>
-              <a:rPr lang="en-GB">
+              <a:rPr lang="en-GB" dirty="0">
                 <a:cs typeface="Calibri Light"/>
               </a:rPr>
-              <a:t>Generate random token  - Testing</a:t>
+              <a:t>Component 4 – Game Mechanics/ Looping </a:t>
             </a:r>
-            <a:endParaRPr lang="en-GB"/>
-          </a:p>
-        </p:txBody>
-      </p:sp>
-      <p:sp>
-        <p:nvSpPr>
-          <p:cNvPr id="4" name="TextBox 3">
-            <a:extLst>
-              <a:ext uri="{FF2B5EF4-FFF2-40B4-BE49-F238E27FC236}">
-                <a16:creationId xmlns:a16="http://schemas.microsoft.com/office/drawing/2014/main" id="{0676CC8F-07AC-7255-5C5C-4ABBBE9DE273}"/>
-              </a:ext>
-            </a:extLst>
-          </p:cNvPr>
-          <p:cNvSpPr txBox="1"/>
-          <p:nvPr/>
-        </p:nvSpPr>
-        <p:spPr>
-          <a:xfrm>
-            <a:off x="499782" y="1710018"/>
-            <a:ext cx="3258670" cy="1477328"/>
-          </a:xfrm>
-          <a:prstGeom prst="rect">
-            <a:avLst/>
-          </a:prstGeom>
-          <a:noFill/>
-        </p:spPr>
-        <p:txBody>
-          <a:bodyPr rot="0" spcFirstLastPara="0" vertOverflow="overflow" horzOverflow="overflow" vert="horz" wrap="square" lIns="91440" tIns="45720" rIns="91440" bIns="45720" numCol="1" spcCol="0" rtlCol="0" fromWordArt="0" anchor="t" anchorCtr="0" forceAA="0" compatLnSpc="1">
-            <a:prstTxWarp prst="textNoShape">
-              <a:avLst/>
-            </a:prstTxWarp>
-            <a:spAutoFit/>
-          </a:bodyPr>
-          <a:lstStyle/>
-          <a:p>
-            <a:r>
-              <a:rPr lang="en-GB"/>
-              <a:t>Testing on right (Trial 2) shows results for 100 rounds:</a:t>
-            </a:r>
-            <a:endParaRPr lang="en-US">
-              <a:cs typeface="Calibri" panose="020F0502020204030204"/>
-            </a:endParaRPr>
-          </a:p>
-          <a:p>
-            <a:r>
-              <a:rPr lang="en-GB">
-                <a:cs typeface="Calibri"/>
-              </a:rPr>
-              <a:t>10% chance of unicorn </a:t>
-            </a:r>
-          </a:p>
-          <a:p>
-            <a:r>
-              <a:rPr lang="en-GB">
-                <a:cs typeface="Calibri"/>
-              </a:rPr>
-              <a:t>30% chance for each of donkey, zebra, and horse</a:t>
-            </a:r>
+            <a:endParaRPr lang="en-GB" dirty="0"/>
           </a:p>
         </p:txBody>
       </p:sp>
       <p:pic>
         <p:nvPicPr>
-          <p:cNvPr id="3" name="Picture 4" descr="Graphical user interface, text, application&#10;&#10;Description automatically generated">
+          <p:cNvPr id="9" name="Picture 8">
             <a:extLst>
               <a:ext uri="{FF2B5EF4-FFF2-40B4-BE49-F238E27FC236}">
-                <a16:creationId xmlns:a16="http://schemas.microsoft.com/office/drawing/2014/main" id="{89276921-B447-1D95-4DC2-8AD1144AB121}"/>
+                <a16:creationId xmlns:a16="http://schemas.microsoft.com/office/drawing/2014/main" id="{5641AE26-FBE3-F455-8996-698A635F5CB8}"/>
               </a:ext>
             </a:extLst>
           </p:cNvPr>
@@ -29424,8 +32552,8 @@
         </p:blipFill>
         <p:spPr>
           <a:xfrm>
-            <a:off x="3753633" y="1354023"/>
-            <a:ext cx="3912296" cy="1602994"/>
+            <a:off x="6096000" y="2115421"/>
+            <a:ext cx="4096481" cy="3944327"/>
           </a:xfrm>
           <a:prstGeom prst="rect">
             <a:avLst/>
@@ -29434,10 +32562,10 @@
       </p:pic>
       <p:sp>
         <p:nvSpPr>
-          <p:cNvPr id="6" name="TextBox 5">
+          <p:cNvPr id="10" name="TextBox 9">
             <a:extLst>
               <a:ext uri="{FF2B5EF4-FFF2-40B4-BE49-F238E27FC236}">
-                <a16:creationId xmlns:a16="http://schemas.microsoft.com/office/drawing/2014/main" id="{2ACA099B-D36F-17A9-F335-3BEBFD61AA03}"/>
+                <a16:creationId xmlns:a16="http://schemas.microsoft.com/office/drawing/2014/main" id="{02B86F8F-9D08-DC8E-978F-76C23903CEFA}"/>
               </a:ext>
             </a:extLst>
           </p:cNvPr>
@@ -29446,8 +32574,8 @@
         </p:nvSpPr>
         <p:spPr>
           <a:xfrm>
-            <a:off x="2055098" y="3348839"/>
-            <a:ext cx="4720039" cy="2031325"/>
+            <a:off x="2551470" y="2782669"/>
+            <a:ext cx="2413819" cy="646331"/>
           </a:xfrm>
           <a:prstGeom prst="rect">
             <a:avLst/>
@@ -29455,97 +32583,18 @@
           <a:noFill/>
         </p:spPr>
         <p:txBody>
-          <a:bodyPr rot="0" spcFirstLastPara="0" vertOverflow="overflow" horzOverflow="overflow" vert="horz" wrap="square" lIns="91440" tIns="45720" rIns="91440" bIns="45720" numCol="1" spcCol="0" rtlCol="0" fromWordArt="0" anchor="t" anchorCtr="0" forceAA="0" compatLnSpc="1">
-            <a:prstTxWarp prst="textNoShape">
-              <a:avLst/>
-            </a:prstTxWarp>
+          <a:bodyPr wrap="square" rtlCol="0">
             <a:spAutoFit/>
           </a:bodyPr>
           <a:lstStyle/>
           <a:p>
             <a:r>
-              <a:rPr lang="en-GB"/>
-              <a:t>Testing on right (Trial 3) shows results for only 10 rounds: </a:t>
-            </a:r>
-          </a:p>
-          <a:p>
-            <a:r>
-              <a:rPr lang="en-GB">
-                <a:cs typeface="Calibri"/>
-              </a:rPr>
-              <a:t>5% chance of a unicorn </a:t>
-            </a:r>
-          </a:p>
-          <a:p>
-            <a:r>
-              <a:rPr lang="en-GB">
-                <a:cs typeface="Calibri"/>
-              </a:rPr>
-              <a:t>30% chance of a donkey, 65% chance of each zebra or horse. The house advantage becomes clearer if we run the program more than 100 times</a:t>
+              <a:rPr lang="en-NZ" dirty="0"/>
+              <a:t>*Full decomposition to go here*</a:t>
             </a:r>
           </a:p>
         </p:txBody>
       </p:sp>
-      <p:pic>
-        <p:nvPicPr>
-          <p:cNvPr id="7" name="Picture 7" descr="Table&#10;&#10;Description automatically generated">
-            <a:extLst>
-              <a:ext uri="{FF2B5EF4-FFF2-40B4-BE49-F238E27FC236}">
-                <a16:creationId xmlns:a16="http://schemas.microsoft.com/office/drawing/2014/main" id="{3E3ED375-DD72-680C-8F58-70BC755CCE29}"/>
-              </a:ext>
-            </a:extLst>
-          </p:cNvPr>
-          <p:cNvPicPr>
-            <a:picLocks noChangeAspect="1"/>
-          </p:cNvPicPr>
-          <p:nvPr/>
-        </p:nvPicPr>
-        <p:blipFill>
-          <a:blip r:embed="rId3"/>
-          <a:stretch>
-            <a:fillRect/>
-          </a:stretch>
-        </p:blipFill>
-        <p:spPr>
-          <a:xfrm>
-            <a:off x="8127304" y="2188717"/>
-            <a:ext cx="3578268" cy="4349033"/>
-          </a:xfrm>
-          <a:prstGeom prst="rect">
-            <a:avLst/>
-          </a:prstGeom>
-        </p:spPr>
-      </p:pic>
-      <p:pic>
-        <p:nvPicPr>
-          <p:cNvPr id="8" name="Picture 8">
-            <a:extLst>
-              <a:ext uri="{FF2B5EF4-FFF2-40B4-BE49-F238E27FC236}">
-                <a16:creationId xmlns:a16="http://schemas.microsoft.com/office/drawing/2014/main" id="{FDB2E0E9-D86D-F82F-0828-239D28074C54}"/>
-              </a:ext>
-            </a:extLst>
-          </p:cNvPr>
-          <p:cNvPicPr>
-            <a:picLocks noChangeAspect="1"/>
-          </p:cNvPicPr>
-          <p:nvPr/>
-        </p:nvPicPr>
-        <p:blipFill>
-          <a:blip r:embed="rId4"/>
-          <a:stretch>
-            <a:fillRect/>
-          </a:stretch>
-        </p:blipFill>
-        <p:spPr>
-          <a:xfrm>
-            <a:off x="2798067" y="5291528"/>
-            <a:ext cx="2733675" cy="638175"/>
-          </a:xfrm>
-          <a:prstGeom prst="rect">
-            <a:avLst/>
-          </a:prstGeom>
-        </p:spPr>
-      </p:pic>
     </p:spTree>
     <p:extLst>
       <p:ext uri="{BB962C8B-B14F-4D97-AF65-F5344CB8AC3E}">
@@ -29602,10 +32651,10 @@
           <a:lstStyle/>
           <a:p>
             <a:r>
-              <a:rPr lang="en" sz="4000"/>
-              <a:t>Generate Random Tokens: Trialing</a:t>
+              <a:rPr lang="en" sz="4000" dirty="0"/>
+              <a:t>Rounds - Test Plan</a:t>
             </a:r>
-            <a:endParaRPr sz="4000" err="1"/>
+            <a:endParaRPr sz="4000" dirty="0"/>
           </a:p>
         </p:txBody>
       </p:sp>
@@ -29616,14 +32665,14 @@
           <p:nvPr>
             <p:extLst>
               <p:ext uri="{D42A27DB-BD31-4B8C-83A1-F6EECF244321}">
-                <p14:modId xmlns:p14="http://schemas.microsoft.com/office/powerpoint/2010/main" val="2625283070"/>
+                <p14:modId xmlns:p14="http://schemas.microsoft.com/office/powerpoint/2010/main" val="1450286382"/>
               </p:ext>
             </p:extLst>
           </p:nvPr>
         </p:nvGraphicFramePr>
         <p:xfrm>
-          <a:off x="548651" y="1346909"/>
-          <a:ext cx="11360799" cy="4481860"/>
+          <a:off x="521173" y="1567035"/>
+          <a:ext cx="11360798" cy="2932723"/>
         </p:xfrm>
         <a:graphic>
           <a:graphicData uri="http://schemas.openxmlformats.org/drawingml/2006/table">
@@ -29632,14 +32681,14 @@
                 <a:noFill/>
               </a:tblPr>
               <a:tblGrid>
-                <a:gridCol w="3496235">
+                <a:gridCol w="4149150">
                   <a:extLst>
                     <a:ext uri="{9D8B030D-6E8A-4147-A177-3AD203B41FA5}">
                       <a16:colId xmlns:a16="http://schemas.microsoft.com/office/drawing/2014/main" val="20000"/>
                     </a:ext>
                   </a:extLst>
                 </a:gridCol>
-                <a:gridCol w="7864564">
+                <a:gridCol w="7211648">
                   <a:extLst>
                     <a:ext uri="{9D8B030D-6E8A-4147-A177-3AD203B41FA5}">
                       <a16:colId xmlns:a16="http://schemas.microsoft.com/office/drawing/2014/main" val="20001"/>
@@ -29647,13 +32696,13 @@
                   </a:extLst>
                 </a:gridCol>
               </a:tblGrid>
-              <a:tr h="1232647">
+              <a:tr h="616323">
                 <a:tc>
                   <a:txBody>
                     <a:bodyPr/>
                     <a:lstStyle/>
                     <a:p>
-                      <a:pPr marL="0" lvl="0" indent="0" algn="l">
+                      <a:pPr marL="0" lvl="0" indent="0" algn="l" rtl="0">
                         <a:spcBef>
                           <a:spcPts val="0"/>
                         </a:spcBef>
@@ -29663,12 +32712,24 @@
                         <a:buNone/>
                       </a:pPr>
                       <a:r>
-                        <a:rPr lang="en-US" sz="2000"/>
-                        <a:t>Trial 1</a:t>
+                        <a:rPr lang="en" sz="2400" b="1" dirty="0"/>
+                        <a:t>Test Cases - input</a:t>
                       </a:r>
+                      <a:endParaRPr sz="2400" b="1" dirty="0"/>
                     </a:p>
+                  </a:txBody>
+                  <a:tcPr marL="121900" marR="121900" marT="121900" marB="121900">
+                    <a:solidFill>
+                      <a:srgbClr val="CCCCCC"/>
+                    </a:solidFill>
+                  </a:tcPr>
+                </a:tc>
+                <a:tc>
+                  <a:txBody>
+                    <a:bodyPr/>
+                    <a:lstStyle/>
                     <a:p>
-                      <a:pPr marL="0" lvl="0" indent="0" algn="l">
+                      <a:pPr marL="0" lvl="0" indent="0" algn="l" rtl="0">
                         <a:spcBef>
                           <a:spcPts val="0"/>
                         </a:spcBef>
@@ -29678,8 +32739,42 @@
                         <a:buNone/>
                       </a:pPr>
                       <a:r>
-                        <a:rPr lang="en-US" sz="2000"/>
-                        <a:t>05_token_generator_v2</a:t>
+                        <a:rPr lang="en" sz="2400" b="1"/>
+                        <a:t>Expected output</a:t>
+                      </a:r>
+                      <a:endParaRPr sz="2400" b="1"/>
+                    </a:p>
+                  </a:txBody>
+                  <a:tcPr marL="121900" marR="121900" marT="121900" marB="121900">
+                    <a:solidFill>
+                      <a:srgbClr val="CCCCCC"/>
+                    </a:solidFill>
+                  </a:tcPr>
+                </a:tc>
+                <a:extLst>
+                  <a:ext uri="{0D108BD9-81ED-4DB2-BD59-A6C34878D82A}">
+                    <a16:rowId xmlns:a16="http://schemas.microsoft.com/office/drawing/2014/main" val="10000"/>
+                  </a:ext>
+                </a:extLst>
+              </a:tr>
+              <a:tr h="609560">
+                <a:tc>
+                  <a:txBody>
+                    <a:bodyPr/>
+                    <a:lstStyle/>
+                    <a:p>
+                      <a:pPr marL="0" lvl="0" indent="0" algn="l" rtl="0">
+                        <a:spcBef>
+                          <a:spcPts val="0"/>
+                        </a:spcBef>
+                        <a:spcAft>
+                          <a:spcPts val="0"/>
+                        </a:spcAft>
+                        <a:buNone/>
+                      </a:pPr>
+                      <a:r>
+                        <a:rPr lang="en-US" sz="2400" i="0" dirty="0"/>
+                        <a:t>Quiz has finished, user wants to play one more round</a:t>
                       </a:r>
                     </a:p>
                   </a:txBody>
@@ -29700,10 +32795,24 @@
                         <a:buNone/>
                       </a:pPr>
                       <a:r>
-                        <a:rPr lang="en-US" sz="2000"/>
-                        <a:t>This program chooses from a list of horse, unicorn, zebra, and donkey. When run 100 times, it becomes clear that the house would lose money instead of making it.</a:t>
+                        <a:rPr lang="en-US" sz="2400" dirty="0"/>
+                        <a:t>Quiz should repeat and display round 2</a:t>
                       </a:r>
-                      <a:endParaRPr sz="2000"/>
+                    </a:p>
+                    <a:p>
+                      <a:pPr marL="0" lvl="0" indent="0" algn="l" rtl="0">
+                        <a:spcBef>
+                          <a:spcPts val="0"/>
+                        </a:spcBef>
+                        <a:spcAft>
+                          <a:spcPts val="0"/>
+                        </a:spcAft>
+                        <a:buNone/>
+                      </a:pPr>
+                      <a:r>
+                        <a:rPr lang="en-US" sz="2400" dirty="0"/>
+                        <a:t>Afterwards thank the user for playing and say “You played 2 round(s)”</a:t>
+                      </a:r>
                     </a:p>
                   </a:txBody>
                   <a:tcPr marL="121900" marR="121900" marT="121900" marB="121900"/>
@@ -29714,13 +32823,13 @@
                   </a:ext>
                 </a:extLst>
               </a:tr>
-              <a:tr h="1176617">
+              <a:tr h="609560">
                 <a:tc>
                   <a:txBody>
                     <a:bodyPr/>
                     <a:lstStyle/>
                     <a:p>
-                      <a:pPr marL="0" lvl="0" indent="0" algn="l">
+                      <a:pPr marL="0" lvl="0" indent="0" algn="l" rtl="0">
                         <a:spcBef>
                           <a:spcPts val="0"/>
                         </a:spcBef>
@@ -29730,40 +32839,19 @@
                         <a:buNone/>
                       </a:pPr>
                       <a:r>
-                        <a:rPr lang="en-US" sz="2000" b="0" i="0" u="none" strike="noStrike" noProof="0"/>
-                        <a:t>Trial 2</a:t>
+                        <a:rPr lang="en-US" sz="2400" i="0" dirty="0"/>
+                        <a:t>Quiz has finished and user wants to exit</a:t>
                       </a:r>
-                      <a:endParaRPr lang="en-US" sz="2000" b="0" i="0" u="none" strike="noStrike" noProof="0">
-                        <a:latin typeface="Calibri"/>
-                      </a:endParaRPr>
-                    </a:p>
-                    <a:p>
-                      <a:pPr marL="0" lvl="0" indent="0" algn="l">
-                        <a:spcBef>
-                          <a:spcPts val="0"/>
-                        </a:spcBef>
-                        <a:spcAft>
-                          <a:spcPts val="0"/>
-                        </a:spcAft>
-                        <a:buNone/>
-                      </a:pPr>
-                      <a:r>
-                        <a:rPr lang="en-US" sz="2000" b="0" i="0" u="none" strike="noStrike" noProof="0">
-                          <a:latin typeface="Calibri"/>
-                        </a:rPr>
-                        <a:t>05_token_generator_v3</a:t>
-                      </a:r>
-                      <a:endParaRPr lang="en-US" sz="2000"/>
                     </a:p>
                   </a:txBody>
-                  <a:tcPr marL="121899" marR="121899" marT="121899" marB="121899"/>
+                  <a:tcPr marL="121900" marR="121900" marT="121900" marB="121900"/>
                 </a:tc>
                 <a:tc>
                   <a:txBody>
                     <a:bodyPr/>
                     <a:lstStyle/>
                     <a:p>
-                      <a:pPr marL="0" lvl="0" indent="0" algn="l">
+                      <a:pPr marL="0" lvl="0" indent="0" algn="l" rtl="0">
                         <a:spcBef>
                           <a:spcPts val="0"/>
                         </a:spcBef>
@@ -29773,28 +32861,12 @@
                         <a:buNone/>
                       </a:pPr>
                       <a:r>
-                        <a:rPr lang="en-US" sz="2000" b="0" i="0" u="none" strike="noStrike" noProof="0">
-                          <a:latin typeface="Calibri"/>
-                        </a:rPr>
-                        <a:t>In this trial I changed the list so that there were 10% unicorns 30% of each of the others (1 unicorn and 3 each of the others). This did give the house an advantage.</a:t>
+                        <a:rPr lang="en-US" sz="2400" dirty="0"/>
+                        <a:t>Quiz will finish and than the user for playing.</a:t>
                       </a:r>
                     </a:p>
-                  </a:txBody>
-                  <a:tcPr marL="121899" marR="121899" marT="121899" marB="121899"/>
-                </a:tc>
-                <a:extLst>
-                  <a:ext uri="{0D108BD9-81ED-4DB2-BD59-A6C34878D82A}">
-                    <a16:rowId xmlns:a16="http://schemas.microsoft.com/office/drawing/2014/main" val="3960970941"/>
-                  </a:ext>
-                </a:extLst>
-              </a:tr>
-              <a:tr h="1479176">
-                <a:tc>
-                  <a:txBody>
-                    <a:bodyPr/>
-                    <a:lstStyle/>
                     <a:p>
-                      <a:pPr marL="0" lvl="0" indent="0" algn="l">
+                      <a:pPr marL="0" lvl="0" indent="0" algn="l" rtl="0">
                         <a:spcBef>
                           <a:spcPts val="0"/>
                         </a:spcBef>
@@ -29804,64 +32876,16 @@
                         <a:buNone/>
                       </a:pPr>
                       <a:r>
-                        <a:rPr lang="en-US" sz="2000" b="0" i="0" u="none" strike="noStrike" noProof="0"/>
-                        <a:t>Trial 3</a:t>
+                        <a:rPr lang="en-US" sz="2400" dirty="0"/>
+                        <a:t>“You played 1 round(s)</a:t>
                       </a:r>
-                      <a:endParaRPr lang="en-US" sz="2000" b="0" i="0" u="none" strike="noStrike" noProof="0">
-                        <a:latin typeface="Calibri"/>
-                      </a:endParaRPr>
-                    </a:p>
-                    <a:p>
-                      <a:pPr marL="0" lvl="0" indent="0" algn="l">
-                        <a:spcBef>
-                          <a:spcPts val="0"/>
-                        </a:spcBef>
-                        <a:spcAft>
-                          <a:spcPts val="0"/>
-                        </a:spcAft>
-                        <a:buNone/>
-                      </a:pPr>
-                      <a:r>
-                        <a:rPr lang="en-US" sz="2000" b="0" i="0" u="none" strike="noStrike" noProof="0">
-                          <a:latin typeface="Calibri"/>
-                        </a:rPr>
-                        <a:t>05_token_generator_v4</a:t>
-                      </a:r>
-                      <a:endParaRPr lang="en-US"/>
                     </a:p>
                   </a:txBody>
-                  <a:tcPr marL="121898" marR="121898" marT="121898" marB="121898"/>
-                </a:tc>
-                <a:tc>
-                  <a:txBody>
-                    <a:bodyPr/>
-                    <a:lstStyle/>
-                    <a:p>
-                      <a:pPr marL="0" lvl="0" indent="0" algn="l">
-                        <a:spcBef>
-                          <a:spcPts val="0"/>
-                        </a:spcBef>
-                        <a:spcAft>
-                          <a:spcPts val="0"/>
-                        </a:spcAft>
-                        <a:buNone/>
-                      </a:pPr>
-                      <a:r>
-                        <a:rPr lang="en-US" sz="2000" b="0" i="0" u="none" strike="noStrike" noProof="0">
-                          <a:latin typeface="Calibri"/>
-                        </a:rPr>
-                        <a:t>In my third trial, instead of choosing items from a list, I chose a random integer between 1 and 100. The schedule was set up so the user had a 5% chance of getting a unicorn, a 30% chance of getting a donkey, and a 65% chance of getting a horse or zebra. For this last 65% it awarded horse or zebra depending whether or not the number generated was even (horse) or odd (zebra)</a:t>
-                      </a:r>
-                      <a:endParaRPr sz="2000" b="0" i="0" u="none" strike="noStrike" noProof="0">
-                        <a:latin typeface="Calibri"/>
-                      </a:endParaRPr>
-                    </a:p>
-                  </a:txBody>
-                  <a:tcPr marL="121898" marR="121898" marT="121898" marB="121898"/>
+                  <a:tcPr marL="121900" marR="121900" marT="121900" marB="121900"/>
                 </a:tc>
                 <a:extLst>
                   <a:ext uri="{0D108BD9-81ED-4DB2-BD59-A6C34878D82A}">
-                    <a16:rowId xmlns:a16="http://schemas.microsoft.com/office/drawing/2014/main" val="3863402776"/>
+                    <a16:rowId xmlns:a16="http://schemas.microsoft.com/office/drawing/2014/main" val="2426205710"/>
                   </a:ext>
                 </a:extLst>
               </a:tr>
@@ -29872,7 +32896,7 @@
     </p:spTree>
     <p:extLst>
       <p:ext uri="{BB962C8B-B14F-4D97-AF65-F5344CB8AC3E}">
-        <p14:creationId xmlns:p14="http://schemas.microsoft.com/office/powerpoint/2010/main" val="1636248130"/>
+        <p14:creationId xmlns:p14="http://schemas.microsoft.com/office/powerpoint/2010/main" val="2053669820"/>
       </p:ext>
     </p:extLst>
   </p:cSld>
@@ -29883,6 +32907,615 @@
 </file>
 
 <file path=ppt/slides/slide24.xml><?xml version="1.0" encoding="utf-8"?>
+<p:sld xmlns:a="http://schemas.openxmlformats.org/drawingml/2006/main" xmlns:r="http://schemas.openxmlformats.org/officeDocument/2006/relationships" xmlns:p="http://schemas.openxmlformats.org/presentationml/2006/main">
+  <p:cSld>
+    <p:spTree>
+      <p:nvGrpSpPr>
+        <p:cNvPr id="1" name=""/>
+        <p:cNvGrpSpPr/>
+        <p:nvPr/>
+      </p:nvGrpSpPr>
+      <p:grpSpPr>
+        <a:xfrm>
+          <a:off x="0" y="0"/>
+          <a:ext cx="0" cy="0"/>
+          <a:chOff x="0" y="0"/>
+          <a:chExt cx="0" cy="0"/>
+        </a:xfrm>
+      </p:grpSpPr>
+      <p:pic>
+        <p:nvPicPr>
+          <p:cNvPr id="15" name="Picture 14">
+            <a:extLst>
+              <a:ext uri="{FF2B5EF4-FFF2-40B4-BE49-F238E27FC236}">
+                <a16:creationId xmlns:a16="http://schemas.microsoft.com/office/drawing/2014/main" id="{5F8B9DFE-1956-BFD3-14A6-C2570127011D}"/>
+              </a:ext>
+            </a:extLst>
+          </p:cNvPr>
+          <p:cNvPicPr>
+            <a:picLocks noChangeAspect="1"/>
+          </p:cNvPicPr>
+          <p:nvPr/>
+        </p:nvPicPr>
+        <p:blipFill>
+          <a:blip r:embed="rId2"/>
+          <a:stretch>
+            <a:fillRect/>
+          </a:stretch>
+        </p:blipFill>
+        <p:spPr>
+          <a:xfrm>
+            <a:off x="7004016" y="3358817"/>
+            <a:ext cx="4928826" cy="2225499"/>
+          </a:xfrm>
+          <a:prstGeom prst="rect">
+            <a:avLst/>
+          </a:prstGeom>
+        </p:spPr>
+      </p:pic>
+      <p:sp>
+        <p:nvSpPr>
+          <p:cNvPr id="2" name="Title 1">
+            <a:extLst>
+              <a:ext uri="{FF2B5EF4-FFF2-40B4-BE49-F238E27FC236}">
+                <a16:creationId xmlns:a16="http://schemas.microsoft.com/office/drawing/2014/main" id="{703F2472-3D53-0559-8A1B-F50A835788EA}"/>
+              </a:ext>
+            </a:extLst>
+          </p:cNvPr>
+          <p:cNvSpPr>
+            <a:spLocks noGrp="1"/>
+          </p:cNvSpPr>
+          <p:nvPr>
+            <p:ph type="title"/>
+          </p:nvPr>
+        </p:nvSpPr>
+        <p:spPr/>
+        <p:txBody>
+          <a:bodyPr/>
+          <a:lstStyle/>
+          <a:p>
+            <a:r>
+              <a:rPr lang="en-NZ" dirty="0"/>
+              <a:t>Trialling </a:t>
+            </a:r>
+          </a:p>
+        </p:txBody>
+      </p:sp>
+      <p:sp>
+        <p:nvSpPr>
+          <p:cNvPr id="8" name="TextBox 7">
+            <a:extLst>
+              <a:ext uri="{FF2B5EF4-FFF2-40B4-BE49-F238E27FC236}">
+                <a16:creationId xmlns:a16="http://schemas.microsoft.com/office/drawing/2014/main" id="{657D6263-2DA5-EC3B-D52E-14D4F0D8CA67}"/>
+              </a:ext>
+            </a:extLst>
+          </p:cNvPr>
+          <p:cNvSpPr txBox="1"/>
+          <p:nvPr/>
+        </p:nvSpPr>
+        <p:spPr>
+          <a:xfrm>
+            <a:off x="2685995" y="222855"/>
+            <a:ext cx="2728451" cy="923330"/>
+          </a:xfrm>
+          <a:prstGeom prst="rect">
+            <a:avLst/>
+          </a:prstGeom>
+          <a:noFill/>
+        </p:spPr>
+        <p:txBody>
+          <a:bodyPr wrap="square" rtlCol="0">
+            <a:spAutoFit/>
+          </a:bodyPr>
+          <a:lstStyle/>
+          <a:p>
+            <a:r>
+              <a:rPr lang="en-NZ" dirty="0"/>
+              <a:t>TRIAL 1 puts quiz into a while loop</a:t>
+            </a:r>
+          </a:p>
+          <a:p>
+            <a:endParaRPr lang="en-NZ" dirty="0"/>
+          </a:p>
+        </p:txBody>
+      </p:sp>
+      <p:sp>
+        <p:nvSpPr>
+          <p:cNvPr id="11" name="TextBox 10">
+            <a:extLst>
+              <a:ext uri="{FF2B5EF4-FFF2-40B4-BE49-F238E27FC236}">
+                <a16:creationId xmlns:a16="http://schemas.microsoft.com/office/drawing/2014/main" id="{43744CE3-47E8-9C9B-3E11-D37931FCC5AC}"/>
+              </a:ext>
+            </a:extLst>
+          </p:cNvPr>
+          <p:cNvSpPr txBox="1"/>
+          <p:nvPr/>
+        </p:nvSpPr>
+        <p:spPr>
+          <a:xfrm>
+            <a:off x="7433186" y="270201"/>
+            <a:ext cx="4689987" cy="646331"/>
+          </a:xfrm>
+          <a:prstGeom prst="rect">
+            <a:avLst/>
+          </a:prstGeom>
+          <a:noFill/>
+        </p:spPr>
+        <p:txBody>
+          <a:bodyPr wrap="square" rtlCol="0">
+            <a:spAutoFit/>
+          </a:bodyPr>
+          <a:lstStyle/>
+          <a:p>
+            <a:r>
+              <a:rPr lang="en-NZ" dirty="0"/>
+              <a:t>TRIAL 2 uses an if statement</a:t>
+            </a:r>
+          </a:p>
+          <a:p>
+            <a:endParaRPr lang="en-NZ" dirty="0"/>
+          </a:p>
+        </p:txBody>
+      </p:sp>
+      <p:sp>
+        <p:nvSpPr>
+          <p:cNvPr id="26" name="矩形 25">
+            <a:extLst>
+              <a:ext uri="{FF2B5EF4-FFF2-40B4-BE49-F238E27FC236}">
+                <a16:creationId xmlns:a16="http://schemas.microsoft.com/office/drawing/2014/main" id="{F902315B-3814-4B9A-ABE3-22299569DA0E}"/>
+              </a:ext>
+            </a:extLst>
+          </p:cNvPr>
+          <p:cNvSpPr/>
+          <p:nvPr/>
+        </p:nvSpPr>
+        <p:spPr>
+          <a:xfrm>
+            <a:off x="7215742" y="4236864"/>
+            <a:ext cx="3174641" cy="1426505"/>
+          </a:xfrm>
+          <a:prstGeom prst="rect">
+            <a:avLst/>
+          </a:prstGeom>
+          <a:solidFill>
+            <a:srgbClr val="E71224">
+              <a:alpha val="5000"/>
+            </a:srgbClr>
+          </a:solidFill>
+          <a:ln w="18000">
+            <a:solidFill>
+              <a:srgbClr val="E71224"/>
+            </a:solidFill>
+          </a:ln>
+        </p:spPr>
+        <p:style>
+          <a:lnRef idx="2">
+            <a:schemeClr val="accent1">
+              <a:shade val="50000"/>
+            </a:schemeClr>
+          </a:lnRef>
+          <a:fillRef idx="1">
+            <a:schemeClr val="accent1"/>
+          </a:fillRef>
+          <a:effectRef idx="0">
+            <a:schemeClr val="accent1"/>
+          </a:effectRef>
+          <a:fontRef idx="minor">
+            <a:schemeClr val="lt1"/>
+          </a:fontRef>
+        </p:style>
+        <p:txBody>
+          <a:bodyPr wrap="none" rtlCol="0" anchor="ctr" anchorCtr="1"/>
+          <a:lstStyle/>
+          <a:p>
+            <a:endParaRPr lang="en-US">
+              <a:solidFill>
+                <a:srgbClr val="E71224"/>
+              </a:solidFill>
+            </a:endParaRPr>
+          </a:p>
+        </p:txBody>
+      </p:sp>
+      <mc:AlternateContent xmlns:mc="http://schemas.openxmlformats.org/markup-compatibility/2006">
+        <mc:Choice xmlns:p14="http://schemas.microsoft.com/office/powerpoint/2010/main" Requires="p14">
+          <p:contentPart p14:bwMode="auto" r:id="rId3">
+            <p14:nvContentPartPr>
+              <p14:cNvPr id="13" name="Ink 12">
+                <a:extLst>
+                  <a:ext uri="{FF2B5EF4-FFF2-40B4-BE49-F238E27FC236}">
+                    <a16:creationId xmlns:a16="http://schemas.microsoft.com/office/drawing/2014/main" id="{0A2B9D88-EB32-3723-6061-A47D17C7281B}"/>
+                  </a:ext>
+                </a:extLst>
+              </p14:cNvPr>
+              <p14:cNvContentPartPr/>
+              <p14:nvPr/>
+            </p14:nvContentPartPr>
+            <p14:xfrm>
+              <a:off x="5855969" y="3112068"/>
+              <a:ext cx="4320" cy="34200"/>
+            </p14:xfrm>
+          </p:contentPart>
+        </mc:Choice>
+        <mc:Fallback>
+          <p:pic>
+            <p:nvPicPr>
+              <p:cNvPr id="13" name="Ink 12">
+                <a:extLst>
+                  <a:ext uri="{FF2B5EF4-FFF2-40B4-BE49-F238E27FC236}">
+                    <a16:creationId xmlns:a16="http://schemas.microsoft.com/office/drawing/2014/main" id="{0A2B9D88-EB32-3723-6061-A47D17C7281B}"/>
+                  </a:ext>
+                </a:extLst>
+              </p:cNvPr>
+              <p:cNvPicPr/>
+              <p:nvPr/>
+            </p:nvPicPr>
+            <p:blipFill>
+              <a:blip r:embed="rId4"/>
+              <a:stretch>
+                <a:fillRect/>
+              </a:stretch>
+            </p:blipFill>
+            <p:spPr>
+              <a:xfrm>
+                <a:off x="5846151" y="3103068"/>
+                <a:ext cx="23564" cy="51840"/>
+              </a:xfrm>
+              <a:prstGeom prst="rect">
+                <a:avLst/>
+              </a:prstGeom>
+            </p:spPr>
+          </p:pic>
+        </mc:Fallback>
+      </mc:AlternateContent>
+      <p:pic>
+        <p:nvPicPr>
+          <p:cNvPr id="4" name="Picture 3">
+            <a:extLst>
+              <a:ext uri="{FF2B5EF4-FFF2-40B4-BE49-F238E27FC236}">
+                <a16:creationId xmlns:a16="http://schemas.microsoft.com/office/drawing/2014/main" id="{E70198E3-FDA1-A35C-9F77-D135F46B2C6F}"/>
+              </a:ext>
+            </a:extLst>
+          </p:cNvPr>
+          <p:cNvPicPr>
+            <a:picLocks noChangeAspect="1"/>
+          </p:cNvPicPr>
+          <p:nvPr/>
+        </p:nvPicPr>
+        <p:blipFill>
+          <a:blip r:embed="rId5"/>
+          <a:stretch>
+            <a:fillRect/>
+          </a:stretch>
+        </p:blipFill>
+        <p:spPr>
+          <a:xfrm>
+            <a:off x="826382" y="1556035"/>
+            <a:ext cx="2639663" cy="1573133"/>
+          </a:xfrm>
+          <a:prstGeom prst="rect">
+            <a:avLst/>
+          </a:prstGeom>
+        </p:spPr>
+      </p:pic>
+      <p:pic>
+        <p:nvPicPr>
+          <p:cNvPr id="9" name="Picture 8">
+            <a:extLst>
+              <a:ext uri="{FF2B5EF4-FFF2-40B4-BE49-F238E27FC236}">
+                <a16:creationId xmlns:a16="http://schemas.microsoft.com/office/drawing/2014/main" id="{37F8D71D-3F00-FD1F-CE7C-66944FC20545}"/>
+              </a:ext>
+            </a:extLst>
+          </p:cNvPr>
+          <p:cNvPicPr>
+            <a:picLocks noChangeAspect="1"/>
+          </p:cNvPicPr>
+          <p:nvPr/>
+        </p:nvPicPr>
+        <p:blipFill>
+          <a:blip r:embed="rId6"/>
+          <a:stretch>
+            <a:fillRect/>
+          </a:stretch>
+        </p:blipFill>
+        <p:spPr>
+          <a:xfrm>
+            <a:off x="0" y="4265423"/>
+            <a:ext cx="5610773" cy="2073084"/>
+          </a:xfrm>
+          <a:prstGeom prst="rect">
+            <a:avLst/>
+          </a:prstGeom>
+        </p:spPr>
+      </p:pic>
+      <p:pic>
+        <p:nvPicPr>
+          <p:cNvPr id="12" name="Picture 11">
+            <a:extLst>
+              <a:ext uri="{FF2B5EF4-FFF2-40B4-BE49-F238E27FC236}">
+                <a16:creationId xmlns:a16="http://schemas.microsoft.com/office/drawing/2014/main" id="{807E23AE-03C3-3547-C017-47DBE0EACB85}"/>
+              </a:ext>
+            </a:extLst>
+          </p:cNvPr>
+          <p:cNvPicPr>
+            <a:picLocks noChangeAspect="1"/>
+          </p:cNvPicPr>
+          <p:nvPr/>
+        </p:nvPicPr>
+        <p:blipFill>
+          <a:blip r:embed="rId7"/>
+          <a:stretch>
+            <a:fillRect/>
+          </a:stretch>
+        </p:blipFill>
+        <p:spPr>
+          <a:xfrm>
+            <a:off x="7639345" y="1777321"/>
+            <a:ext cx="2327437" cy="1331461"/>
+          </a:xfrm>
+          <a:prstGeom prst="rect">
+            <a:avLst/>
+          </a:prstGeom>
+        </p:spPr>
+      </p:pic>
+      <p:sp>
+        <p:nvSpPr>
+          <p:cNvPr id="21" name="矩形 25">
+            <a:extLst>
+              <a:ext uri="{FF2B5EF4-FFF2-40B4-BE49-F238E27FC236}">
+                <a16:creationId xmlns:a16="http://schemas.microsoft.com/office/drawing/2014/main" id="{F096EFBC-D873-408C-2DA9-5C5B2C8DB7C1}"/>
+              </a:ext>
+            </a:extLst>
+          </p:cNvPr>
+          <p:cNvSpPr/>
+          <p:nvPr/>
+        </p:nvSpPr>
+        <p:spPr>
+          <a:xfrm>
+            <a:off x="415600" y="4512505"/>
+            <a:ext cx="5419045" cy="789460"/>
+          </a:xfrm>
+          <a:prstGeom prst="rect">
+            <a:avLst/>
+          </a:prstGeom>
+          <a:solidFill>
+            <a:srgbClr val="E71224">
+              <a:alpha val="5000"/>
+            </a:srgbClr>
+          </a:solidFill>
+          <a:ln w="18000">
+            <a:solidFill>
+              <a:srgbClr val="E71224"/>
+            </a:solidFill>
+          </a:ln>
+        </p:spPr>
+        <p:style>
+          <a:lnRef idx="2">
+            <a:schemeClr val="accent1">
+              <a:shade val="50000"/>
+            </a:schemeClr>
+          </a:lnRef>
+          <a:fillRef idx="1">
+            <a:schemeClr val="accent1"/>
+          </a:fillRef>
+          <a:effectRef idx="0">
+            <a:schemeClr val="accent1"/>
+          </a:effectRef>
+          <a:fontRef idx="minor">
+            <a:schemeClr val="lt1"/>
+          </a:fontRef>
+        </p:style>
+        <p:txBody>
+          <a:bodyPr wrap="none" rtlCol="0" anchor="ctr" anchorCtr="1"/>
+          <a:lstStyle/>
+          <a:p>
+            <a:endParaRPr lang="en-US">
+              <a:solidFill>
+                <a:srgbClr val="E71224"/>
+              </a:solidFill>
+            </a:endParaRPr>
+          </a:p>
+        </p:txBody>
+      </p:sp>
+      <p:sp>
+        <p:nvSpPr>
+          <p:cNvPr id="22" name="矩形 25">
+            <a:extLst>
+              <a:ext uri="{FF2B5EF4-FFF2-40B4-BE49-F238E27FC236}">
+                <a16:creationId xmlns:a16="http://schemas.microsoft.com/office/drawing/2014/main" id="{2BEC71C8-1978-61FF-F7DD-396D954C3E50}"/>
+              </a:ext>
+            </a:extLst>
+          </p:cNvPr>
+          <p:cNvSpPr/>
+          <p:nvPr/>
+        </p:nvSpPr>
+        <p:spPr>
+          <a:xfrm>
+            <a:off x="961290" y="2394262"/>
+            <a:ext cx="2421007" cy="789460"/>
+          </a:xfrm>
+          <a:prstGeom prst="rect">
+            <a:avLst/>
+          </a:prstGeom>
+          <a:solidFill>
+            <a:srgbClr val="E71224">
+              <a:alpha val="5000"/>
+            </a:srgbClr>
+          </a:solidFill>
+          <a:ln w="18000">
+            <a:solidFill>
+              <a:srgbClr val="E71224"/>
+            </a:solidFill>
+          </a:ln>
+        </p:spPr>
+        <p:style>
+          <a:lnRef idx="2">
+            <a:schemeClr val="accent1">
+              <a:shade val="50000"/>
+            </a:schemeClr>
+          </a:lnRef>
+          <a:fillRef idx="1">
+            <a:schemeClr val="accent1"/>
+          </a:fillRef>
+          <a:effectRef idx="0">
+            <a:schemeClr val="accent1"/>
+          </a:effectRef>
+          <a:fontRef idx="minor">
+            <a:schemeClr val="lt1"/>
+          </a:fontRef>
+        </p:style>
+        <p:txBody>
+          <a:bodyPr wrap="none" rtlCol="0" anchor="ctr" anchorCtr="1"/>
+          <a:lstStyle/>
+          <a:p>
+            <a:endParaRPr lang="en-US">
+              <a:solidFill>
+                <a:srgbClr val="E71224"/>
+              </a:solidFill>
+            </a:endParaRPr>
+          </a:p>
+        </p:txBody>
+      </p:sp>
+    </p:spTree>
+    <p:extLst>
+      <p:ext uri="{BB962C8B-B14F-4D97-AF65-F5344CB8AC3E}">
+        <p14:creationId xmlns:p14="http://schemas.microsoft.com/office/powerpoint/2010/main" val="2980484352"/>
+      </p:ext>
+    </p:extLst>
+  </p:cSld>
+  <p:clrMapOvr>
+    <a:masterClrMapping/>
+  </p:clrMapOvr>
+</p:sld>
+</file>
+
+<file path=ppt/slides/slide25.xml><?xml version="1.0" encoding="utf-8"?>
+<p:sld xmlns:a="http://schemas.openxmlformats.org/drawingml/2006/main" xmlns:r="http://schemas.openxmlformats.org/officeDocument/2006/relationships" xmlns:p="http://schemas.openxmlformats.org/presentationml/2006/main">
+  <p:cSld>
+    <p:spTree>
+      <p:nvGrpSpPr>
+        <p:cNvPr id="1" name=""/>
+        <p:cNvGrpSpPr/>
+        <p:nvPr/>
+      </p:nvGrpSpPr>
+      <p:grpSpPr>
+        <a:xfrm>
+          <a:off x="0" y="0"/>
+          <a:ext cx="0" cy="0"/>
+          <a:chOff x="0" y="0"/>
+          <a:chExt cx="0" cy="0"/>
+        </a:xfrm>
+      </p:grpSpPr>
+      <p:sp>
+        <p:nvSpPr>
+          <p:cNvPr id="2" name="Title 1">
+            <a:extLst>
+              <a:ext uri="{FF2B5EF4-FFF2-40B4-BE49-F238E27FC236}">
+                <a16:creationId xmlns:a16="http://schemas.microsoft.com/office/drawing/2014/main" id="{49FB76F6-F6ED-9B78-DFE1-76E9281E34BF}"/>
+              </a:ext>
+            </a:extLst>
+          </p:cNvPr>
+          <p:cNvSpPr>
+            <a:spLocks noGrp="1"/>
+          </p:cNvSpPr>
+          <p:nvPr>
+            <p:ph type="title"/>
+          </p:nvPr>
+        </p:nvSpPr>
+        <p:spPr/>
+        <p:txBody>
+          <a:bodyPr>
+            <a:normAutofit/>
+          </a:bodyPr>
+          <a:lstStyle/>
+          <a:p>
+            <a:r>
+              <a:rPr lang="en-NZ" sz="4200" dirty="0"/>
+              <a:t>Selecting the best version for Rounds</a:t>
+            </a:r>
+          </a:p>
+        </p:txBody>
+      </p:sp>
+      <p:sp>
+        <p:nvSpPr>
+          <p:cNvPr id="3" name="Content Placeholder 2">
+            <a:extLst>
+              <a:ext uri="{FF2B5EF4-FFF2-40B4-BE49-F238E27FC236}">
+                <a16:creationId xmlns:a16="http://schemas.microsoft.com/office/drawing/2014/main" id="{CEA9AFE6-9440-A9A5-AA80-A5844592A707}"/>
+              </a:ext>
+            </a:extLst>
+          </p:cNvPr>
+          <p:cNvSpPr>
+            <a:spLocks noGrp="1"/>
+          </p:cNvSpPr>
+          <p:nvPr>
+            <p:ph idx="1"/>
+          </p:nvPr>
+        </p:nvSpPr>
+        <p:spPr/>
+        <p:txBody>
+          <a:bodyPr/>
+          <a:lstStyle/>
+          <a:p>
+            <a:r>
+              <a:rPr lang="en-NZ" sz="2400" dirty="0"/>
+              <a:t>Trial 1 uses a while loop. If the user enters x the loop breaks and the goodbye message is printed</a:t>
+            </a:r>
+          </a:p>
+          <a:p>
+            <a:r>
+              <a:rPr lang="en-NZ" sz="2400" dirty="0"/>
+              <a:t>Trial 2 uses an if statement. If the user presses &lt;enter&gt;, the function is repeated at the bottom</a:t>
+            </a:r>
+          </a:p>
+          <a:p>
+            <a:r>
+              <a:rPr lang="en-NZ" sz="2400" dirty="0"/>
+              <a:t>Trial 1 and trial 2 performed equally well in regards to their functionality</a:t>
+            </a:r>
+          </a:p>
+          <a:p>
+            <a:r>
+              <a:rPr lang="en-NZ" sz="2400" dirty="0"/>
+              <a:t>They both used about the same amount of code</a:t>
+            </a:r>
+          </a:p>
+          <a:p>
+            <a:r>
+              <a:rPr lang="en-NZ" sz="2400" dirty="0"/>
+              <a:t>Trial 2 may not be the most practical as it uses global variables. This may get confusing and complicated later on</a:t>
+            </a:r>
+          </a:p>
+          <a:p>
+            <a:r>
+              <a:rPr lang="en-NZ" sz="2400" dirty="0"/>
+              <a:t>Consequently, I have chosen to further develop Trial 1 for integration into my final program.</a:t>
+            </a:r>
+          </a:p>
+          <a:p>
+            <a:endParaRPr lang="en-NZ" sz="2400" dirty="0"/>
+          </a:p>
+          <a:p>
+            <a:endParaRPr lang="en-NZ" dirty="0"/>
+          </a:p>
+          <a:p>
+            <a:endParaRPr lang="en-NZ" dirty="0"/>
+          </a:p>
+        </p:txBody>
+      </p:sp>
+    </p:spTree>
+    <p:extLst>
+      <p:ext uri="{BB962C8B-B14F-4D97-AF65-F5344CB8AC3E}">
+        <p14:creationId xmlns:p14="http://schemas.microsoft.com/office/powerpoint/2010/main" val="1615137033"/>
+      </p:ext>
+    </p:extLst>
+  </p:cSld>
+  <p:clrMapOvr>
+    <a:masterClrMapping/>
+  </p:clrMapOvr>
+</p:sld>
+</file>
+
+<file path=ppt/slides/slide26.xml><?xml version="1.0" encoding="utf-8"?>
 <p:sld xmlns:a="http://schemas.openxmlformats.org/drawingml/2006/main" xmlns:r="http://schemas.openxmlformats.org/officeDocument/2006/relationships" xmlns:p="http://schemas.openxmlformats.org/presentationml/2006/main">
   <p:cSld>
     <p:spTree>
@@ -29925,10 +33558,10 @@
           <a:lstStyle/>
           <a:p>
             <a:r>
-              <a:rPr lang="en" sz="4000"/>
-              <a:t>Game mechanics and looping: Test Plan</a:t>
+              <a:rPr lang="en" sz="4000" dirty="0"/>
+              <a:t>Rounds - Testing</a:t>
             </a:r>
-            <a:endParaRPr sz="4000"/>
+            <a:endParaRPr sz="4000" dirty="0"/>
           </a:p>
         </p:txBody>
       </p:sp>
@@ -29939,14 +33572,14 @@
           <p:nvPr>
             <p:extLst>
               <p:ext uri="{D42A27DB-BD31-4B8C-83A1-F6EECF244321}">
-                <p14:modId xmlns:p14="http://schemas.microsoft.com/office/powerpoint/2010/main" val="2390251337"/>
+                <p14:modId xmlns:p14="http://schemas.microsoft.com/office/powerpoint/2010/main" val="3011313973"/>
               </p:ext>
             </p:extLst>
           </p:nvPr>
         </p:nvGraphicFramePr>
         <p:xfrm>
-          <a:off x="509967" y="1522211"/>
-          <a:ext cx="11360798" cy="3657478"/>
+          <a:off x="521172" y="1179872"/>
+          <a:ext cx="6046776" cy="3815398"/>
         </p:xfrm>
         <a:graphic>
           <a:graphicData uri="http://schemas.openxmlformats.org/drawingml/2006/table">
@@ -29955,14 +33588,14 @@
                 <a:noFill/>
               </a:tblPr>
               <a:tblGrid>
-                <a:gridCol w="3821206">
+                <a:gridCol w="2208382">
                   <a:extLst>
                     <a:ext uri="{9D8B030D-6E8A-4147-A177-3AD203B41FA5}">
                       <a16:colId xmlns:a16="http://schemas.microsoft.com/office/drawing/2014/main" val="20000"/>
                     </a:ext>
                   </a:extLst>
                 </a:gridCol>
-                <a:gridCol w="7539592">
+                <a:gridCol w="3838394">
                   <a:extLst>
                     <a:ext uri="{9D8B030D-6E8A-4147-A177-3AD203B41FA5}">
                       <a16:colId xmlns:a16="http://schemas.microsoft.com/office/drawing/2014/main" val="20001"/>
@@ -29970,7 +33603,7 @@
                   </a:extLst>
                 </a:gridCol>
               </a:tblGrid>
-              <a:tr h="609560">
+              <a:tr h="771526">
                 <a:tc>
                   <a:txBody>
                     <a:bodyPr/>
@@ -29986,10 +33619,10 @@
                         <a:buNone/>
                       </a:pPr>
                       <a:r>
-                        <a:rPr lang="en" sz="2400" b="1"/>
+                        <a:rPr lang="en" sz="1800" b="1" dirty="0"/>
                         <a:t>Test Cases - input</a:t>
                       </a:r>
-                      <a:endParaRPr sz="2400" b="1"/>
+                      <a:endParaRPr sz="1800" b="1" dirty="0"/>
                     </a:p>
                   </a:txBody>
                   <a:tcPr marL="121900" marR="121900" marT="121900" marB="121900">
@@ -30013,10 +33646,10 @@
                         <a:buNone/>
                       </a:pPr>
                       <a:r>
-                        <a:rPr lang="en" sz="2400" b="1"/>
+                        <a:rPr lang="en" sz="1800" b="1"/>
                         <a:t>Expected output</a:t>
                       </a:r>
-                      <a:endParaRPr sz="2400" b="1"/>
+                      <a:endParaRPr sz="1800" b="1"/>
                     </a:p>
                   </a:txBody>
                   <a:tcPr marL="121900" marR="121900" marT="121900" marB="121900">
@@ -30031,7 +33664,7 @@
                   </a:ext>
                 </a:extLst>
               </a:tr>
-              <a:tr h="609560">
+              <a:tr h="1822947">
                 <a:tc>
                   <a:txBody>
                     <a:bodyPr/>
@@ -30047,23 +33680,8 @@
                         <a:buNone/>
                       </a:pPr>
                       <a:r>
-                        <a:rPr lang="en-US" sz="2400"/>
-                        <a:t>User starts with $5</a:t>
-                      </a:r>
-                    </a:p>
-                    <a:p>
-                      <a:pPr marL="0" lvl="0" indent="0" algn="l">
-                        <a:spcBef>
-                          <a:spcPts val="0"/>
-                        </a:spcBef>
-                        <a:spcAft>
-                          <a:spcPts val="0"/>
-                        </a:spcAft>
-                        <a:buNone/>
-                      </a:pPr>
-                      <a:r>
-                        <a:rPr lang="en-US" sz="2400"/>
-                        <a:t>User continues playing until the money runs out</a:t>
+                        <a:rPr lang="en-US" sz="1800" i="0" dirty="0"/>
+                        <a:t>Quiz has finished, user wants to play one more round</a:t>
                       </a:r>
                     </a:p>
                   </a:txBody>
@@ -30074,7 +33692,7 @@
                     <a:bodyPr/>
                     <a:lstStyle/>
                     <a:p>
-                      <a:pPr marL="0" lvl="0" indent="0" algn="l">
+                      <a:pPr marL="0" lvl="0" indent="0" algn="l" rtl="0">
                         <a:spcBef>
                           <a:spcPts val="0"/>
                         </a:spcBef>
@@ -30084,12 +33702,12 @@
                         <a:buNone/>
                       </a:pPr>
                       <a:r>
-                        <a:rPr lang="en-US" sz="2400"/>
-                        <a:t>Game should go for 5 rounds.</a:t>
+                        <a:rPr lang="en-US" sz="1800" dirty="0"/>
+                        <a:t>Quiz should repeat and display round 2</a:t>
                       </a:r>
                     </a:p>
                     <a:p>
-                      <a:pPr marL="0" lvl="0" indent="0" algn="l">
+                      <a:pPr marL="0" lvl="0" indent="0" algn="l" rtl="0">
                         <a:spcBef>
                           <a:spcPts val="0"/>
                         </a:spcBef>
@@ -30099,23 +33717,8 @@
                         <a:buNone/>
                       </a:pPr>
                       <a:r>
-                        <a:rPr lang="en-US" sz="2400"/>
-                        <a:t>Each round should be correctly numbered </a:t>
-                      </a:r>
-                    </a:p>
-                    <a:p>
-                      <a:pPr marL="0" lvl="0" indent="0" algn="l">
-                        <a:spcBef>
-                          <a:spcPts val="0"/>
-                        </a:spcBef>
-                        <a:spcAft>
-                          <a:spcPts val="0"/>
-                        </a:spcAft>
-                        <a:buNone/>
-                      </a:pPr>
-                      <a:r>
-                        <a:rPr lang="en-US" sz="2400"/>
-                        <a:t>After 5 rounds it should display 'Sorry you have run out of money'</a:t>
+                        <a:rPr lang="en-US" sz="1800" dirty="0"/>
+                        <a:t>Afterwards thank the user for playing and say “You played 2 round(s)”</a:t>
                       </a:r>
                     </a:p>
                   </a:txBody>
@@ -30127,13 +33730,13 @@
                   </a:ext>
                 </a:extLst>
               </a:tr>
-              <a:tr h="609560">
+              <a:tr h="1220925">
                 <a:tc>
                   <a:txBody>
                     <a:bodyPr/>
                     <a:lstStyle/>
                     <a:p>
-                      <a:pPr marL="0" lvl="0" indent="0" algn="l">
+                      <a:pPr marL="0" lvl="0" indent="0" algn="l" rtl="0">
                         <a:spcBef>
                           <a:spcPts val="0"/>
                         </a:spcBef>
@@ -30143,34 +33746,19 @@
                         <a:buNone/>
                       </a:pPr>
                       <a:r>
-                        <a:rPr lang="en-US" sz="2400"/>
-                        <a:t>User starts with $5</a:t>
-                      </a:r>
-                    </a:p>
-                    <a:p>
-                      <a:pPr marL="0" lvl="0" indent="0" algn="l">
-                        <a:spcBef>
-                          <a:spcPts val="0"/>
-                        </a:spcBef>
-                        <a:spcAft>
-                          <a:spcPts val="0"/>
-                        </a:spcAft>
-                        <a:buNone/>
-                      </a:pPr>
-                      <a:r>
-                        <a:rPr lang="en-US" sz="2400"/>
-                        <a:t>User plays 3 rounds and then exits</a:t>
+                        <a:rPr lang="en-US" sz="1800" i="0" dirty="0"/>
+                        <a:t>Quiz has finished and user wants to exit</a:t>
                       </a:r>
                     </a:p>
                   </a:txBody>
-                  <a:tcPr marL="121899" marR="121899" marT="121899" marB="121899"/>
+                  <a:tcPr marL="121900" marR="121900" marT="121900" marB="121900"/>
                 </a:tc>
                 <a:tc>
                   <a:txBody>
                     <a:bodyPr/>
                     <a:lstStyle/>
                     <a:p>
-                      <a:pPr marL="0" lvl="0" indent="0" algn="l">
+                      <a:pPr marL="0" lvl="0" indent="0" algn="l" rtl="0">
                         <a:spcBef>
                           <a:spcPts val="0"/>
                         </a:spcBef>
@@ -30180,12 +33768,12 @@
                         <a:buNone/>
                       </a:pPr>
                       <a:r>
-                        <a:rPr lang="en-US" sz="2400"/>
-                        <a:t>Game should go for 3 rounds</a:t>
+                        <a:rPr lang="en-US" sz="1800" dirty="0"/>
+                        <a:t>Quiz will finish and than the user for playing.</a:t>
                       </a:r>
                     </a:p>
                     <a:p>
-                      <a:pPr marL="0" lvl="0" indent="0" algn="l">
+                      <a:pPr marL="0" lvl="0" indent="0" algn="l" rtl="0">
                         <a:spcBef>
                           <a:spcPts val="0"/>
                         </a:spcBef>
@@ -30195,31 +33783,16 @@
                         <a:buNone/>
                       </a:pPr>
                       <a:r>
-                        <a:rPr lang="en-US" sz="2400"/>
-                        <a:t>When user enters 'X' the game should end </a:t>
-                      </a:r>
-                    </a:p>
-                    <a:p>
-                      <a:pPr marL="0" lvl="0" indent="0" algn="l">
-                        <a:spcBef>
-                          <a:spcPts val="0"/>
-                        </a:spcBef>
-                        <a:spcAft>
-                          <a:spcPts val="0"/>
-                        </a:spcAft>
-                        <a:buNone/>
-                      </a:pPr>
-                      <a:r>
-                        <a:rPr lang="en-US" sz="2400"/>
-                        <a:t>Final balance should be $2</a:t>
+                        <a:rPr lang="en-US" sz="1800" dirty="0"/>
+                        <a:t>“You played 1 round(s)</a:t>
                       </a:r>
                     </a:p>
                   </a:txBody>
-                  <a:tcPr marL="121899" marR="121899" marT="121899" marB="121899"/>
+                  <a:tcPr marL="121900" marR="121900" marT="121900" marB="121900"/>
                 </a:tc>
                 <a:extLst>
                   <a:ext uri="{0D108BD9-81ED-4DB2-BD59-A6C34878D82A}">
-                    <a16:rowId xmlns:a16="http://schemas.microsoft.com/office/drawing/2014/main" val="62273675"/>
+                    <a16:rowId xmlns:a16="http://schemas.microsoft.com/office/drawing/2014/main" val="2426205710"/>
                   </a:ext>
                 </a:extLst>
               </a:tr>
@@ -30227,75 +33800,12 @@
           </a:graphicData>
         </a:graphic>
       </p:graphicFrame>
-    </p:spTree>
-    <p:extLst>
-      <p:ext uri="{BB962C8B-B14F-4D97-AF65-F5344CB8AC3E}">
-        <p14:creationId xmlns:p14="http://schemas.microsoft.com/office/powerpoint/2010/main" val="1750498182"/>
-      </p:ext>
-    </p:extLst>
-  </p:cSld>
-  <p:clrMapOvr>
-    <a:masterClrMapping/>
-  </p:clrMapOvr>
-</p:sld>
-</file>
-
-<file path=ppt/slides/slide25.xml><?xml version="1.0" encoding="utf-8"?>
-<p:sld xmlns:a="http://schemas.openxmlformats.org/drawingml/2006/main" xmlns:r="http://schemas.openxmlformats.org/officeDocument/2006/relationships" xmlns:p="http://schemas.openxmlformats.org/presentationml/2006/main">
-  <p:cSld>
-    <p:spTree>
-      <p:nvGrpSpPr>
-        <p:cNvPr id="1" name="Shape 85"/>
-        <p:cNvGrpSpPr/>
-        <p:nvPr/>
-      </p:nvGrpSpPr>
-      <p:grpSpPr>
-        <a:xfrm>
-          <a:off x="0" y="0"/>
-          <a:ext cx="0" cy="0"/>
-          <a:chOff x="0" y="0"/>
-          <a:chExt cx="0" cy="0"/>
-        </a:xfrm>
-      </p:grpSpPr>
-      <p:sp>
-        <p:nvSpPr>
-          <p:cNvPr id="86" name="Google Shape;86;p18"/>
-          <p:cNvSpPr txBox="1">
-            <a:spLocks noGrp="1"/>
-          </p:cNvSpPr>
-          <p:nvPr>
-            <p:ph type="title"/>
-          </p:nvPr>
-        </p:nvSpPr>
-        <p:spPr>
-          <a:xfrm>
-            <a:off x="415600" y="349527"/>
-            <a:ext cx="11360800" cy="763600"/>
-          </a:xfrm>
-          <a:prstGeom prst="rect">
-            <a:avLst/>
-          </a:prstGeom>
-        </p:spPr>
-        <p:txBody>
-          <a:bodyPr spcFirstLastPara="1" vert="horz" wrap="square" lIns="121900" tIns="121900" rIns="121900" bIns="121900" rtlCol="0" anchor="t" anchorCtr="0">
-            <a:noAutofit/>
-          </a:bodyPr>
-          <a:lstStyle/>
-          <a:p>
-            <a:r>
-              <a:rPr lang="en" sz="4000"/>
-              <a:t>Component 4 (Game mechanics and looping)</a:t>
-            </a:r>
-            <a:endParaRPr sz="4000"/>
-          </a:p>
-        </p:txBody>
-      </p:sp>
       <p:pic>
         <p:nvPicPr>
-          <p:cNvPr id="2" name="Picture 2" descr="Graphical user interface, application&#10;&#10;Description automatically generated">
+          <p:cNvPr id="3" name="Picture 2">
             <a:extLst>
               <a:ext uri="{FF2B5EF4-FFF2-40B4-BE49-F238E27FC236}">
-                <a16:creationId xmlns:a16="http://schemas.microsoft.com/office/drawing/2014/main" id="{BCC23093-8A38-7C08-7B37-8D969267C14E}"/>
+                <a16:creationId xmlns:a16="http://schemas.microsoft.com/office/drawing/2014/main" id="{DF3F5DAC-1F7E-5F61-2E0C-DB85F96080D8}"/>
               </a:ext>
             </a:extLst>
           </p:cNvPr>
@@ -30312,8 +33822,38 @@
         </p:blipFill>
         <p:spPr>
           <a:xfrm>
-            <a:off x="3116893" y="260888"/>
-            <a:ext cx="5551117" cy="5939569"/>
+            <a:off x="6725264" y="599247"/>
+            <a:ext cx="2972058" cy="1882303"/>
+          </a:xfrm>
+          <a:prstGeom prst="rect">
+            <a:avLst/>
+          </a:prstGeom>
+        </p:spPr>
+      </p:pic>
+      <p:pic>
+        <p:nvPicPr>
+          <p:cNvPr id="7" name="Picture 6">
+            <a:extLst>
+              <a:ext uri="{FF2B5EF4-FFF2-40B4-BE49-F238E27FC236}">
+                <a16:creationId xmlns:a16="http://schemas.microsoft.com/office/drawing/2014/main" id="{F66038C3-3F7D-AD39-F6DF-94B4C961EB9C}"/>
+              </a:ext>
+            </a:extLst>
+          </p:cNvPr>
+          <p:cNvPicPr>
+            <a:picLocks noChangeAspect="1"/>
+          </p:cNvPicPr>
+          <p:nvPr/>
+        </p:nvPicPr>
+        <p:blipFill>
+          <a:blip r:embed="rId4"/>
+          <a:stretch>
+            <a:fillRect/>
+          </a:stretch>
+        </p:blipFill>
+        <p:spPr>
+          <a:xfrm>
+            <a:off x="9465053" y="217447"/>
+            <a:ext cx="2429334" cy="991978"/>
           </a:xfrm>
           <a:prstGeom prst="rect">
             <a:avLst/>
@@ -30322,10 +33862,10 @@
       </p:pic>
       <p:sp>
         <p:nvSpPr>
-          <p:cNvPr id="5" name="Rectangle 4">
+          <p:cNvPr id="10" name="矩形 25">
             <a:extLst>
               <a:ext uri="{FF2B5EF4-FFF2-40B4-BE49-F238E27FC236}">
-                <a16:creationId xmlns:a16="http://schemas.microsoft.com/office/drawing/2014/main" id="{2013A7D0-D8CD-E2FF-240A-5E82F76B84F0}"/>
+                <a16:creationId xmlns:a16="http://schemas.microsoft.com/office/drawing/2014/main" id="{806B0441-C2D8-CD34-71A2-3CE2BB423898}"/>
               </a:ext>
             </a:extLst>
           </p:cNvPr>
@@ -30334,16 +33874,20 @@
         </p:nvSpPr>
         <p:spPr>
           <a:xfrm>
-            <a:off x="3119894" y="5233660"/>
-            <a:ext cx="2839231" cy="375781"/>
+            <a:off x="616779" y="2051216"/>
+            <a:ext cx="1877899" cy="860667"/>
           </a:xfrm>
           <a:prstGeom prst="rect">
             <a:avLst/>
           </a:prstGeom>
-          <a:noFill/>
-          <a:ln w="28575">
+          <a:solidFill>
+            <a:srgbClr val="E71224">
+              <a:alpha val="5000"/>
+            </a:srgbClr>
+          </a:solidFill>
+          <a:ln w="18000">
             <a:solidFill>
-              <a:srgbClr val="FF0000"/>
+              <a:srgbClr val="E71224"/>
             </a:solidFill>
           </a:ln>
         </p:spPr>
@@ -30364,20 +33908,23 @@
           </a:fontRef>
         </p:style>
         <p:txBody>
-          <a:bodyPr rtlCol="0" anchor="ctr"/>
+          <a:bodyPr wrap="none" rtlCol="0" anchor="ctr" anchorCtr="1"/>
           <a:lstStyle/>
           <a:p>
-            <a:pPr algn="ctr"/>
-            <a:endParaRPr lang="en-GB"/>
+            <a:endParaRPr lang="en-US">
+              <a:solidFill>
+                <a:srgbClr val="E71224"/>
+              </a:solidFill>
+            </a:endParaRPr>
           </a:p>
         </p:txBody>
       </p:sp>
       <p:sp>
         <p:nvSpPr>
-          <p:cNvPr id="7" name="Rectangle 6">
+          <p:cNvPr id="11" name="矩形 25">
             <a:extLst>
               <a:ext uri="{FF2B5EF4-FFF2-40B4-BE49-F238E27FC236}">
-                <a16:creationId xmlns:a16="http://schemas.microsoft.com/office/drawing/2014/main" id="{25A3D05A-97D5-9B99-AFCA-CCE9AE5DA669}"/>
+                <a16:creationId xmlns:a16="http://schemas.microsoft.com/office/drawing/2014/main" id="{BB7D70E1-E1EE-02BF-C07A-C76B25A6B7F4}"/>
               </a:ext>
             </a:extLst>
           </p:cNvPr>
@@ -30386,16 +33933,20 @@
         </p:nvSpPr>
         <p:spPr>
           <a:xfrm>
-            <a:off x="5823427" y="1528043"/>
-            <a:ext cx="2839231" cy="3632548"/>
+            <a:off x="2768287" y="2051215"/>
+            <a:ext cx="3691507" cy="1193430"/>
           </a:xfrm>
           <a:prstGeom prst="rect">
             <a:avLst/>
           </a:prstGeom>
-          <a:noFill/>
-          <a:ln w="28575">
+          <a:solidFill>
+            <a:srgbClr val="E71224">
+              <a:alpha val="5000"/>
+            </a:srgbClr>
+          </a:solidFill>
+          <a:ln w="18000">
             <a:solidFill>
-              <a:srgbClr val="FF0000"/>
+              <a:srgbClr val="E71224"/>
             </a:solidFill>
           </a:ln>
         </p:spPr>
@@ -30416,141 +33967,23 @@
           </a:fontRef>
         </p:style>
         <p:txBody>
-          <a:bodyPr rtlCol="0" anchor="ctr"/>
+          <a:bodyPr wrap="none" rtlCol="0" anchor="ctr" anchorCtr="1"/>
           <a:lstStyle/>
           <a:p>
-            <a:pPr algn="ctr"/>
-            <a:endParaRPr lang="en-GB"/>
+            <a:endParaRPr lang="en-US">
+              <a:solidFill>
+                <a:srgbClr val="E71224"/>
+              </a:solidFill>
+            </a:endParaRPr>
           </a:p>
         </p:txBody>
       </p:sp>
-    </p:spTree>
-    <p:extLst>
-      <p:ext uri="{BB962C8B-B14F-4D97-AF65-F5344CB8AC3E}">
-        <p14:creationId xmlns:p14="http://schemas.microsoft.com/office/powerpoint/2010/main" val="1092323287"/>
-      </p:ext>
-    </p:extLst>
-  </p:cSld>
-  <p:clrMapOvr>
-    <a:masterClrMapping/>
-  </p:clrMapOvr>
-</p:sld>
-</file>
-
-<file path=ppt/slides/slide26.xml><?xml version="1.0" encoding="utf-8"?>
-<p:sld xmlns:a="http://schemas.openxmlformats.org/drawingml/2006/main" xmlns:r="http://schemas.openxmlformats.org/officeDocument/2006/relationships" xmlns:p="http://schemas.openxmlformats.org/presentationml/2006/main">
-  <p:cSld>
-    <p:spTree>
-      <p:nvGrpSpPr>
-        <p:cNvPr id="1" name=""/>
-        <p:cNvGrpSpPr/>
-        <p:nvPr/>
-      </p:nvGrpSpPr>
-      <p:grpSpPr>
-        <a:xfrm>
-          <a:off x="0" y="0"/>
-          <a:ext cx="0" cy="0"/>
-          <a:chOff x="0" y="0"/>
-          <a:chExt cx="0" cy="0"/>
-        </a:xfrm>
-      </p:grpSpPr>
       <p:sp>
         <p:nvSpPr>
-          <p:cNvPr id="2" name="Title 1">
+          <p:cNvPr id="12" name="矩形 25">
             <a:extLst>
               <a:ext uri="{FF2B5EF4-FFF2-40B4-BE49-F238E27FC236}">
-                <a16:creationId xmlns:a16="http://schemas.microsoft.com/office/drawing/2014/main" id="{117C7ED0-CC09-82B1-98D7-D7AC8566A02D}"/>
-              </a:ext>
-            </a:extLst>
-          </p:cNvPr>
-          <p:cNvSpPr>
-            <a:spLocks noGrp="1"/>
-          </p:cNvSpPr>
-          <p:nvPr>
-            <p:ph type="title"/>
-          </p:nvPr>
-        </p:nvSpPr>
-        <p:spPr/>
-        <p:txBody>
-          <a:bodyPr/>
-          <a:lstStyle/>
-          <a:p>
-            <a:r>
-              <a:rPr lang="en-GB">
-                <a:cs typeface="Calibri Light"/>
-              </a:rPr>
-              <a:t>Game mechanics and looping  - Testing</a:t>
-            </a:r>
-            <a:endParaRPr lang="en-GB"/>
-          </a:p>
-        </p:txBody>
-      </p:sp>
-      <p:pic>
-        <p:nvPicPr>
-          <p:cNvPr id="5" name="Picture 8" descr="Text&#10;&#10;Description automatically generated">
-            <a:extLst>
-              <a:ext uri="{FF2B5EF4-FFF2-40B4-BE49-F238E27FC236}">
-                <a16:creationId xmlns:a16="http://schemas.microsoft.com/office/drawing/2014/main" id="{6A175A57-DC9A-34A1-D38F-3DE7F660D431}"/>
-              </a:ext>
-            </a:extLst>
-          </p:cNvPr>
-          <p:cNvPicPr>
-            <a:picLocks noChangeAspect="1"/>
-          </p:cNvPicPr>
-          <p:nvPr/>
-        </p:nvPicPr>
-        <p:blipFill>
-          <a:blip r:embed="rId2"/>
-          <a:stretch>
-            <a:fillRect/>
-          </a:stretch>
-        </p:blipFill>
-        <p:spPr>
-          <a:xfrm>
-            <a:off x="582004" y="1350724"/>
-            <a:ext cx="2849750" cy="5242141"/>
-          </a:xfrm>
-          <a:prstGeom prst="rect">
-            <a:avLst/>
-          </a:prstGeom>
-        </p:spPr>
-      </p:pic>
-      <p:pic>
-        <p:nvPicPr>
-          <p:cNvPr id="9" name="Picture 9" descr="Text&#10;&#10;Description automatically generated">
-            <a:extLst>
-              <a:ext uri="{FF2B5EF4-FFF2-40B4-BE49-F238E27FC236}">
-                <a16:creationId xmlns:a16="http://schemas.microsoft.com/office/drawing/2014/main" id="{5C472445-5698-4240-DB0D-20AC3DCA4BCC}"/>
-              </a:ext>
-            </a:extLst>
-          </p:cNvPr>
-          <p:cNvPicPr>
-            <a:picLocks noChangeAspect="1"/>
-          </p:cNvPicPr>
-          <p:nvPr/>
-        </p:nvPicPr>
-        <p:blipFill>
-          <a:blip r:embed="rId3"/>
-          <a:stretch>
-            <a:fillRect/>
-          </a:stretch>
-        </p:blipFill>
-        <p:spPr>
-          <a:xfrm>
-            <a:off x="8440455" y="1390256"/>
-            <a:ext cx="2743200" cy="3847844"/>
-          </a:xfrm>
-          <a:prstGeom prst="rect">
-            <a:avLst/>
-          </a:prstGeom>
-        </p:spPr>
-      </p:pic>
-      <p:sp>
-        <p:nvSpPr>
-          <p:cNvPr id="11" name="Rectangle 10">
-            <a:extLst>
-              <a:ext uri="{FF2B5EF4-FFF2-40B4-BE49-F238E27FC236}">
-                <a16:creationId xmlns:a16="http://schemas.microsoft.com/office/drawing/2014/main" id="{A1A4E0A0-C0ED-991E-61D5-81FE6946AC17}"/>
+                <a16:creationId xmlns:a16="http://schemas.microsoft.com/office/drawing/2014/main" id="{18450DB4-DB01-89DA-F49B-9FC9E0925CBF}"/>
               </a:ext>
             </a:extLst>
           </p:cNvPr>
@@ -30559,16 +33992,20 @@
         </p:nvSpPr>
         <p:spPr>
           <a:xfrm>
-            <a:off x="833893" y="4868318"/>
-            <a:ext cx="2432136" cy="574111"/>
+            <a:off x="6663555" y="1252155"/>
+            <a:ext cx="2972059" cy="991978"/>
           </a:xfrm>
           <a:prstGeom prst="rect">
             <a:avLst/>
           </a:prstGeom>
-          <a:noFill/>
-          <a:ln w="28575">
+          <a:solidFill>
+            <a:srgbClr val="E71224">
+              <a:alpha val="5000"/>
+            </a:srgbClr>
+          </a:solidFill>
+          <a:ln w="18000">
             <a:solidFill>
-              <a:srgbClr val="FF0000"/>
+              <a:srgbClr val="E71224"/>
             </a:solidFill>
           </a:ln>
         </p:spPr>
@@ -30589,20 +34026,23 @@
           </a:fontRef>
         </p:style>
         <p:txBody>
-          <a:bodyPr rtlCol="0" anchor="ctr"/>
+          <a:bodyPr wrap="none" rtlCol="0" anchor="ctr" anchorCtr="1"/>
           <a:lstStyle/>
           <a:p>
-            <a:pPr algn="ctr"/>
-            <a:endParaRPr lang="en-GB"/>
+            <a:endParaRPr lang="en-US">
+              <a:solidFill>
+                <a:srgbClr val="E71224"/>
+              </a:solidFill>
+            </a:endParaRPr>
           </a:p>
         </p:txBody>
       </p:sp>
       <p:sp>
         <p:nvSpPr>
-          <p:cNvPr id="13" name="Rectangle 12">
+          <p:cNvPr id="13" name="矩形 25">
             <a:extLst>
               <a:ext uri="{FF2B5EF4-FFF2-40B4-BE49-F238E27FC236}">
-                <a16:creationId xmlns:a16="http://schemas.microsoft.com/office/drawing/2014/main" id="{855BC24A-2741-F9B9-897B-F27D38382945}"/>
+                <a16:creationId xmlns:a16="http://schemas.microsoft.com/office/drawing/2014/main" id="{1E3B1F4A-249D-A72C-4477-CF298548F80E}"/>
               </a:ext>
             </a:extLst>
           </p:cNvPr>
@@ -30611,16 +34051,20 @@
         </p:nvSpPr>
         <p:spPr>
           <a:xfrm>
-            <a:off x="823456" y="5484181"/>
-            <a:ext cx="2442574" cy="741123"/>
+            <a:off x="9465053" y="370869"/>
+            <a:ext cx="1665063" cy="228378"/>
           </a:xfrm>
           <a:prstGeom prst="rect">
             <a:avLst/>
           </a:prstGeom>
-          <a:noFill/>
-          <a:ln w="28575">
+          <a:solidFill>
+            <a:srgbClr val="E71224">
+              <a:alpha val="5000"/>
+            </a:srgbClr>
+          </a:solidFill>
+          <a:ln w="18000">
             <a:solidFill>
-              <a:srgbClr val="00B0F0"/>
+              <a:srgbClr val="E71224"/>
             </a:solidFill>
           </a:ln>
         </p:spPr>
@@ -30641,20 +34085,173 @@
           </a:fontRef>
         </p:style>
         <p:txBody>
-          <a:bodyPr rtlCol="0" anchor="ctr"/>
+          <a:bodyPr wrap="none" rtlCol="0" anchor="ctr" anchorCtr="1"/>
           <a:lstStyle/>
           <a:p>
-            <a:pPr algn="ctr"/>
-            <a:endParaRPr lang="en-GB"/>
+            <a:endParaRPr lang="en-US" dirty="0">
+              <a:solidFill>
+                <a:srgbClr val="E71224"/>
+              </a:solidFill>
+            </a:endParaRPr>
           </a:p>
         </p:txBody>
       </p:sp>
+      <p:cxnSp>
+        <p:nvCxnSpPr>
+          <p:cNvPr id="9" name="Straight Connector 8">
+            <a:extLst>
+              <a:ext uri="{FF2B5EF4-FFF2-40B4-BE49-F238E27FC236}">
+                <a16:creationId xmlns:a16="http://schemas.microsoft.com/office/drawing/2014/main" id="{1179F986-9278-CEF3-E75B-A17CCDE6ADA0}"/>
+              </a:ext>
+            </a:extLst>
+          </p:cNvPr>
+          <p:cNvCxnSpPr>
+            <a:stCxn id="10" idx="3"/>
+          </p:cNvCxnSpPr>
+          <p:nvPr/>
+        </p:nvCxnSpPr>
+        <p:spPr>
+          <a:xfrm>
+            <a:off x="2494678" y="2481550"/>
+            <a:ext cx="273609" cy="133831"/>
+          </a:xfrm>
+          <a:prstGeom prst="line">
+            <a:avLst/>
+          </a:prstGeom>
+          <a:ln w="19050"/>
+        </p:spPr>
+        <p:style>
+          <a:lnRef idx="1">
+            <a:schemeClr val="accent2"/>
+          </a:lnRef>
+          <a:fillRef idx="0">
+            <a:schemeClr val="accent2"/>
+          </a:fillRef>
+          <a:effectRef idx="0">
+            <a:schemeClr val="accent2"/>
+          </a:effectRef>
+          <a:fontRef idx="minor">
+            <a:schemeClr val="tx1"/>
+          </a:fontRef>
+        </p:style>
+      </p:cxnSp>
+      <p:cxnSp>
+        <p:nvCxnSpPr>
+          <p:cNvPr id="16" name="Straight Connector 15">
+            <a:extLst>
+              <a:ext uri="{FF2B5EF4-FFF2-40B4-BE49-F238E27FC236}">
+                <a16:creationId xmlns:a16="http://schemas.microsoft.com/office/drawing/2014/main" id="{60EB7AA4-7D09-633F-AB87-9AB7BF894A0E}"/>
+              </a:ext>
+            </a:extLst>
+          </p:cNvPr>
+          <p:cNvCxnSpPr>
+            <a:cxnSpLocks/>
+            <a:endCxn id="12" idx="1"/>
+          </p:cNvCxnSpPr>
+          <p:nvPr/>
+        </p:nvCxnSpPr>
+        <p:spPr>
+          <a:xfrm flipV="1">
+            <a:off x="6478947" y="1748144"/>
+            <a:ext cx="184608" cy="937598"/>
+          </a:xfrm>
+          <a:prstGeom prst="line">
+            <a:avLst/>
+          </a:prstGeom>
+          <a:ln w="19050"/>
+        </p:spPr>
+        <p:style>
+          <a:lnRef idx="1">
+            <a:schemeClr val="accent2"/>
+          </a:lnRef>
+          <a:fillRef idx="0">
+            <a:schemeClr val="accent2"/>
+          </a:fillRef>
+          <a:effectRef idx="0">
+            <a:schemeClr val="accent2"/>
+          </a:effectRef>
+          <a:fontRef idx="minor">
+            <a:schemeClr val="tx1"/>
+          </a:fontRef>
+        </p:style>
+      </p:cxnSp>
+      <p:cxnSp>
+        <p:nvCxnSpPr>
+          <p:cNvPr id="18" name="Straight Connector 17">
+            <a:extLst>
+              <a:ext uri="{FF2B5EF4-FFF2-40B4-BE49-F238E27FC236}">
+                <a16:creationId xmlns:a16="http://schemas.microsoft.com/office/drawing/2014/main" id="{2A0646A1-3D6A-5099-53E9-2EF91F7FAC9C}"/>
+              </a:ext>
+            </a:extLst>
+          </p:cNvPr>
+          <p:cNvCxnSpPr>
+            <a:cxnSpLocks/>
+            <a:stCxn id="12" idx="0"/>
+            <a:endCxn id="13" idx="1"/>
+          </p:cNvCxnSpPr>
+          <p:nvPr/>
+        </p:nvCxnSpPr>
+        <p:spPr>
+          <a:xfrm flipV="1">
+            <a:off x="8149585" y="485058"/>
+            <a:ext cx="1315468" cy="767097"/>
+          </a:xfrm>
+          <a:prstGeom prst="line">
+            <a:avLst/>
+          </a:prstGeom>
+          <a:ln w="19050"/>
+        </p:spPr>
+        <p:style>
+          <a:lnRef idx="1">
+            <a:schemeClr val="accent2"/>
+          </a:lnRef>
+          <a:fillRef idx="0">
+            <a:schemeClr val="accent2"/>
+          </a:fillRef>
+          <a:effectRef idx="0">
+            <a:schemeClr val="accent2"/>
+          </a:effectRef>
+          <a:fontRef idx="minor">
+            <a:schemeClr val="tx1"/>
+          </a:fontRef>
+        </p:style>
+      </p:cxnSp>
+      <p:pic>
+        <p:nvPicPr>
+          <p:cNvPr id="21" name="Picture 20">
+            <a:extLst>
+              <a:ext uri="{FF2B5EF4-FFF2-40B4-BE49-F238E27FC236}">
+                <a16:creationId xmlns:a16="http://schemas.microsoft.com/office/drawing/2014/main" id="{832E5A8C-1FD3-E56C-A096-B4602DE8C0D3}"/>
+              </a:ext>
+            </a:extLst>
+          </p:cNvPr>
+          <p:cNvPicPr>
+            <a:picLocks noChangeAspect="1"/>
+          </p:cNvPicPr>
+          <p:nvPr/>
+        </p:nvPicPr>
+        <p:blipFill>
+          <a:blip r:embed="rId5"/>
+          <a:stretch>
+            <a:fillRect/>
+          </a:stretch>
+        </p:blipFill>
+        <p:spPr>
+          <a:xfrm>
+            <a:off x="6946239" y="2937323"/>
+            <a:ext cx="2979678" cy="1676545"/>
+          </a:xfrm>
+          <a:prstGeom prst="rect">
+            <a:avLst/>
+          </a:prstGeom>
+        </p:spPr>
+      </p:pic>
       <p:sp>
         <p:nvSpPr>
-          <p:cNvPr id="14" name="Rectangle 13">
+          <p:cNvPr id="24" name="矩形 25">
             <a:extLst>
               <a:ext uri="{FF2B5EF4-FFF2-40B4-BE49-F238E27FC236}">
-                <a16:creationId xmlns:a16="http://schemas.microsoft.com/office/drawing/2014/main" id="{DDEF694F-66A8-AD55-2E81-8C23419C8CA8}"/>
+                <a16:creationId xmlns:a16="http://schemas.microsoft.com/office/drawing/2014/main" id="{7E1ABABD-3A13-3887-4D53-C1075B11EC35}"/>
               </a:ext>
             </a:extLst>
           </p:cNvPr>
@@ -30663,16 +34260,20 @@
         </p:nvSpPr>
         <p:spPr>
           <a:xfrm>
-            <a:off x="8589593" y="3542648"/>
-            <a:ext cx="2442574" cy="1148218"/>
+            <a:off x="611348" y="3911912"/>
+            <a:ext cx="1877899" cy="860667"/>
           </a:xfrm>
           <a:prstGeom prst="rect">
             <a:avLst/>
           </a:prstGeom>
-          <a:noFill/>
-          <a:ln w="28575">
+          <a:solidFill>
+            <a:srgbClr val="E71224">
+              <a:alpha val="5000"/>
+            </a:srgbClr>
+          </a:solidFill>
+          <a:ln w="18000">
             <a:solidFill>
-              <a:srgbClr val="00B050"/>
+              <a:srgbClr val="7030A0"/>
             </a:solidFill>
           </a:ln>
         </p:spPr>
@@ -30693,20 +34294,228 @@
           </a:fontRef>
         </p:style>
         <p:txBody>
-          <a:bodyPr rtlCol="0" anchor="ctr"/>
+          <a:bodyPr wrap="none" rtlCol="0" anchor="ctr" anchorCtr="1"/>
           <a:lstStyle/>
           <a:p>
-            <a:pPr algn="ctr"/>
-            <a:endParaRPr lang="en-GB"/>
+            <a:endParaRPr lang="en-US">
+              <a:solidFill>
+                <a:srgbClr val="E71224"/>
+              </a:solidFill>
+            </a:endParaRPr>
           </a:p>
         </p:txBody>
       </p:sp>
       <p:sp>
         <p:nvSpPr>
-          <p:cNvPr id="15" name="TextBox 14">
+          <p:cNvPr id="25" name="矩形 25">
             <a:extLst>
               <a:ext uri="{FF2B5EF4-FFF2-40B4-BE49-F238E27FC236}">
-                <a16:creationId xmlns:a16="http://schemas.microsoft.com/office/drawing/2014/main" id="{5A6598DE-722A-25F4-7138-F2334A98CDC4}"/>
+                <a16:creationId xmlns:a16="http://schemas.microsoft.com/office/drawing/2014/main" id="{6484D7BE-C83B-A245-30CB-6514035D0E13}"/>
+              </a:ext>
+            </a:extLst>
+          </p:cNvPr>
+          <p:cNvSpPr/>
+          <p:nvPr/>
+        </p:nvSpPr>
+        <p:spPr>
+          <a:xfrm>
+            <a:off x="2768287" y="3911911"/>
+            <a:ext cx="3494861" cy="860667"/>
+          </a:xfrm>
+          <a:prstGeom prst="rect">
+            <a:avLst/>
+          </a:prstGeom>
+          <a:solidFill>
+            <a:srgbClr val="E71224">
+              <a:alpha val="5000"/>
+            </a:srgbClr>
+          </a:solidFill>
+          <a:ln w="18000">
+            <a:solidFill>
+              <a:srgbClr val="7030A0"/>
+            </a:solidFill>
+          </a:ln>
+        </p:spPr>
+        <p:style>
+          <a:lnRef idx="2">
+            <a:schemeClr val="accent1">
+              <a:shade val="50000"/>
+            </a:schemeClr>
+          </a:lnRef>
+          <a:fillRef idx="1">
+            <a:schemeClr val="accent1"/>
+          </a:fillRef>
+          <a:effectRef idx="0">
+            <a:schemeClr val="accent1"/>
+          </a:effectRef>
+          <a:fontRef idx="minor">
+            <a:schemeClr val="lt1"/>
+          </a:fontRef>
+        </p:style>
+        <p:txBody>
+          <a:bodyPr wrap="none" rtlCol="0" anchor="ctr" anchorCtr="1"/>
+          <a:lstStyle/>
+          <a:p>
+            <a:endParaRPr lang="en-US">
+              <a:solidFill>
+                <a:srgbClr val="E71224"/>
+              </a:solidFill>
+            </a:endParaRPr>
+          </a:p>
+        </p:txBody>
+      </p:sp>
+      <p:sp>
+        <p:nvSpPr>
+          <p:cNvPr id="26" name="矩形 25">
+            <a:extLst>
+              <a:ext uri="{FF2B5EF4-FFF2-40B4-BE49-F238E27FC236}">
+                <a16:creationId xmlns:a16="http://schemas.microsoft.com/office/drawing/2014/main" id="{D08EC820-E7D4-277C-7EC1-889F2FDB2D97}"/>
+              </a:ext>
+            </a:extLst>
+          </p:cNvPr>
+          <p:cNvSpPr/>
+          <p:nvPr/>
+        </p:nvSpPr>
+        <p:spPr>
+          <a:xfrm>
+            <a:off x="6802724" y="2863350"/>
+            <a:ext cx="3123194" cy="1882303"/>
+          </a:xfrm>
+          <a:prstGeom prst="rect">
+            <a:avLst/>
+          </a:prstGeom>
+          <a:solidFill>
+            <a:srgbClr val="E71224">
+              <a:alpha val="5000"/>
+            </a:srgbClr>
+          </a:solidFill>
+          <a:ln w="18000">
+            <a:solidFill>
+              <a:srgbClr val="7030A0"/>
+            </a:solidFill>
+          </a:ln>
+        </p:spPr>
+        <p:style>
+          <a:lnRef idx="2">
+            <a:schemeClr val="accent1">
+              <a:shade val="50000"/>
+            </a:schemeClr>
+          </a:lnRef>
+          <a:fillRef idx="1">
+            <a:schemeClr val="accent1"/>
+          </a:fillRef>
+          <a:effectRef idx="0">
+            <a:schemeClr val="accent1"/>
+          </a:effectRef>
+          <a:fontRef idx="minor">
+            <a:schemeClr val="lt1"/>
+          </a:fontRef>
+        </p:style>
+        <p:txBody>
+          <a:bodyPr wrap="none" rtlCol="0" anchor="ctr" anchorCtr="1"/>
+          <a:lstStyle/>
+          <a:p>
+            <a:endParaRPr lang="en-US">
+              <a:solidFill>
+                <a:srgbClr val="E71224"/>
+              </a:solidFill>
+            </a:endParaRPr>
+          </a:p>
+        </p:txBody>
+      </p:sp>
+      <p:cxnSp>
+        <p:nvCxnSpPr>
+          <p:cNvPr id="27" name="Straight Connector 26">
+            <a:extLst>
+              <a:ext uri="{FF2B5EF4-FFF2-40B4-BE49-F238E27FC236}">
+                <a16:creationId xmlns:a16="http://schemas.microsoft.com/office/drawing/2014/main" id="{397A965B-7DC3-8053-3A22-2A4A0E40ECF3}"/>
+              </a:ext>
+            </a:extLst>
+          </p:cNvPr>
+          <p:cNvCxnSpPr>
+            <a:cxnSpLocks/>
+            <a:endCxn id="26" idx="1"/>
+          </p:cNvCxnSpPr>
+          <p:nvPr/>
+        </p:nvCxnSpPr>
+        <p:spPr>
+          <a:xfrm flipV="1">
+            <a:off x="6288504" y="3804502"/>
+            <a:ext cx="514220" cy="519680"/>
+          </a:xfrm>
+          <a:prstGeom prst="line">
+            <a:avLst/>
+          </a:prstGeom>
+          <a:ln w="19050">
+            <a:solidFill>
+              <a:srgbClr val="7030A0"/>
+            </a:solidFill>
+          </a:ln>
+        </p:spPr>
+        <p:style>
+          <a:lnRef idx="1">
+            <a:schemeClr val="accent2"/>
+          </a:lnRef>
+          <a:fillRef idx="0">
+            <a:schemeClr val="accent2"/>
+          </a:fillRef>
+          <a:effectRef idx="0">
+            <a:schemeClr val="accent2"/>
+          </a:effectRef>
+          <a:fontRef idx="minor">
+            <a:schemeClr val="tx1"/>
+          </a:fontRef>
+        </p:style>
+      </p:cxnSp>
+      <p:cxnSp>
+        <p:nvCxnSpPr>
+          <p:cNvPr id="29" name="Straight Connector 28">
+            <a:extLst>
+              <a:ext uri="{FF2B5EF4-FFF2-40B4-BE49-F238E27FC236}">
+                <a16:creationId xmlns:a16="http://schemas.microsoft.com/office/drawing/2014/main" id="{7606AE68-FE36-77A2-5BFC-1B1D8103ECC3}"/>
+              </a:ext>
+            </a:extLst>
+          </p:cNvPr>
+          <p:cNvCxnSpPr>
+            <a:cxnSpLocks/>
+          </p:cNvCxnSpPr>
+          <p:nvPr/>
+        </p:nvCxnSpPr>
+        <p:spPr>
+          <a:xfrm flipV="1">
+            <a:off x="2498499" y="4342244"/>
+            <a:ext cx="244432" cy="132096"/>
+          </a:xfrm>
+          <a:prstGeom prst="line">
+            <a:avLst/>
+          </a:prstGeom>
+          <a:ln w="19050">
+            <a:solidFill>
+              <a:srgbClr val="7030A0"/>
+            </a:solidFill>
+          </a:ln>
+        </p:spPr>
+        <p:style>
+          <a:lnRef idx="1">
+            <a:schemeClr val="accent2"/>
+          </a:lnRef>
+          <a:fillRef idx="0">
+            <a:schemeClr val="accent2"/>
+          </a:fillRef>
+          <a:effectRef idx="0">
+            <a:schemeClr val="accent2"/>
+          </a:effectRef>
+          <a:fontRef idx="minor">
+            <a:schemeClr val="tx1"/>
+          </a:fontRef>
+        </p:style>
+      </p:cxnSp>
+      <p:sp>
+        <p:nvSpPr>
+          <p:cNvPr id="28" name="TextBox 27">
+            <a:extLst>
+              <a:ext uri="{FF2B5EF4-FFF2-40B4-BE49-F238E27FC236}">
+                <a16:creationId xmlns:a16="http://schemas.microsoft.com/office/drawing/2014/main" id="{D0385E13-0804-3B1D-2933-DBDB9C6630EA}"/>
               </a:ext>
             </a:extLst>
           </p:cNvPr>
@@ -30715,138 +34524,23 @@
         </p:nvSpPr>
         <p:spPr>
           <a:xfrm>
-            <a:off x="3346537" y="5580345"/>
-            <a:ext cx="2743199" cy="646331"/>
+            <a:off x="8581855" y="5282679"/>
+            <a:ext cx="1715729" cy="646331"/>
           </a:xfrm>
           <a:prstGeom prst="rect">
             <a:avLst/>
           </a:prstGeom>
-          <a:solidFill>
-            <a:srgbClr val="00B0F0"/>
-          </a:solidFill>
+          <a:noFill/>
         </p:spPr>
         <p:txBody>
-          <a:bodyPr rot="0" spcFirstLastPara="0" vertOverflow="overflow" horzOverflow="overflow" vert="horz" wrap="square" lIns="91440" tIns="45720" rIns="91440" bIns="45720" numCol="1" spcCol="0" rtlCol="0" fromWordArt="0" anchor="t" anchorCtr="0" forceAA="0" compatLnSpc="1">
-            <a:prstTxWarp prst="textNoShape">
-              <a:avLst/>
-            </a:prstTxWarp>
+          <a:bodyPr wrap="square" rtlCol="0">
             <a:spAutoFit/>
           </a:bodyPr>
           <a:lstStyle/>
           <a:p>
             <a:r>
-              <a:rPr lang="en-GB">
-                <a:ea typeface="+mn-lt"/>
-                <a:cs typeface="+mn-lt"/>
-              </a:rPr>
-              <a:t>F</a:t>
-            </a:r>
-            <a:r>
-              <a:rPr lang="en-US" err="1">
-                <a:ea typeface="+mn-lt"/>
-                <a:cs typeface="+mn-lt"/>
-              </a:rPr>
-              <a:t>arewell</a:t>
-            </a:r>
-            <a:r>
-              <a:rPr lang="en-US">
-                <a:ea typeface="+mn-lt"/>
-                <a:cs typeface="+mn-lt"/>
-              </a:rPr>
-              <a:t> message printed on exit</a:t>
-            </a:r>
-            <a:endParaRPr lang="en-US"/>
-          </a:p>
-        </p:txBody>
-      </p:sp>
-      <p:sp>
-        <p:nvSpPr>
-          <p:cNvPr id="16" name="TextBox 15">
-            <a:extLst>
-              <a:ext uri="{FF2B5EF4-FFF2-40B4-BE49-F238E27FC236}">
-                <a16:creationId xmlns:a16="http://schemas.microsoft.com/office/drawing/2014/main" id="{7589514A-F299-0BE2-AF3A-0E5A01786D85}"/>
-              </a:ext>
-            </a:extLst>
-          </p:cNvPr>
-          <p:cNvSpPr txBox="1"/>
-          <p:nvPr/>
-        </p:nvSpPr>
-        <p:spPr>
-          <a:xfrm>
-            <a:off x="3343275" y="4835960"/>
-            <a:ext cx="2743199" cy="646331"/>
-          </a:xfrm>
-          <a:prstGeom prst="rect">
-            <a:avLst/>
-          </a:prstGeom>
-          <a:solidFill>
-            <a:srgbClr val="FF0000"/>
-          </a:solidFill>
-        </p:spPr>
-        <p:txBody>
-          <a:bodyPr rot="0" spcFirstLastPara="0" vertOverflow="overflow" horzOverflow="overflow" vert="horz" wrap="square" lIns="91440" tIns="45720" rIns="91440" bIns="45720" numCol="1" spcCol="0" rtlCol="0" fromWordArt="0" anchor="t" anchorCtr="0" forceAA="0" compatLnSpc="1">
-            <a:prstTxWarp prst="textNoShape">
-              <a:avLst/>
-            </a:prstTxWarp>
-            <a:spAutoFit/>
-          </a:bodyPr>
-          <a:lstStyle/>
-          <a:p>
-            <a:r>
-              <a:rPr lang="en-GB">
-                <a:cs typeface="Calibri"/>
-              </a:rPr>
-              <a:t>Ran out of money, and ends the game as expected</a:t>
-            </a:r>
-          </a:p>
-        </p:txBody>
-      </p:sp>
-      <p:sp>
-        <p:nvSpPr>
-          <p:cNvPr id="17" name="TextBox 16">
-            <a:extLst>
-              <a:ext uri="{FF2B5EF4-FFF2-40B4-BE49-F238E27FC236}">
-                <a16:creationId xmlns:a16="http://schemas.microsoft.com/office/drawing/2014/main" id="{A6F7868D-4566-BB8F-888B-FA33BDC914C7}"/>
-              </a:ext>
-            </a:extLst>
-          </p:cNvPr>
-          <p:cNvSpPr txBox="1"/>
-          <p:nvPr/>
-        </p:nvSpPr>
-        <p:spPr>
-          <a:xfrm>
-            <a:off x="5350701" y="3607494"/>
-            <a:ext cx="3098103" cy="923330"/>
-          </a:xfrm>
-          <a:prstGeom prst="rect">
-            <a:avLst/>
-          </a:prstGeom>
-          <a:solidFill>
-            <a:srgbClr val="00B050"/>
-          </a:solidFill>
-        </p:spPr>
-        <p:txBody>
-          <a:bodyPr rot="0" spcFirstLastPara="0" vertOverflow="overflow" horzOverflow="overflow" vert="horz" wrap="square" lIns="91440" tIns="45720" rIns="91440" bIns="45720" numCol="1" spcCol="0" rtlCol="0" fromWordArt="0" anchor="t" anchorCtr="0" forceAA="0" compatLnSpc="1">
-            <a:prstTxWarp prst="textNoShape">
-              <a:avLst/>
-            </a:prstTxWarp>
-            <a:spAutoFit/>
-          </a:bodyPr>
-          <a:lstStyle/>
-          <a:p>
-            <a:r>
-              <a:rPr lang="en-GB">
-                <a:cs typeface="Calibri"/>
-              </a:rPr>
-              <a:t>User can exit when prompted</a:t>
-            </a:r>
-          </a:p>
-          <a:p>
-            <a:r>
-              <a:rPr lang="en-GB">
-                <a:cs typeface="Calibri"/>
-              </a:rPr>
-              <a:t>Summary includes starting and finishing balances</a:t>
+              <a:rPr lang="en-NZ" dirty="0"/>
+              <a:t>All tests worked as expected</a:t>
             </a:r>
           </a:p>
         </p:txBody>
@@ -30854,7 +34548,7 @@
     </p:spTree>
     <p:extLst>
       <p:ext uri="{BB962C8B-B14F-4D97-AF65-F5344CB8AC3E}">
-        <p14:creationId xmlns:p14="http://schemas.microsoft.com/office/powerpoint/2010/main" val="821514118"/>
+        <p14:creationId xmlns:p14="http://schemas.microsoft.com/office/powerpoint/2010/main" val="2568995806"/>
       </p:ext>
     </p:extLst>
   </p:cSld>
@@ -30907,20 +34601,19 @@
           <a:lstStyle/>
           <a:p>
             <a:r>
-              <a:rPr lang="en" sz="4000">
-                <a:cs typeface="Calibri Light"/>
-              </a:rPr>
-              <a:t>Component 5 (Statement Formatter)</a:t>
+              <a:rPr lang="en" sz="4000" dirty="0"/>
+              <a:t>Component 5 – Statement Formatter</a:t>
             </a:r>
+            <a:endParaRPr sz="4000" dirty="0"/>
           </a:p>
         </p:txBody>
       </p:sp>
       <p:pic>
         <p:nvPicPr>
-          <p:cNvPr id="3" name="Picture 3" descr="Graphical user interface, text, application&#10;&#10;Description automatically generated">
+          <p:cNvPr id="4" name="Picture 3">
             <a:extLst>
               <a:ext uri="{FF2B5EF4-FFF2-40B4-BE49-F238E27FC236}">
-                <a16:creationId xmlns:a16="http://schemas.microsoft.com/office/drawing/2014/main" id="{843DBE96-1B63-E8C4-A963-E1C758DD6685}"/>
+                <a16:creationId xmlns:a16="http://schemas.microsoft.com/office/drawing/2014/main" id="{067E1D4B-4401-AE3A-DA50-E717165C1982}"/>
               </a:ext>
             </a:extLst>
           </p:cNvPr>
@@ -30937,8 +34630,8 @@
         </p:blipFill>
         <p:spPr>
           <a:xfrm>
-            <a:off x="1026160" y="1204316"/>
-            <a:ext cx="5618480" cy="5191048"/>
+            <a:off x="6591853" y="1675768"/>
+            <a:ext cx="3993229" cy="2159719"/>
           </a:xfrm>
           <a:prstGeom prst="rect">
             <a:avLst/>
@@ -30947,10 +34640,10 @@
       </p:pic>
       <p:sp>
         <p:nvSpPr>
-          <p:cNvPr id="4" name="TextBox 3">
+          <p:cNvPr id="8" name="TextBox 7">
             <a:extLst>
               <a:ext uri="{FF2B5EF4-FFF2-40B4-BE49-F238E27FC236}">
-                <a16:creationId xmlns:a16="http://schemas.microsoft.com/office/drawing/2014/main" id="{1283578E-CD51-367D-9A42-281B18B59761}"/>
+                <a16:creationId xmlns:a16="http://schemas.microsoft.com/office/drawing/2014/main" id="{C33A8C42-A746-D9B4-45C0-14FC1704F64A}"/>
               </a:ext>
             </a:extLst>
           </p:cNvPr>
@@ -30959,7 +34652,7 @@
         </p:nvSpPr>
         <p:spPr>
           <a:xfrm>
-            <a:off x="7325360" y="2641600"/>
+            <a:off x="6460122" y="4754147"/>
             <a:ext cx="4124960" cy="1754326"/>
           </a:xfrm>
           <a:prstGeom prst="rect">
@@ -30977,7 +34670,7 @@
           <a:lstStyle/>
           <a:p>
             <a:r>
-              <a:rPr lang="en-GB"/>
+              <a:rPr lang="en-GB" dirty="0"/>
               <a:t>I realised that we often need to make output stand out and creating a function to help to do this is a good idea. This component was added to the decomposition near the end of the development process.</a:t>
             </a:r>
           </a:p>
@@ -30986,7 +34679,7 @@
     </p:spTree>
     <p:extLst>
       <p:ext uri="{BB962C8B-B14F-4D97-AF65-F5344CB8AC3E}">
-        <p14:creationId xmlns:p14="http://schemas.microsoft.com/office/powerpoint/2010/main" val="248875773"/>
+        <p14:creationId xmlns:p14="http://schemas.microsoft.com/office/powerpoint/2010/main" val="1092323287"/>
       </p:ext>
     </p:extLst>
   </p:cSld>
@@ -31053,14 +34746,14 @@
           <p:nvPr>
             <p:extLst>
               <p:ext uri="{D42A27DB-BD31-4B8C-83A1-F6EECF244321}">
-                <p14:modId xmlns:p14="http://schemas.microsoft.com/office/powerpoint/2010/main" val="2430412309"/>
+                <p14:modId xmlns:p14="http://schemas.microsoft.com/office/powerpoint/2010/main" val="3309114645"/>
               </p:ext>
             </p:extLst>
           </p:nvPr>
         </p:nvGraphicFramePr>
         <p:xfrm>
-          <a:off x="509967" y="1369811"/>
-          <a:ext cx="11360798" cy="5006214"/>
+          <a:off x="490302" y="981047"/>
+          <a:ext cx="11360798" cy="5547150"/>
         </p:xfrm>
         <a:graphic>
           <a:graphicData uri="http://schemas.openxmlformats.org/drawingml/2006/table">
@@ -31100,10 +34793,10 @@
                         <a:buNone/>
                       </a:pPr>
                       <a:r>
-                        <a:rPr lang="en" sz="2400" b="1"/>
+                        <a:rPr lang="en" sz="2000" b="1"/>
                         <a:t>Test Cases - input</a:t>
                       </a:r>
-                      <a:endParaRPr sz="2400" b="1"/>
+                      <a:endParaRPr sz="2000" b="1"/>
                     </a:p>
                   </a:txBody>
                   <a:tcPr marL="121900" marR="121900" marT="121900" marB="121900">
@@ -31127,10 +34820,10 @@
                         <a:buNone/>
                       </a:pPr>
                       <a:r>
-                        <a:rPr lang="en" sz="2400" b="1"/>
+                        <a:rPr lang="en" sz="2000" b="1"/>
                         <a:t>Expected output</a:t>
                       </a:r>
-                      <a:endParaRPr sz="2400" b="1"/>
+                      <a:endParaRPr sz="2000" b="1"/>
                     </a:p>
                   </a:txBody>
                   <a:tcPr marL="121900" marR="121900" marT="121900" marB="121900">
@@ -31145,7 +34838,7 @@
                   </a:ext>
                 </a:extLst>
               </a:tr>
-              <a:tr h="1714500">
+              <a:tr h="1447561">
                 <a:tc>
                   <a:txBody>
                     <a:bodyPr/>
@@ -31161,7 +34854,7 @@
                         <a:buNone/>
                       </a:pPr>
                       <a:r>
-                        <a:rPr lang="en-US" sz="2400"/>
+                        <a:rPr lang="en-US" sz="2000" dirty="0"/>
                         <a:t>Statement 1: </a:t>
                       </a:r>
                     </a:p>
@@ -31176,8 +34869,16 @@
                         <a:buNone/>
                       </a:pPr>
                       <a:r>
-                        <a:rPr lang="en-US" sz="2400"/>
-                        <a:t>"Welcome to the Lucky Unicorn Game" </a:t>
+                        <a:rPr lang="en-US" sz="2000" dirty="0"/>
+                        <a:t>"Welcome to the </a:t>
+                      </a:r>
+                      <a:r>
+                        <a:rPr lang="en-US" sz="2000" dirty="0" err="1"/>
+                        <a:t>Maori</a:t>
+                      </a:r>
+                      <a:r>
+                        <a:rPr lang="en-US" sz="2000" dirty="0"/>
+                        <a:t> numbers quiz" </a:t>
                       </a:r>
                     </a:p>
                     <a:p>
@@ -31190,7 +34891,7 @@
                         </a:spcAft>
                         <a:buNone/>
                       </a:pPr>
-                      <a:endParaRPr lang="en-US" sz="2400"/>
+                      <a:endParaRPr lang="en-US" sz="2000" dirty="0"/>
                     </a:p>
                   </a:txBody>
                   <a:tcPr marL="121900" marR="121900" marT="121900" marB="121900"/>
@@ -31210,7 +34911,7 @@
                         <a:buNone/>
                       </a:pPr>
                       <a:r>
-                        <a:rPr lang="en-US" sz="2400"/>
+                        <a:rPr lang="en-US" sz="2000" dirty="0"/>
                         <a:t>---------------------------------------------------------</a:t>
                       </a:r>
                     </a:p>
@@ -31225,8 +34926,16 @@
                         <a:buNone/>
                       </a:pPr>
                       <a:r>
-                        <a:rPr lang="en-US" sz="2400"/>
-                        <a:t>--- Welcome to the Lucky Unicorn Game ---</a:t>
+                        <a:rPr lang="en-US" sz="2000" dirty="0"/>
+                        <a:t>--- Welcome to the </a:t>
+                      </a:r>
+                      <a:r>
+                        <a:rPr lang="en-US" sz="2000" dirty="0" err="1"/>
+                        <a:t>Maori</a:t>
+                      </a:r>
+                      <a:r>
+                        <a:rPr lang="en-US" sz="2000" dirty="0"/>
+                        <a:t> numbers quiz---</a:t>
                       </a:r>
                     </a:p>
                     <a:p>
@@ -31240,7 +34949,7 @@
                         <a:buNone/>
                       </a:pPr>
                       <a:r>
-                        <a:rPr lang="en-US" sz="2400"/>
+                        <a:rPr lang="en-US" sz="2000" dirty="0"/>
                         <a:t>---------------------------------------------------------</a:t>
                       </a:r>
                     </a:p>
@@ -31269,7 +34978,7 @@
                         <a:buNone/>
                       </a:pPr>
                       <a:r>
-                        <a:rPr lang="en-US" sz="2400"/>
+                        <a:rPr lang="en-US" sz="2000" dirty="0"/>
                         <a:t>Statement 2:</a:t>
                       </a:r>
                     </a:p>
@@ -31284,8 +34993,8 @@
                         <a:buNone/>
                       </a:pPr>
                       <a:r>
-                        <a:rPr lang="en-US" sz="2400"/>
-                        <a:t>"Congratulations, you got a Unicorn!"</a:t>
+                        <a:rPr lang="en-US" sz="2000" dirty="0"/>
+                        <a:t>“Your score was {}”</a:t>
                       </a:r>
                     </a:p>
                   </a:txBody>
@@ -31306,8 +35015,8 @@
                         <a:buNone/>
                       </a:pPr>
                       <a:r>
-                        <a:rPr lang="en-US" sz="2400"/>
-                        <a:t>!!!!!!!!!!!!!!!!!!!!!!!!!!!!!!!!!!!!!!!!!!!!!!!!!!!</a:t>
+                        <a:rPr lang="en-US" sz="2000" dirty="0"/>
+                        <a:t>^^^^^^^^^^^^^^^^^^^^^</a:t>
                       </a:r>
                     </a:p>
                     <a:p>
@@ -31321,8 +35030,8 @@
                         <a:buNone/>
                       </a:pPr>
                       <a:r>
-                        <a:rPr lang="en-US" sz="2400"/>
-                        <a:t>!!! Congratulations, you got a Unicorn !!!</a:t>
+                        <a:rPr lang="en-US" sz="2000" dirty="0"/>
+                        <a:t>^^^ Your score was {} ^^^</a:t>
                       </a:r>
                     </a:p>
                     <a:p>
@@ -31336,8 +35045,8 @@
                         <a:buNone/>
                       </a:pPr>
                       <a:r>
-                        <a:rPr lang="en-US" sz="2400"/>
-                        <a:t>!!!!!!!!!!!!!!!!!!!!!!!!!!!!!!!!!!!!!!!!!!!!!!!!!!!</a:t>
+                        <a:rPr lang="en-US" sz="2000" dirty="0"/>
+                        <a:t>^^^^^^^^^^^^^^^^^^^^^</a:t>
                       </a:r>
                     </a:p>
                   </a:txBody>
@@ -31365,7 +35074,103 @@
                         <a:buNone/>
                       </a:pPr>
                       <a:r>
-                        <a:rPr lang="en-US" sz="2400"/>
+                        <a:rPr lang="en-US" sz="2000" dirty="0"/>
+                        <a:t>Statement 4: </a:t>
+                      </a:r>
+                    </a:p>
+                    <a:p>
+                      <a:pPr marL="0" lvl="0" indent="0" algn="l">
+                        <a:spcBef>
+                          <a:spcPts val="0"/>
+                        </a:spcBef>
+                        <a:spcAft>
+                          <a:spcPts val="0"/>
+                        </a:spcAft>
+                        <a:buNone/>
+                      </a:pPr>
+                      <a:r>
+                        <a:rPr lang="en-US" sz="2000" dirty="0"/>
+                        <a:t>“Round {}</a:t>
+                      </a:r>
+                    </a:p>
+                  </a:txBody>
+                  <a:tcPr marL="121898" marR="121898" marT="121898" marB="121898"/>
+                </a:tc>
+                <a:tc>
+                  <a:txBody>
+                    <a:bodyPr/>
+                    <a:lstStyle/>
+                    <a:p>
+                      <a:pPr marL="0" lvl="0" indent="0" algn="l">
+                        <a:spcBef>
+                          <a:spcPts val="0"/>
+                        </a:spcBef>
+                        <a:spcAft>
+                          <a:spcPts val="0"/>
+                        </a:spcAft>
+                        <a:buNone/>
+                      </a:pPr>
+                      <a:r>
+                        <a:rPr lang="en-US" sz="2000" dirty="0"/>
+                        <a:t>++++++++++++++</a:t>
+                      </a:r>
+                    </a:p>
+                    <a:p>
+                      <a:pPr marL="0" lvl="0" indent="0" algn="l">
+                        <a:spcBef>
+                          <a:spcPts val="0"/>
+                        </a:spcBef>
+                        <a:spcAft>
+                          <a:spcPts val="0"/>
+                        </a:spcAft>
+                        <a:buNone/>
+                      </a:pPr>
+                      <a:r>
+                        <a:rPr lang="en-US" sz="2000" dirty="0"/>
+                        <a:t>+++ Round {} +++</a:t>
+                      </a:r>
+                    </a:p>
+                    <a:p>
+                      <a:pPr marL="0" lvl="0" indent="0" algn="l">
+                        <a:spcBef>
+                          <a:spcPts val="0"/>
+                        </a:spcBef>
+                        <a:spcAft>
+                          <a:spcPts val="0"/>
+                        </a:spcAft>
+                        <a:buNone/>
+                      </a:pPr>
+                      <a:r>
+                        <a:rPr lang="en-US" sz="2000" dirty="0"/>
+                        <a:t>++++++++++++++</a:t>
+                      </a:r>
+                    </a:p>
+                  </a:txBody>
+                  <a:tcPr marL="121898" marR="121898" marT="121898" marB="121898"/>
+                </a:tc>
+                <a:extLst>
+                  <a:ext uri="{0D108BD9-81ED-4DB2-BD59-A6C34878D82A}">
+                    <a16:rowId xmlns:a16="http://schemas.microsoft.com/office/drawing/2014/main" val="249707540"/>
+                  </a:ext>
+                </a:extLst>
+              </a:tr>
+              <a:tr h="609560">
+                <a:tc>
+                  <a:txBody>
+                    <a:bodyPr/>
+                    <a:lstStyle/>
+                    <a:p>
+                      <a:pPr marL="0" lvl="0" indent="0" algn="l">
+                        <a:spcBef>
+                          <a:spcPts val="0"/>
+                        </a:spcBef>
+                        <a:spcAft>
+                          <a:spcPts val="0"/>
+                        </a:spcAft>
+                        <a:buNone/>
+                      </a:pPr>
+                      <a:r>
+                        <a:rPr lang="en-US" sz="2000" dirty="0"/>
                         <a:t>Statement 3:</a:t>
                       </a:r>
                     </a:p>
@@ -31380,7 +35185,7 @@
                         <a:buNone/>
                       </a:pPr>
                       <a:r>
-                        <a:rPr lang="en-US" sz="2400"/>
+                        <a:rPr lang="en-US" sz="2000" dirty="0"/>
                         <a:t>"Goodbye"</a:t>
                       </a:r>
                     </a:p>
@@ -31402,7 +35207,7 @@
                         <a:buNone/>
                       </a:pPr>
                       <a:r>
-                        <a:rPr lang="en-US" sz="2400"/>
+                        <a:rPr lang="en-US" sz="2000" dirty="0"/>
                         <a:t>***************</a:t>
                       </a:r>
                     </a:p>
@@ -31417,7 +35222,7 @@
                         <a:buNone/>
                       </a:pPr>
                       <a:r>
-                        <a:rPr lang="en-US" sz="2400"/>
+                        <a:rPr lang="en-US" sz="2000" dirty="0"/>
                         <a:t>*** Goodbye ***</a:t>
                       </a:r>
                     </a:p>
@@ -31432,7 +35237,7 @@
                         <a:buNone/>
                       </a:pPr>
                       <a:r>
-                        <a:rPr lang="en-US" sz="2400"/>
+                        <a:rPr lang="en-US" sz="2000" dirty="0"/>
                         <a:t>***************</a:t>
                       </a:r>
                     </a:p>
@@ -31441,7 +35246,7 @@
                 </a:tc>
                 <a:extLst>
                   <a:ext uri="{0D108BD9-81ED-4DB2-BD59-A6C34878D82A}">
-                    <a16:rowId xmlns:a16="http://schemas.microsoft.com/office/drawing/2014/main" val="718309476"/>
+                    <a16:rowId xmlns:a16="http://schemas.microsoft.com/office/drawing/2014/main" val="2565358371"/>
                   </a:ext>
                 </a:extLst>
               </a:tr>
@@ -31449,6 +35254,41 @@
           </a:graphicData>
         </a:graphic>
       </p:graphicFrame>
+      <p:sp>
+        <p:nvSpPr>
+          <p:cNvPr id="2" name="TextBox 1">
+            <a:extLst>
+              <a:ext uri="{FF2B5EF4-FFF2-40B4-BE49-F238E27FC236}">
+                <a16:creationId xmlns:a16="http://schemas.microsoft.com/office/drawing/2014/main" id="{A3FBB370-4769-160D-533D-07B112669358}"/>
+              </a:ext>
+            </a:extLst>
+          </p:cNvPr>
+          <p:cNvSpPr txBox="1"/>
+          <p:nvPr/>
+        </p:nvSpPr>
+        <p:spPr>
+          <a:xfrm>
+            <a:off x="7172632" y="276082"/>
+            <a:ext cx="2728452" cy="646331"/>
+          </a:xfrm>
+          <a:prstGeom prst="rect">
+            <a:avLst/>
+          </a:prstGeom>
+          <a:noFill/>
+        </p:spPr>
+        <p:txBody>
+          <a:bodyPr wrap="square" rtlCol="0">
+            <a:spAutoFit/>
+          </a:bodyPr>
+          <a:lstStyle/>
+          <a:p>
+            <a:r>
+              <a:rPr lang="en-NZ" dirty="0"/>
+              <a:t>{} used to hold a changing number</a:t>
+            </a:r>
+          </a:p>
+        </p:txBody>
+      </p:sp>
     </p:spTree>
     <p:extLst>
       <p:ext uri="{BB962C8B-B14F-4D97-AF65-F5344CB8AC3E}">
@@ -31510,36 +35350,6 @@
           </a:p>
         </p:txBody>
       </p:sp>
-      <p:pic>
-        <p:nvPicPr>
-          <p:cNvPr id="3" name="Picture 3" descr="A picture containing table&#10;&#10;Description automatically generated">
-            <a:extLst>
-              <a:ext uri="{FF2B5EF4-FFF2-40B4-BE49-F238E27FC236}">
-                <a16:creationId xmlns:a16="http://schemas.microsoft.com/office/drawing/2014/main" id="{32005FF8-46FA-E696-97B7-3A4BE8249FC2}"/>
-              </a:ext>
-            </a:extLst>
-          </p:cNvPr>
-          <p:cNvPicPr>
-            <a:picLocks noChangeAspect="1"/>
-          </p:cNvPicPr>
-          <p:nvPr/>
-        </p:nvPicPr>
-        <p:blipFill>
-          <a:blip r:embed="rId2"/>
-          <a:stretch>
-            <a:fillRect/>
-          </a:stretch>
-        </p:blipFill>
-        <p:spPr>
-          <a:xfrm>
-            <a:off x="862208" y="1855561"/>
-            <a:ext cx="4883063" cy="4117645"/>
-          </a:xfrm>
-          <a:prstGeom prst="rect">
-            <a:avLst/>
-          </a:prstGeom>
-        </p:spPr>
-      </p:pic>
       <p:sp>
         <p:nvSpPr>
           <p:cNvPr id="4" name="TextBox 3">
@@ -31580,6 +35390,36 @@
           </a:p>
         </p:txBody>
       </p:sp>
+      <p:pic>
+        <p:nvPicPr>
+          <p:cNvPr id="8" name="Picture 7">
+            <a:extLst>
+              <a:ext uri="{FF2B5EF4-FFF2-40B4-BE49-F238E27FC236}">
+                <a16:creationId xmlns:a16="http://schemas.microsoft.com/office/drawing/2014/main" id="{E036A71B-802E-6375-6BC2-8E3992F06E05}"/>
+              </a:ext>
+            </a:extLst>
+          </p:cNvPr>
+          <p:cNvPicPr>
+            <a:picLocks noChangeAspect="1"/>
+          </p:cNvPicPr>
+          <p:nvPr/>
+        </p:nvPicPr>
+        <p:blipFill>
+          <a:blip r:embed="rId2"/>
+          <a:stretch>
+            <a:fillRect/>
+          </a:stretch>
+        </p:blipFill>
+        <p:spPr>
+          <a:xfrm>
+            <a:off x="1072487" y="1356967"/>
+            <a:ext cx="4683224" cy="4946537"/>
+          </a:xfrm>
+          <a:prstGeom prst="rect">
+            <a:avLst/>
+          </a:prstGeom>
+        </p:spPr>
+      </p:pic>
     </p:spTree>
     <p:extLst>
       <p:ext uri="{BB962C8B-B14F-4D97-AF65-F5344CB8AC3E}">
